--- a/redis ver1.pptx
+++ b/redis ver1.pptx
@@ -25,6 +25,8 @@
     <p:sldId id="272" r:id="rId20"/>
     <p:sldId id="273" r:id="rId21"/>
     <p:sldId id="274" r:id="rId22"/>
+    <p:sldId id="275" r:id="rId23"/>
+    <p:sldId id="276" r:id="rId24"/>
   </p:sldIdLst>
   <p:sldSz cx="12192000" cy="6858000"/>
   <p:notesSz cx="7559675" cy="10691812"/>
@@ -2833,8 +2835,8 @@
         </p:nvSpPr>
         <p:spPr>
           <a:xfrm rot="5400000">
-            <a:off x="591480" y="6447240"/>
-            <a:ext cx="189720" cy="159480"/>
+            <a:off x="591840" y="6447240"/>
+            <a:ext cx="189360" cy="159120"/>
           </a:xfrm>
           <a:prstGeom prst="triangle">
             <a:avLst>
@@ -2877,7 +2879,7 @@
         <p:spPr>
           <a:xfrm>
             <a:off x="1206360" y="3648240"/>
-            <a:ext cx="9752400" cy="1279080"/>
+            <a:ext cx="9752040" cy="1278720"/>
           </a:xfrm>
           <a:prstGeom prst="rect">
             <a:avLst/>
@@ -2919,7 +2921,7 @@
         <p:spPr>
           <a:xfrm>
             <a:off x="1219320" y="5638680"/>
-            <a:ext cx="9752400" cy="684720"/>
+            <a:ext cx="9752040" cy="684360"/>
           </a:xfrm>
           <a:prstGeom prst="rect">
             <a:avLst/>
@@ -2961,7 +2963,7 @@
         <p:spPr>
           <a:xfrm>
             <a:off x="1206360" y="3648240"/>
-            <a:ext cx="303840" cy="1279080"/>
+            <a:ext cx="303480" cy="1278720"/>
           </a:xfrm>
           <a:prstGeom prst="rect">
             <a:avLst/>
@@ -3002,7 +3004,7 @@
         <p:spPr>
           <a:xfrm>
             <a:off x="1219320" y="5638680"/>
-            <a:ext cx="303840" cy="684720"/>
+            <a:ext cx="303480" cy="684360"/>
           </a:xfrm>
           <a:prstGeom prst="rect">
             <a:avLst/>
@@ -3047,7 +3049,7 @@
         <p:spPr>
           <a:xfrm>
             <a:off x="609480" y="273600"/>
-            <a:ext cx="10972080" cy="1144440"/>
+            <a:ext cx="10972440" cy="1144800"/>
           </a:xfrm>
           <a:prstGeom prst="rect">
             <a:avLst/>
@@ -3060,12 +3062,12 @@
           <a:p>
             <a:pPr algn="ctr"/>
             <a:r>
-              <a:rPr b="0" lang="en-IN" sz="1800" spc="-1" strike="noStrike">
+              <a:rPr b="0" lang="en-IN" sz="4400" spc="-1" strike="noStrike">
                 <a:latin typeface="Arial"/>
               </a:rPr>
               <a:t>Click to edit the title text format</a:t>
             </a:r>
-            <a:endParaRPr b="0" lang="en-IN" sz="1800" spc="-1" strike="noStrike">
+            <a:endParaRPr b="0" lang="en-IN" sz="4400" spc="-1" strike="noStrike">
               <a:latin typeface="Arial"/>
             </a:endParaRPr>
           </a:p>
@@ -3084,7 +3086,7 @@
         <p:spPr>
           <a:xfrm>
             <a:off x="609480" y="1604520"/>
-            <a:ext cx="10972080" cy="3976920"/>
+            <a:ext cx="10972440" cy="3977280"/>
           </a:xfrm>
           <a:prstGeom prst="rect">
             <a:avLst/>
@@ -3095,7 +3097,7 @@
             <a:normAutofit/>
           </a:bodyPr>
           <a:p>
-            <a:pPr marL="432000" indent="-324000" algn="ctr">
+            <a:pPr marL="432000" indent="-324000">
               <a:spcBef>
                 <a:spcPts val="1417"/>
               </a:spcBef>
@@ -3107,17 +3109,17 @@
               <a:buChar char=""/>
             </a:pPr>
             <a:r>
-              <a:rPr b="0" lang="en-IN" sz="1800" spc="-1" strike="noStrike">
+              <a:rPr b="0" lang="en-IN" sz="3200" spc="-1" strike="noStrike">
                 <a:latin typeface="Arial"/>
               </a:rPr>
               <a:t>Click to edit the outline text format</a:t>
             </a:r>
-            <a:endParaRPr b="0" lang="en-IN" sz="1800" spc="-1" strike="noStrike">
-              <a:latin typeface="Arial"/>
-            </a:endParaRPr>
-          </a:p>
-          <a:p>
-            <a:pPr lvl="1" marL="864000" indent="-324000" algn="ctr">
+            <a:endParaRPr b="0" lang="en-IN" sz="3200" spc="-1" strike="noStrike">
+              <a:latin typeface="Arial"/>
+            </a:endParaRPr>
+          </a:p>
+          <a:p>
+            <a:pPr lvl="1" marL="864000" indent="-324000">
               <a:spcBef>
                 <a:spcPts val="1134"/>
               </a:spcBef>
@@ -3129,17 +3131,17 @@
               <a:buChar char=""/>
             </a:pPr>
             <a:r>
-              <a:rPr b="0" lang="en-IN" sz="1800" spc="-1" strike="noStrike">
+              <a:rPr b="0" lang="en-IN" sz="2800" spc="-1" strike="noStrike">
                 <a:latin typeface="Arial"/>
               </a:rPr>
               <a:t>Second Outline Level</a:t>
             </a:r>
-            <a:endParaRPr b="0" lang="en-IN" sz="1800" spc="-1" strike="noStrike">
-              <a:latin typeface="Arial"/>
-            </a:endParaRPr>
-          </a:p>
-          <a:p>
-            <a:pPr lvl="2" marL="1296000" indent="-288000" algn="ctr">
+            <a:endParaRPr b="0" lang="en-IN" sz="2800" spc="-1" strike="noStrike">
+              <a:latin typeface="Arial"/>
+            </a:endParaRPr>
+          </a:p>
+          <a:p>
+            <a:pPr lvl="2" marL="1296000" indent="-288000">
               <a:spcBef>
                 <a:spcPts val="850"/>
               </a:spcBef>
@@ -3151,17 +3153,17 @@
               <a:buChar char=""/>
             </a:pPr>
             <a:r>
-              <a:rPr b="0" lang="en-IN" sz="1800" spc="-1" strike="noStrike">
+              <a:rPr b="0" lang="en-IN" sz="2400" spc="-1" strike="noStrike">
                 <a:latin typeface="Arial"/>
               </a:rPr>
               <a:t>Third Outline Level</a:t>
             </a:r>
-            <a:endParaRPr b="0" lang="en-IN" sz="1800" spc="-1" strike="noStrike">
-              <a:latin typeface="Arial"/>
-            </a:endParaRPr>
-          </a:p>
-          <a:p>
-            <a:pPr lvl="3" marL="1728000" indent="-216000" algn="ctr">
+            <a:endParaRPr b="0" lang="en-IN" sz="2400" spc="-1" strike="noStrike">
+              <a:latin typeface="Arial"/>
+            </a:endParaRPr>
+          </a:p>
+          <a:p>
+            <a:pPr lvl="3" marL="1728000" indent="-216000">
               <a:spcBef>
                 <a:spcPts val="567"/>
               </a:spcBef>
@@ -3173,17 +3175,17 @@
               <a:buChar char=""/>
             </a:pPr>
             <a:r>
-              <a:rPr b="0" lang="en-IN" sz="1800" spc="-1" strike="noStrike">
+              <a:rPr b="0" lang="en-IN" sz="2000" spc="-1" strike="noStrike">
                 <a:latin typeface="Arial"/>
               </a:rPr>
               <a:t>Fourth Outline Level</a:t>
             </a:r>
-            <a:endParaRPr b="0" lang="en-IN" sz="1800" spc="-1" strike="noStrike">
-              <a:latin typeface="Arial"/>
-            </a:endParaRPr>
-          </a:p>
-          <a:p>
-            <a:pPr lvl="4" marL="2160000" indent="-216000" algn="ctr">
+            <a:endParaRPr b="0" lang="en-IN" sz="2000" spc="-1" strike="noStrike">
+              <a:latin typeface="Arial"/>
+            </a:endParaRPr>
+          </a:p>
+          <a:p>
+            <a:pPr lvl="4" marL="2160000" indent="-216000">
               <a:spcBef>
                 <a:spcPts val="283"/>
               </a:spcBef>
@@ -3195,17 +3197,17 @@
               <a:buChar char=""/>
             </a:pPr>
             <a:r>
-              <a:rPr b="0" lang="en-IN" sz="1800" spc="-1" strike="noStrike">
+              <a:rPr b="0" lang="en-IN" sz="2000" spc="-1" strike="noStrike">
                 <a:latin typeface="Arial"/>
               </a:rPr>
               <a:t>Fifth Outline Level</a:t>
             </a:r>
-            <a:endParaRPr b="0" lang="en-IN" sz="1800" spc="-1" strike="noStrike">
-              <a:latin typeface="Arial"/>
-            </a:endParaRPr>
-          </a:p>
-          <a:p>
-            <a:pPr lvl="5" marL="2592000" indent="-216000" algn="ctr">
+            <a:endParaRPr b="0" lang="en-IN" sz="2000" spc="-1" strike="noStrike">
+              <a:latin typeface="Arial"/>
+            </a:endParaRPr>
+          </a:p>
+          <a:p>
+            <a:pPr lvl="5" marL="2592000" indent="-216000">
               <a:spcBef>
                 <a:spcPts val="283"/>
               </a:spcBef>
@@ -3217,17 +3219,17 @@
               <a:buChar char=""/>
             </a:pPr>
             <a:r>
-              <a:rPr b="0" lang="en-IN" sz="1800" spc="-1" strike="noStrike">
+              <a:rPr b="0" lang="en-IN" sz="2000" spc="-1" strike="noStrike">
                 <a:latin typeface="Arial"/>
               </a:rPr>
               <a:t>Sixth Outline Level</a:t>
             </a:r>
-            <a:endParaRPr b="0" lang="en-IN" sz="1800" spc="-1" strike="noStrike">
-              <a:latin typeface="Arial"/>
-            </a:endParaRPr>
-          </a:p>
-          <a:p>
-            <a:pPr lvl="6" marL="3024000" indent="-216000" algn="ctr">
+            <a:endParaRPr b="0" lang="en-IN" sz="2000" spc="-1" strike="noStrike">
+              <a:latin typeface="Arial"/>
+            </a:endParaRPr>
+          </a:p>
+          <a:p>
+            <a:pPr lvl="6" marL="3024000" indent="-216000">
               <a:spcBef>
                 <a:spcPts val="283"/>
               </a:spcBef>
@@ -3239,12 +3241,12 @@
               <a:buChar char=""/>
             </a:pPr>
             <a:r>
-              <a:rPr b="0" lang="en-IN" sz="1800" spc="-1" strike="noStrike">
+              <a:rPr b="0" lang="en-IN" sz="2000" spc="-1" strike="noStrike">
                 <a:latin typeface="Arial"/>
               </a:rPr>
               <a:t>Seventh Outline Level</a:t>
             </a:r>
-            <a:endParaRPr b="0" lang="en-IN" sz="1800" spc="-1" strike="noStrike">
+            <a:endParaRPr b="0" lang="en-IN" sz="2000" spc="-1" strike="noStrike">
               <a:latin typeface="Arial"/>
             </a:endParaRPr>
           </a:p>
@@ -3360,8 +3362,8 @@
         </p:nvSpPr>
         <p:spPr>
           <a:xfrm rot="5400000">
-            <a:off x="591480" y="6447240"/>
-            <a:ext cx="189720" cy="159480"/>
+            <a:off x="591840" y="6447240"/>
+            <a:ext cx="189360" cy="159120"/>
           </a:xfrm>
           <a:prstGeom prst="triangle">
             <a:avLst>
@@ -3432,8 +3434,8 @@
         </p:nvSpPr>
         <p:spPr>
           <a:xfrm rot="5400000">
-            <a:off x="591480" y="6447240"/>
-            <a:ext cx="189720" cy="159480"/>
+            <a:off x="591840" y="6447240"/>
+            <a:ext cx="189360" cy="159120"/>
           </a:xfrm>
           <a:prstGeom prst="triangle">
             <a:avLst>
@@ -3729,7 +3731,7 @@
         <p:spPr>
           <a:xfrm>
             <a:off x="1975680" y="3733920"/>
-            <a:ext cx="8533440" cy="989640"/>
+            <a:ext cx="8533080" cy="989280"/>
           </a:xfrm>
           <a:prstGeom prst="rect">
             <a:avLst/>
@@ -3784,7 +3786,7 @@
         <p:spPr>
           <a:xfrm>
             <a:off x="181440" y="2001960"/>
-            <a:ext cx="2853360" cy="2853360"/>
+            <a:ext cx="2853000" cy="2853000"/>
           </a:xfrm>
           <a:prstGeom prst="rect">
             <a:avLst/>
@@ -3803,7 +3805,7 @@
         <p:spPr>
           <a:xfrm>
             <a:off x="4444920" y="5050800"/>
-            <a:ext cx="6063840" cy="586800"/>
+            <a:ext cx="6063480" cy="586440"/>
           </a:xfrm>
           <a:prstGeom prst="rect">
             <a:avLst/>
@@ -3864,7 +3866,7 @@
         <p:spPr>
           <a:xfrm>
             <a:off x="181440" y="196560"/>
-            <a:ext cx="2853360" cy="1066680"/>
+            <a:ext cx="2853000" cy="1066320"/>
           </a:xfrm>
           <a:prstGeom prst="rect">
             <a:avLst/>
@@ -3883,7 +3885,7 @@
         <p:spPr>
           <a:xfrm>
             <a:off x="3557880" y="93600"/>
-            <a:ext cx="8451720" cy="3045240"/>
+            <a:ext cx="8451360" cy="3045240"/>
           </a:xfrm>
           <a:prstGeom prst="rect">
             <a:avLst/>
@@ -3947,7 +3949,7 @@
                 <a:latin typeface="-apple-system"/>
                 <a:ea typeface="DejaVu Sans"/>
               </a:rPr>
-              <a:t>~ Swami Vivekananda Ji</a:t>
+              <a:t>~ Swami Vivekananda</a:t>
             </a:r>
             <a:endParaRPr b="0" lang="en-IN" sz="1800" spc="-1" strike="noStrike">
               <a:latin typeface="Arial"/>
@@ -4029,7 +4031,7 @@
         <p:spPr>
           <a:xfrm>
             <a:off x="1523880" y="0"/>
-            <a:ext cx="9142920" cy="699120"/>
+            <a:ext cx="9142560" cy="699120"/>
           </a:xfrm>
           <a:prstGeom prst="rect">
             <a:avLst/>
@@ -4067,7 +4069,7 @@
                 <a:latin typeface="Open Sans"/>
                 <a:ea typeface="DejaVu Sans"/>
               </a:rPr>
-              <a:t>get key</a:t>
+              <a:t>get key &amp; getex key</a:t>
             </a:r>
             <a:endParaRPr b="0" lang="en-IN" sz="4000" spc="-1" strike="noStrike">
               <a:latin typeface="Arial"/>
@@ -4084,7 +4086,7 @@
         <p:spPr>
           <a:xfrm>
             <a:off x="1600200" y="762120"/>
-            <a:ext cx="8990640" cy="1004400"/>
+            <a:ext cx="8990280" cy="1004400"/>
           </a:xfrm>
           <a:prstGeom prst="rect">
             <a:avLst/>
@@ -4135,7 +4137,7 @@
         <p:spPr>
           <a:xfrm>
             <a:off x="152280" y="152280"/>
-            <a:ext cx="1105560" cy="455400"/>
+            <a:ext cx="1105200" cy="455400"/>
           </a:xfrm>
           <a:prstGeom prst="rect">
             <a:avLst/>
@@ -4186,7 +4188,7 @@
         <p:spPr>
           <a:xfrm>
             <a:off x="1601280" y="2221560"/>
-            <a:ext cx="8989560" cy="394560"/>
+            <a:ext cx="8989200" cy="699480"/>
           </a:xfrm>
           <a:prstGeom prst="rect">
             <a:avLst/>
@@ -4226,6 +4228,26 @@
               <a:latin typeface="Arial"/>
             </a:endParaRPr>
           </a:p>
+          <a:p>
+            <a:pPr>
+              <a:lnSpc>
+                <a:spcPct val="100000"/>
+              </a:lnSpc>
+            </a:pPr>
+            <a:r>
+              <a:rPr b="0" lang="en-US" sz="2000" spc="-1" strike="noStrike">
+                <a:solidFill>
+                  <a:srgbClr val="00b0f0"/>
+                </a:solidFill>
+                <a:latin typeface="Consolas"/>
+                <a:ea typeface="DejaVu Sans"/>
+              </a:rPr>
+              <a:t>GETEX key [EX seconds|PX milliseconds]</a:t>
+            </a:r>
+            <a:endParaRPr b="0" lang="en-IN" sz="2000" spc="-1" strike="noStrike">
+              <a:latin typeface="Arial"/>
+            </a:endParaRPr>
+          </a:p>
         </p:txBody>
       </p:sp>
       <p:sp>
@@ -4236,8 +4258,8 @@
         </p:nvSpPr>
         <p:spPr>
           <a:xfrm>
-            <a:off x="1523880" y="2760480"/>
-            <a:ext cx="8888760" cy="2558520"/>
+            <a:off x="1523880" y="3192480"/>
+            <a:ext cx="8888400" cy="2559240"/>
           </a:xfrm>
           <a:prstGeom prst="rect">
             <a:avLst/>
@@ -4260,7 +4282,7 @@
             <a:spAutoFit/>
           </a:bodyPr>
           <a:p>
-            <a:pPr marL="285840" indent="-284760">
+            <a:pPr marL="285840" indent="-284400">
               <a:lnSpc>
                 <a:spcPct val="150000"/>
               </a:lnSpc>
@@ -4305,7 +4327,7 @@
             </a:endParaRPr>
           </a:p>
           <a:p>
-            <a:pPr marL="285840" indent="-284760">
+            <a:pPr marL="285840" indent="-284400">
               <a:lnSpc>
                 <a:spcPct val="150000"/>
               </a:lnSpc>
@@ -4350,7 +4372,7 @@
             </a:endParaRPr>
           </a:p>
           <a:p>
-            <a:pPr marL="285840" indent="-284760">
+            <a:pPr marL="285840" indent="-284400">
               <a:lnSpc>
                 <a:spcPct val="150000"/>
               </a:lnSpc>
@@ -4395,7 +4417,7 @@
             </a:endParaRPr>
           </a:p>
           <a:p>
-            <a:pPr marL="285840" indent="-284760">
+            <a:pPr marL="285840" indent="-284400">
               <a:lnSpc>
                 <a:spcPct val="150000"/>
               </a:lnSpc>
@@ -4440,7 +4462,7 @@
             </a:endParaRPr>
           </a:p>
           <a:p>
-            <a:pPr marL="285840" indent="-284760">
+            <a:pPr marL="285840" indent="-284400">
               <a:lnSpc>
                 <a:spcPct val="150000"/>
               </a:lnSpc>
@@ -4468,14 +4490,14 @@
                 <a:latin typeface="Consolas"/>
                 <a:ea typeface="SimSun"/>
               </a:rPr>
-              <a:t>get username:1</a:t>
+              <a:t>getex username:1 ex 10</a:t>
             </a:r>
             <a:endParaRPr b="0" lang="en-IN" sz="1800" spc="-1" strike="noStrike">
               <a:latin typeface="Arial"/>
             </a:endParaRPr>
           </a:p>
           <a:p>
-            <a:pPr marL="285840" indent="-284760">
+            <a:pPr marL="285840" indent="-284400">
               <a:lnSpc>
                 <a:spcPct val="150000"/>
               </a:lnSpc>
@@ -4503,7 +4525,17 @@
                 <a:latin typeface="Consolas"/>
                 <a:ea typeface="SimSun"/>
               </a:rPr>
-              <a:t>get password:1</a:t>
+              <a:t>getex password:1</a:t>
+            </a:r>
+            <a:r>
+              <a:rPr b="0" lang="en-IN" sz="1800" spc="-1" strike="noStrike">
+                <a:solidFill>
+                  <a:srgbClr val="ff5733"/>
+                </a:solidFill>
+                <a:latin typeface="Consolas"/>
+                <a:ea typeface="SimSun"/>
+              </a:rPr>
+              <a:t> ex 10</a:t>
             </a:r>
             <a:endParaRPr b="0" lang="en-IN" sz="1800" spc="-1" strike="noStrike">
               <a:latin typeface="Arial"/>
@@ -4550,7 +4582,7 @@
         <p:spPr>
           <a:xfrm>
             <a:off x="1676520" y="2362320"/>
-            <a:ext cx="8838000" cy="1186920"/>
+            <a:ext cx="8837640" cy="1186920"/>
           </a:xfrm>
           <a:prstGeom prst="rect">
             <a:avLst/>
@@ -4584,7 +4616,7 @@
                 <a:latin typeface="Century"/>
                 <a:ea typeface="DejaVu Sans"/>
               </a:rPr>
-              <a:t>keys</a:t>
+              <a:t>keys &amp; dbsize-</a:t>
             </a:r>
             <a:endParaRPr b="0" lang="en-IN" sz="7200" spc="-1" strike="noStrike">
               <a:latin typeface="Arial"/>
@@ -4601,7 +4633,7 @@
         <p:spPr>
           <a:xfrm>
             <a:off x="1676520" y="3531600"/>
-            <a:ext cx="8838000" cy="424800"/>
+            <a:ext cx="8837640" cy="424800"/>
           </a:xfrm>
           <a:prstGeom prst="rect">
             <a:avLst/>
@@ -4719,7 +4751,7 @@
         <p:spPr>
           <a:xfrm>
             <a:off x="1523880" y="0"/>
-            <a:ext cx="9142920" cy="699120"/>
+            <a:ext cx="9142560" cy="699120"/>
           </a:xfrm>
           <a:prstGeom prst="rect">
             <a:avLst/>
@@ -4757,7 +4789,7 @@
                 <a:latin typeface="Open Sans"/>
                 <a:ea typeface="DejaVu Sans"/>
               </a:rPr>
-              <a:t>keys </a:t>
+              <a:t>keys pattern &amp; dbsize- </a:t>
             </a:r>
             <a:endParaRPr b="0" lang="en-IN" sz="4000" spc="-1" strike="noStrike">
               <a:latin typeface="Arial"/>
@@ -4774,7 +4806,7 @@
         <p:spPr>
           <a:xfrm>
             <a:off x="1600200" y="762120"/>
-            <a:ext cx="8990640" cy="363960"/>
+            <a:ext cx="8990280" cy="912600"/>
           </a:xfrm>
           <a:prstGeom prst="rect">
             <a:avLst/>
@@ -4801,14 +4833,64 @@
               </a:lnSpc>
             </a:pPr>
             <a:r>
-              <a:rPr b="0" lang="en-US" sz="1800" spc="-1" strike="noStrike">
+              <a:rPr b="1" lang="en-US" sz="1800" spc="-1" strike="noStrike">
                 <a:solidFill>
                   <a:srgbClr val="000000"/>
                 </a:solidFill>
                 <a:latin typeface="Arial"/>
                 <a:ea typeface="DejaVu Sans"/>
               </a:rPr>
-              <a:t>Returns all keys matching pattern.</a:t>
+              <a:t>keys</a:t>
+            </a:r>
+            <a:r>
+              <a:rPr b="0" lang="en-US" sz="1800" spc="-1" strike="noStrike">
+                <a:solidFill>
+                  <a:srgbClr val="000000"/>
+                </a:solidFill>
+                <a:latin typeface="Arial"/>
+                <a:ea typeface="DejaVu Sans"/>
+              </a:rPr>
+              <a:t>: Returns all keys matching pattern.</a:t>
+            </a:r>
+            <a:endParaRPr b="0" lang="en-IN" sz="1800" spc="-1" strike="noStrike">
+              <a:latin typeface="Arial"/>
+            </a:endParaRPr>
+          </a:p>
+          <a:p>
+            <a:pPr algn="just">
+              <a:lnSpc>
+                <a:spcPct val="100000"/>
+              </a:lnSpc>
+            </a:pPr>
+            <a:endParaRPr b="0" lang="en-IN" sz="1800" spc="-1" strike="noStrike">
+              <a:latin typeface="Arial"/>
+            </a:endParaRPr>
+          </a:p>
+          <a:p>
+            <a:pPr algn="just">
+              <a:lnSpc>
+                <a:spcPct val="100000"/>
+              </a:lnSpc>
+            </a:pPr>
+            <a:r>
+              <a:rPr b="1" lang="en-US" sz="1800" spc="-1" strike="noStrike">
+                <a:solidFill>
+                  <a:srgbClr val="000000"/>
+                </a:solidFill>
+                <a:latin typeface="Arial"/>
+                <a:ea typeface="DejaVu Sans"/>
+              </a:rPr>
+              <a:t>dbSize</a:t>
+            </a:r>
+            <a:r>
+              <a:rPr b="0" lang="en-US" sz="1800" spc="-1" strike="noStrike">
+                <a:solidFill>
+                  <a:srgbClr val="000000"/>
+                </a:solidFill>
+                <a:latin typeface="Arial"/>
+                <a:ea typeface="DejaVu Sans"/>
+              </a:rPr>
+              <a:t>-: Return the number of keys in the currently-selected database.</a:t>
             </a:r>
             <a:endParaRPr b="0" lang="en-IN" sz="1800" spc="-1" strike="noStrike">
               <a:latin typeface="Arial"/>
@@ -4824,8 +4906,8 @@
         </p:nvSpPr>
         <p:spPr>
           <a:xfrm>
-            <a:off x="1600200" y="2829600"/>
-            <a:ext cx="8888760" cy="1324080"/>
+            <a:off x="1600200" y="2865600"/>
+            <a:ext cx="8888400" cy="1735560"/>
           </a:xfrm>
           <a:prstGeom prst="rect">
             <a:avLst/>
@@ -4848,7 +4930,7 @@
             <a:spAutoFit/>
           </a:bodyPr>
           <a:p>
-            <a:pPr marL="285840" indent="-284760">
+            <a:pPr marL="285840" indent="-284400">
               <a:lnSpc>
                 <a:spcPct val="150000"/>
               </a:lnSpc>
@@ -4893,7 +4975,7 @@
             </a:endParaRPr>
           </a:p>
           <a:p>
-            <a:pPr marL="285840" indent="-284760">
+            <a:pPr marL="285840" indent="-284400">
               <a:lnSpc>
                 <a:spcPct val="150000"/>
               </a:lnSpc>
@@ -4938,7 +5020,7 @@
             </a:endParaRPr>
           </a:p>
           <a:p>
-            <a:pPr marL="285840" indent="-284760">
+            <a:pPr marL="285840" indent="-284400">
               <a:lnSpc>
                 <a:spcPct val="150000"/>
               </a:lnSpc>
@@ -4982,6 +5064,51 @@
               <a:latin typeface="Arial"/>
             </a:endParaRPr>
           </a:p>
+          <a:p>
+            <a:pPr marL="285840" indent="-284400">
+              <a:lnSpc>
+                <a:spcPct val="150000"/>
+              </a:lnSpc>
+              <a:buClr>
+                <a:srgbClr val="808080"/>
+              </a:buClr>
+              <a:buFont typeface="Arial"/>
+              <a:buChar char="•"/>
+            </a:pPr>
+            <a:r>
+              <a:rPr b="0" lang="en-IN" sz="1800" spc="-1" strike="noStrike">
+                <a:solidFill>
+                  <a:srgbClr val="808080"/>
+                </a:solidFill>
+                <a:latin typeface="Consolas"/>
+                <a:ea typeface="SimSun"/>
+              </a:rPr>
+              <a:t>127.0.0.1:6379&gt;</a:t>
+            </a:r>
+            <a:r>
+              <a:rPr b="0" lang="en-IN" sz="1800" spc="-1" strike="noStrike">
+                <a:solidFill>
+                  <a:srgbClr val="000000"/>
+                </a:solidFill>
+                <a:latin typeface="Consolas"/>
+                <a:ea typeface="SimSun"/>
+              </a:rPr>
+              <a:t> </a:t>
+            </a:r>
+            <a:r>
+              <a:rPr b="0" lang="en-IN" sz="1800" spc="-1" strike="noStrike">
+                <a:solidFill>
+                  <a:srgbClr val="ff5733"/>
+                </a:solidFill>
+                <a:latin typeface="Consolas"/>
+                <a:ea typeface="SimSun"/>
+              </a:rPr>
+              <a:t>dbsize</a:t>
+            </a:r>
+            <a:endParaRPr b="0" lang="en-IN" sz="1800" spc="-1" strike="noStrike">
+              <a:latin typeface="Arial"/>
+            </a:endParaRPr>
+          </a:p>
         </p:txBody>
       </p:sp>
       <p:sp>
@@ -4993,7 +5120,7 @@
         <p:spPr>
           <a:xfrm>
             <a:off x="152280" y="152280"/>
-            <a:ext cx="1105560" cy="455400"/>
+            <a:ext cx="1105200" cy="455400"/>
           </a:xfrm>
           <a:prstGeom prst="rect">
             <a:avLst/>
@@ -5044,7 +5171,7 @@
         <p:spPr>
           <a:xfrm>
             <a:off x="1601280" y="2221560"/>
-            <a:ext cx="8989560" cy="394560"/>
+            <a:ext cx="8989200" cy="699480"/>
           </a:xfrm>
           <a:prstGeom prst="rect">
             <a:avLst/>
@@ -5084,6 +5211,26 @@
               <a:latin typeface="Arial"/>
             </a:endParaRPr>
           </a:p>
+          <a:p>
+            <a:pPr>
+              <a:lnSpc>
+                <a:spcPct val="100000"/>
+              </a:lnSpc>
+            </a:pPr>
+            <a:r>
+              <a:rPr b="0" lang="en-US" sz="2000" spc="-1" strike="noStrike">
+                <a:solidFill>
+                  <a:srgbClr val="00b0f0"/>
+                </a:solidFill>
+                <a:latin typeface="Consolas"/>
+                <a:ea typeface="DejaVu Sans"/>
+              </a:rPr>
+              <a:t>dbsize</a:t>
+            </a:r>
+            <a:endParaRPr b="0" lang="en-IN" sz="2000" spc="-1" strike="noStrike">
+              <a:latin typeface="Arial"/>
+            </a:endParaRPr>
+          </a:p>
         </p:txBody>
       </p:sp>
       <p:sp>
@@ -5094,8 +5241,8 @@
         </p:nvSpPr>
         <p:spPr>
           <a:xfrm>
-            <a:off x="1656000" y="4497480"/>
-            <a:ext cx="8999280" cy="1369440"/>
+            <a:off x="1656000" y="4713480"/>
+            <a:ext cx="8998920" cy="1369080"/>
           </a:xfrm>
           <a:prstGeom prst="rect">
             <a:avLst/>
@@ -5116,7 +5263,7 @@
             <a:noAutofit/>
           </a:bodyPr>
           <a:p>
-            <a:pPr marL="216000" indent="-215280">
+            <a:pPr marL="216000" indent="-214920">
               <a:lnSpc>
                 <a:spcPct val="100000"/>
               </a:lnSpc>
@@ -5151,7 +5298,7 @@
             </a:endParaRPr>
           </a:p>
           <a:p>
-            <a:pPr marL="216000" indent="-215280">
+            <a:pPr marL="216000" indent="-214920">
               <a:lnSpc>
                 <a:spcPct val="100000"/>
               </a:lnSpc>
@@ -5186,7 +5333,7 @@
             </a:endParaRPr>
           </a:p>
           <a:p>
-            <a:pPr marL="216000" indent="-215280">
+            <a:pPr marL="216000" indent="-214920">
               <a:lnSpc>
                 <a:spcPct val="100000"/>
               </a:lnSpc>
@@ -5221,7 +5368,7 @@
             </a:endParaRPr>
           </a:p>
           <a:p>
-            <a:pPr marL="216000" indent="-215280">
+            <a:pPr marL="216000" indent="-214920">
               <a:lnSpc>
                 <a:spcPct val="100000"/>
               </a:lnSpc>
@@ -5256,7 +5403,7 @@
             </a:endParaRPr>
           </a:p>
           <a:p>
-            <a:pPr marL="216000" indent="-215280">
+            <a:pPr marL="216000" indent="-214920">
               <a:lnSpc>
                 <a:spcPct val="100000"/>
               </a:lnSpc>
@@ -5331,7 +5478,7 @@
         <p:spPr>
           <a:xfrm>
             <a:off x="1676520" y="2362320"/>
-            <a:ext cx="8838000" cy="1186920"/>
+            <a:ext cx="8837640" cy="1186920"/>
           </a:xfrm>
           <a:prstGeom prst="rect">
             <a:avLst/>
@@ -5382,7 +5529,7 @@
         <p:spPr>
           <a:xfrm>
             <a:off x="1676520" y="3531600"/>
-            <a:ext cx="8838000" cy="424800"/>
+            <a:ext cx="8837640" cy="424800"/>
           </a:xfrm>
           <a:prstGeom prst="rect">
             <a:avLst/>
@@ -5500,7 +5647,7 @@
         <p:spPr>
           <a:xfrm>
             <a:off x="1523880" y="0"/>
-            <a:ext cx="9142920" cy="699120"/>
+            <a:ext cx="9142560" cy="699120"/>
           </a:xfrm>
           <a:prstGeom prst="rect">
             <a:avLst/>
@@ -5555,7 +5702,7 @@
         <p:spPr>
           <a:xfrm>
             <a:off x="1600200" y="762120"/>
-            <a:ext cx="8990640" cy="699480"/>
+            <a:ext cx="8990280" cy="699480"/>
           </a:xfrm>
           <a:prstGeom prst="rect">
             <a:avLst/>
@@ -5626,7 +5773,7 @@
         <p:spPr>
           <a:xfrm>
             <a:off x="1600200" y="3909600"/>
-            <a:ext cx="8888760" cy="1324080"/>
+            <a:ext cx="8888400" cy="1324080"/>
           </a:xfrm>
           <a:prstGeom prst="rect">
             <a:avLst/>
@@ -5649,7 +5796,7 @@
             <a:spAutoFit/>
           </a:bodyPr>
           <a:p>
-            <a:pPr marL="285840" indent="-284760">
+            <a:pPr marL="285840" indent="-284400">
               <a:lnSpc>
                 <a:spcPct val="150000"/>
               </a:lnSpc>
@@ -5694,7 +5841,7 @@
             </a:endParaRPr>
           </a:p>
           <a:p>
-            <a:pPr marL="285840" indent="-284760">
+            <a:pPr marL="285840" indent="-284400">
               <a:lnSpc>
                 <a:spcPct val="150000"/>
               </a:lnSpc>
@@ -5739,7 +5886,7 @@
             </a:endParaRPr>
           </a:p>
           <a:p>
-            <a:pPr marL="285840" indent="-284760">
+            <a:pPr marL="285840" indent="-284400">
               <a:lnSpc>
                 <a:spcPct val="150000"/>
               </a:lnSpc>
@@ -5794,7 +5941,7 @@
         <p:spPr>
           <a:xfrm>
             <a:off x="152280" y="152280"/>
-            <a:ext cx="1105560" cy="455400"/>
+            <a:ext cx="1105200" cy="455400"/>
           </a:xfrm>
           <a:prstGeom prst="rect">
             <a:avLst/>
@@ -5845,7 +5992,7 @@
         <p:spPr>
           <a:xfrm>
             <a:off x="1601280" y="2221560"/>
-            <a:ext cx="8989560" cy="699480"/>
+            <a:ext cx="8989200" cy="699480"/>
           </a:xfrm>
           <a:prstGeom prst="rect">
             <a:avLst/>
@@ -5916,7 +6063,7 @@
         <p:spPr>
           <a:xfrm>
             <a:off x="1584000" y="5246640"/>
-            <a:ext cx="8855280" cy="1015920"/>
+            <a:ext cx="8854920" cy="1015560"/>
           </a:xfrm>
           <a:prstGeom prst="rect">
             <a:avLst/>
@@ -5967,7 +6114,7 @@
             </a:endParaRPr>
           </a:p>
           <a:p>
-            <a:pPr marL="216000" indent="-215280">
+            <a:pPr marL="216000" indent="-214920">
               <a:lnSpc>
                 <a:spcPct val="100000"/>
               </a:lnSpc>
@@ -5993,7 +6140,7 @@
             </a:endParaRPr>
           </a:p>
           <a:p>
-            <a:pPr marL="216000" indent="-215280">
+            <a:pPr marL="216000" indent="-214920">
               <a:lnSpc>
                 <a:spcPct val="100000"/>
               </a:lnSpc>
@@ -6029,7 +6176,7 @@
         <p:spPr>
           <a:xfrm>
             <a:off x="1576080" y="3161880"/>
-            <a:ext cx="9583200" cy="653400"/>
+            <a:ext cx="9582840" cy="653040"/>
           </a:xfrm>
           <a:prstGeom prst="rect">
             <a:avLst/>
@@ -6140,7 +6287,7 @@
         <p:spPr>
           <a:xfrm>
             <a:off x="1676520" y="2362320"/>
-            <a:ext cx="8838000" cy="1186920"/>
+            <a:ext cx="8837640" cy="1186920"/>
           </a:xfrm>
           <a:prstGeom prst="rect">
             <a:avLst/>
@@ -6191,7 +6338,7 @@
         <p:spPr>
           <a:xfrm>
             <a:off x="1676520" y="3531600"/>
-            <a:ext cx="8838000" cy="424800"/>
+            <a:ext cx="8837640" cy="424800"/>
           </a:xfrm>
           <a:prstGeom prst="rect">
             <a:avLst/>
@@ -6309,7 +6456,7 @@
         <p:spPr>
           <a:xfrm>
             <a:off x="1523880" y="0"/>
-            <a:ext cx="9142920" cy="699120"/>
+            <a:ext cx="9142560" cy="699120"/>
           </a:xfrm>
           <a:prstGeom prst="rect">
             <a:avLst/>
@@ -6364,7 +6511,7 @@
         <p:spPr>
           <a:xfrm>
             <a:off x="1600200" y="762120"/>
-            <a:ext cx="8990640" cy="912600"/>
+            <a:ext cx="8990280" cy="912600"/>
           </a:xfrm>
           <a:prstGeom prst="rect">
             <a:avLst/>
@@ -6415,7 +6562,7 @@
         <p:spPr>
           <a:xfrm>
             <a:off x="1600200" y="2829600"/>
-            <a:ext cx="8888760" cy="912600"/>
+            <a:ext cx="8888400" cy="912600"/>
           </a:xfrm>
           <a:prstGeom prst="rect">
             <a:avLst/>
@@ -6438,7 +6585,7 @@
             <a:spAutoFit/>
           </a:bodyPr>
           <a:p>
-            <a:pPr marL="285840" indent="-284760">
+            <a:pPr marL="285840" indent="-284400">
               <a:lnSpc>
                 <a:spcPct val="150000"/>
               </a:lnSpc>
@@ -6503,7 +6650,7 @@
             </a:endParaRPr>
           </a:p>
           <a:p>
-            <a:pPr marL="285840" indent="-284760">
+            <a:pPr marL="285840" indent="-284400">
               <a:lnSpc>
                 <a:spcPct val="150000"/>
               </a:lnSpc>
@@ -6558,7 +6705,7 @@
         <p:spPr>
           <a:xfrm>
             <a:off x="152280" y="152280"/>
-            <a:ext cx="1105560" cy="455400"/>
+            <a:ext cx="1105200" cy="455400"/>
           </a:xfrm>
           <a:prstGeom prst="rect">
             <a:avLst/>
@@ -6609,7 +6756,7 @@
         <p:spPr>
           <a:xfrm>
             <a:off x="1601280" y="2221560"/>
-            <a:ext cx="8989560" cy="394560"/>
+            <a:ext cx="8989200" cy="394560"/>
           </a:xfrm>
           <a:prstGeom prst="rect">
             <a:avLst/>
@@ -6690,7 +6837,7 @@
         <p:spPr>
           <a:xfrm>
             <a:off x="1676520" y="2362320"/>
-            <a:ext cx="8838000" cy="1186920"/>
+            <a:ext cx="8837640" cy="1186920"/>
           </a:xfrm>
           <a:prstGeom prst="rect">
             <a:avLst/>
@@ -6741,7 +6888,7 @@
         <p:spPr>
           <a:xfrm>
             <a:off x="1676520" y="3531600"/>
-            <a:ext cx="8838000" cy="424800"/>
+            <a:ext cx="8837640" cy="424800"/>
           </a:xfrm>
           <a:prstGeom prst="rect">
             <a:avLst/>
@@ -6859,7 +7006,7 @@
         <p:spPr>
           <a:xfrm>
             <a:off x="1523880" y="0"/>
-            <a:ext cx="9142920" cy="699120"/>
+            <a:ext cx="9142560" cy="699120"/>
           </a:xfrm>
           <a:prstGeom prst="rect">
             <a:avLst/>
@@ -6914,7 +7061,7 @@
         <p:spPr>
           <a:xfrm>
             <a:off x="1600200" y="762120"/>
-            <a:ext cx="8990640" cy="638640"/>
+            <a:ext cx="8990280" cy="638280"/>
           </a:xfrm>
           <a:prstGeom prst="rect">
             <a:avLst/>
@@ -6965,7 +7112,7 @@
         <p:spPr>
           <a:xfrm>
             <a:off x="152280" y="152280"/>
-            <a:ext cx="1105560" cy="455400"/>
+            <a:ext cx="1105200" cy="455400"/>
           </a:xfrm>
           <a:prstGeom prst="rect">
             <a:avLst/>
@@ -7016,7 +7163,7 @@
         <p:spPr>
           <a:xfrm>
             <a:off x="1601280" y="2221560"/>
-            <a:ext cx="8989560" cy="394560"/>
+            <a:ext cx="8989200" cy="394560"/>
           </a:xfrm>
           <a:prstGeom prst="rect">
             <a:avLst/>
@@ -7067,7 +7214,7 @@
         <p:spPr>
           <a:xfrm>
             <a:off x="1600200" y="2829600"/>
-            <a:ext cx="8888760" cy="1735560"/>
+            <a:ext cx="8888400" cy="1735560"/>
           </a:xfrm>
           <a:prstGeom prst="rect">
             <a:avLst/>
@@ -7090,7 +7237,7 @@
             <a:spAutoFit/>
           </a:bodyPr>
           <a:p>
-            <a:pPr marL="285840" indent="-284760">
+            <a:pPr marL="285840" indent="-284400">
               <a:lnSpc>
                 <a:spcPct val="150000"/>
               </a:lnSpc>
@@ -7108,344 +7255,34 @@
                 <a:latin typeface="Arial"/>
                 <a:ea typeface="SimSun"/>
               </a:rPr>
-              <a:t>1</a:t>
+              <a:t>127.0.0.1:6379&gt;</a:t>
             </a:r>
             <a:r>
               <a:rPr b="0" lang="en-IN" sz="1800" spc="-1" strike="noStrike">
                 <a:solidFill>
-                  <a:srgbClr val="808080"/>
+                  <a:srgbClr val="000000"/>
                 </a:solidFill>
                 <a:latin typeface="Arial"/>
                 <a:ea typeface="SimSun"/>
               </a:rPr>
-              <a:t>2</a:t>
+              <a:t> </a:t>
             </a:r>
             <a:r>
               <a:rPr b="0" lang="en-IN" sz="1800" spc="-1" strike="noStrike">
                 <a:solidFill>
-                  <a:srgbClr val="808080"/>
+                  <a:srgbClr val="ff5733"/>
                 </a:solidFill>
                 <a:latin typeface="Arial"/>
                 <a:ea typeface="SimSun"/>
               </a:rPr>
-              <a:t>7</a:t>
-            </a:r>
-            <a:r>
-              <a:rPr b="0" lang="en-IN" sz="1800" spc="-1" strike="noStrike">
-                <a:solidFill>
-                  <a:srgbClr val="808080"/>
-                </a:solidFill>
-                <a:latin typeface="Arial"/>
-                <a:ea typeface="SimSun"/>
-              </a:rPr>
-              <a:t>.</a:t>
-            </a:r>
-            <a:r>
-              <a:rPr b="0" lang="en-IN" sz="1800" spc="-1" strike="noStrike">
-                <a:solidFill>
-                  <a:srgbClr val="808080"/>
-                </a:solidFill>
-                <a:latin typeface="Arial"/>
-                <a:ea typeface="SimSun"/>
-              </a:rPr>
-              <a:t>0</a:t>
-            </a:r>
-            <a:r>
-              <a:rPr b="0" lang="en-IN" sz="1800" spc="-1" strike="noStrike">
-                <a:solidFill>
-                  <a:srgbClr val="808080"/>
-                </a:solidFill>
-                <a:latin typeface="Arial"/>
-                <a:ea typeface="SimSun"/>
-              </a:rPr>
-              <a:t>.</a:t>
-            </a:r>
-            <a:r>
-              <a:rPr b="0" lang="en-IN" sz="1800" spc="-1" strike="noStrike">
-                <a:solidFill>
-                  <a:srgbClr val="808080"/>
-                </a:solidFill>
-                <a:latin typeface="Arial"/>
-                <a:ea typeface="SimSun"/>
-              </a:rPr>
-              <a:t>0</a:t>
-            </a:r>
-            <a:r>
-              <a:rPr b="0" lang="en-IN" sz="1800" spc="-1" strike="noStrike">
-                <a:solidFill>
-                  <a:srgbClr val="808080"/>
-                </a:solidFill>
-                <a:latin typeface="Arial"/>
-                <a:ea typeface="SimSun"/>
-              </a:rPr>
-              <a:t>.</a:t>
-            </a:r>
-            <a:r>
-              <a:rPr b="0" lang="en-IN" sz="1800" spc="-1" strike="noStrike">
-                <a:solidFill>
-                  <a:srgbClr val="808080"/>
-                </a:solidFill>
-                <a:latin typeface="Arial"/>
-                <a:ea typeface="SimSun"/>
-              </a:rPr>
-              <a:t>1</a:t>
-            </a:r>
-            <a:r>
-              <a:rPr b="0" lang="en-IN" sz="1800" spc="-1" strike="noStrike">
-                <a:solidFill>
-                  <a:srgbClr val="808080"/>
-                </a:solidFill>
-                <a:latin typeface="Arial"/>
-                <a:ea typeface="SimSun"/>
-              </a:rPr>
-              <a:t>:</a:t>
-            </a:r>
-            <a:r>
-              <a:rPr b="0" lang="en-IN" sz="1800" spc="-1" strike="noStrike">
-                <a:solidFill>
-                  <a:srgbClr val="808080"/>
-                </a:solidFill>
-                <a:latin typeface="Arial"/>
-                <a:ea typeface="SimSun"/>
-              </a:rPr>
-              <a:t>6</a:t>
-            </a:r>
-            <a:r>
-              <a:rPr b="0" lang="en-IN" sz="1800" spc="-1" strike="noStrike">
-                <a:solidFill>
-                  <a:srgbClr val="808080"/>
-                </a:solidFill>
-                <a:latin typeface="Arial"/>
-                <a:ea typeface="SimSun"/>
-              </a:rPr>
-              <a:t>3</a:t>
-            </a:r>
-            <a:r>
-              <a:rPr b="0" lang="en-IN" sz="1800" spc="-1" strike="noStrike">
-                <a:solidFill>
-                  <a:srgbClr val="808080"/>
-                </a:solidFill>
-                <a:latin typeface="Arial"/>
-                <a:ea typeface="SimSun"/>
-              </a:rPr>
-              <a:t>7</a:t>
-            </a:r>
-            <a:r>
-              <a:rPr b="0" lang="en-IN" sz="1800" spc="-1" strike="noStrike">
-                <a:solidFill>
-                  <a:srgbClr val="808080"/>
-                </a:solidFill>
-                <a:latin typeface="Arial"/>
-                <a:ea typeface="SimSun"/>
-              </a:rPr>
-              <a:t>9</a:t>
-            </a:r>
-            <a:r>
-              <a:rPr b="0" lang="en-IN" sz="1800" spc="-1" strike="noStrike">
-                <a:solidFill>
-                  <a:srgbClr val="808080"/>
-                </a:solidFill>
-                <a:latin typeface="Arial"/>
-                <a:ea typeface="SimSun"/>
-              </a:rPr>
-              <a:t>&gt;</a:t>
-            </a:r>
-            <a:r>
-              <a:rPr b="0" lang="en-IN" sz="1800" spc="-1" strike="noStrike">
-                <a:solidFill>
-                  <a:srgbClr val="000000"/>
-                </a:solidFill>
-                <a:latin typeface="Arial"/>
-                <a:ea typeface="SimSun"/>
-              </a:rPr>
-              <a:t> </a:t>
-            </a:r>
-            <a:r>
-              <a:rPr b="0" lang="en-IN" sz="1800" spc="-1" strike="noStrike">
-                <a:solidFill>
-                  <a:srgbClr val="ff5733"/>
-                </a:solidFill>
-                <a:latin typeface="Arial"/>
-                <a:ea typeface="SimSun"/>
-              </a:rPr>
-              <a:t>p</a:t>
-            </a:r>
-            <a:r>
-              <a:rPr b="0" lang="en-IN" sz="1800" spc="-1" strike="noStrike">
-                <a:solidFill>
-                  <a:srgbClr val="ff5733"/>
-                </a:solidFill>
-                <a:latin typeface="Arial"/>
-                <a:ea typeface="SimSun"/>
-              </a:rPr>
-              <a:t>e</a:t>
-            </a:r>
-            <a:r>
-              <a:rPr b="0" lang="en-IN" sz="1800" spc="-1" strike="noStrike">
-                <a:solidFill>
-                  <a:srgbClr val="ff5733"/>
-                </a:solidFill>
-                <a:latin typeface="Arial"/>
-                <a:ea typeface="SimSun"/>
-              </a:rPr>
-              <a:t>r</a:t>
-            </a:r>
-            <a:r>
-              <a:rPr b="0" lang="en-IN" sz="1800" spc="-1" strike="noStrike">
-                <a:solidFill>
-                  <a:srgbClr val="ff5733"/>
-                </a:solidFill>
-                <a:latin typeface="Arial"/>
-                <a:ea typeface="SimSun"/>
-              </a:rPr>
-              <a:t>s</a:t>
-            </a:r>
-            <a:r>
-              <a:rPr b="0" lang="en-IN" sz="1800" spc="-1" strike="noStrike">
-                <a:solidFill>
-                  <a:srgbClr val="ff5733"/>
-                </a:solidFill>
-                <a:latin typeface="Arial"/>
-                <a:ea typeface="SimSun"/>
-              </a:rPr>
-              <a:t>i</a:t>
-            </a:r>
-            <a:r>
-              <a:rPr b="0" lang="en-IN" sz="1800" spc="-1" strike="noStrike">
-                <a:solidFill>
-                  <a:srgbClr val="ff5733"/>
-                </a:solidFill>
-                <a:latin typeface="Arial"/>
-                <a:ea typeface="SimSun"/>
-              </a:rPr>
-              <a:t>s</a:t>
-            </a:r>
-            <a:r>
-              <a:rPr b="0" lang="en-IN" sz="1800" spc="-1" strike="noStrike">
-                <a:solidFill>
-                  <a:srgbClr val="ff5733"/>
-                </a:solidFill>
-                <a:latin typeface="Arial"/>
-                <a:ea typeface="SimSun"/>
-              </a:rPr>
-              <a:t>t</a:t>
-            </a:r>
-            <a:r>
-              <a:rPr b="0" lang="en-IN" sz="1800" spc="-1" strike="noStrike">
-                <a:solidFill>
-                  <a:srgbClr val="ff5733"/>
-                </a:solidFill>
-                <a:latin typeface="Arial"/>
-                <a:ea typeface="SimSun"/>
-              </a:rPr>
-              <a:t> </a:t>
-            </a:r>
-            <a:r>
-              <a:rPr b="0" lang="en-IN" sz="1800" spc="-1" strike="noStrike">
-                <a:solidFill>
-                  <a:srgbClr val="ff5733"/>
-                </a:solidFill>
-                <a:latin typeface="Arial"/>
-                <a:ea typeface="SimSun"/>
-              </a:rPr>
-              <a:t>u</a:t>
-            </a:r>
-            <a:r>
-              <a:rPr b="0" lang="en-IN" sz="1800" spc="-1" strike="noStrike">
-                <a:solidFill>
-                  <a:srgbClr val="ff5733"/>
-                </a:solidFill>
-                <a:latin typeface="Arial"/>
-                <a:ea typeface="SimSun"/>
-              </a:rPr>
-              <a:t>s</a:t>
-            </a:r>
-            <a:r>
-              <a:rPr b="0" lang="en-IN" sz="1800" spc="-1" strike="noStrike">
-                <a:solidFill>
-                  <a:srgbClr val="ff5733"/>
-                </a:solidFill>
-                <a:latin typeface="Arial"/>
-                <a:ea typeface="SimSun"/>
-              </a:rPr>
-              <a:t>e</a:t>
-            </a:r>
-            <a:r>
-              <a:rPr b="0" lang="en-IN" sz="1800" spc="-1" strike="noStrike">
-                <a:solidFill>
-                  <a:srgbClr val="ff5733"/>
-                </a:solidFill>
-                <a:latin typeface="Arial"/>
-                <a:ea typeface="SimSun"/>
-              </a:rPr>
-              <a:t>r</a:t>
-            </a:r>
-            <a:r>
-              <a:rPr b="0" lang="en-IN" sz="1800" spc="-1" strike="noStrike">
-                <a:solidFill>
-                  <a:srgbClr val="ff5733"/>
-                </a:solidFill>
-                <a:latin typeface="Arial"/>
-                <a:ea typeface="SimSun"/>
-              </a:rPr>
-              <a:t>n</a:t>
-            </a:r>
-            <a:r>
-              <a:rPr b="0" lang="en-IN" sz="1800" spc="-1" strike="noStrike">
-                <a:solidFill>
-                  <a:srgbClr val="ff5733"/>
-                </a:solidFill>
-                <a:latin typeface="Arial"/>
-                <a:ea typeface="SimSun"/>
-              </a:rPr>
-              <a:t>a</a:t>
-            </a:r>
-            <a:r>
-              <a:rPr b="0" lang="en-IN" sz="1800" spc="-1" strike="noStrike">
-                <a:solidFill>
-                  <a:srgbClr val="ff5733"/>
-                </a:solidFill>
-                <a:latin typeface="Arial"/>
-                <a:ea typeface="SimSun"/>
-              </a:rPr>
-              <a:t>m</a:t>
-            </a:r>
-            <a:r>
-              <a:rPr b="0" lang="en-IN" sz="1800" spc="-1" strike="noStrike">
-                <a:solidFill>
-                  <a:srgbClr val="ff5733"/>
-                </a:solidFill>
-                <a:latin typeface="Arial"/>
-                <a:ea typeface="SimSun"/>
-              </a:rPr>
-              <a:t>e</a:t>
-            </a:r>
-            <a:r>
-              <a:rPr b="0" lang="en-IN" sz="1800" spc="-1" strike="noStrike">
-                <a:solidFill>
-                  <a:srgbClr val="ff5733"/>
-                </a:solidFill>
-                <a:latin typeface="Arial"/>
-                <a:ea typeface="SimSun"/>
-              </a:rPr>
-              <a:t>:</a:t>
-            </a:r>
-            <a:r>
-              <a:rPr b="0" lang="en-IN" sz="1800" spc="-1" strike="noStrike">
-                <a:solidFill>
-                  <a:srgbClr val="ff5733"/>
-                </a:solidFill>
-                <a:latin typeface="Arial"/>
-                <a:ea typeface="SimSun"/>
-              </a:rPr>
-              <a:t>1</a:t>
+              <a:t>persist username:1</a:t>
             </a:r>
             <a:endParaRPr b="0" lang="en-IN" sz="1800" spc="-1" strike="noStrike">
               <a:latin typeface="Arial"/>
             </a:endParaRPr>
           </a:p>
           <a:p>
-            <a:pPr marL="285840" indent="-284760">
+            <a:pPr marL="285840" indent="-284400">
               <a:lnSpc>
                 <a:spcPct val="150000"/>
               </a:lnSpc>
@@ -7463,344 +7300,34 @@
                 <a:latin typeface="Arial"/>
                 <a:ea typeface="SimSun"/>
               </a:rPr>
-              <a:t>1</a:t>
+              <a:t>127.0.0.1:6379&gt;</a:t>
             </a:r>
             <a:r>
               <a:rPr b="0" lang="en-IN" sz="1800" spc="-1" strike="noStrike">
                 <a:solidFill>
-                  <a:srgbClr val="808080"/>
+                  <a:srgbClr val="000000"/>
                 </a:solidFill>
                 <a:latin typeface="Arial"/>
                 <a:ea typeface="SimSun"/>
               </a:rPr>
-              <a:t>2</a:t>
+              <a:t> </a:t>
             </a:r>
             <a:r>
               <a:rPr b="0" lang="en-IN" sz="1800" spc="-1" strike="noStrike">
                 <a:solidFill>
-                  <a:srgbClr val="808080"/>
+                  <a:srgbClr val="ff5733"/>
                 </a:solidFill>
                 <a:latin typeface="Arial"/>
                 <a:ea typeface="SimSun"/>
               </a:rPr>
-              <a:t>7</a:t>
-            </a:r>
-            <a:r>
-              <a:rPr b="0" lang="en-IN" sz="1800" spc="-1" strike="noStrike">
-                <a:solidFill>
-                  <a:srgbClr val="808080"/>
-                </a:solidFill>
-                <a:latin typeface="Arial"/>
-                <a:ea typeface="SimSun"/>
-              </a:rPr>
-              <a:t>.</a:t>
-            </a:r>
-            <a:r>
-              <a:rPr b="0" lang="en-IN" sz="1800" spc="-1" strike="noStrike">
-                <a:solidFill>
-                  <a:srgbClr val="808080"/>
-                </a:solidFill>
-                <a:latin typeface="Arial"/>
-                <a:ea typeface="SimSun"/>
-              </a:rPr>
-              <a:t>0</a:t>
-            </a:r>
-            <a:r>
-              <a:rPr b="0" lang="en-IN" sz="1800" spc="-1" strike="noStrike">
-                <a:solidFill>
-                  <a:srgbClr val="808080"/>
-                </a:solidFill>
-                <a:latin typeface="Arial"/>
-                <a:ea typeface="SimSun"/>
-              </a:rPr>
-              <a:t>.</a:t>
-            </a:r>
-            <a:r>
-              <a:rPr b="0" lang="en-IN" sz="1800" spc="-1" strike="noStrike">
-                <a:solidFill>
-                  <a:srgbClr val="808080"/>
-                </a:solidFill>
-                <a:latin typeface="Arial"/>
-                <a:ea typeface="SimSun"/>
-              </a:rPr>
-              <a:t>0</a:t>
-            </a:r>
-            <a:r>
-              <a:rPr b="0" lang="en-IN" sz="1800" spc="-1" strike="noStrike">
-                <a:solidFill>
-                  <a:srgbClr val="808080"/>
-                </a:solidFill>
-                <a:latin typeface="Arial"/>
-                <a:ea typeface="SimSun"/>
-              </a:rPr>
-              <a:t>.</a:t>
-            </a:r>
-            <a:r>
-              <a:rPr b="0" lang="en-IN" sz="1800" spc="-1" strike="noStrike">
-                <a:solidFill>
-                  <a:srgbClr val="808080"/>
-                </a:solidFill>
-                <a:latin typeface="Arial"/>
-                <a:ea typeface="SimSun"/>
-              </a:rPr>
-              <a:t>1</a:t>
-            </a:r>
-            <a:r>
-              <a:rPr b="0" lang="en-IN" sz="1800" spc="-1" strike="noStrike">
-                <a:solidFill>
-                  <a:srgbClr val="808080"/>
-                </a:solidFill>
-                <a:latin typeface="Arial"/>
-                <a:ea typeface="SimSun"/>
-              </a:rPr>
-              <a:t>:</a:t>
-            </a:r>
-            <a:r>
-              <a:rPr b="0" lang="en-IN" sz="1800" spc="-1" strike="noStrike">
-                <a:solidFill>
-                  <a:srgbClr val="808080"/>
-                </a:solidFill>
-                <a:latin typeface="Arial"/>
-                <a:ea typeface="SimSun"/>
-              </a:rPr>
-              <a:t>6</a:t>
-            </a:r>
-            <a:r>
-              <a:rPr b="0" lang="en-IN" sz="1800" spc="-1" strike="noStrike">
-                <a:solidFill>
-                  <a:srgbClr val="808080"/>
-                </a:solidFill>
-                <a:latin typeface="Arial"/>
-                <a:ea typeface="SimSun"/>
-              </a:rPr>
-              <a:t>3</a:t>
-            </a:r>
-            <a:r>
-              <a:rPr b="0" lang="en-IN" sz="1800" spc="-1" strike="noStrike">
-                <a:solidFill>
-                  <a:srgbClr val="808080"/>
-                </a:solidFill>
-                <a:latin typeface="Arial"/>
-                <a:ea typeface="SimSun"/>
-              </a:rPr>
-              <a:t>7</a:t>
-            </a:r>
-            <a:r>
-              <a:rPr b="0" lang="en-IN" sz="1800" spc="-1" strike="noStrike">
-                <a:solidFill>
-                  <a:srgbClr val="808080"/>
-                </a:solidFill>
-                <a:latin typeface="Arial"/>
-                <a:ea typeface="SimSun"/>
-              </a:rPr>
-              <a:t>9</a:t>
-            </a:r>
-            <a:r>
-              <a:rPr b="0" lang="en-IN" sz="1800" spc="-1" strike="noStrike">
-                <a:solidFill>
-                  <a:srgbClr val="808080"/>
-                </a:solidFill>
-                <a:latin typeface="Arial"/>
-                <a:ea typeface="SimSun"/>
-              </a:rPr>
-              <a:t>&gt;</a:t>
-            </a:r>
-            <a:r>
-              <a:rPr b="0" lang="en-IN" sz="1800" spc="-1" strike="noStrike">
-                <a:solidFill>
-                  <a:srgbClr val="000000"/>
-                </a:solidFill>
-                <a:latin typeface="Arial"/>
-                <a:ea typeface="SimSun"/>
-              </a:rPr>
-              <a:t> </a:t>
-            </a:r>
-            <a:r>
-              <a:rPr b="0" lang="en-IN" sz="1800" spc="-1" strike="noStrike">
-                <a:solidFill>
-                  <a:srgbClr val="ff5733"/>
-                </a:solidFill>
-                <a:latin typeface="Arial"/>
-                <a:ea typeface="SimSun"/>
-              </a:rPr>
-              <a:t>p</a:t>
-            </a:r>
-            <a:r>
-              <a:rPr b="0" lang="en-IN" sz="1800" spc="-1" strike="noStrike">
-                <a:solidFill>
-                  <a:srgbClr val="ff5733"/>
-                </a:solidFill>
-                <a:latin typeface="Arial"/>
-                <a:ea typeface="SimSun"/>
-              </a:rPr>
-              <a:t>e</a:t>
-            </a:r>
-            <a:r>
-              <a:rPr b="0" lang="en-IN" sz="1800" spc="-1" strike="noStrike">
-                <a:solidFill>
-                  <a:srgbClr val="ff5733"/>
-                </a:solidFill>
-                <a:latin typeface="Arial"/>
-                <a:ea typeface="SimSun"/>
-              </a:rPr>
-              <a:t>r</a:t>
-            </a:r>
-            <a:r>
-              <a:rPr b="0" lang="en-IN" sz="1800" spc="-1" strike="noStrike">
-                <a:solidFill>
-                  <a:srgbClr val="ff5733"/>
-                </a:solidFill>
-                <a:latin typeface="Arial"/>
-                <a:ea typeface="SimSun"/>
-              </a:rPr>
-              <a:t>s</a:t>
-            </a:r>
-            <a:r>
-              <a:rPr b="0" lang="en-IN" sz="1800" spc="-1" strike="noStrike">
-                <a:solidFill>
-                  <a:srgbClr val="ff5733"/>
-                </a:solidFill>
-                <a:latin typeface="Arial"/>
-                <a:ea typeface="SimSun"/>
-              </a:rPr>
-              <a:t>i</a:t>
-            </a:r>
-            <a:r>
-              <a:rPr b="0" lang="en-IN" sz="1800" spc="-1" strike="noStrike">
-                <a:solidFill>
-                  <a:srgbClr val="ff5733"/>
-                </a:solidFill>
-                <a:latin typeface="Arial"/>
-                <a:ea typeface="SimSun"/>
-              </a:rPr>
-              <a:t>s</a:t>
-            </a:r>
-            <a:r>
-              <a:rPr b="0" lang="en-IN" sz="1800" spc="-1" strike="noStrike">
-                <a:solidFill>
-                  <a:srgbClr val="ff5733"/>
-                </a:solidFill>
-                <a:latin typeface="Arial"/>
-                <a:ea typeface="SimSun"/>
-              </a:rPr>
-              <a:t>t</a:t>
-            </a:r>
-            <a:r>
-              <a:rPr b="0" lang="en-IN" sz="1800" spc="-1" strike="noStrike">
-                <a:solidFill>
-                  <a:srgbClr val="ff5733"/>
-                </a:solidFill>
-                <a:latin typeface="Arial"/>
-                <a:ea typeface="SimSun"/>
-              </a:rPr>
-              <a:t> </a:t>
-            </a:r>
-            <a:r>
-              <a:rPr b="0" lang="en-IN" sz="1800" spc="-1" strike="noStrike">
-                <a:solidFill>
-                  <a:srgbClr val="ff5733"/>
-                </a:solidFill>
-                <a:latin typeface="Arial"/>
-                <a:ea typeface="SimSun"/>
-              </a:rPr>
-              <a:t>p</a:t>
-            </a:r>
-            <a:r>
-              <a:rPr b="0" lang="en-IN" sz="1800" spc="-1" strike="noStrike">
-                <a:solidFill>
-                  <a:srgbClr val="ff5733"/>
-                </a:solidFill>
-                <a:latin typeface="Arial"/>
-                <a:ea typeface="SimSun"/>
-              </a:rPr>
-              <a:t>a</a:t>
-            </a:r>
-            <a:r>
-              <a:rPr b="0" lang="en-IN" sz="1800" spc="-1" strike="noStrike">
-                <a:solidFill>
-                  <a:srgbClr val="ff5733"/>
-                </a:solidFill>
-                <a:latin typeface="Arial"/>
-                <a:ea typeface="SimSun"/>
-              </a:rPr>
-              <a:t>s</a:t>
-            </a:r>
-            <a:r>
-              <a:rPr b="0" lang="en-IN" sz="1800" spc="-1" strike="noStrike">
-                <a:solidFill>
-                  <a:srgbClr val="ff5733"/>
-                </a:solidFill>
-                <a:latin typeface="Arial"/>
-                <a:ea typeface="SimSun"/>
-              </a:rPr>
-              <a:t>s</a:t>
-            </a:r>
-            <a:r>
-              <a:rPr b="0" lang="en-IN" sz="1800" spc="-1" strike="noStrike">
-                <a:solidFill>
-                  <a:srgbClr val="ff5733"/>
-                </a:solidFill>
-                <a:latin typeface="Arial"/>
-                <a:ea typeface="SimSun"/>
-              </a:rPr>
-              <a:t>w</a:t>
-            </a:r>
-            <a:r>
-              <a:rPr b="0" lang="en-IN" sz="1800" spc="-1" strike="noStrike">
-                <a:solidFill>
-                  <a:srgbClr val="ff5733"/>
-                </a:solidFill>
-                <a:latin typeface="Arial"/>
-                <a:ea typeface="SimSun"/>
-              </a:rPr>
-              <a:t>o</a:t>
-            </a:r>
-            <a:r>
-              <a:rPr b="0" lang="en-IN" sz="1800" spc="-1" strike="noStrike">
-                <a:solidFill>
-                  <a:srgbClr val="ff5733"/>
-                </a:solidFill>
-                <a:latin typeface="Arial"/>
-                <a:ea typeface="SimSun"/>
-              </a:rPr>
-              <a:t>r</a:t>
-            </a:r>
-            <a:r>
-              <a:rPr b="0" lang="en-IN" sz="1800" spc="-1" strike="noStrike">
-                <a:solidFill>
-                  <a:srgbClr val="ff5733"/>
-                </a:solidFill>
-                <a:latin typeface="Arial"/>
-                <a:ea typeface="SimSun"/>
-              </a:rPr>
-              <a:t>d</a:t>
-            </a:r>
-            <a:r>
-              <a:rPr b="0" lang="en-IN" sz="1800" spc="-1" strike="noStrike">
-                <a:solidFill>
-                  <a:srgbClr val="ff5733"/>
-                </a:solidFill>
-                <a:latin typeface="Arial"/>
-                <a:ea typeface="SimSun"/>
-              </a:rPr>
-              <a:t>:</a:t>
-            </a:r>
-            <a:r>
-              <a:rPr b="0" lang="en-IN" sz="1800" spc="-1" strike="noStrike">
-                <a:solidFill>
-                  <a:srgbClr val="ff5733"/>
-                </a:solidFill>
-                <a:latin typeface="Arial"/>
-                <a:ea typeface="SimSun"/>
-              </a:rPr>
-              <a:t>1</a:t>
+              <a:t>persist password:1</a:t>
             </a:r>
             <a:endParaRPr b="0" lang="en-IN" sz="1800" spc="-1" strike="noStrike">
               <a:latin typeface="Arial"/>
             </a:endParaRPr>
           </a:p>
           <a:p>
-            <a:pPr marL="285840" indent="-284760">
+            <a:pPr marL="285840" indent="-284400">
               <a:lnSpc>
                 <a:spcPct val="150000"/>
               </a:lnSpc>
@@ -7818,304 +7345,24 @@
                 <a:latin typeface="Arial"/>
                 <a:ea typeface="SimSun"/>
               </a:rPr>
-              <a:t>1</a:t>
+              <a:t>127.0.0.1:6379&gt; </a:t>
             </a:r>
             <a:r>
               <a:rPr b="0" lang="en-IN" sz="1800" spc="-1" strike="noStrike">
                 <a:solidFill>
-                  <a:srgbClr val="808080"/>
+                  <a:srgbClr val="ff5733"/>
                 </a:solidFill>
                 <a:latin typeface="Arial"/>
                 <a:ea typeface="SimSun"/>
               </a:rPr>
-              <a:t>2</a:t>
-            </a:r>
-            <a:r>
-              <a:rPr b="0" lang="en-IN" sz="1800" spc="-1" strike="noStrike">
-                <a:solidFill>
-                  <a:srgbClr val="808080"/>
-                </a:solidFill>
-                <a:latin typeface="Arial"/>
-                <a:ea typeface="SimSun"/>
-              </a:rPr>
-              <a:t>7</a:t>
-            </a:r>
-            <a:r>
-              <a:rPr b="0" lang="en-IN" sz="1800" spc="-1" strike="noStrike">
-                <a:solidFill>
-                  <a:srgbClr val="808080"/>
-                </a:solidFill>
-                <a:latin typeface="Arial"/>
-                <a:ea typeface="SimSun"/>
-              </a:rPr>
-              <a:t>.</a:t>
-            </a:r>
-            <a:r>
-              <a:rPr b="0" lang="en-IN" sz="1800" spc="-1" strike="noStrike">
-                <a:solidFill>
-                  <a:srgbClr val="808080"/>
-                </a:solidFill>
-                <a:latin typeface="Arial"/>
-                <a:ea typeface="SimSun"/>
-              </a:rPr>
-              <a:t>0</a:t>
-            </a:r>
-            <a:r>
-              <a:rPr b="0" lang="en-IN" sz="1800" spc="-1" strike="noStrike">
-                <a:solidFill>
-                  <a:srgbClr val="808080"/>
-                </a:solidFill>
-                <a:latin typeface="Arial"/>
-                <a:ea typeface="SimSun"/>
-              </a:rPr>
-              <a:t>.</a:t>
-            </a:r>
-            <a:r>
-              <a:rPr b="0" lang="en-IN" sz="1800" spc="-1" strike="noStrike">
-                <a:solidFill>
-                  <a:srgbClr val="808080"/>
-                </a:solidFill>
-                <a:latin typeface="Arial"/>
-                <a:ea typeface="SimSun"/>
-              </a:rPr>
-              <a:t>0</a:t>
-            </a:r>
-            <a:r>
-              <a:rPr b="0" lang="en-IN" sz="1800" spc="-1" strike="noStrike">
-                <a:solidFill>
-                  <a:srgbClr val="808080"/>
-                </a:solidFill>
-                <a:latin typeface="Arial"/>
-                <a:ea typeface="SimSun"/>
-              </a:rPr>
-              <a:t>.</a:t>
-            </a:r>
-            <a:r>
-              <a:rPr b="0" lang="en-IN" sz="1800" spc="-1" strike="noStrike">
-                <a:solidFill>
-                  <a:srgbClr val="808080"/>
-                </a:solidFill>
-                <a:latin typeface="Arial"/>
-                <a:ea typeface="SimSun"/>
-              </a:rPr>
-              <a:t>1</a:t>
-            </a:r>
-            <a:r>
-              <a:rPr b="0" lang="en-IN" sz="1800" spc="-1" strike="noStrike">
-                <a:solidFill>
-                  <a:srgbClr val="808080"/>
-                </a:solidFill>
-                <a:latin typeface="Arial"/>
-                <a:ea typeface="SimSun"/>
-              </a:rPr>
-              <a:t>:</a:t>
-            </a:r>
-            <a:r>
-              <a:rPr b="0" lang="en-IN" sz="1800" spc="-1" strike="noStrike">
-                <a:solidFill>
-                  <a:srgbClr val="808080"/>
-                </a:solidFill>
-                <a:latin typeface="Arial"/>
-                <a:ea typeface="SimSun"/>
-              </a:rPr>
-              <a:t>6</a:t>
-            </a:r>
-            <a:r>
-              <a:rPr b="0" lang="en-IN" sz="1800" spc="-1" strike="noStrike">
-                <a:solidFill>
-                  <a:srgbClr val="808080"/>
-                </a:solidFill>
-                <a:latin typeface="Arial"/>
-                <a:ea typeface="SimSun"/>
-              </a:rPr>
-              <a:t>3</a:t>
-            </a:r>
-            <a:r>
-              <a:rPr b="0" lang="en-IN" sz="1800" spc="-1" strike="noStrike">
-                <a:solidFill>
-                  <a:srgbClr val="808080"/>
-                </a:solidFill>
-                <a:latin typeface="Arial"/>
-                <a:ea typeface="SimSun"/>
-              </a:rPr>
-              <a:t>7</a:t>
-            </a:r>
-            <a:r>
-              <a:rPr b="0" lang="en-IN" sz="1800" spc="-1" strike="noStrike">
-                <a:solidFill>
-                  <a:srgbClr val="808080"/>
-                </a:solidFill>
-                <a:latin typeface="Arial"/>
-                <a:ea typeface="SimSun"/>
-              </a:rPr>
-              <a:t>9</a:t>
-            </a:r>
-            <a:r>
-              <a:rPr b="0" lang="en-IN" sz="1800" spc="-1" strike="noStrike">
-                <a:solidFill>
-                  <a:srgbClr val="808080"/>
-                </a:solidFill>
-                <a:latin typeface="Arial"/>
-                <a:ea typeface="SimSun"/>
-              </a:rPr>
-              <a:t>&gt;</a:t>
-            </a:r>
-            <a:r>
-              <a:rPr b="0" lang="en-IN" sz="1800" spc="-1" strike="noStrike">
-                <a:solidFill>
-                  <a:srgbClr val="808080"/>
-                </a:solidFill>
-                <a:latin typeface="Arial"/>
-                <a:ea typeface="SimSun"/>
-              </a:rPr>
-              <a:t> </a:t>
-            </a:r>
-            <a:r>
-              <a:rPr b="0" lang="en-IN" sz="1800" spc="-1" strike="noStrike">
-                <a:solidFill>
-                  <a:srgbClr val="ff5733"/>
-                </a:solidFill>
-                <a:latin typeface="Arial"/>
-                <a:ea typeface="SimSun"/>
-              </a:rPr>
-              <a:t>t</a:t>
-            </a:r>
-            <a:r>
-              <a:rPr b="0" lang="en-IN" sz="1800" spc="-1" strike="noStrike">
-                <a:solidFill>
-                  <a:srgbClr val="ff5733"/>
-                </a:solidFill>
-                <a:latin typeface="Arial"/>
-                <a:ea typeface="SimSun"/>
-              </a:rPr>
-              <a:t>t</a:t>
-            </a:r>
-            <a:r>
-              <a:rPr b="0" lang="en-IN" sz="1800" spc="-1" strike="noStrike">
-                <a:solidFill>
-                  <a:srgbClr val="ff5733"/>
-                </a:solidFill>
-                <a:latin typeface="Arial"/>
-                <a:ea typeface="SimSun"/>
-              </a:rPr>
-              <a:t>l</a:t>
-            </a:r>
-            <a:r>
-              <a:rPr b="0" lang="en-IN" sz="1800" spc="-1" strike="noStrike">
-                <a:solidFill>
-                  <a:srgbClr val="ff5733"/>
-                </a:solidFill>
-                <a:latin typeface="Arial"/>
-                <a:ea typeface="SimSun"/>
-              </a:rPr>
-              <a:t> </a:t>
-            </a:r>
-            <a:r>
-              <a:rPr b="0" lang="en-IN" sz="1800" spc="-1" strike="noStrike">
-                <a:solidFill>
-                  <a:srgbClr val="ff5733"/>
-                </a:solidFill>
-                <a:latin typeface="Arial"/>
-                <a:ea typeface="SimSun"/>
-              </a:rPr>
-              <a:t>u</a:t>
-            </a:r>
-            <a:r>
-              <a:rPr b="0" lang="en-IN" sz="1800" spc="-1" strike="noStrike">
-                <a:solidFill>
-                  <a:srgbClr val="ff5733"/>
-                </a:solidFill>
-                <a:latin typeface="Arial"/>
-                <a:ea typeface="SimSun"/>
-              </a:rPr>
-              <a:t>s</a:t>
-            </a:r>
-            <a:r>
-              <a:rPr b="0" lang="en-IN" sz="1800" spc="-1" strike="noStrike">
-                <a:solidFill>
-                  <a:srgbClr val="ff5733"/>
-                </a:solidFill>
-                <a:latin typeface="Arial"/>
-                <a:ea typeface="SimSun"/>
-              </a:rPr>
-              <a:t>e</a:t>
-            </a:r>
-            <a:r>
-              <a:rPr b="0" lang="en-IN" sz="1800" spc="-1" strike="noStrike">
-                <a:solidFill>
-                  <a:srgbClr val="ff5733"/>
-                </a:solidFill>
-                <a:latin typeface="Arial"/>
-                <a:ea typeface="SimSun"/>
-              </a:rPr>
-              <a:t>r</a:t>
-            </a:r>
-            <a:r>
-              <a:rPr b="0" lang="en-IN" sz="1800" spc="-1" strike="noStrike">
-                <a:solidFill>
-                  <a:srgbClr val="ff5733"/>
-                </a:solidFill>
-                <a:latin typeface="Arial"/>
-                <a:ea typeface="SimSun"/>
-              </a:rPr>
-              <a:t>n</a:t>
-            </a:r>
-            <a:r>
-              <a:rPr b="0" lang="en-IN" sz="1800" spc="-1" strike="noStrike">
-                <a:solidFill>
-                  <a:srgbClr val="ff5733"/>
-                </a:solidFill>
-                <a:latin typeface="Arial"/>
-                <a:ea typeface="SimSun"/>
-              </a:rPr>
-              <a:t>a</a:t>
-            </a:r>
-            <a:r>
-              <a:rPr b="0" lang="en-IN" sz="1800" spc="-1" strike="noStrike">
-                <a:solidFill>
-                  <a:srgbClr val="ff5733"/>
-                </a:solidFill>
-                <a:latin typeface="Arial"/>
-                <a:ea typeface="SimSun"/>
-              </a:rPr>
-              <a:t>m</a:t>
-            </a:r>
-            <a:r>
-              <a:rPr b="0" lang="en-IN" sz="1800" spc="-1" strike="noStrike">
-                <a:solidFill>
-                  <a:srgbClr val="ff5733"/>
-                </a:solidFill>
-                <a:latin typeface="Arial"/>
-                <a:ea typeface="SimSun"/>
-              </a:rPr>
-              <a:t>e</a:t>
-            </a:r>
-            <a:r>
-              <a:rPr b="0" lang="en-IN" sz="1800" spc="-1" strike="noStrike">
-                <a:solidFill>
-                  <a:srgbClr val="ff5733"/>
-                </a:solidFill>
-                <a:latin typeface="Arial"/>
-                <a:ea typeface="SimSun"/>
-              </a:rPr>
-              <a:t>:</a:t>
-            </a:r>
-            <a:r>
-              <a:rPr b="0" lang="en-IN" sz="1800" spc="-1" strike="noStrike">
-                <a:solidFill>
-                  <a:srgbClr val="ff5733"/>
-                </a:solidFill>
-                <a:latin typeface="Arial"/>
-                <a:ea typeface="SimSun"/>
-              </a:rPr>
-              <a:t>1</a:t>
+              <a:t>ttl username:1</a:t>
             </a:r>
             <a:endParaRPr b="0" lang="en-IN" sz="1800" spc="-1" strike="noStrike">
               <a:latin typeface="Arial"/>
             </a:endParaRPr>
           </a:p>
           <a:p>
-            <a:pPr marL="285840" indent="-284760">
+            <a:pPr marL="285840" indent="-284400">
               <a:lnSpc>
                 <a:spcPct val="150000"/>
               </a:lnSpc>
@@ -8133,297 +7380,17 @@
                 <a:latin typeface="Arial"/>
                 <a:ea typeface="SimSun"/>
               </a:rPr>
-              <a:t>1</a:t>
+              <a:t>127.0.0.1:6379&gt; </a:t>
             </a:r>
             <a:r>
               <a:rPr b="0" lang="en-IN" sz="1800" spc="-1" strike="noStrike">
                 <a:solidFill>
-                  <a:srgbClr val="808080"/>
+                  <a:srgbClr val="ff5733"/>
                 </a:solidFill>
                 <a:latin typeface="Arial"/>
                 <a:ea typeface="SimSun"/>
               </a:rPr>
-              <a:t>2</a:t>
-            </a:r>
-            <a:r>
-              <a:rPr b="0" lang="en-IN" sz="1800" spc="-1" strike="noStrike">
-                <a:solidFill>
-                  <a:srgbClr val="808080"/>
-                </a:solidFill>
-                <a:latin typeface="Arial"/>
-                <a:ea typeface="SimSun"/>
-              </a:rPr>
-              <a:t>7</a:t>
-            </a:r>
-            <a:r>
-              <a:rPr b="0" lang="en-IN" sz="1800" spc="-1" strike="noStrike">
-                <a:solidFill>
-                  <a:srgbClr val="808080"/>
-                </a:solidFill>
-                <a:latin typeface="Arial"/>
-                <a:ea typeface="SimSun"/>
-              </a:rPr>
-              <a:t>.</a:t>
-            </a:r>
-            <a:r>
-              <a:rPr b="0" lang="en-IN" sz="1800" spc="-1" strike="noStrike">
-                <a:solidFill>
-                  <a:srgbClr val="808080"/>
-                </a:solidFill>
-                <a:latin typeface="Arial"/>
-                <a:ea typeface="SimSun"/>
-              </a:rPr>
-              <a:t>0</a:t>
-            </a:r>
-            <a:r>
-              <a:rPr b="0" lang="en-IN" sz="1800" spc="-1" strike="noStrike">
-                <a:solidFill>
-                  <a:srgbClr val="808080"/>
-                </a:solidFill>
-                <a:latin typeface="Arial"/>
-                <a:ea typeface="SimSun"/>
-              </a:rPr>
-              <a:t>.</a:t>
-            </a:r>
-            <a:r>
-              <a:rPr b="0" lang="en-IN" sz="1800" spc="-1" strike="noStrike">
-                <a:solidFill>
-                  <a:srgbClr val="808080"/>
-                </a:solidFill>
-                <a:latin typeface="Arial"/>
-                <a:ea typeface="SimSun"/>
-              </a:rPr>
-              <a:t>0</a:t>
-            </a:r>
-            <a:r>
-              <a:rPr b="0" lang="en-IN" sz="1800" spc="-1" strike="noStrike">
-                <a:solidFill>
-                  <a:srgbClr val="808080"/>
-                </a:solidFill>
-                <a:latin typeface="Arial"/>
-                <a:ea typeface="SimSun"/>
-              </a:rPr>
-              <a:t>.</a:t>
-            </a:r>
-            <a:r>
-              <a:rPr b="0" lang="en-IN" sz="1800" spc="-1" strike="noStrike">
-                <a:solidFill>
-                  <a:srgbClr val="808080"/>
-                </a:solidFill>
-                <a:latin typeface="Arial"/>
-                <a:ea typeface="SimSun"/>
-              </a:rPr>
-              <a:t>1</a:t>
-            </a:r>
-            <a:r>
-              <a:rPr b="0" lang="en-IN" sz="1800" spc="-1" strike="noStrike">
-                <a:solidFill>
-                  <a:srgbClr val="808080"/>
-                </a:solidFill>
-                <a:latin typeface="Arial"/>
-                <a:ea typeface="SimSun"/>
-              </a:rPr>
-              <a:t>:</a:t>
-            </a:r>
-            <a:r>
-              <a:rPr b="0" lang="en-IN" sz="1800" spc="-1" strike="noStrike">
-                <a:solidFill>
-                  <a:srgbClr val="808080"/>
-                </a:solidFill>
-                <a:latin typeface="Arial"/>
-                <a:ea typeface="SimSun"/>
-              </a:rPr>
-              <a:t>6</a:t>
-            </a:r>
-            <a:r>
-              <a:rPr b="0" lang="en-IN" sz="1800" spc="-1" strike="noStrike">
-                <a:solidFill>
-                  <a:srgbClr val="808080"/>
-                </a:solidFill>
-                <a:latin typeface="Arial"/>
-                <a:ea typeface="SimSun"/>
-              </a:rPr>
-              <a:t>3</a:t>
-            </a:r>
-            <a:r>
-              <a:rPr b="0" lang="en-IN" sz="1800" spc="-1" strike="noStrike">
-                <a:solidFill>
-                  <a:srgbClr val="808080"/>
-                </a:solidFill>
-                <a:latin typeface="Arial"/>
-                <a:ea typeface="SimSun"/>
-              </a:rPr>
-              <a:t>7</a:t>
-            </a:r>
-            <a:r>
-              <a:rPr b="0" lang="en-IN" sz="1800" spc="-1" strike="noStrike">
-                <a:solidFill>
-                  <a:srgbClr val="808080"/>
-                </a:solidFill>
-                <a:latin typeface="Arial"/>
-                <a:ea typeface="SimSun"/>
-              </a:rPr>
-              <a:t>9</a:t>
-            </a:r>
-            <a:r>
-              <a:rPr b="0" lang="en-IN" sz="1800" spc="-1" strike="noStrike">
-                <a:solidFill>
-                  <a:srgbClr val="808080"/>
-                </a:solidFill>
-                <a:latin typeface="Arial"/>
-                <a:ea typeface="SimSun"/>
-              </a:rPr>
-              <a:t>&gt;</a:t>
-            </a:r>
-            <a:r>
-              <a:rPr b="0" lang="en-IN" sz="1800" spc="-1" strike="noStrike">
-                <a:solidFill>
-                  <a:srgbClr val="808080"/>
-                </a:solidFill>
-                <a:latin typeface="Arial"/>
-                <a:ea typeface="SimSun"/>
-              </a:rPr>
-              <a:t> </a:t>
-            </a:r>
-            <a:r>
-              <a:rPr b="0" lang="en-IN" sz="1800" spc="-1" strike="noStrike">
-                <a:solidFill>
-                  <a:srgbClr val="ff5733"/>
-                </a:solidFill>
-                <a:latin typeface="Arial"/>
-                <a:ea typeface="SimSun"/>
-              </a:rPr>
-              <a:t>t</a:t>
-            </a:r>
-            <a:r>
-              <a:rPr b="0" lang="en-IN" sz="1800" spc="-1" strike="noStrike">
-                <a:solidFill>
-                  <a:srgbClr val="ff5733"/>
-                </a:solidFill>
-                <a:latin typeface="Arial"/>
-                <a:ea typeface="SimSun"/>
-              </a:rPr>
-              <a:t>t</a:t>
-            </a:r>
-            <a:r>
-              <a:rPr b="0" lang="en-IN" sz="1800" spc="-1" strike="noStrike">
-                <a:solidFill>
-                  <a:srgbClr val="ff5733"/>
-                </a:solidFill>
-                <a:latin typeface="Arial"/>
-                <a:ea typeface="SimSun"/>
-              </a:rPr>
-              <a:t>l</a:t>
-            </a:r>
-            <a:r>
-              <a:rPr b="0" lang="en-IN" sz="1800" spc="-1" strike="noStrike">
-                <a:solidFill>
-                  <a:srgbClr val="ff5733"/>
-                </a:solidFill>
-                <a:latin typeface="Arial"/>
-                <a:ea typeface="SimSun"/>
-              </a:rPr>
-              <a:t> </a:t>
-            </a:r>
-            <a:r>
-              <a:rPr b="0" lang="en-IN" sz="1800" spc="-1" strike="noStrike">
-                <a:solidFill>
-                  <a:srgbClr val="ff5733"/>
-                </a:solidFill>
-                <a:latin typeface="Arial"/>
-                <a:ea typeface="SimSun"/>
-              </a:rPr>
-              <a:t>p</a:t>
-            </a:r>
-            <a:r>
-              <a:rPr b="0" lang="en-IN" sz="1800" spc="-1" strike="noStrike">
-                <a:solidFill>
-                  <a:srgbClr val="ff5733"/>
-                </a:solidFill>
-                <a:latin typeface="Arial"/>
-                <a:ea typeface="SimSun"/>
-              </a:rPr>
-              <a:t>a</a:t>
-            </a:r>
-            <a:r>
-              <a:rPr b="0" lang="en-IN" sz="1800" spc="-1" strike="noStrike">
-                <a:solidFill>
-                  <a:srgbClr val="ff5733"/>
-                </a:solidFill>
-                <a:latin typeface="Arial"/>
-                <a:ea typeface="SimSun"/>
-              </a:rPr>
-              <a:t>s</a:t>
-            </a:r>
-            <a:r>
-              <a:rPr b="0" lang="en-IN" sz="1800" spc="-1" strike="noStrike">
-                <a:solidFill>
-                  <a:srgbClr val="ff5733"/>
-                </a:solidFill>
-                <a:latin typeface="Arial"/>
-                <a:ea typeface="SimSun"/>
-              </a:rPr>
-              <a:t>s</a:t>
-            </a:r>
-            <a:r>
-              <a:rPr b="0" lang="en-IN" sz="1800" spc="-1" strike="noStrike">
-                <a:solidFill>
-                  <a:srgbClr val="ff5733"/>
-                </a:solidFill>
-                <a:latin typeface="Arial"/>
-                <a:ea typeface="SimSun"/>
-              </a:rPr>
-              <a:t>w</a:t>
-            </a:r>
-            <a:r>
-              <a:rPr b="0" lang="en-IN" sz="1800" spc="-1" strike="noStrike">
-                <a:solidFill>
-                  <a:srgbClr val="ff5733"/>
-                </a:solidFill>
-                <a:latin typeface="Arial"/>
-                <a:ea typeface="SimSun"/>
-              </a:rPr>
-              <a:t>o</a:t>
-            </a:r>
-            <a:r>
-              <a:rPr b="0" lang="en-IN" sz="1800" spc="-1" strike="noStrike">
-                <a:solidFill>
-                  <a:srgbClr val="ff5733"/>
-                </a:solidFill>
-                <a:latin typeface="Arial"/>
-                <a:ea typeface="SimSun"/>
-              </a:rPr>
-              <a:t>r</a:t>
-            </a:r>
-            <a:r>
-              <a:rPr b="0" lang="en-IN" sz="1800" spc="-1" strike="noStrike">
-                <a:solidFill>
-                  <a:srgbClr val="ff5733"/>
-                </a:solidFill>
-                <a:latin typeface="Arial"/>
-                <a:ea typeface="SimSun"/>
-              </a:rPr>
-              <a:t>d</a:t>
-            </a:r>
-            <a:r>
-              <a:rPr b="0" lang="en-IN" sz="1800" spc="-1" strike="noStrike">
-                <a:solidFill>
-                  <a:srgbClr val="ff5733"/>
-                </a:solidFill>
-                <a:latin typeface="Arial"/>
-                <a:ea typeface="SimSun"/>
-              </a:rPr>
-              <a:t>:</a:t>
-            </a:r>
-            <a:r>
-              <a:rPr b="0" lang="en-IN" sz="1800" spc="-1" strike="noStrike">
-                <a:solidFill>
-                  <a:srgbClr val="ff5733"/>
-                </a:solidFill>
-                <a:latin typeface="Arial"/>
-                <a:ea typeface="SimSun"/>
-              </a:rPr>
-              <a:t>1</a:t>
+              <a:t>ttl password:1</a:t>
             </a:r>
             <a:endParaRPr b="0" lang="en-IN" sz="1800" spc="-1" strike="noStrike">
               <a:latin typeface="Arial"/>
@@ -8461,39 +7428,16 @@
           <a:chExt cx="0" cy="0"/>
         </a:xfrm>
       </p:grpSpPr>
-      <p:pic>
-        <p:nvPicPr>
-          <p:cNvPr id="166" name="Picture 2" descr="http://www.bvctch.vn/vnt_upload/weblink/thks.jpg"/>
-          <p:cNvPicPr/>
-          <p:nvPr/>
-        </p:nvPicPr>
-        <p:blipFill>
-          <a:blip r:embed="rId1"/>
-          <a:stretch/>
-        </p:blipFill>
-        <p:spPr>
-          <a:xfrm>
-            <a:off x="4295880" y="2030400"/>
-            <a:ext cx="3140640" cy="4826520"/>
-          </a:xfrm>
-          <a:prstGeom prst="rect">
-            <a:avLst/>
-          </a:prstGeom>
-          <a:ln>
-            <a:noFill/>
-          </a:ln>
-        </p:spPr>
-      </p:pic>
-      <p:sp>
-        <p:nvSpPr>
-          <p:cNvPr id="167" name="CustomShape 1"/>
+      <p:sp>
+        <p:nvSpPr>
+          <p:cNvPr id="166" name="CustomShape 1"/>
           <p:cNvSpPr/>
           <p:nvPr/>
         </p:nvSpPr>
         <p:spPr>
           <a:xfrm>
-            <a:off x="1365840" y="188640"/>
-            <a:ext cx="9681840" cy="2192400"/>
+            <a:off x="1676520" y="2362320"/>
+            <a:ext cx="8837640" cy="2284200"/>
           </a:xfrm>
           <a:prstGeom prst="rect">
             <a:avLst/>
@@ -8520,56 +7464,109 @@
               </a:lnSpc>
             </a:pPr>
             <a:r>
-              <a:rPr b="0" lang="en-IN" sz="4000" spc="-1" strike="noStrike">
-                <a:solidFill>
-                  <a:srgbClr val="ff5733"/>
-                </a:solidFill>
-                <a:latin typeface="Segoe Print"/>
+              <a:rPr b="0" i="1" lang="en-IN" sz="7200" spc="-1" strike="noStrike">
+                <a:solidFill>
+                  <a:srgbClr val="f7c120"/>
+                </a:solidFill>
+                <a:latin typeface="Century"/>
                 <a:ea typeface="DejaVu Sans"/>
               </a:rPr>
-              <a:t>“</a:t>
-            </a:r>
-            <a:r>
-              <a:rPr b="0" lang="en-US" sz="4000" spc="-1" strike="noStrike">
-                <a:solidFill>
-                  <a:srgbClr val="ff5733"/>
-                </a:solidFill>
-                <a:latin typeface="Segoe Print"/>
+              <a:t>mset </a:t>
+            </a:r>
+            <a:r>
+              <a:rPr b="0" i="1" lang="en-IN" sz="7200" spc="-1" strike="noStrike">
+                <a:solidFill>
+                  <a:srgbClr val="f7c120"/>
+                </a:solidFill>
+                <a:latin typeface="Century"/>
                 <a:ea typeface="DejaVu Sans"/>
               </a:rPr>
-              <a:t>Accept your past without regret, handle our present with confidence and face your future without fear.</a:t>
-            </a:r>
-            <a:r>
-              <a:rPr b="0" lang="en-IN" sz="4000" spc="-1" strike="noStrike">
-                <a:solidFill>
-                  <a:srgbClr val="ff5733"/>
-                </a:solidFill>
-                <a:latin typeface="Segoe Print"/>
+              <a:t>key </a:t>
+            </a:r>
+            <a:r>
+              <a:rPr b="0" i="1" lang="en-IN" sz="7200" spc="-1" strike="noStrike">
+                <a:solidFill>
+                  <a:srgbClr val="f7c120"/>
+                </a:solidFill>
+                <a:latin typeface="Century"/>
                 <a:ea typeface="DejaVu Sans"/>
               </a:rPr>
-              <a:t>”</a:t>
-            </a:r>
-            <a:endParaRPr b="0" lang="en-IN" sz="4000" spc="-1" strike="noStrike">
-              <a:latin typeface="Arial"/>
-            </a:endParaRPr>
-          </a:p>
-          <a:p>
-            <a:pPr algn="r">
+              <a:t>&amp; </a:t>
+            </a:r>
+            <a:r>
+              <a:rPr b="0" i="1" lang="en-IN" sz="7200" spc="-1" strike="noStrike">
+                <a:solidFill>
+                  <a:srgbClr val="f7c120"/>
+                </a:solidFill>
+                <a:latin typeface="Century"/>
+                <a:ea typeface="DejaVu Sans"/>
+              </a:rPr>
+              <a:t>mge</a:t>
+            </a:r>
+            <a:r>
+              <a:rPr b="0" i="1" lang="en-IN" sz="7200" spc="-1" strike="noStrike">
+                <a:solidFill>
+                  <a:srgbClr val="f7c120"/>
+                </a:solidFill>
+                <a:latin typeface="Century"/>
+                <a:ea typeface="DejaVu Sans"/>
+              </a:rPr>
+              <a:t>t key</a:t>
+            </a:r>
+            <a:endParaRPr b="0" lang="en-IN" sz="7200" spc="-1" strike="noStrike">
+              <a:latin typeface="Arial"/>
+            </a:endParaRPr>
+          </a:p>
+        </p:txBody>
+      </p:sp>
+      <p:sp>
+        <p:nvSpPr>
+          <p:cNvPr id="167" name="CustomShape 2"/>
+          <p:cNvSpPr/>
+          <p:nvPr/>
+        </p:nvSpPr>
+        <p:spPr>
+          <a:xfrm>
+            <a:off x="1676520" y="3531600"/>
+            <a:ext cx="8837640" cy="424800"/>
+          </a:xfrm>
+          <a:prstGeom prst="rect">
+            <a:avLst/>
+          </a:prstGeom>
+          <a:solidFill>
+            <a:schemeClr val="bg1"/>
+          </a:solidFill>
+          <a:ln>
+            <a:noFill/>
+          </a:ln>
+        </p:spPr>
+        <p:style>
+          <a:lnRef idx="0"/>
+          <a:fillRef idx="0"/>
+          <a:effectRef idx="0"/>
+          <a:fontRef idx="minor"/>
+        </p:style>
+        <p:txBody>
+          <a:bodyPr lIns="90000" rIns="90000" tIns="45000" bIns="45000">
+            <a:spAutoFit/>
+          </a:bodyPr>
+          <a:p>
+            <a:pPr>
               <a:lnSpc>
                 <a:spcPct val="100000"/>
               </a:lnSpc>
             </a:pPr>
             <a:r>
-              <a:rPr b="0" lang="en-IN" sz="1800" spc="-1" strike="noStrike">
-                <a:solidFill>
-                  <a:srgbClr val="111111"/>
-                </a:solidFill>
-                <a:latin typeface="-apple-system"/>
+              <a:rPr b="0" lang="en-US" sz="2200" spc="-1" strike="noStrike">
+                <a:solidFill>
+                  <a:srgbClr val="bb0643"/>
+                </a:solidFill>
+                <a:latin typeface="Segoe UI"/>
                 <a:ea typeface="DejaVu Sans"/>
               </a:rPr>
-              <a:t>~ Dr. APJ. Abdul Kalam</a:t>
-            </a:r>
-            <a:endParaRPr b="0" lang="en-IN" sz="1800" spc="-1" strike="noStrike">
+              <a:t>TODO</a:t>
+            </a:r>
+            <a:endParaRPr b="0" lang="en-IN" sz="2200" spc="-1" strike="noStrike">
               <a:latin typeface="Arial"/>
             </a:endParaRPr>
           </a:p>
@@ -8614,7 +7611,7 @@
         <p:spPr>
           <a:xfrm>
             <a:off x="1676520" y="2362320"/>
-            <a:ext cx="8838000" cy="1186920"/>
+            <a:ext cx="8837640" cy="1186920"/>
           </a:xfrm>
           <a:prstGeom prst="rect">
             <a:avLst/>
@@ -8665,7 +7662,7 @@
         <p:spPr>
           <a:xfrm>
             <a:off x="1676520" y="3531600"/>
-            <a:ext cx="8838000" cy="2100960"/>
+            <a:ext cx="8837640" cy="2100600"/>
           </a:xfrm>
           <a:prstGeom prst="rect">
             <a:avLst/>
@@ -8718,7 +7715,7 @@
         <p:spPr>
           <a:xfrm>
             <a:off x="1666800" y="609480"/>
-            <a:ext cx="8838000" cy="394560"/>
+            <a:ext cx="8837640" cy="394560"/>
           </a:xfrm>
           <a:prstGeom prst="rect">
             <a:avLst/>
@@ -8755,6 +7752,606 @@
               <a:t>TODO</a:t>
             </a:r>
             <a:endParaRPr b="0" lang="en-IN" sz="2000" spc="-1" strike="noStrike">
+              <a:latin typeface="Arial"/>
+            </a:endParaRPr>
+          </a:p>
+        </p:txBody>
+      </p:sp>
+    </p:spTree>
+  </p:cSld>
+  <mc:AlternateContent>
+    <mc:Choice Requires="p14">
+      <p:transition spd="slow" p14:dur="2000"/>
+    </mc:Choice>
+    <mc:Fallback>
+      <p:transition spd="slow"/>
+    </mc:Fallback>
+  </mc:AlternateContent>
+</p:sld>
+</file>
+
+<file path=ppt/slides/slide20.xml><?xml version="1.0" encoding="utf-8"?>
+<p:sld xmlns:a="http://schemas.openxmlformats.org/drawingml/2006/main" xmlns:p="http://schemas.openxmlformats.org/presentationml/2006/main" xmlns:r="http://schemas.openxmlformats.org/officeDocument/2006/relationships" xmlns:p14="http://schemas.microsoft.com/office/powerpoint/2010/main" xmlns:p15="http://schemas.microsoft.com/office/powerpoint/2012/main" xmlns:mc="http://schemas.openxmlformats.org/markup-compatibility/2006">
+  <p:cSld>
+    <p:spTree>
+      <p:nvGrpSpPr>
+        <p:cNvPr id="1" name=""/>
+        <p:cNvGrpSpPr/>
+        <p:nvPr/>
+      </p:nvGrpSpPr>
+      <p:grpSpPr>
+        <a:xfrm>
+          <a:off x="0" y="0"/>
+          <a:ext cx="0" cy="0"/>
+          <a:chOff x="0" y="0"/>
+          <a:chExt cx="0" cy="0"/>
+        </a:xfrm>
+      </p:grpSpPr>
+      <p:sp>
+        <p:nvSpPr>
+          <p:cNvPr id="168" name="Line 1"/>
+          <p:cNvSpPr/>
+          <p:nvPr/>
+        </p:nvSpPr>
+        <p:spPr>
+          <a:xfrm>
+            <a:off x="1523880" y="1981080"/>
+            <a:ext cx="9144000" cy="1440"/>
+          </a:xfrm>
+          <a:prstGeom prst="line">
+            <a:avLst/>
+          </a:prstGeom>
+          <a:ln w="12600">
+            <a:solidFill>
+              <a:srgbClr val="6e78a0"/>
+            </a:solidFill>
+            <a:prstDash val="dash"/>
+            <a:round/>
+          </a:ln>
+        </p:spPr>
+        <p:style>
+          <a:lnRef idx="1">
+            <a:schemeClr val="accent1"/>
+          </a:lnRef>
+          <a:fillRef idx="0">
+            <a:schemeClr val="accent1"/>
+          </a:fillRef>
+          <a:effectRef idx="0">
+            <a:schemeClr val="accent1"/>
+          </a:effectRef>
+          <a:fontRef idx="minor"/>
+        </p:style>
+      </p:sp>
+      <p:sp>
+        <p:nvSpPr>
+          <p:cNvPr id="169" name="CustomShape 2"/>
+          <p:cNvSpPr/>
+          <p:nvPr/>
+        </p:nvSpPr>
+        <p:spPr>
+          <a:xfrm>
+            <a:off x="1523880" y="0"/>
+            <a:ext cx="9142560" cy="699120"/>
+          </a:xfrm>
+          <a:prstGeom prst="rect">
+            <a:avLst/>
+          </a:prstGeom>
+          <a:solidFill>
+            <a:schemeClr val="accent6">
+              <a:lumMod val="75000"/>
+            </a:schemeClr>
+          </a:solidFill>
+          <a:ln>
+            <a:noFill/>
+          </a:ln>
+        </p:spPr>
+        <p:style>
+          <a:lnRef idx="0"/>
+          <a:fillRef idx="0"/>
+          <a:effectRef idx="0"/>
+          <a:fontRef idx="minor"/>
+        </p:style>
+        <p:txBody>
+          <a:bodyPr lIns="90000" rIns="90000" tIns="45000" bIns="45000">
+            <a:spAutoFit/>
+          </a:bodyPr>
+          <a:p>
+            <a:pPr algn="ctr">
+              <a:lnSpc>
+                <a:spcPct val="100000"/>
+              </a:lnSpc>
+            </a:pPr>
+            <a:r>
+              <a:rPr b="0" lang="en-IN" sz="4000" spc="-1" strike="noStrike">
+                <a:solidFill>
+                  <a:srgbClr val="f7c120"/>
+                </a:solidFill>
+                <a:latin typeface="Open Sans"/>
+                <a:ea typeface="DejaVu Sans"/>
+              </a:rPr>
+              <a:t>mset &amp; mget</a:t>
+            </a:r>
+            <a:endParaRPr b="0" lang="en-IN" sz="4000" spc="-1" strike="noStrike">
+              <a:latin typeface="Arial"/>
+            </a:endParaRPr>
+          </a:p>
+        </p:txBody>
+      </p:sp>
+      <p:sp>
+        <p:nvSpPr>
+          <p:cNvPr id="170" name="CustomShape 3"/>
+          <p:cNvSpPr/>
+          <p:nvPr/>
+        </p:nvSpPr>
+        <p:spPr>
+          <a:xfrm>
+            <a:off x="1600200" y="762120"/>
+            <a:ext cx="8990280" cy="1187640"/>
+          </a:xfrm>
+          <a:prstGeom prst="rect">
+            <a:avLst/>
+          </a:prstGeom>
+          <a:noFill/>
+          <a:ln>
+            <a:noFill/>
+          </a:ln>
+        </p:spPr>
+        <p:style>
+          <a:lnRef idx="0"/>
+          <a:fillRef idx="0"/>
+          <a:effectRef idx="0"/>
+          <a:fontRef idx="minor"/>
+        </p:style>
+        <p:txBody>
+          <a:bodyPr lIns="90000" rIns="90000" tIns="45000" bIns="45000">
+            <a:spAutoFit/>
+          </a:bodyPr>
+          <a:p>
+            <a:pPr algn="just">
+              <a:lnSpc>
+                <a:spcPct val="100000"/>
+              </a:lnSpc>
+            </a:pPr>
+            <a:r>
+              <a:rPr b="1" lang="en-US" sz="1800" spc="-1" strike="noStrike">
+                <a:solidFill>
+                  <a:srgbClr val="000000"/>
+                </a:solidFill>
+                <a:latin typeface="Arial"/>
+                <a:ea typeface="DejaVu Sans"/>
+              </a:rPr>
+              <a:t>MSET</a:t>
+            </a:r>
+            <a:r>
+              <a:rPr b="0" lang="en-US" sz="1800" spc="-1" strike="noStrike">
+                <a:solidFill>
+                  <a:srgbClr val="000000"/>
+                </a:solidFill>
+                <a:latin typeface="Arial"/>
+                <a:ea typeface="DejaVu Sans"/>
+              </a:rPr>
+              <a:t> sets the given keys to their respective values. MSET replaces existing values with new values, just as regular SET.</a:t>
+            </a:r>
+            <a:endParaRPr b="0" lang="en-IN" sz="1800" spc="-1" strike="noStrike">
+              <a:latin typeface="Arial"/>
+            </a:endParaRPr>
+          </a:p>
+          <a:p>
+            <a:pPr algn="just">
+              <a:lnSpc>
+                <a:spcPct val="100000"/>
+              </a:lnSpc>
+            </a:pPr>
+            <a:r>
+              <a:rPr b="1" lang="en-US" sz="1800" spc="-1" strike="noStrike">
+                <a:solidFill>
+                  <a:srgbClr val="000000"/>
+                </a:solidFill>
+                <a:latin typeface="Arial"/>
+                <a:ea typeface="DejaVu Sans"/>
+              </a:rPr>
+              <a:t>MGET</a:t>
+            </a:r>
+            <a:r>
+              <a:rPr b="0" lang="en-US" sz="1800" spc="-1" strike="noStrike">
+                <a:solidFill>
+                  <a:srgbClr val="000000"/>
+                </a:solidFill>
+                <a:latin typeface="Arial"/>
+                <a:ea typeface="DejaVu Sans"/>
+              </a:rPr>
+              <a:t> returns the values of all specified keys. For every key that does not hold a string value or does not exist, the special value nil is returned.</a:t>
+            </a:r>
+            <a:endParaRPr b="0" lang="en-IN" sz="1800" spc="-1" strike="noStrike">
+              <a:latin typeface="Arial"/>
+            </a:endParaRPr>
+          </a:p>
+        </p:txBody>
+      </p:sp>
+      <p:sp>
+        <p:nvSpPr>
+          <p:cNvPr id="171" name="CustomShape 4"/>
+          <p:cNvSpPr/>
+          <p:nvPr/>
+        </p:nvSpPr>
+        <p:spPr>
+          <a:xfrm>
+            <a:off x="152280" y="152280"/>
+            <a:ext cx="1105200" cy="455400"/>
+          </a:xfrm>
+          <a:prstGeom prst="rect">
+            <a:avLst/>
+          </a:prstGeom>
+          <a:noFill/>
+          <a:ln>
+            <a:noFill/>
+          </a:ln>
+        </p:spPr>
+        <p:style>
+          <a:lnRef idx="0"/>
+          <a:fillRef idx="0"/>
+          <a:effectRef idx="0"/>
+          <a:fontRef idx="minor"/>
+        </p:style>
+        <p:txBody>
+          <a:bodyPr lIns="90000" rIns="90000" tIns="45000" bIns="45000">
+            <a:spAutoFit/>
+          </a:bodyPr>
+          <a:p>
+            <a:pPr algn="just">
+              <a:lnSpc>
+                <a:spcPct val="100000"/>
+              </a:lnSpc>
+            </a:pPr>
+            <a:r>
+              <a:rPr b="0" lang="en-IN" sz="2400" spc="-1" strike="noStrike">
+                <a:solidFill>
+                  <a:srgbClr val="ff0000"/>
+                </a:solidFill>
+                <a:latin typeface="Times New Roman"/>
+                <a:ea typeface="DejaVu Sans"/>
+              </a:rPr>
+              <a:t>TODO</a:t>
+            </a:r>
+            <a:endParaRPr b="0" lang="en-IN" sz="2400" spc="-1" strike="noStrike">
+              <a:latin typeface="Arial"/>
+            </a:endParaRPr>
+          </a:p>
+        </p:txBody>
+      </p:sp>
+      <p:sp>
+        <p:nvSpPr>
+          <p:cNvPr id="172" name="CustomShape 5"/>
+          <p:cNvSpPr/>
+          <p:nvPr/>
+        </p:nvSpPr>
+        <p:spPr>
+          <a:xfrm>
+            <a:off x="1601280" y="2221560"/>
+            <a:ext cx="8989200" cy="699480"/>
+          </a:xfrm>
+          <a:prstGeom prst="rect">
+            <a:avLst/>
+          </a:prstGeom>
+          <a:noFill/>
+          <a:ln>
+            <a:noFill/>
+          </a:ln>
+        </p:spPr>
+        <p:style>
+          <a:lnRef idx="0"/>
+          <a:fillRef idx="0"/>
+          <a:effectRef idx="0"/>
+          <a:fontRef idx="minor"/>
+        </p:style>
+        <p:txBody>
+          <a:bodyPr lIns="90000" rIns="90000" tIns="45000" bIns="45000">
+            <a:spAutoFit/>
+          </a:bodyPr>
+          <a:p>
+            <a:pPr>
+              <a:lnSpc>
+                <a:spcPct val="100000"/>
+              </a:lnSpc>
+            </a:pPr>
+            <a:r>
+              <a:rPr b="0" lang="en-US" sz="2000" spc="-1" strike="noStrike">
+                <a:solidFill>
+                  <a:srgbClr val="00b0f0"/>
+                </a:solidFill>
+                <a:latin typeface="Consolas"/>
+                <a:ea typeface="DejaVu Sans"/>
+              </a:rPr>
+              <a:t>MSET key value [key value …]</a:t>
+            </a:r>
+            <a:endParaRPr b="0" lang="en-IN" sz="2000" spc="-1" strike="noStrike">
+              <a:latin typeface="Arial"/>
+            </a:endParaRPr>
+          </a:p>
+          <a:p>
+            <a:pPr>
+              <a:lnSpc>
+                <a:spcPct val="100000"/>
+              </a:lnSpc>
+            </a:pPr>
+            <a:r>
+              <a:rPr b="0" lang="en-US" sz="2000" spc="-1" strike="noStrike">
+                <a:solidFill>
+                  <a:srgbClr val="00b0f0"/>
+                </a:solidFill>
+                <a:latin typeface="Consolas"/>
+                <a:ea typeface="DejaVu Sans"/>
+              </a:rPr>
+              <a:t>MGET key [key ...]</a:t>
+            </a:r>
+            <a:endParaRPr b="0" lang="en-IN" sz="2000" spc="-1" strike="noStrike">
+              <a:latin typeface="Arial"/>
+            </a:endParaRPr>
+          </a:p>
+        </p:txBody>
+      </p:sp>
+      <p:sp>
+        <p:nvSpPr>
+          <p:cNvPr id="173" name="CustomShape 6"/>
+          <p:cNvSpPr/>
+          <p:nvPr/>
+        </p:nvSpPr>
+        <p:spPr>
+          <a:xfrm>
+            <a:off x="1600200" y="3153600"/>
+            <a:ext cx="8888400" cy="1324800"/>
+          </a:xfrm>
+          <a:prstGeom prst="rect">
+            <a:avLst/>
+          </a:prstGeom>
+          <a:solidFill>
+            <a:schemeClr val="bg1"/>
+          </a:solidFill>
+          <a:ln>
+            <a:noFill/>
+          </a:ln>
+        </p:spPr>
+        <p:style>
+          <a:lnRef idx="0"/>
+          <a:fillRef idx="0"/>
+          <a:effectRef idx="0"/>
+          <a:fontRef idx="minor"/>
+        </p:style>
+        <p:txBody>
+          <a:bodyPr lIns="90000" rIns="90000" tIns="45000" bIns="45000">
+            <a:spAutoFit/>
+          </a:bodyPr>
+          <a:p>
+            <a:pPr marL="285840" indent="-284400">
+              <a:lnSpc>
+                <a:spcPct val="150000"/>
+              </a:lnSpc>
+              <a:buClr>
+                <a:srgbClr val="808080"/>
+              </a:buClr>
+              <a:buFont typeface="Arial"/>
+              <a:buChar char="•"/>
+            </a:pPr>
+            <a:r>
+              <a:rPr b="0" lang="en-IN" sz="1800" spc="-1" strike="noStrike">
+                <a:solidFill>
+                  <a:srgbClr val="808080"/>
+                </a:solidFill>
+                <a:latin typeface="Arial"/>
+                <a:ea typeface="SimSun"/>
+              </a:rPr>
+              <a:t>127.0.0.1:6379&gt;</a:t>
+            </a:r>
+            <a:r>
+              <a:rPr b="0" lang="en-IN" sz="1800" spc="-1" strike="noStrike">
+                <a:solidFill>
+                  <a:srgbClr val="000000"/>
+                </a:solidFill>
+                <a:latin typeface="Arial"/>
+                <a:ea typeface="SimSun"/>
+              </a:rPr>
+              <a:t> </a:t>
+            </a:r>
+            <a:r>
+              <a:rPr b="0" lang="en-IN" sz="1800" spc="-1" strike="noStrike">
+                <a:solidFill>
+                  <a:srgbClr val="ff5733"/>
+                </a:solidFill>
+                <a:latin typeface="Arial"/>
+                <a:ea typeface="SimSun"/>
+              </a:rPr>
+              <a:t>mset server:2 linux user:2 administrator password:2 admin server:3 windown2021 user:3 iet password:3 iet</a:t>
+            </a:r>
+            <a:endParaRPr b="0" lang="en-IN" sz="1800" spc="-1" strike="noStrike">
+              <a:latin typeface="Arial"/>
+            </a:endParaRPr>
+          </a:p>
+          <a:p>
+            <a:pPr marL="285840" indent="-284400">
+              <a:lnSpc>
+                <a:spcPct val="150000"/>
+              </a:lnSpc>
+              <a:buClr>
+                <a:srgbClr val="808080"/>
+              </a:buClr>
+              <a:buFont typeface="Arial"/>
+              <a:buChar char="•"/>
+            </a:pPr>
+            <a:r>
+              <a:rPr b="0" lang="en-IN" sz="1800" spc="-1" strike="noStrike">
+                <a:solidFill>
+                  <a:srgbClr val="808080"/>
+                </a:solidFill>
+                <a:latin typeface="Arial"/>
+                <a:ea typeface="SimSun"/>
+              </a:rPr>
+              <a:t>127.0.0.1:6379&gt;</a:t>
+            </a:r>
+            <a:r>
+              <a:rPr b="0" lang="en-IN" sz="1800" spc="-1" strike="noStrike">
+                <a:solidFill>
+                  <a:srgbClr val="000000"/>
+                </a:solidFill>
+                <a:latin typeface="Arial"/>
+                <a:ea typeface="SimSun"/>
+              </a:rPr>
+              <a:t> </a:t>
+            </a:r>
+            <a:r>
+              <a:rPr b="0" lang="en-IN" sz="1800" spc="-1" strike="noStrike">
+                <a:solidFill>
+                  <a:srgbClr val="ff5733"/>
+                </a:solidFill>
+                <a:latin typeface="Arial"/>
+                <a:ea typeface="SimSun"/>
+              </a:rPr>
+              <a:t>mget user:1 password:1 user:2 password:2 user:3 password:3</a:t>
+            </a:r>
+            <a:endParaRPr b="0" lang="en-IN" sz="1800" spc="-1" strike="noStrike">
+              <a:latin typeface="Arial"/>
+            </a:endParaRPr>
+          </a:p>
+        </p:txBody>
+      </p:sp>
+    </p:spTree>
+  </p:cSld>
+  <mc:AlternateContent>
+    <mc:Choice Requires="p14">
+      <p:transition spd="slow" p14:dur="2000"/>
+    </mc:Choice>
+    <mc:Fallback>
+      <p:transition spd="slow"/>
+    </mc:Fallback>
+  </mc:AlternateContent>
+</p:sld>
+</file>
+
+<file path=ppt/slides/slide21.xml><?xml version="1.0" encoding="utf-8"?>
+<p:sld xmlns:a="http://schemas.openxmlformats.org/drawingml/2006/main" xmlns:p="http://schemas.openxmlformats.org/presentationml/2006/main" xmlns:r="http://schemas.openxmlformats.org/officeDocument/2006/relationships" xmlns:p14="http://schemas.microsoft.com/office/powerpoint/2010/main" xmlns:p15="http://schemas.microsoft.com/office/powerpoint/2012/main" xmlns:mc="http://schemas.openxmlformats.org/markup-compatibility/2006">
+  <p:cSld>
+    <p:spTree>
+      <p:nvGrpSpPr>
+        <p:cNvPr id="1" name=""/>
+        <p:cNvGrpSpPr/>
+        <p:nvPr/>
+      </p:nvGrpSpPr>
+      <p:grpSpPr>
+        <a:xfrm>
+          <a:off x="0" y="0"/>
+          <a:ext cx="0" cy="0"/>
+          <a:chOff x="0" y="0"/>
+          <a:chExt cx="0" cy="0"/>
+        </a:xfrm>
+      </p:grpSpPr>
+      <p:pic>
+        <p:nvPicPr>
+          <p:cNvPr id="174" name="Picture 2" descr="http://www.bvctch.vn/vnt_upload/weblink/thks.jpg"/>
+          <p:cNvPicPr/>
+          <p:nvPr/>
+        </p:nvPicPr>
+        <p:blipFill>
+          <a:blip r:embed="rId1"/>
+          <a:stretch/>
+        </p:blipFill>
+        <p:spPr>
+          <a:xfrm>
+            <a:off x="4295880" y="2030400"/>
+            <a:ext cx="3140280" cy="4826160"/>
+          </a:xfrm>
+          <a:prstGeom prst="rect">
+            <a:avLst/>
+          </a:prstGeom>
+          <a:ln>
+            <a:noFill/>
+          </a:ln>
+        </p:spPr>
+      </p:pic>
+      <p:sp>
+        <p:nvSpPr>
+          <p:cNvPr id="175" name="CustomShape 1"/>
+          <p:cNvSpPr/>
+          <p:nvPr/>
+        </p:nvSpPr>
+        <p:spPr>
+          <a:xfrm>
+            <a:off x="1365840" y="188640"/>
+            <a:ext cx="9681480" cy="2192400"/>
+          </a:xfrm>
+          <a:prstGeom prst="rect">
+            <a:avLst/>
+          </a:prstGeom>
+          <a:noFill/>
+          <a:ln>
+            <a:noFill/>
+          </a:ln>
+        </p:spPr>
+        <p:style>
+          <a:lnRef idx="0"/>
+          <a:fillRef idx="0"/>
+          <a:effectRef idx="0"/>
+          <a:fontRef idx="minor"/>
+        </p:style>
+        <p:txBody>
+          <a:bodyPr lIns="90000" rIns="90000" tIns="45000" bIns="45000">
+            <a:spAutoFit/>
+          </a:bodyPr>
+          <a:p>
+            <a:pPr algn="ctr">
+              <a:lnSpc>
+                <a:spcPct val="100000"/>
+              </a:lnSpc>
+            </a:pPr>
+            <a:r>
+              <a:rPr b="0" lang="en-IN" sz="4000" spc="-1" strike="noStrike">
+                <a:solidFill>
+                  <a:srgbClr val="ff5733"/>
+                </a:solidFill>
+                <a:latin typeface="Segoe Print"/>
+                <a:ea typeface="DejaVu Sans"/>
+              </a:rPr>
+              <a:t>“</a:t>
+            </a:r>
+            <a:r>
+              <a:rPr b="0" lang="en-US" sz="4000" spc="-1" strike="noStrike">
+                <a:solidFill>
+                  <a:srgbClr val="ff5733"/>
+                </a:solidFill>
+                <a:latin typeface="Segoe Print"/>
+                <a:ea typeface="DejaVu Sans"/>
+              </a:rPr>
+              <a:t>Accept your past without regret, handle our present with confidence and face your future without fear.</a:t>
+            </a:r>
+            <a:r>
+              <a:rPr b="0" lang="en-IN" sz="4000" spc="-1" strike="noStrike">
+                <a:solidFill>
+                  <a:srgbClr val="ff5733"/>
+                </a:solidFill>
+                <a:latin typeface="Segoe Print"/>
+                <a:ea typeface="DejaVu Sans"/>
+              </a:rPr>
+              <a:t>”</a:t>
+            </a:r>
+            <a:endParaRPr b="0" lang="en-IN" sz="4000" spc="-1" strike="noStrike">
+              <a:latin typeface="Arial"/>
+            </a:endParaRPr>
+          </a:p>
+          <a:p>
+            <a:pPr algn="r">
+              <a:lnSpc>
+                <a:spcPct val="100000"/>
+              </a:lnSpc>
+            </a:pPr>
+            <a:r>
+              <a:rPr b="0" lang="en-IN" sz="1800" spc="-1" strike="noStrike">
+                <a:solidFill>
+                  <a:srgbClr val="111111"/>
+                </a:solidFill>
+                <a:latin typeface="-apple-system"/>
+                <a:ea typeface="DejaVu Sans"/>
+              </a:rPr>
+              <a:t>~ Dr. APJ. Abdul Kalam</a:t>
+            </a:r>
+            <a:endParaRPr b="0" lang="en-IN" sz="1800" spc="-1" strike="noStrike">
               <a:latin typeface="Arial"/>
             </a:endParaRPr>
           </a:p>
@@ -8834,7 +8431,7 @@
         <p:spPr>
           <a:xfrm>
             <a:off x="1523880" y="0"/>
-            <a:ext cx="9142920" cy="699120"/>
+            <a:ext cx="9142560" cy="699120"/>
           </a:xfrm>
           <a:prstGeom prst="rect">
             <a:avLst/>
@@ -8909,7 +8506,7 @@
         <p:spPr>
           <a:xfrm>
             <a:off x="1676520" y="2743200"/>
-            <a:ext cx="8838000" cy="1064520"/>
+            <a:ext cx="8837640" cy="1064520"/>
           </a:xfrm>
           <a:prstGeom prst="rect">
             <a:avLst/>
@@ -8932,7 +8529,7 @@
             <a:spAutoFit/>
           </a:bodyPr>
           <a:p>
-            <a:pPr marL="343080" indent="-342000">
+            <a:pPr marL="343080" indent="-341640">
               <a:lnSpc>
                 <a:spcPct val="100000"/>
               </a:lnSpc>
@@ -8987,7 +8584,7 @@
             </a:endParaRPr>
           </a:p>
           <a:p>
-            <a:pPr marL="343080" indent="-342000">
+            <a:pPr marL="343080" indent="-341640">
               <a:lnSpc>
                 <a:spcPct val="100000"/>
               </a:lnSpc>
@@ -9123,7 +8720,7 @@
         <p:spPr>
           <a:xfrm>
             <a:off x="1600200" y="762120"/>
-            <a:ext cx="8990640" cy="699480"/>
+            <a:ext cx="8990280" cy="699480"/>
           </a:xfrm>
           <a:prstGeom prst="rect">
             <a:avLst/>
@@ -9184,7 +8781,7 @@
         <p:spPr>
           <a:xfrm>
             <a:off x="1523880" y="4419720"/>
-            <a:ext cx="9142920" cy="973800"/>
+            <a:ext cx="9142560" cy="973800"/>
           </a:xfrm>
           <a:prstGeom prst="rect">
             <a:avLst/>
@@ -9235,7 +8832,7 @@
             </a:endParaRPr>
           </a:p>
           <a:p>
-            <a:pPr marL="285840" indent="-284760">
+            <a:pPr marL="285840" indent="-284400">
               <a:lnSpc>
                 <a:spcPct val="100000"/>
               </a:lnSpc>
@@ -9280,7 +8877,7 @@
         <p:spPr>
           <a:xfrm>
             <a:off x="1584000" y="5763960"/>
-            <a:ext cx="8711280" cy="355320"/>
+            <a:ext cx="8710920" cy="354960"/>
           </a:xfrm>
           <a:prstGeom prst="rect">
             <a:avLst/>
@@ -9381,7 +8978,7 @@
         <p:spPr>
           <a:xfrm>
             <a:off x="1676520" y="2362320"/>
-            <a:ext cx="8838000" cy="1186920"/>
+            <a:ext cx="8837640" cy="1186920"/>
           </a:xfrm>
           <a:prstGeom prst="rect">
             <a:avLst/>
@@ -9432,7 +9029,7 @@
         <p:spPr>
           <a:xfrm>
             <a:off x="1676520" y="3531600"/>
-            <a:ext cx="8838000" cy="424800"/>
+            <a:ext cx="8837640" cy="424800"/>
           </a:xfrm>
           <a:prstGeom prst="rect">
             <a:avLst/>
@@ -9550,7 +9147,7 @@
         <p:spPr>
           <a:xfrm>
             <a:off x="1523880" y="0"/>
-            <a:ext cx="9142920" cy="699120"/>
+            <a:ext cx="9142560" cy="699120"/>
           </a:xfrm>
           <a:prstGeom prst="rect">
             <a:avLst/>
@@ -9605,7 +9202,7 @@
         <p:spPr>
           <a:xfrm>
             <a:off x="1600200" y="762120"/>
-            <a:ext cx="8990640" cy="699840"/>
+            <a:ext cx="8990280" cy="699480"/>
           </a:xfrm>
           <a:prstGeom prst="rect">
             <a:avLst/>
@@ -9656,7 +9253,7 @@
         <p:spPr>
           <a:xfrm>
             <a:off x="152280" y="152280"/>
-            <a:ext cx="1105560" cy="455400"/>
+            <a:ext cx="1105200" cy="455400"/>
           </a:xfrm>
           <a:prstGeom prst="rect">
             <a:avLst/>
@@ -9707,7 +9304,7 @@
         <p:spPr>
           <a:xfrm>
             <a:off x="1601280" y="2221560"/>
-            <a:ext cx="8989560" cy="394560"/>
+            <a:ext cx="8989200" cy="394560"/>
           </a:xfrm>
           <a:prstGeom prst="rect">
             <a:avLst/>
@@ -9758,7 +9355,7 @@
         <p:spPr>
           <a:xfrm>
             <a:off x="1523880" y="2760480"/>
-            <a:ext cx="9419760" cy="2147040"/>
+            <a:ext cx="9419400" cy="2147040"/>
           </a:xfrm>
           <a:prstGeom prst="rect">
             <a:avLst/>
@@ -9781,7 +9378,7 @@
             <a:spAutoFit/>
           </a:bodyPr>
           <a:p>
-            <a:pPr marL="285840" indent="-284760">
+            <a:pPr marL="285840" indent="-284400">
               <a:lnSpc>
                 <a:spcPct val="150000"/>
               </a:lnSpc>
@@ -9826,7 +9423,7 @@
             </a:endParaRPr>
           </a:p>
           <a:p>
-            <a:pPr marL="285840" indent="-284760">
+            <a:pPr marL="285840" indent="-284400">
               <a:lnSpc>
                 <a:spcPct val="150000"/>
               </a:lnSpc>
@@ -9881,7 +9478,7 @@
             </a:endParaRPr>
           </a:p>
           <a:p>
-            <a:pPr marL="285840" indent="-284760">
+            <a:pPr marL="285840" indent="-284400">
               <a:lnSpc>
                 <a:spcPct val="150000"/>
               </a:lnSpc>
@@ -9926,7 +9523,7 @@
             </a:endParaRPr>
           </a:p>
           <a:p>
-            <a:pPr marL="285840" indent="-284760">
+            <a:pPr marL="285840" indent="-284400">
               <a:lnSpc>
                 <a:spcPct val="150000"/>
               </a:lnSpc>
@@ -9961,7 +9558,7 @@
         <p:spPr>
           <a:xfrm>
             <a:off x="1584000" y="5033520"/>
-            <a:ext cx="8855280" cy="1015920"/>
+            <a:ext cx="8854920" cy="1015560"/>
           </a:xfrm>
           <a:prstGeom prst="rect">
             <a:avLst/>
@@ -10012,7 +9609,7 @@
             </a:endParaRPr>
           </a:p>
           <a:p>
-            <a:pPr marL="216000" indent="-215280">
+            <a:pPr marL="216000" indent="-214920">
               <a:lnSpc>
                 <a:spcPct val="100000"/>
               </a:lnSpc>
@@ -10138,7 +9735,7 @@
         <p:spPr>
           <a:xfrm>
             <a:off x="1676520" y="2362320"/>
-            <a:ext cx="8838000" cy="1186920"/>
+            <a:ext cx="8837640" cy="1186920"/>
           </a:xfrm>
           <a:prstGeom prst="rect">
             <a:avLst/>
@@ -10189,7 +9786,7 @@
         <p:spPr>
           <a:xfrm>
             <a:off x="1666800" y="609480"/>
-            <a:ext cx="8838000" cy="394560"/>
+            <a:ext cx="8837640" cy="394560"/>
           </a:xfrm>
           <a:prstGeom prst="rect">
             <a:avLst/>
@@ -10240,7 +9837,7 @@
         <p:spPr>
           <a:xfrm>
             <a:off x="1676520" y="3531600"/>
-            <a:ext cx="8838000" cy="759960"/>
+            <a:ext cx="8837640" cy="759960"/>
           </a:xfrm>
           <a:prstGeom prst="rect">
             <a:avLst/>
@@ -10323,7 +9920,7 @@
         <p:spPr>
           <a:xfrm>
             <a:off x="1676520" y="2362320"/>
-            <a:ext cx="8838000" cy="1186920"/>
+            <a:ext cx="8837640" cy="1186920"/>
           </a:xfrm>
           <a:prstGeom prst="rect">
             <a:avLst/>
@@ -10374,7 +9971,7 @@
         <p:spPr>
           <a:xfrm>
             <a:off x="1676520" y="3531600"/>
-            <a:ext cx="8838000" cy="424800"/>
+            <a:ext cx="8837640" cy="424800"/>
           </a:xfrm>
           <a:prstGeom prst="rect">
             <a:avLst/>
@@ -10492,7 +10089,7 @@
         <p:spPr>
           <a:xfrm>
             <a:off x="1523880" y="0"/>
-            <a:ext cx="9142920" cy="699120"/>
+            <a:ext cx="9142560" cy="699120"/>
           </a:xfrm>
           <a:prstGeom prst="rect">
             <a:avLst/>
@@ -10547,7 +10144,7 @@
         <p:spPr>
           <a:xfrm>
             <a:off x="1600200" y="762120"/>
-            <a:ext cx="8990640" cy="1004400"/>
+            <a:ext cx="8990280" cy="1004400"/>
           </a:xfrm>
           <a:prstGeom prst="rect">
             <a:avLst/>
@@ -10598,7 +10195,7 @@
         <p:spPr>
           <a:xfrm>
             <a:off x="1523880" y="4272480"/>
-            <a:ext cx="8888760" cy="2558520"/>
+            <a:ext cx="8888400" cy="2558520"/>
           </a:xfrm>
           <a:prstGeom prst="rect">
             <a:avLst/>
@@ -10621,7 +10218,7 @@
             <a:spAutoFit/>
           </a:bodyPr>
           <a:p>
-            <a:pPr marL="285840" indent="-284760">
+            <a:pPr marL="285840" indent="-284400">
               <a:lnSpc>
                 <a:spcPct val="150000"/>
               </a:lnSpc>
@@ -10666,7 +10263,7 @@
             </a:endParaRPr>
           </a:p>
           <a:p>
-            <a:pPr marL="285840" indent="-284760">
+            <a:pPr marL="285840" indent="-284400">
               <a:lnSpc>
                 <a:spcPct val="150000"/>
               </a:lnSpc>
@@ -10711,7 +10308,7 @@
             </a:endParaRPr>
           </a:p>
           <a:p>
-            <a:pPr marL="285840" indent="-284760">
+            <a:pPr marL="285840" indent="-284400">
               <a:lnSpc>
                 <a:spcPct val="150000"/>
               </a:lnSpc>
@@ -10756,7 +10353,7 @@
             </a:endParaRPr>
           </a:p>
           <a:p>
-            <a:pPr marL="285840" indent="-284760">
+            <a:pPr marL="285840" indent="-284400">
               <a:lnSpc>
                 <a:spcPct val="150000"/>
               </a:lnSpc>
@@ -10801,7 +10398,7 @@
             </a:endParaRPr>
           </a:p>
           <a:p>
-            <a:pPr marL="285840" indent="-284760">
+            <a:pPr marL="285840" indent="-284400">
               <a:lnSpc>
                 <a:spcPct val="150000"/>
               </a:lnSpc>
@@ -10836,7 +10433,7 @@
             </a:endParaRPr>
           </a:p>
           <a:p>
-            <a:pPr marL="285840" indent="-284760">
+            <a:pPr marL="285840" indent="-284400">
               <a:lnSpc>
                 <a:spcPct val="150000"/>
               </a:lnSpc>
@@ -11385,7 +10982,7 @@
         <p:spPr>
           <a:xfrm>
             <a:off x="1601280" y="2221560"/>
-            <a:ext cx="8989560" cy="394560"/>
+            <a:ext cx="8989200" cy="394560"/>
           </a:xfrm>
           <a:prstGeom prst="rect">
             <a:avLst/>
@@ -11466,7 +11063,7 @@
         <p:spPr>
           <a:xfrm>
             <a:off x="1676520" y="2362320"/>
-            <a:ext cx="8838000" cy="1186920"/>
+            <a:ext cx="8837640" cy="1186920"/>
           </a:xfrm>
           <a:prstGeom prst="rect">
             <a:avLst/>
@@ -11500,7 +11097,7 @@
                 <a:latin typeface="Century"/>
                 <a:ea typeface="DejaVu Sans"/>
               </a:rPr>
-              <a:t>get key</a:t>
+              <a:t>get key &amp; getex</a:t>
             </a:r>
             <a:endParaRPr b="0" lang="en-IN" sz="7200" spc="-1" strike="noStrike">
               <a:latin typeface="Arial"/>
@@ -11517,7 +11114,7 @@
         <p:spPr>
           <a:xfrm>
             <a:off x="1676520" y="3531600"/>
-            <a:ext cx="8838000" cy="424800"/>
+            <a:ext cx="8837640" cy="424800"/>
           </a:xfrm>
           <a:prstGeom prst="rect">
             <a:avLst/>

--- a/redis ver1.pptx
+++ b/redis ver1.pptx
@@ -27,6 +27,8 @@
     <p:sldId id="274" r:id="rId22"/>
     <p:sldId id="275" r:id="rId23"/>
     <p:sldId id="276" r:id="rId24"/>
+    <p:sldId id="277" r:id="rId25"/>
+    <p:sldId id="278" r:id="rId26"/>
   </p:sldIdLst>
   <p:sldSz cx="12192000" cy="6858000"/>
   <p:notesSz cx="7559675" cy="10691812"/>
@@ -2835,17 +2837,15 @@
         </p:nvSpPr>
         <p:spPr>
           <a:xfrm rot="5400000">
-            <a:off x="591840" y="6447240"/>
-            <a:ext cx="189360" cy="159120"/>
+            <a:off x="592200" y="6447240"/>
+            <a:ext cx="189000" cy="158760"/>
           </a:xfrm>
           <a:prstGeom prst="triangle">
             <a:avLst>
               <a:gd name="adj" fmla="val 50000"/>
             </a:avLst>
           </a:prstGeom>
-          <a:solidFill>
-            <a:schemeClr val="accent2"/>
-          </a:solidFill>
+          <a:noFill/>
           <a:ln>
             <a:noFill/>
           </a:ln>
@@ -2879,7 +2879,7 @@
         <p:spPr>
           <a:xfrm>
             <a:off x="1206360" y="3648240"/>
-            <a:ext cx="9752040" cy="1278720"/>
+            <a:ext cx="9751680" cy="1278360"/>
           </a:xfrm>
           <a:prstGeom prst="rect">
             <a:avLst/>
@@ -2921,7 +2921,7 @@
         <p:spPr>
           <a:xfrm>
             <a:off x="1219320" y="5638680"/>
-            <a:ext cx="9752040" cy="684360"/>
+            <a:ext cx="9751680" cy="684000"/>
           </a:xfrm>
           <a:prstGeom prst="rect">
             <a:avLst/>
@@ -2963,14 +2963,12 @@
         <p:spPr>
           <a:xfrm>
             <a:off x="1206360" y="3648240"/>
-            <a:ext cx="303480" cy="1278720"/>
-          </a:xfrm>
-          <a:prstGeom prst="rect">
-            <a:avLst/>
-          </a:prstGeom>
-          <a:solidFill>
-            <a:schemeClr val="accent1"/>
-          </a:solidFill>
+            <a:ext cx="303120" cy="1278360"/>
+          </a:xfrm>
+          <a:prstGeom prst="rect">
+            <a:avLst/>
+          </a:prstGeom>
+          <a:noFill/>
           <a:ln w="6480">
             <a:noFill/>
           </a:ln>
@@ -3004,14 +3002,12 @@
         <p:spPr>
           <a:xfrm>
             <a:off x="1219320" y="5638680"/>
-            <a:ext cx="303480" cy="684360"/>
-          </a:xfrm>
-          <a:prstGeom prst="rect">
-            <a:avLst/>
-          </a:prstGeom>
-          <a:solidFill>
-            <a:schemeClr val="accent2"/>
-          </a:solidFill>
+            <a:ext cx="303120" cy="684000"/>
+          </a:xfrm>
+          <a:prstGeom prst="rect">
+            <a:avLst/>
+          </a:prstGeom>
+          <a:noFill/>
           <a:ln w="6480">
             <a:noFill/>
           </a:ln>
@@ -3362,17 +3358,15 @@
         </p:nvSpPr>
         <p:spPr>
           <a:xfrm rot="5400000">
-            <a:off x="591840" y="6447240"/>
-            <a:ext cx="189360" cy="159120"/>
+            <a:off x="592200" y="6447240"/>
+            <a:ext cx="189000" cy="158760"/>
           </a:xfrm>
           <a:prstGeom prst="triangle">
             <a:avLst>
               <a:gd name="adj" fmla="val 50000"/>
             </a:avLst>
           </a:prstGeom>
-          <a:solidFill>
-            <a:schemeClr val="accent2"/>
-          </a:solidFill>
+          <a:noFill/>
           <a:ln>
             <a:noFill/>
           </a:ln>
@@ -3434,17 +3428,15 @@
         </p:nvSpPr>
         <p:spPr>
           <a:xfrm rot="5400000">
-            <a:off x="591840" y="6447240"/>
-            <a:ext cx="189360" cy="159120"/>
+            <a:off x="592200" y="6447240"/>
+            <a:ext cx="189000" cy="158760"/>
           </a:xfrm>
           <a:prstGeom prst="triangle">
             <a:avLst>
               <a:gd name="adj" fmla="val 50000"/>
             </a:avLst>
           </a:prstGeom>
-          <a:solidFill>
-            <a:schemeClr val="accent2"/>
-          </a:solidFill>
+          <a:noFill/>
           <a:ln>
             <a:noFill/>
           </a:ln>
@@ -3731,7 +3723,7 @@
         <p:spPr>
           <a:xfrm>
             <a:off x="1975680" y="3733920"/>
-            <a:ext cx="8533080" cy="989280"/>
+            <a:ext cx="8532720" cy="988920"/>
           </a:xfrm>
           <a:prstGeom prst="rect">
             <a:avLst/>
@@ -3780,13 +3772,15 @@
           <p:nvPr/>
         </p:nvPicPr>
         <p:blipFill>
-          <a:blip r:embed="rId1"/>
+          <a:blip r:embed="rId1">
+            <a:alphaModFix amt="0"/>
+          </a:blip>
           <a:stretch/>
         </p:blipFill>
         <p:spPr>
           <a:xfrm>
             <a:off x="181440" y="2001960"/>
-            <a:ext cx="2853000" cy="2853000"/>
+            <a:ext cx="2852640" cy="2852640"/>
           </a:xfrm>
           <a:prstGeom prst="rect">
             <a:avLst/>
@@ -3805,7 +3799,7 @@
         <p:spPr>
           <a:xfrm>
             <a:off x="4444920" y="5050800"/>
-            <a:ext cx="6063480" cy="586440"/>
+            <a:ext cx="6063120" cy="586080"/>
           </a:xfrm>
           <a:prstGeom prst="rect">
             <a:avLst/>
@@ -3860,13 +3854,15 @@
           <p:nvPr/>
         </p:nvPicPr>
         <p:blipFill>
-          <a:blip r:embed="rId2"/>
+          <a:blip r:embed="rId2">
+            <a:alphaModFix amt="0"/>
+          </a:blip>
           <a:stretch/>
         </p:blipFill>
         <p:spPr>
           <a:xfrm>
             <a:off x="181440" y="196560"/>
-            <a:ext cx="2853000" cy="1066320"/>
+            <a:ext cx="2852640" cy="1065960"/>
           </a:xfrm>
           <a:prstGeom prst="rect">
             <a:avLst/>
@@ -3885,7 +3881,7 @@
         <p:spPr>
           <a:xfrm>
             <a:off x="3557880" y="93600"/>
-            <a:ext cx="8451360" cy="3045240"/>
+            <a:ext cx="8451000" cy="3045240"/>
           </a:xfrm>
           <a:prstGeom prst="rect">
             <a:avLst/>
@@ -4031,16 +4027,12 @@
         <p:spPr>
           <a:xfrm>
             <a:off x="1523880" y="0"/>
-            <a:ext cx="9142560" cy="699120"/>
-          </a:xfrm>
-          <a:prstGeom prst="rect">
-            <a:avLst/>
-          </a:prstGeom>
-          <a:solidFill>
-            <a:schemeClr val="accent6">
-              <a:lumMod val="75000"/>
-            </a:schemeClr>
-          </a:solidFill>
+            <a:ext cx="9142200" cy="699120"/>
+          </a:xfrm>
+          <a:prstGeom prst="rect">
+            <a:avLst/>
+          </a:prstGeom>
+          <a:noFill/>
           <a:ln>
             <a:noFill/>
           </a:ln>
@@ -4086,7 +4078,7 @@
         <p:spPr>
           <a:xfrm>
             <a:off x="1600200" y="762120"/>
-            <a:ext cx="8990280" cy="1004400"/>
+            <a:ext cx="8989920" cy="1004400"/>
           </a:xfrm>
           <a:prstGeom prst="rect">
             <a:avLst/>
@@ -4137,7 +4129,7 @@
         <p:spPr>
           <a:xfrm>
             <a:off x="152280" y="152280"/>
-            <a:ext cx="1105200" cy="455400"/>
+            <a:ext cx="1104840" cy="455400"/>
           </a:xfrm>
           <a:prstGeom prst="rect">
             <a:avLst/>
@@ -4188,7 +4180,7 @@
         <p:spPr>
           <a:xfrm>
             <a:off x="1601280" y="2221560"/>
-            <a:ext cx="8989200" cy="699480"/>
+            <a:ext cx="8988840" cy="699480"/>
           </a:xfrm>
           <a:prstGeom prst="rect">
             <a:avLst/>
@@ -4259,14 +4251,12 @@
         <p:spPr>
           <a:xfrm>
             <a:off x="1523880" y="3192480"/>
-            <a:ext cx="8888400" cy="2559240"/>
-          </a:xfrm>
-          <a:prstGeom prst="rect">
-            <a:avLst/>
-          </a:prstGeom>
-          <a:solidFill>
-            <a:schemeClr val="bg1"/>
-          </a:solidFill>
+            <a:ext cx="8888040" cy="2558880"/>
+          </a:xfrm>
+          <a:prstGeom prst="rect">
+            <a:avLst/>
+          </a:prstGeom>
+          <a:noFill/>
           <a:ln>
             <a:noFill/>
           </a:ln>
@@ -4282,7 +4272,7 @@
             <a:spAutoFit/>
           </a:bodyPr>
           <a:p>
-            <a:pPr marL="285840" indent="-284400">
+            <a:pPr marL="285840" indent="-284040">
               <a:lnSpc>
                 <a:spcPct val="150000"/>
               </a:lnSpc>
@@ -4327,7 +4317,7 @@
             </a:endParaRPr>
           </a:p>
           <a:p>
-            <a:pPr marL="285840" indent="-284400">
+            <a:pPr marL="285840" indent="-284040">
               <a:lnSpc>
                 <a:spcPct val="150000"/>
               </a:lnSpc>
@@ -4372,7 +4362,7 @@
             </a:endParaRPr>
           </a:p>
           <a:p>
-            <a:pPr marL="285840" indent="-284400">
+            <a:pPr marL="285840" indent="-284040">
               <a:lnSpc>
                 <a:spcPct val="150000"/>
               </a:lnSpc>
@@ -4417,7 +4407,7 @@
             </a:endParaRPr>
           </a:p>
           <a:p>
-            <a:pPr marL="285840" indent="-284400">
+            <a:pPr marL="285840" indent="-284040">
               <a:lnSpc>
                 <a:spcPct val="150000"/>
               </a:lnSpc>
@@ -4462,7 +4452,7 @@
             </a:endParaRPr>
           </a:p>
           <a:p>
-            <a:pPr marL="285840" indent="-284400">
+            <a:pPr marL="285840" indent="-284040">
               <a:lnSpc>
                 <a:spcPct val="150000"/>
               </a:lnSpc>
@@ -4497,7 +4487,7 @@
             </a:endParaRPr>
           </a:p>
           <a:p>
-            <a:pPr marL="285840" indent="-284400">
+            <a:pPr marL="285840" indent="-284040">
               <a:lnSpc>
                 <a:spcPct val="150000"/>
               </a:lnSpc>
@@ -4525,17 +4515,7 @@
                 <a:latin typeface="Consolas"/>
                 <a:ea typeface="SimSun"/>
               </a:rPr>
-              <a:t>getex password:1</a:t>
-            </a:r>
-            <a:r>
-              <a:rPr b="0" lang="en-IN" sz="1800" spc="-1" strike="noStrike">
-                <a:solidFill>
-                  <a:srgbClr val="ff5733"/>
-                </a:solidFill>
-                <a:latin typeface="Consolas"/>
-                <a:ea typeface="SimSun"/>
-              </a:rPr>
-              <a:t> ex 10</a:t>
+              <a:t>getex password:1 ex 10</a:t>
             </a:r>
             <a:endParaRPr b="0" lang="en-IN" sz="1800" spc="-1" strike="noStrike">
               <a:latin typeface="Arial"/>
@@ -4582,7 +4562,7 @@
         <p:spPr>
           <a:xfrm>
             <a:off x="1676520" y="2362320"/>
-            <a:ext cx="8837640" cy="1186920"/>
+            <a:ext cx="8837280" cy="2284200"/>
           </a:xfrm>
           <a:prstGeom prst="rect">
             <a:avLst/>
@@ -4616,7 +4596,7 @@
                 <a:latin typeface="Century"/>
                 <a:ea typeface="DejaVu Sans"/>
               </a:rPr>
-              <a:t>keys &amp; dbsize-</a:t>
+              <a:t>setex key &amp; setnx key</a:t>
             </a:r>
             <a:endParaRPr b="0" lang="en-IN" sz="7200" spc="-1" strike="noStrike">
               <a:latin typeface="Arial"/>
@@ -4632,15 +4612,13 @@
         </p:nvSpPr>
         <p:spPr>
           <a:xfrm>
-            <a:off x="1676520" y="3531600"/>
-            <a:ext cx="8837640" cy="424800"/>
-          </a:xfrm>
-          <a:prstGeom prst="rect">
-            <a:avLst/>
-          </a:prstGeom>
-          <a:solidFill>
-            <a:schemeClr val="bg1"/>
-          </a:solidFill>
+            <a:off x="1676520" y="4719600"/>
+            <a:ext cx="8837280" cy="424800"/>
+          </a:xfrm>
+          <a:prstGeom prst="rect">
+            <a:avLst/>
+          </a:prstGeom>
+          <a:noFill/>
           <a:ln>
             <a:noFill/>
           </a:ln>
@@ -4751,16 +4729,12 @@
         <p:spPr>
           <a:xfrm>
             <a:off x="1523880" y="0"/>
-            <a:ext cx="9142560" cy="699120"/>
-          </a:xfrm>
-          <a:prstGeom prst="rect">
-            <a:avLst/>
-          </a:prstGeom>
-          <a:solidFill>
-            <a:schemeClr val="accent6">
-              <a:lumMod val="75000"/>
-            </a:schemeClr>
-          </a:solidFill>
+            <a:ext cx="9142200" cy="699120"/>
+          </a:xfrm>
+          <a:prstGeom prst="rect">
+            <a:avLst/>
+          </a:prstGeom>
+          <a:noFill/>
           <a:ln>
             <a:noFill/>
           </a:ln>
@@ -4789,7 +4763,7 @@
                 <a:latin typeface="Open Sans"/>
                 <a:ea typeface="DejaVu Sans"/>
               </a:rPr>
-              <a:t>keys pattern &amp; dbsize- </a:t>
+              <a:t>get key &amp; getex key</a:t>
             </a:r>
             <a:endParaRPr b="0" lang="en-IN" sz="4000" spc="-1" strike="noStrike">
               <a:latin typeface="Arial"/>
@@ -4806,7 +4780,7 @@
         <p:spPr>
           <a:xfrm>
             <a:off x="1600200" y="762120"/>
-            <a:ext cx="8990280" cy="912600"/>
+            <a:ext cx="8989920" cy="1004400"/>
           </a:xfrm>
           <a:prstGeom prst="rect">
             <a:avLst/>
@@ -4833,66 +4807,16 @@
               </a:lnSpc>
             </a:pPr>
             <a:r>
-              <a:rPr b="1" lang="en-US" sz="1800" spc="-1" strike="noStrike">
+              <a:rPr b="0" lang="en-US" sz="2000" spc="-1" strike="noStrike">
                 <a:solidFill>
                   <a:srgbClr val="000000"/>
                 </a:solidFill>
-                <a:latin typeface="Arial"/>
+                <a:latin typeface="Times New Roman"/>
                 <a:ea typeface="DejaVu Sans"/>
               </a:rPr>
-              <a:t>keys</a:t>
-            </a:r>
-            <a:r>
-              <a:rPr b="0" lang="en-US" sz="1800" spc="-1" strike="noStrike">
-                <a:solidFill>
-                  <a:srgbClr val="000000"/>
-                </a:solidFill>
-                <a:latin typeface="Arial"/>
-                <a:ea typeface="DejaVu Sans"/>
-              </a:rPr>
-              <a:t>: Returns all keys matching pattern.</a:t>
-            </a:r>
-            <a:endParaRPr b="0" lang="en-IN" sz="1800" spc="-1" strike="noStrike">
-              <a:latin typeface="Arial"/>
-            </a:endParaRPr>
-          </a:p>
-          <a:p>
-            <a:pPr algn="just">
-              <a:lnSpc>
-                <a:spcPct val="100000"/>
-              </a:lnSpc>
-            </a:pPr>
-            <a:endParaRPr b="0" lang="en-IN" sz="1800" spc="-1" strike="noStrike">
-              <a:latin typeface="Arial"/>
-            </a:endParaRPr>
-          </a:p>
-          <a:p>
-            <a:pPr algn="just">
-              <a:lnSpc>
-                <a:spcPct val="100000"/>
-              </a:lnSpc>
-            </a:pPr>
-            <a:r>
-              <a:rPr b="1" lang="en-US" sz="1800" spc="-1" strike="noStrike">
-                <a:solidFill>
-                  <a:srgbClr val="000000"/>
-                </a:solidFill>
-                <a:latin typeface="Arial"/>
-                <a:ea typeface="DejaVu Sans"/>
-              </a:rPr>
-              <a:t>dbSize</a:t>
-            </a:r>
-            <a:r>
-              <a:rPr b="0" lang="en-US" sz="1800" spc="-1" strike="noStrike">
-                <a:solidFill>
-                  <a:srgbClr val="000000"/>
-                </a:solidFill>
-                <a:latin typeface="Arial"/>
-                <a:ea typeface="DejaVu Sans"/>
-              </a:rPr>
-              <a:t>-: Return the number of keys in the currently-selected database.</a:t>
-            </a:r>
-            <a:endParaRPr b="0" lang="en-IN" sz="1800" spc="-1" strike="noStrike">
+              <a:t>Get the value of key. If the key does not exist the special value nil is returned. An error is returned if the value stored at key is not a string, because GET only handles string values.</a:t>
+            </a:r>
+            <a:endParaRPr b="0" lang="en-IN" sz="2000" spc="-1" strike="noStrike">
               <a:latin typeface="Arial"/>
             </a:endParaRPr>
           </a:p>
@@ -4906,15 +4830,13 @@
         </p:nvSpPr>
         <p:spPr>
           <a:xfrm>
-            <a:off x="1600200" y="2865600"/>
-            <a:ext cx="8888400" cy="1735560"/>
-          </a:xfrm>
-          <a:prstGeom prst="rect">
-            <a:avLst/>
-          </a:prstGeom>
-          <a:solidFill>
-            <a:schemeClr val="bg1"/>
-          </a:solidFill>
+            <a:off x="152280" y="152280"/>
+            <a:ext cx="1104840" cy="455400"/>
+          </a:xfrm>
+          <a:prstGeom prst="rect">
+            <a:avLst/>
+          </a:prstGeom>
+          <a:noFill/>
           <a:ln>
             <a:noFill/>
           </a:ln>
@@ -4930,182 +4852,22 @@
             <a:spAutoFit/>
           </a:bodyPr>
           <a:p>
-            <a:pPr marL="285840" indent="-284400">
-              <a:lnSpc>
-                <a:spcPct val="150000"/>
-              </a:lnSpc>
-              <a:buClr>
-                <a:srgbClr val="808080"/>
-              </a:buClr>
-              <a:buFont typeface="Arial"/>
-              <a:buChar char="•"/>
-            </a:pPr>
-            <a:r>
-              <a:rPr b="0" lang="en-IN" sz="1800" spc="-1" strike="noStrike">
-                <a:solidFill>
-                  <a:srgbClr val="808080"/>
-                </a:solidFill>
-                <a:latin typeface="Consolas"/>
-                <a:ea typeface="SimSun"/>
-              </a:rPr>
-              <a:t>127.0.0.1:6379&gt;</a:t>
-            </a:r>
-            <a:r>
-              <a:rPr b="0" lang="en-IN" sz="1800" spc="-1" strike="noStrike">
-                <a:solidFill>
-                  <a:srgbClr val="000000"/>
-                </a:solidFill>
-                <a:latin typeface="Consolas"/>
-                <a:ea typeface="SimSun"/>
-              </a:rPr>
-              <a:t> </a:t>
-            </a:r>
-            <a:r>
-              <a:rPr b="0" lang="en-IN" sz="1800" spc="-1" strike="noStrike">
-                <a:solidFill>
-                  <a:srgbClr val="ff5733"/>
-                </a:solidFill>
-                <a:latin typeface="Consolas"/>
-                <a:ea typeface="SimSun"/>
-              </a:rPr>
-              <a:t>keys * </a:t>
-            </a:r>
-            <a:endParaRPr b="0" lang="en-IN" sz="1800" spc="-1" strike="noStrike">
-              <a:latin typeface="Arial"/>
-            </a:endParaRPr>
-          </a:p>
-          <a:p>
-            <a:pPr marL="285840" indent="-284400">
-              <a:lnSpc>
-                <a:spcPct val="150000"/>
-              </a:lnSpc>
-              <a:buClr>
-                <a:srgbClr val="808080"/>
-              </a:buClr>
-              <a:buFont typeface="Arial"/>
-              <a:buChar char="•"/>
-            </a:pPr>
-            <a:r>
-              <a:rPr b="0" lang="en-IN" sz="1800" spc="-1" strike="noStrike">
-                <a:solidFill>
-                  <a:srgbClr val="808080"/>
-                </a:solidFill>
-                <a:latin typeface="Consolas"/>
-                <a:ea typeface="SimSun"/>
-              </a:rPr>
-              <a:t>127.0.0.1:6379&gt;</a:t>
-            </a:r>
-            <a:r>
-              <a:rPr b="0" lang="en-IN" sz="1800" spc="-1" strike="noStrike">
-                <a:solidFill>
-                  <a:srgbClr val="000000"/>
-                </a:solidFill>
-                <a:latin typeface="Consolas"/>
-                <a:ea typeface="SimSun"/>
-              </a:rPr>
-              <a:t> </a:t>
-            </a:r>
-            <a:r>
-              <a:rPr b="0" lang="en-IN" sz="1800" spc="-1" strike="noStrike">
-                <a:solidFill>
-                  <a:srgbClr val="ff5733"/>
-                </a:solidFill>
-                <a:latin typeface="Consolas"/>
-                <a:ea typeface="SimSun"/>
-              </a:rPr>
-              <a:t>keys o*</a:t>
-            </a:r>
-            <a:endParaRPr b="0" lang="en-IN" sz="1800" spc="-1" strike="noStrike">
-              <a:latin typeface="Arial"/>
-            </a:endParaRPr>
-          </a:p>
-          <a:p>
-            <a:pPr marL="285840" indent="-284400">
-              <a:lnSpc>
-                <a:spcPct val="150000"/>
-              </a:lnSpc>
-              <a:buClr>
-                <a:srgbClr val="808080"/>
-              </a:buClr>
-              <a:buFont typeface="Arial"/>
-              <a:buChar char="•"/>
-            </a:pPr>
-            <a:r>
-              <a:rPr b="0" lang="en-IN" sz="1800" spc="-1" strike="noStrike">
-                <a:solidFill>
-                  <a:srgbClr val="808080"/>
-                </a:solidFill>
-                <a:latin typeface="Consolas"/>
-                <a:ea typeface="SimSun"/>
-              </a:rPr>
-              <a:t>127.0.0.1:6379&gt;</a:t>
-            </a:r>
-            <a:r>
-              <a:rPr b="0" lang="en-IN" sz="1800" spc="-1" strike="noStrike">
-                <a:solidFill>
-                  <a:srgbClr val="000000"/>
-                </a:solidFill>
-                <a:latin typeface="Consolas"/>
-                <a:ea typeface="SimSun"/>
-              </a:rPr>
-              <a:t> </a:t>
-            </a:r>
-            <a:r>
-              <a:rPr b="0" lang="en-IN" sz="1800" spc="-1" strike="noStrike">
-                <a:solidFill>
-                  <a:srgbClr val="ff5733"/>
-                </a:solidFill>
-                <a:latin typeface="Consolas"/>
-                <a:ea typeface="SimSun"/>
-              </a:rPr>
-              <a:t>keys *o*</a:t>
-            </a:r>
-            <a:endParaRPr b="0" lang="en-IN" sz="1800" spc="-1" strike="noStrike">
-              <a:latin typeface="Arial"/>
-            </a:endParaRPr>
-          </a:p>
-          <a:p>
-            <a:pPr marL="285840" indent="-284400">
-              <a:lnSpc>
-                <a:spcPct val="150000"/>
-              </a:lnSpc>
-              <a:buClr>
-                <a:srgbClr val="808080"/>
-              </a:buClr>
-              <a:buFont typeface="Arial"/>
-              <a:buChar char="•"/>
-            </a:pPr>
-            <a:r>
-              <a:rPr b="0" lang="en-IN" sz="1800" spc="-1" strike="noStrike">
-                <a:solidFill>
-                  <a:srgbClr val="808080"/>
-                </a:solidFill>
-                <a:latin typeface="Consolas"/>
-                <a:ea typeface="SimSun"/>
-              </a:rPr>
-              <a:t>127.0.0.1:6379&gt;</a:t>
-            </a:r>
-            <a:r>
-              <a:rPr b="0" lang="en-IN" sz="1800" spc="-1" strike="noStrike">
-                <a:solidFill>
-                  <a:srgbClr val="000000"/>
-                </a:solidFill>
-                <a:latin typeface="Consolas"/>
-                <a:ea typeface="SimSun"/>
-              </a:rPr>
-              <a:t> </a:t>
-            </a:r>
-            <a:r>
-              <a:rPr b="0" lang="en-IN" sz="1800" spc="-1" strike="noStrike">
-                <a:solidFill>
-                  <a:srgbClr val="ff5733"/>
-                </a:solidFill>
-                <a:latin typeface="Consolas"/>
-                <a:ea typeface="SimSun"/>
-              </a:rPr>
-              <a:t>dbsize</a:t>
-            </a:r>
-            <a:endParaRPr b="0" lang="en-IN" sz="1800" spc="-1" strike="noStrike">
+            <a:pPr algn="just">
+              <a:lnSpc>
+                <a:spcPct val="100000"/>
+              </a:lnSpc>
+            </a:pPr>
+            <a:r>
+              <a:rPr b="0" lang="en-IN" sz="2400" spc="-1" strike="noStrike">
+                <a:solidFill>
+                  <a:srgbClr val="ff0000"/>
+                </a:solidFill>
+                <a:latin typeface="Times New Roman"/>
+                <a:ea typeface="DejaVu Sans"/>
+              </a:rPr>
+              <a:t>TODO</a:t>
+            </a:r>
+            <a:endParaRPr b="0" lang="en-IN" sz="2400" spc="-1" strike="noStrike">
               <a:latin typeface="Arial"/>
             </a:endParaRPr>
           </a:p>
@@ -5119,8 +4881,8 @@
         </p:nvSpPr>
         <p:spPr>
           <a:xfrm>
-            <a:off x="152280" y="152280"/>
-            <a:ext cx="1105200" cy="455400"/>
+            <a:off x="1601280" y="2221560"/>
+            <a:ext cx="8988840" cy="699480"/>
           </a:xfrm>
           <a:prstGeom prst="rect">
             <a:avLst/>
@@ -5141,22 +4903,42 @@
             <a:spAutoFit/>
           </a:bodyPr>
           <a:p>
-            <a:pPr algn="just">
+            <a:pPr>
               <a:lnSpc>
                 <a:spcPct val="100000"/>
               </a:lnSpc>
             </a:pPr>
             <a:r>
-              <a:rPr b="0" lang="en-IN" sz="2400" spc="-1" strike="noStrike">
-                <a:solidFill>
-                  <a:srgbClr val="ff0000"/>
-                </a:solidFill>
-                <a:latin typeface="Times New Roman"/>
+              <a:rPr b="0" lang="en-US" sz="2000" spc="-1" strike="noStrike">
+                <a:solidFill>
+                  <a:srgbClr val="00b0f0"/>
+                </a:solidFill>
+                <a:latin typeface="Consolas"/>
                 <a:ea typeface="DejaVu Sans"/>
               </a:rPr>
-              <a:t>TODO</a:t>
-            </a:r>
-            <a:endParaRPr b="0" lang="en-IN" sz="2400" spc="-1" strike="noStrike">
+              <a:t>GET key</a:t>
+            </a:r>
+            <a:endParaRPr b="0" lang="en-IN" sz="2000" spc="-1" strike="noStrike">
+              <a:latin typeface="Arial"/>
+            </a:endParaRPr>
+          </a:p>
+          <a:p>
+            <a:pPr>
+              <a:lnSpc>
+                <a:spcPct val="100000"/>
+              </a:lnSpc>
+            </a:pPr>
+            <a:r>
+              <a:rPr b="0" lang="en-US" sz="2000" spc="-1" strike="noStrike">
+                <a:solidFill>
+                  <a:srgbClr val="00b0f0"/>
+                </a:solidFill>
+                <a:latin typeface="Consolas"/>
+                <a:ea typeface="DejaVu Sans"/>
+              </a:rPr>
+              <a:t>GETEX key [EX seconds|PX milliseconds]</a:t>
+            </a:r>
+            <a:endParaRPr b="0" lang="en-IN" sz="2000" spc="-1" strike="noStrike">
               <a:latin typeface="Arial"/>
             </a:endParaRPr>
           </a:p>
@@ -5170,8 +4952,8 @@
         </p:nvSpPr>
         <p:spPr>
           <a:xfrm>
-            <a:off x="1601280" y="2221560"/>
-            <a:ext cx="8989200" cy="699480"/>
+            <a:off x="1523880" y="3192480"/>
+            <a:ext cx="8888040" cy="2558880"/>
           </a:xfrm>
           <a:prstGeom prst="rect">
             <a:avLst/>
@@ -5192,246 +4974,250 @@
             <a:spAutoFit/>
           </a:bodyPr>
           <a:p>
-            <a:pPr>
-              <a:lnSpc>
-                <a:spcPct val="100000"/>
-              </a:lnSpc>
-            </a:pPr>
-            <a:r>
-              <a:rPr b="0" lang="en-US" sz="2000" spc="-1" strike="noStrike">
-                <a:solidFill>
-                  <a:srgbClr val="00b0f0"/>
+            <a:pPr marL="285840" indent="-284040">
+              <a:lnSpc>
+                <a:spcPct val="150000"/>
+              </a:lnSpc>
+              <a:buClr>
+                <a:srgbClr val="808080"/>
+              </a:buClr>
+              <a:buFont typeface="Arial"/>
+              <a:buChar char="•"/>
+            </a:pPr>
+            <a:r>
+              <a:rPr b="0" lang="en-IN" sz="1800" spc="-1" strike="noStrike">
+                <a:solidFill>
+                  <a:srgbClr val="808080"/>
                 </a:solidFill>
                 <a:latin typeface="Consolas"/>
-                <a:ea typeface="DejaVu Sans"/>
-              </a:rPr>
-              <a:t>KEYS pattern</a:t>
-            </a:r>
-            <a:endParaRPr b="0" lang="en-IN" sz="2000" spc="-1" strike="noStrike">
-              <a:latin typeface="Arial"/>
-            </a:endParaRPr>
-          </a:p>
-          <a:p>
-            <a:pPr>
-              <a:lnSpc>
-                <a:spcPct val="100000"/>
-              </a:lnSpc>
-            </a:pPr>
-            <a:r>
-              <a:rPr b="0" lang="en-US" sz="2000" spc="-1" strike="noStrike">
-                <a:solidFill>
-                  <a:srgbClr val="00b0f0"/>
+                <a:ea typeface="SimSun"/>
+              </a:rPr>
+              <a:t>127.0.0.1:6379&gt;</a:t>
+            </a:r>
+            <a:r>
+              <a:rPr b="0" lang="en-IN" sz="1800" spc="-1" strike="noStrike">
+                <a:solidFill>
+                  <a:srgbClr val="000000"/>
                 </a:solidFill>
                 <a:latin typeface="Consolas"/>
-                <a:ea typeface="DejaVu Sans"/>
-              </a:rPr>
-              <a:t>dbsize</a:t>
-            </a:r>
-            <a:endParaRPr b="0" lang="en-IN" sz="2000" spc="-1" strike="noStrike">
-              <a:latin typeface="Arial"/>
-            </a:endParaRPr>
-          </a:p>
-        </p:txBody>
-      </p:sp>
-      <p:sp>
-        <p:nvSpPr>
-          <p:cNvPr id="139" name="CustomShape 7"/>
-          <p:cNvSpPr/>
-          <p:nvPr/>
-        </p:nvSpPr>
-        <p:spPr>
-          <a:xfrm>
-            <a:off x="1656000" y="4713480"/>
-            <a:ext cx="8998920" cy="1369080"/>
-          </a:xfrm>
-          <a:prstGeom prst="rect">
-            <a:avLst/>
-          </a:prstGeom>
-          <a:noFill/>
-          <a:ln>
-            <a:noFill/>
-          </a:ln>
-        </p:spPr>
-        <p:style>
-          <a:lnRef idx="0"/>
-          <a:fillRef idx="0"/>
-          <a:effectRef idx="0"/>
-          <a:fontRef idx="minor"/>
-        </p:style>
-        <p:txBody>
-          <a:bodyPr lIns="90000" rIns="90000" tIns="45000" bIns="45000">
-            <a:noAutofit/>
-          </a:bodyPr>
-          <a:p>
-            <a:pPr marL="216000" indent="-214920">
-              <a:lnSpc>
-                <a:spcPct val="100000"/>
+                <a:ea typeface="SimSun"/>
+              </a:rPr>
+              <a:t> </a:t>
+            </a:r>
+            <a:r>
+              <a:rPr b="0" lang="en-IN" sz="1800" spc="-1" strike="noStrike">
+                <a:solidFill>
+                  <a:srgbClr val="ff5733"/>
+                </a:solidFill>
+                <a:latin typeface="Consolas"/>
+                <a:ea typeface="SimSun"/>
+              </a:rPr>
+              <a:t>get server:1</a:t>
+            </a:r>
+            <a:endParaRPr b="0" lang="en-IN" sz="1800" spc="-1" strike="noStrike">
+              <a:latin typeface="Arial"/>
+            </a:endParaRPr>
+          </a:p>
+          <a:p>
+            <a:pPr marL="285840" indent="-284040">
+              <a:lnSpc>
+                <a:spcPct val="150000"/>
               </a:lnSpc>
               <a:buClr>
-                <a:srgbClr val="000000"/>
+                <a:srgbClr val="808080"/>
               </a:buClr>
-              <a:buFont typeface="StarSymbol"/>
-              <a:buAutoNum type="arabicParenR"/>
-            </a:pPr>
+              <a:buFont typeface="Arial"/>
+              <a:buChar char="•"/>
+            </a:pPr>
+            <a:r>
+              <a:rPr b="0" lang="en-IN" sz="1800" spc="-1" strike="noStrike">
+                <a:solidFill>
+                  <a:srgbClr val="808080"/>
+                </a:solidFill>
+                <a:latin typeface="Consolas"/>
+                <a:ea typeface="SimSun"/>
+              </a:rPr>
+              <a:t>127.0.0.1:6379&gt;</a:t>
+            </a:r>
             <a:r>
               <a:rPr b="0" lang="en-IN" sz="1800" spc="-1" strike="noStrike">
                 <a:solidFill>
                   <a:srgbClr val="000000"/>
                 </a:solidFill>
-                <a:latin typeface="Arial"/>
-                <a:ea typeface="DejaVu Sans"/>
+                <a:latin typeface="Consolas"/>
+                <a:ea typeface="SimSun"/>
               </a:rPr>
               <a:t> </a:t>
             </a:r>
             <a:r>
               <a:rPr b="0" lang="en-IN" sz="1800" spc="-1" strike="noStrike">
                 <a:solidFill>
+                  <a:srgbClr val="ff5733"/>
+                </a:solidFill>
+                <a:latin typeface="Consolas"/>
+                <a:ea typeface="SimSun"/>
+              </a:rPr>
+              <a:t>get otp:1</a:t>
+            </a:r>
+            <a:endParaRPr b="0" lang="en-IN" sz="1800" spc="-1" strike="noStrike">
+              <a:latin typeface="Arial"/>
+            </a:endParaRPr>
+          </a:p>
+          <a:p>
+            <a:pPr marL="285840" indent="-284040">
+              <a:lnSpc>
+                <a:spcPct val="150000"/>
+              </a:lnSpc>
+              <a:buClr>
+                <a:srgbClr val="808080"/>
+              </a:buClr>
+              <a:buFont typeface="Arial"/>
+              <a:buChar char="•"/>
+            </a:pPr>
+            <a:r>
+              <a:rPr b="0" lang="en-IN" sz="1800" spc="-1" strike="noStrike">
+                <a:solidFill>
+                  <a:srgbClr val="808080"/>
+                </a:solidFill>
+                <a:latin typeface="Consolas"/>
+                <a:ea typeface="SimSun"/>
+              </a:rPr>
+              <a:t>127.0.0.1:6379&gt;</a:t>
+            </a:r>
+            <a:r>
+              <a:rPr b="0" lang="en-IN" sz="1800" spc="-1" strike="noStrike">
+                <a:solidFill>
                   <a:srgbClr val="000000"/>
                 </a:solidFill>
-                <a:latin typeface="Arial"/>
-                <a:ea typeface="DejaVu Sans"/>
-              </a:rPr>
-              <a:t>h?llo matches hello, hallo and hxllo</a:t>
+                <a:latin typeface="Consolas"/>
+                <a:ea typeface="SimSun"/>
+              </a:rPr>
+              <a:t> </a:t>
+            </a:r>
+            <a:r>
+              <a:rPr b="0" lang="en-IN" sz="1800" spc="-1" strike="noStrike">
+                <a:solidFill>
+                  <a:srgbClr val="ff5733"/>
+                </a:solidFill>
+                <a:latin typeface="Consolas"/>
+                <a:ea typeface="SimSun"/>
+              </a:rPr>
+              <a:t>get otp:2</a:t>
             </a:r>
             <a:endParaRPr b="0" lang="en-IN" sz="1800" spc="-1" strike="noStrike">
               <a:latin typeface="Arial"/>
             </a:endParaRPr>
           </a:p>
           <a:p>
-            <a:pPr marL="216000" indent="-214920">
-              <a:lnSpc>
-                <a:spcPct val="100000"/>
+            <a:pPr marL="285840" indent="-284040">
+              <a:lnSpc>
+                <a:spcPct val="150000"/>
               </a:lnSpc>
               <a:buClr>
-                <a:srgbClr val="000000"/>
+                <a:srgbClr val="808080"/>
               </a:buClr>
-              <a:buFont typeface="StarSymbol"/>
-              <a:buAutoNum type="arabicParenR"/>
-            </a:pPr>
+              <a:buFont typeface="Arial"/>
+              <a:buChar char="•"/>
+            </a:pPr>
+            <a:r>
+              <a:rPr b="0" lang="en-IN" sz="1800" spc="-1" strike="noStrike">
+                <a:solidFill>
+                  <a:srgbClr val="808080"/>
+                </a:solidFill>
+                <a:latin typeface="Consolas"/>
+                <a:ea typeface="SimSun"/>
+              </a:rPr>
+              <a:t>127.0.0.1:6379&gt;</a:t>
+            </a:r>
             <a:r>
               <a:rPr b="0" lang="en-IN" sz="1800" spc="-1" strike="noStrike">
                 <a:solidFill>
                   <a:srgbClr val="000000"/>
                 </a:solidFill>
-                <a:latin typeface="Arial"/>
-                <a:ea typeface="DejaVu Sans"/>
+                <a:latin typeface="Consolas"/>
+                <a:ea typeface="SimSun"/>
               </a:rPr>
               <a:t> </a:t>
             </a:r>
             <a:r>
               <a:rPr b="0" lang="en-IN" sz="1800" spc="-1" strike="noStrike">
                 <a:solidFill>
-                  <a:srgbClr val="000000"/>
-                </a:solidFill>
-                <a:latin typeface="Arial"/>
-                <a:ea typeface="DejaVu Sans"/>
-              </a:rPr>
-              <a:t>h*llo matches hllo and heeeello</a:t>
+                  <a:srgbClr val="ff5733"/>
+                </a:solidFill>
+                <a:latin typeface="Consolas"/>
+                <a:ea typeface="SimSun"/>
+              </a:rPr>
+              <a:t>get "host name"</a:t>
             </a:r>
             <a:endParaRPr b="0" lang="en-IN" sz="1800" spc="-1" strike="noStrike">
               <a:latin typeface="Arial"/>
             </a:endParaRPr>
           </a:p>
           <a:p>
-            <a:pPr marL="216000" indent="-214920">
-              <a:lnSpc>
-                <a:spcPct val="100000"/>
+            <a:pPr marL="285840" indent="-284040">
+              <a:lnSpc>
+                <a:spcPct val="150000"/>
               </a:lnSpc>
               <a:buClr>
-                <a:srgbClr val="000000"/>
+                <a:srgbClr val="808080"/>
               </a:buClr>
-              <a:buFont typeface="StarSymbol"/>
-              <a:buAutoNum type="arabicParenR"/>
-            </a:pPr>
-            <a:r>
-              <a:rPr b="0" lang="en-IN" sz="1800" spc="-1" strike="noStrike">
-                <a:solidFill>
-                  <a:srgbClr val="000000"/>
-                </a:solidFill>
-                <a:latin typeface="Arial"/>
-                <a:ea typeface="DejaVu Sans"/>
-              </a:rPr>
-              <a:t> </a:t>
-            </a:r>
-            <a:r>
-              <a:rPr b="0" lang="en-IN" sz="1800" spc="-1" strike="noStrike">
-                <a:solidFill>
-                  <a:srgbClr val="000000"/>
-                </a:solidFill>
-                <a:latin typeface="Arial"/>
-                <a:ea typeface="DejaVu Sans"/>
-              </a:rPr>
-              <a:t>h[ae]llo matches hello and hallo, but not hillo</a:t>
+              <a:buFont typeface="Arial"/>
+              <a:buChar char="•"/>
+            </a:pPr>
+            <a:r>
+              <a:rPr b="0" lang="en-IN" sz="1800" spc="-1" strike="noStrike">
+                <a:solidFill>
+                  <a:srgbClr val="808080"/>
+                </a:solidFill>
+                <a:latin typeface="Consolas"/>
+                <a:ea typeface="SimSun"/>
+              </a:rPr>
+              <a:t>127.0.0.1:6379&gt; </a:t>
+            </a:r>
+            <a:r>
+              <a:rPr b="0" lang="en-IN" sz="1800" spc="-1" strike="noStrike">
+                <a:solidFill>
+                  <a:srgbClr val="ff5733"/>
+                </a:solidFill>
+                <a:latin typeface="Consolas"/>
+                <a:ea typeface="SimSun"/>
+              </a:rPr>
+              <a:t>getex username:1 ex 10</a:t>
             </a:r>
             <a:endParaRPr b="0" lang="en-IN" sz="1800" spc="-1" strike="noStrike">
               <a:latin typeface="Arial"/>
             </a:endParaRPr>
           </a:p>
           <a:p>
-            <a:pPr marL="216000" indent="-214920">
-              <a:lnSpc>
-                <a:spcPct val="100000"/>
+            <a:pPr marL="285840" indent="-284040">
+              <a:lnSpc>
+                <a:spcPct val="150000"/>
               </a:lnSpc>
               <a:buClr>
-                <a:srgbClr val="000000"/>
+                <a:srgbClr val="808080"/>
               </a:buClr>
-              <a:buFont typeface="StarSymbol"/>
-              <a:buAutoNum type="arabicParenR"/>
-            </a:pPr>
-            <a:r>
-              <a:rPr b="0" lang="en-IN" sz="1800" spc="-1" strike="noStrike">
-                <a:solidFill>
-                  <a:srgbClr val="000000"/>
-                </a:solidFill>
-                <a:latin typeface="Arial"/>
-                <a:ea typeface="DejaVu Sans"/>
-              </a:rPr>
-              <a:t> </a:t>
-            </a:r>
-            <a:r>
-              <a:rPr b="0" lang="en-IN" sz="1800" spc="-1" strike="noStrike">
-                <a:solidFill>
-                  <a:srgbClr val="000000"/>
-                </a:solidFill>
-                <a:latin typeface="Arial"/>
-                <a:ea typeface="DejaVu Sans"/>
-              </a:rPr>
-              <a:t>h[^e]llo matches hallo, hbllo, ... but not hello</a:t>
-            </a:r>
-            <a:endParaRPr b="0" lang="en-IN" sz="1800" spc="-1" strike="noStrike">
-              <a:latin typeface="Arial"/>
-            </a:endParaRPr>
-          </a:p>
-          <a:p>
-            <a:pPr marL="216000" indent="-214920">
-              <a:lnSpc>
-                <a:spcPct val="100000"/>
-              </a:lnSpc>
-              <a:buClr>
-                <a:srgbClr val="000000"/>
-              </a:buClr>
-              <a:buFont typeface="StarSymbol"/>
-              <a:buAutoNum type="arabicParenR"/>
-            </a:pPr>
-            <a:r>
-              <a:rPr b="0" lang="en-IN" sz="1800" spc="-1" strike="noStrike">
-                <a:solidFill>
-                  <a:srgbClr val="000000"/>
-                </a:solidFill>
-                <a:latin typeface="Arial"/>
-                <a:ea typeface="DejaVu Sans"/>
-              </a:rPr>
-              <a:t> </a:t>
-            </a:r>
-            <a:r>
-              <a:rPr b="0" lang="en-IN" sz="1800" spc="-1" strike="noStrike">
-                <a:solidFill>
-                  <a:srgbClr val="000000"/>
-                </a:solidFill>
-                <a:latin typeface="Arial"/>
-                <a:ea typeface="DejaVu Sans"/>
-              </a:rPr>
-              <a:t>h[a-b]llo matches hallo and hbllo</a:t>
+              <a:buFont typeface="Arial"/>
+              <a:buChar char="•"/>
+            </a:pPr>
+            <a:r>
+              <a:rPr b="0" lang="en-IN" sz="1800" spc="-1" strike="noStrike">
+                <a:solidFill>
+                  <a:srgbClr val="808080"/>
+                </a:solidFill>
+                <a:latin typeface="Consolas"/>
+                <a:ea typeface="SimSun"/>
+              </a:rPr>
+              <a:t>127.0.0.1:6379&gt; </a:t>
+            </a:r>
+            <a:r>
+              <a:rPr b="0" lang="en-IN" sz="1800" spc="-1" strike="noStrike">
+                <a:solidFill>
+                  <a:srgbClr val="ff5733"/>
+                </a:solidFill>
+                <a:latin typeface="Consolas"/>
+                <a:ea typeface="SimSun"/>
+              </a:rPr>
+              <a:t>getex password:1 ex 10</a:t>
             </a:r>
             <a:endParaRPr b="0" lang="en-IN" sz="1800" spc="-1" strike="noStrike">
               <a:latin typeface="Arial"/>
@@ -5471,14 +5257,14 @@
       </p:grpSpPr>
       <p:sp>
         <p:nvSpPr>
-          <p:cNvPr id="140" name="CustomShape 1"/>
+          <p:cNvPr id="139" name="CustomShape 1"/>
           <p:cNvSpPr/>
           <p:nvPr/>
         </p:nvSpPr>
         <p:spPr>
           <a:xfrm>
             <a:off x="1676520" y="2362320"/>
-            <a:ext cx="8837640" cy="1186920"/>
+            <a:ext cx="8837280" cy="1186920"/>
           </a:xfrm>
           <a:prstGeom prst="rect">
             <a:avLst/>
@@ -5512,7 +5298,7 @@
                 <a:latin typeface="Century"/>
                 <a:ea typeface="DejaVu Sans"/>
               </a:rPr>
-              <a:t>ttl key / pttl key</a:t>
+              <a:t>keys &amp; dbsize-</a:t>
             </a:r>
             <a:endParaRPr b="0" lang="en-IN" sz="7200" spc="-1" strike="noStrike">
               <a:latin typeface="Arial"/>
@@ -5522,21 +5308,19 @@
       </p:sp>
       <p:sp>
         <p:nvSpPr>
-          <p:cNvPr id="141" name="CustomShape 2"/>
+          <p:cNvPr id="140" name="CustomShape 2"/>
           <p:cNvSpPr/>
           <p:nvPr/>
         </p:nvSpPr>
         <p:spPr>
           <a:xfrm>
             <a:off x="1676520" y="3531600"/>
-            <a:ext cx="8837640" cy="424800"/>
-          </a:xfrm>
-          <a:prstGeom prst="rect">
-            <a:avLst/>
-          </a:prstGeom>
-          <a:solidFill>
-            <a:schemeClr val="bg1"/>
-          </a:solidFill>
+            <a:ext cx="8837280" cy="424800"/>
+          </a:xfrm>
+          <a:prstGeom prst="rect">
+            <a:avLst/>
+          </a:prstGeom>
+          <a:noFill/>
           <a:ln>
             <a:noFill/>
           </a:ln>
@@ -5605,7 +5389,7 @@
       </p:grpSpPr>
       <p:sp>
         <p:nvSpPr>
-          <p:cNvPr id="142" name="Line 1"/>
+          <p:cNvPr id="141" name="Line 1"/>
           <p:cNvSpPr/>
           <p:nvPr/>
         </p:nvSpPr>
@@ -5640,23 +5424,19 @@
       </p:sp>
       <p:sp>
         <p:nvSpPr>
-          <p:cNvPr id="143" name="CustomShape 2"/>
+          <p:cNvPr id="142" name="CustomShape 2"/>
           <p:cNvSpPr/>
           <p:nvPr/>
         </p:nvSpPr>
         <p:spPr>
           <a:xfrm>
             <a:off x="1523880" y="0"/>
-            <a:ext cx="9142560" cy="699120"/>
-          </a:xfrm>
-          <a:prstGeom prst="rect">
-            <a:avLst/>
-          </a:prstGeom>
-          <a:solidFill>
-            <a:schemeClr val="accent6">
-              <a:lumMod val="75000"/>
-            </a:schemeClr>
-          </a:solidFill>
+            <a:ext cx="9142200" cy="699120"/>
+          </a:xfrm>
+          <a:prstGeom prst="rect">
+            <a:avLst/>
+          </a:prstGeom>
+          <a:noFill/>
           <a:ln>
             <a:noFill/>
           </a:ln>
@@ -5685,7 +5465,7 @@
                 <a:latin typeface="Open Sans"/>
                 <a:ea typeface="DejaVu Sans"/>
               </a:rPr>
-              <a:t>ttl key / pttl key</a:t>
+              <a:t>keys pattern &amp; dbsize- </a:t>
             </a:r>
             <a:endParaRPr b="0" lang="en-IN" sz="4000" spc="-1" strike="noStrike">
               <a:latin typeface="Arial"/>
@@ -5695,14 +5475,14 @@
       </p:sp>
       <p:sp>
         <p:nvSpPr>
-          <p:cNvPr id="144" name="CustomShape 3"/>
+          <p:cNvPr id="143" name="CustomShape 3"/>
           <p:cNvSpPr/>
           <p:nvPr/>
         </p:nvSpPr>
         <p:spPr>
           <a:xfrm>
             <a:off x="1600200" y="762120"/>
-            <a:ext cx="8990280" cy="699480"/>
+            <a:ext cx="8989920" cy="912600"/>
           </a:xfrm>
           <a:prstGeom prst="rect">
             <a:avLst/>
@@ -5729,58 +5509,86 @@
               </a:lnSpc>
             </a:pPr>
             <a:r>
-              <a:rPr b="0" lang="en-US" sz="2000" spc="-1" strike="noStrike">
+              <a:rPr b="1" lang="en-US" sz="1800" spc="-1" strike="noStrike">
                 <a:solidFill>
                   <a:srgbClr val="000000"/>
                 </a:solidFill>
-                <a:latin typeface="Times New Roman"/>
+                <a:latin typeface="Arial"/>
                 <a:ea typeface="DejaVu Sans"/>
               </a:rPr>
-              <a:t>Returns the remaining </a:t>
-            </a:r>
-            <a:r>
-              <a:rPr b="1" lang="en-US" sz="2000" spc="-1" strike="noStrike">
+              <a:t>keys</a:t>
+            </a:r>
+            <a:r>
+              <a:rPr b="0" lang="en-US" sz="1800" spc="-1" strike="noStrike">
                 <a:solidFill>
                   <a:srgbClr val="000000"/>
                 </a:solidFill>
-                <a:latin typeface="Times New Roman"/>
+                <a:latin typeface="Arial"/>
                 <a:ea typeface="DejaVu Sans"/>
               </a:rPr>
-              <a:t>time to live </a:t>
-            </a:r>
-            <a:r>
-              <a:rPr b="0" lang="en-US" sz="2000" spc="-1" strike="noStrike">
+              <a:t>: Returns all keys matching pattern.</a:t>
+            </a:r>
+            <a:endParaRPr b="0" lang="en-IN" sz="1800" spc="-1" strike="noStrike">
+              <a:latin typeface="Arial"/>
+            </a:endParaRPr>
+          </a:p>
+          <a:p>
+            <a:pPr algn="just">
+              <a:lnSpc>
+                <a:spcPct val="100000"/>
+              </a:lnSpc>
+            </a:pPr>
+            <a:endParaRPr b="0" lang="en-IN" sz="1800" spc="-1" strike="noStrike">
+              <a:latin typeface="Arial"/>
+            </a:endParaRPr>
+          </a:p>
+          <a:p>
+            <a:pPr algn="just">
+              <a:lnSpc>
+                <a:spcPct val="100000"/>
+              </a:lnSpc>
+            </a:pPr>
+            <a:r>
+              <a:rPr b="1" lang="en-US" sz="1800" spc="-1" strike="noStrike">
                 <a:solidFill>
                   <a:srgbClr val="000000"/>
                 </a:solidFill>
-                <a:latin typeface="Times New Roman"/>
+                <a:latin typeface="Arial"/>
                 <a:ea typeface="DejaVu Sans"/>
               </a:rPr>
-              <a:t>of a key that has a timeout. TTL allows Redis client to check how many seconds a given key will continue to be part of the data-set. </a:t>
-            </a:r>
-            <a:endParaRPr b="0" lang="en-IN" sz="2000" spc="-1" strike="noStrike">
-              <a:latin typeface="Arial"/>
-            </a:endParaRPr>
-          </a:p>
-        </p:txBody>
-      </p:sp>
-      <p:sp>
-        <p:nvSpPr>
-          <p:cNvPr id="145" name="CustomShape 4"/>
+              <a:t>dbSize</a:t>
+            </a:r>
+            <a:r>
+              <a:rPr b="0" lang="en-US" sz="1800" spc="-1" strike="noStrike">
+                <a:solidFill>
+                  <a:srgbClr val="000000"/>
+                </a:solidFill>
+                <a:latin typeface="Arial"/>
+                <a:ea typeface="DejaVu Sans"/>
+              </a:rPr>
+              <a:t>-: Return the number of keys in the currently-selected database.</a:t>
+            </a:r>
+            <a:endParaRPr b="0" lang="en-IN" sz="1800" spc="-1" strike="noStrike">
+              <a:latin typeface="Arial"/>
+            </a:endParaRPr>
+          </a:p>
+        </p:txBody>
+      </p:sp>
+      <p:sp>
+        <p:nvSpPr>
+          <p:cNvPr id="144" name="CustomShape 4"/>
           <p:cNvSpPr/>
           <p:nvPr/>
         </p:nvSpPr>
         <p:spPr>
           <a:xfrm>
-            <a:off x="1600200" y="3909600"/>
-            <a:ext cx="8888400" cy="1324080"/>
-          </a:xfrm>
-          <a:prstGeom prst="rect">
-            <a:avLst/>
-          </a:prstGeom>
-          <a:solidFill>
-            <a:schemeClr val="bg1"/>
-          </a:solidFill>
+            <a:off x="1600200" y="2865600"/>
+            <a:ext cx="8888040" cy="1735560"/>
+          </a:xfrm>
+          <a:prstGeom prst="rect">
+            <a:avLst/>
+          </a:prstGeom>
+          <a:noFill/>
           <a:ln>
             <a:noFill/>
           </a:ln>
@@ -5796,7 +5604,7 @@
             <a:spAutoFit/>
           </a:bodyPr>
           <a:p>
-            <a:pPr marL="285840" indent="-284400">
+            <a:pPr marL="285840" indent="-284040">
               <a:lnSpc>
                 <a:spcPct val="150000"/>
               </a:lnSpc>
@@ -5834,14 +5642,14 @@
                 <a:latin typeface="Consolas"/>
                 <a:ea typeface="SimSun"/>
               </a:rPr>
-              <a:t>ttl otp:1</a:t>
+              <a:t>keys * </a:t>
             </a:r>
             <a:endParaRPr b="0" lang="en-IN" sz="1800" spc="-1" strike="noStrike">
               <a:latin typeface="Arial"/>
             </a:endParaRPr>
           </a:p>
           <a:p>
-            <a:pPr marL="285840" indent="-284400">
+            <a:pPr marL="285840" indent="-284040">
               <a:lnSpc>
                 <a:spcPct val="150000"/>
               </a:lnSpc>
@@ -5879,14 +5687,14 @@
                 <a:latin typeface="Consolas"/>
                 <a:ea typeface="SimSun"/>
               </a:rPr>
-              <a:t>pttl otp:2</a:t>
+              <a:t>keys o*</a:t>
             </a:r>
             <a:endParaRPr b="0" lang="en-IN" sz="1800" spc="-1" strike="noStrike">
               <a:latin typeface="Arial"/>
             </a:endParaRPr>
           </a:p>
           <a:p>
-            <a:pPr marL="285840" indent="-284400">
+            <a:pPr marL="285840" indent="-284040">
               <a:lnSpc>
                 <a:spcPct val="150000"/>
               </a:lnSpc>
@@ -5924,24 +5732,69 @@
                 <a:latin typeface="Consolas"/>
                 <a:ea typeface="SimSun"/>
               </a:rPr>
-              <a:t>ttl password:1</a:t>
+              <a:t>keys *o*</a:t>
             </a:r>
             <a:endParaRPr b="0" lang="en-IN" sz="1800" spc="-1" strike="noStrike">
               <a:latin typeface="Arial"/>
             </a:endParaRPr>
           </a:p>
-        </p:txBody>
-      </p:sp>
-      <p:sp>
-        <p:nvSpPr>
-          <p:cNvPr id="146" name="CustomShape 5"/>
+          <a:p>
+            <a:pPr marL="285840" indent="-284040">
+              <a:lnSpc>
+                <a:spcPct val="150000"/>
+              </a:lnSpc>
+              <a:buClr>
+                <a:srgbClr val="808080"/>
+              </a:buClr>
+              <a:buFont typeface="Arial"/>
+              <a:buChar char="•"/>
+            </a:pPr>
+            <a:r>
+              <a:rPr b="0" lang="en-IN" sz="1800" spc="-1" strike="noStrike">
+                <a:solidFill>
+                  <a:srgbClr val="808080"/>
+                </a:solidFill>
+                <a:latin typeface="Consolas"/>
+                <a:ea typeface="SimSun"/>
+              </a:rPr>
+              <a:t>127.0.0.1:6379&gt;</a:t>
+            </a:r>
+            <a:r>
+              <a:rPr b="0" lang="en-IN" sz="1800" spc="-1" strike="noStrike">
+                <a:solidFill>
+                  <a:srgbClr val="000000"/>
+                </a:solidFill>
+                <a:latin typeface="Consolas"/>
+                <a:ea typeface="SimSun"/>
+              </a:rPr>
+              <a:t> </a:t>
+            </a:r>
+            <a:r>
+              <a:rPr b="0" lang="en-IN" sz="1800" spc="-1" strike="noStrike">
+                <a:solidFill>
+                  <a:srgbClr val="ff5733"/>
+                </a:solidFill>
+                <a:latin typeface="Consolas"/>
+                <a:ea typeface="SimSun"/>
+              </a:rPr>
+              <a:t>dbsize</a:t>
+            </a:r>
+            <a:endParaRPr b="0" lang="en-IN" sz="1800" spc="-1" strike="noStrike">
+              <a:latin typeface="Arial"/>
+            </a:endParaRPr>
+          </a:p>
+        </p:txBody>
+      </p:sp>
+      <p:sp>
+        <p:nvSpPr>
+          <p:cNvPr id="145" name="CustomShape 5"/>
           <p:cNvSpPr/>
           <p:nvPr/>
         </p:nvSpPr>
         <p:spPr>
           <a:xfrm>
             <a:off x="152280" y="152280"/>
-            <a:ext cx="1105200" cy="455400"/>
+            <a:ext cx="1104840" cy="455400"/>
           </a:xfrm>
           <a:prstGeom prst="rect">
             <a:avLst/>
@@ -5985,14 +5838,14 @@
       </p:sp>
       <p:sp>
         <p:nvSpPr>
-          <p:cNvPr id="147" name="CustomShape 6"/>
+          <p:cNvPr id="146" name="CustomShape 6"/>
           <p:cNvSpPr/>
           <p:nvPr/>
         </p:nvSpPr>
         <p:spPr>
           <a:xfrm>
             <a:off x="1601280" y="2221560"/>
-            <a:ext cx="8989200" cy="699480"/>
+            <a:ext cx="8988840" cy="699480"/>
           </a:xfrm>
           <a:prstGeom prst="rect">
             <a:avLst/>
@@ -6026,7 +5879,7 @@
                 <a:latin typeface="Consolas"/>
                 <a:ea typeface="DejaVu Sans"/>
               </a:rPr>
-              <a:t>TTL key</a:t>
+              <a:t>KEYS pattern</a:t>
             </a:r>
             <a:endParaRPr b="0" lang="en-IN" sz="2000" spc="-1" strike="noStrike">
               <a:latin typeface="Arial"/>
@@ -6046,7 +5899,7 @@
                 <a:latin typeface="Consolas"/>
                 <a:ea typeface="DejaVu Sans"/>
               </a:rPr>
-              <a:t>PTTL key</a:t>
+              <a:t>dbsize</a:t>
             </a:r>
             <a:endParaRPr b="0" lang="en-IN" sz="2000" spc="-1" strike="noStrike">
               <a:latin typeface="Arial"/>
@@ -6056,14 +5909,14 @@
       </p:sp>
       <p:sp>
         <p:nvSpPr>
-          <p:cNvPr id="148" name="CustomShape 7"/>
+          <p:cNvPr id="147" name="CustomShape 7"/>
           <p:cNvSpPr/>
           <p:nvPr/>
         </p:nvSpPr>
         <p:spPr>
           <a:xfrm>
-            <a:off x="1584000" y="5246640"/>
-            <a:ext cx="8854920" cy="1015560"/>
+            <a:off x="1656000" y="4713480"/>
+            <a:ext cx="8998560" cy="1368720"/>
           </a:xfrm>
           <a:prstGeom prst="rect">
             <a:avLst/>
@@ -6084,165 +5937,177 @@
             <a:noAutofit/>
           </a:bodyPr>
           <a:p>
-            <a:pPr>
-              <a:lnSpc>
-                <a:spcPct val="100000"/>
-              </a:lnSpc>
-            </a:pPr>
-            <a:r>
-              <a:rPr b="1" lang="en-IN" sz="2000" spc="-1" strike="noStrike">
-                <a:solidFill>
-                  <a:srgbClr val="c00000"/>
-                </a:solidFill>
-                <a:latin typeface="Open Sans"/>
-                <a:ea typeface="Open Sans"/>
-              </a:rPr>
-              <a:t>Note:</a:t>
-            </a:r>
-            <a:endParaRPr b="0" lang="en-IN" sz="2000" spc="-1" strike="noStrike">
-              <a:latin typeface="Arial"/>
-            </a:endParaRPr>
-          </a:p>
-          <a:p>
-            <a:pPr>
-              <a:lnSpc>
-                <a:spcPct val="100000"/>
-              </a:lnSpc>
-            </a:pPr>
-            <a:endParaRPr b="0" lang="en-IN" sz="2000" spc="-1" strike="noStrike">
-              <a:latin typeface="Arial"/>
-            </a:endParaRPr>
-          </a:p>
-          <a:p>
-            <a:pPr marL="216000" indent="-214920">
+            <a:pPr marL="216000" indent="-214560">
               <a:lnSpc>
                 <a:spcPct val="100000"/>
               </a:lnSpc>
               <a:buClr>
                 <a:srgbClr val="000000"/>
               </a:buClr>
-              <a:buSzPct val="45000"/>
-              <a:buFont typeface="Wingdings" charset="2"/>
-              <a:buChar char=""/>
-            </a:pPr>
-            <a:r>
-              <a:rPr b="0" lang="en-IN" sz="1800" spc="-1" strike="noStrike">
-                <a:solidFill>
-                  <a:srgbClr val="666666"/>
+              <a:buFont typeface="StarSymbol"/>
+              <a:buAutoNum type="arabicParenR"/>
+            </a:pPr>
+            <a:r>
+              <a:rPr b="0" lang="en-IN" sz="1800" spc="-1" strike="noStrike">
+                <a:solidFill>
+                  <a:srgbClr val="000000"/>
                 </a:solidFill>
                 <a:latin typeface="Arial"/>
-                <a:ea typeface="Open Sans"/>
-              </a:rPr>
-              <a:t>The command returns -1 if the key exists but has no associated expire.</a:t>
+                <a:ea typeface="DejaVu Sans"/>
+              </a:rPr>
+              <a:t> </a:t>
+            </a:r>
+            <a:r>
+              <a:rPr b="0" lang="en-IN" sz="1800" spc="-1" strike="noStrike">
+                <a:solidFill>
+                  <a:srgbClr val="000000"/>
+                </a:solidFill>
+                <a:latin typeface="Arial"/>
+                <a:ea typeface="DejaVu Sans"/>
+              </a:rPr>
+              <a:t>h?llo matches hello, hallo and hxllo</a:t>
             </a:r>
             <a:endParaRPr b="0" lang="en-IN" sz="1800" spc="-1" strike="noStrike">
               <a:latin typeface="Arial"/>
             </a:endParaRPr>
           </a:p>
           <a:p>
-            <a:pPr marL="216000" indent="-214920">
+            <a:pPr marL="216000" indent="-214560">
               <a:lnSpc>
                 <a:spcPct val="100000"/>
               </a:lnSpc>
               <a:buClr>
                 <a:srgbClr val="000000"/>
               </a:buClr>
-              <a:buSzPct val="45000"/>
-              <a:buFont typeface="Wingdings" charset="2"/>
-              <a:buChar char=""/>
-            </a:pPr>
-            <a:r>
-              <a:rPr b="0" lang="en-IN" sz="1800" spc="-1" strike="noStrike">
-                <a:solidFill>
-                  <a:srgbClr val="666666"/>
+              <a:buFont typeface="StarSymbol"/>
+              <a:buAutoNum type="arabicParenR"/>
+            </a:pPr>
+            <a:r>
+              <a:rPr b="0" lang="en-IN" sz="1800" spc="-1" strike="noStrike">
+                <a:solidFill>
+                  <a:srgbClr val="000000"/>
                 </a:solidFill>
                 <a:latin typeface="Arial"/>
-                <a:ea typeface="Open Sans"/>
-              </a:rPr>
-              <a:t>The command returns -2 if the key does not exist.</a:t>
+                <a:ea typeface="DejaVu Sans"/>
+              </a:rPr>
+              <a:t> </a:t>
+            </a:r>
+            <a:r>
+              <a:rPr b="0" lang="en-IN" sz="1800" spc="-1" strike="noStrike">
+                <a:solidFill>
+                  <a:srgbClr val="000000"/>
+                </a:solidFill>
+                <a:latin typeface="Arial"/>
+                <a:ea typeface="DejaVu Sans"/>
+              </a:rPr>
+              <a:t>h*llo matches hllo and heeeello</a:t>
             </a:r>
             <a:endParaRPr b="0" lang="en-IN" sz="1800" spc="-1" strike="noStrike">
               <a:latin typeface="Arial"/>
             </a:endParaRPr>
           </a:p>
-        </p:txBody>
-      </p:sp>
-      <p:sp>
-        <p:nvSpPr>
-          <p:cNvPr id="149" name="CustomShape 8"/>
-          <p:cNvSpPr/>
-          <p:nvPr/>
-        </p:nvSpPr>
-        <p:spPr>
-          <a:xfrm>
-            <a:off x="1576080" y="3161880"/>
-            <a:ext cx="9582840" cy="653040"/>
-          </a:xfrm>
-          <a:prstGeom prst="rect">
-            <a:avLst/>
-          </a:prstGeom>
-          <a:noFill/>
-          <a:ln>
-            <a:noFill/>
-          </a:ln>
-        </p:spPr>
-        <p:style>
-          <a:lnRef idx="0"/>
-          <a:fillRef idx="0"/>
-          <a:effectRef idx="0"/>
-          <a:fontRef idx="minor"/>
-        </p:style>
-        <p:txBody>
-          <a:bodyPr lIns="90000" rIns="90000" tIns="45000" bIns="45000">
-            <a:noAutofit/>
-          </a:bodyPr>
-          <a:p>
-            <a:pPr>
+          <a:p>
+            <a:pPr marL="216000" indent="-214560">
               <a:lnSpc>
                 <a:spcPct val="100000"/>
               </a:lnSpc>
-            </a:pPr>
-            <a:r>
-              <a:rPr b="1" lang="en-US" sz="2000" spc="-1" strike="noStrike">
+              <a:buClr>
+                <a:srgbClr val="000000"/>
+              </a:buClr>
+              <a:buFont typeface="StarSymbol"/>
+              <a:buAutoNum type="arabicParenR"/>
+            </a:pPr>
+            <a:r>
+              <a:rPr b="0" lang="en-IN" sz="1800" spc="-1" strike="noStrike">
                 <a:solidFill>
                   <a:srgbClr val="000000"/>
                 </a:solidFill>
-                <a:latin typeface="Times New Roman"/>
+                <a:latin typeface="Arial"/>
                 <a:ea typeface="DejaVu Sans"/>
               </a:rPr>
-              <a:t>TTL</a:t>
-            </a:r>
-            <a:r>
-              <a:rPr b="0" lang="en-US" sz="2000" spc="-1" strike="noStrike">
+              <a:t> </a:t>
+            </a:r>
+            <a:r>
+              <a:rPr b="0" lang="en-IN" sz="1800" spc="-1" strike="noStrike">
                 <a:solidFill>
                   <a:srgbClr val="000000"/>
                 </a:solidFill>
-                <a:latin typeface="Times New Roman"/>
+                <a:latin typeface="Arial"/>
                 <a:ea typeface="DejaVu Sans"/>
               </a:rPr>
-              <a:t> returns the amount of remaining time in seconds while </a:t>
-            </a:r>
-            <a:r>
-              <a:rPr b="1" lang="en-US" sz="2000" spc="-1" strike="noStrike">
+              <a:t>h[ae]llo matches hello and hallo, but not hillo</a:t>
+            </a:r>
+            <a:endParaRPr b="0" lang="en-IN" sz="1800" spc="-1" strike="noStrike">
+              <a:latin typeface="Arial"/>
+            </a:endParaRPr>
+          </a:p>
+          <a:p>
+            <a:pPr marL="216000" indent="-214560">
+              <a:lnSpc>
+                <a:spcPct val="100000"/>
+              </a:lnSpc>
+              <a:buClr>
+                <a:srgbClr val="000000"/>
+              </a:buClr>
+              <a:buFont typeface="StarSymbol"/>
+              <a:buAutoNum type="arabicParenR"/>
+            </a:pPr>
+            <a:r>
+              <a:rPr b="0" lang="en-IN" sz="1800" spc="-1" strike="noStrike">
                 <a:solidFill>
                   <a:srgbClr val="000000"/>
                 </a:solidFill>
-                <a:latin typeface="Times New Roman"/>
+                <a:latin typeface="Arial"/>
                 <a:ea typeface="DejaVu Sans"/>
               </a:rPr>
-              <a:t>PTTL</a:t>
-            </a:r>
-            <a:r>
-              <a:rPr b="0" lang="en-US" sz="2000" spc="-1" strike="noStrike">
+              <a:t> </a:t>
+            </a:r>
+            <a:r>
+              <a:rPr b="0" lang="en-IN" sz="1800" spc="-1" strike="noStrike">
                 <a:solidFill>
                   <a:srgbClr val="000000"/>
                 </a:solidFill>
-                <a:latin typeface="Times New Roman"/>
+                <a:latin typeface="Arial"/>
                 <a:ea typeface="DejaVu Sans"/>
               </a:rPr>
-              <a:t> returns it in milliseconds.</a:t>
-            </a:r>
-            <a:endParaRPr b="0" lang="en-IN" sz="2000" spc="-1" strike="noStrike">
+              <a:t>h[^e]llo matches hallo, hbllo, ... but not hello</a:t>
+            </a:r>
+            <a:endParaRPr b="0" lang="en-IN" sz="1800" spc="-1" strike="noStrike">
+              <a:latin typeface="Arial"/>
+            </a:endParaRPr>
+          </a:p>
+          <a:p>
+            <a:pPr marL="216000" indent="-214560">
+              <a:lnSpc>
+                <a:spcPct val="100000"/>
+              </a:lnSpc>
+              <a:buClr>
+                <a:srgbClr val="000000"/>
+              </a:buClr>
+              <a:buFont typeface="StarSymbol"/>
+              <a:buAutoNum type="arabicParenR"/>
+            </a:pPr>
+            <a:r>
+              <a:rPr b="0" lang="en-IN" sz="1800" spc="-1" strike="noStrike">
+                <a:solidFill>
+                  <a:srgbClr val="000000"/>
+                </a:solidFill>
+                <a:latin typeface="Arial"/>
+                <a:ea typeface="DejaVu Sans"/>
+              </a:rPr>
+              <a:t> </a:t>
+            </a:r>
+            <a:r>
+              <a:rPr b="0" lang="en-IN" sz="1800" spc="-1" strike="noStrike">
+                <a:solidFill>
+                  <a:srgbClr val="000000"/>
+                </a:solidFill>
+                <a:latin typeface="Arial"/>
+                <a:ea typeface="DejaVu Sans"/>
+              </a:rPr>
+              <a:t>h[a-b]llo matches hallo and hbllo</a:t>
+            </a:r>
+            <a:endParaRPr b="0" lang="en-IN" sz="1800" spc="-1" strike="noStrike">
               <a:latin typeface="Arial"/>
             </a:endParaRPr>
           </a:p>
@@ -6280,14 +6145,14 @@
       </p:grpSpPr>
       <p:sp>
         <p:nvSpPr>
-          <p:cNvPr id="150" name="CustomShape 1"/>
+          <p:cNvPr id="148" name="CustomShape 1"/>
           <p:cNvSpPr/>
           <p:nvPr/>
         </p:nvSpPr>
         <p:spPr>
           <a:xfrm>
             <a:off x="1676520" y="2362320"/>
-            <a:ext cx="8837640" cy="1186920"/>
+            <a:ext cx="8837280" cy="1186920"/>
           </a:xfrm>
           <a:prstGeom prst="rect">
             <a:avLst/>
@@ -6321,7 +6186,7 @@
                 <a:latin typeface="Century"/>
                 <a:ea typeface="DejaVu Sans"/>
               </a:rPr>
-              <a:t>expire key</a:t>
+              <a:t>ttl key / pttl key</a:t>
             </a:r>
             <a:endParaRPr b="0" lang="en-IN" sz="7200" spc="-1" strike="noStrike">
               <a:latin typeface="Arial"/>
@@ -6331,21 +6196,19 @@
       </p:sp>
       <p:sp>
         <p:nvSpPr>
-          <p:cNvPr id="151" name="CustomShape 2"/>
+          <p:cNvPr id="149" name="CustomShape 2"/>
           <p:cNvSpPr/>
           <p:nvPr/>
         </p:nvSpPr>
         <p:spPr>
           <a:xfrm>
             <a:off x="1676520" y="3531600"/>
-            <a:ext cx="8837640" cy="424800"/>
-          </a:xfrm>
-          <a:prstGeom prst="rect">
-            <a:avLst/>
-          </a:prstGeom>
-          <a:solidFill>
-            <a:schemeClr val="bg1"/>
-          </a:solidFill>
+            <a:ext cx="8837280" cy="424800"/>
+          </a:xfrm>
+          <a:prstGeom prst="rect">
+            <a:avLst/>
+          </a:prstGeom>
+          <a:noFill/>
           <a:ln>
             <a:noFill/>
           </a:ln>
@@ -6414,7 +6277,7 @@
       </p:grpSpPr>
       <p:sp>
         <p:nvSpPr>
-          <p:cNvPr id="152" name="Line 1"/>
+          <p:cNvPr id="150" name="Line 1"/>
           <p:cNvSpPr/>
           <p:nvPr/>
         </p:nvSpPr>
@@ -6449,23 +6312,19 @@
       </p:sp>
       <p:sp>
         <p:nvSpPr>
-          <p:cNvPr id="153" name="CustomShape 2"/>
+          <p:cNvPr id="151" name="CustomShape 2"/>
           <p:cNvSpPr/>
           <p:nvPr/>
         </p:nvSpPr>
         <p:spPr>
           <a:xfrm>
             <a:off x="1523880" y="0"/>
-            <a:ext cx="9142560" cy="699120"/>
-          </a:xfrm>
-          <a:prstGeom prst="rect">
-            <a:avLst/>
-          </a:prstGeom>
-          <a:solidFill>
-            <a:schemeClr val="accent6">
-              <a:lumMod val="75000"/>
-            </a:schemeClr>
-          </a:solidFill>
+            <a:ext cx="9142200" cy="699120"/>
+          </a:xfrm>
+          <a:prstGeom prst="rect">
+            <a:avLst/>
+          </a:prstGeom>
+          <a:noFill/>
           <a:ln>
             <a:noFill/>
           </a:ln>
@@ -6494,7 +6353,7 @@
                 <a:latin typeface="Open Sans"/>
                 <a:ea typeface="DejaVu Sans"/>
               </a:rPr>
-              <a:t>expire key</a:t>
+              <a:t>ttl key / pttl key</a:t>
             </a:r>
             <a:endParaRPr b="0" lang="en-IN" sz="4000" spc="-1" strike="noStrike">
               <a:latin typeface="Arial"/>
@@ -6504,14 +6363,14 @@
       </p:sp>
       <p:sp>
         <p:nvSpPr>
-          <p:cNvPr id="154" name="CustomShape 3"/>
+          <p:cNvPr id="152" name="CustomShape 3"/>
           <p:cNvSpPr/>
           <p:nvPr/>
         </p:nvSpPr>
         <p:spPr>
           <a:xfrm>
             <a:off x="1600200" y="762120"/>
-            <a:ext cx="8990280" cy="912600"/>
+            <a:ext cx="8989920" cy="699480"/>
           </a:xfrm>
           <a:prstGeom prst="rect">
             <a:avLst/>
@@ -6538,38 +6397,56 @@
               </a:lnSpc>
             </a:pPr>
             <a:r>
-              <a:rPr b="0" lang="en-US" sz="1800" spc="-1" strike="noStrike">
+              <a:rPr b="0" lang="en-US" sz="2000" spc="-1" strike="noStrike">
                 <a:solidFill>
                   <a:srgbClr val="000000"/>
                 </a:solidFill>
-                <a:latin typeface="Arial"/>
+                <a:latin typeface="Times New Roman"/>
                 <a:ea typeface="DejaVu Sans"/>
               </a:rPr>
-              <a:t>Set a timeout on key. After the timeout has expired, the key will automatically be deleted. A key with an associated timeout is often said to be volatile in Redis terminology.</a:t>
-            </a:r>
-            <a:endParaRPr b="0" lang="en-IN" sz="1800" spc="-1" strike="noStrike">
-              <a:latin typeface="Arial"/>
-            </a:endParaRPr>
-          </a:p>
-        </p:txBody>
-      </p:sp>
-      <p:sp>
-        <p:nvSpPr>
-          <p:cNvPr id="155" name="CustomShape 4"/>
+              <a:t>Returns the remaining </a:t>
+            </a:r>
+            <a:r>
+              <a:rPr b="1" lang="en-US" sz="2000" spc="-1" strike="noStrike">
+                <a:solidFill>
+                  <a:srgbClr val="000000"/>
+                </a:solidFill>
+                <a:latin typeface="Times New Roman"/>
+                <a:ea typeface="DejaVu Sans"/>
+              </a:rPr>
+              <a:t>time to live </a:t>
+            </a:r>
+            <a:r>
+              <a:rPr b="0" lang="en-US" sz="2000" spc="-1" strike="noStrike">
+                <a:solidFill>
+                  <a:srgbClr val="000000"/>
+                </a:solidFill>
+                <a:latin typeface="Times New Roman"/>
+                <a:ea typeface="DejaVu Sans"/>
+              </a:rPr>
+              <a:t>of a key that has a timeout. TTL allows Redis client to check how many seconds a given key will continue to be part of the data-set. </a:t>
+            </a:r>
+            <a:endParaRPr b="0" lang="en-IN" sz="2000" spc="-1" strike="noStrike">
+              <a:latin typeface="Arial"/>
+            </a:endParaRPr>
+          </a:p>
+        </p:txBody>
+      </p:sp>
+      <p:sp>
+        <p:nvSpPr>
+          <p:cNvPr id="153" name="CustomShape 4"/>
           <p:cNvSpPr/>
           <p:nvPr/>
         </p:nvSpPr>
         <p:spPr>
           <a:xfrm>
-            <a:off x="1600200" y="2829600"/>
-            <a:ext cx="8888400" cy="912600"/>
-          </a:xfrm>
-          <a:prstGeom prst="rect">
-            <a:avLst/>
-          </a:prstGeom>
-          <a:solidFill>
-            <a:schemeClr val="bg1"/>
-          </a:solidFill>
+            <a:off x="1600200" y="3909600"/>
+            <a:ext cx="8888040" cy="1324080"/>
+          </a:xfrm>
+          <a:prstGeom prst="rect">
+            <a:avLst/>
+          </a:prstGeom>
+          <a:noFill/>
           <a:ln>
             <a:noFill/>
           </a:ln>
@@ -6585,7 +6462,7 @@
             <a:spAutoFit/>
           </a:bodyPr>
           <a:p>
-            <a:pPr marL="285840" indent="-284400">
+            <a:pPr marL="285840" indent="-284040">
               <a:lnSpc>
                 <a:spcPct val="150000"/>
               </a:lnSpc>
@@ -6600,57 +6477,37 @@
                 <a:solidFill>
                   <a:srgbClr val="808080"/>
                 </a:solidFill>
-                <a:latin typeface="Arial"/>
-                <a:ea typeface="SimSun"/>
-              </a:rPr>
-              <a:t>127.0.0.1:6379&gt;</a:t>
-            </a:r>
-            <a:r>
-              <a:rPr b="0" lang="en-IN" sz="1800" spc="-1" strike="noStrike">
-                <a:solidFill>
-                  <a:srgbClr val="000000"/>
-                </a:solidFill>
-                <a:latin typeface="Arial"/>
-                <a:ea typeface="SimSun"/>
-              </a:rPr>
-              <a:t> </a:t>
-            </a:r>
-            <a:r>
-              <a:rPr b="0" lang="en-IN" sz="1800" spc="-1" strike="noStrike">
-                <a:solidFill>
-                  <a:srgbClr val="ff5733"/>
-                </a:solidFill>
-                <a:latin typeface="Arial"/>
-                <a:ea typeface="SimSun"/>
-              </a:rPr>
-              <a:t>expire </a:t>
-            </a:r>
-            <a:r>
-              <a:rPr b="0" lang="en-IN" sz="1800" spc="-1" strike="noStrike">
-                <a:solidFill>
-                  <a:srgbClr val="ff5733"/>
-                </a:solidFill>
                 <a:latin typeface="Consolas"/>
                 <a:ea typeface="SimSun"/>
               </a:rPr>
-              <a:t>username:1</a:t>
+              <a:t>127.0.0.1:6379&gt;</a:t>
+            </a:r>
+            <a:r>
+              <a:rPr b="0" lang="en-IN" sz="1800" spc="-1" strike="noStrike">
+                <a:solidFill>
+                  <a:srgbClr val="000000"/>
+                </a:solidFill>
+                <a:latin typeface="Consolas"/>
+                <a:ea typeface="SimSun"/>
+              </a:rPr>
+              <a:t> </a:t>
             </a:r>
             <a:r>
               <a:rPr b="0" lang="en-IN" sz="1800" spc="-1" strike="noStrike">
                 <a:solidFill>
                   <a:srgbClr val="ff5733"/>
                 </a:solidFill>
-                <a:latin typeface="Arial"/>
+                <a:latin typeface="Consolas"/>
                 <a:ea typeface="SimSun"/>
               </a:rPr>
-              <a:t> 180</a:t>
+              <a:t>ttl otp:1</a:t>
             </a:r>
             <a:endParaRPr b="0" lang="en-IN" sz="1800" spc="-1" strike="noStrike">
               <a:latin typeface="Arial"/>
             </a:endParaRPr>
           </a:p>
           <a:p>
-            <a:pPr marL="285840" indent="-284400">
+            <a:pPr marL="285840" indent="-284040">
               <a:lnSpc>
                 <a:spcPct val="150000"/>
               </a:lnSpc>
@@ -6665,7 +6522,7 @@
                 <a:solidFill>
                   <a:srgbClr val="808080"/>
                 </a:solidFill>
-                <a:latin typeface="Arial"/>
+                <a:latin typeface="Consolas"/>
                 <a:ea typeface="SimSun"/>
               </a:rPr>
               <a:t>127.0.0.1:6379&gt;</a:t>
@@ -6675,7 +6532,7 @@
                 <a:solidFill>
                   <a:srgbClr val="000000"/>
                 </a:solidFill>
-                <a:latin typeface="Arial"/>
+                <a:latin typeface="Consolas"/>
                 <a:ea typeface="SimSun"/>
               </a:rPr>
               <a:t> </a:t>
@@ -6685,27 +6542,72 @@
                 <a:solidFill>
                   <a:srgbClr val="ff5733"/>
                 </a:solidFill>
-                <a:latin typeface="Arial"/>
+                <a:latin typeface="Consolas"/>
                 <a:ea typeface="SimSun"/>
               </a:rPr>
-              <a:t>expire password:1 180</a:t>
+              <a:t>pttl otp:2</a:t>
             </a:r>
             <a:endParaRPr b="0" lang="en-IN" sz="1800" spc="-1" strike="noStrike">
               <a:latin typeface="Arial"/>
             </a:endParaRPr>
           </a:p>
-        </p:txBody>
-      </p:sp>
-      <p:sp>
-        <p:nvSpPr>
-          <p:cNvPr id="156" name="CustomShape 5"/>
+          <a:p>
+            <a:pPr marL="285840" indent="-284040">
+              <a:lnSpc>
+                <a:spcPct val="150000"/>
+              </a:lnSpc>
+              <a:buClr>
+                <a:srgbClr val="808080"/>
+              </a:buClr>
+              <a:buFont typeface="Arial"/>
+              <a:buChar char="•"/>
+            </a:pPr>
+            <a:r>
+              <a:rPr b="0" lang="en-IN" sz="1800" spc="-1" strike="noStrike">
+                <a:solidFill>
+                  <a:srgbClr val="808080"/>
+                </a:solidFill>
+                <a:latin typeface="Consolas"/>
+                <a:ea typeface="SimSun"/>
+              </a:rPr>
+              <a:t>127.0.0.1:6379&gt;</a:t>
+            </a:r>
+            <a:r>
+              <a:rPr b="0" lang="en-IN" sz="1800" spc="-1" strike="noStrike">
+                <a:solidFill>
+                  <a:srgbClr val="000000"/>
+                </a:solidFill>
+                <a:latin typeface="Consolas"/>
+                <a:ea typeface="SimSun"/>
+              </a:rPr>
+              <a:t> </a:t>
+            </a:r>
+            <a:r>
+              <a:rPr b="0" lang="en-IN" sz="1800" spc="-1" strike="noStrike">
+                <a:solidFill>
+                  <a:srgbClr val="ff5733"/>
+                </a:solidFill>
+                <a:latin typeface="Consolas"/>
+                <a:ea typeface="SimSun"/>
+              </a:rPr>
+              <a:t>ttl password:1</a:t>
+            </a:r>
+            <a:endParaRPr b="0" lang="en-IN" sz="1800" spc="-1" strike="noStrike">
+              <a:latin typeface="Arial"/>
+            </a:endParaRPr>
+          </a:p>
+        </p:txBody>
+      </p:sp>
+      <p:sp>
+        <p:nvSpPr>
+          <p:cNvPr id="154" name="CustomShape 5"/>
           <p:cNvSpPr/>
           <p:nvPr/>
         </p:nvSpPr>
         <p:spPr>
           <a:xfrm>
             <a:off x="152280" y="152280"/>
-            <a:ext cx="1105200" cy="455400"/>
+            <a:ext cx="1104840" cy="455400"/>
           </a:xfrm>
           <a:prstGeom prst="rect">
             <a:avLst/>
@@ -6749,14 +6651,14 @@
       </p:sp>
       <p:sp>
         <p:nvSpPr>
-          <p:cNvPr id="157" name="CustomShape 6"/>
+          <p:cNvPr id="155" name="CustomShape 6"/>
           <p:cNvSpPr/>
           <p:nvPr/>
         </p:nvSpPr>
         <p:spPr>
           <a:xfrm>
             <a:off x="1601280" y="2221560"/>
-            <a:ext cx="8989200" cy="394560"/>
+            <a:ext cx="8988840" cy="699480"/>
           </a:xfrm>
           <a:prstGeom prst="rect">
             <a:avLst/>
@@ -6790,7 +6692,221 @@
                 <a:latin typeface="Consolas"/>
                 <a:ea typeface="DejaVu Sans"/>
               </a:rPr>
-              <a:t>EXPIRE key seconds</a:t>
+              <a:t>TTL key</a:t>
+            </a:r>
+            <a:endParaRPr b="0" lang="en-IN" sz="2000" spc="-1" strike="noStrike">
+              <a:latin typeface="Arial"/>
+            </a:endParaRPr>
+          </a:p>
+          <a:p>
+            <a:pPr>
+              <a:lnSpc>
+                <a:spcPct val="100000"/>
+              </a:lnSpc>
+            </a:pPr>
+            <a:r>
+              <a:rPr b="0" lang="en-US" sz="2000" spc="-1" strike="noStrike">
+                <a:solidFill>
+                  <a:srgbClr val="00b0f0"/>
+                </a:solidFill>
+                <a:latin typeface="Consolas"/>
+                <a:ea typeface="DejaVu Sans"/>
+              </a:rPr>
+              <a:t>PTTL key</a:t>
+            </a:r>
+            <a:endParaRPr b="0" lang="en-IN" sz="2000" spc="-1" strike="noStrike">
+              <a:latin typeface="Arial"/>
+            </a:endParaRPr>
+          </a:p>
+        </p:txBody>
+      </p:sp>
+      <p:sp>
+        <p:nvSpPr>
+          <p:cNvPr id="156" name="CustomShape 7"/>
+          <p:cNvSpPr/>
+          <p:nvPr/>
+        </p:nvSpPr>
+        <p:spPr>
+          <a:xfrm>
+            <a:off x="1584000" y="5246640"/>
+            <a:ext cx="8854560" cy="1015200"/>
+          </a:xfrm>
+          <a:prstGeom prst="rect">
+            <a:avLst/>
+          </a:prstGeom>
+          <a:noFill/>
+          <a:ln>
+            <a:noFill/>
+          </a:ln>
+        </p:spPr>
+        <p:style>
+          <a:lnRef idx="0"/>
+          <a:fillRef idx="0"/>
+          <a:effectRef idx="0"/>
+          <a:fontRef idx="minor"/>
+        </p:style>
+        <p:txBody>
+          <a:bodyPr lIns="90000" rIns="90000" tIns="45000" bIns="45000">
+            <a:noAutofit/>
+          </a:bodyPr>
+          <a:p>
+            <a:pPr>
+              <a:lnSpc>
+                <a:spcPct val="100000"/>
+              </a:lnSpc>
+            </a:pPr>
+            <a:r>
+              <a:rPr b="1" lang="en-IN" sz="2000" spc="-1" strike="noStrike">
+                <a:solidFill>
+                  <a:srgbClr val="c00000"/>
+                </a:solidFill>
+                <a:latin typeface="Open Sans"/>
+                <a:ea typeface="Open Sans"/>
+              </a:rPr>
+              <a:t>Note:</a:t>
+            </a:r>
+            <a:endParaRPr b="0" lang="en-IN" sz="2000" spc="-1" strike="noStrike">
+              <a:latin typeface="Arial"/>
+            </a:endParaRPr>
+          </a:p>
+          <a:p>
+            <a:pPr>
+              <a:lnSpc>
+                <a:spcPct val="100000"/>
+              </a:lnSpc>
+            </a:pPr>
+            <a:endParaRPr b="0" lang="en-IN" sz="2000" spc="-1" strike="noStrike">
+              <a:latin typeface="Arial"/>
+            </a:endParaRPr>
+          </a:p>
+          <a:p>
+            <a:pPr marL="216000" indent="-214560">
+              <a:lnSpc>
+                <a:spcPct val="100000"/>
+              </a:lnSpc>
+              <a:buClr>
+                <a:srgbClr val="000000"/>
+              </a:buClr>
+              <a:buSzPct val="45000"/>
+              <a:buFont typeface="Wingdings" charset="2"/>
+              <a:buChar char=""/>
+            </a:pPr>
+            <a:r>
+              <a:rPr b="0" lang="en-IN" sz="1800" spc="-1" strike="noStrike">
+                <a:solidFill>
+                  <a:srgbClr val="666666"/>
+                </a:solidFill>
+                <a:latin typeface="Arial"/>
+                <a:ea typeface="Open Sans"/>
+              </a:rPr>
+              <a:t>The command returns -1 if the key exists but has no associated expire.</a:t>
+            </a:r>
+            <a:endParaRPr b="0" lang="en-IN" sz="1800" spc="-1" strike="noStrike">
+              <a:latin typeface="Arial"/>
+            </a:endParaRPr>
+          </a:p>
+          <a:p>
+            <a:pPr marL="216000" indent="-214560">
+              <a:lnSpc>
+                <a:spcPct val="100000"/>
+              </a:lnSpc>
+              <a:buClr>
+                <a:srgbClr val="000000"/>
+              </a:buClr>
+              <a:buSzPct val="45000"/>
+              <a:buFont typeface="Wingdings" charset="2"/>
+              <a:buChar char=""/>
+            </a:pPr>
+            <a:r>
+              <a:rPr b="0" lang="en-IN" sz="1800" spc="-1" strike="noStrike">
+                <a:solidFill>
+                  <a:srgbClr val="666666"/>
+                </a:solidFill>
+                <a:latin typeface="Arial"/>
+                <a:ea typeface="Open Sans"/>
+              </a:rPr>
+              <a:t>The command returns -2 if the key does not exist.</a:t>
+            </a:r>
+            <a:endParaRPr b="0" lang="en-IN" sz="1800" spc="-1" strike="noStrike">
+              <a:latin typeface="Arial"/>
+            </a:endParaRPr>
+          </a:p>
+        </p:txBody>
+      </p:sp>
+      <p:sp>
+        <p:nvSpPr>
+          <p:cNvPr id="157" name="CustomShape 8"/>
+          <p:cNvSpPr/>
+          <p:nvPr/>
+        </p:nvSpPr>
+        <p:spPr>
+          <a:xfrm>
+            <a:off x="1576080" y="3161880"/>
+            <a:ext cx="9582480" cy="652680"/>
+          </a:xfrm>
+          <a:prstGeom prst="rect">
+            <a:avLst/>
+          </a:prstGeom>
+          <a:noFill/>
+          <a:ln>
+            <a:noFill/>
+          </a:ln>
+        </p:spPr>
+        <p:style>
+          <a:lnRef idx="0"/>
+          <a:fillRef idx="0"/>
+          <a:effectRef idx="0"/>
+          <a:fontRef idx="minor"/>
+        </p:style>
+        <p:txBody>
+          <a:bodyPr lIns="90000" rIns="90000" tIns="45000" bIns="45000">
+            <a:noAutofit/>
+          </a:bodyPr>
+          <a:p>
+            <a:pPr>
+              <a:lnSpc>
+                <a:spcPct val="100000"/>
+              </a:lnSpc>
+            </a:pPr>
+            <a:r>
+              <a:rPr b="1" lang="en-US" sz="2000" spc="-1" strike="noStrike">
+                <a:solidFill>
+                  <a:srgbClr val="000000"/>
+                </a:solidFill>
+                <a:latin typeface="Times New Roman"/>
+                <a:ea typeface="DejaVu Sans"/>
+              </a:rPr>
+              <a:t>TTL</a:t>
+            </a:r>
+            <a:r>
+              <a:rPr b="0" lang="en-US" sz="2000" spc="-1" strike="noStrike">
+                <a:solidFill>
+                  <a:srgbClr val="000000"/>
+                </a:solidFill>
+                <a:latin typeface="Times New Roman"/>
+                <a:ea typeface="DejaVu Sans"/>
+              </a:rPr>
+              <a:t> returns the amount of remaining time in seconds while </a:t>
+            </a:r>
+            <a:r>
+              <a:rPr b="1" lang="en-US" sz="2000" spc="-1" strike="noStrike">
+                <a:solidFill>
+                  <a:srgbClr val="000000"/>
+                </a:solidFill>
+                <a:latin typeface="Times New Roman"/>
+                <a:ea typeface="DejaVu Sans"/>
+              </a:rPr>
+              <a:t>PTTL</a:t>
+            </a:r>
+            <a:r>
+              <a:rPr b="0" lang="en-US" sz="2000" spc="-1" strike="noStrike">
+                <a:solidFill>
+                  <a:srgbClr val="000000"/>
+                </a:solidFill>
+                <a:latin typeface="Times New Roman"/>
+                <a:ea typeface="DejaVu Sans"/>
+              </a:rPr>
+              <a:t> returns it in milliseconds.</a:t>
             </a:r>
             <a:endParaRPr b="0" lang="en-IN" sz="2000" spc="-1" strike="noStrike">
               <a:latin typeface="Arial"/>
@@ -6837,7 +6953,7 @@
         <p:spPr>
           <a:xfrm>
             <a:off x="1676520" y="2362320"/>
-            <a:ext cx="8837640" cy="1186920"/>
+            <a:ext cx="8837280" cy="1186920"/>
           </a:xfrm>
           <a:prstGeom prst="rect">
             <a:avLst/>
@@ -6871,7 +6987,7 @@
                 <a:latin typeface="Century"/>
                 <a:ea typeface="DejaVu Sans"/>
               </a:rPr>
-              <a:t>persist key</a:t>
+              <a:t>expire key</a:t>
             </a:r>
             <a:endParaRPr b="0" lang="en-IN" sz="7200" spc="-1" strike="noStrike">
               <a:latin typeface="Arial"/>
@@ -6888,14 +7004,12 @@
         <p:spPr>
           <a:xfrm>
             <a:off x="1676520" y="3531600"/>
-            <a:ext cx="8837640" cy="424800"/>
-          </a:xfrm>
-          <a:prstGeom prst="rect">
-            <a:avLst/>
-          </a:prstGeom>
-          <a:solidFill>
-            <a:schemeClr val="bg1"/>
-          </a:solidFill>
+            <a:ext cx="8837280" cy="424800"/>
+          </a:xfrm>
+          <a:prstGeom prst="rect">
+            <a:avLst/>
+          </a:prstGeom>
+          <a:noFill/>
           <a:ln>
             <a:noFill/>
           </a:ln>
@@ -7006,16 +7120,12 @@
         <p:spPr>
           <a:xfrm>
             <a:off x="1523880" y="0"/>
-            <a:ext cx="9142560" cy="699120"/>
-          </a:xfrm>
-          <a:prstGeom prst="rect">
-            <a:avLst/>
-          </a:prstGeom>
-          <a:solidFill>
-            <a:schemeClr val="accent6">
-              <a:lumMod val="75000"/>
-            </a:schemeClr>
-          </a:solidFill>
+            <a:ext cx="9142200" cy="699120"/>
+          </a:xfrm>
+          <a:prstGeom prst="rect">
+            <a:avLst/>
+          </a:prstGeom>
+          <a:noFill/>
           <a:ln>
             <a:noFill/>
           </a:ln>
@@ -7044,7 +7154,7 @@
                 <a:latin typeface="Open Sans"/>
                 <a:ea typeface="DejaVu Sans"/>
               </a:rPr>
-              <a:t>persist key</a:t>
+              <a:t>expire key</a:t>
             </a:r>
             <a:endParaRPr b="0" lang="en-IN" sz="4000" spc="-1" strike="noStrike">
               <a:latin typeface="Arial"/>
@@ -7061,7 +7171,7 @@
         <p:spPr>
           <a:xfrm>
             <a:off x="1600200" y="762120"/>
-            <a:ext cx="8990280" cy="638280"/>
+            <a:ext cx="8989920" cy="912600"/>
           </a:xfrm>
           <a:prstGeom prst="rect">
             <a:avLst/>
@@ -7095,7 +7205,7 @@
                 <a:latin typeface="Arial"/>
                 <a:ea typeface="DejaVu Sans"/>
               </a:rPr>
-              <a:t>Remove the existing timeout on key, turning the key from volatile (a key with an expire set) to persistent (a key that will never expire as no timeout is associated).</a:t>
+              <a:t>Set a timeout on key. After the timeout has expired, the key will automatically be deleted. A key with an associated timeout is often said to be volatile in Redis terminology.</a:t>
             </a:r>
             <a:endParaRPr b="0" lang="en-IN" sz="1800" spc="-1" strike="noStrike">
               <a:latin typeface="Arial"/>
@@ -7111,8 +7221,8 @@
         </p:nvSpPr>
         <p:spPr>
           <a:xfrm>
-            <a:off x="152280" y="152280"/>
-            <a:ext cx="1105200" cy="455400"/>
+            <a:off x="1600200" y="2829600"/>
+            <a:ext cx="8888040" cy="912600"/>
           </a:xfrm>
           <a:prstGeom prst="rect">
             <a:avLst/>
@@ -7133,22 +7243,92 @@
             <a:spAutoFit/>
           </a:bodyPr>
           <a:p>
-            <a:pPr algn="just">
-              <a:lnSpc>
-                <a:spcPct val="100000"/>
-              </a:lnSpc>
-            </a:pPr>
-            <a:r>
-              <a:rPr b="0" lang="en-IN" sz="2400" spc="-1" strike="noStrike">
-                <a:solidFill>
-                  <a:srgbClr val="ff0000"/>
-                </a:solidFill>
-                <a:latin typeface="Times New Roman"/>
-                <a:ea typeface="DejaVu Sans"/>
-              </a:rPr>
-              <a:t>TODO</a:t>
-            </a:r>
-            <a:endParaRPr b="0" lang="en-IN" sz="2400" spc="-1" strike="noStrike">
+            <a:pPr marL="285840" indent="-284040">
+              <a:lnSpc>
+                <a:spcPct val="150000"/>
+              </a:lnSpc>
+              <a:buClr>
+                <a:srgbClr val="808080"/>
+              </a:buClr>
+              <a:buFont typeface="Arial"/>
+              <a:buChar char="•"/>
+            </a:pPr>
+            <a:r>
+              <a:rPr b="0" lang="en-IN" sz="1800" spc="-1" strike="noStrike">
+                <a:solidFill>
+                  <a:srgbClr val="808080"/>
+                </a:solidFill>
+                <a:latin typeface="Arial"/>
+                <a:ea typeface="SimSun"/>
+              </a:rPr>
+              <a:t>127.0.0.1:6379&gt;</a:t>
+            </a:r>
+            <a:r>
+              <a:rPr b="0" lang="en-IN" sz="1800" spc="-1" strike="noStrike">
+                <a:solidFill>
+                  <a:srgbClr val="000000"/>
+                </a:solidFill>
+                <a:latin typeface="Arial"/>
+                <a:ea typeface="SimSun"/>
+              </a:rPr>
+              <a:t> </a:t>
+            </a:r>
+            <a:r>
+              <a:rPr b="0" lang="en-IN" sz="1800" spc="-1" strike="noStrike">
+                <a:solidFill>
+                  <a:srgbClr val="ff5733"/>
+                </a:solidFill>
+                <a:latin typeface="Arial"/>
+                <a:ea typeface="SimSun"/>
+              </a:rPr>
+              <a:t>expire user:1 180</a:t>
+            </a:r>
+            <a:endParaRPr b="0" lang="en-IN" sz="1800" spc="-1" strike="noStrike">
+              <a:latin typeface="Arial"/>
+            </a:endParaRPr>
+          </a:p>
+          <a:p>
+            <a:pPr marL="285840" indent="-284040">
+              <a:lnSpc>
+                <a:spcPct val="150000"/>
+              </a:lnSpc>
+              <a:buClr>
+                <a:srgbClr val="808080"/>
+              </a:buClr>
+              <a:buFont typeface="Arial"/>
+              <a:buChar char="•"/>
+            </a:pPr>
+            <a:r>
+              <a:rPr b="0" lang="en-IN" sz="1800" spc="-1" strike="noStrike">
+                <a:solidFill>
+                  <a:srgbClr val="808080"/>
+                </a:solidFill>
+                <a:latin typeface="Arial"/>
+                <a:ea typeface="SimSun"/>
+              </a:rPr>
+              <a:t>127.0.0.1:6379&gt;</a:t>
+            </a:r>
+            <a:r>
+              <a:rPr b="0" lang="en-IN" sz="1800" spc="-1" strike="noStrike">
+                <a:solidFill>
+                  <a:srgbClr val="000000"/>
+                </a:solidFill>
+                <a:latin typeface="Arial"/>
+                <a:ea typeface="SimSun"/>
+              </a:rPr>
+              <a:t> </a:t>
+            </a:r>
+            <a:r>
+              <a:rPr b="0" lang="en-IN" sz="1800" spc="-1" strike="noStrike">
+                <a:solidFill>
+                  <a:srgbClr val="ff5733"/>
+                </a:solidFill>
+                <a:latin typeface="Arial"/>
+                <a:ea typeface="SimSun"/>
+              </a:rPr>
+              <a:t>expire password:1 180</a:t>
+            </a:r>
+            <a:endParaRPr b="0" lang="en-IN" sz="1800" spc="-1" strike="noStrike">
               <a:latin typeface="Arial"/>
             </a:endParaRPr>
           </a:p>
@@ -7162,8 +7342,8 @@
         </p:nvSpPr>
         <p:spPr>
           <a:xfrm>
-            <a:off x="1601280" y="2221560"/>
-            <a:ext cx="8989200" cy="394560"/>
+            <a:off x="152280" y="152280"/>
+            <a:ext cx="1104840" cy="455400"/>
           </a:xfrm>
           <a:prstGeom prst="rect">
             <a:avLst/>
@@ -7184,22 +7364,22 @@
             <a:spAutoFit/>
           </a:bodyPr>
           <a:p>
-            <a:pPr>
+            <a:pPr algn="just">
               <a:lnSpc>
                 <a:spcPct val="100000"/>
               </a:lnSpc>
             </a:pPr>
             <a:r>
-              <a:rPr b="0" lang="en-US" sz="2000" spc="-1" strike="noStrike">
-                <a:solidFill>
-                  <a:srgbClr val="00b0f0"/>
-                </a:solidFill>
-                <a:latin typeface="Consolas"/>
+              <a:rPr b="0" lang="en-IN" sz="2400" spc="-1" strike="noStrike">
+                <a:solidFill>
+                  <a:srgbClr val="ff0000"/>
+                </a:solidFill>
+                <a:latin typeface="Times New Roman"/>
                 <a:ea typeface="DejaVu Sans"/>
               </a:rPr>
-              <a:t>PERSIST key</a:t>
-            </a:r>
-            <a:endParaRPr b="0" lang="en-IN" sz="2000" spc="-1" strike="noStrike">
+              <a:t>TODO</a:t>
+            </a:r>
+            <a:endParaRPr b="0" lang="en-IN" sz="2400" spc="-1" strike="noStrike">
               <a:latin typeface="Arial"/>
             </a:endParaRPr>
           </a:p>
@@ -7213,15 +7393,13 @@
         </p:nvSpPr>
         <p:spPr>
           <a:xfrm>
-            <a:off x="1600200" y="2829600"/>
-            <a:ext cx="8888400" cy="1735560"/>
-          </a:xfrm>
-          <a:prstGeom prst="rect">
-            <a:avLst/>
-          </a:prstGeom>
-          <a:solidFill>
-            <a:schemeClr val="bg1"/>
-          </a:solidFill>
+            <a:off x="1601280" y="2221560"/>
+            <a:ext cx="8988840" cy="394560"/>
+          </a:xfrm>
+          <a:prstGeom prst="rect">
+            <a:avLst/>
+          </a:prstGeom>
+          <a:noFill/>
           <a:ln>
             <a:noFill/>
           </a:ln>
@@ -7237,162 +7415,22 @@
             <a:spAutoFit/>
           </a:bodyPr>
           <a:p>
-            <a:pPr marL="285840" indent="-284400">
-              <a:lnSpc>
-                <a:spcPct val="150000"/>
-              </a:lnSpc>
-              <a:buClr>
-                <a:srgbClr val="808080"/>
-              </a:buClr>
-              <a:buFont typeface="Arial"/>
-              <a:buChar char="•"/>
-            </a:pPr>
-            <a:r>
-              <a:rPr b="0" lang="en-IN" sz="1800" spc="-1" strike="noStrike">
-                <a:solidFill>
-                  <a:srgbClr val="808080"/>
-                </a:solidFill>
-                <a:latin typeface="Arial"/>
-                <a:ea typeface="SimSun"/>
-              </a:rPr>
-              <a:t>127.0.0.1:6379&gt;</a:t>
-            </a:r>
-            <a:r>
-              <a:rPr b="0" lang="en-IN" sz="1800" spc="-1" strike="noStrike">
-                <a:solidFill>
-                  <a:srgbClr val="000000"/>
-                </a:solidFill>
-                <a:latin typeface="Arial"/>
-                <a:ea typeface="SimSun"/>
-              </a:rPr>
-              <a:t> </a:t>
-            </a:r>
-            <a:r>
-              <a:rPr b="0" lang="en-IN" sz="1800" spc="-1" strike="noStrike">
-                <a:solidFill>
-                  <a:srgbClr val="ff5733"/>
-                </a:solidFill>
-                <a:latin typeface="Arial"/>
-                <a:ea typeface="SimSun"/>
-              </a:rPr>
-              <a:t>persist username:1</a:t>
-            </a:r>
-            <a:endParaRPr b="0" lang="en-IN" sz="1800" spc="-1" strike="noStrike">
-              <a:latin typeface="Arial"/>
-            </a:endParaRPr>
-          </a:p>
-          <a:p>
-            <a:pPr marL="285840" indent="-284400">
-              <a:lnSpc>
-                <a:spcPct val="150000"/>
-              </a:lnSpc>
-              <a:buClr>
-                <a:srgbClr val="808080"/>
-              </a:buClr>
-              <a:buFont typeface="Arial"/>
-              <a:buChar char="•"/>
-            </a:pPr>
-            <a:r>
-              <a:rPr b="0" lang="en-IN" sz="1800" spc="-1" strike="noStrike">
-                <a:solidFill>
-                  <a:srgbClr val="808080"/>
-                </a:solidFill>
-                <a:latin typeface="Arial"/>
-                <a:ea typeface="SimSun"/>
-              </a:rPr>
-              <a:t>127.0.0.1:6379&gt;</a:t>
-            </a:r>
-            <a:r>
-              <a:rPr b="0" lang="en-IN" sz="1800" spc="-1" strike="noStrike">
-                <a:solidFill>
-                  <a:srgbClr val="000000"/>
-                </a:solidFill>
-                <a:latin typeface="Arial"/>
-                <a:ea typeface="SimSun"/>
-              </a:rPr>
-              <a:t> </a:t>
-            </a:r>
-            <a:r>
-              <a:rPr b="0" lang="en-IN" sz="1800" spc="-1" strike="noStrike">
-                <a:solidFill>
-                  <a:srgbClr val="ff5733"/>
-                </a:solidFill>
-                <a:latin typeface="Arial"/>
-                <a:ea typeface="SimSun"/>
-              </a:rPr>
-              <a:t>persist password:1</a:t>
-            </a:r>
-            <a:endParaRPr b="0" lang="en-IN" sz="1800" spc="-1" strike="noStrike">
-              <a:latin typeface="Arial"/>
-            </a:endParaRPr>
-          </a:p>
-          <a:p>
-            <a:pPr marL="285840" indent="-284400">
-              <a:lnSpc>
-                <a:spcPct val="150000"/>
-              </a:lnSpc>
-              <a:buClr>
-                <a:srgbClr val="808080"/>
-              </a:buClr>
-              <a:buFont typeface="Arial"/>
-              <a:buChar char="•"/>
-            </a:pPr>
-            <a:r>
-              <a:rPr b="0" lang="en-IN" sz="1800" spc="-1" strike="noStrike">
-                <a:solidFill>
-                  <a:srgbClr val="808080"/>
-                </a:solidFill>
-                <a:latin typeface="Arial"/>
-                <a:ea typeface="SimSun"/>
-              </a:rPr>
-              <a:t>127.0.0.1:6379&gt; </a:t>
-            </a:r>
-            <a:r>
-              <a:rPr b="0" lang="en-IN" sz="1800" spc="-1" strike="noStrike">
-                <a:solidFill>
-                  <a:srgbClr val="ff5733"/>
-                </a:solidFill>
-                <a:latin typeface="Arial"/>
-                <a:ea typeface="SimSun"/>
-              </a:rPr>
-              <a:t>ttl username:1</a:t>
-            </a:r>
-            <a:endParaRPr b="0" lang="en-IN" sz="1800" spc="-1" strike="noStrike">
-              <a:latin typeface="Arial"/>
-            </a:endParaRPr>
-          </a:p>
-          <a:p>
-            <a:pPr marL="285840" indent="-284400">
-              <a:lnSpc>
-                <a:spcPct val="150000"/>
-              </a:lnSpc>
-              <a:buClr>
-                <a:srgbClr val="808080"/>
-              </a:buClr>
-              <a:buFont typeface="Arial"/>
-              <a:buChar char="•"/>
-            </a:pPr>
-            <a:r>
-              <a:rPr b="0" lang="en-IN" sz="1800" spc="-1" strike="noStrike">
-                <a:solidFill>
-                  <a:srgbClr val="808080"/>
-                </a:solidFill>
-                <a:latin typeface="Arial"/>
-                <a:ea typeface="SimSun"/>
-              </a:rPr>
-              <a:t>127.0.0.1:6379&gt; </a:t>
-            </a:r>
-            <a:r>
-              <a:rPr b="0" lang="en-IN" sz="1800" spc="-1" strike="noStrike">
-                <a:solidFill>
-                  <a:srgbClr val="ff5733"/>
-                </a:solidFill>
-                <a:latin typeface="Arial"/>
-                <a:ea typeface="SimSun"/>
-              </a:rPr>
-              <a:t>ttl password:1</a:t>
-            </a:r>
-            <a:endParaRPr b="0" lang="en-IN" sz="1800" spc="-1" strike="noStrike">
+            <a:pPr>
+              <a:lnSpc>
+                <a:spcPct val="100000"/>
+              </a:lnSpc>
+            </a:pPr>
+            <a:r>
+              <a:rPr b="0" lang="en-US" sz="2000" spc="-1" strike="noStrike">
+                <a:solidFill>
+                  <a:srgbClr val="00b0f0"/>
+                </a:solidFill>
+                <a:latin typeface="Consolas"/>
+                <a:ea typeface="DejaVu Sans"/>
+              </a:rPr>
+              <a:t>EXPIRE key seconds</a:t>
+            </a:r>
+            <a:endParaRPr b="0" lang="en-IN" sz="2000" spc="-1" strike="noStrike">
               <a:latin typeface="Arial"/>
             </a:endParaRPr>
           </a:p>
@@ -7437,7 +7475,7 @@
         <p:spPr>
           <a:xfrm>
             <a:off x="1676520" y="2362320"/>
-            <a:ext cx="8837640" cy="2284200"/>
+            <a:ext cx="8837280" cy="1186920"/>
           </a:xfrm>
           <a:prstGeom prst="rect">
             <a:avLst/>
@@ -7471,47 +7509,7 @@
                 <a:latin typeface="Century"/>
                 <a:ea typeface="DejaVu Sans"/>
               </a:rPr>
-              <a:t>mset </a:t>
-            </a:r>
-            <a:r>
-              <a:rPr b="0" i="1" lang="en-IN" sz="7200" spc="-1" strike="noStrike">
-                <a:solidFill>
-                  <a:srgbClr val="f7c120"/>
-                </a:solidFill>
-                <a:latin typeface="Century"/>
-                <a:ea typeface="DejaVu Sans"/>
-              </a:rPr>
-              <a:t>key </a:t>
-            </a:r>
-            <a:r>
-              <a:rPr b="0" i="1" lang="en-IN" sz="7200" spc="-1" strike="noStrike">
-                <a:solidFill>
-                  <a:srgbClr val="f7c120"/>
-                </a:solidFill>
-                <a:latin typeface="Century"/>
-                <a:ea typeface="DejaVu Sans"/>
-              </a:rPr>
-              <a:t>&amp; </a:t>
-            </a:r>
-            <a:r>
-              <a:rPr b="0" i="1" lang="en-IN" sz="7200" spc="-1" strike="noStrike">
-                <a:solidFill>
-                  <a:srgbClr val="f7c120"/>
-                </a:solidFill>
-                <a:latin typeface="Century"/>
-                <a:ea typeface="DejaVu Sans"/>
-              </a:rPr>
-              <a:t>mge</a:t>
-            </a:r>
-            <a:r>
-              <a:rPr b="0" i="1" lang="en-IN" sz="7200" spc="-1" strike="noStrike">
-                <a:solidFill>
-                  <a:srgbClr val="f7c120"/>
-                </a:solidFill>
-                <a:latin typeface="Century"/>
-                <a:ea typeface="DejaVu Sans"/>
-              </a:rPr>
-              <a:t>t key</a:t>
+              <a:t>persist key</a:t>
             </a:r>
             <a:endParaRPr b="0" lang="en-IN" sz="7200" spc="-1" strike="noStrike">
               <a:latin typeface="Arial"/>
@@ -7528,14 +7526,12 @@
         <p:spPr>
           <a:xfrm>
             <a:off x="1676520" y="3531600"/>
-            <a:ext cx="8837640" cy="424800"/>
-          </a:xfrm>
-          <a:prstGeom prst="rect">
-            <a:avLst/>
-          </a:prstGeom>
-          <a:solidFill>
-            <a:schemeClr val="bg1"/>
-          </a:solidFill>
+            <a:ext cx="8837280" cy="424800"/>
+          </a:xfrm>
+          <a:prstGeom prst="rect">
+            <a:avLst/>
+          </a:prstGeom>
+          <a:noFill/>
           <a:ln>
             <a:noFill/>
           </a:ln>
@@ -7611,7 +7607,7 @@
         <p:spPr>
           <a:xfrm>
             <a:off x="1676520" y="2362320"/>
-            <a:ext cx="8837640" cy="1186920"/>
+            <a:ext cx="8837280" cy="1186920"/>
           </a:xfrm>
           <a:prstGeom prst="rect">
             <a:avLst/>
@@ -7662,14 +7658,12 @@
         <p:spPr>
           <a:xfrm>
             <a:off x="1676520" y="3531600"/>
-            <a:ext cx="8837640" cy="2100600"/>
-          </a:xfrm>
-          <a:prstGeom prst="rect">
-            <a:avLst/>
-          </a:prstGeom>
-          <a:solidFill>
-            <a:schemeClr val="bg1"/>
-          </a:solidFill>
+            <a:ext cx="8837280" cy="2100600"/>
+          </a:xfrm>
+          <a:prstGeom prst="rect">
+            <a:avLst/>
+          </a:prstGeom>
+          <a:noFill/>
           <a:ln>
             <a:noFill/>
           </a:ln>
@@ -7715,7 +7709,7 @@
         <p:spPr>
           <a:xfrm>
             <a:off x="1666800" y="609480"/>
-            <a:ext cx="8837640" cy="394560"/>
+            <a:ext cx="8837280" cy="394560"/>
           </a:xfrm>
           <a:prstGeom prst="rect">
             <a:avLst/>
@@ -7831,16 +7825,12 @@
         <p:spPr>
           <a:xfrm>
             <a:off x="1523880" y="0"/>
-            <a:ext cx="9142560" cy="699120"/>
-          </a:xfrm>
-          <a:prstGeom prst="rect">
-            <a:avLst/>
-          </a:prstGeom>
-          <a:solidFill>
-            <a:schemeClr val="accent6">
-              <a:lumMod val="75000"/>
-            </a:schemeClr>
-          </a:solidFill>
+            <a:ext cx="9142200" cy="699120"/>
+          </a:xfrm>
+          <a:prstGeom prst="rect">
+            <a:avLst/>
+          </a:prstGeom>
+          <a:noFill/>
           <a:ln>
             <a:noFill/>
           </a:ln>
@@ -7869,7 +7859,7 @@
                 <a:latin typeface="Open Sans"/>
                 <a:ea typeface="DejaVu Sans"/>
               </a:rPr>
-              <a:t>mset &amp; mget</a:t>
+              <a:t>persist key</a:t>
             </a:r>
             <a:endParaRPr b="0" lang="en-IN" sz="4000" spc="-1" strike="noStrike">
               <a:latin typeface="Arial"/>
@@ -7886,7 +7876,7 @@
         <p:spPr>
           <a:xfrm>
             <a:off x="1600200" y="762120"/>
-            <a:ext cx="8990280" cy="1187640"/>
+            <a:ext cx="8989920" cy="638280"/>
           </a:xfrm>
           <a:prstGeom prst="rect">
             <a:avLst/>
@@ -7913,54 +7903,14 @@
               </a:lnSpc>
             </a:pPr>
             <a:r>
-              <a:rPr b="1" lang="en-US" sz="1800" spc="-1" strike="noStrike">
+              <a:rPr b="0" lang="en-US" sz="1800" spc="-1" strike="noStrike">
                 <a:solidFill>
                   <a:srgbClr val="000000"/>
                 </a:solidFill>
                 <a:latin typeface="Arial"/>
                 <a:ea typeface="DejaVu Sans"/>
               </a:rPr>
-              <a:t>MSET</a:t>
-            </a:r>
-            <a:r>
-              <a:rPr b="0" lang="en-US" sz="1800" spc="-1" strike="noStrike">
-                <a:solidFill>
-                  <a:srgbClr val="000000"/>
-                </a:solidFill>
-                <a:latin typeface="Arial"/>
-                <a:ea typeface="DejaVu Sans"/>
-              </a:rPr>
-              <a:t> sets the given keys to their respective values. MSET replaces existing values with new values, just as regular SET.</a:t>
-            </a:r>
-            <a:endParaRPr b="0" lang="en-IN" sz="1800" spc="-1" strike="noStrike">
-              <a:latin typeface="Arial"/>
-            </a:endParaRPr>
-          </a:p>
-          <a:p>
-            <a:pPr algn="just">
-              <a:lnSpc>
-                <a:spcPct val="100000"/>
-              </a:lnSpc>
-            </a:pPr>
-            <a:r>
-              <a:rPr b="1" lang="en-US" sz="1800" spc="-1" strike="noStrike">
-                <a:solidFill>
-                  <a:srgbClr val="000000"/>
-                </a:solidFill>
-                <a:latin typeface="Arial"/>
-                <a:ea typeface="DejaVu Sans"/>
-              </a:rPr>
-              <a:t>MGET</a:t>
-            </a:r>
-            <a:r>
-              <a:rPr b="0" lang="en-US" sz="1800" spc="-1" strike="noStrike">
-                <a:solidFill>
-                  <a:srgbClr val="000000"/>
-                </a:solidFill>
-                <a:latin typeface="Arial"/>
-                <a:ea typeface="DejaVu Sans"/>
-              </a:rPr>
-              <a:t> returns the values of all specified keys. For every key that does not hold a string value or does not exist, the special value nil is returned.</a:t>
+              <a:t>Remove the existing timeout on key, turning the key from volatile (a key with an expire set) to persistent (a key that will never expire as no timeout is associated).</a:t>
             </a:r>
             <a:endParaRPr b="0" lang="en-IN" sz="1800" spc="-1" strike="noStrike">
               <a:latin typeface="Arial"/>
@@ -7977,7 +7927,7 @@
         <p:spPr>
           <a:xfrm>
             <a:off x="152280" y="152280"/>
-            <a:ext cx="1105200" cy="455400"/>
+            <a:ext cx="1104840" cy="455400"/>
           </a:xfrm>
           <a:prstGeom prst="rect">
             <a:avLst/>
@@ -8028,7 +7978,7 @@
         <p:spPr>
           <a:xfrm>
             <a:off x="1601280" y="2221560"/>
-            <a:ext cx="8989200" cy="699480"/>
+            <a:ext cx="8988840" cy="394560"/>
           </a:xfrm>
           <a:prstGeom prst="rect">
             <a:avLst/>
@@ -8062,27 +8012,7 @@
                 <a:latin typeface="Consolas"/>
                 <a:ea typeface="DejaVu Sans"/>
               </a:rPr>
-              <a:t>MSET key value [key value …]</a:t>
-            </a:r>
-            <a:endParaRPr b="0" lang="en-IN" sz="2000" spc="-1" strike="noStrike">
-              <a:latin typeface="Arial"/>
-            </a:endParaRPr>
-          </a:p>
-          <a:p>
-            <a:pPr>
-              <a:lnSpc>
-                <a:spcPct val="100000"/>
-              </a:lnSpc>
-            </a:pPr>
-            <a:r>
-              <a:rPr b="0" lang="en-US" sz="2000" spc="-1" strike="noStrike">
-                <a:solidFill>
-                  <a:srgbClr val="00b0f0"/>
-                </a:solidFill>
-                <a:latin typeface="Consolas"/>
-                <a:ea typeface="DejaVu Sans"/>
-              </a:rPr>
-              <a:t>MGET key [key ...]</a:t>
+              <a:t>PERSIST key</a:t>
             </a:r>
             <a:endParaRPr b="0" lang="en-IN" sz="2000" spc="-1" strike="noStrike">
               <a:latin typeface="Arial"/>
@@ -8098,15 +8028,13 @@
         </p:nvSpPr>
         <p:spPr>
           <a:xfrm>
-            <a:off x="1600200" y="3153600"/>
-            <a:ext cx="8888400" cy="1324800"/>
-          </a:xfrm>
-          <a:prstGeom prst="rect">
-            <a:avLst/>
-          </a:prstGeom>
-          <a:solidFill>
-            <a:schemeClr val="bg1"/>
-          </a:solidFill>
+            <a:off x="1600200" y="2829600"/>
+            <a:ext cx="8888040" cy="1735560"/>
+          </a:xfrm>
+          <a:prstGeom prst="rect">
+            <a:avLst/>
+          </a:prstGeom>
+          <a:noFill/>
           <a:ln>
             <a:noFill/>
           </a:ln>
@@ -8122,7 +8050,7 @@
             <a:spAutoFit/>
           </a:bodyPr>
           <a:p>
-            <a:pPr marL="285840" indent="-284400">
+            <a:pPr marL="285840" indent="-284040">
               <a:lnSpc>
                 <a:spcPct val="150000"/>
               </a:lnSpc>
@@ -8160,14 +8088,14 @@
                 <a:latin typeface="Arial"/>
                 <a:ea typeface="SimSun"/>
               </a:rPr>
-              <a:t>mset server:2 linux user:2 administrator password:2 admin server:3 windown2021 user:3 iet password:3 iet</a:t>
+              <a:t>persist user:1</a:t>
             </a:r>
             <a:endParaRPr b="0" lang="en-IN" sz="1800" spc="-1" strike="noStrike">
               <a:latin typeface="Arial"/>
             </a:endParaRPr>
           </a:p>
           <a:p>
-            <a:pPr marL="285840" indent="-284400">
+            <a:pPr marL="285840" indent="-284040">
               <a:lnSpc>
                 <a:spcPct val="150000"/>
               </a:lnSpc>
@@ -8205,7 +8133,77 @@
                 <a:latin typeface="Arial"/>
                 <a:ea typeface="SimSun"/>
               </a:rPr>
-              <a:t>mget user:1 password:1 user:2 password:2 user:3 password:3</a:t>
+              <a:t>persist password:1</a:t>
+            </a:r>
+            <a:endParaRPr b="0" lang="en-IN" sz="1800" spc="-1" strike="noStrike">
+              <a:latin typeface="Arial"/>
+            </a:endParaRPr>
+          </a:p>
+          <a:p>
+            <a:pPr marL="285840" indent="-284040">
+              <a:lnSpc>
+                <a:spcPct val="150000"/>
+              </a:lnSpc>
+              <a:buClr>
+                <a:srgbClr val="808080"/>
+              </a:buClr>
+              <a:buFont typeface="Arial"/>
+              <a:buChar char="•"/>
+            </a:pPr>
+            <a:r>
+              <a:rPr b="0" lang="en-IN" sz="1800" spc="-1" strike="noStrike">
+                <a:solidFill>
+                  <a:srgbClr val="808080"/>
+                </a:solidFill>
+                <a:latin typeface="Arial"/>
+                <a:ea typeface="SimSun"/>
+              </a:rPr>
+              <a:t>127.0.0.1:6379&gt; </a:t>
+            </a:r>
+            <a:r>
+              <a:rPr b="0" lang="en-IN" sz="1800" spc="-1" strike="noStrike">
+                <a:solidFill>
+                  <a:srgbClr val="ff5733"/>
+                </a:solidFill>
+                <a:latin typeface="Arial"/>
+                <a:ea typeface="SimSun"/>
+              </a:rPr>
+              <a:t>ttl user:1</a:t>
+            </a:r>
+            <a:endParaRPr b="0" lang="en-IN" sz="1800" spc="-1" strike="noStrike">
+              <a:latin typeface="Arial"/>
+            </a:endParaRPr>
+          </a:p>
+          <a:p>
+            <a:pPr marL="285840" indent="-284040">
+              <a:lnSpc>
+                <a:spcPct val="150000"/>
+              </a:lnSpc>
+              <a:buClr>
+                <a:srgbClr val="808080"/>
+              </a:buClr>
+              <a:buFont typeface="Arial"/>
+              <a:buChar char="•"/>
+            </a:pPr>
+            <a:r>
+              <a:rPr b="0" lang="en-IN" sz="1800" spc="-1" strike="noStrike">
+                <a:solidFill>
+                  <a:srgbClr val="808080"/>
+                </a:solidFill>
+                <a:latin typeface="Arial"/>
+                <a:ea typeface="SimSun"/>
+              </a:rPr>
+              <a:t>127.0.0.1:6379&gt; </a:t>
+            </a:r>
+            <a:r>
+              <a:rPr b="0" lang="en-IN" sz="1800" spc="-1" strike="noStrike">
+                <a:solidFill>
+                  <a:srgbClr val="ff5733"/>
+                </a:solidFill>
+                <a:latin typeface="Arial"/>
+                <a:ea typeface="SimSun"/>
+              </a:rPr>
+              <a:t>ttl password:1</a:t>
             </a:r>
             <a:endParaRPr b="0" lang="en-IN" sz="1800" spc="-1" strike="noStrike">
               <a:latin typeface="Arial"/>
@@ -8243,20 +8241,765 @@
           <a:chExt cx="0" cy="0"/>
         </a:xfrm>
       </p:grpSpPr>
+      <p:sp>
+        <p:nvSpPr>
+          <p:cNvPr id="174" name="CustomShape 1"/>
+          <p:cNvSpPr/>
+          <p:nvPr/>
+        </p:nvSpPr>
+        <p:spPr>
+          <a:xfrm>
+            <a:off x="1676520" y="2362320"/>
+            <a:ext cx="8837280" cy="2284200"/>
+          </a:xfrm>
+          <a:prstGeom prst="rect">
+            <a:avLst/>
+          </a:prstGeom>
+          <a:noFill/>
+          <a:ln>
+            <a:noFill/>
+          </a:ln>
+        </p:spPr>
+        <p:style>
+          <a:lnRef idx="0"/>
+          <a:fillRef idx="0"/>
+          <a:effectRef idx="0"/>
+          <a:fontRef idx="minor"/>
+        </p:style>
+        <p:txBody>
+          <a:bodyPr lIns="90000" rIns="90000" tIns="45000" bIns="45000">
+            <a:spAutoFit/>
+          </a:bodyPr>
+          <a:p>
+            <a:pPr algn="ctr">
+              <a:lnSpc>
+                <a:spcPct val="100000"/>
+              </a:lnSpc>
+            </a:pPr>
+            <a:r>
+              <a:rPr b="0" i="1" lang="en-IN" sz="7200" spc="-1" strike="noStrike">
+                <a:solidFill>
+                  <a:srgbClr val="f7c120"/>
+                </a:solidFill>
+                <a:latin typeface="Century"/>
+                <a:ea typeface="DejaVu Sans"/>
+              </a:rPr>
+              <a:t>mset, msetnx key &amp; mget key</a:t>
+            </a:r>
+            <a:endParaRPr b="0" lang="en-IN" sz="7200" spc="-1" strike="noStrike">
+              <a:latin typeface="Arial"/>
+            </a:endParaRPr>
+          </a:p>
+        </p:txBody>
+      </p:sp>
+      <p:sp>
+        <p:nvSpPr>
+          <p:cNvPr id="175" name="CustomShape 2"/>
+          <p:cNvSpPr/>
+          <p:nvPr/>
+        </p:nvSpPr>
+        <p:spPr>
+          <a:xfrm>
+            <a:off x="1676520" y="5331600"/>
+            <a:ext cx="8837280" cy="424800"/>
+          </a:xfrm>
+          <a:prstGeom prst="rect">
+            <a:avLst/>
+          </a:prstGeom>
+          <a:noFill/>
+          <a:ln>
+            <a:noFill/>
+          </a:ln>
+        </p:spPr>
+        <p:style>
+          <a:lnRef idx="0"/>
+          <a:fillRef idx="0"/>
+          <a:effectRef idx="0"/>
+          <a:fontRef idx="minor"/>
+        </p:style>
+        <p:txBody>
+          <a:bodyPr lIns="90000" rIns="90000" tIns="45000" bIns="45000">
+            <a:spAutoFit/>
+          </a:bodyPr>
+          <a:p>
+            <a:pPr>
+              <a:lnSpc>
+                <a:spcPct val="100000"/>
+              </a:lnSpc>
+            </a:pPr>
+            <a:r>
+              <a:rPr b="0" lang="en-US" sz="2200" spc="-1" strike="noStrike">
+                <a:solidFill>
+                  <a:srgbClr val="bb0643"/>
+                </a:solidFill>
+                <a:latin typeface="Segoe UI"/>
+                <a:ea typeface="DejaVu Sans"/>
+              </a:rPr>
+              <a:t>TODO</a:t>
+            </a:r>
+            <a:endParaRPr b="0" lang="en-IN" sz="2200" spc="-1" strike="noStrike">
+              <a:latin typeface="Arial"/>
+            </a:endParaRPr>
+          </a:p>
+        </p:txBody>
+      </p:sp>
+    </p:spTree>
+  </p:cSld>
+  <mc:AlternateContent>
+    <mc:Choice Requires="p14">
+      <p:transition spd="slow" p14:dur="2000"/>
+    </mc:Choice>
+    <mc:Fallback>
+      <p:transition spd="slow"/>
+    </mc:Fallback>
+  </mc:AlternateContent>
+</p:sld>
+</file>
+
+<file path=ppt/slides/slide22.xml><?xml version="1.0" encoding="utf-8"?>
+<p:sld xmlns:a="http://schemas.openxmlformats.org/drawingml/2006/main" xmlns:p="http://schemas.openxmlformats.org/presentationml/2006/main" xmlns:r="http://schemas.openxmlformats.org/officeDocument/2006/relationships" xmlns:p14="http://schemas.microsoft.com/office/powerpoint/2010/main" xmlns:p15="http://schemas.microsoft.com/office/powerpoint/2012/main" xmlns:mc="http://schemas.openxmlformats.org/markup-compatibility/2006">
+  <p:cSld>
+    <p:spTree>
+      <p:nvGrpSpPr>
+        <p:cNvPr id="1" name=""/>
+        <p:cNvGrpSpPr/>
+        <p:nvPr/>
+      </p:nvGrpSpPr>
+      <p:grpSpPr>
+        <a:xfrm>
+          <a:off x="0" y="0"/>
+          <a:ext cx="0" cy="0"/>
+          <a:chOff x="0" y="0"/>
+          <a:chExt cx="0" cy="0"/>
+        </a:xfrm>
+      </p:grpSpPr>
+      <p:sp>
+        <p:nvSpPr>
+          <p:cNvPr id="176" name="CustomShape 1"/>
+          <p:cNvSpPr/>
+          <p:nvPr/>
+        </p:nvSpPr>
+        <p:spPr>
+          <a:xfrm>
+            <a:off x="1523880" y="0"/>
+            <a:ext cx="9142200" cy="699120"/>
+          </a:xfrm>
+          <a:prstGeom prst="rect">
+            <a:avLst/>
+          </a:prstGeom>
+          <a:noFill/>
+          <a:ln>
+            <a:noFill/>
+          </a:ln>
+        </p:spPr>
+        <p:style>
+          <a:lnRef idx="0"/>
+          <a:fillRef idx="0"/>
+          <a:effectRef idx="0"/>
+          <a:fontRef idx="minor"/>
+        </p:style>
+        <p:txBody>
+          <a:bodyPr lIns="90000" rIns="90000" tIns="45000" bIns="45000">
+            <a:spAutoFit/>
+          </a:bodyPr>
+          <a:p>
+            <a:pPr algn="ctr">
+              <a:lnSpc>
+                <a:spcPct val="100000"/>
+              </a:lnSpc>
+            </a:pPr>
+            <a:r>
+              <a:rPr b="0" lang="en-IN" sz="4000" spc="-1" strike="noStrike">
+                <a:solidFill>
+                  <a:srgbClr val="f7c120"/>
+                </a:solidFill>
+                <a:latin typeface="Open Sans"/>
+                <a:ea typeface="DejaVu Sans"/>
+              </a:rPr>
+              <a:t>mset, msetnx &amp; mget</a:t>
+            </a:r>
+            <a:endParaRPr b="0" lang="en-IN" sz="4000" spc="-1" strike="noStrike">
+              <a:latin typeface="Arial"/>
+            </a:endParaRPr>
+          </a:p>
+        </p:txBody>
+      </p:sp>
+      <p:sp>
+        <p:nvSpPr>
+          <p:cNvPr id="177" name="CustomShape 2"/>
+          <p:cNvSpPr/>
+          <p:nvPr/>
+        </p:nvSpPr>
+        <p:spPr>
+          <a:xfrm>
+            <a:off x="1600200" y="762120"/>
+            <a:ext cx="8989920" cy="1735560"/>
+          </a:xfrm>
+          <a:prstGeom prst="rect">
+            <a:avLst/>
+          </a:prstGeom>
+          <a:noFill/>
+          <a:ln>
+            <a:noFill/>
+          </a:ln>
+        </p:spPr>
+        <p:style>
+          <a:lnRef idx="0"/>
+          <a:fillRef idx="0"/>
+          <a:effectRef idx="0"/>
+          <a:fontRef idx="minor"/>
+        </p:style>
+        <p:txBody>
+          <a:bodyPr lIns="90000" rIns="90000" tIns="45000" bIns="45000">
+            <a:spAutoFit/>
+          </a:bodyPr>
+          <a:p>
+            <a:pPr algn="just">
+              <a:lnSpc>
+                <a:spcPct val="100000"/>
+              </a:lnSpc>
+            </a:pPr>
+            <a:r>
+              <a:rPr b="1" lang="en-US" sz="1800" spc="-1" strike="noStrike">
+                <a:solidFill>
+                  <a:srgbClr val="000000"/>
+                </a:solidFill>
+                <a:latin typeface="Arial"/>
+                <a:ea typeface="DejaVu Sans"/>
+              </a:rPr>
+              <a:t>MSET</a:t>
+            </a:r>
+            <a:r>
+              <a:rPr b="0" lang="en-US" sz="1800" spc="-1" strike="noStrike">
+                <a:solidFill>
+                  <a:srgbClr val="000000"/>
+                </a:solidFill>
+                <a:latin typeface="Arial"/>
+                <a:ea typeface="DejaVu Sans"/>
+              </a:rPr>
+              <a:t> sets the given keys to their respective values. MSET replaces existing values with new values, just as regular SET.</a:t>
+            </a:r>
+            <a:endParaRPr b="0" lang="en-IN" sz="1800" spc="-1" strike="noStrike">
+              <a:latin typeface="Arial"/>
+            </a:endParaRPr>
+          </a:p>
+          <a:p>
+            <a:pPr algn="just">
+              <a:lnSpc>
+                <a:spcPct val="100000"/>
+              </a:lnSpc>
+            </a:pPr>
+            <a:r>
+              <a:rPr b="1" lang="en-US" sz="1800" spc="-1" strike="noStrike">
+                <a:solidFill>
+                  <a:srgbClr val="000000"/>
+                </a:solidFill>
+                <a:latin typeface="Arial"/>
+                <a:ea typeface="DejaVu Sans"/>
+              </a:rPr>
+              <a:t>MSETNX</a:t>
+            </a:r>
+            <a:r>
+              <a:rPr b="0" lang="en-US" sz="1800" spc="-1" strike="noStrike">
+                <a:solidFill>
+                  <a:srgbClr val="000000"/>
+                </a:solidFill>
+                <a:latin typeface="Arial"/>
+                <a:ea typeface="DejaVu Sans"/>
+              </a:rPr>
+              <a:t> sets the given keys to their respective values. MSETNX will not perform any operation at all even if just a single key already exists.</a:t>
+            </a:r>
+            <a:endParaRPr b="0" lang="en-IN" sz="1800" spc="-1" strike="noStrike">
+              <a:latin typeface="Arial"/>
+            </a:endParaRPr>
+          </a:p>
+          <a:p>
+            <a:pPr algn="just">
+              <a:lnSpc>
+                <a:spcPct val="100000"/>
+              </a:lnSpc>
+            </a:pPr>
+            <a:r>
+              <a:rPr b="1" lang="en-US" sz="1800" spc="-1" strike="noStrike">
+                <a:solidFill>
+                  <a:srgbClr val="000000"/>
+                </a:solidFill>
+                <a:latin typeface="Arial"/>
+                <a:ea typeface="DejaVu Sans"/>
+              </a:rPr>
+              <a:t>MGET</a:t>
+            </a:r>
+            <a:r>
+              <a:rPr b="0" lang="en-US" sz="1800" spc="-1" strike="noStrike">
+                <a:solidFill>
+                  <a:srgbClr val="000000"/>
+                </a:solidFill>
+                <a:latin typeface="Arial"/>
+                <a:ea typeface="DejaVu Sans"/>
+              </a:rPr>
+              <a:t> returns the values of all specified keys. For every key that does not hold a string value or does not exist, the special value nil is returned.</a:t>
+            </a:r>
+            <a:endParaRPr b="0" lang="en-IN" sz="1800" spc="-1" strike="noStrike">
+              <a:latin typeface="Arial"/>
+            </a:endParaRPr>
+          </a:p>
+        </p:txBody>
+      </p:sp>
+      <p:sp>
+        <p:nvSpPr>
+          <p:cNvPr id="178" name="CustomShape 3"/>
+          <p:cNvSpPr/>
+          <p:nvPr/>
+        </p:nvSpPr>
+        <p:spPr>
+          <a:xfrm>
+            <a:off x="152280" y="152280"/>
+            <a:ext cx="1104840" cy="455400"/>
+          </a:xfrm>
+          <a:prstGeom prst="rect">
+            <a:avLst/>
+          </a:prstGeom>
+          <a:noFill/>
+          <a:ln>
+            <a:noFill/>
+          </a:ln>
+        </p:spPr>
+        <p:style>
+          <a:lnRef idx="0"/>
+          <a:fillRef idx="0"/>
+          <a:effectRef idx="0"/>
+          <a:fontRef idx="minor"/>
+        </p:style>
+        <p:txBody>
+          <a:bodyPr lIns="90000" rIns="90000" tIns="45000" bIns="45000">
+            <a:spAutoFit/>
+          </a:bodyPr>
+          <a:p>
+            <a:pPr algn="just">
+              <a:lnSpc>
+                <a:spcPct val="100000"/>
+              </a:lnSpc>
+            </a:pPr>
+            <a:r>
+              <a:rPr b="0" lang="en-IN" sz="2400" spc="-1" strike="noStrike">
+                <a:solidFill>
+                  <a:srgbClr val="ff0000"/>
+                </a:solidFill>
+                <a:latin typeface="Times New Roman"/>
+                <a:ea typeface="DejaVu Sans"/>
+              </a:rPr>
+              <a:t>TODO</a:t>
+            </a:r>
+            <a:endParaRPr b="0" lang="en-IN" sz="2400" spc="-1" strike="noStrike">
+              <a:latin typeface="Arial"/>
+            </a:endParaRPr>
+          </a:p>
+        </p:txBody>
+      </p:sp>
+      <p:sp>
+        <p:nvSpPr>
+          <p:cNvPr id="179" name="CustomShape 4"/>
+          <p:cNvSpPr/>
+          <p:nvPr/>
+        </p:nvSpPr>
+        <p:spPr>
+          <a:xfrm>
+            <a:off x="1601280" y="2905560"/>
+            <a:ext cx="8988840" cy="1004400"/>
+          </a:xfrm>
+          <a:prstGeom prst="rect">
+            <a:avLst/>
+          </a:prstGeom>
+          <a:noFill/>
+          <a:ln>
+            <a:noFill/>
+          </a:ln>
+        </p:spPr>
+        <p:style>
+          <a:lnRef idx="0"/>
+          <a:fillRef idx="0"/>
+          <a:effectRef idx="0"/>
+          <a:fontRef idx="minor"/>
+        </p:style>
+        <p:txBody>
+          <a:bodyPr lIns="90000" rIns="90000" tIns="45000" bIns="45000">
+            <a:spAutoFit/>
+          </a:bodyPr>
+          <a:p>
+            <a:pPr>
+              <a:lnSpc>
+                <a:spcPct val="100000"/>
+              </a:lnSpc>
+            </a:pPr>
+            <a:r>
+              <a:rPr b="0" lang="en-US" sz="2000" spc="-1" strike="noStrike">
+                <a:solidFill>
+                  <a:srgbClr val="00b0f0"/>
+                </a:solidFill>
+                <a:latin typeface="Consolas"/>
+                <a:ea typeface="DejaVu Sans"/>
+              </a:rPr>
+              <a:t>MSET key value [key value</a:t>
+            </a:r>
+            <a:r>
+              <a:rPr b="0" lang="en-US" sz="2000" spc="-1" strike="noStrike">
+                <a:solidFill>
+                  <a:srgbClr val="00b0f0"/>
+                </a:solidFill>
+                <a:latin typeface="Consolas"/>
+                <a:ea typeface="DejaVu Sans"/>
+              </a:rPr>
+              <a:t> …]</a:t>
+            </a:r>
+            <a:endParaRPr b="0" lang="en-IN" sz="2000" spc="-1" strike="noStrike">
+              <a:latin typeface="Arial"/>
+            </a:endParaRPr>
+          </a:p>
+          <a:p>
+            <a:pPr>
+              <a:lnSpc>
+                <a:spcPct val="100000"/>
+              </a:lnSpc>
+            </a:pPr>
+            <a:r>
+              <a:rPr b="0" lang="en-US" sz="2000" spc="-1" strike="noStrike">
+                <a:solidFill>
+                  <a:srgbClr val="00b0f0"/>
+                </a:solidFill>
+                <a:latin typeface="Consolas"/>
+                <a:ea typeface="DejaVu Sans"/>
+              </a:rPr>
+              <a:t>MSETNX key value [key value ...]</a:t>
+            </a:r>
+            <a:endParaRPr b="0" lang="en-IN" sz="2000" spc="-1" strike="noStrike">
+              <a:latin typeface="Arial"/>
+            </a:endParaRPr>
+          </a:p>
+          <a:p>
+            <a:pPr>
+              <a:lnSpc>
+                <a:spcPct val="100000"/>
+              </a:lnSpc>
+            </a:pPr>
+            <a:r>
+              <a:rPr b="0" lang="en-US" sz="2000" spc="-1" strike="noStrike">
+                <a:solidFill>
+                  <a:srgbClr val="00b0f0"/>
+                </a:solidFill>
+                <a:latin typeface="Consolas"/>
+                <a:ea typeface="DejaVu Sans"/>
+              </a:rPr>
+              <a:t>MGET key [key ...]</a:t>
+            </a:r>
+            <a:endParaRPr b="0" lang="en-IN" sz="2000" spc="-1" strike="noStrike">
+              <a:latin typeface="Arial"/>
+            </a:endParaRPr>
+          </a:p>
+        </p:txBody>
+      </p:sp>
+      <p:sp>
+        <p:nvSpPr>
+          <p:cNvPr id="180" name="CustomShape 5"/>
+          <p:cNvSpPr/>
+          <p:nvPr/>
+        </p:nvSpPr>
+        <p:spPr>
+          <a:xfrm>
+            <a:off x="1600200" y="3981600"/>
+            <a:ext cx="8888040" cy="1324440"/>
+          </a:xfrm>
+          <a:prstGeom prst="rect">
+            <a:avLst/>
+          </a:prstGeom>
+          <a:noFill/>
+          <a:ln>
+            <a:noFill/>
+          </a:ln>
+        </p:spPr>
+        <p:style>
+          <a:lnRef idx="0"/>
+          <a:fillRef idx="0"/>
+          <a:effectRef idx="0"/>
+          <a:fontRef idx="minor"/>
+        </p:style>
+        <p:txBody>
+          <a:bodyPr lIns="90000" rIns="90000" tIns="45000" bIns="45000">
+            <a:spAutoFit/>
+          </a:bodyPr>
+          <a:p>
+            <a:pPr marL="285840" indent="-284040">
+              <a:lnSpc>
+                <a:spcPct val="150000"/>
+              </a:lnSpc>
+              <a:buClr>
+                <a:srgbClr val="808080"/>
+              </a:buClr>
+              <a:buFont typeface="Arial"/>
+              <a:buChar char="•"/>
+            </a:pPr>
+            <a:r>
+              <a:rPr b="0" lang="en-IN" sz="1800" spc="-1" strike="noStrike">
+                <a:solidFill>
+                  <a:srgbClr val="808080"/>
+                </a:solidFill>
+                <a:latin typeface="Arial"/>
+                <a:ea typeface="SimSun"/>
+              </a:rPr>
+              <a:t>127.0.0.1:6379&gt;</a:t>
+            </a:r>
+            <a:r>
+              <a:rPr b="0" lang="en-IN" sz="1800" spc="-1" strike="noStrike">
+                <a:solidFill>
+                  <a:srgbClr val="000000"/>
+                </a:solidFill>
+                <a:latin typeface="Arial"/>
+                <a:ea typeface="SimSun"/>
+              </a:rPr>
+              <a:t> </a:t>
+            </a:r>
+            <a:r>
+              <a:rPr b="0" lang="en-IN" sz="1800" spc="-1" strike="noStrike">
+                <a:solidFill>
+                  <a:srgbClr val="ff5733"/>
+                </a:solidFill>
+                <a:latin typeface="Arial"/>
+                <a:ea typeface="SimSun"/>
+              </a:rPr>
+              <a:t>mset server:2 linux user:2 administrator password:2 admin server:3 windown2021 user:3 iet password:3 iet</a:t>
+            </a:r>
+            <a:endParaRPr b="0" lang="en-IN" sz="1800" spc="-1" strike="noStrike">
+              <a:latin typeface="Arial"/>
+            </a:endParaRPr>
+          </a:p>
+          <a:p>
+            <a:pPr marL="285840" indent="-284040">
+              <a:lnSpc>
+                <a:spcPct val="150000"/>
+              </a:lnSpc>
+              <a:buClr>
+                <a:srgbClr val="808080"/>
+              </a:buClr>
+              <a:buFont typeface="Arial"/>
+              <a:buChar char="•"/>
+            </a:pPr>
+            <a:r>
+              <a:rPr b="0" lang="en-IN" sz="1800" spc="-1" strike="noStrike">
+                <a:solidFill>
+                  <a:srgbClr val="808080"/>
+                </a:solidFill>
+                <a:latin typeface="Arial"/>
+                <a:ea typeface="SimSun"/>
+              </a:rPr>
+              <a:t>127.0.0.1:6379&gt;</a:t>
+            </a:r>
+            <a:r>
+              <a:rPr b="0" lang="en-IN" sz="1800" spc="-1" strike="noStrike">
+                <a:solidFill>
+                  <a:srgbClr val="000000"/>
+                </a:solidFill>
+                <a:latin typeface="Arial"/>
+                <a:ea typeface="SimSun"/>
+              </a:rPr>
+              <a:t> </a:t>
+            </a:r>
+            <a:r>
+              <a:rPr b="0" lang="en-IN" sz="1800" spc="-1" strike="noStrike">
+                <a:solidFill>
+                  <a:srgbClr val="ff5733"/>
+                </a:solidFill>
+                <a:latin typeface="Arial"/>
+                <a:ea typeface="SimSun"/>
+              </a:rPr>
+              <a:t>mget user:1 password:1 user:2 password:2 user:3 password:3</a:t>
+            </a:r>
+            <a:endParaRPr b="0" lang="en-IN" sz="1800" spc="-1" strike="noStrike">
+              <a:latin typeface="Arial"/>
+            </a:endParaRPr>
+          </a:p>
+        </p:txBody>
+      </p:sp>
+      <p:sp>
+        <p:nvSpPr>
+          <p:cNvPr id="181" name="Line 6"/>
+          <p:cNvSpPr/>
+          <p:nvPr/>
+        </p:nvSpPr>
+        <p:spPr>
+          <a:xfrm>
+            <a:off x="1523880" y="2701080"/>
+            <a:ext cx="9144000" cy="1440"/>
+          </a:xfrm>
+          <a:prstGeom prst="line">
+            <a:avLst/>
+          </a:prstGeom>
+          <a:ln w="12600">
+            <a:solidFill>
+              <a:srgbClr val="6e78a0"/>
+            </a:solidFill>
+            <a:prstDash val="dash"/>
+            <a:round/>
+          </a:ln>
+        </p:spPr>
+        <p:style>
+          <a:lnRef idx="1">
+            <a:schemeClr val="accent1"/>
+          </a:lnRef>
+          <a:fillRef idx="0">
+            <a:schemeClr val="accent1"/>
+          </a:fillRef>
+          <a:effectRef idx="0">
+            <a:schemeClr val="accent1"/>
+          </a:effectRef>
+          <a:fontRef idx="minor"/>
+        </p:style>
+      </p:sp>
+      <p:sp>
+        <p:nvSpPr>
+          <p:cNvPr id="182" name="CustomShape 7"/>
+          <p:cNvSpPr/>
+          <p:nvPr/>
+        </p:nvSpPr>
+        <p:spPr>
+          <a:xfrm>
+            <a:off x="1584000" y="5250240"/>
+            <a:ext cx="8854560" cy="1015200"/>
+          </a:xfrm>
+          <a:prstGeom prst="rect">
+            <a:avLst/>
+          </a:prstGeom>
+          <a:noFill/>
+          <a:ln>
+            <a:noFill/>
+          </a:ln>
+        </p:spPr>
+        <p:style>
+          <a:lnRef idx="0"/>
+          <a:fillRef idx="0"/>
+          <a:effectRef idx="0"/>
+          <a:fontRef idx="minor"/>
+        </p:style>
+        <p:txBody>
+          <a:bodyPr lIns="90000" rIns="90000" tIns="45000" bIns="45000">
+            <a:noAutofit/>
+          </a:bodyPr>
+          <a:p>
+            <a:pPr>
+              <a:lnSpc>
+                <a:spcPct val="100000"/>
+              </a:lnSpc>
+            </a:pPr>
+            <a:r>
+              <a:rPr b="1" lang="en-IN" sz="2000" spc="-1" strike="noStrike">
+                <a:solidFill>
+                  <a:srgbClr val="c00000"/>
+                </a:solidFill>
+                <a:latin typeface="Open Sans"/>
+                <a:ea typeface="Open Sans"/>
+              </a:rPr>
+              <a:t>Note:</a:t>
+            </a:r>
+            <a:endParaRPr b="0" lang="en-IN" sz="2000" spc="-1" strike="noStrike">
+              <a:latin typeface="Arial"/>
+            </a:endParaRPr>
+          </a:p>
+          <a:p>
+            <a:pPr>
+              <a:lnSpc>
+                <a:spcPct val="100000"/>
+              </a:lnSpc>
+            </a:pPr>
+            <a:endParaRPr b="0" lang="en-IN" sz="2000" spc="-1" strike="noStrike">
+              <a:latin typeface="Arial"/>
+            </a:endParaRPr>
+          </a:p>
+          <a:p>
+            <a:pPr>
+              <a:lnSpc>
+                <a:spcPct val="100000"/>
+              </a:lnSpc>
+            </a:pPr>
+            <a:r>
+              <a:rPr b="0" lang="en-IN" sz="1800" spc="-1" strike="noStrike">
+                <a:solidFill>
+                  <a:srgbClr val="666666"/>
+                </a:solidFill>
+                <a:latin typeface="Arial"/>
+                <a:ea typeface="Open Sans"/>
+              </a:rPr>
+              <a:t>The command returns 0 if no key was set (at least one key already existed).</a:t>
+            </a:r>
+            <a:endParaRPr b="0" lang="en-IN" sz="1800" spc="-1" strike="noStrike">
+              <a:latin typeface="Arial"/>
+            </a:endParaRPr>
+          </a:p>
+          <a:p>
+            <a:pPr>
+              <a:lnSpc>
+                <a:spcPct val="100000"/>
+              </a:lnSpc>
+            </a:pPr>
+            <a:r>
+              <a:rPr b="0" lang="en-IN" sz="1800" spc="-1" strike="noStrike">
+                <a:solidFill>
+                  <a:srgbClr val="666666"/>
+                </a:solidFill>
+                <a:latin typeface="Arial"/>
+                <a:ea typeface="Open Sans"/>
+              </a:rPr>
+              <a:t>The command returns 1 if the all the keys were set.</a:t>
+            </a:r>
+            <a:endParaRPr b="0" lang="en-IN" sz="1800" spc="-1" strike="noStrike">
+              <a:latin typeface="Arial"/>
+            </a:endParaRPr>
+          </a:p>
+        </p:txBody>
+      </p:sp>
+    </p:spTree>
+  </p:cSld>
+  <mc:AlternateContent>
+    <mc:Choice Requires="p14">
+      <p:transition spd="slow" p14:dur="2000"/>
+    </mc:Choice>
+    <mc:Fallback>
+      <p:transition spd="slow"/>
+    </mc:Fallback>
+  </mc:AlternateContent>
+</p:sld>
+</file>
+
+<file path=ppt/slides/slide23.xml><?xml version="1.0" encoding="utf-8"?>
+<p:sld xmlns:a="http://schemas.openxmlformats.org/drawingml/2006/main" xmlns:p="http://schemas.openxmlformats.org/presentationml/2006/main" xmlns:r="http://schemas.openxmlformats.org/officeDocument/2006/relationships" xmlns:p14="http://schemas.microsoft.com/office/powerpoint/2010/main" xmlns:p15="http://schemas.microsoft.com/office/powerpoint/2012/main" xmlns:mc="http://schemas.openxmlformats.org/markup-compatibility/2006">
+  <p:cSld>
+    <p:spTree>
+      <p:nvGrpSpPr>
+        <p:cNvPr id="1" name=""/>
+        <p:cNvGrpSpPr/>
+        <p:nvPr/>
+      </p:nvGrpSpPr>
+      <p:grpSpPr>
+        <a:xfrm>
+          <a:off x="0" y="0"/>
+          <a:ext cx="0" cy="0"/>
+          <a:chOff x="0" y="0"/>
+          <a:chExt cx="0" cy="0"/>
+        </a:xfrm>
+      </p:grpSpPr>
       <p:pic>
         <p:nvPicPr>
-          <p:cNvPr id="174" name="Picture 2" descr="http://www.bvctch.vn/vnt_upload/weblink/thks.jpg"/>
+          <p:cNvPr id="183" name="Picture 2" descr="http://www.bvctch.vn/vnt_upload/weblink/thks.jpg"/>
           <p:cNvPicPr/>
           <p:nvPr/>
         </p:nvPicPr>
         <p:blipFill>
-          <a:blip r:embed="rId1"/>
+          <a:blip r:embed="rId1">
+            <a:alphaModFix amt="0"/>
+          </a:blip>
           <a:stretch/>
         </p:blipFill>
         <p:spPr>
           <a:xfrm>
             <a:off x="4295880" y="2030400"/>
-            <a:ext cx="3140280" cy="4826160"/>
+            <a:ext cx="3139920" cy="4825800"/>
           </a:xfrm>
           <a:prstGeom prst="rect">
             <a:avLst/>
@@ -8268,14 +9011,14 @@
       </p:pic>
       <p:sp>
         <p:nvSpPr>
-          <p:cNvPr id="175" name="CustomShape 1"/>
+          <p:cNvPr id="184" name="CustomShape 1"/>
           <p:cNvSpPr/>
           <p:nvPr/>
         </p:nvSpPr>
         <p:spPr>
           <a:xfrm>
             <a:off x="1365840" y="188640"/>
-            <a:ext cx="9681480" cy="2192400"/>
+            <a:ext cx="9681120" cy="2192400"/>
           </a:xfrm>
           <a:prstGeom prst="rect">
             <a:avLst/>
@@ -8431,16 +9174,12 @@
         <p:spPr>
           <a:xfrm>
             <a:off x="1523880" y="0"/>
-            <a:ext cx="9142560" cy="699120"/>
-          </a:xfrm>
-          <a:prstGeom prst="rect">
-            <a:avLst/>
-          </a:prstGeom>
-          <a:solidFill>
-            <a:schemeClr val="accent6">
-              <a:lumMod val="75000"/>
-            </a:schemeClr>
-          </a:solidFill>
+            <a:ext cx="9142200" cy="699120"/>
+          </a:xfrm>
+          <a:prstGeom prst="rect">
+            <a:avLst/>
+          </a:prstGeom>
+          <a:noFill/>
           <a:ln>
             <a:noFill/>
           </a:ln>
@@ -8506,14 +9245,12 @@
         <p:spPr>
           <a:xfrm>
             <a:off x="1676520" y="2743200"/>
-            <a:ext cx="8837640" cy="1064520"/>
-          </a:xfrm>
-          <a:prstGeom prst="rect">
-            <a:avLst/>
-          </a:prstGeom>
-          <a:solidFill>
-            <a:srgbClr val="fefefe"/>
-          </a:solidFill>
+            <a:ext cx="8837280" cy="1064520"/>
+          </a:xfrm>
+          <a:prstGeom prst="rect">
+            <a:avLst/>
+          </a:prstGeom>
+          <a:noFill/>
           <a:ln>
             <a:noFill/>
           </a:ln>
@@ -8529,7 +9266,7 @@
             <a:spAutoFit/>
           </a:bodyPr>
           <a:p>
-            <a:pPr marL="343080" indent="-341640">
+            <a:pPr marL="343080" indent="-341280">
               <a:lnSpc>
                 <a:spcPct val="100000"/>
               </a:lnSpc>
@@ -8584,7 +9321,7 @@
             </a:endParaRPr>
           </a:p>
           <a:p>
-            <a:pPr marL="343080" indent="-341640">
+            <a:pPr marL="343080" indent="-341280">
               <a:lnSpc>
                 <a:spcPct val="100000"/>
               </a:lnSpc>
@@ -8720,7 +9457,7 @@
         <p:spPr>
           <a:xfrm>
             <a:off x="1600200" y="762120"/>
-            <a:ext cx="8990280" cy="699480"/>
+            <a:ext cx="8989920" cy="699480"/>
           </a:xfrm>
           <a:prstGeom prst="rect">
             <a:avLst/>
@@ -8781,7 +9518,7 @@
         <p:spPr>
           <a:xfrm>
             <a:off x="1523880" y="4419720"/>
-            <a:ext cx="9142560" cy="973800"/>
+            <a:ext cx="9142200" cy="973800"/>
           </a:xfrm>
           <a:prstGeom prst="rect">
             <a:avLst/>
@@ -8832,7 +9569,7 @@
             </a:endParaRPr>
           </a:p>
           <a:p>
-            <a:pPr marL="285840" indent="-284400">
+            <a:pPr marL="285840" indent="-284040">
               <a:lnSpc>
                 <a:spcPct val="100000"/>
               </a:lnSpc>
@@ -8877,7 +9614,7 @@
         <p:spPr>
           <a:xfrm>
             <a:off x="1584000" y="5763960"/>
-            <a:ext cx="8710920" cy="354960"/>
+            <a:ext cx="8710560" cy="354600"/>
           </a:xfrm>
           <a:prstGeom prst="rect">
             <a:avLst/>
@@ -8978,7 +9715,7 @@
         <p:spPr>
           <a:xfrm>
             <a:off x="1676520" y="2362320"/>
-            <a:ext cx="8837640" cy="1186920"/>
+            <a:ext cx="8837280" cy="1186920"/>
           </a:xfrm>
           <a:prstGeom prst="rect">
             <a:avLst/>
@@ -9029,14 +9766,12 @@
         <p:spPr>
           <a:xfrm>
             <a:off x="1676520" y="3531600"/>
-            <a:ext cx="8837640" cy="424800"/>
-          </a:xfrm>
-          <a:prstGeom prst="rect">
-            <a:avLst/>
-          </a:prstGeom>
-          <a:solidFill>
-            <a:schemeClr val="bg1"/>
-          </a:solidFill>
+            <a:ext cx="8837280" cy="424800"/>
+          </a:xfrm>
+          <a:prstGeom prst="rect">
+            <a:avLst/>
+          </a:prstGeom>
+          <a:noFill/>
           <a:ln>
             <a:noFill/>
           </a:ln>
@@ -9147,16 +9882,12 @@
         <p:spPr>
           <a:xfrm>
             <a:off x="1523880" y="0"/>
-            <a:ext cx="9142560" cy="699120"/>
-          </a:xfrm>
-          <a:prstGeom prst="rect">
-            <a:avLst/>
-          </a:prstGeom>
-          <a:solidFill>
-            <a:schemeClr val="accent6">
-              <a:lumMod val="75000"/>
-            </a:schemeClr>
-          </a:solidFill>
+            <a:ext cx="9142200" cy="699120"/>
+          </a:xfrm>
+          <a:prstGeom prst="rect">
+            <a:avLst/>
+          </a:prstGeom>
+          <a:noFill/>
           <a:ln>
             <a:noFill/>
           </a:ln>
@@ -9202,7 +9933,7 @@
         <p:spPr>
           <a:xfrm>
             <a:off x="1600200" y="762120"/>
-            <a:ext cx="8990280" cy="699480"/>
+            <a:ext cx="8989920" cy="699480"/>
           </a:xfrm>
           <a:prstGeom prst="rect">
             <a:avLst/>
@@ -9253,7 +9984,7 @@
         <p:spPr>
           <a:xfrm>
             <a:off x="152280" y="152280"/>
-            <a:ext cx="1105200" cy="455400"/>
+            <a:ext cx="1104840" cy="455400"/>
           </a:xfrm>
           <a:prstGeom prst="rect">
             <a:avLst/>
@@ -9304,7 +10035,7 @@
         <p:spPr>
           <a:xfrm>
             <a:off x="1601280" y="2221560"/>
-            <a:ext cx="8989200" cy="394560"/>
+            <a:ext cx="8988840" cy="394560"/>
           </a:xfrm>
           <a:prstGeom prst="rect">
             <a:avLst/>
@@ -9355,14 +10086,12 @@
         <p:spPr>
           <a:xfrm>
             <a:off x="1523880" y="2760480"/>
-            <a:ext cx="9419400" cy="2147040"/>
-          </a:xfrm>
-          <a:prstGeom prst="rect">
-            <a:avLst/>
-          </a:prstGeom>
-          <a:solidFill>
-            <a:schemeClr val="bg1"/>
-          </a:solidFill>
+            <a:ext cx="9419040" cy="2147040"/>
+          </a:xfrm>
+          <a:prstGeom prst="rect">
+            <a:avLst/>
+          </a:prstGeom>
+          <a:noFill/>
           <a:ln>
             <a:noFill/>
           </a:ln>
@@ -9378,7 +10107,7 @@
             <a:spAutoFit/>
           </a:bodyPr>
           <a:p>
-            <a:pPr marL="285840" indent="-284400">
+            <a:pPr marL="285840" indent="-284040">
               <a:lnSpc>
                 <a:spcPct val="150000"/>
               </a:lnSpc>
@@ -9423,7 +10152,7 @@
             </a:endParaRPr>
           </a:p>
           <a:p>
-            <a:pPr marL="285840" indent="-284400">
+            <a:pPr marL="285840" indent="-284040">
               <a:lnSpc>
                 <a:spcPct val="150000"/>
               </a:lnSpc>
@@ -9478,7 +10207,7 @@
             </a:endParaRPr>
           </a:p>
           <a:p>
-            <a:pPr marL="285840" indent="-284400">
+            <a:pPr marL="285840" indent="-284040">
               <a:lnSpc>
                 <a:spcPct val="150000"/>
               </a:lnSpc>
@@ -9523,7 +10252,7 @@
             </a:endParaRPr>
           </a:p>
           <a:p>
-            <a:pPr marL="285840" indent="-284400">
+            <a:pPr marL="285840" indent="-284040">
               <a:lnSpc>
                 <a:spcPct val="150000"/>
               </a:lnSpc>
@@ -9558,7 +10287,7 @@
         <p:spPr>
           <a:xfrm>
             <a:off x="1584000" y="5033520"/>
-            <a:ext cx="8854920" cy="1015560"/>
+            <a:ext cx="8854560" cy="1015200"/>
           </a:xfrm>
           <a:prstGeom prst="rect">
             <a:avLst/>
@@ -9609,7 +10338,7 @@
             </a:endParaRPr>
           </a:p>
           <a:p>
-            <a:pPr marL="216000" indent="-214920">
+            <a:pPr marL="216000" indent="-214560">
               <a:lnSpc>
                 <a:spcPct val="100000"/>
               </a:lnSpc>
@@ -9735,7 +10464,7 @@
         <p:spPr>
           <a:xfrm>
             <a:off x="1676520" y="2362320"/>
-            <a:ext cx="8837640" cy="1186920"/>
+            <a:ext cx="8837280" cy="1186920"/>
           </a:xfrm>
           <a:prstGeom prst="rect">
             <a:avLst/>
@@ -9786,7 +10515,7 @@
         <p:spPr>
           <a:xfrm>
             <a:off x="1666800" y="609480"/>
-            <a:ext cx="8837640" cy="394560"/>
+            <a:ext cx="8837280" cy="394560"/>
           </a:xfrm>
           <a:prstGeom prst="rect">
             <a:avLst/>
@@ -9837,14 +10566,12 @@
         <p:spPr>
           <a:xfrm>
             <a:off x="1676520" y="3531600"/>
-            <a:ext cx="8837640" cy="759960"/>
-          </a:xfrm>
-          <a:prstGeom prst="rect">
-            <a:avLst/>
-          </a:prstGeom>
-          <a:solidFill>
-            <a:schemeClr val="bg1"/>
-          </a:solidFill>
+            <a:ext cx="8837280" cy="759960"/>
+          </a:xfrm>
+          <a:prstGeom prst="rect">
+            <a:avLst/>
+          </a:prstGeom>
+          <a:noFill/>
           <a:ln>
             <a:noFill/>
           </a:ln>
@@ -9920,7 +10647,7 @@
         <p:spPr>
           <a:xfrm>
             <a:off x="1676520" y="2362320"/>
-            <a:ext cx="8837640" cy="1186920"/>
+            <a:ext cx="8837280" cy="1186920"/>
           </a:xfrm>
           <a:prstGeom prst="rect">
             <a:avLst/>
@@ -9971,14 +10698,12 @@
         <p:spPr>
           <a:xfrm>
             <a:off x="1676520" y="3531600"/>
-            <a:ext cx="8837640" cy="424800"/>
-          </a:xfrm>
-          <a:prstGeom prst="rect">
-            <a:avLst/>
-          </a:prstGeom>
-          <a:solidFill>
-            <a:schemeClr val="bg1"/>
-          </a:solidFill>
+            <a:ext cx="8837280" cy="424800"/>
+          </a:xfrm>
+          <a:prstGeom prst="rect">
+            <a:avLst/>
+          </a:prstGeom>
+          <a:noFill/>
           <a:ln>
             <a:noFill/>
           </a:ln>
@@ -10089,16 +10814,12 @@
         <p:spPr>
           <a:xfrm>
             <a:off x="1523880" y="0"/>
-            <a:ext cx="9142560" cy="699120"/>
-          </a:xfrm>
-          <a:prstGeom prst="rect">
-            <a:avLst/>
-          </a:prstGeom>
-          <a:solidFill>
-            <a:schemeClr val="accent6">
-              <a:lumMod val="75000"/>
-            </a:schemeClr>
-          </a:solidFill>
+            <a:ext cx="9142200" cy="699120"/>
+          </a:xfrm>
+          <a:prstGeom prst="rect">
+            <a:avLst/>
+          </a:prstGeom>
+          <a:noFill/>
           <a:ln>
             <a:noFill/>
           </a:ln>
@@ -10144,7 +10865,7 @@
         <p:spPr>
           <a:xfrm>
             <a:off x="1600200" y="762120"/>
-            <a:ext cx="8990280" cy="1004400"/>
+            <a:ext cx="8989920" cy="1004400"/>
           </a:xfrm>
           <a:prstGeom prst="rect">
             <a:avLst/>
@@ -10195,14 +10916,12 @@
         <p:spPr>
           <a:xfrm>
             <a:off x="1523880" y="4272480"/>
-            <a:ext cx="8888400" cy="2558520"/>
-          </a:xfrm>
-          <a:prstGeom prst="rect">
-            <a:avLst/>
-          </a:prstGeom>
-          <a:solidFill>
-            <a:schemeClr val="bg1"/>
-          </a:solidFill>
+            <a:ext cx="8888040" cy="2558520"/>
+          </a:xfrm>
+          <a:prstGeom prst="rect">
+            <a:avLst/>
+          </a:prstGeom>
+          <a:noFill/>
           <a:ln>
             <a:noFill/>
           </a:ln>
@@ -10218,7 +10937,7 @@
             <a:spAutoFit/>
           </a:bodyPr>
           <a:p>
-            <a:pPr marL="285840" indent="-284400">
+            <a:pPr marL="285840" indent="-284040">
               <a:lnSpc>
                 <a:spcPct val="150000"/>
               </a:lnSpc>
@@ -10263,7 +10982,7 @@
             </a:endParaRPr>
           </a:p>
           <a:p>
-            <a:pPr marL="285840" indent="-284400">
+            <a:pPr marL="285840" indent="-284040">
               <a:lnSpc>
                 <a:spcPct val="150000"/>
               </a:lnSpc>
@@ -10308,7 +11027,7 @@
             </a:endParaRPr>
           </a:p>
           <a:p>
-            <a:pPr marL="285840" indent="-284400">
+            <a:pPr marL="285840" indent="-284040">
               <a:lnSpc>
                 <a:spcPct val="150000"/>
               </a:lnSpc>
@@ -10353,7 +11072,7 @@
             </a:endParaRPr>
           </a:p>
           <a:p>
-            <a:pPr marL="285840" indent="-284400">
+            <a:pPr marL="285840" indent="-284040">
               <a:lnSpc>
                 <a:spcPct val="150000"/>
               </a:lnSpc>
@@ -10398,7 +11117,7 @@
             </a:endParaRPr>
           </a:p>
           <a:p>
-            <a:pPr marL="285840" indent="-284400">
+            <a:pPr marL="285840" indent="-284040">
               <a:lnSpc>
                 <a:spcPct val="150000"/>
               </a:lnSpc>
@@ -10433,7 +11152,7 @@
             </a:endParaRPr>
           </a:p>
           <a:p>
-            <a:pPr marL="285840" indent="-284400">
+            <a:pPr marL="285840" indent="-284040">
               <a:lnSpc>
                 <a:spcPct val="150000"/>
               </a:lnSpc>
@@ -10982,7 +11701,7 @@
         <p:spPr>
           <a:xfrm>
             <a:off x="1601280" y="2221560"/>
-            <a:ext cx="8989200" cy="394560"/>
+            <a:ext cx="8988840" cy="394560"/>
           </a:xfrm>
           <a:prstGeom prst="rect">
             <a:avLst/>
@@ -11063,7 +11782,7 @@
         <p:spPr>
           <a:xfrm>
             <a:off x="1676520" y="2362320"/>
-            <a:ext cx="8837640" cy="1186920"/>
+            <a:ext cx="8837280" cy="1186920"/>
           </a:xfrm>
           <a:prstGeom prst="rect">
             <a:avLst/>
@@ -11097,7 +11816,147 @@
                 <a:latin typeface="Century"/>
                 <a:ea typeface="DejaVu Sans"/>
               </a:rPr>
-              <a:t>get key &amp; getex</a:t>
+              <a:t>g</a:t>
+            </a:r>
+            <a:r>
+              <a:rPr b="0" i="1" lang="en-IN" sz="7200" spc="-1" strike="noStrike">
+                <a:solidFill>
+                  <a:srgbClr val="f7c120"/>
+                </a:solidFill>
+                <a:latin typeface="Century"/>
+                <a:ea typeface="DejaVu Sans"/>
+              </a:rPr>
+              <a:t>e</a:t>
+            </a:r>
+            <a:r>
+              <a:rPr b="0" i="1" lang="en-IN" sz="7200" spc="-1" strike="noStrike">
+                <a:solidFill>
+                  <a:srgbClr val="f7c120"/>
+                </a:solidFill>
+                <a:latin typeface="Century"/>
+                <a:ea typeface="DejaVu Sans"/>
+              </a:rPr>
+              <a:t>t</a:t>
+            </a:r>
+            <a:r>
+              <a:rPr b="0" i="1" lang="en-IN" sz="7200" spc="-1" strike="noStrike">
+                <a:solidFill>
+                  <a:srgbClr val="f7c120"/>
+                </a:solidFill>
+                <a:latin typeface="Century"/>
+                <a:ea typeface="DejaVu Sans"/>
+              </a:rPr>
+              <a:t> </a:t>
+            </a:r>
+            <a:r>
+              <a:rPr b="0" i="1" lang="en-IN" sz="7200" spc="-1" strike="noStrike">
+                <a:solidFill>
+                  <a:srgbClr val="f7c120"/>
+                </a:solidFill>
+                <a:latin typeface="Century"/>
+                <a:ea typeface="DejaVu Sans"/>
+              </a:rPr>
+              <a:t>k</a:t>
+            </a:r>
+            <a:r>
+              <a:rPr b="0" i="1" lang="en-IN" sz="7200" spc="-1" strike="noStrike">
+                <a:solidFill>
+                  <a:srgbClr val="f7c120"/>
+                </a:solidFill>
+                <a:latin typeface="Century"/>
+                <a:ea typeface="DejaVu Sans"/>
+              </a:rPr>
+              <a:t>e</a:t>
+            </a:r>
+            <a:r>
+              <a:rPr b="0" i="1" lang="en-IN" sz="7200" spc="-1" strike="noStrike">
+                <a:solidFill>
+                  <a:srgbClr val="f7c120"/>
+                </a:solidFill>
+                <a:latin typeface="Century"/>
+                <a:ea typeface="DejaVu Sans"/>
+              </a:rPr>
+              <a:t>y</a:t>
+            </a:r>
+            <a:r>
+              <a:rPr b="0" i="1" lang="en-IN" sz="7200" spc="-1" strike="noStrike">
+                <a:solidFill>
+                  <a:srgbClr val="f7c120"/>
+                </a:solidFill>
+                <a:latin typeface="Century"/>
+                <a:ea typeface="DejaVu Sans"/>
+              </a:rPr>
+              <a:t> </a:t>
+            </a:r>
+            <a:r>
+              <a:rPr b="0" i="1" lang="en-IN" sz="7200" spc="-1" strike="noStrike">
+                <a:solidFill>
+                  <a:srgbClr val="f7c120"/>
+                </a:solidFill>
+                <a:latin typeface="Century"/>
+                <a:ea typeface="DejaVu Sans"/>
+              </a:rPr>
+              <a:t>&amp;</a:t>
+            </a:r>
+            <a:r>
+              <a:rPr b="0" i="1" lang="en-IN" sz="7200" spc="-1" strike="noStrike">
+                <a:solidFill>
+                  <a:srgbClr val="f7c120"/>
+                </a:solidFill>
+                <a:latin typeface="Century"/>
+                <a:ea typeface="DejaVu Sans"/>
+              </a:rPr>
+              <a:t> </a:t>
+            </a:r>
+            <a:r>
+              <a:rPr b="0" i="1" lang="en-IN" sz="7200" spc="-1" strike="noStrike">
+                <a:solidFill>
+                  <a:srgbClr val="f7c120"/>
+                </a:solidFill>
+                <a:latin typeface="Century"/>
+                <a:ea typeface="DejaVu Sans"/>
+              </a:rPr>
+              <a:t>g</a:t>
+            </a:r>
+            <a:r>
+              <a:rPr b="0" i="1" lang="en-IN" sz="7200" spc="-1" strike="noStrike">
+                <a:solidFill>
+                  <a:srgbClr val="f7c120"/>
+                </a:solidFill>
+                <a:latin typeface="Century"/>
+                <a:ea typeface="DejaVu Sans"/>
+              </a:rPr>
+              <a:t>e</a:t>
+            </a:r>
+            <a:r>
+              <a:rPr b="0" i="1" lang="en-IN" sz="7200" spc="-1" strike="noStrike">
+                <a:solidFill>
+                  <a:srgbClr val="f7c120"/>
+                </a:solidFill>
+                <a:latin typeface="Century"/>
+                <a:ea typeface="DejaVu Sans"/>
+              </a:rPr>
+              <a:t>t</a:t>
+            </a:r>
+            <a:r>
+              <a:rPr b="0" i="1" lang="en-IN" sz="7200" spc="-1" strike="noStrike">
+                <a:solidFill>
+                  <a:srgbClr val="f7c120"/>
+                </a:solidFill>
+                <a:latin typeface="Century"/>
+                <a:ea typeface="DejaVu Sans"/>
+              </a:rPr>
+              <a:t>e</a:t>
+            </a:r>
+            <a:r>
+              <a:rPr b="0" i="1" lang="en-IN" sz="7200" spc="-1" strike="noStrike">
+                <a:solidFill>
+                  <a:srgbClr val="f7c120"/>
+                </a:solidFill>
+                <a:latin typeface="Century"/>
+                <a:ea typeface="DejaVu Sans"/>
+              </a:rPr>
+              <a:t>x</a:t>
             </a:r>
             <a:endParaRPr b="0" lang="en-IN" sz="7200" spc="-1" strike="noStrike">
               <a:latin typeface="Arial"/>
@@ -11114,14 +11973,12 @@
         <p:spPr>
           <a:xfrm>
             <a:off x="1676520" y="3531600"/>
-            <a:ext cx="8837640" cy="424800"/>
-          </a:xfrm>
-          <a:prstGeom prst="rect">
-            <a:avLst/>
-          </a:prstGeom>
-          <a:solidFill>
-            <a:schemeClr val="bg1"/>
-          </a:solidFill>
+            <a:ext cx="8837280" cy="424800"/>
+          </a:xfrm>
+          <a:prstGeom prst="rect">
+            <a:avLst/>
+          </a:prstGeom>
+          <a:noFill/>
           <a:ln>
             <a:noFill/>
           </a:ln>

--- a/redis ver1.pptx
+++ b/redis ver1.pptx
@@ -2837,8 +2837,8 @@
         </p:nvSpPr>
         <p:spPr>
           <a:xfrm rot="5400000">
-            <a:off x="592200" y="6447240"/>
-            <a:ext cx="189000" cy="158760"/>
+            <a:off x="593280" y="6447240"/>
+            <a:ext cx="187920" cy="157680"/>
           </a:xfrm>
           <a:prstGeom prst="triangle">
             <a:avLst>
@@ -2879,7 +2879,7 @@
         <p:spPr>
           <a:xfrm>
             <a:off x="1206360" y="3648240"/>
-            <a:ext cx="9751680" cy="1278360"/>
+            <a:ext cx="9750600" cy="1277280"/>
           </a:xfrm>
           <a:prstGeom prst="rect">
             <a:avLst/>
@@ -2921,7 +2921,7 @@
         <p:spPr>
           <a:xfrm>
             <a:off x="1219320" y="5638680"/>
-            <a:ext cx="9751680" cy="684000"/>
+            <a:ext cx="9750600" cy="682920"/>
           </a:xfrm>
           <a:prstGeom prst="rect">
             <a:avLst/>
@@ -2963,7 +2963,7 @@
         <p:spPr>
           <a:xfrm>
             <a:off x="1206360" y="3648240"/>
-            <a:ext cx="303120" cy="1278360"/>
+            <a:ext cx="302040" cy="1277280"/>
           </a:xfrm>
           <a:prstGeom prst="rect">
             <a:avLst/>
@@ -3002,7 +3002,7 @@
         <p:spPr>
           <a:xfrm>
             <a:off x="1219320" y="5638680"/>
-            <a:ext cx="303120" cy="684000"/>
+            <a:ext cx="302040" cy="682920"/>
           </a:xfrm>
           <a:prstGeom prst="rect">
             <a:avLst/>
@@ -3358,8 +3358,8 @@
         </p:nvSpPr>
         <p:spPr>
           <a:xfrm rot="5400000">
-            <a:off x="592200" y="6447240"/>
-            <a:ext cx="189000" cy="158760"/>
+            <a:off x="593280" y="6447240"/>
+            <a:ext cx="187920" cy="157680"/>
           </a:xfrm>
           <a:prstGeom prst="triangle">
             <a:avLst>
@@ -3428,8 +3428,8 @@
         </p:nvSpPr>
         <p:spPr>
           <a:xfrm rot="5400000">
-            <a:off x="592200" y="6447240"/>
-            <a:ext cx="189000" cy="158760"/>
+            <a:off x="593280" y="6447240"/>
+            <a:ext cx="187920" cy="157680"/>
           </a:xfrm>
           <a:prstGeom prst="triangle">
             <a:avLst>
@@ -3723,7 +3723,7 @@
         <p:spPr>
           <a:xfrm>
             <a:off x="1975680" y="3733920"/>
-            <a:ext cx="8532720" cy="988920"/>
+            <a:ext cx="8531640" cy="987840"/>
           </a:xfrm>
           <a:prstGeom prst="rect">
             <a:avLst/>
@@ -3780,7 +3780,7 @@
         <p:spPr>
           <a:xfrm>
             <a:off x="181440" y="2001960"/>
-            <a:ext cx="2852640" cy="2852640"/>
+            <a:ext cx="2851560" cy="2851560"/>
           </a:xfrm>
           <a:prstGeom prst="rect">
             <a:avLst/>
@@ -3799,7 +3799,7 @@
         <p:spPr>
           <a:xfrm>
             <a:off x="4444920" y="5050800"/>
-            <a:ext cx="6063120" cy="586080"/>
+            <a:ext cx="6062040" cy="585000"/>
           </a:xfrm>
           <a:prstGeom prst="rect">
             <a:avLst/>
@@ -3862,7 +3862,7 @@
         <p:spPr>
           <a:xfrm>
             <a:off x="181440" y="196560"/>
-            <a:ext cx="2852640" cy="1065960"/>
+            <a:ext cx="2851560" cy="1064880"/>
           </a:xfrm>
           <a:prstGeom prst="rect">
             <a:avLst/>
@@ -3881,7 +3881,7 @@
         <p:spPr>
           <a:xfrm>
             <a:off x="3557880" y="93600"/>
-            <a:ext cx="8451000" cy="3045240"/>
+            <a:ext cx="8449920" cy="3045240"/>
           </a:xfrm>
           <a:prstGeom prst="rect">
             <a:avLst/>
@@ -3953,6 +3953,29 @@
           </a:p>
         </p:txBody>
       </p:sp>
+      <p:pic>
+        <p:nvPicPr>
+          <p:cNvPr id="93" name="Picture 2_0" descr=""/>
+          <p:cNvPicPr/>
+          <p:nvPr/>
+        </p:nvPicPr>
+        <p:blipFill>
+          <a:blip r:embed="rId3"/>
+          <a:stretch/>
+        </p:blipFill>
+        <p:spPr>
+          <a:xfrm>
+            <a:off x="181440" y="196920"/>
+            <a:ext cx="2853360" cy="1066680"/>
+          </a:xfrm>
+          <a:prstGeom prst="rect">
+            <a:avLst/>
+          </a:prstGeom>
+          <a:ln>
+            <a:noFill/>
+          </a:ln>
+        </p:spPr>
+      </p:pic>
     </p:spTree>
   </p:cSld>
   <mc:AlternateContent>
@@ -3985,7 +4008,7 @@
       </p:grpSpPr>
       <p:sp>
         <p:nvSpPr>
-          <p:cNvPr id="125" name="Line 1"/>
+          <p:cNvPr id="126" name="Line 1"/>
           <p:cNvSpPr/>
           <p:nvPr/>
         </p:nvSpPr>
@@ -4020,14 +4043,14 @@
       </p:sp>
       <p:sp>
         <p:nvSpPr>
-          <p:cNvPr id="126" name="CustomShape 2"/>
+          <p:cNvPr id="127" name="CustomShape 2"/>
           <p:cNvSpPr/>
           <p:nvPr/>
         </p:nvSpPr>
         <p:spPr>
           <a:xfrm>
             <a:off x="1523880" y="0"/>
-            <a:ext cx="9142200" cy="699120"/>
+            <a:ext cx="9141120" cy="699120"/>
           </a:xfrm>
           <a:prstGeom prst="rect">
             <a:avLst/>
@@ -4071,14 +4094,14 @@
       </p:sp>
       <p:sp>
         <p:nvSpPr>
-          <p:cNvPr id="127" name="CustomShape 3"/>
+          <p:cNvPr id="128" name="CustomShape 3"/>
           <p:cNvSpPr/>
           <p:nvPr/>
         </p:nvSpPr>
         <p:spPr>
           <a:xfrm>
             <a:off x="1600200" y="762120"/>
-            <a:ext cx="8989920" cy="1004400"/>
+            <a:ext cx="8988840" cy="1004400"/>
           </a:xfrm>
           <a:prstGeom prst="rect">
             <a:avLst/>
@@ -4122,14 +4145,14 @@
       </p:sp>
       <p:sp>
         <p:nvSpPr>
-          <p:cNvPr id="128" name="CustomShape 4"/>
+          <p:cNvPr id="129" name="CustomShape 4"/>
           <p:cNvSpPr/>
           <p:nvPr/>
         </p:nvSpPr>
         <p:spPr>
           <a:xfrm>
             <a:off x="152280" y="152280"/>
-            <a:ext cx="1104840" cy="455400"/>
+            <a:ext cx="1103760" cy="455400"/>
           </a:xfrm>
           <a:prstGeom prst="rect">
             <a:avLst/>
@@ -4173,14 +4196,14 @@
       </p:sp>
       <p:sp>
         <p:nvSpPr>
-          <p:cNvPr id="129" name="CustomShape 5"/>
+          <p:cNvPr id="130" name="CustomShape 5"/>
           <p:cNvSpPr/>
           <p:nvPr/>
         </p:nvSpPr>
         <p:spPr>
           <a:xfrm>
             <a:off x="1601280" y="2221560"/>
-            <a:ext cx="8988840" cy="699480"/>
+            <a:ext cx="8987760" cy="699480"/>
           </a:xfrm>
           <a:prstGeom prst="rect">
             <a:avLst/>
@@ -4244,14 +4267,14 @@
       </p:sp>
       <p:sp>
         <p:nvSpPr>
-          <p:cNvPr id="130" name="CustomShape 6"/>
+          <p:cNvPr id="131" name="CustomShape 6"/>
           <p:cNvSpPr/>
           <p:nvPr/>
         </p:nvSpPr>
         <p:spPr>
           <a:xfrm>
             <a:off x="1523880" y="3192480"/>
-            <a:ext cx="8888040" cy="2558880"/>
+            <a:ext cx="8886960" cy="2558520"/>
           </a:xfrm>
           <a:prstGeom prst="rect">
             <a:avLst/>
@@ -4272,7 +4295,7 @@
             <a:spAutoFit/>
           </a:bodyPr>
           <a:p>
-            <a:pPr marL="285840" indent="-284040">
+            <a:pPr marL="285840" indent="-282960">
               <a:lnSpc>
                 <a:spcPct val="150000"/>
               </a:lnSpc>
@@ -4317,7 +4340,7 @@
             </a:endParaRPr>
           </a:p>
           <a:p>
-            <a:pPr marL="285840" indent="-284040">
+            <a:pPr marL="285840" indent="-282960">
               <a:lnSpc>
                 <a:spcPct val="150000"/>
               </a:lnSpc>
@@ -4362,7 +4385,7 @@
             </a:endParaRPr>
           </a:p>
           <a:p>
-            <a:pPr marL="285840" indent="-284040">
+            <a:pPr marL="285840" indent="-282960">
               <a:lnSpc>
                 <a:spcPct val="150000"/>
               </a:lnSpc>
@@ -4407,7 +4430,7 @@
             </a:endParaRPr>
           </a:p>
           <a:p>
-            <a:pPr marL="285840" indent="-284040">
+            <a:pPr marL="285840" indent="-282960">
               <a:lnSpc>
                 <a:spcPct val="150000"/>
               </a:lnSpc>
@@ -4452,7 +4475,7 @@
             </a:endParaRPr>
           </a:p>
           <a:p>
-            <a:pPr marL="285840" indent="-284040">
+            <a:pPr marL="285840" indent="-282960">
               <a:lnSpc>
                 <a:spcPct val="150000"/>
               </a:lnSpc>
@@ -4487,7 +4510,7 @@
             </a:endParaRPr>
           </a:p>
           <a:p>
-            <a:pPr marL="285840" indent="-284040">
+            <a:pPr marL="285840" indent="-282960">
               <a:lnSpc>
                 <a:spcPct val="150000"/>
               </a:lnSpc>
@@ -4555,14 +4578,14 @@
       </p:grpSpPr>
       <p:sp>
         <p:nvSpPr>
-          <p:cNvPr id="131" name="CustomShape 1"/>
+          <p:cNvPr id="132" name="CustomShape 1"/>
           <p:cNvSpPr/>
           <p:nvPr/>
         </p:nvSpPr>
         <p:spPr>
           <a:xfrm>
             <a:off x="1676520" y="2362320"/>
-            <a:ext cx="8837280" cy="2284200"/>
+            <a:ext cx="8836200" cy="2284200"/>
           </a:xfrm>
           <a:prstGeom prst="rect">
             <a:avLst/>
@@ -4606,14 +4629,14 @@
       </p:sp>
       <p:sp>
         <p:nvSpPr>
-          <p:cNvPr id="132" name="CustomShape 2"/>
+          <p:cNvPr id="133" name="CustomShape 2"/>
           <p:cNvSpPr/>
           <p:nvPr/>
         </p:nvSpPr>
         <p:spPr>
           <a:xfrm>
             <a:off x="1676520" y="4719600"/>
-            <a:ext cx="8837280" cy="424800"/>
+            <a:ext cx="8836200" cy="424800"/>
           </a:xfrm>
           <a:prstGeom prst="rect">
             <a:avLst/>
@@ -4687,7 +4710,7 @@
       </p:grpSpPr>
       <p:sp>
         <p:nvSpPr>
-          <p:cNvPr id="133" name="Line 1"/>
+          <p:cNvPr id="134" name="Line 1"/>
           <p:cNvSpPr/>
           <p:nvPr/>
         </p:nvSpPr>
@@ -4722,14 +4745,14 @@
       </p:sp>
       <p:sp>
         <p:nvSpPr>
-          <p:cNvPr id="134" name="CustomShape 2"/>
+          <p:cNvPr id="135" name="CustomShape 2"/>
           <p:cNvSpPr/>
           <p:nvPr/>
         </p:nvSpPr>
         <p:spPr>
           <a:xfrm>
             <a:off x="1523880" y="0"/>
-            <a:ext cx="9142200" cy="699120"/>
+            <a:ext cx="9141120" cy="699120"/>
           </a:xfrm>
           <a:prstGeom prst="rect">
             <a:avLst/>
@@ -4773,14 +4796,14 @@
       </p:sp>
       <p:sp>
         <p:nvSpPr>
-          <p:cNvPr id="135" name="CustomShape 3"/>
+          <p:cNvPr id="136" name="CustomShape 3"/>
           <p:cNvSpPr/>
           <p:nvPr/>
         </p:nvSpPr>
         <p:spPr>
           <a:xfrm>
             <a:off x="1600200" y="762120"/>
-            <a:ext cx="8989920" cy="1004400"/>
+            <a:ext cx="8988840" cy="1004400"/>
           </a:xfrm>
           <a:prstGeom prst="rect">
             <a:avLst/>
@@ -4824,14 +4847,14 @@
       </p:sp>
       <p:sp>
         <p:nvSpPr>
-          <p:cNvPr id="136" name="CustomShape 4"/>
+          <p:cNvPr id="137" name="CustomShape 4"/>
           <p:cNvSpPr/>
           <p:nvPr/>
         </p:nvSpPr>
         <p:spPr>
           <a:xfrm>
             <a:off x="152280" y="152280"/>
-            <a:ext cx="1104840" cy="455400"/>
+            <a:ext cx="1103760" cy="455400"/>
           </a:xfrm>
           <a:prstGeom prst="rect">
             <a:avLst/>
@@ -4875,14 +4898,14 @@
       </p:sp>
       <p:sp>
         <p:nvSpPr>
-          <p:cNvPr id="137" name="CustomShape 5"/>
+          <p:cNvPr id="138" name="CustomShape 5"/>
           <p:cNvSpPr/>
           <p:nvPr/>
         </p:nvSpPr>
         <p:spPr>
           <a:xfrm>
             <a:off x="1601280" y="2221560"/>
-            <a:ext cx="8988840" cy="699480"/>
+            <a:ext cx="8987760" cy="699480"/>
           </a:xfrm>
           <a:prstGeom prst="rect">
             <a:avLst/>
@@ -4946,14 +4969,14 @@
       </p:sp>
       <p:sp>
         <p:nvSpPr>
-          <p:cNvPr id="138" name="CustomShape 6"/>
+          <p:cNvPr id="139" name="CustomShape 6"/>
           <p:cNvSpPr/>
           <p:nvPr/>
         </p:nvSpPr>
         <p:spPr>
           <a:xfrm>
             <a:off x="1523880" y="3192480"/>
-            <a:ext cx="8888040" cy="2558880"/>
+            <a:ext cx="8886960" cy="2558520"/>
           </a:xfrm>
           <a:prstGeom prst="rect">
             <a:avLst/>
@@ -4974,7 +4997,7 @@
             <a:spAutoFit/>
           </a:bodyPr>
           <a:p>
-            <a:pPr marL="285840" indent="-284040">
+            <a:pPr marL="285840" indent="-282960">
               <a:lnSpc>
                 <a:spcPct val="150000"/>
               </a:lnSpc>
@@ -5019,7 +5042,7 @@
             </a:endParaRPr>
           </a:p>
           <a:p>
-            <a:pPr marL="285840" indent="-284040">
+            <a:pPr marL="285840" indent="-282960">
               <a:lnSpc>
                 <a:spcPct val="150000"/>
               </a:lnSpc>
@@ -5064,7 +5087,7 @@
             </a:endParaRPr>
           </a:p>
           <a:p>
-            <a:pPr marL="285840" indent="-284040">
+            <a:pPr marL="285840" indent="-282960">
               <a:lnSpc>
                 <a:spcPct val="150000"/>
               </a:lnSpc>
@@ -5109,7 +5132,7 @@
             </a:endParaRPr>
           </a:p>
           <a:p>
-            <a:pPr marL="285840" indent="-284040">
+            <a:pPr marL="285840" indent="-282960">
               <a:lnSpc>
                 <a:spcPct val="150000"/>
               </a:lnSpc>
@@ -5154,7 +5177,7 @@
             </a:endParaRPr>
           </a:p>
           <a:p>
-            <a:pPr marL="285840" indent="-284040">
+            <a:pPr marL="285840" indent="-282960">
               <a:lnSpc>
                 <a:spcPct val="150000"/>
               </a:lnSpc>
@@ -5189,7 +5212,7 @@
             </a:endParaRPr>
           </a:p>
           <a:p>
-            <a:pPr marL="285840" indent="-284040">
+            <a:pPr marL="285840" indent="-282960">
               <a:lnSpc>
                 <a:spcPct val="150000"/>
               </a:lnSpc>
@@ -5257,14 +5280,14 @@
       </p:grpSpPr>
       <p:sp>
         <p:nvSpPr>
-          <p:cNvPr id="139" name="CustomShape 1"/>
+          <p:cNvPr id="140" name="CustomShape 1"/>
           <p:cNvSpPr/>
           <p:nvPr/>
         </p:nvSpPr>
         <p:spPr>
           <a:xfrm>
             <a:off x="1676520" y="2362320"/>
-            <a:ext cx="8837280" cy="1186920"/>
+            <a:ext cx="8836200" cy="1186920"/>
           </a:xfrm>
           <a:prstGeom prst="rect">
             <a:avLst/>
@@ -5308,14 +5331,14 @@
       </p:sp>
       <p:sp>
         <p:nvSpPr>
-          <p:cNvPr id="140" name="CustomShape 2"/>
+          <p:cNvPr id="141" name="CustomShape 2"/>
           <p:cNvSpPr/>
           <p:nvPr/>
         </p:nvSpPr>
         <p:spPr>
           <a:xfrm>
             <a:off x="1676520" y="3531600"/>
-            <a:ext cx="8837280" cy="424800"/>
+            <a:ext cx="8836200" cy="424800"/>
           </a:xfrm>
           <a:prstGeom prst="rect">
             <a:avLst/>
@@ -5389,7 +5412,7 @@
       </p:grpSpPr>
       <p:sp>
         <p:nvSpPr>
-          <p:cNvPr id="141" name="Line 1"/>
+          <p:cNvPr id="142" name="Line 1"/>
           <p:cNvSpPr/>
           <p:nvPr/>
         </p:nvSpPr>
@@ -5424,14 +5447,14 @@
       </p:sp>
       <p:sp>
         <p:nvSpPr>
-          <p:cNvPr id="142" name="CustomShape 2"/>
+          <p:cNvPr id="143" name="CustomShape 2"/>
           <p:cNvSpPr/>
           <p:nvPr/>
         </p:nvSpPr>
         <p:spPr>
           <a:xfrm>
             <a:off x="1523880" y="0"/>
-            <a:ext cx="9142200" cy="699120"/>
+            <a:ext cx="9141120" cy="699120"/>
           </a:xfrm>
           <a:prstGeom prst="rect">
             <a:avLst/>
@@ -5475,14 +5498,14 @@
       </p:sp>
       <p:sp>
         <p:nvSpPr>
-          <p:cNvPr id="143" name="CustomShape 3"/>
+          <p:cNvPr id="144" name="CustomShape 3"/>
           <p:cNvSpPr/>
           <p:nvPr/>
         </p:nvSpPr>
         <p:spPr>
           <a:xfrm>
             <a:off x="1600200" y="762120"/>
-            <a:ext cx="8989920" cy="912600"/>
+            <a:ext cx="8988840" cy="912600"/>
           </a:xfrm>
           <a:prstGeom prst="rect">
             <a:avLst/>
@@ -5576,14 +5599,14 @@
       </p:sp>
       <p:sp>
         <p:nvSpPr>
-          <p:cNvPr id="144" name="CustomShape 4"/>
+          <p:cNvPr id="145" name="CustomShape 4"/>
           <p:cNvSpPr/>
           <p:nvPr/>
         </p:nvSpPr>
         <p:spPr>
           <a:xfrm>
             <a:off x="1600200" y="2865600"/>
-            <a:ext cx="8888040" cy="1735560"/>
+            <a:ext cx="8886960" cy="1735560"/>
           </a:xfrm>
           <a:prstGeom prst="rect">
             <a:avLst/>
@@ -5604,7 +5627,7 @@
             <a:spAutoFit/>
           </a:bodyPr>
           <a:p>
-            <a:pPr marL="285840" indent="-284040">
+            <a:pPr marL="285840" indent="-282960">
               <a:lnSpc>
                 <a:spcPct val="150000"/>
               </a:lnSpc>
@@ -5649,7 +5672,7 @@
             </a:endParaRPr>
           </a:p>
           <a:p>
-            <a:pPr marL="285840" indent="-284040">
+            <a:pPr marL="285840" indent="-282960">
               <a:lnSpc>
                 <a:spcPct val="150000"/>
               </a:lnSpc>
@@ -5694,7 +5717,7 @@
             </a:endParaRPr>
           </a:p>
           <a:p>
-            <a:pPr marL="285840" indent="-284040">
+            <a:pPr marL="285840" indent="-282960">
               <a:lnSpc>
                 <a:spcPct val="150000"/>
               </a:lnSpc>
@@ -5739,7 +5762,7 @@
             </a:endParaRPr>
           </a:p>
           <a:p>
-            <a:pPr marL="285840" indent="-284040">
+            <a:pPr marL="285840" indent="-282960">
               <a:lnSpc>
                 <a:spcPct val="150000"/>
               </a:lnSpc>
@@ -5787,14 +5810,14 @@
       </p:sp>
       <p:sp>
         <p:nvSpPr>
-          <p:cNvPr id="145" name="CustomShape 5"/>
+          <p:cNvPr id="146" name="CustomShape 5"/>
           <p:cNvSpPr/>
           <p:nvPr/>
         </p:nvSpPr>
         <p:spPr>
           <a:xfrm>
             <a:off x="152280" y="152280"/>
-            <a:ext cx="1104840" cy="455400"/>
+            <a:ext cx="1103760" cy="455400"/>
           </a:xfrm>
           <a:prstGeom prst="rect">
             <a:avLst/>
@@ -5838,14 +5861,14 @@
       </p:sp>
       <p:sp>
         <p:nvSpPr>
-          <p:cNvPr id="146" name="CustomShape 6"/>
+          <p:cNvPr id="147" name="CustomShape 6"/>
           <p:cNvSpPr/>
           <p:nvPr/>
         </p:nvSpPr>
         <p:spPr>
           <a:xfrm>
             <a:off x="1601280" y="2221560"/>
-            <a:ext cx="8988840" cy="699480"/>
+            <a:ext cx="8987760" cy="699480"/>
           </a:xfrm>
           <a:prstGeom prst="rect">
             <a:avLst/>
@@ -5909,14 +5932,14 @@
       </p:sp>
       <p:sp>
         <p:nvSpPr>
-          <p:cNvPr id="147" name="CustomShape 7"/>
+          <p:cNvPr id="148" name="CustomShape 7"/>
           <p:cNvSpPr/>
           <p:nvPr/>
         </p:nvSpPr>
         <p:spPr>
           <a:xfrm>
             <a:off x="1656000" y="4713480"/>
-            <a:ext cx="8998560" cy="1368720"/>
+            <a:ext cx="8997480" cy="1367640"/>
           </a:xfrm>
           <a:prstGeom prst="rect">
             <a:avLst/>
@@ -5937,7 +5960,7 @@
             <a:noAutofit/>
           </a:bodyPr>
           <a:p>
-            <a:pPr marL="216000" indent="-214560">
+            <a:pPr marL="216000" indent="-213480">
               <a:lnSpc>
                 <a:spcPct val="100000"/>
               </a:lnSpc>
@@ -5972,7 +5995,7 @@
             </a:endParaRPr>
           </a:p>
           <a:p>
-            <a:pPr marL="216000" indent="-214560">
+            <a:pPr marL="216000" indent="-213480">
               <a:lnSpc>
                 <a:spcPct val="100000"/>
               </a:lnSpc>
@@ -6007,7 +6030,7 @@
             </a:endParaRPr>
           </a:p>
           <a:p>
-            <a:pPr marL="216000" indent="-214560">
+            <a:pPr marL="216000" indent="-213480">
               <a:lnSpc>
                 <a:spcPct val="100000"/>
               </a:lnSpc>
@@ -6042,7 +6065,7 @@
             </a:endParaRPr>
           </a:p>
           <a:p>
-            <a:pPr marL="216000" indent="-214560">
+            <a:pPr marL="216000" indent="-213480">
               <a:lnSpc>
                 <a:spcPct val="100000"/>
               </a:lnSpc>
@@ -6077,7 +6100,7 @@
             </a:endParaRPr>
           </a:p>
           <a:p>
-            <a:pPr marL="216000" indent="-214560">
+            <a:pPr marL="216000" indent="-213480">
               <a:lnSpc>
                 <a:spcPct val="100000"/>
               </a:lnSpc>
@@ -6145,14 +6168,14 @@
       </p:grpSpPr>
       <p:sp>
         <p:nvSpPr>
-          <p:cNvPr id="148" name="CustomShape 1"/>
+          <p:cNvPr id="149" name="CustomShape 1"/>
           <p:cNvSpPr/>
           <p:nvPr/>
         </p:nvSpPr>
         <p:spPr>
           <a:xfrm>
             <a:off x="1676520" y="2362320"/>
-            <a:ext cx="8837280" cy="1186920"/>
+            <a:ext cx="8836200" cy="1186920"/>
           </a:xfrm>
           <a:prstGeom prst="rect">
             <a:avLst/>
@@ -6196,14 +6219,14 @@
       </p:sp>
       <p:sp>
         <p:nvSpPr>
-          <p:cNvPr id="149" name="CustomShape 2"/>
+          <p:cNvPr id="150" name="CustomShape 2"/>
           <p:cNvSpPr/>
           <p:nvPr/>
         </p:nvSpPr>
         <p:spPr>
           <a:xfrm>
             <a:off x="1676520" y="3531600"/>
-            <a:ext cx="8837280" cy="424800"/>
+            <a:ext cx="8836200" cy="424800"/>
           </a:xfrm>
           <a:prstGeom prst="rect">
             <a:avLst/>
@@ -6277,7 +6300,7 @@
       </p:grpSpPr>
       <p:sp>
         <p:nvSpPr>
-          <p:cNvPr id="150" name="Line 1"/>
+          <p:cNvPr id="151" name="Line 1"/>
           <p:cNvSpPr/>
           <p:nvPr/>
         </p:nvSpPr>
@@ -6312,14 +6335,14 @@
       </p:sp>
       <p:sp>
         <p:nvSpPr>
-          <p:cNvPr id="151" name="CustomShape 2"/>
+          <p:cNvPr id="152" name="CustomShape 2"/>
           <p:cNvSpPr/>
           <p:nvPr/>
         </p:nvSpPr>
         <p:spPr>
           <a:xfrm>
             <a:off x="1523880" y="0"/>
-            <a:ext cx="9142200" cy="699120"/>
+            <a:ext cx="9141120" cy="699120"/>
           </a:xfrm>
           <a:prstGeom prst="rect">
             <a:avLst/>
@@ -6363,14 +6386,14 @@
       </p:sp>
       <p:sp>
         <p:nvSpPr>
-          <p:cNvPr id="152" name="CustomShape 3"/>
+          <p:cNvPr id="153" name="CustomShape 3"/>
           <p:cNvSpPr/>
           <p:nvPr/>
         </p:nvSpPr>
         <p:spPr>
           <a:xfrm>
             <a:off x="1600200" y="762120"/>
-            <a:ext cx="8989920" cy="699480"/>
+            <a:ext cx="8988840" cy="699480"/>
           </a:xfrm>
           <a:prstGeom prst="rect">
             <a:avLst/>
@@ -6434,14 +6457,14 @@
       </p:sp>
       <p:sp>
         <p:nvSpPr>
-          <p:cNvPr id="153" name="CustomShape 4"/>
+          <p:cNvPr id="154" name="CustomShape 4"/>
           <p:cNvSpPr/>
           <p:nvPr/>
         </p:nvSpPr>
         <p:spPr>
           <a:xfrm>
             <a:off x="1600200" y="3909600"/>
-            <a:ext cx="8888040" cy="1324080"/>
+            <a:ext cx="8886960" cy="1324080"/>
           </a:xfrm>
           <a:prstGeom prst="rect">
             <a:avLst/>
@@ -6462,7 +6485,7 @@
             <a:spAutoFit/>
           </a:bodyPr>
           <a:p>
-            <a:pPr marL="285840" indent="-284040">
+            <a:pPr marL="285840" indent="-282960">
               <a:lnSpc>
                 <a:spcPct val="150000"/>
               </a:lnSpc>
@@ -6507,7 +6530,7 @@
             </a:endParaRPr>
           </a:p>
           <a:p>
-            <a:pPr marL="285840" indent="-284040">
+            <a:pPr marL="285840" indent="-282960">
               <a:lnSpc>
                 <a:spcPct val="150000"/>
               </a:lnSpc>
@@ -6552,7 +6575,7 @@
             </a:endParaRPr>
           </a:p>
           <a:p>
-            <a:pPr marL="285840" indent="-284040">
+            <a:pPr marL="285840" indent="-282960">
               <a:lnSpc>
                 <a:spcPct val="150000"/>
               </a:lnSpc>
@@ -6600,14 +6623,14 @@
       </p:sp>
       <p:sp>
         <p:nvSpPr>
-          <p:cNvPr id="154" name="CustomShape 5"/>
+          <p:cNvPr id="155" name="CustomShape 5"/>
           <p:cNvSpPr/>
           <p:nvPr/>
         </p:nvSpPr>
         <p:spPr>
           <a:xfrm>
             <a:off x="152280" y="152280"/>
-            <a:ext cx="1104840" cy="455400"/>
+            <a:ext cx="1103760" cy="455400"/>
           </a:xfrm>
           <a:prstGeom prst="rect">
             <a:avLst/>
@@ -6651,14 +6674,14 @@
       </p:sp>
       <p:sp>
         <p:nvSpPr>
-          <p:cNvPr id="155" name="CustomShape 6"/>
+          <p:cNvPr id="156" name="CustomShape 6"/>
           <p:cNvSpPr/>
           <p:nvPr/>
         </p:nvSpPr>
         <p:spPr>
           <a:xfrm>
             <a:off x="1601280" y="2221560"/>
-            <a:ext cx="8988840" cy="699480"/>
+            <a:ext cx="8987760" cy="699480"/>
           </a:xfrm>
           <a:prstGeom prst="rect">
             <a:avLst/>
@@ -6722,14 +6745,14 @@
       </p:sp>
       <p:sp>
         <p:nvSpPr>
-          <p:cNvPr id="156" name="CustomShape 7"/>
+          <p:cNvPr id="157" name="CustomShape 7"/>
           <p:cNvSpPr/>
           <p:nvPr/>
         </p:nvSpPr>
         <p:spPr>
           <a:xfrm>
             <a:off x="1584000" y="5246640"/>
-            <a:ext cx="8854560" cy="1015200"/>
+            <a:ext cx="8853480" cy="1014120"/>
           </a:xfrm>
           <a:prstGeom prst="rect">
             <a:avLst/>
@@ -6780,7 +6803,7 @@
             </a:endParaRPr>
           </a:p>
           <a:p>
-            <a:pPr marL="216000" indent="-214560">
+            <a:pPr marL="216000" indent="-213480">
               <a:lnSpc>
                 <a:spcPct val="100000"/>
               </a:lnSpc>
@@ -6806,7 +6829,7 @@
             </a:endParaRPr>
           </a:p>
           <a:p>
-            <a:pPr marL="216000" indent="-214560">
+            <a:pPr marL="216000" indent="-213480">
               <a:lnSpc>
                 <a:spcPct val="100000"/>
               </a:lnSpc>
@@ -6835,14 +6858,14 @@
       </p:sp>
       <p:sp>
         <p:nvSpPr>
-          <p:cNvPr id="157" name="CustomShape 8"/>
+          <p:cNvPr id="158" name="CustomShape 8"/>
           <p:cNvSpPr/>
           <p:nvPr/>
         </p:nvSpPr>
         <p:spPr>
           <a:xfrm>
             <a:off x="1576080" y="3161880"/>
-            <a:ext cx="9582480" cy="652680"/>
+            <a:ext cx="9581400" cy="651600"/>
           </a:xfrm>
           <a:prstGeom prst="rect">
             <a:avLst/>
@@ -6946,14 +6969,14 @@
       </p:grpSpPr>
       <p:sp>
         <p:nvSpPr>
-          <p:cNvPr id="158" name="CustomShape 1"/>
+          <p:cNvPr id="159" name="CustomShape 1"/>
           <p:cNvSpPr/>
           <p:nvPr/>
         </p:nvSpPr>
         <p:spPr>
           <a:xfrm>
             <a:off x="1676520" y="2362320"/>
-            <a:ext cx="8837280" cy="1186920"/>
+            <a:ext cx="8836200" cy="1186920"/>
           </a:xfrm>
           <a:prstGeom prst="rect">
             <a:avLst/>
@@ -6997,14 +7020,14 @@
       </p:sp>
       <p:sp>
         <p:nvSpPr>
-          <p:cNvPr id="159" name="CustomShape 2"/>
+          <p:cNvPr id="160" name="CustomShape 2"/>
           <p:cNvSpPr/>
           <p:nvPr/>
         </p:nvSpPr>
         <p:spPr>
           <a:xfrm>
             <a:off x="1676520" y="3531600"/>
-            <a:ext cx="8837280" cy="424800"/>
+            <a:ext cx="8836200" cy="424800"/>
           </a:xfrm>
           <a:prstGeom prst="rect">
             <a:avLst/>
@@ -7078,7 +7101,7 @@
       </p:grpSpPr>
       <p:sp>
         <p:nvSpPr>
-          <p:cNvPr id="160" name="Line 1"/>
+          <p:cNvPr id="161" name="Line 1"/>
           <p:cNvSpPr/>
           <p:nvPr/>
         </p:nvSpPr>
@@ -7113,14 +7136,14 @@
       </p:sp>
       <p:sp>
         <p:nvSpPr>
-          <p:cNvPr id="161" name="CustomShape 2"/>
+          <p:cNvPr id="162" name="CustomShape 2"/>
           <p:cNvSpPr/>
           <p:nvPr/>
         </p:nvSpPr>
         <p:spPr>
           <a:xfrm>
             <a:off x="1523880" y="0"/>
-            <a:ext cx="9142200" cy="699120"/>
+            <a:ext cx="9141120" cy="699120"/>
           </a:xfrm>
           <a:prstGeom prst="rect">
             <a:avLst/>
@@ -7164,14 +7187,14 @@
       </p:sp>
       <p:sp>
         <p:nvSpPr>
-          <p:cNvPr id="162" name="CustomShape 3"/>
+          <p:cNvPr id="163" name="CustomShape 3"/>
           <p:cNvSpPr/>
           <p:nvPr/>
         </p:nvSpPr>
         <p:spPr>
           <a:xfrm>
             <a:off x="1600200" y="762120"/>
-            <a:ext cx="8989920" cy="912600"/>
+            <a:ext cx="8988840" cy="912600"/>
           </a:xfrm>
           <a:prstGeom prst="rect">
             <a:avLst/>
@@ -7215,14 +7238,14 @@
       </p:sp>
       <p:sp>
         <p:nvSpPr>
-          <p:cNvPr id="163" name="CustomShape 4"/>
+          <p:cNvPr id="164" name="CustomShape 4"/>
           <p:cNvSpPr/>
           <p:nvPr/>
         </p:nvSpPr>
         <p:spPr>
           <a:xfrm>
             <a:off x="1600200" y="2829600"/>
-            <a:ext cx="8888040" cy="912600"/>
+            <a:ext cx="8886960" cy="912600"/>
           </a:xfrm>
           <a:prstGeom prst="rect">
             <a:avLst/>
@@ -7243,7 +7266,7 @@
             <a:spAutoFit/>
           </a:bodyPr>
           <a:p>
-            <a:pPr marL="285840" indent="-284040">
+            <a:pPr marL="285840" indent="-282960">
               <a:lnSpc>
                 <a:spcPct val="150000"/>
               </a:lnSpc>
@@ -7288,7 +7311,7 @@
             </a:endParaRPr>
           </a:p>
           <a:p>
-            <a:pPr marL="285840" indent="-284040">
+            <a:pPr marL="285840" indent="-282960">
               <a:lnSpc>
                 <a:spcPct val="150000"/>
               </a:lnSpc>
@@ -7336,14 +7359,14 @@
       </p:sp>
       <p:sp>
         <p:nvSpPr>
-          <p:cNvPr id="164" name="CustomShape 5"/>
+          <p:cNvPr id="165" name="CustomShape 5"/>
           <p:cNvSpPr/>
           <p:nvPr/>
         </p:nvSpPr>
         <p:spPr>
           <a:xfrm>
             <a:off x="152280" y="152280"/>
-            <a:ext cx="1104840" cy="455400"/>
+            <a:ext cx="1103760" cy="455400"/>
           </a:xfrm>
           <a:prstGeom prst="rect">
             <a:avLst/>
@@ -7387,14 +7410,14 @@
       </p:sp>
       <p:sp>
         <p:nvSpPr>
-          <p:cNvPr id="165" name="CustomShape 6"/>
+          <p:cNvPr id="166" name="CustomShape 6"/>
           <p:cNvSpPr/>
           <p:nvPr/>
         </p:nvSpPr>
         <p:spPr>
           <a:xfrm>
             <a:off x="1601280" y="2221560"/>
-            <a:ext cx="8988840" cy="394560"/>
+            <a:ext cx="8987760" cy="394560"/>
           </a:xfrm>
           <a:prstGeom prst="rect">
             <a:avLst/>
@@ -7468,14 +7491,14 @@
       </p:grpSpPr>
       <p:sp>
         <p:nvSpPr>
-          <p:cNvPr id="166" name="CustomShape 1"/>
+          <p:cNvPr id="167" name="CustomShape 1"/>
           <p:cNvSpPr/>
           <p:nvPr/>
         </p:nvSpPr>
         <p:spPr>
           <a:xfrm>
             <a:off x="1676520" y="2362320"/>
-            <a:ext cx="8837280" cy="1186920"/>
+            <a:ext cx="8836200" cy="1186920"/>
           </a:xfrm>
           <a:prstGeom prst="rect">
             <a:avLst/>
@@ -7519,14 +7542,14 @@
       </p:sp>
       <p:sp>
         <p:nvSpPr>
-          <p:cNvPr id="167" name="CustomShape 2"/>
+          <p:cNvPr id="168" name="CustomShape 2"/>
           <p:cNvSpPr/>
           <p:nvPr/>
         </p:nvSpPr>
         <p:spPr>
           <a:xfrm>
             <a:off x="1676520" y="3531600"/>
-            <a:ext cx="8837280" cy="424800"/>
+            <a:ext cx="8836200" cy="424800"/>
           </a:xfrm>
           <a:prstGeom prst="rect">
             <a:avLst/>
@@ -7600,14 +7623,14 @@
       </p:grpSpPr>
       <p:sp>
         <p:nvSpPr>
-          <p:cNvPr id="93" name="CustomShape 1"/>
+          <p:cNvPr id="94" name="CustomShape 1"/>
           <p:cNvSpPr/>
           <p:nvPr/>
         </p:nvSpPr>
         <p:spPr>
           <a:xfrm>
             <a:off x="1676520" y="2362320"/>
-            <a:ext cx="8837280" cy="1186920"/>
+            <a:ext cx="8836200" cy="1186920"/>
           </a:xfrm>
           <a:prstGeom prst="rect">
             <a:avLst/>
@@ -7651,14 +7674,14 @@
       </p:sp>
       <p:sp>
         <p:nvSpPr>
-          <p:cNvPr id="94" name="CustomShape 2"/>
+          <p:cNvPr id="95" name="CustomShape 2"/>
           <p:cNvSpPr/>
           <p:nvPr/>
         </p:nvSpPr>
         <p:spPr>
           <a:xfrm>
             <a:off x="1676520" y="3531600"/>
-            <a:ext cx="8837280" cy="2100600"/>
+            <a:ext cx="8836200" cy="2100600"/>
           </a:xfrm>
           <a:prstGeom prst="rect">
             <a:avLst/>
@@ -7702,14 +7725,14 @@
       </p:sp>
       <p:sp>
         <p:nvSpPr>
-          <p:cNvPr id="95" name="CustomShape 3"/>
+          <p:cNvPr id="96" name="CustomShape 3"/>
           <p:cNvSpPr/>
           <p:nvPr/>
         </p:nvSpPr>
         <p:spPr>
           <a:xfrm>
             <a:off x="1666800" y="609480"/>
-            <a:ext cx="8837280" cy="394560"/>
+            <a:ext cx="8836200" cy="394560"/>
           </a:xfrm>
           <a:prstGeom prst="rect">
             <a:avLst/>
@@ -7783,7 +7806,7 @@
       </p:grpSpPr>
       <p:sp>
         <p:nvSpPr>
-          <p:cNvPr id="168" name="Line 1"/>
+          <p:cNvPr id="169" name="Line 1"/>
           <p:cNvSpPr/>
           <p:nvPr/>
         </p:nvSpPr>
@@ -7818,14 +7841,14 @@
       </p:sp>
       <p:sp>
         <p:nvSpPr>
-          <p:cNvPr id="169" name="CustomShape 2"/>
+          <p:cNvPr id="170" name="CustomShape 2"/>
           <p:cNvSpPr/>
           <p:nvPr/>
         </p:nvSpPr>
         <p:spPr>
           <a:xfrm>
             <a:off x="1523880" y="0"/>
-            <a:ext cx="9142200" cy="699120"/>
+            <a:ext cx="9141120" cy="699120"/>
           </a:xfrm>
           <a:prstGeom prst="rect">
             <a:avLst/>
@@ -7869,14 +7892,14 @@
       </p:sp>
       <p:sp>
         <p:nvSpPr>
-          <p:cNvPr id="170" name="CustomShape 3"/>
+          <p:cNvPr id="171" name="CustomShape 3"/>
           <p:cNvSpPr/>
           <p:nvPr/>
         </p:nvSpPr>
         <p:spPr>
           <a:xfrm>
             <a:off x="1600200" y="762120"/>
-            <a:ext cx="8989920" cy="638280"/>
+            <a:ext cx="8988840" cy="638280"/>
           </a:xfrm>
           <a:prstGeom prst="rect">
             <a:avLst/>
@@ -7920,14 +7943,14 @@
       </p:sp>
       <p:sp>
         <p:nvSpPr>
-          <p:cNvPr id="171" name="CustomShape 4"/>
+          <p:cNvPr id="172" name="CustomShape 4"/>
           <p:cNvSpPr/>
           <p:nvPr/>
         </p:nvSpPr>
         <p:spPr>
           <a:xfrm>
             <a:off x="152280" y="152280"/>
-            <a:ext cx="1104840" cy="455400"/>
+            <a:ext cx="1103760" cy="455400"/>
           </a:xfrm>
           <a:prstGeom prst="rect">
             <a:avLst/>
@@ -7971,14 +7994,14 @@
       </p:sp>
       <p:sp>
         <p:nvSpPr>
-          <p:cNvPr id="172" name="CustomShape 5"/>
+          <p:cNvPr id="173" name="CustomShape 5"/>
           <p:cNvSpPr/>
           <p:nvPr/>
         </p:nvSpPr>
         <p:spPr>
           <a:xfrm>
             <a:off x="1601280" y="2221560"/>
-            <a:ext cx="8988840" cy="394560"/>
+            <a:ext cx="8987760" cy="394560"/>
           </a:xfrm>
           <a:prstGeom prst="rect">
             <a:avLst/>
@@ -8022,14 +8045,14 @@
       </p:sp>
       <p:sp>
         <p:nvSpPr>
-          <p:cNvPr id="173" name="CustomShape 6"/>
+          <p:cNvPr id="174" name="CustomShape 6"/>
           <p:cNvSpPr/>
           <p:nvPr/>
         </p:nvSpPr>
         <p:spPr>
           <a:xfrm>
             <a:off x="1600200" y="2829600"/>
-            <a:ext cx="8888040" cy="1735560"/>
+            <a:ext cx="8886960" cy="1735560"/>
           </a:xfrm>
           <a:prstGeom prst="rect">
             <a:avLst/>
@@ -8050,7 +8073,7 @@
             <a:spAutoFit/>
           </a:bodyPr>
           <a:p>
-            <a:pPr marL="285840" indent="-284040">
+            <a:pPr marL="285840" indent="-282960">
               <a:lnSpc>
                 <a:spcPct val="150000"/>
               </a:lnSpc>
@@ -8095,7 +8118,7 @@
             </a:endParaRPr>
           </a:p>
           <a:p>
-            <a:pPr marL="285840" indent="-284040">
+            <a:pPr marL="285840" indent="-282960">
               <a:lnSpc>
                 <a:spcPct val="150000"/>
               </a:lnSpc>
@@ -8140,7 +8163,7 @@
             </a:endParaRPr>
           </a:p>
           <a:p>
-            <a:pPr marL="285840" indent="-284040">
+            <a:pPr marL="285840" indent="-282960">
               <a:lnSpc>
                 <a:spcPct val="150000"/>
               </a:lnSpc>
@@ -8175,7 +8198,7 @@
             </a:endParaRPr>
           </a:p>
           <a:p>
-            <a:pPr marL="285840" indent="-284040">
+            <a:pPr marL="285840" indent="-282960">
               <a:lnSpc>
                 <a:spcPct val="150000"/>
               </a:lnSpc>
@@ -8243,14 +8266,14 @@
       </p:grpSpPr>
       <p:sp>
         <p:nvSpPr>
-          <p:cNvPr id="174" name="CustomShape 1"/>
+          <p:cNvPr id="175" name="CustomShape 1"/>
           <p:cNvSpPr/>
           <p:nvPr/>
         </p:nvSpPr>
         <p:spPr>
           <a:xfrm>
             <a:off x="1676520" y="2362320"/>
-            <a:ext cx="8837280" cy="2284200"/>
+            <a:ext cx="8836200" cy="2284200"/>
           </a:xfrm>
           <a:prstGeom prst="rect">
             <a:avLst/>
@@ -8294,14 +8317,14 @@
       </p:sp>
       <p:sp>
         <p:nvSpPr>
-          <p:cNvPr id="175" name="CustomShape 2"/>
+          <p:cNvPr id="176" name="CustomShape 2"/>
           <p:cNvSpPr/>
           <p:nvPr/>
         </p:nvSpPr>
         <p:spPr>
           <a:xfrm>
             <a:off x="1676520" y="5331600"/>
-            <a:ext cx="8837280" cy="424800"/>
+            <a:ext cx="8836200" cy="424800"/>
           </a:xfrm>
           <a:prstGeom prst="rect">
             <a:avLst/>
@@ -8375,14 +8398,14 @@
       </p:grpSpPr>
       <p:sp>
         <p:nvSpPr>
-          <p:cNvPr id="176" name="CustomShape 1"/>
+          <p:cNvPr id="177" name="CustomShape 1"/>
           <p:cNvSpPr/>
           <p:nvPr/>
         </p:nvSpPr>
         <p:spPr>
           <a:xfrm>
             <a:off x="1523880" y="0"/>
-            <a:ext cx="9142200" cy="699120"/>
+            <a:ext cx="9141120" cy="699120"/>
           </a:xfrm>
           <a:prstGeom prst="rect">
             <a:avLst/>
@@ -8426,14 +8449,14 @@
       </p:sp>
       <p:sp>
         <p:nvSpPr>
-          <p:cNvPr id="177" name="CustomShape 2"/>
+          <p:cNvPr id="178" name="CustomShape 2"/>
           <p:cNvSpPr/>
           <p:nvPr/>
         </p:nvSpPr>
         <p:spPr>
           <a:xfrm>
             <a:off x="1600200" y="762120"/>
-            <a:ext cx="8989920" cy="1735560"/>
+            <a:ext cx="8988840" cy="1735560"/>
           </a:xfrm>
           <a:prstGeom prst="rect">
             <a:avLst/>
@@ -8547,14 +8570,14 @@
       </p:sp>
       <p:sp>
         <p:nvSpPr>
-          <p:cNvPr id="178" name="CustomShape 3"/>
+          <p:cNvPr id="179" name="CustomShape 3"/>
           <p:cNvSpPr/>
           <p:nvPr/>
         </p:nvSpPr>
         <p:spPr>
           <a:xfrm>
             <a:off x="152280" y="152280"/>
-            <a:ext cx="1104840" cy="455400"/>
+            <a:ext cx="1103760" cy="455400"/>
           </a:xfrm>
           <a:prstGeom prst="rect">
             <a:avLst/>
@@ -8598,14 +8621,14 @@
       </p:sp>
       <p:sp>
         <p:nvSpPr>
-          <p:cNvPr id="179" name="CustomShape 4"/>
+          <p:cNvPr id="180" name="CustomShape 4"/>
           <p:cNvSpPr/>
           <p:nvPr/>
         </p:nvSpPr>
         <p:spPr>
           <a:xfrm>
             <a:off x="1601280" y="2905560"/>
-            <a:ext cx="8988840" cy="1004400"/>
+            <a:ext cx="8987760" cy="1004400"/>
           </a:xfrm>
           <a:prstGeom prst="rect">
             <a:avLst/>
@@ -8639,8 +8662,18 @@
                 <a:latin typeface="Consolas"/>
                 <a:ea typeface="DejaVu Sans"/>
               </a:rPr>
-              <a:t>MSET key value [key value</a:t>
-            </a:r>
+              <a:t>MSET key value [key value …]</a:t>
+            </a:r>
+            <a:endParaRPr b="0" lang="en-IN" sz="2000" spc="-1" strike="noStrike">
+              <a:latin typeface="Arial"/>
+            </a:endParaRPr>
+          </a:p>
+          <a:p>
+            <a:pPr>
+              <a:lnSpc>
+                <a:spcPct val="100000"/>
+              </a:lnSpc>
+            </a:pPr>
             <a:r>
               <a:rPr b="0" lang="en-US" sz="2000" spc="-1" strike="noStrike">
                 <a:solidFill>
@@ -8649,7 +8682,7 @@
                 <a:latin typeface="Consolas"/>
                 <a:ea typeface="DejaVu Sans"/>
               </a:rPr>
-              <a:t> …]</a:t>
+              <a:t>MSETNX key value [key value ...]</a:t>
             </a:r>
             <a:endParaRPr b="0" lang="en-IN" sz="2000" spc="-1" strike="noStrike">
               <a:latin typeface="Arial"/>
@@ -8669,44 +8702,24 @@
                 <a:latin typeface="Consolas"/>
                 <a:ea typeface="DejaVu Sans"/>
               </a:rPr>
-              <a:t>MSETNX key value [key value ...]</a:t>
+              <a:t>MGET key [key ...]</a:t>
             </a:r>
             <a:endParaRPr b="0" lang="en-IN" sz="2000" spc="-1" strike="noStrike">
               <a:latin typeface="Arial"/>
             </a:endParaRPr>
           </a:p>
-          <a:p>
-            <a:pPr>
-              <a:lnSpc>
-                <a:spcPct val="100000"/>
-              </a:lnSpc>
-            </a:pPr>
-            <a:r>
-              <a:rPr b="0" lang="en-US" sz="2000" spc="-1" strike="noStrike">
-                <a:solidFill>
-                  <a:srgbClr val="00b0f0"/>
-                </a:solidFill>
-                <a:latin typeface="Consolas"/>
-                <a:ea typeface="DejaVu Sans"/>
-              </a:rPr>
-              <a:t>MGET key [key ...]</a:t>
-            </a:r>
-            <a:endParaRPr b="0" lang="en-IN" sz="2000" spc="-1" strike="noStrike">
-              <a:latin typeface="Arial"/>
-            </a:endParaRPr>
-          </a:p>
-        </p:txBody>
-      </p:sp>
-      <p:sp>
-        <p:nvSpPr>
-          <p:cNvPr id="180" name="CustomShape 5"/>
+        </p:txBody>
+      </p:sp>
+      <p:sp>
+        <p:nvSpPr>
+          <p:cNvPr id="181" name="CustomShape 5"/>
           <p:cNvSpPr/>
           <p:nvPr/>
         </p:nvSpPr>
         <p:spPr>
           <a:xfrm>
             <a:off x="1600200" y="3981600"/>
-            <a:ext cx="8888040" cy="1324440"/>
+            <a:ext cx="8886960" cy="1324080"/>
           </a:xfrm>
           <a:prstGeom prst="rect">
             <a:avLst/>
@@ -8727,7 +8740,7 @@
             <a:spAutoFit/>
           </a:bodyPr>
           <a:p>
-            <a:pPr marL="285840" indent="-284040">
+            <a:pPr marL="285840" indent="-282960">
               <a:lnSpc>
                 <a:spcPct val="150000"/>
               </a:lnSpc>
@@ -8772,7 +8785,7 @@
             </a:endParaRPr>
           </a:p>
           <a:p>
-            <a:pPr marL="285840" indent="-284040">
+            <a:pPr marL="285840" indent="-282960">
               <a:lnSpc>
                 <a:spcPct val="150000"/>
               </a:lnSpc>
@@ -8820,7 +8833,7 @@
       </p:sp>
       <p:sp>
         <p:nvSpPr>
-          <p:cNvPr id="181" name="Line 6"/>
+          <p:cNvPr id="182" name="Line 6"/>
           <p:cNvSpPr/>
           <p:nvPr/>
         </p:nvSpPr>
@@ -8855,14 +8868,14 @@
       </p:sp>
       <p:sp>
         <p:nvSpPr>
-          <p:cNvPr id="182" name="CustomShape 7"/>
+          <p:cNvPr id="183" name="CustomShape 7"/>
           <p:cNvSpPr/>
           <p:nvPr/>
         </p:nvSpPr>
         <p:spPr>
           <a:xfrm>
             <a:off x="1584000" y="5250240"/>
-            <a:ext cx="8854560" cy="1015200"/>
+            <a:ext cx="8853480" cy="1014120"/>
           </a:xfrm>
           <a:prstGeom prst="rect">
             <a:avLst/>
@@ -8986,7 +8999,7 @@
       </p:grpSpPr>
       <p:pic>
         <p:nvPicPr>
-          <p:cNvPr id="183" name="Picture 2" descr="http://www.bvctch.vn/vnt_upload/weblink/thks.jpg"/>
+          <p:cNvPr id="184" name="Picture 2" descr="http://www.bvctch.vn/vnt_upload/weblink/thks.jpg"/>
           <p:cNvPicPr/>
           <p:nvPr/>
         </p:nvPicPr>
@@ -8999,7 +9012,7 @@
         <p:spPr>
           <a:xfrm>
             <a:off x="4295880" y="2030400"/>
-            <a:ext cx="3139920" cy="4825800"/>
+            <a:ext cx="3138840" cy="4824720"/>
           </a:xfrm>
           <a:prstGeom prst="rect">
             <a:avLst/>
@@ -9011,14 +9024,14 @@
       </p:pic>
       <p:sp>
         <p:nvSpPr>
-          <p:cNvPr id="184" name="CustomShape 1"/>
+          <p:cNvPr id="185" name="CustomShape 1"/>
           <p:cNvSpPr/>
           <p:nvPr/>
         </p:nvSpPr>
         <p:spPr>
           <a:xfrm>
             <a:off x="1365840" y="188640"/>
-            <a:ext cx="9681120" cy="2192400"/>
+            <a:ext cx="9680040" cy="2192400"/>
           </a:xfrm>
           <a:prstGeom prst="rect">
             <a:avLst/>
@@ -9132,7 +9145,7 @@
       </p:grpSpPr>
       <p:sp>
         <p:nvSpPr>
-          <p:cNvPr id="96" name="Line 1"/>
+          <p:cNvPr id="97" name="Line 1"/>
           <p:cNvSpPr/>
           <p:nvPr/>
         </p:nvSpPr>
@@ -9167,14 +9180,14 @@
       </p:sp>
       <p:sp>
         <p:nvSpPr>
-          <p:cNvPr id="97" name="CustomShape 2"/>
+          <p:cNvPr id="98" name="CustomShape 2"/>
           <p:cNvSpPr/>
           <p:nvPr/>
         </p:nvSpPr>
         <p:spPr>
           <a:xfrm>
-            <a:off x="1523880" y="0"/>
-            <a:ext cx="9142200" cy="699120"/>
+            <a:off x="1676520" y="2743200"/>
+            <a:ext cx="8836200" cy="1064520"/>
           </a:xfrm>
           <a:prstGeom prst="rect">
             <a:avLst/>
@@ -9195,57 +9208,137 @@
             <a:spAutoFit/>
           </a:bodyPr>
           <a:p>
-            <a:pPr algn="ctr">
+            <a:pPr marL="343080" indent="-340200">
               <a:lnSpc>
                 <a:spcPct val="100000"/>
               </a:lnSpc>
-            </a:pPr>
-            <a:r>
-              <a:rPr b="0" lang="en-IN" sz="4000" spc="-1" strike="noStrike">
-                <a:solidFill>
-                  <a:srgbClr val="f7c120"/>
-                </a:solidFill>
-                <a:latin typeface="Open Sans"/>
-                <a:ea typeface="DejaVu Sans"/>
-              </a:rPr>
-              <a:t>Getting</a:t>
-            </a:r>
-            <a:r>
-              <a:rPr b="0" lang="en-IN" sz="4000" spc="-1" strike="noStrike">
-                <a:solidFill>
-                  <a:srgbClr val="f7c120"/>
-                </a:solidFill>
-                <a:latin typeface="Times New Roman"/>
-                <a:ea typeface="DejaVu Sans"/>
+              <a:buClr>
+                <a:srgbClr val="000000"/>
+              </a:buClr>
+              <a:buFont typeface="Wingdings" charset="2"/>
+              <a:buChar char=""/>
+            </a:pPr>
+            <a:r>
+              <a:rPr b="0" lang="en-IN" sz="1800" spc="-1" strike="noStrike">
+                <a:solidFill>
+                  <a:srgbClr val="000000"/>
+                </a:solidFill>
+                <a:latin typeface="Consolas"/>
+                <a:ea typeface="Tahoma"/>
+              </a:rPr>
+              <a:t>c:\&gt;</a:t>
+            </a:r>
+            <a:r>
+              <a:rPr b="0" lang="en-IN" sz="1800" spc="-1" strike="noStrike">
+                <a:solidFill>
+                  <a:srgbClr val="528693"/>
+                </a:solidFill>
+                <a:latin typeface="Consolas"/>
+                <a:ea typeface="Tahoma"/>
+              </a:rPr>
+              <a:t> redis-server --protected-mode no   </a:t>
+            </a:r>
+            <a:r>
+              <a:rPr b="0" lang="en-IN" sz="1400" spc="-1" strike="noStrike">
+                <a:solidFill>
+                  <a:srgbClr val="92d050"/>
+                </a:solidFill>
+                <a:latin typeface="Consolas"/>
+                <a:ea typeface="Tahoma"/>
+              </a:rPr>
+              <a:t>//start server</a:t>
+            </a:r>
+            <a:endParaRPr b="0" lang="en-IN" sz="1400" spc="-1" strike="noStrike">
+              <a:latin typeface="Arial"/>
+            </a:endParaRPr>
+          </a:p>
+          <a:p>
+            <a:pPr>
+              <a:lnSpc>
+                <a:spcPct val="100000"/>
+              </a:lnSpc>
+            </a:pPr>
+            <a:endParaRPr b="0" lang="en-IN" sz="1400" spc="-1" strike="noStrike">
+              <a:latin typeface="Arial"/>
+            </a:endParaRPr>
+          </a:p>
+          <a:p>
+            <a:pPr marL="343080" indent="-340200">
+              <a:lnSpc>
+                <a:spcPct val="100000"/>
+              </a:lnSpc>
+              <a:buClr>
+                <a:srgbClr val="000000"/>
+              </a:buClr>
+              <a:buFont typeface="Wingdings" charset="2"/>
+              <a:buChar char=""/>
+            </a:pPr>
+            <a:r>
+              <a:rPr b="0" lang="en-IN" sz="1800" spc="-1" strike="noStrike">
+                <a:solidFill>
+                  <a:srgbClr val="000000"/>
+                </a:solidFill>
+                <a:latin typeface="Consolas"/>
+                <a:ea typeface="Tahoma"/>
+              </a:rPr>
+              <a:t>c:\&gt;</a:t>
+            </a:r>
+            <a:r>
+              <a:rPr b="0" lang="en-IN" sz="1800" spc="-1" strike="noStrike">
+                <a:solidFill>
+                  <a:srgbClr val="528693"/>
+                </a:solidFill>
+                <a:latin typeface="Consolas"/>
+                <a:ea typeface="Tahoma"/>
+              </a:rPr>
+              <a:t> redis-cli –h 127.0.0.1 –p6379 –n 1 </a:t>
+            </a:r>
+            <a:r>
+              <a:rPr b="0" lang="en-IN" sz="1400" spc="-1" strike="noStrike">
+                <a:solidFill>
+                  <a:srgbClr val="92d050"/>
+                </a:solidFill>
+                <a:latin typeface="Consolas"/>
+                <a:ea typeface="Tahoma"/>
+              </a:rPr>
+              <a:t>//</a:t>
+            </a:r>
+            <a:r>
+              <a:rPr b="0" lang="en-IN" sz="1400" spc="-1" strike="noStrike">
+                <a:solidFill>
+                  <a:srgbClr val="528693"/>
+                </a:solidFill>
+                <a:latin typeface="Consolas"/>
+                <a:ea typeface="Tahoma"/>
               </a:rPr>
               <a:t> </a:t>
             </a:r>
             <a:r>
-              <a:rPr b="0" lang="en-IN" sz="4000" spc="-1" strike="noStrike">
-                <a:solidFill>
-                  <a:srgbClr val="f7c120"/>
-                </a:solidFill>
-                <a:latin typeface="Open Sans"/>
-                <a:ea typeface="DejaVu Sans"/>
-              </a:rPr>
-              <a:t>Started</a:t>
-            </a:r>
-            <a:endParaRPr b="0" lang="en-IN" sz="4000" spc="-1" strike="noStrike">
-              <a:latin typeface="Arial"/>
-            </a:endParaRPr>
-          </a:p>
-        </p:txBody>
-      </p:sp>
-      <p:sp>
-        <p:nvSpPr>
-          <p:cNvPr id="98" name="CustomShape 3"/>
+              <a:rPr b="0" lang="en-IN" sz="1400" spc="-1" strike="noStrike">
+                <a:solidFill>
+                  <a:srgbClr val="92d050"/>
+                </a:solidFill>
+                <a:latin typeface="Consolas"/>
+                <a:ea typeface="Tahoma"/>
+              </a:rPr>
+              <a:t>redis-cli is the Redis command line interface</a:t>
+            </a:r>
+            <a:endParaRPr b="0" lang="en-IN" sz="1400" spc="-1" strike="noStrike">
+              <a:latin typeface="Arial"/>
+            </a:endParaRPr>
+          </a:p>
+        </p:txBody>
+      </p:sp>
+      <p:sp>
+        <p:nvSpPr>
+          <p:cNvPr id="99" name="CustomShape 3"/>
           <p:cNvSpPr/>
           <p:nvPr/>
         </p:nvSpPr>
         <p:spPr>
           <a:xfrm>
-            <a:off x="1676520" y="2743200"/>
-            <a:ext cx="8837280" cy="1064520"/>
+            <a:off x="1402200" y="2016000"/>
+            <a:ext cx="6798600" cy="394560"/>
           </a:xfrm>
           <a:prstGeom prst="rect">
             <a:avLst/>
@@ -9262,141 +9355,51 @@
           <a:fontRef idx="minor"/>
         </p:style>
         <p:txBody>
-          <a:bodyPr lIns="90000" rIns="90000" tIns="45000" bIns="45000">
+          <a:bodyPr wrap="none" lIns="90000" rIns="90000" tIns="45000" bIns="45000">
             <a:spAutoFit/>
           </a:bodyPr>
           <a:p>
-            <a:pPr marL="343080" indent="-341280">
+            <a:pPr>
               <a:lnSpc>
                 <a:spcPct val="100000"/>
               </a:lnSpc>
-              <a:buClr>
-                <a:srgbClr val="000000"/>
-              </a:buClr>
-              <a:buFont typeface="Wingdings" charset="2"/>
-              <a:buChar char=""/>
-            </a:pPr>
-            <a:r>
-              <a:rPr b="0" lang="en-IN" sz="1800" spc="-1" strike="noStrike">
-                <a:solidFill>
-                  <a:srgbClr val="000000"/>
+            </a:pPr>
+            <a:r>
+              <a:rPr b="0" lang="en-US" sz="2000" spc="-1" strike="noStrike">
+                <a:solidFill>
+                  <a:srgbClr val="00b0f0"/>
                 </a:solidFill>
                 <a:latin typeface="Consolas"/>
-                <a:ea typeface="Tahoma"/>
-              </a:rPr>
-              <a:t>c:\&gt;</a:t>
-            </a:r>
-            <a:r>
-              <a:rPr b="0" lang="en-IN" sz="1800" spc="-1" strike="noStrike">
-                <a:solidFill>
-                  <a:srgbClr val="528693"/>
+                <a:ea typeface="DejaVu Sans"/>
+              </a:rPr>
+              <a:t> </a:t>
+            </a:r>
+            <a:r>
+              <a:rPr b="0" lang="en-US" sz="2000" spc="-1" strike="noStrike">
+                <a:solidFill>
+                  <a:srgbClr val="00b0f0"/>
                 </a:solidFill>
                 <a:latin typeface="Consolas"/>
-                <a:ea typeface="Tahoma"/>
-              </a:rPr>
-              <a:t> redis-server --protected-mode no   </a:t>
-            </a:r>
-            <a:r>
-              <a:rPr b="0" lang="en-IN" sz="1400" spc="-1" strike="noStrike">
-                <a:solidFill>
-                  <a:srgbClr val="92d050"/>
-                </a:solidFill>
-                <a:latin typeface="Consolas"/>
-                <a:ea typeface="Tahoma"/>
-              </a:rPr>
-              <a:t>//start server</a:t>
-            </a:r>
-            <a:endParaRPr b="0" lang="en-IN" sz="1400" spc="-1" strike="noStrike">
-              <a:latin typeface="Arial"/>
-            </a:endParaRPr>
-          </a:p>
-          <a:p>
-            <a:pPr>
-              <a:lnSpc>
-                <a:spcPct val="100000"/>
-              </a:lnSpc>
-            </a:pPr>
-            <a:endParaRPr b="0" lang="en-IN" sz="1400" spc="-1" strike="noStrike">
-              <a:latin typeface="Arial"/>
-            </a:endParaRPr>
-          </a:p>
-          <a:p>
-            <a:pPr marL="343080" indent="-341280">
-              <a:lnSpc>
-                <a:spcPct val="100000"/>
-              </a:lnSpc>
-              <a:buClr>
-                <a:srgbClr val="000000"/>
-              </a:buClr>
-              <a:buFont typeface="Wingdings" charset="2"/>
-              <a:buChar char=""/>
-            </a:pPr>
-            <a:r>
-              <a:rPr b="0" lang="en-IN" sz="1800" spc="-1" strike="noStrike">
-                <a:solidFill>
-                  <a:srgbClr val="000000"/>
-                </a:solidFill>
-                <a:latin typeface="Consolas"/>
-                <a:ea typeface="Tahoma"/>
-              </a:rPr>
-              <a:t>c:\&gt;</a:t>
-            </a:r>
-            <a:r>
-              <a:rPr b="0" lang="en-IN" sz="1800" spc="-1" strike="noStrike">
-                <a:solidFill>
-                  <a:srgbClr val="528693"/>
-                </a:solidFill>
-                <a:latin typeface="Consolas"/>
-                <a:ea typeface="Tahoma"/>
-              </a:rPr>
-              <a:t> redis-cli –h 127.0.0.1 –p6379 –n 1 </a:t>
-            </a:r>
-            <a:r>
-              <a:rPr b="0" lang="en-IN" sz="1400" spc="-1" strike="noStrike">
-                <a:solidFill>
-                  <a:srgbClr val="92d050"/>
-                </a:solidFill>
-                <a:latin typeface="Consolas"/>
-                <a:ea typeface="Tahoma"/>
-              </a:rPr>
-              <a:t>//</a:t>
-            </a:r>
-            <a:r>
-              <a:rPr b="0" lang="en-IN" sz="1400" spc="-1" strike="noStrike">
-                <a:solidFill>
-                  <a:srgbClr val="528693"/>
-                </a:solidFill>
-                <a:latin typeface="Consolas"/>
-                <a:ea typeface="Tahoma"/>
-              </a:rPr>
-              <a:t> </a:t>
-            </a:r>
-            <a:r>
-              <a:rPr b="0" lang="en-IN" sz="1400" spc="-1" strike="noStrike">
-                <a:solidFill>
-                  <a:srgbClr val="92d050"/>
-                </a:solidFill>
-                <a:latin typeface="Consolas"/>
-                <a:ea typeface="Tahoma"/>
-              </a:rPr>
-              <a:t>redis-cli is the Redis command line interface</a:t>
-            </a:r>
-            <a:endParaRPr b="0" lang="en-IN" sz="1400" spc="-1" strike="noStrike">
-              <a:latin typeface="Arial"/>
-            </a:endParaRPr>
-          </a:p>
-        </p:txBody>
-      </p:sp>
-      <p:sp>
-        <p:nvSpPr>
-          <p:cNvPr id="99" name="CustomShape 4"/>
+                <a:ea typeface="DejaVu Sans"/>
+              </a:rPr>
+              <a:t>redis-cli -h host -p port –n dbIndexNumber</a:t>
+            </a:r>
+            <a:endParaRPr b="0" lang="en-IN" sz="2000" spc="-1" strike="noStrike">
+              <a:latin typeface="Arial"/>
+            </a:endParaRPr>
+          </a:p>
+        </p:txBody>
+      </p:sp>
+      <p:sp>
+        <p:nvSpPr>
+          <p:cNvPr id="100" name="CustomShape 4"/>
           <p:cNvSpPr/>
           <p:nvPr/>
         </p:nvSpPr>
         <p:spPr>
           <a:xfrm>
-            <a:off x="1402200" y="2016000"/>
-            <a:ext cx="6798600" cy="394560"/>
+            <a:off x="1600200" y="762120"/>
+            <a:ext cx="8988840" cy="699480"/>
           </a:xfrm>
           <a:prstGeom prst="rect">
             <a:avLst/>
@@ -9413,11 +9416,11 @@
           <a:fontRef idx="minor"/>
         </p:style>
         <p:txBody>
-          <a:bodyPr wrap="none" lIns="90000" rIns="90000" tIns="45000" bIns="45000">
+          <a:bodyPr lIns="90000" rIns="90000" tIns="45000" bIns="45000">
             <a:spAutoFit/>
           </a:bodyPr>
           <a:p>
-            <a:pPr>
+            <a:pPr algn="just">
               <a:lnSpc>
                 <a:spcPct val="100000"/>
               </a:lnSpc>
@@ -9425,22 +9428,22 @@
             <a:r>
               <a:rPr b="0" lang="en-US" sz="2000" spc="-1" strike="noStrike">
                 <a:solidFill>
-                  <a:srgbClr val="00b0f0"/>
-                </a:solidFill>
-                <a:latin typeface="Consolas"/>
+                  <a:srgbClr val="000000"/>
+                </a:solidFill>
+                <a:latin typeface="Times New Roman"/>
                 <a:ea typeface="DejaVu Sans"/>
               </a:rPr>
-              <a:t> </a:t>
-            </a:r>
-            <a:r>
-              <a:rPr b="0" lang="en-US" sz="2000" spc="-1" strike="noStrike">
-                <a:solidFill>
-                  <a:srgbClr val="00b0f0"/>
-                </a:solidFill>
-                <a:latin typeface="Consolas"/>
+              <a:t>To run commands on Redis remote server, you need to connect to the server by the same client </a:t>
+            </a:r>
+            <a:r>
+              <a:rPr b="1" lang="en-US" sz="2000" spc="-1" strike="noStrike">
+                <a:solidFill>
+                  <a:srgbClr val="000000"/>
+                </a:solidFill>
+                <a:latin typeface="Times New Roman"/>
                 <a:ea typeface="DejaVu Sans"/>
               </a:rPr>
-              <a:t>redis-cli -h host -p port –n dbIndexNumber</a:t>
+              <a:t>redis-cli</a:t>
             </a:r>
             <a:endParaRPr b="0" lang="en-IN" sz="2000" spc="-1" strike="noStrike">
               <a:latin typeface="Arial"/>
@@ -9450,14 +9453,14 @@
       </p:sp>
       <p:sp>
         <p:nvSpPr>
-          <p:cNvPr id="100" name="CustomShape 5"/>
+          <p:cNvPr id="101" name="CustomShape 5"/>
           <p:cNvSpPr/>
           <p:nvPr/>
         </p:nvSpPr>
         <p:spPr>
           <a:xfrm>
-            <a:off x="1600200" y="762120"/>
-            <a:ext cx="8989920" cy="699480"/>
+            <a:off x="1523880" y="4419720"/>
+            <a:ext cx="9141120" cy="973800"/>
           </a:xfrm>
           <a:prstGeom prst="rect">
             <a:avLst/>
@@ -9478,47 +9481,82 @@
             <a:spAutoFit/>
           </a:bodyPr>
           <a:p>
-            <a:pPr algn="just">
+            <a:pPr>
               <a:lnSpc>
                 <a:spcPct val="100000"/>
               </a:lnSpc>
             </a:pPr>
             <a:r>
-              <a:rPr b="0" lang="en-US" sz="2000" spc="-1" strike="noStrike">
+              <a:rPr b="1" lang="en-IN" sz="2000" spc="-1" strike="noStrike">
+                <a:solidFill>
+                  <a:srgbClr val="c00000"/>
+                </a:solidFill>
+                <a:latin typeface="Open Sans"/>
+                <a:ea typeface="Open Sans"/>
+              </a:rPr>
+              <a:t>Note:</a:t>
+            </a:r>
+            <a:endParaRPr b="0" lang="en-IN" sz="2000" spc="-1" strike="noStrike">
+              <a:latin typeface="Arial"/>
+            </a:endParaRPr>
+          </a:p>
+          <a:p>
+            <a:pPr>
+              <a:lnSpc>
+                <a:spcPct val="100000"/>
+              </a:lnSpc>
+            </a:pPr>
+            <a:endParaRPr b="0" lang="en-IN" sz="2000" spc="-1" strike="noStrike">
+              <a:latin typeface="Arial"/>
+            </a:endParaRPr>
+          </a:p>
+          <a:p>
+            <a:pPr marL="285840" indent="-282960">
+              <a:lnSpc>
+                <a:spcPct val="100000"/>
+              </a:lnSpc>
+              <a:buClr>
+                <a:srgbClr val="000000"/>
+              </a:buClr>
+              <a:buFont typeface="Arial"/>
+              <a:buChar char="•"/>
+            </a:pPr>
+            <a:r>
+              <a:rPr b="1" lang="en-IN" sz="1800" spc="-1" strike="noStrike">
                 <a:solidFill>
                   <a:srgbClr val="000000"/>
                 </a:solidFill>
-                <a:latin typeface="Times New Roman"/>
-                <a:ea typeface="DejaVu Sans"/>
-              </a:rPr>
-              <a:t>To run commands on Redis remote server, you need to connect to the server by the same client </a:t>
-            </a:r>
-            <a:r>
-              <a:rPr b="1" lang="en-US" sz="2000" spc="-1" strike="noStrike">
+                <a:latin typeface="Open Sans"/>
+                <a:ea typeface="Open Sans"/>
+              </a:rPr>
+              <a:t>By default </a:t>
+            </a:r>
+            <a:r>
+              <a:rPr b="0" lang="en-IN" sz="1800" spc="-1" strike="noStrike">
                 <a:solidFill>
                   <a:srgbClr val="000000"/>
                 </a:solidFill>
-                <a:latin typeface="Times New Roman"/>
-                <a:ea typeface="DejaVu Sans"/>
-              </a:rPr>
-              <a:t>redis-cli</a:t>
-            </a:r>
-            <a:endParaRPr b="0" lang="en-IN" sz="2000" spc="-1" strike="noStrike">
-              <a:latin typeface="Arial"/>
-            </a:endParaRPr>
-          </a:p>
-        </p:txBody>
-      </p:sp>
-      <p:sp>
-        <p:nvSpPr>
-          <p:cNvPr id="101" name="CustomShape 6"/>
+                <a:latin typeface="Open Sans"/>
+                <a:ea typeface="Open Sans"/>
+              </a:rPr>
+              <a:t>redis-cli connects to the server at 127.0.0.1 port 6379</a:t>
+            </a:r>
+            <a:endParaRPr b="0" lang="en-IN" sz="1800" spc="-1" strike="noStrike">
+              <a:latin typeface="Arial"/>
+            </a:endParaRPr>
+          </a:p>
+        </p:txBody>
+      </p:sp>
+      <p:sp>
+        <p:nvSpPr>
+          <p:cNvPr id="102" name="CustomShape 6"/>
           <p:cNvSpPr/>
           <p:nvPr/>
         </p:nvSpPr>
         <p:spPr>
           <a:xfrm>
-            <a:off x="1523880" y="4419720"/>
-            <a:ext cx="9142200" cy="973800"/>
+            <a:off x="1584000" y="5763960"/>
+            <a:ext cx="8709480" cy="353520"/>
           </a:xfrm>
           <a:prstGeom prst="rect">
             <a:avLst/>
@@ -9536,7 +9574,7 @@
         </p:style>
         <p:txBody>
           <a:bodyPr lIns="90000" rIns="90000" tIns="45000" bIns="45000">
-            <a:spAutoFit/>
+            <a:noAutofit/>
           </a:bodyPr>
           <a:p>
             <a:pPr>
@@ -9545,59 +9583,34 @@
               </a:lnSpc>
             </a:pPr>
             <a:r>
-              <a:rPr b="1" lang="en-IN" sz="2000" spc="-1" strike="noStrike">
-                <a:solidFill>
-                  <a:srgbClr val="c00000"/>
-                </a:solidFill>
-                <a:latin typeface="Open Sans"/>
-                <a:ea typeface="Open Sans"/>
-              </a:rPr>
-              <a:t>Note:</a:t>
-            </a:r>
-            <a:endParaRPr b="0" lang="en-IN" sz="2000" spc="-1" strike="noStrike">
-              <a:latin typeface="Arial"/>
-            </a:endParaRPr>
-          </a:p>
-          <a:p>
-            <a:pPr>
-              <a:lnSpc>
-                <a:spcPct val="100000"/>
-              </a:lnSpc>
-            </a:pPr>
-            <a:endParaRPr b="0" lang="en-IN" sz="2000" spc="-1" strike="noStrike">
-              <a:latin typeface="Arial"/>
-            </a:endParaRPr>
-          </a:p>
-          <a:p>
-            <a:pPr marL="285840" indent="-284040">
-              <a:lnSpc>
-                <a:spcPct val="100000"/>
-              </a:lnSpc>
-              <a:buClr>
-                <a:srgbClr val="000000"/>
-              </a:buClr>
-              <a:buFont typeface="Arial"/>
-              <a:buChar char="•"/>
-            </a:pPr>
-            <a:r>
-              <a:rPr b="1" lang="en-IN" sz="1800" spc="-1" strike="noStrike">
+              <a:rPr b="0" lang="en-IN" sz="1800" spc="-1" strike="noStrike">
+                <a:solidFill>
+                  <a:srgbClr val="808080"/>
+                </a:solidFill>
+                <a:latin typeface="Consolas"/>
+                <a:ea typeface="SimSun"/>
+              </a:rPr>
+              <a:t>127.0.0.1:6379&gt;</a:t>
+            </a:r>
+            <a:r>
+              <a:rPr b="0" lang="en-IN" sz="1800" spc="-1" strike="noStrike">
                 <a:solidFill>
                   <a:srgbClr val="000000"/>
                 </a:solidFill>
-                <a:latin typeface="Open Sans"/>
-                <a:ea typeface="Open Sans"/>
-              </a:rPr>
-              <a:t>By default </a:t>
-            </a:r>
-            <a:r>
-              <a:rPr b="0" lang="en-IN" sz="1800" spc="-1" strike="noStrike">
-                <a:solidFill>
-                  <a:srgbClr val="000000"/>
-                </a:solidFill>
-                <a:latin typeface="Open Sans"/>
-                <a:ea typeface="Open Sans"/>
-              </a:rPr>
-              <a:t>redis-cli connects to the server at 127.0.0.1 port 6379</a:t>
+                <a:latin typeface="Consolas"/>
+                <a:ea typeface="SimSun"/>
+              </a:rPr>
+              <a:t> </a:t>
+            </a:r>
+            <a:r>
+              <a:rPr b="0" lang="en-IN" sz="1800" spc="-1" strike="noStrike">
+                <a:solidFill>
+                  <a:srgbClr val="ff5733"/>
+                </a:solidFill>
+                <a:latin typeface="Consolas"/>
+                <a:ea typeface="SimSun"/>
+              </a:rPr>
+              <a:t>clear</a:t>
             </a:r>
             <a:endParaRPr b="0" lang="en-IN" sz="1800" spc="-1" strike="noStrike">
               <a:latin typeface="Arial"/>
@@ -9607,19 +9620,23 @@
       </p:sp>
       <p:sp>
         <p:nvSpPr>
-          <p:cNvPr id="102" name="CustomShape 7"/>
+          <p:cNvPr id="103" name="CustomShape 7"/>
           <p:cNvSpPr/>
           <p:nvPr/>
         </p:nvSpPr>
         <p:spPr>
           <a:xfrm>
-            <a:off x="1584000" y="5763960"/>
-            <a:ext cx="8710560" cy="354600"/>
-          </a:xfrm>
-          <a:prstGeom prst="rect">
-            <a:avLst/>
-          </a:prstGeom>
-          <a:noFill/>
+            <a:off x="1523880" y="0"/>
+            <a:ext cx="9143280" cy="699480"/>
+          </a:xfrm>
+          <a:prstGeom prst="rect">
+            <a:avLst/>
+          </a:prstGeom>
+          <a:solidFill>
+            <a:schemeClr val="accent6">
+              <a:lumMod val="75000"/>
+            </a:schemeClr>
+          </a:solidFill>
           <a:ln>
             <a:noFill/>
           </a:ln>
@@ -9632,45 +9649,45 @@
         </p:style>
         <p:txBody>
           <a:bodyPr lIns="90000" rIns="90000" tIns="45000" bIns="45000">
-            <a:noAutofit/>
-          </a:bodyPr>
-          <a:p>
-            <a:pPr>
+            <a:spAutoFit/>
+          </a:bodyPr>
+          <a:p>
+            <a:pPr algn="ctr">
               <a:lnSpc>
                 <a:spcPct val="100000"/>
               </a:lnSpc>
             </a:pPr>
             <a:r>
-              <a:rPr b="0" lang="en-IN" sz="1800" spc="-1" strike="noStrike">
-                <a:solidFill>
-                  <a:srgbClr val="808080"/>
-                </a:solidFill>
-                <a:latin typeface="Consolas"/>
-                <a:ea typeface="SimSun"/>
-              </a:rPr>
-              <a:t>127.0.0.1:6379&gt;</a:t>
-            </a:r>
-            <a:r>
-              <a:rPr b="0" lang="en-IN" sz="1800" spc="-1" strike="noStrike">
-                <a:solidFill>
-                  <a:srgbClr val="000000"/>
-                </a:solidFill>
-                <a:latin typeface="Consolas"/>
-                <a:ea typeface="SimSun"/>
+              <a:rPr b="0" lang="en-IN" sz="4000" spc="-1" strike="noStrike">
+                <a:solidFill>
+                  <a:srgbClr val="f7c120"/>
+                </a:solidFill>
+                <a:latin typeface="Open Sans"/>
+                <a:ea typeface="DejaVu Sans"/>
+              </a:rPr>
+              <a:t>Getting</a:t>
+            </a:r>
+            <a:r>
+              <a:rPr b="0" lang="en-IN" sz="4000" spc="-1" strike="noStrike">
+                <a:solidFill>
+                  <a:srgbClr val="f7c120"/>
+                </a:solidFill>
+                <a:latin typeface="Times New Roman"/>
+                <a:ea typeface="DejaVu Sans"/>
               </a:rPr>
               <a:t> </a:t>
             </a:r>
             <a:r>
-              <a:rPr b="0" lang="en-IN" sz="1800" spc="-1" strike="noStrike">
-                <a:solidFill>
-                  <a:srgbClr val="ff5733"/>
-                </a:solidFill>
-                <a:latin typeface="Consolas"/>
-                <a:ea typeface="SimSun"/>
-              </a:rPr>
-              <a:t>clear</a:t>
-            </a:r>
-            <a:endParaRPr b="0" lang="en-IN" sz="1800" spc="-1" strike="noStrike">
+              <a:rPr b="0" lang="en-IN" sz="4000" spc="-1" strike="noStrike">
+                <a:solidFill>
+                  <a:srgbClr val="f7c120"/>
+                </a:solidFill>
+                <a:latin typeface="Open Sans"/>
+                <a:ea typeface="DejaVu Sans"/>
+              </a:rPr>
+              <a:t>Started</a:t>
+            </a:r>
+            <a:endParaRPr b="0" lang="en-IN" sz="4000" spc="-1" strike="noStrike">
               <a:latin typeface="Arial"/>
             </a:endParaRPr>
           </a:p>
@@ -9708,14 +9725,14 @@
       </p:grpSpPr>
       <p:sp>
         <p:nvSpPr>
-          <p:cNvPr id="103" name="CustomShape 1"/>
+          <p:cNvPr id="104" name="CustomShape 1"/>
           <p:cNvSpPr/>
           <p:nvPr/>
         </p:nvSpPr>
         <p:spPr>
           <a:xfrm>
             <a:off x="1676520" y="2362320"/>
-            <a:ext cx="8837280" cy="1186920"/>
+            <a:ext cx="8836200" cy="1186920"/>
           </a:xfrm>
           <a:prstGeom prst="rect">
             <a:avLst/>
@@ -9759,14 +9776,14 @@
       </p:sp>
       <p:sp>
         <p:nvSpPr>
-          <p:cNvPr id="104" name="CustomShape 2"/>
+          <p:cNvPr id="105" name="CustomShape 2"/>
           <p:cNvSpPr/>
           <p:nvPr/>
         </p:nvSpPr>
         <p:spPr>
           <a:xfrm>
             <a:off x="1676520" y="3531600"/>
-            <a:ext cx="8837280" cy="424800"/>
+            <a:ext cx="8836200" cy="424800"/>
           </a:xfrm>
           <a:prstGeom prst="rect">
             <a:avLst/>
@@ -9840,7 +9857,7 @@
       </p:grpSpPr>
       <p:sp>
         <p:nvSpPr>
-          <p:cNvPr id="105" name="Line 1"/>
+          <p:cNvPr id="106" name="Line 1"/>
           <p:cNvSpPr/>
           <p:nvPr/>
         </p:nvSpPr>
@@ -9875,14 +9892,14 @@
       </p:sp>
       <p:sp>
         <p:nvSpPr>
-          <p:cNvPr id="106" name="CustomShape 2"/>
+          <p:cNvPr id="107" name="CustomShape 2"/>
           <p:cNvSpPr/>
           <p:nvPr/>
         </p:nvSpPr>
         <p:spPr>
           <a:xfrm>
             <a:off x="1523880" y="0"/>
-            <a:ext cx="9142200" cy="699120"/>
+            <a:ext cx="9141120" cy="699120"/>
           </a:xfrm>
           <a:prstGeom prst="rect">
             <a:avLst/>
@@ -9926,14 +9943,14 @@
       </p:sp>
       <p:sp>
         <p:nvSpPr>
-          <p:cNvPr id="107" name="CustomShape 3"/>
+          <p:cNvPr id="108" name="CustomShape 3"/>
           <p:cNvSpPr/>
           <p:nvPr/>
         </p:nvSpPr>
         <p:spPr>
           <a:xfrm>
             <a:off x="1600200" y="762120"/>
-            <a:ext cx="8989920" cy="699480"/>
+            <a:ext cx="8988840" cy="699480"/>
           </a:xfrm>
           <a:prstGeom prst="rect">
             <a:avLst/>
@@ -9977,14 +9994,14 @@
       </p:sp>
       <p:sp>
         <p:nvSpPr>
-          <p:cNvPr id="108" name="CustomShape 4"/>
+          <p:cNvPr id="109" name="CustomShape 4"/>
           <p:cNvSpPr/>
           <p:nvPr/>
         </p:nvSpPr>
         <p:spPr>
           <a:xfrm>
             <a:off x="152280" y="152280"/>
-            <a:ext cx="1104840" cy="455400"/>
+            <a:ext cx="1103760" cy="455400"/>
           </a:xfrm>
           <a:prstGeom prst="rect">
             <a:avLst/>
@@ -10028,14 +10045,14 @@
       </p:sp>
       <p:sp>
         <p:nvSpPr>
-          <p:cNvPr id="109" name="CustomShape 5"/>
+          <p:cNvPr id="110" name="CustomShape 5"/>
           <p:cNvSpPr/>
           <p:nvPr/>
         </p:nvSpPr>
         <p:spPr>
           <a:xfrm>
             <a:off x="1601280" y="2221560"/>
-            <a:ext cx="8988840" cy="394560"/>
+            <a:ext cx="8987760" cy="394560"/>
           </a:xfrm>
           <a:prstGeom prst="rect">
             <a:avLst/>
@@ -10079,14 +10096,14 @@
       </p:sp>
       <p:sp>
         <p:nvSpPr>
-          <p:cNvPr id="110" name="CustomShape 6"/>
+          <p:cNvPr id="111" name="CustomShape 6"/>
           <p:cNvSpPr/>
           <p:nvPr/>
         </p:nvSpPr>
         <p:spPr>
           <a:xfrm>
             <a:off x="1523880" y="2760480"/>
-            <a:ext cx="9419040" cy="2147040"/>
+            <a:ext cx="9417960" cy="2147040"/>
           </a:xfrm>
           <a:prstGeom prst="rect">
             <a:avLst/>
@@ -10107,7 +10124,7 @@
             <a:spAutoFit/>
           </a:bodyPr>
           <a:p>
-            <a:pPr marL="285840" indent="-284040">
+            <a:pPr marL="285840" indent="-282960">
               <a:lnSpc>
                 <a:spcPct val="150000"/>
               </a:lnSpc>
@@ -10152,7 +10169,7 @@
             </a:endParaRPr>
           </a:p>
           <a:p>
-            <a:pPr marL="285840" indent="-284040">
+            <a:pPr marL="285840" indent="-282960">
               <a:lnSpc>
                 <a:spcPct val="150000"/>
               </a:lnSpc>
@@ -10207,7 +10224,7 @@
             </a:endParaRPr>
           </a:p>
           <a:p>
-            <a:pPr marL="285840" indent="-284040">
+            <a:pPr marL="285840" indent="-282960">
               <a:lnSpc>
                 <a:spcPct val="150000"/>
               </a:lnSpc>
@@ -10252,7 +10269,7 @@
             </a:endParaRPr>
           </a:p>
           <a:p>
-            <a:pPr marL="285840" indent="-284040">
+            <a:pPr marL="285840" indent="-282960">
               <a:lnSpc>
                 <a:spcPct val="150000"/>
               </a:lnSpc>
@@ -10280,14 +10297,14 @@
       </p:sp>
       <p:sp>
         <p:nvSpPr>
-          <p:cNvPr id="111" name="CustomShape 7"/>
+          <p:cNvPr id="112" name="CustomShape 7"/>
           <p:cNvSpPr/>
           <p:nvPr/>
         </p:nvSpPr>
         <p:spPr>
           <a:xfrm>
             <a:off x="1584000" y="5033520"/>
-            <a:ext cx="8854560" cy="1015200"/>
+            <a:ext cx="8853480" cy="1014120"/>
           </a:xfrm>
           <a:prstGeom prst="rect">
             <a:avLst/>
@@ -10338,7 +10355,7 @@
             </a:endParaRPr>
           </a:p>
           <a:p>
-            <a:pPr marL="216000" indent="-214560">
+            <a:pPr marL="216000" indent="-213480">
               <a:lnSpc>
                 <a:spcPct val="100000"/>
               </a:lnSpc>
@@ -10457,14 +10474,14 @@
       </p:grpSpPr>
       <p:sp>
         <p:nvSpPr>
-          <p:cNvPr id="112" name="CustomShape 1"/>
+          <p:cNvPr id="113" name="CustomShape 1"/>
           <p:cNvSpPr/>
           <p:nvPr/>
         </p:nvSpPr>
         <p:spPr>
           <a:xfrm>
             <a:off x="1676520" y="2362320"/>
-            <a:ext cx="8837280" cy="1186920"/>
+            <a:ext cx="8836200" cy="1186920"/>
           </a:xfrm>
           <a:prstGeom prst="rect">
             <a:avLst/>
@@ -10508,14 +10525,14 @@
       </p:sp>
       <p:sp>
         <p:nvSpPr>
-          <p:cNvPr id="113" name="CustomShape 2"/>
+          <p:cNvPr id="114" name="CustomShape 2"/>
           <p:cNvSpPr/>
           <p:nvPr/>
         </p:nvSpPr>
         <p:spPr>
           <a:xfrm>
             <a:off x="1666800" y="609480"/>
-            <a:ext cx="8837280" cy="394560"/>
+            <a:ext cx="8836200" cy="394560"/>
           </a:xfrm>
           <a:prstGeom prst="rect">
             <a:avLst/>
@@ -10559,14 +10576,14 @@
       </p:sp>
       <p:sp>
         <p:nvSpPr>
-          <p:cNvPr id="114" name="CustomShape 3"/>
+          <p:cNvPr id="115" name="CustomShape 3"/>
           <p:cNvSpPr/>
           <p:nvPr/>
         </p:nvSpPr>
         <p:spPr>
           <a:xfrm>
             <a:off x="1676520" y="3531600"/>
-            <a:ext cx="8837280" cy="759960"/>
+            <a:ext cx="8836200" cy="759960"/>
           </a:xfrm>
           <a:prstGeom prst="rect">
             <a:avLst/>
@@ -10640,14 +10657,14 @@
       </p:grpSpPr>
       <p:sp>
         <p:nvSpPr>
-          <p:cNvPr id="115" name="CustomShape 1"/>
+          <p:cNvPr id="116" name="CustomShape 1"/>
           <p:cNvSpPr/>
           <p:nvPr/>
         </p:nvSpPr>
         <p:spPr>
           <a:xfrm>
             <a:off x="1676520" y="2362320"/>
-            <a:ext cx="8837280" cy="1186920"/>
+            <a:ext cx="8836200" cy="1186920"/>
           </a:xfrm>
           <a:prstGeom prst="rect">
             <a:avLst/>
@@ -10691,14 +10708,14 @@
       </p:sp>
       <p:sp>
         <p:nvSpPr>
-          <p:cNvPr id="116" name="CustomShape 2"/>
+          <p:cNvPr id="117" name="CustomShape 2"/>
           <p:cNvSpPr/>
           <p:nvPr/>
         </p:nvSpPr>
         <p:spPr>
           <a:xfrm>
             <a:off x="1676520" y="3531600"/>
-            <a:ext cx="8837280" cy="424800"/>
+            <a:ext cx="8836200" cy="424800"/>
           </a:xfrm>
           <a:prstGeom prst="rect">
             <a:avLst/>
@@ -10772,7 +10789,7 @@
       </p:grpSpPr>
       <p:sp>
         <p:nvSpPr>
-          <p:cNvPr id="117" name="Line 1"/>
+          <p:cNvPr id="118" name="Line 1"/>
           <p:cNvSpPr/>
           <p:nvPr/>
         </p:nvSpPr>
@@ -10807,14 +10824,14 @@
       </p:sp>
       <p:sp>
         <p:nvSpPr>
-          <p:cNvPr id="118" name="CustomShape 2"/>
+          <p:cNvPr id="119" name="CustomShape 2"/>
           <p:cNvSpPr/>
           <p:nvPr/>
         </p:nvSpPr>
         <p:spPr>
           <a:xfrm>
             <a:off x="1523880" y="0"/>
-            <a:ext cx="9142200" cy="699120"/>
+            <a:ext cx="9141120" cy="699120"/>
           </a:xfrm>
           <a:prstGeom prst="rect">
             <a:avLst/>
@@ -10858,14 +10875,14 @@
       </p:sp>
       <p:sp>
         <p:nvSpPr>
-          <p:cNvPr id="119" name="CustomShape 3"/>
+          <p:cNvPr id="120" name="CustomShape 3"/>
           <p:cNvSpPr/>
           <p:nvPr/>
         </p:nvSpPr>
         <p:spPr>
           <a:xfrm>
             <a:off x="1600200" y="762120"/>
-            <a:ext cx="8989920" cy="1004400"/>
+            <a:ext cx="8988840" cy="1004400"/>
           </a:xfrm>
           <a:prstGeom prst="rect">
             <a:avLst/>
@@ -10909,14 +10926,14 @@
       </p:sp>
       <p:sp>
         <p:nvSpPr>
-          <p:cNvPr id="120" name="CustomShape 4"/>
+          <p:cNvPr id="121" name="CustomShape 4"/>
           <p:cNvSpPr/>
           <p:nvPr/>
         </p:nvSpPr>
         <p:spPr>
           <a:xfrm>
             <a:off x="1523880" y="4272480"/>
-            <a:ext cx="8888040" cy="2558520"/>
+            <a:ext cx="8886960" cy="2558520"/>
           </a:xfrm>
           <a:prstGeom prst="rect">
             <a:avLst/>
@@ -10937,7 +10954,7 @@
             <a:spAutoFit/>
           </a:bodyPr>
           <a:p>
-            <a:pPr marL="285840" indent="-284040">
+            <a:pPr marL="285840" indent="-282960">
               <a:lnSpc>
                 <a:spcPct val="150000"/>
               </a:lnSpc>
@@ -10982,7 +10999,7 @@
             </a:endParaRPr>
           </a:p>
           <a:p>
-            <a:pPr marL="285840" indent="-284040">
+            <a:pPr marL="285840" indent="-282960">
               <a:lnSpc>
                 <a:spcPct val="150000"/>
               </a:lnSpc>
@@ -11027,7 +11044,7 @@
             </a:endParaRPr>
           </a:p>
           <a:p>
-            <a:pPr marL="285840" indent="-284040">
+            <a:pPr marL="285840" indent="-282960">
               <a:lnSpc>
                 <a:spcPct val="150000"/>
               </a:lnSpc>
@@ -11072,7 +11089,7 @@
             </a:endParaRPr>
           </a:p>
           <a:p>
-            <a:pPr marL="285840" indent="-284040">
+            <a:pPr marL="285840" indent="-282960">
               <a:lnSpc>
                 <a:spcPct val="150000"/>
               </a:lnSpc>
@@ -11117,7 +11134,7 @@
             </a:endParaRPr>
           </a:p>
           <a:p>
-            <a:pPr marL="285840" indent="-284040">
+            <a:pPr marL="285840" indent="-282960">
               <a:lnSpc>
                 <a:spcPct val="150000"/>
               </a:lnSpc>
@@ -11152,7 +11169,7 @@
             </a:endParaRPr>
           </a:p>
           <a:p>
-            <a:pPr marL="285840" indent="-284040">
+            <a:pPr marL="285840" indent="-282960">
               <a:lnSpc>
                 <a:spcPct val="150000"/>
               </a:lnSpc>
@@ -11200,7 +11217,7 @@
       </p:sp>
       <p:graphicFrame>
         <p:nvGraphicFramePr>
-          <p:cNvPr id="121" name="Table 5"/>
+          <p:cNvPr id="122" name="Table 5"/>
           <p:cNvGraphicFramePr/>
           <p:nvPr/>
         </p:nvGraphicFramePr>
@@ -11694,14 +11711,14 @@
       </p:graphicFrame>
       <p:sp>
         <p:nvSpPr>
-          <p:cNvPr id="122" name="CustomShape 6"/>
+          <p:cNvPr id="123" name="CustomShape 6"/>
           <p:cNvSpPr/>
           <p:nvPr/>
         </p:nvSpPr>
         <p:spPr>
           <a:xfrm>
             <a:off x="1601280" y="2221560"/>
-            <a:ext cx="8988840" cy="394560"/>
+            <a:ext cx="8987760" cy="394560"/>
           </a:xfrm>
           <a:prstGeom prst="rect">
             <a:avLst/>
@@ -11775,14 +11792,14 @@
       </p:grpSpPr>
       <p:sp>
         <p:nvSpPr>
-          <p:cNvPr id="123" name="CustomShape 1"/>
+          <p:cNvPr id="124" name="CustomShape 1"/>
           <p:cNvSpPr/>
           <p:nvPr/>
         </p:nvSpPr>
         <p:spPr>
           <a:xfrm>
             <a:off x="1676520" y="2362320"/>
-            <a:ext cx="8837280" cy="1186920"/>
+            <a:ext cx="8836200" cy="1186920"/>
           </a:xfrm>
           <a:prstGeom prst="rect">
             <a:avLst/>
@@ -11816,147 +11833,7 @@
                 <a:latin typeface="Century"/>
                 <a:ea typeface="DejaVu Sans"/>
               </a:rPr>
-              <a:t>g</a:t>
-            </a:r>
-            <a:r>
-              <a:rPr b="0" i="1" lang="en-IN" sz="7200" spc="-1" strike="noStrike">
-                <a:solidFill>
-                  <a:srgbClr val="f7c120"/>
-                </a:solidFill>
-                <a:latin typeface="Century"/>
-                <a:ea typeface="DejaVu Sans"/>
-              </a:rPr>
-              <a:t>e</a:t>
-            </a:r>
-            <a:r>
-              <a:rPr b="0" i="1" lang="en-IN" sz="7200" spc="-1" strike="noStrike">
-                <a:solidFill>
-                  <a:srgbClr val="f7c120"/>
-                </a:solidFill>
-                <a:latin typeface="Century"/>
-                <a:ea typeface="DejaVu Sans"/>
-              </a:rPr>
-              <a:t>t</a:t>
-            </a:r>
-            <a:r>
-              <a:rPr b="0" i="1" lang="en-IN" sz="7200" spc="-1" strike="noStrike">
-                <a:solidFill>
-                  <a:srgbClr val="f7c120"/>
-                </a:solidFill>
-                <a:latin typeface="Century"/>
-                <a:ea typeface="DejaVu Sans"/>
-              </a:rPr>
-              <a:t> </a:t>
-            </a:r>
-            <a:r>
-              <a:rPr b="0" i="1" lang="en-IN" sz="7200" spc="-1" strike="noStrike">
-                <a:solidFill>
-                  <a:srgbClr val="f7c120"/>
-                </a:solidFill>
-                <a:latin typeface="Century"/>
-                <a:ea typeface="DejaVu Sans"/>
-              </a:rPr>
-              <a:t>k</a:t>
-            </a:r>
-            <a:r>
-              <a:rPr b="0" i="1" lang="en-IN" sz="7200" spc="-1" strike="noStrike">
-                <a:solidFill>
-                  <a:srgbClr val="f7c120"/>
-                </a:solidFill>
-                <a:latin typeface="Century"/>
-                <a:ea typeface="DejaVu Sans"/>
-              </a:rPr>
-              <a:t>e</a:t>
-            </a:r>
-            <a:r>
-              <a:rPr b="0" i="1" lang="en-IN" sz="7200" spc="-1" strike="noStrike">
-                <a:solidFill>
-                  <a:srgbClr val="f7c120"/>
-                </a:solidFill>
-                <a:latin typeface="Century"/>
-                <a:ea typeface="DejaVu Sans"/>
-              </a:rPr>
-              <a:t>y</a:t>
-            </a:r>
-            <a:r>
-              <a:rPr b="0" i="1" lang="en-IN" sz="7200" spc="-1" strike="noStrike">
-                <a:solidFill>
-                  <a:srgbClr val="f7c120"/>
-                </a:solidFill>
-                <a:latin typeface="Century"/>
-                <a:ea typeface="DejaVu Sans"/>
-              </a:rPr>
-              <a:t> </a:t>
-            </a:r>
-            <a:r>
-              <a:rPr b="0" i="1" lang="en-IN" sz="7200" spc="-1" strike="noStrike">
-                <a:solidFill>
-                  <a:srgbClr val="f7c120"/>
-                </a:solidFill>
-                <a:latin typeface="Century"/>
-                <a:ea typeface="DejaVu Sans"/>
-              </a:rPr>
-              <a:t>&amp;</a:t>
-            </a:r>
-            <a:r>
-              <a:rPr b="0" i="1" lang="en-IN" sz="7200" spc="-1" strike="noStrike">
-                <a:solidFill>
-                  <a:srgbClr val="f7c120"/>
-                </a:solidFill>
-                <a:latin typeface="Century"/>
-                <a:ea typeface="DejaVu Sans"/>
-              </a:rPr>
-              <a:t> </a:t>
-            </a:r>
-            <a:r>
-              <a:rPr b="0" i="1" lang="en-IN" sz="7200" spc="-1" strike="noStrike">
-                <a:solidFill>
-                  <a:srgbClr val="f7c120"/>
-                </a:solidFill>
-                <a:latin typeface="Century"/>
-                <a:ea typeface="DejaVu Sans"/>
-              </a:rPr>
-              <a:t>g</a:t>
-            </a:r>
-            <a:r>
-              <a:rPr b="0" i="1" lang="en-IN" sz="7200" spc="-1" strike="noStrike">
-                <a:solidFill>
-                  <a:srgbClr val="f7c120"/>
-                </a:solidFill>
-                <a:latin typeface="Century"/>
-                <a:ea typeface="DejaVu Sans"/>
-              </a:rPr>
-              <a:t>e</a:t>
-            </a:r>
-            <a:r>
-              <a:rPr b="0" i="1" lang="en-IN" sz="7200" spc="-1" strike="noStrike">
-                <a:solidFill>
-                  <a:srgbClr val="f7c120"/>
-                </a:solidFill>
-                <a:latin typeface="Century"/>
-                <a:ea typeface="DejaVu Sans"/>
-              </a:rPr>
-              <a:t>t</a:t>
-            </a:r>
-            <a:r>
-              <a:rPr b="0" i="1" lang="en-IN" sz="7200" spc="-1" strike="noStrike">
-                <a:solidFill>
-                  <a:srgbClr val="f7c120"/>
-                </a:solidFill>
-                <a:latin typeface="Century"/>
-                <a:ea typeface="DejaVu Sans"/>
-              </a:rPr>
-              <a:t>e</a:t>
-            </a:r>
-            <a:r>
-              <a:rPr b="0" i="1" lang="en-IN" sz="7200" spc="-1" strike="noStrike">
-                <a:solidFill>
-                  <a:srgbClr val="f7c120"/>
-                </a:solidFill>
-                <a:latin typeface="Century"/>
-                <a:ea typeface="DejaVu Sans"/>
-              </a:rPr>
-              <a:t>x</a:t>
+              <a:t>get key &amp; getex</a:t>
             </a:r>
             <a:endParaRPr b="0" lang="en-IN" sz="7200" spc="-1" strike="noStrike">
               <a:latin typeface="Arial"/>
@@ -11966,14 +11843,14 @@
       </p:sp>
       <p:sp>
         <p:nvSpPr>
-          <p:cNvPr id="124" name="CustomShape 2"/>
+          <p:cNvPr id="125" name="CustomShape 2"/>
           <p:cNvSpPr/>
           <p:nvPr/>
         </p:nvSpPr>
         <p:spPr>
           <a:xfrm>
             <a:off x="1676520" y="3531600"/>
-            <a:ext cx="8837280" cy="424800"/>
+            <a:ext cx="8836200" cy="424800"/>
           </a:xfrm>
           <a:prstGeom prst="rect">
             <a:avLst/>

--- a/redis ver1.pptx
+++ b/redis ver1.pptx
@@ -27,6 +27,12 @@
     <p:sldId id="274" r:id="rId22"/>
     <p:sldId id="275" r:id="rId23"/>
     <p:sldId id="276" r:id="rId24"/>
+    <p:sldId id="277" r:id="rId25"/>
+    <p:sldId id="278" r:id="rId26"/>
+    <p:sldId id="279" r:id="rId27"/>
+    <p:sldId id="280" r:id="rId28"/>
+    <p:sldId id="281" r:id="rId29"/>
+    <p:sldId id="282" r:id="rId30"/>
   </p:sldIdLst>
   <p:sldSz cx="12192000" cy="6858000"/>
   <p:notesSz cx="7559675" cy="10691812"/>
@@ -96,10 +102,8 @@
             <a:noAutofit/>
           </a:bodyPr>
           <a:p>
-            <a:endParaRPr b="0" lang="en-US" sz="1800" spc="-1" strike="noStrike">
-              <a:solidFill>
-                <a:srgbClr val="000000"/>
-              </a:solidFill>
+            <a:pPr algn="ctr"/>
+            <a:endParaRPr b="0" lang="en-IN" sz="4400" spc="-1" strike="noStrike">
               <a:latin typeface="Arial"/>
             </a:endParaRPr>
           </a:p>
@@ -129,10 +133,7 @@
             <a:normAutofit/>
           </a:bodyPr>
           <a:p>
-            <a:endParaRPr b="0" lang="en-US" sz="2800" spc="-1" strike="noStrike">
-              <a:solidFill>
-                <a:srgbClr val="000000"/>
-              </a:solidFill>
+            <a:endParaRPr b="0" lang="en-IN" sz="3200" spc="-1" strike="noStrike">
               <a:latin typeface="Arial"/>
             </a:endParaRPr>
           </a:p>
@@ -162,10 +163,7 @@
             <a:normAutofit/>
           </a:bodyPr>
           <a:p>
-            <a:endParaRPr b="0" lang="en-US" sz="2800" spc="-1" strike="noStrike">
-              <a:solidFill>
-                <a:srgbClr val="000000"/>
-              </a:solidFill>
+            <a:endParaRPr b="0" lang="en-IN" sz="3200" spc="-1" strike="noStrike">
               <a:latin typeface="Arial"/>
             </a:endParaRPr>
           </a:p>
@@ -217,10 +215,8 @@
             <a:noAutofit/>
           </a:bodyPr>
           <a:p>
-            <a:endParaRPr b="0" lang="en-US" sz="1800" spc="-1" strike="noStrike">
-              <a:solidFill>
-                <a:srgbClr val="000000"/>
-              </a:solidFill>
+            <a:pPr algn="ctr"/>
+            <a:endParaRPr b="0" lang="en-IN" sz="4400" spc="-1" strike="noStrike">
               <a:latin typeface="Arial"/>
             </a:endParaRPr>
           </a:p>
@@ -250,10 +246,7 @@
             <a:normAutofit/>
           </a:bodyPr>
           <a:p>
-            <a:endParaRPr b="0" lang="en-US" sz="2800" spc="-1" strike="noStrike">
-              <a:solidFill>
-                <a:srgbClr val="000000"/>
-              </a:solidFill>
+            <a:endParaRPr b="0" lang="en-IN" sz="3200" spc="-1" strike="noStrike">
               <a:latin typeface="Arial"/>
             </a:endParaRPr>
           </a:p>
@@ -283,10 +276,7 @@
             <a:normAutofit/>
           </a:bodyPr>
           <a:p>
-            <a:endParaRPr b="0" lang="en-US" sz="2800" spc="-1" strike="noStrike">
-              <a:solidFill>
-                <a:srgbClr val="000000"/>
-              </a:solidFill>
+            <a:endParaRPr b="0" lang="en-IN" sz="3200" spc="-1" strike="noStrike">
               <a:latin typeface="Arial"/>
             </a:endParaRPr>
           </a:p>
@@ -316,10 +306,7 @@
             <a:normAutofit/>
           </a:bodyPr>
           <a:p>
-            <a:endParaRPr b="0" lang="en-US" sz="2800" spc="-1" strike="noStrike">
-              <a:solidFill>
-                <a:srgbClr val="000000"/>
-              </a:solidFill>
+            <a:endParaRPr b="0" lang="en-IN" sz="3200" spc="-1" strike="noStrike">
               <a:latin typeface="Arial"/>
             </a:endParaRPr>
           </a:p>
@@ -349,10 +336,7 @@
             <a:normAutofit/>
           </a:bodyPr>
           <a:p>
-            <a:endParaRPr b="0" lang="en-US" sz="2800" spc="-1" strike="noStrike">
-              <a:solidFill>
-                <a:srgbClr val="000000"/>
-              </a:solidFill>
+            <a:endParaRPr b="0" lang="en-IN" sz="3200" spc="-1" strike="noStrike">
               <a:latin typeface="Arial"/>
             </a:endParaRPr>
           </a:p>
@@ -404,10 +388,8 @@
             <a:noAutofit/>
           </a:bodyPr>
           <a:p>
-            <a:endParaRPr b="0" lang="en-US" sz="1800" spc="-1" strike="noStrike">
-              <a:solidFill>
-                <a:srgbClr val="000000"/>
-              </a:solidFill>
+            <a:pPr algn="ctr"/>
+            <a:endParaRPr b="0" lang="en-IN" sz="4400" spc="-1" strike="noStrike">
               <a:latin typeface="Arial"/>
             </a:endParaRPr>
           </a:p>
@@ -437,10 +419,7 @@
             <a:normAutofit/>
           </a:bodyPr>
           <a:p>
-            <a:endParaRPr b="0" lang="en-US" sz="2800" spc="-1" strike="noStrike">
-              <a:solidFill>
-                <a:srgbClr val="000000"/>
-              </a:solidFill>
+            <a:endParaRPr b="0" lang="en-IN" sz="3200" spc="-1" strike="noStrike">
               <a:latin typeface="Arial"/>
             </a:endParaRPr>
           </a:p>
@@ -470,10 +449,7 @@
             <a:normAutofit/>
           </a:bodyPr>
           <a:p>
-            <a:endParaRPr b="0" lang="en-US" sz="2800" spc="-1" strike="noStrike">
-              <a:solidFill>
-                <a:srgbClr val="000000"/>
-              </a:solidFill>
+            <a:endParaRPr b="0" lang="en-IN" sz="3200" spc="-1" strike="noStrike">
               <a:latin typeface="Arial"/>
             </a:endParaRPr>
           </a:p>
@@ -503,10 +479,7 @@
             <a:normAutofit/>
           </a:bodyPr>
           <a:p>
-            <a:endParaRPr b="0" lang="en-US" sz="2800" spc="-1" strike="noStrike">
-              <a:solidFill>
-                <a:srgbClr val="000000"/>
-              </a:solidFill>
+            <a:endParaRPr b="0" lang="en-IN" sz="3200" spc="-1" strike="noStrike">
               <a:latin typeface="Arial"/>
             </a:endParaRPr>
           </a:p>
@@ -536,10 +509,7 @@
             <a:normAutofit/>
           </a:bodyPr>
           <a:p>
-            <a:endParaRPr b="0" lang="en-US" sz="2800" spc="-1" strike="noStrike">
-              <a:solidFill>
-                <a:srgbClr val="000000"/>
-              </a:solidFill>
+            <a:endParaRPr b="0" lang="en-IN" sz="3200" spc="-1" strike="noStrike">
               <a:latin typeface="Arial"/>
             </a:endParaRPr>
           </a:p>
@@ -569,10 +539,7 @@
             <a:normAutofit/>
           </a:bodyPr>
           <a:p>
-            <a:endParaRPr b="0" lang="en-US" sz="2800" spc="-1" strike="noStrike">
-              <a:solidFill>
-                <a:srgbClr val="000000"/>
-              </a:solidFill>
+            <a:endParaRPr b="0" lang="en-IN" sz="3200" spc="-1" strike="noStrike">
               <a:latin typeface="Arial"/>
             </a:endParaRPr>
           </a:p>
@@ -602,10 +569,7 @@
             <a:normAutofit/>
           </a:bodyPr>
           <a:p>
-            <a:endParaRPr b="0" lang="en-US" sz="2800" spc="-1" strike="noStrike">
-              <a:solidFill>
-                <a:srgbClr val="000000"/>
-              </a:solidFill>
+            <a:endParaRPr b="0" lang="en-IN" sz="3200" spc="-1" strike="noStrike">
               <a:latin typeface="Arial"/>
             </a:endParaRPr>
           </a:p>
@@ -679,10 +643,8 @@
             <a:noAutofit/>
           </a:bodyPr>
           <a:p>
-            <a:endParaRPr b="0" lang="en-US" sz="1800" spc="-1" strike="noStrike">
-              <a:solidFill>
-                <a:srgbClr val="000000"/>
-              </a:solidFill>
+            <a:pPr algn="ctr"/>
+            <a:endParaRPr b="0" lang="en-IN" sz="4400" spc="-1" strike="noStrike">
               <a:latin typeface="Arial"/>
             </a:endParaRPr>
           </a:p>
@@ -765,10 +727,8 @@
             <a:noAutofit/>
           </a:bodyPr>
           <a:p>
-            <a:endParaRPr b="0" lang="en-US" sz="1800" spc="-1" strike="noStrike">
-              <a:solidFill>
-                <a:srgbClr val="000000"/>
-              </a:solidFill>
+            <a:pPr algn="ctr"/>
+            <a:endParaRPr b="0" lang="en-IN" sz="4400" spc="-1" strike="noStrike">
               <a:latin typeface="Arial"/>
             </a:endParaRPr>
           </a:p>
@@ -798,10 +758,7 @@
             <a:normAutofit/>
           </a:bodyPr>
           <a:p>
-            <a:endParaRPr b="0" lang="en-US" sz="2800" spc="-1" strike="noStrike">
-              <a:solidFill>
-                <a:srgbClr val="000000"/>
-              </a:solidFill>
+            <a:endParaRPr b="0" lang="en-IN" sz="3200" spc="-1" strike="noStrike">
               <a:latin typeface="Arial"/>
             </a:endParaRPr>
           </a:p>
@@ -853,10 +810,8 @@
             <a:noAutofit/>
           </a:bodyPr>
           <a:p>
-            <a:endParaRPr b="0" lang="en-US" sz="1800" spc="-1" strike="noStrike">
-              <a:solidFill>
-                <a:srgbClr val="000000"/>
-              </a:solidFill>
+            <a:pPr algn="ctr"/>
+            <a:endParaRPr b="0" lang="en-IN" sz="4400" spc="-1" strike="noStrike">
               <a:latin typeface="Arial"/>
             </a:endParaRPr>
           </a:p>
@@ -886,10 +841,7 @@
             <a:normAutofit/>
           </a:bodyPr>
           <a:p>
-            <a:endParaRPr b="0" lang="en-US" sz="2800" spc="-1" strike="noStrike">
-              <a:solidFill>
-                <a:srgbClr val="000000"/>
-              </a:solidFill>
+            <a:endParaRPr b="0" lang="en-IN" sz="3200" spc="-1" strike="noStrike">
               <a:latin typeface="Arial"/>
             </a:endParaRPr>
           </a:p>
@@ -919,10 +871,7 @@
             <a:normAutofit/>
           </a:bodyPr>
           <a:p>
-            <a:endParaRPr b="0" lang="en-US" sz="2800" spc="-1" strike="noStrike">
-              <a:solidFill>
-                <a:srgbClr val="000000"/>
-              </a:solidFill>
+            <a:endParaRPr b="0" lang="en-IN" sz="3200" spc="-1" strike="noStrike">
               <a:latin typeface="Arial"/>
             </a:endParaRPr>
           </a:p>
@@ -974,10 +923,8 @@
             <a:noAutofit/>
           </a:bodyPr>
           <a:p>
-            <a:endParaRPr b="0" lang="en-US" sz="1800" spc="-1" strike="noStrike">
-              <a:solidFill>
-                <a:srgbClr val="000000"/>
-              </a:solidFill>
+            <a:pPr algn="ctr"/>
+            <a:endParaRPr b="0" lang="en-IN" sz="4400" spc="-1" strike="noStrike">
               <a:latin typeface="Arial"/>
             </a:endParaRPr>
           </a:p>
@@ -1082,10 +1029,8 @@
             <a:noAutofit/>
           </a:bodyPr>
           <a:p>
-            <a:endParaRPr b="0" lang="en-US" sz="1800" spc="-1" strike="noStrike">
-              <a:solidFill>
-                <a:srgbClr val="000000"/>
-              </a:solidFill>
+            <a:pPr algn="ctr"/>
+            <a:endParaRPr b="0" lang="en-IN" sz="4400" spc="-1" strike="noStrike">
               <a:latin typeface="Arial"/>
             </a:endParaRPr>
           </a:p>
@@ -1115,10 +1060,7 @@
             <a:normAutofit/>
           </a:bodyPr>
           <a:p>
-            <a:endParaRPr b="0" lang="en-US" sz="2800" spc="-1" strike="noStrike">
-              <a:solidFill>
-                <a:srgbClr val="000000"/>
-              </a:solidFill>
+            <a:endParaRPr b="0" lang="en-IN" sz="3200" spc="-1" strike="noStrike">
               <a:latin typeface="Arial"/>
             </a:endParaRPr>
           </a:p>
@@ -1148,10 +1090,7 @@
             <a:normAutofit/>
           </a:bodyPr>
           <a:p>
-            <a:endParaRPr b="0" lang="en-US" sz="2800" spc="-1" strike="noStrike">
-              <a:solidFill>
-                <a:srgbClr val="000000"/>
-              </a:solidFill>
+            <a:endParaRPr b="0" lang="en-IN" sz="3200" spc="-1" strike="noStrike">
               <a:latin typeface="Arial"/>
             </a:endParaRPr>
           </a:p>
@@ -1181,10 +1120,7 @@
             <a:normAutofit/>
           </a:bodyPr>
           <a:p>
-            <a:endParaRPr b="0" lang="en-US" sz="2800" spc="-1" strike="noStrike">
-              <a:solidFill>
-                <a:srgbClr val="000000"/>
-              </a:solidFill>
+            <a:endParaRPr b="0" lang="en-IN" sz="3200" spc="-1" strike="noStrike">
               <a:latin typeface="Arial"/>
             </a:endParaRPr>
           </a:p>
@@ -1236,10 +1172,8 @@
             <a:noAutofit/>
           </a:bodyPr>
           <a:p>
-            <a:endParaRPr b="0" lang="en-US" sz="1800" spc="-1" strike="noStrike">
-              <a:solidFill>
-                <a:srgbClr val="000000"/>
-              </a:solidFill>
+            <a:pPr algn="ctr"/>
+            <a:endParaRPr b="0" lang="en-IN" sz="4400" spc="-1" strike="noStrike">
               <a:latin typeface="Arial"/>
             </a:endParaRPr>
           </a:p>
@@ -1322,10 +1256,8 @@
             <a:noAutofit/>
           </a:bodyPr>
           <a:p>
-            <a:endParaRPr b="0" lang="en-US" sz="1800" spc="-1" strike="noStrike">
-              <a:solidFill>
-                <a:srgbClr val="000000"/>
-              </a:solidFill>
+            <a:pPr algn="ctr"/>
+            <a:endParaRPr b="0" lang="en-IN" sz="4400" spc="-1" strike="noStrike">
               <a:latin typeface="Arial"/>
             </a:endParaRPr>
           </a:p>
@@ -1355,10 +1287,7 @@
             <a:normAutofit/>
           </a:bodyPr>
           <a:p>
-            <a:endParaRPr b="0" lang="en-US" sz="2800" spc="-1" strike="noStrike">
-              <a:solidFill>
-                <a:srgbClr val="000000"/>
-              </a:solidFill>
+            <a:endParaRPr b="0" lang="en-IN" sz="3200" spc="-1" strike="noStrike">
               <a:latin typeface="Arial"/>
             </a:endParaRPr>
           </a:p>
@@ -1388,10 +1317,7 @@
             <a:normAutofit/>
           </a:bodyPr>
           <a:p>
-            <a:endParaRPr b="0" lang="en-US" sz="2800" spc="-1" strike="noStrike">
-              <a:solidFill>
-                <a:srgbClr val="000000"/>
-              </a:solidFill>
+            <a:endParaRPr b="0" lang="en-IN" sz="3200" spc="-1" strike="noStrike">
               <a:latin typeface="Arial"/>
             </a:endParaRPr>
           </a:p>
@@ -1421,10 +1347,7 @@
             <a:normAutofit/>
           </a:bodyPr>
           <a:p>
-            <a:endParaRPr b="0" lang="en-US" sz="2800" spc="-1" strike="noStrike">
-              <a:solidFill>
-                <a:srgbClr val="000000"/>
-              </a:solidFill>
+            <a:endParaRPr b="0" lang="en-IN" sz="3200" spc="-1" strike="noStrike">
               <a:latin typeface="Arial"/>
             </a:endParaRPr>
           </a:p>
@@ -1476,10 +1399,8 @@
             <a:noAutofit/>
           </a:bodyPr>
           <a:p>
-            <a:endParaRPr b="0" lang="en-US" sz="1800" spc="-1" strike="noStrike">
-              <a:solidFill>
-                <a:srgbClr val="000000"/>
-              </a:solidFill>
+            <a:pPr algn="ctr"/>
+            <a:endParaRPr b="0" lang="en-IN" sz="4400" spc="-1" strike="noStrike">
               <a:latin typeface="Arial"/>
             </a:endParaRPr>
           </a:p>
@@ -1509,10 +1430,7 @@
             <a:normAutofit/>
           </a:bodyPr>
           <a:p>
-            <a:endParaRPr b="0" lang="en-US" sz="2800" spc="-1" strike="noStrike">
-              <a:solidFill>
-                <a:srgbClr val="000000"/>
-              </a:solidFill>
+            <a:endParaRPr b="0" lang="en-IN" sz="3200" spc="-1" strike="noStrike">
               <a:latin typeface="Arial"/>
             </a:endParaRPr>
           </a:p>
@@ -1542,10 +1460,7 @@
             <a:normAutofit/>
           </a:bodyPr>
           <a:p>
-            <a:endParaRPr b="0" lang="en-US" sz="2800" spc="-1" strike="noStrike">
-              <a:solidFill>
-                <a:srgbClr val="000000"/>
-              </a:solidFill>
+            <a:endParaRPr b="0" lang="en-IN" sz="3200" spc="-1" strike="noStrike">
               <a:latin typeface="Arial"/>
             </a:endParaRPr>
           </a:p>
@@ -1575,10 +1490,7 @@
             <a:normAutofit/>
           </a:bodyPr>
           <a:p>
-            <a:endParaRPr b="0" lang="en-US" sz="2800" spc="-1" strike="noStrike">
-              <a:solidFill>
-                <a:srgbClr val="000000"/>
-              </a:solidFill>
+            <a:endParaRPr b="0" lang="en-IN" sz="3200" spc="-1" strike="noStrike">
               <a:latin typeface="Arial"/>
             </a:endParaRPr>
           </a:p>
@@ -1630,10 +1542,8 @@
             <a:noAutofit/>
           </a:bodyPr>
           <a:p>
-            <a:endParaRPr b="0" lang="en-US" sz="1800" spc="-1" strike="noStrike">
-              <a:solidFill>
-                <a:srgbClr val="000000"/>
-              </a:solidFill>
+            <a:pPr algn="ctr"/>
+            <a:endParaRPr b="0" lang="en-IN" sz="4400" spc="-1" strike="noStrike">
               <a:latin typeface="Arial"/>
             </a:endParaRPr>
           </a:p>
@@ -1663,10 +1573,7 @@
             <a:normAutofit/>
           </a:bodyPr>
           <a:p>
-            <a:endParaRPr b="0" lang="en-US" sz="2800" spc="-1" strike="noStrike">
-              <a:solidFill>
-                <a:srgbClr val="000000"/>
-              </a:solidFill>
+            <a:endParaRPr b="0" lang="en-IN" sz="3200" spc="-1" strike="noStrike">
               <a:latin typeface="Arial"/>
             </a:endParaRPr>
           </a:p>
@@ -1696,10 +1603,7 @@
             <a:normAutofit/>
           </a:bodyPr>
           <a:p>
-            <a:endParaRPr b="0" lang="en-US" sz="2800" spc="-1" strike="noStrike">
-              <a:solidFill>
-                <a:srgbClr val="000000"/>
-              </a:solidFill>
+            <a:endParaRPr b="0" lang="en-IN" sz="3200" spc="-1" strike="noStrike">
               <a:latin typeface="Arial"/>
             </a:endParaRPr>
           </a:p>
@@ -1751,10 +1655,8 @@
             <a:noAutofit/>
           </a:bodyPr>
           <a:p>
-            <a:endParaRPr b="0" lang="en-US" sz="1800" spc="-1" strike="noStrike">
-              <a:solidFill>
-                <a:srgbClr val="000000"/>
-              </a:solidFill>
+            <a:pPr algn="ctr"/>
+            <a:endParaRPr b="0" lang="en-IN" sz="4400" spc="-1" strike="noStrike">
               <a:latin typeface="Arial"/>
             </a:endParaRPr>
           </a:p>
@@ -1784,10 +1686,7 @@
             <a:normAutofit/>
           </a:bodyPr>
           <a:p>
-            <a:endParaRPr b="0" lang="en-US" sz="2800" spc="-1" strike="noStrike">
-              <a:solidFill>
-                <a:srgbClr val="000000"/>
-              </a:solidFill>
+            <a:endParaRPr b="0" lang="en-IN" sz="3200" spc="-1" strike="noStrike">
               <a:latin typeface="Arial"/>
             </a:endParaRPr>
           </a:p>
@@ -1817,10 +1716,7 @@
             <a:normAutofit/>
           </a:bodyPr>
           <a:p>
-            <a:endParaRPr b="0" lang="en-US" sz="2800" spc="-1" strike="noStrike">
-              <a:solidFill>
-                <a:srgbClr val="000000"/>
-              </a:solidFill>
+            <a:endParaRPr b="0" lang="en-IN" sz="3200" spc="-1" strike="noStrike">
               <a:latin typeface="Arial"/>
             </a:endParaRPr>
           </a:p>
@@ -1850,10 +1746,7 @@
             <a:normAutofit/>
           </a:bodyPr>
           <a:p>
-            <a:endParaRPr b="0" lang="en-US" sz="2800" spc="-1" strike="noStrike">
-              <a:solidFill>
-                <a:srgbClr val="000000"/>
-              </a:solidFill>
+            <a:endParaRPr b="0" lang="en-IN" sz="3200" spc="-1" strike="noStrike">
               <a:latin typeface="Arial"/>
             </a:endParaRPr>
           </a:p>
@@ -1883,10 +1776,7 @@
             <a:normAutofit/>
           </a:bodyPr>
           <a:p>
-            <a:endParaRPr b="0" lang="en-US" sz="2800" spc="-1" strike="noStrike">
-              <a:solidFill>
-                <a:srgbClr val="000000"/>
-              </a:solidFill>
+            <a:endParaRPr b="0" lang="en-IN" sz="3200" spc="-1" strike="noStrike">
               <a:latin typeface="Arial"/>
             </a:endParaRPr>
           </a:p>
@@ -1938,10 +1828,8 @@
             <a:noAutofit/>
           </a:bodyPr>
           <a:p>
-            <a:endParaRPr b="0" lang="en-US" sz="1800" spc="-1" strike="noStrike">
-              <a:solidFill>
-                <a:srgbClr val="000000"/>
-              </a:solidFill>
+            <a:pPr algn="ctr"/>
+            <a:endParaRPr b="0" lang="en-IN" sz="4400" spc="-1" strike="noStrike">
               <a:latin typeface="Arial"/>
             </a:endParaRPr>
           </a:p>
@@ -1971,10 +1859,7 @@
             <a:normAutofit/>
           </a:bodyPr>
           <a:p>
-            <a:endParaRPr b="0" lang="en-US" sz="2800" spc="-1" strike="noStrike">
-              <a:solidFill>
-                <a:srgbClr val="000000"/>
-              </a:solidFill>
+            <a:endParaRPr b="0" lang="en-IN" sz="3200" spc="-1" strike="noStrike">
               <a:latin typeface="Arial"/>
             </a:endParaRPr>
           </a:p>
@@ -2004,10 +1889,7 @@
             <a:normAutofit/>
           </a:bodyPr>
           <a:p>
-            <a:endParaRPr b="0" lang="en-US" sz="2800" spc="-1" strike="noStrike">
-              <a:solidFill>
-                <a:srgbClr val="000000"/>
-              </a:solidFill>
+            <a:endParaRPr b="0" lang="en-IN" sz="3200" spc="-1" strike="noStrike">
               <a:latin typeface="Arial"/>
             </a:endParaRPr>
           </a:p>
@@ -2037,10 +1919,7 @@
             <a:normAutofit/>
           </a:bodyPr>
           <a:p>
-            <a:endParaRPr b="0" lang="en-US" sz="2800" spc="-1" strike="noStrike">
-              <a:solidFill>
-                <a:srgbClr val="000000"/>
-              </a:solidFill>
+            <a:endParaRPr b="0" lang="en-IN" sz="3200" spc="-1" strike="noStrike">
               <a:latin typeface="Arial"/>
             </a:endParaRPr>
           </a:p>
@@ -2070,10 +1949,7 @@
             <a:normAutofit/>
           </a:bodyPr>
           <a:p>
-            <a:endParaRPr b="0" lang="en-US" sz="2800" spc="-1" strike="noStrike">
-              <a:solidFill>
-                <a:srgbClr val="000000"/>
-              </a:solidFill>
+            <a:endParaRPr b="0" lang="en-IN" sz="3200" spc="-1" strike="noStrike">
               <a:latin typeface="Arial"/>
             </a:endParaRPr>
           </a:p>
@@ -2103,10 +1979,7 @@
             <a:normAutofit/>
           </a:bodyPr>
           <a:p>
-            <a:endParaRPr b="0" lang="en-US" sz="2800" spc="-1" strike="noStrike">
-              <a:solidFill>
-                <a:srgbClr val="000000"/>
-              </a:solidFill>
+            <a:endParaRPr b="0" lang="en-IN" sz="3200" spc="-1" strike="noStrike">
               <a:latin typeface="Arial"/>
             </a:endParaRPr>
           </a:p>
@@ -2136,10 +2009,7 @@
             <a:normAutofit/>
           </a:bodyPr>
           <a:p>
-            <a:endParaRPr b="0" lang="en-US" sz="2800" spc="-1" strike="noStrike">
-              <a:solidFill>
-                <a:srgbClr val="000000"/>
-              </a:solidFill>
+            <a:endParaRPr b="0" lang="en-IN" sz="3200" spc="-1" strike="noStrike">
               <a:latin typeface="Arial"/>
             </a:endParaRPr>
           </a:p>
@@ -2191,10 +2061,8 @@
             <a:noAutofit/>
           </a:bodyPr>
           <a:p>
-            <a:endParaRPr b="0" lang="en-US" sz="1800" spc="-1" strike="noStrike">
-              <a:solidFill>
-                <a:srgbClr val="000000"/>
-              </a:solidFill>
+            <a:pPr algn="ctr"/>
+            <a:endParaRPr b="0" lang="en-IN" sz="4400" spc="-1" strike="noStrike">
               <a:latin typeface="Arial"/>
             </a:endParaRPr>
           </a:p>
@@ -2224,10 +2092,7 @@
             <a:normAutofit/>
           </a:bodyPr>
           <a:p>
-            <a:endParaRPr b="0" lang="en-US" sz="2800" spc="-1" strike="noStrike">
-              <a:solidFill>
-                <a:srgbClr val="000000"/>
-              </a:solidFill>
+            <a:endParaRPr b="0" lang="en-IN" sz="3200" spc="-1" strike="noStrike">
               <a:latin typeface="Arial"/>
             </a:endParaRPr>
           </a:p>
@@ -2279,10 +2144,8 @@
             <a:noAutofit/>
           </a:bodyPr>
           <a:p>
-            <a:endParaRPr b="0" lang="en-US" sz="1800" spc="-1" strike="noStrike">
-              <a:solidFill>
-                <a:srgbClr val="000000"/>
-              </a:solidFill>
+            <a:pPr algn="ctr"/>
+            <a:endParaRPr b="0" lang="en-IN" sz="4400" spc="-1" strike="noStrike">
               <a:latin typeface="Arial"/>
             </a:endParaRPr>
           </a:p>
@@ -2312,10 +2175,7 @@
             <a:normAutofit/>
           </a:bodyPr>
           <a:p>
-            <a:endParaRPr b="0" lang="en-US" sz="2800" spc="-1" strike="noStrike">
-              <a:solidFill>
-                <a:srgbClr val="000000"/>
-              </a:solidFill>
+            <a:endParaRPr b="0" lang="en-IN" sz="3200" spc="-1" strike="noStrike">
               <a:latin typeface="Arial"/>
             </a:endParaRPr>
           </a:p>
@@ -2345,10 +2205,7 @@
             <a:normAutofit/>
           </a:bodyPr>
           <a:p>
-            <a:endParaRPr b="0" lang="en-US" sz="2800" spc="-1" strike="noStrike">
-              <a:solidFill>
-                <a:srgbClr val="000000"/>
-              </a:solidFill>
+            <a:endParaRPr b="0" lang="en-IN" sz="3200" spc="-1" strike="noStrike">
               <a:latin typeface="Arial"/>
             </a:endParaRPr>
           </a:p>
@@ -2400,10 +2257,8 @@
             <a:noAutofit/>
           </a:bodyPr>
           <a:p>
-            <a:endParaRPr b="0" lang="en-US" sz="1800" spc="-1" strike="noStrike">
-              <a:solidFill>
-                <a:srgbClr val="000000"/>
-              </a:solidFill>
+            <a:pPr algn="ctr"/>
+            <a:endParaRPr b="0" lang="en-IN" sz="4400" spc="-1" strike="noStrike">
               <a:latin typeface="Arial"/>
             </a:endParaRPr>
           </a:p>
@@ -2508,10 +2363,8 @@
             <a:noAutofit/>
           </a:bodyPr>
           <a:p>
-            <a:endParaRPr b="0" lang="en-US" sz="1800" spc="-1" strike="noStrike">
-              <a:solidFill>
-                <a:srgbClr val="000000"/>
-              </a:solidFill>
+            <a:pPr algn="ctr"/>
+            <a:endParaRPr b="0" lang="en-IN" sz="4400" spc="-1" strike="noStrike">
               <a:latin typeface="Arial"/>
             </a:endParaRPr>
           </a:p>
@@ -2541,10 +2394,7 @@
             <a:normAutofit/>
           </a:bodyPr>
           <a:p>
-            <a:endParaRPr b="0" lang="en-US" sz="2800" spc="-1" strike="noStrike">
-              <a:solidFill>
-                <a:srgbClr val="000000"/>
-              </a:solidFill>
+            <a:endParaRPr b="0" lang="en-IN" sz="3200" spc="-1" strike="noStrike">
               <a:latin typeface="Arial"/>
             </a:endParaRPr>
           </a:p>
@@ -2574,10 +2424,7 @@
             <a:normAutofit/>
           </a:bodyPr>
           <a:p>
-            <a:endParaRPr b="0" lang="en-US" sz="2800" spc="-1" strike="noStrike">
-              <a:solidFill>
-                <a:srgbClr val="000000"/>
-              </a:solidFill>
+            <a:endParaRPr b="0" lang="en-IN" sz="3200" spc="-1" strike="noStrike">
               <a:latin typeface="Arial"/>
             </a:endParaRPr>
           </a:p>
@@ -2607,10 +2454,7 @@
             <a:normAutofit/>
           </a:bodyPr>
           <a:p>
-            <a:endParaRPr b="0" lang="en-US" sz="2800" spc="-1" strike="noStrike">
-              <a:solidFill>
-                <a:srgbClr val="000000"/>
-              </a:solidFill>
+            <a:endParaRPr b="0" lang="en-IN" sz="3200" spc="-1" strike="noStrike">
               <a:latin typeface="Arial"/>
             </a:endParaRPr>
           </a:p>
@@ -2662,10 +2506,8 @@
             <a:noAutofit/>
           </a:bodyPr>
           <a:p>
-            <a:endParaRPr b="0" lang="en-US" sz="1800" spc="-1" strike="noStrike">
-              <a:solidFill>
-                <a:srgbClr val="000000"/>
-              </a:solidFill>
+            <a:pPr algn="ctr"/>
+            <a:endParaRPr b="0" lang="en-IN" sz="4400" spc="-1" strike="noStrike">
               <a:latin typeface="Arial"/>
             </a:endParaRPr>
           </a:p>
@@ -2695,10 +2537,7 @@
             <a:normAutofit/>
           </a:bodyPr>
           <a:p>
-            <a:endParaRPr b="0" lang="en-US" sz="2800" spc="-1" strike="noStrike">
-              <a:solidFill>
-                <a:srgbClr val="000000"/>
-              </a:solidFill>
+            <a:endParaRPr b="0" lang="en-IN" sz="3200" spc="-1" strike="noStrike">
               <a:latin typeface="Arial"/>
             </a:endParaRPr>
           </a:p>
@@ -2728,10 +2567,7 @@
             <a:normAutofit/>
           </a:bodyPr>
           <a:p>
-            <a:endParaRPr b="0" lang="en-US" sz="2800" spc="-1" strike="noStrike">
-              <a:solidFill>
-                <a:srgbClr val="000000"/>
-              </a:solidFill>
+            <a:endParaRPr b="0" lang="en-IN" sz="3200" spc="-1" strike="noStrike">
               <a:latin typeface="Arial"/>
             </a:endParaRPr>
           </a:p>
@@ -2761,10 +2597,7 @@
             <a:normAutofit/>
           </a:bodyPr>
           <a:p>
-            <a:endParaRPr b="0" lang="en-US" sz="2800" spc="-1" strike="noStrike">
-              <a:solidFill>
-                <a:srgbClr val="000000"/>
-              </a:solidFill>
+            <a:endParaRPr b="0" lang="en-IN" sz="3200" spc="-1" strike="noStrike">
               <a:latin typeface="Arial"/>
             </a:endParaRPr>
           </a:p>
@@ -2816,10 +2649,8 @@
             <a:noAutofit/>
           </a:bodyPr>
           <a:p>
-            <a:endParaRPr b="0" lang="en-US" sz="1800" spc="-1" strike="noStrike">
-              <a:solidFill>
-                <a:srgbClr val="000000"/>
-              </a:solidFill>
+            <a:pPr algn="ctr"/>
+            <a:endParaRPr b="0" lang="en-IN" sz="4400" spc="-1" strike="noStrike">
               <a:latin typeface="Arial"/>
             </a:endParaRPr>
           </a:p>
@@ -2849,10 +2680,7 @@
             <a:normAutofit/>
           </a:bodyPr>
           <a:p>
-            <a:endParaRPr b="0" lang="en-US" sz="2800" spc="-1" strike="noStrike">
-              <a:solidFill>
-                <a:srgbClr val="000000"/>
-              </a:solidFill>
+            <a:endParaRPr b="0" lang="en-IN" sz="3200" spc="-1" strike="noStrike">
               <a:latin typeface="Arial"/>
             </a:endParaRPr>
           </a:p>
@@ -2882,10 +2710,7 @@
             <a:normAutofit/>
           </a:bodyPr>
           <a:p>
-            <a:endParaRPr b="0" lang="en-US" sz="2800" spc="-1" strike="noStrike">
-              <a:solidFill>
-                <a:srgbClr val="000000"/>
-              </a:solidFill>
+            <a:endParaRPr b="0" lang="en-IN" sz="3200" spc="-1" strike="noStrike">
               <a:latin typeface="Arial"/>
             </a:endParaRPr>
           </a:p>
@@ -2915,10 +2740,7 @@
             <a:normAutofit/>
           </a:bodyPr>
           <a:p>
-            <a:endParaRPr b="0" lang="en-US" sz="2800" spc="-1" strike="noStrike">
-              <a:solidFill>
-                <a:srgbClr val="000000"/>
-              </a:solidFill>
+            <a:endParaRPr b="0" lang="en-IN" sz="3200" spc="-1" strike="noStrike">
               <a:latin typeface="Arial"/>
             </a:endParaRPr>
           </a:p>
@@ -3019,8 +2841,8 @@
         </p:nvSpPr>
         <p:spPr>
           <a:xfrm rot="5400000">
-            <a:off x="593640" y="6447240"/>
-            <a:ext cx="187560" cy="157320"/>
+            <a:off x="594000" y="6447240"/>
+            <a:ext cx="187200" cy="156960"/>
           </a:xfrm>
           <a:prstGeom prst="triangle">
             <a:avLst>
@@ -3061,7 +2883,7 @@
         <p:spPr>
           <a:xfrm>
             <a:off x="1206360" y="3648240"/>
-            <a:ext cx="9750240" cy="1276920"/>
+            <a:ext cx="9749880" cy="1276560"/>
           </a:xfrm>
           <a:prstGeom prst="rect">
             <a:avLst/>
@@ -3103,7 +2925,7 @@
         <p:spPr>
           <a:xfrm>
             <a:off x="1219320" y="5638680"/>
-            <a:ext cx="9750240" cy="682560"/>
+            <a:ext cx="9749880" cy="682200"/>
           </a:xfrm>
           <a:prstGeom prst="rect">
             <a:avLst/>
@@ -3145,7 +2967,7 @@
         <p:spPr>
           <a:xfrm>
             <a:off x="1206360" y="3648240"/>
-            <a:ext cx="301680" cy="1276920"/>
+            <a:ext cx="301320" cy="1276560"/>
           </a:xfrm>
           <a:prstGeom prst="rect">
             <a:avLst/>
@@ -3184,7 +3006,7 @@
         <p:spPr>
           <a:xfrm>
             <a:off x="1219320" y="5638680"/>
-            <a:ext cx="301680" cy="682560"/>
+            <a:ext cx="301320" cy="682200"/>
           </a:xfrm>
           <a:prstGeom prst="rect">
             <a:avLst/>
@@ -3238,325 +3060,14 @@
             <a:noAutofit/>
           </a:bodyPr>
           <a:p>
-            <a:r>
-              <a:rPr b="0" lang="en-US" sz="1800" spc="-1" strike="noStrike">
-                <a:solidFill>
-                  <a:srgbClr val="000000"/>
-                </a:solidFill>
+            <a:pPr algn="ctr"/>
+            <a:r>
+              <a:rPr b="0" lang="en-IN" sz="4400" spc="-1" strike="noStrike">
                 <a:latin typeface="Arial"/>
               </a:rPr>
-              <a:t>C</a:t>
-            </a:r>
-            <a:r>
-              <a:rPr b="0" lang="en-US" sz="1800" spc="-1" strike="noStrike">
-                <a:solidFill>
-                  <a:srgbClr val="000000"/>
-                </a:solidFill>
-                <a:latin typeface="Arial"/>
-              </a:rPr>
-              <a:t>l</a:t>
-            </a:r>
-            <a:r>
-              <a:rPr b="0" lang="en-US" sz="1800" spc="-1" strike="noStrike">
-                <a:solidFill>
-                  <a:srgbClr val="000000"/>
-                </a:solidFill>
-                <a:latin typeface="Arial"/>
-              </a:rPr>
-              <a:t>i</a:t>
-            </a:r>
-            <a:r>
-              <a:rPr b="0" lang="en-US" sz="1800" spc="-1" strike="noStrike">
-                <a:solidFill>
-                  <a:srgbClr val="000000"/>
-                </a:solidFill>
-                <a:latin typeface="Arial"/>
-              </a:rPr>
-              <a:t>c</a:t>
-            </a:r>
-            <a:r>
-              <a:rPr b="0" lang="en-US" sz="1800" spc="-1" strike="noStrike">
-                <a:solidFill>
-                  <a:srgbClr val="000000"/>
-                </a:solidFill>
-                <a:latin typeface="Arial"/>
-              </a:rPr>
-              <a:t>k</a:t>
-            </a:r>
-            <a:r>
-              <a:rPr b="0" lang="en-US" sz="1800" spc="-1" strike="noStrike">
-                <a:solidFill>
-                  <a:srgbClr val="000000"/>
-                </a:solidFill>
-                <a:latin typeface="Arial"/>
-              </a:rPr>
-              <a:t> </a:t>
-            </a:r>
-            <a:r>
-              <a:rPr b="0" lang="en-US" sz="1800" spc="-1" strike="noStrike">
-                <a:solidFill>
-                  <a:srgbClr val="000000"/>
-                </a:solidFill>
-                <a:latin typeface="Arial"/>
-              </a:rPr>
-              <a:t>t</a:t>
-            </a:r>
-            <a:r>
-              <a:rPr b="0" lang="en-US" sz="1800" spc="-1" strike="noStrike">
-                <a:solidFill>
-                  <a:srgbClr val="000000"/>
-                </a:solidFill>
-                <a:latin typeface="Arial"/>
-              </a:rPr>
-              <a:t>o</a:t>
-            </a:r>
-            <a:r>
-              <a:rPr b="0" lang="en-US" sz="1800" spc="-1" strike="noStrike">
-                <a:solidFill>
-                  <a:srgbClr val="000000"/>
-                </a:solidFill>
-                <a:latin typeface="Arial"/>
-              </a:rPr>
-              <a:t> </a:t>
-            </a:r>
-            <a:r>
-              <a:rPr b="0" lang="en-US" sz="1800" spc="-1" strike="noStrike">
-                <a:solidFill>
-                  <a:srgbClr val="000000"/>
-                </a:solidFill>
-                <a:latin typeface="Arial"/>
-              </a:rPr>
-              <a:t>e</a:t>
-            </a:r>
-            <a:r>
-              <a:rPr b="0" lang="en-US" sz="1800" spc="-1" strike="noStrike">
-                <a:solidFill>
-                  <a:srgbClr val="000000"/>
-                </a:solidFill>
-                <a:latin typeface="Arial"/>
-              </a:rPr>
-              <a:t>d</a:t>
-            </a:r>
-            <a:r>
-              <a:rPr b="0" lang="en-US" sz="1800" spc="-1" strike="noStrike">
-                <a:solidFill>
-                  <a:srgbClr val="000000"/>
-                </a:solidFill>
-                <a:latin typeface="Arial"/>
-              </a:rPr>
-              <a:t>i</a:t>
-            </a:r>
-            <a:r>
-              <a:rPr b="0" lang="en-US" sz="1800" spc="-1" strike="noStrike">
-                <a:solidFill>
-                  <a:srgbClr val="000000"/>
-                </a:solidFill>
-                <a:latin typeface="Arial"/>
-              </a:rPr>
-              <a:t>t</a:t>
-            </a:r>
-            <a:r>
-              <a:rPr b="0" lang="en-US" sz="1800" spc="-1" strike="noStrike">
-                <a:solidFill>
-                  <a:srgbClr val="000000"/>
-                </a:solidFill>
-                <a:latin typeface="Arial"/>
-              </a:rPr>
-              <a:t> </a:t>
-            </a:r>
-            <a:r>
-              <a:rPr b="0" lang="en-US" sz="1800" spc="-1" strike="noStrike">
-                <a:solidFill>
-                  <a:srgbClr val="000000"/>
-                </a:solidFill>
-                <a:latin typeface="Arial"/>
-              </a:rPr>
-              <a:t>t</a:t>
-            </a:r>
-            <a:r>
-              <a:rPr b="0" lang="en-US" sz="1800" spc="-1" strike="noStrike">
-                <a:solidFill>
-                  <a:srgbClr val="000000"/>
-                </a:solidFill>
-                <a:latin typeface="Arial"/>
-              </a:rPr>
-              <a:t>h</a:t>
-            </a:r>
-            <a:r>
-              <a:rPr b="0" lang="en-US" sz="1800" spc="-1" strike="noStrike">
-                <a:solidFill>
-                  <a:srgbClr val="000000"/>
-                </a:solidFill>
-                <a:latin typeface="Arial"/>
-              </a:rPr>
-              <a:t>e</a:t>
-            </a:r>
-            <a:r>
-              <a:rPr b="0" lang="en-US" sz="1800" spc="-1" strike="noStrike">
-                <a:solidFill>
-                  <a:srgbClr val="000000"/>
-                </a:solidFill>
-                <a:latin typeface="Arial"/>
-              </a:rPr>
-              <a:t> </a:t>
-            </a:r>
-            <a:r>
-              <a:rPr b="0" lang="en-US" sz="1800" spc="-1" strike="noStrike">
-                <a:solidFill>
-                  <a:srgbClr val="000000"/>
-                </a:solidFill>
-                <a:latin typeface="Arial"/>
-              </a:rPr>
-              <a:t>t</a:t>
-            </a:r>
-            <a:r>
-              <a:rPr b="0" lang="en-US" sz="1800" spc="-1" strike="noStrike">
-                <a:solidFill>
-                  <a:srgbClr val="000000"/>
-                </a:solidFill>
-                <a:latin typeface="Arial"/>
-              </a:rPr>
-              <a:t>i</a:t>
-            </a:r>
-            <a:r>
-              <a:rPr b="0" lang="en-US" sz="1800" spc="-1" strike="noStrike">
-                <a:solidFill>
-                  <a:srgbClr val="000000"/>
-                </a:solidFill>
-                <a:latin typeface="Arial"/>
-              </a:rPr>
-              <a:t>t</a:t>
-            </a:r>
-            <a:r>
-              <a:rPr b="0" lang="en-US" sz="1800" spc="-1" strike="noStrike">
-                <a:solidFill>
-                  <a:srgbClr val="000000"/>
-                </a:solidFill>
-                <a:latin typeface="Arial"/>
-              </a:rPr>
-              <a:t>l</a:t>
-            </a:r>
-            <a:r>
-              <a:rPr b="0" lang="en-US" sz="1800" spc="-1" strike="noStrike">
-                <a:solidFill>
-                  <a:srgbClr val="000000"/>
-                </a:solidFill>
-                <a:latin typeface="Arial"/>
-              </a:rPr>
-              <a:t>e</a:t>
-            </a:r>
-            <a:r>
-              <a:rPr b="0" lang="en-US" sz="1800" spc="-1" strike="noStrike">
-                <a:solidFill>
-                  <a:srgbClr val="000000"/>
-                </a:solidFill>
-                <a:latin typeface="Arial"/>
-              </a:rPr>
-              <a:t> </a:t>
-            </a:r>
-            <a:r>
-              <a:rPr b="0" lang="en-US" sz="1800" spc="-1" strike="noStrike">
-                <a:solidFill>
-                  <a:srgbClr val="000000"/>
-                </a:solidFill>
-                <a:latin typeface="Arial"/>
-              </a:rPr>
-              <a:t>t</a:t>
-            </a:r>
-            <a:r>
-              <a:rPr b="0" lang="en-US" sz="1800" spc="-1" strike="noStrike">
-                <a:solidFill>
-                  <a:srgbClr val="000000"/>
-                </a:solidFill>
-                <a:latin typeface="Arial"/>
-              </a:rPr>
-              <a:t>e</a:t>
-            </a:r>
-            <a:r>
-              <a:rPr b="0" lang="en-US" sz="1800" spc="-1" strike="noStrike">
-                <a:solidFill>
-                  <a:srgbClr val="000000"/>
-                </a:solidFill>
-                <a:latin typeface="Arial"/>
-              </a:rPr>
-              <a:t>x</a:t>
-            </a:r>
-            <a:r>
-              <a:rPr b="0" lang="en-US" sz="1800" spc="-1" strike="noStrike">
-                <a:solidFill>
-                  <a:srgbClr val="000000"/>
-                </a:solidFill>
-                <a:latin typeface="Arial"/>
-              </a:rPr>
-              <a:t>t</a:t>
-            </a:r>
-            <a:r>
-              <a:rPr b="0" lang="en-US" sz="1800" spc="-1" strike="noStrike">
-                <a:solidFill>
-                  <a:srgbClr val="000000"/>
-                </a:solidFill>
-                <a:latin typeface="Arial"/>
-              </a:rPr>
-              <a:t> </a:t>
-            </a:r>
-            <a:r>
-              <a:rPr b="0" lang="en-US" sz="1800" spc="-1" strike="noStrike">
-                <a:solidFill>
-                  <a:srgbClr val="000000"/>
-                </a:solidFill>
-                <a:latin typeface="Arial"/>
-              </a:rPr>
-              <a:t>f</a:t>
-            </a:r>
-            <a:r>
-              <a:rPr b="0" lang="en-US" sz="1800" spc="-1" strike="noStrike">
-                <a:solidFill>
-                  <a:srgbClr val="000000"/>
-                </a:solidFill>
-                <a:latin typeface="Arial"/>
-              </a:rPr>
-              <a:t>o</a:t>
-            </a:r>
-            <a:r>
-              <a:rPr b="0" lang="en-US" sz="1800" spc="-1" strike="noStrike">
-                <a:solidFill>
-                  <a:srgbClr val="000000"/>
-                </a:solidFill>
-                <a:latin typeface="Arial"/>
-              </a:rPr>
-              <a:t>r</a:t>
-            </a:r>
-            <a:r>
-              <a:rPr b="0" lang="en-US" sz="1800" spc="-1" strike="noStrike">
-                <a:solidFill>
-                  <a:srgbClr val="000000"/>
-                </a:solidFill>
-                <a:latin typeface="Arial"/>
-              </a:rPr>
-              <a:t>m</a:t>
-            </a:r>
-            <a:r>
-              <a:rPr b="0" lang="en-US" sz="1800" spc="-1" strike="noStrike">
-                <a:solidFill>
-                  <a:srgbClr val="000000"/>
-                </a:solidFill>
-                <a:latin typeface="Arial"/>
-              </a:rPr>
-              <a:t>a</a:t>
-            </a:r>
-            <a:r>
-              <a:rPr b="0" lang="en-US" sz="1800" spc="-1" strike="noStrike">
-                <a:solidFill>
-                  <a:srgbClr val="000000"/>
-                </a:solidFill>
-                <a:latin typeface="Arial"/>
-              </a:rPr>
-              <a:t>t</a:t>
-            </a:r>
-            <a:endParaRPr b="0" lang="en-US" sz="1800" spc="-1" strike="noStrike">
-              <a:solidFill>
-                <a:srgbClr val="000000"/>
-              </a:solidFill>
+              <a:t>Click to edit the title text format</a:t>
+            </a:r>
+            <a:endParaRPr b="0" lang="en-IN" sz="4400" spc="-1" strike="noStrike">
               <a:latin typeface="Arial"/>
             </a:endParaRPr>
           </a:p>
@@ -3598,18 +3109,12 @@
               <a:buChar char=""/>
             </a:pPr>
             <a:r>
-              <a:rPr b="0" lang="en-US" sz="2800" spc="-1" strike="noStrike">
-                <a:solidFill>
-                  <a:srgbClr val="000000"/>
-                </a:solidFill>
+              <a:rPr b="0" lang="en-IN" sz="3200" spc="-1" strike="noStrike">
                 <a:latin typeface="Arial"/>
               </a:rPr>
               <a:t>Click to edit the outline text format</a:t>
             </a:r>
-            <a:endParaRPr b="0" lang="en-US" sz="2800" spc="-1" strike="noStrike">
-              <a:solidFill>
-                <a:srgbClr val="000000"/>
-              </a:solidFill>
+            <a:endParaRPr b="0" lang="en-IN" sz="3200" spc="-1" strike="noStrike">
               <a:latin typeface="Arial"/>
             </a:endParaRPr>
           </a:p>
@@ -3626,18 +3131,12 @@
               <a:buChar char=""/>
             </a:pPr>
             <a:r>
-              <a:rPr b="0" lang="en-US" sz="2000" spc="-1" strike="noStrike">
-                <a:solidFill>
-                  <a:srgbClr val="000000"/>
-                </a:solidFill>
+              <a:rPr b="0" lang="en-IN" sz="2800" spc="-1" strike="noStrike">
                 <a:latin typeface="Arial"/>
               </a:rPr>
               <a:t>Second Outline Level</a:t>
             </a:r>
-            <a:endParaRPr b="0" lang="en-US" sz="2000" spc="-1" strike="noStrike">
-              <a:solidFill>
-                <a:srgbClr val="000000"/>
-              </a:solidFill>
+            <a:endParaRPr b="0" lang="en-IN" sz="2800" spc="-1" strike="noStrike">
               <a:latin typeface="Arial"/>
             </a:endParaRPr>
           </a:p>
@@ -3654,18 +3153,12 @@
               <a:buChar char=""/>
             </a:pPr>
             <a:r>
-              <a:rPr b="0" lang="en-US" sz="1800" spc="-1" strike="noStrike">
-                <a:solidFill>
-                  <a:srgbClr val="000000"/>
-                </a:solidFill>
+              <a:rPr b="0" lang="en-IN" sz="2400" spc="-1" strike="noStrike">
                 <a:latin typeface="Arial"/>
               </a:rPr>
               <a:t>Third Outline Level</a:t>
             </a:r>
-            <a:endParaRPr b="0" lang="en-US" sz="1800" spc="-1" strike="noStrike">
-              <a:solidFill>
-                <a:srgbClr val="000000"/>
-              </a:solidFill>
+            <a:endParaRPr b="0" lang="en-IN" sz="2400" spc="-1" strike="noStrike">
               <a:latin typeface="Arial"/>
             </a:endParaRPr>
           </a:p>
@@ -3682,18 +3175,12 @@
               <a:buChar char=""/>
             </a:pPr>
             <a:r>
-              <a:rPr b="0" lang="en-US" sz="1800" spc="-1" strike="noStrike">
-                <a:solidFill>
-                  <a:srgbClr val="000000"/>
-                </a:solidFill>
+              <a:rPr b="0" lang="en-IN" sz="2000" spc="-1" strike="noStrike">
                 <a:latin typeface="Arial"/>
               </a:rPr>
               <a:t>Fourth Outline Level</a:t>
             </a:r>
-            <a:endParaRPr b="0" lang="en-US" sz="1800" spc="-1" strike="noStrike">
-              <a:solidFill>
-                <a:srgbClr val="000000"/>
-              </a:solidFill>
+            <a:endParaRPr b="0" lang="en-IN" sz="2000" spc="-1" strike="noStrike">
               <a:latin typeface="Arial"/>
             </a:endParaRPr>
           </a:p>
@@ -3710,18 +3197,12 @@
               <a:buChar char=""/>
             </a:pPr>
             <a:r>
-              <a:rPr b="0" lang="en-US" sz="2000" spc="-1" strike="noStrike">
-                <a:solidFill>
-                  <a:srgbClr val="000000"/>
-                </a:solidFill>
+              <a:rPr b="0" lang="en-IN" sz="2000" spc="-1" strike="noStrike">
                 <a:latin typeface="Arial"/>
               </a:rPr>
               <a:t>Fifth Outline Level</a:t>
             </a:r>
-            <a:endParaRPr b="0" lang="en-US" sz="2000" spc="-1" strike="noStrike">
-              <a:solidFill>
-                <a:srgbClr val="000000"/>
-              </a:solidFill>
+            <a:endParaRPr b="0" lang="en-IN" sz="2000" spc="-1" strike="noStrike">
               <a:latin typeface="Arial"/>
             </a:endParaRPr>
           </a:p>
@@ -3738,18 +3219,12 @@
               <a:buChar char=""/>
             </a:pPr>
             <a:r>
-              <a:rPr b="0" lang="en-US" sz="2000" spc="-1" strike="noStrike">
-                <a:solidFill>
-                  <a:srgbClr val="000000"/>
-                </a:solidFill>
+              <a:rPr b="0" lang="en-IN" sz="2000" spc="-1" strike="noStrike">
                 <a:latin typeface="Arial"/>
               </a:rPr>
               <a:t>Sixth Outline Level</a:t>
             </a:r>
-            <a:endParaRPr b="0" lang="en-US" sz="2000" spc="-1" strike="noStrike">
-              <a:solidFill>
-                <a:srgbClr val="000000"/>
-              </a:solidFill>
+            <a:endParaRPr b="0" lang="en-IN" sz="2000" spc="-1" strike="noStrike">
               <a:latin typeface="Arial"/>
             </a:endParaRPr>
           </a:p>
@@ -3766,18 +3241,12 @@
               <a:buChar char=""/>
             </a:pPr>
             <a:r>
-              <a:rPr b="0" lang="en-US" sz="2000" spc="-1" strike="noStrike">
-                <a:solidFill>
-                  <a:srgbClr val="000000"/>
-                </a:solidFill>
+              <a:rPr b="0" lang="en-IN" sz="2000" spc="-1" strike="noStrike">
                 <a:latin typeface="Arial"/>
               </a:rPr>
               <a:t>Seventh Outline Level</a:t>
             </a:r>
-            <a:endParaRPr b="0" lang="en-US" sz="2000" spc="-1" strike="noStrike">
-              <a:solidFill>
-                <a:srgbClr val="000000"/>
-              </a:solidFill>
+            <a:endParaRPr b="0" lang="en-IN" sz="2000" spc="-1" strike="noStrike">
               <a:latin typeface="Arial"/>
             </a:endParaRPr>
           </a:p>
@@ -3893,8 +3362,8 @@
         </p:nvSpPr>
         <p:spPr>
           <a:xfrm rot="5400000">
-            <a:off x="593640" y="6447240"/>
-            <a:ext cx="187560" cy="157320"/>
+            <a:off x="594000" y="6447240"/>
+            <a:ext cx="187200" cy="156960"/>
           </a:xfrm>
           <a:prstGeom prst="triangle">
             <a:avLst>
@@ -3963,8 +3432,8 @@
         </p:nvSpPr>
         <p:spPr>
           <a:xfrm rot="5400000">
-            <a:off x="593640" y="6447240"/>
-            <a:ext cx="187560" cy="157320"/>
+            <a:off x="594000" y="6447240"/>
+            <a:ext cx="187200" cy="156960"/>
           </a:xfrm>
           <a:prstGeom prst="triangle">
             <a:avLst>
@@ -4020,19 +3489,14 @@
             <a:noAutofit/>
           </a:bodyPr>
           <a:p>
-            <a:r>
-              <a:rPr b="0" lang="en-US" sz="1800" spc="-1" strike="noStrike">
-                <a:solidFill>
-                  <a:srgbClr val="000000"/>
-                </a:solidFill>
+            <a:pPr algn="ctr"/>
+            <a:r>
+              <a:rPr b="0" lang="en-IN" sz="4400" spc="-1" strike="noStrike">
                 <a:latin typeface="Arial"/>
               </a:rPr>
               <a:t>Click to edit the title text format</a:t>
             </a:r>
-            <a:endParaRPr b="0" lang="en-US" sz="1800" spc="-1" strike="noStrike">
-              <a:solidFill>
-                <a:srgbClr val="000000"/>
-              </a:solidFill>
+            <a:endParaRPr b="0" lang="en-IN" sz="4400" spc="-1" strike="noStrike">
               <a:latin typeface="Arial"/>
             </a:endParaRPr>
           </a:p>
@@ -4074,18 +3538,12 @@
               <a:buChar char=""/>
             </a:pPr>
             <a:r>
-              <a:rPr b="0" lang="en-US" sz="2800" spc="-1" strike="noStrike">
-                <a:solidFill>
-                  <a:srgbClr val="000000"/>
-                </a:solidFill>
+              <a:rPr b="0" lang="en-IN" sz="3200" spc="-1" strike="noStrike">
                 <a:latin typeface="Arial"/>
               </a:rPr>
               <a:t>Click to edit the outline text format</a:t>
             </a:r>
-            <a:endParaRPr b="0" lang="en-US" sz="2800" spc="-1" strike="noStrike">
-              <a:solidFill>
-                <a:srgbClr val="000000"/>
-              </a:solidFill>
+            <a:endParaRPr b="0" lang="en-IN" sz="3200" spc="-1" strike="noStrike">
               <a:latin typeface="Arial"/>
             </a:endParaRPr>
           </a:p>
@@ -4102,18 +3560,12 @@
               <a:buChar char=""/>
             </a:pPr>
             <a:r>
-              <a:rPr b="0" lang="en-US" sz="2000" spc="-1" strike="noStrike">
-                <a:solidFill>
-                  <a:srgbClr val="000000"/>
-                </a:solidFill>
+              <a:rPr b="0" lang="en-IN" sz="2800" spc="-1" strike="noStrike">
                 <a:latin typeface="Arial"/>
               </a:rPr>
               <a:t>Second Outline Level</a:t>
             </a:r>
-            <a:endParaRPr b="0" lang="en-US" sz="2000" spc="-1" strike="noStrike">
-              <a:solidFill>
-                <a:srgbClr val="000000"/>
-              </a:solidFill>
+            <a:endParaRPr b="0" lang="en-IN" sz="2800" spc="-1" strike="noStrike">
               <a:latin typeface="Arial"/>
             </a:endParaRPr>
           </a:p>
@@ -4130,18 +3582,12 @@
               <a:buChar char=""/>
             </a:pPr>
             <a:r>
-              <a:rPr b="0" lang="en-US" sz="1800" spc="-1" strike="noStrike">
-                <a:solidFill>
-                  <a:srgbClr val="000000"/>
-                </a:solidFill>
+              <a:rPr b="0" lang="en-IN" sz="2400" spc="-1" strike="noStrike">
                 <a:latin typeface="Arial"/>
               </a:rPr>
               <a:t>Third Outline Level</a:t>
             </a:r>
-            <a:endParaRPr b="0" lang="en-US" sz="1800" spc="-1" strike="noStrike">
-              <a:solidFill>
-                <a:srgbClr val="000000"/>
-              </a:solidFill>
+            <a:endParaRPr b="0" lang="en-IN" sz="2400" spc="-1" strike="noStrike">
               <a:latin typeface="Arial"/>
             </a:endParaRPr>
           </a:p>
@@ -4158,18 +3604,12 @@
               <a:buChar char=""/>
             </a:pPr>
             <a:r>
-              <a:rPr b="0" lang="en-US" sz="1800" spc="-1" strike="noStrike">
-                <a:solidFill>
-                  <a:srgbClr val="000000"/>
-                </a:solidFill>
+              <a:rPr b="0" lang="en-IN" sz="2000" spc="-1" strike="noStrike">
                 <a:latin typeface="Arial"/>
               </a:rPr>
               <a:t>Fourth Outline Level</a:t>
             </a:r>
-            <a:endParaRPr b="0" lang="en-US" sz="1800" spc="-1" strike="noStrike">
-              <a:solidFill>
-                <a:srgbClr val="000000"/>
-              </a:solidFill>
+            <a:endParaRPr b="0" lang="en-IN" sz="2000" spc="-1" strike="noStrike">
               <a:latin typeface="Arial"/>
             </a:endParaRPr>
           </a:p>
@@ -4186,18 +3626,12 @@
               <a:buChar char=""/>
             </a:pPr>
             <a:r>
-              <a:rPr b="0" lang="en-US" sz="2000" spc="-1" strike="noStrike">
-                <a:solidFill>
-                  <a:srgbClr val="000000"/>
-                </a:solidFill>
+              <a:rPr b="0" lang="en-IN" sz="2000" spc="-1" strike="noStrike">
                 <a:latin typeface="Arial"/>
               </a:rPr>
               <a:t>Fifth Outline Level</a:t>
             </a:r>
-            <a:endParaRPr b="0" lang="en-US" sz="2000" spc="-1" strike="noStrike">
-              <a:solidFill>
-                <a:srgbClr val="000000"/>
-              </a:solidFill>
+            <a:endParaRPr b="0" lang="en-IN" sz="2000" spc="-1" strike="noStrike">
               <a:latin typeface="Arial"/>
             </a:endParaRPr>
           </a:p>
@@ -4214,18 +3648,12 @@
               <a:buChar char=""/>
             </a:pPr>
             <a:r>
-              <a:rPr b="0" lang="en-US" sz="2000" spc="-1" strike="noStrike">
-                <a:solidFill>
-                  <a:srgbClr val="000000"/>
-                </a:solidFill>
+              <a:rPr b="0" lang="en-IN" sz="2000" spc="-1" strike="noStrike">
                 <a:latin typeface="Arial"/>
               </a:rPr>
               <a:t>Sixth Outline Level</a:t>
             </a:r>
-            <a:endParaRPr b="0" lang="en-US" sz="2000" spc="-1" strike="noStrike">
-              <a:solidFill>
-                <a:srgbClr val="000000"/>
-              </a:solidFill>
+            <a:endParaRPr b="0" lang="en-IN" sz="2000" spc="-1" strike="noStrike">
               <a:latin typeface="Arial"/>
             </a:endParaRPr>
           </a:p>
@@ -4242,18 +3670,12 @@
               <a:buChar char=""/>
             </a:pPr>
             <a:r>
-              <a:rPr b="0" lang="en-US" sz="2000" spc="-1" strike="noStrike">
-                <a:solidFill>
-                  <a:srgbClr val="000000"/>
-                </a:solidFill>
+              <a:rPr b="0" lang="en-IN" sz="2000" spc="-1" strike="noStrike">
                 <a:latin typeface="Arial"/>
               </a:rPr>
               <a:t>Seventh Outline Level</a:t>
             </a:r>
-            <a:endParaRPr b="0" lang="en-US" sz="2000" spc="-1" strike="noStrike">
-              <a:solidFill>
-                <a:srgbClr val="000000"/>
-              </a:solidFill>
+            <a:endParaRPr b="0" lang="en-IN" sz="2000" spc="-1" strike="noStrike">
               <a:latin typeface="Arial"/>
             </a:endParaRPr>
           </a:p>
@@ -4305,7 +3727,7 @@
         <p:spPr>
           <a:xfrm>
             <a:off x="1975680" y="3733920"/>
-            <a:ext cx="8531280" cy="987480"/>
+            <a:ext cx="8530920" cy="987120"/>
           </a:xfrm>
           <a:prstGeom prst="rect">
             <a:avLst/>
@@ -4362,7 +3784,7 @@
         <p:spPr>
           <a:xfrm>
             <a:off x="181440" y="2001960"/>
-            <a:ext cx="2851200" cy="2851200"/>
+            <a:ext cx="2850840" cy="2850840"/>
           </a:xfrm>
           <a:prstGeom prst="rect">
             <a:avLst/>
@@ -4381,7 +3803,7 @@
         <p:spPr>
           <a:xfrm>
             <a:off x="4444920" y="5050800"/>
-            <a:ext cx="6061680" cy="584640"/>
+            <a:ext cx="6061320" cy="584280"/>
           </a:xfrm>
           <a:prstGeom prst="rect">
             <a:avLst/>
@@ -4444,7 +3866,7 @@
         <p:spPr>
           <a:xfrm>
             <a:off x="181440" y="196560"/>
-            <a:ext cx="2851200" cy="1064520"/>
+            <a:ext cx="2850840" cy="1064160"/>
           </a:xfrm>
           <a:prstGeom prst="rect">
             <a:avLst/>
@@ -4463,7 +3885,7 @@
         <p:spPr>
           <a:xfrm>
             <a:off x="3557880" y="93600"/>
-            <a:ext cx="8449560" cy="3045240"/>
+            <a:ext cx="8449200" cy="3045240"/>
           </a:xfrm>
           <a:prstGeom prst="rect">
             <a:avLst/>
@@ -4548,7 +3970,7 @@
         <p:spPr>
           <a:xfrm>
             <a:off x="181440" y="196920"/>
-            <a:ext cx="2853000" cy="1066320"/>
+            <a:ext cx="2852640" cy="1065960"/>
           </a:xfrm>
           <a:prstGeom prst="rect">
             <a:avLst/>
@@ -4571,7 +3993,7 @@
         <p:spPr>
           <a:xfrm>
             <a:off x="181440" y="2001960"/>
-            <a:ext cx="2854080" cy="2854080"/>
+            <a:ext cx="2853720" cy="2853720"/>
           </a:xfrm>
           <a:prstGeom prst="rect">
             <a:avLst/>
@@ -4655,7 +4077,7 @@
         <p:spPr>
           <a:xfrm>
             <a:off x="1523880" y="0"/>
-            <a:ext cx="9140760" cy="699840"/>
+            <a:ext cx="9140400" cy="699480"/>
           </a:xfrm>
           <a:prstGeom prst="rect">
             <a:avLst/>
@@ -4710,7 +4132,7 @@
         <p:spPr>
           <a:xfrm>
             <a:off x="1600200" y="762120"/>
-            <a:ext cx="8988480" cy="1614960"/>
+            <a:ext cx="8988120" cy="1583640"/>
           </a:xfrm>
           <a:prstGeom prst="rect">
             <a:avLst/>
@@ -4731,62 +4153,60 @@
             <a:spAutoFit/>
           </a:bodyPr>
           <a:p>
-            <a:pPr algn="just">
-              <a:lnSpc>
-                <a:spcPct val="100000"/>
-              </a:lnSpc>
-            </a:pPr>
-            <a:r>
-              <a:rPr b="1" lang="en-US" sz="2000" spc="-1" strike="noStrike">
+            <a:pPr algn="just"/>
+            <a:r>
+              <a:rPr b="1" lang="en-US" sz="1800" spc="-1" strike="noStrike">
+                <a:solidFill>
+                  <a:srgbClr val="7c4dff"/>
+                </a:solidFill>
+                <a:latin typeface="Arial"/>
+                <a:ea typeface="DejaVu Sans"/>
+              </a:rPr>
+              <a:t>SETEX</a:t>
+            </a:r>
+            <a:r>
+              <a:rPr b="0" lang="en-US" sz="1800" spc="-1" strike="noStrike">
                 <a:solidFill>
                   <a:srgbClr val="000000"/>
                 </a:solidFill>
-                <a:latin typeface="Times New Roman"/>
-                <a:ea typeface="DejaVu Sans"/>
-              </a:rPr>
-              <a:t>SETEX</a:t>
-            </a:r>
-            <a:r>
-              <a:rPr b="0" lang="en-US" sz="2000" spc="-1" strike="noStrike">
+                <a:latin typeface="Arial"/>
+                <a:ea typeface="DejaVu Sans"/>
+              </a:rPr>
+              <a:t> set key to hold the string value and set key to timeout after a given number of seconds.</a:t>
+            </a:r>
+            <a:endParaRPr b="0" lang="en-IN" sz="1800" spc="-1" strike="noStrike">
+              <a:latin typeface="Arial"/>
+            </a:endParaRPr>
+          </a:p>
+          <a:p>
+            <a:pPr algn="just"/>
+            <a:endParaRPr b="0" lang="en-IN" sz="1800" spc="-1" strike="noStrike">
+              <a:latin typeface="Arial"/>
+            </a:endParaRPr>
+          </a:p>
+          <a:p>
+            <a:pPr algn="just"/>
+            <a:r>
+              <a:rPr b="1" lang="en-US" sz="1800" spc="-1" strike="noStrike">
+                <a:solidFill>
+                  <a:srgbClr val="7c4dff"/>
+                </a:solidFill>
+                <a:latin typeface="Arial"/>
+                <a:ea typeface="DejaVu Sans"/>
+              </a:rPr>
+              <a:t>SETNX</a:t>
+            </a:r>
+            <a:r>
+              <a:rPr b="0" lang="en-US" sz="1800" spc="-1" strike="noStrike">
                 <a:solidFill>
                   <a:srgbClr val="000000"/>
                 </a:solidFill>
-                <a:latin typeface="Times New Roman"/>
-                <a:ea typeface="DejaVu Sans"/>
-              </a:rPr>
-              <a:t> set key to hold the string value and set key to timeout after a given number of seconds.</a:t>
-            </a:r>
-            <a:endParaRPr b="0" lang="en-IN" sz="2000" spc="-1" strike="noStrike">
-              <a:latin typeface="Arial"/>
-            </a:endParaRPr>
-          </a:p>
-          <a:p>
-            <a:pPr algn="just">
-              <a:lnSpc>
-                <a:spcPct val="100000"/>
-              </a:lnSpc>
-            </a:pPr>
-            <a:r>
-              <a:rPr b="1" lang="en-US" sz="2000" spc="-1" strike="noStrike">
-                <a:solidFill>
-                  <a:srgbClr val="000000"/>
-                </a:solidFill>
                 <a:latin typeface="Arial"/>
                 <a:ea typeface="DejaVu Sans"/>
               </a:rPr>
-              <a:t>SETNX</a:t>
-            </a:r>
-            <a:r>
-              <a:rPr b="0" lang="en-US" sz="2000" spc="-1" strike="noStrike">
-                <a:solidFill>
-                  <a:srgbClr val="000000"/>
-                </a:solidFill>
-                <a:latin typeface="Arial"/>
-                <a:ea typeface="DejaVu Sans"/>
-              </a:rPr>
               <a:t> set key to hold string value if key does not exist. In that case, it is equal to SET. When key already holds a value, no operation is performed. SETNX is short for "SET if Not eXists".</a:t>
             </a:r>
-            <a:endParaRPr b="0" lang="en-IN" sz="2000" spc="-1" strike="noStrike">
+            <a:endParaRPr b="0" lang="en-IN" sz="1800" spc="-1" strike="noStrike">
               <a:latin typeface="Arial"/>
             </a:endParaRPr>
           </a:p>
@@ -4801,7 +4221,7 @@
         <p:spPr>
           <a:xfrm>
             <a:off x="152280" y="152280"/>
-            <a:ext cx="1103400" cy="455400"/>
+            <a:ext cx="1103040" cy="455400"/>
           </a:xfrm>
           <a:prstGeom prst="rect">
             <a:avLst/>
@@ -4851,8 +4271,8 @@
         </p:nvSpPr>
         <p:spPr>
           <a:xfrm>
-            <a:off x="1601280" y="2787480"/>
-            <a:ext cx="8987400" cy="700200"/>
+            <a:off x="1601280" y="2823480"/>
+            <a:ext cx="8987040" cy="699840"/>
           </a:xfrm>
           <a:prstGeom prst="rect">
             <a:avLst/>
@@ -4923,7 +4343,7 @@
         <p:spPr>
           <a:xfrm>
             <a:off x="1523880" y="3801960"/>
-            <a:ext cx="8886600" cy="2147760"/>
+            <a:ext cx="8886240" cy="2147400"/>
           </a:xfrm>
           <a:prstGeom prst="rect">
             <a:avLst/>
@@ -4944,7 +4364,7 @@
             <a:spAutoFit/>
           </a:bodyPr>
           <a:p>
-            <a:pPr marL="285840" indent="-282600">
+            <a:pPr marL="285840" indent="-282240">
               <a:lnSpc>
                 <a:spcPct val="150000"/>
               </a:lnSpc>
@@ -4982,24 +4402,14 @@
                 <a:latin typeface="Consolas"/>
                 <a:ea typeface="SimSun"/>
               </a:rPr>
-              <a:t>setex </a:t>
-            </a:r>
-            <a:r>
-              <a:rPr b="0" lang="en-IN" sz="1800" spc="-1" strike="noStrike">
-                <a:solidFill>
-                  <a:srgbClr val="ff5733"/>
-                </a:solidFill>
-                <a:latin typeface="Consolas"/>
-                <a:ea typeface="SimSun"/>
-              </a:rPr>
-              <a:t> message:1 60 "this is the test by SALEEL!, we are learning Redis..."</a:t>
+              <a:t>setex  message:1 60 "this is the test by SALEEL!, we are learning Redis..."</a:t>
             </a:r>
             <a:endParaRPr b="0" lang="en-IN" sz="1800" spc="-1" strike="noStrike">
               <a:latin typeface="Arial"/>
             </a:endParaRPr>
           </a:p>
           <a:p>
-            <a:pPr marL="285840" indent="-282600">
+            <a:pPr marL="285840" indent="-282240">
               <a:lnSpc>
                 <a:spcPct val="150000"/>
               </a:lnSpc>
@@ -5044,7 +4454,7 @@
             </a:endParaRPr>
           </a:p>
           <a:p>
-            <a:pPr marL="285840" indent="-282600">
+            <a:pPr marL="285840" indent="-282240">
               <a:lnSpc>
                 <a:spcPct val="150000"/>
               </a:lnSpc>
@@ -5082,24 +4492,14 @@
                 <a:latin typeface="Consolas"/>
                 <a:ea typeface="SimSun"/>
               </a:rPr>
-              <a:t>setnx sms:3 "Some long text ...</a:t>
-            </a:r>
-            <a:r>
-              <a:rPr b="0" lang="en-IN" sz="1800" spc="-1" strike="noStrike">
-                <a:solidFill>
-                  <a:srgbClr val="ff5733"/>
-                </a:solidFill>
-                <a:latin typeface="Consolas"/>
-                <a:ea typeface="SimSun"/>
-              </a:rPr>
-              <a:t>"</a:t>
+              <a:t>setnx sms:3 "Some long text ..."</a:t>
             </a:r>
             <a:endParaRPr b="0" lang="en-IN" sz="1800" spc="-1" strike="noStrike">
               <a:latin typeface="Arial"/>
             </a:endParaRPr>
           </a:p>
           <a:p>
-            <a:pPr marL="285840" indent="-282600">
+            <a:pPr marL="285840" indent="-282240">
               <a:lnSpc>
                 <a:spcPct val="150000"/>
               </a:lnSpc>
@@ -5137,17 +4537,7 @@
                 <a:latin typeface="Consolas"/>
                 <a:ea typeface="SimSun"/>
               </a:rPr>
-              <a:t>setnx "my playlist" "Song 1 Song 2 ...</a:t>
-            </a:r>
-            <a:r>
-              <a:rPr b="0" lang="en-IN" sz="1800" spc="-1" strike="noStrike">
-                <a:solidFill>
-                  <a:srgbClr val="ff5733"/>
-                </a:solidFill>
-                <a:latin typeface="Consolas"/>
-                <a:ea typeface="SimSun"/>
-              </a:rPr>
-              <a:t>"</a:t>
+              <a:t>setnx "my playlist" "Song 1 Song 2 ..."</a:t>
             </a:r>
             <a:endParaRPr b="0" lang="en-IN" sz="1800" spc="-1" strike="noStrike">
               <a:latin typeface="Arial"/>
@@ -5194,7 +4584,7 @@
         <p:spPr>
           <a:xfrm>
             <a:off x="1676520" y="2362320"/>
-            <a:ext cx="8835840" cy="2284200"/>
+            <a:ext cx="8835480" cy="2284200"/>
           </a:xfrm>
           <a:prstGeom prst="rect">
             <a:avLst/>
@@ -5245,7 +4635,7 @@
         <p:spPr>
           <a:xfrm>
             <a:off x="1676520" y="3531600"/>
-            <a:ext cx="8835840" cy="424800"/>
+            <a:ext cx="8835480" cy="424800"/>
           </a:xfrm>
           <a:prstGeom prst="rect">
             <a:avLst/>
@@ -5361,7 +4751,7 @@
         <p:spPr>
           <a:xfrm>
             <a:off x="1523880" y="0"/>
-            <a:ext cx="9140760" cy="699120"/>
+            <a:ext cx="9140400" cy="699120"/>
           </a:xfrm>
           <a:prstGeom prst="rect">
             <a:avLst/>
@@ -5416,7 +4806,7 @@
         <p:spPr>
           <a:xfrm>
             <a:off x="1600200" y="762120"/>
-            <a:ext cx="8988480" cy="1309320"/>
+            <a:ext cx="8988120" cy="1309320"/>
           </a:xfrm>
           <a:prstGeom prst="rect">
             <a:avLst/>
@@ -5437,62 +4827,60 @@
             <a:spAutoFit/>
           </a:bodyPr>
           <a:p>
-            <a:pPr algn="just">
-              <a:lnSpc>
-                <a:spcPct val="100000"/>
-              </a:lnSpc>
-            </a:pPr>
-            <a:r>
-              <a:rPr b="1" lang="en-US" sz="2000" spc="-1" strike="noStrike">
+            <a:pPr algn="just"/>
+            <a:r>
+              <a:rPr b="1" lang="en-US" sz="1800" spc="-1" strike="noStrike">
+                <a:solidFill>
+                  <a:srgbClr val="7c4dff"/>
+                </a:solidFill>
+                <a:latin typeface="Arial"/>
+                <a:ea typeface="DejaVu Sans"/>
+              </a:rPr>
+              <a:t>GET</a:t>
+            </a:r>
+            <a:r>
+              <a:rPr b="0" lang="en-US" sz="1800" spc="-1" strike="noStrike">
                 <a:solidFill>
                   <a:srgbClr val="000000"/>
                 </a:solidFill>
-                <a:latin typeface="Times New Roman"/>
-                <a:ea typeface="DejaVu Sans"/>
-              </a:rPr>
-              <a:t>GET</a:t>
-            </a:r>
-            <a:r>
-              <a:rPr b="0" lang="en-US" sz="2000" spc="-1" strike="noStrike">
+                <a:latin typeface="Arial"/>
+                <a:ea typeface="DejaVu Sans"/>
+              </a:rPr>
+              <a:t> gets the value of key. If the key does not exist the special value nil is returned. An error is returned if the value stored at key is not a string, because GET only handles string values.</a:t>
+            </a:r>
+            <a:endParaRPr b="0" lang="en-IN" sz="1800" spc="-1" strike="noStrike">
+              <a:latin typeface="Arial"/>
+            </a:endParaRPr>
+          </a:p>
+          <a:p>
+            <a:pPr algn="just"/>
+            <a:endParaRPr b="0" lang="en-IN" sz="1800" spc="-1" strike="noStrike">
+              <a:latin typeface="Arial"/>
+            </a:endParaRPr>
+          </a:p>
+          <a:p>
+            <a:pPr algn="just"/>
+            <a:r>
+              <a:rPr b="1" lang="en-US" sz="1800" spc="-1" strike="noStrike">
+                <a:solidFill>
+                  <a:srgbClr val="7c4dff"/>
+                </a:solidFill>
+                <a:latin typeface="Arial"/>
+                <a:ea typeface="DejaVu Sans"/>
+              </a:rPr>
+              <a:t>GETEX</a:t>
+            </a:r>
+            <a:r>
+              <a:rPr b="0" lang="en-US" sz="1800" spc="-1" strike="noStrike">
                 <a:solidFill>
                   <a:srgbClr val="000000"/>
                 </a:solidFill>
-                <a:latin typeface="Times New Roman"/>
-                <a:ea typeface="DejaVu Sans"/>
-              </a:rPr>
-              <a:t> gets the value of key. If the key does not exist the special value nil is returned. An error is returned if the value stored at key is not a string, because GET only handles string values.</a:t>
-            </a:r>
-            <a:endParaRPr b="0" lang="en-IN" sz="2000" spc="-1" strike="noStrike">
-              <a:latin typeface="Arial"/>
-            </a:endParaRPr>
-          </a:p>
-          <a:p>
-            <a:pPr algn="just">
-              <a:lnSpc>
-                <a:spcPct val="100000"/>
-              </a:lnSpc>
-            </a:pPr>
-            <a:r>
-              <a:rPr b="1" lang="en-US" sz="2000" spc="-1" strike="noStrike">
-                <a:solidFill>
-                  <a:srgbClr val="000000"/>
-                </a:solidFill>
-                <a:latin typeface="Times New Roman"/>
-                <a:ea typeface="DejaVu Sans"/>
-              </a:rPr>
-              <a:t>GETEX</a:t>
-            </a:r>
-            <a:r>
-              <a:rPr b="0" lang="en-US" sz="2000" spc="-1" strike="noStrike">
-                <a:solidFill>
-                  <a:srgbClr val="000000"/>
-                </a:solidFill>
-                <a:latin typeface="Times New Roman"/>
+                <a:latin typeface="Arial"/>
                 <a:ea typeface="DejaVu Sans"/>
               </a:rPr>
               <a:t> gets the value of key and optionally set its expiration.</a:t>
             </a:r>
-            <a:endParaRPr b="0" lang="en-IN" sz="2000" spc="-1" strike="noStrike">
+            <a:endParaRPr b="0" lang="en-IN" sz="1800" spc="-1" strike="noStrike">
               <a:latin typeface="Arial"/>
             </a:endParaRPr>
           </a:p>
@@ -5507,7 +4895,7 @@
         <p:spPr>
           <a:xfrm>
             <a:off x="152280" y="152280"/>
-            <a:ext cx="1103400" cy="455400"/>
+            <a:ext cx="1103040" cy="455400"/>
           </a:xfrm>
           <a:prstGeom prst="rect">
             <a:avLst/>
@@ -5558,7 +4946,7 @@
         <p:spPr>
           <a:xfrm>
             <a:off x="1601280" y="2509560"/>
-            <a:ext cx="8987400" cy="699480"/>
+            <a:ext cx="8987040" cy="699480"/>
           </a:xfrm>
           <a:prstGeom prst="rect">
             <a:avLst/>
@@ -5629,7 +5017,7 @@
         <p:spPr>
           <a:xfrm>
             <a:off x="1523880" y="3480480"/>
-            <a:ext cx="8886600" cy="2558520"/>
+            <a:ext cx="8886240" cy="2558520"/>
           </a:xfrm>
           <a:prstGeom prst="rect">
             <a:avLst/>
@@ -5650,7 +5038,7 @@
             <a:spAutoFit/>
           </a:bodyPr>
           <a:p>
-            <a:pPr marL="285840" indent="-282600">
+            <a:pPr marL="285840" indent="-282240">
               <a:lnSpc>
                 <a:spcPct val="150000"/>
               </a:lnSpc>
@@ -5695,7 +5083,7 @@
             </a:endParaRPr>
           </a:p>
           <a:p>
-            <a:pPr marL="285840" indent="-282600">
+            <a:pPr marL="285840" indent="-282240">
               <a:lnSpc>
                 <a:spcPct val="150000"/>
               </a:lnSpc>
@@ -5740,7 +5128,7 @@
             </a:endParaRPr>
           </a:p>
           <a:p>
-            <a:pPr marL="285840" indent="-282600">
+            <a:pPr marL="285840" indent="-282240">
               <a:lnSpc>
                 <a:spcPct val="150000"/>
               </a:lnSpc>
@@ -5785,7 +5173,7 @@
             </a:endParaRPr>
           </a:p>
           <a:p>
-            <a:pPr marL="285840" indent="-282600">
+            <a:pPr marL="285840" indent="-282240">
               <a:lnSpc>
                 <a:spcPct val="150000"/>
               </a:lnSpc>
@@ -5830,7 +5218,7 @@
             </a:endParaRPr>
           </a:p>
           <a:p>
-            <a:pPr marL="285840" indent="-282600">
+            <a:pPr marL="285840" indent="-282240">
               <a:lnSpc>
                 <a:spcPct val="150000"/>
               </a:lnSpc>
@@ -5858,14 +5246,14 @@
                 <a:latin typeface="Consolas"/>
                 <a:ea typeface="SimSun"/>
               </a:rPr>
-              <a:t>getex username:1 ex 10</a:t>
+              <a:t>getex user:1 ex 10</a:t>
             </a:r>
             <a:endParaRPr b="0" lang="en-IN" sz="1800" spc="-1" strike="noStrike">
               <a:latin typeface="Arial"/>
             </a:endParaRPr>
           </a:p>
           <a:p>
-            <a:pPr marL="285840" indent="-282600">
+            <a:pPr marL="285840" indent="-282240">
               <a:lnSpc>
                 <a:spcPct val="150000"/>
               </a:lnSpc>
@@ -5940,7 +5328,7 @@
         <p:spPr>
           <a:xfrm>
             <a:off x="1676520" y="2362320"/>
-            <a:ext cx="8835840" cy="1186920"/>
+            <a:ext cx="8835480" cy="2284200"/>
           </a:xfrm>
           <a:prstGeom prst="rect">
             <a:avLst/>
@@ -5974,7 +5362,7 @@
                 <a:latin typeface="Century"/>
                 <a:ea typeface="DejaVu Sans"/>
               </a:rPr>
-              <a:t>keys &amp; dbsize-</a:t>
+              <a:t>getset, getdel &amp; getrange key</a:t>
             </a:r>
             <a:endParaRPr b="0" lang="en-IN" sz="7200" spc="-1" strike="noStrike">
               <a:latin typeface="Arial"/>
@@ -5990,8 +5378,8 @@
         </p:nvSpPr>
         <p:spPr>
           <a:xfrm>
-            <a:off x="1676520" y="3531600"/>
-            <a:ext cx="8835840" cy="424800"/>
+            <a:off x="1676520" y="4935600"/>
+            <a:ext cx="8835480" cy="424800"/>
           </a:xfrm>
           <a:prstGeom prst="rect">
             <a:avLst/>
@@ -6071,7 +5459,7 @@
         </p:nvSpPr>
         <p:spPr>
           <a:xfrm>
-            <a:off x="1523880" y="1981080"/>
+            <a:off x="1523880" y="2845080"/>
             <a:ext cx="9144000" cy="1440"/>
           </a:xfrm>
           <a:prstGeom prst="line">
@@ -6107,7 +5495,7 @@
         <p:spPr>
           <a:xfrm>
             <a:off x="1523880" y="0"/>
-            <a:ext cx="9140760" cy="699120"/>
+            <a:ext cx="9140400" cy="699840"/>
           </a:xfrm>
           <a:prstGeom prst="rect">
             <a:avLst/>
@@ -6145,7 +5533,7 @@
                 <a:latin typeface="Open Sans"/>
                 <a:ea typeface="DejaVu Sans"/>
               </a:rPr>
-              <a:t>keys pattern &amp; dbsize- </a:t>
+              <a:t>getset, getdel &amp; getrange key</a:t>
             </a:r>
             <a:endParaRPr b="0" lang="en-IN" sz="4000" spc="-1" strike="noStrike">
               <a:latin typeface="Arial"/>
@@ -6162,7 +5550,7 @@
         <p:spPr>
           <a:xfrm>
             <a:off x="1600200" y="762120"/>
-            <a:ext cx="8988480" cy="912600"/>
+            <a:ext cx="8988120" cy="1995120"/>
           </a:xfrm>
           <a:prstGeom prst="rect">
             <a:avLst/>
@@ -6183,20 +5571,77 @@
             <a:spAutoFit/>
           </a:bodyPr>
           <a:p>
-            <a:pPr algn="just">
-              <a:lnSpc>
-                <a:spcPct val="100000"/>
-              </a:lnSpc>
-            </a:pPr>
+            <a:pPr algn="just"/>
             <a:r>
               <a:rPr b="1" lang="en-US" sz="1800" spc="-1" strike="noStrike">
                 <a:solidFill>
+                  <a:srgbClr val="7c4dff"/>
+                </a:solidFill>
+                <a:latin typeface="Arial"/>
+                <a:ea typeface="DejaVu Sans"/>
+              </a:rPr>
+              <a:t>GETSET</a:t>
+            </a:r>
+            <a:r>
+              <a:rPr b="0" lang="en-US" sz="1800" spc="-1" strike="noStrike">
+                <a:latin typeface="Arial"/>
+                <a:ea typeface="DejaVu Sans"/>
+              </a:rPr>
+              <a:t> atomically sets key to value and returns the old value stored at key.</a:t>
+            </a:r>
+            <a:endParaRPr b="0" lang="en-IN" sz="1800" spc="-1" strike="noStrike">
+              <a:latin typeface="Arial"/>
+            </a:endParaRPr>
+          </a:p>
+          <a:p>
+            <a:pPr algn="just"/>
+            <a:endParaRPr b="0" lang="en-IN" sz="1800" spc="-1" strike="noStrike">
+              <a:latin typeface="Arial"/>
+            </a:endParaRPr>
+          </a:p>
+          <a:p>
+            <a:pPr algn="just"/>
+            <a:r>
+              <a:rPr b="1" lang="en-US" sz="1800" spc="-1" strike="noStrike">
+                <a:solidFill>
+                  <a:srgbClr val="7c4dff"/>
+                </a:solidFill>
+                <a:latin typeface="Arial"/>
+                <a:ea typeface="DejaVu Sans"/>
+              </a:rPr>
+              <a:t>GETDEL</a:t>
+            </a:r>
+            <a:r>
+              <a:rPr b="0" lang="en-US" sz="1800" spc="-1" strike="noStrike">
+                <a:solidFill>
                   <a:srgbClr val="000000"/>
                 </a:solidFill>
                 <a:latin typeface="Arial"/>
                 <a:ea typeface="DejaVu Sans"/>
               </a:rPr>
-              <a:t>keys</a:t>
+              <a:t> get the value of key and delete the key.</a:t>
+            </a:r>
+            <a:endParaRPr b="0" lang="en-IN" sz="1800" spc="-1" strike="noStrike">
+              <a:latin typeface="Arial"/>
+            </a:endParaRPr>
+          </a:p>
+          <a:p>
+            <a:pPr algn="just"/>
+            <a:endParaRPr b="0" lang="en-IN" sz="1800" spc="-1" strike="noStrike">
+              <a:latin typeface="Arial"/>
+            </a:endParaRPr>
+          </a:p>
+          <a:p>
+            <a:pPr algn="just"/>
+            <a:r>
+              <a:rPr b="1" lang="en-US" sz="1800" spc="-1" strike="noStrike">
+                <a:solidFill>
+                  <a:srgbClr val="7c4dff"/>
+                </a:solidFill>
+                <a:latin typeface="Arial"/>
+                <a:ea typeface="DejaVu Sans"/>
+              </a:rPr>
+              <a:t>GETRANGE</a:t>
             </a:r>
             <a:r>
               <a:rPr b="0" lang="en-US" sz="1800" spc="-1" strike="noStrike">
@@ -6206,47 +5651,7 @@
                 <a:latin typeface="Arial"/>
                 <a:ea typeface="DejaVu Sans"/>
               </a:rPr>
-              <a:t>: Returns all keys matching pattern.</a:t>
-            </a:r>
-            <a:endParaRPr b="0" lang="en-IN" sz="1800" spc="-1" strike="noStrike">
-              <a:latin typeface="Arial"/>
-            </a:endParaRPr>
-          </a:p>
-          <a:p>
-            <a:pPr algn="just">
-              <a:lnSpc>
-                <a:spcPct val="100000"/>
-              </a:lnSpc>
-            </a:pPr>
-            <a:endParaRPr b="0" lang="en-IN" sz="1800" spc="-1" strike="noStrike">
-              <a:latin typeface="Arial"/>
-            </a:endParaRPr>
-          </a:p>
-          <a:p>
-            <a:pPr algn="just">
-              <a:lnSpc>
-                <a:spcPct val="100000"/>
-              </a:lnSpc>
-            </a:pPr>
-            <a:r>
-              <a:rPr b="1" lang="en-US" sz="1800" spc="-1" strike="noStrike">
-                <a:solidFill>
-                  <a:srgbClr val="000000"/>
-                </a:solidFill>
-                <a:latin typeface="Arial"/>
-                <a:ea typeface="DejaVu Sans"/>
-              </a:rPr>
-              <a:t>dbSize</a:t>
-            </a:r>
-            <a:r>
-              <a:rPr b="0" lang="en-US" sz="1800" spc="-1" strike="noStrike">
-                <a:solidFill>
-                  <a:srgbClr val="000000"/>
-                </a:solidFill>
-                <a:latin typeface="Arial"/>
-                <a:ea typeface="DejaVu Sans"/>
-              </a:rPr>
-              <a:t>-: Return the number of keys in the currently-selected database.</a:t>
+              <a:t> returns the sub-string of the string value stored at key, determined by the offsets start and end (both are inclusive). Negative offsets can be used in order to provide an offset starting from the end of the string. So -1 means the last character, -2 the penultimate and so forth.</a:t>
             </a:r>
             <a:endParaRPr b="0" lang="en-IN" sz="1800" spc="-1" strike="noStrike">
               <a:latin typeface="Arial"/>
@@ -6262,8 +5667,8 @@
         </p:nvSpPr>
         <p:spPr>
           <a:xfrm>
-            <a:off x="1600200" y="2865600"/>
-            <a:ext cx="8886600" cy="1735560"/>
+            <a:off x="152280" y="152280"/>
+            <a:ext cx="1103040" cy="455400"/>
           </a:xfrm>
           <a:prstGeom prst="rect">
             <a:avLst/>
@@ -6284,182 +5689,22 @@
             <a:spAutoFit/>
           </a:bodyPr>
           <a:p>
-            <a:pPr marL="285840" indent="-282600">
-              <a:lnSpc>
-                <a:spcPct val="150000"/>
-              </a:lnSpc>
-              <a:buClr>
-                <a:srgbClr val="808080"/>
-              </a:buClr>
-              <a:buFont typeface="Arial"/>
-              <a:buChar char="•"/>
-            </a:pPr>
-            <a:r>
-              <a:rPr b="0" lang="en-IN" sz="1800" spc="-1" strike="noStrike">
-                <a:solidFill>
-                  <a:srgbClr val="808080"/>
-                </a:solidFill>
-                <a:latin typeface="Consolas"/>
-                <a:ea typeface="SimSun"/>
-              </a:rPr>
-              <a:t>127.0.0.1:6379&gt;</a:t>
-            </a:r>
-            <a:r>
-              <a:rPr b="0" lang="en-IN" sz="1800" spc="-1" strike="noStrike">
-                <a:solidFill>
-                  <a:srgbClr val="000000"/>
-                </a:solidFill>
-                <a:latin typeface="Consolas"/>
-                <a:ea typeface="SimSun"/>
-              </a:rPr>
-              <a:t> </a:t>
-            </a:r>
-            <a:r>
-              <a:rPr b="0" lang="en-IN" sz="1800" spc="-1" strike="noStrike">
-                <a:solidFill>
-                  <a:srgbClr val="ff5733"/>
-                </a:solidFill>
-                <a:latin typeface="Consolas"/>
-                <a:ea typeface="SimSun"/>
-              </a:rPr>
-              <a:t>keys * </a:t>
-            </a:r>
-            <a:endParaRPr b="0" lang="en-IN" sz="1800" spc="-1" strike="noStrike">
-              <a:latin typeface="Arial"/>
-            </a:endParaRPr>
-          </a:p>
-          <a:p>
-            <a:pPr marL="285840" indent="-282600">
-              <a:lnSpc>
-                <a:spcPct val="150000"/>
-              </a:lnSpc>
-              <a:buClr>
-                <a:srgbClr val="808080"/>
-              </a:buClr>
-              <a:buFont typeface="Arial"/>
-              <a:buChar char="•"/>
-            </a:pPr>
-            <a:r>
-              <a:rPr b="0" lang="en-IN" sz="1800" spc="-1" strike="noStrike">
-                <a:solidFill>
-                  <a:srgbClr val="808080"/>
-                </a:solidFill>
-                <a:latin typeface="Consolas"/>
-                <a:ea typeface="SimSun"/>
-              </a:rPr>
-              <a:t>127.0.0.1:6379&gt;</a:t>
-            </a:r>
-            <a:r>
-              <a:rPr b="0" lang="en-IN" sz="1800" spc="-1" strike="noStrike">
-                <a:solidFill>
-                  <a:srgbClr val="000000"/>
-                </a:solidFill>
-                <a:latin typeface="Consolas"/>
-                <a:ea typeface="SimSun"/>
-              </a:rPr>
-              <a:t> </a:t>
-            </a:r>
-            <a:r>
-              <a:rPr b="0" lang="en-IN" sz="1800" spc="-1" strike="noStrike">
-                <a:solidFill>
-                  <a:srgbClr val="ff5733"/>
-                </a:solidFill>
-                <a:latin typeface="Consolas"/>
-                <a:ea typeface="SimSun"/>
-              </a:rPr>
-              <a:t>keys o*</a:t>
-            </a:r>
-            <a:endParaRPr b="0" lang="en-IN" sz="1800" spc="-1" strike="noStrike">
-              <a:latin typeface="Arial"/>
-            </a:endParaRPr>
-          </a:p>
-          <a:p>
-            <a:pPr marL="285840" indent="-282600">
-              <a:lnSpc>
-                <a:spcPct val="150000"/>
-              </a:lnSpc>
-              <a:buClr>
-                <a:srgbClr val="808080"/>
-              </a:buClr>
-              <a:buFont typeface="Arial"/>
-              <a:buChar char="•"/>
-            </a:pPr>
-            <a:r>
-              <a:rPr b="0" lang="en-IN" sz="1800" spc="-1" strike="noStrike">
-                <a:solidFill>
-                  <a:srgbClr val="808080"/>
-                </a:solidFill>
-                <a:latin typeface="Consolas"/>
-                <a:ea typeface="SimSun"/>
-              </a:rPr>
-              <a:t>127.0.0.1:6379&gt;</a:t>
-            </a:r>
-            <a:r>
-              <a:rPr b="0" lang="en-IN" sz="1800" spc="-1" strike="noStrike">
-                <a:solidFill>
-                  <a:srgbClr val="000000"/>
-                </a:solidFill>
-                <a:latin typeface="Consolas"/>
-                <a:ea typeface="SimSun"/>
-              </a:rPr>
-              <a:t> </a:t>
-            </a:r>
-            <a:r>
-              <a:rPr b="0" lang="en-IN" sz="1800" spc="-1" strike="noStrike">
-                <a:solidFill>
-                  <a:srgbClr val="ff5733"/>
-                </a:solidFill>
-                <a:latin typeface="Consolas"/>
-                <a:ea typeface="SimSun"/>
-              </a:rPr>
-              <a:t>keys *o*</a:t>
-            </a:r>
-            <a:endParaRPr b="0" lang="en-IN" sz="1800" spc="-1" strike="noStrike">
-              <a:latin typeface="Arial"/>
-            </a:endParaRPr>
-          </a:p>
-          <a:p>
-            <a:pPr marL="285840" indent="-282600">
-              <a:lnSpc>
-                <a:spcPct val="150000"/>
-              </a:lnSpc>
-              <a:buClr>
-                <a:srgbClr val="808080"/>
-              </a:buClr>
-              <a:buFont typeface="Arial"/>
-              <a:buChar char="•"/>
-            </a:pPr>
-            <a:r>
-              <a:rPr b="0" lang="en-IN" sz="1800" spc="-1" strike="noStrike">
-                <a:solidFill>
-                  <a:srgbClr val="808080"/>
-                </a:solidFill>
-                <a:latin typeface="Consolas"/>
-                <a:ea typeface="SimSun"/>
-              </a:rPr>
-              <a:t>127.0.0.1:6379&gt;</a:t>
-            </a:r>
-            <a:r>
-              <a:rPr b="0" lang="en-IN" sz="1800" spc="-1" strike="noStrike">
-                <a:solidFill>
-                  <a:srgbClr val="000000"/>
-                </a:solidFill>
-                <a:latin typeface="Consolas"/>
-                <a:ea typeface="SimSun"/>
-              </a:rPr>
-              <a:t> </a:t>
-            </a:r>
-            <a:r>
-              <a:rPr b="0" lang="en-IN" sz="1800" spc="-1" strike="noStrike">
-                <a:solidFill>
-                  <a:srgbClr val="ff5733"/>
-                </a:solidFill>
-                <a:latin typeface="Consolas"/>
-                <a:ea typeface="SimSun"/>
-              </a:rPr>
-              <a:t>dbsize</a:t>
-            </a:r>
-            <a:endParaRPr b="0" lang="en-IN" sz="1800" spc="-1" strike="noStrike">
+            <a:pPr algn="just">
+              <a:lnSpc>
+                <a:spcPct val="100000"/>
+              </a:lnSpc>
+            </a:pPr>
+            <a:r>
+              <a:rPr b="0" lang="en-IN" sz="2400" spc="-1" strike="noStrike">
+                <a:solidFill>
+                  <a:srgbClr val="ff0000"/>
+                </a:solidFill>
+                <a:latin typeface="Times New Roman"/>
+                <a:ea typeface="DejaVu Sans"/>
+              </a:rPr>
+              <a:t>TODO</a:t>
+            </a:r>
+            <a:endParaRPr b="0" lang="en-IN" sz="2400" spc="-1" strike="noStrike">
               <a:latin typeface="Arial"/>
             </a:endParaRPr>
           </a:p>
@@ -6473,8 +5718,8 @@
         </p:nvSpPr>
         <p:spPr>
           <a:xfrm>
-            <a:off x="152280" y="152280"/>
-            <a:ext cx="1103400" cy="455400"/>
+            <a:off x="1601280" y="2977560"/>
+            <a:ext cx="8987040" cy="1309320"/>
           </a:xfrm>
           <a:prstGeom prst="rect">
             <a:avLst/>
@@ -6495,22 +5740,82 @@
             <a:spAutoFit/>
           </a:bodyPr>
           <a:p>
-            <a:pPr algn="just">
+            <a:pPr>
               <a:lnSpc>
                 <a:spcPct val="100000"/>
               </a:lnSpc>
             </a:pPr>
             <a:r>
-              <a:rPr b="0" lang="en-IN" sz="2400" spc="-1" strike="noStrike">
-                <a:solidFill>
-                  <a:srgbClr val="ff0000"/>
-                </a:solidFill>
-                <a:latin typeface="Times New Roman"/>
-                <a:ea typeface="DejaVu Sans"/>
-              </a:rPr>
-              <a:t>TODO</a:t>
-            </a:r>
-            <a:endParaRPr b="0" lang="en-IN" sz="2400" spc="-1" strike="noStrike">
+              <a:rPr b="0" lang="en-US" sz="2000" spc="-1" strike="noStrike">
+                <a:solidFill>
+                  <a:srgbClr val="00b0f0"/>
+                </a:solidFill>
+                <a:latin typeface="Consolas"/>
+                <a:ea typeface="DejaVu Sans"/>
+              </a:rPr>
+              <a:t>GETSET key value</a:t>
+            </a:r>
+            <a:endParaRPr b="0" lang="en-IN" sz="2000" spc="-1" strike="noStrike">
+              <a:latin typeface="Arial"/>
+            </a:endParaRPr>
+          </a:p>
+          <a:p>
+            <a:pPr>
+              <a:lnSpc>
+                <a:spcPct val="100000"/>
+              </a:lnSpc>
+            </a:pPr>
+            <a:r>
+              <a:rPr b="0" lang="en-US" sz="2000" spc="-1" strike="noStrike">
+                <a:solidFill>
+                  <a:srgbClr val="00b0f0"/>
+                </a:solidFill>
+                <a:latin typeface="Consolas"/>
+                <a:ea typeface="DejaVu Sans"/>
+              </a:rPr>
+              <a:t>GETDEL key</a:t>
+            </a:r>
+            <a:endParaRPr b="0" lang="en-IN" sz="2000" spc="-1" strike="noStrike">
+              <a:latin typeface="Arial"/>
+            </a:endParaRPr>
+          </a:p>
+          <a:p>
+            <a:pPr>
+              <a:lnSpc>
+                <a:spcPct val="100000"/>
+              </a:lnSpc>
+            </a:pPr>
+            <a:r>
+              <a:rPr b="0" lang="en-US" sz="2000" spc="-1" strike="noStrike">
+                <a:solidFill>
+                  <a:srgbClr val="00b0f0"/>
+                </a:solidFill>
+                <a:latin typeface="Consolas"/>
+                <a:ea typeface="DejaVu Sans"/>
+              </a:rPr>
+              <a:t>GETRANGE key start end</a:t>
+            </a:r>
+            <a:endParaRPr b="0" lang="en-IN" sz="2000" spc="-1" strike="noStrike">
+              <a:latin typeface="Arial"/>
+            </a:endParaRPr>
+          </a:p>
+          <a:p>
+            <a:pPr>
+              <a:lnSpc>
+                <a:spcPct val="100000"/>
+              </a:lnSpc>
+            </a:pPr>
+            <a:r>
+              <a:rPr b="0" lang="en-US" sz="2000" spc="-1" strike="noStrike">
+                <a:solidFill>
+                  <a:srgbClr val="00b0f0"/>
+                </a:solidFill>
+                <a:latin typeface="Consolas"/>
+                <a:ea typeface="DejaVu Sans"/>
+              </a:rPr>
+              <a:t>STRLEN key</a:t>
+            </a:r>
+            <a:endParaRPr b="0" lang="en-IN" sz="2000" spc="-1" strike="noStrike">
               <a:latin typeface="Arial"/>
             </a:endParaRPr>
           </a:p>
@@ -6524,8 +5829,8 @@
         </p:nvSpPr>
         <p:spPr>
           <a:xfrm>
-            <a:off x="1601280" y="2221560"/>
-            <a:ext cx="8987400" cy="699480"/>
+            <a:off x="1523880" y="4344480"/>
+            <a:ext cx="8886240" cy="2147760"/>
           </a:xfrm>
           <a:prstGeom prst="rect">
             <a:avLst/>
@@ -6546,246 +5851,225 @@
             <a:spAutoFit/>
           </a:bodyPr>
           <a:p>
-            <a:pPr>
-              <a:lnSpc>
-                <a:spcPct val="100000"/>
-              </a:lnSpc>
-            </a:pPr>
-            <a:r>
-              <a:rPr b="0" lang="en-US" sz="2000" spc="-1" strike="noStrike">
-                <a:solidFill>
-                  <a:srgbClr val="00b0f0"/>
-                </a:solidFill>
-                <a:latin typeface="Consolas"/>
-                <a:ea typeface="DejaVu Sans"/>
-              </a:rPr>
-              <a:t>KEYS pattern</a:t>
-            </a:r>
-            <a:endParaRPr b="0" lang="en-IN" sz="2000" spc="-1" strike="noStrike">
-              <a:latin typeface="Arial"/>
-            </a:endParaRPr>
-          </a:p>
-          <a:p>
-            <a:pPr>
-              <a:lnSpc>
-                <a:spcPct val="100000"/>
-              </a:lnSpc>
-            </a:pPr>
-            <a:r>
-              <a:rPr b="0" lang="en-US" sz="2000" spc="-1" strike="noStrike">
-                <a:solidFill>
-                  <a:srgbClr val="00b0f0"/>
-                </a:solidFill>
-                <a:latin typeface="Consolas"/>
-                <a:ea typeface="DejaVu Sans"/>
-              </a:rPr>
-              <a:t>dbsize</a:t>
-            </a:r>
-            <a:endParaRPr b="0" lang="en-IN" sz="2000" spc="-1" strike="noStrike">
-              <a:latin typeface="Arial"/>
-            </a:endParaRPr>
-          </a:p>
-        </p:txBody>
-      </p:sp>
-      <p:sp>
-        <p:nvSpPr>
-          <p:cNvPr id="149" name="CustomShape 7"/>
-          <p:cNvSpPr/>
-          <p:nvPr/>
-        </p:nvSpPr>
-        <p:spPr>
-          <a:xfrm>
-            <a:off x="1656000" y="4713480"/>
-            <a:ext cx="8997120" cy="1367280"/>
-          </a:xfrm>
-          <a:prstGeom prst="rect">
-            <a:avLst/>
-          </a:prstGeom>
-          <a:noFill/>
-          <a:ln>
-            <a:noFill/>
-          </a:ln>
-        </p:spPr>
-        <p:style>
-          <a:lnRef idx="0"/>
-          <a:fillRef idx="0"/>
-          <a:effectRef idx="0"/>
-          <a:fontRef idx="minor"/>
-        </p:style>
-        <p:txBody>
-          <a:bodyPr lIns="90000" rIns="90000" tIns="45000" bIns="45000">
-            <a:noAutofit/>
-          </a:bodyPr>
-          <a:p>
-            <a:pPr marL="216000" indent="-216000">
+            <a:pPr marL="285840" indent="-282240">
               <a:lnSpc>
                 <a:spcPct val="150000"/>
               </a:lnSpc>
               <a:buClr>
-                <a:srgbClr val="000000"/>
+                <a:srgbClr val="808080"/>
               </a:buClr>
-              <a:buFont typeface="StarSymbol"/>
-              <a:buAutoNum type="arabicPeriod"/>
-            </a:pPr>
+              <a:buFont typeface="Arial"/>
+              <a:buChar char="•"/>
+            </a:pPr>
+            <a:r>
+              <a:rPr b="0" lang="en-IN" sz="1800" spc="-1" strike="noStrike">
+                <a:solidFill>
+                  <a:srgbClr val="808080"/>
+                </a:solidFill>
+                <a:latin typeface="Consolas"/>
+                <a:ea typeface="SimSun"/>
+              </a:rPr>
+              <a:t>127.0.0.1:6379&gt;</a:t>
+            </a:r>
             <a:r>
               <a:rPr b="0" lang="en-IN" sz="1800" spc="-1" strike="noStrike">
                 <a:solidFill>
                   <a:srgbClr val="000000"/>
                 </a:solidFill>
-                <a:latin typeface="Arial"/>
-                <a:ea typeface="DejaVu Sans"/>
+                <a:latin typeface="Consolas"/>
+                <a:ea typeface="SimSun"/>
               </a:rPr>
               <a:t> </a:t>
             </a:r>
             <a:r>
               <a:rPr b="0" lang="en-IN" sz="1800" spc="-1" strike="noStrike">
                 <a:solidFill>
-                  <a:srgbClr val="333333"/>
-                </a:solidFill>
-                <a:latin typeface="Arial"/>
-                <a:ea typeface="DejaVu Sans"/>
-              </a:rPr>
-              <a:t>h?llo matches hello, hallo and hxllo</a:t>
+                  <a:srgbClr val="ff5733"/>
+                </a:solidFill>
+                <a:latin typeface="Consolas"/>
+                <a:ea typeface="SimSun"/>
+              </a:rPr>
+              <a:t>getsset server:1 Unix</a:t>
             </a:r>
             <a:endParaRPr b="0" lang="en-IN" sz="1800" spc="-1" strike="noStrike">
               <a:latin typeface="Arial"/>
             </a:endParaRPr>
           </a:p>
           <a:p>
-            <a:pPr marL="216000" indent="-216000">
+            <a:pPr marL="285840" indent="-282240">
               <a:lnSpc>
                 <a:spcPct val="150000"/>
               </a:lnSpc>
               <a:buClr>
-                <a:srgbClr val="000000"/>
+                <a:srgbClr val="808080"/>
               </a:buClr>
-              <a:buFont typeface="StarSymbol"/>
-              <a:buAutoNum type="arabicPeriod"/>
-            </a:pPr>
-            <a:r>
-              <a:rPr b="0" lang="en-IN" sz="1800" spc="-1" strike="noStrike">
-                <a:solidFill>
-                  <a:srgbClr val="333333"/>
-                </a:solidFill>
-                <a:latin typeface="Arial"/>
-                <a:ea typeface="DejaVu Sans"/>
+              <a:buFont typeface="Arial"/>
+              <a:buChar char="•"/>
+            </a:pPr>
+            <a:r>
+              <a:rPr b="0" lang="en-IN" sz="1800" spc="-1" strike="noStrike">
+                <a:solidFill>
+                  <a:srgbClr val="808080"/>
+                </a:solidFill>
+                <a:latin typeface="Consolas"/>
+                <a:ea typeface="SimSun"/>
+              </a:rPr>
+              <a:t>127.0.0.1:6379&gt;</a:t>
+            </a:r>
+            <a:r>
+              <a:rPr b="0" lang="en-IN" sz="1800" spc="-1" strike="noStrike">
+                <a:solidFill>
+                  <a:srgbClr val="000000"/>
+                </a:solidFill>
+                <a:latin typeface="Consolas"/>
+                <a:ea typeface="SimSun"/>
               </a:rPr>
               <a:t> </a:t>
             </a:r>
             <a:r>
               <a:rPr b="0" lang="en-IN" sz="1800" spc="-1" strike="noStrike">
                 <a:solidFill>
-                  <a:srgbClr val="333333"/>
-                </a:solidFill>
-                <a:latin typeface="Arial"/>
-                <a:ea typeface="DejaVu Sans"/>
-              </a:rPr>
-              <a:t>h*llo matches hllo and heeeello</a:t>
+                  <a:srgbClr val="ff5733"/>
+                </a:solidFill>
+                <a:latin typeface="Consolas"/>
+                <a:ea typeface="SimSun"/>
+              </a:rPr>
+              <a:t>getdel user:4</a:t>
             </a:r>
             <a:endParaRPr b="0" lang="en-IN" sz="1800" spc="-1" strike="noStrike">
               <a:latin typeface="Arial"/>
             </a:endParaRPr>
           </a:p>
           <a:p>
-            <a:pPr marL="216000" indent="-216000">
+            <a:pPr marL="285840" indent="-282240">
               <a:lnSpc>
                 <a:spcPct val="150000"/>
               </a:lnSpc>
               <a:buClr>
-                <a:srgbClr val="000000"/>
+                <a:srgbClr val="808080"/>
               </a:buClr>
-              <a:buFont typeface="StarSymbol"/>
-              <a:buAutoNum type="arabicPeriod"/>
-            </a:pPr>
-            <a:r>
-              <a:rPr b="0" lang="en-IN" sz="1800" spc="-1" strike="noStrike">
-                <a:solidFill>
-                  <a:srgbClr val="333333"/>
-                </a:solidFill>
-                <a:latin typeface="Arial"/>
-                <a:ea typeface="DejaVu Sans"/>
+              <a:buFont typeface="Arial"/>
+              <a:buChar char="•"/>
+            </a:pPr>
+            <a:r>
+              <a:rPr b="0" lang="en-IN" sz="1800" spc="-1" strike="noStrike">
+                <a:solidFill>
+                  <a:srgbClr val="808080"/>
+                </a:solidFill>
+                <a:latin typeface="Consolas"/>
+                <a:ea typeface="SimSun"/>
+              </a:rPr>
+              <a:t>127.0.0.1:6379&gt;</a:t>
+            </a:r>
+            <a:r>
+              <a:rPr b="0" lang="en-IN" sz="1800" spc="-1" strike="noStrike">
+                <a:solidFill>
+                  <a:srgbClr val="000000"/>
+                </a:solidFill>
+                <a:latin typeface="Consolas"/>
+                <a:ea typeface="SimSun"/>
               </a:rPr>
               <a:t> </a:t>
             </a:r>
             <a:r>
               <a:rPr b="0" lang="en-IN" sz="1800" spc="-1" strike="noStrike">
                 <a:solidFill>
-                  <a:srgbClr val="333333"/>
-                </a:solidFill>
-                <a:latin typeface="Arial"/>
-                <a:ea typeface="DejaVu Sans"/>
-              </a:rPr>
-              <a:t>h[ae]llo matches hello and hallo, but not hillo</a:t>
+                  <a:srgbClr val="ff5733"/>
+                </a:solidFill>
+                <a:latin typeface="Consolas"/>
+                <a:ea typeface="SimSun"/>
+              </a:rPr>
+              <a:t>getrange longtext 0 3</a:t>
             </a:r>
             <a:endParaRPr b="0" lang="en-IN" sz="1800" spc="-1" strike="noStrike">
               <a:latin typeface="Arial"/>
             </a:endParaRPr>
           </a:p>
           <a:p>
-            <a:pPr marL="216000" indent="-216000">
+            <a:pPr marL="285840" indent="-282240">
               <a:lnSpc>
                 <a:spcPct val="150000"/>
               </a:lnSpc>
               <a:buClr>
-                <a:srgbClr val="000000"/>
+                <a:srgbClr val="808080"/>
               </a:buClr>
-              <a:buFont typeface="StarSymbol"/>
-              <a:buAutoNum type="arabicPeriod"/>
-            </a:pPr>
-            <a:r>
-              <a:rPr b="0" lang="en-IN" sz="1800" spc="-1" strike="noStrike">
-                <a:solidFill>
-                  <a:srgbClr val="333333"/>
-                </a:solidFill>
-                <a:latin typeface="Arial"/>
-                <a:ea typeface="DejaVu Sans"/>
+              <a:buFont typeface="Arial"/>
+              <a:buChar char="•"/>
+            </a:pPr>
+            <a:r>
+              <a:rPr b="0" lang="en-IN" sz="1800" spc="-1" strike="noStrike">
+                <a:solidFill>
+                  <a:srgbClr val="808080"/>
+                </a:solidFill>
+                <a:latin typeface="Consolas"/>
+                <a:ea typeface="SimSun"/>
+              </a:rPr>
+              <a:t>127.0.0.1:6379&gt;</a:t>
+            </a:r>
+            <a:r>
+              <a:rPr b="0" lang="en-IN" sz="1800" spc="-1" strike="noStrike">
+                <a:solidFill>
+                  <a:srgbClr val="000000"/>
+                </a:solidFill>
+                <a:latin typeface="Consolas"/>
+                <a:ea typeface="SimSun"/>
               </a:rPr>
               <a:t> </a:t>
             </a:r>
             <a:r>
               <a:rPr b="0" lang="en-IN" sz="1800" spc="-1" strike="noStrike">
                 <a:solidFill>
-                  <a:srgbClr val="333333"/>
-                </a:solidFill>
-                <a:latin typeface="Arial"/>
-                <a:ea typeface="DejaVu Sans"/>
-              </a:rPr>
-              <a:t>h[^e]llo matches hallo, hbllo, ... but not hello</a:t>
+                  <a:srgbClr val="ff5733"/>
+                </a:solidFill>
+                <a:latin typeface="Consolas"/>
+                <a:ea typeface="SimSun"/>
+              </a:rPr>
+              <a:t>getrange longtext 0 -1</a:t>
             </a:r>
             <a:endParaRPr b="0" lang="en-IN" sz="1800" spc="-1" strike="noStrike">
               <a:latin typeface="Arial"/>
             </a:endParaRPr>
           </a:p>
           <a:p>
-            <a:pPr marL="216000" indent="-216000">
+            <a:pPr marL="285840" indent="-282240">
               <a:lnSpc>
                 <a:spcPct val="150000"/>
               </a:lnSpc>
               <a:buClr>
-                <a:srgbClr val="000000"/>
+                <a:srgbClr val="808080"/>
               </a:buClr>
-              <a:buFont typeface="StarSymbol"/>
-              <a:buAutoNum type="arabicPeriod"/>
-            </a:pPr>
-            <a:r>
-              <a:rPr b="0" lang="en-IN" sz="1800" spc="-1" strike="noStrike">
-                <a:solidFill>
-                  <a:srgbClr val="333333"/>
-                </a:solidFill>
-                <a:latin typeface="Arial"/>
-                <a:ea typeface="DejaVu Sans"/>
+              <a:buFont typeface="Arial"/>
+              <a:buChar char="•"/>
+            </a:pPr>
+            <a:r>
+              <a:rPr b="0" lang="en-IN" sz="1800" spc="-1" strike="noStrike">
+                <a:solidFill>
+                  <a:srgbClr val="808080"/>
+                </a:solidFill>
+                <a:latin typeface="Consolas"/>
+                <a:ea typeface="SimSun"/>
+              </a:rPr>
+              <a:t>127.0.0.1:6379&gt;</a:t>
+            </a:r>
+            <a:r>
+              <a:rPr b="0" lang="en-IN" sz="1800" spc="-1" strike="noStrike">
+                <a:solidFill>
+                  <a:srgbClr val="000000"/>
+                </a:solidFill>
+                <a:latin typeface="Consolas"/>
+                <a:ea typeface="SimSun"/>
               </a:rPr>
               <a:t> </a:t>
             </a:r>
             <a:r>
               <a:rPr b="0" lang="en-IN" sz="1800" spc="-1" strike="noStrike">
                 <a:solidFill>
-                  <a:srgbClr val="333333"/>
-                </a:solidFill>
-                <a:latin typeface="Arial"/>
-                <a:ea typeface="DejaVu Sans"/>
-              </a:rPr>
-              <a:t>h[a-b]llo matches hallo and hbllo</a:t>
+                  <a:srgbClr val="ff5733"/>
+                </a:solidFill>
+                <a:latin typeface="Consolas"/>
+                <a:ea typeface="SimSun"/>
+              </a:rPr>
+              <a:t>getrange longtext -8 -1</a:t>
             </a:r>
             <a:endParaRPr b="0" lang="en-IN" sz="1800" spc="-1" strike="noStrike">
               <a:latin typeface="Arial"/>
@@ -6825,14 +6109,14 @@
       </p:grpSpPr>
       <p:sp>
         <p:nvSpPr>
-          <p:cNvPr id="150" name="CustomShape 1"/>
+          <p:cNvPr id="149" name="CustomShape 1"/>
           <p:cNvSpPr/>
           <p:nvPr/>
         </p:nvSpPr>
         <p:spPr>
           <a:xfrm>
             <a:off x="1676520" y="2362320"/>
-            <a:ext cx="8835840" cy="1186920"/>
+            <a:ext cx="8835480" cy="1186920"/>
           </a:xfrm>
           <a:prstGeom prst="rect">
             <a:avLst/>
@@ -6866,7 +6150,7 @@
                 <a:latin typeface="Century"/>
                 <a:ea typeface="DejaVu Sans"/>
               </a:rPr>
-              <a:t>ttl key / pttl key</a:t>
+              <a:t>keys &amp; dbsize-</a:t>
             </a:r>
             <a:endParaRPr b="0" lang="en-IN" sz="7200" spc="-1" strike="noStrike">
               <a:latin typeface="Arial"/>
@@ -6876,14 +6160,14 @@
       </p:sp>
       <p:sp>
         <p:nvSpPr>
-          <p:cNvPr id="151" name="CustomShape 2"/>
+          <p:cNvPr id="150" name="CustomShape 2"/>
           <p:cNvSpPr/>
           <p:nvPr/>
         </p:nvSpPr>
         <p:spPr>
           <a:xfrm>
             <a:off x="1676520" y="3531600"/>
-            <a:ext cx="8835840" cy="424800"/>
+            <a:ext cx="8835480" cy="424800"/>
           </a:xfrm>
           <a:prstGeom prst="rect">
             <a:avLst/>
@@ -6957,7 +6241,7 @@
       </p:grpSpPr>
       <p:sp>
         <p:nvSpPr>
-          <p:cNvPr id="152" name="Line 1"/>
+          <p:cNvPr id="151" name="Line 1"/>
           <p:cNvSpPr/>
           <p:nvPr/>
         </p:nvSpPr>
@@ -6992,14 +6276,14 @@
       </p:sp>
       <p:sp>
         <p:nvSpPr>
-          <p:cNvPr id="153" name="CustomShape 2"/>
+          <p:cNvPr id="152" name="CustomShape 2"/>
           <p:cNvSpPr/>
           <p:nvPr/>
         </p:nvSpPr>
         <p:spPr>
           <a:xfrm>
             <a:off x="1523880" y="0"/>
-            <a:ext cx="9140760" cy="699120"/>
+            <a:ext cx="9140400" cy="699120"/>
           </a:xfrm>
           <a:prstGeom prst="rect">
             <a:avLst/>
@@ -7037,7 +6321,7 @@
                 <a:latin typeface="Open Sans"/>
                 <a:ea typeface="DejaVu Sans"/>
               </a:rPr>
-              <a:t>ttl key / pttl key</a:t>
+              <a:t>keys pattern &amp; dbsize- </a:t>
             </a:r>
             <a:endParaRPr b="0" lang="en-IN" sz="4000" spc="-1" strike="noStrike">
               <a:latin typeface="Arial"/>
@@ -7047,14 +6331,14 @@
       </p:sp>
       <p:sp>
         <p:nvSpPr>
-          <p:cNvPr id="154" name="CustomShape 3"/>
+          <p:cNvPr id="153" name="CustomShape 3"/>
           <p:cNvSpPr/>
           <p:nvPr/>
         </p:nvSpPr>
         <p:spPr>
           <a:xfrm>
             <a:off x="1600200" y="762120"/>
-            <a:ext cx="8988480" cy="699480"/>
+            <a:ext cx="8988120" cy="760680"/>
           </a:xfrm>
           <a:prstGeom prst="rect">
             <a:avLst/>
@@ -7075,57 +6359,79 @@
             <a:spAutoFit/>
           </a:bodyPr>
           <a:p>
+            <a:pPr algn="just"/>
+            <a:r>
+              <a:rPr b="1" lang="en-US" sz="1800" spc="-1" strike="noStrike">
+                <a:solidFill>
+                  <a:srgbClr val="7c4dff"/>
+                </a:solidFill>
+                <a:latin typeface="Arial"/>
+                <a:ea typeface="DejaVu Sans"/>
+              </a:rPr>
+              <a:t>keys</a:t>
+            </a:r>
+            <a:r>
+              <a:rPr b="0" lang="en-US" sz="1800" spc="-1" strike="noStrike">
+                <a:solidFill>
+                  <a:srgbClr val="000000"/>
+                </a:solidFill>
+                <a:latin typeface="Arial"/>
+                <a:ea typeface="DejaVu Sans"/>
+              </a:rPr>
+              <a:t>: Returns all keys matching pattern.</a:t>
+            </a:r>
+            <a:endParaRPr b="0" lang="en-IN" sz="1800" spc="-1" strike="noStrike">
+              <a:latin typeface="Arial"/>
+            </a:endParaRPr>
+          </a:p>
+          <a:p>
             <a:pPr algn="just">
               <a:lnSpc>
                 <a:spcPct val="100000"/>
               </a:lnSpc>
             </a:pPr>
-            <a:r>
-              <a:rPr b="0" lang="en-US" sz="2000" spc="-1" strike="noStrike">
+            <a:endParaRPr b="0" lang="en-IN" sz="1800" spc="-1" strike="noStrike">
+              <a:latin typeface="Arial"/>
+            </a:endParaRPr>
+          </a:p>
+          <a:p>
+            <a:pPr algn="just"/>
+            <a:r>
+              <a:rPr b="1" lang="en-US" sz="1800" spc="-1" strike="noStrike">
+                <a:solidFill>
+                  <a:srgbClr val="7c4dff"/>
+                </a:solidFill>
+                <a:latin typeface="Arial"/>
+                <a:ea typeface="DejaVu Sans"/>
+              </a:rPr>
+              <a:t>dbSize</a:t>
+            </a:r>
+            <a:r>
+              <a:rPr b="0" lang="en-US" sz="1800" spc="-1" strike="noStrike">
                 <a:solidFill>
                   <a:srgbClr val="000000"/>
                 </a:solidFill>
-                <a:latin typeface="Times New Roman"/>
-                <a:ea typeface="DejaVu Sans"/>
-              </a:rPr>
-              <a:t>Returns the remaining </a:t>
-            </a:r>
-            <a:r>
-              <a:rPr b="1" lang="en-US" sz="2000" spc="-1" strike="noStrike">
-                <a:solidFill>
-                  <a:srgbClr val="000000"/>
-                </a:solidFill>
-                <a:latin typeface="Times New Roman"/>
-                <a:ea typeface="DejaVu Sans"/>
-              </a:rPr>
-              <a:t>time to live </a:t>
-            </a:r>
-            <a:r>
-              <a:rPr b="0" lang="en-US" sz="2000" spc="-1" strike="noStrike">
-                <a:solidFill>
-                  <a:srgbClr val="000000"/>
-                </a:solidFill>
-                <a:latin typeface="Times New Roman"/>
-                <a:ea typeface="DejaVu Sans"/>
-              </a:rPr>
-              <a:t>of a key that has a timeout. TTL allows Redis client to check how many seconds a given key will continue to be part of the data-set. </a:t>
-            </a:r>
-            <a:endParaRPr b="0" lang="en-IN" sz="2000" spc="-1" strike="noStrike">
-              <a:latin typeface="Arial"/>
-            </a:endParaRPr>
-          </a:p>
-        </p:txBody>
-      </p:sp>
-      <p:sp>
-        <p:nvSpPr>
-          <p:cNvPr id="155" name="CustomShape 4"/>
+                <a:latin typeface="Arial"/>
+                <a:ea typeface="DejaVu Sans"/>
+              </a:rPr>
+              <a:t>-: Return the number of keys in the currently-selected database.</a:t>
+            </a:r>
+            <a:endParaRPr b="0" lang="en-IN" sz="1800" spc="-1" strike="noStrike">
+              <a:latin typeface="Arial"/>
+            </a:endParaRPr>
+          </a:p>
+        </p:txBody>
+      </p:sp>
+      <p:sp>
+        <p:nvSpPr>
+          <p:cNvPr id="154" name="CustomShape 4"/>
           <p:cNvSpPr/>
           <p:nvPr/>
         </p:nvSpPr>
         <p:spPr>
           <a:xfrm>
-            <a:off x="1600200" y="3909600"/>
-            <a:ext cx="8886600" cy="1324080"/>
+            <a:off x="1600200" y="2865600"/>
+            <a:ext cx="8886240" cy="1735560"/>
           </a:xfrm>
           <a:prstGeom prst="rect">
             <a:avLst/>
@@ -7146,7 +6452,7 @@
             <a:spAutoFit/>
           </a:bodyPr>
           <a:p>
-            <a:pPr marL="285840" indent="-282600">
+            <a:pPr marL="285840" indent="-282240">
               <a:lnSpc>
                 <a:spcPct val="150000"/>
               </a:lnSpc>
@@ -7184,14 +6490,14 @@
                 <a:latin typeface="Consolas"/>
                 <a:ea typeface="SimSun"/>
               </a:rPr>
-              <a:t>ttl otp:1</a:t>
+              <a:t>keys * </a:t>
             </a:r>
             <a:endParaRPr b="0" lang="en-IN" sz="1800" spc="-1" strike="noStrike">
               <a:latin typeface="Arial"/>
             </a:endParaRPr>
           </a:p>
           <a:p>
-            <a:pPr marL="285840" indent="-282600">
+            <a:pPr marL="285840" indent="-282240">
               <a:lnSpc>
                 <a:spcPct val="150000"/>
               </a:lnSpc>
@@ -7229,14 +6535,14 @@
                 <a:latin typeface="Consolas"/>
                 <a:ea typeface="SimSun"/>
               </a:rPr>
-              <a:t>pttl otp:2</a:t>
+              <a:t>keys o*</a:t>
             </a:r>
             <a:endParaRPr b="0" lang="en-IN" sz="1800" spc="-1" strike="noStrike">
               <a:latin typeface="Arial"/>
             </a:endParaRPr>
           </a:p>
           <a:p>
-            <a:pPr marL="285840" indent="-282600">
+            <a:pPr marL="285840" indent="-282240">
               <a:lnSpc>
                 <a:spcPct val="150000"/>
               </a:lnSpc>
@@ -7274,24 +6580,69 @@
                 <a:latin typeface="Consolas"/>
                 <a:ea typeface="SimSun"/>
               </a:rPr>
-              <a:t>ttl password:1</a:t>
+              <a:t>keys *o*</a:t>
             </a:r>
             <a:endParaRPr b="0" lang="en-IN" sz="1800" spc="-1" strike="noStrike">
               <a:latin typeface="Arial"/>
             </a:endParaRPr>
           </a:p>
-        </p:txBody>
-      </p:sp>
-      <p:sp>
-        <p:nvSpPr>
-          <p:cNvPr id="156" name="CustomShape 5"/>
+          <a:p>
+            <a:pPr marL="285840" indent="-282240">
+              <a:lnSpc>
+                <a:spcPct val="150000"/>
+              </a:lnSpc>
+              <a:buClr>
+                <a:srgbClr val="808080"/>
+              </a:buClr>
+              <a:buFont typeface="Arial"/>
+              <a:buChar char="•"/>
+            </a:pPr>
+            <a:r>
+              <a:rPr b="0" lang="en-IN" sz="1800" spc="-1" strike="noStrike">
+                <a:solidFill>
+                  <a:srgbClr val="808080"/>
+                </a:solidFill>
+                <a:latin typeface="Consolas"/>
+                <a:ea typeface="SimSun"/>
+              </a:rPr>
+              <a:t>127.0.0.1:6379&gt;</a:t>
+            </a:r>
+            <a:r>
+              <a:rPr b="0" lang="en-IN" sz="1800" spc="-1" strike="noStrike">
+                <a:solidFill>
+                  <a:srgbClr val="000000"/>
+                </a:solidFill>
+                <a:latin typeface="Consolas"/>
+                <a:ea typeface="SimSun"/>
+              </a:rPr>
+              <a:t> </a:t>
+            </a:r>
+            <a:r>
+              <a:rPr b="0" lang="en-IN" sz="1800" spc="-1" strike="noStrike">
+                <a:solidFill>
+                  <a:srgbClr val="ff5733"/>
+                </a:solidFill>
+                <a:latin typeface="Consolas"/>
+                <a:ea typeface="SimSun"/>
+              </a:rPr>
+              <a:t>dbsize</a:t>
+            </a:r>
+            <a:endParaRPr b="0" lang="en-IN" sz="1800" spc="-1" strike="noStrike">
+              <a:latin typeface="Arial"/>
+            </a:endParaRPr>
+          </a:p>
+        </p:txBody>
+      </p:sp>
+      <p:sp>
+        <p:nvSpPr>
+          <p:cNvPr id="155" name="CustomShape 5"/>
           <p:cNvSpPr/>
           <p:nvPr/>
         </p:nvSpPr>
         <p:spPr>
           <a:xfrm>
             <a:off x="152280" y="152280"/>
-            <a:ext cx="1103400" cy="455400"/>
+            <a:ext cx="1103040" cy="455400"/>
           </a:xfrm>
           <a:prstGeom prst="rect">
             <a:avLst/>
@@ -7335,14 +6686,14 @@
       </p:sp>
       <p:sp>
         <p:nvSpPr>
-          <p:cNvPr id="157" name="CustomShape 6"/>
+          <p:cNvPr id="156" name="CustomShape 6"/>
           <p:cNvSpPr/>
           <p:nvPr/>
         </p:nvSpPr>
         <p:spPr>
           <a:xfrm>
             <a:off x="1601280" y="2221560"/>
-            <a:ext cx="8987400" cy="699480"/>
+            <a:ext cx="8987040" cy="699480"/>
           </a:xfrm>
           <a:prstGeom prst="rect">
             <a:avLst/>
@@ -7376,7 +6727,7 @@
                 <a:latin typeface="Consolas"/>
                 <a:ea typeface="DejaVu Sans"/>
               </a:rPr>
-              <a:t>TTL key</a:t>
+              <a:t>KEYS pattern</a:t>
             </a:r>
             <a:endParaRPr b="0" lang="en-IN" sz="2000" spc="-1" strike="noStrike">
               <a:latin typeface="Arial"/>
@@ -7396,7 +6747,7 @@
                 <a:latin typeface="Consolas"/>
                 <a:ea typeface="DejaVu Sans"/>
               </a:rPr>
-              <a:t>PTTL key</a:t>
+              <a:t>dbsize</a:t>
             </a:r>
             <a:endParaRPr b="0" lang="en-IN" sz="2000" spc="-1" strike="noStrike">
               <a:latin typeface="Arial"/>
@@ -7406,14 +6757,14 @@
       </p:sp>
       <p:sp>
         <p:nvSpPr>
-          <p:cNvPr id="158" name="CustomShape 7"/>
+          <p:cNvPr id="157" name="CustomShape 7"/>
           <p:cNvSpPr/>
           <p:nvPr/>
         </p:nvSpPr>
         <p:spPr>
           <a:xfrm>
-            <a:off x="1584000" y="5246640"/>
-            <a:ext cx="8853120" cy="1013760"/>
+            <a:off x="1656000" y="4713480"/>
+            <a:ext cx="8996760" cy="1366920"/>
           </a:xfrm>
           <a:prstGeom prst="rect">
             <a:avLst/>
@@ -7434,165 +6785,177 @@
             <a:noAutofit/>
           </a:bodyPr>
           <a:p>
-            <a:pPr>
-              <a:lnSpc>
-                <a:spcPct val="100000"/>
-              </a:lnSpc>
-            </a:pPr>
-            <a:r>
-              <a:rPr b="1" lang="en-IN" sz="2000" spc="-1" strike="noStrike">
-                <a:solidFill>
-                  <a:srgbClr val="c00000"/>
-                </a:solidFill>
-                <a:latin typeface="Open Sans"/>
-                <a:ea typeface="Open Sans"/>
-              </a:rPr>
-              <a:t>Note:</a:t>
-            </a:r>
-            <a:endParaRPr b="0" lang="en-IN" sz="2000" spc="-1" strike="noStrike">
-              <a:latin typeface="Arial"/>
-            </a:endParaRPr>
-          </a:p>
-          <a:p>
-            <a:pPr>
-              <a:lnSpc>
-                <a:spcPct val="100000"/>
-              </a:lnSpc>
-            </a:pPr>
-            <a:endParaRPr b="0" lang="en-IN" sz="2000" spc="-1" strike="noStrike">
-              <a:latin typeface="Arial"/>
-            </a:endParaRPr>
-          </a:p>
-          <a:p>
-            <a:pPr marL="216000" indent="-213120">
-              <a:lnSpc>
-                <a:spcPct val="100000"/>
+            <a:pPr marL="216000" indent="-215640">
+              <a:lnSpc>
+                <a:spcPct val="150000"/>
               </a:lnSpc>
               <a:buClr>
                 <a:srgbClr val="000000"/>
               </a:buClr>
-              <a:buSzPct val="45000"/>
-              <a:buFont typeface="Wingdings" charset="2"/>
-              <a:buChar char=""/>
-            </a:pPr>
-            <a:r>
-              <a:rPr b="0" lang="en-IN" sz="1800" spc="-1" strike="noStrike">
-                <a:solidFill>
-                  <a:srgbClr val="666666"/>
+              <a:buFont typeface="StarSymbol"/>
+              <a:buAutoNum type="arabicPeriod"/>
+            </a:pPr>
+            <a:r>
+              <a:rPr b="0" lang="en-IN" sz="1800" spc="-1" strike="noStrike">
+                <a:solidFill>
+                  <a:srgbClr val="000000"/>
                 </a:solidFill>
                 <a:latin typeface="Arial"/>
-                <a:ea typeface="Open Sans"/>
-              </a:rPr>
-              <a:t>The command returns -1 if the key exists but has no associated expire.</a:t>
+                <a:ea typeface="DejaVu Sans"/>
+              </a:rPr>
+              <a:t> </a:t>
+            </a:r>
+            <a:r>
+              <a:rPr b="0" lang="en-IN" sz="1800" spc="-1" strike="noStrike">
+                <a:solidFill>
+                  <a:srgbClr val="333333"/>
+                </a:solidFill>
+                <a:latin typeface="Arial"/>
+                <a:ea typeface="DejaVu Sans"/>
+              </a:rPr>
+              <a:t>h?llo matches hello, hallo and hxllo</a:t>
             </a:r>
             <a:endParaRPr b="0" lang="en-IN" sz="1800" spc="-1" strike="noStrike">
               <a:latin typeface="Arial"/>
             </a:endParaRPr>
           </a:p>
           <a:p>
-            <a:pPr marL="216000" indent="-213120">
-              <a:lnSpc>
-                <a:spcPct val="100000"/>
+            <a:pPr marL="216000" indent="-215640">
+              <a:lnSpc>
+                <a:spcPct val="150000"/>
               </a:lnSpc>
               <a:buClr>
                 <a:srgbClr val="000000"/>
               </a:buClr>
-              <a:buSzPct val="45000"/>
-              <a:buFont typeface="Wingdings" charset="2"/>
-              <a:buChar char=""/>
-            </a:pPr>
-            <a:r>
-              <a:rPr b="0" lang="en-IN" sz="1800" spc="-1" strike="noStrike">
-                <a:solidFill>
-                  <a:srgbClr val="666666"/>
+              <a:buFont typeface="StarSymbol"/>
+              <a:buAutoNum type="arabicPeriod"/>
+            </a:pPr>
+            <a:r>
+              <a:rPr b="0" lang="en-IN" sz="1800" spc="-1" strike="noStrike">
+                <a:solidFill>
+                  <a:srgbClr val="333333"/>
                 </a:solidFill>
                 <a:latin typeface="Arial"/>
-                <a:ea typeface="Open Sans"/>
-              </a:rPr>
-              <a:t>The command returns -2 if the key does not exist.</a:t>
+                <a:ea typeface="DejaVu Sans"/>
+              </a:rPr>
+              <a:t> </a:t>
+            </a:r>
+            <a:r>
+              <a:rPr b="0" lang="en-IN" sz="1800" spc="-1" strike="noStrike">
+                <a:solidFill>
+                  <a:srgbClr val="333333"/>
+                </a:solidFill>
+                <a:latin typeface="Arial"/>
+                <a:ea typeface="DejaVu Sans"/>
+              </a:rPr>
+              <a:t>h*llo matches hllo and heeeello</a:t>
             </a:r>
             <a:endParaRPr b="0" lang="en-IN" sz="1800" spc="-1" strike="noStrike">
               <a:latin typeface="Arial"/>
             </a:endParaRPr>
           </a:p>
-        </p:txBody>
-      </p:sp>
-      <p:sp>
-        <p:nvSpPr>
-          <p:cNvPr id="159" name="CustomShape 8"/>
-          <p:cNvSpPr/>
-          <p:nvPr/>
-        </p:nvSpPr>
-        <p:spPr>
-          <a:xfrm>
-            <a:off x="1576080" y="3161880"/>
-            <a:ext cx="9581040" cy="651240"/>
-          </a:xfrm>
-          <a:prstGeom prst="rect">
-            <a:avLst/>
-          </a:prstGeom>
-          <a:noFill/>
-          <a:ln>
-            <a:noFill/>
-          </a:ln>
-        </p:spPr>
-        <p:style>
-          <a:lnRef idx="0"/>
-          <a:fillRef idx="0"/>
-          <a:effectRef idx="0"/>
-          <a:fontRef idx="minor"/>
-        </p:style>
-        <p:txBody>
-          <a:bodyPr lIns="90000" rIns="90000" tIns="45000" bIns="45000">
-            <a:noAutofit/>
-          </a:bodyPr>
-          <a:p>
-            <a:pPr>
-              <a:lnSpc>
-                <a:spcPct val="100000"/>
-              </a:lnSpc>
-            </a:pPr>
-            <a:r>
-              <a:rPr b="1" lang="en-US" sz="2000" spc="-1" strike="noStrike">
-                <a:solidFill>
-                  <a:srgbClr val="000000"/>
-                </a:solidFill>
-                <a:latin typeface="Times New Roman"/>
-                <a:ea typeface="DejaVu Sans"/>
-              </a:rPr>
-              <a:t>TTL</a:t>
-            </a:r>
-            <a:r>
-              <a:rPr b="0" lang="en-US" sz="2000" spc="-1" strike="noStrike">
-                <a:solidFill>
-                  <a:srgbClr val="000000"/>
-                </a:solidFill>
-                <a:latin typeface="Times New Roman"/>
-                <a:ea typeface="DejaVu Sans"/>
-              </a:rPr>
-              <a:t> returns the amount of remaining time in seconds while </a:t>
-            </a:r>
-            <a:r>
-              <a:rPr b="1" lang="en-US" sz="2000" spc="-1" strike="noStrike">
-                <a:solidFill>
-                  <a:srgbClr val="000000"/>
-                </a:solidFill>
-                <a:latin typeface="Times New Roman"/>
-                <a:ea typeface="DejaVu Sans"/>
-              </a:rPr>
-              <a:t>PTTL</a:t>
-            </a:r>
-            <a:r>
-              <a:rPr b="0" lang="en-US" sz="2000" spc="-1" strike="noStrike">
-                <a:solidFill>
-                  <a:srgbClr val="000000"/>
-                </a:solidFill>
-                <a:latin typeface="Times New Roman"/>
-                <a:ea typeface="DejaVu Sans"/>
-              </a:rPr>
-              <a:t> returns it in milliseconds.</a:t>
-            </a:r>
-            <a:endParaRPr b="0" lang="en-IN" sz="2000" spc="-1" strike="noStrike">
+          <a:p>
+            <a:pPr marL="216000" indent="-215640">
+              <a:lnSpc>
+                <a:spcPct val="150000"/>
+              </a:lnSpc>
+              <a:buClr>
+                <a:srgbClr val="000000"/>
+              </a:buClr>
+              <a:buFont typeface="StarSymbol"/>
+              <a:buAutoNum type="arabicPeriod"/>
+            </a:pPr>
+            <a:r>
+              <a:rPr b="0" lang="en-IN" sz="1800" spc="-1" strike="noStrike">
+                <a:solidFill>
+                  <a:srgbClr val="333333"/>
+                </a:solidFill>
+                <a:latin typeface="Arial"/>
+                <a:ea typeface="DejaVu Sans"/>
+              </a:rPr>
+              <a:t> </a:t>
+            </a:r>
+            <a:r>
+              <a:rPr b="0" lang="en-IN" sz="1800" spc="-1" strike="noStrike">
+                <a:solidFill>
+                  <a:srgbClr val="333333"/>
+                </a:solidFill>
+                <a:latin typeface="Arial"/>
+                <a:ea typeface="DejaVu Sans"/>
+              </a:rPr>
+              <a:t>h[ae]llo matches hello and hallo, but not hillo</a:t>
+            </a:r>
+            <a:endParaRPr b="0" lang="en-IN" sz="1800" spc="-1" strike="noStrike">
+              <a:latin typeface="Arial"/>
+            </a:endParaRPr>
+          </a:p>
+          <a:p>
+            <a:pPr marL="216000" indent="-215640">
+              <a:lnSpc>
+                <a:spcPct val="150000"/>
+              </a:lnSpc>
+              <a:buClr>
+                <a:srgbClr val="000000"/>
+              </a:buClr>
+              <a:buFont typeface="StarSymbol"/>
+              <a:buAutoNum type="arabicPeriod"/>
+            </a:pPr>
+            <a:r>
+              <a:rPr b="0" lang="en-IN" sz="1800" spc="-1" strike="noStrike">
+                <a:solidFill>
+                  <a:srgbClr val="333333"/>
+                </a:solidFill>
+                <a:latin typeface="Arial"/>
+                <a:ea typeface="DejaVu Sans"/>
+              </a:rPr>
+              <a:t> </a:t>
+            </a:r>
+            <a:r>
+              <a:rPr b="0" lang="en-IN" sz="1800" spc="-1" strike="noStrike">
+                <a:solidFill>
+                  <a:srgbClr val="333333"/>
+                </a:solidFill>
+                <a:latin typeface="Arial"/>
+                <a:ea typeface="DejaVu Sans"/>
+              </a:rPr>
+              <a:t>h[^e]llo matches hallo, hbllo, ... but not hello</a:t>
+            </a:r>
+            <a:endParaRPr b="0" lang="en-IN" sz="1800" spc="-1" strike="noStrike">
+              <a:latin typeface="Arial"/>
+            </a:endParaRPr>
+          </a:p>
+          <a:p>
+            <a:pPr marL="216000" indent="-215640">
+              <a:lnSpc>
+                <a:spcPct val="150000"/>
+              </a:lnSpc>
+              <a:buClr>
+                <a:srgbClr val="000000"/>
+              </a:buClr>
+              <a:buFont typeface="StarSymbol"/>
+              <a:buAutoNum type="arabicPeriod"/>
+            </a:pPr>
+            <a:r>
+              <a:rPr b="0" lang="en-IN" sz="1800" spc="-1" strike="noStrike">
+                <a:solidFill>
+                  <a:srgbClr val="333333"/>
+                </a:solidFill>
+                <a:latin typeface="Arial"/>
+                <a:ea typeface="DejaVu Sans"/>
+              </a:rPr>
+              <a:t> </a:t>
+            </a:r>
+            <a:r>
+              <a:rPr b="0" lang="en-IN" sz="1800" spc="-1" strike="noStrike">
+                <a:solidFill>
+                  <a:srgbClr val="333333"/>
+                </a:solidFill>
+                <a:latin typeface="Arial"/>
+                <a:ea typeface="DejaVu Sans"/>
+              </a:rPr>
+              <a:t>h[a-b]llo matches hallo and hbllo</a:t>
+            </a:r>
+            <a:endParaRPr b="0" lang="en-IN" sz="1800" spc="-1" strike="noStrike">
               <a:latin typeface="Arial"/>
             </a:endParaRPr>
           </a:p>
@@ -7630,14 +6993,14 @@
       </p:grpSpPr>
       <p:sp>
         <p:nvSpPr>
-          <p:cNvPr id="160" name="CustomShape 1"/>
+          <p:cNvPr id="158" name="CustomShape 1"/>
           <p:cNvSpPr/>
           <p:nvPr/>
         </p:nvSpPr>
         <p:spPr>
           <a:xfrm>
             <a:off x="1676520" y="2362320"/>
-            <a:ext cx="8835840" cy="2284200"/>
+            <a:ext cx="8835480" cy="1186920"/>
           </a:xfrm>
           <a:prstGeom prst="rect">
             <a:avLst/>
@@ -7671,7 +7034,7 @@
                 <a:latin typeface="Century"/>
                 <a:ea typeface="DejaVu Sans"/>
               </a:rPr>
-              <a:t>expire key &amp; persist key</a:t>
+              <a:t>ttl key / pttl key</a:t>
             </a:r>
             <a:endParaRPr b="0" lang="en-IN" sz="7200" spc="-1" strike="noStrike">
               <a:latin typeface="Arial"/>
@@ -7681,14 +7044,14 @@
       </p:sp>
       <p:sp>
         <p:nvSpPr>
-          <p:cNvPr id="161" name="CustomShape 2"/>
+          <p:cNvPr id="159" name="CustomShape 2"/>
           <p:cNvSpPr/>
           <p:nvPr/>
         </p:nvSpPr>
         <p:spPr>
           <a:xfrm>
             <a:off x="1676520" y="3531600"/>
-            <a:ext cx="8835840" cy="424800"/>
+            <a:ext cx="8835480" cy="424800"/>
           </a:xfrm>
           <a:prstGeom prst="rect">
             <a:avLst/>
@@ -7762,13 +7125,13 @@
       </p:grpSpPr>
       <p:sp>
         <p:nvSpPr>
-          <p:cNvPr id="162" name="Line 1"/>
+          <p:cNvPr id="160" name="Line 1"/>
           <p:cNvSpPr/>
           <p:nvPr/>
         </p:nvSpPr>
         <p:spPr>
           <a:xfrm>
-            <a:off x="1523880" y="2521080"/>
+            <a:off x="1523880" y="1981080"/>
             <a:ext cx="9144000" cy="1440"/>
           </a:xfrm>
           <a:prstGeom prst="line">
@@ -7797,14 +7160,14 @@
       </p:sp>
       <p:sp>
         <p:nvSpPr>
-          <p:cNvPr id="163" name="CustomShape 2"/>
+          <p:cNvPr id="161" name="CustomShape 2"/>
           <p:cNvSpPr/>
           <p:nvPr/>
         </p:nvSpPr>
         <p:spPr>
           <a:xfrm>
             <a:off x="1523880" y="0"/>
-            <a:ext cx="9140760" cy="699120"/>
+            <a:ext cx="9140400" cy="699120"/>
           </a:xfrm>
           <a:prstGeom prst="rect">
             <a:avLst/>
@@ -7842,7 +7205,7 @@
                 <a:latin typeface="Open Sans"/>
                 <a:ea typeface="DejaVu Sans"/>
               </a:rPr>
-              <a:t>expire key &amp; persist key</a:t>
+              <a:t>ttl key / pttl key</a:t>
             </a:r>
             <a:endParaRPr b="0" lang="en-IN" sz="4000" spc="-1" strike="noStrike">
               <a:latin typeface="Arial"/>
@@ -7852,14 +7215,14 @@
       </p:sp>
       <p:sp>
         <p:nvSpPr>
-          <p:cNvPr id="164" name="CustomShape 3"/>
+          <p:cNvPr id="162" name="CustomShape 3"/>
           <p:cNvSpPr/>
           <p:nvPr/>
         </p:nvSpPr>
         <p:spPr>
           <a:xfrm>
             <a:off x="1600200" y="762120"/>
-            <a:ext cx="8988480" cy="1461240"/>
+            <a:ext cx="8988120" cy="669600"/>
           </a:xfrm>
           <a:prstGeom prst="rect">
             <a:avLst/>
@@ -7880,20 +7243,36 @@
             <a:spAutoFit/>
           </a:bodyPr>
           <a:p>
-            <a:pPr algn="just">
-              <a:lnSpc>
-                <a:spcPct val="100000"/>
-              </a:lnSpc>
-            </a:pPr>
+            <a:pPr algn="just"/>
             <a:r>
               <a:rPr b="1" lang="en-US" sz="1800" spc="-1" strike="noStrike">
                 <a:solidFill>
+                  <a:srgbClr val="7c4dff"/>
+                </a:solidFill>
+                <a:latin typeface="Arial"/>
+                <a:ea typeface="DejaVu Sans"/>
+              </a:rPr>
+              <a:t>TTL</a:t>
+            </a:r>
+            <a:r>
+              <a:rPr b="0" lang="en-US" sz="1800" spc="-1" strike="noStrike">
+                <a:solidFill>
                   <a:srgbClr val="000000"/>
                 </a:solidFill>
                 <a:latin typeface="Arial"/>
                 <a:ea typeface="DejaVu Sans"/>
               </a:rPr>
-              <a:t>EXPIRE</a:t>
+              <a:t> returns the remaining </a:t>
+            </a:r>
+            <a:r>
+              <a:rPr b="1" lang="en-US" sz="1800" spc="-1" strike="noStrike">
+                <a:solidFill>
+                  <a:srgbClr val="000000"/>
+                </a:solidFill>
+                <a:latin typeface="Arial"/>
+                <a:ea typeface="DejaVu Sans"/>
+              </a:rPr>
+              <a:t>time to live </a:t>
             </a:r>
             <a:r>
               <a:rPr b="0" lang="en-US" sz="1800" spc="-1" strike="noStrike">
@@ -7903,54 +7282,34 @@
                 <a:latin typeface="Arial"/>
                 <a:ea typeface="DejaVu Sans"/>
               </a:rPr>
-              <a:t> set a timeout on key. After the timeout has expired, the key will automatically be deleted. A key with an associated timeout is often said to be volatile in Redis terminology.</a:t>
-            </a:r>
-            <a:endParaRPr b="0" lang="en-IN" sz="1800" spc="-1" strike="noStrike">
-              <a:latin typeface="Arial"/>
-            </a:endParaRPr>
-          </a:p>
-          <a:p>
-            <a:pPr algn="just">
-              <a:lnSpc>
-                <a:spcPct val="100000"/>
-              </a:lnSpc>
-            </a:pPr>
-            <a:r>
-              <a:rPr b="1" lang="en-US" sz="1800" spc="-1" strike="noStrike">
+              <a:t>of a key that has a timeout. TTL allows Redis client to check how many seconds a given key will continue to be part of the data-set.</a:t>
+            </a:r>
+            <a:r>
+              <a:rPr b="0" lang="en-US" sz="2000" spc="-1" strike="noStrike">
                 <a:solidFill>
                   <a:srgbClr val="000000"/>
                 </a:solidFill>
-                <a:latin typeface="Arial"/>
-                <a:ea typeface="DejaVu Sans"/>
-              </a:rPr>
-              <a:t>PERSIST</a:t>
-            </a:r>
-            <a:r>
-              <a:rPr b="0" lang="en-US" sz="1800" spc="-1" strike="noStrike">
-                <a:solidFill>
-                  <a:srgbClr val="000000"/>
-                </a:solidFill>
-                <a:latin typeface="Arial"/>
-                <a:ea typeface="DejaVu Sans"/>
-              </a:rPr>
-              <a:t> remove the existing timeout on key, turning the key from volatile (a key with an expire set) to persistent (a key that will never expire as no timeout is associated).</a:t>
-            </a:r>
-            <a:endParaRPr b="0" lang="en-IN" sz="1800" spc="-1" strike="noStrike">
-              <a:latin typeface="Arial"/>
-            </a:endParaRPr>
-          </a:p>
-        </p:txBody>
-      </p:sp>
-      <p:sp>
-        <p:nvSpPr>
-          <p:cNvPr id="165" name="CustomShape 4"/>
+                <a:latin typeface="Times New Roman"/>
+                <a:ea typeface="DejaVu Sans"/>
+              </a:rPr>
+              <a:t> </a:t>
+            </a:r>
+            <a:endParaRPr b="0" lang="en-IN" sz="2000" spc="-1" strike="noStrike">
+              <a:latin typeface="Arial"/>
+            </a:endParaRPr>
+          </a:p>
+        </p:txBody>
+      </p:sp>
+      <p:sp>
+        <p:nvSpPr>
+          <p:cNvPr id="163" name="CustomShape 4"/>
           <p:cNvSpPr/>
           <p:nvPr/>
         </p:nvSpPr>
         <p:spPr>
           <a:xfrm>
-            <a:off x="1600200" y="3585600"/>
-            <a:ext cx="8886600" cy="1736280"/>
+            <a:off x="1600200" y="3909600"/>
+            <a:ext cx="8886240" cy="1324080"/>
           </a:xfrm>
           <a:prstGeom prst="rect">
             <a:avLst/>
@@ -7971,7 +7330,7 @@
             <a:spAutoFit/>
           </a:bodyPr>
           <a:p>
-            <a:pPr marL="285840" indent="-282600">
+            <a:pPr marL="285840" indent="-282240">
               <a:lnSpc>
                 <a:spcPct val="150000"/>
               </a:lnSpc>
@@ -7986,7 +7345,7 @@
                 <a:solidFill>
                   <a:srgbClr val="808080"/>
                 </a:solidFill>
-                <a:latin typeface="Arial"/>
+                <a:latin typeface="Consolas"/>
                 <a:ea typeface="SimSun"/>
               </a:rPr>
               <a:t>127.0.0.1:6379&gt;</a:t>
@@ -7996,7 +7355,7 @@
                 <a:solidFill>
                   <a:srgbClr val="000000"/>
                 </a:solidFill>
-                <a:latin typeface="Arial"/>
+                <a:latin typeface="Consolas"/>
                 <a:ea typeface="SimSun"/>
               </a:rPr>
               <a:t> </a:t>
@@ -8006,17 +7365,17 @@
                 <a:solidFill>
                   <a:srgbClr val="ff5733"/>
                 </a:solidFill>
-                <a:latin typeface="Arial"/>
+                <a:latin typeface="Consolas"/>
                 <a:ea typeface="SimSun"/>
               </a:rPr>
-              <a:t>expire user:1 180</a:t>
+              <a:t>ttl otp:1</a:t>
             </a:r>
             <a:endParaRPr b="0" lang="en-IN" sz="1800" spc="-1" strike="noStrike">
               <a:latin typeface="Arial"/>
             </a:endParaRPr>
           </a:p>
           <a:p>
-            <a:pPr marL="285840" indent="-282600">
+            <a:pPr marL="285840" indent="-282240">
               <a:lnSpc>
                 <a:spcPct val="150000"/>
               </a:lnSpc>
@@ -8031,7 +7390,7 @@
                 <a:solidFill>
                   <a:srgbClr val="808080"/>
                 </a:solidFill>
-                <a:latin typeface="Arial"/>
+                <a:latin typeface="Consolas"/>
                 <a:ea typeface="SimSun"/>
               </a:rPr>
               <a:t>127.0.0.1:6379&gt;</a:t>
@@ -8041,7 +7400,7 @@
                 <a:solidFill>
                   <a:srgbClr val="000000"/>
                 </a:solidFill>
-                <a:latin typeface="Arial"/>
+                <a:latin typeface="Consolas"/>
                 <a:ea typeface="SimSun"/>
               </a:rPr>
               <a:t> </a:t>
@@ -8051,17 +7410,17 @@
                 <a:solidFill>
                   <a:srgbClr val="ff5733"/>
                 </a:solidFill>
-                <a:latin typeface="Arial"/>
+                <a:latin typeface="Consolas"/>
                 <a:ea typeface="SimSun"/>
               </a:rPr>
-              <a:t>expire password:1 180</a:t>
+              <a:t>pttl otp:2</a:t>
             </a:r>
             <a:endParaRPr b="0" lang="en-IN" sz="1800" spc="-1" strike="noStrike">
               <a:latin typeface="Arial"/>
             </a:endParaRPr>
           </a:p>
           <a:p>
-            <a:pPr marL="285840" indent="-282600">
+            <a:pPr marL="285840" indent="-282240">
               <a:lnSpc>
                 <a:spcPct val="150000"/>
               </a:lnSpc>
@@ -8076,7 +7435,7 @@
                 <a:solidFill>
                   <a:srgbClr val="808080"/>
                 </a:solidFill>
-                <a:latin typeface="Arial"/>
+                <a:latin typeface="Consolas"/>
                 <a:ea typeface="SimSun"/>
               </a:rPr>
               <a:t>127.0.0.1:6379&gt;</a:t>
@@ -8086,7 +7445,7 @@
                 <a:solidFill>
                   <a:srgbClr val="000000"/>
                 </a:solidFill>
-                <a:latin typeface="Arial"/>
+                <a:latin typeface="Consolas"/>
                 <a:ea typeface="SimSun"/>
               </a:rPr>
               <a:t> </a:t>
@@ -8096,72 +7455,27 @@
                 <a:solidFill>
                   <a:srgbClr val="ff5733"/>
                 </a:solidFill>
-                <a:latin typeface="Arial"/>
+                <a:latin typeface="Consolas"/>
                 <a:ea typeface="SimSun"/>
               </a:rPr>
-              <a:t>persist user:1</a:t>
+              <a:t>ttl password:1</a:t>
             </a:r>
             <a:endParaRPr b="0" lang="en-IN" sz="1800" spc="-1" strike="noStrike">
               <a:latin typeface="Arial"/>
             </a:endParaRPr>
           </a:p>
-          <a:p>
-            <a:pPr marL="285840" indent="-282600">
-              <a:lnSpc>
-                <a:spcPct val="150000"/>
-              </a:lnSpc>
-              <a:buClr>
-                <a:srgbClr val="808080"/>
-              </a:buClr>
-              <a:buFont typeface="Arial"/>
-              <a:buChar char="•"/>
-            </a:pPr>
-            <a:r>
-              <a:rPr b="0" lang="en-IN" sz="1800" spc="-1" strike="noStrike">
-                <a:solidFill>
-                  <a:srgbClr val="808080"/>
-                </a:solidFill>
-                <a:latin typeface="Arial"/>
-                <a:ea typeface="SimSun"/>
-              </a:rPr>
-              <a:t>127.0.0.1:6379&gt;</a:t>
-            </a:r>
-            <a:r>
-              <a:rPr b="0" lang="en-IN" sz="1800" spc="-1" strike="noStrike">
-                <a:solidFill>
-                  <a:srgbClr val="000000"/>
-                </a:solidFill>
-                <a:latin typeface="Arial"/>
-                <a:ea typeface="SimSun"/>
-              </a:rPr>
-              <a:t> </a:t>
-            </a:r>
-            <a:r>
-              <a:rPr b="0" lang="en-IN" sz="1800" spc="-1" strike="noStrike">
-                <a:solidFill>
-                  <a:srgbClr val="ff5733"/>
-                </a:solidFill>
-                <a:latin typeface="Arial"/>
-                <a:ea typeface="SimSun"/>
-              </a:rPr>
-              <a:t>persist password:1</a:t>
-            </a:r>
-            <a:endParaRPr b="0" lang="en-IN" sz="1800" spc="-1" strike="noStrike">
-              <a:latin typeface="Arial"/>
-            </a:endParaRPr>
-          </a:p>
-        </p:txBody>
-      </p:sp>
-      <p:sp>
-        <p:nvSpPr>
-          <p:cNvPr id="166" name="CustomShape 5"/>
+        </p:txBody>
+      </p:sp>
+      <p:sp>
+        <p:nvSpPr>
+          <p:cNvPr id="164" name="CustomShape 5"/>
           <p:cNvSpPr/>
           <p:nvPr/>
         </p:nvSpPr>
         <p:spPr>
           <a:xfrm>
             <a:off x="152280" y="152280"/>
-            <a:ext cx="1103400" cy="455400"/>
+            <a:ext cx="1103040" cy="455400"/>
           </a:xfrm>
           <a:prstGeom prst="rect">
             <a:avLst/>
@@ -8205,14 +7519,14 @@
       </p:sp>
       <p:sp>
         <p:nvSpPr>
-          <p:cNvPr id="167" name="CustomShape 6"/>
+          <p:cNvPr id="165" name="CustomShape 6"/>
           <p:cNvSpPr/>
           <p:nvPr/>
         </p:nvSpPr>
         <p:spPr>
           <a:xfrm>
-            <a:off x="1601280" y="2761560"/>
-            <a:ext cx="8987400" cy="699480"/>
+            <a:off x="1601280" y="2221560"/>
+            <a:ext cx="8987040" cy="699480"/>
           </a:xfrm>
           <a:prstGeom prst="rect">
             <a:avLst/>
@@ -8246,7 +7560,7 @@
                 <a:latin typeface="Consolas"/>
                 <a:ea typeface="DejaVu Sans"/>
               </a:rPr>
-              <a:t>EXPIRE key seconds</a:t>
+              <a:t>TTL key</a:t>
             </a:r>
             <a:endParaRPr b="0" lang="en-IN" sz="2000" spc="-1" strike="noStrike">
               <a:latin typeface="Arial"/>
@@ -8266,7 +7580,201 @@
                 <a:latin typeface="Consolas"/>
                 <a:ea typeface="DejaVu Sans"/>
               </a:rPr>
-              <a:t>PERSIST key</a:t>
+              <a:t>PTTL key</a:t>
+            </a:r>
+            <a:endParaRPr b="0" lang="en-IN" sz="2000" spc="-1" strike="noStrike">
+              <a:latin typeface="Arial"/>
+            </a:endParaRPr>
+          </a:p>
+        </p:txBody>
+      </p:sp>
+      <p:sp>
+        <p:nvSpPr>
+          <p:cNvPr id="166" name="CustomShape 7"/>
+          <p:cNvSpPr/>
+          <p:nvPr/>
+        </p:nvSpPr>
+        <p:spPr>
+          <a:xfrm>
+            <a:off x="1584000" y="5246640"/>
+            <a:ext cx="8852760" cy="1013400"/>
+          </a:xfrm>
+          <a:prstGeom prst="rect">
+            <a:avLst/>
+          </a:prstGeom>
+          <a:noFill/>
+          <a:ln>
+            <a:noFill/>
+          </a:ln>
+        </p:spPr>
+        <p:style>
+          <a:lnRef idx="0"/>
+          <a:fillRef idx="0"/>
+          <a:effectRef idx="0"/>
+          <a:fontRef idx="minor"/>
+        </p:style>
+        <p:txBody>
+          <a:bodyPr lIns="90000" rIns="90000" tIns="45000" bIns="45000">
+            <a:noAutofit/>
+          </a:bodyPr>
+          <a:p>
+            <a:pPr>
+              <a:lnSpc>
+                <a:spcPct val="100000"/>
+              </a:lnSpc>
+            </a:pPr>
+            <a:r>
+              <a:rPr b="1" lang="en-IN" sz="2000" spc="-1" strike="noStrike">
+                <a:solidFill>
+                  <a:srgbClr val="c00000"/>
+                </a:solidFill>
+                <a:latin typeface="Open Sans"/>
+                <a:ea typeface="Open Sans"/>
+              </a:rPr>
+              <a:t>Note:</a:t>
+            </a:r>
+            <a:endParaRPr b="0" lang="en-IN" sz="2000" spc="-1" strike="noStrike">
+              <a:latin typeface="Arial"/>
+            </a:endParaRPr>
+          </a:p>
+          <a:p>
+            <a:pPr>
+              <a:lnSpc>
+                <a:spcPct val="100000"/>
+              </a:lnSpc>
+            </a:pPr>
+            <a:endParaRPr b="0" lang="en-IN" sz="2000" spc="-1" strike="noStrike">
+              <a:latin typeface="Arial"/>
+            </a:endParaRPr>
+          </a:p>
+          <a:p>
+            <a:pPr marL="216000" indent="-212760">
+              <a:lnSpc>
+                <a:spcPct val="100000"/>
+              </a:lnSpc>
+              <a:buClr>
+                <a:srgbClr val="000000"/>
+              </a:buClr>
+              <a:buSzPct val="45000"/>
+              <a:buFont typeface="Wingdings" charset="2"/>
+              <a:buChar char=""/>
+            </a:pPr>
+            <a:r>
+              <a:rPr b="0" lang="en-IN" sz="1800" spc="-1" strike="noStrike">
+                <a:solidFill>
+                  <a:srgbClr val="666666"/>
+                </a:solidFill>
+                <a:latin typeface="Arial"/>
+                <a:ea typeface="Open Sans"/>
+              </a:rPr>
+              <a:t>The command returns -1 if the key exists but has no associated expire.</a:t>
+            </a:r>
+            <a:endParaRPr b="0" lang="en-IN" sz="1800" spc="-1" strike="noStrike">
+              <a:latin typeface="Arial"/>
+            </a:endParaRPr>
+          </a:p>
+          <a:p>
+            <a:pPr marL="216000" indent="-212760">
+              <a:lnSpc>
+                <a:spcPct val="100000"/>
+              </a:lnSpc>
+              <a:buClr>
+                <a:srgbClr val="000000"/>
+              </a:buClr>
+              <a:buSzPct val="45000"/>
+              <a:buFont typeface="Wingdings" charset="2"/>
+              <a:buChar char=""/>
+            </a:pPr>
+            <a:r>
+              <a:rPr b="0" lang="en-IN" sz="1800" spc="-1" strike="noStrike">
+                <a:solidFill>
+                  <a:srgbClr val="666666"/>
+                </a:solidFill>
+                <a:latin typeface="Arial"/>
+                <a:ea typeface="Open Sans"/>
+              </a:rPr>
+              <a:t>The command returns -2 if the key does not exist.</a:t>
+            </a:r>
+            <a:endParaRPr b="0" lang="en-IN" sz="1800" spc="-1" strike="noStrike">
+              <a:latin typeface="Arial"/>
+            </a:endParaRPr>
+          </a:p>
+        </p:txBody>
+      </p:sp>
+      <p:sp>
+        <p:nvSpPr>
+          <p:cNvPr id="167" name="CustomShape 8"/>
+          <p:cNvSpPr/>
+          <p:nvPr/>
+        </p:nvSpPr>
+        <p:spPr>
+          <a:xfrm>
+            <a:off x="1576080" y="3161880"/>
+            <a:ext cx="9580680" cy="650880"/>
+          </a:xfrm>
+          <a:prstGeom prst="rect">
+            <a:avLst/>
+          </a:prstGeom>
+          <a:noFill/>
+          <a:ln>
+            <a:noFill/>
+          </a:ln>
+        </p:spPr>
+        <p:style>
+          <a:lnRef idx="0"/>
+          <a:fillRef idx="0"/>
+          <a:effectRef idx="0"/>
+          <a:fontRef idx="minor"/>
+        </p:style>
+        <p:txBody>
+          <a:bodyPr lIns="90000" rIns="90000" tIns="45000" bIns="45000">
+            <a:noAutofit/>
+          </a:bodyPr>
+          <a:p>
+            <a:pPr>
+              <a:lnSpc>
+                <a:spcPct val="100000"/>
+              </a:lnSpc>
+            </a:pPr>
+            <a:r>
+              <a:rPr b="1" lang="en-US" sz="2000" spc="-1" strike="noStrike">
+                <a:solidFill>
+                  <a:srgbClr val="000000"/>
+                </a:solidFill>
+                <a:latin typeface="Times New Roman"/>
+                <a:ea typeface="DejaVu Sans"/>
+              </a:rPr>
+              <a:t>TTL</a:t>
+            </a:r>
+            <a:r>
+              <a:rPr b="0" lang="en-US" sz="2000" spc="-1" strike="noStrike">
+                <a:solidFill>
+                  <a:srgbClr val="000000"/>
+                </a:solidFill>
+                <a:latin typeface="Times New Roman"/>
+                <a:ea typeface="DejaVu Sans"/>
+              </a:rPr>
+              <a:t> returns the amount of remaining time in seconds while </a:t>
+            </a:r>
+            <a:r>
+              <a:rPr b="1" lang="en-US" sz="2000" spc="-1" strike="noStrike">
+                <a:solidFill>
+                  <a:srgbClr val="000000"/>
+                </a:solidFill>
+                <a:latin typeface="Times New Roman"/>
+                <a:ea typeface="DejaVu Sans"/>
+              </a:rPr>
+              <a:t>PTTL</a:t>
+            </a:r>
+            <a:r>
+              <a:rPr b="0" lang="en-US" sz="2000" spc="-1" strike="noStrike">
+                <a:solidFill>
+                  <a:srgbClr val="000000"/>
+                </a:solidFill>
+                <a:latin typeface="Times New Roman"/>
+                <a:ea typeface="DejaVu Sans"/>
+              </a:rPr>
+              <a:t> returns it in milliseconds.</a:t>
             </a:r>
             <a:endParaRPr b="0" lang="en-IN" sz="2000" spc="-1" strike="noStrike">
               <a:latin typeface="Arial"/>
@@ -8313,7 +7821,7 @@
         <p:spPr>
           <a:xfrm>
             <a:off x="1676520" y="2362320"/>
-            <a:ext cx="8835840" cy="2284200"/>
+            <a:ext cx="8835480" cy="2284200"/>
           </a:xfrm>
           <a:prstGeom prst="rect">
             <a:avLst/>
@@ -8347,7 +7855,7 @@
                 <a:latin typeface="Century"/>
                 <a:ea typeface="DejaVu Sans"/>
               </a:rPr>
-              <a:t>mset, msetnx key &amp; mget key</a:t>
+              <a:t>expire key &amp; persist key</a:t>
             </a:r>
             <a:endParaRPr b="0" lang="en-IN" sz="7200" spc="-1" strike="noStrike">
               <a:latin typeface="Arial"/>
@@ -8363,8 +7871,8 @@
         </p:nvSpPr>
         <p:spPr>
           <a:xfrm>
-            <a:off x="1676520" y="5331600"/>
-            <a:ext cx="8835840" cy="424800"/>
+            <a:off x="1676520" y="3531600"/>
+            <a:ext cx="8835480" cy="424800"/>
           </a:xfrm>
           <a:prstGeom prst="rect">
             <a:avLst/>
@@ -8445,7 +7953,7 @@
         <p:spPr>
           <a:xfrm>
             <a:off x="1676520" y="2362320"/>
-            <a:ext cx="8835840" cy="1186920"/>
+            <a:ext cx="8835480" cy="1186920"/>
           </a:xfrm>
           <a:prstGeom prst="rect">
             <a:avLst/>
@@ -8496,7 +8004,7 @@
         <p:spPr>
           <a:xfrm>
             <a:off x="522360" y="3531600"/>
-            <a:ext cx="11248200" cy="1765440"/>
+            <a:ext cx="11247840" cy="1765440"/>
           </a:xfrm>
           <a:prstGeom prst="rect">
             <a:avLst/>
@@ -8547,7 +8055,7 @@
         <p:spPr>
           <a:xfrm>
             <a:off x="1666800" y="609480"/>
-            <a:ext cx="8835840" cy="394560"/>
+            <a:ext cx="8835480" cy="394560"/>
           </a:xfrm>
           <a:prstGeom prst="rect">
             <a:avLst/>
@@ -8621,497 +8129,13 @@
       </p:grpSpPr>
       <p:sp>
         <p:nvSpPr>
-          <p:cNvPr id="170" name="CustomShape 1"/>
+          <p:cNvPr id="170" name="Line 1"/>
           <p:cNvSpPr/>
           <p:nvPr/>
         </p:nvSpPr>
         <p:spPr>
           <a:xfrm>
-            <a:off x="1523880" y="0"/>
-            <a:ext cx="9140760" cy="699120"/>
-          </a:xfrm>
-          <a:prstGeom prst="rect">
-            <a:avLst/>
-          </a:prstGeom>
-          <a:solidFill>
-            <a:schemeClr val="accent6">
-              <a:lumMod val="75000"/>
-            </a:schemeClr>
-          </a:solidFill>
-          <a:ln>
-            <a:noFill/>
-          </a:ln>
-        </p:spPr>
-        <p:style>
-          <a:lnRef idx="0"/>
-          <a:fillRef idx="0"/>
-          <a:effectRef idx="0"/>
-          <a:fontRef idx="minor"/>
-        </p:style>
-        <p:txBody>
-          <a:bodyPr lIns="90000" rIns="90000" tIns="45000" bIns="45000">
-            <a:spAutoFit/>
-          </a:bodyPr>
-          <a:p>
-            <a:pPr algn="ctr">
-              <a:lnSpc>
-                <a:spcPct val="100000"/>
-              </a:lnSpc>
-            </a:pPr>
-            <a:r>
-              <a:rPr b="0" lang="en-IN" sz="4000" spc="-1" strike="noStrike">
-                <a:solidFill>
-                  <a:srgbClr val="f7c120"/>
-                </a:solidFill>
-                <a:latin typeface="Open Sans"/>
-                <a:ea typeface="DejaVu Sans"/>
-              </a:rPr>
-              <a:t>mset, msetnx &amp; mget</a:t>
-            </a:r>
-            <a:endParaRPr b="0" lang="en-IN" sz="4000" spc="-1" strike="noStrike">
-              <a:latin typeface="Arial"/>
-            </a:endParaRPr>
-          </a:p>
-        </p:txBody>
-      </p:sp>
-      <p:sp>
-        <p:nvSpPr>
-          <p:cNvPr id="171" name="CustomShape 2"/>
-          <p:cNvSpPr/>
-          <p:nvPr/>
-        </p:nvSpPr>
-        <p:spPr>
-          <a:xfrm>
-            <a:off x="1600200" y="762120"/>
-            <a:ext cx="8988480" cy="1735560"/>
-          </a:xfrm>
-          <a:prstGeom prst="rect">
-            <a:avLst/>
-          </a:prstGeom>
-          <a:noFill/>
-          <a:ln>
-            <a:noFill/>
-          </a:ln>
-        </p:spPr>
-        <p:style>
-          <a:lnRef idx="0"/>
-          <a:fillRef idx="0"/>
-          <a:effectRef idx="0"/>
-          <a:fontRef idx="minor"/>
-        </p:style>
-        <p:txBody>
-          <a:bodyPr lIns="90000" rIns="90000" tIns="45000" bIns="45000">
-            <a:spAutoFit/>
-          </a:bodyPr>
-          <a:p>
-            <a:pPr algn="just">
-              <a:lnSpc>
-                <a:spcPct val="100000"/>
-              </a:lnSpc>
-            </a:pPr>
-            <a:r>
-              <a:rPr b="1" lang="en-US" sz="1800" spc="-1" strike="noStrike">
-                <a:solidFill>
-                  <a:srgbClr val="000000"/>
-                </a:solidFill>
-                <a:latin typeface="Arial"/>
-                <a:ea typeface="DejaVu Sans"/>
-              </a:rPr>
-              <a:t>MSET</a:t>
-            </a:r>
-            <a:r>
-              <a:rPr b="0" lang="en-US" sz="1800" spc="-1" strike="noStrike">
-                <a:solidFill>
-                  <a:srgbClr val="000000"/>
-                </a:solidFill>
-                <a:latin typeface="Arial"/>
-                <a:ea typeface="DejaVu Sans"/>
-              </a:rPr>
-              <a:t> sets the given keys to their respective values. MSET replaces existing values with new values, just as regular SET.</a:t>
-            </a:r>
-            <a:endParaRPr b="0" lang="en-IN" sz="1800" spc="-1" strike="noStrike">
-              <a:latin typeface="Arial"/>
-            </a:endParaRPr>
-          </a:p>
-          <a:p>
-            <a:pPr algn="just">
-              <a:lnSpc>
-                <a:spcPct val="100000"/>
-              </a:lnSpc>
-            </a:pPr>
-            <a:r>
-              <a:rPr b="1" lang="en-US" sz="1800" spc="-1" strike="noStrike">
-                <a:solidFill>
-                  <a:srgbClr val="000000"/>
-                </a:solidFill>
-                <a:latin typeface="Arial"/>
-                <a:ea typeface="DejaVu Sans"/>
-              </a:rPr>
-              <a:t>MSETNX</a:t>
-            </a:r>
-            <a:r>
-              <a:rPr b="0" lang="en-US" sz="1800" spc="-1" strike="noStrike">
-                <a:solidFill>
-                  <a:srgbClr val="000000"/>
-                </a:solidFill>
-                <a:latin typeface="Arial"/>
-                <a:ea typeface="DejaVu Sans"/>
-              </a:rPr>
-              <a:t> sets the given keys to their respective values. MSETNX will not perform any operation at all even if just a single key already exists.</a:t>
-            </a:r>
-            <a:endParaRPr b="0" lang="en-IN" sz="1800" spc="-1" strike="noStrike">
-              <a:latin typeface="Arial"/>
-            </a:endParaRPr>
-          </a:p>
-          <a:p>
-            <a:pPr algn="just">
-              <a:lnSpc>
-                <a:spcPct val="100000"/>
-              </a:lnSpc>
-            </a:pPr>
-            <a:r>
-              <a:rPr b="1" lang="en-US" sz="1800" spc="-1" strike="noStrike">
-                <a:solidFill>
-                  <a:srgbClr val="000000"/>
-                </a:solidFill>
-                <a:latin typeface="Arial"/>
-                <a:ea typeface="DejaVu Sans"/>
-              </a:rPr>
-              <a:t>MGET</a:t>
-            </a:r>
-            <a:r>
-              <a:rPr b="0" lang="en-US" sz="1800" spc="-1" strike="noStrike">
-                <a:solidFill>
-                  <a:srgbClr val="000000"/>
-                </a:solidFill>
-                <a:latin typeface="Arial"/>
-                <a:ea typeface="DejaVu Sans"/>
-              </a:rPr>
-              <a:t> returns the values of all specified keys. For every key that does not hold a string value or does not exist, the special value nil is returned.</a:t>
-            </a:r>
-            <a:endParaRPr b="0" lang="en-IN" sz="1800" spc="-1" strike="noStrike">
-              <a:latin typeface="Arial"/>
-            </a:endParaRPr>
-          </a:p>
-        </p:txBody>
-      </p:sp>
-      <p:sp>
-        <p:nvSpPr>
-          <p:cNvPr id="172" name="CustomShape 3"/>
-          <p:cNvSpPr/>
-          <p:nvPr/>
-        </p:nvSpPr>
-        <p:spPr>
-          <a:xfrm>
-            <a:off x="152280" y="152280"/>
-            <a:ext cx="1103400" cy="456120"/>
-          </a:xfrm>
-          <a:prstGeom prst="rect">
-            <a:avLst/>
-          </a:prstGeom>
-          <a:noFill/>
-          <a:ln>
-            <a:noFill/>
-          </a:ln>
-        </p:spPr>
-        <p:style>
-          <a:lnRef idx="0"/>
-          <a:fillRef idx="0"/>
-          <a:effectRef idx="0"/>
-          <a:fontRef idx="minor"/>
-        </p:style>
-        <p:txBody>
-          <a:bodyPr lIns="90000" rIns="90000" tIns="45000" bIns="45000">
-            <a:spAutoFit/>
-          </a:bodyPr>
-          <a:p>
-            <a:pPr algn="just">
-              <a:lnSpc>
-                <a:spcPct val="100000"/>
-              </a:lnSpc>
-            </a:pPr>
-            <a:r>
-              <a:rPr b="0" lang="en-IN" sz="2400" spc="-1" strike="noStrike">
-                <a:solidFill>
-                  <a:srgbClr val="ff0000"/>
-                </a:solidFill>
-                <a:latin typeface="Times New Roman"/>
-                <a:ea typeface="DejaVu Sans"/>
-              </a:rPr>
-              <a:t>TODO</a:t>
-            </a:r>
-            <a:endParaRPr b="0" lang="en-IN" sz="2400" spc="-1" strike="noStrike">
-              <a:latin typeface="Arial"/>
-            </a:endParaRPr>
-          </a:p>
-        </p:txBody>
-      </p:sp>
-      <p:sp>
-        <p:nvSpPr>
-          <p:cNvPr id="173" name="CustomShape 4"/>
-          <p:cNvSpPr/>
-          <p:nvPr/>
-        </p:nvSpPr>
-        <p:spPr>
-          <a:xfrm>
-            <a:off x="1601280" y="2905560"/>
-            <a:ext cx="8987400" cy="1004400"/>
-          </a:xfrm>
-          <a:prstGeom prst="rect">
-            <a:avLst/>
-          </a:prstGeom>
-          <a:noFill/>
-          <a:ln>
-            <a:noFill/>
-          </a:ln>
-        </p:spPr>
-        <p:style>
-          <a:lnRef idx="0"/>
-          <a:fillRef idx="0"/>
-          <a:effectRef idx="0"/>
-          <a:fontRef idx="minor"/>
-        </p:style>
-        <p:txBody>
-          <a:bodyPr lIns="90000" rIns="90000" tIns="45000" bIns="45000">
-            <a:spAutoFit/>
-          </a:bodyPr>
-          <a:p>
-            <a:pPr>
-              <a:lnSpc>
-                <a:spcPct val="100000"/>
-              </a:lnSpc>
-            </a:pPr>
-            <a:r>
-              <a:rPr b="0" lang="en-US" sz="2000" spc="-1" strike="noStrike">
-                <a:solidFill>
-                  <a:srgbClr val="00b0f0"/>
-                </a:solidFill>
-                <a:latin typeface="Consolas"/>
-                <a:ea typeface="DejaVu Sans"/>
-              </a:rPr>
-              <a:t>MSET key value [key value …]</a:t>
-            </a:r>
-            <a:endParaRPr b="0" lang="en-IN" sz="2000" spc="-1" strike="noStrike">
-              <a:latin typeface="Arial"/>
-            </a:endParaRPr>
-          </a:p>
-          <a:p>
-            <a:pPr>
-              <a:lnSpc>
-                <a:spcPct val="100000"/>
-              </a:lnSpc>
-            </a:pPr>
-            <a:r>
-              <a:rPr b="0" lang="en-US" sz="2000" spc="-1" strike="noStrike">
-                <a:solidFill>
-                  <a:srgbClr val="00b0f0"/>
-                </a:solidFill>
-                <a:latin typeface="Consolas"/>
-                <a:ea typeface="DejaVu Sans"/>
-              </a:rPr>
-              <a:t>MSETNX key value [key value ...]</a:t>
-            </a:r>
-            <a:endParaRPr b="0" lang="en-IN" sz="2000" spc="-1" strike="noStrike">
-              <a:latin typeface="Arial"/>
-            </a:endParaRPr>
-          </a:p>
-          <a:p>
-            <a:pPr>
-              <a:lnSpc>
-                <a:spcPct val="100000"/>
-              </a:lnSpc>
-            </a:pPr>
-            <a:r>
-              <a:rPr b="0" lang="en-US" sz="2000" spc="-1" strike="noStrike">
-                <a:solidFill>
-                  <a:srgbClr val="00b0f0"/>
-                </a:solidFill>
-                <a:latin typeface="Consolas"/>
-                <a:ea typeface="DejaVu Sans"/>
-              </a:rPr>
-              <a:t>MGET key [key ...]</a:t>
-            </a:r>
-            <a:endParaRPr b="0" lang="en-IN" sz="2000" spc="-1" strike="noStrike">
-              <a:latin typeface="Arial"/>
-            </a:endParaRPr>
-          </a:p>
-        </p:txBody>
-      </p:sp>
-      <p:sp>
-        <p:nvSpPr>
-          <p:cNvPr id="174" name="CustomShape 5"/>
-          <p:cNvSpPr/>
-          <p:nvPr/>
-        </p:nvSpPr>
-        <p:spPr>
-          <a:xfrm>
-            <a:off x="1600200" y="3981600"/>
-            <a:ext cx="8886600" cy="1324800"/>
-          </a:xfrm>
-          <a:prstGeom prst="rect">
-            <a:avLst/>
-          </a:prstGeom>
-          <a:noFill/>
-          <a:ln>
-            <a:noFill/>
-          </a:ln>
-        </p:spPr>
-        <p:style>
-          <a:lnRef idx="0"/>
-          <a:fillRef idx="0"/>
-          <a:effectRef idx="0"/>
-          <a:fontRef idx="minor"/>
-        </p:style>
-        <p:txBody>
-          <a:bodyPr lIns="90000" rIns="90000" tIns="45000" bIns="45000">
-            <a:spAutoFit/>
-          </a:bodyPr>
-          <a:p>
-            <a:pPr marL="285840" indent="-282600">
-              <a:lnSpc>
-                <a:spcPct val="150000"/>
-              </a:lnSpc>
-              <a:buClr>
-                <a:srgbClr val="808080"/>
-              </a:buClr>
-              <a:buFont typeface="Arial"/>
-              <a:buChar char="•"/>
-            </a:pPr>
-            <a:r>
-              <a:rPr b="0" lang="en-IN" sz="1800" spc="-1" strike="noStrike">
-                <a:solidFill>
-                  <a:srgbClr val="808080"/>
-                </a:solidFill>
-                <a:latin typeface="Arial"/>
-                <a:ea typeface="SimSun"/>
-              </a:rPr>
-              <a:t>127.0.0.1:6379&gt;</a:t>
-            </a:r>
-            <a:r>
-              <a:rPr b="0" lang="en-IN" sz="1800" spc="-1" strike="noStrike">
-                <a:solidFill>
-                  <a:srgbClr val="000000"/>
-                </a:solidFill>
-                <a:latin typeface="Arial"/>
-                <a:ea typeface="SimSun"/>
-              </a:rPr>
-              <a:t> </a:t>
-            </a:r>
-            <a:r>
-              <a:rPr b="0" lang="en-IN" sz="1800" spc="-1" strike="noStrike">
-                <a:solidFill>
-                  <a:srgbClr val="ff5733"/>
-                </a:solidFill>
-                <a:latin typeface="Arial"/>
-                <a:ea typeface="SimSun"/>
-              </a:rPr>
-              <a:t>mset server:2 linux user:2 administrator password:2 admin</a:t>
-            </a:r>
-            <a:endParaRPr b="0" lang="en-IN" sz="1800" spc="-1" strike="noStrike">
-              <a:latin typeface="Arial"/>
-            </a:endParaRPr>
-          </a:p>
-          <a:p>
-            <a:pPr marL="285840" indent="-282600">
-              <a:lnSpc>
-                <a:spcPct val="150000"/>
-              </a:lnSpc>
-              <a:buClr>
-                <a:srgbClr val="808080"/>
-              </a:buClr>
-              <a:buFont typeface="Arial"/>
-              <a:buChar char="•"/>
-            </a:pPr>
-            <a:r>
-              <a:rPr b="0" lang="en-IN" sz="1800" spc="-1" strike="noStrike">
-                <a:solidFill>
-                  <a:srgbClr val="808080"/>
-                </a:solidFill>
-                <a:latin typeface="Arial"/>
-                <a:ea typeface="SimSun"/>
-              </a:rPr>
-              <a:t>127.0.0.1:6379&gt;</a:t>
-            </a:r>
-            <a:r>
-              <a:rPr b="0" lang="en-IN" sz="1800" spc="-1" strike="noStrike">
-                <a:solidFill>
-                  <a:srgbClr val="000000"/>
-                </a:solidFill>
-                <a:latin typeface="Arial"/>
-                <a:ea typeface="SimSun"/>
-              </a:rPr>
-              <a:t> </a:t>
-            </a:r>
-            <a:r>
-              <a:rPr b="0" lang="en-IN" sz="1800" spc="-1" strike="noStrike">
-                <a:solidFill>
-                  <a:srgbClr val="ff5733"/>
-                </a:solidFill>
-                <a:latin typeface="Arial"/>
-                <a:ea typeface="SimSun"/>
-              </a:rPr>
-              <a:t>msetnx server:3 windows2020 host:1 admin</a:t>
-            </a:r>
-            <a:endParaRPr b="0" lang="en-IN" sz="1800" spc="-1" strike="noStrike">
-              <a:latin typeface="Arial"/>
-            </a:endParaRPr>
-          </a:p>
-          <a:p>
-            <a:pPr marL="285840" indent="-282600">
-              <a:lnSpc>
-                <a:spcPct val="150000"/>
-              </a:lnSpc>
-              <a:buClr>
-                <a:srgbClr val="808080"/>
-              </a:buClr>
-              <a:buFont typeface="Arial"/>
-              <a:buChar char="•"/>
-            </a:pPr>
-            <a:r>
-              <a:rPr b="0" lang="en-IN" sz="1800" spc="-1" strike="noStrike">
-                <a:solidFill>
-                  <a:srgbClr val="808080"/>
-                </a:solidFill>
-                <a:latin typeface="Arial"/>
-                <a:ea typeface="SimSun"/>
-              </a:rPr>
-              <a:t>127.0.0.1:6379&gt;</a:t>
-            </a:r>
-            <a:r>
-              <a:rPr b="0" lang="en-IN" sz="1800" spc="-1" strike="noStrike">
-                <a:solidFill>
-                  <a:srgbClr val="000000"/>
-                </a:solidFill>
-                <a:latin typeface="Arial"/>
-                <a:ea typeface="SimSun"/>
-              </a:rPr>
-              <a:t> </a:t>
-            </a:r>
-            <a:r>
-              <a:rPr b="0" lang="en-IN" sz="1800" spc="-1" strike="noStrike">
-                <a:solidFill>
-                  <a:srgbClr val="ff5733"/>
-                </a:solidFill>
-                <a:latin typeface="Arial"/>
-                <a:ea typeface="SimSun"/>
-              </a:rPr>
-              <a:t>mget user:1 password:1 user:2 password:2 user:3 password:3</a:t>
-            </a:r>
-            <a:endParaRPr b="0" lang="en-IN" sz="1800" spc="-1" strike="noStrike">
-              <a:latin typeface="Arial"/>
-            </a:endParaRPr>
-          </a:p>
-        </p:txBody>
-      </p:sp>
-      <p:sp>
-        <p:nvSpPr>
-          <p:cNvPr id="175" name="Line 6"/>
-          <p:cNvSpPr/>
-          <p:nvPr/>
-        </p:nvSpPr>
-        <p:spPr>
-          <a:xfrm>
-            <a:off x="1523880" y="2701080"/>
+            <a:off x="1523880" y="2521080"/>
             <a:ext cx="9144000" cy="1440"/>
           </a:xfrm>
           <a:prstGeom prst="line">
@@ -9140,19 +8164,23 @@
       </p:sp>
       <p:sp>
         <p:nvSpPr>
-          <p:cNvPr id="176" name="CustomShape 7"/>
+          <p:cNvPr id="171" name="CustomShape 2"/>
           <p:cNvSpPr/>
           <p:nvPr/>
         </p:nvSpPr>
         <p:spPr>
           <a:xfrm>
-            <a:off x="1584000" y="5538240"/>
-            <a:ext cx="8853120" cy="1013760"/>
-          </a:xfrm>
-          <a:prstGeom prst="rect">
-            <a:avLst/>
-          </a:prstGeom>
-          <a:noFill/>
+            <a:off x="1523880" y="0"/>
+            <a:ext cx="9140400" cy="699120"/>
+          </a:xfrm>
+          <a:prstGeom prst="rect">
+            <a:avLst/>
+          </a:prstGeom>
+          <a:solidFill>
+            <a:schemeClr val="accent6">
+              <a:lumMod val="75000"/>
+            </a:schemeClr>
+          </a:solidFill>
           <a:ln>
             <a:noFill/>
           </a:ln>
@@ -9165,45 +8193,175 @@
         </p:style>
         <p:txBody>
           <a:bodyPr lIns="90000" rIns="90000" tIns="45000" bIns="45000">
-            <a:noAutofit/>
+            <a:spAutoFit/>
+          </a:bodyPr>
+          <a:p>
+            <a:pPr algn="ctr">
+              <a:lnSpc>
+                <a:spcPct val="100000"/>
+              </a:lnSpc>
+            </a:pPr>
+            <a:r>
+              <a:rPr b="0" lang="en-IN" sz="4000" spc="-1" strike="noStrike">
+                <a:solidFill>
+                  <a:srgbClr val="f7c120"/>
+                </a:solidFill>
+                <a:latin typeface="Open Sans"/>
+                <a:ea typeface="DejaVu Sans"/>
+              </a:rPr>
+              <a:t>expire key &amp; persist key</a:t>
+            </a:r>
+            <a:endParaRPr b="0" lang="en-IN" sz="4000" spc="-1" strike="noStrike">
+              <a:latin typeface="Arial"/>
+            </a:endParaRPr>
+          </a:p>
+        </p:txBody>
+      </p:sp>
+      <p:sp>
+        <p:nvSpPr>
+          <p:cNvPr id="172" name="CustomShape 3"/>
+          <p:cNvSpPr/>
+          <p:nvPr/>
+        </p:nvSpPr>
+        <p:spPr>
+          <a:xfrm>
+            <a:off x="1600200" y="762120"/>
+            <a:ext cx="8988120" cy="1583640"/>
+          </a:xfrm>
+          <a:prstGeom prst="rect">
+            <a:avLst/>
+          </a:prstGeom>
+          <a:noFill/>
+          <a:ln>
+            <a:noFill/>
+          </a:ln>
+        </p:spPr>
+        <p:style>
+          <a:lnRef idx="0"/>
+          <a:fillRef idx="0"/>
+          <a:effectRef idx="0"/>
+          <a:fontRef idx="minor"/>
+        </p:style>
+        <p:txBody>
+          <a:bodyPr lIns="90000" rIns="90000" tIns="45000" bIns="45000">
+            <a:spAutoFit/>
+          </a:bodyPr>
+          <a:p>
+            <a:pPr algn="just"/>
+            <a:r>
+              <a:rPr b="1" lang="en-US" sz="1800" spc="-1" strike="noStrike">
+                <a:solidFill>
+                  <a:srgbClr val="7c4dff"/>
+                </a:solidFill>
+                <a:latin typeface="Arial"/>
+                <a:ea typeface="DejaVu Sans"/>
+              </a:rPr>
+              <a:t>EXPIRE</a:t>
+            </a:r>
+            <a:r>
+              <a:rPr b="0" lang="en-US" sz="1800" spc="-1" strike="noStrike">
+                <a:solidFill>
+                  <a:srgbClr val="000000"/>
+                </a:solidFill>
+                <a:latin typeface="Arial"/>
+                <a:ea typeface="DejaVu Sans"/>
+              </a:rPr>
+              <a:t> set a timeout on key. After the timeout has expired, the key will automatically be deleted. A key with an associated timeout is often said to be volatile in Redis terminology.</a:t>
+            </a:r>
+            <a:endParaRPr b="0" lang="en-IN" sz="1800" spc="-1" strike="noStrike">
+              <a:latin typeface="Arial"/>
+            </a:endParaRPr>
+          </a:p>
+          <a:p>
+            <a:pPr algn="just"/>
+            <a:endParaRPr b="0" lang="en-IN" sz="1800" spc="-1" strike="noStrike">
+              <a:latin typeface="Arial"/>
+            </a:endParaRPr>
+          </a:p>
+          <a:p>
+            <a:pPr algn="just"/>
+            <a:r>
+              <a:rPr b="1" lang="en-US" sz="1800" spc="-1" strike="noStrike">
+                <a:solidFill>
+                  <a:srgbClr val="7c4dff"/>
+                </a:solidFill>
+                <a:latin typeface="Arial"/>
+                <a:ea typeface="DejaVu Sans"/>
+              </a:rPr>
+              <a:t>PERSIST</a:t>
+            </a:r>
+            <a:r>
+              <a:rPr b="0" lang="en-US" sz="1800" spc="-1" strike="noStrike">
+                <a:solidFill>
+                  <a:srgbClr val="000000"/>
+                </a:solidFill>
+                <a:latin typeface="Arial"/>
+                <a:ea typeface="DejaVu Sans"/>
+              </a:rPr>
+              <a:t> remove the existing timeout on key, turning the key from volatile (a key with an expire set) to persistent (a key that will never expire as no timeout is associated).</a:t>
+            </a:r>
+            <a:endParaRPr b="0" lang="en-IN" sz="1800" spc="-1" strike="noStrike">
+              <a:latin typeface="Arial"/>
+            </a:endParaRPr>
+          </a:p>
+        </p:txBody>
+      </p:sp>
+      <p:sp>
+        <p:nvSpPr>
+          <p:cNvPr id="173" name="CustomShape 4"/>
+          <p:cNvSpPr/>
+          <p:nvPr/>
+        </p:nvSpPr>
+        <p:spPr>
+          <a:xfrm>
+            <a:off x="1600200" y="3585600"/>
+            <a:ext cx="8886240" cy="2558520"/>
+          </a:xfrm>
+          <a:prstGeom prst="rect">
+            <a:avLst/>
+          </a:prstGeom>
+          <a:noFill/>
+          <a:ln>
+            <a:noFill/>
+          </a:ln>
+        </p:spPr>
+        <p:style>
+          <a:lnRef idx="0"/>
+          <a:fillRef idx="0"/>
+          <a:effectRef idx="0"/>
+          <a:fontRef idx="minor"/>
+        </p:style>
+        <p:txBody>
+          <a:bodyPr lIns="90000" rIns="90000" tIns="45000" bIns="45000">
+            <a:spAutoFit/>
           </a:bodyPr>
           <a:p>
             <a:pPr>
               <a:lnSpc>
-                <a:spcPct val="100000"/>
-              </a:lnSpc>
-            </a:pPr>
-            <a:r>
-              <a:rPr b="1" lang="en-IN" sz="2000" spc="-1" strike="noStrike">
-                <a:solidFill>
-                  <a:srgbClr val="c00000"/>
-                </a:solidFill>
-                <a:latin typeface="Open Sans"/>
-                <a:ea typeface="Open Sans"/>
-              </a:rPr>
-              <a:t>Note:</a:t>
-            </a:r>
-            <a:endParaRPr b="0" lang="en-IN" sz="2000" spc="-1" strike="noStrike">
-              <a:latin typeface="Arial"/>
-            </a:endParaRPr>
-          </a:p>
-          <a:p>
-            <a:pPr>
-              <a:lnSpc>
-                <a:spcPct val="100000"/>
-              </a:lnSpc>
-            </a:pPr>
-            <a:endParaRPr b="0" lang="en-IN" sz="2000" spc="-1" strike="noStrike">
-              <a:latin typeface="Arial"/>
-            </a:endParaRPr>
-          </a:p>
-          <a:p>
-            <a:pPr marL="285840" indent="-285480">
-              <a:lnSpc>
-                <a:spcPct val="100000"/>
+                <a:spcPct val="150000"/>
+              </a:lnSpc>
+            </a:pPr>
+            <a:r>
+              <a:rPr b="0" lang="en-IN" sz="1800" spc="-1" strike="noStrike">
+                <a:solidFill>
+                  <a:srgbClr val="a7074b"/>
+                </a:solidFill>
+                <a:latin typeface="Arial"/>
+                <a:ea typeface="SimSun"/>
+              </a:rPr>
+              <a:t>e.g.</a:t>
+            </a:r>
+            <a:endParaRPr b="0" lang="en-IN" sz="1800" spc="-1" strike="noStrike">
+              <a:latin typeface="Arial"/>
+            </a:endParaRPr>
+          </a:p>
+          <a:p>
+            <a:pPr marL="285840" indent="-282240">
+              <a:lnSpc>
+                <a:spcPct val="150000"/>
               </a:lnSpc>
               <a:buClr>
-                <a:srgbClr val="666666"/>
+                <a:srgbClr val="808080"/>
               </a:buClr>
               <a:buFont typeface="Arial"/>
               <a:buChar char="•"/>
@@ -9211,24 +8369,44 @@
             <a:r>
               <a:rPr b="0" lang="en-IN" sz="1800" spc="-1" strike="noStrike">
                 <a:solidFill>
-                  <a:srgbClr val="666666"/>
-                </a:solidFill>
-                <a:latin typeface="Arial"/>
-                <a:ea typeface="Open Sans"/>
-              </a:rPr>
-              <a:t>The command returns 0 if no key was set (at least one key already existed).</a:t>
+                  <a:srgbClr val="808080"/>
+                </a:solidFill>
+                <a:latin typeface="Consolas"/>
+                <a:ea typeface="SimSun"/>
+              </a:rPr>
+              <a:t>127.0.0.1:6379&gt;</a:t>
+            </a:r>
+            <a:r>
+              <a:rPr b="0" lang="en-IN" sz="1800" spc="-1" strike="noStrike">
+                <a:solidFill>
+                  <a:srgbClr val="000000"/>
+                </a:solidFill>
+                <a:latin typeface="Consolas"/>
+                <a:ea typeface="SimSun"/>
+              </a:rPr>
+              <a:t> </a:t>
+            </a:r>
+            <a:r>
+              <a:rPr b="0" lang="en-IN" sz="1800" spc="-1" strike="noStrike">
+                <a:solidFill>
+                  <a:srgbClr val="ff5733"/>
+                </a:solidFill>
+                <a:latin typeface="Consolas"/>
+                <a:ea typeface="SimSun"/>
+              </a:rPr>
+              <a:t>expire user:1 180</a:t>
             </a:r>
             <a:endParaRPr b="0" lang="en-IN" sz="1800" spc="-1" strike="noStrike">
               <a:latin typeface="Arial"/>
             </a:endParaRPr>
           </a:p>
           <a:p>
-            <a:pPr marL="285840" indent="-285480">
-              <a:lnSpc>
-                <a:spcPct val="100000"/>
+            <a:pPr marL="285840" indent="-282240">
+              <a:lnSpc>
+                <a:spcPct val="150000"/>
               </a:lnSpc>
               <a:buClr>
-                <a:srgbClr val="666666"/>
+                <a:srgbClr val="808080"/>
               </a:buClr>
               <a:buFont typeface="Arial"/>
               <a:buChar char="•"/>
@@ -9236,14 +8414,266 @@
             <a:r>
               <a:rPr b="0" lang="en-IN" sz="1800" spc="-1" strike="noStrike">
                 <a:solidFill>
-                  <a:srgbClr val="666666"/>
+                  <a:srgbClr val="808080"/>
+                </a:solidFill>
+                <a:latin typeface="Consolas"/>
+                <a:ea typeface="SimSun"/>
+              </a:rPr>
+              <a:t>127.0.0.1:6379&gt;</a:t>
+            </a:r>
+            <a:r>
+              <a:rPr b="0" lang="en-IN" sz="1800" spc="-1" strike="noStrike">
+                <a:solidFill>
+                  <a:srgbClr val="000000"/>
+                </a:solidFill>
+                <a:latin typeface="Consolas"/>
+                <a:ea typeface="SimSun"/>
+              </a:rPr>
+              <a:t> </a:t>
+            </a:r>
+            <a:r>
+              <a:rPr b="0" lang="en-IN" sz="1800" spc="-1" strike="noStrike">
+                <a:solidFill>
+                  <a:srgbClr val="ff5733"/>
+                </a:solidFill>
+                <a:latin typeface="Consolas"/>
+                <a:ea typeface="SimSun"/>
+              </a:rPr>
+              <a:t>expire password:1 180</a:t>
+            </a:r>
+            <a:endParaRPr b="0" lang="en-IN" sz="1800" spc="-1" strike="noStrike">
+              <a:latin typeface="Arial"/>
+            </a:endParaRPr>
+          </a:p>
+          <a:p>
+            <a:pPr>
+              <a:lnSpc>
+                <a:spcPct val="150000"/>
+              </a:lnSpc>
+            </a:pPr>
+            <a:r>
+              <a:rPr b="0" lang="en-IN" sz="1800" spc="-1" strike="noStrike">
+                <a:solidFill>
+                  <a:srgbClr val="a7074b"/>
                 </a:solidFill>
                 <a:latin typeface="Arial"/>
-                <a:ea typeface="Open Sans"/>
-              </a:rPr>
-              <a:t>The command returns 1 if the all the keys were set.</a:t>
+                <a:ea typeface="SimSun"/>
+              </a:rPr>
+              <a:t>e.g.</a:t>
             </a:r>
             <a:endParaRPr b="0" lang="en-IN" sz="1800" spc="-1" strike="noStrike">
+              <a:latin typeface="Arial"/>
+            </a:endParaRPr>
+          </a:p>
+          <a:p>
+            <a:pPr marL="285840" indent="-282240">
+              <a:lnSpc>
+                <a:spcPct val="150000"/>
+              </a:lnSpc>
+              <a:buClr>
+                <a:srgbClr val="808080"/>
+              </a:buClr>
+              <a:buFont typeface="Arial"/>
+              <a:buChar char="•"/>
+            </a:pPr>
+            <a:r>
+              <a:rPr b="0" lang="en-IN" sz="1800" spc="-1" strike="noStrike">
+                <a:solidFill>
+                  <a:srgbClr val="808080"/>
+                </a:solidFill>
+                <a:latin typeface="Consolas"/>
+                <a:ea typeface="SimSun"/>
+              </a:rPr>
+              <a:t>127.0.0.1:6379&gt;</a:t>
+            </a:r>
+            <a:r>
+              <a:rPr b="0" lang="en-IN" sz="1800" spc="-1" strike="noStrike">
+                <a:solidFill>
+                  <a:srgbClr val="000000"/>
+                </a:solidFill>
+                <a:latin typeface="Consolas"/>
+                <a:ea typeface="SimSun"/>
+              </a:rPr>
+              <a:t> </a:t>
+            </a:r>
+            <a:r>
+              <a:rPr b="0" lang="en-IN" sz="1800" spc="-1" strike="noStrike">
+                <a:solidFill>
+                  <a:srgbClr val="ff5733"/>
+                </a:solidFill>
+                <a:latin typeface="Consolas"/>
+                <a:ea typeface="SimSun"/>
+              </a:rPr>
+              <a:t>persist user:1</a:t>
+            </a:r>
+            <a:endParaRPr b="0" lang="en-IN" sz="1800" spc="-1" strike="noStrike">
+              <a:latin typeface="Arial"/>
+            </a:endParaRPr>
+          </a:p>
+          <a:p>
+            <a:pPr marL="285840" indent="-282240">
+              <a:lnSpc>
+                <a:spcPct val="150000"/>
+              </a:lnSpc>
+              <a:buClr>
+                <a:srgbClr val="808080"/>
+              </a:buClr>
+              <a:buFont typeface="Arial"/>
+              <a:buChar char="•"/>
+            </a:pPr>
+            <a:r>
+              <a:rPr b="0" lang="en-IN" sz="1800" spc="-1" strike="noStrike">
+                <a:solidFill>
+                  <a:srgbClr val="808080"/>
+                </a:solidFill>
+                <a:latin typeface="Consolas"/>
+                <a:ea typeface="SimSun"/>
+              </a:rPr>
+              <a:t>127.0.0.1:6379&gt;</a:t>
+            </a:r>
+            <a:r>
+              <a:rPr b="0" lang="en-IN" sz="1800" spc="-1" strike="noStrike">
+                <a:solidFill>
+                  <a:srgbClr val="000000"/>
+                </a:solidFill>
+                <a:latin typeface="Consolas"/>
+                <a:ea typeface="SimSun"/>
+              </a:rPr>
+              <a:t> </a:t>
+            </a:r>
+            <a:r>
+              <a:rPr b="0" lang="en-IN" sz="1800" spc="-1" strike="noStrike">
+                <a:solidFill>
+                  <a:srgbClr val="ff5733"/>
+                </a:solidFill>
+                <a:latin typeface="Consolas"/>
+                <a:ea typeface="SimSun"/>
+              </a:rPr>
+              <a:t>persist password:1</a:t>
+            </a:r>
+            <a:endParaRPr b="0" lang="en-IN" sz="1800" spc="-1" strike="noStrike">
+              <a:latin typeface="Arial"/>
+            </a:endParaRPr>
+          </a:p>
+        </p:txBody>
+      </p:sp>
+      <p:sp>
+        <p:nvSpPr>
+          <p:cNvPr id="174" name="CustomShape 5"/>
+          <p:cNvSpPr/>
+          <p:nvPr/>
+        </p:nvSpPr>
+        <p:spPr>
+          <a:xfrm>
+            <a:off x="152280" y="152280"/>
+            <a:ext cx="1103040" cy="455400"/>
+          </a:xfrm>
+          <a:prstGeom prst="rect">
+            <a:avLst/>
+          </a:prstGeom>
+          <a:noFill/>
+          <a:ln>
+            <a:noFill/>
+          </a:ln>
+        </p:spPr>
+        <p:style>
+          <a:lnRef idx="0"/>
+          <a:fillRef idx="0"/>
+          <a:effectRef idx="0"/>
+          <a:fontRef idx="minor"/>
+        </p:style>
+        <p:txBody>
+          <a:bodyPr lIns="90000" rIns="90000" tIns="45000" bIns="45000">
+            <a:spAutoFit/>
+          </a:bodyPr>
+          <a:p>
+            <a:pPr algn="just">
+              <a:lnSpc>
+                <a:spcPct val="100000"/>
+              </a:lnSpc>
+            </a:pPr>
+            <a:r>
+              <a:rPr b="0" lang="en-IN" sz="2400" spc="-1" strike="noStrike">
+                <a:solidFill>
+                  <a:srgbClr val="ff0000"/>
+                </a:solidFill>
+                <a:latin typeface="Times New Roman"/>
+                <a:ea typeface="DejaVu Sans"/>
+              </a:rPr>
+              <a:t>TODO</a:t>
+            </a:r>
+            <a:endParaRPr b="0" lang="en-IN" sz="2400" spc="-1" strike="noStrike">
+              <a:latin typeface="Arial"/>
+            </a:endParaRPr>
+          </a:p>
+        </p:txBody>
+      </p:sp>
+      <p:sp>
+        <p:nvSpPr>
+          <p:cNvPr id="175" name="CustomShape 6"/>
+          <p:cNvSpPr/>
+          <p:nvPr/>
+        </p:nvSpPr>
+        <p:spPr>
+          <a:xfrm>
+            <a:off x="1601280" y="2761560"/>
+            <a:ext cx="8987040" cy="699480"/>
+          </a:xfrm>
+          <a:prstGeom prst="rect">
+            <a:avLst/>
+          </a:prstGeom>
+          <a:noFill/>
+          <a:ln>
+            <a:noFill/>
+          </a:ln>
+        </p:spPr>
+        <p:style>
+          <a:lnRef idx="0"/>
+          <a:fillRef idx="0"/>
+          <a:effectRef idx="0"/>
+          <a:fontRef idx="minor"/>
+        </p:style>
+        <p:txBody>
+          <a:bodyPr lIns="90000" rIns="90000" tIns="45000" bIns="45000">
+            <a:spAutoFit/>
+          </a:bodyPr>
+          <a:p>
+            <a:pPr>
+              <a:lnSpc>
+                <a:spcPct val="100000"/>
+              </a:lnSpc>
+            </a:pPr>
+            <a:r>
+              <a:rPr b="0" lang="en-US" sz="2000" spc="-1" strike="noStrike">
+                <a:solidFill>
+                  <a:srgbClr val="00b0f0"/>
+                </a:solidFill>
+                <a:latin typeface="Consolas"/>
+                <a:ea typeface="DejaVu Sans"/>
+              </a:rPr>
+              <a:t>EXPIRE key seconds</a:t>
+            </a:r>
+            <a:endParaRPr b="0" lang="en-IN" sz="2000" spc="-1" strike="noStrike">
+              <a:latin typeface="Arial"/>
+            </a:endParaRPr>
+          </a:p>
+          <a:p>
+            <a:pPr>
+              <a:lnSpc>
+                <a:spcPct val="100000"/>
+              </a:lnSpc>
+            </a:pPr>
+            <a:r>
+              <a:rPr b="0" lang="en-US" sz="2000" spc="-1" strike="noStrike">
+                <a:solidFill>
+                  <a:srgbClr val="00b0f0"/>
+                </a:solidFill>
+                <a:latin typeface="Consolas"/>
+                <a:ea typeface="DejaVu Sans"/>
+              </a:rPr>
+              <a:t>PERSIST key</a:t>
+            </a:r>
+            <a:endParaRPr b="0" lang="en-IN" sz="2000" spc="-1" strike="noStrike">
               <a:latin typeface="Arial"/>
             </a:endParaRPr>
           </a:p>
@@ -9281,14 +8711,14 @@
       </p:grpSpPr>
       <p:sp>
         <p:nvSpPr>
-          <p:cNvPr id="177" name="CustomShape 1"/>
+          <p:cNvPr id="176" name="CustomShape 1"/>
           <p:cNvSpPr/>
           <p:nvPr/>
         </p:nvSpPr>
         <p:spPr>
           <a:xfrm>
-            <a:off x="1365840" y="188640"/>
-            <a:ext cx="9679680" cy="2192400"/>
+            <a:off x="1676520" y="2362320"/>
+            <a:ext cx="8835480" cy="2284200"/>
           </a:xfrm>
           <a:prstGeom prst="rect">
             <a:avLst/>
@@ -9315,6 +8745,2201 @@
               </a:lnSpc>
             </a:pPr>
             <a:r>
+              <a:rPr b="0" i="1" lang="en-IN" sz="7200" spc="-1" strike="noStrike">
+                <a:solidFill>
+                  <a:srgbClr val="f7c120"/>
+                </a:solidFill>
+                <a:latin typeface="Century"/>
+                <a:ea typeface="DejaVu Sans"/>
+              </a:rPr>
+              <a:t>mset, msetnx key &amp; mget key</a:t>
+            </a:r>
+            <a:endParaRPr b="0" lang="en-IN" sz="7200" spc="-1" strike="noStrike">
+              <a:latin typeface="Arial"/>
+            </a:endParaRPr>
+          </a:p>
+        </p:txBody>
+      </p:sp>
+      <p:sp>
+        <p:nvSpPr>
+          <p:cNvPr id="177" name="CustomShape 2"/>
+          <p:cNvSpPr/>
+          <p:nvPr/>
+        </p:nvSpPr>
+        <p:spPr>
+          <a:xfrm>
+            <a:off x="1676520" y="5331600"/>
+            <a:ext cx="8835480" cy="424800"/>
+          </a:xfrm>
+          <a:prstGeom prst="rect">
+            <a:avLst/>
+          </a:prstGeom>
+          <a:noFill/>
+          <a:ln>
+            <a:noFill/>
+          </a:ln>
+        </p:spPr>
+        <p:style>
+          <a:lnRef idx="0"/>
+          <a:fillRef idx="0"/>
+          <a:effectRef idx="0"/>
+          <a:fontRef idx="minor"/>
+        </p:style>
+        <p:txBody>
+          <a:bodyPr lIns="90000" rIns="90000" tIns="45000" bIns="45000">
+            <a:spAutoFit/>
+          </a:bodyPr>
+          <a:p>
+            <a:pPr>
+              <a:lnSpc>
+                <a:spcPct val="100000"/>
+              </a:lnSpc>
+            </a:pPr>
+            <a:r>
+              <a:rPr b="0" lang="en-US" sz="2200" spc="-1" strike="noStrike">
+                <a:solidFill>
+                  <a:srgbClr val="bb0643"/>
+                </a:solidFill>
+                <a:latin typeface="Segoe UI"/>
+                <a:ea typeface="DejaVu Sans"/>
+              </a:rPr>
+              <a:t>TODO</a:t>
+            </a:r>
+            <a:endParaRPr b="0" lang="en-IN" sz="2200" spc="-1" strike="noStrike">
+              <a:latin typeface="Arial"/>
+            </a:endParaRPr>
+          </a:p>
+        </p:txBody>
+      </p:sp>
+    </p:spTree>
+  </p:cSld>
+  <mc:AlternateContent>
+    <mc:Choice Requires="p14">
+      <p:transition spd="slow" p14:dur="2000"/>
+    </mc:Choice>
+    <mc:Fallback>
+      <p:transition spd="slow"/>
+    </mc:Fallback>
+  </mc:AlternateContent>
+</p:sld>
+</file>
+
+<file path=ppt/slides/slide22.xml><?xml version="1.0" encoding="utf-8"?>
+<p:sld xmlns:a="http://schemas.openxmlformats.org/drawingml/2006/main" xmlns:p="http://schemas.openxmlformats.org/presentationml/2006/main" xmlns:r="http://schemas.openxmlformats.org/officeDocument/2006/relationships" xmlns:p14="http://schemas.microsoft.com/office/powerpoint/2010/main" xmlns:p15="http://schemas.microsoft.com/office/powerpoint/2012/main" xmlns:mc="http://schemas.openxmlformats.org/markup-compatibility/2006">
+  <p:cSld>
+    <p:spTree>
+      <p:nvGrpSpPr>
+        <p:cNvPr id="1" name=""/>
+        <p:cNvGrpSpPr/>
+        <p:nvPr/>
+      </p:nvGrpSpPr>
+      <p:grpSpPr>
+        <a:xfrm>
+          <a:off x="0" y="0"/>
+          <a:ext cx="0" cy="0"/>
+          <a:chOff x="0" y="0"/>
+          <a:chExt cx="0" cy="0"/>
+        </a:xfrm>
+      </p:grpSpPr>
+      <p:sp>
+        <p:nvSpPr>
+          <p:cNvPr id="178" name="CustomShape 1"/>
+          <p:cNvSpPr/>
+          <p:nvPr/>
+        </p:nvSpPr>
+        <p:spPr>
+          <a:xfrm>
+            <a:off x="1523880" y="0"/>
+            <a:ext cx="9140400" cy="699120"/>
+          </a:xfrm>
+          <a:prstGeom prst="rect">
+            <a:avLst/>
+          </a:prstGeom>
+          <a:solidFill>
+            <a:schemeClr val="accent6">
+              <a:lumMod val="75000"/>
+            </a:schemeClr>
+          </a:solidFill>
+          <a:ln>
+            <a:noFill/>
+          </a:ln>
+        </p:spPr>
+        <p:style>
+          <a:lnRef idx="0"/>
+          <a:fillRef idx="0"/>
+          <a:effectRef idx="0"/>
+          <a:fontRef idx="minor"/>
+        </p:style>
+        <p:txBody>
+          <a:bodyPr lIns="90000" rIns="90000" tIns="45000" bIns="45000">
+            <a:spAutoFit/>
+          </a:bodyPr>
+          <a:p>
+            <a:pPr algn="ctr">
+              <a:lnSpc>
+                <a:spcPct val="100000"/>
+              </a:lnSpc>
+            </a:pPr>
+            <a:r>
+              <a:rPr b="0" lang="en-IN" sz="4000" spc="-1" strike="noStrike">
+                <a:solidFill>
+                  <a:srgbClr val="f7c120"/>
+                </a:solidFill>
+                <a:latin typeface="Open Sans"/>
+                <a:ea typeface="DejaVu Sans"/>
+              </a:rPr>
+              <a:t>mset, msetnx &amp; mget</a:t>
+            </a:r>
+            <a:endParaRPr b="0" lang="en-IN" sz="4000" spc="-1" strike="noStrike">
+              <a:latin typeface="Arial"/>
+            </a:endParaRPr>
+          </a:p>
+        </p:txBody>
+      </p:sp>
+      <p:sp>
+        <p:nvSpPr>
+          <p:cNvPr id="179" name="CustomShape 2"/>
+          <p:cNvSpPr/>
+          <p:nvPr/>
+        </p:nvSpPr>
+        <p:spPr>
+          <a:xfrm>
+            <a:off x="1600200" y="762120"/>
+            <a:ext cx="8988120" cy="1979640"/>
+          </a:xfrm>
+          <a:prstGeom prst="rect">
+            <a:avLst/>
+          </a:prstGeom>
+          <a:noFill/>
+          <a:ln>
+            <a:noFill/>
+          </a:ln>
+        </p:spPr>
+        <p:style>
+          <a:lnRef idx="0"/>
+          <a:fillRef idx="0"/>
+          <a:effectRef idx="0"/>
+          <a:fontRef idx="minor"/>
+        </p:style>
+        <p:txBody>
+          <a:bodyPr lIns="90000" rIns="90000" tIns="45000" bIns="45000">
+            <a:spAutoFit/>
+          </a:bodyPr>
+          <a:p>
+            <a:pPr algn="just">
+              <a:lnSpc>
+                <a:spcPct val="100000"/>
+              </a:lnSpc>
+            </a:pPr>
+            <a:r>
+              <a:rPr b="1" lang="en-US" sz="1800" spc="-1" strike="noStrike">
+                <a:solidFill>
+                  <a:srgbClr val="7c4dff"/>
+                </a:solidFill>
+                <a:latin typeface="Arial"/>
+                <a:ea typeface="DejaVu Sans"/>
+              </a:rPr>
+              <a:t>MSET</a:t>
+            </a:r>
+            <a:r>
+              <a:rPr b="0" lang="en-US" sz="1800" spc="-1" strike="noStrike">
+                <a:solidFill>
+                  <a:srgbClr val="000000"/>
+                </a:solidFill>
+                <a:latin typeface="Arial"/>
+                <a:ea typeface="DejaVu Sans"/>
+              </a:rPr>
+              <a:t> sets the given keys to their respective values. MSET replaces existing values with new values, just as regular SET.</a:t>
+            </a:r>
+            <a:endParaRPr b="0" lang="en-IN" sz="1800" spc="-1" strike="noStrike">
+              <a:latin typeface="Arial"/>
+            </a:endParaRPr>
+          </a:p>
+          <a:p>
+            <a:pPr algn="just">
+              <a:lnSpc>
+                <a:spcPct val="100000"/>
+              </a:lnSpc>
+            </a:pPr>
+            <a:endParaRPr b="0" lang="en-IN" sz="1800" spc="-1" strike="noStrike">
+              <a:latin typeface="Arial"/>
+            </a:endParaRPr>
+          </a:p>
+          <a:p>
+            <a:pPr algn="just"/>
+            <a:r>
+              <a:rPr b="1" lang="en-US" sz="1800" spc="-1" strike="noStrike">
+                <a:solidFill>
+                  <a:srgbClr val="7c4dff"/>
+                </a:solidFill>
+                <a:latin typeface="Arial"/>
+                <a:ea typeface="DejaVu Sans"/>
+              </a:rPr>
+              <a:t>MSETNX</a:t>
+            </a:r>
+            <a:r>
+              <a:rPr b="0" lang="en-US" sz="1800" spc="-1" strike="noStrike">
+                <a:solidFill>
+                  <a:srgbClr val="000000"/>
+                </a:solidFill>
+                <a:latin typeface="Arial"/>
+                <a:ea typeface="DejaVu Sans"/>
+              </a:rPr>
+              <a:t> sets the given keys to their respective values. MSETNX will not perform any operation at all even if just a single key already exists.</a:t>
+            </a:r>
+            <a:endParaRPr b="0" lang="en-IN" sz="1800" spc="-1" strike="noStrike">
+              <a:latin typeface="Arial"/>
+            </a:endParaRPr>
+          </a:p>
+          <a:p>
+            <a:pPr algn="just"/>
+            <a:endParaRPr b="0" lang="en-IN" sz="1800" spc="-1" strike="noStrike">
+              <a:latin typeface="Arial"/>
+            </a:endParaRPr>
+          </a:p>
+          <a:p>
+            <a:pPr algn="just"/>
+            <a:r>
+              <a:rPr b="1" lang="en-US" sz="1800" spc="-1" strike="noStrike">
+                <a:solidFill>
+                  <a:srgbClr val="7c4dff"/>
+                </a:solidFill>
+                <a:latin typeface="Arial"/>
+                <a:ea typeface="DejaVu Sans"/>
+              </a:rPr>
+              <a:t>MGET</a:t>
+            </a:r>
+            <a:r>
+              <a:rPr b="0" lang="en-US" sz="1800" spc="-1" strike="noStrike">
+                <a:solidFill>
+                  <a:srgbClr val="000000"/>
+                </a:solidFill>
+                <a:latin typeface="Arial"/>
+                <a:ea typeface="DejaVu Sans"/>
+              </a:rPr>
+              <a:t> returns the values of all specified keys. For every key that does not hold a string value or does not exist, the special value nil is returned.</a:t>
+            </a:r>
+            <a:endParaRPr b="0" lang="en-IN" sz="1800" spc="-1" strike="noStrike">
+              <a:latin typeface="Arial"/>
+            </a:endParaRPr>
+          </a:p>
+        </p:txBody>
+      </p:sp>
+      <p:sp>
+        <p:nvSpPr>
+          <p:cNvPr id="180" name="CustomShape 3"/>
+          <p:cNvSpPr/>
+          <p:nvPr/>
+        </p:nvSpPr>
+        <p:spPr>
+          <a:xfrm>
+            <a:off x="152280" y="152280"/>
+            <a:ext cx="1103040" cy="455760"/>
+          </a:xfrm>
+          <a:prstGeom prst="rect">
+            <a:avLst/>
+          </a:prstGeom>
+          <a:noFill/>
+          <a:ln>
+            <a:noFill/>
+          </a:ln>
+        </p:spPr>
+        <p:style>
+          <a:lnRef idx="0"/>
+          <a:fillRef idx="0"/>
+          <a:effectRef idx="0"/>
+          <a:fontRef idx="minor"/>
+        </p:style>
+        <p:txBody>
+          <a:bodyPr lIns="90000" rIns="90000" tIns="45000" bIns="45000">
+            <a:spAutoFit/>
+          </a:bodyPr>
+          <a:p>
+            <a:pPr algn="just">
+              <a:lnSpc>
+                <a:spcPct val="100000"/>
+              </a:lnSpc>
+            </a:pPr>
+            <a:r>
+              <a:rPr b="0" lang="en-IN" sz="2400" spc="-1" strike="noStrike">
+                <a:solidFill>
+                  <a:srgbClr val="ff0000"/>
+                </a:solidFill>
+                <a:latin typeface="Times New Roman"/>
+                <a:ea typeface="DejaVu Sans"/>
+              </a:rPr>
+              <a:t>TODO</a:t>
+            </a:r>
+            <a:endParaRPr b="0" lang="en-IN" sz="2400" spc="-1" strike="noStrike">
+              <a:latin typeface="Arial"/>
+            </a:endParaRPr>
+          </a:p>
+        </p:txBody>
+      </p:sp>
+      <p:sp>
+        <p:nvSpPr>
+          <p:cNvPr id="181" name="CustomShape 4"/>
+          <p:cNvSpPr/>
+          <p:nvPr/>
+        </p:nvSpPr>
+        <p:spPr>
+          <a:xfrm>
+            <a:off x="1601280" y="3157560"/>
+            <a:ext cx="8987040" cy="1004400"/>
+          </a:xfrm>
+          <a:prstGeom prst="rect">
+            <a:avLst/>
+          </a:prstGeom>
+          <a:noFill/>
+          <a:ln>
+            <a:noFill/>
+          </a:ln>
+        </p:spPr>
+        <p:style>
+          <a:lnRef idx="0"/>
+          <a:fillRef idx="0"/>
+          <a:effectRef idx="0"/>
+          <a:fontRef idx="minor"/>
+        </p:style>
+        <p:txBody>
+          <a:bodyPr lIns="90000" rIns="90000" tIns="45000" bIns="45000">
+            <a:spAutoFit/>
+          </a:bodyPr>
+          <a:p>
+            <a:pPr>
+              <a:lnSpc>
+                <a:spcPct val="100000"/>
+              </a:lnSpc>
+            </a:pPr>
+            <a:r>
+              <a:rPr b="0" lang="en-US" sz="2000" spc="-1" strike="noStrike">
+                <a:solidFill>
+                  <a:srgbClr val="00b0f0"/>
+                </a:solidFill>
+                <a:latin typeface="Consolas"/>
+                <a:ea typeface="DejaVu Sans"/>
+              </a:rPr>
+              <a:t>MSET key value [key value …]</a:t>
+            </a:r>
+            <a:endParaRPr b="0" lang="en-IN" sz="2000" spc="-1" strike="noStrike">
+              <a:latin typeface="Arial"/>
+            </a:endParaRPr>
+          </a:p>
+          <a:p>
+            <a:pPr>
+              <a:lnSpc>
+                <a:spcPct val="100000"/>
+              </a:lnSpc>
+            </a:pPr>
+            <a:r>
+              <a:rPr b="0" lang="en-US" sz="2000" spc="-1" strike="noStrike">
+                <a:solidFill>
+                  <a:srgbClr val="00b0f0"/>
+                </a:solidFill>
+                <a:latin typeface="Consolas"/>
+                <a:ea typeface="DejaVu Sans"/>
+              </a:rPr>
+              <a:t>MSETNX key value [key value ...]</a:t>
+            </a:r>
+            <a:endParaRPr b="0" lang="en-IN" sz="2000" spc="-1" strike="noStrike">
+              <a:latin typeface="Arial"/>
+            </a:endParaRPr>
+          </a:p>
+          <a:p>
+            <a:pPr>
+              <a:lnSpc>
+                <a:spcPct val="100000"/>
+              </a:lnSpc>
+            </a:pPr>
+            <a:r>
+              <a:rPr b="0" lang="en-US" sz="2000" spc="-1" strike="noStrike">
+                <a:solidFill>
+                  <a:srgbClr val="00b0f0"/>
+                </a:solidFill>
+                <a:latin typeface="Consolas"/>
+                <a:ea typeface="DejaVu Sans"/>
+              </a:rPr>
+              <a:t>MGET key [key ...]</a:t>
+            </a:r>
+            <a:endParaRPr b="0" lang="en-IN" sz="2000" spc="-1" strike="noStrike">
+              <a:latin typeface="Arial"/>
+            </a:endParaRPr>
+          </a:p>
+        </p:txBody>
+      </p:sp>
+      <p:sp>
+        <p:nvSpPr>
+          <p:cNvPr id="182" name="CustomShape 5"/>
+          <p:cNvSpPr/>
+          <p:nvPr/>
+        </p:nvSpPr>
+        <p:spPr>
+          <a:xfrm>
+            <a:off x="864000" y="4197600"/>
+            <a:ext cx="11016000" cy="1324800"/>
+          </a:xfrm>
+          <a:prstGeom prst="rect">
+            <a:avLst/>
+          </a:prstGeom>
+          <a:noFill/>
+          <a:ln>
+            <a:noFill/>
+          </a:ln>
+        </p:spPr>
+        <p:style>
+          <a:lnRef idx="0"/>
+          <a:fillRef idx="0"/>
+          <a:effectRef idx="0"/>
+          <a:fontRef idx="minor"/>
+        </p:style>
+        <p:txBody>
+          <a:bodyPr lIns="90000" rIns="90000" tIns="45000" bIns="45000">
+            <a:spAutoFit/>
+          </a:bodyPr>
+          <a:p>
+            <a:pPr marL="285840" indent="-282240">
+              <a:lnSpc>
+                <a:spcPct val="150000"/>
+              </a:lnSpc>
+              <a:buClr>
+                <a:srgbClr val="808080"/>
+              </a:buClr>
+              <a:buFont typeface="Arial"/>
+              <a:buChar char="•"/>
+            </a:pPr>
+            <a:r>
+              <a:rPr b="0" lang="en-IN" sz="1800" spc="-1" strike="noStrike">
+                <a:solidFill>
+                  <a:srgbClr val="808080"/>
+                </a:solidFill>
+                <a:latin typeface="Consolas"/>
+                <a:ea typeface="SimSun"/>
+              </a:rPr>
+              <a:t>127.0.0.1:6379&gt;</a:t>
+            </a:r>
+            <a:r>
+              <a:rPr b="0" lang="en-IN" sz="1800" spc="-1" strike="noStrike">
+                <a:solidFill>
+                  <a:srgbClr val="000000"/>
+                </a:solidFill>
+                <a:latin typeface="Consolas"/>
+                <a:ea typeface="SimSun"/>
+              </a:rPr>
+              <a:t> </a:t>
+            </a:r>
+            <a:r>
+              <a:rPr b="0" lang="en-IN" sz="1800" spc="-1" strike="noStrike">
+                <a:solidFill>
+                  <a:srgbClr val="ff5733"/>
+                </a:solidFill>
+                <a:latin typeface="Consolas"/>
+                <a:ea typeface="SimSun"/>
+              </a:rPr>
+              <a:t>mset server:2 linux user:2 administrator password:2 admin</a:t>
+            </a:r>
+            <a:endParaRPr b="0" lang="en-IN" sz="1800" spc="-1" strike="noStrike">
+              <a:latin typeface="Consolas"/>
+            </a:endParaRPr>
+          </a:p>
+          <a:p>
+            <a:pPr marL="285840" indent="-282240">
+              <a:lnSpc>
+                <a:spcPct val="150000"/>
+              </a:lnSpc>
+              <a:buClr>
+                <a:srgbClr val="808080"/>
+              </a:buClr>
+              <a:buFont typeface="Arial"/>
+              <a:buChar char="•"/>
+            </a:pPr>
+            <a:r>
+              <a:rPr b="0" lang="en-IN" sz="1800" spc="-1" strike="noStrike">
+                <a:solidFill>
+                  <a:srgbClr val="808080"/>
+                </a:solidFill>
+                <a:latin typeface="Consolas"/>
+                <a:ea typeface="SimSun"/>
+              </a:rPr>
+              <a:t>127.0.0.1:6379&gt;</a:t>
+            </a:r>
+            <a:r>
+              <a:rPr b="0" lang="en-IN" sz="1800" spc="-1" strike="noStrike">
+                <a:solidFill>
+                  <a:srgbClr val="000000"/>
+                </a:solidFill>
+                <a:latin typeface="Consolas"/>
+                <a:ea typeface="SimSun"/>
+              </a:rPr>
+              <a:t> </a:t>
+            </a:r>
+            <a:r>
+              <a:rPr b="0" lang="en-IN" sz="1800" spc="-1" strike="noStrike">
+                <a:solidFill>
+                  <a:srgbClr val="ff5733"/>
+                </a:solidFill>
+                <a:latin typeface="Consolas"/>
+                <a:ea typeface="SimSun"/>
+              </a:rPr>
+              <a:t>msetnx server:3 windows2020 host:1 admin</a:t>
+            </a:r>
+            <a:endParaRPr b="0" lang="en-IN" sz="1800" spc="-1" strike="noStrike">
+              <a:latin typeface="Consolas"/>
+            </a:endParaRPr>
+          </a:p>
+          <a:p>
+            <a:pPr marL="285840" indent="-282240">
+              <a:lnSpc>
+                <a:spcPct val="150000"/>
+              </a:lnSpc>
+              <a:buClr>
+                <a:srgbClr val="808080"/>
+              </a:buClr>
+              <a:buFont typeface="Arial"/>
+              <a:buChar char="•"/>
+            </a:pPr>
+            <a:r>
+              <a:rPr b="0" lang="en-IN" sz="1800" spc="-1" strike="noStrike">
+                <a:solidFill>
+                  <a:srgbClr val="808080"/>
+                </a:solidFill>
+                <a:latin typeface="Consolas"/>
+                <a:ea typeface="SimSun"/>
+              </a:rPr>
+              <a:t>127.0.0.1:6379&gt;</a:t>
+            </a:r>
+            <a:r>
+              <a:rPr b="0" lang="en-IN" sz="1800" spc="-1" strike="noStrike">
+                <a:solidFill>
+                  <a:srgbClr val="000000"/>
+                </a:solidFill>
+                <a:latin typeface="Consolas"/>
+                <a:ea typeface="SimSun"/>
+              </a:rPr>
+              <a:t> </a:t>
+            </a:r>
+            <a:r>
+              <a:rPr b="0" lang="en-IN" sz="1800" spc="-1" strike="noStrike">
+                <a:solidFill>
+                  <a:srgbClr val="ff5733"/>
+                </a:solidFill>
+                <a:latin typeface="Consolas"/>
+                <a:ea typeface="SimSun"/>
+              </a:rPr>
+              <a:t>mget user:1 password:1 user:2 password:2 user:3 password:3</a:t>
+            </a:r>
+            <a:endParaRPr b="0" lang="en-IN" sz="1800" spc="-1" strike="noStrike">
+              <a:latin typeface="Consolas"/>
+            </a:endParaRPr>
+          </a:p>
+        </p:txBody>
+      </p:sp>
+      <p:sp>
+        <p:nvSpPr>
+          <p:cNvPr id="183" name="Line 6"/>
+          <p:cNvSpPr/>
+          <p:nvPr/>
+        </p:nvSpPr>
+        <p:spPr>
+          <a:xfrm>
+            <a:off x="1523880" y="2953080"/>
+            <a:ext cx="9144000" cy="1440"/>
+          </a:xfrm>
+          <a:prstGeom prst="line">
+            <a:avLst/>
+          </a:prstGeom>
+          <a:ln w="12600">
+            <a:solidFill>
+              <a:srgbClr val="6e78a0"/>
+            </a:solidFill>
+            <a:prstDash val="dash"/>
+            <a:round/>
+          </a:ln>
+        </p:spPr>
+        <p:style>
+          <a:lnRef idx="1">
+            <a:schemeClr val="accent1"/>
+          </a:lnRef>
+          <a:fillRef idx="0">
+            <a:schemeClr val="accent1"/>
+          </a:fillRef>
+          <a:effectRef idx="0">
+            <a:schemeClr val="accent1"/>
+          </a:effectRef>
+          <a:fontRef idx="minor"/>
+        </p:style>
+      </p:sp>
+      <p:sp>
+        <p:nvSpPr>
+          <p:cNvPr id="184" name="CustomShape 7"/>
+          <p:cNvSpPr/>
+          <p:nvPr/>
+        </p:nvSpPr>
+        <p:spPr>
+          <a:xfrm>
+            <a:off x="1584000" y="5610240"/>
+            <a:ext cx="8852760" cy="1013400"/>
+          </a:xfrm>
+          <a:prstGeom prst="rect">
+            <a:avLst/>
+          </a:prstGeom>
+          <a:noFill/>
+          <a:ln>
+            <a:noFill/>
+          </a:ln>
+        </p:spPr>
+        <p:style>
+          <a:lnRef idx="0"/>
+          <a:fillRef idx="0"/>
+          <a:effectRef idx="0"/>
+          <a:fontRef idx="minor"/>
+        </p:style>
+        <p:txBody>
+          <a:bodyPr lIns="90000" rIns="90000" tIns="45000" bIns="45000">
+            <a:noAutofit/>
+          </a:bodyPr>
+          <a:p>
+            <a:pPr>
+              <a:lnSpc>
+                <a:spcPct val="100000"/>
+              </a:lnSpc>
+            </a:pPr>
+            <a:r>
+              <a:rPr b="1" lang="en-IN" sz="2000" spc="-1" strike="noStrike">
+                <a:solidFill>
+                  <a:srgbClr val="c00000"/>
+                </a:solidFill>
+                <a:latin typeface="Open Sans"/>
+                <a:ea typeface="Open Sans"/>
+              </a:rPr>
+              <a:t>Note:</a:t>
+            </a:r>
+            <a:endParaRPr b="0" lang="en-IN" sz="2000" spc="-1" strike="noStrike">
+              <a:latin typeface="Arial"/>
+            </a:endParaRPr>
+          </a:p>
+          <a:p>
+            <a:pPr>
+              <a:lnSpc>
+                <a:spcPct val="100000"/>
+              </a:lnSpc>
+            </a:pPr>
+            <a:endParaRPr b="0" lang="en-IN" sz="2000" spc="-1" strike="noStrike">
+              <a:latin typeface="Arial"/>
+            </a:endParaRPr>
+          </a:p>
+          <a:p>
+            <a:pPr marL="285840" indent="-285120">
+              <a:lnSpc>
+                <a:spcPct val="100000"/>
+              </a:lnSpc>
+              <a:buClr>
+                <a:srgbClr val="666666"/>
+              </a:buClr>
+              <a:buFont typeface="Arial"/>
+              <a:buChar char="•"/>
+            </a:pPr>
+            <a:r>
+              <a:rPr b="0" lang="en-IN" sz="1800" spc="-1" strike="noStrike">
+                <a:solidFill>
+                  <a:srgbClr val="666666"/>
+                </a:solidFill>
+                <a:latin typeface="Arial"/>
+                <a:ea typeface="Open Sans"/>
+              </a:rPr>
+              <a:t>The command returns 0 if no key was set (at least one key already existed).</a:t>
+            </a:r>
+            <a:endParaRPr b="0" lang="en-IN" sz="1800" spc="-1" strike="noStrike">
+              <a:latin typeface="Arial"/>
+            </a:endParaRPr>
+          </a:p>
+          <a:p>
+            <a:pPr marL="285840" indent="-285120">
+              <a:lnSpc>
+                <a:spcPct val="100000"/>
+              </a:lnSpc>
+              <a:buClr>
+                <a:srgbClr val="666666"/>
+              </a:buClr>
+              <a:buFont typeface="Arial"/>
+              <a:buChar char="•"/>
+            </a:pPr>
+            <a:r>
+              <a:rPr b="0" lang="en-IN" sz="1800" spc="-1" strike="noStrike">
+                <a:solidFill>
+                  <a:srgbClr val="666666"/>
+                </a:solidFill>
+                <a:latin typeface="Arial"/>
+                <a:ea typeface="Open Sans"/>
+              </a:rPr>
+              <a:t>The command returns 1 if the all the keys were set.</a:t>
+            </a:r>
+            <a:endParaRPr b="0" lang="en-IN" sz="1800" spc="-1" strike="noStrike">
+              <a:latin typeface="Arial"/>
+            </a:endParaRPr>
+          </a:p>
+        </p:txBody>
+      </p:sp>
+    </p:spTree>
+  </p:cSld>
+  <mc:AlternateContent>
+    <mc:Choice Requires="p14">
+      <p:transition spd="slow" p14:dur="2000"/>
+    </mc:Choice>
+    <mc:Fallback>
+      <p:transition spd="slow"/>
+    </mc:Fallback>
+  </mc:AlternateContent>
+</p:sld>
+</file>
+
+<file path=ppt/slides/slide23.xml><?xml version="1.0" encoding="utf-8"?>
+<p:sld xmlns:a="http://schemas.openxmlformats.org/drawingml/2006/main" xmlns:p="http://schemas.openxmlformats.org/presentationml/2006/main" xmlns:r="http://schemas.openxmlformats.org/officeDocument/2006/relationships" xmlns:p14="http://schemas.microsoft.com/office/powerpoint/2010/main" xmlns:p15="http://schemas.microsoft.com/office/powerpoint/2012/main" xmlns:mc="http://schemas.openxmlformats.org/markup-compatibility/2006">
+  <p:cSld>
+    <p:spTree>
+      <p:nvGrpSpPr>
+        <p:cNvPr id="1" name=""/>
+        <p:cNvGrpSpPr/>
+        <p:nvPr/>
+      </p:nvGrpSpPr>
+      <p:grpSpPr>
+        <a:xfrm>
+          <a:off x="0" y="0"/>
+          <a:ext cx="0" cy="0"/>
+          <a:chOff x="0" y="0"/>
+          <a:chExt cx="0" cy="0"/>
+        </a:xfrm>
+      </p:grpSpPr>
+      <p:sp>
+        <p:nvSpPr>
+          <p:cNvPr id="185" name="CustomShape 1"/>
+          <p:cNvSpPr/>
+          <p:nvPr/>
+        </p:nvSpPr>
+        <p:spPr>
+          <a:xfrm>
+            <a:off x="1676520" y="2362320"/>
+            <a:ext cx="8835480" cy="2284200"/>
+          </a:xfrm>
+          <a:prstGeom prst="rect">
+            <a:avLst/>
+          </a:prstGeom>
+          <a:noFill/>
+          <a:ln>
+            <a:noFill/>
+          </a:ln>
+        </p:spPr>
+        <p:style>
+          <a:lnRef idx="0"/>
+          <a:fillRef idx="0"/>
+          <a:effectRef idx="0"/>
+          <a:fontRef idx="minor"/>
+        </p:style>
+        <p:txBody>
+          <a:bodyPr lIns="90000" rIns="90000" tIns="45000" bIns="45000">
+            <a:spAutoFit/>
+          </a:bodyPr>
+          <a:p>
+            <a:pPr algn="ctr">
+              <a:lnSpc>
+                <a:spcPct val="100000"/>
+              </a:lnSpc>
+            </a:pPr>
+            <a:r>
+              <a:rPr b="0" i="1" lang="en-IN" sz="7200" spc="-1" strike="noStrike">
+                <a:solidFill>
+                  <a:srgbClr val="f7c120"/>
+                </a:solidFill>
+                <a:latin typeface="Century"/>
+                <a:ea typeface="DejaVu Sans"/>
+              </a:rPr>
+              <a:t>Incr, incrby &amp; incrbyfloat</a:t>
+            </a:r>
+            <a:endParaRPr b="0" lang="en-IN" sz="7200" spc="-1" strike="noStrike">
+              <a:latin typeface="Arial"/>
+            </a:endParaRPr>
+          </a:p>
+        </p:txBody>
+      </p:sp>
+      <p:sp>
+        <p:nvSpPr>
+          <p:cNvPr id="186" name="CustomShape 2"/>
+          <p:cNvSpPr/>
+          <p:nvPr/>
+        </p:nvSpPr>
+        <p:spPr>
+          <a:xfrm>
+            <a:off x="1676520" y="5331600"/>
+            <a:ext cx="8835480" cy="424800"/>
+          </a:xfrm>
+          <a:prstGeom prst="rect">
+            <a:avLst/>
+          </a:prstGeom>
+          <a:noFill/>
+          <a:ln>
+            <a:noFill/>
+          </a:ln>
+        </p:spPr>
+        <p:style>
+          <a:lnRef idx="0"/>
+          <a:fillRef idx="0"/>
+          <a:effectRef idx="0"/>
+          <a:fontRef idx="minor"/>
+        </p:style>
+        <p:txBody>
+          <a:bodyPr lIns="90000" rIns="90000" tIns="45000" bIns="45000">
+            <a:spAutoFit/>
+          </a:bodyPr>
+          <a:p>
+            <a:pPr>
+              <a:lnSpc>
+                <a:spcPct val="100000"/>
+              </a:lnSpc>
+            </a:pPr>
+            <a:r>
+              <a:rPr b="0" lang="en-US" sz="2200" spc="-1" strike="noStrike">
+                <a:solidFill>
+                  <a:srgbClr val="bb0643"/>
+                </a:solidFill>
+                <a:latin typeface="Segoe UI"/>
+                <a:ea typeface="DejaVu Sans"/>
+              </a:rPr>
+              <a:t>TODO</a:t>
+            </a:r>
+            <a:endParaRPr b="0" lang="en-IN" sz="2200" spc="-1" strike="noStrike">
+              <a:latin typeface="Arial"/>
+            </a:endParaRPr>
+          </a:p>
+        </p:txBody>
+      </p:sp>
+    </p:spTree>
+  </p:cSld>
+  <mc:AlternateContent>
+    <mc:Choice Requires="p14">
+      <p:transition spd="slow" p14:dur="2000"/>
+    </mc:Choice>
+    <mc:Fallback>
+      <p:transition spd="slow"/>
+    </mc:Fallback>
+  </mc:AlternateContent>
+</p:sld>
+</file>
+
+<file path=ppt/slides/slide24.xml><?xml version="1.0" encoding="utf-8"?>
+<p:sld xmlns:a="http://schemas.openxmlformats.org/drawingml/2006/main" xmlns:p="http://schemas.openxmlformats.org/presentationml/2006/main" xmlns:r="http://schemas.openxmlformats.org/officeDocument/2006/relationships" xmlns:p14="http://schemas.microsoft.com/office/powerpoint/2010/main" xmlns:p15="http://schemas.microsoft.com/office/powerpoint/2012/main" xmlns:mc="http://schemas.openxmlformats.org/markup-compatibility/2006">
+  <p:cSld>
+    <p:spTree>
+      <p:nvGrpSpPr>
+        <p:cNvPr id="1" name=""/>
+        <p:cNvGrpSpPr/>
+        <p:nvPr/>
+      </p:nvGrpSpPr>
+      <p:grpSpPr>
+        <a:xfrm>
+          <a:off x="0" y="0"/>
+          <a:ext cx="0" cy="0"/>
+          <a:chOff x="0" y="0"/>
+          <a:chExt cx="0" cy="0"/>
+        </a:xfrm>
+      </p:grpSpPr>
+      <p:sp>
+        <p:nvSpPr>
+          <p:cNvPr id="187" name="CustomShape 1"/>
+          <p:cNvSpPr/>
+          <p:nvPr/>
+        </p:nvSpPr>
+        <p:spPr>
+          <a:xfrm>
+            <a:off x="1523880" y="0"/>
+            <a:ext cx="9140400" cy="699120"/>
+          </a:xfrm>
+          <a:prstGeom prst="rect">
+            <a:avLst/>
+          </a:prstGeom>
+          <a:solidFill>
+            <a:schemeClr val="accent6">
+              <a:lumMod val="75000"/>
+            </a:schemeClr>
+          </a:solidFill>
+          <a:ln>
+            <a:noFill/>
+          </a:ln>
+        </p:spPr>
+        <p:style>
+          <a:lnRef idx="0"/>
+          <a:fillRef idx="0"/>
+          <a:effectRef idx="0"/>
+          <a:fontRef idx="minor"/>
+        </p:style>
+        <p:txBody>
+          <a:bodyPr lIns="90000" rIns="90000" tIns="45000" bIns="45000">
+            <a:spAutoFit/>
+          </a:bodyPr>
+          <a:p>
+            <a:pPr algn="ctr">
+              <a:lnSpc>
+                <a:spcPct val="100000"/>
+              </a:lnSpc>
+            </a:pPr>
+            <a:r>
+              <a:rPr b="0" lang="en-IN" sz="4000" spc="-1" strike="noStrike">
+                <a:solidFill>
+                  <a:srgbClr val="f7c120"/>
+                </a:solidFill>
+                <a:latin typeface="Open Sans"/>
+                <a:ea typeface="DejaVu Sans"/>
+              </a:rPr>
+              <a:t>Incr, incrby &amp; incrbyfloat</a:t>
+            </a:r>
+            <a:endParaRPr b="0" lang="en-IN" sz="4000" spc="-1" strike="noStrike">
+              <a:latin typeface="Arial"/>
+            </a:endParaRPr>
+          </a:p>
+        </p:txBody>
+      </p:sp>
+      <p:sp>
+        <p:nvSpPr>
+          <p:cNvPr id="188" name="CustomShape 2"/>
+          <p:cNvSpPr/>
+          <p:nvPr/>
+        </p:nvSpPr>
+        <p:spPr>
+          <a:xfrm>
+            <a:off x="1600200" y="762120"/>
+            <a:ext cx="8988120" cy="2253960"/>
+          </a:xfrm>
+          <a:prstGeom prst="rect">
+            <a:avLst/>
+          </a:prstGeom>
+          <a:noFill/>
+          <a:ln>
+            <a:noFill/>
+          </a:ln>
+        </p:spPr>
+        <p:style>
+          <a:lnRef idx="0"/>
+          <a:fillRef idx="0"/>
+          <a:effectRef idx="0"/>
+          <a:fontRef idx="minor"/>
+        </p:style>
+        <p:txBody>
+          <a:bodyPr lIns="90000" rIns="90000" tIns="45000" bIns="45000">
+            <a:spAutoFit/>
+          </a:bodyPr>
+          <a:p>
+            <a:pPr algn="just"/>
+            <a:r>
+              <a:rPr b="1" lang="en-US" sz="1800" spc="-1" strike="noStrike">
+                <a:solidFill>
+                  <a:srgbClr val="7c4dff"/>
+                </a:solidFill>
+                <a:latin typeface="Arial"/>
+                <a:ea typeface="DejaVu Sans"/>
+              </a:rPr>
+              <a:t>INCR</a:t>
+            </a:r>
+            <a:r>
+              <a:rPr b="0" lang="en-US" sz="1800" spc="-1" strike="noStrike">
+                <a:latin typeface="Arial"/>
+                <a:ea typeface="DejaVu Sans"/>
+              </a:rPr>
+              <a:t> increments the number stored at key by one. If the key does not exist, it is set to 0 before performing the operation.</a:t>
+            </a:r>
+            <a:endParaRPr b="0" lang="en-IN" sz="1800" spc="-1" strike="noStrike">
+              <a:latin typeface="Arial"/>
+            </a:endParaRPr>
+          </a:p>
+          <a:p>
+            <a:pPr algn="just">
+              <a:lnSpc>
+                <a:spcPct val="100000"/>
+              </a:lnSpc>
+            </a:pPr>
+            <a:endParaRPr b="0" lang="en-IN" sz="1800" spc="-1" strike="noStrike">
+              <a:latin typeface="Arial"/>
+            </a:endParaRPr>
+          </a:p>
+          <a:p>
+            <a:pPr algn="just"/>
+            <a:r>
+              <a:rPr b="1" lang="en-US" sz="1800" spc="-1" strike="noStrike">
+                <a:solidFill>
+                  <a:srgbClr val="7c4dff"/>
+                </a:solidFill>
+                <a:latin typeface="Arial"/>
+                <a:ea typeface="DejaVu Sans"/>
+              </a:rPr>
+              <a:t>INCRBY</a:t>
+            </a:r>
+            <a:r>
+              <a:rPr b="0" lang="en-US" sz="1800" spc="-1" strike="noStrike">
+                <a:latin typeface="Arial"/>
+                <a:ea typeface="DejaVu Sans"/>
+              </a:rPr>
+              <a:t> increments the number stored at key by increment. If the key does not exist, it is set to 0 before performing the operation.</a:t>
+            </a:r>
+            <a:endParaRPr b="0" lang="en-IN" sz="1800" spc="-1" strike="noStrike">
+              <a:latin typeface="Arial"/>
+            </a:endParaRPr>
+          </a:p>
+          <a:p>
+            <a:pPr algn="just"/>
+            <a:endParaRPr b="0" lang="en-IN" sz="1800" spc="-1" strike="noStrike">
+              <a:latin typeface="Arial"/>
+            </a:endParaRPr>
+          </a:p>
+          <a:p>
+            <a:pPr algn="just"/>
+            <a:r>
+              <a:rPr b="1" lang="en-US" sz="1800" spc="-1" strike="noStrike">
+                <a:solidFill>
+                  <a:srgbClr val="7c4dff"/>
+                </a:solidFill>
+                <a:latin typeface="Arial"/>
+                <a:ea typeface="DejaVu Sans"/>
+              </a:rPr>
+              <a:t>INCRBYFLOAT</a:t>
+            </a:r>
+            <a:r>
+              <a:rPr b="0" lang="en-US" sz="1800" spc="-1" strike="noStrike">
+                <a:latin typeface="Arial"/>
+                <a:ea typeface="DejaVu Sans"/>
+              </a:rPr>
+              <a:t> increment the a floating point number stored at key by the specified increment. By using a negative increment value, the result is that the value stored at the key is decremented.</a:t>
+            </a:r>
+            <a:endParaRPr b="0" lang="en-IN" sz="1800" spc="-1" strike="noStrike">
+              <a:latin typeface="Arial"/>
+            </a:endParaRPr>
+          </a:p>
+        </p:txBody>
+      </p:sp>
+      <p:sp>
+        <p:nvSpPr>
+          <p:cNvPr id="189" name="CustomShape 3"/>
+          <p:cNvSpPr/>
+          <p:nvPr/>
+        </p:nvSpPr>
+        <p:spPr>
+          <a:xfrm>
+            <a:off x="152280" y="152280"/>
+            <a:ext cx="1103040" cy="455760"/>
+          </a:xfrm>
+          <a:prstGeom prst="rect">
+            <a:avLst/>
+          </a:prstGeom>
+          <a:noFill/>
+          <a:ln>
+            <a:noFill/>
+          </a:ln>
+        </p:spPr>
+        <p:style>
+          <a:lnRef idx="0"/>
+          <a:fillRef idx="0"/>
+          <a:effectRef idx="0"/>
+          <a:fontRef idx="minor"/>
+        </p:style>
+        <p:txBody>
+          <a:bodyPr lIns="90000" rIns="90000" tIns="45000" bIns="45000">
+            <a:spAutoFit/>
+          </a:bodyPr>
+          <a:p>
+            <a:pPr algn="just">
+              <a:lnSpc>
+                <a:spcPct val="100000"/>
+              </a:lnSpc>
+            </a:pPr>
+            <a:r>
+              <a:rPr b="0" lang="en-IN" sz="2400" spc="-1" strike="noStrike">
+                <a:solidFill>
+                  <a:srgbClr val="ff0000"/>
+                </a:solidFill>
+                <a:latin typeface="Times New Roman"/>
+                <a:ea typeface="DejaVu Sans"/>
+              </a:rPr>
+              <a:t>TODO</a:t>
+            </a:r>
+            <a:endParaRPr b="0" lang="en-IN" sz="2400" spc="-1" strike="noStrike">
+              <a:latin typeface="Arial"/>
+            </a:endParaRPr>
+          </a:p>
+        </p:txBody>
+      </p:sp>
+      <p:sp>
+        <p:nvSpPr>
+          <p:cNvPr id="190" name="CustomShape 4"/>
+          <p:cNvSpPr/>
+          <p:nvPr/>
+        </p:nvSpPr>
+        <p:spPr>
+          <a:xfrm>
+            <a:off x="1601280" y="3553560"/>
+            <a:ext cx="8987040" cy="1004400"/>
+          </a:xfrm>
+          <a:prstGeom prst="rect">
+            <a:avLst/>
+          </a:prstGeom>
+          <a:noFill/>
+          <a:ln>
+            <a:noFill/>
+          </a:ln>
+        </p:spPr>
+        <p:style>
+          <a:lnRef idx="0"/>
+          <a:fillRef idx="0"/>
+          <a:effectRef idx="0"/>
+          <a:fontRef idx="minor"/>
+        </p:style>
+        <p:txBody>
+          <a:bodyPr lIns="90000" rIns="90000" tIns="45000" bIns="45000">
+            <a:spAutoFit/>
+          </a:bodyPr>
+          <a:p>
+            <a:pPr>
+              <a:lnSpc>
+                <a:spcPct val="100000"/>
+              </a:lnSpc>
+            </a:pPr>
+            <a:r>
+              <a:rPr b="0" lang="en-US" sz="2000" spc="-1" strike="noStrike">
+                <a:solidFill>
+                  <a:srgbClr val="00b0f0"/>
+                </a:solidFill>
+                <a:latin typeface="Consolas"/>
+                <a:ea typeface="DejaVu Sans"/>
+              </a:rPr>
+              <a:t>INCR key</a:t>
+            </a:r>
+            <a:endParaRPr b="0" lang="en-IN" sz="2000" spc="-1" strike="noStrike">
+              <a:latin typeface="Arial"/>
+            </a:endParaRPr>
+          </a:p>
+          <a:p>
+            <a:pPr>
+              <a:lnSpc>
+                <a:spcPct val="100000"/>
+              </a:lnSpc>
+            </a:pPr>
+            <a:r>
+              <a:rPr b="0" lang="en-US" sz="2000" spc="-1" strike="noStrike">
+                <a:solidFill>
+                  <a:srgbClr val="00b0f0"/>
+                </a:solidFill>
+                <a:latin typeface="Consolas"/>
+                <a:ea typeface="DejaVu Sans"/>
+              </a:rPr>
+              <a:t>INCRBY key increment</a:t>
+            </a:r>
+            <a:endParaRPr b="0" lang="en-IN" sz="2000" spc="-1" strike="noStrike">
+              <a:latin typeface="Arial"/>
+            </a:endParaRPr>
+          </a:p>
+          <a:p>
+            <a:pPr>
+              <a:lnSpc>
+                <a:spcPct val="100000"/>
+              </a:lnSpc>
+            </a:pPr>
+            <a:r>
+              <a:rPr b="0" lang="en-US" sz="2000" spc="-1" strike="noStrike">
+                <a:solidFill>
+                  <a:srgbClr val="00b0f0"/>
+                </a:solidFill>
+                <a:latin typeface="Consolas"/>
+                <a:ea typeface="DejaVu Sans"/>
+              </a:rPr>
+              <a:t>INCRBYFLOAT key increment</a:t>
+            </a:r>
+            <a:endParaRPr b="0" lang="en-IN" sz="2000" spc="-1" strike="noStrike">
+              <a:latin typeface="Arial"/>
+            </a:endParaRPr>
+          </a:p>
+        </p:txBody>
+      </p:sp>
+      <p:sp>
+        <p:nvSpPr>
+          <p:cNvPr id="191" name="CustomShape 5"/>
+          <p:cNvSpPr/>
+          <p:nvPr/>
+        </p:nvSpPr>
+        <p:spPr>
+          <a:xfrm>
+            <a:off x="1600200" y="4593600"/>
+            <a:ext cx="8886240" cy="913320"/>
+          </a:xfrm>
+          <a:prstGeom prst="rect">
+            <a:avLst/>
+          </a:prstGeom>
+          <a:noFill/>
+          <a:ln>
+            <a:noFill/>
+          </a:ln>
+        </p:spPr>
+        <p:style>
+          <a:lnRef idx="0"/>
+          <a:fillRef idx="0"/>
+          <a:effectRef idx="0"/>
+          <a:fontRef idx="minor"/>
+        </p:style>
+        <p:txBody>
+          <a:bodyPr lIns="90000" rIns="90000" tIns="45000" bIns="45000">
+            <a:spAutoFit/>
+          </a:bodyPr>
+          <a:p>
+            <a:pPr marL="285840" indent="-282240">
+              <a:lnSpc>
+                <a:spcPct val="150000"/>
+              </a:lnSpc>
+              <a:buClr>
+                <a:srgbClr val="808080"/>
+              </a:buClr>
+              <a:buFont typeface="Arial"/>
+              <a:buChar char="•"/>
+            </a:pPr>
+            <a:r>
+              <a:rPr b="0" lang="en-IN" sz="1800" spc="-1" strike="noStrike">
+                <a:solidFill>
+                  <a:srgbClr val="808080"/>
+                </a:solidFill>
+                <a:latin typeface="Consolas"/>
+                <a:ea typeface="SimSun"/>
+              </a:rPr>
+              <a:t>127.0.0.1:6379&gt;</a:t>
+            </a:r>
+            <a:r>
+              <a:rPr b="0" lang="en-IN" sz="1800" spc="-1" strike="noStrike">
+                <a:solidFill>
+                  <a:srgbClr val="000000"/>
+                </a:solidFill>
+                <a:latin typeface="Consolas"/>
+                <a:ea typeface="SimSun"/>
+              </a:rPr>
+              <a:t> </a:t>
+            </a:r>
+            <a:r>
+              <a:rPr b="0" lang="en-IN" sz="1800" spc="-1" strike="noStrike">
+                <a:solidFill>
+                  <a:srgbClr val="ff5733"/>
+                </a:solidFill>
+                <a:latin typeface="Consolas"/>
+                <a:ea typeface="SimSun"/>
+              </a:rPr>
+              <a:t>incr cnt</a:t>
+            </a:r>
+            <a:endParaRPr b="0" lang="en-IN" sz="1800" spc="-1" strike="noStrike">
+              <a:latin typeface="Consolas"/>
+            </a:endParaRPr>
+          </a:p>
+          <a:p>
+            <a:pPr marL="285840" indent="-282240">
+              <a:lnSpc>
+                <a:spcPct val="150000"/>
+              </a:lnSpc>
+              <a:buClr>
+                <a:srgbClr val="808080"/>
+              </a:buClr>
+              <a:buFont typeface="Arial"/>
+              <a:buChar char="•"/>
+            </a:pPr>
+            <a:r>
+              <a:rPr b="0" lang="en-IN" sz="1800" spc="-1" strike="noStrike">
+                <a:solidFill>
+                  <a:srgbClr val="808080"/>
+                </a:solidFill>
+                <a:latin typeface="Consolas"/>
+                <a:ea typeface="SimSun"/>
+              </a:rPr>
+              <a:t>127.0.0.1:6379&gt;</a:t>
+            </a:r>
+            <a:r>
+              <a:rPr b="0" lang="en-IN" sz="1800" spc="-1" strike="noStrike">
+                <a:solidFill>
+                  <a:srgbClr val="000000"/>
+                </a:solidFill>
+                <a:latin typeface="Consolas"/>
+                <a:ea typeface="SimSun"/>
+              </a:rPr>
+              <a:t> </a:t>
+            </a:r>
+            <a:r>
+              <a:rPr b="0" lang="en-IN" sz="1800" spc="-1" strike="noStrike">
+                <a:solidFill>
+                  <a:srgbClr val="ff5733"/>
+                </a:solidFill>
+                <a:latin typeface="Consolas"/>
+                <a:ea typeface="SimSun"/>
+              </a:rPr>
+              <a:t>incrny cnt 2</a:t>
+            </a:r>
+            <a:endParaRPr b="0" lang="en-IN" sz="1800" spc="-1" strike="noStrike">
+              <a:latin typeface="Consolas"/>
+            </a:endParaRPr>
+          </a:p>
+        </p:txBody>
+      </p:sp>
+      <p:sp>
+        <p:nvSpPr>
+          <p:cNvPr id="192" name="Line 6"/>
+          <p:cNvSpPr/>
+          <p:nvPr/>
+        </p:nvSpPr>
+        <p:spPr>
+          <a:xfrm>
+            <a:off x="1523880" y="3241080"/>
+            <a:ext cx="9144000" cy="1440"/>
+          </a:xfrm>
+          <a:prstGeom prst="line">
+            <a:avLst/>
+          </a:prstGeom>
+          <a:ln w="12600">
+            <a:solidFill>
+              <a:srgbClr val="6e78a0"/>
+            </a:solidFill>
+            <a:prstDash val="dash"/>
+            <a:round/>
+          </a:ln>
+        </p:spPr>
+        <p:style>
+          <a:lnRef idx="1">
+            <a:schemeClr val="accent1"/>
+          </a:lnRef>
+          <a:fillRef idx="0">
+            <a:schemeClr val="accent1"/>
+          </a:fillRef>
+          <a:effectRef idx="0">
+            <a:schemeClr val="accent1"/>
+          </a:effectRef>
+          <a:fontRef idx="minor"/>
+        </p:style>
+      </p:sp>
+      <p:sp>
+        <p:nvSpPr>
+          <p:cNvPr id="193" name="CustomShape 7"/>
+          <p:cNvSpPr/>
+          <p:nvPr/>
+        </p:nvSpPr>
+        <p:spPr>
+          <a:xfrm>
+            <a:off x="1584000" y="5790240"/>
+            <a:ext cx="8852760" cy="77760"/>
+          </a:xfrm>
+          <a:prstGeom prst="rect">
+            <a:avLst/>
+          </a:prstGeom>
+          <a:noFill/>
+          <a:ln>
+            <a:noFill/>
+          </a:ln>
+        </p:spPr>
+        <p:style>
+          <a:lnRef idx="0"/>
+          <a:fillRef idx="0"/>
+          <a:effectRef idx="0"/>
+          <a:fontRef idx="minor"/>
+        </p:style>
+        <p:txBody>
+          <a:bodyPr lIns="90000" rIns="90000" tIns="45000" bIns="45000">
+            <a:noAutofit/>
+          </a:bodyPr>
+          <a:p>
+            <a:pPr>
+              <a:lnSpc>
+                <a:spcPct val="100000"/>
+              </a:lnSpc>
+            </a:pPr>
+            <a:r>
+              <a:rPr b="1" lang="en-IN" sz="2000" spc="-1" strike="noStrike">
+                <a:solidFill>
+                  <a:srgbClr val="c00000"/>
+                </a:solidFill>
+                <a:latin typeface="Open Sans"/>
+                <a:ea typeface="Open Sans"/>
+              </a:rPr>
+              <a:t>Note:</a:t>
+            </a:r>
+            <a:endParaRPr b="0" lang="en-IN" sz="2000" spc="-1" strike="noStrike">
+              <a:latin typeface="Arial"/>
+            </a:endParaRPr>
+          </a:p>
+          <a:p>
+            <a:pPr>
+              <a:lnSpc>
+                <a:spcPct val="100000"/>
+              </a:lnSpc>
+            </a:pPr>
+            <a:endParaRPr b="0" lang="en-IN" sz="2000" spc="-1" strike="noStrike">
+              <a:latin typeface="Arial"/>
+            </a:endParaRPr>
+          </a:p>
+          <a:p>
+            <a:pPr marL="285840" indent="-285120">
+              <a:lnSpc>
+                <a:spcPct val="100000"/>
+              </a:lnSpc>
+              <a:buClr>
+                <a:srgbClr val="666666"/>
+              </a:buClr>
+              <a:buFont typeface="Arial"/>
+              <a:buChar char="•"/>
+            </a:pPr>
+            <a:r>
+              <a:rPr b="0" lang="en-IN" sz="1800" spc="-1" strike="noStrike">
+                <a:solidFill>
+                  <a:srgbClr val="666666"/>
+                </a:solidFill>
+                <a:latin typeface="Arial"/>
+                <a:ea typeface="Open Sans"/>
+              </a:rPr>
+              <a:t>This operation is limited to 64 bit signed integers.</a:t>
+            </a:r>
+            <a:endParaRPr b="0" lang="en-IN" sz="1800" spc="-1" strike="noStrike">
+              <a:latin typeface="Arial"/>
+            </a:endParaRPr>
+          </a:p>
+        </p:txBody>
+      </p:sp>
+    </p:spTree>
+  </p:cSld>
+  <mc:AlternateContent>
+    <mc:Choice Requires="p14">
+      <p:transition spd="slow" p14:dur="2000"/>
+    </mc:Choice>
+    <mc:Fallback>
+      <p:transition spd="slow"/>
+    </mc:Fallback>
+  </mc:AlternateContent>
+</p:sld>
+</file>
+
+<file path=ppt/slides/slide25.xml><?xml version="1.0" encoding="utf-8"?>
+<p:sld xmlns:a="http://schemas.openxmlformats.org/drawingml/2006/main" xmlns:p="http://schemas.openxmlformats.org/presentationml/2006/main" xmlns:r="http://schemas.openxmlformats.org/officeDocument/2006/relationships" xmlns:p14="http://schemas.microsoft.com/office/powerpoint/2010/main" xmlns:p15="http://schemas.microsoft.com/office/powerpoint/2012/main" xmlns:mc="http://schemas.openxmlformats.org/markup-compatibility/2006">
+  <p:cSld>
+    <p:spTree>
+      <p:nvGrpSpPr>
+        <p:cNvPr id="1" name=""/>
+        <p:cNvGrpSpPr/>
+        <p:nvPr/>
+      </p:nvGrpSpPr>
+      <p:grpSpPr>
+        <a:xfrm>
+          <a:off x="0" y="0"/>
+          <a:ext cx="0" cy="0"/>
+          <a:chOff x="0" y="0"/>
+          <a:chExt cx="0" cy="0"/>
+        </a:xfrm>
+      </p:grpSpPr>
+      <p:sp>
+        <p:nvSpPr>
+          <p:cNvPr id="194" name="CustomShape 1"/>
+          <p:cNvSpPr/>
+          <p:nvPr/>
+        </p:nvSpPr>
+        <p:spPr>
+          <a:xfrm>
+            <a:off x="1676520" y="2362320"/>
+            <a:ext cx="8835480" cy="1187640"/>
+          </a:xfrm>
+          <a:prstGeom prst="rect">
+            <a:avLst/>
+          </a:prstGeom>
+          <a:noFill/>
+          <a:ln>
+            <a:noFill/>
+          </a:ln>
+        </p:spPr>
+        <p:style>
+          <a:lnRef idx="0"/>
+          <a:fillRef idx="0"/>
+          <a:effectRef idx="0"/>
+          <a:fontRef idx="minor"/>
+        </p:style>
+        <p:txBody>
+          <a:bodyPr lIns="90000" rIns="90000" tIns="45000" bIns="45000">
+            <a:spAutoFit/>
+          </a:bodyPr>
+          <a:p>
+            <a:pPr algn="ctr">
+              <a:lnSpc>
+                <a:spcPct val="100000"/>
+              </a:lnSpc>
+            </a:pPr>
+            <a:r>
+              <a:rPr b="0" i="1" lang="en-IN" sz="7200" spc="-1" strike="noStrike">
+                <a:solidFill>
+                  <a:srgbClr val="f7c120"/>
+                </a:solidFill>
+                <a:latin typeface="Century"/>
+                <a:ea typeface="DejaVu Sans"/>
+              </a:rPr>
+              <a:t>decr &amp; decrby key</a:t>
+            </a:r>
+            <a:endParaRPr b="0" lang="en-IN" sz="7200" spc="-1" strike="noStrike">
+              <a:latin typeface="Arial"/>
+            </a:endParaRPr>
+          </a:p>
+        </p:txBody>
+      </p:sp>
+      <p:sp>
+        <p:nvSpPr>
+          <p:cNvPr id="195" name="CustomShape 2"/>
+          <p:cNvSpPr/>
+          <p:nvPr/>
+        </p:nvSpPr>
+        <p:spPr>
+          <a:xfrm>
+            <a:off x="1676520" y="5331600"/>
+            <a:ext cx="8835480" cy="424800"/>
+          </a:xfrm>
+          <a:prstGeom prst="rect">
+            <a:avLst/>
+          </a:prstGeom>
+          <a:noFill/>
+          <a:ln>
+            <a:noFill/>
+          </a:ln>
+        </p:spPr>
+        <p:style>
+          <a:lnRef idx="0"/>
+          <a:fillRef idx="0"/>
+          <a:effectRef idx="0"/>
+          <a:fontRef idx="minor"/>
+        </p:style>
+        <p:txBody>
+          <a:bodyPr lIns="90000" rIns="90000" tIns="45000" bIns="45000">
+            <a:spAutoFit/>
+          </a:bodyPr>
+          <a:p>
+            <a:pPr>
+              <a:lnSpc>
+                <a:spcPct val="100000"/>
+              </a:lnSpc>
+            </a:pPr>
+            <a:r>
+              <a:rPr b="0" lang="en-US" sz="2200" spc="-1" strike="noStrike">
+                <a:solidFill>
+                  <a:srgbClr val="bb0643"/>
+                </a:solidFill>
+                <a:latin typeface="Segoe UI"/>
+                <a:ea typeface="DejaVu Sans"/>
+              </a:rPr>
+              <a:t>TODO</a:t>
+            </a:r>
+            <a:endParaRPr b="0" lang="en-IN" sz="2200" spc="-1" strike="noStrike">
+              <a:latin typeface="Arial"/>
+            </a:endParaRPr>
+          </a:p>
+        </p:txBody>
+      </p:sp>
+    </p:spTree>
+  </p:cSld>
+  <mc:AlternateContent>
+    <mc:Choice Requires="p14">
+      <p:transition spd="slow" p14:dur="2000"/>
+    </mc:Choice>
+    <mc:Fallback>
+      <p:transition spd="slow"/>
+    </mc:Fallback>
+  </mc:AlternateContent>
+</p:sld>
+</file>
+
+<file path=ppt/slides/slide26.xml><?xml version="1.0" encoding="utf-8"?>
+<p:sld xmlns:a="http://schemas.openxmlformats.org/drawingml/2006/main" xmlns:p="http://schemas.openxmlformats.org/presentationml/2006/main" xmlns:r="http://schemas.openxmlformats.org/officeDocument/2006/relationships" xmlns:p14="http://schemas.microsoft.com/office/powerpoint/2010/main" xmlns:p15="http://schemas.microsoft.com/office/powerpoint/2012/main" xmlns:mc="http://schemas.openxmlformats.org/markup-compatibility/2006">
+  <p:cSld>
+    <p:spTree>
+      <p:nvGrpSpPr>
+        <p:cNvPr id="1" name=""/>
+        <p:cNvGrpSpPr/>
+        <p:nvPr/>
+      </p:nvGrpSpPr>
+      <p:grpSpPr>
+        <a:xfrm>
+          <a:off x="0" y="0"/>
+          <a:ext cx="0" cy="0"/>
+          <a:chOff x="0" y="0"/>
+          <a:chExt cx="0" cy="0"/>
+        </a:xfrm>
+      </p:grpSpPr>
+      <p:sp>
+        <p:nvSpPr>
+          <p:cNvPr id="196" name="CustomShape 1"/>
+          <p:cNvSpPr/>
+          <p:nvPr/>
+        </p:nvSpPr>
+        <p:spPr>
+          <a:xfrm>
+            <a:off x="1523880" y="0"/>
+            <a:ext cx="9140400" cy="699120"/>
+          </a:xfrm>
+          <a:prstGeom prst="rect">
+            <a:avLst/>
+          </a:prstGeom>
+          <a:solidFill>
+            <a:schemeClr val="accent6">
+              <a:lumMod val="75000"/>
+            </a:schemeClr>
+          </a:solidFill>
+          <a:ln>
+            <a:noFill/>
+          </a:ln>
+        </p:spPr>
+        <p:style>
+          <a:lnRef idx="0"/>
+          <a:fillRef idx="0"/>
+          <a:effectRef idx="0"/>
+          <a:fontRef idx="minor"/>
+        </p:style>
+        <p:txBody>
+          <a:bodyPr lIns="90000" rIns="90000" tIns="45000" bIns="45000">
+            <a:spAutoFit/>
+          </a:bodyPr>
+          <a:p>
+            <a:pPr algn="ctr">
+              <a:lnSpc>
+                <a:spcPct val="100000"/>
+              </a:lnSpc>
+            </a:pPr>
+            <a:r>
+              <a:rPr b="0" lang="en-IN" sz="4000" spc="-1" strike="noStrike">
+                <a:solidFill>
+                  <a:srgbClr val="f7c120"/>
+                </a:solidFill>
+                <a:latin typeface="Open Sans"/>
+                <a:ea typeface="DejaVu Sans"/>
+              </a:rPr>
+              <a:t>decr &amp; decrby</a:t>
+            </a:r>
+            <a:endParaRPr b="0" lang="en-IN" sz="4000" spc="-1" strike="noStrike">
+              <a:latin typeface="Arial"/>
+            </a:endParaRPr>
+          </a:p>
+        </p:txBody>
+      </p:sp>
+      <p:sp>
+        <p:nvSpPr>
+          <p:cNvPr id="197" name="CustomShape 2"/>
+          <p:cNvSpPr/>
+          <p:nvPr/>
+        </p:nvSpPr>
+        <p:spPr>
+          <a:xfrm>
+            <a:off x="1600200" y="762120"/>
+            <a:ext cx="8988120" cy="1309320"/>
+          </a:xfrm>
+          <a:prstGeom prst="rect">
+            <a:avLst/>
+          </a:prstGeom>
+          <a:noFill/>
+          <a:ln>
+            <a:noFill/>
+          </a:ln>
+        </p:spPr>
+        <p:style>
+          <a:lnRef idx="0"/>
+          <a:fillRef idx="0"/>
+          <a:effectRef idx="0"/>
+          <a:fontRef idx="minor"/>
+        </p:style>
+        <p:txBody>
+          <a:bodyPr lIns="90000" rIns="90000" tIns="45000" bIns="45000">
+            <a:spAutoFit/>
+          </a:bodyPr>
+          <a:p>
+            <a:pPr algn="just"/>
+            <a:r>
+              <a:rPr b="1" lang="en-US" sz="1800" spc="-1" strike="noStrike">
+                <a:solidFill>
+                  <a:srgbClr val="7c4dff"/>
+                </a:solidFill>
+                <a:latin typeface="Arial"/>
+                <a:ea typeface="DejaVu Sans"/>
+              </a:rPr>
+              <a:t>DECR</a:t>
+            </a:r>
+            <a:r>
+              <a:rPr b="0" lang="en-US" sz="1800" spc="-1" strike="noStrike">
+                <a:latin typeface="Arial"/>
+                <a:ea typeface="DejaVu Sans"/>
+              </a:rPr>
+              <a:t> decrements the number stored at key by one. If the key does not exist, it is set to 0 before performing the operation.</a:t>
+            </a:r>
+            <a:endParaRPr b="0" lang="en-IN" sz="1800" spc="-1" strike="noStrike">
+              <a:latin typeface="Arial"/>
+            </a:endParaRPr>
+          </a:p>
+          <a:p>
+            <a:pPr algn="just">
+              <a:lnSpc>
+                <a:spcPct val="100000"/>
+              </a:lnSpc>
+            </a:pPr>
+            <a:endParaRPr b="0" lang="en-IN" sz="1800" spc="-1" strike="noStrike">
+              <a:latin typeface="Arial"/>
+            </a:endParaRPr>
+          </a:p>
+          <a:p>
+            <a:pPr algn="just"/>
+            <a:r>
+              <a:rPr b="1" lang="en-US" sz="1800" spc="-1" strike="noStrike">
+                <a:solidFill>
+                  <a:srgbClr val="7c4dff"/>
+                </a:solidFill>
+                <a:latin typeface="Arial"/>
+                <a:ea typeface="DejaVu Sans"/>
+              </a:rPr>
+              <a:t>DECRBY</a:t>
+            </a:r>
+            <a:r>
+              <a:rPr b="0" lang="en-US" sz="1800" spc="-1" strike="noStrike">
+                <a:latin typeface="Arial"/>
+                <a:ea typeface="DejaVu Sans"/>
+              </a:rPr>
+              <a:t> decrements the number stored at key by decrement value. If the key does not exist, it is set to 0 before performing the operation.</a:t>
+            </a:r>
+            <a:endParaRPr b="0" lang="en-IN" sz="1800" spc="-1" strike="noStrike">
+              <a:latin typeface="Arial"/>
+            </a:endParaRPr>
+          </a:p>
+        </p:txBody>
+      </p:sp>
+      <p:sp>
+        <p:nvSpPr>
+          <p:cNvPr id="198" name="CustomShape 3"/>
+          <p:cNvSpPr/>
+          <p:nvPr/>
+        </p:nvSpPr>
+        <p:spPr>
+          <a:xfrm>
+            <a:off x="152280" y="152280"/>
+            <a:ext cx="1103040" cy="455760"/>
+          </a:xfrm>
+          <a:prstGeom prst="rect">
+            <a:avLst/>
+          </a:prstGeom>
+          <a:noFill/>
+          <a:ln>
+            <a:noFill/>
+          </a:ln>
+        </p:spPr>
+        <p:style>
+          <a:lnRef idx="0"/>
+          <a:fillRef idx="0"/>
+          <a:effectRef idx="0"/>
+          <a:fontRef idx="minor"/>
+        </p:style>
+        <p:txBody>
+          <a:bodyPr lIns="90000" rIns="90000" tIns="45000" bIns="45000">
+            <a:spAutoFit/>
+          </a:bodyPr>
+          <a:p>
+            <a:pPr algn="just">
+              <a:lnSpc>
+                <a:spcPct val="100000"/>
+              </a:lnSpc>
+            </a:pPr>
+            <a:r>
+              <a:rPr b="0" lang="en-IN" sz="2400" spc="-1" strike="noStrike">
+                <a:solidFill>
+                  <a:srgbClr val="ff0000"/>
+                </a:solidFill>
+                <a:latin typeface="Times New Roman"/>
+                <a:ea typeface="DejaVu Sans"/>
+              </a:rPr>
+              <a:t>TODO</a:t>
+            </a:r>
+            <a:endParaRPr b="0" lang="en-IN" sz="2400" spc="-1" strike="noStrike">
+              <a:latin typeface="Arial"/>
+            </a:endParaRPr>
+          </a:p>
+        </p:txBody>
+      </p:sp>
+      <p:sp>
+        <p:nvSpPr>
+          <p:cNvPr id="199" name="CustomShape 4"/>
+          <p:cNvSpPr/>
+          <p:nvPr/>
+        </p:nvSpPr>
+        <p:spPr>
+          <a:xfrm>
+            <a:off x="1601280" y="2689560"/>
+            <a:ext cx="8987040" cy="700200"/>
+          </a:xfrm>
+          <a:prstGeom prst="rect">
+            <a:avLst/>
+          </a:prstGeom>
+          <a:noFill/>
+          <a:ln>
+            <a:noFill/>
+          </a:ln>
+        </p:spPr>
+        <p:style>
+          <a:lnRef idx="0"/>
+          <a:fillRef idx="0"/>
+          <a:effectRef idx="0"/>
+          <a:fontRef idx="minor"/>
+        </p:style>
+        <p:txBody>
+          <a:bodyPr lIns="90000" rIns="90000" tIns="45000" bIns="45000">
+            <a:spAutoFit/>
+          </a:bodyPr>
+          <a:p>
+            <a:pPr>
+              <a:lnSpc>
+                <a:spcPct val="100000"/>
+              </a:lnSpc>
+            </a:pPr>
+            <a:r>
+              <a:rPr b="0" lang="en-US" sz="2000" spc="-1" strike="noStrike">
+                <a:solidFill>
+                  <a:srgbClr val="00b0f0"/>
+                </a:solidFill>
+                <a:latin typeface="Consolas"/>
+                <a:ea typeface="DejaVu Sans"/>
+              </a:rPr>
+              <a:t>DECR key</a:t>
+            </a:r>
+            <a:endParaRPr b="0" lang="en-IN" sz="2000" spc="-1" strike="noStrike">
+              <a:latin typeface="Arial"/>
+            </a:endParaRPr>
+          </a:p>
+          <a:p>
+            <a:pPr>
+              <a:lnSpc>
+                <a:spcPct val="100000"/>
+              </a:lnSpc>
+            </a:pPr>
+            <a:r>
+              <a:rPr b="0" lang="en-US" sz="2000" spc="-1" strike="noStrike">
+                <a:solidFill>
+                  <a:srgbClr val="00b0f0"/>
+                </a:solidFill>
+                <a:latin typeface="Consolas"/>
+                <a:ea typeface="DejaVu Sans"/>
+              </a:rPr>
+              <a:t>DECRBY key decrement</a:t>
+            </a:r>
+            <a:endParaRPr b="0" lang="en-IN" sz="2000" spc="-1" strike="noStrike">
+              <a:latin typeface="Arial"/>
+            </a:endParaRPr>
+          </a:p>
+        </p:txBody>
+      </p:sp>
+      <p:sp>
+        <p:nvSpPr>
+          <p:cNvPr id="200" name="CustomShape 5"/>
+          <p:cNvSpPr/>
+          <p:nvPr/>
+        </p:nvSpPr>
+        <p:spPr>
+          <a:xfrm>
+            <a:off x="1600200" y="3621600"/>
+            <a:ext cx="8886240" cy="913320"/>
+          </a:xfrm>
+          <a:prstGeom prst="rect">
+            <a:avLst/>
+          </a:prstGeom>
+          <a:noFill/>
+          <a:ln>
+            <a:noFill/>
+          </a:ln>
+        </p:spPr>
+        <p:style>
+          <a:lnRef idx="0"/>
+          <a:fillRef idx="0"/>
+          <a:effectRef idx="0"/>
+          <a:fontRef idx="minor"/>
+        </p:style>
+        <p:txBody>
+          <a:bodyPr lIns="90000" rIns="90000" tIns="45000" bIns="45000">
+            <a:spAutoFit/>
+          </a:bodyPr>
+          <a:p>
+            <a:pPr marL="285840" indent="-282240">
+              <a:lnSpc>
+                <a:spcPct val="150000"/>
+              </a:lnSpc>
+              <a:buClr>
+                <a:srgbClr val="808080"/>
+              </a:buClr>
+              <a:buFont typeface="Arial"/>
+              <a:buChar char="•"/>
+            </a:pPr>
+            <a:r>
+              <a:rPr b="0" lang="en-IN" sz="1800" spc="-1" strike="noStrike">
+                <a:solidFill>
+                  <a:srgbClr val="808080"/>
+                </a:solidFill>
+                <a:latin typeface="Consolas"/>
+                <a:ea typeface="SimSun"/>
+              </a:rPr>
+              <a:t>127.0.0.1:6379&gt;</a:t>
+            </a:r>
+            <a:r>
+              <a:rPr b="0" lang="en-IN" sz="1800" spc="-1" strike="noStrike">
+                <a:solidFill>
+                  <a:srgbClr val="000000"/>
+                </a:solidFill>
+                <a:latin typeface="Consolas"/>
+                <a:ea typeface="SimSun"/>
+              </a:rPr>
+              <a:t> </a:t>
+            </a:r>
+            <a:r>
+              <a:rPr b="0" lang="en-IN" sz="1800" spc="-1" strike="noStrike">
+                <a:solidFill>
+                  <a:srgbClr val="ff5733"/>
+                </a:solidFill>
+                <a:latin typeface="Consolas"/>
+                <a:ea typeface="SimSun"/>
+              </a:rPr>
+              <a:t>decr</a:t>
+            </a:r>
+            <a:r>
+              <a:rPr b="0" lang="en-IN" sz="1800" spc="-1" strike="noStrike">
+                <a:solidFill>
+                  <a:srgbClr val="ff5733"/>
+                </a:solidFill>
+                <a:latin typeface="Consolas"/>
+                <a:ea typeface="SimSun"/>
+              </a:rPr>
+              <a:t> cnt</a:t>
+            </a:r>
+            <a:endParaRPr b="0" lang="en-IN" sz="1800" spc="-1" strike="noStrike">
+              <a:latin typeface="Consolas"/>
+            </a:endParaRPr>
+          </a:p>
+          <a:p>
+            <a:pPr marL="285840" indent="-282240">
+              <a:lnSpc>
+                <a:spcPct val="150000"/>
+              </a:lnSpc>
+              <a:buClr>
+                <a:srgbClr val="808080"/>
+              </a:buClr>
+              <a:buFont typeface="Arial"/>
+              <a:buChar char="•"/>
+            </a:pPr>
+            <a:r>
+              <a:rPr b="0" lang="en-IN" sz="1800" spc="-1" strike="noStrike">
+                <a:solidFill>
+                  <a:srgbClr val="808080"/>
+                </a:solidFill>
+                <a:latin typeface="Consolas"/>
+                <a:ea typeface="SimSun"/>
+              </a:rPr>
+              <a:t>127.0.0.1:6379&gt;</a:t>
+            </a:r>
+            <a:r>
+              <a:rPr b="0" lang="en-IN" sz="1800" spc="-1" strike="noStrike">
+                <a:solidFill>
+                  <a:srgbClr val="000000"/>
+                </a:solidFill>
+                <a:latin typeface="Consolas"/>
+                <a:ea typeface="SimSun"/>
+              </a:rPr>
+              <a:t> </a:t>
+            </a:r>
+            <a:r>
+              <a:rPr b="0" lang="en-IN" sz="1800" spc="-1" strike="noStrike">
+                <a:solidFill>
+                  <a:srgbClr val="ff5733"/>
+                </a:solidFill>
+                <a:latin typeface="Consolas"/>
+                <a:ea typeface="SimSun"/>
+              </a:rPr>
+              <a:t>decrby cnt 2</a:t>
+            </a:r>
+            <a:endParaRPr b="0" lang="en-IN" sz="1800" spc="-1" strike="noStrike">
+              <a:latin typeface="Consolas"/>
+            </a:endParaRPr>
+          </a:p>
+        </p:txBody>
+      </p:sp>
+      <p:sp>
+        <p:nvSpPr>
+          <p:cNvPr id="201" name="Line 6"/>
+          <p:cNvSpPr/>
+          <p:nvPr/>
+        </p:nvSpPr>
+        <p:spPr>
+          <a:xfrm>
+            <a:off x="1523880" y="2377080"/>
+            <a:ext cx="9144000" cy="1440"/>
+          </a:xfrm>
+          <a:prstGeom prst="line">
+            <a:avLst/>
+          </a:prstGeom>
+          <a:ln w="12600">
+            <a:solidFill>
+              <a:srgbClr val="6e78a0"/>
+            </a:solidFill>
+            <a:prstDash val="dash"/>
+            <a:round/>
+          </a:ln>
+        </p:spPr>
+        <p:style>
+          <a:lnRef idx="1">
+            <a:schemeClr val="accent1"/>
+          </a:lnRef>
+          <a:fillRef idx="0">
+            <a:schemeClr val="accent1"/>
+          </a:fillRef>
+          <a:effectRef idx="0">
+            <a:schemeClr val="accent1"/>
+          </a:effectRef>
+          <a:fontRef idx="minor"/>
+        </p:style>
+      </p:sp>
+      <p:sp>
+        <p:nvSpPr>
+          <p:cNvPr id="202" name="CustomShape 7"/>
+          <p:cNvSpPr/>
+          <p:nvPr/>
+        </p:nvSpPr>
+        <p:spPr>
+          <a:xfrm>
+            <a:off x="1584000" y="5106240"/>
+            <a:ext cx="8852760" cy="77760"/>
+          </a:xfrm>
+          <a:prstGeom prst="rect">
+            <a:avLst/>
+          </a:prstGeom>
+          <a:noFill/>
+          <a:ln>
+            <a:noFill/>
+          </a:ln>
+        </p:spPr>
+        <p:style>
+          <a:lnRef idx="0"/>
+          <a:fillRef idx="0"/>
+          <a:effectRef idx="0"/>
+          <a:fontRef idx="minor"/>
+        </p:style>
+        <p:txBody>
+          <a:bodyPr lIns="90000" rIns="90000" tIns="45000" bIns="45000">
+            <a:noAutofit/>
+          </a:bodyPr>
+          <a:p>
+            <a:pPr>
+              <a:lnSpc>
+                <a:spcPct val="100000"/>
+              </a:lnSpc>
+            </a:pPr>
+            <a:r>
+              <a:rPr b="1" lang="en-IN" sz="2000" spc="-1" strike="noStrike">
+                <a:solidFill>
+                  <a:srgbClr val="c00000"/>
+                </a:solidFill>
+                <a:latin typeface="Open Sans"/>
+                <a:ea typeface="Open Sans"/>
+              </a:rPr>
+              <a:t>Note:</a:t>
+            </a:r>
+            <a:endParaRPr b="0" lang="en-IN" sz="2000" spc="-1" strike="noStrike">
+              <a:latin typeface="Arial"/>
+            </a:endParaRPr>
+          </a:p>
+          <a:p>
+            <a:pPr>
+              <a:lnSpc>
+                <a:spcPct val="100000"/>
+              </a:lnSpc>
+            </a:pPr>
+            <a:endParaRPr b="0" lang="en-IN" sz="2000" spc="-1" strike="noStrike">
+              <a:latin typeface="Arial"/>
+            </a:endParaRPr>
+          </a:p>
+          <a:p>
+            <a:pPr marL="285840" indent="-285120">
+              <a:lnSpc>
+                <a:spcPct val="100000"/>
+              </a:lnSpc>
+              <a:buClr>
+                <a:srgbClr val="666666"/>
+              </a:buClr>
+              <a:buFont typeface="Arial"/>
+              <a:buChar char="•"/>
+            </a:pPr>
+            <a:r>
+              <a:rPr b="0" lang="en-IN" sz="1800" spc="-1" strike="noStrike">
+                <a:solidFill>
+                  <a:srgbClr val="666666"/>
+                </a:solidFill>
+                <a:latin typeface="Arial"/>
+                <a:ea typeface="Open Sans"/>
+              </a:rPr>
+              <a:t>This operation is limited to 64 bit signed integers.</a:t>
+            </a:r>
+            <a:endParaRPr b="0" lang="en-IN" sz="1800" spc="-1" strike="noStrike">
+              <a:latin typeface="Arial"/>
+            </a:endParaRPr>
+          </a:p>
+        </p:txBody>
+      </p:sp>
+    </p:spTree>
+  </p:cSld>
+  <mc:AlternateContent>
+    <mc:Choice Requires="p14">
+      <p:transition spd="slow" p14:dur="2000"/>
+    </mc:Choice>
+    <mc:Fallback>
+      <p:transition spd="slow"/>
+    </mc:Fallback>
+  </mc:AlternateContent>
+</p:sld>
+</file>
+
+<file path=ppt/slides/slide27.xml><?xml version="1.0" encoding="utf-8"?>
+<p:sld xmlns:a="http://schemas.openxmlformats.org/drawingml/2006/main" xmlns:p="http://schemas.openxmlformats.org/presentationml/2006/main" xmlns:r="http://schemas.openxmlformats.org/officeDocument/2006/relationships" xmlns:p14="http://schemas.microsoft.com/office/powerpoint/2010/main" xmlns:p15="http://schemas.microsoft.com/office/powerpoint/2012/main" xmlns:mc="http://schemas.openxmlformats.org/markup-compatibility/2006">
+  <p:cSld>
+    <p:spTree>
+      <p:nvGrpSpPr>
+        <p:cNvPr id="1" name=""/>
+        <p:cNvGrpSpPr/>
+        <p:nvPr/>
+      </p:nvGrpSpPr>
+      <p:grpSpPr>
+        <a:xfrm>
+          <a:off x="0" y="0"/>
+          <a:ext cx="0" cy="0"/>
+          <a:chOff x="0" y="0"/>
+          <a:chExt cx="0" cy="0"/>
+        </a:xfrm>
+      </p:grpSpPr>
+      <p:sp>
+        <p:nvSpPr>
+          <p:cNvPr id="203" name="CustomShape 1"/>
+          <p:cNvSpPr/>
+          <p:nvPr/>
+        </p:nvSpPr>
+        <p:spPr>
+          <a:xfrm>
+            <a:off x="1365840" y="188640"/>
+            <a:ext cx="9679320" cy="2192400"/>
+          </a:xfrm>
+          <a:prstGeom prst="rect">
+            <a:avLst/>
+          </a:prstGeom>
+          <a:noFill/>
+          <a:ln>
+            <a:noFill/>
+          </a:ln>
+        </p:spPr>
+        <p:style>
+          <a:lnRef idx="0"/>
+          <a:fillRef idx="0"/>
+          <a:effectRef idx="0"/>
+          <a:fontRef idx="minor"/>
+        </p:style>
+        <p:txBody>
+          <a:bodyPr lIns="90000" rIns="90000" tIns="45000" bIns="45000">
+            <a:spAutoFit/>
+          </a:bodyPr>
+          <a:p>
+            <a:pPr algn="ctr">
+              <a:lnSpc>
+                <a:spcPct val="100000"/>
+              </a:lnSpc>
+            </a:pPr>
+            <a:r>
               <a:rPr b="0" lang="en-IN" sz="4000" spc="-1" strike="noStrike">
                 <a:solidFill>
                   <a:srgbClr val="ff5733"/>
@@ -9372,7 +10997,7 @@
       </p:sp>
       <p:pic>
         <p:nvPicPr>
-          <p:cNvPr id="178" name="Picture 2" descr="http://www.bvctch.vn/vnt_upload/weblink/thks.jpg"/>
+          <p:cNvPr id="204" name="Picture 2" descr="http://www.bvctch.vn/vnt_upload/weblink/thks.jpg"/>
           <p:cNvPicPr/>
           <p:nvPr/>
         </p:nvPicPr>
@@ -9383,7 +11008,7 @@
         <p:spPr>
           <a:xfrm>
             <a:off x="4404600" y="2036160"/>
-            <a:ext cx="3123360" cy="4881240"/>
+            <a:ext cx="3123000" cy="4659840"/>
           </a:xfrm>
           <a:prstGeom prst="rect">
             <a:avLst/>
@@ -9467,7 +11092,7 @@
         <p:spPr>
           <a:xfrm>
             <a:off x="1676520" y="2743200"/>
-            <a:ext cx="8835840" cy="1064520"/>
+            <a:ext cx="8835480" cy="1064520"/>
           </a:xfrm>
           <a:prstGeom prst="rect">
             <a:avLst/>
@@ -9488,7 +11113,7 @@
             <a:spAutoFit/>
           </a:bodyPr>
           <a:p>
-            <a:pPr marL="343080" indent="-339840">
+            <a:pPr marL="343080" indent="-339480">
               <a:lnSpc>
                 <a:spcPct val="100000"/>
               </a:lnSpc>
@@ -9543,7 +11168,7 @@
             </a:endParaRPr>
           </a:p>
           <a:p>
-            <a:pPr marL="343080" indent="-339840">
+            <a:pPr marL="343080" indent="-339480">
               <a:lnSpc>
                 <a:spcPct val="100000"/>
               </a:lnSpc>
@@ -9679,7 +11304,7 @@
         <p:spPr>
           <a:xfrm>
             <a:off x="1600200" y="762120"/>
-            <a:ext cx="8988480" cy="699480"/>
+            <a:ext cx="8988120" cy="699480"/>
           </a:xfrm>
           <a:prstGeom prst="rect">
             <a:avLst/>
@@ -9710,7 +11335,7 @@
                 <a:solidFill>
                   <a:srgbClr val="000000"/>
                 </a:solidFill>
-                <a:latin typeface="Times New Roman"/>
+                <a:latin typeface="Arial"/>
                 <a:ea typeface="DejaVu Sans"/>
               </a:rPr>
               <a:t>To run commands on Redis remote server, you need to connect to the server by the same client </a:t>
@@ -9720,7 +11345,7 @@
                 <a:solidFill>
                   <a:srgbClr val="000000"/>
                 </a:solidFill>
-                <a:latin typeface="Times New Roman"/>
+                <a:latin typeface="Arial"/>
                 <a:ea typeface="DejaVu Sans"/>
               </a:rPr>
               <a:t>redis-cli</a:t>
@@ -9739,8 +11364,8 @@
         </p:nvSpPr>
         <p:spPr>
           <a:xfrm>
-            <a:off x="1523880" y="4419720"/>
-            <a:ext cx="9140760" cy="791280"/>
+            <a:off x="1523880" y="5067720"/>
+            <a:ext cx="9140400" cy="791280"/>
           </a:xfrm>
           <a:prstGeom prst="rect">
             <a:avLst/>
@@ -9786,12 +11411,22 @@
                 <a:spcPct val="100000"/>
               </a:lnSpc>
             </a:pPr>
-            <a:endParaRPr b="0" lang="en-IN" sz="2000" spc="-1" strike="noStrike">
-              <a:latin typeface="Arial"/>
-            </a:endParaRPr>
-          </a:p>
-          <a:p>
-            <a:pPr marL="285840" indent="-282600">
+            <a:r>
+              <a:rPr b="0" lang="en-IN" sz="800" spc="-1" strike="noStrike">
+                <a:solidFill>
+                  <a:srgbClr val="000000"/>
+                </a:solidFill>
+                <a:latin typeface="Arial"/>
+                <a:ea typeface="DejaVu Sans"/>
+              </a:rPr>
+              <a:t> </a:t>
+            </a:r>
+            <a:endParaRPr b="0" lang="en-IN" sz="800" spc="-1" strike="noStrike">
+              <a:latin typeface="Arial"/>
+            </a:endParaRPr>
+          </a:p>
+          <a:p>
+            <a:pPr marL="285840" indent="-282240">
               <a:lnSpc>
                 <a:spcPct val="100000"/>
               </a:lnSpc>
@@ -9835,8 +11470,8 @@
         </p:nvSpPr>
         <p:spPr>
           <a:xfrm>
-            <a:off x="1584000" y="5763960"/>
-            <a:ext cx="8709120" cy="353160"/>
+            <a:off x="1584000" y="4287960"/>
+            <a:ext cx="8708760" cy="352800"/>
           </a:xfrm>
           <a:prstGeom prst="rect">
             <a:avLst/>
@@ -9907,7 +11542,7 @@
         <p:spPr>
           <a:xfrm>
             <a:off x="1523880" y="0"/>
-            <a:ext cx="9142920" cy="699120"/>
+            <a:ext cx="9142560" cy="699120"/>
           </a:xfrm>
           <a:prstGeom prst="rect">
             <a:avLst/>
@@ -10012,7 +11647,7 @@
         <p:spPr>
           <a:xfrm>
             <a:off x="1676520" y="2362320"/>
-            <a:ext cx="8835840" cy="1186920"/>
+            <a:ext cx="8835480" cy="1186920"/>
           </a:xfrm>
           <a:prstGeom prst="rect">
             <a:avLst/>
@@ -10063,7 +11698,7 @@
         <p:spPr>
           <a:xfrm>
             <a:off x="1676520" y="3531600"/>
-            <a:ext cx="8835840" cy="424800"/>
+            <a:ext cx="8835480" cy="424800"/>
           </a:xfrm>
           <a:prstGeom prst="rect">
             <a:avLst/>
@@ -10179,7 +11814,7 @@
         <p:spPr>
           <a:xfrm>
             <a:off x="1523880" y="0"/>
-            <a:ext cx="9140760" cy="699120"/>
+            <a:ext cx="9140400" cy="699120"/>
           </a:xfrm>
           <a:prstGeom prst="rect">
             <a:avLst/>
@@ -10234,7 +11869,7 @@
         <p:spPr>
           <a:xfrm>
             <a:off x="1600200" y="762120"/>
-            <a:ext cx="8988480" cy="699480"/>
+            <a:ext cx="8988120" cy="639000"/>
           </a:xfrm>
           <a:prstGeom prst="rect">
             <a:avLst/>
@@ -10255,22 +11890,38 @@
             <a:spAutoFit/>
           </a:bodyPr>
           <a:p>
-            <a:pPr algn="just">
-              <a:lnSpc>
-                <a:spcPct val="100000"/>
-              </a:lnSpc>
-            </a:pPr>
-            <a:r>
-              <a:rPr b="0" lang="en-US" sz="2000" spc="-1" strike="noStrike">
+            <a:pPr algn="just"/>
+            <a:r>
+              <a:rPr b="1" lang="en-US" sz="1800" spc="-1" strike="noStrike">
+                <a:solidFill>
+                  <a:srgbClr val="7c4dff"/>
+                </a:solidFill>
+                <a:latin typeface="Arial"/>
+                <a:ea typeface="DejaVu Sans"/>
+              </a:rPr>
+              <a:t>SELECT </a:t>
+            </a:r>
+            <a:r>
+              <a:rPr b="0" lang="en-US" sz="1800" spc="-1" strike="noStrike">
                 <a:solidFill>
                   <a:srgbClr val="000000"/>
                 </a:solidFill>
-                <a:latin typeface="Times New Roman"/>
-                <a:ea typeface="DejaVu Sans"/>
-              </a:rPr>
-              <a:t>Select the Redis logical database [from 0 - 15] having the specified zero-based numeric index. New connections always use the database 0.</a:t>
-            </a:r>
-            <a:endParaRPr b="0" lang="en-IN" sz="2000" spc="-1" strike="noStrike">
+                <a:latin typeface="Arial"/>
+                <a:ea typeface="DejaVu Sans"/>
+              </a:rPr>
+              <a:t>select</a:t>
+            </a:r>
+            <a:r>
+              <a:rPr b="0" lang="en-US" sz="1800" spc="-1" strike="noStrike">
+                <a:solidFill>
+                  <a:srgbClr val="000000"/>
+                </a:solidFill>
+                <a:latin typeface="Arial"/>
+                <a:ea typeface="DejaVu Sans"/>
+              </a:rPr>
+              <a:t> the Redis logical database [from 0 - 15] having the specified zero-based numeric index. New connections always use the database 0.</a:t>
+            </a:r>
+            <a:endParaRPr b="0" lang="en-IN" sz="1800" spc="-1" strike="noStrike">
               <a:latin typeface="Arial"/>
             </a:endParaRPr>
           </a:p>
@@ -10285,7 +11936,7 @@
         <p:spPr>
           <a:xfrm>
             <a:off x="152280" y="152280"/>
-            <a:ext cx="1103400" cy="455400"/>
+            <a:ext cx="1103040" cy="455400"/>
           </a:xfrm>
           <a:prstGeom prst="rect">
             <a:avLst/>
@@ -10336,7 +11987,7 @@
         <p:spPr>
           <a:xfrm>
             <a:off x="1601280" y="2221560"/>
-            <a:ext cx="8987400" cy="394560"/>
+            <a:ext cx="8987040" cy="394560"/>
           </a:xfrm>
           <a:prstGeom prst="rect">
             <a:avLst/>
@@ -10387,7 +12038,7 @@
         <p:spPr>
           <a:xfrm>
             <a:off x="1523880" y="2760480"/>
-            <a:ext cx="9417600" cy="2147040"/>
+            <a:ext cx="9417240" cy="1736280"/>
           </a:xfrm>
           <a:prstGeom prst="rect">
             <a:avLst/>
@@ -10408,7 +12059,7 @@
             <a:spAutoFit/>
           </a:bodyPr>
           <a:p>
-            <a:pPr marL="285840" indent="-282600">
+            <a:pPr marL="285840" indent="-282240">
               <a:lnSpc>
                 <a:spcPct val="150000"/>
               </a:lnSpc>
@@ -10449,11 +12100,11 @@
               <a:t>select 2</a:t>
             </a:r>
             <a:endParaRPr b="0" lang="en-IN" sz="1800" spc="-1" strike="noStrike">
-              <a:latin typeface="Arial"/>
-            </a:endParaRPr>
-          </a:p>
-          <a:p>
-            <a:pPr marL="285840" indent="-282600">
+              <a:latin typeface="Consolas"/>
+            </a:endParaRPr>
+          </a:p>
+          <a:p>
+            <a:pPr marL="285840" indent="-282240">
               <a:lnSpc>
                 <a:spcPct val="150000"/>
               </a:lnSpc>
@@ -10471,7 +12122,27 @@
                 <a:latin typeface="Consolas"/>
                 <a:ea typeface="SimSun"/>
               </a:rPr>
-              <a:t>127.0.0.1:6379[2]&gt;</a:t>
+              <a:t>127.0.0.1:6379</a:t>
+            </a:r>
+            <a:r>
+              <a:rPr b="1" lang="en-IN" sz="1800" spc="-1" strike="noStrike">
+                <a:solidFill>
+                  <a:srgbClr val="808080"/>
+                </a:solidFill>
+                <a:latin typeface="Consolas"/>
+                <a:ea typeface="SimSun"/>
+              </a:rPr>
+              <a:t>[2]</a:t>
+            </a:r>
+            <a:r>
+              <a:rPr b="0" lang="en-IN" sz="1800" spc="-1" strike="noStrike">
+                <a:solidFill>
+                  <a:srgbClr val="808080"/>
+                </a:solidFill>
+                <a:latin typeface="Consolas"/>
+                <a:ea typeface="SimSun"/>
+              </a:rPr>
+              <a:t>&gt;</a:t>
             </a:r>
             <a:r>
               <a:rPr b="0" lang="en-IN" sz="1800" spc="-1" strike="noStrike">
@@ -10494,7 +12165,7 @@
               <a:t>select 16  </a:t>
             </a:r>
             <a:r>
-              <a:rPr b="0" lang="en-IN" sz="1800" spc="-1" strike="noStrike">
+              <a:rPr b="0" lang="en-IN" sz="1600" spc="-1" strike="noStrike">
                 <a:solidFill>
                   <a:srgbClr val="bbe33d"/>
                 </a:solidFill>
@@ -10503,12 +12174,12 @@
               </a:rPr>
               <a:t>//(error) ERR DB index is out of range</a:t>
             </a:r>
-            <a:endParaRPr b="0" lang="en-IN" sz="1800" spc="-1" strike="noStrike">
-              <a:latin typeface="Arial"/>
-            </a:endParaRPr>
-          </a:p>
-          <a:p>
-            <a:pPr marL="285840" indent="-282600">
+            <a:endParaRPr b="0" lang="en-IN" sz="1600" spc="-1" strike="noStrike">
+              <a:latin typeface="Consolas"/>
+            </a:endParaRPr>
+          </a:p>
+          <a:p>
+            <a:pPr marL="285840" indent="-282240">
               <a:lnSpc>
                 <a:spcPct val="150000"/>
               </a:lnSpc>
@@ -10526,7 +12197,27 @@
                 <a:latin typeface="Consolas"/>
                 <a:ea typeface="SimSun"/>
               </a:rPr>
-              <a:t>127.0.0.1:6379[2]&gt;</a:t>
+              <a:t>127.0.0.1:6379</a:t>
+            </a:r>
+            <a:r>
+              <a:rPr b="1" lang="en-IN" sz="1800" spc="-1" strike="noStrike">
+                <a:solidFill>
+                  <a:srgbClr val="808080"/>
+                </a:solidFill>
+                <a:latin typeface="Consolas"/>
+                <a:ea typeface="SimSun"/>
+              </a:rPr>
+              <a:t>[2]</a:t>
+            </a:r>
+            <a:r>
+              <a:rPr b="0" lang="en-IN" sz="1800" spc="-1" strike="noStrike">
+                <a:solidFill>
+                  <a:srgbClr val="808080"/>
+                </a:solidFill>
+                <a:latin typeface="Consolas"/>
+                <a:ea typeface="SimSun"/>
+              </a:rPr>
+              <a:t>&gt;</a:t>
             </a:r>
             <a:r>
               <a:rPr b="0" lang="en-IN" sz="1800" spc="-1" strike="noStrike">
@@ -10549,11 +12240,11 @@
               <a:t>select 0</a:t>
             </a:r>
             <a:endParaRPr b="0" lang="en-IN" sz="1800" spc="-1" strike="noStrike">
-              <a:latin typeface="Arial"/>
-            </a:endParaRPr>
-          </a:p>
-          <a:p>
-            <a:pPr marL="285840" indent="-282600">
+              <a:latin typeface="Consolas"/>
+            </a:endParaRPr>
+          </a:p>
+          <a:p>
+            <a:pPr marL="285840" indent="-282240">
               <a:lnSpc>
                 <a:spcPct val="150000"/>
               </a:lnSpc>
@@ -10574,7 +12265,7 @@
               <a:t>127.0.0.1:6379&gt;</a:t>
             </a:r>
             <a:endParaRPr b="0" lang="en-IN" sz="1800" spc="-1" strike="noStrike">
-              <a:latin typeface="Arial"/>
+              <a:latin typeface="Consolas"/>
             </a:endParaRPr>
           </a:p>
         </p:txBody>
@@ -10588,7 +12279,7 @@
         <p:spPr>
           <a:xfrm>
             <a:off x="1584000" y="5033520"/>
-            <a:ext cx="8853120" cy="1013760"/>
+            <a:ext cx="8852760" cy="1013400"/>
           </a:xfrm>
           <a:prstGeom prst="rect">
             <a:avLst/>
@@ -10639,7 +12330,7 @@
             </a:endParaRPr>
           </a:p>
           <a:p>
-            <a:pPr marL="216000" indent="-213120">
+            <a:pPr marL="216000" indent="-212760">
               <a:lnSpc>
                 <a:spcPct val="100000"/>
               </a:lnSpc>
@@ -10765,7 +12456,7 @@
         <p:spPr>
           <a:xfrm>
             <a:off x="1676520" y="2362320"/>
-            <a:ext cx="8835840" cy="1186920"/>
+            <a:ext cx="8835480" cy="1186920"/>
           </a:xfrm>
           <a:prstGeom prst="rect">
             <a:avLst/>
@@ -10816,7 +12507,7 @@
         <p:spPr>
           <a:xfrm>
             <a:off x="1666800" y="609480"/>
-            <a:ext cx="8835840" cy="394560"/>
+            <a:ext cx="8835480" cy="394560"/>
           </a:xfrm>
           <a:prstGeom prst="rect">
             <a:avLst/>
@@ -10867,7 +12558,7 @@
         <p:spPr>
           <a:xfrm>
             <a:off x="1676520" y="3531600"/>
-            <a:ext cx="8835840" cy="759960"/>
+            <a:ext cx="8835480" cy="759960"/>
           </a:xfrm>
           <a:prstGeom prst="rect">
             <a:avLst/>
@@ -10948,7 +12639,7 @@
         <p:spPr>
           <a:xfrm>
             <a:off x="1676520" y="2362320"/>
-            <a:ext cx="8835840" cy="1186920"/>
+            <a:ext cx="8835480" cy="1186920"/>
           </a:xfrm>
           <a:prstGeom prst="rect">
             <a:avLst/>
@@ -10999,7 +12690,7 @@
         <p:spPr>
           <a:xfrm>
             <a:off x="1676520" y="3531600"/>
-            <a:ext cx="8835840" cy="424800"/>
+            <a:ext cx="8835480" cy="424800"/>
           </a:xfrm>
           <a:prstGeom prst="rect">
             <a:avLst/>
@@ -11115,7 +12806,7 @@
         <p:spPr>
           <a:xfrm>
             <a:off x="1523880" y="0"/>
-            <a:ext cx="9140760" cy="699120"/>
+            <a:ext cx="9140400" cy="699120"/>
           </a:xfrm>
           <a:prstGeom prst="rect">
             <a:avLst/>
@@ -11170,7 +12861,7 @@
         <p:spPr>
           <a:xfrm>
             <a:off x="1600200" y="762120"/>
-            <a:ext cx="8988480" cy="1004400"/>
+            <a:ext cx="8988120" cy="913320"/>
           </a:xfrm>
           <a:prstGeom prst="rect">
             <a:avLst/>
@@ -11191,22 +12882,28 @@
             <a:spAutoFit/>
           </a:bodyPr>
           <a:p>
-            <a:pPr algn="just">
-              <a:lnSpc>
-                <a:spcPct val="100000"/>
-              </a:lnSpc>
-            </a:pPr>
-            <a:r>
-              <a:rPr b="0" lang="en-IN" sz="2000" spc="-1" strike="noStrike">
+            <a:pPr algn="just"/>
+            <a:r>
+              <a:rPr b="1" lang="en-US" sz="1800" spc="-1" strike="noStrike">
+                <a:solidFill>
+                  <a:srgbClr val="7c4dff"/>
+                </a:solidFill>
+                <a:latin typeface="Arial"/>
+                <a:ea typeface="DejaVu Sans"/>
+              </a:rPr>
+              <a:t>SET</a:t>
+            </a:r>
+            <a:r>
+              <a:rPr b="0" lang="en-IN" sz="1800" spc="-1" strike="noStrike">
                 <a:solidFill>
                   <a:srgbClr val="000000"/>
                 </a:solidFill>
-                <a:latin typeface="Times New Roman"/>
-                <a:ea typeface="DejaVu Sans"/>
-              </a:rPr>
-              <a:t>Set key to hold the string value. If key already holds a value, it is overwritten, regardless of its type. Any previous time to live associated with the key is discarded on successful SET operation.</a:t>
-            </a:r>
-            <a:endParaRPr b="0" lang="en-IN" sz="2000" spc="-1" strike="noStrike">
+                <a:latin typeface="Arial"/>
+                <a:ea typeface="DejaVu Sans"/>
+              </a:rPr>
+              <a:t> key to hold the string value. If key already holds a value, it is overwritten, regardless of its type. Any previous time to live associated with the key is discarded on successful SET operation.</a:t>
+            </a:r>
+            <a:endParaRPr b="0" lang="en-IN" sz="1800" spc="-1" strike="noStrike">
               <a:latin typeface="Arial"/>
             </a:endParaRPr>
           </a:p>
@@ -11221,7 +12918,7 @@
         <p:spPr>
           <a:xfrm>
             <a:off x="1523880" y="4272480"/>
-            <a:ext cx="8886600" cy="2558520"/>
+            <a:ext cx="8886240" cy="2558520"/>
           </a:xfrm>
           <a:prstGeom prst="rect">
             <a:avLst/>
@@ -11242,7 +12939,7 @@
             <a:spAutoFit/>
           </a:bodyPr>
           <a:p>
-            <a:pPr marL="285840" indent="-282600">
+            <a:pPr marL="285840" indent="-282240">
               <a:lnSpc>
                 <a:spcPct val="150000"/>
               </a:lnSpc>
@@ -11287,7 +12984,7 @@
             </a:endParaRPr>
           </a:p>
           <a:p>
-            <a:pPr marL="285840" indent="-282600">
+            <a:pPr marL="285840" indent="-282240">
               <a:lnSpc>
                 <a:spcPct val="150000"/>
               </a:lnSpc>
@@ -11332,7 +13029,7 @@
             </a:endParaRPr>
           </a:p>
           <a:p>
-            <a:pPr marL="285840" indent="-282600">
+            <a:pPr marL="285840" indent="-282240">
               <a:lnSpc>
                 <a:spcPct val="150000"/>
               </a:lnSpc>
@@ -11377,7 +13074,7 @@
             </a:endParaRPr>
           </a:p>
           <a:p>
-            <a:pPr marL="285840" indent="-282600">
+            <a:pPr marL="285840" indent="-282240">
               <a:lnSpc>
                 <a:spcPct val="150000"/>
               </a:lnSpc>
@@ -11422,7 +13119,7 @@
             </a:endParaRPr>
           </a:p>
           <a:p>
-            <a:pPr marL="285840" indent="-282600">
+            <a:pPr marL="285840" indent="-282240">
               <a:lnSpc>
                 <a:spcPct val="150000"/>
               </a:lnSpc>
@@ -11450,14 +13147,14 @@
                 <a:latin typeface="Consolas"/>
                 <a:ea typeface="SimSun"/>
               </a:rPr>
-              <a:t>set username:1 "saleel" xx</a:t>
+              <a:t>set user:1 "saleel" xx</a:t>
             </a:r>
             <a:endParaRPr b="0" lang="en-IN" sz="1800" spc="-1" strike="noStrike">
               <a:latin typeface="Arial"/>
             </a:endParaRPr>
           </a:p>
           <a:p>
-            <a:pPr marL="285840" indent="-282600">
+            <a:pPr marL="285840" indent="-282240">
               <a:lnSpc>
                 <a:spcPct val="150000"/>
               </a:lnSpc>
@@ -12022,7 +13719,7 @@
         <p:spPr>
           <a:xfrm>
             <a:off x="1601280" y="2221560"/>
-            <a:ext cx="8987400" cy="394560"/>
+            <a:ext cx="8987040" cy="394560"/>
           </a:xfrm>
           <a:prstGeom prst="rect">
             <a:avLst/>
@@ -12103,7 +13800,7 @@
         <p:spPr>
           <a:xfrm>
             <a:off x="1676520" y="2362320"/>
-            <a:ext cx="8835840" cy="2284200"/>
+            <a:ext cx="8835480" cy="2284200"/>
           </a:xfrm>
           <a:prstGeom prst="rect">
             <a:avLst/>
@@ -12154,7 +13851,7 @@
         <p:spPr>
           <a:xfrm>
             <a:off x="1676520" y="4719600"/>
-            <a:ext cx="8835840" cy="424800"/>
+            <a:ext cx="8835480" cy="424800"/>
           </a:xfrm>
           <a:prstGeom prst="rect">
             <a:avLst/>

--- a/redis ver1.pptx
+++ b/redis ver1.pptx
@@ -33,6 +33,8 @@
     <p:sldId id="280" r:id="rId28"/>
     <p:sldId id="281" r:id="rId29"/>
     <p:sldId id="282" r:id="rId30"/>
+    <p:sldId id="283" r:id="rId31"/>
+    <p:sldId id="284" r:id="rId32"/>
   </p:sldIdLst>
   <p:sldSz cx="12192000" cy="6858000"/>
   <p:notesSz cx="7559675" cy="10691812"/>
@@ -2841,8 +2843,8 @@
         </p:nvSpPr>
         <p:spPr>
           <a:xfrm rot="5400000">
-            <a:off x="594000" y="6447240"/>
-            <a:ext cx="187200" cy="156960"/>
+            <a:off x="594360" y="6447240"/>
+            <a:ext cx="186840" cy="156600"/>
           </a:xfrm>
           <a:prstGeom prst="triangle">
             <a:avLst>
@@ -2883,7 +2885,7 @@
         <p:spPr>
           <a:xfrm>
             <a:off x="1206360" y="3648240"/>
-            <a:ext cx="9749880" cy="1276560"/>
+            <a:ext cx="9749520" cy="1276200"/>
           </a:xfrm>
           <a:prstGeom prst="rect">
             <a:avLst/>
@@ -2925,7 +2927,7 @@
         <p:spPr>
           <a:xfrm>
             <a:off x="1219320" y="5638680"/>
-            <a:ext cx="9749880" cy="682200"/>
+            <a:ext cx="9749520" cy="681840"/>
           </a:xfrm>
           <a:prstGeom prst="rect">
             <a:avLst/>
@@ -2967,7 +2969,7 @@
         <p:spPr>
           <a:xfrm>
             <a:off x="1206360" y="3648240"/>
-            <a:ext cx="301320" cy="1276560"/>
+            <a:ext cx="300960" cy="1276200"/>
           </a:xfrm>
           <a:prstGeom prst="rect">
             <a:avLst/>
@@ -3006,7 +3008,7 @@
         <p:spPr>
           <a:xfrm>
             <a:off x="1219320" y="5638680"/>
-            <a:ext cx="301320" cy="682200"/>
+            <a:ext cx="300960" cy="681840"/>
           </a:xfrm>
           <a:prstGeom prst="rect">
             <a:avLst/>
@@ -3362,8 +3364,8 @@
         </p:nvSpPr>
         <p:spPr>
           <a:xfrm rot="5400000">
-            <a:off x="594000" y="6447240"/>
-            <a:ext cx="187200" cy="156960"/>
+            <a:off x="594360" y="6447240"/>
+            <a:ext cx="186840" cy="156600"/>
           </a:xfrm>
           <a:prstGeom prst="triangle">
             <a:avLst>
@@ -3432,8 +3434,8 @@
         </p:nvSpPr>
         <p:spPr>
           <a:xfrm rot="5400000">
-            <a:off x="594000" y="6447240"/>
-            <a:ext cx="187200" cy="156960"/>
+            <a:off x="594360" y="6447240"/>
+            <a:ext cx="186840" cy="156600"/>
           </a:xfrm>
           <a:prstGeom prst="triangle">
             <a:avLst>
@@ -3727,7 +3729,7 @@
         <p:spPr>
           <a:xfrm>
             <a:off x="1975680" y="3733920"/>
-            <a:ext cx="8530920" cy="987120"/>
+            <a:ext cx="8530560" cy="986760"/>
           </a:xfrm>
           <a:prstGeom prst="rect">
             <a:avLst/>
@@ -3784,7 +3786,7 @@
         <p:spPr>
           <a:xfrm>
             <a:off x="181440" y="2001960"/>
-            <a:ext cx="2850840" cy="2850840"/>
+            <a:ext cx="2850480" cy="2850480"/>
           </a:xfrm>
           <a:prstGeom prst="rect">
             <a:avLst/>
@@ -3803,7 +3805,7 @@
         <p:spPr>
           <a:xfrm>
             <a:off x="4444920" y="5050800"/>
-            <a:ext cx="6061320" cy="584280"/>
+            <a:ext cx="6060960" cy="583920"/>
           </a:xfrm>
           <a:prstGeom prst="rect">
             <a:avLst/>
@@ -3866,7 +3868,7 @@
         <p:spPr>
           <a:xfrm>
             <a:off x="181440" y="196560"/>
-            <a:ext cx="2850840" cy="1064160"/>
+            <a:ext cx="2850480" cy="1063800"/>
           </a:xfrm>
           <a:prstGeom prst="rect">
             <a:avLst/>
@@ -3885,7 +3887,7 @@
         <p:spPr>
           <a:xfrm>
             <a:off x="3557880" y="93600"/>
-            <a:ext cx="8449200" cy="3045240"/>
+            <a:ext cx="8448840" cy="3045240"/>
           </a:xfrm>
           <a:prstGeom prst="rect">
             <a:avLst/>
@@ -3970,7 +3972,7 @@
         <p:spPr>
           <a:xfrm>
             <a:off x="181440" y="196920"/>
-            <a:ext cx="2852640" cy="1065960"/>
+            <a:ext cx="2852280" cy="1065600"/>
           </a:xfrm>
           <a:prstGeom prst="rect">
             <a:avLst/>
@@ -3993,7 +3995,7 @@
         <p:spPr>
           <a:xfrm>
             <a:off x="181440" y="2001960"/>
-            <a:ext cx="2853720" cy="2853720"/>
+            <a:ext cx="2853360" cy="2853360"/>
           </a:xfrm>
           <a:prstGeom prst="rect">
             <a:avLst/>
@@ -4077,7 +4079,7 @@
         <p:spPr>
           <a:xfrm>
             <a:off x="1523880" y="0"/>
-            <a:ext cx="9140400" cy="699480"/>
+            <a:ext cx="9140040" cy="699120"/>
           </a:xfrm>
           <a:prstGeom prst="rect">
             <a:avLst/>
@@ -4132,7 +4134,7 @@
         <p:spPr>
           <a:xfrm>
             <a:off x="1600200" y="762120"/>
-            <a:ext cx="8988120" cy="1583640"/>
+            <a:ext cx="8987760" cy="1735560"/>
           </a:xfrm>
           <a:prstGeom prst="rect">
             <a:avLst/>
@@ -4153,7 +4155,11 @@
             <a:spAutoFit/>
           </a:bodyPr>
           <a:p>
-            <a:pPr algn="just"/>
+            <a:pPr algn="just">
+              <a:lnSpc>
+                <a:spcPct val="100000"/>
+              </a:lnSpc>
+            </a:pPr>
             <a:r>
               <a:rPr b="1" lang="en-US" sz="1800" spc="-1" strike="noStrike">
                 <a:solidFill>
@@ -4179,13 +4185,21 @@
             </a:endParaRPr>
           </a:p>
           <a:p>
-            <a:pPr algn="just"/>
+            <a:pPr algn="just">
+              <a:lnSpc>
+                <a:spcPct val="100000"/>
+              </a:lnSpc>
+            </a:pPr>
             <a:endParaRPr b="0" lang="en-IN" sz="1800" spc="-1" strike="noStrike">
               <a:latin typeface="Arial"/>
             </a:endParaRPr>
           </a:p>
           <a:p>
-            <a:pPr algn="just"/>
+            <a:pPr algn="just">
+              <a:lnSpc>
+                <a:spcPct val="100000"/>
+              </a:lnSpc>
+            </a:pPr>
             <a:r>
               <a:rPr b="1" lang="en-US" sz="1800" spc="-1" strike="noStrike">
                 <a:solidFill>
@@ -4221,7 +4235,7 @@
         <p:spPr>
           <a:xfrm>
             <a:off x="152280" y="152280"/>
-            <a:ext cx="1103040" cy="455400"/>
+            <a:ext cx="1102680" cy="455400"/>
           </a:xfrm>
           <a:prstGeom prst="rect">
             <a:avLst/>
@@ -4272,7 +4286,7 @@
         <p:spPr>
           <a:xfrm>
             <a:off x="1601280" y="2823480"/>
-            <a:ext cx="8987040" cy="699840"/>
+            <a:ext cx="8986680" cy="699480"/>
           </a:xfrm>
           <a:prstGeom prst="rect">
             <a:avLst/>
@@ -4343,7 +4357,7 @@
         <p:spPr>
           <a:xfrm>
             <a:off x="1523880" y="3801960"/>
-            <a:ext cx="8886240" cy="2147400"/>
+            <a:ext cx="8885880" cy="2147040"/>
           </a:xfrm>
           <a:prstGeom prst="rect">
             <a:avLst/>
@@ -4364,7 +4378,7 @@
             <a:spAutoFit/>
           </a:bodyPr>
           <a:p>
-            <a:pPr marL="285840" indent="-282240">
+            <a:pPr marL="285840" indent="-281880">
               <a:lnSpc>
                 <a:spcPct val="150000"/>
               </a:lnSpc>
@@ -4409,7 +4423,7 @@
             </a:endParaRPr>
           </a:p>
           <a:p>
-            <a:pPr marL="285840" indent="-282240">
+            <a:pPr marL="285840" indent="-281880">
               <a:lnSpc>
                 <a:spcPct val="150000"/>
               </a:lnSpc>
@@ -4454,7 +4468,7 @@
             </a:endParaRPr>
           </a:p>
           <a:p>
-            <a:pPr marL="285840" indent="-282240">
+            <a:pPr marL="285840" indent="-281880">
               <a:lnSpc>
                 <a:spcPct val="150000"/>
               </a:lnSpc>
@@ -4499,7 +4513,7 @@
             </a:endParaRPr>
           </a:p>
           <a:p>
-            <a:pPr marL="285840" indent="-282240">
+            <a:pPr marL="285840" indent="-281880">
               <a:lnSpc>
                 <a:spcPct val="150000"/>
               </a:lnSpc>
@@ -4584,7 +4598,7 @@
         <p:spPr>
           <a:xfrm>
             <a:off x="1676520" y="2362320"/>
-            <a:ext cx="8835480" cy="2284200"/>
+            <a:ext cx="8835120" cy="2284200"/>
           </a:xfrm>
           <a:prstGeom prst="rect">
             <a:avLst/>
@@ -4635,7 +4649,7 @@
         <p:spPr>
           <a:xfrm>
             <a:off x="1676520" y="3531600"/>
-            <a:ext cx="8835480" cy="424800"/>
+            <a:ext cx="8835120" cy="424800"/>
           </a:xfrm>
           <a:prstGeom prst="rect">
             <a:avLst/>
@@ -4751,7 +4765,7 @@
         <p:spPr>
           <a:xfrm>
             <a:off x="1523880" y="0"/>
-            <a:ext cx="9140400" cy="699120"/>
+            <a:ext cx="9140040" cy="699120"/>
           </a:xfrm>
           <a:prstGeom prst="rect">
             <a:avLst/>
@@ -4806,7 +4820,7 @@
         <p:spPr>
           <a:xfrm>
             <a:off x="1600200" y="762120"/>
-            <a:ext cx="8988120" cy="1309320"/>
+            <a:ext cx="8987760" cy="1461240"/>
           </a:xfrm>
           <a:prstGeom prst="rect">
             <a:avLst/>
@@ -4827,7 +4841,11 @@
             <a:spAutoFit/>
           </a:bodyPr>
           <a:p>
-            <a:pPr algn="just"/>
+            <a:pPr algn="just">
+              <a:lnSpc>
+                <a:spcPct val="100000"/>
+              </a:lnSpc>
+            </a:pPr>
             <a:r>
               <a:rPr b="1" lang="en-US" sz="1800" spc="-1" strike="noStrike">
                 <a:solidFill>
@@ -4853,13 +4871,21 @@
             </a:endParaRPr>
           </a:p>
           <a:p>
-            <a:pPr algn="just"/>
+            <a:pPr algn="just">
+              <a:lnSpc>
+                <a:spcPct val="100000"/>
+              </a:lnSpc>
+            </a:pPr>
             <a:endParaRPr b="0" lang="en-IN" sz="1800" spc="-1" strike="noStrike">
               <a:latin typeface="Arial"/>
             </a:endParaRPr>
           </a:p>
           <a:p>
-            <a:pPr algn="just"/>
+            <a:pPr algn="just">
+              <a:lnSpc>
+                <a:spcPct val="100000"/>
+              </a:lnSpc>
+            </a:pPr>
             <a:r>
               <a:rPr b="1" lang="en-US" sz="1800" spc="-1" strike="noStrike">
                 <a:solidFill>
@@ -4895,7 +4921,7 @@
         <p:spPr>
           <a:xfrm>
             <a:off x="152280" y="152280"/>
-            <a:ext cx="1103040" cy="455400"/>
+            <a:ext cx="1102680" cy="455400"/>
           </a:xfrm>
           <a:prstGeom prst="rect">
             <a:avLst/>
@@ -4946,7 +4972,7 @@
         <p:spPr>
           <a:xfrm>
             <a:off x="1601280" y="2509560"/>
-            <a:ext cx="8987040" cy="699480"/>
+            <a:ext cx="8986680" cy="699480"/>
           </a:xfrm>
           <a:prstGeom prst="rect">
             <a:avLst/>
@@ -5017,7 +5043,7 @@
         <p:spPr>
           <a:xfrm>
             <a:off x="1523880" y="3480480"/>
-            <a:ext cx="8886240" cy="2558520"/>
+            <a:ext cx="8885880" cy="2558520"/>
           </a:xfrm>
           <a:prstGeom prst="rect">
             <a:avLst/>
@@ -5038,7 +5064,7 @@
             <a:spAutoFit/>
           </a:bodyPr>
           <a:p>
-            <a:pPr marL="285840" indent="-282240">
+            <a:pPr marL="285840" indent="-281880">
               <a:lnSpc>
                 <a:spcPct val="150000"/>
               </a:lnSpc>
@@ -5083,7 +5109,7 @@
             </a:endParaRPr>
           </a:p>
           <a:p>
-            <a:pPr marL="285840" indent="-282240">
+            <a:pPr marL="285840" indent="-281880">
               <a:lnSpc>
                 <a:spcPct val="150000"/>
               </a:lnSpc>
@@ -5128,7 +5154,7 @@
             </a:endParaRPr>
           </a:p>
           <a:p>
-            <a:pPr marL="285840" indent="-282240">
+            <a:pPr marL="285840" indent="-281880">
               <a:lnSpc>
                 <a:spcPct val="150000"/>
               </a:lnSpc>
@@ -5173,7 +5199,7 @@
             </a:endParaRPr>
           </a:p>
           <a:p>
-            <a:pPr marL="285840" indent="-282240">
+            <a:pPr marL="285840" indent="-281880">
               <a:lnSpc>
                 <a:spcPct val="150000"/>
               </a:lnSpc>
@@ -5218,7 +5244,7 @@
             </a:endParaRPr>
           </a:p>
           <a:p>
-            <a:pPr marL="285840" indent="-282240">
+            <a:pPr marL="285840" indent="-281880">
               <a:lnSpc>
                 <a:spcPct val="150000"/>
               </a:lnSpc>
@@ -5253,7 +5279,7 @@
             </a:endParaRPr>
           </a:p>
           <a:p>
-            <a:pPr marL="285840" indent="-282240">
+            <a:pPr marL="285840" indent="-281880">
               <a:lnSpc>
                 <a:spcPct val="150000"/>
               </a:lnSpc>
@@ -5328,7 +5354,7 @@
         <p:spPr>
           <a:xfrm>
             <a:off x="1676520" y="2362320"/>
-            <a:ext cx="8835480" cy="2284200"/>
+            <a:ext cx="8835120" cy="2284200"/>
           </a:xfrm>
           <a:prstGeom prst="rect">
             <a:avLst/>
@@ -5379,7 +5405,7 @@
         <p:spPr>
           <a:xfrm>
             <a:off x="1676520" y="4935600"/>
-            <a:ext cx="8835480" cy="424800"/>
+            <a:ext cx="8835120" cy="424800"/>
           </a:xfrm>
           <a:prstGeom prst="rect">
             <a:avLst/>
@@ -5495,7 +5521,7 @@
         <p:spPr>
           <a:xfrm>
             <a:off x="1523880" y="0"/>
-            <a:ext cx="9140400" cy="699840"/>
+            <a:ext cx="9140040" cy="699480"/>
           </a:xfrm>
           <a:prstGeom prst="rect">
             <a:avLst/>
@@ -5550,7 +5576,7 @@
         <p:spPr>
           <a:xfrm>
             <a:off x="1600200" y="762120"/>
-            <a:ext cx="8988120" cy="1995120"/>
+            <a:ext cx="8987760" cy="2284200"/>
           </a:xfrm>
           <a:prstGeom prst="rect">
             <a:avLst/>
@@ -5571,7 +5597,11 @@
             <a:spAutoFit/>
           </a:bodyPr>
           <a:p>
-            <a:pPr algn="just"/>
+            <a:pPr algn="just">
+              <a:lnSpc>
+                <a:spcPct val="100000"/>
+              </a:lnSpc>
+            </a:pPr>
             <a:r>
               <a:rPr b="1" lang="en-US" sz="1800" spc="-1" strike="noStrike">
                 <a:solidFill>
@@ -5584,6 +5614,9 @@
             </a:r>
             <a:r>
               <a:rPr b="0" lang="en-US" sz="1800" spc="-1" strike="noStrike">
+                <a:solidFill>
+                  <a:srgbClr val="000000"/>
+                </a:solidFill>
                 <a:latin typeface="Arial"/>
                 <a:ea typeface="DejaVu Sans"/>
               </a:rPr>
@@ -5594,13 +5627,21 @@
             </a:endParaRPr>
           </a:p>
           <a:p>
-            <a:pPr algn="just"/>
+            <a:pPr algn="just">
+              <a:lnSpc>
+                <a:spcPct val="100000"/>
+              </a:lnSpc>
+            </a:pPr>
             <a:endParaRPr b="0" lang="en-IN" sz="1800" spc="-1" strike="noStrike">
               <a:latin typeface="Arial"/>
             </a:endParaRPr>
           </a:p>
           <a:p>
-            <a:pPr algn="just"/>
+            <a:pPr algn="just">
+              <a:lnSpc>
+                <a:spcPct val="100000"/>
+              </a:lnSpc>
+            </a:pPr>
             <a:r>
               <a:rPr b="1" lang="en-US" sz="1800" spc="-1" strike="noStrike">
                 <a:solidFill>
@@ -5626,13 +5667,21 @@
             </a:endParaRPr>
           </a:p>
           <a:p>
-            <a:pPr algn="just"/>
+            <a:pPr algn="just">
+              <a:lnSpc>
+                <a:spcPct val="100000"/>
+              </a:lnSpc>
+            </a:pPr>
             <a:endParaRPr b="0" lang="en-IN" sz="1800" spc="-1" strike="noStrike">
               <a:latin typeface="Arial"/>
             </a:endParaRPr>
           </a:p>
           <a:p>
-            <a:pPr algn="just"/>
+            <a:pPr algn="just">
+              <a:lnSpc>
+                <a:spcPct val="100000"/>
+              </a:lnSpc>
+            </a:pPr>
             <a:r>
               <a:rPr b="1" lang="en-US" sz="1800" spc="-1" strike="noStrike">
                 <a:solidFill>
@@ -5668,7 +5717,7 @@
         <p:spPr>
           <a:xfrm>
             <a:off x="152280" y="152280"/>
-            <a:ext cx="1103040" cy="455400"/>
+            <a:ext cx="1102680" cy="455400"/>
           </a:xfrm>
           <a:prstGeom prst="rect">
             <a:avLst/>
@@ -5719,7 +5768,7 @@
         <p:spPr>
           <a:xfrm>
             <a:off x="1601280" y="2977560"/>
-            <a:ext cx="8987040" cy="1309320"/>
+            <a:ext cx="8986680" cy="1309320"/>
           </a:xfrm>
           <a:prstGeom prst="rect">
             <a:avLst/>
@@ -5830,7 +5879,7 @@
         <p:spPr>
           <a:xfrm>
             <a:off x="1523880" y="4344480"/>
-            <a:ext cx="8886240" cy="2147760"/>
+            <a:ext cx="8885880" cy="2147400"/>
           </a:xfrm>
           <a:prstGeom prst="rect">
             <a:avLst/>
@@ -5851,7 +5900,7 @@
             <a:spAutoFit/>
           </a:bodyPr>
           <a:p>
-            <a:pPr marL="285840" indent="-282240">
+            <a:pPr marL="285840" indent="-281880">
               <a:lnSpc>
                 <a:spcPct val="150000"/>
               </a:lnSpc>
@@ -5896,7 +5945,7 @@
             </a:endParaRPr>
           </a:p>
           <a:p>
-            <a:pPr marL="285840" indent="-282240">
+            <a:pPr marL="285840" indent="-281880">
               <a:lnSpc>
                 <a:spcPct val="150000"/>
               </a:lnSpc>
@@ -5941,7 +5990,7 @@
             </a:endParaRPr>
           </a:p>
           <a:p>
-            <a:pPr marL="285840" indent="-282240">
+            <a:pPr marL="285840" indent="-281880">
               <a:lnSpc>
                 <a:spcPct val="150000"/>
               </a:lnSpc>
@@ -5986,7 +6035,7 @@
             </a:endParaRPr>
           </a:p>
           <a:p>
-            <a:pPr marL="285840" indent="-282240">
+            <a:pPr marL="285840" indent="-281880">
               <a:lnSpc>
                 <a:spcPct val="150000"/>
               </a:lnSpc>
@@ -6031,7 +6080,7 @@
             </a:endParaRPr>
           </a:p>
           <a:p>
-            <a:pPr marL="285840" indent="-282240">
+            <a:pPr marL="285840" indent="-281880">
               <a:lnSpc>
                 <a:spcPct val="150000"/>
               </a:lnSpc>
@@ -6116,7 +6165,7 @@
         <p:spPr>
           <a:xfrm>
             <a:off x="1676520" y="2362320"/>
-            <a:ext cx="8835480" cy="1186920"/>
+            <a:ext cx="8835120" cy="1186920"/>
           </a:xfrm>
           <a:prstGeom prst="rect">
             <a:avLst/>
@@ -6167,7 +6216,7 @@
         <p:spPr>
           <a:xfrm>
             <a:off x="1676520" y="3531600"/>
-            <a:ext cx="8835480" cy="424800"/>
+            <a:ext cx="8835120" cy="424800"/>
           </a:xfrm>
           <a:prstGeom prst="rect">
             <a:avLst/>
@@ -6283,7 +6332,7 @@
         <p:spPr>
           <a:xfrm>
             <a:off x="1523880" y="0"/>
-            <a:ext cx="9140400" cy="699120"/>
+            <a:ext cx="9140040" cy="699120"/>
           </a:xfrm>
           <a:prstGeom prst="rect">
             <a:avLst/>
@@ -6338,7 +6387,7 @@
         <p:spPr>
           <a:xfrm>
             <a:off x="1600200" y="762120"/>
-            <a:ext cx="8988120" cy="760680"/>
+            <a:ext cx="8987760" cy="912600"/>
           </a:xfrm>
           <a:prstGeom prst="rect">
             <a:avLst/>
@@ -6359,7 +6408,11 @@
             <a:spAutoFit/>
           </a:bodyPr>
           <a:p>
-            <a:pPr algn="just"/>
+            <a:pPr algn="just">
+              <a:lnSpc>
+                <a:spcPct val="100000"/>
+              </a:lnSpc>
+            </a:pPr>
             <a:r>
               <a:rPr b="1" lang="en-US" sz="1800" spc="-1" strike="noStrike">
                 <a:solidFill>
@@ -6395,7 +6448,11 @@
             </a:endParaRPr>
           </a:p>
           <a:p>
-            <a:pPr algn="just"/>
+            <a:pPr algn="just">
+              <a:lnSpc>
+                <a:spcPct val="100000"/>
+              </a:lnSpc>
+            </a:pPr>
             <a:r>
               <a:rPr b="1" lang="en-US" sz="1800" spc="-1" strike="noStrike">
                 <a:solidFill>
@@ -6431,7 +6488,7 @@
         <p:spPr>
           <a:xfrm>
             <a:off x="1600200" y="2865600"/>
-            <a:ext cx="8886240" cy="1735560"/>
+            <a:ext cx="8885880" cy="1735560"/>
           </a:xfrm>
           <a:prstGeom prst="rect">
             <a:avLst/>
@@ -6452,7 +6509,7 @@
             <a:spAutoFit/>
           </a:bodyPr>
           <a:p>
-            <a:pPr marL="285840" indent="-282240">
+            <a:pPr marL="285840" indent="-281880">
               <a:lnSpc>
                 <a:spcPct val="150000"/>
               </a:lnSpc>
@@ -6497,7 +6554,7 @@
             </a:endParaRPr>
           </a:p>
           <a:p>
-            <a:pPr marL="285840" indent="-282240">
+            <a:pPr marL="285840" indent="-281880">
               <a:lnSpc>
                 <a:spcPct val="150000"/>
               </a:lnSpc>
@@ -6542,7 +6599,7 @@
             </a:endParaRPr>
           </a:p>
           <a:p>
-            <a:pPr marL="285840" indent="-282240">
+            <a:pPr marL="285840" indent="-281880">
               <a:lnSpc>
                 <a:spcPct val="150000"/>
               </a:lnSpc>
@@ -6587,7 +6644,7 @@
             </a:endParaRPr>
           </a:p>
           <a:p>
-            <a:pPr marL="285840" indent="-282240">
+            <a:pPr marL="285840" indent="-281880">
               <a:lnSpc>
                 <a:spcPct val="150000"/>
               </a:lnSpc>
@@ -6642,7 +6699,7 @@
         <p:spPr>
           <a:xfrm>
             <a:off x="152280" y="152280"/>
-            <a:ext cx="1103040" cy="455400"/>
+            <a:ext cx="1102680" cy="455400"/>
           </a:xfrm>
           <a:prstGeom prst="rect">
             <a:avLst/>
@@ -6693,7 +6750,7 @@
         <p:spPr>
           <a:xfrm>
             <a:off x="1601280" y="2221560"/>
-            <a:ext cx="8987040" cy="699480"/>
+            <a:ext cx="8986680" cy="699480"/>
           </a:xfrm>
           <a:prstGeom prst="rect">
             <a:avLst/>
@@ -6764,7 +6821,7 @@
         <p:spPr>
           <a:xfrm>
             <a:off x="1656000" y="4713480"/>
-            <a:ext cx="8996760" cy="1366920"/>
+            <a:ext cx="8996400" cy="1366560"/>
           </a:xfrm>
           <a:prstGeom prst="rect">
             <a:avLst/>
@@ -6785,7 +6842,7 @@
             <a:noAutofit/>
           </a:bodyPr>
           <a:p>
-            <a:pPr marL="216000" indent="-215640">
+            <a:pPr marL="216000" indent="-215280">
               <a:lnSpc>
                 <a:spcPct val="150000"/>
               </a:lnSpc>
@@ -6820,7 +6877,7 @@
             </a:endParaRPr>
           </a:p>
           <a:p>
-            <a:pPr marL="216000" indent="-215640">
+            <a:pPr marL="216000" indent="-215280">
               <a:lnSpc>
                 <a:spcPct val="150000"/>
               </a:lnSpc>
@@ -6855,7 +6912,7 @@
             </a:endParaRPr>
           </a:p>
           <a:p>
-            <a:pPr marL="216000" indent="-215640">
+            <a:pPr marL="216000" indent="-215280">
               <a:lnSpc>
                 <a:spcPct val="150000"/>
               </a:lnSpc>
@@ -6890,7 +6947,7 @@
             </a:endParaRPr>
           </a:p>
           <a:p>
-            <a:pPr marL="216000" indent="-215640">
+            <a:pPr marL="216000" indent="-215280">
               <a:lnSpc>
                 <a:spcPct val="150000"/>
               </a:lnSpc>
@@ -6925,7 +6982,7 @@
             </a:endParaRPr>
           </a:p>
           <a:p>
-            <a:pPr marL="216000" indent="-215640">
+            <a:pPr marL="216000" indent="-215280">
               <a:lnSpc>
                 <a:spcPct val="150000"/>
               </a:lnSpc>
@@ -7000,7 +7057,7 @@
         <p:spPr>
           <a:xfrm>
             <a:off x="1676520" y="2362320"/>
-            <a:ext cx="8835480" cy="1186920"/>
+            <a:ext cx="8835120" cy="1186920"/>
           </a:xfrm>
           <a:prstGeom prst="rect">
             <a:avLst/>
@@ -7051,7 +7108,7 @@
         <p:spPr>
           <a:xfrm>
             <a:off x="1676520" y="3531600"/>
-            <a:ext cx="8835480" cy="424800"/>
+            <a:ext cx="8835120" cy="424800"/>
           </a:xfrm>
           <a:prstGeom prst="rect">
             <a:avLst/>
@@ -7167,7 +7224,7 @@
         <p:spPr>
           <a:xfrm>
             <a:off x="1523880" y="0"/>
-            <a:ext cx="9140400" cy="699120"/>
+            <a:ext cx="9140040" cy="699120"/>
           </a:xfrm>
           <a:prstGeom prst="rect">
             <a:avLst/>
@@ -7222,7 +7279,7 @@
         <p:spPr>
           <a:xfrm>
             <a:off x="1600200" y="762120"/>
-            <a:ext cx="8988120" cy="669600"/>
+            <a:ext cx="8987760" cy="669240"/>
           </a:xfrm>
           <a:prstGeom prst="rect">
             <a:avLst/>
@@ -7243,7 +7300,11 @@
             <a:spAutoFit/>
           </a:bodyPr>
           <a:p>
-            <a:pPr algn="just"/>
+            <a:pPr algn="just">
+              <a:lnSpc>
+                <a:spcPct val="100000"/>
+              </a:lnSpc>
+            </a:pPr>
             <a:r>
               <a:rPr b="1" lang="en-US" sz="1800" spc="-1" strike="noStrike">
                 <a:solidFill>
@@ -7309,7 +7370,7 @@
         <p:spPr>
           <a:xfrm>
             <a:off x="1600200" y="3909600"/>
-            <a:ext cx="8886240" cy="1324080"/>
+            <a:ext cx="8885880" cy="1324080"/>
           </a:xfrm>
           <a:prstGeom prst="rect">
             <a:avLst/>
@@ -7330,7 +7391,7 @@
             <a:spAutoFit/>
           </a:bodyPr>
           <a:p>
-            <a:pPr marL="285840" indent="-282240">
+            <a:pPr marL="285840" indent="-281880">
               <a:lnSpc>
                 <a:spcPct val="150000"/>
               </a:lnSpc>
@@ -7375,7 +7436,7 @@
             </a:endParaRPr>
           </a:p>
           <a:p>
-            <a:pPr marL="285840" indent="-282240">
+            <a:pPr marL="285840" indent="-281880">
               <a:lnSpc>
                 <a:spcPct val="150000"/>
               </a:lnSpc>
@@ -7420,7 +7481,7 @@
             </a:endParaRPr>
           </a:p>
           <a:p>
-            <a:pPr marL="285840" indent="-282240">
+            <a:pPr marL="285840" indent="-281880">
               <a:lnSpc>
                 <a:spcPct val="150000"/>
               </a:lnSpc>
@@ -7475,7 +7536,7 @@
         <p:spPr>
           <a:xfrm>
             <a:off x="152280" y="152280"/>
-            <a:ext cx="1103040" cy="455400"/>
+            <a:ext cx="1102680" cy="455400"/>
           </a:xfrm>
           <a:prstGeom prst="rect">
             <a:avLst/>
@@ -7526,7 +7587,7 @@
         <p:spPr>
           <a:xfrm>
             <a:off x="1601280" y="2221560"/>
-            <a:ext cx="8987040" cy="699480"/>
+            <a:ext cx="8986680" cy="699480"/>
           </a:xfrm>
           <a:prstGeom prst="rect">
             <a:avLst/>
@@ -7597,7 +7658,7 @@
         <p:spPr>
           <a:xfrm>
             <a:off x="1584000" y="5246640"/>
-            <a:ext cx="8852760" cy="1013400"/>
+            <a:ext cx="8852400" cy="1013040"/>
           </a:xfrm>
           <a:prstGeom prst="rect">
             <a:avLst/>
@@ -7648,7 +7709,7 @@
             </a:endParaRPr>
           </a:p>
           <a:p>
-            <a:pPr marL="216000" indent="-212760">
+            <a:pPr marL="216000" indent="-212400">
               <a:lnSpc>
                 <a:spcPct val="100000"/>
               </a:lnSpc>
@@ -7674,7 +7735,7 @@
             </a:endParaRPr>
           </a:p>
           <a:p>
-            <a:pPr marL="216000" indent="-212760">
+            <a:pPr marL="216000" indent="-212400">
               <a:lnSpc>
                 <a:spcPct val="100000"/>
               </a:lnSpc>
@@ -7710,7 +7771,7 @@
         <p:spPr>
           <a:xfrm>
             <a:off x="1576080" y="3161880"/>
-            <a:ext cx="9580680" cy="650880"/>
+            <a:ext cx="9580320" cy="650520"/>
           </a:xfrm>
           <a:prstGeom prst="rect">
             <a:avLst/>
@@ -7821,7 +7882,7 @@
         <p:spPr>
           <a:xfrm>
             <a:off x="1676520" y="2362320"/>
-            <a:ext cx="8835480" cy="2284200"/>
+            <a:ext cx="8835120" cy="2284200"/>
           </a:xfrm>
           <a:prstGeom prst="rect">
             <a:avLst/>
@@ -7872,7 +7933,7 @@
         <p:spPr>
           <a:xfrm>
             <a:off x="1676520" y="3531600"/>
-            <a:ext cx="8835480" cy="424800"/>
+            <a:ext cx="8835120" cy="424800"/>
           </a:xfrm>
           <a:prstGeom prst="rect">
             <a:avLst/>
@@ -7953,7 +8014,7 @@
         <p:spPr>
           <a:xfrm>
             <a:off x="1676520" y="2362320"/>
-            <a:ext cx="8835480" cy="1186920"/>
+            <a:ext cx="8835120" cy="1186920"/>
           </a:xfrm>
           <a:prstGeom prst="rect">
             <a:avLst/>
@@ -8004,7 +8065,7 @@
         <p:spPr>
           <a:xfrm>
             <a:off x="522360" y="3531600"/>
-            <a:ext cx="11247840" cy="1765440"/>
+            <a:ext cx="11247480" cy="1765440"/>
           </a:xfrm>
           <a:prstGeom prst="rect">
             <a:avLst/>
@@ -8055,7 +8116,7 @@
         <p:spPr>
           <a:xfrm>
             <a:off x="1666800" y="609480"/>
-            <a:ext cx="8835480" cy="394560"/>
+            <a:ext cx="8835120" cy="394560"/>
           </a:xfrm>
           <a:prstGeom prst="rect">
             <a:avLst/>
@@ -8171,7 +8232,7 @@
         <p:spPr>
           <a:xfrm>
             <a:off x="1523880" y="0"/>
-            <a:ext cx="9140400" cy="699120"/>
+            <a:ext cx="9140040" cy="699120"/>
           </a:xfrm>
           <a:prstGeom prst="rect">
             <a:avLst/>
@@ -8226,7 +8287,7 @@
         <p:spPr>
           <a:xfrm>
             <a:off x="1600200" y="762120"/>
-            <a:ext cx="8988120" cy="1583640"/>
+            <a:ext cx="8987760" cy="1735560"/>
           </a:xfrm>
           <a:prstGeom prst="rect">
             <a:avLst/>
@@ -8247,7 +8308,11 @@
             <a:spAutoFit/>
           </a:bodyPr>
           <a:p>
-            <a:pPr algn="just"/>
+            <a:pPr algn="just">
+              <a:lnSpc>
+                <a:spcPct val="100000"/>
+              </a:lnSpc>
+            </a:pPr>
             <a:r>
               <a:rPr b="1" lang="en-US" sz="1800" spc="-1" strike="noStrike">
                 <a:solidFill>
@@ -8273,13 +8338,21 @@
             </a:endParaRPr>
           </a:p>
           <a:p>
-            <a:pPr algn="just"/>
+            <a:pPr algn="just">
+              <a:lnSpc>
+                <a:spcPct val="100000"/>
+              </a:lnSpc>
+            </a:pPr>
             <a:endParaRPr b="0" lang="en-IN" sz="1800" spc="-1" strike="noStrike">
               <a:latin typeface="Arial"/>
             </a:endParaRPr>
           </a:p>
           <a:p>
-            <a:pPr algn="just"/>
+            <a:pPr algn="just">
+              <a:lnSpc>
+                <a:spcPct val="100000"/>
+              </a:lnSpc>
+            </a:pPr>
             <a:r>
               <a:rPr b="1" lang="en-US" sz="1800" spc="-1" strike="noStrike">
                 <a:solidFill>
@@ -8315,7 +8388,7 @@
         <p:spPr>
           <a:xfrm>
             <a:off x="1600200" y="3585600"/>
-            <a:ext cx="8886240" cy="2558520"/>
+            <a:ext cx="8885880" cy="2558520"/>
           </a:xfrm>
           <a:prstGeom prst="rect">
             <a:avLst/>
@@ -8356,7 +8429,7 @@
             </a:endParaRPr>
           </a:p>
           <a:p>
-            <a:pPr marL="285840" indent="-282240">
+            <a:pPr marL="285840" indent="-281880">
               <a:lnSpc>
                 <a:spcPct val="150000"/>
               </a:lnSpc>
@@ -8401,7 +8474,7 @@
             </a:endParaRPr>
           </a:p>
           <a:p>
-            <a:pPr marL="285840" indent="-282240">
+            <a:pPr marL="285840" indent="-281880">
               <a:lnSpc>
                 <a:spcPct val="150000"/>
               </a:lnSpc>
@@ -8466,7 +8539,7 @@
             </a:endParaRPr>
           </a:p>
           <a:p>
-            <a:pPr marL="285840" indent="-282240">
+            <a:pPr marL="285840" indent="-281880">
               <a:lnSpc>
                 <a:spcPct val="150000"/>
               </a:lnSpc>
@@ -8511,7 +8584,7 @@
             </a:endParaRPr>
           </a:p>
           <a:p>
-            <a:pPr marL="285840" indent="-282240">
+            <a:pPr marL="285840" indent="-281880">
               <a:lnSpc>
                 <a:spcPct val="150000"/>
               </a:lnSpc>
@@ -8566,7 +8639,7 @@
         <p:spPr>
           <a:xfrm>
             <a:off x="152280" y="152280"/>
-            <a:ext cx="1103040" cy="455400"/>
+            <a:ext cx="1102680" cy="455400"/>
           </a:xfrm>
           <a:prstGeom prst="rect">
             <a:avLst/>
@@ -8617,7 +8690,7 @@
         <p:spPr>
           <a:xfrm>
             <a:off x="1601280" y="2761560"/>
-            <a:ext cx="8987040" cy="699480"/>
+            <a:ext cx="8986680" cy="699480"/>
           </a:xfrm>
           <a:prstGeom prst="rect">
             <a:avLst/>
@@ -8718,7 +8791,7 @@
         <p:spPr>
           <a:xfrm>
             <a:off x="1676520" y="2362320"/>
-            <a:ext cx="8835480" cy="2284200"/>
+            <a:ext cx="8835120" cy="2284200"/>
           </a:xfrm>
           <a:prstGeom prst="rect">
             <a:avLst/>
@@ -8769,7 +8842,7 @@
         <p:spPr>
           <a:xfrm>
             <a:off x="1676520" y="5331600"/>
-            <a:ext cx="8835480" cy="424800"/>
+            <a:ext cx="8835120" cy="424800"/>
           </a:xfrm>
           <a:prstGeom prst="rect">
             <a:avLst/>
@@ -8850,7 +8923,7 @@
         <p:spPr>
           <a:xfrm>
             <a:off x="1523880" y="0"/>
-            <a:ext cx="9140400" cy="699120"/>
+            <a:ext cx="9140040" cy="699120"/>
           </a:xfrm>
           <a:prstGeom prst="rect">
             <a:avLst/>
@@ -8905,7 +8978,7 @@
         <p:spPr>
           <a:xfrm>
             <a:off x="1600200" y="762120"/>
-            <a:ext cx="8988120" cy="1979640"/>
+            <a:ext cx="8987760" cy="2284200"/>
           </a:xfrm>
           <a:prstGeom prst="rect">
             <a:avLst/>
@@ -8966,7 +9039,11 @@
             </a:endParaRPr>
           </a:p>
           <a:p>
-            <a:pPr algn="just"/>
+            <a:pPr algn="just">
+              <a:lnSpc>
+                <a:spcPct val="100000"/>
+              </a:lnSpc>
+            </a:pPr>
             <a:r>
               <a:rPr b="1" lang="en-US" sz="1800" spc="-1" strike="noStrike">
                 <a:solidFill>
@@ -8992,13 +9069,21 @@
             </a:endParaRPr>
           </a:p>
           <a:p>
-            <a:pPr algn="just"/>
+            <a:pPr algn="just">
+              <a:lnSpc>
+                <a:spcPct val="100000"/>
+              </a:lnSpc>
+            </a:pPr>
             <a:endParaRPr b="0" lang="en-IN" sz="1800" spc="-1" strike="noStrike">
               <a:latin typeface="Arial"/>
             </a:endParaRPr>
           </a:p>
           <a:p>
-            <a:pPr algn="just"/>
+            <a:pPr algn="just">
+              <a:lnSpc>
+                <a:spcPct val="100000"/>
+              </a:lnSpc>
+            </a:pPr>
             <a:r>
               <a:rPr b="1" lang="en-US" sz="1800" spc="-1" strike="noStrike">
                 <a:solidFill>
@@ -9034,7 +9119,7 @@
         <p:spPr>
           <a:xfrm>
             <a:off x="152280" y="152280"/>
-            <a:ext cx="1103040" cy="455760"/>
+            <a:ext cx="1102680" cy="455400"/>
           </a:xfrm>
           <a:prstGeom prst="rect">
             <a:avLst/>
@@ -9085,7 +9170,7 @@
         <p:spPr>
           <a:xfrm>
             <a:off x="1601280" y="3157560"/>
-            <a:ext cx="8987040" cy="1004400"/>
+            <a:ext cx="8986680" cy="1004400"/>
           </a:xfrm>
           <a:prstGeom prst="rect">
             <a:avLst/>
@@ -9176,7 +9261,7 @@
         <p:spPr>
           <a:xfrm>
             <a:off x="864000" y="4197600"/>
-            <a:ext cx="11016000" cy="1324800"/>
+            <a:ext cx="11015640" cy="1324440"/>
           </a:xfrm>
           <a:prstGeom prst="rect">
             <a:avLst/>
@@ -9197,7 +9282,7 @@
             <a:spAutoFit/>
           </a:bodyPr>
           <a:p>
-            <a:pPr marL="285840" indent="-282240">
+            <a:pPr marL="285840" indent="-281880">
               <a:lnSpc>
                 <a:spcPct val="150000"/>
               </a:lnSpc>
@@ -9238,11 +9323,11 @@
               <a:t>mset server:2 linux user:2 administrator password:2 admin</a:t>
             </a:r>
             <a:endParaRPr b="0" lang="en-IN" sz="1800" spc="-1" strike="noStrike">
-              <a:latin typeface="Consolas"/>
-            </a:endParaRPr>
-          </a:p>
-          <a:p>
-            <a:pPr marL="285840" indent="-282240">
+              <a:latin typeface="Arial"/>
+            </a:endParaRPr>
+          </a:p>
+          <a:p>
+            <a:pPr marL="285840" indent="-281880">
               <a:lnSpc>
                 <a:spcPct val="150000"/>
               </a:lnSpc>
@@ -9283,11 +9368,11 @@
               <a:t>msetnx server:3 windows2020 host:1 admin</a:t>
             </a:r>
             <a:endParaRPr b="0" lang="en-IN" sz="1800" spc="-1" strike="noStrike">
-              <a:latin typeface="Consolas"/>
-            </a:endParaRPr>
-          </a:p>
-          <a:p>
-            <a:pPr marL="285840" indent="-282240">
+              <a:latin typeface="Arial"/>
+            </a:endParaRPr>
+          </a:p>
+          <a:p>
+            <a:pPr marL="285840" indent="-281880">
               <a:lnSpc>
                 <a:spcPct val="150000"/>
               </a:lnSpc>
@@ -9328,7 +9413,7 @@
               <a:t>mget user:1 password:1 user:2 password:2 user:3 password:3</a:t>
             </a:r>
             <a:endParaRPr b="0" lang="en-IN" sz="1800" spc="-1" strike="noStrike">
-              <a:latin typeface="Consolas"/>
+              <a:latin typeface="Arial"/>
             </a:endParaRPr>
           </a:p>
         </p:txBody>
@@ -9377,7 +9462,7 @@
         <p:spPr>
           <a:xfrm>
             <a:off x="1584000" y="5610240"/>
-            <a:ext cx="8852760" cy="1013400"/>
+            <a:ext cx="8852400" cy="1013040"/>
           </a:xfrm>
           <a:prstGeom prst="rect">
             <a:avLst/>
@@ -9428,7 +9513,7 @@
             </a:endParaRPr>
           </a:p>
           <a:p>
-            <a:pPr marL="285840" indent="-285120">
+            <a:pPr marL="285840" indent="-284760">
               <a:lnSpc>
                 <a:spcPct val="100000"/>
               </a:lnSpc>
@@ -9453,7 +9538,7 @@
             </a:endParaRPr>
           </a:p>
           <a:p>
-            <a:pPr marL="285840" indent="-285120">
+            <a:pPr marL="285840" indent="-284760">
               <a:lnSpc>
                 <a:spcPct val="100000"/>
               </a:lnSpc>
@@ -9518,7 +9603,7 @@
         <p:spPr>
           <a:xfrm>
             <a:off x="1676520" y="2362320"/>
-            <a:ext cx="8835480" cy="2284200"/>
+            <a:ext cx="8835120" cy="2284200"/>
           </a:xfrm>
           <a:prstGeom prst="rect">
             <a:avLst/>
@@ -9569,7 +9654,7 @@
         <p:spPr>
           <a:xfrm>
             <a:off x="1676520" y="5331600"/>
-            <a:ext cx="8835480" cy="424800"/>
+            <a:ext cx="8835120" cy="424800"/>
           </a:xfrm>
           <a:prstGeom prst="rect">
             <a:avLst/>
@@ -9650,7 +9735,7 @@
         <p:spPr>
           <a:xfrm>
             <a:off x="1523880" y="0"/>
-            <a:ext cx="9140400" cy="699120"/>
+            <a:ext cx="9140040" cy="699120"/>
           </a:xfrm>
           <a:prstGeom prst="rect">
             <a:avLst/>
@@ -9705,7 +9790,7 @@
         <p:spPr>
           <a:xfrm>
             <a:off x="1600200" y="762120"/>
-            <a:ext cx="8988120" cy="2253960"/>
+            <a:ext cx="8987760" cy="2558520"/>
           </a:xfrm>
           <a:prstGeom prst="rect">
             <a:avLst/>
@@ -9726,7 +9811,11 @@
             <a:spAutoFit/>
           </a:bodyPr>
           <a:p>
-            <a:pPr algn="just"/>
+            <a:pPr algn="just">
+              <a:lnSpc>
+                <a:spcPct val="100000"/>
+              </a:lnSpc>
+            </a:pPr>
             <a:r>
               <a:rPr b="1" lang="en-US" sz="1800" spc="-1" strike="noStrike">
                 <a:solidFill>
@@ -9739,6 +9828,9 @@
             </a:r>
             <a:r>
               <a:rPr b="0" lang="en-US" sz="1800" spc="-1" strike="noStrike">
+                <a:solidFill>
+                  <a:srgbClr val="000000"/>
+                </a:solidFill>
                 <a:latin typeface="Arial"/>
                 <a:ea typeface="DejaVu Sans"/>
               </a:rPr>
@@ -9759,7 +9851,11 @@
             </a:endParaRPr>
           </a:p>
           <a:p>
-            <a:pPr algn="just"/>
+            <a:pPr algn="just">
+              <a:lnSpc>
+                <a:spcPct val="100000"/>
+              </a:lnSpc>
+            </a:pPr>
             <a:r>
               <a:rPr b="1" lang="en-US" sz="1800" spc="-1" strike="noStrike">
                 <a:solidFill>
@@ -9772,6 +9868,9 @@
             </a:r>
             <a:r>
               <a:rPr b="0" lang="en-US" sz="1800" spc="-1" strike="noStrike">
+                <a:solidFill>
+                  <a:srgbClr val="000000"/>
+                </a:solidFill>
                 <a:latin typeface="Arial"/>
                 <a:ea typeface="DejaVu Sans"/>
               </a:rPr>
@@ -9782,13 +9881,21 @@
             </a:endParaRPr>
           </a:p>
           <a:p>
-            <a:pPr algn="just"/>
+            <a:pPr algn="just">
+              <a:lnSpc>
+                <a:spcPct val="100000"/>
+              </a:lnSpc>
+            </a:pPr>
             <a:endParaRPr b="0" lang="en-IN" sz="1800" spc="-1" strike="noStrike">
               <a:latin typeface="Arial"/>
             </a:endParaRPr>
           </a:p>
           <a:p>
-            <a:pPr algn="just"/>
+            <a:pPr algn="just">
+              <a:lnSpc>
+                <a:spcPct val="100000"/>
+              </a:lnSpc>
+            </a:pPr>
             <a:r>
               <a:rPr b="1" lang="en-US" sz="1800" spc="-1" strike="noStrike">
                 <a:solidFill>
@@ -9801,6 +9908,9 @@
             </a:r>
             <a:r>
               <a:rPr b="0" lang="en-US" sz="1800" spc="-1" strike="noStrike">
+                <a:solidFill>
+                  <a:srgbClr val="000000"/>
+                </a:solidFill>
                 <a:latin typeface="Arial"/>
                 <a:ea typeface="DejaVu Sans"/>
               </a:rPr>
@@ -9821,7 +9931,7 @@
         <p:spPr>
           <a:xfrm>
             <a:off x="152280" y="152280"/>
-            <a:ext cx="1103040" cy="455760"/>
+            <a:ext cx="1102680" cy="455400"/>
           </a:xfrm>
           <a:prstGeom prst="rect">
             <a:avLst/>
@@ -9872,7 +9982,7 @@
         <p:spPr>
           <a:xfrm>
             <a:off x="1601280" y="3553560"/>
-            <a:ext cx="8987040" cy="1004400"/>
+            <a:ext cx="8986680" cy="1004400"/>
           </a:xfrm>
           <a:prstGeom prst="rect">
             <a:avLst/>
@@ -9963,7 +10073,7 @@
         <p:spPr>
           <a:xfrm>
             <a:off x="1600200" y="4593600"/>
-            <a:ext cx="8886240" cy="913320"/>
+            <a:ext cx="8885880" cy="912960"/>
           </a:xfrm>
           <a:prstGeom prst="rect">
             <a:avLst/>
@@ -9984,7 +10094,7 @@
             <a:spAutoFit/>
           </a:bodyPr>
           <a:p>
-            <a:pPr marL="285840" indent="-282240">
+            <a:pPr marL="285840" indent="-281880">
               <a:lnSpc>
                 <a:spcPct val="150000"/>
               </a:lnSpc>
@@ -10025,11 +10135,11 @@
               <a:t>incr cnt</a:t>
             </a:r>
             <a:endParaRPr b="0" lang="en-IN" sz="1800" spc="-1" strike="noStrike">
-              <a:latin typeface="Consolas"/>
-            </a:endParaRPr>
-          </a:p>
-          <a:p>
-            <a:pPr marL="285840" indent="-282240">
+              <a:latin typeface="Arial"/>
+            </a:endParaRPr>
+          </a:p>
+          <a:p>
+            <a:pPr marL="285840" indent="-281880">
               <a:lnSpc>
                 <a:spcPct val="150000"/>
               </a:lnSpc>
@@ -10070,7 +10180,7 @@
               <a:t>incrny cnt 2</a:t>
             </a:r>
             <a:endParaRPr b="0" lang="en-IN" sz="1800" spc="-1" strike="noStrike">
-              <a:latin typeface="Consolas"/>
+              <a:latin typeface="Arial"/>
             </a:endParaRPr>
           </a:p>
         </p:txBody>
@@ -10119,7 +10229,7 @@
         <p:spPr>
           <a:xfrm>
             <a:off x="1584000" y="5790240"/>
-            <a:ext cx="8852760" cy="77760"/>
+            <a:ext cx="8852400" cy="77400"/>
           </a:xfrm>
           <a:prstGeom prst="rect">
             <a:avLst/>
@@ -10170,7 +10280,7 @@
             </a:endParaRPr>
           </a:p>
           <a:p>
-            <a:pPr marL="285840" indent="-285120">
+            <a:pPr marL="285840" indent="-284760">
               <a:lnSpc>
                 <a:spcPct val="100000"/>
               </a:lnSpc>
@@ -10235,7 +10345,7 @@
         <p:spPr>
           <a:xfrm>
             <a:off x="1676520" y="2362320"/>
-            <a:ext cx="8835480" cy="1187640"/>
+            <a:ext cx="8835120" cy="1187280"/>
           </a:xfrm>
           <a:prstGeom prst="rect">
             <a:avLst/>
@@ -10286,7 +10396,7 @@
         <p:spPr>
           <a:xfrm>
             <a:off x="1676520" y="5331600"/>
-            <a:ext cx="8835480" cy="424800"/>
+            <a:ext cx="8835120" cy="424800"/>
           </a:xfrm>
           <a:prstGeom prst="rect">
             <a:avLst/>
@@ -10367,7 +10477,7 @@
         <p:spPr>
           <a:xfrm>
             <a:off x="1523880" y="0"/>
-            <a:ext cx="9140400" cy="699120"/>
+            <a:ext cx="9140040" cy="699120"/>
           </a:xfrm>
           <a:prstGeom prst="rect">
             <a:avLst/>
@@ -10422,7 +10532,7 @@
         <p:spPr>
           <a:xfrm>
             <a:off x="1600200" y="762120"/>
-            <a:ext cx="8988120" cy="1309320"/>
+            <a:ext cx="8987760" cy="1461240"/>
           </a:xfrm>
           <a:prstGeom prst="rect">
             <a:avLst/>
@@ -10443,7 +10553,11 @@
             <a:spAutoFit/>
           </a:bodyPr>
           <a:p>
-            <a:pPr algn="just"/>
+            <a:pPr algn="just">
+              <a:lnSpc>
+                <a:spcPct val="100000"/>
+              </a:lnSpc>
+            </a:pPr>
             <a:r>
               <a:rPr b="1" lang="en-US" sz="1800" spc="-1" strike="noStrike">
                 <a:solidFill>
@@ -10456,6 +10570,9 @@
             </a:r>
             <a:r>
               <a:rPr b="0" lang="en-US" sz="1800" spc="-1" strike="noStrike">
+                <a:solidFill>
+                  <a:srgbClr val="000000"/>
+                </a:solidFill>
                 <a:latin typeface="Arial"/>
                 <a:ea typeface="DejaVu Sans"/>
               </a:rPr>
@@ -10476,7 +10593,11 @@
             </a:endParaRPr>
           </a:p>
           <a:p>
-            <a:pPr algn="just"/>
+            <a:pPr algn="just">
+              <a:lnSpc>
+                <a:spcPct val="100000"/>
+              </a:lnSpc>
+            </a:pPr>
             <a:r>
               <a:rPr b="1" lang="en-US" sz="1800" spc="-1" strike="noStrike">
                 <a:solidFill>
@@ -10489,6 +10610,9 @@
             </a:r>
             <a:r>
               <a:rPr b="0" lang="en-US" sz="1800" spc="-1" strike="noStrike">
+                <a:solidFill>
+                  <a:srgbClr val="000000"/>
+                </a:solidFill>
                 <a:latin typeface="Arial"/>
                 <a:ea typeface="DejaVu Sans"/>
               </a:rPr>
@@ -10509,7 +10633,7 @@
         <p:spPr>
           <a:xfrm>
             <a:off x="152280" y="152280"/>
-            <a:ext cx="1103040" cy="455760"/>
+            <a:ext cx="1102680" cy="455400"/>
           </a:xfrm>
           <a:prstGeom prst="rect">
             <a:avLst/>
@@ -10560,7 +10684,7 @@
         <p:spPr>
           <a:xfrm>
             <a:off x="1601280" y="2689560"/>
-            <a:ext cx="8987040" cy="700200"/>
+            <a:ext cx="8986680" cy="699840"/>
           </a:xfrm>
           <a:prstGeom prst="rect">
             <a:avLst/>
@@ -10631,7 +10755,7 @@
         <p:spPr>
           <a:xfrm>
             <a:off x="1600200" y="3621600"/>
-            <a:ext cx="8886240" cy="913320"/>
+            <a:ext cx="8885880" cy="912960"/>
           </a:xfrm>
           <a:prstGeom prst="rect">
             <a:avLst/>
@@ -10652,7 +10776,7 @@
             <a:spAutoFit/>
           </a:bodyPr>
           <a:p>
-            <a:pPr marL="285840" indent="-282240">
+            <a:pPr marL="285840" indent="-281880">
               <a:lnSpc>
                 <a:spcPct val="150000"/>
               </a:lnSpc>
@@ -10690,24 +10814,14 @@
                 <a:latin typeface="Consolas"/>
                 <a:ea typeface="SimSun"/>
               </a:rPr>
-              <a:t>decr</a:t>
-            </a:r>
-            <a:r>
-              <a:rPr b="0" lang="en-IN" sz="1800" spc="-1" strike="noStrike">
-                <a:solidFill>
-                  <a:srgbClr val="ff5733"/>
-                </a:solidFill>
-                <a:latin typeface="Consolas"/>
-                <a:ea typeface="SimSun"/>
-              </a:rPr>
-              <a:t> cnt</a:t>
+              <a:t>decr cnt</a:t>
             </a:r>
             <a:endParaRPr b="0" lang="en-IN" sz="1800" spc="-1" strike="noStrike">
-              <a:latin typeface="Consolas"/>
-            </a:endParaRPr>
-          </a:p>
-          <a:p>
-            <a:pPr marL="285840" indent="-282240">
+              <a:latin typeface="Arial"/>
+            </a:endParaRPr>
+          </a:p>
+          <a:p>
+            <a:pPr marL="285840" indent="-281880">
               <a:lnSpc>
                 <a:spcPct val="150000"/>
               </a:lnSpc>
@@ -10748,7 +10862,7 @@
               <a:t>decrby cnt 2</a:t>
             </a:r>
             <a:endParaRPr b="0" lang="en-IN" sz="1800" spc="-1" strike="noStrike">
-              <a:latin typeface="Consolas"/>
+              <a:latin typeface="Arial"/>
             </a:endParaRPr>
           </a:p>
         </p:txBody>
@@ -10797,7 +10911,7 @@
         <p:spPr>
           <a:xfrm>
             <a:off x="1584000" y="5106240"/>
-            <a:ext cx="8852760" cy="77760"/>
+            <a:ext cx="8852400" cy="77400"/>
           </a:xfrm>
           <a:prstGeom prst="rect">
             <a:avLst/>
@@ -10848,7 +10962,7 @@
             </a:endParaRPr>
           </a:p>
           <a:p>
-            <a:pPr marL="285840" indent="-285120">
+            <a:pPr marL="285840" indent="-284760">
               <a:lnSpc>
                 <a:spcPct val="100000"/>
               </a:lnSpc>
@@ -10912,8 +11026,8 @@
         </p:nvSpPr>
         <p:spPr>
           <a:xfrm>
-            <a:off x="1365840" y="188640"/>
-            <a:ext cx="9679320" cy="2192400"/>
+            <a:off x="1676520" y="2362320"/>
+            <a:ext cx="8835120" cy="1187640"/>
           </a:xfrm>
           <a:prstGeom prst="rect">
             <a:avLst/>
@@ -10940,6 +11054,619 @@
               </a:lnSpc>
             </a:pPr>
             <a:r>
+              <a:rPr b="0" i="1" lang="en-IN" sz="7200" spc="-1" strike="noStrike">
+                <a:solidFill>
+                  <a:srgbClr val="f7c120"/>
+                </a:solidFill>
+                <a:latin typeface="Century"/>
+                <a:ea typeface="DejaVu Sans"/>
+              </a:rPr>
+              <a:t>append &amp; strlen</a:t>
+            </a:r>
+            <a:endParaRPr b="0" lang="en-IN" sz="7200" spc="-1" strike="noStrike">
+              <a:latin typeface="Arial"/>
+            </a:endParaRPr>
+          </a:p>
+        </p:txBody>
+      </p:sp>
+      <p:sp>
+        <p:nvSpPr>
+          <p:cNvPr id="204" name="CustomShape 2"/>
+          <p:cNvSpPr/>
+          <p:nvPr/>
+        </p:nvSpPr>
+        <p:spPr>
+          <a:xfrm>
+            <a:off x="1676520" y="5331600"/>
+            <a:ext cx="8835120" cy="424800"/>
+          </a:xfrm>
+          <a:prstGeom prst="rect">
+            <a:avLst/>
+          </a:prstGeom>
+          <a:noFill/>
+          <a:ln>
+            <a:noFill/>
+          </a:ln>
+        </p:spPr>
+        <p:style>
+          <a:lnRef idx="0"/>
+          <a:fillRef idx="0"/>
+          <a:effectRef idx="0"/>
+          <a:fontRef idx="minor"/>
+        </p:style>
+        <p:txBody>
+          <a:bodyPr lIns="90000" rIns="90000" tIns="45000" bIns="45000">
+            <a:spAutoFit/>
+          </a:bodyPr>
+          <a:p>
+            <a:pPr>
+              <a:lnSpc>
+                <a:spcPct val="100000"/>
+              </a:lnSpc>
+            </a:pPr>
+            <a:r>
+              <a:rPr b="0" lang="en-US" sz="2200" spc="-1" strike="noStrike">
+                <a:solidFill>
+                  <a:srgbClr val="bb0643"/>
+                </a:solidFill>
+                <a:latin typeface="Segoe UI"/>
+                <a:ea typeface="DejaVu Sans"/>
+              </a:rPr>
+              <a:t>TODO</a:t>
+            </a:r>
+            <a:endParaRPr b="0" lang="en-IN" sz="2200" spc="-1" strike="noStrike">
+              <a:latin typeface="Arial"/>
+            </a:endParaRPr>
+          </a:p>
+        </p:txBody>
+      </p:sp>
+    </p:spTree>
+  </p:cSld>
+  <mc:AlternateContent>
+    <mc:Choice Requires="p14">
+      <p:transition spd="slow" p14:dur="2000"/>
+    </mc:Choice>
+    <mc:Fallback>
+      <p:transition spd="slow"/>
+    </mc:Fallback>
+  </mc:AlternateContent>
+</p:sld>
+</file>
+
+<file path=ppt/slides/slide28.xml><?xml version="1.0" encoding="utf-8"?>
+<p:sld xmlns:a="http://schemas.openxmlformats.org/drawingml/2006/main" xmlns:p="http://schemas.openxmlformats.org/presentationml/2006/main" xmlns:r="http://schemas.openxmlformats.org/officeDocument/2006/relationships" xmlns:p14="http://schemas.microsoft.com/office/powerpoint/2010/main" xmlns:p15="http://schemas.microsoft.com/office/powerpoint/2012/main" xmlns:mc="http://schemas.openxmlformats.org/markup-compatibility/2006">
+  <p:cSld>
+    <p:spTree>
+      <p:nvGrpSpPr>
+        <p:cNvPr id="1" name=""/>
+        <p:cNvGrpSpPr/>
+        <p:nvPr/>
+      </p:nvGrpSpPr>
+      <p:grpSpPr>
+        <a:xfrm>
+          <a:off x="0" y="0"/>
+          <a:ext cx="0" cy="0"/>
+          <a:chOff x="0" y="0"/>
+          <a:chExt cx="0" cy="0"/>
+        </a:xfrm>
+      </p:grpSpPr>
+      <p:sp>
+        <p:nvSpPr>
+          <p:cNvPr id="205" name="CustomShape 1"/>
+          <p:cNvSpPr/>
+          <p:nvPr/>
+        </p:nvSpPr>
+        <p:spPr>
+          <a:xfrm>
+            <a:off x="1523880" y="0"/>
+            <a:ext cx="9140040" cy="699120"/>
+          </a:xfrm>
+          <a:prstGeom prst="rect">
+            <a:avLst/>
+          </a:prstGeom>
+          <a:solidFill>
+            <a:schemeClr val="accent6">
+              <a:lumMod val="75000"/>
+            </a:schemeClr>
+          </a:solidFill>
+          <a:ln>
+            <a:noFill/>
+          </a:ln>
+        </p:spPr>
+        <p:style>
+          <a:lnRef idx="0"/>
+          <a:fillRef idx="0"/>
+          <a:effectRef idx="0"/>
+          <a:fontRef idx="minor"/>
+        </p:style>
+        <p:txBody>
+          <a:bodyPr lIns="90000" rIns="90000" tIns="45000" bIns="45000">
+            <a:spAutoFit/>
+          </a:bodyPr>
+          <a:p>
+            <a:pPr algn="ctr">
+              <a:lnSpc>
+                <a:spcPct val="100000"/>
+              </a:lnSpc>
+            </a:pPr>
+            <a:r>
+              <a:rPr b="0" lang="en-IN" sz="4000" spc="-1" strike="noStrike">
+                <a:solidFill>
+                  <a:srgbClr val="f7c120"/>
+                </a:solidFill>
+                <a:latin typeface="Open Sans"/>
+                <a:ea typeface="DejaVu Sans"/>
+              </a:rPr>
+              <a:t>append &amp; strlen</a:t>
+            </a:r>
+            <a:endParaRPr b="0" lang="en-IN" sz="4000" spc="-1" strike="noStrike">
+              <a:latin typeface="Arial"/>
+            </a:endParaRPr>
+          </a:p>
+        </p:txBody>
+      </p:sp>
+      <p:sp>
+        <p:nvSpPr>
+          <p:cNvPr id="206" name="CustomShape 2"/>
+          <p:cNvSpPr/>
+          <p:nvPr/>
+        </p:nvSpPr>
+        <p:spPr>
+          <a:xfrm>
+            <a:off x="1600200" y="762120"/>
+            <a:ext cx="8987760" cy="1187640"/>
+          </a:xfrm>
+          <a:prstGeom prst="rect">
+            <a:avLst/>
+          </a:prstGeom>
+          <a:noFill/>
+          <a:ln>
+            <a:noFill/>
+          </a:ln>
+        </p:spPr>
+        <p:style>
+          <a:lnRef idx="0"/>
+          <a:fillRef idx="0"/>
+          <a:effectRef idx="0"/>
+          <a:fontRef idx="minor"/>
+        </p:style>
+        <p:txBody>
+          <a:bodyPr lIns="90000" rIns="90000" tIns="45000" bIns="45000">
+            <a:spAutoFit/>
+          </a:bodyPr>
+          <a:p>
+            <a:pPr algn="just">
+              <a:lnSpc>
+                <a:spcPct val="100000"/>
+              </a:lnSpc>
+            </a:pPr>
+            <a:r>
+              <a:rPr b="1" lang="en-US" sz="1800" spc="-1" strike="noStrike">
+                <a:solidFill>
+                  <a:srgbClr val="7c4dff"/>
+                </a:solidFill>
+                <a:latin typeface="Arial"/>
+                <a:ea typeface="DejaVu Sans"/>
+              </a:rPr>
+              <a:t>APPEND </a:t>
+            </a:r>
+            <a:r>
+              <a:rPr b="0" lang="en-US" sz="1800" spc="-1" strike="noStrike">
+                <a:latin typeface="Arial"/>
+                <a:ea typeface="DejaVu Sans"/>
+              </a:rPr>
+              <a:t>If key already exists and is a string, this command appends the value at the </a:t>
+            </a:r>
+            <a:r>
+              <a:rPr b="0" lang="en-US" sz="1800" spc="-1" strike="noStrike">
+                <a:latin typeface="Arial"/>
+                <a:ea typeface="DejaVu Sans"/>
+              </a:rPr>
+              <a:t>end of the string. If key does not exist it is created and set the value.</a:t>
+            </a:r>
+            <a:endParaRPr b="0" lang="en-IN" sz="1800" spc="-1" strike="noStrike">
+              <a:latin typeface="Arial"/>
+            </a:endParaRPr>
+          </a:p>
+          <a:p>
+            <a:pPr algn="just">
+              <a:lnSpc>
+                <a:spcPct val="100000"/>
+              </a:lnSpc>
+            </a:pPr>
+            <a:endParaRPr b="0" lang="en-IN" sz="1800" spc="-1" strike="noStrike">
+              <a:latin typeface="Arial"/>
+            </a:endParaRPr>
+          </a:p>
+          <a:p>
+            <a:pPr algn="just"/>
+            <a:r>
+              <a:rPr b="1" lang="en-US" sz="1800" spc="-1" strike="noStrike">
+                <a:solidFill>
+                  <a:srgbClr val="7c4dff"/>
+                </a:solidFill>
+                <a:latin typeface="Arial"/>
+                <a:ea typeface="DejaVu Sans"/>
+              </a:rPr>
+              <a:t>STRLEN</a:t>
+            </a:r>
+            <a:r>
+              <a:rPr b="0" lang="en-US" sz="1800" spc="-1" strike="noStrike">
+                <a:latin typeface="Arial"/>
+                <a:ea typeface="DejaVu Sans"/>
+              </a:rPr>
+              <a:t> returns the length of the string value stored at key.</a:t>
+            </a:r>
+            <a:endParaRPr b="0" lang="en-IN" sz="1800" spc="-1" strike="noStrike">
+              <a:latin typeface="Arial"/>
+            </a:endParaRPr>
+          </a:p>
+        </p:txBody>
+      </p:sp>
+      <p:sp>
+        <p:nvSpPr>
+          <p:cNvPr id="207" name="CustomShape 3"/>
+          <p:cNvSpPr/>
+          <p:nvPr/>
+        </p:nvSpPr>
+        <p:spPr>
+          <a:xfrm>
+            <a:off x="152280" y="152280"/>
+            <a:ext cx="1102680" cy="455400"/>
+          </a:xfrm>
+          <a:prstGeom prst="rect">
+            <a:avLst/>
+          </a:prstGeom>
+          <a:noFill/>
+          <a:ln>
+            <a:noFill/>
+          </a:ln>
+        </p:spPr>
+        <p:style>
+          <a:lnRef idx="0"/>
+          <a:fillRef idx="0"/>
+          <a:effectRef idx="0"/>
+          <a:fontRef idx="minor"/>
+        </p:style>
+        <p:txBody>
+          <a:bodyPr lIns="90000" rIns="90000" tIns="45000" bIns="45000">
+            <a:spAutoFit/>
+          </a:bodyPr>
+          <a:p>
+            <a:pPr algn="just">
+              <a:lnSpc>
+                <a:spcPct val="100000"/>
+              </a:lnSpc>
+            </a:pPr>
+            <a:r>
+              <a:rPr b="0" lang="en-IN" sz="2400" spc="-1" strike="noStrike">
+                <a:solidFill>
+                  <a:srgbClr val="ff0000"/>
+                </a:solidFill>
+                <a:latin typeface="Times New Roman"/>
+                <a:ea typeface="DejaVu Sans"/>
+              </a:rPr>
+              <a:t>TODO</a:t>
+            </a:r>
+            <a:endParaRPr b="0" lang="en-IN" sz="2400" spc="-1" strike="noStrike">
+              <a:latin typeface="Arial"/>
+            </a:endParaRPr>
+          </a:p>
+        </p:txBody>
+      </p:sp>
+      <p:sp>
+        <p:nvSpPr>
+          <p:cNvPr id="208" name="CustomShape 4"/>
+          <p:cNvSpPr/>
+          <p:nvPr/>
+        </p:nvSpPr>
+        <p:spPr>
+          <a:xfrm>
+            <a:off x="1601280" y="2689560"/>
+            <a:ext cx="8986680" cy="699840"/>
+          </a:xfrm>
+          <a:prstGeom prst="rect">
+            <a:avLst/>
+          </a:prstGeom>
+          <a:noFill/>
+          <a:ln>
+            <a:noFill/>
+          </a:ln>
+        </p:spPr>
+        <p:style>
+          <a:lnRef idx="0"/>
+          <a:fillRef idx="0"/>
+          <a:effectRef idx="0"/>
+          <a:fontRef idx="minor"/>
+        </p:style>
+        <p:txBody>
+          <a:bodyPr lIns="90000" rIns="90000" tIns="45000" bIns="45000">
+            <a:spAutoFit/>
+          </a:bodyPr>
+          <a:p>
+            <a:pPr>
+              <a:lnSpc>
+                <a:spcPct val="100000"/>
+              </a:lnSpc>
+            </a:pPr>
+            <a:r>
+              <a:rPr b="0" lang="en-US" sz="2000" spc="-1" strike="noStrike">
+                <a:solidFill>
+                  <a:srgbClr val="00b0f0"/>
+                </a:solidFill>
+                <a:latin typeface="Consolas"/>
+                <a:ea typeface="DejaVu Sans"/>
+              </a:rPr>
+              <a:t>APPEND key value</a:t>
+            </a:r>
+            <a:endParaRPr b="0" lang="en-IN" sz="2000" spc="-1" strike="noStrike">
+              <a:latin typeface="Arial"/>
+            </a:endParaRPr>
+          </a:p>
+          <a:p>
+            <a:pPr>
+              <a:lnSpc>
+                <a:spcPct val="100000"/>
+              </a:lnSpc>
+            </a:pPr>
+            <a:r>
+              <a:rPr b="0" lang="en-US" sz="2000" spc="-1" strike="noStrike">
+                <a:solidFill>
+                  <a:srgbClr val="00b0f0"/>
+                </a:solidFill>
+                <a:latin typeface="Consolas"/>
+                <a:ea typeface="DejaVu Sans"/>
+              </a:rPr>
+              <a:t>STRLEN key</a:t>
+            </a:r>
+            <a:endParaRPr b="0" lang="en-IN" sz="2000" spc="-1" strike="noStrike">
+              <a:latin typeface="Arial"/>
+            </a:endParaRPr>
+          </a:p>
+        </p:txBody>
+      </p:sp>
+      <p:sp>
+        <p:nvSpPr>
+          <p:cNvPr id="209" name="CustomShape 5"/>
+          <p:cNvSpPr/>
+          <p:nvPr/>
+        </p:nvSpPr>
+        <p:spPr>
+          <a:xfrm>
+            <a:off x="1600200" y="3621600"/>
+            <a:ext cx="8885880" cy="912600"/>
+          </a:xfrm>
+          <a:prstGeom prst="rect">
+            <a:avLst/>
+          </a:prstGeom>
+          <a:noFill/>
+          <a:ln>
+            <a:noFill/>
+          </a:ln>
+        </p:spPr>
+        <p:style>
+          <a:lnRef idx="0"/>
+          <a:fillRef idx="0"/>
+          <a:effectRef idx="0"/>
+          <a:fontRef idx="minor"/>
+        </p:style>
+        <p:txBody>
+          <a:bodyPr lIns="90000" rIns="90000" tIns="45000" bIns="45000">
+            <a:spAutoFit/>
+          </a:bodyPr>
+          <a:p>
+            <a:pPr marL="285840" indent="-281880">
+              <a:lnSpc>
+                <a:spcPct val="150000"/>
+              </a:lnSpc>
+              <a:buClr>
+                <a:srgbClr val="808080"/>
+              </a:buClr>
+              <a:buFont typeface="Arial"/>
+              <a:buChar char="•"/>
+            </a:pPr>
+            <a:r>
+              <a:rPr b="0" lang="en-IN" sz="1800" spc="-1" strike="noStrike">
+                <a:solidFill>
+                  <a:srgbClr val="808080"/>
+                </a:solidFill>
+                <a:latin typeface="Consolas"/>
+                <a:ea typeface="SimSun"/>
+              </a:rPr>
+              <a:t>127.0.0.1:6379&gt;</a:t>
+            </a:r>
+            <a:r>
+              <a:rPr b="0" lang="en-IN" sz="1800" spc="-1" strike="noStrike">
+                <a:solidFill>
+                  <a:srgbClr val="000000"/>
+                </a:solidFill>
+                <a:latin typeface="Consolas"/>
+                <a:ea typeface="SimSun"/>
+              </a:rPr>
+              <a:t> </a:t>
+            </a:r>
+            <a:r>
+              <a:rPr b="0" lang="en-IN" sz="1800" spc="-1" strike="noStrike">
+                <a:solidFill>
+                  <a:srgbClr val="ff5733"/>
+                </a:solidFill>
+                <a:latin typeface="Consolas"/>
+                <a:ea typeface="SimSun"/>
+              </a:rPr>
+              <a:t>append</a:t>
+            </a:r>
+            <a:r>
+              <a:rPr b="0" lang="en-IN" sz="1800" spc="-1" strike="noStrike">
+                <a:solidFill>
+                  <a:srgbClr val="ff5733"/>
+                </a:solidFill>
+                <a:latin typeface="Consolas"/>
+                <a:ea typeface="SimSun"/>
+              </a:rPr>
+              <a:t> </a:t>
+            </a:r>
+            <a:r>
+              <a:rPr b="0" lang="en-IN" sz="1800" spc="-1" strike="noStrike">
+                <a:solidFill>
+                  <a:srgbClr val="ff5733"/>
+                </a:solidFill>
+                <a:latin typeface="Consolas"/>
+                <a:ea typeface="SimSun"/>
+              </a:rPr>
+              <a:t>server:2 " version1.0"</a:t>
+            </a:r>
+            <a:endParaRPr b="0" lang="en-IN" sz="1800" spc="-1" strike="noStrike">
+              <a:latin typeface="Arial"/>
+            </a:endParaRPr>
+          </a:p>
+          <a:p>
+            <a:pPr marL="285840" indent="-281880">
+              <a:lnSpc>
+                <a:spcPct val="150000"/>
+              </a:lnSpc>
+              <a:buClr>
+                <a:srgbClr val="808080"/>
+              </a:buClr>
+              <a:buFont typeface="Arial"/>
+              <a:buChar char="•"/>
+            </a:pPr>
+            <a:r>
+              <a:rPr b="0" lang="en-IN" sz="1800" spc="-1" strike="noStrike">
+                <a:solidFill>
+                  <a:srgbClr val="808080"/>
+                </a:solidFill>
+                <a:latin typeface="Consolas"/>
+                <a:ea typeface="SimSun"/>
+              </a:rPr>
+              <a:t>127.0.0.1:6379&gt;</a:t>
+            </a:r>
+            <a:r>
+              <a:rPr b="0" lang="en-IN" sz="1800" spc="-1" strike="noStrike">
+                <a:solidFill>
+                  <a:srgbClr val="000000"/>
+                </a:solidFill>
+                <a:latin typeface="Consolas"/>
+                <a:ea typeface="SimSun"/>
+              </a:rPr>
+              <a:t> </a:t>
+            </a:r>
+            <a:r>
+              <a:rPr b="0" lang="en-IN" sz="1800" spc="-1" strike="noStrike">
+                <a:solidFill>
+                  <a:srgbClr val="ff5733"/>
+                </a:solidFill>
+                <a:latin typeface="Consolas"/>
+                <a:ea typeface="SimSun"/>
+              </a:rPr>
+              <a:t>strlen longtext</a:t>
+            </a:r>
+            <a:endParaRPr b="0" lang="en-IN" sz="1800" spc="-1" strike="noStrike">
+              <a:latin typeface="Arial"/>
+            </a:endParaRPr>
+          </a:p>
+        </p:txBody>
+      </p:sp>
+      <p:sp>
+        <p:nvSpPr>
+          <p:cNvPr id="210" name="Line 6"/>
+          <p:cNvSpPr/>
+          <p:nvPr/>
+        </p:nvSpPr>
+        <p:spPr>
+          <a:xfrm>
+            <a:off x="1523880" y="2377080"/>
+            <a:ext cx="9144000" cy="1440"/>
+          </a:xfrm>
+          <a:prstGeom prst="line">
+            <a:avLst/>
+          </a:prstGeom>
+          <a:ln w="12600">
+            <a:solidFill>
+              <a:srgbClr val="6e78a0"/>
+            </a:solidFill>
+            <a:prstDash val="dash"/>
+            <a:round/>
+          </a:ln>
+        </p:spPr>
+        <p:style>
+          <a:lnRef idx="1">
+            <a:schemeClr val="accent1"/>
+          </a:lnRef>
+          <a:fillRef idx="0">
+            <a:schemeClr val="accent1"/>
+          </a:fillRef>
+          <a:effectRef idx="0">
+            <a:schemeClr val="accent1"/>
+          </a:effectRef>
+          <a:fontRef idx="minor"/>
+        </p:style>
+      </p:sp>
+    </p:spTree>
+  </p:cSld>
+  <mc:AlternateContent>
+    <mc:Choice Requires="p14">
+      <p:transition spd="slow" p14:dur="2000"/>
+    </mc:Choice>
+    <mc:Fallback>
+      <p:transition spd="slow"/>
+    </mc:Fallback>
+  </mc:AlternateContent>
+</p:sld>
+</file>
+
+<file path=ppt/slides/slide29.xml><?xml version="1.0" encoding="utf-8"?>
+<p:sld xmlns:a="http://schemas.openxmlformats.org/drawingml/2006/main" xmlns:p="http://schemas.openxmlformats.org/presentationml/2006/main" xmlns:r="http://schemas.openxmlformats.org/officeDocument/2006/relationships" xmlns:p14="http://schemas.microsoft.com/office/powerpoint/2010/main" xmlns:p15="http://schemas.microsoft.com/office/powerpoint/2012/main" xmlns:mc="http://schemas.openxmlformats.org/markup-compatibility/2006">
+  <p:cSld>
+    <p:spTree>
+      <p:nvGrpSpPr>
+        <p:cNvPr id="1" name=""/>
+        <p:cNvGrpSpPr/>
+        <p:nvPr/>
+      </p:nvGrpSpPr>
+      <p:grpSpPr>
+        <a:xfrm>
+          <a:off x="0" y="0"/>
+          <a:ext cx="0" cy="0"/>
+          <a:chOff x="0" y="0"/>
+          <a:chExt cx="0" cy="0"/>
+        </a:xfrm>
+      </p:grpSpPr>
+      <p:sp>
+        <p:nvSpPr>
+          <p:cNvPr id="211" name="CustomShape 1"/>
+          <p:cNvSpPr/>
+          <p:nvPr/>
+        </p:nvSpPr>
+        <p:spPr>
+          <a:xfrm>
+            <a:off x="1365840" y="188640"/>
+            <a:ext cx="9678960" cy="2192400"/>
+          </a:xfrm>
+          <a:prstGeom prst="rect">
+            <a:avLst/>
+          </a:prstGeom>
+          <a:noFill/>
+          <a:ln>
+            <a:noFill/>
+          </a:ln>
+        </p:spPr>
+        <p:style>
+          <a:lnRef idx="0"/>
+          <a:fillRef idx="0"/>
+          <a:effectRef idx="0"/>
+          <a:fontRef idx="minor"/>
+        </p:style>
+        <p:txBody>
+          <a:bodyPr lIns="90000" rIns="90000" tIns="45000" bIns="45000">
+            <a:spAutoFit/>
+          </a:bodyPr>
+          <a:p>
+            <a:pPr algn="ctr">
+              <a:lnSpc>
+                <a:spcPct val="100000"/>
+              </a:lnSpc>
+            </a:pPr>
+            <a:r>
               <a:rPr b="0" lang="en-IN" sz="4000" spc="-1" strike="noStrike">
                 <a:solidFill>
                   <a:srgbClr val="ff5733"/>
@@ -10997,7 +11724,7 @@
       </p:sp>
       <p:pic>
         <p:nvPicPr>
-          <p:cNvPr id="204" name="Picture 2" descr="http://www.bvctch.vn/vnt_upload/weblink/thks.jpg"/>
+          <p:cNvPr id="212" name="Picture 2" descr="http://www.bvctch.vn/vnt_upload/weblink/thks.jpg"/>
           <p:cNvPicPr/>
           <p:nvPr/>
         </p:nvPicPr>
@@ -11008,7 +11735,7 @@
         <p:spPr>
           <a:xfrm>
             <a:off x="4404600" y="2036160"/>
-            <a:ext cx="3123000" cy="4659840"/>
+            <a:ext cx="3122640" cy="4659480"/>
           </a:xfrm>
           <a:prstGeom prst="rect">
             <a:avLst/>
@@ -11092,7 +11819,7 @@
         <p:spPr>
           <a:xfrm>
             <a:off x="1676520" y="2743200"/>
-            <a:ext cx="8835480" cy="1064520"/>
+            <a:ext cx="8835120" cy="1064520"/>
           </a:xfrm>
           <a:prstGeom prst="rect">
             <a:avLst/>
@@ -11113,7 +11840,7 @@
             <a:spAutoFit/>
           </a:bodyPr>
           <a:p>
-            <a:pPr marL="343080" indent="-339480">
+            <a:pPr marL="343080" indent="-339120">
               <a:lnSpc>
                 <a:spcPct val="100000"/>
               </a:lnSpc>
@@ -11168,7 +11895,7 @@
             </a:endParaRPr>
           </a:p>
           <a:p>
-            <a:pPr marL="343080" indent="-339480">
+            <a:pPr marL="343080" indent="-339120">
               <a:lnSpc>
                 <a:spcPct val="100000"/>
               </a:lnSpc>
@@ -11304,7 +12031,7 @@
         <p:spPr>
           <a:xfrm>
             <a:off x="1600200" y="762120"/>
-            <a:ext cx="8988120" cy="699480"/>
+            <a:ext cx="8987760" cy="699480"/>
           </a:xfrm>
           <a:prstGeom prst="rect">
             <a:avLst/>
@@ -11365,7 +12092,7 @@
         <p:spPr>
           <a:xfrm>
             <a:off x="1523880" y="5067720"/>
-            <a:ext cx="9140400" cy="791280"/>
+            <a:ext cx="9140040" cy="790920"/>
           </a:xfrm>
           <a:prstGeom prst="rect">
             <a:avLst/>
@@ -11426,7 +12153,7 @@
             </a:endParaRPr>
           </a:p>
           <a:p>
-            <a:pPr marL="285840" indent="-282240">
+            <a:pPr marL="285840" indent="-281880">
               <a:lnSpc>
                 <a:spcPct val="100000"/>
               </a:lnSpc>
@@ -11471,7 +12198,7 @@
         <p:spPr>
           <a:xfrm>
             <a:off x="1584000" y="4287960"/>
-            <a:ext cx="8708760" cy="352800"/>
+            <a:ext cx="8708400" cy="352440"/>
           </a:xfrm>
           <a:prstGeom prst="rect">
             <a:avLst/>
@@ -11542,7 +12269,7 @@
         <p:spPr>
           <a:xfrm>
             <a:off x="1523880" y="0"/>
-            <a:ext cx="9142560" cy="699120"/>
+            <a:ext cx="9142200" cy="699120"/>
           </a:xfrm>
           <a:prstGeom prst="rect">
             <a:avLst/>
@@ -11647,7 +12374,7 @@
         <p:spPr>
           <a:xfrm>
             <a:off x="1676520" y="2362320"/>
-            <a:ext cx="8835480" cy="1186920"/>
+            <a:ext cx="8835120" cy="1186920"/>
           </a:xfrm>
           <a:prstGeom prst="rect">
             <a:avLst/>
@@ -11698,7 +12425,7 @@
         <p:spPr>
           <a:xfrm>
             <a:off x="1676520" y="3531600"/>
-            <a:ext cx="8835480" cy="424800"/>
+            <a:ext cx="8835120" cy="424800"/>
           </a:xfrm>
           <a:prstGeom prst="rect">
             <a:avLst/>
@@ -11814,7 +12541,7 @@
         <p:spPr>
           <a:xfrm>
             <a:off x="1523880" y="0"/>
-            <a:ext cx="9140400" cy="699120"/>
+            <a:ext cx="9140040" cy="699120"/>
           </a:xfrm>
           <a:prstGeom prst="rect">
             <a:avLst/>
@@ -11869,7 +12596,7 @@
         <p:spPr>
           <a:xfrm>
             <a:off x="1600200" y="762120"/>
-            <a:ext cx="8988120" cy="639000"/>
+            <a:ext cx="8987760" cy="638640"/>
           </a:xfrm>
           <a:prstGeom prst="rect">
             <a:avLst/>
@@ -11890,7 +12617,11 @@
             <a:spAutoFit/>
           </a:bodyPr>
           <a:p>
-            <a:pPr algn="just"/>
+            <a:pPr algn="just">
+              <a:lnSpc>
+                <a:spcPct val="100000"/>
+              </a:lnSpc>
+            </a:pPr>
             <a:r>
               <a:rPr b="1" lang="en-US" sz="1800" spc="-1" strike="noStrike">
                 <a:solidFill>
@@ -11909,17 +12640,7 @@
                 <a:latin typeface="Arial"/>
                 <a:ea typeface="DejaVu Sans"/>
               </a:rPr>
-              <a:t>select</a:t>
-            </a:r>
-            <a:r>
-              <a:rPr b="0" lang="en-US" sz="1800" spc="-1" strike="noStrike">
-                <a:solidFill>
-                  <a:srgbClr val="000000"/>
-                </a:solidFill>
-                <a:latin typeface="Arial"/>
-                <a:ea typeface="DejaVu Sans"/>
-              </a:rPr>
-              <a:t> the Redis logical database [from 0 - 15] having the specified zero-based numeric index. New connections always use the database 0.</a:t>
+              <a:t>select the Redis logical database [from 0 - 15] having the specified zero-based numeric index. New connections always use the database 0.</a:t>
             </a:r>
             <a:endParaRPr b="0" lang="en-IN" sz="1800" spc="-1" strike="noStrike">
               <a:latin typeface="Arial"/>
@@ -11936,7 +12657,7 @@
         <p:spPr>
           <a:xfrm>
             <a:off x="152280" y="152280"/>
-            <a:ext cx="1103040" cy="455400"/>
+            <a:ext cx="1102680" cy="455400"/>
           </a:xfrm>
           <a:prstGeom prst="rect">
             <a:avLst/>
@@ -11987,7 +12708,7 @@
         <p:spPr>
           <a:xfrm>
             <a:off x="1601280" y="2221560"/>
-            <a:ext cx="8987040" cy="394560"/>
+            <a:ext cx="8986680" cy="394560"/>
           </a:xfrm>
           <a:prstGeom prst="rect">
             <a:avLst/>
@@ -12038,7 +12759,7 @@
         <p:spPr>
           <a:xfrm>
             <a:off x="1523880" y="2760480"/>
-            <a:ext cx="9417240" cy="1736280"/>
+            <a:ext cx="9416880" cy="1735920"/>
           </a:xfrm>
           <a:prstGeom prst="rect">
             <a:avLst/>
@@ -12059,7 +12780,7 @@
             <a:spAutoFit/>
           </a:bodyPr>
           <a:p>
-            <a:pPr marL="285840" indent="-282240">
+            <a:pPr marL="285840" indent="-281880">
               <a:lnSpc>
                 <a:spcPct val="150000"/>
               </a:lnSpc>
@@ -12100,11 +12821,11 @@
               <a:t>select 2</a:t>
             </a:r>
             <a:endParaRPr b="0" lang="en-IN" sz="1800" spc="-1" strike="noStrike">
-              <a:latin typeface="Consolas"/>
-            </a:endParaRPr>
-          </a:p>
-          <a:p>
-            <a:pPr marL="285840" indent="-282240">
+              <a:latin typeface="Arial"/>
+            </a:endParaRPr>
+          </a:p>
+          <a:p>
+            <a:pPr marL="285840" indent="-281880">
               <a:lnSpc>
                 <a:spcPct val="150000"/>
               </a:lnSpc>
@@ -12175,11 +12896,11 @@
               <a:t>//(error) ERR DB index is out of range</a:t>
             </a:r>
             <a:endParaRPr b="0" lang="en-IN" sz="1600" spc="-1" strike="noStrike">
-              <a:latin typeface="Consolas"/>
-            </a:endParaRPr>
-          </a:p>
-          <a:p>
-            <a:pPr marL="285840" indent="-282240">
+              <a:latin typeface="Arial"/>
+            </a:endParaRPr>
+          </a:p>
+          <a:p>
+            <a:pPr marL="285840" indent="-281880">
               <a:lnSpc>
                 <a:spcPct val="150000"/>
               </a:lnSpc>
@@ -12240,11 +12961,11 @@
               <a:t>select 0</a:t>
             </a:r>
             <a:endParaRPr b="0" lang="en-IN" sz="1800" spc="-1" strike="noStrike">
-              <a:latin typeface="Consolas"/>
-            </a:endParaRPr>
-          </a:p>
-          <a:p>
-            <a:pPr marL="285840" indent="-282240">
+              <a:latin typeface="Arial"/>
+            </a:endParaRPr>
+          </a:p>
+          <a:p>
+            <a:pPr marL="285840" indent="-281880">
               <a:lnSpc>
                 <a:spcPct val="150000"/>
               </a:lnSpc>
@@ -12265,7 +12986,7 @@
               <a:t>127.0.0.1:6379&gt;</a:t>
             </a:r>
             <a:endParaRPr b="0" lang="en-IN" sz="1800" spc="-1" strike="noStrike">
-              <a:latin typeface="Consolas"/>
+              <a:latin typeface="Arial"/>
             </a:endParaRPr>
           </a:p>
         </p:txBody>
@@ -12279,7 +13000,7 @@
         <p:spPr>
           <a:xfrm>
             <a:off x="1584000" y="5033520"/>
-            <a:ext cx="8852760" cy="1013400"/>
+            <a:ext cx="8852400" cy="1013040"/>
           </a:xfrm>
           <a:prstGeom prst="rect">
             <a:avLst/>
@@ -12330,7 +13051,7 @@
             </a:endParaRPr>
           </a:p>
           <a:p>
-            <a:pPr marL="216000" indent="-212760">
+            <a:pPr marL="216000" indent="-212400">
               <a:lnSpc>
                 <a:spcPct val="100000"/>
               </a:lnSpc>
@@ -12456,7 +13177,7 @@
         <p:spPr>
           <a:xfrm>
             <a:off x="1676520" y="2362320"/>
-            <a:ext cx="8835480" cy="1186920"/>
+            <a:ext cx="8835120" cy="1186920"/>
           </a:xfrm>
           <a:prstGeom prst="rect">
             <a:avLst/>
@@ -12507,7 +13228,7 @@
         <p:spPr>
           <a:xfrm>
             <a:off x="1666800" y="609480"/>
-            <a:ext cx="8835480" cy="394560"/>
+            <a:ext cx="8835120" cy="394560"/>
           </a:xfrm>
           <a:prstGeom prst="rect">
             <a:avLst/>
@@ -12558,7 +13279,7 @@
         <p:spPr>
           <a:xfrm>
             <a:off x="1676520" y="3531600"/>
-            <a:ext cx="8835480" cy="759960"/>
+            <a:ext cx="8835120" cy="759960"/>
           </a:xfrm>
           <a:prstGeom prst="rect">
             <a:avLst/>
@@ -12639,7 +13360,7 @@
         <p:spPr>
           <a:xfrm>
             <a:off x="1676520" y="2362320"/>
-            <a:ext cx="8835480" cy="1186920"/>
+            <a:ext cx="8835120" cy="1186920"/>
           </a:xfrm>
           <a:prstGeom prst="rect">
             <a:avLst/>
@@ -12690,7 +13411,7 @@
         <p:spPr>
           <a:xfrm>
             <a:off x="1676520" y="3531600"/>
-            <a:ext cx="8835480" cy="424800"/>
+            <a:ext cx="8835120" cy="424800"/>
           </a:xfrm>
           <a:prstGeom prst="rect">
             <a:avLst/>
@@ -12806,7 +13527,7 @@
         <p:spPr>
           <a:xfrm>
             <a:off x="1523880" y="0"/>
-            <a:ext cx="9140400" cy="699120"/>
+            <a:ext cx="9140040" cy="699120"/>
           </a:xfrm>
           <a:prstGeom prst="rect">
             <a:avLst/>
@@ -12861,7 +13582,7 @@
         <p:spPr>
           <a:xfrm>
             <a:off x="1600200" y="762120"/>
-            <a:ext cx="8988120" cy="913320"/>
+            <a:ext cx="8987760" cy="912960"/>
           </a:xfrm>
           <a:prstGeom prst="rect">
             <a:avLst/>
@@ -12882,7 +13603,11 @@
             <a:spAutoFit/>
           </a:bodyPr>
           <a:p>
-            <a:pPr algn="just"/>
+            <a:pPr algn="just">
+              <a:lnSpc>
+                <a:spcPct val="100000"/>
+              </a:lnSpc>
+            </a:pPr>
             <a:r>
               <a:rPr b="1" lang="en-US" sz="1800" spc="-1" strike="noStrike">
                 <a:solidFill>
@@ -12918,7 +13643,7 @@
         <p:spPr>
           <a:xfrm>
             <a:off x="1523880" y="4272480"/>
-            <a:ext cx="8886240" cy="2558520"/>
+            <a:ext cx="8885880" cy="2558520"/>
           </a:xfrm>
           <a:prstGeom prst="rect">
             <a:avLst/>
@@ -12939,7 +13664,7 @@
             <a:spAutoFit/>
           </a:bodyPr>
           <a:p>
-            <a:pPr marL="285840" indent="-282240">
+            <a:pPr marL="285840" indent="-281880">
               <a:lnSpc>
                 <a:spcPct val="150000"/>
               </a:lnSpc>
@@ -12984,7 +13709,7 @@
             </a:endParaRPr>
           </a:p>
           <a:p>
-            <a:pPr marL="285840" indent="-282240">
+            <a:pPr marL="285840" indent="-281880">
               <a:lnSpc>
                 <a:spcPct val="150000"/>
               </a:lnSpc>
@@ -13029,7 +13754,7 @@
             </a:endParaRPr>
           </a:p>
           <a:p>
-            <a:pPr marL="285840" indent="-282240">
+            <a:pPr marL="285840" indent="-281880">
               <a:lnSpc>
                 <a:spcPct val="150000"/>
               </a:lnSpc>
@@ -13074,7 +13799,7 @@
             </a:endParaRPr>
           </a:p>
           <a:p>
-            <a:pPr marL="285840" indent="-282240">
+            <a:pPr marL="285840" indent="-281880">
               <a:lnSpc>
                 <a:spcPct val="150000"/>
               </a:lnSpc>
@@ -13119,7 +13844,7 @@
             </a:endParaRPr>
           </a:p>
           <a:p>
-            <a:pPr marL="285840" indent="-282240">
+            <a:pPr marL="285840" indent="-281880">
               <a:lnSpc>
                 <a:spcPct val="150000"/>
               </a:lnSpc>
@@ -13154,7 +13879,7 @@
             </a:endParaRPr>
           </a:p>
           <a:p>
-            <a:pPr marL="285840" indent="-282240">
+            <a:pPr marL="285840" indent="-281880">
               <a:lnSpc>
                 <a:spcPct val="150000"/>
               </a:lnSpc>
@@ -13719,7 +14444,7 @@
         <p:spPr>
           <a:xfrm>
             <a:off x="1601280" y="2221560"/>
-            <a:ext cx="8987040" cy="394560"/>
+            <a:ext cx="8986680" cy="394560"/>
           </a:xfrm>
           <a:prstGeom prst="rect">
             <a:avLst/>
@@ -13800,7 +14525,7 @@
         <p:spPr>
           <a:xfrm>
             <a:off x="1676520" y="2362320"/>
-            <a:ext cx="8835480" cy="2284200"/>
+            <a:ext cx="8835120" cy="2284200"/>
           </a:xfrm>
           <a:prstGeom prst="rect">
             <a:avLst/>
@@ -13851,7 +14576,7 @@
         <p:spPr>
           <a:xfrm>
             <a:off x="1676520" y="4719600"/>
-            <a:ext cx="8835480" cy="424800"/>
+            <a:ext cx="8835120" cy="424800"/>
           </a:xfrm>
           <a:prstGeom prst="rect">
             <a:avLst/>

--- a/redis ver1.pptx
+++ b/redis ver1.pptx
@@ -2843,8 +2843,8 @@
         </p:nvSpPr>
         <p:spPr>
           <a:xfrm rot="5400000">
-            <a:off x="594360" y="6447240"/>
-            <a:ext cx="186840" cy="156600"/>
+            <a:off x="594720" y="6447240"/>
+            <a:ext cx="186480" cy="156240"/>
           </a:xfrm>
           <a:prstGeom prst="triangle">
             <a:avLst>
@@ -2885,7 +2885,7 @@
         <p:spPr>
           <a:xfrm>
             <a:off x="1206360" y="3648240"/>
-            <a:ext cx="9749520" cy="1276200"/>
+            <a:ext cx="9749160" cy="1275840"/>
           </a:xfrm>
           <a:prstGeom prst="rect">
             <a:avLst/>
@@ -2927,7 +2927,7 @@
         <p:spPr>
           <a:xfrm>
             <a:off x="1219320" y="5638680"/>
-            <a:ext cx="9749520" cy="681840"/>
+            <a:ext cx="9749160" cy="681480"/>
           </a:xfrm>
           <a:prstGeom prst="rect">
             <a:avLst/>
@@ -2969,7 +2969,7 @@
         <p:spPr>
           <a:xfrm>
             <a:off x="1206360" y="3648240"/>
-            <a:ext cx="300960" cy="1276200"/>
+            <a:ext cx="300600" cy="1275840"/>
           </a:xfrm>
           <a:prstGeom prst="rect">
             <a:avLst/>
@@ -3008,7 +3008,7 @@
         <p:spPr>
           <a:xfrm>
             <a:off x="1219320" y="5638680"/>
-            <a:ext cx="300960" cy="681840"/>
+            <a:ext cx="300600" cy="681480"/>
           </a:xfrm>
           <a:prstGeom prst="rect">
             <a:avLst/>
@@ -3364,8 +3364,8 @@
         </p:nvSpPr>
         <p:spPr>
           <a:xfrm rot="5400000">
-            <a:off x="594360" y="6447240"/>
-            <a:ext cx="186840" cy="156600"/>
+            <a:off x="594720" y="6447240"/>
+            <a:ext cx="186480" cy="156240"/>
           </a:xfrm>
           <a:prstGeom prst="triangle">
             <a:avLst>
@@ -3434,8 +3434,8 @@
         </p:nvSpPr>
         <p:spPr>
           <a:xfrm rot="5400000">
-            <a:off x="594360" y="6447240"/>
-            <a:ext cx="186840" cy="156600"/>
+            <a:off x="594720" y="6447240"/>
+            <a:ext cx="186480" cy="156240"/>
           </a:xfrm>
           <a:prstGeom prst="triangle">
             <a:avLst>
@@ -3729,7 +3729,7 @@
         <p:spPr>
           <a:xfrm>
             <a:off x="1975680" y="3733920"/>
-            <a:ext cx="8530560" cy="986760"/>
+            <a:ext cx="8530200" cy="986400"/>
           </a:xfrm>
           <a:prstGeom prst="rect">
             <a:avLst/>
@@ -3786,7 +3786,7 @@
         <p:spPr>
           <a:xfrm>
             <a:off x="181440" y="2001960"/>
-            <a:ext cx="2850480" cy="2850480"/>
+            <a:ext cx="2850120" cy="2850120"/>
           </a:xfrm>
           <a:prstGeom prst="rect">
             <a:avLst/>
@@ -3805,7 +3805,7 @@
         <p:spPr>
           <a:xfrm>
             <a:off x="4444920" y="5050800"/>
-            <a:ext cx="6060960" cy="583920"/>
+            <a:ext cx="6060600" cy="583560"/>
           </a:xfrm>
           <a:prstGeom prst="rect">
             <a:avLst/>
@@ -3868,7 +3868,7 @@
         <p:spPr>
           <a:xfrm>
             <a:off x="181440" y="196560"/>
-            <a:ext cx="2850480" cy="1063800"/>
+            <a:ext cx="2850120" cy="1063440"/>
           </a:xfrm>
           <a:prstGeom prst="rect">
             <a:avLst/>
@@ -3887,7 +3887,7 @@
         <p:spPr>
           <a:xfrm>
             <a:off x="3557880" y="93600"/>
-            <a:ext cx="8448840" cy="3045240"/>
+            <a:ext cx="8448480" cy="3045240"/>
           </a:xfrm>
           <a:prstGeom prst="rect">
             <a:avLst/>
@@ -3972,7 +3972,7 @@
         <p:spPr>
           <a:xfrm>
             <a:off x="181440" y="196920"/>
-            <a:ext cx="2852280" cy="1065600"/>
+            <a:ext cx="2851920" cy="1065240"/>
           </a:xfrm>
           <a:prstGeom prst="rect">
             <a:avLst/>
@@ -3995,7 +3995,7 @@
         <p:spPr>
           <a:xfrm>
             <a:off x="181440" y="2001960"/>
-            <a:ext cx="2853360" cy="2853360"/>
+            <a:ext cx="2853000" cy="2853000"/>
           </a:xfrm>
           <a:prstGeom prst="rect">
             <a:avLst/>
@@ -4079,7 +4079,7 @@
         <p:spPr>
           <a:xfrm>
             <a:off x="1523880" y="0"/>
-            <a:ext cx="9140040" cy="699120"/>
+            <a:ext cx="9139680" cy="699120"/>
           </a:xfrm>
           <a:prstGeom prst="rect">
             <a:avLst/>
@@ -4134,7 +4134,7 @@
         <p:spPr>
           <a:xfrm>
             <a:off x="1600200" y="762120"/>
-            <a:ext cx="8987760" cy="1735560"/>
+            <a:ext cx="8987400" cy="1735560"/>
           </a:xfrm>
           <a:prstGeom prst="rect">
             <a:avLst/>
@@ -4235,7 +4235,7 @@
         <p:spPr>
           <a:xfrm>
             <a:off x="152280" y="152280"/>
-            <a:ext cx="1102680" cy="455400"/>
+            <a:ext cx="1102320" cy="455400"/>
           </a:xfrm>
           <a:prstGeom prst="rect">
             <a:avLst/>
@@ -4286,7 +4286,7 @@
         <p:spPr>
           <a:xfrm>
             <a:off x="1601280" y="2823480"/>
-            <a:ext cx="8986680" cy="699480"/>
+            <a:ext cx="8986320" cy="699480"/>
           </a:xfrm>
           <a:prstGeom prst="rect">
             <a:avLst/>
@@ -4357,7 +4357,7 @@
         <p:spPr>
           <a:xfrm>
             <a:off x="1523880" y="3801960"/>
-            <a:ext cx="8885880" cy="2147040"/>
+            <a:ext cx="8885520" cy="2147040"/>
           </a:xfrm>
           <a:prstGeom prst="rect">
             <a:avLst/>
@@ -4378,7 +4378,7 @@
             <a:spAutoFit/>
           </a:bodyPr>
           <a:p>
-            <a:pPr marL="285840" indent="-281880">
+            <a:pPr marL="285840" indent="-281520">
               <a:lnSpc>
                 <a:spcPct val="150000"/>
               </a:lnSpc>
@@ -4423,7 +4423,7 @@
             </a:endParaRPr>
           </a:p>
           <a:p>
-            <a:pPr marL="285840" indent="-281880">
+            <a:pPr marL="285840" indent="-281520">
               <a:lnSpc>
                 <a:spcPct val="150000"/>
               </a:lnSpc>
@@ -4468,7 +4468,7 @@
             </a:endParaRPr>
           </a:p>
           <a:p>
-            <a:pPr marL="285840" indent="-281880">
+            <a:pPr marL="285840" indent="-281520">
               <a:lnSpc>
                 <a:spcPct val="150000"/>
               </a:lnSpc>
@@ -4513,7 +4513,7 @@
             </a:endParaRPr>
           </a:p>
           <a:p>
-            <a:pPr marL="285840" indent="-281880">
+            <a:pPr marL="285840" indent="-281520">
               <a:lnSpc>
                 <a:spcPct val="150000"/>
               </a:lnSpc>
@@ -4598,7 +4598,7 @@
         <p:spPr>
           <a:xfrm>
             <a:off x="1676520" y="2362320"/>
-            <a:ext cx="8835120" cy="2284200"/>
+            <a:ext cx="8834760" cy="2284200"/>
           </a:xfrm>
           <a:prstGeom prst="rect">
             <a:avLst/>
@@ -4649,7 +4649,7 @@
         <p:spPr>
           <a:xfrm>
             <a:off x="1676520" y="3531600"/>
-            <a:ext cx="8835120" cy="424800"/>
+            <a:ext cx="8834760" cy="424800"/>
           </a:xfrm>
           <a:prstGeom prst="rect">
             <a:avLst/>
@@ -4765,7 +4765,7 @@
         <p:spPr>
           <a:xfrm>
             <a:off x="1523880" y="0"/>
-            <a:ext cx="9140040" cy="699120"/>
+            <a:ext cx="9139680" cy="699120"/>
           </a:xfrm>
           <a:prstGeom prst="rect">
             <a:avLst/>
@@ -4820,7 +4820,7 @@
         <p:spPr>
           <a:xfrm>
             <a:off x="1600200" y="762120"/>
-            <a:ext cx="8987760" cy="1461240"/>
+            <a:ext cx="8987400" cy="1461240"/>
           </a:xfrm>
           <a:prstGeom prst="rect">
             <a:avLst/>
@@ -4921,7 +4921,7 @@
         <p:spPr>
           <a:xfrm>
             <a:off x="152280" y="152280"/>
-            <a:ext cx="1102680" cy="455400"/>
+            <a:ext cx="1102320" cy="455400"/>
           </a:xfrm>
           <a:prstGeom prst="rect">
             <a:avLst/>
@@ -4972,7 +4972,7 @@
         <p:spPr>
           <a:xfrm>
             <a:off x="1601280" y="2509560"/>
-            <a:ext cx="8986680" cy="699480"/>
+            <a:ext cx="8986320" cy="699480"/>
           </a:xfrm>
           <a:prstGeom prst="rect">
             <a:avLst/>
@@ -5043,7 +5043,7 @@
         <p:spPr>
           <a:xfrm>
             <a:off x="1523880" y="3480480"/>
-            <a:ext cx="8885880" cy="2558520"/>
+            <a:ext cx="8885520" cy="2558520"/>
           </a:xfrm>
           <a:prstGeom prst="rect">
             <a:avLst/>
@@ -5064,7 +5064,7 @@
             <a:spAutoFit/>
           </a:bodyPr>
           <a:p>
-            <a:pPr marL="285840" indent="-281880">
+            <a:pPr marL="285840" indent="-281520">
               <a:lnSpc>
                 <a:spcPct val="150000"/>
               </a:lnSpc>
@@ -5109,7 +5109,7 @@
             </a:endParaRPr>
           </a:p>
           <a:p>
-            <a:pPr marL="285840" indent="-281880">
+            <a:pPr marL="285840" indent="-281520">
               <a:lnSpc>
                 <a:spcPct val="150000"/>
               </a:lnSpc>
@@ -5154,7 +5154,7 @@
             </a:endParaRPr>
           </a:p>
           <a:p>
-            <a:pPr marL="285840" indent="-281880">
+            <a:pPr marL="285840" indent="-281520">
               <a:lnSpc>
                 <a:spcPct val="150000"/>
               </a:lnSpc>
@@ -5199,7 +5199,7 @@
             </a:endParaRPr>
           </a:p>
           <a:p>
-            <a:pPr marL="285840" indent="-281880">
+            <a:pPr marL="285840" indent="-281520">
               <a:lnSpc>
                 <a:spcPct val="150000"/>
               </a:lnSpc>
@@ -5244,7 +5244,7 @@
             </a:endParaRPr>
           </a:p>
           <a:p>
-            <a:pPr marL="285840" indent="-281880">
+            <a:pPr marL="285840" indent="-281520">
               <a:lnSpc>
                 <a:spcPct val="150000"/>
               </a:lnSpc>
@@ -5279,7 +5279,7 @@
             </a:endParaRPr>
           </a:p>
           <a:p>
-            <a:pPr marL="285840" indent="-281880">
+            <a:pPr marL="285840" indent="-281520">
               <a:lnSpc>
                 <a:spcPct val="150000"/>
               </a:lnSpc>
@@ -5354,7 +5354,7 @@
         <p:spPr>
           <a:xfrm>
             <a:off x="1676520" y="2362320"/>
-            <a:ext cx="8835120" cy="2284200"/>
+            <a:ext cx="8834760" cy="2284200"/>
           </a:xfrm>
           <a:prstGeom prst="rect">
             <a:avLst/>
@@ -5405,7 +5405,7 @@
         <p:spPr>
           <a:xfrm>
             <a:off x="1676520" y="4935600"/>
-            <a:ext cx="8835120" cy="424800"/>
+            <a:ext cx="8834760" cy="424800"/>
           </a:xfrm>
           <a:prstGeom prst="rect">
             <a:avLst/>
@@ -5521,7 +5521,7 @@
         <p:spPr>
           <a:xfrm>
             <a:off x="1523880" y="0"/>
-            <a:ext cx="9140040" cy="699480"/>
+            <a:ext cx="9139680" cy="699120"/>
           </a:xfrm>
           <a:prstGeom prst="rect">
             <a:avLst/>
@@ -5576,7 +5576,7 @@
         <p:spPr>
           <a:xfrm>
             <a:off x="1600200" y="762120"/>
-            <a:ext cx="8987760" cy="2284200"/>
+            <a:ext cx="8987400" cy="2284200"/>
           </a:xfrm>
           <a:prstGeom prst="rect">
             <a:avLst/>
@@ -5717,7 +5717,7 @@
         <p:spPr>
           <a:xfrm>
             <a:off x="152280" y="152280"/>
-            <a:ext cx="1102680" cy="455400"/>
+            <a:ext cx="1102320" cy="455400"/>
           </a:xfrm>
           <a:prstGeom prst="rect">
             <a:avLst/>
@@ -5768,7 +5768,7 @@
         <p:spPr>
           <a:xfrm>
             <a:off x="1601280" y="2977560"/>
-            <a:ext cx="8986680" cy="1309320"/>
+            <a:ext cx="8986320" cy="1309320"/>
           </a:xfrm>
           <a:prstGeom prst="rect">
             <a:avLst/>
@@ -5879,7 +5879,7 @@
         <p:spPr>
           <a:xfrm>
             <a:off x="1523880" y="4344480"/>
-            <a:ext cx="8885880" cy="2147400"/>
+            <a:ext cx="8885520" cy="2147040"/>
           </a:xfrm>
           <a:prstGeom prst="rect">
             <a:avLst/>
@@ -5900,7 +5900,7 @@
             <a:spAutoFit/>
           </a:bodyPr>
           <a:p>
-            <a:pPr marL="285840" indent="-281880">
+            <a:pPr marL="285840" indent="-281520">
               <a:lnSpc>
                 <a:spcPct val="150000"/>
               </a:lnSpc>
@@ -5945,7 +5945,7 @@
             </a:endParaRPr>
           </a:p>
           <a:p>
-            <a:pPr marL="285840" indent="-281880">
+            <a:pPr marL="285840" indent="-281520">
               <a:lnSpc>
                 <a:spcPct val="150000"/>
               </a:lnSpc>
@@ -5990,7 +5990,7 @@
             </a:endParaRPr>
           </a:p>
           <a:p>
-            <a:pPr marL="285840" indent="-281880">
+            <a:pPr marL="285840" indent="-281520">
               <a:lnSpc>
                 <a:spcPct val="150000"/>
               </a:lnSpc>
@@ -6035,7 +6035,7 @@
             </a:endParaRPr>
           </a:p>
           <a:p>
-            <a:pPr marL="285840" indent="-281880">
+            <a:pPr marL="285840" indent="-281520">
               <a:lnSpc>
                 <a:spcPct val="150000"/>
               </a:lnSpc>
@@ -6080,7 +6080,7 @@
             </a:endParaRPr>
           </a:p>
           <a:p>
-            <a:pPr marL="285840" indent="-281880">
+            <a:pPr marL="285840" indent="-281520">
               <a:lnSpc>
                 <a:spcPct val="150000"/>
               </a:lnSpc>
@@ -6165,7 +6165,7 @@
         <p:spPr>
           <a:xfrm>
             <a:off x="1676520" y="2362320"/>
-            <a:ext cx="8835120" cy="1186920"/>
+            <a:ext cx="8834760" cy="1186920"/>
           </a:xfrm>
           <a:prstGeom prst="rect">
             <a:avLst/>
@@ -6216,7 +6216,7 @@
         <p:spPr>
           <a:xfrm>
             <a:off x="1676520" y="3531600"/>
-            <a:ext cx="8835120" cy="424800"/>
+            <a:ext cx="8834760" cy="424800"/>
           </a:xfrm>
           <a:prstGeom prst="rect">
             <a:avLst/>
@@ -6332,7 +6332,7 @@
         <p:spPr>
           <a:xfrm>
             <a:off x="1523880" y="0"/>
-            <a:ext cx="9140040" cy="699120"/>
+            <a:ext cx="9139680" cy="699120"/>
           </a:xfrm>
           <a:prstGeom prst="rect">
             <a:avLst/>
@@ -6387,7 +6387,7 @@
         <p:spPr>
           <a:xfrm>
             <a:off x="1600200" y="762120"/>
-            <a:ext cx="8987760" cy="912600"/>
+            <a:ext cx="8987400" cy="912600"/>
           </a:xfrm>
           <a:prstGeom prst="rect">
             <a:avLst/>
@@ -6488,7 +6488,7 @@
         <p:spPr>
           <a:xfrm>
             <a:off x="1600200" y="2865600"/>
-            <a:ext cx="8885880" cy="1735560"/>
+            <a:ext cx="8885520" cy="1735560"/>
           </a:xfrm>
           <a:prstGeom prst="rect">
             <a:avLst/>
@@ -6509,7 +6509,7 @@
             <a:spAutoFit/>
           </a:bodyPr>
           <a:p>
-            <a:pPr marL="285840" indent="-281880">
+            <a:pPr marL="285840" indent="-281520">
               <a:lnSpc>
                 <a:spcPct val="150000"/>
               </a:lnSpc>
@@ -6554,7 +6554,7 @@
             </a:endParaRPr>
           </a:p>
           <a:p>
-            <a:pPr marL="285840" indent="-281880">
+            <a:pPr marL="285840" indent="-281520">
               <a:lnSpc>
                 <a:spcPct val="150000"/>
               </a:lnSpc>
@@ -6599,7 +6599,7 @@
             </a:endParaRPr>
           </a:p>
           <a:p>
-            <a:pPr marL="285840" indent="-281880">
+            <a:pPr marL="285840" indent="-281520">
               <a:lnSpc>
                 <a:spcPct val="150000"/>
               </a:lnSpc>
@@ -6644,7 +6644,7 @@
             </a:endParaRPr>
           </a:p>
           <a:p>
-            <a:pPr marL="285840" indent="-281880">
+            <a:pPr marL="285840" indent="-281520">
               <a:lnSpc>
                 <a:spcPct val="150000"/>
               </a:lnSpc>
@@ -6699,7 +6699,7 @@
         <p:spPr>
           <a:xfrm>
             <a:off x="152280" y="152280"/>
-            <a:ext cx="1102680" cy="455400"/>
+            <a:ext cx="1102320" cy="455400"/>
           </a:xfrm>
           <a:prstGeom prst="rect">
             <a:avLst/>
@@ -6750,7 +6750,7 @@
         <p:spPr>
           <a:xfrm>
             <a:off x="1601280" y="2221560"/>
-            <a:ext cx="8986680" cy="699480"/>
+            <a:ext cx="8986320" cy="699480"/>
           </a:xfrm>
           <a:prstGeom prst="rect">
             <a:avLst/>
@@ -6821,7 +6821,7 @@
         <p:spPr>
           <a:xfrm>
             <a:off x="1656000" y="4713480"/>
-            <a:ext cx="8996400" cy="1366560"/>
+            <a:ext cx="8996040" cy="1366200"/>
           </a:xfrm>
           <a:prstGeom prst="rect">
             <a:avLst/>
@@ -6842,7 +6842,7 @@
             <a:noAutofit/>
           </a:bodyPr>
           <a:p>
-            <a:pPr marL="216000" indent="-215280">
+            <a:pPr marL="216000" indent="-214920">
               <a:lnSpc>
                 <a:spcPct val="150000"/>
               </a:lnSpc>
@@ -6877,7 +6877,7 @@
             </a:endParaRPr>
           </a:p>
           <a:p>
-            <a:pPr marL="216000" indent="-215280">
+            <a:pPr marL="216000" indent="-214920">
               <a:lnSpc>
                 <a:spcPct val="150000"/>
               </a:lnSpc>
@@ -6912,7 +6912,7 @@
             </a:endParaRPr>
           </a:p>
           <a:p>
-            <a:pPr marL="216000" indent="-215280">
+            <a:pPr marL="216000" indent="-214920">
               <a:lnSpc>
                 <a:spcPct val="150000"/>
               </a:lnSpc>
@@ -6947,7 +6947,7 @@
             </a:endParaRPr>
           </a:p>
           <a:p>
-            <a:pPr marL="216000" indent="-215280">
+            <a:pPr marL="216000" indent="-214920">
               <a:lnSpc>
                 <a:spcPct val="150000"/>
               </a:lnSpc>
@@ -6982,7 +6982,7 @@
             </a:endParaRPr>
           </a:p>
           <a:p>
-            <a:pPr marL="216000" indent="-215280">
+            <a:pPr marL="216000" indent="-214920">
               <a:lnSpc>
                 <a:spcPct val="150000"/>
               </a:lnSpc>
@@ -7057,7 +7057,7 @@
         <p:spPr>
           <a:xfrm>
             <a:off x="1676520" y="2362320"/>
-            <a:ext cx="8835120" cy="1186920"/>
+            <a:ext cx="8834760" cy="1186920"/>
           </a:xfrm>
           <a:prstGeom prst="rect">
             <a:avLst/>
@@ -7108,7 +7108,7 @@
         <p:spPr>
           <a:xfrm>
             <a:off x="1676520" y="3531600"/>
-            <a:ext cx="8835120" cy="424800"/>
+            <a:ext cx="8834760" cy="424800"/>
           </a:xfrm>
           <a:prstGeom prst="rect">
             <a:avLst/>
@@ -7224,7 +7224,7 @@
         <p:spPr>
           <a:xfrm>
             <a:off x="1523880" y="0"/>
-            <a:ext cx="9140040" cy="699120"/>
+            <a:ext cx="9139680" cy="699120"/>
           </a:xfrm>
           <a:prstGeom prst="rect">
             <a:avLst/>
@@ -7279,7 +7279,7 @@
         <p:spPr>
           <a:xfrm>
             <a:off x="1600200" y="762120"/>
-            <a:ext cx="8987760" cy="669240"/>
+            <a:ext cx="8987400" cy="668880"/>
           </a:xfrm>
           <a:prstGeom prst="rect">
             <a:avLst/>
@@ -7370,7 +7370,7 @@
         <p:spPr>
           <a:xfrm>
             <a:off x="1600200" y="3909600"/>
-            <a:ext cx="8885880" cy="1324080"/>
+            <a:ext cx="8885520" cy="1324080"/>
           </a:xfrm>
           <a:prstGeom prst="rect">
             <a:avLst/>
@@ -7391,7 +7391,7 @@
             <a:spAutoFit/>
           </a:bodyPr>
           <a:p>
-            <a:pPr marL="285840" indent="-281880">
+            <a:pPr marL="285840" indent="-281520">
               <a:lnSpc>
                 <a:spcPct val="150000"/>
               </a:lnSpc>
@@ -7436,7 +7436,7 @@
             </a:endParaRPr>
           </a:p>
           <a:p>
-            <a:pPr marL="285840" indent="-281880">
+            <a:pPr marL="285840" indent="-281520">
               <a:lnSpc>
                 <a:spcPct val="150000"/>
               </a:lnSpc>
@@ -7481,7 +7481,7 @@
             </a:endParaRPr>
           </a:p>
           <a:p>
-            <a:pPr marL="285840" indent="-281880">
+            <a:pPr marL="285840" indent="-281520">
               <a:lnSpc>
                 <a:spcPct val="150000"/>
               </a:lnSpc>
@@ -7536,7 +7536,7 @@
         <p:spPr>
           <a:xfrm>
             <a:off x="152280" y="152280"/>
-            <a:ext cx="1102680" cy="455400"/>
+            <a:ext cx="1102320" cy="455400"/>
           </a:xfrm>
           <a:prstGeom prst="rect">
             <a:avLst/>
@@ -7587,7 +7587,7 @@
         <p:spPr>
           <a:xfrm>
             <a:off x="1601280" y="2221560"/>
-            <a:ext cx="8986680" cy="699480"/>
+            <a:ext cx="8986320" cy="699480"/>
           </a:xfrm>
           <a:prstGeom prst="rect">
             <a:avLst/>
@@ -7658,7 +7658,7 @@
         <p:spPr>
           <a:xfrm>
             <a:off x="1584000" y="5246640"/>
-            <a:ext cx="8852400" cy="1013040"/>
+            <a:ext cx="8852040" cy="1012680"/>
           </a:xfrm>
           <a:prstGeom prst="rect">
             <a:avLst/>
@@ -7709,7 +7709,7 @@
             </a:endParaRPr>
           </a:p>
           <a:p>
-            <a:pPr marL="216000" indent="-212400">
+            <a:pPr marL="216000" indent="-212040">
               <a:lnSpc>
                 <a:spcPct val="100000"/>
               </a:lnSpc>
@@ -7735,7 +7735,7 @@
             </a:endParaRPr>
           </a:p>
           <a:p>
-            <a:pPr marL="216000" indent="-212400">
+            <a:pPr marL="216000" indent="-212040">
               <a:lnSpc>
                 <a:spcPct val="100000"/>
               </a:lnSpc>
@@ -7771,7 +7771,7 @@
         <p:spPr>
           <a:xfrm>
             <a:off x="1576080" y="3161880"/>
-            <a:ext cx="9580320" cy="650520"/>
+            <a:ext cx="9579960" cy="650160"/>
           </a:xfrm>
           <a:prstGeom prst="rect">
             <a:avLst/>
@@ -7882,7 +7882,7 @@
         <p:spPr>
           <a:xfrm>
             <a:off x="1676520" y="2362320"/>
-            <a:ext cx="8835120" cy="2284200"/>
+            <a:ext cx="8834760" cy="2284200"/>
           </a:xfrm>
           <a:prstGeom prst="rect">
             <a:avLst/>
@@ -7933,7 +7933,7 @@
         <p:spPr>
           <a:xfrm>
             <a:off x="1676520" y="3531600"/>
-            <a:ext cx="8835120" cy="424800"/>
+            <a:ext cx="8834760" cy="424800"/>
           </a:xfrm>
           <a:prstGeom prst="rect">
             <a:avLst/>
@@ -8014,7 +8014,7 @@
         <p:spPr>
           <a:xfrm>
             <a:off x="1676520" y="2362320"/>
-            <a:ext cx="8835120" cy="1186920"/>
+            <a:ext cx="8834760" cy="1186920"/>
           </a:xfrm>
           <a:prstGeom prst="rect">
             <a:avLst/>
@@ -8065,7 +8065,7 @@
         <p:spPr>
           <a:xfrm>
             <a:off x="522360" y="3531600"/>
-            <a:ext cx="11247480" cy="1765440"/>
+            <a:ext cx="11247120" cy="1765440"/>
           </a:xfrm>
           <a:prstGeom prst="rect">
             <a:avLst/>
@@ -8116,7 +8116,7 @@
         <p:spPr>
           <a:xfrm>
             <a:off x="1666800" y="609480"/>
-            <a:ext cx="8835120" cy="394560"/>
+            <a:ext cx="8834760" cy="394560"/>
           </a:xfrm>
           <a:prstGeom prst="rect">
             <a:avLst/>
@@ -8232,7 +8232,7 @@
         <p:spPr>
           <a:xfrm>
             <a:off x="1523880" y="0"/>
-            <a:ext cx="9140040" cy="699120"/>
+            <a:ext cx="9139680" cy="699120"/>
           </a:xfrm>
           <a:prstGeom prst="rect">
             <a:avLst/>
@@ -8287,7 +8287,7 @@
         <p:spPr>
           <a:xfrm>
             <a:off x="1600200" y="762120"/>
-            <a:ext cx="8987760" cy="1735560"/>
+            <a:ext cx="8987400" cy="1735560"/>
           </a:xfrm>
           <a:prstGeom prst="rect">
             <a:avLst/>
@@ -8388,7 +8388,7 @@
         <p:spPr>
           <a:xfrm>
             <a:off x="1600200" y="3585600"/>
-            <a:ext cx="8885880" cy="2558520"/>
+            <a:ext cx="8885520" cy="2558520"/>
           </a:xfrm>
           <a:prstGeom prst="rect">
             <a:avLst/>
@@ -8429,7 +8429,7 @@
             </a:endParaRPr>
           </a:p>
           <a:p>
-            <a:pPr marL="285840" indent="-281880">
+            <a:pPr marL="285840" indent="-281520">
               <a:lnSpc>
                 <a:spcPct val="150000"/>
               </a:lnSpc>
@@ -8474,7 +8474,7 @@
             </a:endParaRPr>
           </a:p>
           <a:p>
-            <a:pPr marL="285840" indent="-281880">
+            <a:pPr marL="285840" indent="-281520">
               <a:lnSpc>
                 <a:spcPct val="150000"/>
               </a:lnSpc>
@@ -8539,7 +8539,7 @@
             </a:endParaRPr>
           </a:p>
           <a:p>
-            <a:pPr marL="285840" indent="-281880">
+            <a:pPr marL="285840" indent="-281520">
               <a:lnSpc>
                 <a:spcPct val="150000"/>
               </a:lnSpc>
@@ -8584,7 +8584,7 @@
             </a:endParaRPr>
           </a:p>
           <a:p>
-            <a:pPr marL="285840" indent="-281880">
+            <a:pPr marL="285840" indent="-281520">
               <a:lnSpc>
                 <a:spcPct val="150000"/>
               </a:lnSpc>
@@ -8639,7 +8639,7 @@
         <p:spPr>
           <a:xfrm>
             <a:off x="152280" y="152280"/>
-            <a:ext cx="1102680" cy="455400"/>
+            <a:ext cx="1102320" cy="455400"/>
           </a:xfrm>
           <a:prstGeom prst="rect">
             <a:avLst/>
@@ -8690,7 +8690,7 @@
         <p:spPr>
           <a:xfrm>
             <a:off x="1601280" y="2761560"/>
-            <a:ext cx="8986680" cy="699480"/>
+            <a:ext cx="8986320" cy="699480"/>
           </a:xfrm>
           <a:prstGeom prst="rect">
             <a:avLst/>
@@ -8791,7 +8791,7 @@
         <p:spPr>
           <a:xfrm>
             <a:off x="1676520" y="2362320"/>
-            <a:ext cx="8835120" cy="2284200"/>
+            <a:ext cx="8834760" cy="2284200"/>
           </a:xfrm>
           <a:prstGeom prst="rect">
             <a:avLst/>
@@ -8842,7 +8842,7 @@
         <p:spPr>
           <a:xfrm>
             <a:off x="1676520" y="5331600"/>
-            <a:ext cx="8835120" cy="424800"/>
+            <a:ext cx="8834760" cy="424800"/>
           </a:xfrm>
           <a:prstGeom prst="rect">
             <a:avLst/>
@@ -8923,7 +8923,7 @@
         <p:spPr>
           <a:xfrm>
             <a:off x="1523880" y="0"/>
-            <a:ext cx="9140040" cy="699120"/>
+            <a:ext cx="9139680" cy="699120"/>
           </a:xfrm>
           <a:prstGeom prst="rect">
             <a:avLst/>
@@ -8978,7 +8978,7 @@
         <p:spPr>
           <a:xfrm>
             <a:off x="1600200" y="762120"/>
-            <a:ext cx="8987760" cy="2284200"/>
+            <a:ext cx="8987400" cy="2284200"/>
           </a:xfrm>
           <a:prstGeom prst="rect">
             <a:avLst/>
@@ -9119,7 +9119,7 @@
         <p:spPr>
           <a:xfrm>
             <a:off x="152280" y="152280"/>
-            <a:ext cx="1102680" cy="455400"/>
+            <a:ext cx="1102320" cy="455400"/>
           </a:xfrm>
           <a:prstGeom prst="rect">
             <a:avLst/>
@@ -9170,7 +9170,7 @@
         <p:spPr>
           <a:xfrm>
             <a:off x="1601280" y="3157560"/>
-            <a:ext cx="8986680" cy="1004400"/>
+            <a:ext cx="8986320" cy="1004400"/>
           </a:xfrm>
           <a:prstGeom prst="rect">
             <a:avLst/>
@@ -9261,7 +9261,7 @@
         <p:spPr>
           <a:xfrm>
             <a:off x="864000" y="4197600"/>
-            <a:ext cx="11015640" cy="1324440"/>
+            <a:ext cx="11015280" cy="1324080"/>
           </a:xfrm>
           <a:prstGeom prst="rect">
             <a:avLst/>
@@ -9282,7 +9282,7 @@
             <a:spAutoFit/>
           </a:bodyPr>
           <a:p>
-            <a:pPr marL="285840" indent="-281880">
+            <a:pPr marL="285840" indent="-281520">
               <a:lnSpc>
                 <a:spcPct val="150000"/>
               </a:lnSpc>
@@ -9327,7 +9327,7 @@
             </a:endParaRPr>
           </a:p>
           <a:p>
-            <a:pPr marL="285840" indent="-281880">
+            <a:pPr marL="285840" indent="-281520">
               <a:lnSpc>
                 <a:spcPct val="150000"/>
               </a:lnSpc>
@@ -9372,7 +9372,7 @@
             </a:endParaRPr>
           </a:p>
           <a:p>
-            <a:pPr marL="285840" indent="-281880">
+            <a:pPr marL="285840" indent="-281520">
               <a:lnSpc>
                 <a:spcPct val="150000"/>
               </a:lnSpc>
@@ -9462,7 +9462,7 @@
         <p:spPr>
           <a:xfrm>
             <a:off x="1584000" y="5610240"/>
-            <a:ext cx="8852400" cy="1013040"/>
+            <a:ext cx="8852040" cy="1012680"/>
           </a:xfrm>
           <a:prstGeom prst="rect">
             <a:avLst/>
@@ -9513,7 +9513,7 @@
             </a:endParaRPr>
           </a:p>
           <a:p>
-            <a:pPr marL="285840" indent="-284760">
+            <a:pPr marL="285840" indent="-284400">
               <a:lnSpc>
                 <a:spcPct val="100000"/>
               </a:lnSpc>
@@ -9538,7 +9538,7 @@
             </a:endParaRPr>
           </a:p>
           <a:p>
-            <a:pPr marL="285840" indent="-284760">
+            <a:pPr marL="285840" indent="-284400">
               <a:lnSpc>
                 <a:spcPct val="100000"/>
               </a:lnSpc>
@@ -9603,7 +9603,7 @@
         <p:spPr>
           <a:xfrm>
             <a:off x="1676520" y="2362320"/>
-            <a:ext cx="8835120" cy="2284200"/>
+            <a:ext cx="8834760" cy="2284200"/>
           </a:xfrm>
           <a:prstGeom prst="rect">
             <a:avLst/>
@@ -9654,7 +9654,7 @@
         <p:spPr>
           <a:xfrm>
             <a:off x="1676520" y="5331600"/>
-            <a:ext cx="8835120" cy="424800"/>
+            <a:ext cx="8834760" cy="424800"/>
           </a:xfrm>
           <a:prstGeom prst="rect">
             <a:avLst/>
@@ -9735,7 +9735,7 @@
         <p:spPr>
           <a:xfrm>
             <a:off x="1523880" y="0"/>
-            <a:ext cx="9140040" cy="699120"/>
+            <a:ext cx="9139680" cy="699120"/>
           </a:xfrm>
           <a:prstGeom prst="rect">
             <a:avLst/>
@@ -9790,7 +9790,7 @@
         <p:spPr>
           <a:xfrm>
             <a:off x="1600200" y="762120"/>
-            <a:ext cx="8987760" cy="2558520"/>
+            <a:ext cx="8987400" cy="2558520"/>
           </a:xfrm>
           <a:prstGeom prst="rect">
             <a:avLst/>
@@ -9931,7 +9931,7 @@
         <p:spPr>
           <a:xfrm>
             <a:off x="152280" y="152280"/>
-            <a:ext cx="1102680" cy="455400"/>
+            <a:ext cx="1102320" cy="455400"/>
           </a:xfrm>
           <a:prstGeom prst="rect">
             <a:avLst/>
@@ -9982,7 +9982,7 @@
         <p:spPr>
           <a:xfrm>
             <a:off x="1601280" y="3553560"/>
-            <a:ext cx="8986680" cy="1004400"/>
+            <a:ext cx="8986320" cy="1004400"/>
           </a:xfrm>
           <a:prstGeom prst="rect">
             <a:avLst/>
@@ -10073,7 +10073,7 @@
         <p:spPr>
           <a:xfrm>
             <a:off x="1600200" y="4593600"/>
-            <a:ext cx="8885880" cy="912960"/>
+            <a:ext cx="8885520" cy="912600"/>
           </a:xfrm>
           <a:prstGeom prst="rect">
             <a:avLst/>
@@ -10094,7 +10094,7 @@
             <a:spAutoFit/>
           </a:bodyPr>
           <a:p>
-            <a:pPr marL="285840" indent="-281880">
+            <a:pPr marL="285840" indent="-281520">
               <a:lnSpc>
                 <a:spcPct val="150000"/>
               </a:lnSpc>
@@ -10139,7 +10139,7 @@
             </a:endParaRPr>
           </a:p>
           <a:p>
-            <a:pPr marL="285840" indent="-281880">
+            <a:pPr marL="285840" indent="-281520">
               <a:lnSpc>
                 <a:spcPct val="150000"/>
               </a:lnSpc>
@@ -10229,7 +10229,7 @@
         <p:spPr>
           <a:xfrm>
             <a:off x="1584000" y="5790240"/>
-            <a:ext cx="8852400" cy="77400"/>
+            <a:ext cx="8852040" cy="77040"/>
           </a:xfrm>
           <a:prstGeom prst="rect">
             <a:avLst/>
@@ -10280,7 +10280,7 @@
             </a:endParaRPr>
           </a:p>
           <a:p>
-            <a:pPr marL="285840" indent="-284760">
+            <a:pPr marL="285840" indent="-284400">
               <a:lnSpc>
                 <a:spcPct val="100000"/>
               </a:lnSpc>
@@ -10345,7 +10345,7 @@
         <p:spPr>
           <a:xfrm>
             <a:off x="1676520" y="2362320"/>
-            <a:ext cx="8835120" cy="1187280"/>
+            <a:ext cx="8834760" cy="1186920"/>
           </a:xfrm>
           <a:prstGeom prst="rect">
             <a:avLst/>
@@ -10396,7 +10396,7 @@
         <p:spPr>
           <a:xfrm>
             <a:off x="1676520" y="5331600"/>
-            <a:ext cx="8835120" cy="424800"/>
+            <a:ext cx="8834760" cy="424800"/>
           </a:xfrm>
           <a:prstGeom prst="rect">
             <a:avLst/>
@@ -10477,7 +10477,7 @@
         <p:spPr>
           <a:xfrm>
             <a:off x="1523880" y="0"/>
-            <a:ext cx="9140040" cy="699120"/>
+            <a:ext cx="9139680" cy="699120"/>
           </a:xfrm>
           <a:prstGeom prst="rect">
             <a:avLst/>
@@ -10532,7 +10532,7 @@
         <p:spPr>
           <a:xfrm>
             <a:off x="1600200" y="762120"/>
-            <a:ext cx="8987760" cy="1461240"/>
+            <a:ext cx="8987400" cy="1461240"/>
           </a:xfrm>
           <a:prstGeom prst="rect">
             <a:avLst/>
@@ -10633,7 +10633,7 @@
         <p:spPr>
           <a:xfrm>
             <a:off x="152280" y="152280"/>
-            <a:ext cx="1102680" cy="455400"/>
+            <a:ext cx="1102320" cy="455400"/>
           </a:xfrm>
           <a:prstGeom prst="rect">
             <a:avLst/>
@@ -10684,7 +10684,7 @@
         <p:spPr>
           <a:xfrm>
             <a:off x="1601280" y="2689560"/>
-            <a:ext cx="8986680" cy="699840"/>
+            <a:ext cx="8986320" cy="699480"/>
           </a:xfrm>
           <a:prstGeom prst="rect">
             <a:avLst/>
@@ -10755,7 +10755,7 @@
         <p:spPr>
           <a:xfrm>
             <a:off x="1600200" y="3621600"/>
-            <a:ext cx="8885880" cy="912960"/>
+            <a:ext cx="8885520" cy="912600"/>
           </a:xfrm>
           <a:prstGeom prst="rect">
             <a:avLst/>
@@ -10776,7 +10776,7 @@
             <a:spAutoFit/>
           </a:bodyPr>
           <a:p>
-            <a:pPr marL="285840" indent="-281880">
+            <a:pPr marL="285840" indent="-281520">
               <a:lnSpc>
                 <a:spcPct val="150000"/>
               </a:lnSpc>
@@ -10821,7 +10821,7 @@
             </a:endParaRPr>
           </a:p>
           <a:p>
-            <a:pPr marL="285840" indent="-281880">
+            <a:pPr marL="285840" indent="-281520">
               <a:lnSpc>
                 <a:spcPct val="150000"/>
               </a:lnSpc>
@@ -10911,7 +10911,7 @@
         <p:spPr>
           <a:xfrm>
             <a:off x="1584000" y="5106240"/>
-            <a:ext cx="8852400" cy="77400"/>
+            <a:ext cx="8852040" cy="77040"/>
           </a:xfrm>
           <a:prstGeom prst="rect">
             <a:avLst/>
@@ -10962,7 +10962,7 @@
             </a:endParaRPr>
           </a:p>
           <a:p>
-            <a:pPr marL="285840" indent="-284760">
+            <a:pPr marL="285840" indent="-284400">
               <a:lnSpc>
                 <a:spcPct val="100000"/>
               </a:lnSpc>
@@ -11027,7 +11027,7 @@
         <p:spPr>
           <a:xfrm>
             <a:off x="1676520" y="2362320"/>
-            <a:ext cx="8835120" cy="1187640"/>
+            <a:ext cx="8834760" cy="1187280"/>
           </a:xfrm>
           <a:prstGeom prst="rect">
             <a:avLst/>
@@ -11078,7 +11078,7 @@
         <p:spPr>
           <a:xfrm>
             <a:off x="1676520" y="5331600"/>
-            <a:ext cx="8835120" cy="424800"/>
+            <a:ext cx="8834760" cy="424800"/>
           </a:xfrm>
           <a:prstGeom prst="rect">
             <a:avLst/>
@@ -11159,7 +11159,7 @@
         <p:spPr>
           <a:xfrm>
             <a:off x="1523880" y="0"/>
-            <a:ext cx="9140040" cy="699120"/>
+            <a:ext cx="9139680" cy="699120"/>
           </a:xfrm>
           <a:prstGeom prst="rect">
             <a:avLst/>
@@ -11214,7 +11214,7 @@
         <p:spPr>
           <a:xfrm>
             <a:off x="1600200" y="762120"/>
-            <a:ext cx="8987760" cy="1187640"/>
+            <a:ext cx="8987400" cy="1187280"/>
           </a:xfrm>
           <a:prstGeom prst="rect">
             <a:avLst/>
@@ -11252,46 +11252,49 @@
             </a:r>
             <a:r>
               <a:rPr b="0" lang="en-US" sz="1800" spc="-1" strike="noStrike">
+                <a:solidFill>
+                  <a:srgbClr val="000000"/>
+                </a:solidFill>
                 <a:latin typeface="Arial"/>
                 <a:ea typeface="DejaVu Sans"/>
               </a:rPr>
-              <a:t>If key already exists and is a string, this command appends the value at the </a:t>
+              <a:t>If key already exists and is a string, this command appends the value at the end of the string. If key does not exist it is created and set the value.</a:t>
+            </a:r>
+            <a:endParaRPr b="0" lang="en-IN" sz="1800" spc="-1" strike="noStrike">
+              <a:latin typeface="Arial"/>
+            </a:endParaRPr>
+          </a:p>
+          <a:p>
+            <a:pPr algn="just">
+              <a:lnSpc>
+                <a:spcPct val="100000"/>
+              </a:lnSpc>
+            </a:pPr>
+            <a:endParaRPr b="0" lang="en-IN" sz="1800" spc="-1" strike="noStrike">
+              <a:latin typeface="Arial"/>
+            </a:endParaRPr>
+          </a:p>
+          <a:p>
+            <a:pPr algn="just">
+              <a:lnSpc>
+                <a:spcPct val="100000"/>
+              </a:lnSpc>
+            </a:pPr>
+            <a:r>
+              <a:rPr b="1" lang="en-US" sz="1800" spc="-1" strike="noStrike">
+                <a:solidFill>
+                  <a:srgbClr val="7c4dff"/>
+                </a:solidFill>
+                <a:latin typeface="Arial"/>
+                <a:ea typeface="DejaVu Sans"/>
+              </a:rPr>
+              <a:t>STRLEN</a:t>
             </a:r>
             <a:r>
               <a:rPr b="0" lang="en-US" sz="1800" spc="-1" strike="noStrike">
-                <a:latin typeface="Arial"/>
-                <a:ea typeface="DejaVu Sans"/>
-              </a:rPr>
-              <a:t>end of the string. If key does not exist it is created and set the value.</a:t>
-            </a:r>
-            <a:endParaRPr b="0" lang="en-IN" sz="1800" spc="-1" strike="noStrike">
-              <a:latin typeface="Arial"/>
-            </a:endParaRPr>
-          </a:p>
-          <a:p>
-            <a:pPr algn="just">
-              <a:lnSpc>
-                <a:spcPct val="100000"/>
-              </a:lnSpc>
-            </a:pPr>
-            <a:endParaRPr b="0" lang="en-IN" sz="1800" spc="-1" strike="noStrike">
-              <a:latin typeface="Arial"/>
-            </a:endParaRPr>
-          </a:p>
-          <a:p>
-            <a:pPr algn="just"/>
-            <a:r>
-              <a:rPr b="1" lang="en-US" sz="1800" spc="-1" strike="noStrike">
-                <a:solidFill>
-                  <a:srgbClr val="7c4dff"/>
-                </a:solidFill>
-                <a:latin typeface="Arial"/>
-                <a:ea typeface="DejaVu Sans"/>
-              </a:rPr>
-              <a:t>STRLEN</a:t>
-            </a:r>
-            <a:r>
-              <a:rPr b="0" lang="en-US" sz="1800" spc="-1" strike="noStrike">
+                <a:solidFill>
+                  <a:srgbClr val="000000"/>
+                </a:solidFill>
                 <a:latin typeface="Arial"/>
                 <a:ea typeface="DejaVu Sans"/>
               </a:rPr>
@@ -11312,7 +11315,7 @@
         <p:spPr>
           <a:xfrm>
             <a:off x="152280" y="152280"/>
-            <a:ext cx="1102680" cy="455400"/>
+            <a:ext cx="1102320" cy="455400"/>
           </a:xfrm>
           <a:prstGeom prst="rect">
             <a:avLst/>
@@ -11363,7 +11366,7 @@
         <p:spPr>
           <a:xfrm>
             <a:off x="1601280" y="2689560"/>
-            <a:ext cx="8986680" cy="699840"/>
+            <a:ext cx="8986320" cy="699480"/>
           </a:xfrm>
           <a:prstGeom prst="rect">
             <a:avLst/>
@@ -11434,7 +11437,7 @@
         <p:spPr>
           <a:xfrm>
             <a:off x="1600200" y="3621600"/>
-            <a:ext cx="8885880" cy="912600"/>
+            <a:ext cx="8885520" cy="912600"/>
           </a:xfrm>
           <a:prstGeom prst="rect">
             <a:avLst/>
@@ -11455,7 +11458,7 @@
             <a:spAutoFit/>
           </a:bodyPr>
           <a:p>
-            <a:pPr marL="285840" indent="-281880">
+            <a:pPr marL="285840" indent="-281520">
               <a:lnSpc>
                 <a:spcPct val="150000"/>
               </a:lnSpc>
@@ -11493,34 +11496,14 @@
                 <a:latin typeface="Consolas"/>
                 <a:ea typeface="SimSun"/>
               </a:rPr>
-              <a:t>append</a:t>
-            </a:r>
-            <a:r>
-              <a:rPr b="0" lang="en-IN" sz="1800" spc="-1" strike="noStrike">
-                <a:solidFill>
-                  <a:srgbClr val="ff5733"/>
-                </a:solidFill>
-                <a:latin typeface="Consolas"/>
-                <a:ea typeface="SimSun"/>
-              </a:rPr>
-              <a:t> </a:t>
-            </a:r>
-            <a:r>
-              <a:rPr b="0" lang="en-IN" sz="1800" spc="-1" strike="noStrike">
-                <a:solidFill>
-                  <a:srgbClr val="ff5733"/>
-                </a:solidFill>
-                <a:latin typeface="Consolas"/>
-                <a:ea typeface="SimSun"/>
-              </a:rPr>
-              <a:t>server:2 " version1.0"</a:t>
+              <a:t>append server:2 " version1.0"</a:t>
             </a:r>
             <a:endParaRPr b="0" lang="en-IN" sz="1800" spc="-1" strike="noStrike">
               <a:latin typeface="Arial"/>
             </a:endParaRPr>
           </a:p>
           <a:p>
-            <a:pPr marL="285840" indent="-281880">
+            <a:pPr marL="285840" indent="-281520">
               <a:lnSpc>
                 <a:spcPct val="150000"/>
               </a:lnSpc>
@@ -11640,7 +11623,7 @@
         <p:spPr>
           <a:xfrm>
             <a:off x="1365840" y="188640"/>
-            <a:ext cx="9678960" cy="2192400"/>
+            <a:ext cx="9678600" cy="2192400"/>
           </a:xfrm>
           <a:prstGeom prst="rect">
             <a:avLst/>
@@ -11735,7 +11718,7 @@
         <p:spPr>
           <a:xfrm>
             <a:off x="4404600" y="2036160"/>
-            <a:ext cx="3122640" cy="4659480"/>
+            <a:ext cx="3122280" cy="4659120"/>
           </a:xfrm>
           <a:prstGeom prst="rect">
             <a:avLst/>
@@ -11819,7 +11802,7 @@
         <p:spPr>
           <a:xfrm>
             <a:off x="1676520" y="2743200"/>
-            <a:ext cx="8835120" cy="1064520"/>
+            <a:ext cx="8834760" cy="1064520"/>
           </a:xfrm>
           <a:prstGeom prst="rect">
             <a:avLst/>
@@ -11840,7 +11823,7 @@
             <a:spAutoFit/>
           </a:bodyPr>
           <a:p>
-            <a:pPr marL="343080" indent="-339120">
+            <a:pPr marL="343080" indent="-338760">
               <a:lnSpc>
                 <a:spcPct val="100000"/>
               </a:lnSpc>
@@ -11895,7 +11878,7 @@
             </a:endParaRPr>
           </a:p>
           <a:p>
-            <a:pPr marL="343080" indent="-339120">
+            <a:pPr marL="343080" indent="-338760">
               <a:lnSpc>
                 <a:spcPct val="100000"/>
               </a:lnSpc>
@@ -12031,7 +12014,7 @@
         <p:spPr>
           <a:xfrm>
             <a:off x="1600200" y="762120"/>
-            <a:ext cx="8987760" cy="699480"/>
+            <a:ext cx="8987400" cy="699480"/>
           </a:xfrm>
           <a:prstGeom prst="rect">
             <a:avLst/>
@@ -12092,7 +12075,7 @@
         <p:spPr>
           <a:xfrm>
             <a:off x="1523880" y="5067720"/>
-            <a:ext cx="9140040" cy="790920"/>
+            <a:ext cx="9139680" cy="790560"/>
           </a:xfrm>
           <a:prstGeom prst="rect">
             <a:avLst/>
@@ -12153,7 +12136,7 @@
             </a:endParaRPr>
           </a:p>
           <a:p>
-            <a:pPr marL="285840" indent="-281880">
+            <a:pPr marL="285840" indent="-281520">
               <a:lnSpc>
                 <a:spcPct val="100000"/>
               </a:lnSpc>
@@ -12198,7 +12181,7 @@
         <p:spPr>
           <a:xfrm>
             <a:off x="1584000" y="4287960"/>
-            <a:ext cx="8708400" cy="352440"/>
+            <a:ext cx="8708040" cy="352080"/>
           </a:xfrm>
           <a:prstGeom prst="rect">
             <a:avLst/>
@@ -12269,7 +12252,7 @@
         <p:spPr>
           <a:xfrm>
             <a:off x="1523880" y="0"/>
-            <a:ext cx="9142200" cy="699120"/>
+            <a:ext cx="9141840" cy="699120"/>
           </a:xfrm>
           <a:prstGeom prst="rect">
             <a:avLst/>
@@ -12374,7 +12357,7 @@
         <p:spPr>
           <a:xfrm>
             <a:off x="1676520" y="2362320"/>
-            <a:ext cx="8835120" cy="1186920"/>
+            <a:ext cx="8834760" cy="1186920"/>
           </a:xfrm>
           <a:prstGeom prst="rect">
             <a:avLst/>
@@ -12408,7 +12391,7 @@
                 <a:latin typeface="Century"/>
                 <a:ea typeface="DejaVu Sans"/>
               </a:rPr>
-              <a:t>select</a:t>
+              <a:t>select database</a:t>
             </a:r>
             <a:endParaRPr b="0" lang="en-IN" sz="7200" spc="-1" strike="noStrike">
               <a:latin typeface="Arial"/>
@@ -12425,7 +12408,7 @@
         <p:spPr>
           <a:xfrm>
             <a:off x="1676520" y="3531600"/>
-            <a:ext cx="8835120" cy="424800"/>
+            <a:ext cx="8834760" cy="424800"/>
           </a:xfrm>
           <a:prstGeom prst="rect">
             <a:avLst/>
@@ -12541,7 +12524,7 @@
         <p:spPr>
           <a:xfrm>
             <a:off x="1523880" y="0"/>
-            <a:ext cx="9140040" cy="699120"/>
+            <a:ext cx="9139680" cy="699120"/>
           </a:xfrm>
           <a:prstGeom prst="rect">
             <a:avLst/>
@@ -12579,7 +12562,7 @@
                 <a:latin typeface="Open Sans"/>
                 <a:ea typeface="DejaVu Sans"/>
               </a:rPr>
-              <a:t>select index</a:t>
+              <a:t>select DB</a:t>
             </a:r>
             <a:endParaRPr b="0" lang="en-IN" sz="4000" spc="-1" strike="noStrike">
               <a:latin typeface="Arial"/>
@@ -12596,7 +12579,7 @@
         <p:spPr>
           <a:xfrm>
             <a:off x="1600200" y="762120"/>
-            <a:ext cx="8987760" cy="638640"/>
+            <a:ext cx="8987400" cy="638280"/>
           </a:xfrm>
           <a:prstGeom prst="rect">
             <a:avLst/>
@@ -12657,7 +12640,7 @@
         <p:spPr>
           <a:xfrm>
             <a:off x="152280" y="152280"/>
-            <a:ext cx="1102680" cy="455400"/>
+            <a:ext cx="1102320" cy="455400"/>
           </a:xfrm>
           <a:prstGeom prst="rect">
             <a:avLst/>
@@ -12708,7 +12691,7 @@
         <p:spPr>
           <a:xfrm>
             <a:off x="1601280" y="2221560"/>
-            <a:ext cx="8986680" cy="394560"/>
+            <a:ext cx="8986320" cy="699480"/>
           </a:xfrm>
           <a:prstGeom prst="rect">
             <a:avLst/>
@@ -12748,6 +12731,26 @@
               <a:latin typeface="Arial"/>
             </a:endParaRPr>
           </a:p>
+          <a:p>
+            <a:pPr>
+              <a:lnSpc>
+                <a:spcPct val="100000"/>
+              </a:lnSpc>
+            </a:pPr>
+            <a:r>
+              <a:rPr b="0" lang="en-US" sz="2000" spc="-1" strike="noStrike">
+                <a:solidFill>
+                  <a:srgbClr val="00b0f0"/>
+                </a:solidFill>
+                <a:latin typeface="Consolas"/>
+                <a:ea typeface="DejaVu Sans"/>
+              </a:rPr>
+              <a:t>ECHO message</a:t>
+            </a:r>
+            <a:endParaRPr b="0" lang="en-IN" sz="2000" spc="-1" strike="noStrike">
+              <a:latin typeface="Arial"/>
+            </a:endParaRPr>
+          </a:p>
         </p:txBody>
       </p:sp>
       <p:sp>
@@ -12758,8 +12761,8 @@
         </p:nvSpPr>
         <p:spPr>
           <a:xfrm>
-            <a:off x="1523880" y="2760480"/>
-            <a:ext cx="9416880" cy="1735920"/>
+            <a:off x="1523880" y="2940480"/>
+            <a:ext cx="9416520" cy="1735560"/>
           </a:xfrm>
           <a:prstGeom prst="rect">
             <a:avLst/>
@@ -12780,7 +12783,7 @@
             <a:spAutoFit/>
           </a:bodyPr>
           <a:p>
-            <a:pPr marL="285840" indent="-281880">
+            <a:pPr marL="285840" indent="-281520">
               <a:lnSpc>
                 <a:spcPct val="150000"/>
               </a:lnSpc>
@@ -12825,7 +12828,7 @@
             </a:endParaRPr>
           </a:p>
           <a:p>
-            <a:pPr marL="285840" indent="-281880">
+            <a:pPr marL="285840" indent="-281520">
               <a:lnSpc>
                 <a:spcPct val="150000"/>
               </a:lnSpc>
@@ -12900,7 +12903,7 @@
             </a:endParaRPr>
           </a:p>
           <a:p>
-            <a:pPr marL="285840" indent="-281880">
+            <a:pPr marL="285840" indent="-281520">
               <a:lnSpc>
                 <a:spcPct val="150000"/>
               </a:lnSpc>
@@ -12965,7 +12968,7 @@
             </a:endParaRPr>
           </a:p>
           <a:p>
-            <a:pPr marL="285840" indent="-281880">
+            <a:pPr marL="285840" indent="-281520">
               <a:lnSpc>
                 <a:spcPct val="150000"/>
               </a:lnSpc>
@@ -12983,7 +12986,37 @@
                 <a:latin typeface="Consolas"/>
                 <a:ea typeface="SimSun"/>
               </a:rPr>
-              <a:t>127.0.0.1:6379&gt;</a:t>
+              <a:t>127.0.0.1:6379&gt; </a:t>
+            </a:r>
+            <a:r>
+              <a:rPr b="0" lang="en-IN" sz="1800" spc="-1" strike="noStrike">
+                <a:solidFill>
+                  <a:srgbClr val="ff5733"/>
+                </a:solidFill>
+                <a:latin typeface="Consolas"/>
+                <a:ea typeface="SimSun"/>
+              </a:rPr>
+              <a:t>echo</a:t>
+            </a:r>
+            <a:r>
+              <a:rPr b="0" lang="en-IN" sz="1800" spc="-1" strike="noStrike">
+                <a:solidFill>
+                  <a:srgbClr val="808080"/>
+                </a:solidFill>
+                <a:latin typeface="Consolas"/>
+                <a:ea typeface="SimSun"/>
+              </a:rPr>
+              <a:t> </a:t>
+            </a:r>
+            <a:r>
+              <a:rPr b="0" lang="en-IN" sz="1800" spc="-1" strike="noStrike">
+                <a:solidFill>
+                  <a:srgbClr val="ff5733"/>
+                </a:solidFill>
+                <a:latin typeface="Consolas"/>
+                <a:ea typeface="SimSun"/>
+              </a:rPr>
+              <a:t>"Hello World!"</a:t>
             </a:r>
             <a:endParaRPr b="0" lang="en-IN" sz="1800" spc="-1" strike="noStrike">
               <a:latin typeface="Arial"/>
@@ -12999,8 +13032,8 @@
         </p:nvSpPr>
         <p:spPr>
           <a:xfrm>
-            <a:off x="1584000" y="5033520"/>
-            <a:ext cx="8852400" cy="1013040"/>
+            <a:off x="1584000" y="4889520"/>
+            <a:ext cx="8852040" cy="1012680"/>
           </a:xfrm>
           <a:prstGeom prst="rect">
             <a:avLst/>
@@ -13051,7 +13084,7 @@
             </a:endParaRPr>
           </a:p>
           <a:p>
-            <a:pPr marL="216000" indent="-212400">
+            <a:pPr marL="216000" indent="-212040">
               <a:lnSpc>
                 <a:spcPct val="100000"/>
               </a:lnSpc>
@@ -13177,7 +13210,7 @@
         <p:spPr>
           <a:xfrm>
             <a:off x="1676520" y="2362320"/>
-            <a:ext cx="8835120" cy="1186920"/>
+            <a:ext cx="8834760" cy="1186920"/>
           </a:xfrm>
           <a:prstGeom prst="rect">
             <a:avLst/>
@@ -13228,7 +13261,7 @@
         <p:spPr>
           <a:xfrm>
             <a:off x="1666800" y="609480"/>
-            <a:ext cx="8835120" cy="394560"/>
+            <a:ext cx="8834760" cy="394560"/>
           </a:xfrm>
           <a:prstGeom prst="rect">
             <a:avLst/>
@@ -13279,7 +13312,7 @@
         <p:spPr>
           <a:xfrm>
             <a:off x="1676520" y="3531600"/>
-            <a:ext cx="8835120" cy="759960"/>
+            <a:ext cx="8834760" cy="759960"/>
           </a:xfrm>
           <a:prstGeom prst="rect">
             <a:avLst/>
@@ -13360,7 +13393,7 @@
         <p:spPr>
           <a:xfrm>
             <a:off x="1676520" y="2362320"/>
-            <a:ext cx="8835120" cy="1186920"/>
+            <a:ext cx="8834760" cy="1186920"/>
           </a:xfrm>
           <a:prstGeom prst="rect">
             <a:avLst/>
@@ -13411,7 +13444,7 @@
         <p:spPr>
           <a:xfrm>
             <a:off x="1676520" y="3531600"/>
-            <a:ext cx="8835120" cy="424800"/>
+            <a:ext cx="8834760" cy="424800"/>
           </a:xfrm>
           <a:prstGeom prst="rect">
             <a:avLst/>
@@ -13527,7 +13560,7 @@
         <p:spPr>
           <a:xfrm>
             <a:off x="1523880" y="0"/>
-            <a:ext cx="9140040" cy="699120"/>
+            <a:ext cx="9139680" cy="699120"/>
           </a:xfrm>
           <a:prstGeom prst="rect">
             <a:avLst/>
@@ -13582,7 +13615,7 @@
         <p:spPr>
           <a:xfrm>
             <a:off x="1600200" y="762120"/>
-            <a:ext cx="8987760" cy="912960"/>
+            <a:ext cx="8987400" cy="912600"/>
           </a:xfrm>
           <a:prstGeom prst="rect">
             <a:avLst/>
@@ -13643,7 +13676,7 @@
         <p:spPr>
           <a:xfrm>
             <a:off x="1523880" y="4272480"/>
-            <a:ext cx="8885880" cy="2558520"/>
+            <a:ext cx="8885520" cy="2558520"/>
           </a:xfrm>
           <a:prstGeom prst="rect">
             <a:avLst/>
@@ -13664,7 +13697,7 @@
             <a:spAutoFit/>
           </a:bodyPr>
           <a:p>
-            <a:pPr marL="285840" indent="-281880">
+            <a:pPr marL="285840" indent="-281520">
               <a:lnSpc>
                 <a:spcPct val="150000"/>
               </a:lnSpc>
@@ -13709,7 +13742,7 @@
             </a:endParaRPr>
           </a:p>
           <a:p>
-            <a:pPr marL="285840" indent="-281880">
+            <a:pPr marL="285840" indent="-281520">
               <a:lnSpc>
                 <a:spcPct val="150000"/>
               </a:lnSpc>
@@ -13754,7 +13787,7 @@
             </a:endParaRPr>
           </a:p>
           <a:p>
-            <a:pPr marL="285840" indent="-281880">
+            <a:pPr marL="285840" indent="-281520">
               <a:lnSpc>
                 <a:spcPct val="150000"/>
               </a:lnSpc>
@@ -13799,7 +13832,7 @@
             </a:endParaRPr>
           </a:p>
           <a:p>
-            <a:pPr marL="285840" indent="-281880">
+            <a:pPr marL="285840" indent="-281520">
               <a:lnSpc>
                 <a:spcPct val="150000"/>
               </a:lnSpc>
@@ -13844,7 +13877,7 @@
             </a:endParaRPr>
           </a:p>
           <a:p>
-            <a:pPr marL="285840" indent="-281880">
+            <a:pPr marL="285840" indent="-281520">
               <a:lnSpc>
                 <a:spcPct val="150000"/>
               </a:lnSpc>
@@ -13879,7 +13912,7 @@
             </a:endParaRPr>
           </a:p>
           <a:p>
-            <a:pPr marL="285840" indent="-281880">
+            <a:pPr marL="285840" indent="-281520">
               <a:lnSpc>
                 <a:spcPct val="150000"/>
               </a:lnSpc>
@@ -14444,7 +14477,7 @@
         <p:spPr>
           <a:xfrm>
             <a:off x="1601280" y="2221560"/>
-            <a:ext cx="8986680" cy="394560"/>
+            <a:ext cx="8986320" cy="394560"/>
           </a:xfrm>
           <a:prstGeom prst="rect">
             <a:avLst/>
@@ -14525,7 +14558,7 @@
         <p:spPr>
           <a:xfrm>
             <a:off x="1676520" y="2362320"/>
-            <a:ext cx="8835120" cy="2284200"/>
+            <a:ext cx="8834760" cy="2284200"/>
           </a:xfrm>
           <a:prstGeom prst="rect">
             <a:avLst/>
@@ -14576,7 +14609,7 @@
         <p:spPr>
           <a:xfrm>
             <a:off x="1676520" y="4719600"/>
-            <a:ext cx="8835120" cy="424800"/>
+            <a:ext cx="8834760" cy="424800"/>
           </a:xfrm>
           <a:prstGeom prst="rect">
             <a:avLst/>

--- a/redis ver1.pptx
+++ b/redis ver1.pptx
@@ -35,6 +35,8 @@
     <p:sldId id="282" r:id="rId30"/>
     <p:sldId id="283" r:id="rId31"/>
     <p:sldId id="284" r:id="rId32"/>
+    <p:sldId id="285" r:id="rId33"/>
+    <p:sldId id="286" r:id="rId34"/>
   </p:sldIdLst>
   <p:sldSz cx="12192000" cy="6858000"/>
   <p:notesSz cx="7559675" cy="10691812"/>
@@ -2843,8 +2845,8 @@
         </p:nvSpPr>
         <p:spPr>
           <a:xfrm rot="5400000">
-            <a:off x="594720" y="6447240"/>
-            <a:ext cx="186480" cy="156240"/>
+            <a:off x="595080" y="6447240"/>
+            <a:ext cx="186120" cy="155880"/>
           </a:xfrm>
           <a:prstGeom prst="triangle">
             <a:avLst>
@@ -2885,7 +2887,7 @@
         <p:spPr>
           <a:xfrm>
             <a:off x="1206360" y="3648240"/>
-            <a:ext cx="9749160" cy="1275840"/>
+            <a:ext cx="9748800" cy="1275480"/>
           </a:xfrm>
           <a:prstGeom prst="rect">
             <a:avLst/>
@@ -2927,7 +2929,7 @@
         <p:spPr>
           <a:xfrm>
             <a:off x="1219320" y="5638680"/>
-            <a:ext cx="9749160" cy="681480"/>
+            <a:ext cx="9748800" cy="681120"/>
           </a:xfrm>
           <a:prstGeom prst="rect">
             <a:avLst/>
@@ -2969,7 +2971,7 @@
         <p:spPr>
           <a:xfrm>
             <a:off x="1206360" y="3648240"/>
-            <a:ext cx="300600" cy="1275840"/>
+            <a:ext cx="300240" cy="1275480"/>
           </a:xfrm>
           <a:prstGeom prst="rect">
             <a:avLst/>
@@ -3008,7 +3010,7 @@
         <p:spPr>
           <a:xfrm>
             <a:off x="1219320" y="5638680"/>
-            <a:ext cx="300600" cy="681480"/>
+            <a:ext cx="300240" cy="681120"/>
           </a:xfrm>
           <a:prstGeom prst="rect">
             <a:avLst/>
@@ -3364,8 +3366,8 @@
         </p:nvSpPr>
         <p:spPr>
           <a:xfrm rot="5400000">
-            <a:off x="594720" y="6447240"/>
-            <a:ext cx="186480" cy="156240"/>
+            <a:off x="595080" y="6447240"/>
+            <a:ext cx="186120" cy="155880"/>
           </a:xfrm>
           <a:prstGeom prst="triangle">
             <a:avLst>
@@ -3434,8 +3436,8 @@
         </p:nvSpPr>
         <p:spPr>
           <a:xfrm rot="5400000">
-            <a:off x="594720" y="6447240"/>
-            <a:ext cx="186480" cy="156240"/>
+            <a:off x="595080" y="6447240"/>
+            <a:ext cx="186120" cy="155880"/>
           </a:xfrm>
           <a:prstGeom prst="triangle">
             <a:avLst>
@@ -3729,7 +3731,7 @@
         <p:spPr>
           <a:xfrm>
             <a:off x="1975680" y="3733920"/>
-            <a:ext cx="8530200" cy="986400"/>
+            <a:ext cx="8529840" cy="986040"/>
           </a:xfrm>
           <a:prstGeom prst="rect">
             <a:avLst/>
@@ -3786,7 +3788,7 @@
         <p:spPr>
           <a:xfrm>
             <a:off x="181440" y="2001960"/>
-            <a:ext cx="2850120" cy="2850120"/>
+            <a:ext cx="2849760" cy="2849760"/>
           </a:xfrm>
           <a:prstGeom prst="rect">
             <a:avLst/>
@@ -3805,7 +3807,7 @@
         <p:spPr>
           <a:xfrm>
             <a:off x="4444920" y="5050800"/>
-            <a:ext cx="6060600" cy="583560"/>
+            <a:ext cx="6060240" cy="583200"/>
           </a:xfrm>
           <a:prstGeom prst="rect">
             <a:avLst/>
@@ -3868,7 +3870,7 @@
         <p:spPr>
           <a:xfrm>
             <a:off x="181440" y="196560"/>
-            <a:ext cx="2850120" cy="1063440"/>
+            <a:ext cx="2849760" cy="1063080"/>
           </a:xfrm>
           <a:prstGeom prst="rect">
             <a:avLst/>
@@ -3887,7 +3889,7 @@
         <p:spPr>
           <a:xfrm>
             <a:off x="3557880" y="93600"/>
-            <a:ext cx="8448480" cy="3045240"/>
+            <a:ext cx="8448120" cy="3045240"/>
           </a:xfrm>
           <a:prstGeom prst="rect">
             <a:avLst/>
@@ -3972,7 +3974,7 @@
         <p:spPr>
           <a:xfrm>
             <a:off x="181440" y="196920"/>
-            <a:ext cx="2851920" cy="1065240"/>
+            <a:ext cx="2851560" cy="1064880"/>
           </a:xfrm>
           <a:prstGeom prst="rect">
             <a:avLst/>
@@ -3995,7 +3997,7 @@
         <p:spPr>
           <a:xfrm>
             <a:off x="181440" y="2001960"/>
-            <a:ext cx="2853000" cy="2853000"/>
+            <a:ext cx="2852640" cy="2852640"/>
           </a:xfrm>
           <a:prstGeom prst="rect">
             <a:avLst/>
@@ -4079,7 +4081,7 @@
         <p:spPr>
           <a:xfrm>
             <a:off x="1523880" y="0"/>
-            <a:ext cx="9139680" cy="699120"/>
+            <a:ext cx="9139320" cy="699120"/>
           </a:xfrm>
           <a:prstGeom prst="rect">
             <a:avLst/>
@@ -4134,7 +4136,7 @@
         <p:spPr>
           <a:xfrm>
             <a:off x="1600200" y="762120"/>
-            <a:ext cx="8987400" cy="1735560"/>
+            <a:ext cx="8987040" cy="1735560"/>
           </a:xfrm>
           <a:prstGeom prst="rect">
             <a:avLst/>
@@ -4235,7 +4237,7 @@
         <p:spPr>
           <a:xfrm>
             <a:off x="152280" y="152280"/>
-            <a:ext cx="1102320" cy="455400"/>
+            <a:ext cx="1101960" cy="455400"/>
           </a:xfrm>
           <a:prstGeom prst="rect">
             <a:avLst/>
@@ -4286,7 +4288,7 @@
         <p:spPr>
           <a:xfrm>
             <a:off x="1601280" y="2823480"/>
-            <a:ext cx="8986320" cy="699480"/>
+            <a:ext cx="8985960" cy="699480"/>
           </a:xfrm>
           <a:prstGeom prst="rect">
             <a:avLst/>
@@ -4357,7 +4359,7 @@
         <p:spPr>
           <a:xfrm>
             <a:off x="1523880" y="3801960"/>
-            <a:ext cx="8885520" cy="2147040"/>
+            <a:ext cx="8885160" cy="2147040"/>
           </a:xfrm>
           <a:prstGeom prst="rect">
             <a:avLst/>
@@ -4378,7 +4380,7 @@
             <a:spAutoFit/>
           </a:bodyPr>
           <a:p>
-            <a:pPr marL="285840" indent="-281520">
+            <a:pPr marL="285840" indent="-281160">
               <a:lnSpc>
                 <a:spcPct val="150000"/>
               </a:lnSpc>
@@ -4423,7 +4425,7 @@
             </a:endParaRPr>
           </a:p>
           <a:p>
-            <a:pPr marL="285840" indent="-281520">
+            <a:pPr marL="285840" indent="-281160">
               <a:lnSpc>
                 <a:spcPct val="150000"/>
               </a:lnSpc>
@@ -4468,7 +4470,7 @@
             </a:endParaRPr>
           </a:p>
           <a:p>
-            <a:pPr marL="285840" indent="-281520">
+            <a:pPr marL="285840" indent="-281160">
               <a:lnSpc>
                 <a:spcPct val="150000"/>
               </a:lnSpc>
@@ -4513,7 +4515,7 @@
             </a:endParaRPr>
           </a:p>
           <a:p>
-            <a:pPr marL="285840" indent="-281520">
+            <a:pPr marL="285840" indent="-281160">
               <a:lnSpc>
                 <a:spcPct val="150000"/>
               </a:lnSpc>
@@ -4598,7 +4600,7 @@
         <p:spPr>
           <a:xfrm>
             <a:off x="1676520" y="2362320"/>
-            <a:ext cx="8834760" cy="2284200"/>
+            <a:ext cx="8834400" cy="2284200"/>
           </a:xfrm>
           <a:prstGeom prst="rect">
             <a:avLst/>
@@ -4649,7 +4651,7 @@
         <p:spPr>
           <a:xfrm>
             <a:off x="1676520" y="3531600"/>
-            <a:ext cx="8834760" cy="424800"/>
+            <a:ext cx="8834400" cy="424800"/>
           </a:xfrm>
           <a:prstGeom prst="rect">
             <a:avLst/>
@@ -4765,7 +4767,7 @@
         <p:spPr>
           <a:xfrm>
             <a:off x="1523880" y="0"/>
-            <a:ext cx="9139680" cy="699120"/>
+            <a:ext cx="9139320" cy="699120"/>
           </a:xfrm>
           <a:prstGeom prst="rect">
             <a:avLst/>
@@ -4820,7 +4822,7 @@
         <p:spPr>
           <a:xfrm>
             <a:off x="1600200" y="762120"/>
-            <a:ext cx="8987400" cy="1461240"/>
+            <a:ext cx="8987040" cy="1461240"/>
           </a:xfrm>
           <a:prstGeom prst="rect">
             <a:avLst/>
@@ -4921,7 +4923,7 @@
         <p:spPr>
           <a:xfrm>
             <a:off x="152280" y="152280"/>
-            <a:ext cx="1102320" cy="455400"/>
+            <a:ext cx="1101960" cy="455400"/>
           </a:xfrm>
           <a:prstGeom prst="rect">
             <a:avLst/>
@@ -4972,7 +4974,7 @@
         <p:spPr>
           <a:xfrm>
             <a:off x="1601280" y="2509560"/>
-            <a:ext cx="8986320" cy="699480"/>
+            <a:ext cx="8985960" cy="699480"/>
           </a:xfrm>
           <a:prstGeom prst="rect">
             <a:avLst/>
@@ -5043,7 +5045,7 @@
         <p:spPr>
           <a:xfrm>
             <a:off x="1523880" y="3480480"/>
-            <a:ext cx="8885520" cy="2558520"/>
+            <a:ext cx="8885160" cy="2558520"/>
           </a:xfrm>
           <a:prstGeom prst="rect">
             <a:avLst/>
@@ -5064,7 +5066,7 @@
             <a:spAutoFit/>
           </a:bodyPr>
           <a:p>
-            <a:pPr marL="285840" indent="-281520">
+            <a:pPr marL="285840" indent="-281160">
               <a:lnSpc>
                 <a:spcPct val="150000"/>
               </a:lnSpc>
@@ -5109,7 +5111,7 @@
             </a:endParaRPr>
           </a:p>
           <a:p>
-            <a:pPr marL="285840" indent="-281520">
+            <a:pPr marL="285840" indent="-281160">
               <a:lnSpc>
                 <a:spcPct val="150000"/>
               </a:lnSpc>
@@ -5154,7 +5156,7 @@
             </a:endParaRPr>
           </a:p>
           <a:p>
-            <a:pPr marL="285840" indent="-281520">
+            <a:pPr marL="285840" indent="-281160">
               <a:lnSpc>
                 <a:spcPct val="150000"/>
               </a:lnSpc>
@@ -5199,7 +5201,7 @@
             </a:endParaRPr>
           </a:p>
           <a:p>
-            <a:pPr marL="285840" indent="-281520">
+            <a:pPr marL="285840" indent="-281160">
               <a:lnSpc>
                 <a:spcPct val="150000"/>
               </a:lnSpc>
@@ -5244,7 +5246,7 @@
             </a:endParaRPr>
           </a:p>
           <a:p>
-            <a:pPr marL="285840" indent="-281520">
+            <a:pPr marL="285840" indent="-281160">
               <a:lnSpc>
                 <a:spcPct val="150000"/>
               </a:lnSpc>
@@ -5279,7 +5281,7 @@
             </a:endParaRPr>
           </a:p>
           <a:p>
-            <a:pPr marL="285840" indent="-281520">
+            <a:pPr marL="285840" indent="-281160">
               <a:lnSpc>
                 <a:spcPct val="150000"/>
               </a:lnSpc>
@@ -5354,7 +5356,7 @@
         <p:spPr>
           <a:xfrm>
             <a:off x="1676520" y="2362320"/>
-            <a:ext cx="8834760" cy="2284200"/>
+            <a:ext cx="8834400" cy="2284200"/>
           </a:xfrm>
           <a:prstGeom prst="rect">
             <a:avLst/>
@@ -5405,7 +5407,7 @@
         <p:spPr>
           <a:xfrm>
             <a:off x="1676520" y="4935600"/>
-            <a:ext cx="8834760" cy="424800"/>
+            <a:ext cx="8834400" cy="424800"/>
           </a:xfrm>
           <a:prstGeom prst="rect">
             <a:avLst/>
@@ -5521,7 +5523,7 @@
         <p:spPr>
           <a:xfrm>
             <a:off x="1523880" y="0"/>
-            <a:ext cx="9139680" cy="699120"/>
+            <a:ext cx="9139320" cy="699120"/>
           </a:xfrm>
           <a:prstGeom prst="rect">
             <a:avLst/>
@@ -5576,7 +5578,7 @@
         <p:spPr>
           <a:xfrm>
             <a:off x="1600200" y="762120"/>
-            <a:ext cx="8987400" cy="2284200"/>
+            <a:ext cx="8987040" cy="2284200"/>
           </a:xfrm>
           <a:prstGeom prst="rect">
             <a:avLst/>
@@ -5717,7 +5719,7 @@
         <p:spPr>
           <a:xfrm>
             <a:off x="152280" y="152280"/>
-            <a:ext cx="1102320" cy="455400"/>
+            <a:ext cx="1101960" cy="455400"/>
           </a:xfrm>
           <a:prstGeom prst="rect">
             <a:avLst/>
@@ -5768,7 +5770,7 @@
         <p:spPr>
           <a:xfrm>
             <a:off x="1601280" y="2977560"/>
-            <a:ext cx="8986320" cy="1309320"/>
+            <a:ext cx="8985960" cy="1309320"/>
           </a:xfrm>
           <a:prstGeom prst="rect">
             <a:avLst/>
@@ -5879,7 +5881,7 @@
         <p:spPr>
           <a:xfrm>
             <a:off x="1523880" y="4344480"/>
-            <a:ext cx="8885520" cy="2147040"/>
+            <a:ext cx="8885160" cy="2147040"/>
           </a:xfrm>
           <a:prstGeom prst="rect">
             <a:avLst/>
@@ -5900,7 +5902,7 @@
             <a:spAutoFit/>
           </a:bodyPr>
           <a:p>
-            <a:pPr marL="285840" indent="-281520">
+            <a:pPr marL="285840" indent="-281160">
               <a:lnSpc>
                 <a:spcPct val="150000"/>
               </a:lnSpc>
@@ -5945,7 +5947,7 @@
             </a:endParaRPr>
           </a:p>
           <a:p>
-            <a:pPr marL="285840" indent="-281520">
+            <a:pPr marL="285840" indent="-281160">
               <a:lnSpc>
                 <a:spcPct val="150000"/>
               </a:lnSpc>
@@ -5990,7 +5992,7 @@
             </a:endParaRPr>
           </a:p>
           <a:p>
-            <a:pPr marL="285840" indent="-281520">
+            <a:pPr marL="285840" indent="-281160">
               <a:lnSpc>
                 <a:spcPct val="150000"/>
               </a:lnSpc>
@@ -6035,7 +6037,7 @@
             </a:endParaRPr>
           </a:p>
           <a:p>
-            <a:pPr marL="285840" indent="-281520">
+            <a:pPr marL="285840" indent="-281160">
               <a:lnSpc>
                 <a:spcPct val="150000"/>
               </a:lnSpc>
@@ -6080,7 +6082,7 @@
             </a:endParaRPr>
           </a:p>
           <a:p>
-            <a:pPr marL="285840" indent="-281520">
+            <a:pPr marL="285840" indent="-281160">
               <a:lnSpc>
                 <a:spcPct val="150000"/>
               </a:lnSpc>
@@ -6165,7 +6167,7 @@
         <p:spPr>
           <a:xfrm>
             <a:off x="1676520" y="2362320"/>
-            <a:ext cx="8834760" cy="1186920"/>
+            <a:ext cx="8834400" cy="1186920"/>
           </a:xfrm>
           <a:prstGeom prst="rect">
             <a:avLst/>
@@ -6216,7 +6218,7 @@
         <p:spPr>
           <a:xfrm>
             <a:off x="1676520" y="3531600"/>
-            <a:ext cx="8834760" cy="424800"/>
+            <a:ext cx="8834400" cy="424800"/>
           </a:xfrm>
           <a:prstGeom prst="rect">
             <a:avLst/>
@@ -6332,7 +6334,7 @@
         <p:spPr>
           <a:xfrm>
             <a:off x="1523880" y="0"/>
-            <a:ext cx="9139680" cy="699120"/>
+            <a:ext cx="9139320" cy="699120"/>
           </a:xfrm>
           <a:prstGeom prst="rect">
             <a:avLst/>
@@ -6387,7 +6389,7 @@
         <p:spPr>
           <a:xfrm>
             <a:off x="1600200" y="762120"/>
-            <a:ext cx="8987400" cy="912600"/>
+            <a:ext cx="8987040" cy="912600"/>
           </a:xfrm>
           <a:prstGeom prst="rect">
             <a:avLst/>
@@ -6488,7 +6490,7 @@
         <p:spPr>
           <a:xfrm>
             <a:off x="1600200" y="2865600"/>
-            <a:ext cx="8885520" cy="1735560"/>
+            <a:ext cx="8885160" cy="1735560"/>
           </a:xfrm>
           <a:prstGeom prst="rect">
             <a:avLst/>
@@ -6509,7 +6511,7 @@
             <a:spAutoFit/>
           </a:bodyPr>
           <a:p>
-            <a:pPr marL="285840" indent="-281520">
+            <a:pPr marL="285840" indent="-281160">
               <a:lnSpc>
                 <a:spcPct val="150000"/>
               </a:lnSpc>
@@ -6554,7 +6556,7 @@
             </a:endParaRPr>
           </a:p>
           <a:p>
-            <a:pPr marL="285840" indent="-281520">
+            <a:pPr marL="285840" indent="-281160">
               <a:lnSpc>
                 <a:spcPct val="150000"/>
               </a:lnSpc>
@@ -6599,7 +6601,7 @@
             </a:endParaRPr>
           </a:p>
           <a:p>
-            <a:pPr marL="285840" indent="-281520">
+            <a:pPr marL="285840" indent="-281160">
               <a:lnSpc>
                 <a:spcPct val="150000"/>
               </a:lnSpc>
@@ -6644,7 +6646,7 @@
             </a:endParaRPr>
           </a:p>
           <a:p>
-            <a:pPr marL="285840" indent="-281520">
+            <a:pPr marL="285840" indent="-281160">
               <a:lnSpc>
                 <a:spcPct val="150000"/>
               </a:lnSpc>
@@ -6699,7 +6701,7 @@
         <p:spPr>
           <a:xfrm>
             <a:off x="152280" y="152280"/>
-            <a:ext cx="1102320" cy="455400"/>
+            <a:ext cx="1101960" cy="455400"/>
           </a:xfrm>
           <a:prstGeom prst="rect">
             <a:avLst/>
@@ -6750,7 +6752,7 @@
         <p:spPr>
           <a:xfrm>
             <a:off x="1601280" y="2221560"/>
-            <a:ext cx="8986320" cy="699480"/>
+            <a:ext cx="8985960" cy="699480"/>
           </a:xfrm>
           <a:prstGeom prst="rect">
             <a:avLst/>
@@ -6821,7 +6823,7 @@
         <p:spPr>
           <a:xfrm>
             <a:off x="1656000" y="4713480"/>
-            <a:ext cx="8996040" cy="1366200"/>
+            <a:ext cx="8995680" cy="1365840"/>
           </a:xfrm>
           <a:prstGeom prst="rect">
             <a:avLst/>
@@ -6842,7 +6844,7 @@
             <a:noAutofit/>
           </a:bodyPr>
           <a:p>
-            <a:pPr marL="216000" indent="-214920">
+            <a:pPr marL="216000" indent="-214560">
               <a:lnSpc>
                 <a:spcPct val="150000"/>
               </a:lnSpc>
@@ -6877,7 +6879,7 @@
             </a:endParaRPr>
           </a:p>
           <a:p>
-            <a:pPr marL="216000" indent="-214920">
+            <a:pPr marL="216000" indent="-214560">
               <a:lnSpc>
                 <a:spcPct val="150000"/>
               </a:lnSpc>
@@ -6912,7 +6914,7 @@
             </a:endParaRPr>
           </a:p>
           <a:p>
-            <a:pPr marL="216000" indent="-214920">
+            <a:pPr marL="216000" indent="-214560">
               <a:lnSpc>
                 <a:spcPct val="150000"/>
               </a:lnSpc>
@@ -6947,7 +6949,7 @@
             </a:endParaRPr>
           </a:p>
           <a:p>
-            <a:pPr marL="216000" indent="-214920">
+            <a:pPr marL="216000" indent="-214560">
               <a:lnSpc>
                 <a:spcPct val="150000"/>
               </a:lnSpc>
@@ -6982,7 +6984,7 @@
             </a:endParaRPr>
           </a:p>
           <a:p>
-            <a:pPr marL="216000" indent="-214920">
+            <a:pPr marL="216000" indent="-214560">
               <a:lnSpc>
                 <a:spcPct val="150000"/>
               </a:lnSpc>
@@ -7057,7 +7059,7 @@
         <p:spPr>
           <a:xfrm>
             <a:off x="1676520" y="2362320"/>
-            <a:ext cx="8834760" cy="1186920"/>
+            <a:ext cx="8834400" cy="1186920"/>
           </a:xfrm>
           <a:prstGeom prst="rect">
             <a:avLst/>
@@ -7108,7 +7110,7 @@
         <p:spPr>
           <a:xfrm>
             <a:off x="1676520" y="3531600"/>
-            <a:ext cx="8834760" cy="424800"/>
+            <a:ext cx="8834400" cy="424800"/>
           </a:xfrm>
           <a:prstGeom prst="rect">
             <a:avLst/>
@@ -7224,7 +7226,7 @@
         <p:spPr>
           <a:xfrm>
             <a:off x="1523880" y="0"/>
-            <a:ext cx="9139680" cy="699120"/>
+            <a:ext cx="9139320" cy="699120"/>
           </a:xfrm>
           <a:prstGeom prst="rect">
             <a:avLst/>
@@ -7279,7 +7281,7 @@
         <p:spPr>
           <a:xfrm>
             <a:off x="1600200" y="762120"/>
-            <a:ext cx="8987400" cy="668880"/>
+            <a:ext cx="8987040" cy="668880"/>
           </a:xfrm>
           <a:prstGeom prst="rect">
             <a:avLst/>
@@ -7370,7 +7372,7 @@
         <p:spPr>
           <a:xfrm>
             <a:off x="1600200" y="3909600"/>
-            <a:ext cx="8885520" cy="1324080"/>
+            <a:ext cx="8885160" cy="1324080"/>
           </a:xfrm>
           <a:prstGeom prst="rect">
             <a:avLst/>
@@ -7391,7 +7393,7 @@
             <a:spAutoFit/>
           </a:bodyPr>
           <a:p>
-            <a:pPr marL="285840" indent="-281520">
+            <a:pPr marL="285840" indent="-281160">
               <a:lnSpc>
                 <a:spcPct val="150000"/>
               </a:lnSpc>
@@ -7436,7 +7438,7 @@
             </a:endParaRPr>
           </a:p>
           <a:p>
-            <a:pPr marL="285840" indent="-281520">
+            <a:pPr marL="285840" indent="-281160">
               <a:lnSpc>
                 <a:spcPct val="150000"/>
               </a:lnSpc>
@@ -7481,7 +7483,7 @@
             </a:endParaRPr>
           </a:p>
           <a:p>
-            <a:pPr marL="285840" indent="-281520">
+            <a:pPr marL="285840" indent="-281160">
               <a:lnSpc>
                 <a:spcPct val="150000"/>
               </a:lnSpc>
@@ -7536,7 +7538,7 @@
         <p:spPr>
           <a:xfrm>
             <a:off x="152280" y="152280"/>
-            <a:ext cx="1102320" cy="455400"/>
+            <a:ext cx="1101960" cy="455400"/>
           </a:xfrm>
           <a:prstGeom prst="rect">
             <a:avLst/>
@@ -7587,7 +7589,7 @@
         <p:spPr>
           <a:xfrm>
             <a:off x="1601280" y="2221560"/>
-            <a:ext cx="8986320" cy="699480"/>
+            <a:ext cx="8985960" cy="699480"/>
           </a:xfrm>
           <a:prstGeom prst="rect">
             <a:avLst/>
@@ -7658,7 +7660,7 @@
         <p:spPr>
           <a:xfrm>
             <a:off x="1584000" y="5246640"/>
-            <a:ext cx="8852040" cy="1012680"/>
+            <a:ext cx="8851680" cy="1012320"/>
           </a:xfrm>
           <a:prstGeom prst="rect">
             <a:avLst/>
@@ -7709,7 +7711,7 @@
             </a:endParaRPr>
           </a:p>
           <a:p>
-            <a:pPr marL="216000" indent="-212040">
+            <a:pPr marL="216000" indent="-211680">
               <a:lnSpc>
                 <a:spcPct val="100000"/>
               </a:lnSpc>
@@ -7735,7 +7737,7 @@
             </a:endParaRPr>
           </a:p>
           <a:p>
-            <a:pPr marL="216000" indent="-212040">
+            <a:pPr marL="216000" indent="-211680">
               <a:lnSpc>
                 <a:spcPct val="100000"/>
               </a:lnSpc>
@@ -7771,7 +7773,7 @@
         <p:spPr>
           <a:xfrm>
             <a:off x="1576080" y="3161880"/>
-            <a:ext cx="9579960" cy="650160"/>
+            <a:ext cx="9579600" cy="649800"/>
           </a:xfrm>
           <a:prstGeom prst="rect">
             <a:avLst/>
@@ -7882,7 +7884,7 @@
         <p:spPr>
           <a:xfrm>
             <a:off x="1676520" y="2362320"/>
-            <a:ext cx="8834760" cy="2284200"/>
+            <a:ext cx="8834400" cy="2284200"/>
           </a:xfrm>
           <a:prstGeom prst="rect">
             <a:avLst/>
@@ -7933,7 +7935,7 @@
         <p:spPr>
           <a:xfrm>
             <a:off x="1676520" y="3531600"/>
-            <a:ext cx="8834760" cy="424800"/>
+            <a:ext cx="8834400" cy="424800"/>
           </a:xfrm>
           <a:prstGeom prst="rect">
             <a:avLst/>
@@ -8014,7 +8016,7 @@
         <p:spPr>
           <a:xfrm>
             <a:off x="1676520" y="2362320"/>
-            <a:ext cx="8834760" cy="1186920"/>
+            <a:ext cx="8834400" cy="1186920"/>
           </a:xfrm>
           <a:prstGeom prst="rect">
             <a:avLst/>
@@ -8065,7 +8067,7 @@
         <p:spPr>
           <a:xfrm>
             <a:off x="522360" y="3531600"/>
-            <a:ext cx="11247120" cy="1765440"/>
+            <a:ext cx="11246760" cy="1765440"/>
           </a:xfrm>
           <a:prstGeom prst="rect">
             <a:avLst/>
@@ -8116,7 +8118,7 @@
         <p:spPr>
           <a:xfrm>
             <a:off x="1666800" y="609480"/>
-            <a:ext cx="8834760" cy="394560"/>
+            <a:ext cx="8834400" cy="394560"/>
           </a:xfrm>
           <a:prstGeom prst="rect">
             <a:avLst/>
@@ -8232,7 +8234,7 @@
         <p:spPr>
           <a:xfrm>
             <a:off x="1523880" y="0"/>
-            <a:ext cx="9139680" cy="699120"/>
+            <a:ext cx="9139320" cy="699120"/>
           </a:xfrm>
           <a:prstGeom prst="rect">
             <a:avLst/>
@@ -8287,7 +8289,7 @@
         <p:spPr>
           <a:xfrm>
             <a:off x="1600200" y="762120"/>
-            <a:ext cx="8987400" cy="1735560"/>
+            <a:ext cx="8987040" cy="1735560"/>
           </a:xfrm>
           <a:prstGeom prst="rect">
             <a:avLst/>
@@ -8388,7 +8390,7 @@
         <p:spPr>
           <a:xfrm>
             <a:off x="1600200" y="3585600"/>
-            <a:ext cx="8885520" cy="2558520"/>
+            <a:ext cx="8885160" cy="2558520"/>
           </a:xfrm>
           <a:prstGeom prst="rect">
             <a:avLst/>
@@ -8429,7 +8431,7 @@
             </a:endParaRPr>
           </a:p>
           <a:p>
-            <a:pPr marL="285840" indent="-281520">
+            <a:pPr marL="285840" indent="-281160">
               <a:lnSpc>
                 <a:spcPct val="150000"/>
               </a:lnSpc>
@@ -8474,7 +8476,7 @@
             </a:endParaRPr>
           </a:p>
           <a:p>
-            <a:pPr marL="285840" indent="-281520">
+            <a:pPr marL="285840" indent="-281160">
               <a:lnSpc>
                 <a:spcPct val="150000"/>
               </a:lnSpc>
@@ -8539,7 +8541,7 @@
             </a:endParaRPr>
           </a:p>
           <a:p>
-            <a:pPr marL="285840" indent="-281520">
+            <a:pPr marL="285840" indent="-281160">
               <a:lnSpc>
                 <a:spcPct val="150000"/>
               </a:lnSpc>
@@ -8584,7 +8586,7 @@
             </a:endParaRPr>
           </a:p>
           <a:p>
-            <a:pPr marL="285840" indent="-281520">
+            <a:pPr marL="285840" indent="-281160">
               <a:lnSpc>
                 <a:spcPct val="150000"/>
               </a:lnSpc>
@@ -8639,7 +8641,7 @@
         <p:spPr>
           <a:xfrm>
             <a:off x="152280" y="152280"/>
-            <a:ext cx="1102320" cy="455400"/>
+            <a:ext cx="1101960" cy="455400"/>
           </a:xfrm>
           <a:prstGeom prst="rect">
             <a:avLst/>
@@ -8690,7 +8692,7 @@
         <p:spPr>
           <a:xfrm>
             <a:off x="1601280" y="2761560"/>
-            <a:ext cx="8986320" cy="699480"/>
+            <a:ext cx="8985960" cy="699480"/>
           </a:xfrm>
           <a:prstGeom prst="rect">
             <a:avLst/>
@@ -8791,7 +8793,7 @@
         <p:spPr>
           <a:xfrm>
             <a:off x="1676520" y="2362320"/>
-            <a:ext cx="8834760" cy="2284200"/>
+            <a:ext cx="8834400" cy="2284200"/>
           </a:xfrm>
           <a:prstGeom prst="rect">
             <a:avLst/>
@@ -8842,7 +8844,7 @@
         <p:spPr>
           <a:xfrm>
             <a:off x="1676520" y="5331600"/>
-            <a:ext cx="8834760" cy="424800"/>
+            <a:ext cx="8834400" cy="424800"/>
           </a:xfrm>
           <a:prstGeom prst="rect">
             <a:avLst/>
@@ -8923,7 +8925,7 @@
         <p:spPr>
           <a:xfrm>
             <a:off x="1523880" y="0"/>
-            <a:ext cx="9139680" cy="699120"/>
+            <a:ext cx="9139320" cy="699120"/>
           </a:xfrm>
           <a:prstGeom prst="rect">
             <a:avLst/>
@@ -8978,7 +8980,7 @@
         <p:spPr>
           <a:xfrm>
             <a:off x="1600200" y="762120"/>
-            <a:ext cx="8987400" cy="2284200"/>
+            <a:ext cx="8987040" cy="2284200"/>
           </a:xfrm>
           <a:prstGeom prst="rect">
             <a:avLst/>
@@ -9119,7 +9121,7 @@
         <p:spPr>
           <a:xfrm>
             <a:off x="152280" y="152280"/>
-            <a:ext cx="1102320" cy="455400"/>
+            <a:ext cx="1101960" cy="455400"/>
           </a:xfrm>
           <a:prstGeom prst="rect">
             <a:avLst/>
@@ -9170,7 +9172,7 @@
         <p:spPr>
           <a:xfrm>
             <a:off x="1601280" y="3157560"/>
-            <a:ext cx="8986320" cy="1004400"/>
+            <a:ext cx="8985960" cy="1004400"/>
           </a:xfrm>
           <a:prstGeom prst="rect">
             <a:avLst/>
@@ -9261,7 +9263,7 @@
         <p:spPr>
           <a:xfrm>
             <a:off x="864000" y="4197600"/>
-            <a:ext cx="11015280" cy="1324080"/>
+            <a:ext cx="11014920" cy="1324080"/>
           </a:xfrm>
           <a:prstGeom prst="rect">
             <a:avLst/>
@@ -9282,7 +9284,7 @@
             <a:spAutoFit/>
           </a:bodyPr>
           <a:p>
-            <a:pPr marL="285840" indent="-281520">
+            <a:pPr marL="285840" indent="-281160">
               <a:lnSpc>
                 <a:spcPct val="150000"/>
               </a:lnSpc>
@@ -9327,7 +9329,7 @@
             </a:endParaRPr>
           </a:p>
           <a:p>
-            <a:pPr marL="285840" indent="-281520">
+            <a:pPr marL="285840" indent="-281160">
               <a:lnSpc>
                 <a:spcPct val="150000"/>
               </a:lnSpc>
@@ -9372,7 +9374,7 @@
             </a:endParaRPr>
           </a:p>
           <a:p>
-            <a:pPr marL="285840" indent="-281520">
+            <a:pPr marL="285840" indent="-281160">
               <a:lnSpc>
                 <a:spcPct val="150000"/>
               </a:lnSpc>
@@ -9462,7 +9464,7 @@
         <p:spPr>
           <a:xfrm>
             <a:off x="1584000" y="5610240"/>
-            <a:ext cx="8852040" cy="1012680"/>
+            <a:ext cx="8851680" cy="1012320"/>
           </a:xfrm>
           <a:prstGeom prst="rect">
             <a:avLst/>
@@ -9513,7 +9515,7 @@
             </a:endParaRPr>
           </a:p>
           <a:p>
-            <a:pPr marL="285840" indent="-284400">
+            <a:pPr marL="285840" indent="-284040">
               <a:lnSpc>
                 <a:spcPct val="100000"/>
               </a:lnSpc>
@@ -9538,7 +9540,7 @@
             </a:endParaRPr>
           </a:p>
           <a:p>
-            <a:pPr marL="285840" indent="-284400">
+            <a:pPr marL="285840" indent="-284040">
               <a:lnSpc>
                 <a:spcPct val="100000"/>
               </a:lnSpc>
@@ -9603,7 +9605,7 @@
         <p:spPr>
           <a:xfrm>
             <a:off x="1676520" y="2362320"/>
-            <a:ext cx="8834760" cy="2284200"/>
+            <a:ext cx="8834400" cy="2284200"/>
           </a:xfrm>
           <a:prstGeom prst="rect">
             <a:avLst/>
@@ -9654,7 +9656,7 @@
         <p:spPr>
           <a:xfrm>
             <a:off x="1676520" y="5331600"/>
-            <a:ext cx="8834760" cy="424800"/>
+            <a:ext cx="8834400" cy="424800"/>
           </a:xfrm>
           <a:prstGeom prst="rect">
             <a:avLst/>
@@ -9735,7 +9737,7 @@
         <p:spPr>
           <a:xfrm>
             <a:off x="1523880" y="0"/>
-            <a:ext cx="9139680" cy="699120"/>
+            <a:ext cx="9139320" cy="699120"/>
           </a:xfrm>
           <a:prstGeom prst="rect">
             <a:avLst/>
@@ -9790,7 +9792,7 @@
         <p:spPr>
           <a:xfrm>
             <a:off x="1600200" y="762120"/>
-            <a:ext cx="8987400" cy="2558520"/>
+            <a:ext cx="8987040" cy="2558520"/>
           </a:xfrm>
           <a:prstGeom prst="rect">
             <a:avLst/>
@@ -9931,7 +9933,7 @@
         <p:spPr>
           <a:xfrm>
             <a:off x="152280" y="152280"/>
-            <a:ext cx="1102320" cy="455400"/>
+            <a:ext cx="1101960" cy="455400"/>
           </a:xfrm>
           <a:prstGeom prst="rect">
             <a:avLst/>
@@ -9982,7 +9984,7 @@
         <p:spPr>
           <a:xfrm>
             <a:off x="1601280" y="3553560"/>
-            <a:ext cx="8986320" cy="1004400"/>
+            <a:ext cx="8985960" cy="1004400"/>
           </a:xfrm>
           <a:prstGeom prst="rect">
             <a:avLst/>
@@ -10073,7 +10075,7 @@
         <p:spPr>
           <a:xfrm>
             <a:off x="1600200" y="4593600"/>
-            <a:ext cx="8885520" cy="912600"/>
+            <a:ext cx="8885160" cy="912600"/>
           </a:xfrm>
           <a:prstGeom prst="rect">
             <a:avLst/>
@@ -10094,7 +10096,7 @@
             <a:spAutoFit/>
           </a:bodyPr>
           <a:p>
-            <a:pPr marL="285840" indent="-281520">
+            <a:pPr marL="285840" indent="-281160">
               <a:lnSpc>
                 <a:spcPct val="150000"/>
               </a:lnSpc>
@@ -10139,7 +10141,7 @@
             </a:endParaRPr>
           </a:p>
           <a:p>
-            <a:pPr marL="285840" indent="-281520">
+            <a:pPr marL="285840" indent="-281160">
               <a:lnSpc>
                 <a:spcPct val="150000"/>
               </a:lnSpc>
@@ -10229,7 +10231,7 @@
         <p:spPr>
           <a:xfrm>
             <a:off x="1584000" y="5790240"/>
-            <a:ext cx="8852040" cy="77040"/>
+            <a:ext cx="8851680" cy="76680"/>
           </a:xfrm>
           <a:prstGeom prst="rect">
             <a:avLst/>
@@ -10280,7 +10282,7 @@
             </a:endParaRPr>
           </a:p>
           <a:p>
-            <a:pPr marL="285840" indent="-284400">
+            <a:pPr marL="285840" indent="-284040">
               <a:lnSpc>
                 <a:spcPct val="100000"/>
               </a:lnSpc>
@@ -10345,7 +10347,7 @@
         <p:spPr>
           <a:xfrm>
             <a:off x="1676520" y="2362320"/>
-            <a:ext cx="8834760" cy="1186920"/>
+            <a:ext cx="8834400" cy="1186920"/>
           </a:xfrm>
           <a:prstGeom prst="rect">
             <a:avLst/>
@@ -10396,7 +10398,7 @@
         <p:spPr>
           <a:xfrm>
             <a:off x="1676520" y="5331600"/>
-            <a:ext cx="8834760" cy="424800"/>
+            <a:ext cx="8834400" cy="424800"/>
           </a:xfrm>
           <a:prstGeom prst="rect">
             <a:avLst/>
@@ -10477,7 +10479,7 @@
         <p:spPr>
           <a:xfrm>
             <a:off x="1523880" y="0"/>
-            <a:ext cx="9139680" cy="699120"/>
+            <a:ext cx="9139320" cy="699120"/>
           </a:xfrm>
           <a:prstGeom prst="rect">
             <a:avLst/>
@@ -10532,7 +10534,7 @@
         <p:spPr>
           <a:xfrm>
             <a:off x="1600200" y="762120"/>
-            <a:ext cx="8987400" cy="1461240"/>
+            <a:ext cx="8987040" cy="1461240"/>
           </a:xfrm>
           <a:prstGeom prst="rect">
             <a:avLst/>
@@ -10633,7 +10635,7 @@
         <p:spPr>
           <a:xfrm>
             <a:off x="152280" y="152280"/>
-            <a:ext cx="1102320" cy="455400"/>
+            <a:ext cx="1101960" cy="455400"/>
           </a:xfrm>
           <a:prstGeom prst="rect">
             <a:avLst/>
@@ -10684,7 +10686,7 @@
         <p:spPr>
           <a:xfrm>
             <a:off x="1601280" y="2689560"/>
-            <a:ext cx="8986320" cy="699480"/>
+            <a:ext cx="8985960" cy="699480"/>
           </a:xfrm>
           <a:prstGeom prst="rect">
             <a:avLst/>
@@ -10755,7 +10757,7 @@
         <p:spPr>
           <a:xfrm>
             <a:off x="1600200" y="3621600"/>
-            <a:ext cx="8885520" cy="912600"/>
+            <a:ext cx="8885160" cy="912600"/>
           </a:xfrm>
           <a:prstGeom prst="rect">
             <a:avLst/>
@@ -10776,7 +10778,7 @@
             <a:spAutoFit/>
           </a:bodyPr>
           <a:p>
-            <a:pPr marL="285840" indent="-281520">
+            <a:pPr marL="285840" indent="-281160">
               <a:lnSpc>
                 <a:spcPct val="150000"/>
               </a:lnSpc>
@@ -10821,7 +10823,7 @@
             </a:endParaRPr>
           </a:p>
           <a:p>
-            <a:pPr marL="285840" indent="-281520">
+            <a:pPr marL="285840" indent="-281160">
               <a:lnSpc>
                 <a:spcPct val="150000"/>
               </a:lnSpc>
@@ -10911,7 +10913,7 @@
         <p:spPr>
           <a:xfrm>
             <a:off x="1584000" y="5106240"/>
-            <a:ext cx="8852040" cy="77040"/>
+            <a:ext cx="8851680" cy="76680"/>
           </a:xfrm>
           <a:prstGeom prst="rect">
             <a:avLst/>
@@ -10962,7 +10964,7 @@
             </a:endParaRPr>
           </a:p>
           <a:p>
-            <a:pPr marL="285840" indent="-284400">
+            <a:pPr marL="285840" indent="-284040">
               <a:lnSpc>
                 <a:spcPct val="100000"/>
               </a:lnSpc>
@@ -11027,7 +11029,7 @@
         <p:spPr>
           <a:xfrm>
             <a:off x="1676520" y="2362320"/>
-            <a:ext cx="8834760" cy="1187280"/>
+            <a:ext cx="8834400" cy="1186920"/>
           </a:xfrm>
           <a:prstGeom prst="rect">
             <a:avLst/>
@@ -11078,7 +11080,7 @@
         <p:spPr>
           <a:xfrm>
             <a:off x="1676520" y="5331600"/>
-            <a:ext cx="8834760" cy="424800"/>
+            <a:ext cx="8834400" cy="424800"/>
           </a:xfrm>
           <a:prstGeom prst="rect">
             <a:avLst/>
@@ -11159,7 +11161,7 @@
         <p:spPr>
           <a:xfrm>
             <a:off x="1523880" y="0"/>
-            <a:ext cx="9139680" cy="699120"/>
+            <a:ext cx="9139320" cy="699120"/>
           </a:xfrm>
           <a:prstGeom prst="rect">
             <a:avLst/>
@@ -11214,7 +11216,7 @@
         <p:spPr>
           <a:xfrm>
             <a:off x="1600200" y="762120"/>
-            <a:ext cx="8987400" cy="1187280"/>
+            <a:ext cx="8987040" cy="1186920"/>
           </a:xfrm>
           <a:prstGeom prst="rect">
             <a:avLst/>
@@ -11315,7 +11317,7 @@
         <p:spPr>
           <a:xfrm>
             <a:off x="152280" y="152280"/>
-            <a:ext cx="1102320" cy="455400"/>
+            <a:ext cx="1101960" cy="455400"/>
           </a:xfrm>
           <a:prstGeom prst="rect">
             <a:avLst/>
@@ -11366,7 +11368,7 @@
         <p:spPr>
           <a:xfrm>
             <a:off x="1601280" y="2689560"/>
-            <a:ext cx="8986320" cy="699480"/>
+            <a:ext cx="8985960" cy="699480"/>
           </a:xfrm>
           <a:prstGeom prst="rect">
             <a:avLst/>
@@ -11437,7 +11439,7 @@
         <p:spPr>
           <a:xfrm>
             <a:off x="1600200" y="3621600"/>
-            <a:ext cx="8885520" cy="912600"/>
+            <a:ext cx="8885160" cy="912600"/>
           </a:xfrm>
           <a:prstGeom prst="rect">
             <a:avLst/>
@@ -11458,7 +11460,7 @@
             <a:spAutoFit/>
           </a:bodyPr>
           <a:p>
-            <a:pPr marL="285840" indent="-281520">
+            <a:pPr marL="285840" indent="-281160">
               <a:lnSpc>
                 <a:spcPct val="150000"/>
               </a:lnSpc>
@@ -11503,7 +11505,7 @@
             </a:endParaRPr>
           </a:p>
           <a:p>
-            <a:pPr marL="285840" indent="-281520">
+            <a:pPr marL="285840" indent="-281160">
               <a:lnSpc>
                 <a:spcPct val="150000"/>
               </a:lnSpc>
@@ -11622,8 +11624,8 @@
         </p:nvSpPr>
         <p:spPr>
           <a:xfrm>
-            <a:off x="1365840" y="188640"/>
-            <a:ext cx="9678600" cy="2192400"/>
+            <a:off x="1676520" y="2362320"/>
+            <a:ext cx="8834400" cy="1186920"/>
           </a:xfrm>
           <a:prstGeom prst="rect">
             <a:avLst/>
@@ -11650,84 +11652,72 @@
               </a:lnSpc>
             </a:pPr>
             <a:r>
-              <a:rPr b="0" lang="en-IN" sz="4000" spc="-1" strike="noStrike">
-                <a:solidFill>
-                  <a:srgbClr val="ff5733"/>
-                </a:solidFill>
-                <a:latin typeface="Segoe Print"/>
-                <a:ea typeface="DejaVu Sans"/>
-              </a:rPr>
-              <a:t>“</a:t>
-            </a:r>
-            <a:r>
-              <a:rPr b="0" lang="en-US" sz="4000" spc="-1" strike="noStrike">
-                <a:solidFill>
-                  <a:srgbClr val="ff5733"/>
-                </a:solidFill>
-                <a:latin typeface="Segoe Print"/>
-                <a:ea typeface="DejaVu Sans"/>
-              </a:rPr>
-              <a:t>Accept your past without regret, handle our present with confidence and face your future without fear.</a:t>
-            </a:r>
-            <a:r>
-              <a:rPr b="0" lang="en-IN" sz="4000" spc="-1" strike="noStrike">
-                <a:solidFill>
-                  <a:srgbClr val="ff5733"/>
-                </a:solidFill>
-                <a:latin typeface="Segoe Print"/>
-                <a:ea typeface="DejaVu Sans"/>
-              </a:rPr>
-              <a:t>”</a:t>
-            </a:r>
-            <a:endParaRPr b="0" lang="en-IN" sz="4000" spc="-1" strike="noStrike">
-              <a:latin typeface="Arial"/>
-            </a:endParaRPr>
-          </a:p>
-          <a:p>
-            <a:pPr algn="r">
-              <a:lnSpc>
-                <a:spcPct val="100000"/>
-              </a:lnSpc>
-            </a:pPr>
-            <a:r>
-              <a:rPr b="0" lang="en-IN" sz="1800" spc="-1" strike="noStrike">
-                <a:solidFill>
-                  <a:srgbClr val="111111"/>
-                </a:solidFill>
-                <a:latin typeface="-apple-system"/>
-                <a:ea typeface="DejaVu Sans"/>
-              </a:rPr>
-              <a:t>~ Dr. APJ. Abdul Kalam</a:t>
-            </a:r>
-            <a:endParaRPr b="0" lang="en-IN" sz="1800" spc="-1" strike="noStrike">
-              <a:latin typeface="Arial"/>
-            </a:endParaRPr>
-          </a:p>
-        </p:txBody>
-      </p:sp>
-      <p:pic>
-        <p:nvPicPr>
-          <p:cNvPr id="212" name="Picture 2" descr="http://www.bvctch.vn/vnt_upload/weblink/thks.jpg"/>
-          <p:cNvPicPr/>
+              <a:rPr b="0" i="1" lang="en-IN" sz="7200" spc="-1" strike="noStrike">
+                <a:solidFill>
+                  <a:srgbClr val="f7c120"/>
+                </a:solidFill>
+                <a:latin typeface="Century"/>
+                <a:ea typeface="DejaVu Sans"/>
+              </a:rPr>
+              <a:t>copy &amp; move keys</a:t>
+            </a:r>
+            <a:endParaRPr b="0" lang="en-IN" sz="7200" spc="-1" strike="noStrike">
+              <a:latin typeface="Arial"/>
+            </a:endParaRPr>
+          </a:p>
+        </p:txBody>
+      </p:sp>
+      <p:sp>
+        <p:nvSpPr>
+          <p:cNvPr id="212" name="CustomShape 2"/>
+          <p:cNvSpPr/>
           <p:nvPr/>
-        </p:nvPicPr>
-        <p:blipFill>
-          <a:blip r:embed="rId1"/>
-          <a:stretch/>
-        </p:blipFill>
-        <p:spPr>
-          <a:xfrm>
-            <a:off x="4404600" y="2036160"/>
-            <a:ext cx="3122280" cy="4659120"/>
-          </a:xfrm>
-          <a:prstGeom prst="rect">
-            <a:avLst/>
-          </a:prstGeom>
+        </p:nvSpPr>
+        <p:spPr>
+          <a:xfrm>
+            <a:off x="1676520" y="5331600"/>
+            <a:ext cx="8834400" cy="424800"/>
+          </a:xfrm>
+          <a:prstGeom prst="rect">
+            <a:avLst/>
+          </a:prstGeom>
+          <a:noFill/>
           <a:ln>
             <a:noFill/>
           </a:ln>
         </p:spPr>
-      </p:pic>
+        <p:style>
+          <a:lnRef idx="0"/>
+          <a:fillRef idx="0"/>
+          <a:effectRef idx="0"/>
+          <a:fontRef idx="minor"/>
+        </p:style>
+        <p:txBody>
+          <a:bodyPr lIns="90000" rIns="90000" tIns="45000" bIns="45000">
+            <a:spAutoFit/>
+          </a:bodyPr>
+          <a:p>
+            <a:pPr>
+              <a:lnSpc>
+                <a:spcPct val="100000"/>
+              </a:lnSpc>
+            </a:pPr>
+            <a:r>
+              <a:rPr b="0" lang="en-US" sz="2200" spc="-1" strike="noStrike">
+                <a:solidFill>
+                  <a:srgbClr val="bb0643"/>
+                </a:solidFill>
+                <a:latin typeface="Segoe UI"/>
+                <a:ea typeface="DejaVu Sans"/>
+              </a:rPr>
+              <a:t>TODO</a:t>
+            </a:r>
+            <a:endParaRPr b="0" lang="en-IN" sz="2200" spc="-1" strike="noStrike">
+              <a:latin typeface="Arial"/>
+            </a:endParaRPr>
+          </a:p>
+        </p:txBody>
+      </p:sp>
     </p:spTree>
   </p:cSld>
   <mc:AlternateContent>
@@ -11802,7 +11792,7 @@
         <p:spPr>
           <a:xfrm>
             <a:off x="1676520" y="2743200"/>
-            <a:ext cx="8834760" cy="1064520"/>
+            <a:ext cx="8834400" cy="1064520"/>
           </a:xfrm>
           <a:prstGeom prst="rect">
             <a:avLst/>
@@ -11823,7 +11813,7 @@
             <a:spAutoFit/>
           </a:bodyPr>
           <a:p>
-            <a:pPr marL="343080" indent="-338760">
+            <a:pPr marL="343080" indent="-338400">
               <a:lnSpc>
                 <a:spcPct val="100000"/>
               </a:lnSpc>
@@ -11878,7 +11868,7 @@
             </a:endParaRPr>
           </a:p>
           <a:p>
-            <a:pPr marL="343080" indent="-338760">
+            <a:pPr marL="343080" indent="-338400">
               <a:lnSpc>
                 <a:spcPct val="100000"/>
               </a:lnSpc>
@@ -12014,7 +12004,7 @@
         <p:spPr>
           <a:xfrm>
             <a:off x="1600200" y="762120"/>
-            <a:ext cx="8987400" cy="699480"/>
+            <a:ext cx="8987040" cy="699480"/>
           </a:xfrm>
           <a:prstGeom prst="rect">
             <a:avLst/>
@@ -12075,7 +12065,7 @@
         <p:spPr>
           <a:xfrm>
             <a:off x="1523880" y="5067720"/>
-            <a:ext cx="9139680" cy="790560"/>
+            <a:ext cx="9139320" cy="790560"/>
           </a:xfrm>
           <a:prstGeom prst="rect">
             <a:avLst/>
@@ -12136,7 +12126,7 @@
             </a:endParaRPr>
           </a:p>
           <a:p>
-            <a:pPr marL="285840" indent="-281520">
+            <a:pPr marL="285840" indent="-281160">
               <a:lnSpc>
                 <a:spcPct val="100000"/>
               </a:lnSpc>
@@ -12181,7 +12171,7 @@
         <p:spPr>
           <a:xfrm>
             <a:off x="1584000" y="4287960"/>
-            <a:ext cx="8708040" cy="352080"/>
+            <a:ext cx="8707680" cy="351720"/>
           </a:xfrm>
           <a:prstGeom prst="rect">
             <a:avLst/>
@@ -12252,7 +12242,7 @@
         <p:spPr>
           <a:xfrm>
             <a:off x="1523880" y="0"/>
-            <a:ext cx="9141840" cy="699120"/>
+            <a:ext cx="9141480" cy="699120"/>
           </a:xfrm>
           <a:prstGeom prst="rect">
             <a:avLst/>
@@ -12318,6 +12308,666 @@
           </a:p>
         </p:txBody>
       </p:sp>
+    </p:spTree>
+  </p:cSld>
+  <mc:AlternateContent>
+    <mc:Choice Requires="p14">
+      <p:transition spd="slow" p14:dur="2000"/>
+    </mc:Choice>
+    <mc:Fallback>
+      <p:transition spd="slow"/>
+    </mc:Fallback>
+  </mc:AlternateContent>
+</p:sld>
+</file>
+
+<file path=ppt/slides/slide30.xml><?xml version="1.0" encoding="utf-8"?>
+<p:sld xmlns:a="http://schemas.openxmlformats.org/drawingml/2006/main" xmlns:p="http://schemas.openxmlformats.org/presentationml/2006/main" xmlns:r="http://schemas.openxmlformats.org/officeDocument/2006/relationships" xmlns:p14="http://schemas.microsoft.com/office/powerpoint/2010/main" xmlns:p15="http://schemas.microsoft.com/office/powerpoint/2012/main" xmlns:mc="http://schemas.openxmlformats.org/markup-compatibility/2006">
+  <p:cSld>
+    <p:spTree>
+      <p:nvGrpSpPr>
+        <p:cNvPr id="1" name=""/>
+        <p:cNvGrpSpPr/>
+        <p:nvPr/>
+      </p:nvGrpSpPr>
+      <p:grpSpPr>
+        <a:xfrm>
+          <a:off x="0" y="0"/>
+          <a:ext cx="0" cy="0"/>
+          <a:chOff x="0" y="0"/>
+          <a:chExt cx="0" cy="0"/>
+        </a:xfrm>
+      </p:grpSpPr>
+      <p:sp>
+        <p:nvSpPr>
+          <p:cNvPr id="213" name="CustomShape 1"/>
+          <p:cNvSpPr/>
+          <p:nvPr/>
+        </p:nvSpPr>
+        <p:spPr>
+          <a:xfrm>
+            <a:off x="1523880" y="0"/>
+            <a:ext cx="9139320" cy="699120"/>
+          </a:xfrm>
+          <a:prstGeom prst="rect">
+            <a:avLst/>
+          </a:prstGeom>
+          <a:solidFill>
+            <a:schemeClr val="accent6">
+              <a:lumMod val="75000"/>
+            </a:schemeClr>
+          </a:solidFill>
+          <a:ln>
+            <a:noFill/>
+          </a:ln>
+        </p:spPr>
+        <p:style>
+          <a:lnRef idx="0"/>
+          <a:fillRef idx="0"/>
+          <a:effectRef idx="0"/>
+          <a:fontRef idx="minor"/>
+        </p:style>
+        <p:txBody>
+          <a:bodyPr lIns="90000" rIns="90000" tIns="45000" bIns="45000">
+            <a:spAutoFit/>
+          </a:bodyPr>
+          <a:p>
+            <a:pPr algn="ctr">
+              <a:lnSpc>
+                <a:spcPct val="100000"/>
+              </a:lnSpc>
+            </a:pPr>
+            <a:r>
+              <a:rPr b="0" lang="en-IN" sz="4000" spc="-1" strike="noStrike">
+                <a:solidFill>
+                  <a:srgbClr val="f7c120"/>
+                </a:solidFill>
+                <a:latin typeface="Open Sans"/>
+                <a:ea typeface="DejaVu Sans"/>
+              </a:rPr>
+              <a:t>copy &amp; move</a:t>
+            </a:r>
+            <a:endParaRPr b="0" lang="en-IN" sz="4000" spc="-1" strike="noStrike">
+              <a:latin typeface="Arial"/>
+            </a:endParaRPr>
+          </a:p>
+        </p:txBody>
+      </p:sp>
+      <p:sp>
+        <p:nvSpPr>
+          <p:cNvPr id="214" name="CustomShape 2"/>
+          <p:cNvSpPr/>
+          <p:nvPr/>
+        </p:nvSpPr>
+        <p:spPr>
+          <a:xfrm>
+            <a:off x="1600200" y="762120"/>
+            <a:ext cx="8987040" cy="1461240"/>
+          </a:xfrm>
+          <a:prstGeom prst="rect">
+            <a:avLst/>
+          </a:prstGeom>
+          <a:noFill/>
+          <a:ln>
+            <a:noFill/>
+          </a:ln>
+        </p:spPr>
+        <p:style>
+          <a:lnRef idx="0"/>
+          <a:fillRef idx="0"/>
+          <a:effectRef idx="0"/>
+          <a:fontRef idx="minor"/>
+        </p:style>
+        <p:txBody>
+          <a:bodyPr lIns="90000" rIns="90000" tIns="45000" bIns="45000">
+            <a:spAutoFit/>
+          </a:bodyPr>
+          <a:p>
+            <a:pPr algn="just"/>
+            <a:r>
+              <a:rPr b="1" lang="en-US" sz="1800" spc="-1" strike="noStrike">
+                <a:solidFill>
+                  <a:srgbClr val="7c4dff"/>
+                </a:solidFill>
+                <a:latin typeface="Arial"/>
+                <a:ea typeface="DejaVu Sans"/>
+              </a:rPr>
+              <a:t>COPY</a:t>
+            </a:r>
+            <a:r>
+              <a:rPr b="0" lang="en-US" sz="1800" spc="-1" strike="noStrike">
+                <a:latin typeface="Arial"/>
+                <a:ea typeface="DejaVu Sans"/>
+              </a:rPr>
+              <a:t> command copies the value stored at the source key to the destination key. </a:t>
+            </a:r>
+            <a:r>
+              <a:rPr b="1" lang="en-US" sz="1800" spc="-1" strike="noStrike">
+                <a:latin typeface="Arial"/>
+                <a:ea typeface="DejaVu Sans"/>
+              </a:rPr>
+              <a:t>1</a:t>
+            </a:r>
+            <a:r>
+              <a:rPr b="0" lang="en-US" sz="1800" spc="-1" strike="noStrike">
+                <a:latin typeface="Arial"/>
+                <a:ea typeface="DejaVu Sans"/>
+              </a:rPr>
+              <a:t> if copied and </a:t>
+            </a:r>
+            <a:r>
+              <a:rPr b="1" lang="en-US" sz="1800" spc="-1" strike="noStrike">
+                <a:latin typeface="Arial"/>
+                <a:ea typeface="DejaVu Sans"/>
+              </a:rPr>
+              <a:t>0</a:t>
+            </a:r>
+            <a:r>
+              <a:rPr b="0" lang="en-US" sz="1800" spc="-1" strike="noStrike">
+                <a:latin typeface="Arial"/>
+                <a:ea typeface="DejaVu Sans"/>
+              </a:rPr>
+              <a:t> if not copied.</a:t>
+            </a:r>
+            <a:endParaRPr b="0" lang="en-IN" sz="1800" spc="-1" strike="noStrike">
+              <a:latin typeface="Arial"/>
+            </a:endParaRPr>
+          </a:p>
+          <a:p>
+            <a:pPr algn="just">
+              <a:lnSpc>
+                <a:spcPct val="100000"/>
+              </a:lnSpc>
+            </a:pPr>
+            <a:endParaRPr b="0" lang="en-IN" sz="1800" spc="-1" strike="noStrike">
+              <a:latin typeface="Arial"/>
+            </a:endParaRPr>
+          </a:p>
+          <a:p>
+            <a:pPr algn="just"/>
+            <a:r>
+              <a:rPr b="1" lang="en-US" sz="1800" spc="-1" strike="noStrike">
+                <a:solidFill>
+                  <a:srgbClr val="7c4dff"/>
+                </a:solidFill>
+                <a:latin typeface="Arial"/>
+                <a:ea typeface="DejaVu Sans"/>
+              </a:rPr>
+              <a:t>MOVE</a:t>
+            </a:r>
+            <a:r>
+              <a:rPr b="0" lang="en-US" sz="1800" spc="-1" strike="noStrike">
+                <a:latin typeface="Arial"/>
+                <a:ea typeface="DejaVu Sans"/>
+              </a:rPr>
+              <a:t> moves the key from the currently selected database to the specified destination database. </a:t>
+            </a:r>
+            <a:r>
+              <a:rPr b="1" lang="en-US" sz="1800" spc="-1" strike="noStrike">
+                <a:latin typeface="Arial"/>
+                <a:ea typeface="DejaVu Sans"/>
+              </a:rPr>
+              <a:t>1</a:t>
+            </a:r>
+            <a:r>
+              <a:rPr b="0" lang="en-US" sz="1800" spc="-1" strike="noStrike">
+                <a:latin typeface="Arial"/>
+                <a:ea typeface="DejaVu Sans"/>
+              </a:rPr>
+              <a:t> if moved and </a:t>
+            </a:r>
+            <a:r>
+              <a:rPr b="1" lang="en-US" sz="1800" spc="-1" strike="noStrike">
+                <a:latin typeface="Arial"/>
+                <a:ea typeface="DejaVu Sans"/>
+              </a:rPr>
+              <a:t>0</a:t>
+            </a:r>
+            <a:r>
+              <a:rPr b="0" lang="en-US" sz="1800" spc="-1" strike="noStrike">
+                <a:latin typeface="Arial"/>
+                <a:ea typeface="DejaVu Sans"/>
+              </a:rPr>
+              <a:t> if not moved.</a:t>
+            </a:r>
+            <a:endParaRPr b="0" lang="en-IN" sz="1800" spc="-1" strike="noStrike">
+              <a:latin typeface="Arial"/>
+            </a:endParaRPr>
+          </a:p>
+        </p:txBody>
+      </p:sp>
+      <p:sp>
+        <p:nvSpPr>
+          <p:cNvPr id="215" name="CustomShape 3"/>
+          <p:cNvSpPr/>
+          <p:nvPr/>
+        </p:nvSpPr>
+        <p:spPr>
+          <a:xfrm>
+            <a:off x="152280" y="152280"/>
+            <a:ext cx="1101960" cy="455400"/>
+          </a:xfrm>
+          <a:prstGeom prst="rect">
+            <a:avLst/>
+          </a:prstGeom>
+          <a:noFill/>
+          <a:ln>
+            <a:noFill/>
+          </a:ln>
+        </p:spPr>
+        <p:style>
+          <a:lnRef idx="0"/>
+          <a:fillRef idx="0"/>
+          <a:effectRef idx="0"/>
+          <a:fontRef idx="minor"/>
+        </p:style>
+        <p:txBody>
+          <a:bodyPr lIns="90000" rIns="90000" tIns="45000" bIns="45000">
+            <a:spAutoFit/>
+          </a:bodyPr>
+          <a:p>
+            <a:pPr algn="just">
+              <a:lnSpc>
+                <a:spcPct val="100000"/>
+              </a:lnSpc>
+            </a:pPr>
+            <a:r>
+              <a:rPr b="0" lang="en-IN" sz="2400" spc="-1" strike="noStrike">
+                <a:solidFill>
+                  <a:srgbClr val="ff0000"/>
+                </a:solidFill>
+                <a:latin typeface="Times New Roman"/>
+                <a:ea typeface="DejaVu Sans"/>
+              </a:rPr>
+              <a:t>TODO</a:t>
+            </a:r>
+            <a:endParaRPr b="0" lang="en-IN" sz="2400" spc="-1" strike="noStrike">
+              <a:latin typeface="Arial"/>
+            </a:endParaRPr>
+          </a:p>
+        </p:txBody>
+      </p:sp>
+      <p:sp>
+        <p:nvSpPr>
+          <p:cNvPr id="216" name="CustomShape 4"/>
+          <p:cNvSpPr/>
+          <p:nvPr/>
+        </p:nvSpPr>
+        <p:spPr>
+          <a:xfrm>
+            <a:off x="1601280" y="2689560"/>
+            <a:ext cx="8985960" cy="699480"/>
+          </a:xfrm>
+          <a:prstGeom prst="rect">
+            <a:avLst/>
+          </a:prstGeom>
+          <a:noFill/>
+          <a:ln>
+            <a:noFill/>
+          </a:ln>
+        </p:spPr>
+        <p:style>
+          <a:lnRef idx="0"/>
+          <a:fillRef idx="0"/>
+          <a:effectRef idx="0"/>
+          <a:fontRef idx="minor"/>
+        </p:style>
+        <p:txBody>
+          <a:bodyPr lIns="90000" rIns="90000" tIns="45000" bIns="45000">
+            <a:spAutoFit/>
+          </a:bodyPr>
+          <a:p>
+            <a:pPr>
+              <a:lnSpc>
+                <a:spcPct val="100000"/>
+              </a:lnSpc>
+            </a:pPr>
+            <a:r>
+              <a:rPr b="0" lang="en-US" sz="2000" spc="-1" strike="noStrike">
+                <a:solidFill>
+                  <a:srgbClr val="00b0f0"/>
+                </a:solidFill>
+                <a:latin typeface="Consolas"/>
+                <a:ea typeface="DejaVu Sans"/>
+              </a:rPr>
+              <a:t>COPY source destination [DB destination-db] [REPLACE]</a:t>
+            </a:r>
+            <a:endParaRPr b="0" lang="en-IN" sz="2000" spc="-1" strike="noStrike">
+              <a:latin typeface="Arial"/>
+            </a:endParaRPr>
+          </a:p>
+          <a:p>
+            <a:pPr>
+              <a:lnSpc>
+                <a:spcPct val="100000"/>
+              </a:lnSpc>
+            </a:pPr>
+            <a:r>
+              <a:rPr b="0" lang="en-US" sz="2000" spc="-1" strike="noStrike">
+                <a:solidFill>
+                  <a:srgbClr val="00b0f0"/>
+                </a:solidFill>
+                <a:latin typeface="Consolas"/>
+                <a:ea typeface="DejaVu Sans"/>
+              </a:rPr>
+              <a:t>MOVE key db</a:t>
+            </a:r>
+            <a:endParaRPr b="0" lang="en-IN" sz="2000" spc="-1" strike="noStrike">
+              <a:latin typeface="Arial"/>
+            </a:endParaRPr>
+          </a:p>
+        </p:txBody>
+      </p:sp>
+      <p:sp>
+        <p:nvSpPr>
+          <p:cNvPr id="217" name="CustomShape 5"/>
+          <p:cNvSpPr/>
+          <p:nvPr/>
+        </p:nvSpPr>
+        <p:spPr>
+          <a:xfrm>
+            <a:off x="1600200" y="3621600"/>
+            <a:ext cx="8885160" cy="912600"/>
+          </a:xfrm>
+          <a:prstGeom prst="rect">
+            <a:avLst/>
+          </a:prstGeom>
+          <a:noFill/>
+          <a:ln>
+            <a:noFill/>
+          </a:ln>
+        </p:spPr>
+        <p:style>
+          <a:lnRef idx="0"/>
+          <a:fillRef idx="0"/>
+          <a:effectRef idx="0"/>
+          <a:fontRef idx="minor"/>
+        </p:style>
+        <p:txBody>
+          <a:bodyPr lIns="90000" rIns="90000" tIns="45000" bIns="45000">
+            <a:spAutoFit/>
+          </a:bodyPr>
+          <a:p>
+            <a:pPr marL="285840" indent="-281160">
+              <a:lnSpc>
+                <a:spcPct val="150000"/>
+              </a:lnSpc>
+              <a:buClr>
+                <a:srgbClr val="808080"/>
+              </a:buClr>
+              <a:buFont typeface="Arial"/>
+              <a:buChar char="•"/>
+            </a:pPr>
+            <a:r>
+              <a:rPr b="0" lang="en-IN" sz="1800" spc="-1" strike="noStrike">
+                <a:solidFill>
+                  <a:srgbClr val="808080"/>
+                </a:solidFill>
+                <a:latin typeface="Consolas"/>
+                <a:ea typeface="SimSun"/>
+              </a:rPr>
+              <a:t>127.0.0.1:6379&gt;</a:t>
+            </a:r>
+            <a:r>
+              <a:rPr b="0" lang="en-IN" sz="1800" spc="-1" strike="noStrike">
+                <a:solidFill>
+                  <a:srgbClr val="000000"/>
+                </a:solidFill>
+                <a:latin typeface="Consolas"/>
+                <a:ea typeface="SimSun"/>
+              </a:rPr>
+              <a:t> </a:t>
+            </a:r>
+            <a:r>
+              <a:rPr b="0" lang="en-IN" sz="1800" spc="-1" strike="noStrike">
+                <a:solidFill>
+                  <a:srgbClr val="ff5733"/>
+                </a:solidFill>
+                <a:latin typeface="Consolas"/>
+                <a:ea typeface="SimSun"/>
+              </a:rPr>
+              <a:t>copy user:1 user</a:t>
+            </a:r>
+            <a:r>
+              <a:rPr b="0" lang="en-IN" sz="1800" spc="-1" strike="noStrike">
+                <a:solidFill>
+                  <a:srgbClr val="ff5733"/>
+                </a:solidFill>
+                <a:latin typeface="Consolas"/>
+                <a:ea typeface="SimSun"/>
+              </a:rPr>
+              <a:t>:1 DB 4</a:t>
+            </a:r>
+            <a:endParaRPr b="0" lang="en-IN" sz="1800" spc="-1" strike="noStrike">
+              <a:latin typeface="Arial"/>
+            </a:endParaRPr>
+          </a:p>
+          <a:p>
+            <a:pPr marL="285840" indent="-281160">
+              <a:lnSpc>
+                <a:spcPct val="150000"/>
+              </a:lnSpc>
+              <a:buClr>
+                <a:srgbClr val="808080"/>
+              </a:buClr>
+              <a:buFont typeface="Arial"/>
+              <a:buChar char="•"/>
+            </a:pPr>
+            <a:r>
+              <a:rPr b="0" lang="en-IN" sz="1800" spc="-1" strike="noStrike">
+                <a:solidFill>
+                  <a:srgbClr val="808080"/>
+                </a:solidFill>
+                <a:latin typeface="Consolas"/>
+                <a:ea typeface="SimSun"/>
+              </a:rPr>
+              <a:t>127.0.0.1:6379&gt;</a:t>
+            </a:r>
+            <a:r>
+              <a:rPr b="0" lang="en-IN" sz="1800" spc="-1" strike="noStrike">
+                <a:solidFill>
+                  <a:srgbClr val="000000"/>
+                </a:solidFill>
+                <a:latin typeface="Consolas"/>
+                <a:ea typeface="SimSun"/>
+              </a:rPr>
+              <a:t> </a:t>
+            </a:r>
+            <a:r>
+              <a:rPr b="0" lang="en-IN" sz="1800" spc="-1" strike="noStrike">
+                <a:solidFill>
+                  <a:srgbClr val="ff5733"/>
+                </a:solidFill>
+                <a:latin typeface="Consolas"/>
+                <a:ea typeface="SimSun"/>
+              </a:rPr>
+              <a:t>move password:1 4</a:t>
+            </a:r>
+            <a:endParaRPr b="0" lang="en-IN" sz="1800" spc="-1" strike="noStrike">
+              <a:latin typeface="Arial"/>
+            </a:endParaRPr>
+          </a:p>
+        </p:txBody>
+      </p:sp>
+      <p:sp>
+        <p:nvSpPr>
+          <p:cNvPr id="218" name="Line 6"/>
+          <p:cNvSpPr/>
+          <p:nvPr/>
+        </p:nvSpPr>
+        <p:spPr>
+          <a:xfrm>
+            <a:off x="1523880" y="2377080"/>
+            <a:ext cx="9144000" cy="1440"/>
+          </a:xfrm>
+          <a:prstGeom prst="line">
+            <a:avLst/>
+          </a:prstGeom>
+          <a:ln w="12600">
+            <a:solidFill>
+              <a:srgbClr val="6e78a0"/>
+            </a:solidFill>
+            <a:prstDash val="dash"/>
+            <a:round/>
+          </a:ln>
+        </p:spPr>
+        <p:style>
+          <a:lnRef idx="1">
+            <a:schemeClr val="accent1"/>
+          </a:lnRef>
+          <a:fillRef idx="0">
+            <a:schemeClr val="accent1"/>
+          </a:fillRef>
+          <a:effectRef idx="0">
+            <a:schemeClr val="accent1"/>
+          </a:effectRef>
+          <a:fontRef idx="minor"/>
+        </p:style>
+      </p:sp>
+    </p:spTree>
+  </p:cSld>
+  <mc:AlternateContent>
+    <mc:Choice Requires="p14">
+      <p:transition spd="slow" p14:dur="2000"/>
+    </mc:Choice>
+    <mc:Fallback>
+      <p:transition spd="slow"/>
+    </mc:Fallback>
+  </mc:AlternateContent>
+</p:sld>
+</file>
+
+<file path=ppt/slides/slide31.xml><?xml version="1.0" encoding="utf-8"?>
+<p:sld xmlns:a="http://schemas.openxmlformats.org/drawingml/2006/main" xmlns:p="http://schemas.openxmlformats.org/presentationml/2006/main" xmlns:r="http://schemas.openxmlformats.org/officeDocument/2006/relationships" xmlns:p14="http://schemas.microsoft.com/office/powerpoint/2010/main" xmlns:p15="http://schemas.microsoft.com/office/powerpoint/2012/main" xmlns:mc="http://schemas.openxmlformats.org/markup-compatibility/2006">
+  <p:cSld>
+    <p:spTree>
+      <p:nvGrpSpPr>
+        <p:cNvPr id="1" name=""/>
+        <p:cNvGrpSpPr/>
+        <p:nvPr/>
+      </p:nvGrpSpPr>
+      <p:grpSpPr>
+        <a:xfrm>
+          <a:off x="0" y="0"/>
+          <a:ext cx="0" cy="0"/>
+          <a:chOff x="0" y="0"/>
+          <a:chExt cx="0" cy="0"/>
+        </a:xfrm>
+      </p:grpSpPr>
+      <p:sp>
+        <p:nvSpPr>
+          <p:cNvPr id="219" name="CustomShape 1"/>
+          <p:cNvSpPr/>
+          <p:nvPr/>
+        </p:nvSpPr>
+        <p:spPr>
+          <a:xfrm>
+            <a:off x="1365840" y="188640"/>
+            <a:ext cx="9678240" cy="2192400"/>
+          </a:xfrm>
+          <a:prstGeom prst="rect">
+            <a:avLst/>
+          </a:prstGeom>
+          <a:noFill/>
+          <a:ln>
+            <a:noFill/>
+          </a:ln>
+        </p:spPr>
+        <p:style>
+          <a:lnRef idx="0"/>
+          <a:fillRef idx="0"/>
+          <a:effectRef idx="0"/>
+          <a:fontRef idx="minor"/>
+        </p:style>
+        <p:txBody>
+          <a:bodyPr lIns="90000" rIns="90000" tIns="45000" bIns="45000">
+            <a:spAutoFit/>
+          </a:bodyPr>
+          <a:p>
+            <a:pPr algn="ctr">
+              <a:lnSpc>
+                <a:spcPct val="100000"/>
+              </a:lnSpc>
+            </a:pPr>
+            <a:r>
+              <a:rPr b="0" lang="en-IN" sz="4000" spc="-1" strike="noStrike">
+                <a:solidFill>
+                  <a:srgbClr val="ff5733"/>
+                </a:solidFill>
+                <a:latin typeface="Segoe Print"/>
+                <a:ea typeface="DejaVu Sans"/>
+              </a:rPr>
+              <a:t>“</a:t>
+            </a:r>
+            <a:r>
+              <a:rPr b="0" lang="en-US" sz="4000" spc="-1" strike="noStrike">
+                <a:solidFill>
+                  <a:srgbClr val="ff5733"/>
+                </a:solidFill>
+                <a:latin typeface="Segoe Print"/>
+                <a:ea typeface="DejaVu Sans"/>
+              </a:rPr>
+              <a:t>Accept your past without regret, handle our present with confidence and face your future without fear.</a:t>
+            </a:r>
+            <a:r>
+              <a:rPr b="0" lang="en-IN" sz="4000" spc="-1" strike="noStrike">
+                <a:solidFill>
+                  <a:srgbClr val="ff5733"/>
+                </a:solidFill>
+                <a:latin typeface="Segoe Print"/>
+                <a:ea typeface="DejaVu Sans"/>
+              </a:rPr>
+              <a:t>”</a:t>
+            </a:r>
+            <a:endParaRPr b="0" lang="en-IN" sz="4000" spc="-1" strike="noStrike">
+              <a:latin typeface="Arial"/>
+            </a:endParaRPr>
+          </a:p>
+          <a:p>
+            <a:pPr algn="r">
+              <a:lnSpc>
+                <a:spcPct val="100000"/>
+              </a:lnSpc>
+            </a:pPr>
+            <a:r>
+              <a:rPr b="0" lang="en-IN" sz="1800" spc="-1" strike="noStrike">
+                <a:solidFill>
+                  <a:srgbClr val="111111"/>
+                </a:solidFill>
+                <a:latin typeface="-apple-system"/>
+                <a:ea typeface="DejaVu Sans"/>
+              </a:rPr>
+              <a:t>~ Dr. APJ. Abdul Kalam</a:t>
+            </a:r>
+            <a:endParaRPr b="0" lang="en-IN" sz="1800" spc="-1" strike="noStrike">
+              <a:latin typeface="Arial"/>
+            </a:endParaRPr>
+          </a:p>
+        </p:txBody>
+      </p:sp>
+      <p:pic>
+        <p:nvPicPr>
+          <p:cNvPr id="220" name="Picture 2" descr="http://www.bvctch.vn/vnt_upload/weblink/thks.jpg"/>
+          <p:cNvPicPr/>
+          <p:nvPr/>
+        </p:nvPicPr>
+        <p:blipFill>
+          <a:blip r:embed="rId1"/>
+          <a:stretch/>
+        </p:blipFill>
+        <p:spPr>
+          <a:xfrm>
+            <a:off x="4404600" y="2036160"/>
+            <a:ext cx="3121920" cy="4658760"/>
+          </a:xfrm>
+          <a:prstGeom prst="rect">
+            <a:avLst/>
+          </a:prstGeom>
+          <a:ln>
+            <a:noFill/>
+          </a:ln>
+        </p:spPr>
+      </p:pic>
     </p:spTree>
   </p:cSld>
   <mc:AlternateContent>
@@ -12357,7 +13007,7 @@
         <p:spPr>
           <a:xfrm>
             <a:off x="1676520" y="2362320"/>
-            <a:ext cx="8834760" cy="1186920"/>
+            <a:ext cx="8834400" cy="1186920"/>
           </a:xfrm>
           <a:prstGeom prst="rect">
             <a:avLst/>
@@ -12408,7 +13058,7 @@
         <p:spPr>
           <a:xfrm>
             <a:off x="1676520" y="3531600"/>
-            <a:ext cx="8834760" cy="424800"/>
+            <a:ext cx="8834400" cy="424800"/>
           </a:xfrm>
           <a:prstGeom prst="rect">
             <a:avLst/>
@@ -12524,7 +13174,7 @@
         <p:spPr>
           <a:xfrm>
             <a:off x="1523880" y="0"/>
-            <a:ext cx="9139680" cy="699120"/>
+            <a:ext cx="9139320" cy="699120"/>
           </a:xfrm>
           <a:prstGeom prst="rect">
             <a:avLst/>
@@ -12579,7 +13229,7 @@
         <p:spPr>
           <a:xfrm>
             <a:off x="1600200" y="762120"/>
-            <a:ext cx="8987400" cy="638280"/>
+            <a:ext cx="8987040" cy="638280"/>
           </a:xfrm>
           <a:prstGeom prst="rect">
             <a:avLst/>
@@ -12640,7 +13290,7 @@
         <p:spPr>
           <a:xfrm>
             <a:off x="152280" y="152280"/>
-            <a:ext cx="1102320" cy="455400"/>
+            <a:ext cx="1101960" cy="455400"/>
           </a:xfrm>
           <a:prstGeom prst="rect">
             <a:avLst/>
@@ -12691,7 +13341,7 @@
         <p:spPr>
           <a:xfrm>
             <a:off x="1601280" y="2221560"/>
-            <a:ext cx="8986320" cy="699480"/>
+            <a:ext cx="8985960" cy="699480"/>
           </a:xfrm>
           <a:prstGeom prst="rect">
             <a:avLst/>
@@ -12762,7 +13412,7 @@
         <p:spPr>
           <a:xfrm>
             <a:off x="1523880" y="2940480"/>
-            <a:ext cx="9416520" cy="1735560"/>
+            <a:ext cx="9416160" cy="1735560"/>
           </a:xfrm>
           <a:prstGeom prst="rect">
             <a:avLst/>
@@ -12783,7 +13433,7 @@
             <a:spAutoFit/>
           </a:bodyPr>
           <a:p>
-            <a:pPr marL="285840" indent="-281520">
+            <a:pPr marL="285840" indent="-281160">
               <a:lnSpc>
                 <a:spcPct val="150000"/>
               </a:lnSpc>
@@ -12828,7 +13478,7 @@
             </a:endParaRPr>
           </a:p>
           <a:p>
-            <a:pPr marL="285840" indent="-281520">
+            <a:pPr marL="285840" indent="-281160">
               <a:lnSpc>
                 <a:spcPct val="150000"/>
               </a:lnSpc>
@@ -12903,7 +13553,7 @@
             </a:endParaRPr>
           </a:p>
           <a:p>
-            <a:pPr marL="285840" indent="-281520">
+            <a:pPr marL="285840" indent="-281160">
               <a:lnSpc>
                 <a:spcPct val="150000"/>
               </a:lnSpc>
@@ -12968,7 +13618,7 @@
             </a:endParaRPr>
           </a:p>
           <a:p>
-            <a:pPr marL="285840" indent="-281520">
+            <a:pPr marL="285840" indent="-281160">
               <a:lnSpc>
                 <a:spcPct val="150000"/>
               </a:lnSpc>
@@ -13033,7 +13683,7 @@
         <p:spPr>
           <a:xfrm>
             <a:off x="1584000" y="4889520"/>
-            <a:ext cx="8852040" cy="1012680"/>
+            <a:ext cx="8851680" cy="1012320"/>
           </a:xfrm>
           <a:prstGeom prst="rect">
             <a:avLst/>
@@ -13084,7 +13734,7 @@
             </a:endParaRPr>
           </a:p>
           <a:p>
-            <a:pPr marL="216000" indent="-212040">
+            <a:pPr marL="216000" indent="-211680">
               <a:lnSpc>
                 <a:spcPct val="100000"/>
               </a:lnSpc>
@@ -13210,7 +13860,7 @@
         <p:spPr>
           <a:xfrm>
             <a:off x="1676520" y="2362320"/>
-            <a:ext cx="8834760" cy="1186920"/>
+            <a:ext cx="8834400" cy="1186920"/>
           </a:xfrm>
           <a:prstGeom prst="rect">
             <a:avLst/>
@@ -13261,7 +13911,7 @@
         <p:spPr>
           <a:xfrm>
             <a:off x="1666800" y="609480"/>
-            <a:ext cx="8834760" cy="394560"/>
+            <a:ext cx="8834400" cy="394560"/>
           </a:xfrm>
           <a:prstGeom prst="rect">
             <a:avLst/>
@@ -13312,7 +13962,7 @@
         <p:spPr>
           <a:xfrm>
             <a:off x="1676520" y="3531600"/>
-            <a:ext cx="8834760" cy="759960"/>
+            <a:ext cx="8834400" cy="759960"/>
           </a:xfrm>
           <a:prstGeom prst="rect">
             <a:avLst/>
@@ -13393,7 +14043,7 @@
         <p:spPr>
           <a:xfrm>
             <a:off x="1676520" y="2362320"/>
-            <a:ext cx="8834760" cy="1186920"/>
+            <a:ext cx="8834400" cy="1186920"/>
           </a:xfrm>
           <a:prstGeom prst="rect">
             <a:avLst/>
@@ -13444,7 +14094,7 @@
         <p:spPr>
           <a:xfrm>
             <a:off x="1676520" y="3531600"/>
-            <a:ext cx="8834760" cy="424800"/>
+            <a:ext cx="8834400" cy="424800"/>
           </a:xfrm>
           <a:prstGeom prst="rect">
             <a:avLst/>
@@ -13560,7 +14210,7 @@
         <p:spPr>
           <a:xfrm>
             <a:off x="1523880" y="0"/>
-            <a:ext cx="9139680" cy="699120"/>
+            <a:ext cx="9139320" cy="699120"/>
           </a:xfrm>
           <a:prstGeom prst="rect">
             <a:avLst/>
@@ -13615,7 +14265,7 @@
         <p:spPr>
           <a:xfrm>
             <a:off x="1600200" y="762120"/>
-            <a:ext cx="8987400" cy="912600"/>
+            <a:ext cx="8987040" cy="912600"/>
           </a:xfrm>
           <a:prstGeom prst="rect">
             <a:avLst/>
@@ -13676,7 +14326,7 @@
         <p:spPr>
           <a:xfrm>
             <a:off x="1523880" y="4272480"/>
-            <a:ext cx="8885520" cy="2558520"/>
+            <a:ext cx="8885160" cy="2558520"/>
           </a:xfrm>
           <a:prstGeom prst="rect">
             <a:avLst/>
@@ -13697,7 +14347,7 @@
             <a:spAutoFit/>
           </a:bodyPr>
           <a:p>
-            <a:pPr marL="285840" indent="-281520">
+            <a:pPr marL="285840" indent="-281160">
               <a:lnSpc>
                 <a:spcPct val="150000"/>
               </a:lnSpc>
@@ -13742,7 +14392,7 @@
             </a:endParaRPr>
           </a:p>
           <a:p>
-            <a:pPr marL="285840" indent="-281520">
+            <a:pPr marL="285840" indent="-281160">
               <a:lnSpc>
                 <a:spcPct val="150000"/>
               </a:lnSpc>
@@ -13787,7 +14437,7 @@
             </a:endParaRPr>
           </a:p>
           <a:p>
-            <a:pPr marL="285840" indent="-281520">
+            <a:pPr marL="285840" indent="-281160">
               <a:lnSpc>
                 <a:spcPct val="150000"/>
               </a:lnSpc>
@@ -13832,7 +14482,7 @@
             </a:endParaRPr>
           </a:p>
           <a:p>
-            <a:pPr marL="285840" indent="-281520">
+            <a:pPr marL="285840" indent="-281160">
               <a:lnSpc>
                 <a:spcPct val="150000"/>
               </a:lnSpc>
@@ -13877,7 +14527,7 @@
             </a:endParaRPr>
           </a:p>
           <a:p>
-            <a:pPr marL="285840" indent="-281520">
+            <a:pPr marL="285840" indent="-281160">
               <a:lnSpc>
                 <a:spcPct val="150000"/>
               </a:lnSpc>
@@ -13912,7 +14562,7 @@
             </a:endParaRPr>
           </a:p>
           <a:p>
-            <a:pPr marL="285840" indent="-281520">
+            <a:pPr marL="285840" indent="-281160">
               <a:lnSpc>
                 <a:spcPct val="150000"/>
               </a:lnSpc>
@@ -14477,7 +15127,7 @@
         <p:spPr>
           <a:xfrm>
             <a:off x="1601280" y="2221560"/>
-            <a:ext cx="8986320" cy="394560"/>
+            <a:ext cx="8985960" cy="394560"/>
           </a:xfrm>
           <a:prstGeom prst="rect">
             <a:avLst/>
@@ -14558,7 +15208,7 @@
         <p:spPr>
           <a:xfrm>
             <a:off x="1676520" y="2362320"/>
-            <a:ext cx="8834760" cy="2284200"/>
+            <a:ext cx="8834400" cy="2284200"/>
           </a:xfrm>
           <a:prstGeom prst="rect">
             <a:avLst/>
@@ -14609,7 +15259,7 @@
         <p:spPr>
           <a:xfrm>
             <a:off x="1676520" y="4719600"/>
-            <a:ext cx="8834760" cy="424800"/>
+            <a:ext cx="8834400" cy="424800"/>
           </a:xfrm>
           <a:prstGeom prst="rect">
             <a:avLst/>

--- a/redis ver1.pptx
+++ b/redis ver1.pptx
@@ -37,6 +37,8 @@
     <p:sldId id="284" r:id="rId32"/>
     <p:sldId id="285" r:id="rId33"/>
     <p:sldId id="286" r:id="rId34"/>
+    <p:sldId id="287" r:id="rId35"/>
+    <p:sldId id="288" r:id="rId36"/>
   </p:sldIdLst>
   <p:sldSz cx="12192000" cy="6858000"/>
   <p:notesSz cx="7559675" cy="10691812"/>
@@ -2845,8 +2847,8 @@
         </p:nvSpPr>
         <p:spPr>
           <a:xfrm rot="5400000">
-            <a:off x="595080" y="6447240"/>
-            <a:ext cx="186120" cy="155880"/>
+            <a:off x="595440" y="6447240"/>
+            <a:ext cx="185760" cy="155520"/>
           </a:xfrm>
           <a:prstGeom prst="triangle">
             <a:avLst>
@@ -2887,7 +2889,7 @@
         <p:spPr>
           <a:xfrm>
             <a:off x="1206360" y="3648240"/>
-            <a:ext cx="9748800" cy="1275480"/>
+            <a:ext cx="9748440" cy="1275120"/>
           </a:xfrm>
           <a:prstGeom prst="rect">
             <a:avLst/>
@@ -2929,7 +2931,7 @@
         <p:spPr>
           <a:xfrm>
             <a:off x="1219320" y="5638680"/>
-            <a:ext cx="9748800" cy="681120"/>
+            <a:ext cx="9748440" cy="680760"/>
           </a:xfrm>
           <a:prstGeom prst="rect">
             <a:avLst/>
@@ -2971,7 +2973,7 @@
         <p:spPr>
           <a:xfrm>
             <a:off x="1206360" y="3648240"/>
-            <a:ext cx="300240" cy="1275480"/>
+            <a:ext cx="299880" cy="1275120"/>
           </a:xfrm>
           <a:prstGeom prst="rect">
             <a:avLst/>
@@ -3010,7 +3012,7 @@
         <p:spPr>
           <a:xfrm>
             <a:off x="1219320" y="5638680"/>
-            <a:ext cx="300240" cy="681120"/>
+            <a:ext cx="299880" cy="680760"/>
           </a:xfrm>
           <a:prstGeom prst="rect">
             <a:avLst/>
@@ -3366,8 +3368,8 @@
         </p:nvSpPr>
         <p:spPr>
           <a:xfrm rot="5400000">
-            <a:off x="595080" y="6447240"/>
-            <a:ext cx="186120" cy="155880"/>
+            <a:off x="595440" y="6447240"/>
+            <a:ext cx="185760" cy="155520"/>
           </a:xfrm>
           <a:prstGeom prst="triangle">
             <a:avLst>
@@ -3436,8 +3438,8 @@
         </p:nvSpPr>
         <p:spPr>
           <a:xfrm rot="5400000">
-            <a:off x="595080" y="6447240"/>
-            <a:ext cx="186120" cy="155880"/>
+            <a:off x="595440" y="6447240"/>
+            <a:ext cx="185760" cy="155520"/>
           </a:xfrm>
           <a:prstGeom prst="triangle">
             <a:avLst>
@@ -3498,7 +3500,61 @@
               <a:rPr b="0" lang="en-IN" sz="4400" spc="-1" strike="noStrike">
                 <a:latin typeface="Arial"/>
               </a:rPr>
-              <a:t>Click to edit the title text format</a:t>
+              <a:t>Cli</a:t>
+            </a:r>
+            <a:r>
+              <a:rPr b="0" lang="en-IN" sz="4400" spc="-1" strike="noStrike">
+                <a:latin typeface="Arial"/>
+              </a:rPr>
+              <a:t>ck </a:t>
+            </a:r>
+            <a:r>
+              <a:rPr b="0" lang="en-IN" sz="4400" spc="-1" strike="noStrike">
+                <a:latin typeface="Arial"/>
+              </a:rPr>
+              <a:t>to </a:t>
+            </a:r>
+            <a:r>
+              <a:rPr b="0" lang="en-IN" sz="4400" spc="-1" strike="noStrike">
+                <a:latin typeface="Arial"/>
+              </a:rPr>
+              <a:t>edit </a:t>
+            </a:r>
+            <a:r>
+              <a:rPr b="0" lang="en-IN" sz="4400" spc="-1" strike="noStrike">
+                <a:latin typeface="Arial"/>
+              </a:rPr>
+              <a:t>the </a:t>
+            </a:r>
+            <a:r>
+              <a:rPr b="0" lang="en-IN" sz="4400" spc="-1" strike="noStrike">
+                <a:latin typeface="Arial"/>
+              </a:rPr>
+              <a:t>title </a:t>
+            </a:r>
+            <a:r>
+              <a:rPr b="0" lang="en-IN" sz="4400" spc="-1" strike="noStrike">
+                <a:latin typeface="Arial"/>
+              </a:rPr>
+              <a:t>text </a:t>
+            </a:r>
+            <a:r>
+              <a:rPr b="0" lang="en-IN" sz="4400" spc="-1" strike="noStrike">
+                <a:latin typeface="Arial"/>
+              </a:rPr>
+              <a:t>for</a:t>
+            </a:r>
+            <a:r>
+              <a:rPr b="0" lang="en-IN" sz="4400" spc="-1" strike="noStrike">
+                <a:latin typeface="Arial"/>
+              </a:rPr>
+              <a:t>ma</a:t>
+            </a:r>
+            <a:r>
+              <a:rPr b="0" lang="en-IN" sz="4400" spc="-1" strike="noStrike">
+                <a:latin typeface="Arial"/>
+              </a:rPr>
+              <a:t>t</a:t>
             </a:r>
             <a:endParaRPr b="0" lang="en-IN" sz="4400" spc="-1" strike="noStrike">
               <a:latin typeface="Arial"/>
@@ -3731,7 +3787,7 @@
         <p:spPr>
           <a:xfrm>
             <a:off x="1975680" y="3733920"/>
-            <a:ext cx="8529840" cy="986040"/>
+            <a:ext cx="8529480" cy="985680"/>
           </a:xfrm>
           <a:prstGeom prst="rect">
             <a:avLst/>
@@ -3788,7 +3844,7 @@
         <p:spPr>
           <a:xfrm>
             <a:off x="181440" y="2001960"/>
-            <a:ext cx="2849760" cy="2849760"/>
+            <a:ext cx="2849400" cy="2849400"/>
           </a:xfrm>
           <a:prstGeom prst="rect">
             <a:avLst/>
@@ -3807,7 +3863,7 @@
         <p:spPr>
           <a:xfrm>
             <a:off x="4444920" y="5050800"/>
-            <a:ext cx="6060240" cy="583200"/>
+            <a:ext cx="6059880" cy="582840"/>
           </a:xfrm>
           <a:prstGeom prst="rect">
             <a:avLst/>
@@ -3870,7 +3926,7 @@
         <p:spPr>
           <a:xfrm>
             <a:off x="181440" y="196560"/>
-            <a:ext cx="2849760" cy="1063080"/>
+            <a:ext cx="2849400" cy="1062720"/>
           </a:xfrm>
           <a:prstGeom prst="rect">
             <a:avLst/>
@@ -3889,7 +3945,7 @@
         <p:spPr>
           <a:xfrm>
             <a:off x="3557880" y="93600"/>
-            <a:ext cx="8448120" cy="3045240"/>
+            <a:ext cx="8447760" cy="3045240"/>
           </a:xfrm>
           <a:prstGeom prst="rect">
             <a:avLst/>
@@ -3974,7 +4030,7 @@
         <p:spPr>
           <a:xfrm>
             <a:off x="181440" y="196920"/>
-            <a:ext cx="2851560" cy="1064880"/>
+            <a:ext cx="2851200" cy="1064520"/>
           </a:xfrm>
           <a:prstGeom prst="rect">
             <a:avLst/>
@@ -3997,7 +4053,7 @@
         <p:spPr>
           <a:xfrm>
             <a:off x="181440" y="2001960"/>
-            <a:ext cx="2852640" cy="2852640"/>
+            <a:ext cx="2852280" cy="2852280"/>
           </a:xfrm>
           <a:prstGeom prst="rect">
             <a:avLst/>
@@ -4081,7 +4137,7 @@
         <p:spPr>
           <a:xfrm>
             <a:off x="1523880" y="0"/>
-            <a:ext cx="9139320" cy="699120"/>
+            <a:ext cx="9138960" cy="699120"/>
           </a:xfrm>
           <a:prstGeom prst="rect">
             <a:avLst/>
@@ -4136,7 +4192,7 @@
         <p:spPr>
           <a:xfrm>
             <a:off x="1600200" y="762120"/>
-            <a:ext cx="8987040" cy="1735560"/>
+            <a:ext cx="8986680" cy="1735560"/>
           </a:xfrm>
           <a:prstGeom prst="rect">
             <a:avLst/>
@@ -4237,7 +4293,7 @@
         <p:spPr>
           <a:xfrm>
             <a:off x="152280" y="152280"/>
-            <a:ext cx="1101960" cy="455400"/>
+            <a:ext cx="1101600" cy="455400"/>
           </a:xfrm>
           <a:prstGeom prst="rect">
             <a:avLst/>
@@ -4288,7 +4344,7 @@
         <p:spPr>
           <a:xfrm>
             <a:off x="1601280" y="2823480"/>
-            <a:ext cx="8985960" cy="699480"/>
+            <a:ext cx="8985600" cy="699480"/>
           </a:xfrm>
           <a:prstGeom prst="rect">
             <a:avLst/>
@@ -4359,7 +4415,7 @@
         <p:spPr>
           <a:xfrm>
             <a:off x="1523880" y="3801960"/>
-            <a:ext cx="8885160" cy="2147040"/>
+            <a:ext cx="8884800" cy="2147040"/>
           </a:xfrm>
           <a:prstGeom prst="rect">
             <a:avLst/>
@@ -4380,7 +4436,7 @@
             <a:spAutoFit/>
           </a:bodyPr>
           <a:p>
-            <a:pPr marL="285840" indent="-281160">
+            <a:pPr marL="285840" indent="-280800">
               <a:lnSpc>
                 <a:spcPct val="150000"/>
               </a:lnSpc>
@@ -4425,7 +4481,7 @@
             </a:endParaRPr>
           </a:p>
           <a:p>
-            <a:pPr marL="285840" indent="-281160">
+            <a:pPr marL="285840" indent="-280800">
               <a:lnSpc>
                 <a:spcPct val="150000"/>
               </a:lnSpc>
@@ -4470,7 +4526,7 @@
             </a:endParaRPr>
           </a:p>
           <a:p>
-            <a:pPr marL="285840" indent="-281160">
+            <a:pPr marL="285840" indent="-280800">
               <a:lnSpc>
                 <a:spcPct val="150000"/>
               </a:lnSpc>
@@ -4515,7 +4571,7 @@
             </a:endParaRPr>
           </a:p>
           <a:p>
-            <a:pPr marL="285840" indent="-281160">
+            <a:pPr marL="285840" indent="-280800">
               <a:lnSpc>
                 <a:spcPct val="150000"/>
               </a:lnSpc>
@@ -4600,7 +4656,7 @@
         <p:spPr>
           <a:xfrm>
             <a:off x="1676520" y="2362320"/>
-            <a:ext cx="8834400" cy="2284200"/>
+            <a:ext cx="8834040" cy="2284200"/>
           </a:xfrm>
           <a:prstGeom prst="rect">
             <a:avLst/>
@@ -4651,7 +4707,7 @@
         <p:spPr>
           <a:xfrm>
             <a:off x="1676520" y="3531600"/>
-            <a:ext cx="8834400" cy="424800"/>
+            <a:ext cx="8834040" cy="424800"/>
           </a:xfrm>
           <a:prstGeom prst="rect">
             <a:avLst/>
@@ -4767,7 +4823,7 @@
         <p:spPr>
           <a:xfrm>
             <a:off x="1523880" y="0"/>
-            <a:ext cx="9139320" cy="699120"/>
+            <a:ext cx="9138960" cy="699120"/>
           </a:xfrm>
           <a:prstGeom prst="rect">
             <a:avLst/>
@@ -4822,7 +4878,7 @@
         <p:spPr>
           <a:xfrm>
             <a:off x="1600200" y="762120"/>
-            <a:ext cx="8987040" cy="1461240"/>
+            <a:ext cx="8986680" cy="1461240"/>
           </a:xfrm>
           <a:prstGeom prst="rect">
             <a:avLst/>
@@ -4923,7 +4979,7 @@
         <p:spPr>
           <a:xfrm>
             <a:off x="152280" y="152280"/>
-            <a:ext cx="1101960" cy="455400"/>
+            <a:ext cx="1101600" cy="455400"/>
           </a:xfrm>
           <a:prstGeom prst="rect">
             <a:avLst/>
@@ -4974,7 +5030,7 @@
         <p:spPr>
           <a:xfrm>
             <a:off x="1601280" y="2509560"/>
-            <a:ext cx="8985960" cy="699480"/>
+            <a:ext cx="8985600" cy="699480"/>
           </a:xfrm>
           <a:prstGeom prst="rect">
             <a:avLst/>
@@ -5045,7 +5101,7 @@
         <p:spPr>
           <a:xfrm>
             <a:off x="1523880" y="3480480"/>
-            <a:ext cx="8885160" cy="2558520"/>
+            <a:ext cx="8884800" cy="2558520"/>
           </a:xfrm>
           <a:prstGeom prst="rect">
             <a:avLst/>
@@ -5066,7 +5122,7 @@
             <a:spAutoFit/>
           </a:bodyPr>
           <a:p>
-            <a:pPr marL="285840" indent="-281160">
+            <a:pPr marL="285840" indent="-280800">
               <a:lnSpc>
                 <a:spcPct val="150000"/>
               </a:lnSpc>
@@ -5111,7 +5167,7 @@
             </a:endParaRPr>
           </a:p>
           <a:p>
-            <a:pPr marL="285840" indent="-281160">
+            <a:pPr marL="285840" indent="-280800">
               <a:lnSpc>
                 <a:spcPct val="150000"/>
               </a:lnSpc>
@@ -5156,7 +5212,7 @@
             </a:endParaRPr>
           </a:p>
           <a:p>
-            <a:pPr marL="285840" indent="-281160">
+            <a:pPr marL="285840" indent="-280800">
               <a:lnSpc>
                 <a:spcPct val="150000"/>
               </a:lnSpc>
@@ -5201,7 +5257,7 @@
             </a:endParaRPr>
           </a:p>
           <a:p>
-            <a:pPr marL="285840" indent="-281160">
+            <a:pPr marL="285840" indent="-280800">
               <a:lnSpc>
                 <a:spcPct val="150000"/>
               </a:lnSpc>
@@ -5246,7 +5302,7 @@
             </a:endParaRPr>
           </a:p>
           <a:p>
-            <a:pPr marL="285840" indent="-281160">
+            <a:pPr marL="285840" indent="-280800">
               <a:lnSpc>
                 <a:spcPct val="150000"/>
               </a:lnSpc>
@@ -5281,7 +5337,7 @@
             </a:endParaRPr>
           </a:p>
           <a:p>
-            <a:pPr marL="285840" indent="-281160">
+            <a:pPr marL="285840" indent="-280800">
               <a:lnSpc>
                 <a:spcPct val="150000"/>
               </a:lnSpc>
@@ -5356,7 +5412,7 @@
         <p:spPr>
           <a:xfrm>
             <a:off x="1676520" y="2362320"/>
-            <a:ext cx="8834400" cy="2284200"/>
+            <a:ext cx="8834040" cy="2284200"/>
           </a:xfrm>
           <a:prstGeom prst="rect">
             <a:avLst/>
@@ -5407,7 +5463,7 @@
         <p:spPr>
           <a:xfrm>
             <a:off x="1676520" y="4935600"/>
-            <a:ext cx="8834400" cy="424800"/>
+            <a:ext cx="8834040" cy="424800"/>
           </a:xfrm>
           <a:prstGeom prst="rect">
             <a:avLst/>
@@ -5523,7 +5579,7 @@
         <p:spPr>
           <a:xfrm>
             <a:off x="1523880" y="0"/>
-            <a:ext cx="9139320" cy="699120"/>
+            <a:ext cx="9138960" cy="699120"/>
           </a:xfrm>
           <a:prstGeom prst="rect">
             <a:avLst/>
@@ -5578,7 +5634,7 @@
         <p:spPr>
           <a:xfrm>
             <a:off x="1600200" y="762120"/>
-            <a:ext cx="8987040" cy="2284200"/>
+            <a:ext cx="8986680" cy="2284200"/>
           </a:xfrm>
           <a:prstGeom prst="rect">
             <a:avLst/>
@@ -5719,7 +5775,7 @@
         <p:spPr>
           <a:xfrm>
             <a:off x="152280" y="152280"/>
-            <a:ext cx="1101960" cy="455400"/>
+            <a:ext cx="1101600" cy="455400"/>
           </a:xfrm>
           <a:prstGeom prst="rect">
             <a:avLst/>
@@ -5770,7 +5826,7 @@
         <p:spPr>
           <a:xfrm>
             <a:off x="1601280" y="2977560"/>
-            <a:ext cx="8985960" cy="1309320"/>
+            <a:ext cx="8985600" cy="1309320"/>
           </a:xfrm>
           <a:prstGeom prst="rect">
             <a:avLst/>
@@ -5881,7 +5937,7 @@
         <p:spPr>
           <a:xfrm>
             <a:off x="1523880" y="4344480"/>
-            <a:ext cx="8885160" cy="2147040"/>
+            <a:ext cx="8884800" cy="2147040"/>
           </a:xfrm>
           <a:prstGeom prst="rect">
             <a:avLst/>
@@ -5902,7 +5958,7 @@
             <a:spAutoFit/>
           </a:bodyPr>
           <a:p>
-            <a:pPr marL="285840" indent="-281160">
+            <a:pPr marL="285840" indent="-280800">
               <a:lnSpc>
                 <a:spcPct val="150000"/>
               </a:lnSpc>
@@ -5947,7 +6003,7 @@
             </a:endParaRPr>
           </a:p>
           <a:p>
-            <a:pPr marL="285840" indent="-281160">
+            <a:pPr marL="285840" indent="-280800">
               <a:lnSpc>
                 <a:spcPct val="150000"/>
               </a:lnSpc>
@@ -5992,7 +6048,7 @@
             </a:endParaRPr>
           </a:p>
           <a:p>
-            <a:pPr marL="285840" indent="-281160">
+            <a:pPr marL="285840" indent="-280800">
               <a:lnSpc>
                 <a:spcPct val="150000"/>
               </a:lnSpc>
@@ -6037,7 +6093,7 @@
             </a:endParaRPr>
           </a:p>
           <a:p>
-            <a:pPr marL="285840" indent="-281160">
+            <a:pPr marL="285840" indent="-280800">
               <a:lnSpc>
                 <a:spcPct val="150000"/>
               </a:lnSpc>
@@ -6082,7 +6138,7 @@
             </a:endParaRPr>
           </a:p>
           <a:p>
-            <a:pPr marL="285840" indent="-281160">
+            <a:pPr marL="285840" indent="-280800">
               <a:lnSpc>
                 <a:spcPct val="150000"/>
               </a:lnSpc>
@@ -6167,7 +6223,7 @@
         <p:spPr>
           <a:xfrm>
             <a:off x="1676520" y="2362320"/>
-            <a:ext cx="8834400" cy="1186920"/>
+            <a:ext cx="8834040" cy="1186920"/>
           </a:xfrm>
           <a:prstGeom prst="rect">
             <a:avLst/>
@@ -6218,7 +6274,7 @@
         <p:spPr>
           <a:xfrm>
             <a:off x="1676520" y="3531600"/>
-            <a:ext cx="8834400" cy="424800"/>
+            <a:ext cx="8834040" cy="424800"/>
           </a:xfrm>
           <a:prstGeom prst="rect">
             <a:avLst/>
@@ -6334,7 +6390,7 @@
         <p:spPr>
           <a:xfrm>
             <a:off x="1523880" y="0"/>
-            <a:ext cx="9139320" cy="699120"/>
+            <a:ext cx="9138960" cy="699120"/>
           </a:xfrm>
           <a:prstGeom prst="rect">
             <a:avLst/>
@@ -6389,7 +6445,7 @@
         <p:spPr>
           <a:xfrm>
             <a:off x="1600200" y="762120"/>
-            <a:ext cx="8987040" cy="912600"/>
+            <a:ext cx="8986680" cy="912600"/>
           </a:xfrm>
           <a:prstGeom prst="rect">
             <a:avLst/>
@@ -6490,7 +6546,7 @@
         <p:spPr>
           <a:xfrm>
             <a:off x="1600200" y="2865600"/>
-            <a:ext cx="8885160" cy="1735560"/>
+            <a:ext cx="8884800" cy="1735560"/>
           </a:xfrm>
           <a:prstGeom prst="rect">
             <a:avLst/>
@@ -6511,7 +6567,7 @@
             <a:spAutoFit/>
           </a:bodyPr>
           <a:p>
-            <a:pPr marL="285840" indent="-281160">
+            <a:pPr marL="285840" indent="-280800">
               <a:lnSpc>
                 <a:spcPct val="150000"/>
               </a:lnSpc>
@@ -6556,7 +6612,7 @@
             </a:endParaRPr>
           </a:p>
           <a:p>
-            <a:pPr marL="285840" indent="-281160">
+            <a:pPr marL="285840" indent="-280800">
               <a:lnSpc>
                 <a:spcPct val="150000"/>
               </a:lnSpc>
@@ -6601,7 +6657,7 @@
             </a:endParaRPr>
           </a:p>
           <a:p>
-            <a:pPr marL="285840" indent="-281160">
+            <a:pPr marL="285840" indent="-280800">
               <a:lnSpc>
                 <a:spcPct val="150000"/>
               </a:lnSpc>
@@ -6646,7 +6702,7 @@
             </a:endParaRPr>
           </a:p>
           <a:p>
-            <a:pPr marL="285840" indent="-281160">
+            <a:pPr marL="285840" indent="-280800">
               <a:lnSpc>
                 <a:spcPct val="150000"/>
               </a:lnSpc>
@@ -6701,7 +6757,7 @@
         <p:spPr>
           <a:xfrm>
             <a:off x="152280" y="152280"/>
-            <a:ext cx="1101960" cy="455400"/>
+            <a:ext cx="1101600" cy="455400"/>
           </a:xfrm>
           <a:prstGeom prst="rect">
             <a:avLst/>
@@ -6752,7 +6808,7 @@
         <p:spPr>
           <a:xfrm>
             <a:off x="1601280" y="2221560"/>
-            <a:ext cx="8985960" cy="699480"/>
+            <a:ext cx="8985600" cy="699480"/>
           </a:xfrm>
           <a:prstGeom prst="rect">
             <a:avLst/>
@@ -6823,7 +6879,7 @@
         <p:spPr>
           <a:xfrm>
             <a:off x="1656000" y="4713480"/>
-            <a:ext cx="8995680" cy="1365840"/>
+            <a:ext cx="8995320" cy="1365480"/>
           </a:xfrm>
           <a:prstGeom prst="rect">
             <a:avLst/>
@@ -6844,7 +6900,7 @@
             <a:noAutofit/>
           </a:bodyPr>
           <a:p>
-            <a:pPr marL="216000" indent="-214560">
+            <a:pPr marL="216000" indent="-214200">
               <a:lnSpc>
                 <a:spcPct val="150000"/>
               </a:lnSpc>
@@ -6879,7 +6935,7 @@
             </a:endParaRPr>
           </a:p>
           <a:p>
-            <a:pPr marL="216000" indent="-214560">
+            <a:pPr marL="216000" indent="-214200">
               <a:lnSpc>
                 <a:spcPct val="150000"/>
               </a:lnSpc>
@@ -6914,7 +6970,7 @@
             </a:endParaRPr>
           </a:p>
           <a:p>
-            <a:pPr marL="216000" indent="-214560">
+            <a:pPr marL="216000" indent="-214200">
               <a:lnSpc>
                 <a:spcPct val="150000"/>
               </a:lnSpc>
@@ -6949,7 +7005,7 @@
             </a:endParaRPr>
           </a:p>
           <a:p>
-            <a:pPr marL="216000" indent="-214560">
+            <a:pPr marL="216000" indent="-214200">
               <a:lnSpc>
                 <a:spcPct val="150000"/>
               </a:lnSpc>
@@ -6984,7 +7040,7 @@
             </a:endParaRPr>
           </a:p>
           <a:p>
-            <a:pPr marL="216000" indent="-214560">
+            <a:pPr marL="216000" indent="-214200">
               <a:lnSpc>
                 <a:spcPct val="150000"/>
               </a:lnSpc>
@@ -7059,7 +7115,7 @@
         <p:spPr>
           <a:xfrm>
             <a:off x="1676520" y="2362320"/>
-            <a:ext cx="8834400" cy="1186920"/>
+            <a:ext cx="8834040" cy="1186920"/>
           </a:xfrm>
           <a:prstGeom prst="rect">
             <a:avLst/>
@@ -7110,7 +7166,7 @@
         <p:spPr>
           <a:xfrm>
             <a:off x="1676520" y="3531600"/>
-            <a:ext cx="8834400" cy="424800"/>
+            <a:ext cx="8834040" cy="424800"/>
           </a:xfrm>
           <a:prstGeom prst="rect">
             <a:avLst/>
@@ -7226,7 +7282,7 @@
         <p:spPr>
           <a:xfrm>
             <a:off x="1523880" y="0"/>
-            <a:ext cx="9139320" cy="699120"/>
+            <a:ext cx="9138960" cy="699120"/>
           </a:xfrm>
           <a:prstGeom prst="rect">
             <a:avLst/>
@@ -7281,7 +7337,7 @@
         <p:spPr>
           <a:xfrm>
             <a:off x="1600200" y="762120"/>
-            <a:ext cx="8987040" cy="668880"/>
+            <a:ext cx="8986680" cy="668880"/>
           </a:xfrm>
           <a:prstGeom prst="rect">
             <a:avLst/>
@@ -7372,7 +7428,7 @@
         <p:spPr>
           <a:xfrm>
             <a:off x="1600200" y="3909600"/>
-            <a:ext cx="8885160" cy="1324080"/>
+            <a:ext cx="8884800" cy="1324080"/>
           </a:xfrm>
           <a:prstGeom prst="rect">
             <a:avLst/>
@@ -7393,7 +7449,7 @@
             <a:spAutoFit/>
           </a:bodyPr>
           <a:p>
-            <a:pPr marL="285840" indent="-281160">
+            <a:pPr marL="285840" indent="-280800">
               <a:lnSpc>
                 <a:spcPct val="150000"/>
               </a:lnSpc>
@@ -7438,7 +7494,7 @@
             </a:endParaRPr>
           </a:p>
           <a:p>
-            <a:pPr marL="285840" indent="-281160">
+            <a:pPr marL="285840" indent="-280800">
               <a:lnSpc>
                 <a:spcPct val="150000"/>
               </a:lnSpc>
@@ -7483,7 +7539,7 @@
             </a:endParaRPr>
           </a:p>
           <a:p>
-            <a:pPr marL="285840" indent="-281160">
+            <a:pPr marL="285840" indent="-280800">
               <a:lnSpc>
                 <a:spcPct val="150000"/>
               </a:lnSpc>
@@ -7538,7 +7594,7 @@
         <p:spPr>
           <a:xfrm>
             <a:off x="152280" y="152280"/>
-            <a:ext cx="1101960" cy="455400"/>
+            <a:ext cx="1101600" cy="455400"/>
           </a:xfrm>
           <a:prstGeom prst="rect">
             <a:avLst/>
@@ -7589,7 +7645,7 @@
         <p:spPr>
           <a:xfrm>
             <a:off x="1601280" y="2221560"/>
-            <a:ext cx="8985960" cy="699480"/>
+            <a:ext cx="8985600" cy="699480"/>
           </a:xfrm>
           <a:prstGeom prst="rect">
             <a:avLst/>
@@ -7660,7 +7716,7 @@
         <p:spPr>
           <a:xfrm>
             <a:off x="1584000" y="5246640"/>
-            <a:ext cx="8851680" cy="1012320"/>
+            <a:ext cx="8851320" cy="1011960"/>
           </a:xfrm>
           <a:prstGeom prst="rect">
             <a:avLst/>
@@ -7711,7 +7767,7 @@
             </a:endParaRPr>
           </a:p>
           <a:p>
-            <a:pPr marL="216000" indent="-211680">
+            <a:pPr marL="216000" indent="-211320">
               <a:lnSpc>
                 <a:spcPct val="100000"/>
               </a:lnSpc>
@@ -7737,7 +7793,7 @@
             </a:endParaRPr>
           </a:p>
           <a:p>
-            <a:pPr marL="216000" indent="-211680">
+            <a:pPr marL="216000" indent="-211320">
               <a:lnSpc>
                 <a:spcPct val="100000"/>
               </a:lnSpc>
@@ -7773,7 +7829,7 @@
         <p:spPr>
           <a:xfrm>
             <a:off x="1576080" y="3161880"/>
-            <a:ext cx="9579600" cy="649800"/>
+            <a:ext cx="9579240" cy="649440"/>
           </a:xfrm>
           <a:prstGeom prst="rect">
             <a:avLst/>
@@ -7884,7 +7940,7 @@
         <p:spPr>
           <a:xfrm>
             <a:off x="1676520" y="2362320"/>
-            <a:ext cx="8834400" cy="2284200"/>
+            <a:ext cx="8834040" cy="2284200"/>
           </a:xfrm>
           <a:prstGeom prst="rect">
             <a:avLst/>
@@ -7935,7 +7991,7 @@
         <p:spPr>
           <a:xfrm>
             <a:off x="1676520" y="3531600"/>
-            <a:ext cx="8834400" cy="424800"/>
+            <a:ext cx="8834040" cy="424800"/>
           </a:xfrm>
           <a:prstGeom prst="rect">
             <a:avLst/>
@@ -8016,7 +8072,7 @@
         <p:spPr>
           <a:xfrm>
             <a:off x="1676520" y="2362320"/>
-            <a:ext cx="8834400" cy="1186920"/>
+            <a:ext cx="8834040" cy="1186920"/>
           </a:xfrm>
           <a:prstGeom prst="rect">
             <a:avLst/>
@@ -8067,7 +8123,7 @@
         <p:spPr>
           <a:xfrm>
             <a:off x="522360" y="3531600"/>
-            <a:ext cx="11246760" cy="1765440"/>
+            <a:ext cx="11246400" cy="1765440"/>
           </a:xfrm>
           <a:prstGeom prst="rect">
             <a:avLst/>
@@ -8118,7 +8174,7 @@
         <p:spPr>
           <a:xfrm>
             <a:off x="1666800" y="609480"/>
-            <a:ext cx="8834400" cy="394560"/>
+            <a:ext cx="8834040" cy="394560"/>
           </a:xfrm>
           <a:prstGeom prst="rect">
             <a:avLst/>
@@ -8234,7 +8290,7 @@
         <p:spPr>
           <a:xfrm>
             <a:off x="1523880" y="0"/>
-            <a:ext cx="9139320" cy="699120"/>
+            <a:ext cx="9138960" cy="699120"/>
           </a:xfrm>
           <a:prstGeom prst="rect">
             <a:avLst/>
@@ -8289,7 +8345,7 @@
         <p:spPr>
           <a:xfrm>
             <a:off x="1600200" y="762120"/>
-            <a:ext cx="8987040" cy="1735560"/>
+            <a:ext cx="8986680" cy="1735560"/>
           </a:xfrm>
           <a:prstGeom prst="rect">
             <a:avLst/>
@@ -8390,7 +8446,7 @@
         <p:spPr>
           <a:xfrm>
             <a:off x="1600200" y="3585600"/>
-            <a:ext cx="8885160" cy="2558520"/>
+            <a:ext cx="8884800" cy="2558520"/>
           </a:xfrm>
           <a:prstGeom prst="rect">
             <a:avLst/>
@@ -8431,7 +8487,7 @@
             </a:endParaRPr>
           </a:p>
           <a:p>
-            <a:pPr marL="285840" indent="-281160">
+            <a:pPr marL="285840" indent="-280800">
               <a:lnSpc>
                 <a:spcPct val="150000"/>
               </a:lnSpc>
@@ -8476,7 +8532,7 @@
             </a:endParaRPr>
           </a:p>
           <a:p>
-            <a:pPr marL="285840" indent="-281160">
+            <a:pPr marL="285840" indent="-280800">
               <a:lnSpc>
                 <a:spcPct val="150000"/>
               </a:lnSpc>
@@ -8541,7 +8597,7 @@
             </a:endParaRPr>
           </a:p>
           <a:p>
-            <a:pPr marL="285840" indent="-281160">
+            <a:pPr marL="285840" indent="-280800">
               <a:lnSpc>
                 <a:spcPct val="150000"/>
               </a:lnSpc>
@@ -8586,7 +8642,7 @@
             </a:endParaRPr>
           </a:p>
           <a:p>
-            <a:pPr marL="285840" indent="-281160">
+            <a:pPr marL="285840" indent="-280800">
               <a:lnSpc>
                 <a:spcPct val="150000"/>
               </a:lnSpc>
@@ -8641,7 +8697,7 @@
         <p:spPr>
           <a:xfrm>
             <a:off x="152280" y="152280"/>
-            <a:ext cx="1101960" cy="455400"/>
+            <a:ext cx="1101600" cy="455400"/>
           </a:xfrm>
           <a:prstGeom prst="rect">
             <a:avLst/>
@@ -8692,7 +8748,7 @@
         <p:spPr>
           <a:xfrm>
             <a:off x="1601280" y="2761560"/>
-            <a:ext cx="8985960" cy="699480"/>
+            <a:ext cx="8985600" cy="699480"/>
           </a:xfrm>
           <a:prstGeom prst="rect">
             <a:avLst/>
@@ -8793,7 +8849,7 @@
         <p:spPr>
           <a:xfrm>
             <a:off x="1676520" y="2362320"/>
-            <a:ext cx="8834400" cy="2284200"/>
+            <a:ext cx="8834040" cy="2284200"/>
           </a:xfrm>
           <a:prstGeom prst="rect">
             <a:avLst/>
@@ -8844,7 +8900,7 @@
         <p:spPr>
           <a:xfrm>
             <a:off x="1676520" y="5331600"/>
-            <a:ext cx="8834400" cy="424800"/>
+            <a:ext cx="8834040" cy="424800"/>
           </a:xfrm>
           <a:prstGeom prst="rect">
             <a:avLst/>
@@ -8925,7 +8981,7 @@
         <p:spPr>
           <a:xfrm>
             <a:off x="1523880" y="0"/>
-            <a:ext cx="9139320" cy="699120"/>
+            <a:ext cx="9138960" cy="699120"/>
           </a:xfrm>
           <a:prstGeom prst="rect">
             <a:avLst/>
@@ -8980,7 +9036,7 @@
         <p:spPr>
           <a:xfrm>
             <a:off x="1600200" y="762120"/>
-            <a:ext cx="8987040" cy="2284200"/>
+            <a:ext cx="8986680" cy="2284200"/>
           </a:xfrm>
           <a:prstGeom prst="rect">
             <a:avLst/>
@@ -9121,7 +9177,7 @@
         <p:spPr>
           <a:xfrm>
             <a:off x="152280" y="152280"/>
-            <a:ext cx="1101960" cy="455400"/>
+            <a:ext cx="1101600" cy="455400"/>
           </a:xfrm>
           <a:prstGeom prst="rect">
             <a:avLst/>
@@ -9172,7 +9228,7 @@
         <p:spPr>
           <a:xfrm>
             <a:off x="1601280" y="3157560"/>
-            <a:ext cx="8985960" cy="1004400"/>
+            <a:ext cx="8985600" cy="1004400"/>
           </a:xfrm>
           <a:prstGeom prst="rect">
             <a:avLst/>
@@ -9206,7 +9262,17 @@
                 <a:latin typeface="Consolas"/>
                 <a:ea typeface="DejaVu Sans"/>
               </a:rPr>
-              <a:t>MSET key value [key value …]</a:t>
+              <a:t>MSET key value [key value</a:t>
+            </a:r>
+            <a:r>
+              <a:rPr b="0" lang="en-US" sz="2000" spc="-1" strike="noStrike">
+                <a:solidFill>
+                  <a:srgbClr val="00b0f0"/>
+                </a:solidFill>
+                <a:latin typeface="Consolas"/>
+                <a:ea typeface="DejaVu Sans"/>
+              </a:rPr>
+              <a:t> ...]</a:t>
             </a:r>
             <a:endParaRPr b="0" lang="en-IN" sz="2000" spc="-1" strike="noStrike">
               <a:latin typeface="Arial"/>
@@ -9263,7 +9329,7 @@
         <p:spPr>
           <a:xfrm>
             <a:off x="864000" y="4197600"/>
-            <a:ext cx="11014920" cy="1324080"/>
+            <a:ext cx="11014560" cy="1324080"/>
           </a:xfrm>
           <a:prstGeom prst="rect">
             <a:avLst/>
@@ -9284,7 +9350,7 @@
             <a:spAutoFit/>
           </a:bodyPr>
           <a:p>
-            <a:pPr marL="285840" indent="-281160">
+            <a:pPr marL="285840" indent="-280800">
               <a:lnSpc>
                 <a:spcPct val="150000"/>
               </a:lnSpc>
@@ -9329,7 +9395,7 @@
             </a:endParaRPr>
           </a:p>
           <a:p>
-            <a:pPr marL="285840" indent="-281160">
+            <a:pPr marL="285840" indent="-280800">
               <a:lnSpc>
                 <a:spcPct val="150000"/>
               </a:lnSpc>
@@ -9374,7 +9440,7 @@
             </a:endParaRPr>
           </a:p>
           <a:p>
-            <a:pPr marL="285840" indent="-281160">
+            <a:pPr marL="285840" indent="-280800">
               <a:lnSpc>
                 <a:spcPct val="150000"/>
               </a:lnSpc>
@@ -9464,7 +9530,7 @@
         <p:spPr>
           <a:xfrm>
             <a:off x="1584000" y="5610240"/>
-            <a:ext cx="8851680" cy="1012320"/>
+            <a:ext cx="8851320" cy="1011960"/>
           </a:xfrm>
           <a:prstGeom prst="rect">
             <a:avLst/>
@@ -9515,7 +9581,7 @@
             </a:endParaRPr>
           </a:p>
           <a:p>
-            <a:pPr marL="285840" indent="-284040">
+            <a:pPr marL="285840" indent="-283680">
               <a:lnSpc>
                 <a:spcPct val="100000"/>
               </a:lnSpc>
@@ -9540,7 +9606,7 @@
             </a:endParaRPr>
           </a:p>
           <a:p>
-            <a:pPr marL="285840" indent="-284040">
+            <a:pPr marL="285840" indent="-283680">
               <a:lnSpc>
                 <a:spcPct val="100000"/>
               </a:lnSpc>
@@ -9605,7 +9671,7 @@
         <p:spPr>
           <a:xfrm>
             <a:off x="1676520" y="2362320"/>
-            <a:ext cx="8834400" cy="2284200"/>
+            <a:ext cx="8834040" cy="2284200"/>
           </a:xfrm>
           <a:prstGeom prst="rect">
             <a:avLst/>
@@ -9656,7 +9722,7 @@
         <p:spPr>
           <a:xfrm>
             <a:off x="1676520" y="5331600"/>
-            <a:ext cx="8834400" cy="424800"/>
+            <a:ext cx="8834040" cy="424800"/>
           </a:xfrm>
           <a:prstGeom prst="rect">
             <a:avLst/>
@@ -9737,7 +9803,7 @@
         <p:spPr>
           <a:xfrm>
             <a:off x="1523880" y="0"/>
-            <a:ext cx="9139320" cy="699120"/>
+            <a:ext cx="9138960" cy="699120"/>
           </a:xfrm>
           <a:prstGeom prst="rect">
             <a:avLst/>
@@ -9792,7 +9858,7 @@
         <p:spPr>
           <a:xfrm>
             <a:off x="1600200" y="762120"/>
-            <a:ext cx="8987040" cy="2558520"/>
+            <a:ext cx="8986680" cy="2558520"/>
           </a:xfrm>
           <a:prstGeom prst="rect">
             <a:avLst/>
@@ -9933,7 +9999,7 @@
         <p:spPr>
           <a:xfrm>
             <a:off x="152280" y="152280"/>
-            <a:ext cx="1101960" cy="455400"/>
+            <a:ext cx="1101600" cy="455400"/>
           </a:xfrm>
           <a:prstGeom prst="rect">
             <a:avLst/>
@@ -9984,7 +10050,7 @@
         <p:spPr>
           <a:xfrm>
             <a:off x="1601280" y="3553560"/>
-            <a:ext cx="8985960" cy="1004400"/>
+            <a:ext cx="8985600" cy="1004400"/>
           </a:xfrm>
           <a:prstGeom prst="rect">
             <a:avLst/>
@@ -10075,7 +10141,7 @@
         <p:spPr>
           <a:xfrm>
             <a:off x="1600200" y="4593600"/>
-            <a:ext cx="8885160" cy="912600"/>
+            <a:ext cx="8884800" cy="912600"/>
           </a:xfrm>
           <a:prstGeom prst="rect">
             <a:avLst/>
@@ -10096,7 +10162,7 @@
             <a:spAutoFit/>
           </a:bodyPr>
           <a:p>
-            <a:pPr marL="285840" indent="-281160">
+            <a:pPr marL="285840" indent="-280800">
               <a:lnSpc>
                 <a:spcPct val="150000"/>
               </a:lnSpc>
@@ -10141,7 +10207,7 @@
             </a:endParaRPr>
           </a:p>
           <a:p>
-            <a:pPr marL="285840" indent="-281160">
+            <a:pPr marL="285840" indent="-280800">
               <a:lnSpc>
                 <a:spcPct val="150000"/>
               </a:lnSpc>
@@ -10231,7 +10297,7 @@
         <p:spPr>
           <a:xfrm>
             <a:off x="1584000" y="5790240"/>
-            <a:ext cx="8851680" cy="76680"/>
+            <a:ext cx="8851320" cy="76320"/>
           </a:xfrm>
           <a:prstGeom prst="rect">
             <a:avLst/>
@@ -10282,7 +10348,7 @@
             </a:endParaRPr>
           </a:p>
           <a:p>
-            <a:pPr marL="285840" indent="-284040">
+            <a:pPr marL="285840" indent="-283680">
               <a:lnSpc>
                 <a:spcPct val="100000"/>
               </a:lnSpc>
@@ -10347,7 +10413,7 @@
         <p:spPr>
           <a:xfrm>
             <a:off x="1676520" y="2362320"/>
-            <a:ext cx="8834400" cy="1186920"/>
+            <a:ext cx="8834040" cy="1186920"/>
           </a:xfrm>
           <a:prstGeom prst="rect">
             <a:avLst/>
@@ -10398,7 +10464,7 @@
         <p:spPr>
           <a:xfrm>
             <a:off x="1676520" y="5331600"/>
-            <a:ext cx="8834400" cy="424800"/>
+            <a:ext cx="8834040" cy="424800"/>
           </a:xfrm>
           <a:prstGeom prst="rect">
             <a:avLst/>
@@ -10479,7 +10545,7 @@
         <p:spPr>
           <a:xfrm>
             <a:off x="1523880" y="0"/>
-            <a:ext cx="9139320" cy="699120"/>
+            <a:ext cx="9138960" cy="699120"/>
           </a:xfrm>
           <a:prstGeom prst="rect">
             <a:avLst/>
@@ -10534,7 +10600,7 @@
         <p:spPr>
           <a:xfrm>
             <a:off x="1600200" y="762120"/>
-            <a:ext cx="8987040" cy="1461240"/>
+            <a:ext cx="8986680" cy="1461240"/>
           </a:xfrm>
           <a:prstGeom prst="rect">
             <a:avLst/>
@@ -10635,7 +10701,7 @@
         <p:spPr>
           <a:xfrm>
             <a:off x="152280" y="152280"/>
-            <a:ext cx="1101960" cy="455400"/>
+            <a:ext cx="1101600" cy="455400"/>
           </a:xfrm>
           <a:prstGeom prst="rect">
             <a:avLst/>
@@ -10686,7 +10752,7 @@
         <p:spPr>
           <a:xfrm>
             <a:off x="1601280" y="2689560"/>
-            <a:ext cx="8985960" cy="699480"/>
+            <a:ext cx="8985600" cy="699480"/>
           </a:xfrm>
           <a:prstGeom prst="rect">
             <a:avLst/>
@@ -10757,7 +10823,7 @@
         <p:spPr>
           <a:xfrm>
             <a:off x="1600200" y="3621600"/>
-            <a:ext cx="8885160" cy="912600"/>
+            <a:ext cx="8884800" cy="912600"/>
           </a:xfrm>
           <a:prstGeom prst="rect">
             <a:avLst/>
@@ -10778,7 +10844,7 @@
             <a:spAutoFit/>
           </a:bodyPr>
           <a:p>
-            <a:pPr marL="285840" indent="-281160">
+            <a:pPr marL="285840" indent="-280800">
               <a:lnSpc>
                 <a:spcPct val="150000"/>
               </a:lnSpc>
@@ -10823,7 +10889,7 @@
             </a:endParaRPr>
           </a:p>
           <a:p>
-            <a:pPr marL="285840" indent="-281160">
+            <a:pPr marL="285840" indent="-280800">
               <a:lnSpc>
                 <a:spcPct val="150000"/>
               </a:lnSpc>
@@ -10913,7 +10979,7 @@
         <p:spPr>
           <a:xfrm>
             <a:off x="1584000" y="5106240"/>
-            <a:ext cx="8851680" cy="76680"/>
+            <a:ext cx="8851320" cy="76320"/>
           </a:xfrm>
           <a:prstGeom prst="rect">
             <a:avLst/>
@@ -10964,7 +11030,7 @@
             </a:endParaRPr>
           </a:p>
           <a:p>
-            <a:pPr marL="285840" indent="-284040">
+            <a:pPr marL="285840" indent="-283680">
               <a:lnSpc>
                 <a:spcPct val="100000"/>
               </a:lnSpc>
@@ -11029,7 +11095,7 @@
         <p:spPr>
           <a:xfrm>
             <a:off x="1676520" y="2362320"/>
-            <a:ext cx="8834400" cy="1186920"/>
+            <a:ext cx="8834040" cy="1186920"/>
           </a:xfrm>
           <a:prstGeom prst="rect">
             <a:avLst/>
@@ -11080,7 +11146,7 @@
         <p:spPr>
           <a:xfrm>
             <a:off x="1676520" y="5331600"/>
-            <a:ext cx="8834400" cy="424800"/>
+            <a:ext cx="8834040" cy="424800"/>
           </a:xfrm>
           <a:prstGeom prst="rect">
             <a:avLst/>
@@ -11161,7 +11227,7 @@
         <p:spPr>
           <a:xfrm>
             <a:off x="1523880" y="0"/>
-            <a:ext cx="9139320" cy="699120"/>
+            <a:ext cx="9138960" cy="699120"/>
           </a:xfrm>
           <a:prstGeom prst="rect">
             <a:avLst/>
@@ -11216,7 +11282,7 @@
         <p:spPr>
           <a:xfrm>
             <a:off x="1600200" y="762120"/>
-            <a:ext cx="8987040" cy="1186920"/>
+            <a:ext cx="8986680" cy="1186920"/>
           </a:xfrm>
           <a:prstGeom prst="rect">
             <a:avLst/>
@@ -11317,7 +11383,7 @@
         <p:spPr>
           <a:xfrm>
             <a:off x="152280" y="152280"/>
-            <a:ext cx="1101960" cy="455400"/>
+            <a:ext cx="1101600" cy="455400"/>
           </a:xfrm>
           <a:prstGeom prst="rect">
             <a:avLst/>
@@ -11368,7 +11434,7 @@
         <p:spPr>
           <a:xfrm>
             <a:off x="1601280" y="2689560"/>
-            <a:ext cx="8985960" cy="699480"/>
+            <a:ext cx="8985600" cy="699480"/>
           </a:xfrm>
           <a:prstGeom prst="rect">
             <a:avLst/>
@@ -11439,7 +11505,7 @@
         <p:spPr>
           <a:xfrm>
             <a:off x="1600200" y="3621600"/>
-            <a:ext cx="8885160" cy="912600"/>
+            <a:ext cx="8884800" cy="912600"/>
           </a:xfrm>
           <a:prstGeom prst="rect">
             <a:avLst/>
@@ -11460,7 +11526,7 @@
             <a:spAutoFit/>
           </a:bodyPr>
           <a:p>
-            <a:pPr marL="285840" indent="-281160">
+            <a:pPr marL="285840" indent="-280800">
               <a:lnSpc>
                 <a:spcPct val="150000"/>
               </a:lnSpc>
@@ -11505,7 +11571,7 @@
             </a:endParaRPr>
           </a:p>
           <a:p>
-            <a:pPr marL="285840" indent="-281160">
+            <a:pPr marL="285840" indent="-280800">
               <a:lnSpc>
                 <a:spcPct val="150000"/>
               </a:lnSpc>
@@ -11625,7 +11691,7 @@
         <p:spPr>
           <a:xfrm>
             <a:off x="1676520" y="2362320"/>
-            <a:ext cx="8834400" cy="1186920"/>
+            <a:ext cx="8834040" cy="2284200"/>
           </a:xfrm>
           <a:prstGeom prst="rect">
             <a:avLst/>
@@ -11659,7 +11725,7 @@
                 <a:latin typeface="Century"/>
                 <a:ea typeface="DejaVu Sans"/>
               </a:rPr>
-              <a:t>copy &amp; move keys</a:t>
+              <a:t>copy, move,del &amp; exists key</a:t>
             </a:r>
             <a:endParaRPr b="0" lang="en-IN" sz="7200" spc="-1" strike="noStrike">
               <a:latin typeface="Arial"/>
@@ -11676,7 +11742,7 @@
         <p:spPr>
           <a:xfrm>
             <a:off x="1676520" y="5331600"/>
-            <a:ext cx="8834400" cy="424800"/>
+            <a:ext cx="8834040" cy="424800"/>
           </a:xfrm>
           <a:prstGeom prst="rect">
             <a:avLst/>
@@ -11792,7 +11858,7 @@
         <p:spPr>
           <a:xfrm>
             <a:off x="1676520" y="2743200"/>
-            <a:ext cx="8834400" cy="1064520"/>
+            <a:ext cx="8834040" cy="1064520"/>
           </a:xfrm>
           <a:prstGeom prst="rect">
             <a:avLst/>
@@ -11813,7 +11879,7 @@
             <a:spAutoFit/>
           </a:bodyPr>
           <a:p>
-            <a:pPr marL="343080" indent="-338400">
+            <a:pPr marL="343080" indent="-338040">
               <a:lnSpc>
                 <a:spcPct val="100000"/>
               </a:lnSpc>
@@ -11868,7 +11934,7 @@
             </a:endParaRPr>
           </a:p>
           <a:p>
-            <a:pPr marL="343080" indent="-338400">
+            <a:pPr marL="343080" indent="-338040">
               <a:lnSpc>
                 <a:spcPct val="100000"/>
               </a:lnSpc>
@@ -12004,7 +12070,7 @@
         <p:spPr>
           <a:xfrm>
             <a:off x="1600200" y="762120"/>
-            <a:ext cx="8987040" cy="699480"/>
+            <a:ext cx="8986680" cy="699480"/>
           </a:xfrm>
           <a:prstGeom prst="rect">
             <a:avLst/>
@@ -12065,7 +12131,7 @@
         <p:spPr>
           <a:xfrm>
             <a:off x="1523880" y="5067720"/>
-            <a:ext cx="9139320" cy="790560"/>
+            <a:ext cx="9138960" cy="790560"/>
           </a:xfrm>
           <a:prstGeom prst="rect">
             <a:avLst/>
@@ -12126,7 +12192,7 @@
             </a:endParaRPr>
           </a:p>
           <a:p>
-            <a:pPr marL="285840" indent="-281160">
+            <a:pPr marL="285840" indent="-280800">
               <a:lnSpc>
                 <a:spcPct val="100000"/>
               </a:lnSpc>
@@ -12171,7 +12237,7 @@
         <p:spPr>
           <a:xfrm>
             <a:off x="1584000" y="4287960"/>
-            <a:ext cx="8707680" cy="351720"/>
+            <a:ext cx="8707320" cy="351360"/>
           </a:xfrm>
           <a:prstGeom prst="rect">
             <a:avLst/>
@@ -12242,7 +12308,7 @@
         <p:spPr>
           <a:xfrm>
             <a:off x="1523880" y="0"/>
-            <a:ext cx="9141480" cy="699120"/>
+            <a:ext cx="9141120" cy="699120"/>
           </a:xfrm>
           <a:prstGeom prst="rect">
             <a:avLst/>
@@ -12347,7 +12413,7 @@
         <p:spPr>
           <a:xfrm>
             <a:off x="1523880" y="0"/>
-            <a:ext cx="9139320" cy="699120"/>
+            <a:ext cx="9138960" cy="699120"/>
           </a:xfrm>
           <a:prstGeom prst="rect">
             <a:avLst/>
@@ -12385,7 +12451,7 @@
                 <a:latin typeface="Open Sans"/>
                 <a:ea typeface="DejaVu Sans"/>
               </a:rPr>
-              <a:t>copy &amp; move</a:t>
+              <a:t>copy, move, del &amp; exists</a:t>
             </a:r>
             <a:endParaRPr b="0" lang="en-IN" sz="4000" spc="-1" strike="noStrike">
               <a:latin typeface="Arial"/>
@@ -12402,7 +12468,7 @@
         <p:spPr>
           <a:xfrm>
             <a:off x="1600200" y="762120"/>
-            <a:ext cx="8987040" cy="1461240"/>
+            <a:ext cx="8986680" cy="2253240"/>
           </a:xfrm>
           <a:prstGeom prst="rect">
             <a:avLst/>
@@ -12423,6 +12489,166 @@
             <a:spAutoFit/>
           </a:bodyPr>
           <a:p>
+            <a:pPr algn="just">
+              <a:lnSpc>
+                <a:spcPct val="100000"/>
+              </a:lnSpc>
+            </a:pPr>
+            <a:r>
+              <a:rPr b="1" lang="en-US" sz="1800" spc="-1" strike="noStrike">
+                <a:solidFill>
+                  <a:srgbClr val="7c4dff"/>
+                </a:solidFill>
+                <a:latin typeface="Arial"/>
+                <a:ea typeface="DejaVu Sans"/>
+              </a:rPr>
+              <a:t>COPY</a:t>
+            </a:r>
+            <a:r>
+              <a:rPr b="0" lang="en-US" sz="1800" spc="-1" strike="noStrike">
+                <a:solidFill>
+                  <a:srgbClr val="000000"/>
+                </a:solidFill>
+                <a:latin typeface="Arial"/>
+                <a:ea typeface="DejaVu Sans"/>
+              </a:rPr>
+              <a:t> command copies the value stored at the source key to the destination key. </a:t>
+            </a:r>
+            <a:r>
+              <a:rPr b="1" lang="en-US" sz="1800" spc="-1" strike="noStrike">
+                <a:solidFill>
+                  <a:srgbClr val="000000"/>
+                </a:solidFill>
+                <a:latin typeface="Arial"/>
+                <a:ea typeface="DejaVu Sans"/>
+              </a:rPr>
+              <a:t>1</a:t>
+            </a:r>
+            <a:r>
+              <a:rPr b="0" lang="en-US" sz="1800" spc="-1" strike="noStrike">
+                <a:solidFill>
+                  <a:srgbClr val="000000"/>
+                </a:solidFill>
+                <a:latin typeface="Arial"/>
+                <a:ea typeface="DejaVu Sans"/>
+              </a:rPr>
+              <a:t> if copied and </a:t>
+            </a:r>
+            <a:r>
+              <a:rPr b="1" lang="en-US" sz="1800" spc="-1" strike="noStrike">
+                <a:solidFill>
+                  <a:srgbClr val="000000"/>
+                </a:solidFill>
+                <a:latin typeface="Arial"/>
+                <a:ea typeface="DejaVu Sans"/>
+              </a:rPr>
+              <a:t>0</a:t>
+            </a:r>
+            <a:r>
+              <a:rPr b="0" lang="en-US" sz="1800" spc="-1" strike="noStrike">
+                <a:solidFill>
+                  <a:srgbClr val="000000"/>
+                </a:solidFill>
+                <a:latin typeface="Arial"/>
+                <a:ea typeface="DejaVu Sans"/>
+              </a:rPr>
+              <a:t> if not copied.</a:t>
+            </a:r>
+            <a:endParaRPr b="0" lang="en-IN" sz="1800" spc="-1" strike="noStrike">
+              <a:latin typeface="Arial"/>
+            </a:endParaRPr>
+          </a:p>
+          <a:p>
+            <a:pPr algn="just">
+              <a:lnSpc>
+                <a:spcPct val="100000"/>
+              </a:lnSpc>
+            </a:pPr>
+            <a:endParaRPr b="0" lang="en-IN" sz="1800" spc="-1" strike="noStrike">
+              <a:latin typeface="Arial"/>
+            </a:endParaRPr>
+          </a:p>
+          <a:p>
+            <a:pPr algn="just">
+              <a:lnSpc>
+                <a:spcPct val="100000"/>
+              </a:lnSpc>
+            </a:pPr>
+            <a:r>
+              <a:rPr b="1" lang="en-US" sz="1800" spc="-1" strike="noStrike">
+                <a:solidFill>
+                  <a:srgbClr val="7c4dff"/>
+                </a:solidFill>
+                <a:latin typeface="Arial"/>
+                <a:ea typeface="DejaVu Sans"/>
+              </a:rPr>
+              <a:t>MOVE</a:t>
+            </a:r>
+            <a:r>
+              <a:rPr b="0" lang="en-US" sz="1800" spc="-1" strike="noStrike">
+                <a:solidFill>
+                  <a:srgbClr val="000000"/>
+                </a:solidFill>
+                <a:latin typeface="Arial"/>
+                <a:ea typeface="DejaVu Sans"/>
+              </a:rPr>
+              <a:t> moves the key from the currently selected database to the specified destination database. </a:t>
+            </a:r>
+            <a:r>
+              <a:rPr b="1" lang="en-US" sz="1800" spc="-1" strike="noStrike">
+                <a:solidFill>
+                  <a:srgbClr val="000000"/>
+                </a:solidFill>
+                <a:latin typeface="Arial"/>
+                <a:ea typeface="DejaVu Sans"/>
+              </a:rPr>
+              <a:t>1</a:t>
+            </a:r>
+            <a:r>
+              <a:rPr b="0" lang="en-US" sz="1800" spc="-1" strike="noStrike">
+                <a:solidFill>
+                  <a:srgbClr val="000000"/>
+                </a:solidFill>
+                <a:latin typeface="Arial"/>
+                <a:ea typeface="DejaVu Sans"/>
+              </a:rPr>
+              <a:t> if moved and </a:t>
+            </a:r>
+            <a:r>
+              <a:rPr b="1" lang="en-US" sz="1800" spc="-1" strike="noStrike">
+                <a:solidFill>
+                  <a:srgbClr val="000000"/>
+                </a:solidFill>
+                <a:latin typeface="Arial"/>
+                <a:ea typeface="DejaVu Sans"/>
+              </a:rPr>
+              <a:t>0</a:t>
+            </a:r>
+            <a:r>
+              <a:rPr b="0" lang="en-US" sz="1800" spc="-1" strike="noStrike">
+                <a:solidFill>
+                  <a:srgbClr val="000000"/>
+                </a:solidFill>
+                <a:latin typeface="Arial"/>
+                <a:ea typeface="DejaVu Sans"/>
+              </a:rPr>
+              <a:t> if not moved.</a:t>
+            </a:r>
+            <a:endParaRPr b="0" lang="en-IN" sz="1800" spc="-1" strike="noStrike">
+              <a:latin typeface="Arial"/>
+            </a:endParaRPr>
+          </a:p>
+          <a:p>
+            <a:pPr algn="just">
+              <a:lnSpc>
+                <a:spcPct val="100000"/>
+              </a:lnSpc>
+            </a:pPr>
+            <a:endParaRPr b="0" lang="en-IN" sz="1800" spc="-1" strike="noStrike">
+              <a:latin typeface="Arial"/>
+            </a:endParaRPr>
+          </a:p>
+          <a:p>
             <a:pPr algn="just"/>
             <a:r>
               <a:rPr b="1" lang="en-US" sz="1800" spc="-1" strike="noStrike">
@@ -12432,103 +12658,49 @@
                 <a:latin typeface="Arial"/>
                 <a:ea typeface="DejaVu Sans"/>
               </a:rPr>
-              <a:t>COPY</a:t>
+              <a:t>DEL</a:t>
             </a:r>
             <a:r>
               <a:rPr b="0" lang="en-US" sz="1800" spc="-1" strike="noStrike">
+                <a:solidFill>
+                  <a:srgbClr val="000000"/>
+                </a:solidFill>
                 <a:latin typeface="Arial"/>
                 <a:ea typeface="DejaVu Sans"/>
               </a:rPr>
-              <a:t> command copies the value stored at the source key to the destination key. </a:t>
-            </a:r>
+              <a:t> removes the specified keys. A key is ignored if it does not exist.</a:t>
+            </a:r>
+            <a:endParaRPr b="0" lang="en-IN" sz="1800" spc="-1" strike="noStrike">
+              <a:latin typeface="Arial"/>
+            </a:endParaRPr>
+          </a:p>
+          <a:p>
+            <a:pPr algn="just"/>
+            <a:endParaRPr b="0" lang="en-IN" sz="1800" spc="-1" strike="noStrike">
+              <a:latin typeface="Arial"/>
+            </a:endParaRPr>
+          </a:p>
+          <a:p>
+            <a:pPr algn="just"/>
             <a:r>
               <a:rPr b="1" lang="en-US" sz="1800" spc="-1" strike="noStrike">
+                <a:solidFill>
+                  <a:srgbClr val="7c4dff"/>
+                </a:solidFill>
                 <a:latin typeface="Arial"/>
                 <a:ea typeface="DejaVu Sans"/>
               </a:rPr>
-              <a:t>1</a:t>
+              <a:t>EXISTS</a:t>
             </a:r>
             <a:r>
               <a:rPr b="0" lang="en-US" sz="1800" spc="-1" strike="noStrike">
+                <a:solidFill>
+                  <a:srgbClr val="000000"/>
+                </a:solidFill>
                 <a:latin typeface="Arial"/>
                 <a:ea typeface="DejaVu Sans"/>
               </a:rPr>
-              <a:t> if copied and </a:t>
-            </a:r>
-            <a:r>
-              <a:rPr b="1" lang="en-US" sz="1800" spc="-1" strike="noStrike">
-                <a:latin typeface="Arial"/>
-                <a:ea typeface="DejaVu Sans"/>
-              </a:rPr>
-              <a:t>0</a:t>
-            </a:r>
-            <a:r>
-              <a:rPr b="0" lang="en-US" sz="1800" spc="-1" strike="noStrike">
-                <a:latin typeface="Arial"/>
-                <a:ea typeface="DejaVu Sans"/>
-              </a:rPr>
-              <a:t> if not copied.</a:t>
-            </a:r>
-            <a:endParaRPr b="0" lang="en-IN" sz="1800" spc="-1" strike="noStrike">
-              <a:latin typeface="Arial"/>
-            </a:endParaRPr>
-          </a:p>
-          <a:p>
-            <a:pPr algn="just">
-              <a:lnSpc>
-                <a:spcPct val="100000"/>
-              </a:lnSpc>
-            </a:pPr>
-            <a:endParaRPr b="0" lang="en-IN" sz="1800" spc="-1" strike="noStrike">
-              <a:latin typeface="Arial"/>
-            </a:endParaRPr>
-          </a:p>
-          <a:p>
-            <a:pPr algn="just"/>
-            <a:r>
-              <a:rPr b="1" lang="en-US" sz="1800" spc="-1" strike="noStrike">
-                <a:solidFill>
-                  <a:srgbClr val="7c4dff"/>
-                </a:solidFill>
-                <a:latin typeface="Arial"/>
-                <a:ea typeface="DejaVu Sans"/>
-              </a:rPr>
-              <a:t>MOVE</a:t>
-            </a:r>
-            <a:r>
-              <a:rPr b="0" lang="en-US" sz="1800" spc="-1" strike="noStrike">
-                <a:latin typeface="Arial"/>
-                <a:ea typeface="DejaVu Sans"/>
-              </a:rPr>
-              <a:t> moves the key from the currently selected database to the specified destination database. </a:t>
-            </a:r>
-            <a:r>
-              <a:rPr b="1" lang="en-US" sz="1800" spc="-1" strike="noStrike">
-                <a:latin typeface="Arial"/>
-                <a:ea typeface="DejaVu Sans"/>
-              </a:rPr>
-              <a:t>1</a:t>
-            </a:r>
-            <a:r>
-              <a:rPr b="0" lang="en-US" sz="1800" spc="-1" strike="noStrike">
-                <a:latin typeface="Arial"/>
-                <a:ea typeface="DejaVu Sans"/>
-              </a:rPr>
-              <a:t> if moved and </a:t>
-            </a:r>
-            <a:r>
-              <a:rPr b="1" lang="en-US" sz="1800" spc="-1" strike="noStrike">
-                <a:latin typeface="Arial"/>
-                <a:ea typeface="DejaVu Sans"/>
-              </a:rPr>
-              <a:t>0</a:t>
-            </a:r>
-            <a:r>
-              <a:rPr b="0" lang="en-US" sz="1800" spc="-1" strike="noStrike">
-                <a:latin typeface="Arial"/>
-                <a:ea typeface="DejaVu Sans"/>
-              </a:rPr>
-              <a:t> if not moved.</a:t>
+              <a:t> returns if key exists. 1 if key exists and 0 if the key does not exist.</a:t>
             </a:r>
             <a:endParaRPr b="0" lang="en-IN" sz="1800" spc="-1" strike="noStrike">
               <a:latin typeface="Arial"/>
@@ -12545,7 +12717,7 @@
         <p:spPr>
           <a:xfrm>
             <a:off x="152280" y="152280"/>
-            <a:ext cx="1101960" cy="455400"/>
+            <a:ext cx="1101600" cy="455400"/>
           </a:xfrm>
           <a:prstGeom prst="rect">
             <a:avLst/>
@@ -12595,8 +12767,8 @@
         </p:nvSpPr>
         <p:spPr>
           <a:xfrm>
-            <a:off x="1601280" y="2689560"/>
-            <a:ext cx="8985960" cy="699480"/>
+            <a:off x="1601280" y="3553560"/>
+            <a:ext cx="8985600" cy="1309320"/>
           </a:xfrm>
           <a:prstGeom prst="rect">
             <a:avLst/>
@@ -12656,6 +12828,56 @@
               <a:latin typeface="Arial"/>
             </a:endParaRPr>
           </a:p>
+          <a:p>
+            <a:pPr>
+              <a:lnSpc>
+                <a:spcPct val="100000"/>
+              </a:lnSpc>
+            </a:pPr>
+            <a:r>
+              <a:rPr b="0" lang="en-US" sz="2000" spc="-1" strike="noStrike">
+                <a:solidFill>
+                  <a:srgbClr val="00b0f0"/>
+                </a:solidFill>
+                <a:latin typeface="Consolas"/>
+                <a:ea typeface="DejaVu Sans"/>
+              </a:rPr>
+              <a:t>DEL key [key</a:t>
+            </a:r>
+            <a:r>
+              <a:rPr b="0" lang="en-US" sz="2000" spc="-1" strike="noStrike">
+                <a:solidFill>
+                  <a:srgbClr val="00b0f0"/>
+                </a:solidFill>
+                <a:latin typeface="Consolas"/>
+                <a:ea typeface="DejaVu Sans"/>
+              </a:rPr>
+              <a:t> ...]</a:t>
+            </a:r>
+            <a:endParaRPr b="0" lang="en-IN" sz="2000" spc="-1" strike="noStrike">
+              <a:latin typeface="Arial"/>
+            </a:endParaRPr>
+          </a:p>
+          <a:p>
+            <a:pPr>
+              <a:lnSpc>
+                <a:spcPct val="100000"/>
+              </a:lnSpc>
+            </a:pPr>
+            <a:r>
+              <a:rPr b="0" lang="en-US" sz="2000" spc="-1" strike="noStrike">
+                <a:solidFill>
+                  <a:srgbClr val="00b0f0"/>
+                </a:solidFill>
+                <a:latin typeface="Consolas"/>
+                <a:ea typeface="DejaVu Sans"/>
+              </a:rPr>
+              <a:t>EXISTS key [key ...]</a:t>
+            </a:r>
+            <a:endParaRPr b="0" lang="en-IN" sz="2000" spc="-1" strike="noStrike">
+              <a:latin typeface="Arial"/>
+            </a:endParaRPr>
+          </a:p>
         </p:txBody>
       </p:sp>
       <p:sp>
@@ -12666,8 +12888,8 @@
         </p:nvSpPr>
         <p:spPr>
           <a:xfrm>
-            <a:off x="1600200" y="3621600"/>
-            <a:ext cx="8885160" cy="912600"/>
+            <a:off x="1600200" y="4989600"/>
+            <a:ext cx="8884800" cy="1735560"/>
           </a:xfrm>
           <a:prstGeom prst="rect">
             <a:avLst/>
@@ -12688,7 +12910,7 @@
             <a:spAutoFit/>
           </a:bodyPr>
           <a:p>
-            <a:pPr marL="285840" indent="-281160">
+            <a:pPr marL="285840" indent="-280800">
               <a:lnSpc>
                 <a:spcPct val="150000"/>
               </a:lnSpc>
@@ -12726,24 +12948,14 @@
                 <a:latin typeface="Consolas"/>
                 <a:ea typeface="SimSun"/>
               </a:rPr>
-              <a:t>copy user:1 user</a:t>
-            </a:r>
-            <a:r>
-              <a:rPr b="0" lang="en-IN" sz="1800" spc="-1" strike="noStrike">
-                <a:solidFill>
-                  <a:srgbClr val="ff5733"/>
-                </a:solidFill>
-                <a:latin typeface="Consolas"/>
-                <a:ea typeface="SimSun"/>
-              </a:rPr>
-              <a:t>:1 DB 4</a:t>
+              <a:t>copy user:1 user:1 DB 4</a:t>
             </a:r>
             <a:endParaRPr b="0" lang="en-IN" sz="1800" spc="-1" strike="noStrike">
               <a:latin typeface="Arial"/>
             </a:endParaRPr>
           </a:p>
           <a:p>
-            <a:pPr marL="285840" indent="-281160">
+            <a:pPr marL="285840" indent="-280800">
               <a:lnSpc>
                 <a:spcPct val="150000"/>
               </a:lnSpc>
@@ -12787,6 +12999,136 @@
               <a:latin typeface="Arial"/>
             </a:endParaRPr>
           </a:p>
+          <a:p>
+            <a:pPr marL="285840" indent="-280800">
+              <a:lnSpc>
+                <a:spcPct val="150000"/>
+              </a:lnSpc>
+              <a:buClr>
+                <a:srgbClr val="808080"/>
+              </a:buClr>
+              <a:buFont typeface="Arial"/>
+              <a:buChar char="•"/>
+            </a:pPr>
+            <a:r>
+              <a:rPr b="0" lang="en-IN" sz="1800" spc="-1" strike="noStrike">
+                <a:solidFill>
+                  <a:srgbClr val="808080"/>
+                </a:solidFill>
+                <a:latin typeface="Consolas"/>
+                <a:ea typeface="SimSun"/>
+              </a:rPr>
+              <a:t>127.0.0.1:6379</a:t>
+            </a:r>
+            <a:r>
+              <a:rPr b="1" lang="en-IN" sz="1800" spc="-1" strike="noStrike">
+                <a:solidFill>
+                  <a:srgbClr val="808080"/>
+                </a:solidFill>
+                <a:latin typeface="Consolas"/>
+                <a:ea typeface="SimSun"/>
+              </a:rPr>
+              <a:t>[4]</a:t>
+            </a:r>
+            <a:r>
+              <a:rPr b="0" lang="en-IN" sz="1800" spc="-1" strike="noStrike">
+                <a:solidFill>
+                  <a:srgbClr val="808080"/>
+                </a:solidFill>
+                <a:latin typeface="Consolas"/>
+                <a:ea typeface="SimSun"/>
+              </a:rPr>
+              <a:t>&gt;</a:t>
+            </a:r>
+            <a:r>
+              <a:rPr b="0" lang="en-IN" sz="1800" spc="-1" strike="noStrike">
+                <a:solidFill>
+                  <a:srgbClr val="000000"/>
+                </a:solidFill>
+                <a:latin typeface="Consolas"/>
+                <a:ea typeface="SimSun"/>
+              </a:rPr>
+              <a:t> </a:t>
+            </a:r>
+            <a:r>
+              <a:rPr b="0" lang="en-IN" sz="1800" spc="-1" strike="noStrike">
+                <a:solidFill>
+                  <a:srgbClr val="ff5733"/>
+                </a:solidFill>
+                <a:latin typeface="Consolas"/>
+                <a:ea typeface="SimSun"/>
+              </a:rPr>
+              <a:t>del user:1 </a:t>
+            </a:r>
+            <a:r>
+              <a:rPr b="0" lang="en-IN" sz="1800" spc="-1" strike="noStrike">
+                <a:solidFill>
+                  <a:srgbClr val="ff5733"/>
+                </a:solidFill>
+                <a:latin typeface="Consolas"/>
+                <a:ea typeface="SimSun"/>
+              </a:rPr>
+              <a:t>password:1</a:t>
+            </a:r>
+            <a:endParaRPr b="0" lang="en-IN" sz="1800" spc="-1" strike="noStrike">
+              <a:latin typeface="Arial"/>
+            </a:endParaRPr>
+          </a:p>
+          <a:p>
+            <a:pPr marL="285840" indent="-280800">
+              <a:lnSpc>
+                <a:spcPct val="150000"/>
+              </a:lnSpc>
+              <a:buClr>
+                <a:srgbClr val="808080"/>
+              </a:buClr>
+              <a:buFont typeface="Arial"/>
+              <a:buChar char="•"/>
+            </a:pPr>
+            <a:r>
+              <a:rPr b="0" lang="en-IN" sz="1800" spc="-1" strike="noStrike">
+                <a:solidFill>
+                  <a:srgbClr val="808080"/>
+                </a:solidFill>
+                <a:latin typeface="Consolas"/>
+                <a:ea typeface="SimSun"/>
+              </a:rPr>
+              <a:t>127.0.0.1:6379&gt;</a:t>
+            </a:r>
+            <a:r>
+              <a:rPr b="0" lang="en-IN" sz="1800" spc="-1" strike="noStrike">
+                <a:solidFill>
+                  <a:srgbClr val="000000"/>
+                </a:solidFill>
+                <a:latin typeface="Consolas"/>
+                <a:ea typeface="SimSun"/>
+              </a:rPr>
+              <a:t> </a:t>
+            </a:r>
+            <a:r>
+              <a:rPr b="0" lang="en-IN" sz="1800" spc="-1" strike="noStrike">
+                <a:solidFill>
+                  <a:srgbClr val="ff5733"/>
+                </a:solidFill>
+                <a:latin typeface="Consolas"/>
+                <a:ea typeface="SimSun"/>
+              </a:rPr>
+              <a:t>exists user:1 </a:t>
+            </a:r>
+            <a:r>
+              <a:rPr b="0" lang="en-IN" sz="1800" spc="-1" strike="noStrike">
+                <a:solidFill>
+                  <a:srgbClr val="ff5733"/>
+                </a:solidFill>
+                <a:latin typeface="Consolas"/>
+                <a:ea typeface="SimSun"/>
+              </a:rPr>
+              <a:t>password:1</a:t>
+            </a:r>
+            <a:endParaRPr b="0" lang="en-IN" sz="1800" spc="-1" strike="noStrike">
+              <a:latin typeface="Arial"/>
+            </a:endParaRPr>
+          </a:p>
         </p:txBody>
       </p:sp>
       <p:sp>
@@ -12797,7 +13139,7 @@
         </p:nvSpPr>
         <p:spPr>
           <a:xfrm>
-            <a:off x="1523880" y="2377080"/>
+            <a:off x="1523880" y="3277080"/>
             <a:ext cx="9144000" cy="1440"/>
           </a:xfrm>
           <a:prstGeom prst="line">
@@ -12862,8 +13204,8 @@
         </p:nvSpPr>
         <p:spPr>
           <a:xfrm>
-            <a:off x="1365840" y="188640"/>
-            <a:ext cx="9678240" cy="2192400"/>
+            <a:off x="1676520" y="2362320"/>
+            <a:ext cx="8834040" cy="3381480"/>
           </a:xfrm>
           <a:prstGeom prst="rect">
             <a:avLst/>
@@ -12890,6 +13232,706 @@
               </a:lnSpc>
             </a:pPr>
             <a:r>
+              <a:rPr b="0" i="1" lang="en-IN" sz="7200" spc="-1" strike="noStrike">
+                <a:solidFill>
+                  <a:srgbClr val="f7c120"/>
+                </a:solidFill>
+                <a:latin typeface="Century"/>
+                <a:ea typeface="DejaVu Sans"/>
+              </a:rPr>
+              <a:t>rename, renamenx &amp; randomkey key</a:t>
+            </a:r>
+            <a:endParaRPr b="0" lang="en-IN" sz="7200" spc="-1" strike="noStrike">
+              <a:latin typeface="Arial"/>
+            </a:endParaRPr>
+          </a:p>
+        </p:txBody>
+      </p:sp>
+      <p:sp>
+        <p:nvSpPr>
+          <p:cNvPr id="220" name="CustomShape 2"/>
+          <p:cNvSpPr/>
+          <p:nvPr/>
+        </p:nvSpPr>
+        <p:spPr>
+          <a:xfrm>
+            <a:off x="1676520" y="5331600"/>
+            <a:ext cx="8834040" cy="424800"/>
+          </a:xfrm>
+          <a:prstGeom prst="rect">
+            <a:avLst/>
+          </a:prstGeom>
+          <a:noFill/>
+          <a:ln>
+            <a:noFill/>
+          </a:ln>
+        </p:spPr>
+        <p:style>
+          <a:lnRef idx="0"/>
+          <a:fillRef idx="0"/>
+          <a:effectRef idx="0"/>
+          <a:fontRef idx="minor"/>
+        </p:style>
+        <p:txBody>
+          <a:bodyPr lIns="90000" rIns="90000" tIns="45000" bIns="45000">
+            <a:spAutoFit/>
+          </a:bodyPr>
+          <a:p>
+            <a:pPr>
+              <a:lnSpc>
+                <a:spcPct val="100000"/>
+              </a:lnSpc>
+            </a:pPr>
+            <a:r>
+              <a:rPr b="0" lang="en-US" sz="2200" spc="-1" strike="noStrike">
+                <a:solidFill>
+                  <a:srgbClr val="bb0643"/>
+                </a:solidFill>
+                <a:latin typeface="Segoe UI"/>
+                <a:ea typeface="DejaVu Sans"/>
+              </a:rPr>
+              <a:t>TODO</a:t>
+            </a:r>
+            <a:endParaRPr b="0" lang="en-IN" sz="2200" spc="-1" strike="noStrike">
+              <a:latin typeface="Arial"/>
+            </a:endParaRPr>
+          </a:p>
+        </p:txBody>
+      </p:sp>
+    </p:spTree>
+  </p:cSld>
+  <mc:AlternateContent>
+    <mc:Choice Requires="p14">
+      <p:transition spd="slow" p14:dur="2000"/>
+    </mc:Choice>
+    <mc:Fallback>
+      <p:transition spd="slow"/>
+    </mc:Fallback>
+  </mc:AlternateContent>
+</p:sld>
+</file>
+
+<file path=ppt/slides/slide32.xml><?xml version="1.0" encoding="utf-8"?>
+<p:sld xmlns:a="http://schemas.openxmlformats.org/drawingml/2006/main" xmlns:p="http://schemas.openxmlformats.org/presentationml/2006/main" xmlns:r="http://schemas.openxmlformats.org/officeDocument/2006/relationships" xmlns:p14="http://schemas.microsoft.com/office/powerpoint/2010/main" xmlns:p15="http://schemas.microsoft.com/office/powerpoint/2012/main" xmlns:mc="http://schemas.openxmlformats.org/markup-compatibility/2006">
+  <p:cSld>
+    <p:spTree>
+      <p:nvGrpSpPr>
+        <p:cNvPr id="1" name=""/>
+        <p:cNvGrpSpPr/>
+        <p:nvPr/>
+      </p:nvGrpSpPr>
+      <p:grpSpPr>
+        <a:xfrm>
+          <a:off x="0" y="0"/>
+          <a:ext cx="0" cy="0"/>
+          <a:chOff x="0" y="0"/>
+          <a:chExt cx="0" cy="0"/>
+        </a:xfrm>
+      </p:grpSpPr>
+      <p:sp>
+        <p:nvSpPr>
+          <p:cNvPr id="221" name="CustomShape 1"/>
+          <p:cNvSpPr/>
+          <p:nvPr/>
+        </p:nvSpPr>
+        <p:spPr>
+          <a:xfrm>
+            <a:off x="1523880" y="0"/>
+            <a:ext cx="9138960" cy="699840"/>
+          </a:xfrm>
+          <a:prstGeom prst="rect">
+            <a:avLst/>
+          </a:prstGeom>
+          <a:solidFill>
+            <a:schemeClr val="accent6">
+              <a:lumMod val="75000"/>
+            </a:schemeClr>
+          </a:solidFill>
+          <a:ln>
+            <a:noFill/>
+          </a:ln>
+        </p:spPr>
+        <p:style>
+          <a:lnRef idx="0"/>
+          <a:fillRef idx="0"/>
+          <a:effectRef idx="0"/>
+          <a:fontRef idx="minor"/>
+        </p:style>
+        <p:txBody>
+          <a:bodyPr lIns="90000" rIns="90000" tIns="45000" bIns="45000">
+            <a:spAutoFit/>
+          </a:bodyPr>
+          <a:p>
+            <a:pPr algn="ctr">
+              <a:lnSpc>
+                <a:spcPct val="100000"/>
+              </a:lnSpc>
+            </a:pPr>
+            <a:r>
+              <a:rPr b="0" lang="en-IN" sz="4000" spc="-1" strike="noStrike">
+                <a:solidFill>
+                  <a:srgbClr val="f7c120"/>
+                </a:solidFill>
+                <a:latin typeface="Open Sans"/>
+                <a:ea typeface="DejaVu Sans"/>
+              </a:rPr>
+              <a:t>rename, renamenx &amp; randomkey</a:t>
+            </a:r>
+            <a:endParaRPr b="0" lang="en-IN" sz="4000" spc="-1" strike="noStrike">
+              <a:latin typeface="Arial"/>
+            </a:endParaRPr>
+          </a:p>
+        </p:txBody>
+      </p:sp>
+      <p:sp>
+        <p:nvSpPr>
+          <p:cNvPr id="222" name="CustomShape 2"/>
+          <p:cNvSpPr/>
+          <p:nvPr/>
+        </p:nvSpPr>
+        <p:spPr>
+          <a:xfrm>
+            <a:off x="1600200" y="762120"/>
+            <a:ext cx="8986680" cy="1978920"/>
+          </a:xfrm>
+          <a:prstGeom prst="rect">
+            <a:avLst/>
+          </a:prstGeom>
+          <a:noFill/>
+          <a:ln>
+            <a:noFill/>
+          </a:ln>
+        </p:spPr>
+        <p:style>
+          <a:lnRef idx="0"/>
+          <a:fillRef idx="0"/>
+          <a:effectRef idx="0"/>
+          <a:fontRef idx="minor"/>
+        </p:style>
+        <p:txBody>
+          <a:bodyPr lIns="90000" rIns="90000" tIns="45000" bIns="45000">
+            <a:spAutoFit/>
+          </a:bodyPr>
+          <a:p>
+            <a:pPr algn="just"/>
+            <a:r>
+              <a:rPr b="1" lang="en-US" sz="1800" spc="-1" strike="noStrike">
+                <a:solidFill>
+                  <a:srgbClr val="7c4dff"/>
+                </a:solidFill>
+                <a:latin typeface="Arial"/>
+                <a:ea typeface="DejaVu Sans"/>
+              </a:rPr>
+              <a:t>RENAME</a:t>
+            </a:r>
+            <a:r>
+              <a:rPr b="0" lang="en-US" sz="1800" spc="-1" strike="noStrike">
+                <a:latin typeface="Arial"/>
+                <a:ea typeface="DejaVu Sans"/>
+              </a:rPr>
+              <a:t> renames key to newkey. It returns an error when key does not exist. If newkey already exists it is overwritten, when this happens RENAME executes an implicit DEL operation.</a:t>
+            </a:r>
+            <a:endParaRPr b="0" lang="en-IN" sz="1800" spc="-1" strike="noStrike">
+              <a:latin typeface="Arial"/>
+            </a:endParaRPr>
+          </a:p>
+          <a:p>
+            <a:pPr algn="just">
+              <a:lnSpc>
+                <a:spcPct val="100000"/>
+              </a:lnSpc>
+            </a:pPr>
+            <a:endParaRPr b="0" lang="en-IN" sz="1800" spc="-1" strike="noStrike">
+              <a:latin typeface="Arial"/>
+            </a:endParaRPr>
+          </a:p>
+          <a:p>
+            <a:pPr algn="just"/>
+            <a:r>
+              <a:rPr b="1" lang="en-US" sz="1800" spc="-1" strike="noStrike">
+                <a:solidFill>
+                  <a:srgbClr val="7c4dff"/>
+                </a:solidFill>
+                <a:latin typeface="Arial"/>
+                <a:ea typeface="DejaVu Sans"/>
+              </a:rPr>
+              <a:t>RENAMENX</a:t>
+            </a:r>
+            <a:r>
+              <a:rPr b="0" lang="en-US" sz="1800" spc="-1" strike="noStrike">
+                <a:latin typeface="Arial"/>
+                <a:ea typeface="DejaVu Sans"/>
+              </a:rPr>
+              <a:t> renames key to newkey if newkey does not yet exist. It returns an error when key does not exist.</a:t>
+            </a:r>
+            <a:endParaRPr b="0" lang="en-IN" sz="1800" spc="-1" strike="noStrike">
+              <a:latin typeface="Arial"/>
+            </a:endParaRPr>
+          </a:p>
+          <a:p>
+            <a:pPr algn="just">
+              <a:lnSpc>
+                <a:spcPct val="100000"/>
+              </a:lnSpc>
+            </a:pPr>
+            <a:endParaRPr b="0" lang="en-IN" sz="1800" spc="-1" strike="noStrike">
+              <a:latin typeface="Arial"/>
+            </a:endParaRPr>
+          </a:p>
+          <a:p>
+            <a:pPr algn="just"/>
+            <a:r>
+              <a:rPr b="1" lang="en-US" sz="1800" spc="-1" strike="noStrike">
+                <a:solidFill>
+                  <a:srgbClr val="7c4dff"/>
+                </a:solidFill>
+                <a:latin typeface="Arial"/>
+                <a:ea typeface="DejaVu Sans"/>
+              </a:rPr>
+              <a:t>RANDOMKEY</a:t>
+            </a:r>
+            <a:r>
+              <a:rPr b="0" lang="en-US" sz="1800" spc="-1" strike="noStrike">
+                <a:latin typeface="Arial"/>
+                <a:ea typeface="DejaVu Sans"/>
+              </a:rPr>
+              <a:t> return a random key from the currently selected database.</a:t>
+            </a:r>
+            <a:endParaRPr b="0" lang="en-IN" sz="1800" spc="-1" strike="noStrike">
+              <a:latin typeface="Arial"/>
+            </a:endParaRPr>
+          </a:p>
+        </p:txBody>
+      </p:sp>
+      <p:sp>
+        <p:nvSpPr>
+          <p:cNvPr id="223" name="CustomShape 3"/>
+          <p:cNvSpPr/>
+          <p:nvPr/>
+        </p:nvSpPr>
+        <p:spPr>
+          <a:xfrm>
+            <a:off x="152280" y="152280"/>
+            <a:ext cx="1101600" cy="455400"/>
+          </a:xfrm>
+          <a:prstGeom prst="rect">
+            <a:avLst/>
+          </a:prstGeom>
+          <a:noFill/>
+          <a:ln>
+            <a:noFill/>
+          </a:ln>
+        </p:spPr>
+        <p:style>
+          <a:lnRef idx="0"/>
+          <a:fillRef idx="0"/>
+          <a:effectRef idx="0"/>
+          <a:fontRef idx="minor"/>
+        </p:style>
+        <p:txBody>
+          <a:bodyPr lIns="90000" rIns="90000" tIns="45000" bIns="45000">
+            <a:spAutoFit/>
+          </a:bodyPr>
+          <a:p>
+            <a:pPr algn="just">
+              <a:lnSpc>
+                <a:spcPct val="100000"/>
+              </a:lnSpc>
+            </a:pPr>
+            <a:r>
+              <a:rPr b="0" lang="en-IN" sz="2400" spc="-1" strike="noStrike">
+                <a:solidFill>
+                  <a:srgbClr val="ff0000"/>
+                </a:solidFill>
+                <a:latin typeface="Times New Roman"/>
+                <a:ea typeface="DejaVu Sans"/>
+              </a:rPr>
+              <a:t>TODO</a:t>
+            </a:r>
+            <a:endParaRPr b="0" lang="en-IN" sz="2400" spc="-1" strike="noStrike">
+              <a:latin typeface="Arial"/>
+            </a:endParaRPr>
+          </a:p>
+        </p:txBody>
+      </p:sp>
+      <p:sp>
+        <p:nvSpPr>
+          <p:cNvPr id="224" name="CustomShape 4"/>
+          <p:cNvSpPr/>
+          <p:nvPr/>
+        </p:nvSpPr>
+        <p:spPr>
+          <a:xfrm>
+            <a:off x="1601280" y="3337560"/>
+            <a:ext cx="8985600" cy="1005120"/>
+          </a:xfrm>
+          <a:prstGeom prst="rect">
+            <a:avLst/>
+          </a:prstGeom>
+          <a:noFill/>
+          <a:ln>
+            <a:noFill/>
+          </a:ln>
+        </p:spPr>
+        <p:style>
+          <a:lnRef idx="0"/>
+          <a:fillRef idx="0"/>
+          <a:effectRef idx="0"/>
+          <a:fontRef idx="minor"/>
+        </p:style>
+        <p:txBody>
+          <a:bodyPr lIns="90000" rIns="90000" tIns="45000" bIns="45000">
+            <a:spAutoFit/>
+          </a:bodyPr>
+          <a:p>
+            <a:pPr>
+              <a:lnSpc>
+                <a:spcPct val="100000"/>
+              </a:lnSpc>
+            </a:pPr>
+            <a:r>
+              <a:rPr b="0" lang="en-US" sz="2000" spc="-1" strike="noStrike">
+                <a:solidFill>
+                  <a:srgbClr val="00b0f0"/>
+                </a:solidFill>
+                <a:latin typeface="Consolas"/>
+                <a:ea typeface="DejaVu Sans"/>
+              </a:rPr>
+              <a:t>RENAME key newkey</a:t>
+            </a:r>
+            <a:endParaRPr b="0" lang="en-IN" sz="2000" spc="-1" strike="noStrike">
+              <a:latin typeface="Arial"/>
+            </a:endParaRPr>
+          </a:p>
+          <a:p>
+            <a:pPr>
+              <a:lnSpc>
+                <a:spcPct val="100000"/>
+              </a:lnSpc>
+            </a:pPr>
+            <a:r>
+              <a:rPr b="0" lang="en-US" sz="2000" spc="-1" strike="noStrike">
+                <a:solidFill>
+                  <a:srgbClr val="00b0f0"/>
+                </a:solidFill>
+                <a:latin typeface="Consolas"/>
+                <a:ea typeface="DejaVu Sans"/>
+              </a:rPr>
+              <a:t>RENAMENX key newkey</a:t>
+            </a:r>
+            <a:endParaRPr b="0" lang="en-IN" sz="2000" spc="-1" strike="noStrike">
+              <a:latin typeface="Arial"/>
+            </a:endParaRPr>
+          </a:p>
+          <a:p>
+            <a:pPr>
+              <a:lnSpc>
+                <a:spcPct val="100000"/>
+              </a:lnSpc>
+            </a:pPr>
+            <a:r>
+              <a:rPr b="0" lang="en-US" sz="2000" spc="-1" strike="noStrike">
+                <a:solidFill>
+                  <a:srgbClr val="00b0f0"/>
+                </a:solidFill>
+                <a:latin typeface="Consolas"/>
+                <a:ea typeface="DejaVu Sans"/>
+              </a:rPr>
+              <a:t>RANDOMKEY</a:t>
+            </a:r>
+            <a:endParaRPr b="0" lang="en-IN" sz="2000" spc="-1" strike="noStrike">
+              <a:latin typeface="Arial"/>
+            </a:endParaRPr>
+          </a:p>
+        </p:txBody>
+      </p:sp>
+      <p:sp>
+        <p:nvSpPr>
+          <p:cNvPr id="225" name="CustomShape 5"/>
+          <p:cNvSpPr/>
+          <p:nvPr/>
+        </p:nvSpPr>
+        <p:spPr>
+          <a:xfrm>
+            <a:off x="1600200" y="4557600"/>
+            <a:ext cx="8884800" cy="1324800"/>
+          </a:xfrm>
+          <a:prstGeom prst="rect">
+            <a:avLst/>
+          </a:prstGeom>
+          <a:noFill/>
+          <a:ln>
+            <a:noFill/>
+          </a:ln>
+        </p:spPr>
+        <p:style>
+          <a:lnRef idx="0"/>
+          <a:fillRef idx="0"/>
+          <a:effectRef idx="0"/>
+          <a:fontRef idx="minor"/>
+        </p:style>
+        <p:txBody>
+          <a:bodyPr lIns="90000" rIns="90000" tIns="45000" bIns="45000">
+            <a:spAutoFit/>
+          </a:bodyPr>
+          <a:p>
+            <a:pPr marL="285840" indent="-280800">
+              <a:lnSpc>
+                <a:spcPct val="150000"/>
+              </a:lnSpc>
+              <a:buClr>
+                <a:srgbClr val="808080"/>
+              </a:buClr>
+              <a:buFont typeface="Arial"/>
+              <a:buChar char="•"/>
+            </a:pPr>
+            <a:r>
+              <a:rPr b="0" lang="en-IN" sz="1800" spc="-1" strike="noStrike">
+                <a:solidFill>
+                  <a:srgbClr val="808080"/>
+                </a:solidFill>
+                <a:latin typeface="Consolas"/>
+                <a:ea typeface="SimSun"/>
+              </a:rPr>
+              <a:t>127.0.0.1:6379&gt;</a:t>
+            </a:r>
+            <a:r>
+              <a:rPr b="0" lang="en-IN" sz="1800" spc="-1" strike="noStrike">
+                <a:solidFill>
+                  <a:srgbClr val="000000"/>
+                </a:solidFill>
+                <a:latin typeface="Consolas"/>
+                <a:ea typeface="SimSun"/>
+              </a:rPr>
+              <a:t> </a:t>
+            </a:r>
+            <a:r>
+              <a:rPr b="0" lang="en-IN" sz="1800" spc="-1" strike="noStrike">
+                <a:solidFill>
+                  <a:srgbClr val="ff5733"/>
+                </a:solidFill>
+                <a:latin typeface="Consolas"/>
+                <a:ea typeface="SimSun"/>
+              </a:rPr>
+              <a:t>rename oldKey newKey</a:t>
+            </a:r>
+            <a:endParaRPr b="0" lang="en-IN" sz="1800" spc="-1" strike="noStrike">
+              <a:latin typeface="Arial"/>
+            </a:endParaRPr>
+          </a:p>
+          <a:p>
+            <a:pPr marL="285840" indent="-280800">
+              <a:lnSpc>
+                <a:spcPct val="150000"/>
+              </a:lnSpc>
+              <a:buClr>
+                <a:srgbClr val="808080"/>
+              </a:buClr>
+              <a:buFont typeface="Arial"/>
+              <a:buChar char="•"/>
+            </a:pPr>
+            <a:r>
+              <a:rPr b="0" lang="en-IN" sz="1800" spc="-1" strike="noStrike">
+                <a:solidFill>
+                  <a:srgbClr val="808080"/>
+                </a:solidFill>
+                <a:latin typeface="Consolas"/>
+                <a:ea typeface="SimSun"/>
+              </a:rPr>
+              <a:t>127.0.0.1:6379&gt;</a:t>
+            </a:r>
+            <a:r>
+              <a:rPr b="0" lang="en-IN" sz="1800" spc="-1" strike="noStrike">
+                <a:solidFill>
+                  <a:srgbClr val="000000"/>
+                </a:solidFill>
+                <a:latin typeface="Consolas"/>
+                <a:ea typeface="SimSun"/>
+              </a:rPr>
+              <a:t> </a:t>
+            </a:r>
+            <a:r>
+              <a:rPr b="0" lang="en-IN" sz="1800" spc="-1" strike="noStrike">
+                <a:solidFill>
+                  <a:srgbClr val="ff5733"/>
+                </a:solidFill>
+                <a:latin typeface="Consolas"/>
+                <a:ea typeface="SimSun"/>
+              </a:rPr>
+              <a:t>renamenx </a:t>
+            </a:r>
+            <a:r>
+              <a:rPr b="0" lang="en-IN" sz="1800" spc="-1" strike="noStrike">
+                <a:solidFill>
+                  <a:srgbClr val="ff5733"/>
+                </a:solidFill>
+                <a:latin typeface="Consolas"/>
+                <a:ea typeface="SimSun"/>
+              </a:rPr>
+              <a:t>oldKey newKey</a:t>
+            </a:r>
+            <a:endParaRPr b="0" lang="en-IN" sz="1800" spc="-1" strike="noStrike">
+              <a:latin typeface="Arial"/>
+            </a:endParaRPr>
+          </a:p>
+          <a:p>
+            <a:pPr marL="285840" indent="-280800">
+              <a:lnSpc>
+                <a:spcPct val="150000"/>
+              </a:lnSpc>
+              <a:buClr>
+                <a:srgbClr val="808080"/>
+              </a:buClr>
+              <a:buFont typeface="Arial"/>
+              <a:buChar char="•"/>
+            </a:pPr>
+            <a:r>
+              <a:rPr b="0" lang="en-IN" sz="1800" spc="-1" strike="noStrike">
+                <a:solidFill>
+                  <a:srgbClr val="808080"/>
+                </a:solidFill>
+                <a:latin typeface="Consolas"/>
+                <a:ea typeface="SimSun"/>
+              </a:rPr>
+              <a:t>127.0.0.1:6379</a:t>
+            </a:r>
+            <a:r>
+              <a:rPr b="0" lang="en-IN" sz="1800" spc="-1" strike="noStrike">
+                <a:solidFill>
+                  <a:srgbClr val="808080"/>
+                </a:solidFill>
+                <a:latin typeface="Consolas"/>
+                <a:ea typeface="SimSun"/>
+              </a:rPr>
+              <a:t>&gt;</a:t>
+            </a:r>
+            <a:r>
+              <a:rPr b="0" lang="en-IN" sz="1800" spc="-1" strike="noStrike">
+                <a:solidFill>
+                  <a:srgbClr val="000000"/>
+                </a:solidFill>
+                <a:latin typeface="Consolas"/>
+                <a:ea typeface="SimSun"/>
+              </a:rPr>
+              <a:t> </a:t>
+            </a:r>
+            <a:r>
+              <a:rPr b="0" lang="en-IN" sz="1800" spc="-1" strike="noStrike">
+                <a:solidFill>
+                  <a:srgbClr val="ff5733"/>
+                </a:solidFill>
+                <a:latin typeface="Consolas"/>
+                <a:ea typeface="SimSun"/>
+              </a:rPr>
+              <a:t>randomkey</a:t>
+            </a:r>
+            <a:endParaRPr b="0" lang="en-IN" sz="1800" spc="-1" strike="noStrike">
+              <a:latin typeface="Arial"/>
+            </a:endParaRPr>
+          </a:p>
+        </p:txBody>
+      </p:sp>
+      <p:sp>
+        <p:nvSpPr>
+          <p:cNvPr id="226" name="Line 6"/>
+          <p:cNvSpPr/>
+          <p:nvPr/>
+        </p:nvSpPr>
+        <p:spPr>
+          <a:xfrm>
+            <a:off x="1523880" y="3061080"/>
+            <a:ext cx="9144000" cy="1440"/>
+          </a:xfrm>
+          <a:prstGeom prst="line">
+            <a:avLst/>
+          </a:prstGeom>
+          <a:ln w="12600">
+            <a:solidFill>
+              <a:srgbClr val="6e78a0"/>
+            </a:solidFill>
+            <a:prstDash val="dash"/>
+            <a:round/>
+          </a:ln>
+        </p:spPr>
+        <p:style>
+          <a:lnRef idx="1">
+            <a:schemeClr val="accent1"/>
+          </a:lnRef>
+          <a:fillRef idx="0">
+            <a:schemeClr val="accent1"/>
+          </a:fillRef>
+          <a:effectRef idx="0">
+            <a:schemeClr val="accent1"/>
+          </a:effectRef>
+          <a:fontRef idx="minor"/>
+        </p:style>
+      </p:sp>
+    </p:spTree>
+  </p:cSld>
+  <mc:AlternateContent>
+    <mc:Choice Requires="p14">
+      <p:transition spd="slow" p14:dur="2000"/>
+    </mc:Choice>
+    <mc:Fallback>
+      <p:transition spd="slow"/>
+    </mc:Fallback>
+  </mc:AlternateContent>
+</p:sld>
+</file>
+
+<file path=ppt/slides/slide33.xml><?xml version="1.0" encoding="utf-8"?>
+<p:sld xmlns:a="http://schemas.openxmlformats.org/drawingml/2006/main" xmlns:p="http://schemas.openxmlformats.org/presentationml/2006/main" xmlns:r="http://schemas.openxmlformats.org/officeDocument/2006/relationships" xmlns:p14="http://schemas.microsoft.com/office/powerpoint/2010/main" xmlns:p15="http://schemas.microsoft.com/office/powerpoint/2012/main" xmlns:mc="http://schemas.openxmlformats.org/markup-compatibility/2006">
+  <p:cSld>
+    <p:spTree>
+      <p:nvGrpSpPr>
+        <p:cNvPr id="1" name=""/>
+        <p:cNvGrpSpPr/>
+        <p:nvPr/>
+      </p:nvGrpSpPr>
+      <p:grpSpPr>
+        <a:xfrm>
+          <a:off x="0" y="0"/>
+          <a:ext cx="0" cy="0"/>
+          <a:chOff x="0" y="0"/>
+          <a:chExt cx="0" cy="0"/>
+        </a:xfrm>
+      </p:grpSpPr>
+      <p:sp>
+        <p:nvSpPr>
+          <p:cNvPr id="227" name="CustomShape 1"/>
+          <p:cNvSpPr/>
+          <p:nvPr/>
+        </p:nvSpPr>
+        <p:spPr>
+          <a:xfrm>
+            <a:off x="1365840" y="188640"/>
+            <a:ext cx="9677880" cy="2192400"/>
+          </a:xfrm>
+          <a:prstGeom prst="rect">
+            <a:avLst/>
+          </a:prstGeom>
+          <a:noFill/>
+          <a:ln>
+            <a:noFill/>
+          </a:ln>
+        </p:spPr>
+        <p:style>
+          <a:lnRef idx="0"/>
+          <a:fillRef idx="0"/>
+          <a:effectRef idx="0"/>
+          <a:fontRef idx="minor"/>
+        </p:style>
+        <p:txBody>
+          <a:bodyPr lIns="90000" rIns="90000" tIns="45000" bIns="45000">
+            <a:spAutoFit/>
+          </a:bodyPr>
+          <a:p>
+            <a:pPr algn="ctr">
+              <a:lnSpc>
+                <a:spcPct val="100000"/>
+              </a:lnSpc>
+            </a:pPr>
+            <a:r>
               <a:rPr b="0" lang="en-IN" sz="4000" spc="-1" strike="noStrike">
                 <a:solidFill>
                   <a:srgbClr val="ff5733"/>
@@ -12947,7 +13989,7 @@
       </p:sp>
       <p:pic>
         <p:nvPicPr>
-          <p:cNvPr id="220" name="Picture 2" descr="http://www.bvctch.vn/vnt_upload/weblink/thks.jpg"/>
+          <p:cNvPr id="228" name="Picture 2" descr="http://www.bvctch.vn/vnt_upload/weblink/thks.jpg"/>
           <p:cNvPicPr/>
           <p:nvPr/>
         </p:nvPicPr>
@@ -12958,7 +14000,7 @@
         <p:spPr>
           <a:xfrm>
             <a:off x="4404600" y="2036160"/>
-            <a:ext cx="3121920" cy="4658760"/>
+            <a:ext cx="3121560" cy="4658400"/>
           </a:xfrm>
           <a:prstGeom prst="rect">
             <a:avLst/>
@@ -13007,7 +14049,7 @@
         <p:spPr>
           <a:xfrm>
             <a:off x="1676520" y="2362320"/>
-            <a:ext cx="8834400" cy="1186920"/>
+            <a:ext cx="8834040" cy="1186920"/>
           </a:xfrm>
           <a:prstGeom prst="rect">
             <a:avLst/>
@@ -13058,7 +14100,7 @@
         <p:spPr>
           <a:xfrm>
             <a:off x="1676520" y="3531600"/>
-            <a:ext cx="8834400" cy="424800"/>
+            <a:ext cx="8834040" cy="424800"/>
           </a:xfrm>
           <a:prstGeom prst="rect">
             <a:avLst/>
@@ -13174,7 +14216,7 @@
         <p:spPr>
           <a:xfrm>
             <a:off x="1523880" y="0"/>
-            <a:ext cx="9139320" cy="699120"/>
+            <a:ext cx="9138960" cy="699120"/>
           </a:xfrm>
           <a:prstGeom prst="rect">
             <a:avLst/>
@@ -13229,7 +14271,7 @@
         <p:spPr>
           <a:xfrm>
             <a:off x="1600200" y="762120"/>
-            <a:ext cx="8987040" cy="638280"/>
+            <a:ext cx="8986680" cy="638280"/>
           </a:xfrm>
           <a:prstGeom prst="rect">
             <a:avLst/>
@@ -13290,7 +14332,7 @@
         <p:spPr>
           <a:xfrm>
             <a:off x="152280" y="152280"/>
-            <a:ext cx="1101960" cy="455400"/>
+            <a:ext cx="1101600" cy="455400"/>
           </a:xfrm>
           <a:prstGeom prst="rect">
             <a:avLst/>
@@ -13341,7 +14383,7 @@
         <p:spPr>
           <a:xfrm>
             <a:off x="1601280" y="2221560"/>
-            <a:ext cx="8985960" cy="699480"/>
+            <a:ext cx="8985600" cy="699480"/>
           </a:xfrm>
           <a:prstGeom prst="rect">
             <a:avLst/>
@@ -13412,7 +14454,7 @@
         <p:spPr>
           <a:xfrm>
             <a:off x="1523880" y="2940480"/>
-            <a:ext cx="9416160" cy="1735560"/>
+            <a:ext cx="9415800" cy="1735560"/>
           </a:xfrm>
           <a:prstGeom prst="rect">
             <a:avLst/>
@@ -13433,7 +14475,7 @@
             <a:spAutoFit/>
           </a:bodyPr>
           <a:p>
-            <a:pPr marL="285840" indent="-281160">
+            <a:pPr marL="285840" indent="-280800">
               <a:lnSpc>
                 <a:spcPct val="150000"/>
               </a:lnSpc>
@@ -13478,7 +14520,7 @@
             </a:endParaRPr>
           </a:p>
           <a:p>
-            <a:pPr marL="285840" indent="-281160">
+            <a:pPr marL="285840" indent="-280800">
               <a:lnSpc>
                 <a:spcPct val="150000"/>
               </a:lnSpc>
@@ -13553,7 +14595,7 @@
             </a:endParaRPr>
           </a:p>
           <a:p>
-            <a:pPr marL="285840" indent="-281160">
+            <a:pPr marL="285840" indent="-280800">
               <a:lnSpc>
                 <a:spcPct val="150000"/>
               </a:lnSpc>
@@ -13618,7 +14660,7 @@
             </a:endParaRPr>
           </a:p>
           <a:p>
-            <a:pPr marL="285840" indent="-281160">
+            <a:pPr marL="285840" indent="-280800">
               <a:lnSpc>
                 <a:spcPct val="150000"/>
               </a:lnSpc>
@@ -13683,7 +14725,7 @@
         <p:spPr>
           <a:xfrm>
             <a:off x="1584000" y="4889520"/>
-            <a:ext cx="8851680" cy="1012320"/>
+            <a:ext cx="8851320" cy="1011960"/>
           </a:xfrm>
           <a:prstGeom prst="rect">
             <a:avLst/>
@@ -13734,7 +14776,7 @@
             </a:endParaRPr>
           </a:p>
           <a:p>
-            <a:pPr marL="216000" indent="-211680">
+            <a:pPr marL="216000" indent="-211320">
               <a:lnSpc>
                 <a:spcPct val="100000"/>
               </a:lnSpc>
@@ -13860,7 +14902,7 @@
         <p:spPr>
           <a:xfrm>
             <a:off x="1676520" y="2362320"/>
-            <a:ext cx="8834400" cy="1186920"/>
+            <a:ext cx="8834040" cy="1186920"/>
           </a:xfrm>
           <a:prstGeom prst="rect">
             <a:avLst/>
@@ -13911,7 +14953,7 @@
         <p:spPr>
           <a:xfrm>
             <a:off x="1666800" y="609480"/>
-            <a:ext cx="8834400" cy="394560"/>
+            <a:ext cx="8834040" cy="394560"/>
           </a:xfrm>
           <a:prstGeom prst="rect">
             <a:avLst/>
@@ -13962,7 +15004,7 @@
         <p:spPr>
           <a:xfrm>
             <a:off x="1676520" y="3531600"/>
-            <a:ext cx="8834400" cy="759960"/>
+            <a:ext cx="8834040" cy="759960"/>
           </a:xfrm>
           <a:prstGeom prst="rect">
             <a:avLst/>
@@ -14043,7 +15085,7 @@
         <p:spPr>
           <a:xfrm>
             <a:off x="1676520" y="2362320"/>
-            <a:ext cx="8834400" cy="1186920"/>
+            <a:ext cx="8834040" cy="1186920"/>
           </a:xfrm>
           <a:prstGeom prst="rect">
             <a:avLst/>
@@ -14094,7 +15136,7 @@
         <p:spPr>
           <a:xfrm>
             <a:off x="1676520" y="3531600"/>
-            <a:ext cx="8834400" cy="424800"/>
+            <a:ext cx="8834040" cy="424800"/>
           </a:xfrm>
           <a:prstGeom prst="rect">
             <a:avLst/>
@@ -14210,7 +15252,7 @@
         <p:spPr>
           <a:xfrm>
             <a:off x="1523880" y="0"/>
-            <a:ext cx="9139320" cy="699120"/>
+            <a:ext cx="9138960" cy="699120"/>
           </a:xfrm>
           <a:prstGeom prst="rect">
             <a:avLst/>
@@ -14265,7 +15307,7 @@
         <p:spPr>
           <a:xfrm>
             <a:off x="1600200" y="762120"/>
-            <a:ext cx="8987040" cy="912600"/>
+            <a:ext cx="8986680" cy="912600"/>
           </a:xfrm>
           <a:prstGeom prst="rect">
             <a:avLst/>
@@ -14326,7 +15368,7 @@
         <p:spPr>
           <a:xfrm>
             <a:off x="1523880" y="4272480"/>
-            <a:ext cx="8885160" cy="2558520"/>
+            <a:ext cx="8884800" cy="2558520"/>
           </a:xfrm>
           <a:prstGeom prst="rect">
             <a:avLst/>
@@ -14347,7 +15389,7 @@
             <a:spAutoFit/>
           </a:bodyPr>
           <a:p>
-            <a:pPr marL="285840" indent="-281160">
+            <a:pPr marL="285840" indent="-280800">
               <a:lnSpc>
                 <a:spcPct val="150000"/>
               </a:lnSpc>
@@ -14392,7 +15434,7 @@
             </a:endParaRPr>
           </a:p>
           <a:p>
-            <a:pPr marL="285840" indent="-281160">
+            <a:pPr marL="285840" indent="-280800">
               <a:lnSpc>
                 <a:spcPct val="150000"/>
               </a:lnSpc>
@@ -14437,7 +15479,7 @@
             </a:endParaRPr>
           </a:p>
           <a:p>
-            <a:pPr marL="285840" indent="-281160">
+            <a:pPr marL="285840" indent="-280800">
               <a:lnSpc>
                 <a:spcPct val="150000"/>
               </a:lnSpc>
@@ -14482,7 +15524,7 @@
             </a:endParaRPr>
           </a:p>
           <a:p>
-            <a:pPr marL="285840" indent="-281160">
+            <a:pPr marL="285840" indent="-280800">
               <a:lnSpc>
                 <a:spcPct val="150000"/>
               </a:lnSpc>
@@ -14527,7 +15569,7 @@
             </a:endParaRPr>
           </a:p>
           <a:p>
-            <a:pPr marL="285840" indent="-281160">
+            <a:pPr marL="285840" indent="-280800">
               <a:lnSpc>
                 <a:spcPct val="150000"/>
               </a:lnSpc>
@@ -14562,7 +15604,7 @@
             </a:endParaRPr>
           </a:p>
           <a:p>
-            <a:pPr marL="285840" indent="-281160">
+            <a:pPr marL="285840" indent="-280800">
               <a:lnSpc>
                 <a:spcPct val="150000"/>
               </a:lnSpc>
@@ -15127,7 +16169,7 @@
         <p:spPr>
           <a:xfrm>
             <a:off x="1601280" y="2221560"/>
-            <a:ext cx="8985960" cy="394560"/>
+            <a:ext cx="8985600" cy="394560"/>
           </a:xfrm>
           <a:prstGeom prst="rect">
             <a:avLst/>
@@ -15208,7 +16250,7 @@
         <p:spPr>
           <a:xfrm>
             <a:off x="1676520" y="2362320"/>
-            <a:ext cx="8834400" cy="2284200"/>
+            <a:ext cx="8834040" cy="2284200"/>
           </a:xfrm>
           <a:prstGeom prst="rect">
             <a:avLst/>
@@ -15259,7 +16301,7 @@
         <p:spPr>
           <a:xfrm>
             <a:off x="1676520" y="4719600"/>
-            <a:ext cx="8834400" cy="424800"/>
+            <a:ext cx="8834040" cy="424800"/>
           </a:xfrm>
           <a:prstGeom prst="rect">
             <a:avLst/>

--- a/redis ver1.pptx
+++ b/redis ver1.pptx
@@ -39,6 +39,13 @@
     <p:sldId id="286" r:id="rId34"/>
     <p:sldId id="287" r:id="rId35"/>
     <p:sldId id="288" r:id="rId36"/>
+    <p:sldId id="289" r:id="rId37"/>
+    <p:sldId id="290" r:id="rId38"/>
+    <p:sldId id="291" r:id="rId39"/>
+    <p:sldId id="292" r:id="rId40"/>
+    <p:sldId id="293" r:id="rId41"/>
+    <p:sldId id="294" r:id="rId42"/>
+    <p:sldId id="295" r:id="rId43"/>
   </p:sldIdLst>
   <p:sldSz cx="12192000" cy="6858000"/>
   <p:notesSz cx="7559675" cy="10691812"/>
@@ -2847,8 +2854,8 @@
         </p:nvSpPr>
         <p:spPr>
           <a:xfrm rot="5400000">
-            <a:off x="595440" y="6447240"/>
-            <a:ext cx="185760" cy="155520"/>
+            <a:off x="596160" y="6447240"/>
+            <a:ext cx="185040" cy="154800"/>
           </a:xfrm>
           <a:prstGeom prst="triangle">
             <a:avLst>
@@ -2889,7 +2896,7 @@
         <p:spPr>
           <a:xfrm>
             <a:off x="1206360" y="3648240"/>
-            <a:ext cx="9748440" cy="1275120"/>
+            <a:ext cx="9747720" cy="1274400"/>
           </a:xfrm>
           <a:prstGeom prst="rect">
             <a:avLst/>
@@ -2931,7 +2938,7 @@
         <p:spPr>
           <a:xfrm>
             <a:off x="1219320" y="5638680"/>
-            <a:ext cx="9748440" cy="680760"/>
+            <a:ext cx="9747720" cy="680040"/>
           </a:xfrm>
           <a:prstGeom prst="rect">
             <a:avLst/>
@@ -2973,7 +2980,7 @@
         <p:spPr>
           <a:xfrm>
             <a:off x="1206360" y="3648240"/>
-            <a:ext cx="299880" cy="1275120"/>
+            <a:ext cx="299160" cy="1274400"/>
           </a:xfrm>
           <a:prstGeom prst="rect">
             <a:avLst/>
@@ -3012,7 +3019,7 @@
         <p:spPr>
           <a:xfrm>
             <a:off x="1219320" y="5638680"/>
-            <a:ext cx="299880" cy="680760"/>
+            <a:ext cx="299160" cy="680040"/>
           </a:xfrm>
           <a:prstGeom prst="rect">
             <a:avLst/>
@@ -3368,8 +3375,8 @@
         </p:nvSpPr>
         <p:spPr>
           <a:xfrm rot="5400000">
-            <a:off x="595440" y="6447240"/>
-            <a:ext cx="185760" cy="155520"/>
+            <a:off x="596160" y="6447240"/>
+            <a:ext cx="185040" cy="154800"/>
           </a:xfrm>
           <a:prstGeom prst="triangle">
             <a:avLst>
@@ -3438,8 +3445,8 @@
         </p:nvSpPr>
         <p:spPr>
           <a:xfrm rot="5400000">
-            <a:off x="595440" y="6447240"/>
-            <a:ext cx="185760" cy="155520"/>
+            <a:off x="596160" y="6447240"/>
+            <a:ext cx="185040" cy="154800"/>
           </a:xfrm>
           <a:prstGeom prst="triangle">
             <a:avLst>
@@ -3500,61 +3507,7 @@
               <a:rPr b="0" lang="en-IN" sz="4400" spc="-1" strike="noStrike">
                 <a:latin typeface="Arial"/>
               </a:rPr>
-              <a:t>Cli</a:t>
-            </a:r>
-            <a:r>
-              <a:rPr b="0" lang="en-IN" sz="4400" spc="-1" strike="noStrike">
-                <a:latin typeface="Arial"/>
-              </a:rPr>
-              <a:t>ck </a:t>
-            </a:r>
-            <a:r>
-              <a:rPr b="0" lang="en-IN" sz="4400" spc="-1" strike="noStrike">
-                <a:latin typeface="Arial"/>
-              </a:rPr>
-              <a:t>to </a:t>
-            </a:r>
-            <a:r>
-              <a:rPr b="0" lang="en-IN" sz="4400" spc="-1" strike="noStrike">
-                <a:latin typeface="Arial"/>
-              </a:rPr>
-              <a:t>edit </a:t>
-            </a:r>
-            <a:r>
-              <a:rPr b="0" lang="en-IN" sz="4400" spc="-1" strike="noStrike">
-                <a:latin typeface="Arial"/>
-              </a:rPr>
-              <a:t>the </a:t>
-            </a:r>
-            <a:r>
-              <a:rPr b="0" lang="en-IN" sz="4400" spc="-1" strike="noStrike">
-                <a:latin typeface="Arial"/>
-              </a:rPr>
-              <a:t>title </a:t>
-            </a:r>
-            <a:r>
-              <a:rPr b="0" lang="en-IN" sz="4400" spc="-1" strike="noStrike">
-                <a:latin typeface="Arial"/>
-              </a:rPr>
-              <a:t>text </a:t>
-            </a:r>
-            <a:r>
-              <a:rPr b="0" lang="en-IN" sz="4400" spc="-1" strike="noStrike">
-                <a:latin typeface="Arial"/>
-              </a:rPr>
-              <a:t>for</a:t>
-            </a:r>
-            <a:r>
-              <a:rPr b="0" lang="en-IN" sz="4400" spc="-1" strike="noStrike">
-                <a:latin typeface="Arial"/>
-              </a:rPr>
-              <a:t>ma</a:t>
-            </a:r>
-            <a:r>
-              <a:rPr b="0" lang="en-IN" sz="4400" spc="-1" strike="noStrike">
-                <a:latin typeface="Arial"/>
-              </a:rPr>
-              <a:t>t</a:t>
+              <a:t>Click to edit the title text format</a:t>
             </a:r>
             <a:endParaRPr b="0" lang="en-IN" sz="4400" spc="-1" strike="noStrike">
               <a:latin typeface="Arial"/>
@@ -3787,7 +3740,7 @@
         <p:spPr>
           <a:xfrm>
             <a:off x="1975680" y="3733920"/>
-            <a:ext cx="8529480" cy="985680"/>
+            <a:ext cx="8528760" cy="984960"/>
           </a:xfrm>
           <a:prstGeom prst="rect">
             <a:avLst/>
@@ -3844,7 +3797,7 @@
         <p:spPr>
           <a:xfrm>
             <a:off x="181440" y="2001960"/>
-            <a:ext cx="2849400" cy="2849400"/>
+            <a:ext cx="2848680" cy="2848680"/>
           </a:xfrm>
           <a:prstGeom prst="rect">
             <a:avLst/>
@@ -3863,7 +3816,7 @@
         <p:spPr>
           <a:xfrm>
             <a:off x="4444920" y="5050800"/>
-            <a:ext cx="6059880" cy="582840"/>
+            <a:ext cx="6059160" cy="582120"/>
           </a:xfrm>
           <a:prstGeom prst="rect">
             <a:avLst/>
@@ -3926,7 +3879,7 @@
         <p:spPr>
           <a:xfrm>
             <a:off x="181440" y="196560"/>
-            <a:ext cx="2849400" cy="1062720"/>
+            <a:ext cx="2848680" cy="1062000"/>
           </a:xfrm>
           <a:prstGeom prst="rect">
             <a:avLst/>
@@ -3945,7 +3898,7 @@
         <p:spPr>
           <a:xfrm>
             <a:off x="3557880" y="93600"/>
-            <a:ext cx="8447760" cy="3045240"/>
+            <a:ext cx="8447040" cy="3045240"/>
           </a:xfrm>
           <a:prstGeom prst="rect">
             <a:avLst/>
@@ -4030,7 +3983,7 @@
         <p:spPr>
           <a:xfrm>
             <a:off x="181440" y="196920"/>
-            <a:ext cx="2851200" cy="1064520"/>
+            <a:ext cx="2850480" cy="1063800"/>
           </a:xfrm>
           <a:prstGeom prst="rect">
             <a:avLst/>
@@ -4053,7 +4006,7 @@
         <p:spPr>
           <a:xfrm>
             <a:off x="181440" y="2001960"/>
-            <a:ext cx="2852280" cy="2852280"/>
+            <a:ext cx="2851560" cy="2851560"/>
           </a:xfrm>
           <a:prstGeom prst="rect">
             <a:avLst/>
@@ -4137,7 +4090,7 @@
         <p:spPr>
           <a:xfrm>
             <a:off x="1523880" y="0"/>
-            <a:ext cx="9138960" cy="699120"/>
+            <a:ext cx="9138240" cy="699120"/>
           </a:xfrm>
           <a:prstGeom prst="rect">
             <a:avLst/>
@@ -4192,7 +4145,7 @@
         <p:spPr>
           <a:xfrm>
             <a:off x="1600200" y="762120"/>
-            <a:ext cx="8986680" cy="1735560"/>
+            <a:ext cx="8985960" cy="1735560"/>
           </a:xfrm>
           <a:prstGeom prst="rect">
             <a:avLst/>
@@ -4293,7 +4246,7 @@
         <p:spPr>
           <a:xfrm>
             <a:off x="152280" y="152280"/>
-            <a:ext cx="1101600" cy="455400"/>
+            <a:ext cx="1100880" cy="455400"/>
           </a:xfrm>
           <a:prstGeom prst="rect">
             <a:avLst/>
@@ -4344,7 +4297,7 @@
         <p:spPr>
           <a:xfrm>
             <a:off x="1601280" y="2823480"/>
-            <a:ext cx="8985600" cy="699480"/>
+            <a:ext cx="8984880" cy="699480"/>
           </a:xfrm>
           <a:prstGeom prst="rect">
             <a:avLst/>
@@ -4415,7 +4368,7 @@
         <p:spPr>
           <a:xfrm>
             <a:off x="1523880" y="3801960"/>
-            <a:ext cx="8884800" cy="2147040"/>
+            <a:ext cx="8884080" cy="2147040"/>
           </a:xfrm>
           <a:prstGeom prst="rect">
             <a:avLst/>
@@ -4436,7 +4389,7 @@
             <a:spAutoFit/>
           </a:bodyPr>
           <a:p>
-            <a:pPr marL="285840" indent="-280800">
+            <a:pPr marL="285840" indent="-280080">
               <a:lnSpc>
                 <a:spcPct val="150000"/>
               </a:lnSpc>
@@ -4481,7 +4434,7 @@
             </a:endParaRPr>
           </a:p>
           <a:p>
-            <a:pPr marL="285840" indent="-280800">
+            <a:pPr marL="285840" indent="-280080">
               <a:lnSpc>
                 <a:spcPct val="150000"/>
               </a:lnSpc>
@@ -4526,7 +4479,7 @@
             </a:endParaRPr>
           </a:p>
           <a:p>
-            <a:pPr marL="285840" indent="-280800">
+            <a:pPr marL="285840" indent="-280080">
               <a:lnSpc>
                 <a:spcPct val="150000"/>
               </a:lnSpc>
@@ -4571,7 +4524,7 @@
             </a:endParaRPr>
           </a:p>
           <a:p>
-            <a:pPr marL="285840" indent="-280800">
+            <a:pPr marL="285840" indent="-280080">
               <a:lnSpc>
                 <a:spcPct val="150000"/>
               </a:lnSpc>
@@ -4656,7 +4609,7 @@
         <p:spPr>
           <a:xfrm>
             <a:off x="1676520" y="2362320"/>
-            <a:ext cx="8834040" cy="2284200"/>
+            <a:ext cx="8833320" cy="912960"/>
           </a:xfrm>
           <a:prstGeom prst="rect">
             <a:avLst/>
@@ -4683,7 +4636,7 @@
               </a:lnSpc>
             </a:pPr>
             <a:r>
-              <a:rPr b="0" i="1" lang="en-IN" sz="7200" spc="-1" strike="noStrike">
+              <a:rPr b="0" i="1" lang="en-IN" sz="5400" spc="-1" strike="noStrike">
                 <a:solidFill>
                   <a:srgbClr val="f7c120"/>
                 </a:solidFill>
@@ -4692,7 +4645,7 @@
               </a:rPr>
               <a:t>get key &amp; getex key</a:t>
             </a:r>
-            <a:endParaRPr b="0" lang="en-IN" sz="7200" spc="-1" strike="noStrike">
+            <a:endParaRPr b="0" lang="en-IN" sz="5400" spc="-1" strike="noStrike">
               <a:latin typeface="Arial"/>
             </a:endParaRPr>
           </a:p>
@@ -4707,7 +4660,7 @@
         <p:spPr>
           <a:xfrm>
             <a:off x="1676520" y="3531600"/>
-            <a:ext cx="8834040" cy="424800"/>
+            <a:ext cx="8833320" cy="424800"/>
           </a:xfrm>
           <a:prstGeom prst="rect">
             <a:avLst/>
@@ -4823,7 +4776,7 @@
         <p:spPr>
           <a:xfrm>
             <a:off x="1523880" y="0"/>
-            <a:ext cx="9138960" cy="699120"/>
+            <a:ext cx="9138240" cy="699120"/>
           </a:xfrm>
           <a:prstGeom prst="rect">
             <a:avLst/>
@@ -4878,7 +4831,7 @@
         <p:spPr>
           <a:xfrm>
             <a:off x="1600200" y="762120"/>
-            <a:ext cx="8986680" cy="1461240"/>
+            <a:ext cx="8985960" cy="1461240"/>
           </a:xfrm>
           <a:prstGeom prst="rect">
             <a:avLst/>
@@ -4979,7 +4932,7 @@
         <p:spPr>
           <a:xfrm>
             <a:off x="152280" y="152280"/>
-            <a:ext cx="1101600" cy="455400"/>
+            <a:ext cx="1100880" cy="455400"/>
           </a:xfrm>
           <a:prstGeom prst="rect">
             <a:avLst/>
@@ -5030,7 +4983,7 @@
         <p:spPr>
           <a:xfrm>
             <a:off x="1601280" y="2509560"/>
-            <a:ext cx="8985600" cy="699480"/>
+            <a:ext cx="8984880" cy="699480"/>
           </a:xfrm>
           <a:prstGeom prst="rect">
             <a:avLst/>
@@ -5101,7 +5054,7 @@
         <p:spPr>
           <a:xfrm>
             <a:off x="1523880" y="3480480"/>
-            <a:ext cx="8884800" cy="2558520"/>
+            <a:ext cx="8884080" cy="2558520"/>
           </a:xfrm>
           <a:prstGeom prst="rect">
             <a:avLst/>
@@ -5122,7 +5075,7 @@
             <a:spAutoFit/>
           </a:bodyPr>
           <a:p>
-            <a:pPr marL="285840" indent="-280800">
+            <a:pPr marL="285840" indent="-280080">
               <a:lnSpc>
                 <a:spcPct val="150000"/>
               </a:lnSpc>
@@ -5167,7 +5120,7 @@
             </a:endParaRPr>
           </a:p>
           <a:p>
-            <a:pPr marL="285840" indent="-280800">
+            <a:pPr marL="285840" indent="-280080">
               <a:lnSpc>
                 <a:spcPct val="150000"/>
               </a:lnSpc>
@@ -5212,7 +5165,7 @@
             </a:endParaRPr>
           </a:p>
           <a:p>
-            <a:pPr marL="285840" indent="-280800">
+            <a:pPr marL="285840" indent="-280080">
               <a:lnSpc>
                 <a:spcPct val="150000"/>
               </a:lnSpc>
@@ -5257,7 +5210,7 @@
             </a:endParaRPr>
           </a:p>
           <a:p>
-            <a:pPr marL="285840" indent="-280800">
+            <a:pPr marL="285840" indent="-280080">
               <a:lnSpc>
                 <a:spcPct val="150000"/>
               </a:lnSpc>
@@ -5302,7 +5255,7 @@
             </a:endParaRPr>
           </a:p>
           <a:p>
-            <a:pPr marL="285840" indent="-280800">
+            <a:pPr marL="285840" indent="-280080">
               <a:lnSpc>
                 <a:spcPct val="150000"/>
               </a:lnSpc>
@@ -5337,7 +5290,7 @@
             </a:endParaRPr>
           </a:p>
           <a:p>
-            <a:pPr marL="285840" indent="-280800">
+            <a:pPr marL="285840" indent="-280080">
               <a:lnSpc>
                 <a:spcPct val="150000"/>
               </a:lnSpc>
@@ -5412,7 +5365,7 @@
         <p:spPr>
           <a:xfrm>
             <a:off x="1676520" y="2362320"/>
-            <a:ext cx="8834040" cy="2284200"/>
+            <a:ext cx="8833320" cy="1735920"/>
           </a:xfrm>
           <a:prstGeom prst="rect">
             <a:avLst/>
@@ -5439,7 +5392,7 @@
               </a:lnSpc>
             </a:pPr>
             <a:r>
-              <a:rPr b="0" i="1" lang="en-IN" sz="7200" spc="-1" strike="noStrike">
+              <a:rPr b="0" i="1" lang="en-IN" sz="5400" spc="-1" strike="noStrike">
                 <a:solidFill>
                   <a:srgbClr val="f7c120"/>
                 </a:solidFill>
@@ -5448,7 +5401,7 @@
               </a:rPr>
               <a:t>getset, getdel &amp; getrange key</a:t>
             </a:r>
-            <a:endParaRPr b="0" lang="en-IN" sz="7200" spc="-1" strike="noStrike">
+            <a:endParaRPr b="0" lang="en-IN" sz="5400" spc="-1" strike="noStrike">
               <a:latin typeface="Arial"/>
             </a:endParaRPr>
           </a:p>
@@ -5463,7 +5416,7 @@
         <p:spPr>
           <a:xfrm>
             <a:off x="1676520" y="4935600"/>
-            <a:ext cx="8834040" cy="424800"/>
+            <a:ext cx="8833320" cy="424800"/>
           </a:xfrm>
           <a:prstGeom prst="rect">
             <a:avLst/>
@@ -5579,7 +5532,7 @@
         <p:spPr>
           <a:xfrm>
             <a:off x="1523880" y="0"/>
-            <a:ext cx="9138960" cy="699120"/>
+            <a:ext cx="9138240" cy="699120"/>
           </a:xfrm>
           <a:prstGeom prst="rect">
             <a:avLst/>
@@ -5634,7 +5587,7 @@
         <p:spPr>
           <a:xfrm>
             <a:off x="1600200" y="762120"/>
-            <a:ext cx="8986680" cy="2284200"/>
+            <a:ext cx="8985960" cy="1979640"/>
           </a:xfrm>
           <a:prstGeom prst="rect">
             <a:avLst/>
@@ -5775,7 +5728,7 @@
         <p:spPr>
           <a:xfrm>
             <a:off x="152280" y="152280"/>
-            <a:ext cx="1101600" cy="455400"/>
+            <a:ext cx="1100880" cy="455400"/>
           </a:xfrm>
           <a:prstGeom prst="rect">
             <a:avLst/>
@@ -5826,7 +5779,7 @@
         <p:spPr>
           <a:xfrm>
             <a:off x="1601280" y="2977560"/>
-            <a:ext cx="8985600" cy="1309320"/>
+            <a:ext cx="8984880" cy="1309320"/>
           </a:xfrm>
           <a:prstGeom prst="rect">
             <a:avLst/>
@@ -5937,7 +5890,7 @@
         <p:spPr>
           <a:xfrm>
             <a:off x="1523880" y="4344480"/>
-            <a:ext cx="8884800" cy="2147040"/>
+            <a:ext cx="8884080" cy="2147040"/>
           </a:xfrm>
           <a:prstGeom prst="rect">
             <a:avLst/>
@@ -5958,7 +5911,7 @@
             <a:spAutoFit/>
           </a:bodyPr>
           <a:p>
-            <a:pPr marL="285840" indent="-280800">
+            <a:pPr marL="285840" indent="-280080">
               <a:lnSpc>
                 <a:spcPct val="150000"/>
               </a:lnSpc>
@@ -6003,7 +5956,7 @@
             </a:endParaRPr>
           </a:p>
           <a:p>
-            <a:pPr marL="285840" indent="-280800">
+            <a:pPr marL="285840" indent="-280080">
               <a:lnSpc>
                 <a:spcPct val="150000"/>
               </a:lnSpc>
@@ -6048,7 +6001,7 @@
             </a:endParaRPr>
           </a:p>
           <a:p>
-            <a:pPr marL="285840" indent="-280800">
+            <a:pPr marL="285840" indent="-280080">
               <a:lnSpc>
                 <a:spcPct val="150000"/>
               </a:lnSpc>
@@ -6093,7 +6046,7 @@
             </a:endParaRPr>
           </a:p>
           <a:p>
-            <a:pPr marL="285840" indent="-280800">
+            <a:pPr marL="285840" indent="-280080">
               <a:lnSpc>
                 <a:spcPct val="150000"/>
               </a:lnSpc>
@@ -6138,7 +6091,7 @@
             </a:endParaRPr>
           </a:p>
           <a:p>
-            <a:pPr marL="285840" indent="-280800">
+            <a:pPr marL="285840" indent="-280080">
               <a:lnSpc>
                 <a:spcPct val="150000"/>
               </a:lnSpc>
@@ -6223,7 +6176,7 @@
         <p:spPr>
           <a:xfrm>
             <a:off x="1676520" y="2362320"/>
-            <a:ext cx="8834040" cy="1186920"/>
+            <a:ext cx="8833320" cy="912960"/>
           </a:xfrm>
           <a:prstGeom prst="rect">
             <a:avLst/>
@@ -6250,7 +6203,7 @@
               </a:lnSpc>
             </a:pPr>
             <a:r>
-              <a:rPr b="0" i="1" lang="en-IN" sz="7200" spc="-1" strike="noStrike">
+              <a:rPr b="0" i="1" lang="en-IN" sz="5400" spc="-1" strike="noStrike">
                 <a:solidFill>
                   <a:srgbClr val="f7c120"/>
                 </a:solidFill>
@@ -6259,7 +6212,7 @@
               </a:rPr>
               <a:t>keys &amp; dbsize-</a:t>
             </a:r>
-            <a:endParaRPr b="0" lang="en-IN" sz="7200" spc="-1" strike="noStrike">
+            <a:endParaRPr b="0" lang="en-IN" sz="5400" spc="-1" strike="noStrike">
               <a:latin typeface="Arial"/>
             </a:endParaRPr>
           </a:p>
@@ -6274,7 +6227,7 @@
         <p:spPr>
           <a:xfrm>
             <a:off x="1676520" y="3531600"/>
-            <a:ext cx="8834040" cy="424800"/>
+            <a:ext cx="8833320" cy="424800"/>
           </a:xfrm>
           <a:prstGeom prst="rect">
             <a:avLst/>
@@ -6390,7 +6343,7 @@
         <p:spPr>
           <a:xfrm>
             <a:off x="1523880" y="0"/>
-            <a:ext cx="9138960" cy="699120"/>
+            <a:ext cx="9138240" cy="699120"/>
           </a:xfrm>
           <a:prstGeom prst="rect">
             <a:avLst/>
@@ -6445,7 +6398,7 @@
         <p:spPr>
           <a:xfrm>
             <a:off x="1600200" y="762120"/>
-            <a:ext cx="8986680" cy="912600"/>
+            <a:ext cx="8985960" cy="912600"/>
           </a:xfrm>
           <a:prstGeom prst="rect">
             <a:avLst/>
@@ -6546,7 +6499,7 @@
         <p:spPr>
           <a:xfrm>
             <a:off x="1600200" y="2865600"/>
-            <a:ext cx="8884800" cy="1735560"/>
+            <a:ext cx="8884080" cy="1735560"/>
           </a:xfrm>
           <a:prstGeom prst="rect">
             <a:avLst/>
@@ -6567,7 +6520,7 @@
             <a:spAutoFit/>
           </a:bodyPr>
           <a:p>
-            <a:pPr marL="285840" indent="-280800">
+            <a:pPr marL="285840" indent="-280080">
               <a:lnSpc>
                 <a:spcPct val="150000"/>
               </a:lnSpc>
@@ -6612,7 +6565,7 @@
             </a:endParaRPr>
           </a:p>
           <a:p>
-            <a:pPr marL="285840" indent="-280800">
+            <a:pPr marL="285840" indent="-280080">
               <a:lnSpc>
                 <a:spcPct val="150000"/>
               </a:lnSpc>
@@ -6657,7 +6610,7 @@
             </a:endParaRPr>
           </a:p>
           <a:p>
-            <a:pPr marL="285840" indent="-280800">
+            <a:pPr marL="285840" indent="-280080">
               <a:lnSpc>
                 <a:spcPct val="150000"/>
               </a:lnSpc>
@@ -6702,7 +6655,7 @@
             </a:endParaRPr>
           </a:p>
           <a:p>
-            <a:pPr marL="285840" indent="-280800">
+            <a:pPr marL="285840" indent="-280080">
               <a:lnSpc>
                 <a:spcPct val="150000"/>
               </a:lnSpc>
@@ -6757,7 +6710,7 @@
         <p:spPr>
           <a:xfrm>
             <a:off x="152280" y="152280"/>
-            <a:ext cx="1101600" cy="455400"/>
+            <a:ext cx="1100880" cy="455400"/>
           </a:xfrm>
           <a:prstGeom prst="rect">
             <a:avLst/>
@@ -6808,7 +6761,7 @@
         <p:spPr>
           <a:xfrm>
             <a:off x="1601280" y="2221560"/>
-            <a:ext cx="8985600" cy="699480"/>
+            <a:ext cx="8984880" cy="699480"/>
           </a:xfrm>
           <a:prstGeom prst="rect">
             <a:avLst/>
@@ -6879,7 +6832,7 @@
         <p:spPr>
           <a:xfrm>
             <a:off x="1656000" y="4713480"/>
-            <a:ext cx="8995320" cy="1365480"/>
+            <a:ext cx="8994600" cy="1364760"/>
           </a:xfrm>
           <a:prstGeom prst="rect">
             <a:avLst/>
@@ -6900,7 +6853,7 @@
             <a:noAutofit/>
           </a:bodyPr>
           <a:p>
-            <a:pPr marL="216000" indent="-214200">
+            <a:pPr marL="216000" indent="-213480">
               <a:lnSpc>
                 <a:spcPct val="150000"/>
               </a:lnSpc>
@@ -6935,7 +6888,7 @@
             </a:endParaRPr>
           </a:p>
           <a:p>
-            <a:pPr marL="216000" indent="-214200">
+            <a:pPr marL="216000" indent="-213480">
               <a:lnSpc>
                 <a:spcPct val="150000"/>
               </a:lnSpc>
@@ -6970,7 +6923,7 @@
             </a:endParaRPr>
           </a:p>
           <a:p>
-            <a:pPr marL="216000" indent="-214200">
+            <a:pPr marL="216000" indent="-213480">
               <a:lnSpc>
                 <a:spcPct val="150000"/>
               </a:lnSpc>
@@ -7005,7 +6958,7 @@
             </a:endParaRPr>
           </a:p>
           <a:p>
-            <a:pPr marL="216000" indent="-214200">
+            <a:pPr marL="216000" indent="-213480">
               <a:lnSpc>
                 <a:spcPct val="150000"/>
               </a:lnSpc>
@@ -7040,7 +6993,7 @@
             </a:endParaRPr>
           </a:p>
           <a:p>
-            <a:pPr marL="216000" indent="-214200">
+            <a:pPr marL="216000" indent="-213480">
               <a:lnSpc>
                 <a:spcPct val="150000"/>
               </a:lnSpc>
@@ -7115,7 +7068,7 @@
         <p:spPr>
           <a:xfrm>
             <a:off x="1676520" y="2362320"/>
-            <a:ext cx="8834040" cy="1186920"/>
+            <a:ext cx="8833320" cy="912960"/>
           </a:xfrm>
           <a:prstGeom prst="rect">
             <a:avLst/>
@@ -7142,7 +7095,7 @@
               </a:lnSpc>
             </a:pPr>
             <a:r>
-              <a:rPr b="0" i="1" lang="en-IN" sz="7200" spc="-1" strike="noStrike">
+              <a:rPr b="0" i="1" lang="en-IN" sz="5400" spc="-1" strike="noStrike">
                 <a:solidFill>
                   <a:srgbClr val="f7c120"/>
                 </a:solidFill>
@@ -7151,7 +7104,7 @@
               </a:rPr>
               <a:t>ttl key / pttl key</a:t>
             </a:r>
-            <a:endParaRPr b="0" lang="en-IN" sz="7200" spc="-1" strike="noStrike">
+            <a:endParaRPr b="0" lang="en-IN" sz="5400" spc="-1" strike="noStrike">
               <a:latin typeface="Arial"/>
             </a:endParaRPr>
           </a:p>
@@ -7166,7 +7119,7 @@
         <p:spPr>
           <a:xfrm>
             <a:off x="1676520" y="3531600"/>
-            <a:ext cx="8834040" cy="424800"/>
+            <a:ext cx="8833320" cy="424800"/>
           </a:xfrm>
           <a:prstGeom prst="rect">
             <a:avLst/>
@@ -7282,7 +7235,7 @@
         <p:spPr>
           <a:xfrm>
             <a:off x="1523880" y="0"/>
-            <a:ext cx="9138960" cy="699120"/>
+            <a:ext cx="9138240" cy="699120"/>
           </a:xfrm>
           <a:prstGeom prst="rect">
             <a:avLst/>
@@ -7337,7 +7290,7 @@
         <p:spPr>
           <a:xfrm>
             <a:off x="1600200" y="762120"/>
-            <a:ext cx="8986680" cy="668880"/>
+            <a:ext cx="8985960" cy="668880"/>
           </a:xfrm>
           <a:prstGeom prst="rect">
             <a:avLst/>
@@ -7428,7 +7381,7 @@
         <p:spPr>
           <a:xfrm>
             <a:off x="1600200" y="3909600"/>
-            <a:ext cx="8884800" cy="1324080"/>
+            <a:ext cx="8884080" cy="1324080"/>
           </a:xfrm>
           <a:prstGeom prst="rect">
             <a:avLst/>
@@ -7449,7 +7402,7 @@
             <a:spAutoFit/>
           </a:bodyPr>
           <a:p>
-            <a:pPr marL="285840" indent="-280800">
+            <a:pPr marL="285840" indent="-280080">
               <a:lnSpc>
                 <a:spcPct val="150000"/>
               </a:lnSpc>
@@ -7494,7 +7447,7 @@
             </a:endParaRPr>
           </a:p>
           <a:p>
-            <a:pPr marL="285840" indent="-280800">
+            <a:pPr marL="285840" indent="-280080">
               <a:lnSpc>
                 <a:spcPct val="150000"/>
               </a:lnSpc>
@@ -7539,7 +7492,7 @@
             </a:endParaRPr>
           </a:p>
           <a:p>
-            <a:pPr marL="285840" indent="-280800">
+            <a:pPr marL="285840" indent="-280080">
               <a:lnSpc>
                 <a:spcPct val="150000"/>
               </a:lnSpc>
@@ -7594,7 +7547,7 @@
         <p:spPr>
           <a:xfrm>
             <a:off x="152280" y="152280"/>
-            <a:ext cx="1101600" cy="455400"/>
+            <a:ext cx="1100880" cy="455400"/>
           </a:xfrm>
           <a:prstGeom prst="rect">
             <a:avLst/>
@@ -7645,7 +7598,7 @@
         <p:spPr>
           <a:xfrm>
             <a:off x="1601280" y="2221560"/>
-            <a:ext cx="8985600" cy="699480"/>
+            <a:ext cx="8984880" cy="699480"/>
           </a:xfrm>
           <a:prstGeom prst="rect">
             <a:avLst/>
@@ -7716,7 +7669,7 @@
         <p:spPr>
           <a:xfrm>
             <a:off x="1584000" y="5246640"/>
-            <a:ext cx="8851320" cy="1011960"/>
+            <a:ext cx="8850600" cy="1011240"/>
           </a:xfrm>
           <a:prstGeom prst="rect">
             <a:avLst/>
@@ -7767,7 +7720,7 @@
             </a:endParaRPr>
           </a:p>
           <a:p>
-            <a:pPr marL="216000" indent="-211320">
+            <a:pPr marL="216000" indent="-210600">
               <a:lnSpc>
                 <a:spcPct val="100000"/>
               </a:lnSpc>
@@ -7793,7 +7746,7 @@
             </a:endParaRPr>
           </a:p>
           <a:p>
-            <a:pPr marL="216000" indent="-211320">
+            <a:pPr marL="216000" indent="-210600">
               <a:lnSpc>
                 <a:spcPct val="100000"/>
               </a:lnSpc>
@@ -7829,7 +7782,7 @@
         <p:spPr>
           <a:xfrm>
             <a:off x="1576080" y="3161880"/>
-            <a:ext cx="9579240" cy="649440"/>
+            <a:ext cx="9578520" cy="648720"/>
           </a:xfrm>
           <a:prstGeom prst="rect">
             <a:avLst/>
@@ -7940,7 +7893,7 @@
         <p:spPr>
           <a:xfrm>
             <a:off x="1676520" y="2362320"/>
-            <a:ext cx="8834040" cy="2284200"/>
+            <a:ext cx="8833320" cy="912960"/>
           </a:xfrm>
           <a:prstGeom prst="rect">
             <a:avLst/>
@@ -7967,16 +7920,16 @@
               </a:lnSpc>
             </a:pPr>
             <a:r>
-              <a:rPr b="0" i="1" lang="en-IN" sz="7200" spc="-1" strike="noStrike">
+              <a:rPr b="0" i="1" lang="en-IN" sz="5400" spc="-1" strike="noStrike">
                 <a:solidFill>
                   <a:srgbClr val="f7c120"/>
                 </a:solidFill>
                 <a:latin typeface="Century"/>
                 <a:ea typeface="DejaVu Sans"/>
               </a:rPr>
-              <a:t>expire key &amp; persist key</a:t>
-            </a:r>
-            <a:endParaRPr b="0" lang="en-IN" sz="7200" spc="-1" strike="noStrike">
+              <a:t>expire &amp; persist key</a:t>
+            </a:r>
+            <a:endParaRPr b="0" lang="en-IN" sz="5400" spc="-1" strike="noStrike">
               <a:latin typeface="Arial"/>
             </a:endParaRPr>
           </a:p>
@@ -7991,7 +7944,7 @@
         <p:spPr>
           <a:xfrm>
             <a:off x="1676520" y="3531600"/>
-            <a:ext cx="8834040" cy="424800"/>
+            <a:ext cx="8833320" cy="424800"/>
           </a:xfrm>
           <a:prstGeom prst="rect">
             <a:avLst/>
@@ -8072,7 +8025,7 @@
         <p:spPr>
           <a:xfrm>
             <a:off x="1676520" y="2362320"/>
-            <a:ext cx="8834040" cy="1186920"/>
+            <a:ext cx="8833320" cy="912960"/>
           </a:xfrm>
           <a:prstGeom prst="rect">
             <a:avLst/>
@@ -8099,7 +8052,7 @@
               </a:lnSpc>
             </a:pPr>
             <a:r>
-              <a:rPr b="0" i="1" lang="en-IN" sz="7200" spc="-1" strike="noStrike">
+              <a:rPr b="0" i="1" lang="en-IN" sz="5400" spc="-1" strike="noStrike">
                 <a:solidFill>
                   <a:srgbClr val="f7c120"/>
                 </a:solidFill>
@@ -8108,7 +8061,7 @@
               </a:rPr>
               <a:t>redis</a:t>
             </a:r>
-            <a:endParaRPr b="0" lang="en-IN" sz="7200" spc="-1" strike="noStrike">
+            <a:endParaRPr b="0" lang="en-IN" sz="5400" spc="-1" strike="noStrike">
               <a:latin typeface="Arial"/>
             </a:endParaRPr>
           </a:p>
@@ -8123,7 +8076,7 @@
         <p:spPr>
           <a:xfrm>
             <a:off x="522360" y="3531600"/>
-            <a:ext cx="11246400" cy="1765440"/>
+            <a:ext cx="11245680" cy="1765440"/>
           </a:xfrm>
           <a:prstGeom prst="rect">
             <a:avLst/>
@@ -8174,7 +8127,7 @@
         <p:spPr>
           <a:xfrm>
             <a:off x="1666800" y="609480"/>
-            <a:ext cx="8834040" cy="394560"/>
+            <a:ext cx="8833320" cy="394560"/>
           </a:xfrm>
           <a:prstGeom prst="rect">
             <a:avLst/>
@@ -8290,7 +8243,7 @@
         <p:spPr>
           <a:xfrm>
             <a:off x="1523880" y="0"/>
-            <a:ext cx="9138960" cy="699120"/>
+            <a:ext cx="9138240" cy="699120"/>
           </a:xfrm>
           <a:prstGeom prst="rect">
             <a:avLst/>
@@ -8345,7 +8298,7 @@
         <p:spPr>
           <a:xfrm>
             <a:off x="1600200" y="762120"/>
-            <a:ext cx="8986680" cy="1735560"/>
+            <a:ext cx="8985960" cy="1735560"/>
           </a:xfrm>
           <a:prstGeom prst="rect">
             <a:avLst/>
@@ -8446,7 +8399,7 @@
         <p:spPr>
           <a:xfrm>
             <a:off x="1600200" y="3585600"/>
-            <a:ext cx="8884800" cy="2558520"/>
+            <a:ext cx="8884080" cy="2558520"/>
           </a:xfrm>
           <a:prstGeom prst="rect">
             <a:avLst/>
@@ -8487,7 +8440,7 @@
             </a:endParaRPr>
           </a:p>
           <a:p>
-            <a:pPr marL="285840" indent="-280800">
+            <a:pPr marL="285840" indent="-280080">
               <a:lnSpc>
                 <a:spcPct val="150000"/>
               </a:lnSpc>
@@ -8532,7 +8485,7 @@
             </a:endParaRPr>
           </a:p>
           <a:p>
-            <a:pPr marL="285840" indent="-280800">
+            <a:pPr marL="285840" indent="-280080">
               <a:lnSpc>
                 <a:spcPct val="150000"/>
               </a:lnSpc>
@@ -8597,7 +8550,7 @@
             </a:endParaRPr>
           </a:p>
           <a:p>
-            <a:pPr marL="285840" indent="-280800">
+            <a:pPr marL="285840" indent="-280080">
               <a:lnSpc>
                 <a:spcPct val="150000"/>
               </a:lnSpc>
@@ -8642,7 +8595,7 @@
             </a:endParaRPr>
           </a:p>
           <a:p>
-            <a:pPr marL="285840" indent="-280800">
+            <a:pPr marL="285840" indent="-280080">
               <a:lnSpc>
                 <a:spcPct val="150000"/>
               </a:lnSpc>
@@ -8697,7 +8650,7 @@
         <p:spPr>
           <a:xfrm>
             <a:off x="152280" y="152280"/>
-            <a:ext cx="1101600" cy="455400"/>
+            <a:ext cx="1100880" cy="455400"/>
           </a:xfrm>
           <a:prstGeom prst="rect">
             <a:avLst/>
@@ -8748,7 +8701,7 @@
         <p:spPr>
           <a:xfrm>
             <a:off x="1601280" y="2761560"/>
-            <a:ext cx="8985600" cy="699480"/>
+            <a:ext cx="8984880" cy="699480"/>
           </a:xfrm>
           <a:prstGeom prst="rect">
             <a:avLst/>
@@ -8849,7 +8802,7 @@
         <p:spPr>
           <a:xfrm>
             <a:off x="1676520" y="2362320"/>
-            <a:ext cx="8834040" cy="2284200"/>
+            <a:ext cx="8833320" cy="912960"/>
           </a:xfrm>
           <a:prstGeom prst="rect">
             <a:avLst/>
@@ -8876,16 +8829,16 @@
               </a:lnSpc>
             </a:pPr>
             <a:r>
-              <a:rPr b="0" i="1" lang="en-IN" sz="7200" spc="-1" strike="noStrike">
+              <a:rPr b="0" i="1" lang="en-IN" sz="5400" spc="-1" strike="noStrike">
                 <a:solidFill>
                   <a:srgbClr val="f7c120"/>
                 </a:solidFill>
                 <a:latin typeface="Century"/>
                 <a:ea typeface="DejaVu Sans"/>
               </a:rPr>
-              <a:t>mset, msetnx key &amp; mget key</a:t>
-            </a:r>
-            <a:endParaRPr b="0" lang="en-IN" sz="7200" spc="-1" strike="noStrike">
+              <a:t>mset, msetnx &amp; mget</a:t>
+            </a:r>
+            <a:endParaRPr b="0" lang="en-IN" sz="5400" spc="-1" strike="noStrike">
               <a:latin typeface="Arial"/>
             </a:endParaRPr>
           </a:p>
@@ -8900,7 +8853,7 @@
         <p:spPr>
           <a:xfrm>
             <a:off x="1676520" y="5331600"/>
-            <a:ext cx="8834040" cy="424800"/>
+            <a:ext cx="8833320" cy="424800"/>
           </a:xfrm>
           <a:prstGeom prst="rect">
             <a:avLst/>
@@ -8981,7 +8934,7 @@
         <p:spPr>
           <a:xfrm>
             <a:off x="1523880" y="0"/>
-            <a:ext cx="9138960" cy="699120"/>
+            <a:ext cx="9138240" cy="699120"/>
           </a:xfrm>
           <a:prstGeom prst="rect">
             <a:avLst/>
@@ -9036,7 +8989,7 @@
         <p:spPr>
           <a:xfrm>
             <a:off x="1600200" y="762120"/>
-            <a:ext cx="8986680" cy="2284200"/>
+            <a:ext cx="8985960" cy="2284200"/>
           </a:xfrm>
           <a:prstGeom prst="rect">
             <a:avLst/>
@@ -9177,7 +9130,7 @@
         <p:spPr>
           <a:xfrm>
             <a:off x="152280" y="152280"/>
-            <a:ext cx="1101600" cy="455400"/>
+            <a:ext cx="1100880" cy="455400"/>
           </a:xfrm>
           <a:prstGeom prst="rect">
             <a:avLst/>
@@ -9228,7 +9181,7 @@
         <p:spPr>
           <a:xfrm>
             <a:off x="1601280" y="3157560"/>
-            <a:ext cx="8985600" cy="1004400"/>
+            <a:ext cx="8984880" cy="1004400"/>
           </a:xfrm>
           <a:prstGeom prst="rect">
             <a:avLst/>
@@ -9262,17 +9215,7 @@
                 <a:latin typeface="Consolas"/>
                 <a:ea typeface="DejaVu Sans"/>
               </a:rPr>
-              <a:t>MSET key value [key value</a:t>
-            </a:r>
-            <a:r>
-              <a:rPr b="0" lang="en-US" sz="2000" spc="-1" strike="noStrike">
-                <a:solidFill>
-                  <a:srgbClr val="00b0f0"/>
-                </a:solidFill>
-                <a:latin typeface="Consolas"/>
-                <a:ea typeface="DejaVu Sans"/>
-              </a:rPr>
-              <a:t> ...]</a:t>
+              <a:t>MSET key value [key value ...]</a:t>
             </a:r>
             <a:endParaRPr b="0" lang="en-IN" sz="2000" spc="-1" strike="noStrike">
               <a:latin typeface="Arial"/>
@@ -9329,7 +9272,7 @@
         <p:spPr>
           <a:xfrm>
             <a:off x="864000" y="4197600"/>
-            <a:ext cx="11014560" cy="1324080"/>
+            <a:ext cx="11013840" cy="1324080"/>
           </a:xfrm>
           <a:prstGeom prst="rect">
             <a:avLst/>
@@ -9350,7 +9293,7 @@
             <a:spAutoFit/>
           </a:bodyPr>
           <a:p>
-            <a:pPr marL="285840" indent="-280800">
+            <a:pPr marL="285840" indent="-280080">
               <a:lnSpc>
                 <a:spcPct val="150000"/>
               </a:lnSpc>
@@ -9395,7 +9338,7 @@
             </a:endParaRPr>
           </a:p>
           <a:p>
-            <a:pPr marL="285840" indent="-280800">
+            <a:pPr marL="285840" indent="-280080">
               <a:lnSpc>
                 <a:spcPct val="150000"/>
               </a:lnSpc>
@@ -9440,7 +9383,7 @@
             </a:endParaRPr>
           </a:p>
           <a:p>
-            <a:pPr marL="285840" indent="-280800">
+            <a:pPr marL="285840" indent="-280080">
               <a:lnSpc>
                 <a:spcPct val="150000"/>
               </a:lnSpc>
@@ -9530,7 +9473,7 @@
         <p:spPr>
           <a:xfrm>
             <a:off x="1584000" y="5610240"/>
-            <a:ext cx="8851320" cy="1011960"/>
+            <a:ext cx="8850600" cy="1011240"/>
           </a:xfrm>
           <a:prstGeom prst="rect">
             <a:avLst/>
@@ -9581,7 +9524,7 @@
             </a:endParaRPr>
           </a:p>
           <a:p>
-            <a:pPr marL="285840" indent="-283680">
+            <a:pPr marL="285840" indent="-282960">
               <a:lnSpc>
                 <a:spcPct val="100000"/>
               </a:lnSpc>
@@ -9606,7 +9549,7 @@
             </a:endParaRPr>
           </a:p>
           <a:p>
-            <a:pPr marL="285840" indent="-283680">
+            <a:pPr marL="285840" indent="-282960">
               <a:lnSpc>
                 <a:spcPct val="100000"/>
               </a:lnSpc>
@@ -9671,7 +9614,7 @@
         <p:spPr>
           <a:xfrm>
             <a:off x="1676520" y="2362320"/>
-            <a:ext cx="8834040" cy="2284200"/>
+            <a:ext cx="8833320" cy="912960"/>
           </a:xfrm>
           <a:prstGeom prst="rect">
             <a:avLst/>
@@ -9698,7 +9641,7 @@
               </a:lnSpc>
             </a:pPr>
             <a:r>
-              <a:rPr b="0" i="1" lang="en-IN" sz="7200" spc="-1" strike="noStrike">
+              <a:rPr b="0" i="1" lang="en-IN" sz="5400" spc="-1" strike="noStrike">
                 <a:solidFill>
                   <a:srgbClr val="f7c120"/>
                 </a:solidFill>
@@ -9707,7 +9650,7 @@
               </a:rPr>
               <a:t>Incr, incrby &amp; incrbyfloat</a:t>
             </a:r>
-            <a:endParaRPr b="0" lang="en-IN" sz="7200" spc="-1" strike="noStrike">
+            <a:endParaRPr b="0" lang="en-IN" sz="5400" spc="-1" strike="noStrike">
               <a:latin typeface="Arial"/>
             </a:endParaRPr>
           </a:p>
@@ -9722,7 +9665,7 @@
         <p:spPr>
           <a:xfrm>
             <a:off x="1676520" y="5331600"/>
-            <a:ext cx="8834040" cy="424800"/>
+            <a:ext cx="8833320" cy="424800"/>
           </a:xfrm>
           <a:prstGeom prst="rect">
             <a:avLst/>
@@ -9803,7 +9746,7 @@
         <p:spPr>
           <a:xfrm>
             <a:off x="1523880" y="0"/>
-            <a:ext cx="9138960" cy="699120"/>
+            <a:ext cx="9138240" cy="699120"/>
           </a:xfrm>
           <a:prstGeom prst="rect">
             <a:avLst/>
@@ -9858,7 +9801,7 @@
         <p:spPr>
           <a:xfrm>
             <a:off x="1600200" y="762120"/>
-            <a:ext cx="8986680" cy="2558520"/>
+            <a:ext cx="8985960" cy="2558520"/>
           </a:xfrm>
           <a:prstGeom prst="rect">
             <a:avLst/>
@@ -9999,7 +9942,7 @@
         <p:spPr>
           <a:xfrm>
             <a:off x="152280" y="152280"/>
-            <a:ext cx="1101600" cy="455400"/>
+            <a:ext cx="1100880" cy="455400"/>
           </a:xfrm>
           <a:prstGeom prst="rect">
             <a:avLst/>
@@ -10050,7 +9993,7 @@
         <p:spPr>
           <a:xfrm>
             <a:off x="1601280" y="3553560"/>
-            <a:ext cx="8985600" cy="1004400"/>
+            <a:ext cx="8984880" cy="1004400"/>
           </a:xfrm>
           <a:prstGeom prst="rect">
             <a:avLst/>
@@ -10141,7 +10084,7 @@
         <p:spPr>
           <a:xfrm>
             <a:off x="1600200" y="4593600"/>
-            <a:ext cx="8884800" cy="912600"/>
+            <a:ext cx="8884080" cy="912600"/>
           </a:xfrm>
           <a:prstGeom prst="rect">
             <a:avLst/>
@@ -10162,7 +10105,7 @@
             <a:spAutoFit/>
           </a:bodyPr>
           <a:p>
-            <a:pPr marL="285840" indent="-280800">
+            <a:pPr marL="285840" indent="-280080">
               <a:lnSpc>
                 <a:spcPct val="150000"/>
               </a:lnSpc>
@@ -10207,7 +10150,7 @@
             </a:endParaRPr>
           </a:p>
           <a:p>
-            <a:pPr marL="285840" indent="-280800">
+            <a:pPr marL="285840" indent="-280080">
               <a:lnSpc>
                 <a:spcPct val="150000"/>
               </a:lnSpc>
@@ -10297,7 +10240,7 @@
         <p:spPr>
           <a:xfrm>
             <a:off x="1584000" y="5790240"/>
-            <a:ext cx="8851320" cy="76320"/>
+            <a:ext cx="8850600" cy="75600"/>
           </a:xfrm>
           <a:prstGeom prst="rect">
             <a:avLst/>
@@ -10348,7 +10291,7 @@
             </a:endParaRPr>
           </a:p>
           <a:p>
-            <a:pPr marL="285840" indent="-283680">
+            <a:pPr marL="285840" indent="-282960">
               <a:lnSpc>
                 <a:spcPct val="100000"/>
               </a:lnSpc>
@@ -10413,7 +10356,7 @@
         <p:spPr>
           <a:xfrm>
             <a:off x="1676520" y="2362320"/>
-            <a:ext cx="8834040" cy="1186920"/>
+            <a:ext cx="8833320" cy="912960"/>
           </a:xfrm>
           <a:prstGeom prst="rect">
             <a:avLst/>
@@ -10440,7 +10383,7 @@
               </a:lnSpc>
             </a:pPr>
             <a:r>
-              <a:rPr b="0" i="1" lang="en-IN" sz="7200" spc="-1" strike="noStrike">
+              <a:rPr b="0" i="1" lang="en-IN" sz="5400" spc="-1" strike="noStrike">
                 <a:solidFill>
                   <a:srgbClr val="f7c120"/>
                 </a:solidFill>
@@ -10449,7 +10392,7 @@
               </a:rPr>
               <a:t>decr &amp; decrby key</a:t>
             </a:r>
-            <a:endParaRPr b="0" lang="en-IN" sz="7200" spc="-1" strike="noStrike">
+            <a:endParaRPr b="0" lang="en-IN" sz="5400" spc="-1" strike="noStrike">
               <a:latin typeface="Arial"/>
             </a:endParaRPr>
           </a:p>
@@ -10464,7 +10407,7 @@
         <p:spPr>
           <a:xfrm>
             <a:off x="1676520" y="5331600"/>
-            <a:ext cx="8834040" cy="424800"/>
+            <a:ext cx="8833320" cy="424800"/>
           </a:xfrm>
           <a:prstGeom prst="rect">
             <a:avLst/>
@@ -10545,7 +10488,7 @@
         <p:spPr>
           <a:xfrm>
             <a:off x="1523880" y="0"/>
-            <a:ext cx="9138960" cy="699120"/>
+            <a:ext cx="9138240" cy="699120"/>
           </a:xfrm>
           <a:prstGeom prst="rect">
             <a:avLst/>
@@ -10600,7 +10543,7 @@
         <p:spPr>
           <a:xfrm>
             <a:off x="1600200" y="762120"/>
-            <a:ext cx="8986680" cy="1461240"/>
+            <a:ext cx="8985960" cy="1461240"/>
           </a:xfrm>
           <a:prstGeom prst="rect">
             <a:avLst/>
@@ -10701,7 +10644,7 @@
         <p:spPr>
           <a:xfrm>
             <a:off x="152280" y="152280"/>
-            <a:ext cx="1101600" cy="455400"/>
+            <a:ext cx="1100880" cy="455400"/>
           </a:xfrm>
           <a:prstGeom prst="rect">
             <a:avLst/>
@@ -10752,7 +10695,7 @@
         <p:spPr>
           <a:xfrm>
             <a:off x="1601280" y="2689560"/>
-            <a:ext cx="8985600" cy="699480"/>
+            <a:ext cx="8984880" cy="699480"/>
           </a:xfrm>
           <a:prstGeom prst="rect">
             <a:avLst/>
@@ -10823,7 +10766,7 @@
         <p:spPr>
           <a:xfrm>
             <a:off x="1600200" y="3621600"/>
-            <a:ext cx="8884800" cy="912600"/>
+            <a:ext cx="8884080" cy="912600"/>
           </a:xfrm>
           <a:prstGeom prst="rect">
             <a:avLst/>
@@ -10844,7 +10787,7 @@
             <a:spAutoFit/>
           </a:bodyPr>
           <a:p>
-            <a:pPr marL="285840" indent="-280800">
+            <a:pPr marL="285840" indent="-280080">
               <a:lnSpc>
                 <a:spcPct val="150000"/>
               </a:lnSpc>
@@ -10889,7 +10832,7 @@
             </a:endParaRPr>
           </a:p>
           <a:p>
-            <a:pPr marL="285840" indent="-280800">
+            <a:pPr marL="285840" indent="-280080">
               <a:lnSpc>
                 <a:spcPct val="150000"/>
               </a:lnSpc>
@@ -10979,7 +10922,7 @@
         <p:spPr>
           <a:xfrm>
             <a:off x="1584000" y="5106240"/>
-            <a:ext cx="8851320" cy="76320"/>
+            <a:ext cx="8850600" cy="75600"/>
           </a:xfrm>
           <a:prstGeom prst="rect">
             <a:avLst/>
@@ -11030,7 +10973,7 @@
             </a:endParaRPr>
           </a:p>
           <a:p>
-            <a:pPr marL="285840" indent="-283680">
+            <a:pPr marL="285840" indent="-282960">
               <a:lnSpc>
                 <a:spcPct val="100000"/>
               </a:lnSpc>
@@ -11095,7 +11038,7 @@
         <p:spPr>
           <a:xfrm>
             <a:off x="1676520" y="2362320"/>
-            <a:ext cx="8834040" cy="1186920"/>
+            <a:ext cx="8833320" cy="912960"/>
           </a:xfrm>
           <a:prstGeom prst="rect">
             <a:avLst/>
@@ -11122,7 +11065,7 @@
               </a:lnSpc>
             </a:pPr>
             <a:r>
-              <a:rPr b="0" i="1" lang="en-IN" sz="7200" spc="-1" strike="noStrike">
+              <a:rPr b="0" i="1" lang="en-IN" sz="5400" spc="-1" strike="noStrike">
                 <a:solidFill>
                   <a:srgbClr val="f7c120"/>
                 </a:solidFill>
@@ -11131,7 +11074,7 @@
               </a:rPr>
               <a:t>append &amp; strlen</a:t>
             </a:r>
-            <a:endParaRPr b="0" lang="en-IN" sz="7200" spc="-1" strike="noStrike">
+            <a:endParaRPr b="0" lang="en-IN" sz="5400" spc="-1" strike="noStrike">
               <a:latin typeface="Arial"/>
             </a:endParaRPr>
           </a:p>
@@ -11146,7 +11089,7 @@
         <p:spPr>
           <a:xfrm>
             <a:off x="1676520" y="5331600"/>
-            <a:ext cx="8834040" cy="424800"/>
+            <a:ext cx="8833320" cy="424800"/>
           </a:xfrm>
           <a:prstGeom prst="rect">
             <a:avLst/>
@@ -11227,7 +11170,7 @@
         <p:spPr>
           <a:xfrm>
             <a:off x="1523880" y="0"/>
-            <a:ext cx="9138960" cy="699120"/>
+            <a:ext cx="9138240" cy="699120"/>
           </a:xfrm>
           <a:prstGeom prst="rect">
             <a:avLst/>
@@ -11282,7 +11225,7 @@
         <p:spPr>
           <a:xfrm>
             <a:off x="1600200" y="762120"/>
-            <a:ext cx="8986680" cy="1186920"/>
+            <a:ext cx="8985960" cy="1186920"/>
           </a:xfrm>
           <a:prstGeom prst="rect">
             <a:avLst/>
@@ -11383,7 +11326,7 @@
         <p:spPr>
           <a:xfrm>
             <a:off x="152280" y="152280"/>
-            <a:ext cx="1101600" cy="455400"/>
+            <a:ext cx="1100880" cy="455400"/>
           </a:xfrm>
           <a:prstGeom prst="rect">
             <a:avLst/>
@@ -11434,7 +11377,7 @@
         <p:spPr>
           <a:xfrm>
             <a:off x="1601280" y="2689560"/>
-            <a:ext cx="8985600" cy="699480"/>
+            <a:ext cx="8984880" cy="699480"/>
           </a:xfrm>
           <a:prstGeom prst="rect">
             <a:avLst/>
@@ -11505,7 +11448,7 @@
         <p:spPr>
           <a:xfrm>
             <a:off x="1600200" y="3621600"/>
-            <a:ext cx="8884800" cy="912600"/>
+            <a:ext cx="8884080" cy="912600"/>
           </a:xfrm>
           <a:prstGeom prst="rect">
             <a:avLst/>
@@ -11526,7 +11469,7 @@
             <a:spAutoFit/>
           </a:bodyPr>
           <a:p>
-            <a:pPr marL="285840" indent="-280800">
+            <a:pPr marL="285840" indent="-280080">
               <a:lnSpc>
                 <a:spcPct val="150000"/>
               </a:lnSpc>
@@ -11571,7 +11514,7 @@
             </a:endParaRPr>
           </a:p>
           <a:p>
-            <a:pPr marL="285840" indent="-280800">
+            <a:pPr marL="285840" indent="-280080">
               <a:lnSpc>
                 <a:spcPct val="150000"/>
               </a:lnSpc>
@@ -11691,7 +11634,7 @@
         <p:spPr>
           <a:xfrm>
             <a:off x="1676520" y="2362320"/>
-            <a:ext cx="8834040" cy="2284200"/>
+            <a:ext cx="8833320" cy="1735920"/>
           </a:xfrm>
           <a:prstGeom prst="rect">
             <a:avLst/>
@@ -11718,7 +11661,7 @@
               </a:lnSpc>
             </a:pPr>
             <a:r>
-              <a:rPr b="0" i="1" lang="en-IN" sz="7200" spc="-1" strike="noStrike">
+              <a:rPr b="0" i="1" lang="en-IN" sz="5400" spc="-1" strike="noStrike">
                 <a:solidFill>
                   <a:srgbClr val="f7c120"/>
                 </a:solidFill>
@@ -11727,7 +11670,7 @@
               </a:rPr>
               <a:t>copy, move,del &amp; exists key</a:t>
             </a:r>
-            <a:endParaRPr b="0" lang="en-IN" sz="7200" spc="-1" strike="noStrike">
+            <a:endParaRPr b="0" lang="en-IN" sz="5400" spc="-1" strike="noStrike">
               <a:latin typeface="Arial"/>
             </a:endParaRPr>
           </a:p>
@@ -11742,7 +11685,7 @@
         <p:spPr>
           <a:xfrm>
             <a:off x="1676520" y="5331600"/>
-            <a:ext cx="8834040" cy="424800"/>
+            <a:ext cx="8833320" cy="424800"/>
           </a:xfrm>
           <a:prstGeom prst="rect">
             <a:avLst/>
@@ -11858,7 +11801,7 @@
         <p:spPr>
           <a:xfrm>
             <a:off x="1676520" y="2743200"/>
-            <a:ext cx="8834040" cy="1064520"/>
+            <a:ext cx="8833320" cy="1064520"/>
           </a:xfrm>
           <a:prstGeom prst="rect">
             <a:avLst/>
@@ -11879,7 +11822,7 @@
             <a:spAutoFit/>
           </a:bodyPr>
           <a:p>
-            <a:pPr marL="343080" indent="-338040">
+            <a:pPr marL="343080" indent="-337320">
               <a:lnSpc>
                 <a:spcPct val="100000"/>
               </a:lnSpc>
@@ -11934,7 +11877,7 @@
             </a:endParaRPr>
           </a:p>
           <a:p>
-            <a:pPr marL="343080" indent="-338040">
+            <a:pPr marL="343080" indent="-337320">
               <a:lnSpc>
                 <a:spcPct val="100000"/>
               </a:lnSpc>
@@ -12070,7 +12013,7 @@
         <p:spPr>
           <a:xfrm>
             <a:off x="1600200" y="762120"/>
-            <a:ext cx="8986680" cy="699480"/>
+            <a:ext cx="8985960" cy="699480"/>
           </a:xfrm>
           <a:prstGeom prst="rect">
             <a:avLst/>
@@ -12131,7 +12074,7 @@
         <p:spPr>
           <a:xfrm>
             <a:off x="1523880" y="5067720"/>
-            <a:ext cx="9138960" cy="790560"/>
+            <a:ext cx="9138240" cy="790560"/>
           </a:xfrm>
           <a:prstGeom prst="rect">
             <a:avLst/>
@@ -12192,7 +12135,7 @@
             </a:endParaRPr>
           </a:p>
           <a:p>
-            <a:pPr marL="285840" indent="-280800">
+            <a:pPr marL="285840" indent="-280080">
               <a:lnSpc>
                 <a:spcPct val="100000"/>
               </a:lnSpc>
@@ -12237,7 +12180,7 @@
         <p:spPr>
           <a:xfrm>
             <a:off x="1584000" y="4287960"/>
-            <a:ext cx="8707320" cy="351360"/>
+            <a:ext cx="8706600" cy="350640"/>
           </a:xfrm>
           <a:prstGeom prst="rect">
             <a:avLst/>
@@ -12308,7 +12251,7 @@
         <p:spPr>
           <a:xfrm>
             <a:off x="1523880" y="0"/>
-            <a:ext cx="9141120" cy="699120"/>
+            <a:ext cx="9140400" cy="699120"/>
           </a:xfrm>
           <a:prstGeom prst="rect">
             <a:avLst/>
@@ -12413,7 +12356,7 @@
         <p:spPr>
           <a:xfrm>
             <a:off x="1523880" y="0"/>
-            <a:ext cx="9138960" cy="699120"/>
+            <a:ext cx="9138240" cy="699120"/>
           </a:xfrm>
           <a:prstGeom prst="rect">
             <a:avLst/>
@@ -12468,7 +12411,7 @@
         <p:spPr>
           <a:xfrm>
             <a:off x="1600200" y="762120"/>
-            <a:ext cx="8986680" cy="2253240"/>
+            <a:ext cx="8985960" cy="2558520"/>
           </a:xfrm>
           <a:prstGeom prst="rect">
             <a:avLst/>
@@ -12649,7 +12592,11 @@
             </a:endParaRPr>
           </a:p>
           <a:p>
-            <a:pPr algn="just"/>
+            <a:pPr algn="just">
+              <a:lnSpc>
+                <a:spcPct val="100000"/>
+              </a:lnSpc>
+            </a:pPr>
             <a:r>
               <a:rPr b="1" lang="en-US" sz="1800" spc="-1" strike="noStrike">
                 <a:solidFill>
@@ -12675,13 +12622,21 @@
             </a:endParaRPr>
           </a:p>
           <a:p>
-            <a:pPr algn="just"/>
+            <a:pPr algn="just">
+              <a:lnSpc>
+                <a:spcPct val="100000"/>
+              </a:lnSpc>
+            </a:pPr>
             <a:endParaRPr b="0" lang="en-IN" sz="1800" spc="-1" strike="noStrike">
               <a:latin typeface="Arial"/>
             </a:endParaRPr>
           </a:p>
           <a:p>
-            <a:pPr algn="just"/>
+            <a:pPr algn="just">
+              <a:lnSpc>
+                <a:spcPct val="100000"/>
+              </a:lnSpc>
+            </a:pPr>
             <a:r>
               <a:rPr b="1" lang="en-US" sz="1800" spc="-1" strike="noStrike">
                 <a:solidFill>
@@ -12717,7 +12672,7 @@
         <p:spPr>
           <a:xfrm>
             <a:off x="152280" y="152280"/>
-            <a:ext cx="1101600" cy="455400"/>
+            <a:ext cx="1100880" cy="455400"/>
           </a:xfrm>
           <a:prstGeom prst="rect">
             <a:avLst/>
@@ -12768,7 +12723,7 @@
         <p:spPr>
           <a:xfrm>
             <a:off x="1601280" y="3553560"/>
-            <a:ext cx="8985600" cy="1309320"/>
+            <a:ext cx="8984880" cy="1309320"/>
           </a:xfrm>
           <a:prstGeom prst="rect">
             <a:avLst/>
@@ -12842,17 +12797,7 @@
                 <a:latin typeface="Consolas"/>
                 <a:ea typeface="DejaVu Sans"/>
               </a:rPr>
-              <a:t>DEL key [key</a:t>
-            </a:r>
-            <a:r>
-              <a:rPr b="0" lang="en-US" sz="2000" spc="-1" strike="noStrike">
-                <a:solidFill>
-                  <a:srgbClr val="00b0f0"/>
-                </a:solidFill>
-                <a:latin typeface="Consolas"/>
-                <a:ea typeface="DejaVu Sans"/>
-              </a:rPr>
-              <a:t> ...]</a:t>
+              <a:t>DEL key [key ...]</a:t>
             </a:r>
             <a:endParaRPr b="0" lang="en-IN" sz="2000" spc="-1" strike="noStrike">
               <a:latin typeface="Arial"/>
@@ -12889,7 +12834,7 @@
         <p:spPr>
           <a:xfrm>
             <a:off x="1600200" y="4989600"/>
-            <a:ext cx="8884800" cy="1735560"/>
+            <a:ext cx="8884080" cy="1735560"/>
           </a:xfrm>
           <a:prstGeom prst="rect">
             <a:avLst/>
@@ -12910,7 +12855,7 @@
             <a:spAutoFit/>
           </a:bodyPr>
           <a:p>
-            <a:pPr marL="285840" indent="-280800">
+            <a:pPr marL="285840" indent="-280080">
               <a:lnSpc>
                 <a:spcPct val="150000"/>
               </a:lnSpc>
@@ -12955,7 +12900,7 @@
             </a:endParaRPr>
           </a:p>
           <a:p>
-            <a:pPr marL="285840" indent="-280800">
+            <a:pPr marL="285840" indent="-280080">
               <a:lnSpc>
                 <a:spcPct val="150000"/>
               </a:lnSpc>
@@ -13000,7 +12945,7 @@
             </a:endParaRPr>
           </a:p>
           <a:p>
-            <a:pPr marL="285840" indent="-280800">
+            <a:pPr marL="285840" indent="-280080">
               <a:lnSpc>
                 <a:spcPct val="150000"/>
               </a:lnSpc>
@@ -13058,24 +13003,14 @@
                 <a:latin typeface="Consolas"/>
                 <a:ea typeface="SimSun"/>
               </a:rPr>
-              <a:t>del user:1 </a:t>
-            </a:r>
-            <a:r>
-              <a:rPr b="0" lang="en-IN" sz="1800" spc="-1" strike="noStrike">
-                <a:solidFill>
-                  <a:srgbClr val="ff5733"/>
-                </a:solidFill>
-                <a:latin typeface="Consolas"/>
-                <a:ea typeface="SimSun"/>
-              </a:rPr>
-              <a:t>password:1</a:t>
+              <a:t>del user:1 password:1</a:t>
             </a:r>
             <a:endParaRPr b="0" lang="en-IN" sz="1800" spc="-1" strike="noStrike">
               <a:latin typeface="Arial"/>
             </a:endParaRPr>
           </a:p>
           <a:p>
-            <a:pPr marL="285840" indent="-280800">
+            <a:pPr marL="285840" indent="-280080">
               <a:lnSpc>
                 <a:spcPct val="150000"/>
               </a:lnSpc>
@@ -13113,17 +13048,7 @@
                 <a:latin typeface="Consolas"/>
                 <a:ea typeface="SimSun"/>
               </a:rPr>
-              <a:t>exists user:1 </a:t>
-            </a:r>
-            <a:r>
-              <a:rPr b="0" lang="en-IN" sz="1800" spc="-1" strike="noStrike">
-                <a:solidFill>
-                  <a:srgbClr val="ff5733"/>
-                </a:solidFill>
-                <a:latin typeface="Consolas"/>
-                <a:ea typeface="SimSun"/>
-              </a:rPr>
-              <a:t>password:1</a:t>
+              <a:t>exists user:1 password:1</a:t>
             </a:r>
             <a:endParaRPr b="0" lang="en-IN" sz="1800" spc="-1" strike="noStrike">
               <a:latin typeface="Arial"/>
@@ -13205,7 +13130,7 @@
         <p:spPr>
           <a:xfrm>
             <a:off x="1676520" y="2362320"/>
-            <a:ext cx="8834040" cy="3381480"/>
+            <a:ext cx="8833320" cy="1735920"/>
           </a:xfrm>
           <a:prstGeom prst="rect">
             <a:avLst/>
@@ -13232,7 +13157,7 @@
               </a:lnSpc>
             </a:pPr>
             <a:r>
-              <a:rPr b="0" i="1" lang="en-IN" sz="7200" spc="-1" strike="noStrike">
+              <a:rPr b="0" i="1" lang="en-IN" sz="5400" spc="-1" strike="noStrike">
                 <a:solidFill>
                   <a:srgbClr val="f7c120"/>
                 </a:solidFill>
@@ -13241,7 +13166,7 @@
               </a:rPr>
               <a:t>rename, renamenx &amp; randomkey key</a:t>
             </a:r>
-            <a:endParaRPr b="0" lang="en-IN" sz="7200" spc="-1" strike="noStrike">
+            <a:endParaRPr b="0" lang="en-IN" sz="5400" spc="-1" strike="noStrike">
               <a:latin typeface="Arial"/>
             </a:endParaRPr>
           </a:p>
@@ -13255,8 +13180,8 @@
         </p:nvSpPr>
         <p:spPr>
           <a:xfrm>
-            <a:off x="1676520" y="5331600"/>
-            <a:ext cx="8834040" cy="424800"/>
+            <a:off x="1800000" y="4248000"/>
+            <a:ext cx="8833320" cy="424800"/>
           </a:xfrm>
           <a:prstGeom prst="rect">
             <a:avLst/>
@@ -13337,7 +13262,7 @@
         <p:spPr>
           <a:xfrm>
             <a:off x="1523880" y="0"/>
-            <a:ext cx="9138960" cy="699840"/>
+            <a:ext cx="9138240" cy="699120"/>
           </a:xfrm>
           <a:prstGeom prst="rect">
             <a:avLst/>
@@ -13392,7 +13317,7 @@
         <p:spPr>
           <a:xfrm>
             <a:off x="1600200" y="762120"/>
-            <a:ext cx="8986680" cy="1978920"/>
+            <a:ext cx="8985960" cy="2284200"/>
           </a:xfrm>
           <a:prstGeom prst="rect">
             <a:avLst/>
@@ -13413,7 +13338,11 @@
             <a:spAutoFit/>
           </a:bodyPr>
           <a:p>
-            <a:pPr algn="just"/>
+            <a:pPr algn="just">
+              <a:lnSpc>
+                <a:spcPct val="100000"/>
+              </a:lnSpc>
+            </a:pPr>
             <a:r>
               <a:rPr b="1" lang="en-US" sz="1800" spc="-1" strike="noStrike">
                 <a:solidFill>
@@ -13426,6 +13355,9 @@
             </a:r>
             <a:r>
               <a:rPr b="0" lang="en-US" sz="1800" spc="-1" strike="noStrike">
+                <a:solidFill>
+                  <a:srgbClr val="000000"/>
+                </a:solidFill>
                 <a:latin typeface="Arial"/>
                 <a:ea typeface="DejaVu Sans"/>
               </a:rPr>
@@ -13446,7 +13378,11 @@
             </a:endParaRPr>
           </a:p>
           <a:p>
-            <a:pPr algn="just"/>
+            <a:pPr algn="just">
+              <a:lnSpc>
+                <a:spcPct val="100000"/>
+              </a:lnSpc>
+            </a:pPr>
             <a:r>
               <a:rPr b="1" lang="en-US" sz="1800" spc="-1" strike="noStrike">
                 <a:solidFill>
@@ -13459,6 +13395,9 @@
             </a:r>
             <a:r>
               <a:rPr b="0" lang="en-US" sz="1800" spc="-1" strike="noStrike">
+                <a:solidFill>
+                  <a:srgbClr val="000000"/>
+                </a:solidFill>
                 <a:latin typeface="Arial"/>
                 <a:ea typeface="DejaVu Sans"/>
               </a:rPr>
@@ -13479,7 +13418,11 @@
             </a:endParaRPr>
           </a:p>
           <a:p>
-            <a:pPr algn="just"/>
+            <a:pPr algn="just">
+              <a:lnSpc>
+                <a:spcPct val="100000"/>
+              </a:lnSpc>
+            </a:pPr>
             <a:r>
               <a:rPr b="1" lang="en-US" sz="1800" spc="-1" strike="noStrike">
                 <a:solidFill>
@@ -13492,6 +13435,9 @@
             </a:r>
             <a:r>
               <a:rPr b="0" lang="en-US" sz="1800" spc="-1" strike="noStrike">
+                <a:solidFill>
+                  <a:srgbClr val="000000"/>
+                </a:solidFill>
                 <a:latin typeface="Arial"/>
                 <a:ea typeface="DejaVu Sans"/>
               </a:rPr>
@@ -13512,7 +13458,7 @@
         <p:spPr>
           <a:xfrm>
             <a:off x="152280" y="152280"/>
-            <a:ext cx="1101600" cy="455400"/>
+            <a:ext cx="1100880" cy="455400"/>
           </a:xfrm>
           <a:prstGeom prst="rect">
             <a:avLst/>
@@ -13563,7 +13509,7 @@
         <p:spPr>
           <a:xfrm>
             <a:off x="1601280" y="3337560"/>
-            <a:ext cx="8985600" cy="1005120"/>
+            <a:ext cx="8984880" cy="1004400"/>
           </a:xfrm>
           <a:prstGeom prst="rect">
             <a:avLst/>
@@ -13654,7 +13600,7 @@
         <p:spPr>
           <a:xfrm>
             <a:off x="1600200" y="4557600"/>
-            <a:ext cx="8884800" cy="1324800"/>
+            <a:ext cx="8884080" cy="1324080"/>
           </a:xfrm>
           <a:prstGeom prst="rect">
             <a:avLst/>
@@ -13675,7 +13621,7 @@
             <a:spAutoFit/>
           </a:bodyPr>
           <a:p>
-            <a:pPr marL="285840" indent="-280800">
+            <a:pPr marL="285840" indent="-280080">
               <a:lnSpc>
                 <a:spcPct val="150000"/>
               </a:lnSpc>
@@ -13720,7 +13666,7 @@
             </a:endParaRPr>
           </a:p>
           <a:p>
-            <a:pPr marL="285840" indent="-280800">
+            <a:pPr marL="285840" indent="-280080">
               <a:lnSpc>
                 <a:spcPct val="150000"/>
               </a:lnSpc>
@@ -13758,24 +13704,14 @@
                 <a:latin typeface="Consolas"/>
                 <a:ea typeface="SimSun"/>
               </a:rPr>
-              <a:t>renamenx </a:t>
-            </a:r>
-            <a:r>
-              <a:rPr b="0" lang="en-IN" sz="1800" spc="-1" strike="noStrike">
-                <a:solidFill>
-                  <a:srgbClr val="ff5733"/>
-                </a:solidFill>
-                <a:latin typeface="Consolas"/>
-                <a:ea typeface="SimSun"/>
-              </a:rPr>
-              <a:t>oldKey newKey</a:t>
+              <a:t>renamenx oldKey newKey</a:t>
             </a:r>
             <a:endParaRPr b="0" lang="en-IN" sz="1800" spc="-1" strike="noStrike">
               <a:latin typeface="Arial"/>
             </a:endParaRPr>
           </a:p>
           <a:p>
-            <a:pPr marL="285840" indent="-280800">
+            <a:pPr marL="285840" indent="-280080">
               <a:lnSpc>
                 <a:spcPct val="150000"/>
               </a:lnSpc>
@@ -13793,17 +13729,7 @@
                 <a:latin typeface="Consolas"/>
                 <a:ea typeface="SimSun"/>
               </a:rPr>
-              <a:t>127.0.0.1:6379</a:t>
-            </a:r>
-            <a:r>
-              <a:rPr b="0" lang="en-IN" sz="1800" spc="-1" strike="noStrike">
-                <a:solidFill>
-                  <a:srgbClr val="808080"/>
-                </a:solidFill>
-                <a:latin typeface="Consolas"/>
-                <a:ea typeface="SimSun"/>
-              </a:rPr>
-              <a:t>&gt;</a:t>
+              <a:t>127.0.0.1:6379&gt;</a:t>
             </a:r>
             <a:r>
               <a:rPr b="0" lang="en-IN" sz="1800" spc="-1" strike="noStrike">
@@ -13904,8 +13830,8 @@
         </p:nvSpPr>
         <p:spPr>
           <a:xfrm>
-            <a:off x="1365840" y="188640"/>
-            <a:ext cx="9677880" cy="2192400"/>
+            <a:off x="1676520" y="2362320"/>
+            <a:ext cx="8833320" cy="912960"/>
           </a:xfrm>
           <a:prstGeom prst="rect">
             <a:avLst/>
@@ -13932,84 +13858,2509 @@
               </a:lnSpc>
             </a:pPr>
             <a:r>
-              <a:rPr b="0" lang="en-IN" sz="4000" spc="-1" strike="noStrike">
-                <a:solidFill>
-                  <a:srgbClr val="ff5733"/>
-                </a:solidFill>
-                <a:latin typeface="Segoe Print"/>
-                <a:ea typeface="DejaVu Sans"/>
-              </a:rPr>
-              <a:t>“</a:t>
-            </a:r>
-            <a:r>
-              <a:rPr b="0" lang="en-US" sz="4000" spc="-1" strike="noStrike">
-                <a:solidFill>
-                  <a:srgbClr val="ff5733"/>
-                </a:solidFill>
-                <a:latin typeface="Segoe Print"/>
-                <a:ea typeface="DejaVu Sans"/>
-              </a:rPr>
-              <a:t>Accept your past without regret, handle our present with confidence and face your future without fear.</a:t>
-            </a:r>
-            <a:r>
-              <a:rPr b="0" lang="en-IN" sz="4000" spc="-1" strike="noStrike">
-                <a:solidFill>
-                  <a:srgbClr val="ff5733"/>
-                </a:solidFill>
-                <a:latin typeface="Segoe Print"/>
-                <a:ea typeface="DejaVu Sans"/>
-              </a:rPr>
-              <a:t>”</a:t>
-            </a:r>
-            <a:endParaRPr b="0" lang="en-IN" sz="4000" spc="-1" strike="noStrike">
-              <a:latin typeface="Arial"/>
-            </a:endParaRPr>
-          </a:p>
-          <a:p>
-            <a:pPr algn="r">
-              <a:lnSpc>
-                <a:spcPct val="100000"/>
-              </a:lnSpc>
-            </a:pPr>
-            <a:r>
-              <a:rPr b="0" lang="en-IN" sz="1800" spc="-1" strike="noStrike">
-                <a:solidFill>
-                  <a:srgbClr val="111111"/>
-                </a:solidFill>
-                <a:latin typeface="-apple-system"/>
-                <a:ea typeface="DejaVu Sans"/>
-              </a:rPr>
-              <a:t>~ Dr. APJ. Abdul Kalam</a:t>
-            </a:r>
-            <a:endParaRPr b="0" lang="en-IN" sz="1800" spc="-1" strike="noStrike">
-              <a:latin typeface="Arial"/>
-            </a:endParaRPr>
-          </a:p>
-        </p:txBody>
-      </p:sp>
-      <p:pic>
-        <p:nvPicPr>
-          <p:cNvPr id="228" name="Picture 2" descr="http://www.bvctch.vn/vnt_upload/weblink/thks.jpg"/>
-          <p:cNvPicPr/>
+              <a:rPr b="0" i="1" lang="en-IN" sz="5400" spc="-1" strike="noStrike">
+                <a:solidFill>
+                  <a:srgbClr val="f7c120"/>
+                </a:solidFill>
+                <a:latin typeface="Century"/>
+                <a:ea typeface="DejaVu Sans"/>
+              </a:rPr>
+              <a:t>redis lists</a:t>
+            </a:r>
+            <a:endParaRPr b="0" lang="en-IN" sz="5400" spc="-1" strike="noStrike">
+              <a:latin typeface="Arial"/>
+            </a:endParaRPr>
+          </a:p>
+        </p:txBody>
+      </p:sp>
+      <p:sp>
+        <p:nvSpPr>
+          <p:cNvPr id="228" name="CustomShape 2"/>
+          <p:cNvSpPr/>
           <p:nvPr/>
-        </p:nvPicPr>
-        <p:blipFill>
-          <a:blip r:embed="rId1"/>
-          <a:stretch/>
-        </p:blipFill>
-        <p:spPr>
-          <a:xfrm>
-            <a:off x="4404600" y="2036160"/>
-            <a:ext cx="3121560" cy="4658400"/>
-          </a:xfrm>
-          <a:prstGeom prst="rect">
-            <a:avLst/>
-          </a:prstGeom>
+        </p:nvSpPr>
+        <p:spPr>
+          <a:xfrm>
+            <a:off x="1666800" y="609480"/>
+            <a:ext cx="8833320" cy="394560"/>
+          </a:xfrm>
+          <a:prstGeom prst="rect">
+            <a:avLst/>
+          </a:prstGeom>
+          <a:noFill/>
           <a:ln>
             <a:noFill/>
           </a:ln>
         </p:spPr>
-      </p:pic>
+        <p:style>
+          <a:lnRef idx="0"/>
+          <a:fillRef idx="0"/>
+          <a:effectRef idx="0"/>
+          <a:fontRef idx="minor"/>
+        </p:style>
+        <p:txBody>
+          <a:bodyPr lIns="90000" rIns="90000" tIns="45000" bIns="45000">
+            <a:spAutoFit/>
+          </a:bodyPr>
+          <a:p>
+            <a:pPr algn="just">
+              <a:lnSpc>
+                <a:spcPct val="100000"/>
+              </a:lnSpc>
+            </a:pPr>
+            <a:r>
+              <a:rPr b="0" lang="en-IN" sz="2000" spc="-1" strike="noStrike">
+                <a:solidFill>
+                  <a:srgbClr val="3e5d78"/>
+                </a:solidFill>
+                <a:latin typeface="Times New Roman"/>
+                <a:ea typeface="DejaVu Sans"/>
+              </a:rPr>
+              <a:t>TODO</a:t>
+            </a:r>
+            <a:endParaRPr b="0" lang="en-IN" sz="2000" spc="-1" strike="noStrike">
+              <a:latin typeface="Arial"/>
+            </a:endParaRPr>
+          </a:p>
+        </p:txBody>
+      </p:sp>
+      <p:sp>
+        <p:nvSpPr>
+          <p:cNvPr id="229" name="CustomShape 3"/>
+          <p:cNvSpPr/>
+          <p:nvPr/>
+        </p:nvSpPr>
+        <p:spPr>
+          <a:xfrm>
+            <a:off x="1676520" y="3531600"/>
+            <a:ext cx="8833320" cy="1765440"/>
+          </a:xfrm>
+          <a:prstGeom prst="rect">
+            <a:avLst/>
+          </a:prstGeom>
+          <a:noFill/>
+          <a:ln>
+            <a:noFill/>
+          </a:ln>
+        </p:spPr>
+        <p:style>
+          <a:lnRef idx="0"/>
+          <a:fillRef idx="0"/>
+          <a:effectRef idx="0"/>
+          <a:fontRef idx="minor"/>
+        </p:style>
+        <p:txBody>
+          <a:bodyPr lIns="90000" rIns="90000" tIns="45000" bIns="45000">
+            <a:spAutoFit/>
+          </a:bodyPr>
+          <a:p>
+            <a:pPr>
+              <a:lnSpc>
+                <a:spcPct val="100000"/>
+              </a:lnSpc>
+            </a:pPr>
+            <a:r>
+              <a:rPr b="0" lang="en-US" sz="2200" spc="-1" strike="noStrike">
+                <a:solidFill>
+                  <a:srgbClr val="bb0643"/>
+                </a:solidFill>
+                <a:latin typeface="Segoe UI"/>
+                <a:ea typeface="DejaVu Sans"/>
+              </a:rPr>
+              <a:t>Redis Lists are simply lists of strings, sorted by insertion order. It is possible to add elements to a Redis List pushing new elements on the head (on the left) or on the tail (on the right) of the list. Maximum length of a list is 2</a:t>
+            </a:r>
+            <a:r>
+              <a:rPr b="1" lang="en-US" sz="2200" spc="-1" strike="noStrike" baseline="33000">
+                <a:solidFill>
+                  <a:srgbClr val="bb0643"/>
+                </a:solidFill>
+                <a:latin typeface="Segoe UI"/>
+                <a:ea typeface="DejaVu Sans"/>
+              </a:rPr>
+              <a:t>32</a:t>
+            </a:r>
+            <a:r>
+              <a:rPr b="0" lang="en-US" sz="2200" spc="-1" strike="noStrike">
+                <a:solidFill>
+                  <a:srgbClr val="bb0643"/>
+                </a:solidFill>
+                <a:latin typeface="Segoe UI"/>
+                <a:ea typeface="DejaVu Sans"/>
+              </a:rPr>
+              <a:t> - 1 elements (4294967295, more than 4 billion of elements per list).</a:t>
+            </a:r>
+            <a:endParaRPr b="0" lang="en-IN" sz="2200" spc="-1" strike="noStrike">
+              <a:latin typeface="Arial"/>
+            </a:endParaRPr>
+          </a:p>
+        </p:txBody>
+      </p:sp>
+    </p:spTree>
+  </p:cSld>
+  <mc:AlternateContent>
+    <mc:Choice Requires="p14">
+      <p:transition spd="slow" p14:dur="2000"/>
+    </mc:Choice>
+    <mc:Fallback>
+      <p:transition spd="slow"/>
+    </mc:Fallback>
+  </mc:AlternateContent>
+</p:sld>
+</file>
+
+<file path=ppt/slides/slide34.xml><?xml version="1.0" encoding="utf-8"?>
+<p:sld xmlns:a="http://schemas.openxmlformats.org/drawingml/2006/main" xmlns:p="http://schemas.openxmlformats.org/presentationml/2006/main" xmlns:r="http://schemas.openxmlformats.org/officeDocument/2006/relationships" xmlns:p14="http://schemas.microsoft.com/office/powerpoint/2010/main" xmlns:p15="http://schemas.microsoft.com/office/powerpoint/2012/main" xmlns:mc="http://schemas.openxmlformats.org/markup-compatibility/2006">
+  <p:cSld>
+    <p:spTree>
+      <p:nvGrpSpPr>
+        <p:cNvPr id="1" name=""/>
+        <p:cNvGrpSpPr/>
+        <p:nvPr/>
+      </p:nvGrpSpPr>
+      <p:grpSpPr>
+        <a:xfrm>
+          <a:off x="0" y="0"/>
+          <a:ext cx="0" cy="0"/>
+          <a:chOff x="0" y="0"/>
+          <a:chExt cx="0" cy="0"/>
+        </a:xfrm>
+      </p:grpSpPr>
+      <p:sp>
+        <p:nvSpPr>
+          <p:cNvPr id="230" name="CustomShape 1"/>
+          <p:cNvSpPr/>
+          <p:nvPr/>
+        </p:nvSpPr>
+        <p:spPr>
+          <a:xfrm>
+            <a:off x="1676520" y="2362320"/>
+            <a:ext cx="8833320" cy="913320"/>
+          </a:xfrm>
+          <a:prstGeom prst="rect">
+            <a:avLst/>
+          </a:prstGeom>
+          <a:noFill/>
+          <a:ln>
+            <a:noFill/>
+          </a:ln>
+        </p:spPr>
+        <p:style>
+          <a:lnRef idx="0"/>
+          <a:fillRef idx="0"/>
+          <a:effectRef idx="0"/>
+          <a:fontRef idx="minor"/>
+        </p:style>
+        <p:txBody>
+          <a:bodyPr lIns="90000" rIns="90000" tIns="45000" bIns="45000">
+            <a:spAutoFit/>
+          </a:bodyPr>
+          <a:p>
+            <a:pPr algn="ctr">
+              <a:lnSpc>
+                <a:spcPct val="100000"/>
+              </a:lnSpc>
+            </a:pPr>
+            <a:r>
+              <a:rPr b="0" i="1" lang="en-IN" sz="5400" spc="-1" strike="noStrike">
+                <a:solidFill>
+                  <a:srgbClr val="f7c120"/>
+                </a:solidFill>
+                <a:latin typeface="Century"/>
+                <a:ea typeface="DejaVu Sans"/>
+              </a:rPr>
+              <a:t>lpush &amp; rpush</a:t>
+            </a:r>
+            <a:endParaRPr b="0" lang="en-IN" sz="5400" spc="-1" strike="noStrike">
+              <a:latin typeface="Arial"/>
+            </a:endParaRPr>
+          </a:p>
+        </p:txBody>
+      </p:sp>
+      <p:sp>
+        <p:nvSpPr>
+          <p:cNvPr id="231" name="CustomShape 2"/>
+          <p:cNvSpPr/>
+          <p:nvPr/>
+        </p:nvSpPr>
+        <p:spPr>
+          <a:xfrm>
+            <a:off x="1800000" y="4248000"/>
+            <a:ext cx="8833320" cy="424800"/>
+          </a:xfrm>
+          <a:prstGeom prst="rect">
+            <a:avLst/>
+          </a:prstGeom>
+          <a:noFill/>
+          <a:ln>
+            <a:noFill/>
+          </a:ln>
+        </p:spPr>
+        <p:style>
+          <a:lnRef idx="0"/>
+          <a:fillRef idx="0"/>
+          <a:effectRef idx="0"/>
+          <a:fontRef idx="minor"/>
+        </p:style>
+        <p:txBody>
+          <a:bodyPr lIns="90000" rIns="90000" tIns="45000" bIns="45000">
+            <a:spAutoFit/>
+          </a:bodyPr>
+          <a:p>
+            <a:pPr>
+              <a:lnSpc>
+                <a:spcPct val="100000"/>
+              </a:lnSpc>
+            </a:pPr>
+            <a:r>
+              <a:rPr b="0" lang="en-US" sz="2200" spc="-1" strike="noStrike">
+                <a:solidFill>
+                  <a:srgbClr val="bb0643"/>
+                </a:solidFill>
+                <a:latin typeface="Segoe UI"/>
+                <a:ea typeface="DejaVu Sans"/>
+              </a:rPr>
+              <a:t>TODO</a:t>
+            </a:r>
+            <a:endParaRPr b="0" lang="en-IN" sz="2200" spc="-1" strike="noStrike">
+              <a:latin typeface="Arial"/>
+            </a:endParaRPr>
+          </a:p>
+        </p:txBody>
+      </p:sp>
+    </p:spTree>
+  </p:cSld>
+  <mc:AlternateContent>
+    <mc:Choice Requires="p14">
+      <p:transition spd="slow" p14:dur="2000"/>
+    </mc:Choice>
+    <mc:Fallback>
+      <p:transition spd="slow"/>
+    </mc:Fallback>
+  </mc:AlternateContent>
+</p:sld>
+</file>
+
+<file path=ppt/slides/slide35.xml><?xml version="1.0" encoding="utf-8"?>
+<p:sld xmlns:a="http://schemas.openxmlformats.org/drawingml/2006/main" xmlns:p="http://schemas.openxmlformats.org/presentationml/2006/main" xmlns:r="http://schemas.openxmlformats.org/officeDocument/2006/relationships" xmlns:p14="http://schemas.microsoft.com/office/powerpoint/2010/main" xmlns:p15="http://schemas.microsoft.com/office/powerpoint/2012/main" xmlns:mc="http://schemas.openxmlformats.org/markup-compatibility/2006">
+  <p:cSld>
+    <p:spTree>
+      <p:nvGrpSpPr>
+        <p:cNvPr id="1" name=""/>
+        <p:cNvGrpSpPr/>
+        <p:nvPr/>
+      </p:nvGrpSpPr>
+      <p:grpSpPr>
+        <a:xfrm>
+          <a:off x="0" y="0"/>
+          <a:ext cx="0" cy="0"/>
+          <a:chOff x="0" y="0"/>
+          <a:chExt cx="0" cy="0"/>
+        </a:xfrm>
+      </p:grpSpPr>
+      <p:sp>
+        <p:nvSpPr>
+          <p:cNvPr id="232" name="CustomShape 1"/>
+          <p:cNvSpPr/>
+          <p:nvPr/>
+        </p:nvSpPr>
+        <p:spPr>
+          <a:xfrm>
+            <a:off x="1523880" y="0"/>
+            <a:ext cx="9138240" cy="699840"/>
+          </a:xfrm>
+          <a:prstGeom prst="rect">
+            <a:avLst/>
+          </a:prstGeom>
+          <a:solidFill>
+            <a:schemeClr val="accent6">
+              <a:lumMod val="75000"/>
+            </a:schemeClr>
+          </a:solidFill>
+          <a:ln>
+            <a:noFill/>
+          </a:ln>
+        </p:spPr>
+        <p:style>
+          <a:lnRef idx="0"/>
+          <a:fillRef idx="0"/>
+          <a:effectRef idx="0"/>
+          <a:fontRef idx="minor"/>
+        </p:style>
+        <p:txBody>
+          <a:bodyPr lIns="90000" rIns="90000" tIns="45000" bIns="45000">
+            <a:spAutoFit/>
+          </a:bodyPr>
+          <a:p>
+            <a:pPr algn="ctr">
+              <a:lnSpc>
+                <a:spcPct val="100000"/>
+              </a:lnSpc>
+            </a:pPr>
+            <a:r>
+              <a:rPr b="0" lang="en-IN" sz="4000" spc="-1" strike="noStrike">
+                <a:solidFill>
+                  <a:srgbClr val="f7c120"/>
+                </a:solidFill>
+                <a:latin typeface="Open Sans"/>
+                <a:ea typeface="DejaVu Sans"/>
+              </a:rPr>
+              <a:t>lpush &amp; rpush</a:t>
+            </a:r>
+            <a:endParaRPr b="0" lang="en-IN" sz="4000" spc="-1" strike="noStrike">
+              <a:latin typeface="Arial"/>
+            </a:endParaRPr>
+          </a:p>
+        </p:txBody>
+      </p:sp>
+      <p:sp>
+        <p:nvSpPr>
+          <p:cNvPr id="233" name="CustomShape 2"/>
+          <p:cNvSpPr/>
+          <p:nvPr/>
+        </p:nvSpPr>
+        <p:spPr>
+          <a:xfrm>
+            <a:off x="1600200" y="762120"/>
+            <a:ext cx="8985960" cy="1461960"/>
+          </a:xfrm>
+          <a:prstGeom prst="rect">
+            <a:avLst/>
+          </a:prstGeom>
+          <a:noFill/>
+          <a:ln>
+            <a:noFill/>
+          </a:ln>
+        </p:spPr>
+        <p:style>
+          <a:lnRef idx="0"/>
+          <a:fillRef idx="0"/>
+          <a:effectRef idx="0"/>
+          <a:fontRef idx="minor"/>
+        </p:style>
+        <p:txBody>
+          <a:bodyPr lIns="90000" rIns="90000" tIns="45000" bIns="45000">
+            <a:spAutoFit/>
+          </a:bodyPr>
+          <a:p>
+            <a:pPr algn="just"/>
+            <a:r>
+              <a:rPr b="1" lang="en-US" sz="1800" spc="-1" strike="noStrike">
+                <a:solidFill>
+                  <a:srgbClr val="7c4dff"/>
+                </a:solidFill>
+                <a:latin typeface="Arial"/>
+                <a:ea typeface="DejaVu Sans"/>
+              </a:rPr>
+              <a:t>LPUSH</a:t>
+            </a:r>
+            <a:r>
+              <a:rPr b="0" lang="en-US" sz="1800" spc="-1" strike="noStrike">
+                <a:latin typeface="Arial"/>
+                <a:ea typeface="DejaVu Sans"/>
+              </a:rPr>
+              <a:t> insert all the specified values at the head of the list stored at key. If key does not exist, it is created as empty list before performing the push operations.</a:t>
+            </a:r>
+            <a:endParaRPr b="0" lang="en-IN" sz="1800" spc="-1" strike="noStrike">
+              <a:latin typeface="Arial"/>
+            </a:endParaRPr>
+          </a:p>
+          <a:p>
+            <a:pPr algn="just">
+              <a:lnSpc>
+                <a:spcPct val="100000"/>
+              </a:lnSpc>
+            </a:pPr>
+            <a:endParaRPr b="0" lang="en-IN" sz="1800" spc="-1" strike="noStrike">
+              <a:latin typeface="Arial"/>
+            </a:endParaRPr>
+          </a:p>
+          <a:p>
+            <a:pPr algn="just">
+              <a:lnSpc>
+                <a:spcPct val="100000"/>
+              </a:lnSpc>
+            </a:pPr>
+            <a:r>
+              <a:rPr b="1" lang="en-US" sz="1800" spc="-1" strike="noStrike">
+                <a:solidFill>
+                  <a:srgbClr val="7c4dff"/>
+                </a:solidFill>
+                <a:latin typeface="Arial"/>
+                <a:ea typeface="DejaVu Sans"/>
+              </a:rPr>
+              <a:t>RPUSH</a:t>
+            </a:r>
+            <a:r>
+              <a:rPr b="0" lang="en-US" sz="1800" spc="-1" strike="noStrike">
+                <a:latin typeface="Arial"/>
+                <a:ea typeface="DejaVu Sans"/>
+              </a:rPr>
+              <a:t> insert all the specified values at the tail of the list stored at key. If key does not exist, it is created as empty list before performing the push operations.</a:t>
+            </a:r>
+            <a:endParaRPr b="0" lang="en-IN" sz="1800" spc="-1" strike="noStrike">
+              <a:latin typeface="Arial"/>
+            </a:endParaRPr>
+          </a:p>
+        </p:txBody>
+      </p:sp>
+      <p:sp>
+        <p:nvSpPr>
+          <p:cNvPr id="234" name="CustomShape 3"/>
+          <p:cNvSpPr/>
+          <p:nvPr/>
+        </p:nvSpPr>
+        <p:spPr>
+          <a:xfrm>
+            <a:off x="152280" y="152280"/>
+            <a:ext cx="1100880" cy="455400"/>
+          </a:xfrm>
+          <a:prstGeom prst="rect">
+            <a:avLst/>
+          </a:prstGeom>
+          <a:noFill/>
+          <a:ln>
+            <a:noFill/>
+          </a:ln>
+        </p:spPr>
+        <p:style>
+          <a:lnRef idx="0"/>
+          <a:fillRef idx="0"/>
+          <a:effectRef idx="0"/>
+          <a:fontRef idx="minor"/>
+        </p:style>
+        <p:txBody>
+          <a:bodyPr lIns="90000" rIns="90000" tIns="45000" bIns="45000">
+            <a:spAutoFit/>
+          </a:bodyPr>
+          <a:p>
+            <a:pPr algn="just">
+              <a:lnSpc>
+                <a:spcPct val="100000"/>
+              </a:lnSpc>
+            </a:pPr>
+            <a:r>
+              <a:rPr b="0" lang="en-IN" sz="2400" spc="-1" strike="noStrike">
+                <a:solidFill>
+                  <a:srgbClr val="ff0000"/>
+                </a:solidFill>
+                <a:latin typeface="Times New Roman"/>
+                <a:ea typeface="DejaVu Sans"/>
+              </a:rPr>
+              <a:t>TODO</a:t>
+            </a:r>
+            <a:endParaRPr b="0" lang="en-IN" sz="2400" spc="-1" strike="noStrike">
+              <a:latin typeface="Arial"/>
+            </a:endParaRPr>
+          </a:p>
+        </p:txBody>
+      </p:sp>
+      <p:sp>
+        <p:nvSpPr>
+          <p:cNvPr id="235" name="CustomShape 4"/>
+          <p:cNvSpPr/>
+          <p:nvPr/>
+        </p:nvSpPr>
+        <p:spPr>
+          <a:xfrm>
+            <a:off x="1601280" y="2725560"/>
+            <a:ext cx="8984880" cy="700200"/>
+          </a:xfrm>
+          <a:prstGeom prst="rect">
+            <a:avLst/>
+          </a:prstGeom>
+          <a:noFill/>
+          <a:ln>
+            <a:noFill/>
+          </a:ln>
+        </p:spPr>
+        <p:style>
+          <a:lnRef idx="0"/>
+          <a:fillRef idx="0"/>
+          <a:effectRef idx="0"/>
+          <a:fontRef idx="minor"/>
+        </p:style>
+        <p:txBody>
+          <a:bodyPr lIns="90000" rIns="90000" tIns="45000" bIns="45000">
+            <a:spAutoFit/>
+          </a:bodyPr>
+          <a:p>
+            <a:pPr>
+              <a:lnSpc>
+                <a:spcPct val="100000"/>
+              </a:lnSpc>
+            </a:pPr>
+            <a:r>
+              <a:rPr b="0" lang="en-US" sz="2000" spc="-1" strike="noStrike">
+                <a:solidFill>
+                  <a:srgbClr val="00b0f0"/>
+                </a:solidFill>
+                <a:latin typeface="Consolas"/>
+                <a:ea typeface="DejaVu Sans"/>
+              </a:rPr>
+              <a:t>LPUSH key element [element ...]</a:t>
+            </a:r>
+            <a:endParaRPr b="0" lang="en-IN" sz="2000" spc="-1" strike="noStrike">
+              <a:latin typeface="Arial"/>
+            </a:endParaRPr>
+          </a:p>
+          <a:p>
+            <a:pPr>
+              <a:lnSpc>
+                <a:spcPct val="100000"/>
+              </a:lnSpc>
+            </a:pPr>
+            <a:r>
+              <a:rPr b="0" lang="en-US" sz="2000" spc="-1" strike="noStrike">
+                <a:solidFill>
+                  <a:srgbClr val="00b0f0"/>
+                </a:solidFill>
+                <a:latin typeface="Consolas"/>
+                <a:ea typeface="DejaVu Sans"/>
+              </a:rPr>
+              <a:t>RPUSH key element [element ...]</a:t>
+            </a:r>
+            <a:endParaRPr b="0" lang="en-IN" sz="2000" spc="-1" strike="noStrike">
+              <a:latin typeface="Arial"/>
+            </a:endParaRPr>
+          </a:p>
+        </p:txBody>
+      </p:sp>
+      <p:sp>
+        <p:nvSpPr>
+          <p:cNvPr id="236" name="CustomShape 5"/>
+          <p:cNvSpPr/>
+          <p:nvPr/>
+        </p:nvSpPr>
+        <p:spPr>
+          <a:xfrm>
+            <a:off x="1600200" y="3585600"/>
+            <a:ext cx="8884080" cy="913320"/>
+          </a:xfrm>
+          <a:prstGeom prst="rect">
+            <a:avLst/>
+          </a:prstGeom>
+          <a:noFill/>
+          <a:ln>
+            <a:noFill/>
+          </a:ln>
+        </p:spPr>
+        <p:style>
+          <a:lnRef idx="0"/>
+          <a:fillRef idx="0"/>
+          <a:effectRef idx="0"/>
+          <a:fontRef idx="minor"/>
+        </p:style>
+        <p:txBody>
+          <a:bodyPr lIns="90000" rIns="90000" tIns="45000" bIns="45000">
+            <a:spAutoFit/>
+          </a:bodyPr>
+          <a:p>
+            <a:pPr marL="285840" indent="-280080">
+              <a:lnSpc>
+                <a:spcPct val="150000"/>
+              </a:lnSpc>
+              <a:buClr>
+                <a:srgbClr val="808080"/>
+              </a:buClr>
+              <a:buFont typeface="Arial"/>
+              <a:buChar char="•"/>
+            </a:pPr>
+            <a:r>
+              <a:rPr b="0" lang="en-IN" sz="1800" spc="-1" strike="noStrike">
+                <a:solidFill>
+                  <a:srgbClr val="808080"/>
+                </a:solidFill>
+                <a:latin typeface="Consolas"/>
+                <a:ea typeface="SimSun"/>
+              </a:rPr>
+              <a:t>127.0.0.1:6379&gt;</a:t>
+            </a:r>
+            <a:r>
+              <a:rPr b="0" lang="en-IN" sz="1800" spc="-1" strike="noStrike">
+                <a:solidFill>
+                  <a:srgbClr val="000000"/>
+                </a:solidFill>
+                <a:latin typeface="Consolas"/>
+                <a:ea typeface="SimSun"/>
+              </a:rPr>
+              <a:t> </a:t>
+            </a:r>
+            <a:r>
+              <a:rPr b="0" lang="en-IN" sz="1800" spc="-1" strike="noStrike">
+                <a:solidFill>
+                  <a:srgbClr val="ff5733"/>
+                </a:solidFill>
+                <a:latin typeface="Consolas"/>
+                <a:ea typeface="SimSun"/>
+              </a:rPr>
+              <a:t>lpush fruits apple orange mango</a:t>
+            </a:r>
+            <a:endParaRPr b="0" lang="en-IN" sz="1800" spc="-1" strike="noStrike">
+              <a:latin typeface="Arial"/>
+            </a:endParaRPr>
+          </a:p>
+          <a:p>
+            <a:pPr marL="285840" indent="-280080">
+              <a:lnSpc>
+                <a:spcPct val="150000"/>
+              </a:lnSpc>
+              <a:buClr>
+                <a:srgbClr val="808080"/>
+              </a:buClr>
+              <a:buFont typeface="Arial"/>
+              <a:buChar char="•"/>
+            </a:pPr>
+            <a:r>
+              <a:rPr b="0" lang="en-IN" sz="1800" spc="-1" strike="noStrike">
+                <a:solidFill>
+                  <a:srgbClr val="808080"/>
+                </a:solidFill>
+                <a:latin typeface="Consolas"/>
+                <a:ea typeface="SimSun"/>
+              </a:rPr>
+              <a:t>127.0.0.1:6379&gt;</a:t>
+            </a:r>
+            <a:r>
+              <a:rPr b="0" lang="en-IN" sz="1800" spc="-1" strike="noStrike">
+                <a:solidFill>
+                  <a:srgbClr val="000000"/>
+                </a:solidFill>
+                <a:latin typeface="Consolas"/>
+                <a:ea typeface="SimSun"/>
+              </a:rPr>
+              <a:t> </a:t>
+            </a:r>
+            <a:r>
+              <a:rPr b="0" lang="en-IN" sz="1800" spc="-1" strike="noStrike">
+                <a:solidFill>
+                  <a:srgbClr val="ff5733"/>
+                </a:solidFill>
+                <a:latin typeface="Consolas"/>
+                <a:ea typeface="SimSun"/>
+              </a:rPr>
+              <a:t>r</a:t>
+            </a:r>
+            <a:r>
+              <a:rPr b="0" lang="en-IN" sz="1800" spc="-1" strike="noStrike">
+                <a:solidFill>
+                  <a:srgbClr val="ff5733"/>
+                </a:solidFill>
+                <a:latin typeface="Consolas"/>
+                <a:ea typeface="SimSun"/>
+              </a:rPr>
+              <a:t>push fruits banana grapes kiwi</a:t>
+            </a:r>
+            <a:endParaRPr b="0" lang="en-IN" sz="1800" spc="-1" strike="noStrike">
+              <a:latin typeface="Arial"/>
+            </a:endParaRPr>
+          </a:p>
+        </p:txBody>
+      </p:sp>
+      <p:sp>
+        <p:nvSpPr>
+          <p:cNvPr id="237" name="Line 6"/>
+          <p:cNvSpPr/>
+          <p:nvPr/>
+        </p:nvSpPr>
+        <p:spPr>
+          <a:xfrm>
+            <a:off x="1523880" y="2449080"/>
+            <a:ext cx="9144000" cy="1440"/>
+          </a:xfrm>
+          <a:prstGeom prst="line">
+            <a:avLst/>
+          </a:prstGeom>
+          <a:ln w="12600">
+            <a:solidFill>
+              <a:srgbClr val="6e78a0"/>
+            </a:solidFill>
+            <a:prstDash val="dash"/>
+            <a:round/>
+          </a:ln>
+        </p:spPr>
+        <p:style>
+          <a:lnRef idx="1">
+            <a:schemeClr val="accent1"/>
+          </a:lnRef>
+          <a:fillRef idx="0">
+            <a:schemeClr val="accent1"/>
+          </a:fillRef>
+          <a:effectRef idx="0">
+            <a:schemeClr val="accent1"/>
+          </a:effectRef>
+          <a:fontRef idx="minor"/>
+        </p:style>
+      </p:sp>
+      <p:sp>
+        <p:nvSpPr>
+          <p:cNvPr id="238" name="TextShape 7"/>
+          <p:cNvSpPr txBox="1"/>
+          <p:nvPr/>
+        </p:nvSpPr>
+        <p:spPr>
+          <a:xfrm>
+            <a:off x="5256000" y="5472000"/>
+            <a:ext cx="5137200" cy="795960"/>
+          </a:xfrm>
+          <a:prstGeom prst="rect">
+            <a:avLst/>
+          </a:prstGeom>
+          <a:noFill/>
+          <a:ln>
+            <a:noFill/>
+          </a:ln>
+        </p:spPr>
+        <p:txBody>
+          <a:bodyPr lIns="0" rIns="0" tIns="0" bIns="0">
+            <a:noAutofit/>
+          </a:bodyPr>
+          <a:p>
+            <a:pPr>
+              <a:lnSpc>
+                <a:spcPct val="150000"/>
+              </a:lnSpc>
+            </a:pPr>
+            <a:r>
+              <a:rPr b="0" lang="en-IN" sz="1800" spc="-1" strike="noStrike">
+                <a:solidFill>
+                  <a:srgbClr val="808080"/>
+                </a:solidFill>
+                <a:latin typeface="Consolas"/>
+              </a:rPr>
+              <a:t>127.</a:t>
+            </a:r>
+            <a:r>
+              <a:rPr b="0" lang="en-IN" sz="1800" spc="-1" strike="noStrike">
+                <a:solidFill>
+                  <a:srgbClr val="808080"/>
+                </a:solidFill>
+                <a:latin typeface="Consolas"/>
+              </a:rPr>
+              <a:t>0.0.</a:t>
+            </a:r>
+            <a:r>
+              <a:rPr b="0" lang="en-IN" sz="1800" spc="-1" strike="noStrike">
+                <a:solidFill>
+                  <a:srgbClr val="808080"/>
+                </a:solidFill>
+                <a:latin typeface="Consolas"/>
+              </a:rPr>
+              <a:t>1:63</a:t>
+            </a:r>
+            <a:r>
+              <a:rPr b="0" lang="en-IN" sz="1800" spc="-1" strike="noStrike">
+                <a:solidFill>
+                  <a:srgbClr val="808080"/>
+                </a:solidFill>
+                <a:latin typeface="Consolas"/>
+              </a:rPr>
+              <a:t>79</a:t>
+            </a:r>
+            <a:r>
+              <a:rPr b="1" lang="en-IN" sz="1800" spc="-1" strike="noStrike">
+                <a:solidFill>
+                  <a:srgbClr val="808080"/>
+                </a:solidFill>
+                <a:latin typeface="Consolas"/>
+              </a:rPr>
+              <a:t>[3</a:t>
+            </a:r>
+            <a:r>
+              <a:rPr b="1" lang="en-IN" sz="1800" spc="-1" strike="noStrike">
+                <a:solidFill>
+                  <a:srgbClr val="808080"/>
+                </a:solidFill>
+                <a:latin typeface="Consolas"/>
+              </a:rPr>
+              <a:t>]</a:t>
+            </a:r>
+            <a:r>
+              <a:rPr b="0" lang="en-IN" sz="1800" spc="-1" strike="noStrike">
+                <a:solidFill>
+                  <a:srgbClr val="808080"/>
+                </a:solidFill>
+                <a:latin typeface="Consolas"/>
+              </a:rPr>
+              <a:t>&gt; </a:t>
+            </a:r>
+            <a:r>
+              <a:rPr b="0" lang="en-IN" sz="1800" spc="-1" strike="noStrike">
+                <a:solidFill>
+                  <a:srgbClr val="1de9b6"/>
+                </a:solidFill>
+                <a:latin typeface="Consolas"/>
+              </a:rPr>
+              <a:t>lpus</a:t>
+            </a:r>
+            <a:r>
+              <a:rPr b="0" lang="en-IN" sz="1800" spc="-1" strike="noStrike">
+                <a:solidFill>
+                  <a:srgbClr val="1de9b6"/>
+                </a:solidFill>
+                <a:latin typeface="Consolas"/>
+              </a:rPr>
+              <a:t>h a </a:t>
+            </a:r>
+            <a:r>
+              <a:rPr b="0" lang="en-IN" sz="1800" spc="-1" strike="noStrike">
+                <a:solidFill>
+                  <a:srgbClr val="1de9b6"/>
+                </a:solidFill>
+                <a:latin typeface="Consolas"/>
+              </a:rPr>
+              <a:t>0 1 </a:t>
+            </a:r>
+            <a:r>
+              <a:rPr b="0" lang="en-IN" sz="1800" spc="-1" strike="noStrike">
+                <a:solidFill>
+                  <a:srgbClr val="1de9b6"/>
+                </a:solidFill>
+                <a:latin typeface="Consolas"/>
+              </a:rPr>
+              <a:t>2 3 </a:t>
+            </a:r>
+            <a:r>
+              <a:rPr b="0" lang="en-IN" sz="1800" spc="-1" strike="noStrike">
+                <a:solidFill>
+                  <a:srgbClr val="1de9b6"/>
+                </a:solidFill>
+                <a:latin typeface="Consolas"/>
+              </a:rPr>
+              <a:t>4</a:t>
+            </a:r>
+            <a:endParaRPr b="0" lang="en-IN" sz="1800" spc="-1" strike="noStrike">
+              <a:solidFill>
+                <a:srgbClr val="808080"/>
+              </a:solidFill>
+              <a:latin typeface="Consolas"/>
+              <a:ea typeface="SimSun"/>
+            </a:endParaRPr>
+          </a:p>
+          <a:p>
+            <a:pPr>
+              <a:lnSpc>
+                <a:spcPct val="150000"/>
+              </a:lnSpc>
+            </a:pPr>
+            <a:r>
+              <a:rPr b="0" lang="en-IN" sz="1800" spc="-1" strike="noStrike">
+                <a:solidFill>
+                  <a:srgbClr val="808080"/>
+                </a:solidFill>
+                <a:latin typeface="Consolas"/>
+              </a:rPr>
+              <a:t>127.</a:t>
+            </a:r>
+            <a:r>
+              <a:rPr b="0" lang="en-IN" sz="1800" spc="-1" strike="noStrike">
+                <a:solidFill>
+                  <a:srgbClr val="808080"/>
+                </a:solidFill>
+                <a:latin typeface="Consolas"/>
+              </a:rPr>
+              <a:t>0.0.</a:t>
+            </a:r>
+            <a:r>
+              <a:rPr b="0" lang="en-IN" sz="1800" spc="-1" strike="noStrike">
+                <a:solidFill>
+                  <a:srgbClr val="808080"/>
+                </a:solidFill>
+                <a:latin typeface="Consolas"/>
+              </a:rPr>
+              <a:t>1:63</a:t>
+            </a:r>
+            <a:r>
+              <a:rPr b="0" lang="en-IN" sz="1800" spc="-1" strike="noStrike">
+                <a:solidFill>
+                  <a:srgbClr val="808080"/>
+                </a:solidFill>
+                <a:latin typeface="Consolas"/>
+              </a:rPr>
+              <a:t>79</a:t>
+            </a:r>
+            <a:r>
+              <a:rPr b="1" lang="en-IN" sz="1800" spc="-1" strike="noStrike">
+                <a:solidFill>
+                  <a:srgbClr val="808080"/>
+                </a:solidFill>
+                <a:latin typeface="Consolas"/>
+              </a:rPr>
+              <a:t>[3</a:t>
+            </a:r>
+            <a:r>
+              <a:rPr b="1" lang="en-IN" sz="1800" spc="-1" strike="noStrike">
+                <a:solidFill>
+                  <a:srgbClr val="808080"/>
+                </a:solidFill>
+                <a:latin typeface="Consolas"/>
+              </a:rPr>
+              <a:t>]</a:t>
+            </a:r>
+            <a:r>
+              <a:rPr b="0" lang="en-IN" sz="1800" spc="-1" strike="noStrike">
+                <a:solidFill>
+                  <a:srgbClr val="808080"/>
+                </a:solidFill>
+                <a:latin typeface="Consolas"/>
+              </a:rPr>
+              <a:t>&gt; </a:t>
+            </a:r>
+            <a:r>
+              <a:rPr b="0" lang="en-IN" sz="1800" spc="-1" strike="noStrike">
+                <a:solidFill>
+                  <a:srgbClr val="1de9b6"/>
+                </a:solidFill>
+                <a:latin typeface="Consolas"/>
+              </a:rPr>
+              <a:t>rpus</a:t>
+            </a:r>
+            <a:r>
+              <a:rPr b="0" lang="en-IN" sz="1800" spc="-1" strike="noStrike">
+                <a:solidFill>
+                  <a:srgbClr val="1de9b6"/>
+                </a:solidFill>
+                <a:latin typeface="Consolas"/>
+              </a:rPr>
+              <a:t>h a </a:t>
+            </a:r>
+            <a:r>
+              <a:rPr b="0" lang="en-IN" sz="1800" spc="-1" strike="noStrike">
+                <a:solidFill>
+                  <a:srgbClr val="1de9b6"/>
+                </a:solidFill>
+                <a:latin typeface="Consolas"/>
+              </a:rPr>
+              <a:t>5 6 </a:t>
+            </a:r>
+            <a:r>
+              <a:rPr b="0" lang="en-IN" sz="1800" spc="-1" strike="noStrike">
+                <a:solidFill>
+                  <a:srgbClr val="1de9b6"/>
+                </a:solidFill>
+                <a:latin typeface="Consolas"/>
+              </a:rPr>
+              <a:t>7 8 </a:t>
+            </a:r>
+            <a:r>
+              <a:rPr b="0" lang="en-IN" sz="1800" spc="-1" strike="noStrike">
+                <a:solidFill>
+                  <a:srgbClr val="1de9b6"/>
+                </a:solidFill>
+                <a:latin typeface="Consolas"/>
+              </a:rPr>
+              <a:t>9</a:t>
+            </a:r>
+            <a:endParaRPr b="0" lang="en-IN" sz="1800" spc="-1" strike="noStrike">
+              <a:solidFill>
+                <a:srgbClr val="808080"/>
+              </a:solidFill>
+              <a:latin typeface="Consolas"/>
+              <a:ea typeface="SimSun"/>
+            </a:endParaRPr>
+          </a:p>
+        </p:txBody>
+      </p:sp>
+      <p:sp>
+        <p:nvSpPr>
+          <p:cNvPr id="239" name="TextShape 8"/>
+          <p:cNvSpPr txBox="1"/>
+          <p:nvPr/>
+        </p:nvSpPr>
+        <p:spPr>
+          <a:xfrm>
+            <a:off x="10514160" y="2592000"/>
+            <a:ext cx="1509840" cy="4068360"/>
+          </a:xfrm>
+          <a:prstGeom prst="rect">
+            <a:avLst/>
+          </a:prstGeom>
+          <a:noFill/>
+          <a:ln>
+            <a:noFill/>
+          </a:ln>
+        </p:spPr>
+        <p:txBody>
+          <a:bodyPr lIns="90000" rIns="90000" tIns="45000" bIns="45000">
+            <a:noAutofit/>
+          </a:bodyPr>
+          <a:p>
+            <a:pPr>
+              <a:lnSpc>
+                <a:spcPct val="150000"/>
+              </a:lnSpc>
+            </a:pPr>
+            <a:r>
+              <a:rPr b="0" lang="en-IN" sz="1800" spc="-1" strike="noStrike">
+                <a:latin typeface="Arial"/>
+              </a:rPr>
+              <a:t>  </a:t>
+            </a:r>
+            <a:r>
+              <a:rPr b="0" lang="en-IN" sz="1800" spc="-1" strike="noStrike">
+                <a:solidFill>
+                  <a:srgbClr val="1de9b6"/>
+                </a:solidFill>
+                <a:latin typeface="Consolas"/>
+                <a:ea typeface="SimSun"/>
+              </a:rPr>
+              <a:t>1) "4"</a:t>
+            </a:r>
+            <a:endParaRPr b="0" lang="en-IN" sz="1800" spc="-1" strike="noStrike">
+              <a:latin typeface="Arial"/>
+              <a:ea typeface="Noto Sans CJK SC"/>
+            </a:endParaRPr>
+          </a:p>
+          <a:p>
+            <a:pPr>
+              <a:lnSpc>
+                <a:spcPct val="150000"/>
+              </a:lnSpc>
+            </a:pPr>
+            <a:r>
+              <a:rPr b="0" lang="en-IN" sz="1800" spc="-1" strike="noStrike">
+                <a:solidFill>
+                  <a:srgbClr val="1de9b6"/>
+                </a:solidFill>
+                <a:latin typeface="Consolas"/>
+                <a:ea typeface="SimSun"/>
+              </a:rPr>
+              <a:t> </a:t>
+            </a:r>
+            <a:r>
+              <a:rPr b="0" lang="en-IN" sz="1800" spc="-1" strike="noStrike">
+                <a:solidFill>
+                  <a:srgbClr val="1de9b6"/>
+                </a:solidFill>
+                <a:latin typeface="Consolas"/>
+                <a:ea typeface="SimSun"/>
+              </a:rPr>
+              <a:t>2) "3"</a:t>
+            </a:r>
+            <a:endParaRPr b="0" lang="en-IN" sz="1800" spc="-1" strike="noStrike">
+              <a:latin typeface="Arial"/>
+              <a:ea typeface="Noto Sans CJK SC"/>
+            </a:endParaRPr>
+          </a:p>
+          <a:p>
+            <a:pPr>
+              <a:lnSpc>
+                <a:spcPct val="150000"/>
+              </a:lnSpc>
+            </a:pPr>
+            <a:r>
+              <a:rPr b="0" lang="en-IN" sz="1800" spc="-1" strike="noStrike">
+                <a:solidFill>
+                  <a:srgbClr val="1de9b6"/>
+                </a:solidFill>
+                <a:latin typeface="Consolas"/>
+                <a:ea typeface="SimSun"/>
+              </a:rPr>
+              <a:t> </a:t>
+            </a:r>
+            <a:r>
+              <a:rPr b="0" lang="en-IN" sz="1800" spc="-1" strike="noStrike">
+                <a:solidFill>
+                  <a:srgbClr val="1de9b6"/>
+                </a:solidFill>
+                <a:latin typeface="Consolas"/>
+                <a:ea typeface="SimSun"/>
+              </a:rPr>
+              <a:t>3) "2"</a:t>
+            </a:r>
+            <a:endParaRPr b="0" lang="en-IN" sz="1800" spc="-1" strike="noStrike">
+              <a:latin typeface="Arial"/>
+              <a:ea typeface="Noto Sans CJK SC"/>
+            </a:endParaRPr>
+          </a:p>
+          <a:p>
+            <a:pPr>
+              <a:lnSpc>
+                <a:spcPct val="150000"/>
+              </a:lnSpc>
+            </a:pPr>
+            <a:r>
+              <a:rPr b="0" lang="en-IN" sz="1800" spc="-1" strike="noStrike">
+                <a:solidFill>
+                  <a:srgbClr val="1de9b6"/>
+                </a:solidFill>
+                <a:latin typeface="Consolas"/>
+                <a:ea typeface="SimSun"/>
+              </a:rPr>
+              <a:t> </a:t>
+            </a:r>
+            <a:r>
+              <a:rPr b="0" lang="en-IN" sz="1800" spc="-1" strike="noStrike">
+                <a:solidFill>
+                  <a:srgbClr val="1de9b6"/>
+                </a:solidFill>
+                <a:latin typeface="Consolas"/>
+                <a:ea typeface="SimSun"/>
+              </a:rPr>
+              <a:t>4) "1"</a:t>
+            </a:r>
+            <a:endParaRPr b="0" lang="en-IN" sz="1800" spc="-1" strike="noStrike">
+              <a:latin typeface="Arial"/>
+              <a:ea typeface="Noto Sans CJK SC"/>
+            </a:endParaRPr>
+          </a:p>
+          <a:p>
+            <a:pPr>
+              <a:lnSpc>
+                <a:spcPct val="150000"/>
+              </a:lnSpc>
+            </a:pPr>
+            <a:r>
+              <a:rPr b="0" lang="en-IN" sz="1800" spc="-1" strike="noStrike">
+                <a:solidFill>
+                  <a:srgbClr val="1de9b6"/>
+                </a:solidFill>
+                <a:latin typeface="Consolas"/>
+                <a:ea typeface="SimSun"/>
+              </a:rPr>
+              <a:t> </a:t>
+            </a:r>
+            <a:r>
+              <a:rPr b="0" lang="en-IN" sz="1800" spc="-1" strike="noStrike">
+                <a:solidFill>
+                  <a:srgbClr val="1de9b6"/>
+                </a:solidFill>
+                <a:latin typeface="Consolas"/>
+                <a:ea typeface="SimSun"/>
+              </a:rPr>
+              <a:t>5) "0"</a:t>
+            </a:r>
+            <a:endParaRPr b="0" lang="en-IN" sz="1800" spc="-1" strike="noStrike">
+              <a:latin typeface="Arial"/>
+              <a:ea typeface="Noto Sans CJK SC"/>
+            </a:endParaRPr>
+          </a:p>
+          <a:p>
+            <a:pPr>
+              <a:lnSpc>
+                <a:spcPct val="150000"/>
+              </a:lnSpc>
+            </a:pPr>
+            <a:r>
+              <a:rPr b="0" lang="en-IN" sz="1800" spc="-1" strike="noStrike">
+                <a:solidFill>
+                  <a:srgbClr val="1de9b6"/>
+                </a:solidFill>
+                <a:latin typeface="Consolas"/>
+                <a:ea typeface="SimSun"/>
+              </a:rPr>
+              <a:t> </a:t>
+            </a:r>
+            <a:r>
+              <a:rPr b="0" lang="en-IN" sz="1800" spc="-1" strike="noStrike">
+                <a:solidFill>
+                  <a:srgbClr val="1de9b6"/>
+                </a:solidFill>
+                <a:latin typeface="Consolas"/>
+                <a:ea typeface="SimSun"/>
+              </a:rPr>
+              <a:t>6) "5"</a:t>
+            </a:r>
+            <a:endParaRPr b="0" lang="en-IN" sz="1800" spc="-1" strike="noStrike">
+              <a:latin typeface="Arial"/>
+              <a:ea typeface="Noto Sans CJK SC"/>
+            </a:endParaRPr>
+          </a:p>
+          <a:p>
+            <a:pPr>
+              <a:lnSpc>
+                <a:spcPct val="150000"/>
+              </a:lnSpc>
+            </a:pPr>
+            <a:r>
+              <a:rPr b="0" lang="en-IN" sz="1800" spc="-1" strike="noStrike">
+                <a:solidFill>
+                  <a:srgbClr val="1de9b6"/>
+                </a:solidFill>
+                <a:latin typeface="Consolas"/>
+                <a:ea typeface="SimSun"/>
+              </a:rPr>
+              <a:t> </a:t>
+            </a:r>
+            <a:r>
+              <a:rPr b="0" lang="en-IN" sz="1800" spc="-1" strike="noStrike">
+                <a:solidFill>
+                  <a:srgbClr val="1de9b6"/>
+                </a:solidFill>
+                <a:latin typeface="Consolas"/>
+                <a:ea typeface="SimSun"/>
+              </a:rPr>
+              <a:t>7) "6"</a:t>
+            </a:r>
+            <a:endParaRPr b="0" lang="en-IN" sz="1800" spc="-1" strike="noStrike">
+              <a:latin typeface="Arial"/>
+              <a:ea typeface="Noto Sans CJK SC"/>
+            </a:endParaRPr>
+          </a:p>
+          <a:p>
+            <a:pPr>
+              <a:lnSpc>
+                <a:spcPct val="150000"/>
+              </a:lnSpc>
+            </a:pPr>
+            <a:r>
+              <a:rPr b="0" lang="en-IN" sz="1800" spc="-1" strike="noStrike">
+                <a:solidFill>
+                  <a:srgbClr val="1de9b6"/>
+                </a:solidFill>
+                <a:latin typeface="Consolas"/>
+                <a:ea typeface="SimSun"/>
+              </a:rPr>
+              <a:t> </a:t>
+            </a:r>
+            <a:r>
+              <a:rPr b="0" lang="en-IN" sz="1800" spc="-1" strike="noStrike">
+                <a:solidFill>
+                  <a:srgbClr val="1de9b6"/>
+                </a:solidFill>
+                <a:latin typeface="Consolas"/>
+                <a:ea typeface="SimSun"/>
+              </a:rPr>
+              <a:t>8) "7"</a:t>
+            </a:r>
+            <a:endParaRPr b="0" lang="en-IN" sz="1800" spc="-1" strike="noStrike">
+              <a:latin typeface="Arial"/>
+              <a:ea typeface="Noto Sans CJK SC"/>
+            </a:endParaRPr>
+          </a:p>
+          <a:p>
+            <a:pPr>
+              <a:lnSpc>
+                <a:spcPct val="150000"/>
+              </a:lnSpc>
+            </a:pPr>
+            <a:r>
+              <a:rPr b="0" lang="en-IN" sz="1800" spc="-1" strike="noStrike">
+                <a:solidFill>
+                  <a:srgbClr val="1de9b6"/>
+                </a:solidFill>
+                <a:latin typeface="Consolas"/>
+                <a:ea typeface="SimSun"/>
+              </a:rPr>
+              <a:t> </a:t>
+            </a:r>
+            <a:r>
+              <a:rPr b="0" lang="en-IN" sz="1800" spc="-1" strike="noStrike">
+                <a:solidFill>
+                  <a:srgbClr val="1de9b6"/>
+                </a:solidFill>
+                <a:latin typeface="Consolas"/>
+                <a:ea typeface="SimSun"/>
+              </a:rPr>
+              <a:t>9) "8"</a:t>
+            </a:r>
+            <a:endParaRPr b="0" lang="en-IN" sz="1800" spc="-1" strike="noStrike">
+              <a:latin typeface="Arial"/>
+              <a:ea typeface="Noto Sans CJK SC"/>
+            </a:endParaRPr>
+          </a:p>
+          <a:p>
+            <a:pPr>
+              <a:lnSpc>
+                <a:spcPct val="150000"/>
+              </a:lnSpc>
+            </a:pPr>
+            <a:r>
+              <a:rPr b="0" lang="en-IN" sz="1800" spc="-1" strike="noStrike">
+                <a:solidFill>
+                  <a:srgbClr val="1de9b6"/>
+                </a:solidFill>
+                <a:latin typeface="Consolas"/>
+                <a:ea typeface="SimSun"/>
+              </a:rPr>
+              <a:t>10) "9"</a:t>
+            </a:r>
+            <a:endParaRPr b="0" lang="en-IN" sz="1800" spc="-1" strike="noStrike">
+              <a:latin typeface="Arial"/>
+              <a:ea typeface="Noto Sans CJK SC"/>
+            </a:endParaRPr>
+          </a:p>
+        </p:txBody>
+      </p:sp>
+    </p:spTree>
+  </p:cSld>
+  <mc:AlternateContent>
+    <mc:Choice Requires="p14">
+      <p:transition spd="slow" p14:dur="2000"/>
+    </mc:Choice>
+    <mc:Fallback>
+      <p:transition spd="slow"/>
+    </mc:Fallback>
+  </mc:AlternateContent>
+</p:sld>
+</file>
+
+<file path=ppt/slides/slide36.xml><?xml version="1.0" encoding="utf-8"?>
+<p:sld xmlns:a="http://schemas.openxmlformats.org/drawingml/2006/main" xmlns:p="http://schemas.openxmlformats.org/presentationml/2006/main" xmlns:r="http://schemas.openxmlformats.org/officeDocument/2006/relationships" xmlns:p14="http://schemas.microsoft.com/office/powerpoint/2010/main" xmlns:p15="http://schemas.microsoft.com/office/powerpoint/2012/main" xmlns:mc="http://schemas.openxmlformats.org/markup-compatibility/2006">
+  <p:cSld>
+    <p:spTree>
+      <p:nvGrpSpPr>
+        <p:cNvPr id="1" name=""/>
+        <p:cNvGrpSpPr/>
+        <p:nvPr/>
+      </p:nvGrpSpPr>
+      <p:grpSpPr>
+        <a:xfrm>
+          <a:off x="0" y="0"/>
+          <a:ext cx="0" cy="0"/>
+          <a:chOff x="0" y="0"/>
+          <a:chExt cx="0" cy="0"/>
+        </a:xfrm>
+      </p:grpSpPr>
+      <p:sp>
+        <p:nvSpPr>
+          <p:cNvPr id="240" name="CustomShape 1"/>
+          <p:cNvSpPr/>
+          <p:nvPr/>
+        </p:nvSpPr>
+        <p:spPr>
+          <a:xfrm>
+            <a:off x="1676520" y="2362320"/>
+            <a:ext cx="8833320" cy="913320"/>
+          </a:xfrm>
+          <a:prstGeom prst="rect">
+            <a:avLst/>
+          </a:prstGeom>
+          <a:noFill/>
+          <a:ln>
+            <a:noFill/>
+          </a:ln>
+        </p:spPr>
+        <p:style>
+          <a:lnRef idx="0"/>
+          <a:fillRef idx="0"/>
+          <a:effectRef idx="0"/>
+          <a:fontRef idx="minor"/>
+        </p:style>
+        <p:txBody>
+          <a:bodyPr lIns="90000" rIns="90000" tIns="45000" bIns="45000">
+            <a:spAutoFit/>
+          </a:bodyPr>
+          <a:p>
+            <a:pPr algn="ctr">
+              <a:lnSpc>
+                <a:spcPct val="100000"/>
+              </a:lnSpc>
+            </a:pPr>
+            <a:r>
+              <a:rPr b="0" i="1" lang="en-IN" sz="5400" spc="-1" strike="noStrike">
+                <a:solidFill>
+                  <a:srgbClr val="f7c120"/>
+                </a:solidFill>
+                <a:latin typeface="Century"/>
+                <a:ea typeface="DejaVu Sans"/>
+              </a:rPr>
+              <a:t>lindex &amp; lrange</a:t>
+            </a:r>
+            <a:endParaRPr b="0" lang="en-IN" sz="5400" spc="-1" strike="noStrike">
+              <a:latin typeface="Arial"/>
+            </a:endParaRPr>
+          </a:p>
+        </p:txBody>
+      </p:sp>
+      <p:sp>
+        <p:nvSpPr>
+          <p:cNvPr id="241" name="CustomShape 2"/>
+          <p:cNvSpPr/>
+          <p:nvPr/>
+        </p:nvSpPr>
+        <p:spPr>
+          <a:xfrm>
+            <a:off x="1800000" y="4248000"/>
+            <a:ext cx="8833320" cy="424800"/>
+          </a:xfrm>
+          <a:prstGeom prst="rect">
+            <a:avLst/>
+          </a:prstGeom>
+          <a:noFill/>
+          <a:ln>
+            <a:noFill/>
+          </a:ln>
+        </p:spPr>
+        <p:style>
+          <a:lnRef idx="0"/>
+          <a:fillRef idx="0"/>
+          <a:effectRef idx="0"/>
+          <a:fontRef idx="minor"/>
+        </p:style>
+        <p:txBody>
+          <a:bodyPr lIns="90000" rIns="90000" tIns="45000" bIns="45000">
+            <a:spAutoFit/>
+          </a:bodyPr>
+          <a:p>
+            <a:pPr>
+              <a:lnSpc>
+                <a:spcPct val="100000"/>
+              </a:lnSpc>
+            </a:pPr>
+            <a:r>
+              <a:rPr b="0" lang="en-US" sz="2200" spc="-1" strike="noStrike">
+                <a:solidFill>
+                  <a:srgbClr val="bb0643"/>
+                </a:solidFill>
+                <a:latin typeface="Segoe UI"/>
+                <a:ea typeface="DejaVu Sans"/>
+              </a:rPr>
+              <a:t>TODO</a:t>
+            </a:r>
+            <a:endParaRPr b="0" lang="en-IN" sz="2200" spc="-1" strike="noStrike">
+              <a:latin typeface="Arial"/>
+            </a:endParaRPr>
+          </a:p>
+        </p:txBody>
+      </p:sp>
+    </p:spTree>
+  </p:cSld>
+  <mc:AlternateContent>
+    <mc:Choice Requires="p14">
+      <p:transition spd="slow" p14:dur="2000"/>
+    </mc:Choice>
+    <mc:Fallback>
+      <p:transition spd="slow"/>
+    </mc:Fallback>
+  </mc:AlternateContent>
+</p:sld>
+</file>
+
+<file path=ppt/slides/slide37.xml><?xml version="1.0" encoding="utf-8"?>
+<p:sld xmlns:a="http://schemas.openxmlformats.org/drawingml/2006/main" xmlns:p="http://schemas.openxmlformats.org/presentationml/2006/main" xmlns:r="http://schemas.openxmlformats.org/officeDocument/2006/relationships" xmlns:p14="http://schemas.microsoft.com/office/powerpoint/2010/main" xmlns:p15="http://schemas.microsoft.com/office/powerpoint/2012/main" xmlns:mc="http://schemas.openxmlformats.org/markup-compatibility/2006">
+  <p:cSld>
+    <p:spTree>
+      <p:nvGrpSpPr>
+        <p:cNvPr id="1" name=""/>
+        <p:cNvGrpSpPr/>
+        <p:nvPr/>
+      </p:nvGrpSpPr>
+      <p:grpSpPr>
+        <a:xfrm>
+          <a:off x="0" y="0"/>
+          <a:ext cx="0" cy="0"/>
+          <a:chOff x="0" y="0"/>
+          <a:chExt cx="0" cy="0"/>
+        </a:xfrm>
+      </p:grpSpPr>
+      <p:sp>
+        <p:nvSpPr>
+          <p:cNvPr id="242" name="CustomShape 1"/>
+          <p:cNvSpPr/>
+          <p:nvPr/>
+        </p:nvSpPr>
+        <p:spPr>
+          <a:xfrm>
+            <a:off x="1523880" y="0"/>
+            <a:ext cx="9138240" cy="699840"/>
+          </a:xfrm>
+          <a:prstGeom prst="rect">
+            <a:avLst/>
+          </a:prstGeom>
+          <a:solidFill>
+            <a:schemeClr val="accent6">
+              <a:lumMod val="75000"/>
+            </a:schemeClr>
+          </a:solidFill>
+          <a:ln>
+            <a:noFill/>
+          </a:ln>
+        </p:spPr>
+        <p:style>
+          <a:lnRef idx="0"/>
+          <a:fillRef idx="0"/>
+          <a:effectRef idx="0"/>
+          <a:fontRef idx="minor"/>
+        </p:style>
+        <p:txBody>
+          <a:bodyPr lIns="90000" rIns="90000" tIns="45000" bIns="45000">
+            <a:spAutoFit/>
+          </a:bodyPr>
+          <a:p>
+            <a:pPr algn="ctr">
+              <a:lnSpc>
+                <a:spcPct val="100000"/>
+              </a:lnSpc>
+            </a:pPr>
+            <a:r>
+              <a:rPr b="0" lang="en-IN" sz="4000" spc="-1" strike="noStrike">
+                <a:solidFill>
+                  <a:srgbClr val="f7c120"/>
+                </a:solidFill>
+                <a:latin typeface="Open Sans"/>
+                <a:ea typeface="DejaVu Sans"/>
+              </a:rPr>
+              <a:t>lindex &amp; lrange</a:t>
+            </a:r>
+            <a:endParaRPr b="0" lang="en-IN" sz="4000" spc="-1" strike="noStrike">
+              <a:latin typeface="Arial"/>
+            </a:endParaRPr>
+          </a:p>
+        </p:txBody>
+      </p:sp>
+      <p:sp>
+        <p:nvSpPr>
+          <p:cNvPr id="243" name="CustomShape 2"/>
+          <p:cNvSpPr/>
+          <p:nvPr/>
+        </p:nvSpPr>
+        <p:spPr>
+          <a:xfrm>
+            <a:off x="1600200" y="762120"/>
+            <a:ext cx="8985960" cy="2406600"/>
+          </a:xfrm>
+          <a:prstGeom prst="rect">
+            <a:avLst/>
+          </a:prstGeom>
+          <a:noFill/>
+          <a:ln>
+            <a:noFill/>
+          </a:ln>
+        </p:spPr>
+        <p:style>
+          <a:lnRef idx="0"/>
+          <a:fillRef idx="0"/>
+          <a:effectRef idx="0"/>
+          <a:fontRef idx="minor"/>
+        </p:style>
+        <p:txBody>
+          <a:bodyPr lIns="90000" rIns="90000" tIns="45000" bIns="45000">
+            <a:spAutoFit/>
+          </a:bodyPr>
+          <a:p>
+            <a:pPr algn="just"/>
+            <a:r>
+              <a:rPr b="1" lang="en-US" sz="1800" spc="-1" strike="noStrike">
+                <a:solidFill>
+                  <a:srgbClr val="7c4dff"/>
+                </a:solidFill>
+                <a:latin typeface="Arial"/>
+                <a:ea typeface="DejaVu Sans"/>
+              </a:rPr>
+              <a:t>LINDEX</a:t>
+            </a:r>
+            <a:r>
+              <a:rPr b="0" lang="en-US" sz="1800" spc="-1" strike="noStrike">
+                <a:latin typeface="Arial"/>
+                <a:ea typeface="DejaVu Sans"/>
+              </a:rPr>
+              <a:t> returns the element at index index in the list stored at key. The index is zero-based, so 0 means the first element, 1 the second element and so on. Negative indices can be used to designate elements starting at the tail of the list. Here, -1 means the last element and so on.</a:t>
+            </a:r>
+            <a:endParaRPr b="0" lang="en-IN" sz="1800" spc="-1" strike="noStrike">
+              <a:latin typeface="Arial"/>
+            </a:endParaRPr>
+          </a:p>
+          <a:p>
+            <a:pPr algn="just">
+              <a:lnSpc>
+                <a:spcPct val="100000"/>
+              </a:lnSpc>
+            </a:pPr>
+            <a:endParaRPr b="0" lang="en-IN" sz="1800" spc="-1" strike="noStrike">
+              <a:latin typeface="Arial"/>
+            </a:endParaRPr>
+          </a:p>
+          <a:p>
+            <a:pPr algn="just"/>
+            <a:r>
+              <a:rPr b="1" lang="en-US" sz="1800" spc="-1" strike="noStrike">
+                <a:solidFill>
+                  <a:srgbClr val="7c4dff"/>
+                </a:solidFill>
+                <a:latin typeface="Arial"/>
+                <a:ea typeface="DejaVu Sans"/>
+              </a:rPr>
+              <a:t>LRANGE</a:t>
+            </a:r>
+            <a:r>
+              <a:rPr b="0" lang="en-US" sz="1800" spc="-1" strike="noStrike">
+                <a:latin typeface="Arial"/>
+                <a:ea typeface="DejaVu Sans"/>
+              </a:rPr>
+              <a:t> returns the specified elements of the list stored at key. The offsets start and stop are zero-based indexes, with 0 being the first element of the list, 1 being the next element and so on. These offsets can also be negative numbers indicating offsets starting at the end of the list. For example, -1 is the last element of the list and so on.</a:t>
+            </a:r>
+            <a:endParaRPr b="0" lang="en-IN" sz="1800" spc="-1" strike="noStrike">
+              <a:latin typeface="Arial"/>
+            </a:endParaRPr>
+          </a:p>
+        </p:txBody>
+      </p:sp>
+      <p:sp>
+        <p:nvSpPr>
+          <p:cNvPr id="244" name="CustomShape 3"/>
+          <p:cNvSpPr/>
+          <p:nvPr/>
+        </p:nvSpPr>
+        <p:spPr>
+          <a:xfrm>
+            <a:off x="152280" y="152280"/>
+            <a:ext cx="1100880" cy="455400"/>
+          </a:xfrm>
+          <a:prstGeom prst="rect">
+            <a:avLst/>
+          </a:prstGeom>
+          <a:noFill/>
+          <a:ln>
+            <a:noFill/>
+          </a:ln>
+        </p:spPr>
+        <p:style>
+          <a:lnRef idx="0"/>
+          <a:fillRef idx="0"/>
+          <a:effectRef idx="0"/>
+          <a:fontRef idx="minor"/>
+        </p:style>
+        <p:txBody>
+          <a:bodyPr lIns="90000" rIns="90000" tIns="45000" bIns="45000">
+            <a:spAutoFit/>
+          </a:bodyPr>
+          <a:p>
+            <a:pPr algn="just">
+              <a:lnSpc>
+                <a:spcPct val="100000"/>
+              </a:lnSpc>
+            </a:pPr>
+            <a:r>
+              <a:rPr b="0" lang="en-IN" sz="2400" spc="-1" strike="noStrike">
+                <a:solidFill>
+                  <a:srgbClr val="ff0000"/>
+                </a:solidFill>
+                <a:latin typeface="Times New Roman"/>
+                <a:ea typeface="DejaVu Sans"/>
+              </a:rPr>
+              <a:t>TODO</a:t>
+            </a:r>
+            <a:endParaRPr b="0" lang="en-IN" sz="2400" spc="-1" strike="noStrike">
+              <a:latin typeface="Arial"/>
+            </a:endParaRPr>
+          </a:p>
+        </p:txBody>
+      </p:sp>
+      <p:sp>
+        <p:nvSpPr>
+          <p:cNvPr id="245" name="CustomShape 4"/>
+          <p:cNvSpPr/>
+          <p:nvPr/>
+        </p:nvSpPr>
+        <p:spPr>
+          <a:xfrm>
+            <a:off x="1601280" y="3697560"/>
+            <a:ext cx="8984880" cy="700200"/>
+          </a:xfrm>
+          <a:prstGeom prst="rect">
+            <a:avLst/>
+          </a:prstGeom>
+          <a:noFill/>
+          <a:ln>
+            <a:noFill/>
+          </a:ln>
+        </p:spPr>
+        <p:style>
+          <a:lnRef idx="0"/>
+          <a:fillRef idx="0"/>
+          <a:effectRef idx="0"/>
+          <a:fontRef idx="minor"/>
+        </p:style>
+        <p:txBody>
+          <a:bodyPr lIns="90000" rIns="90000" tIns="45000" bIns="45000">
+            <a:spAutoFit/>
+          </a:bodyPr>
+          <a:p>
+            <a:pPr>
+              <a:lnSpc>
+                <a:spcPct val="100000"/>
+              </a:lnSpc>
+            </a:pPr>
+            <a:r>
+              <a:rPr b="0" lang="en-US" sz="2000" spc="-1" strike="noStrike">
+                <a:solidFill>
+                  <a:srgbClr val="00b0f0"/>
+                </a:solidFill>
+                <a:latin typeface="Consolas"/>
+                <a:ea typeface="DejaVu Sans"/>
+              </a:rPr>
+              <a:t>LINDEX key index</a:t>
+            </a:r>
+            <a:endParaRPr b="0" lang="en-IN" sz="2000" spc="-1" strike="noStrike">
+              <a:latin typeface="Arial"/>
+            </a:endParaRPr>
+          </a:p>
+          <a:p>
+            <a:pPr>
+              <a:lnSpc>
+                <a:spcPct val="100000"/>
+              </a:lnSpc>
+            </a:pPr>
+            <a:r>
+              <a:rPr b="0" lang="en-US" sz="2000" spc="-1" strike="noStrike">
+                <a:solidFill>
+                  <a:srgbClr val="00b0f0"/>
+                </a:solidFill>
+                <a:latin typeface="Consolas"/>
+                <a:ea typeface="DejaVu Sans"/>
+              </a:rPr>
+              <a:t>LRANGE key start stop</a:t>
+            </a:r>
+            <a:endParaRPr b="0" lang="en-IN" sz="2000" spc="-1" strike="noStrike">
+              <a:latin typeface="Arial"/>
+            </a:endParaRPr>
+          </a:p>
+        </p:txBody>
+      </p:sp>
+      <p:sp>
+        <p:nvSpPr>
+          <p:cNvPr id="246" name="CustomShape 5"/>
+          <p:cNvSpPr/>
+          <p:nvPr/>
+        </p:nvSpPr>
+        <p:spPr>
+          <a:xfrm>
+            <a:off x="1600200" y="4665600"/>
+            <a:ext cx="8884080" cy="913320"/>
+          </a:xfrm>
+          <a:prstGeom prst="rect">
+            <a:avLst/>
+          </a:prstGeom>
+          <a:noFill/>
+          <a:ln>
+            <a:noFill/>
+          </a:ln>
+        </p:spPr>
+        <p:style>
+          <a:lnRef idx="0"/>
+          <a:fillRef idx="0"/>
+          <a:effectRef idx="0"/>
+          <a:fontRef idx="minor"/>
+        </p:style>
+        <p:txBody>
+          <a:bodyPr lIns="90000" rIns="90000" tIns="45000" bIns="45000">
+            <a:spAutoFit/>
+          </a:bodyPr>
+          <a:p>
+            <a:pPr marL="285840" indent="-280080">
+              <a:lnSpc>
+                <a:spcPct val="150000"/>
+              </a:lnSpc>
+              <a:buClr>
+                <a:srgbClr val="808080"/>
+              </a:buClr>
+              <a:buFont typeface="Arial"/>
+              <a:buChar char="•"/>
+            </a:pPr>
+            <a:r>
+              <a:rPr b="0" lang="en-IN" sz="1800" spc="-1" strike="noStrike">
+                <a:solidFill>
+                  <a:srgbClr val="808080"/>
+                </a:solidFill>
+                <a:latin typeface="Consolas"/>
+                <a:ea typeface="SimSun"/>
+              </a:rPr>
+              <a:t>127.0.0.1:6379&gt;</a:t>
+            </a:r>
+            <a:r>
+              <a:rPr b="0" lang="en-IN" sz="1800" spc="-1" strike="noStrike">
+                <a:solidFill>
+                  <a:srgbClr val="000000"/>
+                </a:solidFill>
+                <a:latin typeface="Consolas"/>
+                <a:ea typeface="SimSun"/>
+              </a:rPr>
+              <a:t> </a:t>
+            </a:r>
+            <a:r>
+              <a:rPr b="0" lang="en-IN" sz="1800" spc="-1" strike="noStrike">
+                <a:solidFill>
+                  <a:srgbClr val="ff5733"/>
+                </a:solidFill>
+                <a:latin typeface="Consolas"/>
+                <a:ea typeface="SimSun"/>
+              </a:rPr>
+              <a:t>lindex fruits 4</a:t>
+            </a:r>
+            <a:endParaRPr b="0" lang="en-IN" sz="1800" spc="-1" strike="noStrike">
+              <a:latin typeface="Arial"/>
+            </a:endParaRPr>
+          </a:p>
+          <a:p>
+            <a:pPr marL="285840" indent="-280080">
+              <a:lnSpc>
+                <a:spcPct val="150000"/>
+              </a:lnSpc>
+              <a:buClr>
+                <a:srgbClr val="808080"/>
+              </a:buClr>
+              <a:buFont typeface="Arial"/>
+              <a:buChar char="•"/>
+            </a:pPr>
+            <a:r>
+              <a:rPr b="0" lang="en-IN" sz="1800" spc="-1" strike="noStrike">
+                <a:solidFill>
+                  <a:srgbClr val="808080"/>
+                </a:solidFill>
+                <a:latin typeface="Consolas"/>
+                <a:ea typeface="SimSun"/>
+              </a:rPr>
+              <a:t>127.0.0.1:6379&gt;</a:t>
+            </a:r>
+            <a:r>
+              <a:rPr b="0" lang="en-IN" sz="1800" spc="-1" strike="noStrike">
+                <a:solidFill>
+                  <a:srgbClr val="000000"/>
+                </a:solidFill>
+                <a:latin typeface="Consolas"/>
+                <a:ea typeface="SimSun"/>
+              </a:rPr>
+              <a:t> </a:t>
+            </a:r>
+            <a:r>
+              <a:rPr b="0" lang="en-IN" sz="1800" spc="-1" strike="noStrike">
+                <a:solidFill>
+                  <a:srgbClr val="ff5733"/>
+                </a:solidFill>
+                <a:latin typeface="Consolas"/>
+                <a:ea typeface="SimSun"/>
+              </a:rPr>
+              <a:t>lrange </a:t>
+            </a:r>
+            <a:r>
+              <a:rPr b="0" lang="en-IN" sz="1800" spc="-1" strike="noStrike">
+                <a:solidFill>
+                  <a:srgbClr val="ff5733"/>
+                </a:solidFill>
+                <a:latin typeface="Consolas"/>
+                <a:ea typeface="SimSun"/>
+              </a:rPr>
+              <a:t>fruits 0 -1</a:t>
+            </a:r>
+            <a:endParaRPr b="0" lang="en-IN" sz="1800" spc="-1" strike="noStrike">
+              <a:latin typeface="Arial"/>
+            </a:endParaRPr>
+          </a:p>
+        </p:txBody>
+      </p:sp>
+      <p:sp>
+        <p:nvSpPr>
+          <p:cNvPr id="247" name="Line 6"/>
+          <p:cNvSpPr/>
+          <p:nvPr/>
+        </p:nvSpPr>
+        <p:spPr>
+          <a:xfrm>
+            <a:off x="1523880" y="3421080"/>
+            <a:ext cx="9144000" cy="1440"/>
+          </a:xfrm>
+          <a:prstGeom prst="line">
+            <a:avLst/>
+          </a:prstGeom>
+          <a:ln w="12600">
+            <a:solidFill>
+              <a:srgbClr val="6e78a0"/>
+            </a:solidFill>
+            <a:prstDash val="dash"/>
+            <a:round/>
+          </a:ln>
+        </p:spPr>
+        <p:style>
+          <a:lnRef idx="1">
+            <a:schemeClr val="accent1"/>
+          </a:lnRef>
+          <a:fillRef idx="0">
+            <a:schemeClr val="accent1"/>
+          </a:fillRef>
+          <a:effectRef idx="0">
+            <a:schemeClr val="accent1"/>
+          </a:effectRef>
+          <a:fontRef idx="minor"/>
+        </p:style>
+      </p:sp>
+    </p:spTree>
+  </p:cSld>
+  <mc:AlternateContent>
+    <mc:Choice Requires="p14">
+      <p:transition spd="slow" p14:dur="2000"/>
+    </mc:Choice>
+    <mc:Fallback>
+      <p:transition spd="slow"/>
+    </mc:Fallback>
+  </mc:AlternateContent>
+</p:sld>
+</file>
+
+<file path=ppt/slides/slide38.xml><?xml version="1.0" encoding="utf-8"?>
+<p:sld xmlns:a="http://schemas.openxmlformats.org/drawingml/2006/main" xmlns:p="http://schemas.openxmlformats.org/presentationml/2006/main" xmlns:r="http://schemas.openxmlformats.org/officeDocument/2006/relationships" xmlns:p14="http://schemas.microsoft.com/office/powerpoint/2010/main" xmlns:p15="http://schemas.microsoft.com/office/powerpoint/2012/main" xmlns:mc="http://schemas.openxmlformats.org/markup-compatibility/2006">
+  <p:cSld>
+    <p:spTree>
+      <p:nvGrpSpPr>
+        <p:cNvPr id="1" name=""/>
+        <p:cNvGrpSpPr/>
+        <p:nvPr/>
+      </p:nvGrpSpPr>
+      <p:grpSpPr>
+        <a:xfrm>
+          <a:off x="0" y="0"/>
+          <a:ext cx="0" cy="0"/>
+          <a:chOff x="0" y="0"/>
+          <a:chExt cx="0" cy="0"/>
+        </a:xfrm>
+      </p:grpSpPr>
+      <p:sp>
+        <p:nvSpPr>
+          <p:cNvPr id="248" name="CustomShape 1"/>
+          <p:cNvSpPr/>
+          <p:nvPr/>
+        </p:nvSpPr>
+        <p:spPr>
+          <a:xfrm>
+            <a:off x="1676520" y="2362320"/>
+            <a:ext cx="8833320" cy="913320"/>
+          </a:xfrm>
+          <a:prstGeom prst="rect">
+            <a:avLst/>
+          </a:prstGeom>
+          <a:noFill/>
+          <a:ln>
+            <a:noFill/>
+          </a:ln>
+        </p:spPr>
+        <p:style>
+          <a:lnRef idx="0"/>
+          <a:fillRef idx="0"/>
+          <a:effectRef idx="0"/>
+          <a:fontRef idx="minor"/>
+        </p:style>
+        <p:txBody>
+          <a:bodyPr lIns="90000" rIns="90000" tIns="45000" bIns="45000">
+            <a:spAutoFit/>
+          </a:bodyPr>
+          <a:p>
+            <a:pPr algn="ctr">
+              <a:lnSpc>
+                <a:spcPct val="100000"/>
+              </a:lnSpc>
+            </a:pPr>
+            <a:r>
+              <a:rPr b="0" i="1" lang="en-IN" sz="5400" spc="-1" strike="noStrike">
+                <a:solidFill>
+                  <a:srgbClr val="f7c120"/>
+                </a:solidFill>
+                <a:latin typeface="Century"/>
+                <a:ea typeface="DejaVu Sans"/>
+              </a:rPr>
+              <a:t>lpop &amp; rpop</a:t>
+            </a:r>
+            <a:endParaRPr b="0" lang="en-IN" sz="5400" spc="-1" strike="noStrike">
+              <a:latin typeface="Arial"/>
+            </a:endParaRPr>
+          </a:p>
+        </p:txBody>
+      </p:sp>
+      <p:sp>
+        <p:nvSpPr>
+          <p:cNvPr id="249" name="CustomShape 2"/>
+          <p:cNvSpPr/>
+          <p:nvPr/>
+        </p:nvSpPr>
+        <p:spPr>
+          <a:xfrm>
+            <a:off x="1800000" y="4248000"/>
+            <a:ext cx="8833320" cy="424800"/>
+          </a:xfrm>
+          <a:prstGeom prst="rect">
+            <a:avLst/>
+          </a:prstGeom>
+          <a:noFill/>
+          <a:ln>
+            <a:noFill/>
+          </a:ln>
+        </p:spPr>
+        <p:style>
+          <a:lnRef idx="0"/>
+          <a:fillRef idx="0"/>
+          <a:effectRef idx="0"/>
+          <a:fontRef idx="minor"/>
+        </p:style>
+        <p:txBody>
+          <a:bodyPr lIns="90000" rIns="90000" tIns="45000" bIns="45000">
+            <a:spAutoFit/>
+          </a:bodyPr>
+          <a:p>
+            <a:pPr>
+              <a:lnSpc>
+                <a:spcPct val="100000"/>
+              </a:lnSpc>
+            </a:pPr>
+            <a:r>
+              <a:rPr b="0" lang="en-US" sz="2200" spc="-1" strike="noStrike">
+                <a:solidFill>
+                  <a:srgbClr val="bb0643"/>
+                </a:solidFill>
+                <a:latin typeface="Segoe UI"/>
+                <a:ea typeface="DejaVu Sans"/>
+              </a:rPr>
+              <a:t>TODO</a:t>
+            </a:r>
+            <a:endParaRPr b="0" lang="en-IN" sz="2200" spc="-1" strike="noStrike">
+              <a:latin typeface="Arial"/>
+            </a:endParaRPr>
+          </a:p>
+        </p:txBody>
+      </p:sp>
+    </p:spTree>
+  </p:cSld>
+  <mc:AlternateContent>
+    <mc:Choice Requires="p14">
+      <p:transition spd="slow" p14:dur="2000"/>
+    </mc:Choice>
+    <mc:Fallback>
+      <p:transition spd="slow"/>
+    </mc:Fallback>
+  </mc:AlternateContent>
+</p:sld>
+</file>
+
+<file path=ppt/slides/slide39.xml><?xml version="1.0" encoding="utf-8"?>
+<p:sld xmlns:a="http://schemas.openxmlformats.org/drawingml/2006/main" xmlns:p="http://schemas.openxmlformats.org/presentationml/2006/main" xmlns:r="http://schemas.openxmlformats.org/officeDocument/2006/relationships" xmlns:p14="http://schemas.microsoft.com/office/powerpoint/2010/main" xmlns:p15="http://schemas.microsoft.com/office/powerpoint/2012/main" xmlns:mc="http://schemas.openxmlformats.org/markup-compatibility/2006">
+  <p:cSld>
+    <p:spTree>
+      <p:nvGrpSpPr>
+        <p:cNvPr id="1" name=""/>
+        <p:cNvGrpSpPr/>
+        <p:nvPr/>
+      </p:nvGrpSpPr>
+      <p:grpSpPr>
+        <a:xfrm>
+          <a:off x="0" y="0"/>
+          <a:ext cx="0" cy="0"/>
+          <a:chOff x="0" y="0"/>
+          <a:chExt cx="0" cy="0"/>
+        </a:xfrm>
+      </p:grpSpPr>
+      <p:sp>
+        <p:nvSpPr>
+          <p:cNvPr id="250" name="CustomShape 1"/>
+          <p:cNvSpPr/>
+          <p:nvPr/>
+        </p:nvSpPr>
+        <p:spPr>
+          <a:xfrm>
+            <a:off x="1523880" y="0"/>
+            <a:ext cx="9138240" cy="699840"/>
+          </a:xfrm>
+          <a:prstGeom prst="rect">
+            <a:avLst/>
+          </a:prstGeom>
+          <a:solidFill>
+            <a:schemeClr val="accent6">
+              <a:lumMod val="75000"/>
+            </a:schemeClr>
+          </a:solidFill>
+          <a:ln>
+            <a:noFill/>
+          </a:ln>
+        </p:spPr>
+        <p:style>
+          <a:lnRef idx="0"/>
+          <a:fillRef idx="0"/>
+          <a:effectRef idx="0"/>
+          <a:fontRef idx="minor"/>
+        </p:style>
+        <p:txBody>
+          <a:bodyPr lIns="90000" rIns="90000" tIns="45000" bIns="45000">
+            <a:spAutoFit/>
+          </a:bodyPr>
+          <a:p>
+            <a:pPr algn="ctr">
+              <a:lnSpc>
+                <a:spcPct val="100000"/>
+              </a:lnSpc>
+            </a:pPr>
+            <a:r>
+              <a:rPr b="0" lang="en-IN" sz="4000" spc="-1" strike="noStrike">
+                <a:solidFill>
+                  <a:srgbClr val="f7c120"/>
+                </a:solidFill>
+                <a:latin typeface="Open Sans"/>
+                <a:ea typeface="DejaVu Sans"/>
+              </a:rPr>
+              <a:t>lpop &amp; rpop</a:t>
+            </a:r>
+            <a:endParaRPr b="0" lang="en-IN" sz="4000" spc="-1" strike="noStrike">
+              <a:latin typeface="Arial"/>
+            </a:endParaRPr>
+          </a:p>
+        </p:txBody>
+      </p:sp>
+      <p:sp>
+        <p:nvSpPr>
+          <p:cNvPr id="251" name="CustomShape 2"/>
+          <p:cNvSpPr/>
+          <p:nvPr/>
+        </p:nvSpPr>
+        <p:spPr>
+          <a:xfrm>
+            <a:off x="1600200" y="762120"/>
+            <a:ext cx="8985960" cy="2406600"/>
+          </a:xfrm>
+          <a:prstGeom prst="rect">
+            <a:avLst/>
+          </a:prstGeom>
+          <a:noFill/>
+          <a:ln>
+            <a:noFill/>
+          </a:ln>
+        </p:spPr>
+        <p:style>
+          <a:lnRef idx="0"/>
+          <a:fillRef idx="0"/>
+          <a:effectRef idx="0"/>
+          <a:fontRef idx="minor"/>
+        </p:style>
+        <p:txBody>
+          <a:bodyPr lIns="90000" rIns="90000" tIns="45000" bIns="45000">
+            <a:spAutoFit/>
+          </a:bodyPr>
+          <a:p>
+            <a:pPr algn="just"/>
+            <a:r>
+              <a:rPr b="1" lang="en-US" sz="1800" spc="-1" strike="noStrike">
+                <a:solidFill>
+                  <a:srgbClr val="7c4dff"/>
+                </a:solidFill>
+                <a:latin typeface="Arial"/>
+                <a:ea typeface="DejaVu Sans"/>
+              </a:rPr>
+              <a:t>LPOP</a:t>
+            </a:r>
+            <a:r>
+              <a:rPr b="0" lang="en-US" sz="1800" spc="-1" strike="noStrike">
+                <a:latin typeface="Arial"/>
+                <a:ea typeface="DejaVu Sans"/>
+              </a:rPr>
+              <a:t> removes and returns the first elements of the list stored at key. By default, the command pops a single element from the beginning of the list. When provided with the optional count argument, the reply will consist of up to count elements, depending on the list's length.</a:t>
+            </a:r>
+            <a:endParaRPr b="0" lang="en-IN" sz="1800" spc="-1" strike="noStrike">
+              <a:latin typeface="Arial"/>
+            </a:endParaRPr>
+          </a:p>
+          <a:p>
+            <a:pPr algn="just"/>
+            <a:endParaRPr b="0" lang="en-IN" sz="1800" spc="-1" strike="noStrike">
+              <a:latin typeface="Arial"/>
+            </a:endParaRPr>
+          </a:p>
+          <a:p>
+            <a:pPr algn="just"/>
+            <a:r>
+              <a:rPr b="1" lang="en-US" sz="1800" spc="-1" strike="noStrike">
+                <a:solidFill>
+                  <a:srgbClr val="7c4dff"/>
+                </a:solidFill>
+                <a:latin typeface="Arial"/>
+                <a:ea typeface="DejaVu Sans"/>
+              </a:rPr>
+              <a:t>RPOP</a:t>
+            </a:r>
+            <a:r>
+              <a:rPr b="0" lang="en-US" sz="1800" spc="-1" strike="noStrike">
+                <a:latin typeface="Arial"/>
+                <a:ea typeface="DejaVu Sans"/>
+              </a:rPr>
+              <a:t> removes and returns the last elements of the list stored at key. By default, the command pops a single element from the end of the list. When provided with the optional count argument, the reply will consist of up to count elements, depending on the list's length.</a:t>
+            </a:r>
+            <a:endParaRPr b="0" lang="en-IN" sz="1800" spc="-1" strike="noStrike">
+              <a:latin typeface="Arial"/>
+            </a:endParaRPr>
+          </a:p>
+        </p:txBody>
+      </p:sp>
+      <p:sp>
+        <p:nvSpPr>
+          <p:cNvPr id="252" name="CustomShape 3"/>
+          <p:cNvSpPr/>
+          <p:nvPr/>
+        </p:nvSpPr>
+        <p:spPr>
+          <a:xfrm>
+            <a:off x="152280" y="152280"/>
+            <a:ext cx="1100880" cy="455400"/>
+          </a:xfrm>
+          <a:prstGeom prst="rect">
+            <a:avLst/>
+          </a:prstGeom>
+          <a:noFill/>
+          <a:ln>
+            <a:noFill/>
+          </a:ln>
+        </p:spPr>
+        <p:style>
+          <a:lnRef idx="0"/>
+          <a:fillRef idx="0"/>
+          <a:effectRef idx="0"/>
+          <a:fontRef idx="minor"/>
+        </p:style>
+        <p:txBody>
+          <a:bodyPr lIns="90000" rIns="90000" tIns="45000" bIns="45000">
+            <a:spAutoFit/>
+          </a:bodyPr>
+          <a:p>
+            <a:pPr algn="just">
+              <a:lnSpc>
+                <a:spcPct val="100000"/>
+              </a:lnSpc>
+            </a:pPr>
+            <a:r>
+              <a:rPr b="0" lang="en-IN" sz="2400" spc="-1" strike="noStrike">
+                <a:solidFill>
+                  <a:srgbClr val="ff0000"/>
+                </a:solidFill>
+                <a:latin typeface="Times New Roman"/>
+                <a:ea typeface="DejaVu Sans"/>
+              </a:rPr>
+              <a:t>TODO</a:t>
+            </a:r>
+            <a:endParaRPr b="0" lang="en-IN" sz="2400" spc="-1" strike="noStrike">
+              <a:latin typeface="Arial"/>
+            </a:endParaRPr>
+          </a:p>
+        </p:txBody>
+      </p:sp>
+      <p:sp>
+        <p:nvSpPr>
+          <p:cNvPr id="253" name="CustomShape 4"/>
+          <p:cNvSpPr/>
+          <p:nvPr/>
+        </p:nvSpPr>
+        <p:spPr>
+          <a:xfrm>
+            <a:off x="1601280" y="3697560"/>
+            <a:ext cx="8984880" cy="700200"/>
+          </a:xfrm>
+          <a:prstGeom prst="rect">
+            <a:avLst/>
+          </a:prstGeom>
+          <a:noFill/>
+          <a:ln>
+            <a:noFill/>
+          </a:ln>
+        </p:spPr>
+        <p:style>
+          <a:lnRef idx="0"/>
+          <a:fillRef idx="0"/>
+          <a:effectRef idx="0"/>
+          <a:fontRef idx="minor"/>
+        </p:style>
+        <p:txBody>
+          <a:bodyPr lIns="90000" rIns="90000" tIns="45000" bIns="45000">
+            <a:spAutoFit/>
+          </a:bodyPr>
+          <a:p>
+            <a:pPr>
+              <a:lnSpc>
+                <a:spcPct val="100000"/>
+              </a:lnSpc>
+            </a:pPr>
+            <a:r>
+              <a:rPr b="0" lang="en-US" sz="2000" spc="-1" strike="noStrike">
+                <a:solidFill>
+                  <a:srgbClr val="00b0f0"/>
+                </a:solidFill>
+                <a:latin typeface="Consolas"/>
+                <a:ea typeface="DejaVu Sans"/>
+              </a:rPr>
+              <a:t>LPOP key [count]</a:t>
+            </a:r>
+            <a:endParaRPr b="0" lang="en-IN" sz="2000" spc="-1" strike="noStrike">
+              <a:latin typeface="Arial"/>
+            </a:endParaRPr>
+          </a:p>
+          <a:p>
+            <a:pPr>
+              <a:lnSpc>
+                <a:spcPct val="100000"/>
+              </a:lnSpc>
+            </a:pPr>
+            <a:r>
+              <a:rPr b="0" lang="en-US" sz="2000" spc="-1" strike="noStrike">
+                <a:solidFill>
+                  <a:srgbClr val="00b0f0"/>
+                </a:solidFill>
+                <a:latin typeface="Consolas"/>
+                <a:ea typeface="DejaVu Sans"/>
+              </a:rPr>
+              <a:t>RPOP key [count]</a:t>
+            </a:r>
+            <a:endParaRPr b="0" lang="en-IN" sz="2000" spc="-1" strike="noStrike">
+              <a:latin typeface="Arial"/>
+            </a:endParaRPr>
+          </a:p>
+        </p:txBody>
+      </p:sp>
+      <p:sp>
+        <p:nvSpPr>
+          <p:cNvPr id="254" name="CustomShape 5"/>
+          <p:cNvSpPr/>
+          <p:nvPr/>
+        </p:nvSpPr>
+        <p:spPr>
+          <a:xfrm>
+            <a:off x="1600200" y="4629600"/>
+            <a:ext cx="8884080" cy="913320"/>
+          </a:xfrm>
+          <a:prstGeom prst="rect">
+            <a:avLst/>
+          </a:prstGeom>
+          <a:noFill/>
+          <a:ln>
+            <a:noFill/>
+          </a:ln>
+        </p:spPr>
+        <p:style>
+          <a:lnRef idx="0"/>
+          <a:fillRef idx="0"/>
+          <a:effectRef idx="0"/>
+          <a:fontRef idx="minor"/>
+        </p:style>
+        <p:txBody>
+          <a:bodyPr lIns="90000" rIns="90000" tIns="45000" bIns="45000">
+            <a:spAutoFit/>
+          </a:bodyPr>
+          <a:p>
+            <a:pPr marL="285840" indent="-280080">
+              <a:lnSpc>
+                <a:spcPct val="150000"/>
+              </a:lnSpc>
+              <a:buClr>
+                <a:srgbClr val="808080"/>
+              </a:buClr>
+              <a:buFont typeface="Arial"/>
+              <a:buChar char="•"/>
+            </a:pPr>
+            <a:r>
+              <a:rPr b="0" lang="en-IN" sz="1800" spc="-1" strike="noStrike">
+                <a:solidFill>
+                  <a:srgbClr val="808080"/>
+                </a:solidFill>
+                <a:latin typeface="Consolas"/>
+                <a:ea typeface="SimSun"/>
+              </a:rPr>
+              <a:t>127.0.0.1:6379&gt;</a:t>
+            </a:r>
+            <a:r>
+              <a:rPr b="0" lang="en-IN" sz="1800" spc="-1" strike="noStrike">
+                <a:solidFill>
+                  <a:srgbClr val="000000"/>
+                </a:solidFill>
+                <a:latin typeface="Consolas"/>
+                <a:ea typeface="SimSun"/>
+              </a:rPr>
+              <a:t> </a:t>
+            </a:r>
+            <a:r>
+              <a:rPr b="0" lang="en-IN" sz="1800" spc="-1" strike="noStrike">
+                <a:solidFill>
+                  <a:srgbClr val="ff5733"/>
+                </a:solidFill>
+                <a:latin typeface="Consolas"/>
+                <a:ea typeface="SimSun"/>
+              </a:rPr>
+              <a:t>lpop fruits 2</a:t>
+            </a:r>
+            <a:endParaRPr b="0" lang="en-IN" sz="1800" spc="-1" strike="noStrike">
+              <a:latin typeface="Arial"/>
+            </a:endParaRPr>
+          </a:p>
+          <a:p>
+            <a:pPr marL="285840" indent="-280080">
+              <a:lnSpc>
+                <a:spcPct val="150000"/>
+              </a:lnSpc>
+              <a:buClr>
+                <a:srgbClr val="808080"/>
+              </a:buClr>
+              <a:buFont typeface="Arial"/>
+              <a:buChar char="•"/>
+            </a:pPr>
+            <a:r>
+              <a:rPr b="0" lang="en-IN" sz="1800" spc="-1" strike="noStrike">
+                <a:solidFill>
+                  <a:srgbClr val="808080"/>
+                </a:solidFill>
+                <a:latin typeface="Consolas"/>
+                <a:ea typeface="SimSun"/>
+              </a:rPr>
+              <a:t>127.0.0.1:6379&gt;</a:t>
+            </a:r>
+            <a:r>
+              <a:rPr b="0" lang="en-IN" sz="1800" spc="-1" strike="noStrike">
+                <a:solidFill>
+                  <a:srgbClr val="000000"/>
+                </a:solidFill>
+                <a:latin typeface="Consolas"/>
+                <a:ea typeface="SimSun"/>
+              </a:rPr>
+              <a:t> </a:t>
+            </a:r>
+            <a:r>
+              <a:rPr b="0" lang="en-IN" sz="1800" spc="-1" strike="noStrike">
+                <a:solidFill>
+                  <a:srgbClr val="ff5733"/>
+                </a:solidFill>
+                <a:latin typeface="Consolas"/>
+                <a:ea typeface="SimSun"/>
+              </a:rPr>
+              <a:t>r</a:t>
+            </a:r>
+            <a:r>
+              <a:rPr b="0" lang="en-IN" sz="1800" spc="-1" strike="noStrike">
+                <a:solidFill>
+                  <a:srgbClr val="ff5733"/>
+                </a:solidFill>
+                <a:latin typeface="Consolas"/>
+                <a:ea typeface="SimSun"/>
+              </a:rPr>
+              <a:t>pop fruits 2</a:t>
+            </a:r>
+            <a:endParaRPr b="0" lang="en-IN" sz="1800" spc="-1" strike="noStrike">
+              <a:latin typeface="Arial"/>
+            </a:endParaRPr>
+          </a:p>
+        </p:txBody>
+      </p:sp>
+      <p:sp>
+        <p:nvSpPr>
+          <p:cNvPr id="255" name="Line 6"/>
+          <p:cNvSpPr/>
+          <p:nvPr/>
+        </p:nvSpPr>
+        <p:spPr>
+          <a:xfrm>
+            <a:off x="1523880" y="3421080"/>
+            <a:ext cx="9144000" cy="1440"/>
+          </a:xfrm>
+          <a:prstGeom prst="line">
+            <a:avLst/>
+          </a:prstGeom>
+          <a:ln w="12600">
+            <a:solidFill>
+              <a:srgbClr val="6e78a0"/>
+            </a:solidFill>
+            <a:prstDash val="dash"/>
+            <a:round/>
+          </a:ln>
+        </p:spPr>
+        <p:style>
+          <a:lnRef idx="1">
+            <a:schemeClr val="accent1"/>
+          </a:lnRef>
+          <a:fillRef idx="0">
+            <a:schemeClr val="accent1"/>
+          </a:fillRef>
+          <a:effectRef idx="0">
+            <a:schemeClr val="accent1"/>
+          </a:effectRef>
+          <a:fontRef idx="minor"/>
+        </p:style>
+      </p:sp>
     </p:spTree>
   </p:cSld>
   <mc:AlternateContent>
@@ -14049,7 +16400,7 @@
         <p:spPr>
           <a:xfrm>
             <a:off x="1676520" y="2362320"/>
-            <a:ext cx="8834040" cy="1186920"/>
+            <a:ext cx="8833320" cy="912960"/>
           </a:xfrm>
           <a:prstGeom prst="rect">
             <a:avLst/>
@@ -14076,7 +16427,7 @@
               </a:lnSpc>
             </a:pPr>
             <a:r>
-              <a:rPr b="0" i="1" lang="en-IN" sz="7200" spc="-1" strike="noStrike">
+              <a:rPr b="0" i="1" lang="en-IN" sz="5400" spc="-1" strike="noStrike">
                 <a:solidFill>
                   <a:srgbClr val="f7c120"/>
                 </a:solidFill>
@@ -14085,7 +16436,7 @@
               </a:rPr>
               <a:t>select database</a:t>
             </a:r>
-            <a:endParaRPr b="0" lang="en-IN" sz="7200" spc="-1" strike="noStrike">
+            <a:endParaRPr b="0" lang="en-IN" sz="5400" spc="-1" strike="noStrike">
               <a:latin typeface="Arial"/>
             </a:endParaRPr>
           </a:p>
@@ -14100,7 +16451,7 @@
         <p:spPr>
           <a:xfrm>
             <a:off x="1676520" y="3531600"/>
-            <a:ext cx="8834040" cy="424800"/>
+            <a:ext cx="8833320" cy="424800"/>
           </a:xfrm>
           <a:prstGeom prst="rect">
             <a:avLst/>
@@ -14142,6 +16493,150 @@
           </a:p>
         </p:txBody>
       </p:sp>
+    </p:spTree>
+  </p:cSld>
+  <mc:AlternateContent>
+    <mc:Choice Requires="p14">
+      <p:transition spd="slow" p14:dur="2000"/>
+    </mc:Choice>
+    <mc:Fallback>
+      <p:transition spd="slow"/>
+    </mc:Fallback>
+  </mc:AlternateContent>
+</p:sld>
+</file>
+
+<file path=ppt/slides/slide40.xml><?xml version="1.0" encoding="utf-8"?>
+<p:sld xmlns:a="http://schemas.openxmlformats.org/drawingml/2006/main" xmlns:p="http://schemas.openxmlformats.org/presentationml/2006/main" xmlns:r="http://schemas.openxmlformats.org/officeDocument/2006/relationships" xmlns:p14="http://schemas.microsoft.com/office/powerpoint/2010/main" xmlns:p15="http://schemas.microsoft.com/office/powerpoint/2012/main" xmlns:mc="http://schemas.openxmlformats.org/markup-compatibility/2006">
+  <p:cSld>
+    <p:spTree>
+      <p:nvGrpSpPr>
+        <p:cNvPr id="1" name=""/>
+        <p:cNvGrpSpPr/>
+        <p:nvPr/>
+      </p:nvGrpSpPr>
+      <p:grpSpPr>
+        <a:xfrm>
+          <a:off x="0" y="0"/>
+          <a:ext cx="0" cy="0"/>
+          <a:chOff x="0" y="0"/>
+          <a:chExt cx="0" cy="0"/>
+        </a:xfrm>
+      </p:grpSpPr>
+      <p:sp>
+        <p:nvSpPr>
+          <p:cNvPr id="256" name="CustomShape 1"/>
+          <p:cNvSpPr/>
+          <p:nvPr/>
+        </p:nvSpPr>
+        <p:spPr>
+          <a:xfrm>
+            <a:off x="1365840" y="188640"/>
+            <a:ext cx="9677160" cy="2192400"/>
+          </a:xfrm>
+          <a:prstGeom prst="rect">
+            <a:avLst/>
+          </a:prstGeom>
+          <a:noFill/>
+          <a:ln>
+            <a:noFill/>
+          </a:ln>
+        </p:spPr>
+        <p:style>
+          <a:lnRef idx="0"/>
+          <a:fillRef idx="0"/>
+          <a:effectRef idx="0"/>
+          <a:fontRef idx="minor"/>
+        </p:style>
+        <p:txBody>
+          <a:bodyPr lIns="90000" rIns="90000" tIns="45000" bIns="45000">
+            <a:spAutoFit/>
+          </a:bodyPr>
+          <a:p>
+            <a:pPr algn="ctr">
+              <a:lnSpc>
+                <a:spcPct val="100000"/>
+              </a:lnSpc>
+            </a:pPr>
+            <a:r>
+              <a:rPr b="0" lang="en-IN" sz="4000" spc="-1" strike="noStrike">
+                <a:solidFill>
+                  <a:srgbClr val="ff5733"/>
+                </a:solidFill>
+                <a:latin typeface="Segoe Print"/>
+                <a:ea typeface="DejaVu Sans"/>
+              </a:rPr>
+              <a:t>“</a:t>
+            </a:r>
+            <a:r>
+              <a:rPr b="0" lang="en-US" sz="4000" spc="-1" strike="noStrike">
+                <a:solidFill>
+                  <a:srgbClr val="ff5733"/>
+                </a:solidFill>
+                <a:latin typeface="Segoe Print"/>
+                <a:ea typeface="DejaVu Sans"/>
+              </a:rPr>
+              <a:t>Accept your past without regret, handle our present with confidence and face your future without fear.</a:t>
+            </a:r>
+            <a:r>
+              <a:rPr b="0" lang="en-IN" sz="4000" spc="-1" strike="noStrike">
+                <a:solidFill>
+                  <a:srgbClr val="ff5733"/>
+                </a:solidFill>
+                <a:latin typeface="Segoe Print"/>
+                <a:ea typeface="DejaVu Sans"/>
+              </a:rPr>
+              <a:t>”</a:t>
+            </a:r>
+            <a:endParaRPr b="0" lang="en-IN" sz="4000" spc="-1" strike="noStrike">
+              <a:latin typeface="Arial"/>
+            </a:endParaRPr>
+          </a:p>
+          <a:p>
+            <a:pPr algn="r">
+              <a:lnSpc>
+                <a:spcPct val="100000"/>
+              </a:lnSpc>
+            </a:pPr>
+            <a:r>
+              <a:rPr b="0" lang="en-IN" sz="1800" spc="-1" strike="noStrike">
+                <a:solidFill>
+                  <a:srgbClr val="111111"/>
+                </a:solidFill>
+                <a:latin typeface="-apple-system"/>
+                <a:ea typeface="DejaVu Sans"/>
+              </a:rPr>
+              <a:t>~ Dr. APJ. Abdul Kalam</a:t>
+            </a:r>
+            <a:endParaRPr b="0" lang="en-IN" sz="1800" spc="-1" strike="noStrike">
+              <a:latin typeface="Arial"/>
+            </a:endParaRPr>
+          </a:p>
+        </p:txBody>
+      </p:sp>
+      <p:pic>
+        <p:nvPicPr>
+          <p:cNvPr id="257" name="Picture 2" descr="http://www.bvctch.vn/vnt_upload/weblink/thks.jpg"/>
+          <p:cNvPicPr/>
+          <p:nvPr/>
+        </p:nvPicPr>
+        <p:blipFill>
+          <a:blip r:embed="rId1"/>
+          <a:stretch/>
+        </p:blipFill>
+        <p:spPr>
+          <a:xfrm>
+            <a:off x="4404600" y="2036160"/>
+            <a:ext cx="3120840" cy="4657680"/>
+          </a:xfrm>
+          <a:prstGeom prst="rect">
+            <a:avLst/>
+          </a:prstGeom>
+          <a:ln>
+            <a:noFill/>
+          </a:ln>
+        </p:spPr>
+      </p:pic>
     </p:spTree>
   </p:cSld>
   <mc:AlternateContent>
@@ -14216,7 +16711,7 @@
         <p:spPr>
           <a:xfrm>
             <a:off x="1523880" y="0"/>
-            <a:ext cx="9138960" cy="699120"/>
+            <a:ext cx="9138240" cy="699120"/>
           </a:xfrm>
           <a:prstGeom prst="rect">
             <a:avLst/>
@@ -14271,7 +16766,7 @@
         <p:spPr>
           <a:xfrm>
             <a:off x="1600200" y="762120"/>
-            <a:ext cx="8986680" cy="638280"/>
+            <a:ext cx="8985960" cy="638280"/>
           </a:xfrm>
           <a:prstGeom prst="rect">
             <a:avLst/>
@@ -14332,7 +16827,7 @@
         <p:spPr>
           <a:xfrm>
             <a:off x="152280" y="152280"/>
-            <a:ext cx="1101600" cy="455400"/>
+            <a:ext cx="1100880" cy="455400"/>
           </a:xfrm>
           <a:prstGeom prst="rect">
             <a:avLst/>
@@ -14383,7 +16878,7 @@
         <p:spPr>
           <a:xfrm>
             <a:off x="1601280" y="2221560"/>
-            <a:ext cx="8985600" cy="699480"/>
+            <a:ext cx="8984880" cy="699480"/>
           </a:xfrm>
           <a:prstGeom prst="rect">
             <a:avLst/>
@@ -14454,7 +16949,7 @@
         <p:spPr>
           <a:xfrm>
             <a:off x="1523880" y="2940480"/>
-            <a:ext cx="9415800" cy="1735560"/>
+            <a:ext cx="9415080" cy="1735560"/>
           </a:xfrm>
           <a:prstGeom prst="rect">
             <a:avLst/>
@@ -14475,7 +16970,7 @@
             <a:spAutoFit/>
           </a:bodyPr>
           <a:p>
-            <a:pPr marL="285840" indent="-280800">
+            <a:pPr marL="285840" indent="-280080">
               <a:lnSpc>
                 <a:spcPct val="150000"/>
               </a:lnSpc>
@@ -14520,7 +17015,7 @@
             </a:endParaRPr>
           </a:p>
           <a:p>
-            <a:pPr marL="285840" indent="-280800">
+            <a:pPr marL="285840" indent="-280080">
               <a:lnSpc>
                 <a:spcPct val="150000"/>
               </a:lnSpc>
@@ -14595,7 +17090,7 @@
             </a:endParaRPr>
           </a:p>
           <a:p>
-            <a:pPr marL="285840" indent="-280800">
+            <a:pPr marL="285840" indent="-280080">
               <a:lnSpc>
                 <a:spcPct val="150000"/>
               </a:lnSpc>
@@ -14660,7 +17155,7 @@
             </a:endParaRPr>
           </a:p>
           <a:p>
-            <a:pPr marL="285840" indent="-280800">
+            <a:pPr marL="285840" indent="-280080">
               <a:lnSpc>
                 <a:spcPct val="150000"/>
               </a:lnSpc>
@@ -14725,7 +17220,7 @@
         <p:spPr>
           <a:xfrm>
             <a:off x="1584000" y="4889520"/>
-            <a:ext cx="8851320" cy="1011960"/>
+            <a:ext cx="8850600" cy="1011240"/>
           </a:xfrm>
           <a:prstGeom prst="rect">
             <a:avLst/>
@@ -14776,7 +17271,7 @@
             </a:endParaRPr>
           </a:p>
           <a:p>
-            <a:pPr marL="216000" indent="-211320">
+            <a:pPr marL="216000" indent="-210600">
               <a:lnSpc>
                 <a:spcPct val="100000"/>
               </a:lnSpc>
@@ -14902,7 +17397,7 @@
         <p:spPr>
           <a:xfrm>
             <a:off x="1676520" y="2362320"/>
-            <a:ext cx="8834040" cy="1186920"/>
+            <a:ext cx="8833320" cy="912960"/>
           </a:xfrm>
           <a:prstGeom prst="rect">
             <a:avLst/>
@@ -14929,7 +17424,7 @@
               </a:lnSpc>
             </a:pPr>
             <a:r>
-              <a:rPr b="0" i="1" lang="en-IN" sz="7200" spc="-1" strike="noStrike">
+              <a:rPr b="0" i="1" lang="en-IN" sz="5400" spc="-1" strike="noStrike">
                 <a:solidFill>
                   <a:srgbClr val="f7c120"/>
                 </a:solidFill>
@@ -14938,7 +17433,7 @@
               </a:rPr>
               <a:t>redis strings</a:t>
             </a:r>
-            <a:endParaRPr b="0" lang="en-IN" sz="7200" spc="-1" strike="noStrike">
+            <a:endParaRPr b="0" lang="en-IN" sz="5400" spc="-1" strike="noStrike">
               <a:latin typeface="Arial"/>
             </a:endParaRPr>
           </a:p>
@@ -14953,7 +17448,7 @@
         <p:spPr>
           <a:xfrm>
             <a:off x="1666800" y="609480"/>
-            <a:ext cx="8834040" cy="394560"/>
+            <a:ext cx="8833320" cy="394560"/>
           </a:xfrm>
           <a:prstGeom prst="rect">
             <a:avLst/>
@@ -15004,7 +17499,7 @@
         <p:spPr>
           <a:xfrm>
             <a:off x="1676520" y="3531600"/>
-            <a:ext cx="8834040" cy="759960"/>
+            <a:ext cx="8833320" cy="1095120"/>
           </a:xfrm>
           <a:prstGeom prst="rect">
             <a:avLst/>
@@ -15038,7 +17533,7 @@
                 <a:latin typeface="Segoe UI"/>
                 <a:ea typeface="DejaVu Sans"/>
               </a:rPr>
-              <a:t>Redis strings commands are used for managing string values in Redis.</a:t>
+              <a:t>Redis strings commands are used for managing string values in Redis. A String value can be at max 512 Megabytes in length.</a:t>
             </a:r>
             <a:endParaRPr b="0" lang="en-IN" sz="2200" spc="-1" strike="noStrike">
               <a:latin typeface="Arial"/>
@@ -15085,7 +17580,7 @@
         <p:spPr>
           <a:xfrm>
             <a:off x="1676520" y="2362320"/>
-            <a:ext cx="8834040" cy="1186920"/>
+            <a:ext cx="8833320" cy="912960"/>
           </a:xfrm>
           <a:prstGeom prst="rect">
             <a:avLst/>
@@ -15112,7 +17607,7 @@
               </a:lnSpc>
             </a:pPr>
             <a:r>
-              <a:rPr b="0" i="1" lang="en-IN" sz="7200" spc="-1" strike="noStrike">
+              <a:rPr b="0" i="1" lang="en-IN" sz="5400" spc="-1" strike="noStrike">
                 <a:solidFill>
                   <a:srgbClr val="f7c120"/>
                 </a:solidFill>
@@ -15121,7 +17616,7 @@
               </a:rPr>
               <a:t>set key</a:t>
             </a:r>
-            <a:endParaRPr b="0" lang="en-IN" sz="7200" spc="-1" strike="noStrike">
+            <a:endParaRPr b="0" lang="en-IN" sz="5400" spc="-1" strike="noStrike">
               <a:latin typeface="Arial"/>
             </a:endParaRPr>
           </a:p>
@@ -15136,7 +17631,7 @@
         <p:spPr>
           <a:xfrm>
             <a:off x="1676520" y="3531600"/>
-            <a:ext cx="8834040" cy="424800"/>
+            <a:ext cx="8833320" cy="424800"/>
           </a:xfrm>
           <a:prstGeom prst="rect">
             <a:avLst/>
@@ -15252,7 +17747,7 @@
         <p:spPr>
           <a:xfrm>
             <a:off x="1523880" y="0"/>
-            <a:ext cx="9138960" cy="699120"/>
+            <a:ext cx="9138240" cy="699120"/>
           </a:xfrm>
           <a:prstGeom prst="rect">
             <a:avLst/>
@@ -15307,7 +17802,7 @@
         <p:spPr>
           <a:xfrm>
             <a:off x="1600200" y="762120"/>
-            <a:ext cx="8986680" cy="912600"/>
+            <a:ext cx="8985960" cy="912600"/>
           </a:xfrm>
           <a:prstGeom prst="rect">
             <a:avLst/>
@@ -15368,7 +17863,7 @@
         <p:spPr>
           <a:xfrm>
             <a:off x="1523880" y="4272480"/>
-            <a:ext cx="8884800" cy="2558520"/>
+            <a:ext cx="8884080" cy="2558520"/>
           </a:xfrm>
           <a:prstGeom prst="rect">
             <a:avLst/>
@@ -15389,7 +17884,7 @@
             <a:spAutoFit/>
           </a:bodyPr>
           <a:p>
-            <a:pPr marL="285840" indent="-280800">
+            <a:pPr marL="285840" indent="-280080">
               <a:lnSpc>
                 <a:spcPct val="150000"/>
               </a:lnSpc>
@@ -15434,7 +17929,7 @@
             </a:endParaRPr>
           </a:p>
           <a:p>
-            <a:pPr marL="285840" indent="-280800">
+            <a:pPr marL="285840" indent="-280080">
               <a:lnSpc>
                 <a:spcPct val="150000"/>
               </a:lnSpc>
@@ -15479,7 +17974,7 @@
             </a:endParaRPr>
           </a:p>
           <a:p>
-            <a:pPr marL="285840" indent="-280800">
+            <a:pPr marL="285840" indent="-280080">
               <a:lnSpc>
                 <a:spcPct val="150000"/>
               </a:lnSpc>
@@ -15524,7 +18019,7 @@
             </a:endParaRPr>
           </a:p>
           <a:p>
-            <a:pPr marL="285840" indent="-280800">
+            <a:pPr marL="285840" indent="-280080">
               <a:lnSpc>
                 <a:spcPct val="150000"/>
               </a:lnSpc>
@@ -15569,7 +18064,7 @@
             </a:endParaRPr>
           </a:p>
           <a:p>
-            <a:pPr marL="285840" indent="-280800">
+            <a:pPr marL="285840" indent="-280080">
               <a:lnSpc>
                 <a:spcPct val="150000"/>
               </a:lnSpc>
@@ -15604,7 +18099,7 @@
             </a:endParaRPr>
           </a:p>
           <a:p>
-            <a:pPr marL="285840" indent="-280800">
+            <a:pPr marL="285840" indent="-280080">
               <a:lnSpc>
                 <a:spcPct val="150000"/>
               </a:lnSpc>
@@ -16169,7 +18664,7 @@
         <p:spPr>
           <a:xfrm>
             <a:off x="1601280" y="2221560"/>
-            <a:ext cx="8985600" cy="394560"/>
+            <a:ext cx="8984880" cy="394560"/>
           </a:xfrm>
           <a:prstGeom prst="rect">
             <a:avLst/>
@@ -16250,7 +18745,7 @@
         <p:spPr>
           <a:xfrm>
             <a:off x="1676520" y="2362320"/>
-            <a:ext cx="8834040" cy="2284200"/>
+            <a:ext cx="8833320" cy="912960"/>
           </a:xfrm>
           <a:prstGeom prst="rect">
             <a:avLst/>
@@ -16277,7 +18772,7 @@
               </a:lnSpc>
             </a:pPr>
             <a:r>
-              <a:rPr b="0" i="1" lang="en-IN" sz="7200" spc="-1" strike="noStrike">
+              <a:rPr b="0" i="1" lang="en-IN" sz="5400" spc="-1" strike="noStrike">
                 <a:solidFill>
                   <a:srgbClr val="f7c120"/>
                 </a:solidFill>
@@ -16286,7 +18781,7 @@
               </a:rPr>
               <a:t>setex key &amp; setnx key</a:t>
             </a:r>
-            <a:endParaRPr b="0" lang="en-IN" sz="7200" spc="-1" strike="noStrike">
+            <a:endParaRPr b="0" lang="en-IN" sz="5400" spc="-1" strike="noStrike">
               <a:latin typeface="Arial"/>
             </a:endParaRPr>
           </a:p>
@@ -16301,7 +18796,7 @@
         <p:spPr>
           <a:xfrm>
             <a:off x="1676520" y="4719600"/>
-            <a:ext cx="8834040" cy="424800"/>
+            <a:ext cx="8833320" cy="424800"/>
           </a:xfrm>
           <a:prstGeom prst="rect">
             <a:avLst/>

--- a/redis ver1.pptx
+++ b/redis ver1.pptx
@@ -2854,8 +2854,8 @@
         </p:nvSpPr>
         <p:spPr>
           <a:xfrm rot="5400000">
-            <a:off x="596160" y="6447240"/>
-            <a:ext cx="185040" cy="154800"/>
+            <a:off x="596520" y="6447240"/>
+            <a:ext cx="184680" cy="154440"/>
           </a:xfrm>
           <a:prstGeom prst="triangle">
             <a:avLst>
@@ -2896,7 +2896,7 @@
         <p:spPr>
           <a:xfrm>
             <a:off x="1206360" y="3648240"/>
-            <a:ext cx="9747720" cy="1274400"/>
+            <a:ext cx="9747360" cy="1274040"/>
           </a:xfrm>
           <a:prstGeom prst="rect">
             <a:avLst/>
@@ -2938,7 +2938,7 @@
         <p:spPr>
           <a:xfrm>
             <a:off x="1219320" y="5638680"/>
-            <a:ext cx="9747720" cy="680040"/>
+            <a:ext cx="9747360" cy="679680"/>
           </a:xfrm>
           <a:prstGeom prst="rect">
             <a:avLst/>
@@ -2980,7 +2980,7 @@
         <p:spPr>
           <a:xfrm>
             <a:off x="1206360" y="3648240"/>
-            <a:ext cx="299160" cy="1274400"/>
+            <a:ext cx="298800" cy="1274040"/>
           </a:xfrm>
           <a:prstGeom prst="rect">
             <a:avLst/>
@@ -3019,7 +3019,7 @@
         <p:spPr>
           <a:xfrm>
             <a:off x="1219320" y="5638680"/>
-            <a:ext cx="299160" cy="680040"/>
+            <a:ext cx="298800" cy="679680"/>
           </a:xfrm>
           <a:prstGeom prst="rect">
             <a:avLst/>
@@ -3375,8 +3375,8 @@
         </p:nvSpPr>
         <p:spPr>
           <a:xfrm rot="5400000">
-            <a:off x="596160" y="6447240"/>
-            <a:ext cx="185040" cy="154800"/>
+            <a:off x="596520" y="6447240"/>
+            <a:ext cx="184680" cy="154440"/>
           </a:xfrm>
           <a:prstGeom prst="triangle">
             <a:avLst>
@@ -3445,8 +3445,8 @@
         </p:nvSpPr>
         <p:spPr>
           <a:xfrm rot="5400000">
-            <a:off x="596160" y="6447240"/>
-            <a:ext cx="185040" cy="154800"/>
+            <a:off x="596520" y="6447240"/>
+            <a:ext cx="184680" cy="154440"/>
           </a:xfrm>
           <a:prstGeom prst="triangle">
             <a:avLst>
@@ -3740,7 +3740,7 @@
         <p:spPr>
           <a:xfrm>
             <a:off x="1975680" y="3733920"/>
-            <a:ext cx="8528760" cy="984960"/>
+            <a:ext cx="8528400" cy="984600"/>
           </a:xfrm>
           <a:prstGeom prst="rect">
             <a:avLst/>
@@ -3797,7 +3797,7 @@
         <p:spPr>
           <a:xfrm>
             <a:off x="181440" y="2001960"/>
-            <a:ext cx="2848680" cy="2848680"/>
+            <a:ext cx="2848320" cy="2848320"/>
           </a:xfrm>
           <a:prstGeom prst="rect">
             <a:avLst/>
@@ -3816,7 +3816,7 @@
         <p:spPr>
           <a:xfrm>
             <a:off x="4444920" y="5050800"/>
-            <a:ext cx="6059160" cy="582120"/>
+            <a:ext cx="6058800" cy="581760"/>
           </a:xfrm>
           <a:prstGeom prst="rect">
             <a:avLst/>
@@ -3879,7 +3879,7 @@
         <p:spPr>
           <a:xfrm>
             <a:off x="181440" y="196560"/>
-            <a:ext cx="2848680" cy="1062000"/>
+            <a:ext cx="2848320" cy="1061640"/>
           </a:xfrm>
           <a:prstGeom prst="rect">
             <a:avLst/>
@@ -3898,7 +3898,7 @@
         <p:spPr>
           <a:xfrm>
             <a:off x="3557880" y="93600"/>
-            <a:ext cx="8447040" cy="3045240"/>
+            <a:ext cx="8446680" cy="3045240"/>
           </a:xfrm>
           <a:prstGeom prst="rect">
             <a:avLst/>
@@ -3983,7 +3983,7 @@
         <p:spPr>
           <a:xfrm>
             <a:off x="181440" y="196920"/>
-            <a:ext cx="2850480" cy="1063800"/>
+            <a:ext cx="2850120" cy="1063440"/>
           </a:xfrm>
           <a:prstGeom prst="rect">
             <a:avLst/>
@@ -4006,7 +4006,7 @@
         <p:spPr>
           <a:xfrm>
             <a:off x="181440" y="2001960"/>
-            <a:ext cx="2851560" cy="2851560"/>
+            <a:ext cx="2851200" cy="2851200"/>
           </a:xfrm>
           <a:prstGeom prst="rect">
             <a:avLst/>
@@ -4090,7 +4090,7 @@
         <p:spPr>
           <a:xfrm>
             <a:off x="1523880" y="0"/>
-            <a:ext cx="9138240" cy="699120"/>
+            <a:ext cx="9137880" cy="699120"/>
           </a:xfrm>
           <a:prstGeom prst="rect">
             <a:avLst/>
@@ -4145,7 +4145,7 @@
         <p:spPr>
           <a:xfrm>
             <a:off x="1600200" y="762120"/>
-            <a:ext cx="8985960" cy="1735560"/>
+            <a:ext cx="8985600" cy="1735560"/>
           </a:xfrm>
           <a:prstGeom prst="rect">
             <a:avLst/>
@@ -4246,7 +4246,7 @@
         <p:spPr>
           <a:xfrm>
             <a:off x="152280" y="152280"/>
-            <a:ext cx="1100880" cy="455400"/>
+            <a:ext cx="1100520" cy="455400"/>
           </a:xfrm>
           <a:prstGeom prst="rect">
             <a:avLst/>
@@ -4297,7 +4297,7 @@
         <p:spPr>
           <a:xfrm>
             <a:off x="1601280" y="2823480"/>
-            <a:ext cx="8984880" cy="699480"/>
+            <a:ext cx="8984520" cy="699480"/>
           </a:xfrm>
           <a:prstGeom prst="rect">
             <a:avLst/>
@@ -4368,7 +4368,7 @@
         <p:spPr>
           <a:xfrm>
             <a:off x="1523880" y="3801960"/>
-            <a:ext cx="8884080" cy="2147040"/>
+            <a:ext cx="8883720" cy="2147040"/>
           </a:xfrm>
           <a:prstGeom prst="rect">
             <a:avLst/>
@@ -4389,7 +4389,7 @@
             <a:spAutoFit/>
           </a:bodyPr>
           <a:p>
-            <a:pPr marL="285840" indent="-280080">
+            <a:pPr marL="285840" indent="-279720">
               <a:lnSpc>
                 <a:spcPct val="150000"/>
               </a:lnSpc>
@@ -4434,7 +4434,7 @@
             </a:endParaRPr>
           </a:p>
           <a:p>
-            <a:pPr marL="285840" indent="-280080">
+            <a:pPr marL="285840" indent="-279720">
               <a:lnSpc>
                 <a:spcPct val="150000"/>
               </a:lnSpc>
@@ -4479,7 +4479,7 @@
             </a:endParaRPr>
           </a:p>
           <a:p>
-            <a:pPr marL="285840" indent="-280080">
+            <a:pPr marL="285840" indent="-279720">
               <a:lnSpc>
                 <a:spcPct val="150000"/>
               </a:lnSpc>
@@ -4524,7 +4524,7 @@
             </a:endParaRPr>
           </a:p>
           <a:p>
-            <a:pPr marL="285840" indent="-280080">
+            <a:pPr marL="285840" indent="-279720">
               <a:lnSpc>
                 <a:spcPct val="150000"/>
               </a:lnSpc>
@@ -4609,7 +4609,7 @@
         <p:spPr>
           <a:xfrm>
             <a:off x="1676520" y="2362320"/>
-            <a:ext cx="8833320" cy="912960"/>
+            <a:ext cx="8832960" cy="912600"/>
           </a:xfrm>
           <a:prstGeom prst="rect">
             <a:avLst/>
@@ -4660,7 +4660,7 @@
         <p:spPr>
           <a:xfrm>
             <a:off x="1676520" y="3531600"/>
-            <a:ext cx="8833320" cy="424800"/>
+            <a:ext cx="8832960" cy="424800"/>
           </a:xfrm>
           <a:prstGeom prst="rect">
             <a:avLst/>
@@ -4776,7 +4776,7 @@
         <p:spPr>
           <a:xfrm>
             <a:off x="1523880" y="0"/>
-            <a:ext cx="9138240" cy="699120"/>
+            <a:ext cx="9137880" cy="699120"/>
           </a:xfrm>
           <a:prstGeom prst="rect">
             <a:avLst/>
@@ -4831,7 +4831,7 @@
         <p:spPr>
           <a:xfrm>
             <a:off x="1600200" y="762120"/>
-            <a:ext cx="8985960" cy="1461240"/>
+            <a:ext cx="8985600" cy="1461240"/>
           </a:xfrm>
           <a:prstGeom prst="rect">
             <a:avLst/>
@@ -4932,7 +4932,7 @@
         <p:spPr>
           <a:xfrm>
             <a:off x="152280" y="152280"/>
-            <a:ext cx="1100880" cy="455400"/>
+            <a:ext cx="1100520" cy="455400"/>
           </a:xfrm>
           <a:prstGeom prst="rect">
             <a:avLst/>
@@ -4983,7 +4983,7 @@
         <p:spPr>
           <a:xfrm>
             <a:off x="1601280" y="2509560"/>
-            <a:ext cx="8984880" cy="699480"/>
+            <a:ext cx="8984520" cy="699480"/>
           </a:xfrm>
           <a:prstGeom prst="rect">
             <a:avLst/>
@@ -5054,7 +5054,7 @@
         <p:spPr>
           <a:xfrm>
             <a:off x="1523880" y="3480480"/>
-            <a:ext cx="8884080" cy="2558520"/>
+            <a:ext cx="8883720" cy="2558520"/>
           </a:xfrm>
           <a:prstGeom prst="rect">
             <a:avLst/>
@@ -5075,7 +5075,7 @@
             <a:spAutoFit/>
           </a:bodyPr>
           <a:p>
-            <a:pPr marL="285840" indent="-280080">
+            <a:pPr marL="285840" indent="-279720">
               <a:lnSpc>
                 <a:spcPct val="150000"/>
               </a:lnSpc>
@@ -5120,7 +5120,7 @@
             </a:endParaRPr>
           </a:p>
           <a:p>
-            <a:pPr marL="285840" indent="-280080">
+            <a:pPr marL="285840" indent="-279720">
               <a:lnSpc>
                 <a:spcPct val="150000"/>
               </a:lnSpc>
@@ -5165,7 +5165,7 @@
             </a:endParaRPr>
           </a:p>
           <a:p>
-            <a:pPr marL="285840" indent="-280080">
+            <a:pPr marL="285840" indent="-279720">
               <a:lnSpc>
                 <a:spcPct val="150000"/>
               </a:lnSpc>
@@ -5210,7 +5210,7 @@
             </a:endParaRPr>
           </a:p>
           <a:p>
-            <a:pPr marL="285840" indent="-280080">
+            <a:pPr marL="285840" indent="-279720">
               <a:lnSpc>
                 <a:spcPct val="150000"/>
               </a:lnSpc>
@@ -5255,7 +5255,7 @@
             </a:endParaRPr>
           </a:p>
           <a:p>
-            <a:pPr marL="285840" indent="-280080">
+            <a:pPr marL="285840" indent="-279720">
               <a:lnSpc>
                 <a:spcPct val="150000"/>
               </a:lnSpc>
@@ -5290,7 +5290,7 @@
             </a:endParaRPr>
           </a:p>
           <a:p>
-            <a:pPr marL="285840" indent="-280080">
+            <a:pPr marL="285840" indent="-279720">
               <a:lnSpc>
                 <a:spcPct val="150000"/>
               </a:lnSpc>
@@ -5365,7 +5365,7 @@
         <p:spPr>
           <a:xfrm>
             <a:off x="1676520" y="2362320"/>
-            <a:ext cx="8833320" cy="1735920"/>
+            <a:ext cx="8832960" cy="1735560"/>
           </a:xfrm>
           <a:prstGeom prst="rect">
             <a:avLst/>
@@ -5416,7 +5416,7 @@
         <p:spPr>
           <a:xfrm>
             <a:off x="1676520" y="4935600"/>
-            <a:ext cx="8833320" cy="424800"/>
+            <a:ext cx="8832960" cy="424800"/>
           </a:xfrm>
           <a:prstGeom prst="rect">
             <a:avLst/>
@@ -5532,7 +5532,7 @@
         <p:spPr>
           <a:xfrm>
             <a:off x="1523880" y="0"/>
-            <a:ext cx="9138240" cy="699120"/>
+            <a:ext cx="9137880" cy="699120"/>
           </a:xfrm>
           <a:prstGeom prst="rect">
             <a:avLst/>
@@ -5587,7 +5587,7 @@
         <p:spPr>
           <a:xfrm>
             <a:off x="1600200" y="762120"/>
-            <a:ext cx="8985960" cy="1979640"/>
+            <a:ext cx="8985600" cy="2284200"/>
           </a:xfrm>
           <a:prstGeom prst="rect">
             <a:avLst/>
@@ -5728,7 +5728,7 @@
         <p:spPr>
           <a:xfrm>
             <a:off x="152280" y="152280"/>
-            <a:ext cx="1100880" cy="455400"/>
+            <a:ext cx="1100520" cy="455400"/>
           </a:xfrm>
           <a:prstGeom prst="rect">
             <a:avLst/>
@@ -5779,7 +5779,7 @@
         <p:spPr>
           <a:xfrm>
             <a:off x="1601280" y="2977560"/>
-            <a:ext cx="8984880" cy="1309320"/>
+            <a:ext cx="8984520" cy="1309320"/>
           </a:xfrm>
           <a:prstGeom prst="rect">
             <a:avLst/>
@@ -5890,7 +5890,7 @@
         <p:spPr>
           <a:xfrm>
             <a:off x="1523880" y="4344480"/>
-            <a:ext cx="8884080" cy="2147040"/>
+            <a:ext cx="8883720" cy="2147040"/>
           </a:xfrm>
           <a:prstGeom prst="rect">
             <a:avLst/>
@@ -5911,7 +5911,7 @@
             <a:spAutoFit/>
           </a:bodyPr>
           <a:p>
-            <a:pPr marL="285840" indent="-280080">
+            <a:pPr marL="285840" indent="-279720">
               <a:lnSpc>
                 <a:spcPct val="150000"/>
               </a:lnSpc>
@@ -5956,7 +5956,7 @@
             </a:endParaRPr>
           </a:p>
           <a:p>
-            <a:pPr marL="285840" indent="-280080">
+            <a:pPr marL="285840" indent="-279720">
               <a:lnSpc>
                 <a:spcPct val="150000"/>
               </a:lnSpc>
@@ -6001,7 +6001,7 @@
             </a:endParaRPr>
           </a:p>
           <a:p>
-            <a:pPr marL="285840" indent="-280080">
+            <a:pPr marL="285840" indent="-279720">
               <a:lnSpc>
                 <a:spcPct val="150000"/>
               </a:lnSpc>
@@ -6046,7 +6046,7 @@
             </a:endParaRPr>
           </a:p>
           <a:p>
-            <a:pPr marL="285840" indent="-280080">
+            <a:pPr marL="285840" indent="-279720">
               <a:lnSpc>
                 <a:spcPct val="150000"/>
               </a:lnSpc>
@@ -6091,7 +6091,7 @@
             </a:endParaRPr>
           </a:p>
           <a:p>
-            <a:pPr marL="285840" indent="-280080">
+            <a:pPr marL="285840" indent="-279720">
               <a:lnSpc>
                 <a:spcPct val="150000"/>
               </a:lnSpc>
@@ -6176,7 +6176,7 @@
         <p:spPr>
           <a:xfrm>
             <a:off x="1676520" y="2362320"/>
-            <a:ext cx="8833320" cy="912960"/>
+            <a:ext cx="8832960" cy="912600"/>
           </a:xfrm>
           <a:prstGeom prst="rect">
             <a:avLst/>
@@ -6227,7 +6227,7 @@
         <p:spPr>
           <a:xfrm>
             <a:off x="1676520" y="3531600"/>
-            <a:ext cx="8833320" cy="424800"/>
+            <a:ext cx="8832960" cy="424800"/>
           </a:xfrm>
           <a:prstGeom prst="rect">
             <a:avLst/>
@@ -6343,7 +6343,7 @@
         <p:spPr>
           <a:xfrm>
             <a:off x="1523880" y="0"/>
-            <a:ext cx="9138240" cy="699120"/>
+            <a:ext cx="9137880" cy="699120"/>
           </a:xfrm>
           <a:prstGeom prst="rect">
             <a:avLst/>
@@ -6398,7 +6398,7 @@
         <p:spPr>
           <a:xfrm>
             <a:off x="1600200" y="762120"/>
-            <a:ext cx="8985960" cy="912600"/>
+            <a:ext cx="8985600" cy="912600"/>
           </a:xfrm>
           <a:prstGeom prst="rect">
             <a:avLst/>
@@ -6499,7 +6499,7 @@
         <p:spPr>
           <a:xfrm>
             <a:off x="1600200" y="2865600"/>
-            <a:ext cx="8884080" cy="1735560"/>
+            <a:ext cx="8883720" cy="1735560"/>
           </a:xfrm>
           <a:prstGeom prst="rect">
             <a:avLst/>
@@ -6520,7 +6520,7 @@
             <a:spAutoFit/>
           </a:bodyPr>
           <a:p>
-            <a:pPr marL="285840" indent="-280080">
+            <a:pPr marL="285840" indent="-279720">
               <a:lnSpc>
                 <a:spcPct val="150000"/>
               </a:lnSpc>
@@ -6565,7 +6565,7 @@
             </a:endParaRPr>
           </a:p>
           <a:p>
-            <a:pPr marL="285840" indent="-280080">
+            <a:pPr marL="285840" indent="-279720">
               <a:lnSpc>
                 <a:spcPct val="150000"/>
               </a:lnSpc>
@@ -6610,7 +6610,7 @@
             </a:endParaRPr>
           </a:p>
           <a:p>
-            <a:pPr marL="285840" indent="-280080">
+            <a:pPr marL="285840" indent="-279720">
               <a:lnSpc>
                 <a:spcPct val="150000"/>
               </a:lnSpc>
@@ -6655,7 +6655,7 @@
             </a:endParaRPr>
           </a:p>
           <a:p>
-            <a:pPr marL="285840" indent="-280080">
+            <a:pPr marL="285840" indent="-279720">
               <a:lnSpc>
                 <a:spcPct val="150000"/>
               </a:lnSpc>
@@ -6710,7 +6710,7 @@
         <p:spPr>
           <a:xfrm>
             <a:off x="152280" y="152280"/>
-            <a:ext cx="1100880" cy="455400"/>
+            <a:ext cx="1100520" cy="455400"/>
           </a:xfrm>
           <a:prstGeom prst="rect">
             <a:avLst/>
@@ -6761,7 +6761,7 @@
         <p:spPr>
           <a:xfrm>
             <a:off x="1601280" y="2221560"/>
-            <a:ext cx="8984880" cy="699480"/>
+            <a:ext cx="8984520" cy="699480"/>
           </a:xfrm>
           <a:prstGeom prst="rect">
             <a:avLst/>
@@ -6832,7 +6832,7 @@
         <p:spPr>
           <a:xfrm>
             <a:off x="1656000" y="4713480"/>
-            <a:ext cx="8994600" cy="1364760"/>
+            <a:ext cx="8994240" cy="1364400"/>
           </a:xfrm>
           <a:prstGeom prst="rect">
             <a:avLst/>
@@ -6853,7 +6853,7 @@
             <a:noAutofit/>
           </a:bodyPr>
           <a:p>
-            <a:pPr marL="216000" indent="-213480">
+            <a:pPr marL="216000" indent="-213120">
               <a:lnSpc>
                 <a:spcPct val="150000"/>
               </a:lnSpc>
@@ -6888,7 +6888,7 @@
             </a:endParaRPr>
           </a:p>
           <a:p>
-            <a:pPr marL="216000" indent="-213480">
+            <a:pPr marL="216000" indent="-213120">
               <a:lnSpc>
                 <a:spcPct val="150000"/>
               </a:lnSpc>
@@ -6923,7 +6923,7 @@
             </a:endParaRPr>
           </a:p>
           <a:p>
-            <a:pPr marL="216000" indent="-213480">
+            <a:pPr marL="216000" indent="-213120">
               <a:lnSpc>
                 <a:spcPct val="150000"/>
               </a:lnSpc>
@@ -6958,7 +6958,7 @@
             </a:endParaRPr>
           </a:p>
           <a:p>
-            <a:pPr marL="216000" indent="-213480">
+            <a:pPr marL="216000" indent="-213120">
               <a:lnSpc>
                 <a:spcPct val="150000"/>
               </a:lnSpc>
@@ -6993,7 +6993,7 @@
             </a:endParaRPr>
           </a:p>
           <a:p>
-            <a:pPr marL="216000" indent="-213480">
+            <a:pPr marL="216000" indent="-213120">
               <a:lnSpc>
                 <a:spcPct val="150000"/>
               </a:lnSpc>
@@ -7068,7 +7068,7 @@
         <p:spPr>
           <a:xfrm>
             <a:off x="1676520" y="2362320"/>
-            <a:ext cx="8833320" cy="912960"/>
+            <a:ext cx="8832960" cy="912600"/>
           </a:xfrm>
           <a:prstGeom prst="rect">
             <a:avLst/>
@@ -7119,7 +7119,7 @@
         <p:spPr>
           <a:xfrm>
             <a:off x="1676520" y="3531600"/>
-            <a:ext cx="8833320" cy="424800"/>
+            <a:ext cx="8832960" cy="424800"/>
           </a:xfrm>
           <a:prstGeom prst="rect">
             <a:avLst/>
@@ -7235,7 +7235,7 @@
         <p:spPr>
           <a:xfrm>
             <a:off x="1523880" y="0"/>
-            <a:ext cx="9138240" cy="699120"/>
+            <a:ext cx="9137880" cy="699120"/>
           </a:xfrm>
           <a:prstGeom prst="rect">
             <a:avLst/>
@@ -7290,7 +7290,7 @@
         <p:spPr>
           <a:xfrm>
             <a:off x="1600200" y="762120"/>
-            <a:ext cx="8985960" cy="668880"/>
+            <a:ext cx="8985600" cy="668880"/>
           </a:xfrm>
           <a:prstGeom prst="rect">
             <a:avLst/>
@@ -7381,7 +7381,7 @@
         <p:spPr>
           <a:xfrm>
             <a:off x="1600200" y="3909600"/>
-            <a:ext cx="8884080" cy="1324080"/>
+            <a:ext cx="8883720" cy="1324080"/>
           </a:xfrm>
           <a:prstGeom prst="rect">
             <a:avLst/>
@@ -7402,7 +7402,7 @@
             <a:spAutoFit/>
           </a:bodyPr>
           <a:p>
-            <a:pPr marL="285840" indent="-280080">
+            <a:pPr marL="285840" indent="-279720">
               <a:lnSpc>
                 <a:spcPct val="150000"/>
               </a:lnSpc>
@@ -7447,7 +7447,7 @@
             </a:endParaRPr>
           </a:p>
           <a:p>
-            <a:pPr marL="285840" indent="-280080">
+            <a:pPr marL="285840" indent="-279720">
               <a:lnSpc>
                 <a:spcPct val="150000"/>
               </a:lnSpc>
@@ -7492,7 +7492,7 @@
             </a:endParaRPr>
           </a:p>
           <a:p>
-            <a:pPr marL="285840" indent="-280080">
+            <a:pPr marL="285840" indent="-279720">
               <a:lnSpc>
                 <a:spcPct val="150000"/>
               </a:lnSpc>
@@ -7547,7 +7547,7 @@
         <p:spPr>
           <a:xfrm>
             <a:off x="152280" y="152280"/>
-            <a:ext cx="1100880" cy="455400"/>
+            <a:ext cx="1100520" cy="455400"/>
           </a:xfrm>
           <a:prstGeom prst="rect">
             <a:avLst/>
@@ -7598,7 +7598,7 @@
         <p:spPr>
           <a:xfrm>
             <a:off x="1601280" y="2221560"/>
-            <a:ext cx="8984880" cy="699480"/>
+            <a:ext cx="8984520" cy="699480"/>
           </a:xfrm>
           <a:prstGeom prst="rect">
             <a:avLst/>
@@ -7669,7 +7669,7 @@
         <p:spPr>
           <a:xfrm>
             <a:off x="1584000" y="5246640"/>
-            <a:ext cx="8850600" cy="1011240"/>
+            <a:ext cx="8850240" cy="1010880"/>
           </a:xfrm>
           <a:prstGeom prst="rect">
             <a:avLst/>
@@ -7720,7 +7720,7 @@
             </a:endParaRPr>
           </a:p>
           <a:p>
-            <a:pPr marL="216000" indent="-210600">
+            <a:pPr marL="216000" indent="-210240">
               <a:lnSpc>
                 <a:spcPct val="100000"/>
               </a:lnSpc>
@@ -7746,7 +7746,7 @@
             </a:endParaRPr>
           </a:p>
           <a:p>
-            <a:pPr marL="216000" indent="-210600">
+            <a:pPr marL="216000" indent="-210240">
               <a:lnSpc>
                 <a:spcPct val="100000"/>
               </a:lnSpc>
@@ -7782,7 +7782,7 @@
         <p:spPr>
           <a:xfrm>
             <a:off x="1576080" y="3161880"/>
-            <a:ext cx="9578520" cy="648720"/>
+            <a:ext cx="9578160" cy="648360"/>
           </a:xfrm>
           <a:prstGeom prst="rect">
             <a:avLst/>
@@ -7893,7 +7893,7 @@
         <p:spPr>
           <a:xfrm>
             <a:off x="1676520" y="2362320"/>
-            <a:ext cx="8833320" cy="912960"/>
+            <a:ext cx="8832960" cy="912600"/>
           </a:xfrm>
           <a:prstGeom prst="rect">
             <a:avLst/>
@@ -7944,7 +7944,7 @@
         <p:spPr>
           <a:xfrm>
             <a:off x="1676520" y="3531600"/>
-            <a:ext cx="8833320" cy="424800"/>
+            <a:ext cx="8832960" cy="424800"/>
           </a:xfrm>
           <a:prstGeom prst="rect">
             <a:avLst/>
@@ -8025,7 +8025,7 @@
         <p:spPr>
           <a:xfrm>
             <a:off x="1676520" y="2362320"/>
-            <a:ext cx="8833320" cy="912960"/>
+            <a:ext cx="8832960" cy="912600"/>
           </a:xfrm>
           <a:prstGeom prst="rect">
             <a:avLst/>
@@ -8076,7 +8076,7 @@
         <p:spPr>
           <a:xfrm>
             <a:off x="522360" y="3531600"/>
-            <a:ext cx="11245680" cy="1765440"/>
+            <a:ext cx="11245320" cy="1765440"/>
           </a:xfrm>
           <a:prstGeom prst="rect">
             <a:avLst/>
@@ -8127,7 +8127,7 @@
         <p:spPr>
           <a:xfrm>
             <a:off x="1666800" y="609480"/>
-            <a:ext cx="8833320" cy="394560"/>
+            <a:ext cx="8832960" cy="394560"/>
           </a:xfrm>
           <a:prstGeom prst="rect">
             <a:avLst/>
@@ -8243,7 +8243,7 @@
         <p:spPr>
           <a:xfrm>
             <a:off x="1523880" y="0"/>
-            <a:ext cx="9138240" cy="699120"/>
+            <a:ext cx="9137880" cy="699120"/>
           </a:xfrm>
           <a:prstGeom prst="rect">
             <a:avLst/>
@@ -8298,7 +8298,7 @@
         <p:spPr>
           <a:xfrm>
             <a:off x="1600200" y="762120"/>
-            <a:ext cx="8985960" cy="1735560"/>
+            <a:ext cx="8985600" cy="1735560"/>
           </a:xfrm>
           <a:prstGeom prst="rect">
             <a:avLst/>
@@ -8399,7 +8399,7 @@
         <p:spPr>
           <a:xfrm>
             <a:off x="1600200" y="3585600"/>
-            <a:ext cx="8884080" cy="2558520"/>
+            <a:ext cx="8883720" cy="2558520"/>
           </a:xfrm>
           <a:prstGeom prst="rect">
             <a:avLst/>
@@ -8440,7 +8440,7 @@
             </a:endParaRPr>
           </a:p>
           <a:p>
-            <a:pPr marL="285840" indent="-280080">
+            <a:pPr marL="285840" indent="-279720">
               <a:lnSpc>
                 <a:spcPct val="150000"/>
               </a:lnSpc>
@@ -8485,7 +8485,7 @@
             </a:endParaRPr>
           </a:p>
           <a:p>
-            <a:pPr marL="285840" indent="-280080">
+            <a:pPr marL="285840" indent="-279720">
               <a:lnSpc>
                 <a:spcPct val="150000"/>
               </a:lnSpc>
@@ -8550,7 +8550,7 @@
             </a:endParaRPr>
           </a:p>
           <a:p>
-            <a:pPr marL="285840" indent="-280080">
+            <a:pPr marL="285840" indent="-279720">
               <a:lnSpc>
                 <a:spcPct val="150000"/>
               </a:lnSpc>
@@ -8595,7 +8595,7 @@
             </a:endParaRPr>
           </a:p>
           <a:p>
-            <a:pPr marL="285840" indent="-280080">
+            <a:pPr marL="285840" indent="-279720">
               <a:lnSpc>
                 <a:spcPct val="150000"/>
               </a:lnSpc>
@@ -8650,7 +8650,7 @@
         <p:spPr>
           <a:xfrm>
             <a:off x="152280" y="152280"/>
-            <a:ext cx="1100880" cy="455400"/>
+            <a:ext cx="1100520" cy="455400"/>
           </a:xfrm>
           <a:prstGeom prst="rect">
             <a:avLst/>
@@ -8701,7 +8701,7 @@
         <p:spPr>
           <a:xfrm>
             <a:off x="1601280" y="2761560"/>
-            <a:ext cx="8984880" cy="699480"/>
+            <a:ext cx="8984520" cy="699480"/>
           </a:xfrm>
           <a:prstGeom prst="rect">
             <a:avLst/>
@@ -8802,7 +8802,7 @@
         <p:spPr>
           <a:xfrm>
             <a:off x="1676520" y="2362320"/>
-            <a:ext cx="8833320" cy="912960"/>
+            <a:ext cx="8832960" cy="912600"/>
           </a:xfrm>
           <a:prstGeom prst="rect">
             <a:avLst/>
@@ -8853,7 +8853,7 @@
         <p:spPr>
           <a:xfrm>
             <a:off x="1676520" y="5331600"/>
-            <a:ext cx="8833320" cy="424800"/>
+            <a:ext cx="8832960" cy="424800"/>
           </a:xfrm>
           <a:prstGeom prst="rect">
             <a:avLst/>
@@ -8934,7 +8934,7 @@
         <p:spPr>
           <a:xfrm>
             <a:off x="1523880" y="0"/>
-            <a:ext cx="9138240" cy="699120"/>
+            <a:ext cx="9137880" cy="699120"/>
           </a:xfrm>
           <a:prstGeom prst="rect">
             <a:avLst/>
@@ -8989,7 +8989,7 @@
         <p:spPr>
           <a:xfrm>
             <a:off x="1600200" y="762120"/>
-            <a:ext cx="8985960" cy="2284200"/>
+            <a:ext cx="8985600" cy="2284200"/>
           </a:xfrm>
           <a:prstGeom prst="rect">
             <a:avLst/>
@@ -9130,7 +9130,7 @@
         <p:spPr>
           <a:xfrm>
             <a:off x="152280" y="152280"/>
-            <a:ext cx="1100880" cy="455400"/>
+            <a:ext cx="1100520" cy="455400"/>
           </a:xfrm>
           <a:prstGeom prst="rect">
             <a:avLst/>
@@ -9181,7 +9181,7 @@
         <p:spPr>
           <a:xfrm>
             <a:off x="1601280" y="3157560"/>
-            <a:ext cx="8984880" cy="1004400"/>
+            <a:ext cx="8984520" cy="1004400"/>
           </a:xfrm>
           <a:prstGeom prst="rect">
             <a:avLst/>
@@ -9272,7 +9272,7 @@
         <p:spPr>
           <a:xfrm>
             <a:off x="864000" y="4197600"/>
-            <a:ext cx="11013840" cy="1324080"/>
+            <a:ext cx="11013480" cy="1324080"/>
           </a:xfrm>
           <a:prstGeom prst="rect">
             <a:avLst/>
@@ -9293,7 +9293,7 @@
             <a:spAutoFit/>
           </a:bodyPr>
           <a:p>
-            <a:pPr marL="285840" indent="-280080">
+            <a:pPr marL="285840" indent="-279720">
               <a:lnSpc>
                 <a:spcPct val="150000"/>
               </a:lnSpc>
@@ -9338,7 +9338,7 @@
             </a:endParaRPr>
           </a:p>
           <a:p>
-            <a:pPr marL="285840" indent="-280080">
+            <a:pPr marL="285840" indent="-279720">
               <a:lnSpc>
                 <a:spcPct val="150000"/>
               </a:lnSpc>
@@ -9383,7 +9383,7 @@
             </a:endParaRPr>
           </a:p>
           <a:p>
-            <a:pPr marL="285840" indent="-280080">
+            <a:pPr marL="285840" indent="-279720">
               <a:lnSpc>
                 <a:spcPct val="150000"/>
               </a:lnSpc>
@@ -9473,7 +9473,7 @@
         <p:spPr>
           <a:xfrm>
             <a:off x="1584000" y="5610240"/>
-            <a:ext cx="8850600" cy="1011240"/>
+            <a:ext cx="8850240" cy="1010880"/>
           </a:xfrm>
           <a:prstGeom prst="rect">
             <a:avLst/>
@@ -9524,7 +9524,7 @@
             </a:endParaRPr>
           </a:p>
           <a:p>
-            <a:pPr marL="285840" indent="-282960">
+            <a:pPr marL="285840" indent="-282600">
               <a:lnSpc>
                 <a:spcPct val="100000"/>
               </a:lnSpc>
@@ -9549,7 +9549,7 @@
             </a:endParaRPr>
           </a:p>
           <a:p>
-            <a:pPr marL="285840" indent="-282960">
+            <a:pPr marL="285840" indent="-282600">
               <a:lnSpc>
                 <a:spcPct val="100000"/>
               </a:lnSpc>
@@ -9614,7 +9614,7 @@
         <p:spPr>
           <a:xfrm>
             <a:off x="1676520" y="2362320"/>
-            <a:ext cx="8833320" cy="912960"/>
+            <a:ext cx="8832960" cy="912600"/>
           </a:xfrm>
           <a:prstGeom prst="rect">
             <a:avLst/>
@@ -9665,7 +9665,7 @@
         <p:spPr>
           <a:xfrm>
             <a:off x="1676520" y="5331600"/>
-            <a:ext cx="8833320" cy="424800"/>
+            <a:ext cx="8832960" cy="424800"/>
           </a:xfrm>
           <a:prstGeom prst="rect">
             <a:avLst/>
@@ -9746,7 +9746,7 @@
         <p:spPr>
           <a:xfrm>
             <a:off x="1523880" y="0"/>
-            <a:ext cx="9138240" cy="699120"/>
+            <a:ext cx="9137880" cy="699120"/>
           </a:xfrm>
           <a:prstGeom prst="rect">
             <a:avLst/>
@@ -9801,7 +9801,7 @@
         <p:spPr>
           <a:xfrm>
             <a:off x="1600200" y="762120"/>
-            <a:ext cx="8985960" cy="2558520"/>
+            <a:ext cx="8985600" cy="2558520"/>
           </a:xfrm>
           <a:prstGeom prst="rect">
             <a:avLst/>
@@ -9942,7 +9942,7 @@
         <p:spPr>
           <a:xfrm>
             <a:off x="152280" y="152280"/>
-            <a:ext cx="1100880" cy="455400"/>
+            <a:ext cx="1100520" cy="455400"/>
           </a:xfrm>
           <a:prstGeom prst="rect">
             <a:avLst/>
@@ -9993,7 +9993,7 @@
         <p:spPr>
           <a:xfrm>
             <a:off x="1601280" y="3553560"/>
-            <a:ext cx="8984880" cy="1004400"/>
+            <a:ext cx="8984520" cy="1004400"/>
           </a:xfrm>
           <a:prstGeom prst="rect">
             <a:avLst/>
@@ -10084,7 +10084,7 @@
         <p:spPr>
           <a:xfrm>
             <a:off x="1600200" y="4593600"/>
-            <a:ext cx="8884080" cy="912600"/>
+            <a:ext cx="8883720" cy="912600"/>
           </a:xfrm>
           <a:prstGeom prst="rect">
             <a:avLst/>
@@ -10105,7 +10105,7 @@
             <a:spAutoFit/>
           </a:bodyPr>
           <a:p>
-            <a:pPr marL="285840" indent="-280080">
+            <a:pPr marL="285840" indent="-279720">
               <a:lnSpc>
                 <a:spcPct val="150000"/>
               </a:lnSpc>
@@ -10150,7 +10150,7 @@
             </a:endParaRPr>
           </a:p>
           <a:p>
-            <a:pPr marL="285840" indent="-280080">
+            <a:pPr marL="285840" indent="-279720">
               <a:lnSpc>
                 <a:spcPct val="150000"/>
               </a:lnSpc>
@@ -10240,7 +10240,7 @@
         <p:spPr>
           <a:xfrm>
             <a:off x="1584000" y="5790240"/>
-            <a:ext cx="8850600" cy="75600"/>
+            <a:ext cx="8850240" cy="75240"/>
           </a:xfrm>
           <a:prstGeom prst="rect">
             <a:avLst/>
@@ -10291,7 +10291,7 @@
             </a:endParaRPr>
           </a:p>
           <a:p>
-            <a:pPr marL="285840" indent="-282960">
+            <a:pPr marL="285840" indent="-282600">
               <a:lnSpc>
                 <a:spcPct val="100000"/>
               </a:lnSpc>
@@ -10356,7 +10356,7 @@
         <p:spPr>
           <a:xfrm>
             <a:off x="1676520" y="2362320"/>
-            <a:ext cx="8833320" cy="912960"/>
+            <a:ext cx="8832960" cy="912600"/>
           </a:xfrm>
           <a:prstGeom prst="rect">
             <a:avLst/>
@@ -10407,7 +10407,7 @@
         <p:spPr>
           <a:xfrm>
             <a:off x="1676520" y="5331600"/>
-            <a:ext cx="8833320" cy="424800"/>
+            <a:ext cx="8832960" cy="424800"/>
           </a:xfrm>
           <a:prstGeom prst="rect">
             <a:avLst/>
@@ -10488,7 +10488,7 @@
         <p:spPr>
           <a:xfrm>
             <a:off x="1523880" y="0"/>
-            <a:ext cx="9138240" cy="699120"/>
+            <a:ext cx="9137880" cy="699120"/>
           </a:xfrm>
           <a:prstGeom prst="rect">
             <a:avLst/>
@@ -10543,7 +10543,7 @@
         <p:spPr>
           <a:xfrm>
             <a:off x="1600200" y="762120"/>
-            <a:ext cx="8985960" cy="1461240"/>
+            <a:ext cx="8985600" cy="1461240"/>
           </a:xfrm>
           <a:prstGeom prst="rect">
             <a:avLst/>
@@ -10644,7 +10644,7 @@
         <p:spPr>
           <a:xfrm>
             <a:off x="152280" y="152280"/>
-            <a:ext cx="1100880" cy="455400"/>
+            <a:ext cx="1100520" cy="455400"/>
           </a:xfrm>
           <a:prstGeom prst="rect">
             <a:avLst/>
@@ -10695,7 +10695,7 @@
         <p:spPr>
           <a:xfrm>
             <a:off x="1601280" y="2689560"/>
-            <a:ext cx="8984880" cy="699480"/>
+            <a:ext cx="8984520" cy="699480"/>
           </a:xfrm>
           <a:prstGeom prst="rect">
             <a:avLst/>
@@ -10766,7 +10766,7 @@
         <p:spPr>
           <a:xfrm>
             <a:off x="1600200" y="3621600"/>
-            <a:ext cx="8884080" cy="912600"/>
+            <a:ext cx="8883720" cy="912600"/>
           </a:xfrm>
           <a:prstGeom prst="rect">
             <a:avLst/>
@@ -10787,7 +10787,7 @@
             <a:spAutoFit/>
           </a:bodyPr>
           <a:p>
-            <a:pPr marL="285840" indent="-280080">
+            <a:pPr marL="285840" indent="-279720">
               <a:lnSpc>
                 <a:spcPct val="150000"/>
               </a:lnSpc>
@@ -10832,7 +10832,7 @@
             </a:endParaRPr>
           </a:p>
           <a:p>
-            <a:pPr marL="285840" indent="-280080">
+            <a:pPr marL="285840" indent="-279720">
               <a:lnSpc>
                 <a:spcPct val="150000"/>
               </a:lnSpc>
@@ -10922,7 +10922,7 @@
         <p:spPr>
           <a:xfrm>
             <a:off x="1584000" y="5106240"/>
-            <a:ext cx="8850600" cy="75600"/>
+            <a:ext cx="8850240" cy="75240"/>
           </a:xfrm>
           <a:prstGeom prst="rect">
             <a:avLst/>
@@ -10973,7 +10973,7 @@
             </a:endParaRPr>
           </a:p>
           <a:p>
-            <a:pPr marL="285840" indent="-282960">
+            <a:pPr marL="285840" indent="-282600">
               <a:lnSpc>
                 <a:spcPct val="100000"/>
               </a:lnSpc>
@@ -11038,7 +11038,7 @@
         <p:spPr>
           <a:xfrm>
             <a:off x="1676520" y="2362320"/>
-            <a:ext cx="8833320" cy="912960"/>
+            <a:ext cx="8832960" cy="912600"/>
           </a:xfrm>
           <a:prstGeom prst="rect">
             <a:avLst/>
@@ -11089,7 +11089,7 @@
         <p:spPr>
           <a:xfrm>
             <a:off x="1676520" y="5331600"/>
-            <a:ext cx="8833320" cy="424800"/>
+            <a:ext cx="8832960" cy="424800"/>
           </a:xfrm>
           <a:prstGeom prst="rect">
             <a:avLst/>
@@ -11170,7 +11170,7 @@
         <p:spPr>
           <a:xfrm>
             <a:off x="1523880" y="0"/>
-            <a:ext cx="9138240" cy="699120"/>
+            <a:ext cx="9137880" cy="699120"/>
           </a:xfrm>
           <a:prstGeom prst="rect">
             <a:avLst/>
@@ -11225,7 +11225,7 @@
         <p:spPr>
           <a:xfrm>
             <a:off x="1600200" y="762120"/>
-            <a:ext cx="8985960" cy="1186920"/>
+            <a:ext cx="8985600" cy="1186920"/>
           </a:xfrm>
           <a:prstGeom prst="rect">
             <a:avLst/>
@@ -11326,7 +11326,7 @@
         <p:spPr>
           <a:xfrm>
             <a:off x="152280" y="152280"/>
-            <a:ext cx="1100880" cy="455400"/>
+            <a:ext cx="1100520" cy="455400"/>
           </a:xfrm>
           <a:prstGeom prst="rect">
             <a:avLst/>
@@ -11377,7 +11377,7 @@
         <p:spPr>
           <a:xfrm>
             <a:off x="1601280" y="2689560"/>
-            <a:ext cx="8984880" cy="699480"/>
+            <a:ext cx="8984520" cy="699480"/>
           </a:xfrm>
           <a:prstGeom prst="rect">
             <a:avLst/>
@@ -11448,7 +11448,7 @@
         <p:spPr>
           <a:xfrm>
             <a:off x="1600200" y="3621600"/>
-            <a:ext cx="8884080" cy="912600"/>
+            <a:ext cx="8883720" cy="912600"/>
           </a:xfrm>
           <a:prstGeom prst="rect">
             <a:avLst/>
@@ -11469,7 +11469,7 @@
             <a:spAutoFit/>
           </a:bodyPr>
           <a:p>
-            <a:pPr marL="285840" indent="-280080">
+            <a:pPr marL="285840" indent="-279720">
               <a:lnSpc>
                 <a:spcPct val="150000"/>
               </a:lnSpc>
@@ -11514,7 +11514,7 @@
             </a:endParaRPr>
           </a:p>
           <a:p>
-            <a:pPr marL="285840" indent="-280080">
+            <a:pPr marL="285840" indent="-279720">
               <a:lnSpc>
                 <a:spcPct val="150000"/>
               </a:lnSpc>
@@ -11634,7 +11634,7 @@
         <p:spPr>
           <a:xfrm>
             <a:off x="1676520" y="2362320"/>
-            <a:ext cx="8833320" cy="1735920"/>
+            <a:ext cx="8832960" cy="1735560"/>
           </a:xfrm>
           <a:prstGeom prst="rect">
             <a:avLst/>
@@ -11685,7 +11685,7 @@
         <p:spPr>
           <a:xfrm>
             <a:off x="1676520" y="5331600"/>
-            <a:ext cx="8833320" cy="424800"/>
+            <a:ext cx="8832960" cy="424800"/>
           </a:xfrm>
           <a:prstGeom prst="rect">
             <a:avLst/>
@@ -11801,7 +11801,7 @@
         <p:spPr>
           <a:xfrm>
             <a:off x="1676520" y="2743200"/>
-            <a:ext cx="8833320" cy="1064520"/>
+            <a:ext cx="8832960" cy="1064520"/>
           </a:xfrm>
           <a:prstGeom prst="rect">
             <a:avLst/>
@@ -11822,7 +11822,7 @@
             <a:spAutoFit/>
           </a:bodyPr>
           <a:p>
-            <a:pPr marL="343080" indent="-337320">
+            <a:pPr marL="343080" indent="-336960">
               <a:lnSpc>
                 <a:spcPct val="100000"/>
               </a:lnSpc>
@@ -11877,7 +11877,7 @@
             </a:endParaRPr>
           </a:p>
           <a:p>
-            <a:pPr marL="343080" indent="-337320">
+            <a:pPr marL="343080" indent="-336960">
               <a:lnSpc>
                 <a:spcPct val="100000"/>
               </a:lnSpc>
@@ -12013,7 +12013,7 @@
         <p:spPr>
           <a:xfrm>
             <a:off x="1600200" y="762120"/>
-            <a:ext cx="8985960" cy="699480"/>
+            <a:ext cx="8985600" cy="699480"/>
           </a:xfrm>
           <a:prstGeom prst="rect">
             <a:avLst/>
@@ -12074,7 +12074,7 @@
         <p:spPr>
           <a:xfrm>
             <a:off x="1523880" y="5067720"/>
-            <a:ext cx="9138240" cy="790560"/>
+            <a:ext cx="9137880" cy="790560"/>
           </a:xfrm>
           <a:prstGeom prst="rect">
             <a:avLst/>
@@ -12135,7 +12135,7 @@
             </a:endParaRPr>
           </a:p>
           <a:p>
-            <a:pPr marL="285840" indent="-280080">
+            <a:pPr marL="285840" indent="-279720">
               <a:lnSpc>
                 <a:spcPct val="100000"/>
               </a:lnSpc>
@@ -12180,7 +12180,7 @@
         <p:spPr>
           <a:xfrm>
             <a:off x="1584000" y="4287960"/>
-            <a:ext cx="8706600" cy="350640"/>
+            <a:ext cx="8706240" cy="350280"/>
           </a:xfrm>
           <a:prstGeom prst="rect">
             <a:avLst/>
@@ -12251,7 +12251,7 @@
         <p:spPr>
           <a:xfrm>
             <a:off x="1523880" y="0"/>
-            <a:ext cx="9140400" cy="699120"/>
+            <a:ext cx="9140040" cy="699120"/>
           </a:xfrm>
           <a:prstGeom prst="rect">
             <a:avLst/>
@@ -12356,7 +12356,7 @@
         <p:spPr>
           <a:xfrm>
             <a:off x="1523880" y="0"/>
-            <a:ext cx="9138240" cy="699120"/>
+            <a:ext cx="9137880" cy="699120"/>
           </a:xfrm>
           <a:prstGeom prst="rect">
             <a:avLst/>
@@ -12411,7 +12411,7 @@
         <p:spPr>
           <a:xfrm>
             <a:off x="1600200" y="762120"/>
-            <a:ext cx="8985960" cy="2558520"/>
+            <a:ext cx="8985600" cy="2558520"/>
           </a:xfrm>
           <a:prstGeom prst="rect">
             <a:avLst/>
@@ -12672,7 +12672,7 @@
         <p:spPr>
           <a:xfrm>
             <a:off x="152280" y="152280"/>
-            <a:ext cx="1100880" cy="455400"/>
+            <a:ext cx="1100520" cy="455400"/>
           </a:xfrm>
           <a:prstGeom prst="rect">
             <a:avLst/>
@@ -12723,7 +12723,7 @@
         <p:spPr>
           <a:xfrm>
             <a:off x="1601280" y="3553560"/>
-            <a:ext cx="8984880" cy="1309320"/>
+            <a:ext cx="8984520" cy="1309320"/>
           </a:xfrm>
           <a:prstGeom prst="rect">
             <a:avLst/>
@@ -12834,7 +12834,7 @@
         <p:spPr>
           <a:xfrm>
             <a:off x="1600200" y="4989600"/>
-            <a:ext cx="8884080" cy="1735560"/>
+            <a:ext cx="8883720" cy="1735560"/>
           </a:xfrm>
           <a:prstGeom prst="rect">
             <a:avLst/>
@@ -12855,7 +12855,7 @@
             <a:spAutoFit/>
           </a:bodyPr>
           <a:p>
-            <a:pPr marL="285840" indent="-280080">
+            <a:pPr marL="285840" indent="-279720">
               <a:lnSpc>
                 <a:spcPct val="150000"/>
               </a:lnSpc>
@@ -12900,7 +12900,7 @@
             </a:endParaRPr>
           </a:p>
           <a:p>
-            <a:pPr marL="285840" indent="-280080">
+            <a:pPr marL="285840" indent="-279720">
               <a:lnSpc>
                 <a:spcPct val="150000"/>
               </a:lnSpc>
@@ -12945,7 +12945,7 @@
             </a:endParaRPr>
           </a:p>
           <a:p>
-            <a:pPr marL="285840" indent="-280080">
+            <a:pPr marL="285840" indent="-279720">
               <a:lnSpc>
                 <a:spcPct val="150000"/>
               </a:lnSpc>
@@ -13010,7 +13010,7 @@
             </a:endParaRPr>
           </a:p>
           <a:p>
-            <a:pPr marL="285840" indent="-280080">
+            <a:pPr marL="285840" indent="-279720">
               <a:lnSpc>
                 <a:spcPct val="150000"/>
               </a:lnSpc>
@@ -13130,7 +13130,7 @@
         <p:spPr>
           <a:xfrm>
             <a:off x="1676520" y="2362320"/>
-            <a:ext cx="8833320" cy="1735920"/>
+            <a:ext cx="8832960" cy="1735560"/>
           </a:xfrm>
           <a:prstGeom prst="rect">
             <a:avLst/>
@@ -13181,7 +13181,7 @@
         <p:spPr>
           <a:xfrm>
             <a:off x="1800000" y="4248000"/>
-            <a:ext cx="8833320" cy="424800"/>
+            <a:ext cx="8832960" cy="424800"/>
           </a:xfrm>
           <a:prstGeom prst="rect">
             <a:avLst/>
@@ -13262,7 +13262,7 @@
         <p:spPr>
           <a:xfrm>
             <a:off x="1523880" y="0"/>
-            <a:ext cx="9138240" cy="699120"/>
+            <a:ext cx="9137880" cy="699120"/>
           </a:xfrm>
           <a:prstGeom prst="rect">
             <a:avLst/>
@@ -13317,7 +13317,7 @@
         <p:spPr>
           <a:xfrm>
             <a:off x="1600200" y="762120"/>
-            <a:ext cx="8985960" cy="2284200"/>
+            <a:ext cx="8985600" cy="2284200"/>
           </a:xfrm>
           <a:prstGeom prst="rect">
             <a:avLst/>
@@ -13458,7 +13458,7 @@
         <p:spPr>
           <a:xfrm>
             <a:off x="152280" y="152280"/>
-            <a:ext cx="1100880" cy="455400"/>
+            <a:ext cx="1100520" cy="455400"/>
           </a:xfrm>
           <a:prstGeom prst="rect">
             <a:avLst/>
@@ -13509,7 +13509,7 @@
         <p:spPr>
           <a:xfrm>
             <a:off x="1601280" y="3337560"/>
-            <a:ext cx="8984880" cy="1004400"/>
+            <a:ext cx="8984520" cy="1004400"/>
           </a:xfrm>
           <a:prstGeom prst="rect">
             <a:avLst/>
@@ -13600,7 +13600,7 @@
         <p:spPr>
           <a:xfrm>
             <a:off x="1600200" y="4557600"/>
-            <a:ext cx="8884080" cy="1324080"/>
+            <a:ext cx="8883720" cy="1324080"/>
           </a:xfrm>
           <a:prstGeom prst="rect">
             <a:avLst/>
@@ -13621,7 +13621,7 @@
             <a:spAutoFit/>
           </a:bodyPr>
           <a:p>
-            <a:pPr marL="285840" indent="-280080">
+            <a:pPr marL="285840" indent="-279720">
               <a:lnSpc>
                 <a:spcPct val="150000"/>
               </a:lnSpc>
@@ -13666,7 +13666,7 @@
             </a:endParaRPr>
           </a:p>
           <a:p>
-            <a:pPr marL="285840" indent="-280080">
+            <a:pPr marL="285840" indent="-279720">
               <a:lnSpc>
                 <a:spcPct val="150000"/>
               </a:lnSpc>
@@ -13711,7 +13711,7 @@
             </a:endParaRPr>
           </a:p>
           <a:p>
-            <a:pPr marL="285840" indent="-280080">
+            <a:pPr marL="285840" indent="-279720">
               <a:lnSpc>
                 <a:spcPct val="150000"/>
               </a:lnSpc>
@@ -13831,7 +13831,7 @@
         <p:spPr>
           <a:xfrm>
             <a:off x="1676520" y="2362320"/>
-            <a:ext cx="8833320" cy="912960"/>
+            <a:ext cx="8832960" cy="912600"/>
           </a:xfrm>
           <a:prstGeom prst="rect">
             <a:avLst/>
@@ -13882,7 +13882,7 @@
         <p:spPr>
           <a:xfrm>
             <a:off x="1666800" y="609480"/>
-            <a:ext cx="8833320" cy="394560"/>
+            <a:ext cx="8832960" cy="394560"/>
           </a:xfrm>
           <a:prstGeom prst="rect">
             <a:avLst/>
@@ -13933,7 +13933,7 @@
         <p:spPr>
           <a:xfrm>
             <a:off x="1676520" y="3531600"/>
-            <a:ext cx="8833320" cy="1765440"/>
+            <a:ext cx="8832960" cy="1765440"/>
           </a:xfrm>
           <a:prstGeom prst="rect">
             <a:avLst/>
@@ -14034,7 +14034,7 @@
         <p:spPr>
           <a:xfrm>
             <a:off x="1676520" y="2362320"/>
-            <a:ext cx="8833320" cy="913320"/>
+            <a:ext cx="8832960" cy="912960"/>
           </a:xfrm>
           <a:prstGeom prst="rect">
             <a:avLst/>
@@ -14085,7 +14085,7 @@
         <p:spPr>
           <a:xfrm>
             <a:off x="1800000" y="4248000"/>
-            <a:ext cx="8833320" cy="424800"/>
+            <a:ext cx="8832960" cy="424800"/>
           </a:xfrm>
           <a:prstGeom prst="rect">
             <a:avLst/>
@@ -14166,7 +14166,7 @@
         <p:spPr>
           <a:xfrm>
             <a:off x="1523880" y="0"/>
-            <a:ext cx="9138240" cy="699840"/>
+            <a:ext cx="9137880" cy="699480"/>
           </a:xfrm>
           <a:prstGeom prst="rect">
             <a:avLst/>
@@ -14221,7 +14221,7 @@
         <p:spPr>
           <a:xfrm>
             <a:off x="1600200" y="762120"/>
-            <a:ext cx="8985960" cy="1461960"/>
+            <a:ext cx="8985600" cy="1461600"/>
           </a:xfrm>
           <a:prstGeom prst="rect">
             <a:avLst/>
@@ -14242,7 +14242,11 @@
             <a:spAutoFit/>
           </a:bodyPr>
           <a:p>
-            <a:pPr algn="just"/>
+            <a:pPr algn="just">
+              <a:lnSpc>
+                <a:spcPct val="100000"/>
+              </a:lnSpc>
+            </a:pPr>
             <a:r>
               <a:rPr b="1" lang="en-US" sz="1800" spc="-1" strike="noStrike">
                 <a:solidFill>
@@ -14255,6 +14259,9 @@
             </a:r>
             <a:r>
               <a:rPr b="0" lang="en-US" sz="1800" spc="-1" strike="noStrike">
+                <a:solidFill>
+                  <a:srgbClr val="000000"/>
+                </a:solidFill>
                 <a:latin typeface="Arial"/>
                 <a:ea typeface="DejaVu Sans"/>
               </a:rPr>
@@ -14292,6 +14299,9 @@
             </a:r>
             <a:r>
               <a:rPr b="0" lang="en-US" sz="1800" spc="-1" strike="noStrike">
+                <a:solidFill>
+                  <a:srgbClr val="000000"/>
+                </a:solidFill>
                 <a:latin typeface="Arial"/>
                 <a:ea typeface="DejaVu Sans"/>
               </a:rPr>
@@ -14312,7 +14322,7 @@
         <p:spPr>
           <a:xfrm>
             <a:off x="152280" y="152280"/>
-            <a:ext cx="1100880" cy="455400"/>
+            <a:ext cx="1100520" cy="455400"/>
           </a:xfrm>
           <a:prstGeom prst="rect">
             <a:avLst/>
@@ -14363,7 +14373,7 @@
         <p:spPr>
           <a:xfrm>
             <a:off x="1601280" y="2725560"/>
-            <a:ext cx="8984880" cy="700200"/>
+            <a:ext cx="8984520" cy="699840"/>
           </a:xfrm>
           <a:prstGeom prst="rect">
             <a:avLst/>
@@ -14434,7 +14444,7 @@
         <p:spPr>
           <a:xfrm>
             <a:off x="1600200" y="3585600"/>
-            <a:ext cx="8884080" cy="913320"/>
+            <a:ext cx="8883720" cy="912960"/>
           </a:xfrm>
           <a:prstGeom prst="rect">
             <a:avLst/>
@@ -14455,7 +14465,7 @@
             <a:spAutoFit/>
           </a:bodyPr>
           <a:p>
-            <a:pPr marL="285840" indent="-280080">
+            <a:pPr marL="285840" indent="-279720">
               <a:lnSpc>
                 <a:spcPct val="150000"/>
               </a:lnSpc>
@@ -14500,7 +14510,7 @@
             </a:endParaRPr>
           </a:p>
           <a:p>
-            <a:pPr marL="285840" indent="-280080">
+            <a:pPr marL="285840" indent="-279720">
               <a:lnSpc>
                 <a:spcPct val="150000"/>
               </a:lnSpc>
@@ -14538,17 +14548,7 @@
                 <a:latin typeface="Consolas"/>
                 <a:ea typeface="SimSun"/>
               </a:rPr>
-              <a:t>r</a:t>
-            </a:r>
-            <a:r>
-              <a:rPr b="0" lang="en-IN" sz="1800" spc="-1" strike="noStrike">
-                <a:solidFill>
-                  <a:srgbClr val="ff5733"/>
-                </a:solidFill>
-                <a:latin typeface="Consolas"/>
-                <a:ea typeface="SimSun"/>
-              </a:rPr>
-              <a:t>push fruits banana grapes kiwi</a:t>
+              <a:t>rpush fruits banana grapes kiwi</a:t>
             </a:r>
             <a:endParaRPr b="0" lang="en-IN" sz="1800" spc="-1" strike="noStrike">
               <a:latin typeface="Arial"/>
@@ -14593,14 +14593,14 @@
       </p:sp>
       <p:sp>
         <p:nvSpPr>
-          <p:cNvPr id="238" name="TextShape 7"/>
-          <p:cNvSpPr txBox="1"/>
+          <p:cNvPr id="238" name="CustomShape 7"/>
+          <p:cNvSpPr/>
           <p:nvPr/>
         </p:nvSpPr>
         <p:spPr>
           <a:xfrm>
             <a:off x="5256000" y="5472000"/>
-            <a:ext cx="5137200" cy="795960"/>
+            <a:ext cx="5136840" cy="795600"/>
           </a:xfrm>
           <a:prstGeom prst="rect">
             <a:avLst/>
@@ -14610,6 +14610,12 @@
             <a:noFill/>
           </a:ln>
         </p:spPr>
+        <p:style>
+          <a:lnRef idx="0"/>
+          <a:fillRef idx="0"/>
+          <a:effectRef idx="0"/>
+          <a:fontRef idx="minor"/>
+        </p:style>
         <p:txBody>
           <a:bodyPr lIns="0" rIns="0" tIns="0" bIns="0">
             <a:noAutofit/>
@@ -14627,16 +14633,16 @@
                 </a:solidFill>
                 <a:latin typeface="Consolas"/>
               </a:rPr>
-              <a:t>127.</a:t>
-            </a:r>
-            <a:r>
-              <a:rPr b="0" lang="en-IN" sz="1800" spc="-1" strike="noStrike">
+              <a:t>127.0.0.1:6379</a:t>
+            </a:r>
+            <a:r>
+              <a:rPr b="1" lang="en-IN" sz="1800" spc="-1" strike="noStrike">
                 <a:solidFill>
                   <a:srgbClr val="808080"/>
                 </a:solidFill>
                 <a:latin typeface="Consolas"/>
               </a:rPr>
-              <a:t>0.0.</a:t>
+              <a:t>[3]</a:t>
             </a:r>
             <a:r>
               <a:rPr b="0" lang="en-IN" sz="1800" spc="-1" strike="noStrike">
@@ -14645,8 +14651,27 @@
                 </a:solidFill>
                 <a:latin typeface="Consolas"/>
               </a:rPr>
-              <a:t>1:63</a:t>
-            </a:r>
+              <a:t>&gt; </a:t>
+            </a:r>
+            <a:r>
+              <a:rPr b="0" lang="en-IN" sz="1800" spc="-1" strike="noStrike">
+                <a:solidFill>
+                  <a:srgbClr val="1de9b6"/>
+                </a:solidFill>
+                <a:latin typeface="Consolas"/>
+              </a:rPr>
+              <a:t>lpush a 0 1 2 3 4</a:t>
+            </a:r>
+            <a:endParaRPr b="0" lang="en-IN" sz="1800" spc="-1" strike="noStrike">
+              <a:latin typeface="Arial"/>
+            </a:endParaRPr>
+          </a:p>
+          <a:p>
+            <a:pPr>
+              <a:lnSpc>
+                <a:spcPct val="150000"/>
+              </a:lnSpc>
+            </a:pPr>
             <a:r>
               <a:rPr b="0" lang="en-IN" sz="1800" spc="-1" strike="noStrike">
                 <a:solidFill>
@@ -14654,7 +14679,7 @@
                 </a:solidFill>
                 <a:latin typeface="Consolas"/>
               </a:rPr>
-              <a:t>79</a:t>
+              <a:t>127.0.0.1:6379</a:t>
             </a:r>
             <a:r>
               <a:rPr b="1" lang="en-IN" sz="1800" spc="-1" strike="noStrike">
@@ -14663,24 +14688,15 @@
                 </a:solidFill>
                 <a:latin typeface="Consolas"/>
               </a:rPr>
-              <a:t>[3</a:t>
-            </a:r>
-            <a:r>
-              <a:rPr b="1" lang="en-IN" sz="1800" spc="-1" strike="noStrike">
+              <a:t>[3]</a:t>
+            </a:r>
+            <a:r>
+              <a:rPr b="0" lang="en-IN" sz="1800" spc="-1" strike="noStrike">
                 <a:solidFill>
                   <a:srgbClr val="808080"/>
                 </a:solidFill>
                 <a:latin typeface="Consolas"/>
               </a:rPr>
-              <a:t>]</a:t>
-            </a:r>
-            <a:r>
-              <a:rPr b="0" lang="en-IN" sz="1800" spc="-1" strike="noStrike">
-                <a:solidFill>
-                  <a:srgbClr val="808080"/>
-                </a:solidFill>
-                <a:latin typeface="Consolas"/>
-              </a:rPr>
               <a:t>&gt; </a:t>
             </a:r>
             <a:r>
@@ -14690,186 +14706,24 @@
                 </a:solidFill>
                 <a:latin typeface="Consolas"/>
               </a:rPr>
-              <a:t>lpus</a:t>
-            </a:r>
-            <a:r>
-              <a:rPr b="0" lang="en-IN" sz="1800" spc="-1" strike="noStrike">
-                <a:solidFill>
-                  <a:srgbClr val="1de9b6"/>
-                </a:solidFill>
-                <a:latin typeface="Consolas"/>
-              </a:rPr>
-              <a:t>h a </a:t>
-            </a:r>
-            <a:r>
-              <a:rPr b="0" lang="en-IN" sz="1800" spc="-1" strike="noStrike">
-                <a:solidFill>
-                  <a:srgbClr val="1de9b6"/>
-                </a:solidFill>
-                <a:latin typeface="Consolas"/>
-              </a:rPr>
-              <a:t>0 1 </a:t>
-            </a:r>
-            <a:r>
-              <a:rPr b="0" lang="en-IN" sz="1800" spc="-1" strike="noStrike">
-                <a:solidFill>
-                  <a:srgbClr val="1de9b6"/>
-                </a:solidFill>
-                <a:latin typeface="Consolas"/>
-              </a:rPr>
-              <a:t>2 3 </a:t>
-            </a:r>
-            <a:r>
-              <a:rPr b="0" lang="en-IN" sz="1800" spc="-1" strike="noStrike">
-                <a:solidFill>
-                  <a:srgbClr val="1de9b6"/>
-                </a:solidFill>
-                <a:latin typeface="Consolas"/>
-              </a:rPr>
-              <a:t>4</a:t>
+              <a:t>rpush a 5 6 7 8 9</a:t>
             </a:r>
             <a:endParaRPr b="0" lang="en-IN" sz="1800" spc="-1" strike="noStrike">
-              <a:solidFill>
-                <a:srgbClr val="808080"/>
-              </a:solidFill>
-              <a:latin typeface="Consolas"/>
-              <a:ea typeface="SimSun"/>
-            </a:endParaRPr>
-          </a:p>
-          <a:p>
-            <a:pPr>
-              <a:lnSpc>
-                <a:spcPct val="150000"/>
-              </a:lnSpc>
-            </a:pPr>
-            <a:r>
-              <a:rPr b="0" lang="en-IN" sz="1800" spc="-1" strike="noStrike">
-                <a:solidFill>
-                  <a:srgbClr val="808080"/>
-                </a:solidFill>
-                <a:latin typeface="Consolas"/>
-              </a:rPr>
-              <a:t>127.</a:t>
-            </a:r>
-            <a:r>
-              <a:rPr b="0" lang="en-IN" sz="1800" spc="-1" strike="noStrike">
-                <a:solidFill>
-                  <a:srgbClr val="808080"/>
-                </a:solidFill>
-                <a:latin typeface="Consolas"/>
-              </a:rPr>
-              <a:t>0.0.</a:t>
-            </a:r>
-            <a:r>
-              <a:rPr b="0" lang="en-IN" sz="1800" spc="-1" strike="noStrike">
-                <a:solidFill>
-                  <a:srgbClr val="808080"/>
-                </a:solidFill>
-                <a:latin typeface="Consolas"/>
-              </a:rPr>
-              <a:t>1:63</a:t>
-            </a:r>
-            <a:r>
-              <a:rPr b="0" lang="en-IN" sz="1800" spc="-1" strike="noStrike">
-                <a:solidFill>
-                  <a:srgbClr val="808080"/>
-                </a:solidFill>
-                <a:latin typeface="Consolas"/>
-              </a:rPr>
-              <a:t>79</a:t>
-            </a:r>
-            <a:r>
-              <a:rPr b="1" lang="en-IN" sz="1800" spc="-1" strike="noStrike">
-                <a:solidFill>
-                  <a:srgbClr val="808080"/>
-                </a:solidFill>
-                <a:latin typeface="Consolas"/>
-              </a:rPr>
-              <a:t>[3</a:t>
-            </a:r>
-            <a:r>
-              <a:rPr b="1" lang="en-IN" sz="1800" spc="-1" strike="noStrike">
-                <a:solidFill>
-                  <a:srgbClr val="808080"/>
-                </a:solidFill>
-                <a:latin typeface="Consolas"/>
-              </a:rPr>
-              <a:t>]</a:t>
-            </a:r>
-            <a:r>
-              <a:rPr b="0" lang="en-IN" sz="1800" spc="-1" strike="noStrike">
-                <a:solidFill>
-                  <a:srgbClr val="808080"/>
-                </a:solidFill>
-                <a:latin typeface="Consolas"/>
-              </a:rPr>
-              <a:t>&gt; </a:t>
-            </a:r>
-            <a:r>
-              <a:rPr b="0" lang="en-IN" sz="1800" spc="-1" strike="noStrike">
-                <a:solidFill>
-                  <a:srgbClr val="1de9b6"/>
-                </a:solidFill>
-                <a:latin typeface="Consolas"/>
-              </a:rPr>
-              <a:t>rpus</a:t>
-            </a:r>
-            <a:r>
-              <a:rPr b="0" lang="en-IN" sz="1800" spc="-1" strike="noStrike">
-                <a:solidFill>
-                  <a:srgbClr val="1de9b6"/>
-                </a:solidFill>
-                <a:latin typeface="Consolas"/>
-              </a:rPr>
-              <a:t>h a </a:t>
-            </a:r>
-            <a:r>
-              <a:rPr b="0" lang="en-IN" sz="1800" spc="-1" strike="noStrike">
-                <a:solidFill>
-                  <a:srgbClr val="1de9b6"/>
-                </a:solidFill>
-                <a:latin typeface="Consolas"/>
-              </a:rPr>
-              <a:t>5 6 </a:t>
-            </a:r>
-            <a:r>
-              <a:rPr b="0" lang="en-IN" sz="1800" spc="-1" strike="noStrike">
-                <a:solidFill>
-                  <a:srgbClr val="1de9b6"/>
-                </a:solidFill>
-                <a:latin typeface="Consolas"/>
-              </a:rPr>
-              <a:t>7 8 </a:t>
-            </a:r>
-            <a:r>
-              <a:rPr b="0" lang="en-IN" sz="1800" spc="-1" strike="noStrike">
-                <a:solidFill>
-                  <a:srgbClr val="1de9b6"/>
-                </a:solidFill>
-                <a:latin typeface="Consolas"/>
-              </a:rPr>
-              <a:t>9</a:t>
-            </a:r>
-            <a:endParaRPr b="0" lang="en-IN" sz="1800" spc="-1" strike="noStrike">
-              <a:solidFill>
-                <a:srgbClr val="808080"/>
-              </a:solidFill>
-              <a:latin typeface="Consolas"/>
-              <a:ea typeface="SimSun"/>
-            </a:endParaRPr>
-          </a:p>
-        </p:txBody>
-      </p:sp>
-      <p:sp>
-        <p:nvSpPr>
-          <p:cNvPr id="239" name="TextShape 8"/>
-          <p:cNvSpPr txBox="1"/>
+              <a:latin typeface="Arial"/>
+            </a:endParaRPr>
+          </a:p>
+        </p:txBody>
+      </p:sp>
+      <p:sp>
+        <p:nvSpPr>
+          <p:cNvPr id="239" name="CustomShape 8"/>
+          <p:cNvSpPr/>
           <p:nvPr/>
         </p:nvSpPr>
         <p:spPr>
           <a:xfrm>
             <a:off x="10514160" y="2592000"/>
-            <a:ext cx="1509840" cy="4068360"/>
+            <a:ext cx="1509480" cy="4068000"/>
           </a:xfrm>
           <a:prstGeom prst="rect">
             <a:avLst/>
@@ -14879,6 +14733,12 @@
             <a:noFill/>
           </a:ln>
         </p:spPr>
+        <p:style>
+          <a:lnRef idx="0"/>
+          <a:fillRef idx="0"/>
+          <a:effectRef idx="0"/>
+          <a:fontRef idx="minor"/>
+        </p:style>
         <p:txBody>
           <a:bodyPr lIns="90000" rIns="90000" tIns="45000" bIns="45000">
             <a:noAutofit/>
@@ -14907,7 +14767,6 @@
             </a:r>
             <a:endParaRPr b="0" lang="en-IN" sz="1800" spc="-1" strike="noStrike">
               <a:latin typeface="Arial"/>
-              <a:ea typeface="Noto Sans CJK SC"/>
             </a:endParaRPr>
           </a:p>
           <a:p>
@@ -14938,7 +14797,6 @@
             </a:r>
             <a:endParaRPr b="0" lang="en-IN" sz="1800" spc="-1" strike="noStrike">
               <a:latin typeface="Arial"/>
-              <a:ea typeface="Noto Sans CJK SC"/>
             </a:endParaRPr>
           </a:p>
           <a:p>
@@ -14969,7 +14827,6 @@
             </a:r>
             <a:endParaRPr b="0" lang="en-IN" sz="1800" spc="-1" strike="noStrike">
               <a:latin typeface="Arial"/>
-              <a:ea typeface="Noto Sans CJK SC"/>
             </a:endParaRPr>
           </a:p>
           <a:p>
@@ -15000,7 +14857,6 @@
             </a:r>
             <a:endParaRPr b="0" lang="en-IN" sz="1800" spc="-1" strike="noStrike">
               <a:latin typeface="Arial"/>
-              <a:ea typeface="Noto Sans CJK SC"/>
             </a:endParaRPr>
           </a:p>
           <a:p>
@@ -15031,7 +14887,6 @@
             </a:r>
             <a:endParaRPr b="0" lang="en-IN" sz="1800" spc="-1" strike="noStrike">
               <a:latin typeface="Arial"/>
-              <a:ea typeface="Noto Sans CJK SC"/>
             </a:endParaRPr>
           </a:p>
           <a:p>
@@ -15062,7 +14917,6 @@
             </a:r>
             <a:endParaRPr b="0" lang="en-IN" sz="1800" spc="-1" strike="noStrike">
               <a:latin typeface="Arial"/>
-              <a:ea typeface="Noto Sans CJK SC"/>
             </a:endParaRPr>
           </a:p>
           <a:p>
@@ -15093,7 +14947,6 @@
             </a:r>
             <a:endParaRPr b="0" lang="en-IN" sz="1800" spc="-1" strike="noStrike">
               <a:latin typeface="Arial"/>
-              <a:ea typeface="Noto Sans CJK SC"/>
             </a:endParaRPr>
           </a:p>
           <a:p>
@@ -15124,7 +14977,6 @@
             </a:r>
             <a:endParaRPr b="0" lang="en-IN" sz="1800" spc="-1" strike="noStrike">
               <a:latin typeface="Arial"/>
-              <a:ea typeface="Noto Sans CJK SC"/>
             </a:endParaRPr>
           </a:p>
           <a:p>
@@ -15155,7 +15007,6 @@
             </a:r>
             <a:endParaRPr b="0" lang="en-IN" sz="1800" spc="-1" strike="noStrike">
               <a:latin typeface="Arial"/>
-              <a:ea typeface="Noto Sans CJK SC"/>
             </a:endParaRPr>
           </a:p>
           <a:p>
@@ -15176,7 +15027,6 @@
             </a:r>
             <a:endParaRPr b="0" lang="en-IN" sz="1800" spc="-1" strike="noStrike">
               <a:latin typeface="Arial"/>
-              <a:ea typeface="Noto Sans CJK SC"/>
             </a:endParaRPr>
           </a:p>
         </p:txBody>
@@ -15220,7 +15070,7 @@
         <p:spPr>
           <a:xfrm>
             <a:off x="1676520" y="2362320"/>
-            <a:ext cx="8833320" cy="913320"/>
+            <a:ext cx="8832960" cy="912960"/>
           </a:xfrm>
           <a:prstGeom prst="rect">
             <a:avLst/>
@@ -15271,7 +15121,7 @@
         <p:spPr>
           <a:xfrm>
             <a:off x="1800000" y="4248000"/>
-            <a:ext cx="8833320" cy="424800"/>
+            <a:ext cx="8832960" cy="424800"/>
           </a:xfrm>
           <a:prstGeom prst="rect">
             <a:avLst/>
@@ -15352,7 +15202,7 @@
         <p:spPr>
           <a:xfrm>
             <a:off x="1523880" y="0"/>
-            <a:ext cx="9138240" cy="699840"/>
+            <a:ext cx="9137880" cy="699480"/>
           </a:xfrm>
           <a:prstGeom prst="rect">
             <a:avLst/>
@@ -15407,7 +15257,7 @@
         <p:spPr>
           <a:xfrm>
             <a:off x="1600200" y="762120"/>
-            <a:ext cx="8985960" cy="2406600"/>
+            <a:ext cx="8985600" cy="2558520"/>
           </a:xfrm>
           <a:prstGeom prst="rect">
             <a:avLst/>
@@ -15428,7 +15278,11 @@
             <a:spAutoFit/>
           </a:bodyPr>
           <a:p>
-            <a:pPr algn="just"/>
+            <a:pPr algn="just">
+              <a:lnSpc>
+                <a:spcPct val="100000"/>
+              </a:lnSpc>
+            </a:pPr>
             <a:r>
               <a:rPr b="1" lang="en-US" sz="1800" spc="-1" strike="noStrike">
                 <a:solidFill>
@@ -15441,6 +15295,9 @@
             </a:r>
             <a:r>
               <a:rPr b="0" lang="en-US" sz="1800" spc="-1" strike="noStrike">
+                <a:solidFill>
+                  <a:srgbClr val="000000"/>
+                </a:solidFill>
                 <a:latin typeface="Arial"/>
                 <a:ea typeface="DejaVu Sans"/>
               </a:rPr>
@@ -15461,7 +15318,11 @@
             </a:endParaRPr>
           </a:p>
           <a:p>
-            <a:pPr algn="just"/>
+            <a:pPr algn="just">
+              <a:lnSpc>
+                <a:spcPct val="100000"/>
+              </a:lnSpc>
+            </a:pPr>
             <a:r>
               <a:rPr b="1" lang="en-US" sz="1800" spc="-1" strike="noStrike">
                 <a:solidFill>
@@ -15474,6 +15335,9 @@
             </a:r>
             <a:r>
               <a:rPr b="0" lang="en-US" sz="1800" spc="-1" strike="noStrike">
+                <a:solidFill>
+                  <a:srgbClr val="000000"/>
+                </a:solidFill>
                 <a:latin typeface="Arial"/>
                 <a:ea typeface="DejaVu Sans"/>
               </a:rPr>
@@ -15494,7 +15358,7 @@
         <p:spPr>
           <a:xfrm>
             <a:off x="152280" y="152280"/>
-            <a:ext cx="1100880" cy="455400"/>
+            <a:ext cx="1100520" cy="455400"/>
           </a:xfrm>
           <a:prstGeom prst="rect">
             <a:avLst/>
@@ -15545,7 +15409,7 @@
         <p:spPr>
           <a:xfrm>
             <a:off x="1601280" y="3697560"/>
-            <a:ext cx="8984880" cy="700200"/>
+            <a:ext cx="8984520" cy="699840"/>
           </a:xfrm>
           <a:prstGeom prst="rect">
             <a:avLst/>
@@ -15616,7 +15480,7 @@
         <p:spPr>
           <a:xfrm>
             <a:off x="1600200" y="4665600"/>
-            <a:ext cx="8884080" cy="913320"/>
+            <a:ext cx="8883720" cy="912960"/>
           </a:xfrm>
           <a:prstGeom prst="rect">
             <a:avLst/>
@@ -15637,7 +15501,7 @@
             <a:spAutoFit/>
           </a:bodyPr>
           <a:p>
-            <a:pPr marL="285840" indent="-280080">
+            <a:pPr marL="285840" indent="-279720">
               <a:lnSpc>
                 <a:spcPct val="150000"/>
               </a:lnSpc>
@@ -15682,7 +15546,7 @@
             </a:endParaRPr>
           </a:p>
           <a:p>
-            <a:pPr marL="285840" indent="-280080">
+            <a:pPr marL="285840" indent="-279720">
               <a:lnSpc>
                 <a:spcPct val="150000"/>
               </a:lnSpc>
@@ -15720,17 +15584,7 @@
                 <a:latin typeface="Consolas"/>
                 <a:ea typeface="SimSun"/>
               </a:rPr>
-              <a:t>lrange </a:t>
-            </a:r>
-            <a:r>
-              <a:rPr b="0" lang="en-IN" sz="1800" spc="-1" strike="noStrike">
-                <a:solidFill>
-                  <a:srgbClr val="ff5733"/>
-                </a:solidFill>
-                <a:latin typeface="Consolas"/>
-                <a:ea typeface="SimSun"/>
-              </a:rPr>
-              <a:t>fruits 0 -1</a:t>
+              <a:t>lrange fruits 0 -1</a:t>
             </a:r>
             <a:endParaRPr b="0" lang="en-IN" sz="1800" spc="-1" strike="noStrike">
               <a:latin typeface="Arial"/>
@@ -15812,7 +15666,7 @@
         <p:spPr>
           <a:xfrm>
             <a:off x="1676520" y="2362320"/>
-            <a:ext cx="8833320" cy="913320"/>
+            <a:ext cx="8832960" cy="912960"/>
           </a:xfrm>
           <a:prstGeom prst="rect">
             <a:avLst/>
@@ -15863,7 +15717,7 @@
         <p:spPr>
           <a:xfrm>
             <a:off x="1800000" y="4248000"/>
-            <a:ext cx="8833320" cy="424800"/>
+            <a:ext cx="8832960" cy="424800"/>
           </a:xfrm>
           <a:prstGeom prst="rect">
             <a:avLst/>
@@ -15944,7 +15798,7 @@
         <p:spPr>
           <a:xfrm>
             <a:off x="1523880" y="0"/>
-            <a:ext cx="9138240" cy="699840"/>
+            <a:ext cx="9137880" cy="699480"/>
           </a:xfrm>
           <a:prstGeom prst="rect">
             <a:avLst/>
@@ -15999,7 +15853,7 @@
         <p:spPr>
           <a:xfrm>
             <a:off x="1600200" y="762120"/>
-            <a:ext cx="8985960" cy="2406600"/>
+            <a:ext cx="8985600" cy="2558520"/>
           </a:xfrm>
           <a:prstGeom prst="rect">
             <a:avLst/>
@@ -16020,7 +15874,11 @@
             <a:spAutoFit/>
           </a:bodyPr>
           <a:p>
-            <a:pPr algn="just"/>
+            <a:pPr algn="just">
+              <a:lnSpc>
+                <a:spcPct val="100000"/>
+              </a:lnSpc>
+            </a:pPr>
             <a:r>
               <a:rPr b="1" lang="en-US" sz="1800" spc="-1" strike="noStrike">
                 <a:solidFill>
@@ -16033,6 +15891,9 @@
             </a:r>
             <a:r>
               <a:rPr b="0" lang="en-US" sz="1800" spc="-1" strike="noStrike">
+                <a:solidFill>
+                  <a:srgbClr val="000000"/>
+                </a:solidFill>
                 <a:latin typeface="Arial"/>
                 <a:ea typeface="DejaVu Sans"/>
               </a:rPr>
@@ -16043,13 +15904,21 @@
             </a:endParaRPr>
           </a:p>
           <a:p>
-            <a:pPr algn="just"/>
+            <a:pPr algn="just">
+              <a:lnSpc>
+                <a:spcPct val="100000"/>
+              </a:lnSpc>
+            </a:pPr>
             <a:endParaRPr b="0" lang="en-IN" sz="1800" spc="-1" strike="noStrike">
               <a:latin typeface="Arial"/>
             </a:endParaRPr>
           </a:p>
           <a:p>
-            <a:pPr algn="just"/>
+            <a:pPr algn="just">
+              <a:lnSpc>
+                <a:spcPct val="100000"/>
+              </a:lnSpc>
+            </a:pPr>
             <a:r>
               <a:rPr b="1" lang="en-US" sz="1800" spc="-1" strike="noStrike">
                 <a:solidFill>
@@ -16062,6 +15931,9 @@
             </a:r>
             <a:r>
               <a:rPr b="0" lang="en-US" sz="1800" spc="-1" strike="noStrike">
+                <a:solidFill>
+                  <a:srgbClr val="000000"/>
+                </a:solidFill>
                 <a:latin typeface="Arial"/>
                 <a:ea typeface="DejaVu Sans"/>
               </a:rPr>
@@ -16082,7 +15954,7 @@
         <p:spPr>
           <a:xfrm>
             <a:off x="152280" y="152280"/>
-            <a:ext cx="1100880" cy="455400"/>
+            <a:ext cx="1100520" cy="455400"/>
           </a:xfrm>
           <a:prstGeom prst="rect">
             <a:avLst/>
@@ -16133,7 +16005,7 @@
         <p:spPr>
           <a:xfrm>
             <a:off x="1601280" y="3697560"/>
-            <a:ext cx="8984880" cy="700200"/>
+            <a:ext cx="8984520" cy="699840"/>
           </a:xfrm>
           <a:prstGeom prst="rect">
             <a:avLst/>
@@ -16204,7 +16076,7 @@
         <p:spPr>
           <a:xfrm>
             <a:off x="1600200" y="4629600"/>
-            <a:ext cx="8884080" cy="913320"/>
+            <a:ext cx="8883720" cy="912960"/>
           </a:xfrm>
           <a:prstGeom prst="rect">
             <a:avLst/>
@@ -16225,7 +16097,7 @@
             <a:spAutoFit/>
           </a:bodyPr>
           <a:p>
-            <a:pPr marL="285840" indent="-280080">
+            <a:pPr marL="285840" indent="-279720">
               <a:lnSpc>
                 <a:spcPct val="150000"/>
               </a:lnSpc>
@@ -16270,7 +16142,7 @@
             </a:endParaRPr>
           </a:p>
           <a:p>
-            <a:pPr marL="285840" indent="-280080">
+            <a:pPr marL="285840" indent="-279720">
               <a:lnSpc>
                 <a:spcPct val="150000"/>
               </a:lnSpc>
@@ -16308,17 +16180,7 @@
                 <a:latin typeface="Consolas"/>
                 <a:ea typeface="SimSun"/>
               </a:rPr>
-              <a:t>r</a:t>
-            </a:r>
-            <a:r>
-              <a:rPr b="0" lang="en-IN" sz="1800" spc="-1" strike="noStrike">
-                <a:solidFill>
-                  <a:srgbClr val="ff5733"/>
-                </a:solidFill>
-                <a:latin typeface="Consolas"/>
-                <a:ea typeface="SimSun"/>
-              </a:rPr>
-              <a:t>pop fruits 2</a:t>
+              <a:t>rpop fruits 2</a:t>
             </a:r>
             <a:endParaRPr b="0" lang="en-IN" sz="1800" spc="-1" strike="noStrike">
               <a:latin typeface="Arial"/>
@@ -16400,7 +16262,7 @@
         <p:spPr>
           <a:xfrm>
             <a:off x="1676520" y="2362320"/>
-            <a:ext cx="8833320" cy="912960"/>
+            <a:ext cx="8832960" cy="912600"/>
           </a:xfrm>
           <a:prstGeom prst="rect">
             <a:avLst/>
@@ -16451,7 +16313,7 @@
         <p:spPr>
           <a:xfrm>
             <a:off x="1676520" y="3531600"/>
-            <a:ext cx="8833320" cy="424800"/>
+            <a:ext cx="8832960" cy="424800"/>
           </a:xfrm>
           <a:prstGeom prst="rect">
             <a:avLst/>
@@ -16532,7 +16394,7 @@
         <p:spPr>
           <a:xfrm>
             <a:off x="1365840" y="188640"/>
-            <a:ext cx="9677160" cy="2192400"/>
+            <a:ext cx="9676800" cy="2192400"/>
           </a:xfrm>
           <a:prstGeom prst="rect">
             <a:avLst/>
@@ -16627,7 +16489,7 @@
         <p:spPr>
           <a:xfrm>
             <a:off x="4404600" y="2036160"/>
-            <a:ext cx="3120840" cy="4657680"/>
+            <a:ext cx="3120480" cy="4657320"/>
           </a:xfrm>
           <a:prstGeom prst="rect">
             <a:avLst/>
@@ -16711,7 +16573,7 @@
         <p:spPr>
           <a:xfrm>
             <a:off x="1523880" y="0"/>
-            <a:ext cx="9138240" cy="699120"/>
+            <a:ext cx="9137880" cy="699120"/>
           </a:xfrm>
           <a:prstGeom prst="rect">
             <a:avLst/>
@@ -16766,7 +16628,7 @@
         <p:spPr>
           <a:xfrm>
             <a:off x="1600200" y="762120"/>
-            <a:ext cx="8985960" cy="638280"/>
+            <a:ext cx="8985600" cy="638280"/>
           </a:xfrm>
           <a:prstGeom prst="rect">
             <a:avLst/>
@@ -16827,7 +16689,7 @@
         <p:spPr>
           <a:xfrm>
             <a:off x="152280" y="152280"/>
-            <a:ext cx="1100880" cy="455400"/>
+            <a:ext cx="1100520" cy="455400"/>
           </a:xfrm>
           <a:prstGeom prst="rect">
             <a:avLst/>
@@ -16878,7 +16740,7 @@
         <p:spPr>
           <a:xfrm>
             <a:off x="1601280" y="2221560"/>
-            <a:ext cx="8984880" cy="699480"/>
+            <a:ext cx="8984520" cy="699480"/>
           </a:xfrm>
           <a:prstGeom prst="rect">
             <a:avLst/>
@@ -16949,7 +16811,7 @@
         <p:spPr>
           <a:xfrm>
             <a:off x="1523880" y="2940480"/>
-            <a:ext cx="9415080" cy="1735560"/>
+            <a:ext cx="9414720" cy="1735560"/>
           </a:xfrm>
           <a:prstGeom prst="rect">
             <a:avLst/>
@@ -16970,7 +16832,7 @@
             <a:spAutoFit/>
           </a:bodyPr>
           <a:p>
-            <a:pPr marL="285840" indent="-280080">
+            <a:pPr marL="285840" indent="-279720">
               <a:lnSpc>
                 <a:spcPct val="150000"/>
               </a:lnSpc>
@@ -17015,7 +16877,7 @@
             </a:endParaRPr>
           </a:p>
           <a:p>
-            <a:pPr marL="285840" indent="-280080">
+            <a:pPr marL="285840" indent="-279720">
               <a:lnSpc>
                 <a:spcPct val="150000"/>
               </a:lnSpc>
@@ -17090,7 +16952,7 @@
             </a:endParaRPr>
           </a:p>
           <a:p>
-            <a:pPr marL="285840" indent="-280080">
+            <a:pPr marL="285840" indent="-279720">
               <a:lnSpc>
                 <a:spcPct val="150000"/>
               </a:lnSpc>
@@ -17155,7 +17017,7 @@
             </a:endParaRPr>
           </a:p>
           <a:p>
-            <a:pPr marL="285840" indent="-280080">
+            <a:pPr marL="285840" indent="-279720">
               <a:lnSpc>
                 <a:spcPct val="150000"/>
               </a:lnSpc>
@@ -17220,7 +17082,7 @@
         <p:spPr>
           <a:xfrm>
             <a:off x="1584000" y="4889520"/>
-            <a:ext cx="8850600" cy="1011240"/>
+            <a:ext cx="8850240" cy="1010880"/>
           </a:xfrm>
           <a:prstGeom prst="rect">
             <a:avLst/>
@@ -17271,7 +17133,7 @@
             </a:endParaRPr>
           </a:p>
           <a:p>
-            <a:pPr marL="216000" indent="-210600">
+            <a:pPr marL="216000" indent="-210240">
               <a:lnSpc>
                 <a:spcPct val="100000"/>
               </a:lnSpc>
@@ -17397,7 +17259,7 @@
         <p:spPr>
           <a:xfrm>
             <a:off x="1676520" y="2362320"/>
-            <a:ext cx="8833320" cy="912960"/>
+            <a:ext cx="8832960" cy="912600"/>
           </a:xfrm>
           <a:prstGeom prst="rect">
             <a:avLst/>
@@ -17448,7 +17310,7 @@
         <p:spPr>
           <a:xfrm>
             <a:off x="1666800" y="609480"/>
-            <a:ext cx="8833320" cy="394560"/>
+            <a:ext cx="8832960" cy="394560"/>
           </a:xfrm>
           <a:prstGeom prst="rect">
             <a:avLst/>
@@ -17499,7 +17361,7 @@
         <p:spPr>
           <a:xfrm>
             <a:off x="1676520" y="3531600"/>
-            <a:ext cx="8833320" cy="1095120"/>
+            <a:ext cx="8832960" cy="1095120"/>
           </a:xfrm>
           <a:prstGeom prst="rect">
             <a:avLst/>
@@ -17580,7 +17442,7 @@
         <p:spPr>
           <a:xfrm>
             <a:off x="1676520" y="2362320"/>
-            <a:ext cx="8833320" cy="912960"/>
+            <a:ext cx="8832960" cy="912600"/>
           </a:xfrm>
           <a:prstGeom prst="rect">
             <a:avLst/>
@@ -17631,7 +17493,7 @@
         <p:spPr>
           <a:xfrm>
             <a:off x="1676520" y="3531600"/>
-            <a:ext cx="8833320" cy="424800"/>
+            <a:ext cx="8832960" cy="424800"/>
           </a:xfrm>
           <a:prstGeom prst="rect">
             <a:avLst/>
@@ -17747,7 +17609,7 @@
         <p:spPr>
           <a:xfrm>
             <a:off x="1523880" y="0"/>
-            <a:ext cx="9138240" cy="699120"/>
+            <a:ext cx="9137880" cy="699120"/>
           </a:xfrm>
           <a:prstGeom prst="rect">
             <a:avLst/>
@@ -17802,7 +17664,7 @@
         <p:spPr>
           <a:xfrm>
             <a:off x="1600200" y="762120"/>
-            <a:ext cx="8985960" cy="912600"/>
+            <a:ext cx="8985600" cy="912600"/>
           </a:xfrm>
           <a:prstGeom prst="rect">
             <a:avLst/>
@@ -17863,7 +17725,7 @@
         <p:spPr>
           <a:xfrm>
             <a:off x="1523880" y="4272480"/>
-            <a:ext cx="8884080" cy="2558520"/>
+            <a:ext cx="8883720" cy="2558520"/>
           </a:xfrm>
           <a:prstGeom prst="rect">
             <a:avLst/>
@@ -17884,7 +17746,7 @@
             <a:spAutoFit/>
           </a:bodyPr>
           <a:p>
-            <a:pPr marL="285840" indent="-280080">
+            <a:pPr marL="285840" indent="-279720">
               <a:lnSpc>
                 <a:spcPct val="150000"/>
               </a:lnSpc>
@@ -17929,7 +17791,7 @@
             </a:endParaRPr>
           </a:p>
           <a:p>
-            <a:pPr marL="285840" indent="-280080">
+            <a:pPr marL="285840" indent="-279720">
               <a:lnSpc>
                 <a:spcPct val="150000"/>
               </a:lnSpc>
@@ -17974,7 +17836,7 @@
             </a:endParaRPr>
           </a:p>
           <a:p>
-            <a:pPr marL="285840" indent="-280080">
+            <a:pPr marL="285840" indent="-279720">
               <a:lnSpc>
                 <a:spcPct val="150000"/>
               </a:lnSpc>
@@ -18019,7 +17881,7 @@
             </a:endParaRPr>
           </a:p>
           <a:p>
-            <a:pPr marL="285840" indent="-280080">
+            <a:pPr marL="285840" indent="-279720">
               <a:lnSpc>
                 <a:spcPct val="150000"/>
               </a:lnSpc>
@@ -18064,7 +17926,7 @@
             </a:endParaRPr>
           </a:p>
           <a:p>
-            <a:pPr marL="285840" indent="-280080">
+            <a:pPr marL="285840" indent="-279720">
               <a:lnSpc>
                 <a:spcPct val="150000"/>
               </a:lnSpc>
@@ -18099,7 +17961,7 @@
             </a:endParaRPr>
           </a:p>
           <a:p>
-            <a:pPr marL="285840" indent="-280080">
+            <a:pPr marL="285840" indent="-279720">
               <a:lnSpc>
                 <a:spcPct val="150000"/>
               </a:lnSpc>
@@ -18664,7 +18526,7 @@
         <p:spPr>
           <a:xfrm>
             <a:off x="1601280" y="2221560"/>
-            <a:ext cx="8984880" cy="394560"/>
+            <a:ext cx="8984520" cy="394560"/>
           </a:xfrm>
           <a:prstGeom prst="rect">
             <a:avLst/>
@@ -18745,7 +18607,7 @@
         <p:spPr>
           <a:xfrm>
             <a:off x="1676520" y="2362320"/>
-            <a:ext cx="8833320" cy="912960"/>
+            <a:ext cx="8832960" cy="912600"/>
           </a:xfrm>
           <a:prstGeom prst="rect">
             <a:avLst/>
@@ -18796,7 +18658,7 @@
         <p:spPr>
           <a:xfrm>
             <a:off x="1676520" y="4719600"/>
-            <a:ext cx="8833320" cy="424800"/>
+            <a:ext cx="8832960" cy="424800"/>
           </a:xfrm>
           <a:prstGeom prst="rect">
             <a:avLst/>

--- a/redis ver1.pptx
+++ b/redis ver1.pptx
@@ -46,6 +46,10 @@
     <p:sldId id="293" r:id="rId41"/>
     <p:sldId id="294" r:id="rId42"/>
     <p:sldId id="295" r:id="rId43"/>
+    <p:sldId id="296" r:id="rId44"/>
+    <p:sldId id="297" r:id="rId45"/>
+    <p:sldId id="298" r:id="rId46"/>
+    <p:sldId id="299" r:id="rId47"/>
   </p:sldIdLst>
   <p:sldSz cx="12192000" cy="6858000"/>
   <p:notesSz cx="7559675" cy="10691812"/>
@@ -2854,8 +2858,8 @@
         </p:nvSpPr>
         <p:spPr>
           <a:xfrm rot="5400000">
-            <a:off x="596520" y="6447240"/>
-            <a:ext cx="184680" cy="154440"/>
+            <a:off x="596880" y="6447240"/>
+            <a:ext cx="184320" cy="154080"/>
           </a:xfrm>
           <a:prstGeom prst="triangle">
             <a:avLst>
@@ -2896,7 +2900,7 @@
         <p:spPr>
           <a:xfrm>
             <a:off x="1206360" y="3648240"/>
-            <a:ext cx="9747360" cy="1274040"/>
+            <a:ext cx="9747000" cy="1273680"/>
           </a:xfrm>
           <a:prstGeom prst="rect">
             <a:avLst/>
@@ -2938,7 +2942,7 @@
         <p:spPr>
           <a:xfrm>
             <a:off x="1219320" y="5638680"/>
-            <a:ext cx="9747360" cy="679680"/>
+            <a:ext cx="9747000" cy="679320"/>
           </a:xfrm>
           <a:prstGeom prst="rect">
             <a:avLst/>
@@ -2980,7 +2984,7 @@
         <p:spPr>
           <a:xfrm>
             <a:off x="1206360" y="3648240"/>
-            <a:ext cx="298800" cy="1274040"/>
+            <a:ext cx="298440" cy="1273680"/>
           </a:xfrm>
           <a:prstGeom prst="rect">
             <a:avLst/>
@@ -3019,7 +3023,7 @@
         <p:spPr>
           <a:xfrm>
             <a:off x="1219320" y="5638680"/>
-            <a:ext cx="298800" cy="679680"/>
+            <a:ext cx="298440" cy="679320"/>
           </a:xfrm>
           <a:prstGeom prst="rect">
             <a:avLst/>
@@ -3375,8 +3379,8 @@
         </p:nvSpPr>
         <p:spPr>
           <a:xfrm rot="5400000">
-            <a:off x="596520" y="6447240"/>
-            <a:ext cx="184680" cy="154440"/>
+            <a:off x="596880" y="6447240"/>
+            <a:ext cx="184320" cy="154080"/>
           </a:xfrm>
           <a:prstGeom prst="triangle">
             <a:avLst>
@@ -3445,8 +3449,8 @@
         </p:nvSpPr>
         <p:spPr>
           <a:xfrm rot="5400000">
-            <a:off x="596520" y="6447240"/>
-            <a:ext cx="184680" cy="154440"/>
+            <a:off x="596880" y="6447240"/>
+            <a:ext cx="184320" cy="154080"/>
           </a:xfrm>
           <a:prstGeom prst="triangle">
             <a:avLst>
@@ -3740,7 +3744,7 @@
         <p:spPr>
           <a:xfrm>
             <a:off x="1975680" y="3733920"/>
-            <a:ext cx="8528400" cy="984600"/>
+            <a:ext cx="8528040" cy="984240"/>
           </a:xfrm>
           <a:prstGeom prst="rect">
             <a:avLst/>
@@ -3797,7 +3801,7 @@
         <p:spPr>
           <a:xfrm>
             <a:off x="181440" y="2001960"/>
-            <a:ext cx="2848320" cy="2848320"/>
+            <a:ext cx="2847960" cy="2847960"/>
           </a:xfrm>
           <a:prstGeom prst="rect">
             <a:avLst/>
@@ -3816,7 +3820,7 @@
         <p:spPr>
           <a:xfrm>
             <a:off x="4444920" y="5050800"/>
-            <a:ext cx="6058800" cy="581760"/>
+            <a:ext cx="6058440" cy="581400"/>
           </a:xfrm>
           <a:prstGeom prst="rect">
             <a:avLst/>
@@ -3879,7 +3883,7 @@
         <p:spPr>
           <a:xfrm>
             <a:off x="181440" y="196560"/>
-            <a:ext cx="2848320" cy="1061640"/>
+            <a:ext cx="2847960" cy="1061280"/>
           </a:xfrm>
           <a:prstGeom prst="rect">
             <a:avLst/>
@@ -3898,7 +3902,7 @@
         <p:spPr>
           <a:xfrm>
             <a:off x="3557880" y="93600"/>
-            <a:ext cx="8446680" cy="3045240"/>
+            <a:ext cx="8446320" cy="3045240"/>
           </a:xfrm>
           <a:prstGeom prst="rect">
             <a:avLst/>
@@ -3983,7 +3987,7 @@
         <p:spPr>
           <a:xfrm>
             <a:off x="181440" y="196920"/>
-            <a:ext cx="2850120" cy="1063440"/>
+            <a:ext cx="2849760" cy="1063080"/>
           </a:xfrm>
           <a:prstGeom prst="rect">
             <a:avLst/>
@@ -4006,7 +4010,7 @@
         <p:spPr>
           <a:xfrm>
             <a:off x="181440" y="2001960"/>
-            <a:ext cx="2851200" cy="2851200"/>
+            <a:ext cx="2850840" cy="2850840"/>
           </a:xfrm>
           <a:prstGeom prst="rect">
             <a:avLst/>
@@ -4016,6 +4020,53 @@
           </a:ln>
         </p:spPr>
       </p:pic>
+      <p:sp>
+        <p:nvSpPr>
+          <p:cNvPr id="95" name="TextShape 4"/>
+          <p:cNvSpPr txBox="1"/>
+          <p:nvPr/>
+        </p:nvSpPr>
+        <p:spPr>
+          <a:xfrm>
+            <a:off x="432000" y="5511600"/>
+            <a:ext cx="4248000" cy="602280"/>
+          </a:xfrm>
+          <a:prstGeom prst="rect">
+            <a:avLst/>
+          </a:prstGeom>
+          <a:noFill/>
+          <a:ln>
+            <a:noFill/>
+          </a:ln>
+        </p:spPr>
+        <p:txBody>
+          <a:bodyPr lIns="90000" rIns="90000" tIns="45000" bIns="45000">
+            <a:noAutofit/>
+          </a:bodyPr>
+          <a:p>
+            <a:r>
+              <a:rPr b="0" lang="en-IN" sz="1800" spc="-1" strike="noStrike">
+                <a:latin typeface="Arial"/>
+              </a:rPr>
+              <a:t>SAVE</a:t>
+            </a:r>
+            <a:endParaRPr b="0" lang="en-IN" sz="1800" spc="-1" strike="noStrike">
+              <a:latin typeface="Arial"/>
+            </a:endParaRPr>
+          </a:p>
+          <a:p>
+            <a:r>
+              <a:rPr b="0" lang="en-IN" sz="1800" spc="-1" strike="noStrike">
+                <a:latin typeface="Arial"/>
+              </a:rPr>
+              <a:t>Config get dir  /var/lib/redis</a:t>
+            </a:r>
+            <a:endParaRPr b="0" lang="en-IN" sz="1800" spc="-1" strike="noStrike">
+              <a:latin typeface="Arial"/>
+            </a:endParaRPr>
+          </a:p>
+        </p:txBody>
+      </p:sp>
     </p:spTree>
   </p:cSld>
   <mc:AlternateContent>
@@ -4048,7 +4099,7 @@
       </p:grpSpPr>
       <p:sp>
         <p:nvSpPr>
-          <p:cNvPr id="127" name="Line 1"/>
+          <p:cNvPr id="128" name="Line 1"/>
           <p:cNvSpPr/>
           <p:nvPr/>
         </p:nvSpPr>
@@ -4083,14 +4134,14 @@
       </p:sp>
       <p:sp>
         <p:nvSpPr>
-          <p:cNvPr id="128" name="CustomShape 2"/>
+          <p:cNvPr id="129" name="CustomShape 2"/>
           <p:cNvSpPr/>
           <p:nvPr/>
         </p:nvSpPr>
         <p:spPr>
           <a:xfrm>
             <a:off x="1523880" y="0"/>
-            <a:ext cx="9137880" cy="699120"/>
+            <a:ext cx="9137520" cy="699120"/>
           </a:xfrm>
           <a:prstGeom prst="rect">
             <a:avLst/>
@@ -4138,14 +4189,14 @@
       </p:sp>
       <p:sp>
         <p:nvSpPr>
-          <p:cNvPr id="129" name="CustomShape 3"/>
+          <p:cNvPr id="130" name="CustomShape 3"/>
           <p:cNvSpPr/>
           <p:nvPr/>
         </p:nvSpPr>
         <p:spPr>
           <a:xfrm>
             <a:off x="1600200" y="762120"/>
-            <a:ext cx="8985600" cy="1735560"/>
+            <a:ext cx="8985240" cy="1735560"/>
           </a:xfrm>
           <a:prstGeom prst="rect">
             <a:avLst/>
@@ -4239,14 +4290,14 @@
       </p:sp>
       <p:sp>
         <p:nvSpPr>
-          <p:cNvPr id="130" name="CustomShape 4"/>
+          <p:cNvPr id="131" name="CustomShape 4"/>
           <p:cNvSpPr/>
           <p:nvPr/>
         </p:nvSpPr>
         <p:spPr>
           <a:xfrm>
             <a:off x="152280" y="152280"/>
-            <a:ext cx="1100520" cy="455400"/>
+            <a:ext cx="1100160" cy="455400"/>
           </a:xfrm>
           <a:prstGeom prst="rect">
             <a:avLst/>
@@ -4290,14 +4341,14 @@
       </p:sp>
       <p:sp>
         <p:nvSpPr>
-          <p:cNvPr id="131" name="CustomShape 5"/>
+          <p:cNvPr id="132" name="CustomShape 5"/>
           <p:cNvSpPr/>
           <p:nvPr/>
         </p:nvSpPr>
         <p:spPr>
           <a:xfrm>
             <a:off x="1601280" y="2823480"/>
-            <a:ext cx="8984520" cy="699480"/>
+            <a:ext cx="8984160" cy="699480"/>
           </a:xfrm>
           <a:prstGeom prst="rect">
             <a:avLst/>
@@ -4361,14 +4412,14 @@
       </p:sp>
       <p:sp>
         <p:nvSpPr>
-          <p:cNvPr id="132" name="CustomShape 6"/>
+          <p:cNvPr id="133" name="CustomShape 6"/>
           <p:cNvSpPr/>
           <p:nvPr/>
         </p:nvSpPr>
         <p:spPr>
           <a:xfrm>
             <a:off x="1523880" y="3801960"/>
-            <a:ext cx="8883720" cy="2147040"/>
+            <a:ext cx="8883360" cy="2147040"/>
           </a:xfrm>
           <a:prstGeom prst="rect">
             <a:avLst/>
@@ -4389,7 +4440,7 @@
             <a:spAutoFit/>
           </a:bodyPr>
           <a:p>
-            <a:pPr marL="285840" indent="-279720">
+            <a:pPr marL="285840" indent="-279360">
               <a:lnSpc>
                 <a:spcPct val="150000"/>
               </a:lnSpc>
@@ -4434,7 +4485,7 @@
             </a:endParaRPr>
           </a:p>
           <a:p>
-            <a:pPr marL="285840" indent="-279720">
+            <a:pPr marL="285840" indent="-279360">
               <a:lnSpc>
                 <a:spcPct val="150000"/>
               </a:lnSpc>
@@ -4479,7 +4530,7 @@
             </a:endParaRPr>
           </a:p>
           <a:p>
-            <a:pPr marL="285840" indent="-279720">
+            <a:pPr marL="285840" indent="-279360">
               <a:lnSpc>
                 <a:spcPct val="150000"/>
               </a:lnSpc>
@@ -4524,7 +4575,7 @@
             </a:endParaRPr>
           </a:p>
           <a:p>
-            <a:pPr marL="285840" indent="-279720">
+            <a:pPr marL="285840" indent="-279360">
               <a:lnSpc>
                 <a:spcPct val="150000"/>
               </a:lnSpc>
@@ -4602,14 +4653,14 @@
       </p:grpSpPr>
       <p:sp>
         <p:nvSpPr>
-          <p:cNvPr id="133" name="CustomShape 1"/>
+          <p:cNvPr id="134" name="CustomShape 1"/>
           <p:cNvSpPr/>
           <p:nvPr/>
         </p:nvSpPr>
         <p:spPr>
           <a:xfrm>
             <a:off x="1676520" y="2362320"/>
-            <a:ext cx="8832960" cy="912600"/>
+            <a:ext cx="8832600" cy="912600"/>
           </a:xfrm>
           <a:prstGeom prst="rect">
             <a:avLst/>
@@ -4653,14 +4704,14 @@
       </p:sp>
       <p:sp>
         <p:nvSpPr>
-          <p:cNvPr id="134" name="CustomShape 2"/>
+          <p:cNvPr id="135" name="CustomShape 2"/>
           <p:cNvSpPr/>
           <p:nvPr/>
         </p:nvSpPr>
         <p:spPr>
           <a:xfrm>
-            <a:off x="1676520" y="3531600"/>
-            <a:ext cx="8832960" cy="424800"/>
+            <a:off x="522360" y="3531600"/>
+            <a:ext cx="11069640" cy="364680"/>
           </a:xfrm>
           <a:prstGeom prst="rect">
             <a:avLst/>
@@ -4681,13 +4732,13 @@
             <a:spAutoFit/>
           </a:bodyPr>
           <a:p>
-            <a:pPr>
-              <a:lnSpc>
-                <a:spcPct val="100000"/>
-              </a:lnSpc>
-            </a:pPr>
-            <a:r>
-              <a:rPr b="0" lang="en-US" sz="2200" spc="-1" strike="noStrike">
+            <a:pPr algn="just">
+              <a:lnSpc>
+                <a:spcPct val="100000"/>
+              </a:lnSpc>
+            </a:pPr>
+            <a:r>
+              <a:rPr b="0" lang="en-IN" sz="1800" spc="-1" strike="noStrike">
                 <a:solidFill>
                   <a:srgbClr val="bb0643"/>
                 </a:solidFill>
@@ -4696,7 +4747,7 @@
               </a:rPr>
               <a:t>TODO</a:t>
             </a:r>
-            <a:endParaRPr b="0" lang="en-IN" sz="2200" spc="-1" strike="noStrike">
+            <a:endParaRPr b="0" lang="en-IN" sz="1800" spc="-1" strike="noStrike">
               <a:latin typeface="Arial"/>
             </a:endParaRPr>
           </a:p>
@@ -4734,7 +4785,7 @@
       </p:grpSpPr>
       <p:sp>
         <p:nvSpPr>
-          <p:cNvPr id="135" name="Line 1"/>
+          <p:cNvPr id="136" name="Line 1"/>
           <p:cNvSpPr/>
           <p:nvPr/>
         </p:nvSpPr>
@@ -4769,14 +4820,14 @@
       </p:sp>
       <p:sp>
         <p:nvSpPr>
-          <p:cNvPr id="136" name="CustomShape 2"/>
+          <p:cNvPr id="137" name="CustomShape 2"/>
           <p:cNvSpPr/>
           <p:nvPr/>
         </p:nvSpPr>
         <p:spPr>
           <a:xfrm>
             <a:off x="1523880" y="0"/>
-            <a:ext cx="9137880" cy="699120"/>
+            <a:ext cx="9137520" cy="699120"/>
           </a:xfrm>
           <a:prstGeom prst="rect">
             <a:avLst/>
@@ -4824,14 +4875,14 @@
       </p:sp>
       <p:sp>
         <p:nvSpPr>
-          <p:cNvPr id="137" name="CustomShape 3"/>
+          <p:cNvPr id="138" name="CustomShape 3"/>
           <p:cNvSpPr/>
           <p:nvPr/>
         </p:nvSpPr>
         <p:spPr>
           <a:xfrm>
             <a:off x="1600200" y="762120"/>
-            <a:ext cx="8985600" cy="1461240"/>
+            <a:ext cx="8985240" cy="1461240"/>
           </a:xfrm>
           <a:prstGeom prst="rect">
             <a:avLst/>
@@ -4925,14 +4976,14 @@
       </p:sp>
       <p:sp>
         <p:nvSpPr>
-          <p:cNvPr id="138" name="CustomShape 4"/>
+          <p:cNvPr id="139" name="CustomShape 4"/>
           <p:cNvSpPr/>
           <p:nvPr/>
         </p:nvSpPr>
         <p:spPr>
           <a:xfrm>
             <a:off x="152280" y="152280"/>
-            <a:ext cx="1100520" cy="455400"/>
+            <a:ext cx="1100160" cy="455400"/>
           </a:xfrm>
           <a:prstGeom prst="rect">
             <a:avLst/>
@@ -4976,14 +5027,14 @@
       </p:sp>
       <p:sp>
         <p:nvSpPr>
-          <p:cNvPr id="139" name="CustomShape 5"/>
+          <p:cNvPr id="140" name="CustomShape 5"/>
           <p:cNvSpPr/>
           <p:nvPr/>
         </p:nvSpPr>
         <p:spPr>
           <a:xfrm>
             <a:off x="1601280" y="2509560"/>
-            <a:ext cx="8984520" cy="699480"/>
+            <a:ext cx="8984160" cy="699480"/>
           </a:xfrm>
           <a:prstGeom prst="rect">
             <a:avLst/>
@@ -5047,14 +5098,14 @@
       </p:sp>
       <p:sp>
         <p:nvSpPr>
-          <p:cNvPr id="140" name="CustomShape 6"/>
+          <p:cNvPr id="141" name="CustomShape 6"/>
           <p:cNvSpPr/>
           <p:nvPr/>
         </p:nvSpPr>
         <p:spPr>
           <a:xfrm>
             <a:off x="1523880" y="3480480"/>
-            <a:ext cx="8883720" cy="2558520"/>
+            <a:ext cx="8883360" cy="2558520"/>
           </a:xfrm>
           <a:prstGeom prst="rect">
             <a:avLst/>
@@ -5075,7 +5126,7 @@
             <a:spAutoFit/>
           </a:bodyPr>
           <a:p>
-            <a:pPr marL="285840" indent="-279720">
+            <a:pPr marL="285840" indent="-279360">
               <a:lnSpc>
                 <a:spcPct val="150000"/>
               </a:lnSpc>
@@ -5120,7 +5171,7 @@
             </a:endParaRPr>
           </a:p>
           <a:p>
-            <a:pPr marL="285840" indent="-279720">
+            <a:pPr marL="285840" indent="-279360">
               <a:lnSpc>
                 <a:spcPct val="150000"/>
               </a:lnSpc>
@@ -5165,7 +5216,7 @@
             </a:endParaRPr>
           </a:p>
           <a:p>
-            <a:pPr marL="285840" indent="-279720">
+            <a:pPr marL="285840" indent="-279360">
               <a:lnSpc>
                 <a:spcPct val="150000"/>
               </a:lnSpc>
@@ -5210,7 +5261,7 @@
             </a:endParaRPr>
           </a:p>
           <a:p>
-            <a:pPr marL="285840" indent="-279720">
+            <a:pPr marL="285840" indent="-279360">
               <a:lnSpc>
                 <a:spcPct val="150000"/>
               </a:lnSpc>
@@ -5255,7 +5306,7 @@
             </a:endParaRPr>
           </a:p>
           <a:p>
-            <a:pPr marL="285840" indent="-279720">
+            <a:pPr marL="285840" indent="-279360">
               <a:lnSpc>
                 <a:spcPct val="150000"/>
               </a:lnSpc>
@@ -5290,7 +5341,7 @@
             </a:endParaRPr>
           </a:p>
           <a:p>
-            <a:pPr marL="285840" indent="-279720">
+            <a:pPr marL="285840" indent="-279360">
               <a:lnSpc>
                 <a:spcPct val="150000"/>
               </a:lnSpc>
@@ -5358,14 +5409,14 @@
       </p:grpSpPr>
       <p:sp>
         <p:nvSpPr>
-          <p:cNvPr id="141" name="CustomShape 1"/>
+          <p:cNvPr id="142" name="CustomShape 1"/>
           <p:cNvSpPr/>
           <p:nvPr/>
         </p:nvSpPr>
         <p:spPr>
           <a:xfrm>
             <a:off x="1676520" y="2362320"/>
-            <a:ext cx="8832960" cy="1735560"/>
+            <a:ext cx="8832600" cy="1735560"/>
           </a:xfrm>
           <a:prstGeom prst="rect">
             <a:avLst/>
@@ -5409,14 +5460,14 @@
       </p:sp>
       <p:sp>
         <p:nvSpPr>
-          <p:cNvPr id="142" name="CustomShape 2"/>
+          <p:cNvPr id="143" name="CustomShape 2"/>
           <p:cNvSpPr/>
           <p:nvPr/>
         </p:nvSpPr>
         <p:spPr>
           <a:xfrm>
-            <a:off x="1676520" y="4935600"/>
-            <a:ext cx="8832960" cy="424800"/>
+            <a:off x="522360" y="4323600"/>
+            <a:ext cx="11069640" cy="364680"/>
           </a:xfrm>
           <a:prstGeom prst="rect">
             <a:avLst/>
@@ -5437,13 +5488,13 @@
             <a:spAutoFit/>
           </a:bodyPr>
           <a:p>
-            <a:pPr>
-              <a:lnSpc>
-                <a:spcPct val="100000"/>
-              </a:lnSpc>
-            </a:pPr>
-            <a:r>
-              <a:rPr b="0" lang="en-US" sz="2200" spc="-1" strike="noStrike">
+            <a:pPr algn="just">
+              <a:lnSpc>
+                <a:spcPct val="100000"/>
+              </a:lnSpc>
+            </a:pPr>
+            <a:r>
+              <a:rPr b="0" lang="en-IN" sz="1800" spc="-1" strike="noStrike">
                 <a:solidFill>
                   <a:srgbClr val="bb0643"/>
                 </a:solidFill>
@@ -5452,7 +5503,7 @@
               </a:rPr>
               <a:t>TODO</a:t>
             </a:r>
-            <a:endParaRPr b="0" lang="en-IN" sz="2200" spc="-1" strike="noStrike">
+            <a:endParaRPr b="0" lang="en-IN" sz="1800" spc="-1" strike="noStrike">
               <a:latin typeface="Arial"/>
             </a:endParaRPr>
           </a:p>
@@ -5490,7 +5541,7 @@
       </p:grpSpPr>
       <p:sp>
         <p:nvSpPr>
-          <p:cNvPr id="143" name="Line 1"/>
+          <p:cNvPr id="144" name="Line 1"/>
           <p:cNvSpPr/>
           <p:nvPr/>
         </p:nvSpPr>
@@ -5525,14 +5576,14 @@
       </p:sp>
       <p:sp>
         <p:nvSpPr>
-          <p:cNvPr id="144" name="CustomShape 2"/>
+          <p:cNvPr id="145" name="CustomShape 2"/>
           <p:cNvSpPr/>
           <p:nvPr/>
         </p:nvSpPr>
         <p:spPr>
           <a:xfrm>
             <a:off x="1523880" y="0"/>
-            <a:ext cx="9137880" cy="699120"/>
+            <a:ext cx="9137520" cy="699120"/>
           </a:xfrm>
           <a:prstGeom prst="rect">
             <a:avLst/>
@@ -5580,14 +5631,14 @@
       </p:sp>
       <p:sp>
         <p:nvSpPr>
-          <p:cNvPr id="145" name="CustomShape 3"/>
+          <p:cNvPr id="146" name="CustomShape 3"/>
           <p:cNvSpPr/>
           <p:nvPr/>
         </p:nvSpPr>
         <p:spPr>
           <a:xfrm>
             <a:off x="1600200" y="762120"/>
-            <a:ext cx="8985600" cy="2284200"/>
+            <a:ext cx="8985240" cy="2284200"/>
           </a:xfrm>
           <a:prstGeom prst="rect">
             <a:avLst/>
@@ -5721,14 +5772,14 @@
       </p:sp>
       <p:sp>
         <p:nvSpPr>
-          <p:cNvPr id="146" name="CustomShape 4"/>
+          <p:cNvPr id="147" name="CustomShape 4"/>
           <p:cNvSpPr/>
           <p:nvPr/>
         </p:nvSpPr>
         <p:spPr>
           <a:xfrm>
             <a:off x="152280" y="152280"/>
-            <a:ext cx="1100520" cy="455400"/>
+            <a:ext cx="1100160" cy="455400"/>
           </a:xfrm>
           <a:prstGeom prst="rect">
             <a:avLst/>
@@ -5772,14 +5823,14 @@
       </p:sp>
       <p:sp>
         <p:nvSpPr>
-          <p:cNvPr id="147" name="CustomShape 5"/>
+          <p:cNvPr id="148" name="CustomShape 5"/>
           <p:cNvSpPr/>
           <p:nvPr/>
         </p:nvSpPr>
         <p:spPr>
           <a:xfrm>
             <a:off x="1601280" y="2977560"/>
-            <a:ext cx="8984520" cy="1309320"/>
+            <a:ext cx="8984160" cy="1309320"/>
           </a:xfrm>
           <a:prstGeom prst="rect">
             <a:avLst/>
@@ -5883,14 +5934,14 @@
       </p:sp>
       <p:sp>
         <p:nvSpPr>
-          <p:cNvPr id="148" name="CustomShape 6"/>
+          <p:cNvPr id="149" name="CustomShape 6"/>
           <p:cNvSpPr/>
           <p:nvPr/>
         </p:nvSpPr>
         <p:spPr>
           <a:xfrm>
             <a:off x="1523880" y="4344480"/>
-            <a:ext cx="8883720" cy="2147040"/>
+            <a:ext cx="8883360" cy="2147040"/>
           </a:xfrm>
           <a:prstGeom prst="rect">
             <a:avLst/>
@@ -5911,7 +5962,7 @@
             <a:spAutoFit/>
           </a:bodyPr>
           <a:p>
-            <a:pPr marL="285840" indent="-279720">
+            <a:pPr marL="285840" indent="-279360">
               <a:lnSpc>
                 <a:spcPct val="150000"/>
               </a:lnSpc>
@@ -5956,7 +6007,7 @@
             </a:endParaRPr>
           </a:p>
           <a:p>
-            <a:pPr marL="285840" indent="-279720">
+            <a:pPr marL="285840" indent="-279360">
               <a:lnSpc>
                 <a:spcPct val="150000"/>
               </a:lnSpc>
@@ -6001,7 +6052,7 @@
             </a:endParaRPr>
           </a:p>
           <a:p>
-            <a:pPr marL="285840" indent="-279720">
+            <a:pPr marL="285840" indent="-279360">
               <a:lnSpc>
                 <a:spcPct val="150000"/>
               </a:lnSpc>
@@ -6046,7 +6097,7 @@
             </a:endParaRPr>
           </a:p>
           <a:p>
-            <a:pPr marL="285840" indent="-279720">
+            <a:pPr marL="285840" indent="-279360">
               <a:lnSpc>
                 <a:spcPct val="150000"/>
               </a:lnSpc>
@@ -6091,7 +6142,7 @@
             </a:endParaRPr>
           </a:p>
           <a:p>
-            <a:pPr marL="285840" indent="-279720">
+            <a:pPr marL="285840" indent="-279360">
               <a:lnSpc>
                 <a:spcPct val="150000"/>
               </a:lnSpc>
@@ -6169,14 +6220,14 @@
       </p:grpSpPr>
       <p:sp>
         <p:nvSpPr>
-          <p:cNvPr id="149" name="CustomShape 1"/>
+          <p:cNvPr id="150" name="CustomShape 1"/>
           <p:cNvSpPr/>
           <p:nvPr/>
         </p:nvSpPr>
         <p:spPr>
           <a:xfrm>
             <a:off x="1676520" y="2362320"/>
-            <a:ext cx="8832960" cy="912600"/>
+            <a:ext cx="8832600" cy="912600"/>
           </a:xfrm>
           <a:prstGeom prst="rect">
             <a:avLst/>
@@ -6220,14 +6271,14 @@
       </p:sp>
       <p:sp>
         <p:nvSpPr>
-          <p:cNvPr id="150" name="CustomShape 2"/>
+          <p:cNvPr id="151" name="CustomShape 2"/>
           <p:cNvSpPr/>
           <p:nvPr/>
         </p:nvSpPr>
         <p:spPr>
           <a:xfrm>
-            <a:off x="1676520" y="3531600"/>
-            <a:ext cx="8832960" cy="424800"/>
+            <a:off x="522360" y="3531600"/>
+            <a:ext cx="11069640" cy="364680"/>
           </a:xfrm>
           <a:prstGeom prst="rect">
             <a:avLst/>
@@ -6248,13 +6299,13 @@
             <a:spAutoFit/>
           </a:bodyPr>
           <a:p>
-            <a:pPr>
-              <a:lnSpc>
-                <a:spcPct val="100000"/>
-              </a:lnSpc>
-            </a:pPr>
-            <a:r>
-              <a:rPr b="0" lang="en-US" sz="2200" spc="-1" strike="noStrike">
+            <a:pPr algn="just">
+              <a:lnSpc>
+                <a:spcPct val="100000"/>
+              </a:lnSpc>
+            </a:pPr>
+            <a:r>
+              <a:rPr b="0" lang="en-IN" sz="1800" spc="-1" strike="noStrike">
                 <a:solidFill>
                   <a:srgbClr val="bb0643"/>
                 </a:solidFill>
@@ -6263,7 +6314,7 @@
               </a:rPr>
               <a:t>TODO</a:t>
             </a:r>
-            <a:endParaRPr b="0" lang="en-IN" sz="2200" spc="-1" strike="noStrike">
+            <a:endParaRPr b="0" lang="en-IN" sz="1800" spc="-1" strike="noStrike">
               <a:latin typeface="Arial"/>
             </a:endParaRPr>
           </a:p>
@@ -6301,7 +6352,7 @@
       </p:grpSpPr>
       <p:sp>
         <p:nvSpPr>
-          <p:cNvPr id="151" name="Line 1"/>
+          <p:cNvPr id="152" name="Line 1"/>
           <p:cNvSpPr/>
           <p:nvPr/>
         </p:nvSpPr>
@@ -6336,14 +6387,14 @@
       </p:sp>
       <p:sp>
         <p:nvSpPr>
-          <p:cNvPr id="152" name="CustomShape 2"/>
+          <p:cNvPr id="153" name="CustomShape 2"/>
           <p:cNvSpPr/>
           <p:nvPr/>
         </p:nvSpPr>
         <p:spPr>
           <a:xfrm>
             <a:off x="1523880" y="0"/>
-            <a:ext cx="9137880" cy="699120"/>
+            <a:ext cx="9137520" cy="699120"/>
           </a:xfrm>
           <a:prstGeom prst="rect">
             <a:avLst/>
@@ -6391,14 +6442,14 @@
       </p:sp>
       <p:sp>
         <p:nvSpPr>
-          <p:cNvPr id="153" name="CustomShape 3"/>
+          <p:cNvPr id="154" name="CustomShape 3"/>
           <p:cNvSpPr/>
           <p:nvPr/>
         </p:nvSpPr>
         <p:spPr>
           <a:xfrm>
             <a:off x="1600200" y="762120"/>
-            <a:ext cx="8985600" cy="912600"/>
+            <a:ext cx="8985240" cy="912600"/>
           </a:xfrm>
           <a:prstGeom prst="rect">
             <a:avLst/>
@@ -6492,14 +6543,14 @@
       </p:sp>
       <p:sp>
         <p:nvSpPr>
-          <p:cNvPr id="154" name="CustomShape 4"/>
+          <p:cNvPr id="155" name="CustomShape 4"/>
           <p:cNvSpPr/>
           <p:nvPr/>
         </p:nvSpPr>
         <p:spPr>
           <a:xfrm>
             <a:off x="1600200" y="2865600"/>
-            <a:ext cx="8883720" cy="1735560"/>
+            <a:ext cx="8883360" cy="1735560"/>
           </a:xfrm>
           <a:prstGeom prst="rect">
             <a:avLst/>
@@ -6520,7 +6571,7 @@
             <a:spAutoFit/>
           </a:bodyPr>
           <a:p>
-            <a:pPr marL="285840" indent="-279720">
+            <a:pPr marL="285840" indent="-279360">
               <a:lnSpc>
                 <a:spcPct val="150000"/>
               </a:lnSpc>
@@ -6565,7 +6616,7 @@
             </a:endParaRPr>
           </a:p>
           <a:p>
-            <a:pPr marL="285840" indent="-279720">
+            <a:pPr marL="285840" indent="-279360">
               <a:lnSpc>
                 <a:spcPct val="150000"/>
               </a:lnSpc>
@@ -6610,7 +6661,7 @@
             </a:endParaRPr>
           </a:p>
           <a:p>
-            <a:pPr marL="285840" indent="-279720">
+            <a:pPr marL="285840" indent="-279360">
               <a:lnSpc>
                 <a:spcPct val="150000"/>
               </a:lnSpc>
@@ -6655,7 +6706,7 @@
             </a:endParaRPr>
           </a:p>
           <a:p>
-            <a:pPr marL="285840" indent="-279720">
+            <a:pPr marL="285840" indent="-279360">
               <a:lnSpc>
                 <a:spcPct val="150000"/>
               </a:lnSpc>
@@ -6703,14 +6754,14 @@
       </p:sp>
       <p:sp>
         <p:nvSpPr>
-          <p:cNvPr id="155" name="CustomShape 5"/>
+          <p:cNvPr id="156" name="CustomShape 5"/>
           <p:cNvSpPr/>
           <p:nvPr/>
         </p:nvSpPr>
         <p:spPr>
           <a:xfrm>
             <a:off x="152280" y="152280"/>
-            <a:ext cx="1100520" cy="455400"/>
+            <a:ext cx="1100160" cy="455400"/>
           </a:xfrm>
           <a:prstGeom prst="rect">
             <a:avLst/>
@@ -6754,14 +6805,14 @@
       </p:sp>
       <p:sp>
         <p:nvSpPr>
-          <p:cNvPr id="156" name="CustomShape 6"/>
+          <p:cNvPr id="157" name="CustomShape 6"/>
           <p:cNvSpPr/>
           <p:nvPr/>
         </p:nvSpPr>
         <p:spPr>
           <a:xfrm>
             <a:off x="1601280" y="2221560"/>
-            <a:ext cx="8984520" cy="699480"/>
+            <a:ext cx="8984160" cy="699480"/>
           </a:xfrm>
           <a:prstGeom prst="rect">
             <a:avLst/>
@@ -6825,14 +6876,14 @@
       </p:sp>
       <p:sp>
         <p:nvSpPr>
-          <p:cNvPr id="157" name="CustomShape 7"/>
+          <p:cNvPr id="158" name="CustomShape 7"/>
           <p:cNvSpPr/>
           <p:nvPr/>
         </p:nvSpPr>
         <p:spPr>
           <a:xfrm>
             <a:off x="1656000" y="4713480"/>
-            <a:ext cx="8994240" cy="1364400"/>
+            <a:ext cx="8993880" cy="1364040"/>
           </a:xfrm>
           <a:prstGeom prst="rect">
             <a:avLst/>
@@ -6853,7 +6904,7 @@
             <a:noAutofit/>
           </a:bodyPr>
           <a:p>
-            <a:pPr marL="216000" indent="-213120">
+            <a:pPr marL="216000" indent="-212760">
               <a:lnSpc>
                 <a:spcPct val="150000"/>
               </a:lnSpc>
@@ -6888,7 +6939,7 @@
             </a:endParaRPr>
           </a:p>
           <a:p>
-            <a:pPr marL="216000" indent="-213120">
+            <a:pPr marL="216000" indent="-212760">
               <a:lnSpc>
                 <a:spcPct val="150000"/>
               </a:lnSpc>
@@ -6923,7 +6974,7 @@
             </a:endParaRPr>
           </a:p>
           <a:p>
-            <a:pPr marL="216000" indent="-213120">
+            <a:pPr marL="216000" indent="-212760">
               <a:lnSpc>
                 <a:spcPct val="150000"/>
               </a:lnSpc>
@@ -6958,7 +7009,7 @@
             </a:endParaRPr>
           </a:p>
           <a:p>
-            <a:pPr marL="216000" indent="-213120">
+            <a:pPr marL="216000" indent="-212760">
               <a:lnSpc>
                 <a:spcPct val="150000"/>
               </a:lnSpc>
@@ -6993,7 +7044,7 @@
             </a:endParaRPr>
           </a:p>
           <a:p>
-            <a:pPr marL="216000" indent="-213120">
+            <a:pPr marL="216000" indent="-212760">
               <a:lnSpc>
                 <a:spcPct val="150000"/>
               </a:lnSpc>
@@ -7061,14 +7112,14 @@
       </p:grpSpPr>
       <p:sp>
         <p:nvSpPr>
-          <p:cNvPr id="158" name="CustomShape 1"/>
+          <p:cNvPr id="159" name="CustomShape 1"/>
           <p:cNvSpPr/>
           <p:nvPr/>
         </p:nvSpPr>
         <p:spPr>
           <a:xfrm>
             <a:off x="1676520" y="2362320"/>
-            <a:ext cx="8832960" cy="912600"/>
+            <a:ext cx="8832600" cy="912600"/>
           </a:xfrm>
           <a:prstGeom prst="rect">
             <a:avLst/>
@@ -7112,14 +7163,14 @@
       </p:sp>
       <p:sp>
         <p:nvSpPr>
-          <p:cNvPr id="159" name="CustomShape 2"/>
+          <p:cNvPr id="160" name="CustomShape 2"/>
           <p:cNvSpPr/>
           <p:nvPr/>
         </p:nvSpPr>
         <p:spPr>
           <a:xfrm>
-            <a:off x="1676520" y="3531600"/>
-            <a:ext cx="8832960" cy="424800"/>
+            <a:off x="522360" y="3531600"/>
+            <a:ext cx="11069640" cy="364680"/>
           </a:xfrm>
           <a:prstGeom prst="rect">
             <a:avLst/>
@@ -7140,13 +7191,13 @@
             <a:spAutoFit/>
           </a:bodyPr>
           <a:p>
-            <a:pPr>
-              <a:lnSpc>
-                <a:spcPct val="100000"/>
-              </a:lnSpc>
-            </a:pPr>
-            <a:r>
-              <a:rPr b="0" lang="en-US" sz="2200" spc="-1" strike="noStrike">
+            <a:pPr algn="just">
+              <a:lnSpc>
+                <a:spcPct val="100000"/>
+              </a:lnSpc>
+            </a:pPr>
+            <a:r>
+              <a:rPr b="0" lang="en-IN" sz="1800" spc="-1" strike="noStrike">
                 <a:solidFill>
                   <a:srgbClr val="bb0643"/>
                 </a:solidFill>
@@ -7155,7 +7206,7 @@
               </a:rPr>
               <a:t>TODO</a:t>
             </a:r>
-            <a:endParaRPr b="0" lang="en-IN" sz="2200" spc="-1" strike="noStrike">
+            <a:endParaRPr b="0" lang="en-IN" sz="1800" spc="-1" strike="noStrike">
               <a:latin typeface="Arial"/>
             </a:endParaRPr>
           </a:p>
@@ -7193,7 +7244,7 @@
       </p:grpSpPr>
       <p:sp>
         <p:nvSpPr>
-          <p:cNvPr id="160" name="Line 1"/>
+          <p:cNvPr id="161" name="Line 1"/>
           <p:cNvSpPr/>
           <p:nvPr/>
         </p:nvSpPr>
@@ -7228,14 +7279,14 @@
       </p:sp>
       <p:sp>
         <p:nvSpPr>
-          <p:cNvPr id="161" name="CustomShape 2"/>
+          <p:cNvPr id="162" name="CustomShape 2"/>
           <p:cNvSpPr/>
           <p:nvPr/>
         </p:nvSpPr>
         <p:spPr>
           <a:xfrm>
             <a:off x="1523880" y="0"/>
-            <a:ext cx="9137880" cy="699120"/>
+            <a:ext cx="9137520" cy="699120"/>
           </a:xfrm>
           <a:prstGeom prst="rect">
             <a:avLst/>
@@ -7283,14 +7334,14 @@
       </p:sp>
       <p:sp>
         <p:nvSpPr>
-          <p:cNvPr id="162" name="CustomShape 3"/>
+          <p:cNvPr id="163" name="CustomShape 3"/>
           <p:cNvSpPr/>
           <p:nvPr/>
         </p:nvSpPr>
         <p:spPr>
           <a:xfrm>
             <a:off x="1600200" y="762120"/>
-            <a:ext cx="8985600" cy="668880"/>
+            <a:ext cx="8985240" cy="668880"/>
           </a:xfrm>
           <a:prstGeom prst="rect">
             <a:avLst/>
@@ -7374,14 +7425,14 @@
       </p:sp>
       <p:sp>
         <p:nvSpPr>
-          <p:cNvPr id="163" name="CustomShape 4"/>
+          <p:cNvPr id="164" name="CustomShape 4"/>
           <p:cNvSpPr/>
           <p:nvPr/>
         </p:nvSpPr>
         <p:spPr>
           <a:xfrm>
             <a:off x="1600200" y="3909600"/>
-            <a:ext cx="8883720" cy="1324080"/>
+            <a:ext cx="8883360" cy="1324080"/>
           </a:xfrm>
           <a:prstGeom prst="rect">
             <a:avLst/>
@@ -7402,7 +7453,7 @@
             <a:spAutoFit/>
           </a:bodyPr>
           <a:p>
-            <a:pPr marL="285840" indent="-279720">
+            <a:pPr marL="285840" indent="-279360">
               <a:lnSpc>
                 <a:spcPct val="150000"/>
               </a:lnSpc>
@@ -7447,7 +7498,7 @@
             </a:endParaRPr>
           </a:p>
           <a:p>
-            <a:pPr marL="285840" indent="-279720">
+            <a:pPr marL="285840" indent="-279360">
               <a:lnSpc>
                 <a:spcPct val="150000"/>
               </a:lnSpc>
@@ -7492,7 +7543,7 @@
             </a:endParaRPr>
           </a:p>
           <a:p>
-            <a:pPr marL="285840" indent="-279720">
+            <a:pPr marL="285840" indent="-279360">
               <a:lnSpc>
                 <a:spcPct val="150000"/>
               </a:lnSpc>
@@ -7540,14 +7591,14 @@
       </p:sp>
       <p:sp>
         <p:nvSpPr>
-          <p:cNvPr id="164" name="CustomShape 5"/>
+          <p:cNvPr id="165" name="CustomShape 5"/>
           <p:cNvSpPr/>
           <p:nvPr/>
         </p:nvSpPr>
         <p:spPr>
           <a:xfrm>
             <a:off x="152280" y="152280"/>
-            <a:ext cx="1100520" cy="455400"/>
+            <a:ext cx="1100160" cy="455400"/>
           </a:xfrm>
           <a:prstGeom prst="rect">
             <a:avLst/>
@@ -7591,14 +7642,14 @@
       </p:sp>
       <p:sp>
         <p:nvSpPr>
-          <p:cNvPr id="165" name="CustomShape 6"/>
+          <p:cNvPr id="166" name="CustomShape 6"/>
           <p:cNvSpPr/>
           <p:nvPr/>
         </p:nvSpPr>
         <p:spPr>
           <a:xfrm>
             <a:off x="1601280" y="2221560"/>
-            <a:ext cx="8984520" cy="699480"/>
+            <a:ext cx="8984160" cy="699480"/>
           </a:xfrm>
           <a:prstGeom prst="rect">
             <a:avLst/>
@@ -7662,14 +7713,14 @@
       </p:sp>
       <p:sp>
         <p:nvSpPr>
-          <p:cNvPr id="166" name="CustomShape 7"/>
+          <p:cNvPr id="167" name="CustomShape 7"/>
           <p:cNvSpPr/>
           <p:nvPr/>
         </p:nvSpPr>
         <p:spPr>
           <a:xfrm>
             <a:off x="1584000" y="5246640"/>
-            <a:ext cx="8850240" cy="1010880"/>
+            <a:ext cx="8849880" cy="1010520"/>
           </a:xfrm>
           <a:prstGeom prst="rect">
             <a:avLst/>
@@ -7720,7 +7771,7 @@
             </a:endParaRPr>
           </a:p>
           <a:p>
-            <a:pPr marL="216000" indent="-210240">
+            <a:pPr marL="216000" indent="-209880">
               <a:lnSpc>
                 <a:spcPct val="100000"/>
               </a:lnSpc>
@@ -7746,7 +7797,7 @@
             </a:endParaRPr>
           </a:p>
           <a:p>
-            <a:pPr marL="216000" indent="-210240">
+            <a:pPr marL="216000" indent="-209880">
               <a:lnSpc>
                 <a:spcPct val="100000"/>
               </a:lnSpc>
@@ -7775,14 +7826,14 @@
       </p:sp>
       <p:sp>
         <p:nvSpPr>
-          <p:cNvPr id="167" name="CustomShape 8"/>
+          <p:cNvPr id="168" name="CustomShape 8"/>
           <p:cNvSpPr/>
           <p:nvPr/>
         </p:nvSpPr>
         <p:spPr>
           <a:xfrm>
             <a:off x="1576080" y="3161880"/>
-            <a:ext cx="9578160" cy="648360"/>
+            <a:ext cx="9577800" cy="648000"/>
           </a:xfrm>
           <a:prstGeom prst="rect">
             <a:avLst/>
@@ -7886,14 +7937,14 @@
       </p:grpSpPr>
       <p:sp>
         <p:nvSpPr>
-          <p:cNvPr id="168" name="CustomShape 1"/>
+          <p:cNvPr id="169" name="CustomShape 1"/>
           <p:cNvSpPr/>
           <p:nvPr/>
         </p:nvSpPr>
         <p:spPr>
           <a:xfrm>
             <a:off x="1676520" y="2362320"/>
-            <a:ext cx="8832960" cy="912600"/>
+            <a:ext cx="8832600" cy="912600"/>
           </a:xfrm>
           <a:prstGeom prst="rect">
             <a:avLst/>
@@ -7937,14 +7988,14 @@
       </p:sp>
       <p:sp>
         <p:nvSpPr>
-          <p:cNvPr id="169" name="CustomShape 2"/>
+          <p:cNvPr id="170" name="CustomShape 2"/>
           <p:cNvSpPr/>
           <p:nvPr/>
         </p:nvSpPr>
         <p:spPr>
           <a:xfrm>
-            <a:off x="1676520" y="3531600"/>
-            <a:ext cx="8832960" cy="424800"/>
+            <a:off x="522360" y="3531600"/>
+            <a:ext cx="11069640" cy="364680"/>
           </a:xfrm>
           <a:prstGeom prst="rect">
             <a:avLst/>
@@ -7965,13 +8016,13 @@
             <a:spAutoFit/>
           </a:bodyPr>
           <a:p>
-            <a:pPr>
-              <a:lnSpc>
-                <a:spcPct val="100000"/>
-              </a:lnSpc>
-            </a:pPr>
-            <a:r>
-              <a:rPr b="0" lang="en-US" sz="2200" spc="-1" strike="noStrike">
+            <a:pPr algn="just">
+              <a:lnSpc>
+                <a:spcPct val="100000"/>
+              </a:lnSpc>
+            </a:pPr>
+            <a:r>
+              <a:rPr b="0" lang="en-IN" sz="1800" spc="-1" strike="noStrike">
                 <a:solidFill>
                   <a:srgbClr val="bb0643"/>
                 </a:solidFill>
@@ -7980,7 +8031,7 @@
               </a:rPr>
               <a:t>TODO</a:t>
             </a:r>
-            <a:endParaRPr b="0" lang="en-IN" sz="2200" spc="-1" strike="noStrike">
+            <a:endParaRPr b="0" lang="en-IN" sz="1800" spc="-1" strike="noStrike">
               <a:latin typeface="Arial"/>
             </a:endParaRPr>
           </a:p>
@@ -8018,14 +8069,14 @@
       </p:grpSpPr>
       <p:sp>
         <p:nvSpPr>
-          <p:cNvPr id="95" name="CustomShape 1"/>
+          <p:cNvPr id="96" name="CustomShape 1"/>
           <p:cNvSpPr/>
           <p:nvPr/>
         </p:nvSpPr>
         <p:spPr>
           <a:xfrm>
             <a:off x="1676520" y="2362320"/>
-            <a:ext cx="8832960" cy="912600"/>
+            <a:ext cx="8832600" cy="912600"/>
           </a:xfrm>
           <a:prstGeom prst="rect">
             <a:avLst/>
@@ -8069,14 +8120,14 @@
       </p:sp>
       <p:sp>
         <p:nvSpPr>
-          <p:cNvPr id="96" name="CustomShape 2"/>
+          <p:cNvPr id="97" name="CustomShape 2"/>
           <p:cNvSpPr/>
           <p:nvPr/>
         </p:nvSpPr>
         <p:spPr>
           <a:xfrm>
             <a:off x="522360" y="3531600"/>
-            <a:ext cx="11245320" cy="1765440"/>
+            <a:ext cx="11141640" cy="1187640"/>
           </a:xfrm>
           <a:prstGeom prst="rect">
             <a:avLst/>
@@ -8103,7 +8154,7 @@
               </a:lnSpc>
             </a:pPr>
             <a:r>
-              <a:rPr b="0" lang="en-IN" sz="2200" spc="-1" strike="noStrike">
+              <a:rPr b="0" lang="en-IN" sz="1800" spc="-1" strike="noStrike">
                 <a:solidFill>
                   <a:srgbClr val="bb0643"/>
                 </a:solidFill>
@@ -8112,22 +8163,22 @@
               </a:rPr>
               <a:t>Redis is an open-source, in-memory key-value data store. A key-value data store is a type of NoSQL database in which keys serve as unique identifiers for their associated values. Any given Redis instance includes a number of databases, each of which can hold many different keys of a variety of data types.</a:t>
             </a:r>
-            <a:endParaRPr b="0" lang="en-IN" sz="2200" spc="-1" strike="noStrike">
-              <a:latin typeface="Arial"/>
-            </a:endParaRPr>
-          </a:p>
-        </p:txBody>
-      </p:sp>
-      <p:sp>
-        <p:nvSpPr>
-          <p:cNvPr id="97" name="CustomShape 3"/>
+            <a:endParaRPr b="0" lang="en-IN" sz="1800" spc="-1" strike="noStrike">
+              <a:latin typeface="Arial"/>
+            </a:endParaRPr>
+          </a:p>
+        </p:txBody>
+      </p:sp>
+      <p:sp>
+        <p:nvSpPr>
+          <p:cNvPr id="98" name="CustomShape 3"/>
           <p:cNvSpPr/>
           <p:nvPr/>
         </p:nvSpPr>
         <p:spPr>
           <a:xfrm>
             <a:off x="1666800" y="609480"/>
-            <a:ext cx="8832960" cy="394560"/>
+            <a:ext cx="8832600" cy="394560"/>
           </a:xfrm>
           <a:prstGeom prst="rect">
             <a:avLst/>
@@ -8201,7 +8252,7 @@
       </p:grpSpPr>
       <p:sp>
         <p:nvSpPr>
-          <p:cNvPr id="170" name="Line 1"/>
+          <p:cNvPr id="171" name="Line 1"/>
           <p:cNvSpPr/>
           <p:nvPr/>
         </p:nvSpPr>
@@ -8236,14 +8287,14 @@
       </p:sp>
       <p:sp>
         <p:nvSpPr>
-          <p:cNvPr id="171" name="CustomShape 2"/>
+          <p:cNvPr id="172" name="CustomShape 2"/>
           <p:cNvSpPr/>
           <p:nvPr/>
         </p:nvSpPr>
         <p:spPr>
           <a:xfrm>
             <a:off x="1523880" y="0"/>
-            <a:ext cx="9137880" cy="699120"/>
+            <a:ext cx="9137520" cy="699120"/>
           </a:xfrm>
           <a:prstGeom prst="rect">
             <a:avLst/>
@@ -8291,14 +8342,14 @@
       </p:sp>
       <p:sp>
         <p:nvSpPr>
-          <p:cNvPr id="172" name="CustomShape 3"/>
+          <p:cNvPr id="173" name="CustomShape 3"/>
           <p:cNvSpPr/>
           <p:nvPr/>
         </p:nvSpPr>
         <p:spPr>
           <a:xfrm>
             <a:off x="1600200" y="762120"/>
-            <a:ext cx="8985600" cy="1735560"/>
+            <a:ext cx="8985240" cy="1735560"/>
           </a:xfrm>
           <a:prstGeom prst="rect">
             <a:avLst/>
@@ -8392,14 +8443,14 @@
       </p:sp>
       <p:sp>
         <p:nvSpPr>
-          <p:cNvPr id="173" name="CustomShape 4"/>
+          <p:cNvPr id="174" name="CustomShape 4"/>
           <p:cNvSpPr/>
           <p:nvPr/>
         </p:nvSpPr>
         <p:spPr>
           <a:xfrm>
             <a:off x="1600200" y="3585600"/>
-            <a:ext cx="8883720" cy="2558520"/>
+            <a:ext cx="8883360" cy="2558520"/>
           </a:xfrm>
           <a:prstGeom prst="rect">
             <a:avLst/>
@@ -8440,7 +8491,7 @@
             </a:endParaRPr>
           </a:p>
           <a:p>
-            <a:pPr marL="285840" indent="-279720">
+            <a:pPr marL="285840" indent="-279360">
               <a:lnSpc>
                 <a:spcPct val="150000"/>
               </a:lnSpc>
@@ -8485,7 +8536,7 @@
             </a:endParaRPr>
           </a:p>
           <a:p>
-            <a:pPr marL="285840" indent="-279720">
+            <a:pPr marL="285840" indent="-279360">
               <a:lnSpc>
                 <a:spcPct val="150000"/>
               </a:lnSpc>
@@ -8550,7 +8601,7 @@
             </a:endParaRPr>
           </a:p>
           <a:p>
-            <a:pPr marL="285840" indent="-279720">
+            <a:pPr marL="285840" indent="-279360">
               <a:lnSpc>
                 <a:spcPct val="150000"/>
               </a:lnSpc>
@@ -8595,7 +8646,7 @@
             </a:endParaRPr>
           </a:p>
           <a:p>
-            <a:pPr marL="285840" indent="-279720">
+            <a:pPr marL="285840" indent="-279360">
               <a:lnSpc>
                 <a:spcPct val="150000"/>
               </a:lnSpc>
@@ -8643,14 +8694,14 @@
       </p:sp>
       <p:sp>
         <p:nvSpPr>
-          <p:cNvPr id="174" name="CustomShape 5"/>
+          <p:cNvPr id="175" name="CustomShape 5"/>
           <p:cNvSpPr/>
           <p:nvPr/>
         </p:nvSpPr>
         <p:spPr>
           <a:xfrm>
             <a:off x="152280" y="152280"/>
-            <a:ext cx="1100520" cy="455400"/>
+            <a:ext cx="1100160" cy="455400"/>
           </a:xfrm>
           <a:prstGeom prst="rect">
             <a:avLst/>
@@ -8694,14 +8745,14 @@
       </p:sp>
       <p:sp>
         <p:nvSpPr>
-          <p:cNvPr id="175" name="CustomShape 6"/>
+          <p:cNvPr id="176" name="CustomShape 6"/>
           <p:cNvSpPr/>
           <p:nvPr/>
         </p:nvSpPr>
         <p:spPr>
           <a:xfrm>
             <a:off x="1601280" y="2761560"/>
-            <a:ext cx="8984520" cy="699480"/>
+            <a:ext cx="8984160" cy="699480"/>
           </a:xfrm>
           <a:prstGeom prst="rect">
             <a:avLst/>
@@ -8795,14 +8846,14 @@
       </p:grpSpPr>
       <p:sp>
         <p:nvSpPr>
-          <p:cNvPr id="176" name="CustomShape 1"/>
+          <p:cNvPr id="177" name="CustomShape 1"/>
           <p:cNvSpPr/>
           <p:nvPr/>
         </p:nvSpPr>
         <p:spPr>
           <a:xfrm>
             <a:off x="1676520" y="2362320"/>
-            <a:ext cx="8832960" cy="912600"/>
+            <a:ext cx="8832600" cy="912600"/>
           </a:xfrm>
           <a:prstGeom prst="rect">
             <a:avLst/>
@@ -8846,14 +8897,14 @@
       </p:sp>
       <p:sp>
         <p:nvSpPr>
-          <p:cNvPr id="177" name="CustomShape 2"/>
+          <p:cNvPr id="178" name="CustomShape 2"/>
           <p:cNvSpPr/>
           <p:nvPr/>
         </p:nvSpPr>
         <p:spPr>
           <a:xfrm>
-            <a:off x="1676520" y="5331600"/>
-            <a:ext cx="8832960" cy="424800"/>
+            <a:off x="522360" y="3531600"/>
+            <a:ext cx="11069640" cy="364680"/>
           </a:xfrm>
           <a:prstGeom prst="rect">
             <a:avLst/>
@@ -8874,13 +8925,13 @@
             <a:spAutoFit/>
           </a:bodyPr>
           <a:p>
-            <a:pPr>
-              <a:lnSpc>
-                <a:spcPct val="100000"/>
-              </a:lnSpc>
-            </a:pPr>
-            <a:r>
-              <a:rPr b="0" lang="en-US" sz="2200" spc="-1" strike="noStrike">
+            <a:pPr algn="just">
+              <a:lnSpc>
+                <a:spcPct val="100000"/>
+              </a:lnSpc>
+            </a:pPr>
+            <a:r>
+              <a:rPr b="0" lang="en-IN" sz="1800" spc="-1" strike="noStrike">
                 <a:solidFill>
                   <a:srgbClr val="bb0643"/>
                 </a:solidFill>
@@ -8889,7 +8940,7 @@
               </a:rPr>
               <a:t>TODO</a:t>
             </a:r>
-            <a:endParaRPr b="0" lang="en-IN" sz="2200" spc="-1" strike="noStrike">
+            <a:endParaRPr b="0" lang="en-IN" sz="1800" spc="-1" strike="noStrike">
               <a:latin typeface="Arial"/>
             </a:endParaRPr>
           </a:p>
@@ -8927,14 +8978,14 @@
       </p:grpSpPr>
       <p:sp>
         <p:nvSpPr>
-          <p:cNvPr id="178" name="CustomShape 1"/>
+          <p:cNvPr id="179" name="CustomShape 1"/>
           <p:cNvSpPr/>
           <p:nvPr/>
         </p:nvSpPr>
         <p:spPr>
           <a:xfrm>
             <a:off x="1523880" y="0"/>
-            <a:ext cx="9137880" cy="699120"/>
+            <a:ext cx="9137520" cy="699120"/>
           </a:xfrm>
           <a:prstGeom prst="rect">
             <a:avLst/>
@@ -8982,14 +9033,14 @@
       </p:sp>
       <p:sp>
         <p:nvSpPr>
-          <p:cNvPr id="179" name="CustomShape 2"/>
+          <p:cNvPr id="180" name="CustomShape 2"/>
           <p:cNvSpPr/>
           <p:nvPr/>
         </p:nvSpPr>
         <p:spPr>
           <a:xfrm>
             <a:off x="1600200" y="762120"/>
-            <a:ext cx="8985600" cy="2284200"/>
+            <a:ext cx="8985240" cy="2284200"/>
           </a:xfrm>
           <a:prstGeom prst="rect">
             <a:avLst/>
@@ -9123,14 +9174,14 @@
       </p:sp>
       <p:sp>
         <p:nvSpPr>
-          <p:cNvPr id="180" name="CustomShape 3"/>
+          <p:cNvPr id="181" name="CustomShape 3"/>
           <p:cNvSpPr/>
           <p:nvPr/>
         </p:nvSpPr>
         <p:spPr>
           <a:xfrm>
             <a:off x="152280" y="152280"/>
-            <a:ext cx="1100520" cy="455400"/>
+            <a:ext cx="1100160" cy="455400"/>
           </a:xfrm>
           <a:prstGeom prst="rect">
             <a:avLst/>
@@ -9174,14 +9225,14 @@
       </p:sp>
       <p:sp>
         <p:nvSpPr>
-          <p:cNvPr id="181" name="CustomShape 4"/>
+          <p:cNvPr id="182" name="CustomShape 4"/>
           <p:cNvSpPr/>
           <p:nvPr/>
         </p:nvSpPr>
         <p:spPr>
           <a:xfrm>
             <a:off x="1601280" y="3157560"/>
-            <a:ext cx="8984520" cy="1004400"/>
+            <a:ext cx="8984160" cy="1004400"/>
           </a:xfrm>
           <a:prstGeom prst="rect">
             <a:avLst/>
@@ -9265,14 +9316,14 @@
       </p:sp>
       <p:sp>
         <p:nvSpPr>
-          <p:cNvPr id="182" name="CustomShape 5"/>
+          <p:cNvPr id="183" name="CustomShape 5"/>
           <p:cNvSpPr/>
           <p:nvPr/>
         </p:nvSpPr>
         <p:spPr>
           <a:xfrm>
             <a:off x="864000" y="4197600"/>
-            <a:ext cx="11013480" cy="1324080"/>
+            <a:ext cx="11013120" cy="1324080"/>
           </a:xfrm>
           <a:prstGeom prst="rect">
             <a:avLst/>
@@ -9293,7 +9344,7 @@
             <a:spAutoFit/>
           </a:bodyPr>
           <a:p>
-            <a:pPr marL="285840" indent="-279720">
+            <a:pPr marL="285840" indent="-279360">
               <a:lnSpc>
                 <a:spcPct val="150000"/>
               </a:lnSpc>
@@ -9338,7 +9389,7 @@
             </a:endParaRPr>
           </a:p>
           <a:p>
-            <a:pPr marL="285840" indent="-279720">
+            <a:pPr marL="285840" indent="-279360">
               <a:lnSpc>
                 <a:spcPct val="150000"/>
               </a:lnSpc>
@@ -9383,7 +9434,7 @@
             </a:endParaRPr>
           </a:p>
           <a:p>
-            <a:pPr marL="285840" indent="-279720">
+            <a:pPr marL="285840" indent="-279360">
               <a:lnSpc>
                 <a:spcPct val="150000"/>
               </a:lnSpc>
@@ -9431,7 +9482,7 @@
       </p:sp>
       <p:sp>
         <p:nvSpPr>
-          <p:cNvPr id="183" name="Line 6"/>
+          <p:cNvPr id="184" name="Line 6"/>
           <p:cNvSpPr/>
           <p:nvPr/>
         </p:nvSpPr>
@@ -9466,14 +9517,14 @@
       </p:sp>
       <p:sp>
         <p:nvSpPr>
-          <p:cNvPr id="184" name="CustomShape 7"/>
+          <p:cNvPr id="185" name="CustomShape 7"/>
           <p:cNvSpPr/>
           <p:nvPr/>
         </p:nvSpPr>
         <p:spPr>
           <a:xfrm>
             <a:off x="1584000" y="5610240"/>
-            <a:ext cx="8850240" cy="1010880"/>
+            <a:ext cx="8849880" cy="1010520"/>
           </a:xfrm>
           <a:prstGeom prst="rect">
             <a:avLst/>
@@ -9524,7 +9575,7 @@
             </a:endParaRPr>
           </a:p>
           <a:p>
-            <a:pPr marL="285840" indent="-282600">
+            <a:pPr marL="285840" indent="-282240">
               <a:lnSpc>
                 <a:spcPct val="100000"/>
               </a:lnSpc>
@@ -9549,7 +9600,7 @@
             </a:endParaRPr>
           </a:p>
           <a:p>
-            <a:pPr marL="285840" indent="-282600">
+            <a:pPr marL="285840" indent="-282240">
               <a:lnSpc>
                 <a:spcPct val="100000"/>
               </a:lnSpc>
@@ -9607,14 +9658,14 @@
       </p:grpSpPr>
       <p:sp>
         <p:nvSpPr>
-          <p:cNvPr id="185" name="CustomShape 1"/>
+          <p:cNvPr id="186" name="CustomShape 1"/>
           <p:cNvSpPr/>
           <p:nvPr/>
         </p:nvSpPr>
         <p:spPr>
           <a:xfrm>
             <a:off x="1676520" y="2362320"/>
-            <a:ext cx="8832960" cy="912600"/>
+            <a:ext cx="8832600" cy="912600"/>
           </a:xfrm>
           <a:prstGeom prst="rect">
             <a:avLst/>
@@ -9658,14 +9709,14 @@
       </p:sp>
       <p:sp>
         <p:nvSpPr>
-          <p:cNvPr id="186" name="CustomShape 2"/>
+          <p:cNvPr id="187" name="CustomShape 2"/>
           <p:cNvSpPr/>
           <p:nvPr/>
         </p:nvSpPr>
         <p:spPr>
           <a:xfrm>
-            <a:off x="1676520" y="5331600"/>
-            <a:ext cx="8832960" cy="424800"/>
+            <a:off x="522360" y="3531600"/>
+            <a:ext cx="11069640" cy="364680"/>
           </a:xfrm>
           <a:prstGeom prst="rect">
             <a:avLst/>
@@ -9686,13 +9737,13 @@
             <a:spAutoFit/>
           </a:bodyPr>
           <a:p>
-            <a:pPr>
-              <a:lnSpc>
-                <a:spcPct val="100000"/>
-              </a:lnSpc>
-            </a:pPr>
-            <a:r>
-              <a:rPr b="0" lang="en-US" sz="2200" spc="-1" strike="noStrike">
+            <a:pPr algn="just">
+              <a:lnSpc>
+                <a:spcPct val="100000"/>
+              </a:lnSpc>
+            </a:pPr>
+            <a:r>
+              <a:rPr b="0" lang="en-IN" sz="1800" spc="-1" strike="noStrike">
                 <a:solidFill>
                   <a:srgbClr val="bb0643"/>
                 </a:solidFill>
@@ -9701,7 +9752,7 @@
               </a:rPr>
               <a:t>TODO</a:t>
             </a:r>
-            <a:endParaRPr b="0" lang="en-IN" sz="2200" spc="-1" strike="noStrike">
+            <a:endParaRPr b="0" lang="en-IN" sz="1800" spc="-1" strike="noStrike">
               <a:latin typeface="Arial"/>
             </a:endParaRPr>
           </a:p>
@@ -9739,14 +9790,14 @@
       </p:grpSpPr>
       <p:sp>
         <p:nvSpPr>
-          <p:cNvPr id="187" name="CustomShape 1"/>
+          <p:cNvPr id="188" name="CustomShape 1"/>
           <p:cNvSpPr/>
           <p:nvPr/>
         </p:nvSpPr>
         <p:spPr>
           <a:xfrm>
             <a:off x="1523880" y="0"/>
-            <a:ext cx="9137880" cy="699120"/>
+            <a:ext cx="9137520" cy="699120"/>
           </a:xfrm>
           <a:prstGeom prst="rect">
             <a:avLst/>
@@ -9794,14 +9845,14 @@
       </p:sp>
       <p:sp>
         <p:nvSpPr>
-          <p:cNvPr id="188" name="CustomShape 2"/>
+          <p:cNvPr id="189" name="CustomShape 2"/>
           <p:cNvSpPr/>
           <p:nvPr/>
         </p:nvSpPr>
         <p:spPr>
           <a:xfrm>
             <a:off x="1600200" y="762120"/>
-            <a:ext cx="8985600" cy="2558520"/>
+            <a:ext cx="8985240" cy="2558520"/>
           </a:xfrm>
           <a:prstGeom prst="rect">
             <a:avLst/>
@@ -9935,14 +9986,14 @@
       </p:sp>
       <p:sp>
         <p:nvSpPr>
-          <p:cNvPr id="189" name="CustomShape 3"/>
+          <p:cNvPr id="190" name="CustomShape 3"/>
           <p:cNvSpPr/>
           <p:nvPr/>
         </p:nvSpPr>
         <p:spPr>
           <a:xfrm>
             <a:off x="152280" y="152280"/>
-            <a:ext cx="1100520" cy="455400"/>
+            <a:ext cx="1100160" cy="455400"/>
           </a:xfrm>
           <a:prstGeom prst="rect">
             <a:avLst/>
@@ -9986,14 +10037,14 @@
       </p:sp>
       <p:sp>
         <p:nvSpPr>
-          <p:cNvPr id="190" name="CustomShape 4"/>
+          <p:cNvPr id="191" name="CustomShape 4"/>
           <p:cNvSpPr/>
           <p:nvPr/>
         </p:nvSpPr>
         <p:spPr>
           <a:xfrm>
             <a:off x="1601280" y="3553560"/>
-            <a:ext cx="8984520" cy="1004400"/>
+            <a:ext cx="8984160" cy="1004400"/>
           </a:xfrm>
           <a:prstGeom prst="rect">
             <a:avLst/>
@@ -10077,14 +10128,14 @@
       </p:sp>
       <p:sp>
         <p:nvSpPr>
-          <p:cNvPr id="191" name="CustomShape 5"/>
+          <p:cNvPr id="192" name="CustomShape 5"/>
           <p:cNvSpPr/>
           <p:nvPr/>
         </p:nvSpPr>
         <p:spPr>
           <a:xfrm>
             <a:off x="1600200" y="4593600"/>
-            <a:ext cx="8883720" cy="912600"/>
+            <a:ext cx="8883360" cy="912600"/>
           </a:xfrm>
           <a:prstGeom prst="rect">
             <a:avLst/>
@@ -10105,7 +10156,7 @@
             <a:spAutoFit/>
           </a:bodyPr>
           <a:p>
-            <a:pPr marL="285840" indent="-279720">
+            <a:pPr marL="285840" indent="-279360">
               <a:lnSpc>
                 <a:spcPct val="150000"/>
               </a:lnSpc>
@@ -10150,7 +10201,7 @@
             </a:endParaRPr>
           </a:p>
           <a:p>
-            <a:pPr marL="285840" indent="-279720">
+            <a:pPr marL="285840" indent="-279360">
               <a:lnSpc>
                 <a:spcPct val="150000"/>
               </a:lnSpc>
@@ -10198,7 +10249,7 @@
       </p:sp>
       <p:sp>
         <p:nvSpPr>
-          <p:cNvPr id="192" name="Line 6"/>
+          <p:cNvPr id="193" name="Line 6"/>
           <p:cNvSpPr/>
           <p:nvPr/>
         </p:nvSpPr>
@@ -10233,14 +10284,14 @@
       </p:sp>
       <p:sp>
         <p:nvSpPr>
-          <p:cNvPr id="193" name="CustomShape 7"/>
+          <p:cNvPr id="194" name="CustomShape 7"/>
           <p:cNvSpPr/>
           <p:nvPr/>
         </p:nvSpPr>
         <p:spPr>
           <a:xfrm>
             <a:off x="1584000" y="5790240"/>
-            <a:ext cx="8850240" cy="75240"/>
+            <a:ext cx="8849880" cy="74880"/>
           </a:xfrm>
           <a:prstGeom prst="rect">
             <a:avLst/>
@@ -10291,7 +10342,7 @@
             </a:endParaRPr>
           </a:p>
           <a:p>
-            <a:pPr marL="285840" indent="-282600">
+            <a:pPr marL="285840" indent="-282240">
               <a:lnSpc>
                 <a:spcPct val="100000"/>
               </a:lnSpc>
@@ -10349,14 +10400,14 @@
       </p:grpSpPr>
       <p:sp>
         <p:nvSpPr>
-          <p:cNvPr id="194" name="CustomShape 1"/>
+          <p:cNvPr id="195" name="CustomShape 1"/>
           <p:cNvSpPr/>
           <p:nvPr/>
         </p:nvSpPr>
         <p:spPr>
           <a:xfrm>
             <a:off x="1676520" y="2362320"/>
-            <a:ext cx="8832960" cy="912600"/>
+            <a:ext cx="8832600" cy="912600"/>
           </a:xfrm>
           <a:prstGeom prst="rect">
             <a:avLst/>
@@ -10400,14 +10451,14 @@
       </p:sp>
       <p:sp>
         <p:nvSpPr>
-          <p:cNvPr id="195" name="CustomShape 2"/>
+          <p:cNvPr id="196" name="CustomShape 2"/>
           <p:cNvSpPr/>
           <p:nvPr/>
         </p:nvSpPr>
         <p:spPr>
           <a:xfrm>
-            <a:off x="1676520" y="5331600"/>
-            <a:ext cx="8832960" cy="424800"/>
+            <a:off x="522360" y="3531600"/>
+            <a:ext cx="11069640" cy="364680"/>
           </a:xfrm>
           <a:prstGeom prst="rect">
             <a:avLst/>
@@ -10428,13 +10479,13 @@
             <a:spAutoFit/>
           </a:bodyPr>
           <a:p>
-            <a:pPr>
-              <a:lnSpc>
-                <a:spcPct val="100000"/>
-              </a:lnSpc>
-            </a:pPr>
-            <a:r>
-              <a:rPr b="0" lang="en-US" sz="2200" spc="-1" strike="noStrike">
+            <a:pPr algn="just">
+              <a:lnSpc>
+                <a:spcPct val="100000"/>
+              </a:lnSpc>
+            </a:pPr>
+            <a:r>
+              <a:rPr b="0" lang="en-IN" sz="1800" spc="-1" strike="noStrike">
                 <a:solidFill>
                   <a:srgbClr val="bb0643"/>
                 </a:solidFill>
@@ -10443,7 +10494,7 @@
               </a:rPr>
               <a:t>TODO</a:t>
             </a:r>
-            <a:endParaRPr b="0" lang="en-IN" sz="2200" spc="-1" strike="noStrike">
+            <a:endParaRPr b="0" lang="en-IN" sz="1800" spc="-1" strike="noStrike">
               <a:latin typeface="Arial"/>
             </a:endParaRPr>
           </a:p>
@@ -10481,14 +10532,14 @@
       </p:grpSpPr>
       <p:sp>
         <p:nvSpPr>
-          <p:cNvPr id="196" name="CustomShape 1"/>
+          <p:cNvPr id="197" name="CustomShape 1"/>
           <p:cNvSpPr/>
           <p:nvPr/>
         </p:nvSpPr>
         <p:spPr>
           <a:xfrm>
             <a:off x="1523880" y="0"/>
-            <a:ext cx="9137880" cy="699120"/>
+            <a:ext cx="9137520" cy="699120"/>
           </a:xfrm>
           <a:prstGeom prst="rect">
             <a:avLst/>
@@ -10536,14 +10587,14 @@
       </p:sp>
       <p:sp>
         <p:nvSpPr>
-          <p:cNvPr id="197" name="CustomShape 2"/>
+          <p:cNvPr id="198" name="CustomShape 2"/>
           <p:cNvSpPr/>
           <p:nvPr/>
         </p:nvSpPr>
         <p:spPr>
           <a:xfrm>
             <a:off x="1600200" y="762120"/>
-            <a:ext cx="8985600" cy="1461240"/>
+            <a:ext cx="8985240" cy="1461240"/>
           </a:xfrm>
           <a:prstGeom prst="rect">
             <a:avLst/>
@@ -10637,14 +10688,14 @@
       </p:sp>
       <p:sp>
         <p:nvSpPr>
-          <p:cNvPr id="198" name="CustomShape 3"/>
+          <p:cNvPr id="199" name="CustomShape 3"/>
           <p:cNvSpPr/>
           <p:nvPr/>
         </p:nvSpPr>
         <p:spPr>
           <a:xfrm>
             <a:off x="152280" y="152280"/>
-            <a:ext cx="1100520" cy="455400"/>
+            <a:ext cx="1100160" cy="455400"/>
           </a:xfrm>
           <a:prstGeom prst="rect">
             <a:avLst/>
@@ -10688,14 +10739,14 @@
       </p:sp>
       <p:sp>
         <p:nvSpPr>
-          <p:cNvPr id="199" name="CustomShape 4"/>
+          <p:cNvPr id="200" name="CustomShape 4"/>
           <p:cNvSpPr/>
           <p:nvPr/>
         </p:nvSpPr>
         <p:spPr>
           <a:xfrm>
             <a:off x="1601280" y="2689560"/>
-            <a:ext cx="8984520" cy="699480"/>
+            <a:ext cx="8984160" cy="699480"/>
           </a:xfrm>
           <a:prstGeom prst="rect">
             <a:avLst/>
@@ -10759,14 +10810,14 @@
       </p:sp>
       <p:sp>
         <p:nvSpPr>
-          <p:cNvPr id="200" name="CustomShape 5"/>
+          <p:cNvPr id="201" name="CustomShape 5"/>
           <p:cNvSpPr/>
           <p:nvPr/>
         </p:nvSpPr>
         <p:spPr>
           <a:xfrm>
             <a:off x="1600200" y="3621600"/>
-            <a:ext cx="8883720" cy="912600"/>
+            <a:ext cx="8883360" cy="912600"/>
           </a:xfrm>
           <a:prstGeom prst="rect">
             <a:avLst/>
@@ -10787,7 +10838,7 @@
             <a:spAutoFit/>
           </a:bodyPr>
           <a:p>
-            <a:pPr marL="285840" indent="-279720">
+            <a:pPr marL="285840" indent="-279360">
               <a:lnSpc>
                 <a:spcPct val="150000"/>
               </a:lnSpc>
@@ -10832,7 +10883,7 @@
             </a:endParaRPr>
           </a:p>
           <a:p>
-            <a:pPr marL="285840" indent="-279720">
+            <a:pPr marL="285840" indent="-279360">
               <a:lnSpc>
                 <a:spcPct val="150000"/>
               </a:lnSpc>
@@ -10880,7 +10931,7 @@
       </p:sp>
       <p:sp>
         <p:nvSpPr>
-          <p:cNvPr id="201" name="Line 6"/>
+          <p:cNvPr id="202" name="Line 6"/>
           <p:cNvSpPr/>
           <p:nvPr/>
         </p:nvSpPr>
@@ -10915,14 +10966,14 @@
       </p:sp>
       <p:sp>
         <p:nvSpPr>
-          <p:cNvPr id="202" name="CustomShape 7"/>
+          <p:cNvPr id="203" name="CustomShape 7"/>
           <p:cNvSpPr/>
           <p:nvPr/>
         </p:nvSpPr>
         <p:spPr>
           <a:xfrm>
             <a:off x="1584000" y="5106240"/>
-            <a:ext cx="8850240" cy="75240"/>
+            <a:ext cx="8849880" cy="74880"/>
           </a:xfrm>
           <a:prstGeom prst="rect">
             <a:avLst/>
@@ -10973,7 +11024,7 @@
             </a:endParaRPr>
           </a:p>
           <a:p>
-            <a:pPr marL="285840" indent="-282600">
+            <a:pPr marL="285840" indent="-282240">
               <a:lnSpc>
                 <a:spcPct val="100000"/>
               </a:lnSpc>
@@ -11031,14 +11082,14 @@
       </p:grpSpPr>
       <p:sp>
         <p:nvSpPr>
-          <p:cNvPr id="203" name="CustomShape 1"/>
+          <p:cNvPr id="204" name="CustomShape 1"/>
           <p:cNvSpPr/>
           <p:nvPr/>
         </p:nvSpPr>
         <p:spPr>
           <a:xfrm>
             <a:off x="1676520" y="2362320"/>
-            <a:ext cx="8832960" cy="912600"/>
+            <a:ext cx="8832600" cy="912600"/>
           </a:xfrm>
           <a:prstGeom prst="rect">
             <a:avLst/>
@@ -11082,14 +11133,14 @@
       </p:sp>
       <p:sp>
         <p:nvSpPr>
-          <p:cNvPr id="204" name="CustomShape 2"/>
+          <p:cNvPr id="205" name="CustomShape 2"/>
           <p:cNvSpPr/>
           <p:nvPr/>
         </p:nvSpPr>
         <p:spPr>
           <a:xfrm>
-            <a:off x="1676520" y="5331600"/>
-            <a:ext cx="8832960" cy="424800"/>
+            <a:off x="522360" y="3531600"/>
+            <a:ext cx="11069640" cy="364680"/>
           </a:xfrm>
           <a:prstGeom prst="rect">
             <a:avLst/>
@@ -11110,13 +11161,13 @@
             <a:spAutoFit/>
           </a:bodyPr>
           <a:p>
-            <a:pPr>
-              <a:lnSpc>
-                <a:spcPct val="100000"/>
-              </a:lnSpc>
-            </a:pPr>
-            <a:r>
-              <a:rPr b="0" lang="en-US" sz="2200" spc="-1" strike="noStrike">
+            <a:pPr algn="just">
+              <a:lnSpc>
+                <a:spcPct val="100000"/>
+              </a:lnSpc>
+            </a:pPr>
+            <a:r>
+              <a:rPr b="0" lang="en-IN" sz="1800" spc="-1" strike="noStrike">
                 <a:solidFill>
                   <a:srgbClr val="bb0643"/>
                 </a:solidFill>
@@ -11125,7 +11176,7 @@
               </a:rPr>
               <a:t>TODO</a:t>
             </a:r>
-            <a:endParaRPr b="0" lang="en-IN" sz="2200" spc="-1" strike="noStrike">
+            <a:endParaRPr b="0" lang="en-IN" sz="1800" spc="-1" strike="noStrike">
               <a:latin typeface="Arial"/>
             </a:endParaRPr>
           </a:p>
@@ -11163,14 +11214,14 @@
       </p:grpSpPr>
       <p:sp>
         <p:nvSpPr>
-          <p:cNvPr id="205" name="CustomShape 1"/>
+          <p:cNvPr id="206" name="CustomShape 1"/>
           <p:cNvSpPr/>
           <p:nvPr/>
         </p:nvSpPr>
         <p:spPr>
           <a:xfrm>
             <a:off x="1523880" y="0"/>
-            <a:ext cx="9137880" cy="699120"/>
+            <a:ext cx="9137520" cy="699120"/>
           </a:xfrm>
           <a:prstGeom prst="rect">
             <a:avLst/>
@@ -11218,14 +11269,14 @@
       </p:sp>
       <p:sp>
         <p:nvSpPr>
-          <p:cNvPr id="206" name="CustomShape 2"/>
+          <p:cNvPr id="207" name="CustomShape 2"/>
           <p:cNvSpPr/>
           <p:nvPr/>
         </p:nvSpPr>
         <p:spPr>
           <a:xfrm>
             <a:off x="1600200" y="762120"/>
-            <a:ext cx="8985600" cy="1186920"/>
+            <a:ext cx="8985240" cy="1186920"/>
           </a:xfrm>
           <a:prstGeom prst="rect">
             <a:avLst/>
@@ -11319,14 +11370,14 @@
       </p:sp>
       <p:sp>
         <p:nvSpPr>
-          <p:cNvPr id="207" name="CustomShape 3"/>
+          <p:cNvPr id="208" name="CustomShape 3"/>
           <p:cNvSpPr/>
           <p:nvPr/>
         </p:nvSpPr>
         <p:spPr>
           <a:xfrm>
             <a:off x="152280" y="152280"/>
-            <a:ext cx="1100520" cy="455400"/>
+            <a:ext cx="1100160" cy="455400"/>
           </a:xfrm>
           <a:prstGeom prst="rect">
             <a:avLst/>
@@ -11370,14 +11421,14 @@
       </p:sp>
       <p:sp>
         <p:nvSpPr>
-          <p:cNvPr id="208" name="CustomShape 4"/>
+          <p:cNvPr id="209" name="CustomShape 4"/>
           <p:cNvSpPr/>
           <p:nvPr/>
         </p:nvSpPr>
         <p:spPr>
           <a:xfrm>
             <a:off x="1601280" y="2689560"/>
-            <a:ext cx="8984520" cy="699480"/>
+            <a:ext cx="8984160" cy="699480"/>
           </a:xfrm>
           <a:prstGeom prst="rect">
             <a:avLst/>
@@ -11441,14 +11492,14 @@
       </p:sp>
       <p:sp>
         <p:nvSpPr>
-          <p:cNvPr id="209" name="CustomShape 5"/>
+          <p:cNvPr id="210" name="CustomShape 5"/>
           <p:cNvSpPr/>
           <p:nvPr/>
         </p:nvSpPr>
         <p:spPr>
           <a:xfrm>
             <a:off x="1600200" y="3621600"/>
-            <a:ext cx="8883720" cy="912600"/>
+            <a:ext cx="8883360" cy="912600"/>
           </a:xfrm>
           <a:prstGeom prst="rect">
             <a:avLst/>
@@ -11469,7 +11520,7 @@
             <a:spAutoFit/>
           </a:bodyPr>
           <a:p>
-            <a:pPr marL="285840" indent="-279720">
+            <a:pPr marL="285840" indent="-279360">
               <a:lnSpc>
                 <a:spcPct val="150000"/>
               </a:lnSpc>
@@ -11514,7 +11565,7 @@
             </a:endParaRPr>
           </a:p>
           <a:p>
-            <a:pPr marL="285840" indent="-279720">
+            <a:pPr marL="285840" indent="-279360">
               <a:lnSpc>
                 <a:spcPct val="150000"/>
               </a:lnSpc>
@@ -11562,7 +11613,7 @@
       </p:sp>
       <p:sp>
         <p:nvSpPr>
-          <p:cNvPr id="210" name="Line 6"/>
+          <p:cNvPr id="211" name="Line 6"/>
           <p:cNvSpPr/>
           <p:nvPr/>
         </p:nvSpPr>
@@ -11627,14 +11678,14 @@
       </p:grpSpPr>
       <p:sp>
         <p:nvSpPr>
-          <p:cNvPr id="211" name="CustomShape 1"/>
+          <p:cNvPr id="212" name="CustomShape 1"/>
           <p:cNvSpPr/>
           <p:nvPr/>
         </p:nvSpPr>
         <p:spPr>
           <a:xfrm>
             <a:off x="1676520" y="2362320"/>
-            <a:ext cx="8832960" cy="1735560"/>
+            <a:ext cx="8832600" cy="1735560"/>
           </a:xfrm>
           <a:prstGeom prst="rect">
             <a:avLst/>
@@ -11678,14 +11729,14 @@
       </p:sp>
       <p:sp>
         <p:nvSpPr>
-          <p:cNvPr id="212" name="CustomShape 2"/>
+          <p:cNvPr id="213" name="CustomShape 2"/>
           <p:cNvSpPr/>
           <p:nvPr/>
         </p:nvSpPr>
         <p:spPr>
           <a:xfrm>
-            <a:off x="1676520" y="5331600"/>
-            <a:ext cx="8832960" cy="424800"/>
+            <a:off x="522360" y="4467600"/>
+            <a:ext cx="11069640" cy="364680"/>
           </a:xfrm>
           <a:prstGeom prst="rect">
             <a:avLst/>
@@ -11706,13 +11757,13 @@
             <a:spAutoFit/>
           </a:bodyPr>
           <a:p>
-            <a:pPr>
-              <a:lnSpc>
-                <a:spcPct val="100000"/>
-              </a:lnSpc>
-            </a:pPr>
-            <a:r>
-              <a:rPr b="0" lang="en-US" sz="2200" spc="-1" strike="noStrike">
+            <a:pPr algn="just">
+              <a:lnSpc>
+                <a:spcPct val="100000"/>
+              </a:lnSpc>
+            </a:pPr>
+            <a:r>
+              <a:rPr b="0" lang="en-IN" sz="1800" spc="-1" strike="noStrike">
                 <a:solidFill>
                   <a:srgbClr val="bb0643"/>
                 </a:solidFill>
@@ -11721,7 +11772,7 @@
               </a:rPr>
               <a:t>TODO</a:t>
             </a:r>
-            <a:endParaRPr b="0" lang="en-IN" sz="2200" spc="-1" strike="noStrike">
+            <a:endParaRPr b="0" lang="en-IN" sz="1800" spc="-1" strike="noStrike">
               <a:latin typeface="Arial"/>
             </a:endParaRPr>
           </a:p>
@@ -11759,7 +11810,7 @@
       </p:grpSpPr>
       <p:sp>
         <p:nvSpPr>
-          <p:cNvPr id="98" name="Line 1"/>
+          <p:cNvPr id="99" name="Line 1"/>
           <p:cNvSpPr/>
           <p:nvPr/>
         </p:nvSpPr>
@@ -11794,14 +11845,14 @@
       </p:sp>
       <p:sp>
         <p:nvSpPr>
-          <p:cNvPr id="99" name="CustomShape 2"/>
+          <p:cNvPr id="100" name="CustomShape 2"/>
           <p:cNvSpPr/>
           <p:nvPr/>
         </p:nvSpPr>
         <p:spPr>
           <a:xfrm>
             <a:off x="1676520" y="2743200"/>
-            <a:ext cx="8832960" cy="1064520"/>
+            <a:ext cx="8832600" cy="1064520"/>
           </a:xfrm>
           <a:prstGeom prst="rect">
             <a:avLst/>
@@ -11822,7 +11873,7 @@
             <a:spAutoFit/>
           </a:bodyPr>
           <a:p>
-            <a:pPr marL="343080" indent="-336960">
+            <a:pPr marL="343080" indent="-336600">
               <a:lnSpc>
                 <a:spcPct val="100000"/>
               </a:lnSpc>
@@ -11877,7 +11928,7 @@
             </a:endParaRPr>
           </a:p>
           <a:p>
-            <a:pPr marL="343080" indent="-336960">
+            <a:pPr marL="343080" indent="-336600">
               <a:lnSpc>
                 <a:spcPct val="100000"/>
               </a:lnSpc>
@@ -11945,7 +11996,7 @@
       </p:sp>
       <p:sp>
         <p:nvSpPr>
-          <p:cNvPr id="100" name="CustomShape 3"/>
+          <p:cNvPr id="101" name="CustomShape 3"/>
           <p:cNvSpPr/>
           <p:nvPr/>
         </p:nvSpPr>
@@ -12006,14 +12057,14 @@
       </p:sp>
       <p:sp>
         <p:nvSpPr>
-          <p:cNvPr id="101" name="CustomShape 4"/>
+          <p:cNvPr id="102" name="CustomShape 4"/>
           <p:cNvSpPr/>
           <p:nvPr/>
         </p:nvSpPr>
         <p:spPr>
           <a:xfrm>
             <a:off x="1600200" y="762120"/>
-            <a:ext cx="8985600" cy="699480"/>
+            <a:ext cx="8985240" cy="699480"/>
           </a:xfrm>
           <a:prstGeom prst="rect">
             <a:avLst/>
@@ -12067,14 +12118,14 @@
       </p:sp>
       <p:sp>
         <p:nvSpPr>
-          <p:cNvPr id="102" name="CustomShape 5"/>
+          <p:cNvPr id="103" name="CustomShape 5"/>
           <p:cNvSpPr/>
           <p:nvPr/>
         </p:nvSpPr>
         <p:spPr>
           <a:xfrm>
             <a:off x="1523880" y="5067720"/>
-            <a:ext cx="9137880" cy="790560"/>
+            <a:ext cx="9137520" cy="790560"/>
           </a:xfrm>
           <a:prstGeom prst="rect">
             <a:avLst/>
@@ -12135,7 +12186,7 @@
             </a:endParaRPr>
           </a:p>
           <a:p>
-            <a:pPr marL="285840" indent="-279720">
+            <a:pPr marL="285840" indent="-279360">
               <a:lnSpc>
                 <a:spcPct val="100000"/>
               </a:lnSpc>
@@ -12173,14 +12224,14 @@
       </p:sp>
       <p:sp>
         <p:nvSpPr>
-          <p:cNvPr id="103" name="CustomShape 6"/>
+          <p:cNvPr id="104" name="CustomShape 6"/>
           <p:cNvSpPr/>
           <p:nvPr/>
         </p:nvSpPr>
         <p:spPr>
           <a:xfrm>
             <a:off x="1584000" y="4287960"/>
-            <a:ext cx="8706240" cy="350280"/>
+            <a:ext cx="8705880" cy="349920"/>
           </a:xfrm>
           <a:prstGeom prst="rect">
             <a:avLst/>
@@ -12244,14 +12295,14 @@
       </p:sp>
       <p:sp>
         <p:nvSpPr>
-          <p:cNvPr id="104" name="CustomShape 7"/>
+          <p:cNvPr id="105" name="CustomShape 7"/>
           <p:cNvSpPr/>
           <p:nvPr/>
         </p:nvSpPr>
         <p:spPr>
           <a:xfrm>
             <a:off x="1523880" y="0"/>
-            <a:ext cx="9140040" cy="699120"/>
+            <a:ext cx="9139680" cy="699120"/>
           </a:xfrm>
           <a:prstGeom prst="rect">
             <a:avLst/>
@@ -12349,14 +12400,14 @@
       </p:grpSpPr>
       <p:sp>
         <p:nvSpPr>
-          <p:cNvPr id="213" name="CustomShape 1"/>
+          <p:cNvPr id="214" name="CustomShape 1"/>
           <p:cNvSpPr/>
           <p:nvPr/>
         </p:nvSpPr>
         <p:spPr>
           <a:xfrm>
             <a:off x="1523880" y="0"/>
-            <a:ext cx="9137880" cy="699120"/>
+            <a:ext cx="9137520" cy="699120"/>
           </a:xfrm>
           <a:prstGeom prst="rect">
             <a:avLst/>
@@ -12404,14 +12455,14 @@
       </p:sp>
       <p:sp>
         <p:nvSpPr>
-          <p:cNvPr id="214" name="CustomShape 2"/>
+          <p:cNvPr id="215" name="CustomShape 2"/>
           <p:cNvSpPr/>
           <p:nvPr/>
         </p:nvSpPr>
         <p:spPr>
           <a:xfrm>
             <a:off x="1600200" y="762120"/>
-            <a:ext cx="8985600" cy="2558520"/>
+            <a:ext cx="8985240" cy="2558520"/>
           </a:xfrm>
           <a:prstGeom prst="rect">
             <a:avLst/>
@@ -12665,14 +12716,14 @@
       </p:sp>
       <p:sp>
         <p:nvSpPr>
-          <p:cNvPr id="215" name="CustomShape 3"/>
+          <p:cNvPr id="216" name="CustomShape 3"/>
           <p:cNvSpPr/>
           <p:nvPr/>
         </p:nvSpPr>
         <p:spPr>
           <a:xfrm>
             <a:off x="152280" y="152280"/>
-            <a:ext cx="1100520" cy="455400"/>
+            <a:ext cx="1100160" cy="455400"/>
           </a:xfrm>
           <a:prstGeom prst="rect">
             <a:avLst/>
@@ -12716,14 +12767,14 @@
       </p:sp>
       <p:sp>
         <p:nvSpPr>
-          <p:cNvPr id="216" name="CustomShape 4"/>
+          <p:cNvPr id="217" name="CustomShape 4"/>
           <p:cNvSpPr/>
           <p:nvPr/>
         </p:nvSpPr>
         <p:spPr>
           <a:xfrm>
             <a:off x="1601280" y="3553560"/>
-            <a:ext cx="8984520" cy="1309320"/>
+            <a:ext cx="8984160" cy="1309320"/>
           </a:xfrm>
           <a:prstGeom prst="rect">
             <a:avLst/>
@@ -12827,14 +12878,14 @@
       </p:sp>
       <p:sp>
         <p:nvSpPr>
-          <p:cNvPr id="217" name="CustomShape 5"/>
+          <p:cNvPr id="218" name="CustomShape 5"/>
           <p:cNvSpPr/>
           <p:nvPr/>
         </p:nvSpPr>
         <p:spPr>
           <a:xfrm>
             <a:off x="1600200" y="4989600"/>
-            <a:ext cx="8883720" cy="1735560"/>
+            <a:ext cx="8883360" cy="1735560"/>
           </a:xfrm>
           <a:prstGeom prst="rect">
             <a:avLst/>
@@ -12855,7 +12906,7 @@
             <a:spAutoFit/>
           </a:bodyPr>
           <a:p>
-            <a:pPr marL="285840" indent="-279720">
+            <a:pPr marL="285840" indent="-279360">
               <a:lnSpc>
                 <a:spcPct val="150000"/>
               </a:lnSpc>
@@ -12900,7 +12951,7 @@
             </a:endParaRPr>
           </a:p>
           <a:p>
-            <a:pPr marL="285840" indent="-279720">
+            <a:pPr marL="285840" indent="-279360">
               <a:lnSpc>
                 <a:spcPct val="150000"/>
               </a:lnSpc>
@@ -12945,7 +12996,7 @@
             </a:endParaRPr>
           </a:p>
           <a:p>
-            <a:pPr marL="285840" indent="-279720">
+            <a:pPr marL="285840" indent="-279360">
               <a:lnSpc>
                 <a:spcPct val="150000"/>
               </a:lnSpc>
@@ -13010,7 +13061,7 @@
             </a:endParaRPr>
           </a:p>
           <a:p>
-            <a:pPr marL="285840" indent="-279720">
+            <a:pPr marL="285840" indent="-279360">
               <a:lnSpc>
                 <a:spcPct val="150000"/>
               </a:lnSpc>
@@ -13058,7 +13109,7 @@
       </p:sp>
       <p:sp>
         <p:nvSpPr>
-          <p:cNvPr id="218" name="Line 6"/>
+          <p:cNvPr id="219" name="Line 6"/>
           <p:cNvSpPr/>
           <p:nvPr/>
         </p:nvSpPr>
@@ -13123,14 +13174,14 @@
       </p:grpSpPr>
       <p:sp>
         <p:nvSpPr>
-          <p:cNvPr id="219" name="CustomShape 1"/>
+          <p:cNvPr id="220" name="CustomShape 1"/>
           <p:cNvSpPr/>
           <p:nvPr/>
         </p:nvSpPr>
         <p:spPr>
           <a:xfrm>
             <a:off x="1676520" y="2362320"/>
-            <a:ext cx="8832960" cy="1735560"/>
+            <a:ext cx="8832600" cy="1735560"/>
           </a:xfrm>
           <a:prstGeom prst="rect">
             <a:avLst/>
@@ -13174,14 +13225,14 @@
       </p:sp>
       <p:sp>
         <p:nvSpPr>
-          <p:cNvPr id="220" name="CustomShape 2"/>
+          <p:cNvPr id="221" name="CustomShape 2"/>
           <p:cNvSpPr/>
           <p:nvPr/>
         </p:nvSpPr>
         <p:spPr>
           <a:xfrm>
-            <a:off x="1800000" y="4248000"/>
-            <a:ext cx="8832960" cy="424800"/>
+            <a:off x="522360" y="4251600"/>
+            <a:ext cx="11069640" cy="364680"/>
           </a:xfrm>
           <a:prstGeom prst="rect">
             <a:avLst/>
@@ -13202,13 +13253,13 @@
             <a:spAutoFit/>
           </a:bodyPr>
           <a:p>
-            <a:pPr>
-              <a:lnSpc>
-                <a:spcPct val="100000"/>
-              </a:lnSpc>
-            </a:pPr>
-            <a:r>
-              <a:rPr b="0" lang="en-US" sz="2200" spc="-1" strike="noStrike">
+            <a:pPr algn="just">
+              <a:lnSpc>
+                <a:spcPct val="100000"/>
+              </a:lnSpc>
+            </a:pPr>
+            <a:r>
+              <a:rPr b="0" lang="en-IN" sz="1800" spc="-1" strike="noStrike">
                 <a:solidFill>
                   <a:srgbClr val="bb0643"/>
                 </a:solidFill>
@@ -13217,7 +13268,7 @@
               </a:rPr>
               <a:t>TODO</a:t>
             </a:r>
-            <a:endParaRPr b="0" lang="en-IN" sz="2200" spc="-1" strike="noStrike">
+            <a:endParaRPr b="0" lang="en-IN" sz="1800" spc="-1" strike="noStrike">
               <a:latin typeface="Arial"/>
             </a:endParaRPr>
           </a:p>
@@ -13255,14 +13306,14 @@
       </p:grpSpPr>
       <p:sp>
         <p:nvSpPr>
-          <p:cNvPr id="221" name="CustomShape 1"/>
+          <p:cNvPr id="222" name="CustomShape 1"/>
           <p:cNvSpPr/>
           <p:nvPr/>
         </p:nvSpPr>
         <p:spPr>
           <a:xfrm>
             <a:off x="1523880" y="0"/>
-            <a:ext cx="9137880" cy="699120"/>
+            <a:ext cx="9137520" cy="699120"/>
           </a:xfrm>
           <a:prstGeom prst="rect">
             <a:avLst/>
@@ -13310,14 +13361,14 @@
       </p:sp>
       <p:sp>
         <p:nvSpPr>
-          <p:cNvPr id="222" name="CustomShape 2"/>
+          <p:cNvPr id="223" name="CustomShape 2"/>
           <p:cNvSpPr/>
           <p:nvPr/>
         </p:nvSpPr>
         <p:spPr>
           <a:xfrm>
             <a:off x="1600200" y="762120"/>
-            <a:ext cx="8985600" cy="2284200"/>
+            <a:ext cx="8985240" cy="2284200"/>
           </a:xfrm>
           <a:prstGeom prst="rect">
             <a:avLst/>
@@ -13451,14 +13502,14 @@
       </p:sp>
       <p:sp>
         <p:nvSpPr>
-          <p:cNvPr id="223" name="CustomShape 3"/>
+          <p:cNvPr id="224" name="CustomShape 3"/>
           <p:cNvSpPr/>
           <p:nvPr/>
         </p:nvSpPr>
         <p:spPr>
           <a:xfrm>
             <a:off x="152280" y="152280"/>
-            <a:ext cx="1100520" cy="455400"/>
+            <a:ext cx="1100160" cy="455400"/>
           </a:xfrm>
           <a:prstGeom prst="rect">
             <a:avLst/>
@@ -13502,14 +13553,14 @@
       </p:sp>
       <p:sp>
         <p:nvSpPr>
-          <p:cNvPr id="224" name="CustomShape 4"/>
+          <p:cNvPr id="225" name="CustomShape 4"/>
           <p:cNvSpPr/>
           <p:nvPr/>
         </p:nvSpPr>
         <p:spPr>
           <a:xfrm>
             <a:off x="1601280" y="3337560"/>
-            <a:ext cx="8984520" cy="1004400"/>
+            <a:ext cx="8984160" cy="1004400"/>
           </a:xfrm>
           <a:prstGeom prst="rect">
             <a:avLst/>
@@ -13593,14 +13644,14 @@
       </p:sp>
       <p:sp>
         <p:nvSpPr>
-          <p:cNvPr id="225" name="CustomShape 5"/>
+          <p:cNvPr id="226" name="CustomShape 5"/>
           <p:cNvSpPr/>
           <p:nvPr/>
         </p:nvSpPr>
         <p:spPr>
           <a:xfrm>
             <a:off x="1600200" y="4557600"/>
-            <a:ext cx="8883720" cy="1324080"/>
+            <a:ext cx="8883360" cy="1324080"/>
           </a:xfrm>
           <a:prstGeom prst="rect">
             <a:avLst/>
@@ -13621,7 +13672,7 @@
             <a:spAutoFit/>
           </a:bodyPr>
           <a:p>
-            <a:pPr marL="285840" indent="-279720">
+            <a:pPr marL="285840" indent="-279360">
               <a:lnSpc>
                 <a:spcPct val="150000"/>
               </a:lnSpc>
@@ -13666,7 +13717,7 @@
             </a:endParaRPr>
           </a:p>
           <a:p>
-            <a:pPr marL="285840" indent="-279720">
+            <a:pPr marL="285840" indent="-279360">
               <a:lnSpc>
                 <a:spcPct val="150000"/>
               </a:lnSpc>
@@ -13711,7 +13762,7 @@
             </a:endParaRPr>
           </a:p>
           <a:p>
-            <a:pPr marL="285840" indent="-279720">
+            <a:pPr marL="285840" indent="-279360">
               <a:lnSpc>
                 <a:spcPct val="150000"/>
               </a:lnSpc>
@@ -13759,7 +13810,7 @@
       </p:sp>
       <p:sp>
         <p:nvSpPr>
-          <p:cNvPr id="226" name="Line 6"/>
+          <p:cNvPr id="227" name="Line 6"/>
           <p:cNvSpPr/>
           <p:nvPr/>
         </p:nvSpPr>
@@ -13824,14 +13875,14 @@
       </p:grpSpPr>
       <p:sp>
         <p:nvSpPr>
-          <p:cNvPr id="227" name="CustomShape 1"/>
+          <p:cNvPr id="228" name="CustomShape 1"/>
           <p:cNvSpPr/>
           <p:nvPr/>
         </p:nvSpPr>
         <p:spPr>
           <a:xfrm>
             <a:off x="1676520" y="2362320"/>
-            <a:ext cx="8832960" cy="912600"/>
+            <a:ext cx="8832600" cy="912600"/>
           </a:xfrm>
           <a:prstGeom prst="rect">
             <a:avLst/>
@@ -13875,14 +13926,14 @@
       </p:sp>
       <p:sp>
         <p:nvSpPr>
-          <p:cNvPr id="228" name="CustomShape 2"/>
+          <p:cNvPr id="229" name="CustomShape 2"/>
           <p:cNvSpPr/>
           <p:nvPr/>
         </p:nvSpPr>
         <p:spPr>
           <a:xfrm>
             <a:off x="1666800" y="609480"/>
-            <a:ext cx="8832960" cy="394560"/>
+            <a:ext cx="8832600" cy="394560"/>
           </a:xfrm>
           <a:prstGeom prst="rect">
             <a:avLst/>
@@ -13926,14 +13977,14 @@
       </p:sp>
       <p:sp>
         <p:nvSpPr>
-          <p:cNvPr id="229" name="CustomShape 3"/>
+          <p:cNvPr id="230" name="CustomShape 3"/>
           <p:cNvSpPr/>
           <p:nvPr/>
         </p:nvSpPr>
         <p:spPr>
           <a:xfrm>
-            <a:off x="1676520" y="3531600"/>
-            <a:ext cx="8832960" cy="1765440"/>
+            <a:off x="522360" y="3531600"/>
+            <a:ext cx="11069640" cy="1186920"/>
           </a:xfrm>
           <a:prstGeom prst="rect">
             <a:avLst/>
@@ -13960,7 +14011,7 @@
               </a:lnSpc>
             </a:pPr>
             <a:r>
-              <a:rPr b="0" lang="en-US" sz="2200" spc="-1" strike="noStrike">
+              <a:rPr b="0" lang="en-US" sz="1800" spc="-1" strike="noStrike">
                 <a:solidFill>
                   <a:srgbClr val="bb0643"/>
                 </a:solidFill>
@@ -13970,7 +14021,7 @@
               <a:t>Redis Lists are simply lists of strings, sorted by insertion order. It is possible to add elements to a Redis List pushing new elements on the head (on the left) or on the tail (on the right) of the list. Maximum length of a list is 2</a:t>
             </a:r>
             <a:r>
-              <a:rPr b="1" lang="en-US" sz="2200" spc="-1" strike="noStrike" baseline="33000">
+              <a:rPr b="1" lang="en-US" sz="1800" spc="-1" strike="noStrike" baseline="33000">
                 <a:solidFill>
                   <a:srgbClr val="bb0643"/>
                 </a:solidFill>
@@ -13980,7 +14031,7 @@
               <a:t>32</a:t>
             </a:r>
             <a:r>
-              <a:rPr b="0" lang="en-US" sz="2200" spc="-1" strike="noStrike">
+              <a:rPr b="0" lang="en-US" sz="1800" spc="-1" strike="noStrike">
                 <a:solidFill>
                   <a:srgbClr val="bb0643"/>
                 </a:solidFill>
@@ -13989,7 +14040,7 @@
               </a:rPr>
               <a:t> - 1 elements (4294967295, more than 4 billion of elements per list).</a:t>
             </a:r>
-            <a:endParaRPr b="0" lang="en-IN" sz="2200" spc="-1" strike="noStrike">
+            <a:endParaRPr b="0" lang="en-IN" sz="1800" spc="-1" strike="noStrike">
               <a:latin typeface="Arial"/>
             </a:endParaRPr>
           </a:p>
@@ -14027,14 +14078,14 @@
       </p:grpSpPr>
       <p:sp>
         <p:nvSpPr>
-          <p:cNvPr id="230" name="CustomShape 1"/>
+          <p:cNvPr id="231" name="CustomShape 1"/>
           <p:cNvSpPr/>
           <p:nvPr/>
         </p:nvSpPr>
         <p:spPr>
           <a:xfrm>
             <a:off x="1676520" y="2362320"/>
-            <a:ext cx="8832960" cy="912960"/>
+            <a:ext cx="8832600" cy="912600"/>
           </a:xfrm>
           <a:prstGeom prst="rect">
             <a:avLst/>
@@ -14078,14 +14129,14 @@
       </p:sp>
       <p:sp>
         <p:nvSpPr>
-          <p:cNvPr id="231" name="CustomShape 2"/>
+          <p:cNvPr id="232" name="CustomShape 2"/>
           <p:cNvSpPr/>
           <p:nvPr/>
         </p:nvSpPr>
         <p:spPr>
           <a:xfrm>
-            <a:off x="1800000" y="4248000"/>
-            <a:ext cx="8832960" cy="424800"/>
+            <a:off x="522360" y="3531600"/>
+            <a:ext cx="11069640" cy="364680"/>
           </a:xfrm>
           <a:prstGeom prst="rect">
             <a:avLst/>
@@ -14106,13 +14157,13 @@
             <a:spAutoFit/>
           </a:bodyPr>
           <a:p>
-            <a:pPr>
-              <a:lnSpc>
-                <a:spcPct val="100000"/>
-              </a:lnSpc>
-            </a:pPr>
-            <a:r>
-              <a:rPr b="0" lang="en-US" sz="2200" spc="-1" strike="noStrike">
+            <a:pPr algn="just">
+              <a:lnSpc>
+                <a:spcPct val="100000"/>
+              </a:lnSpc>
+            </a:pPr>
+            <a:r>
+              <a:rPr b="0" lang="en-IN" sz="1800" spc="-1" strike="noStrike">
                 <a:solidFill>
                   <a:srgbClr val="bb0643"/>
                 </a:solidFill>
@@ -14121,7 +14172,7 @@
               </a:rPr>
               <a:t>TODO</a:t>
             </a:r>
-            <a:endParaRPr b="0" lang="en-IN" sz="2200" spc="-1" strike="noStrike">
+            <a:endParaRPr b="0" lang="en-IN" sz="1800" spc="-1" strike="noStrike">
               <a:latin typeface="Arial"/>
             </a:endParaRPr>
           </a:p>
@@ -14159,14 +14210,14 @@
       </p:grpSpPr>
       <p:sp>
         <p:nvSpPr>
-          <p:cNvPr id="232" name="CustomShape 1"/>
+          <p:cNvPr id="233" name="CustomShape 1"/>
           <p:cNvSpPr/>
           <p:nvPr/>
         </p:nvSpPr>
         <p:spPr>
           <a:xfrm>
             <a:off x="1523880" y="0"/>
-            <a:ext cx="9137880" cy="699480"/>
+            <a:ext cx="9137520" cy="699120"/>
           </a:xfrm>
           <a:prstGeom prst="rect">
             <a:avLst/>
@@ -14214,14 +14265,14 @@
       </p:sp>
       <p:sp>
         <p:nvSpPr>
-          <p:cNvPr id="233" name="CustomShape 2"/>
+          <p:cNvPr id="234" name="CustomShape 2"/>
           <p:cNvSpPr/>
           <p:nvPr/>
         </p:nvSpPr>
         <p:spPr>
           <a:xfrm>
             <a:off x="1600200" y="762120"/>
-            <a:ext cx="8985600" cy="1461600"/>
+            <a:ext cx="8985240" cy="1461240"/>
           </a:xfrm>
           <a:prstGeom prst="rect">
             <a:avLst/>
@@ -14315,14 +14366,14 @@
       </p:sp>
       <p:sp>
         <p:nvSpPr>
-          <p:cNvPr id="234" name="CustomShape 3"/>
+          <p:cNvPr id="235" name="CustomShape 3"/>
           <p:cNvSpPr/>
           <p:nvPr/>
         </p:nvSpPr>
         <p:spPr>
           <a:xfrm>
             <a:off x="152280" y="152280"/>
-            <a:ext cx="1100520" cy="455400"/>
+            <a:ext cx="1100160" cy="455400"/>
           </a:xfrm>
           <a:prstGeom prst="rect">
             <a:avLst/>
@@ -14366,14 +14417,14 @@
       </p:sp>
       <p:sp>
         <p:nvSpPr>
-          <p:cNvPr id="235" name="CustomShape 4"/>
+          <p:cNvPr id="236" name="CustomShape 4"/>
           <p:cNvSpPr/>
           <p:nvPr/>
         </p:nvSpPr>
         <p:spPr>
           <a:xfrm>
             <a:off x="1601280" y="2725560"/>
-            <a:ext cx="8984520" cy="699840"/>
+            <a:ext cx="8984160" cy="699480"/>
           </a:xfrm>
           <a:prstGeom prst="rect">
             <a:avLst/>
@@ -14437,14 +14488,14 @@
       </p:sp>
       <p:sp>
         <p:nvSpPr>
-          <p:cNvPr id="236" name="CustomShape 5"/>
+          <p:cNvPr id="237" name="CustomShape 5"/>
           <p:cNvSpPr/>
           <p:nvPr/>
         </p:nvSpPr>
         <p:spPr>
           <a:xfrm>
             <a:off x="1600200" y="3585600"/>
-            <a:ext cx="8883720" cy="912960"/>
+            <a:ext cx="8883360" cy="912600"/>
           </a:xfrm>
           <a:prstGeom prst="rect">
             <a:avLst/>
@@ -14465,7 +14516,7 @@
             <a:spAutoFit/>
           </a:bodyPr>
           <a:p>
-            <a:pPr marL="285840" indent="-279720">
+            <a:pPr marL="285840" indent="-279360">
               <a:lnSpc>
                 <a:spcPct val="150000"/>
               </a:lnSpc>
@@ -14510,7 +14561,7 @@
             </a:endParaRPr>
           </a:p>
           <a:p>
-            <a:pPr marL="285840" indent="-279720">
+            <a:pPr marL="285840" indent="-279360">
               <a:lnSpc>
                 <a:spcPct val="150000"/>
               </a:lnSpc>
@@ -14558,7 +14609,7 @@
       </p:sp>
       <p:sp>
         <p:nvSpPr>
-          <p:cNvPr id="237" name="Line 6"/>
+          <p:cNvPr id="238" name="Line 6"/>
           <p:cNvSpPr/>
           <p:nvPr/>
         </p:nvSpPr>
@@ -14593,14 +14644,14 @@
       </p:sp>
       <p:sp>
         <p:nvSpPr>
-          <p:cNvPr id="238" name="CustomShape 7"/>
+          <p:cNvPr id="239" name="CustomShape 7"/>
           <p:cNvSpPr/>
           <p:nvPr/>
         </p:nvSpPr>
         <p:spPr>
           <a:xfrm>
             <a:off x="5256000" y="5472000"/>
-            <a:ext cx="5136840" cy="795600"/>
+            <a:ext cx="5136480" cy="795240"/>
           </a:xfrm>
           <a:prstGeom prst="rect">
             <a:avLst/>
@@ -14632,6 +14683,7 @@
                   <a:srgbClr val="808080"/>
                 </a:solidFill>
                 <a:latin typeface="Consolas"/>
+                <a:ea typeface="DejaVu Sans"/>
               </a:rPr>
               <a:t>127.0.0.1:6379</a:t>
             </a:r>
@@ -14641,6 +14693,7 @@
                   <a:srgbClr val="808080"/>
                 </a:solidFill>
                 <a:latin typeface="Consolas"/>
+                <a:ea typeface="DejaVu Sans"/>
               </a:rPr>
               <a:t>[3]</a:t>
             </a:r>
@@ -14650,6 +14703,7 @@
                   <a:srgbClr val="808080"/>
                 </a:solidFill>
                 <a:latin typeface="Consolas"/>
+                <a:ea typeface="DejaVu Sans"/>
               </a:rPr>
               <a:t>&gt; </a:t>
             </a:r>
@@ -14659,6 +14713,7 @@
                   <a:srgbClr val="1de9b6"/>
                 </a:solidFill>
                 <a:latin typeface="Consolas"/>
+                <a:ea typeface="DejaVu Sans"/>
               </a:rPr>
               <a:t>lpush a 0 1 2 3 4</a:t>
             </a:r>
@@ -14678,6 +14733,7 @@
                   <a:srgbClr val="808080"/>
                 </a:solidFill>
                 <a:latin typeface="Consolas"/>
+                <a:ea typeface="DejaVu Sans"/>
               </a:rPr>
               <a:t>127.0.0.1:6379</a:t>
             </a:r>
@@ -14687,6 +14743,7 @@
                   <a:srgbClr val="808080"/>
                 </a:solidFill>
                 <a:latin typeface="Consolas"/>
+                <a:ea typeface="DejaVu Sans"/>
               </a:rPr>
               <a:t>[3]</a:t>
             </a:r>
@@ -14696,6 +14753,7 @@
                   <a:srgbClr val="808080"/>
                 </a:solidFill>
                 <a:latin typeface="Consolas"/>
+                <a:ea typeface="DejaVu Sans"/>
               </a:rPr>
               <a:t>&gt; </a:t>
             </a:r>
@@ -14705,6 +14763,7 @@
                   <a:srgbClr val="1de9b6"/>
                 </a:solidFill>
                 <a:latin typeface="Consolas"/>
+                <a:ea typeface="DejaVu Sans"/>
               </a:rPr>
               <a:t>rpush a 5 6 7 8 9</a:t>
             </a:r>
@@ -14716,14 +14775,14 @@
       </p:sp>
       <p:sp>
         <p:nvSpPr>
-          <p:cNvPr id="239" name="CustomShape 8"/>
+          <p:cNvPr id="240" name="CustomShape 8"/>
           <p:cNvSpPr/>
           <p:nvPr/>
         </p:nvSpPr>
         <p:spPr>
           <a:xfrm>
             <a:off x="10514160" y="2592000"/>
-            <a:ext cx="1509480" cy="4068000"/>
+            <a:ext cx="1509120" cy="4067640"/>
           </a:xfrm>
           <a:prstGeom prst="rect">
             <a:avLst/>
@@ -14751,7 +14810,11 @@
             </a:pPr>
             <a:r>
               <a:rPr b="0" lang="en-IN" sz="1800" spc="-1" strike="noStrike">
+                <a:solidFill>
+                  <a:srgbClr val="000000"/>
+                </a:solidFill>
                 <a:latin typeface="Arial"/>
+                <a:ea typeface="DejaVu Sans"/>
               </a:rPr>
               <a:t>  </a:t>
             </a:r>
@@ -15063,14 +15126,14 @@
       </p:grpSpPr>
       <p:sp>
         <p:nvSpPr>
-          <p:cNvPr id="240" name="CustomShape 1"/>
+          <p:cNvPr id="241" name="CustomShape 1"/>
           <p:cNvSpPr/>
           <p:nvPr/>
         </p:nvSpPr>
         <p:spPr>
           <a:xfrm>
             <a:off x="1676520" y="2362320"/>
-            <a:ext cx="8832960" cy="912960"/>
+            <a:ext cx="8832600" cy="912600"/>
           </a:xfrm>
           <a:prstGeom prst="rect">
             <a:avLst/>
@@ -15114,14 +15177,14 @@
       </p:sp>
       <p:sp>
         <p:nvSpPr>
-          <p:cNvPr id="241" name="CustomShape 2"/>
+          <p:cNvPr id="242" name="CustomShape 2"/>
           <p:cNvSpPr/>
           <p:nvPr/>
         </p:nvSpPr>
         <p:spPr>
           <a:xfrm>
-            <a:off x="1800000" y="4248000"/>
-            <a:ext cx="8832960" cy="424800"/>
+            <a:off x="522360" y="3531600"/>
+            <a:ext cx="11069640" cy="364680"/>
           </a:xfrm>
           <a:prstGeom prst="rect">
             <a:avLst/>
@@ -15142,13 +15205,13 @@
             <a:spAutoFit/>
           </a:bodyPr>
           <a:p>
-            <a:pPr>
-              <a:lnSpc>
-                <a:spcPct val="100000"/>
-              </a:lnSpc>
-            </a:pPr>
-            <a:r>
-              <a:rPr b="0" lang="en-US" sz="2200" spc="-1" strike="noStrike">
+            <a:pPr algn="just">
+              <a:lnSpc>
+                <a:spcPct val="100000"/>
+              </a:lnSpc>
+            </a:pPr>
+            <a:r>
+              <a:rPr b="0" lang="en-IN" sz="1800" spc="-1" strike="noStrike">
                 <a:solidFill>
                   <a:srgbClr val="bb0643"/>
                 </a:solidFill>
@@ -15157,7 +15220,7 @@
               </a:rPr>
               <a:t>TODO</a:t>
             </a:r>
-            <a:endParaRPr b="0" lang="en-IN" sz="2200" spc="-1" strike="noStrike">
+            <a:endParaRPr b="0" lang="en-IN" sz="1800" spc="-1" strike="noStrike">
               <a:latin typeface="Arial"/>
             </a:endParaRPr>
           </a:p>
@@ -15195,14 +15258,14 @@
       </p:grpSpPr>
       <p:sp>
         <p:nvSpPr>
-          <p:cNvPr id="242" name="CustomShape 1"/>
+          <p:cNvPr id="243" name="CustomShape 1"/>
           <p:cNvSpPr/>
           <p:nvPr/>
         </p:nvSpPr>
         <p:spPr>
           <a:xfrm>
             <a:off x="1523880" y="0"/>
-            <a:ext cx="9137880" cy="699480"/>
+            <a:ext cx="9137520" cy="699120"/>
           </a:xfrm>
           <a:prstGeom prst="rect">
             <a:avLst/>
@@ -15250,14 +15313,14 @@
       </p:sp>
       <p:sp>
         <p:nvSpPr>
-          <p:cNvPr id="243" name="CustomShape 2"/>
+          <p:cNvPr id="244" name="CustomShape 2"/>
           <p:cNvSpPr/>
           <p:nvPr/>
         </p:nvSpPr>
         <p:spPr>
           <a:xfrm>
             <a:off x="1600200" y="762120"/>
-            <a:ext cx="8985600" cy="2558520"/>
+            <a:ext cx="8985240" cy="2558520"/>
           </a:xfrm>
           <a:prstGeom prst="rect">
             <a:avLst/>
@@ -15351,14 +15414,14 @@
       </p:sp>
       <p:sp>
         <p:nvSpPr>
-          <p:cNvPr id="244" name="CustomShape 3"/>
+          <p:cNvPr id="245" name="CustomShape 3"/>
           <p:cNvSpPr/>
           <p:nvPr/>
         </p:nvSpPr>
         <p:spPr>
           <a:xfrm>
-            <a:off x="152280" y="152280"/>
-            <a:ext cx="1100520" cy="455400"/>
+            <a:off x="72000" y="144000"/>
+            <a:ext cx="1359720" cy="1187640"/>
           </a:xfrm>
           <a:prstGeom prst="rect">
             <a:avLst/>
@@ -15392,7 +15455,7 @@
                 <a:latin typeface="Times New Roman"/>
                 <a:ea typeface="DejaVu Sans"/>
               </a:rPr>
-              <a:t>TODO</a:t>
+              <a:t>Get elements for LIST</a:t>
             </a:r>
             <a:endParaRPr b="0" lang="en-IN" sz="2400" spc="-1" strike="noStrike">
               <a:latin typeface="Arial"/>
@@ -15402,14 +15465,14 @@
       </p:sp>
       <p:sp>
         <p:nvSpPr>
-          <p:cNvPr id="245" name="CustomShape 4"/>
+          <p:cNvPr id="246" name="CustomShape 4"/>
           <p:cNvSpPr/>
           <p:nvPr/>
         </p:nvSpPr>
         <p:spPr>
           <a:xfrm>
             <a:off x="1601280" y="3697560"/>
-            <a:ext cx="8984520" cy="699840"/>
+            <a:ext cx="8984160" cy="699480"/>
           </a:xfrm>
           <a:prstGeom prst="rect">
             <a:avLst/>
@@ -15473,14 +15536,14 @@
       </p:sp>
       <p:sp>
         <p:nvSpPr>
-          <p:cNvPr id="246" name="CustomShape 5"/>
+          <p:cNvPr id="247" name="CustomShape 5"/>
           <p:cNvSpPr/>
           <p:nvPr/>
         </p:nvSpPr>
         <p:spPr>
           <a:xfrm>
             <a:off x="1600200" y="4665600"/>
-            <a:ext cx="8883720" cy="912960"/>
+            <a:ext cx="8883360" cy="912600"/>
           </a:xfrm>
           <a:prstGeom prst="rect">
             <a:avLst/>
@@ -15501,7 +15564,7 @@
             <a:spAutoFit/>
           </a:bodyPr>
           <a:p>
-            <a:pPr marL="285840" indent="-279720">
+            <a:pPr marL="285840" indent="-279360">
               <a:lnSpc>
                 <a:spcPct val="150000"/>
               </a:lnSpc>
@@ -15546,7 +15609,7 @@
             </a:endParaRPr>
           </a:p>
           <a:p>
-            <a:pPr marL="285840" indent="-279720">
+            <a:pPr marL="285840" indent="-279360">
               <a:lnSpc>
                 <a:spcPct val="150000"/>
               </a:lnSpc>
@@ -15594,7 +15657,7 @@
       </p:sp>
       <p:sp>
         <p:nvSpPr>
-          <p:cNvPr id="247" name="Line 6"/>
+          <p:cNvPr id="248" name="Line 6"/>
           <p:cNvSpPr/>
           <p:nvPr/>
         </p:nvSpPr>
@@ -15659,14 +15722,14 @@
       </p:grpSpPr>
       <p:sp>
         <p:nvSpPr>
-          <p:cNvPr id="248" name="CustomShape 1"/>
+          <p:cNvPr id="249" name="CustomShape 1"/>
           <p:cNvSpPr/>
           <p:nvPr/>
         </p:nvSpPr>
         <p:spPr>
           <a:xfrm>
             <a:off x="1676520" y="2362320"/>
-            <a:ext cx="8832960" cy="912960"/>
+            <a:ext cx="8832600" cy="912600"/>
           </a:xfrm>
           <a:prstGeom prst="rect">
             <a:avLst/>
@@ -15700,7 +15763,7 @@
                 <a:latin typeface="Century"/>
                 <a:ea typeface="DejaVu Sans"/>
               </a:rPr>
-              <a:t>lpop &amp; rpop</a:t>
+              <a:t>lset &amp; linsert</a:t>
             </a:r>
             <a:endParaRPr b="0" lang="en-IN" sz="5400" spc="-1" strike="noStrike">
               <a:latin typeface="Arial"/>
@@ -15710,14 +15773,14 @@
       </p:sp>
       <p:sp>
         <p:nvSpPr>
-          <p:cNvPr id="249" name="CustomShape 2"/>
+          <p:cNvPr id="250" name="CustomShape 2"/>
           <p:cNvSpPr/>
           <p:nvPr/>
         </p:nvSpPr>
         <p:spPr>
           <a:xfrm>
-            <a:off x="1800000" y="4248000"/>
-            <a:ext cx="8832960" cy="424800"/>
+            <a:off x="522360" y="3531600"/>
+            <a:ext cx="11069640" cy="364680"/>
           </a:xfrm>
           <a:prstGeom prst="rect">
             <a:avLst/>
@@ -15738,13 +15801,13 @@
             <a:spAutoFit/>
           </a:bodyPr>
           <a:p>
-            <a:pPr>
-              <a:lnSpc>
-                <a:spcPct val="100000"/>
-              </a:lnSpc>
-            </a:pPr>
-            <a:r>
-              <a:rPr b="0" lang="en-US" sz="2200" spc="-1" strike="noStrike">
+            <a:pPr algn="just">
+              <a:lnSpc>
+                <a:spcPct val="100000"/>
+              </a:lnSpc>
+            </a:pPr>
+            <a:r>
+              <a:rPr b="0" lang="en-IN" sz="1800" spc="-1" strike="noStrike">
                 <a:solidFill>
                   <a:srgbClr val="bb0643"/>
                 </a:solidFill>
@@ -15753,7 +15816,7 @@
               </a:rPr>
               <a:t>TODO</a:t>
             </a:r>
-            <a:endParaRPr b="0" lang="en-IN" sz="2200" spc="-1" strike="noStrike">
+            <a:endParaRPr b="0" lang="en-IN" sz="1800" spc="-1" strike="noStrike">
               <a:latin typeface="Arial"/>
             </a:endParaRPr>
           </a:p>
@@ -15791,14 +15854,14 @@
       </p:grpSpPr>
       <p:sp>
         <p:nvSpPr>
-          <p:cNvPr id="250" name="CustomShape 1"/>
+          <p:cNvPr id="251" name="CustomShape 1"/>
           <p:cNvSpPr/>
           <p:nvPr/>
         </p:nvSpPr>
         <p:spPr>
           <a:xfrm>
             <a:off x="1523880" y="0"/>
-            <a:ext cx="9137880" cy="699480"/>
+            <a:ext cx="9137520" cy="699120"/>
           </a:xfrm>
           <a:prstGeom prst="rect">
             <a:avLst/>
@@ -15836,7 +15899,7 @@
                 <a:latin typeface="Open Sans"/>
                 <a:ea typeface="DejaVu Sans"/>
               </a:rPr>
-              <a:t>lpop &amp; rpop</a:t>
+              <a:t>lset &amp; linsert</a:t>
             </a:r>
             <a:endParaRPr b="0" lang="en-IN" sz="4000" spc="-1" strike="noStrike">
               <a:latin typeface="Arial"/>
@@ -15846,14 +15909,14 @@
       </p:sp>
       <p:sp>
         <p:nvSpPr>
-          <p:cNvPr id="251" name="CustomShape 2"/>
+          <p:cNvPr id="252" name="CustomShape 2"/>
           <p:cNvSpPr/>
           <p:nvPr/>
         </p:nvSpPr>
         <p:spPr>
           <a:xfrm>
             <a:off x="1600200" y="762120"/>
-            <a:ext cx="8985600" cy="2558520"/>
+            <a:ext cx="8985240" cy="1187640"/>
           </a:xfrm>
           <a:prstGeom prst="rect">
             <a:avLst/>
@@ -15874,11 +15937,40 @@
             <a:spAutoFit/>
           </a:bodyPr>
           <a:p>
+            <a:pPr algn="just"/>
+            <a:r>
+              <a:rPr b="1" lang="en-US" sz="1800" spc="-1" strike="noStrike">
+                <a:solidFill>
+                  <a:srgbClr val="7c4dff"/>
+                </a:solidFill>
+                <a:latin typeface="Arial"/>
+                <a:ea typeface="DejaVu Sans"/>
+              </a:rPr>
+              <a:t>LSET</a:t>
+            </a:r>
+            <a:r>
+              <a:rPr b="0" lang="en-US" sz="1800" spc="-1" strike="noStrike">
+                <a:latin typeface="Arial"/>
+                <a:ea typeface="DejaVu Sans"/>
+              </a:rPr>
+              <a:t> sets the list element at index to element.</a:t>
+            </a:r>
+            <a:endParaRPr b="0" lang="en-IN" sz="1800" spc="-1" strike="noStrike">
+              <a:latin typeface="Arial"/>
+            </a:endParaRPr>
+          </a:p>
+          <a:p>
             <a:pPr algn="just">
               <a:lnSpc>
                 <a:spcPct val="100000"/>
               </a:lnSpc>
             </a:pPr>
+            <a:endParaRPr b="0" lang="en-IN" sz="1800" spc="-1" strike="noStrike">
+              <a:latin typeface="Arial"/>
+            </a:endParaRPr>
+          </a:p>
+          <a:p>
+            <a:pPr algn="just"/>
             <a:r>
               <a:rPr b="1" lang="en-US" sz="1800" spc="-1" strike="noStrike">
                 <a:solidFill>
@@ -15887,74 +15979,31 @@
                 <a:latin typeface="Arial"/>
                 <a:ea typeface="DejaVu Sans"/>
               </a:rPr>
-              <a:t>LPOP</a:t>
+              <a:t>LINSERT</a:t>
             </a:r>
             <a:r>
               <a:rPr b="0" lang="en-US" sz="1800" spc="-1" strike="noStrike">
-                <a:solidFill>
-                  <a:srgbClr val="000000"/>
-                </a:solidFill>
                 <a:latin typeface="Arial"/>
                 <a:ea typeface="DejaVu Sans"/>
               </a:rPr>
-              <a:t> removes and returns the first elements of the list stored at key. By default, the command pops a single element from the beginning of the list. When provided with the optional count argument, the reply will consist of up to count elements, depending on the list's length.</a:t>
+              <a:t> inserts element in the list stored at key either before or after the reference value pivot.</a:t>
             </a:r>
             <a:endParaRPr b="0" lang="en-IN" sz="1800" spc="-1" strike="noStrike">
               <a:latin typeface="Arial"/>
             </a:endParaRPr>
           </a:p>
-          <a:p>
-            <a:pPr algn="just">
-              <a:lnSpc>
-                <a:spcPct val="100000"/>
-              </a:lnSpc>
-            </a:pPr>
-            <a:endParaRPr b="0" lang="en-IN" sz="1800" spc="-1" strike="noStrike">
-              <a:latin typeface="Arial"/>
-            </a:endParaRPr>
-          </a:p>
-          <a:p>
-            <a:pPr algn="just">
-              <a:lnSpc>
-                <a:spcPct val="100000"/>
-              </a:lnSpc>
-            </a:pPr>
-            <a:r>
-              <a:rPr b="1" lang="en-US" sz="1800" spc="-1" strike="noStrike">
-                <a:solidFill>
-                  <a:srgbClr val="7c4dff"/>
-                </a:solidFill>
-                <a:latin typeface="Arial"/>
-                <a:ea typeface="DejaVu Sans"/>
-              </a:rPr>
-              <a:t>RPOP</a:t>
-            </a:r>
-            <a:r>
-              <a:rPr b="0" lang="en-US" sz="1800" spc="-1" strike="noStrike">
-                <a:solidFill>
-                  <a:srgbClr val="000000"/>
-                </a:solidFill>
-                <a:latin typeface="Arial"/>
-                <a:ea typeface="DejaVu Sans"/>
-              </a:rPr>
-              <a:t> removes and returns the last elements of the list stored at key. By default, the command pops a single element from the end of the list. When provided with the optional count argument, the reply will consist of up to count elements, depending on the list's length.</a:t>
-            </a:r>
-            <a:endParaRPr b="0" lang="en-IN" sz="1800" spc="-1" strike="noStrike">
-              <a:latin typeface="Arial"/>
-            </a:endParaRPr>
-          </a:p>
-        </p:txBody>
-      </p:sp>
-      <p:sp>
-        <p:nvSpPr>
-          <p:cNvPr id="252" name="CustomShape 3"/>
+        </p:txBody>
+      </p:sp>
+      <p:sp>
+        <p:nvSpPr>
+          <p:cNvPr id="253" name="CustomShape 3"/>
           <p:cNvSpPr/>
           <p:nvPr/>
         </p:nvSpPr>
         <p:spPr>
           <a:xfrm>
             <a:off x="152280" y="152280"/>
-            <a:ext cx="1100520" cy="455400"/>
+            <a:ext cx="1100160" cy="455400"/>
           </a:xfrm>
           <a:prstGeom prst="rect">
             <a:avLst/>
@@ -15998,14 +16047,14 @@
       </p:sp>
       <p:sp>
         <p:nvSpPr>
-          <p:cNvPr id="253" name="CustomShape 4"/>
+          <p:cNvPr id="254" name="CustomShape 4"/>
           <p:cNvSpPr/>
           <p:nvPr/>
         </p:nvSpPr>
         <p:spPr>
           <a:xfrm>
-            <a:off x="1601280" y="3697560"/>
-            <a:ext cx="8984520" cy="699840"/>
+            <a:off x="1601280" y="2473560"/>
+            <a:ext cx="8984160" cy="699480"/>
           </a:xfrm>
           <a:prstGeom prst="rect">
             <a:avLst/>
@@ -16039,7 +16088,7 @@
                 <a:latin typeface="Consolas"/>
                 <a:ea typeface="DejaVu Sans"/>
               </a:rPr>
-              <a:t>LPOP key [count]</a:t>
+              <a:t>LSET key index element</a:t>
             </a:r>
             <a:endParaRPr b="0" lang="en-IN" sz="2000" spc="-1" strike="noStrike">
               <a:latin typeface="Arial"/>
@@ -16059,7 +16108,7 @@
                 <a:latin typeface="Consolas"/>
                 <a:ea typeface="DejaVu Sans"/>
               </a:rPr>
-              <a:t>RPOP key [count]</a:t>
+              <a:t>LINSERT key BEFORE|AFTER pivot element</a:t>
             </a:r>
             <a:endParaRPr b="0" lang="en-IN" sz="2000" spc="-1" strike="noStrike">
               <a:latin typeface="Arial"/>
@@ -16069,14 +16118,14 @@
       </p:sp>
       <p:sp>
         <p:nvSpPr>
-          <p:cNvPr id="254" name="CustomShape 5"/>
+          <p:cNvPr id="255" name="CustomShape 5"/>
           <p:cNvSpPr/>
           <p:nvPr/>
         </p:nvSpPr>
         <p:spPr>
           <a:xfrm>
-            <a:off x="1600200" y="4629600"/>
-            <a:ext cx="8883720" cy="912960"/>
+            <a:off x="1600200" y="3405600"/>
+            <a:ext cx="8883360" cy="1324080"/>
           </a:xfrm>
           <a:prstGeom prst="rect">
             <a:avLst/>
@@ -16097,7 +16146,7 @@
             <a:spAutoFit/>
           </a:bodyPr>
           <a:p>
-            <a:pPr marL="285840" indent="-279720">
+            <a:pPr marL="285840" indent="-279360">
               <a:lnSpc>
                 <a:spcPct val="150000"/>
               </a:lnSpc>
@@ -16135,14 +16184,14 @@
                 <a:latin typeface="Consolas"/>
                 <a:ea typeface="SimSun"/>
               </a:rPr>
-              <a:t>lpop fruits 2</a:t>
+              <a:t>lset a 0 -1</a:t>
             </a:r>
             <a:endParaRPr b="0" lang="en-IN" sz="1800" spc="-1" strike="noStrike">
               <a:latin typeface="Arial"/>
             </a:endParaRPr>
           </a:p>
           <a:p>
-            <a:pPr marL="285840" indent="-279720">
+            <a:pPr marL="285840" indent="-279360">
               <a:lnSpc>
                 <a:spcPct val="150000"/>
               </a:lnSpc>
@@ -16180,23 +16229,68 @@
                 <a:latin typeface="Consolas"/>
                 <a:ea typeface="SimSun"/>
               </a:rPr>
-              <a:t>rpop fruits 2</a:t>
+              <a:t>linsert a before 0 -1</a:t>
             </a:r>
             <a:endParaRPr b="0" lang="en-IN" sz="1800" spc="-1" strike="noStrike">
               <a:latin typeface="Arial"/>
             </a:endParaRPr>
           </a:p>
-        </p:txBody>
-      </p:sp>
-      <p:sp>
-        <p:nvSpPr>
-          <p:cNvPr id="255" name="Line 6"/>
+          <a:p>
+            <a:pPr marL="285840" indent="-279360">
+              <a:lnSpc>
+                <a:spcPct val="150000"/>
+              </a:lnSpc>
+              <a:buClr>
+                <a:srgbClr val="808080"/>
+              </a:buClr>
+              <a:buFont typeface="Arial"/>
+              <a:buChar char="•"/>
+            </a:pPr>
+            <a:r>
+              <a:rPr b="0" lang="en-IN" sz="1800" spc="-1" strike="noStrike">
+                <a:solidFill>
+                  <a:srgbClr val="808080"/>
+                </a:solidFill>
+                <a:latin typeface="Consolas"/>
+                <a:ea typeface="SimSun"/>
+              </a:rPr>
+              <a:t>127.0.0.1:6379&gt;</a:t>
+            </a:r>
+            <a:r>
+              <a:rPr b="0" lang="en-IN" sz="1800" spc="-1" strike="noStrike">
+                <a:solidFill>
+                  <a:srgbClr val="000000"/>
+                </a:solidFill>
+                <a:latin typeface="Consolas"/>
+                <a:ea typeface="SimSun"/>
+              </a:rPr>
+              <a:t> </a:t>
+            </a:r>
+            <a:r>
+              <a:rPr b="0" lang="en-IN" sz="1800" spc="-1" strike="noStrike">
+                <a:solidFill>
+                  <a:srgbClr val="ff5733"/>
+                </a:solidFill>
+                <a:latin typeface="Consolas"/>
+                <a:ea typeface="SimSun"/>
+              </a:rPr>
+              <a:t>linsert a after 5 6</a:t>
+            </a:r>
+            <a:endParaRPr b="0" lang="en-IN" sz="1800" spc="-1" strike="noStrike">
+              <a:latin typeface="Arial"/>
+            </a:endParaRPr>
+          </a:p>
+        </p:txBody>
+      </p:sp>
+      <p:sp>
+        <p:nvSpPr>
+          <p:cNvPr id="256" name="Line 6"/>
           <p:cNvSpPr/>
           <p:nvPr/>
         </p:nvSpPr>
         <p:spPr>
           <a:xfrm>
-            <a:off x="1523880" y="3421080"/>
+            <a:off x="1523880" y="2197080"/>
             <a:ext cx="9144000" cy="1440"/>
           </a:xfrm>
           <a:prstGeom prst="line">
@@ -16222,6 +16316,287 @@
           </a:effectRef>
           <a:fontRef idx="minor"/>
         </p:style>
+      </p:sp>
+      <p:sp>
+        <p:nvSpPr>
+          <p:cNvPr id="257" name="TextShape 7"/>
+          <p:cNvSpPr txBox="1"/>
+          <p:nvPr/>
+        </p:nvSpPr>
+        <p:spPr>
+          <a:xfrm>
+            <a:off x="4601520" y="5832000"/>
+            <a:ext cx="5622480" cy="360000"/>
+          </a:xfrm>
+          <a:prstGeom prst="rect">
+            <a:avLst/>
+          </a:prstGeom>
+          <a:noFill/>
+          <a:ln>
+            <a:noFill/>
+          </a:ln>
+        </p:spPr>
+        <p:txBody>
+          <a:bodyPr lIns="90000" rIns="90000" tIns="45000" bIns="45000">
+            <a:noAutofit/>
+          </a:bodyPr>
+          <a:p>
+            <a:r>
+              <a:rPr b="0" lang="en-IN" sz="1800" spc="-1" strike="noStrike">
+                <a:solidFill>
+                  <a:srgbClr val="808080"/>
+                </a:solidFill>
+                <a:latin typeface="Consolas"/>
+                <a:ea typeface="DejaVu Sans"/>
+              </a:rPr>
+              <a:t>127.0.0.1:6379</a:t>
+            </a:r>
+            <a:r>
+              <a:rPr b="1" lang="en-IN" sz="1800" spc="-1" strike="noStrike">
+                <a:solidFill>
+                  <a:srgbClr val="808080"/>
+                </a:solidFill>
+                <a:latin typeface="Consolas"/>
+                <a:ea typeface="DejaVu Sans"/>
+              </a:rPr>
+              <a:t>[3]</a:t>
+            </a:r>
+            <a:r>
+              <a:rPr b="0" lang="en-IN" sz="1800" spc="-1" strike="noStrike">
+                <a:solidFill>
+                  <a:srgbClr val="808080"/>
+                </a:solidFill>
+                <a:latin typeface="Consolas"/>
+                <a:ea typeface="DejaVu Sans"/>
+              </a:rPr>
+              <a:t>&gt; </a:t>
+            </a:r>
+            <a:r>
+              <a:rPr b="0" lang="en-IN" sz="1800" spc="-1" strike="noStrike">
+                <a:solidFill>
+                  <a:srgbClr val="1de9b6"/>
+                </a:solidFill>
+                <a:latin typeface="Consolas"/>
+                <a:ea typeface="DejaVu Sans"/>
+              </a:rPr>
+              <a:t>lpush a 5 4 3 2 1 0</a:t>
+            </a:r>
+            <a:endParaRPr b="0" lang="en-IN" sz="1800" spc="-1" strike="noStrike">
+              <a:latin typeface="Arial"/>
+            </a:endParaRPr>
+          </a:p>
+        </p:txBody>
+      </p:sp>
+      <p:sp>
+        <p:nvSpPr>
+          <p:cNvPr id="258" name="CustomShape 8"/>
+          <p:cNvSpPr/>
+          <p:nvPr/>
+        </p:nvSpPr>
+        <p:spPr>
+          <a:xfrm>
+            <a:off x="10584000" y="3710160"/>
+            <a:ext cx="1408680" cy="2553840"/>
+          </a:xfrm>
+          <a:prstGeom prst="rect">
+            <a:avLst/>
+          </a:prstGeom>
+          <a:noFill/>
+          <a:ln>
+            <a:noFill/>
+          </a:ln>
+        </p:spPr>
+        <p:style>
+          <a:lnRef idx="0"/>
+          <a:fillRef idx="0"/>
+          <a:effectRef idx="0"/>
+          <a:fontRef idx="minor"/>
+        </p:style>
+        <p:txBody>
+          <a:bodyPr lIns="90000" rIns="90000" tIns="45000" bIns="45000">
+            <a:noAutofit/>
+          </a:bodyPr>
+          <a:p>
+            <a:pPr>
+              <a:lnSpc>
+                <a:spcPct val="150000"/>
+              </a:lnSpc>
+            </a:pPr>
+            <a:r>
+              <a:rPr b="0" lang="en-IN" sz="1800" spc="-1" strike="noStrike">
+                <a:solidFill>
+                  <a:srgbClr val="000000"/>
+                </a:solidFill>
+                <a:latin typeface="Arial"/>
+                <a:ea typeface="DejaVu Sans"/>
+              </a:rPr>
+              <a:t>  </a:t>
+            </a:r>
+            <a:r>
+              <a:rPr b="0" lang="en-IN" sz="1800" spc="-1" strike="noStrike">
+                <a:solidFill>
+                  <a:srgbClr val="1de9b6"/>
+                </a:solidFill>
+                <a:latin typeface="Consolas"/>
+                <a:ea typeface="SimSun"/>
+              </a:rPr>
+              <a:t>1) "0"</a:t>
+            </a:r>
+            <a:endParaRPr b="0" lang="en-IN" sz="1800" spc="-1" strike="noStrike">
+              <a:latin typeface="Arial"/>
+            </a:endParaRPr>
+          </a:p>
+          <a:p>
+            <a:pPr>
+              <a:lnSpc>
+                <a:spcPct val="150000"/>
+              </a:lnSpc>
+            </a:pPr>
+            <a:r>
+              <a:rPr b="0" lang="en-IN" sz="1800" spc="-1" strike="noStrike">
+                <a:solidFill>
+                  <a:srgbClr val="1de9b6"/>
+                </a:solidFill>
+                <a:latin typeface="Consolas"/>
+                <a:ea typeface="SimSun"/>
+              </a:rPr>
+              <a:t> </a:t>
+            </a:r>
+            <a:r>
+              <a:rPr b="0" lang="en-IN" sz="1800" spc="-1" strike="noStrike">
+                <a:solidFill>
+                  <a:srgbClr val="1de9b6"/>
+                </a:solidFill>
+                <a:latin typeface="Consolas"/>
+                <a:ea typeface="SimSun"/>
+              </a:rPr>
+              <a:t>2) "1"</a:t>
+            </a:r>
+            <a:endParaRPr b="0" lang="en-IN" sz="1800" spc="-1" strike="noStrike">
+              <a:latin typeface="Arial"/>
+            </a:endParaRPr>
+          </a:p>
+          <a:p>
+            <a:pPr>
+              <a:lnSpc>
+                <a:spcPct val="150000"/>
+              </a:lnSpc>
+            </a:pPr>
+            <a:r>
+              <a:rPr b="0" lang="en-IN" sz="1800" spc="-1" strike="noStrike">
+                <a:solidFill>
+                  <a:srgbClr val="1de9b6"/>
+                </a:solidFill>
+                <a:latin typeface="Consolas"/>
+                <a:ea typeface="SimSun"/>
+              </a:rPr>
+              <a:t> </a:t>
+            </a:r>
+            <a:r>
+              <a:rPr b="0" lang="en-IN" sz="1800" spc="-1" strike="noStrike">
+                <a:solidFill>
+                  <a:srgbClr val="1de9b6"/>
+                </a:solidFill>
+                <a:latin typeface="Consolas"/>
+                <a:ea typeface="SimSun"/>
+              </a:rPr>
+              <a:t>3) "2"</a:t>
+            </a:r>
+            <a:endParaRPr b="0" lang="en-IN" sz="1800" spc="-1" strike="noStrike">
+              <a:latin typeface="Arial"/>
+            </a:endParaRPr>
+          </a:p>
+          <a:p>
+            <a:pPr>
+              <a:lnSpc>
+                <a:spcPct val="150000"/>
+              </a:lnSpc>
+            </a:pPr>
+            <a:r>
+              <a:rPr b="0" lang="en-IN" sz="1800" spc="-1" strike="noStrike">
+                <a:solidFill>
+                  <a:srgbClr val="1de9b6"/>
+                </a:solidFill>
+                <a:latin typeface="Consolas"/>
+                <a:ea typeface="SimSun"/>
+              </a:rPr>
+              <a:t> </a:t>
+            </a:r>
+            <a:r>
+              <a:rPr b="0" lang="en-IN" sz="1800" spc="-1" strike="noStrike">
+                <a:solidFill>
+                  <a:srgbClr val="1de9b6"/>
+                </a:solidFill>
+                <a:latin typeface="Consolas"/>
+                <a:ea typeface="SimSun"/>
+              </a:rPr>
+              <a:t>4) "3"</a:t>
+            </a:r>
+            <a:endParaRPr b="0" lang="en-IN" sz="1800" spc="-1" strike="noStrike">
+              <a:latin typeface="Arial"/>
+            </a:endParaRPr>
+          </a:p>
+          <a:p>
+            <a:pPr>
+              <a:lnSpc>
+                <a:spcPct val="150000"/>
+              </a:lnSpc>
+            </a:pPr>
+            <a:r>
+              <a:rPr b="0" lang="en-IN" sz="1800" spc="-1" strike="noStrike">
+                <a:solidFill>
+                  <a:srgbClr val="1de9b6"/>
+                </a:solidFill>
+                <a:latin typeface="Consolas"/>
+                <a:ea typeface="SimSun"/>
+              </a:rPr>
+              <a:t> </a:t>
+            </a:r>
+            <a:r>
+              <a:rPr b="0" lang="en-IN" sz="1800" spc="-1" strike="noStrike">
+                <a:solidFill>
+                  <a:srgbClr val="1de9b6"/>
+                </a:solidFill>
+                <a:latin typeface="Consolas"/>
+                <a:ea typeface="SimSun"/>
+              </a:rPr>
+              <a:t>5) "4"</a:t>
+            </a:r>
+            <a:endParaRPr b="0" lang="en-IN" sz="1800" spc="-1" strike="noStrike">
+              <a:latin typeface="Arial"/>
+            </a:endParaRPr>
+          </a:p>
+          <a:p>
+            <a:pPr>
+              <a:lnSpc>
+                <a:spcPct val="150000"/>
+              </a:lnSpc>
+            </a:pPr>
+            <a:r>
+              <a:rPr b="0" lang="en-IN" sz="1800" spc="-1" strike="noStrike">
+                <a:solidFill>
+                  <a:srgbClr val="1de9b6"/>
+                </a:solidFill>
+                <a:latin typeface="Consolas"/>
+                <a:ea typeface="SimSun"/>
+              </a:rPr>
+              <a:t> </a:t>
+            </a:r>
+            <a:r>
+              <a:rPr b="0" lang="en-IN" sz="1800" spc="-1" strike="noStrike">
+                <a:solidFill>
+                  <a:srgbClr val="1de9b6"/>
+                </a:solidFill>
+                <a:latin typeface="Consolas"/>
+                <a:ea typeface="SimSun"/>
+              </a:rPr>
+              <a:t>6) "5"</a:t>
+            </a:r>
+            <a:endParaRPr b="0" lang="en-IN" sz="1800" spc="-1" strike="noStrike">
+              <a:latin typeface="Arial"/>
+            </a:endParaRPr>
+          </a:p>
+        </p:txBody>
       </p:sp>
     </p:spTree>
   </p:cSld>
@@ -16255,14 +16630,14 @@
       </p:grpSpPr>
       <p:sp>
         <p:nvSpPr>
-          <p:cNvPr id="105" name="CustomShape 1"/>
+          <p:cNvPr id="106" name="CustomShape 1"/>
           <p:cNvSpPr/>
           <p:nvPr/>
         </p:nvSpPr>
         <p:spPr>
           <a:xfrm>
             <a:off x="1676520" y="2362320"/>
-            <a:ext cx="8832960" cy="912600"/>
+            <a:ext cx="8832600" cy="912600"/>
           </a:xfrm>
           <a:prstGeom prst="rect">
             <a:avLst/>
@@ -16306,14 +16681,14 @@
       </p:sp>
       <p:sp>
         <p:nvSpPr>
-          <p:cNvPr id="106" name="CustomShape 2"/>
+          <p:cNvPr id="107" name="CustomShape 2"/>
           <p:cNvSpPr/>
           <p:nvPr/>
         </p:nvSpPr>
         <p:spPr>
           <a:xfrm>
-            <a:off x="1676520" y="3531600"/>
-            <a:ext cx="8832960" cy="424800"/>
+            <a:off x="522360" y="3531600"/>
+            <a:ext cx="11069640" cy="364680"/>
           </a:xfrm>
           <a:prstGeom prst="rect">
             <a:avLst/>
@@ -16334,13 +16709,13 @@
             <a:spAutoFit/>
           </a:bodyPr>
           <a:p>
-            <a:pPr>
-              <a:lnSpc>
-                <a:spcPct val="100000"/>
-              </a:lnSpc>
-            </a:pPr>
-            <a:r>
-              <a:rPr b="0" lang="en-US" sz="2200" spc="-1" strike="noStrike">
+            <a:pPr algn="just">
+              <a:lnSpc>
+                <a:spcPct val="100000"/>
+              </a:lnSpc>
+            </a:pPr>
+            <a:r>
+              <a:rPr b="0" lang="en-IN" sz="1800" spc="-1" strike="noStrike">
                 <a:solidFill>
                   <a:srgbClr val="bb0643"/>
                 </a:solidFill>
@@ -16349,7 +16724,7 @@
               </a:rPr>
               <a:t>TODO</a:t>
             </a:r>
-            <a:endParaRPr b="0" lang="en-IN" sz="2200" spc="-1" strike="noStrike">
+            <a:endParaRPr b="0" lang="en-IN" sz="1800" spc="-1" strike="noStrike">
               <a:latin typeface="Arial"/>
             </a:endParaRPr>
           </a:p>
@@ -16387,14 +16762,14 @@
       </p:grpSpPr>
       <p:sp>
         <p:nvSpPr>
-          <p:cNvPr id="256" name="CustomShape 1"/>
+          <p:cNvPr id="259" name="CustomShape 1"/>
           <p:cNvSpPr/>
           <p:nvPr/>
         </p:nvSpPr>
         <p:spPr>
           <a:xfrm>
-            <a:off x="1365840" y="188640"/>
-            <a:ext cx="9676800" cy="2192400"/>
+            <a:off x="1676520" y="2362320"/>
+            <a:ext cx="8832600" cy="912600"/>
           </a:xfrm>
           <a:prstGeom prst="rect">
             <a:avLst/>
@@ -16421,6 +16796,1746 @@
               </a:lnSpc>
             </a:pPr>
             <a:r>
+              <a:rPr b="0" i="1" lang="en-IN" sz="5400" spc="-1" strike="noStrike">
+                <a:solidFill>
+                  <a:srgbClr val="f7c120"/>
+                </a:solidFill>
+                <a:latin typeface="Century"/>
+                <a:ea typeface="DejaVu Sans"/>
+              </a:rPr>
+              <a:t>lpop &amp; rpop</a:t>
+            </a:r>
+            <a:endParaRPr b="0" lang="en-IN" sz="5400" spc="-1" strike="noStrike">
+              <a:latin typeface="Arial"/>
+            </a:endParaRPr>
+          </a:p>
+        </p:txBody>
+      </p:sp>
+      <p:sp>
+        <p:nvSpPr>
+          <p:cNvPr id="260" name="CustomShape 2"/>
+          <p:cNvSpPr/>
+          <p:nvPr/>
+        </p:nvSpPr>
+        <p:spPr>
+          <a:xfrm>
+            <a:off x="522360" y="3531600"/>
+            <a:ext cx="11069640" cy="364680"/>
+          </a:xfrm>
+          <a:prstGeom prst="rect">
+            <a:avLst/>
+          </a:prstGeom>
+          <a:noFill/>
+          <a:ln>
+            <a:noFill/>
+          </a:ln>
+        </p:spPr>
+        <p:style>
+          <a:lnRef idx="0"/>
+          <a:fillRef idx="0"/>
+          <a:effectRef idx="0"/>
+          <a:fontRef idx="minor"/>
+        </p:style>
+        <p:txBody>
+          <a:bodyPr lIns="90000" rIns="90000" tIns="45000" bIns="45000">
+            <a:spAutoFit/>
+          </a:bodyPr>
+          <a:p>
+            <a:pPr algn="just">
+              <a:lnSpc>
+                <a:spcPct val="100000"/>
+              </a:lnSpc>
+            </a:pPr>
+            <a:r>
+              <a:rPr b="0" lang="en-IN" sz="1800" spc="-1" strike="noStrike">
+                <a:solidFill>
+                  <a:srgbClr val="bb0643"/>
+                </a:solidFill>
+                <a:latin typeface="Segoe UI"/>
+                <a:ea typeface="DejaVu Sans"/>
+              </a:rPr>
+              <a:t>TODO</a:t>
+            </a:r>
+            <a:endParaRPr b="0" lang="en-IN" sz="1800" spc="-1" strike="noStrike">
+              <a:latin typeface="Arial"/>
+            </a:endParaRPr>
+          </a:p>
+        </p:txBody>
+      </p:sp>
+    </p:spTree>
+  </p:cSld>
+  <mc:AlternateContent>
+    <mc:Choice Requires="p14">
+      <p:transition spd="slow" p14:dur="2000"/>
+    </mc:Choice>
+    <mc:Fallback>
+      <p:transition spd="slow"/>
+    </mc:Fallback>
+  </mc:AlternateContent>
+</p:sld>
+</file>
+
+<file path=ppt/slides/slide41.xml><?xml version="1.0" encoding="utf-8"?>
+<p:sld xmlns:a="http://schemas.openxmlformats.org/drawingml/2006/main" xmlns:p="http://schemas.openxmlformats.org/presentationml/2006/main" xmlns:r="http://schemas.openxmlformats.org/officeDocument/2006/relationships" xmlns:p14="http://schemas.microsoft.com/office/powerpoint/2010/main" xmlns:p15="http://schemas.microsoft.com/office/powerpoint/2012/main" xmlns:mc="http://schemas.openxmlformats.org/markup-compatibility/2006">
+  <p:cSld>
+    <p:spTree>
+      <p:nvGrpSpPr>
+        <p:cNvPr id="1" name=""/>
+        <p:cNvGrpSpPr/>
+        <p:nvPr/>
+      </p:nvGrpSpPr>
+      <p:grpSpPr>
+        <a:xfrm>
+          <a:off x="0" y="0"/>
+          <a:ext cx="0" cy="0"/>
+          <a:chOff x="0" y="0"/>
+          <a:chExt cx="0" cy="0"/>
+        </a:xfrm>
+      </p:grpSpPr>
+      <p:sp>
+        <p:nvSpPr>
+          <p:cNvPr id="261" name="CustomShape 1"/>
+          <p:cNvSpPr/>
+          <p:nvPr/>
+        </p:nvSpPr>
+        <p:spPr>
+          <a:xfrm>
+            <a:off x="1523880" y="0"/>
+            <a:ext cx="9137520" cy="699120"/>
+          </a:xfrm>
+          <a:prstGeom prst="rect">
+            <a:avLst/>
+          </a:prstGeom>
+          <a:solidFill>
+            <a:schemeClr val="accent6">
+              <a:lumMod val="75000"/>
+            </a:schemeClr>
+          </a:solidFill>
+          <a:ln>
+            <a:noFill/>
+          </a:ln>
+        </p:spPr>
+        <p:style>
+          <a:lnRef idx="0"/>
+          <a:fillRef idx="0"/>
+          <a:effectRef idx="0"/>
+          <a:fontRef idx="minor"/>
+        </p:style>
+        <p:txBody>
+          <a:bodyPr lIns="90000" rIns="90000" tIns="45000" bIns="45000">
+            <a:spAutoFit/>
+          </a:bodyPr>
+          <a:p>
+            <a:pPr algn="ctr">
+              <a:lnSpc>
+                <a:spcPct val="100000"/>
+              </a:lnSpc>
+            </a:pPr>
+            <a:r>
+              <a:rPr b="0" lang="en-IN" sz="4000" spc="-1" strike="noStrike">
+                <a:solidFill>
+                  <a:srgbClr val="f7c120"/>
+                </a:solidFill>
+                <a:latin typeface="Open Sans"/>
+                <a:ea typeface="DejaVu Sans"/>
+              </a:rPr>
+              <a:t>lpop &amp; rpop</a:t>
+            </a:r>
+            <a:endParaRPr b="0" lang="en-IN" sz="4000" spc="-1" strike="noStrike">
+              <a:latin typeface="Arial"/>
+            </a:endParaRPr>
+          </a:p>
+        </p:txBody>
+      </p:sp>
+      <p:sp>
+        <p:nvSpPr>
+          <p:cNvPr id="262" name="CustomShape 2"/>
+          <p:cNvSpPr/>
+          <p:nvPr/>
+        </p:nvSpPr>
+        <p:spPr>
+          <a:xfrm>
+            <a:off x="1600200" y="762120"/>
+            <a:ext cx="8985240" cy="2558520"/>
+          </a:xfrm>
+          <a:prstGeom prst="rect">
+            <a:avLst/>
+          </a:prstGeom>
+          <a:noFill/>
+          <a:ln>
+            <a:noFill/>
+          </a:ln>
+        </p:spPr>
+        <p:style>
+          <a:lnRef idx="0"/>
+          <a:fillRef idx="0"/>
+          <a:effectRef idx="0"/>
+          <a:fontRef idx="minor"/>
+        </p:style>
+        <p:txBody>
+          <a:bodyPr lIns="90000" rIns="90000" tIns="45000" bIns="45000">
+            <a:spAutoFit/>
+          </a:bodyPr>
+          <a:p>
+            <a:pPr algn="just">
+              <a:lnSpc>
+                <a:spcPct val="100000"/>
+              </a:lnSpc>
+            </a:pPr>
+            <a:r>
+              <a:rPr b="1" lang="en-US" sz="1800" spc="-1" strike="noStrike">
+                <a:solidFill>
+                  <a:srgbClr val="7c4dff"/>
+                </a:solidFill>
+                <a:latin typeface="Arial"/>
+                <a:ea typeface="DejaVu Sans"/>
+              </a:rPr>
+              <a:t>LPOP</a:t>
+            </a:r>
+            <a:r>
+              <a:rPr b="0" lang="en-US" sz="1800" spc="-1" strike="noStrike">
+                <a:solidFill>
+                  <a:srgbClr val="000000"/>
+                </a:solidFill>
+                <a:latin typeface="Arial"/>
+                <a:ea typeface="DejaVu Sans"/>
+              </a:rPr>
+              <a:t> removes and returns the first elements of the list stored at key. By default, the command pops a single element from the beginning of the list. When provided with the optional count argument, the reply will consist of up to count elements, depending on the list's length.</a:t>
+            </a:r>
+            <a:endParaRPr b="0" lang="en-IN" sz="1800" spc="-1" strike="noStrike">
+              <a:latin typeface="Arial"/>
+            </a:endParaRPr>
+          </a:p>
+          <a:p>
+            <a:pPr algn="just">
+              <a:lnSpc>
+                <a:spcPct val="100000"/>
+              </a:lnSpc>
+            </a:pPr>
+            <a:endParaRPr b="0" lang="en-IN" sz="1800" spc="-1" strike="noStrike">
+              <a:latin typeface="Arial"/>
+            </a:endParaRPr>
+          </a:p>
+          <a:p>
+            <a:pPr algn="just">
+              <a:lnSpc>
+                <a:spcPct val="100000"/>
+              </a:lnSpc>
+            </a:pPr>
+            <a:r>
+              <a:rPr b="1" lang="en-US" sz="1800" spc="-1" strike="noStrike">
+                <a:solidFill>
+                  <a:srgbClr val="7c4dff"/>
+                </a:solidFill>
+                <a:latin typeface="Arial"/>
+                <a:ea typeface="DejaVu Sans"/>
+              </a:rPr>
+              <a:t>RPOP</a:t>
+            </a:r>
+            <a:r>
+              <a:rPr b="0" lang="en-US" sz="1800" spc="-1" strike="noStrike">
+                <a:solidFill>
+                  <a:srgbClr val="000000"/>
+                </a:solidFill>
+                <a:latin typeface="Arial"/>
+                <a:ea typeface="DejaVu Sans"/>
+              </a:rPr>
+              <a:t> removes and returns the last elements of the list stored at key. By default, the command pops a single element from the end of the list. When provided with the optional count argument, the reply will consist of up to count elements, depending on the list's length.</a:t>
+            </a:r>
+            <a:endParaRPr b="0" lang="en-IN" sz="1800" spc="-1" strike="noStrike">
+              <a:latin typeface="Arial"/>
+            </a:endParaRPr>
+          </a:p>
+        </p:txBody>
+      </p:sp>
+      <p:sp>
+        <p:nvSpPr>
+          <p:cNvPr id="263" name="CustomShape 3"/>
+          <p:cNvSpPr/>
+          <p:nvPr/>
+        </p:nvSpPr>
+        <p:spPr>
+          <a:xfrm>
+            <a:off x="152280" y="152280"/>
+            <a:ext cx="1100160" cy="455400"/>
+          </a:xfrm>
+          <a:prstGeom prst="rect">
+            <a:avLst/>
+          </a:prstGeom>
+          <a:noFill/>
+          <a:ln>
+            <a:noFill/>
+          </a:ln>
+        </p:spPr>
+        <p:style>
+          <a:lnRef idx="0"/>
+          <a:fillRef idx="0"/>
+          <a:effectRef idx="0"/>
+          <a:fontRef idx="minor"/>
+        </p:style>
+        <p:txBody>
+          <a:bodyPr lIns="90000" rIns="90000" tIns="45000" bIns="45000">
+            <a:spAutoFit/>
+          </a:bodyPr>
+          <a:p>
+            <a:pPr algn="just">
+              <a:lnSpc>
+                <a:spcPct val="100000"/>
+              </a:lnSpc>
+            </a:pPr>
+            <a:r>
+              <a:rPr b="0" lang="en-IN" sz="2400" spc="-1" strike="noStrike">
+                <a:solidFill>
+                  <a:srgbClr val="ff0000"/>
+                </a:solidFill>
+                <a:latin typeface="Times New Roman"/>
+                <a:ea typeface="DejaVu Sans"/>
+              </a:rPr>
+              <a:t>TODO</a:t>
+            </a:r>
+            <a:endParaRPr b="0" lang="en-IN" sz="2400" spc="-1" strike="noStrike">
+              <a:latin typeface="Arial"/>
+            </a:endParaRPr>
+          </a:p>
+        </p:txBody>
+      </p:sp>
+      <p:sp>
+        <p:nvSpPr>
+          <p:cNvPr id="264" name="CustomShape 4"/>
+          <p:cNvSpPr/>
+          <p:nvPr/>
+        </p:nvSpPr>
+        <p:spPr>
+          <a:xfrm>
+            <a:off x="1601280" y="3697560"/>
+            <a:ext cx="8984160" cy="699480"/>
+          </a:xfrm>
+          <a:prstGeom prst="rect">
+            <a:avLst/>
+          </a:prstGeom>
+          <a:noFill/>
+          <a:ln>
+            <a:noFill/>
+          </a:ln>
+        </p:spPr>
+        <p:style>
+          <a:lnRef idx="0"/>
+          <a:fillRef idx="0"/>
+          <a:effectRef idx="0"/>
+          <a:fontRef idx="minor"/>
+        </p:style>
+        <p:txBody>
+          <a:bodyPr lIns="90000" rIns="90000" tIns="45000" bIns="45000">
+            <a:spAutoFit/>
+          </a:bodyPr>
+          <a:p>
+            <a:pPr>
+              <a:lnSpc>
+                <a:spcPct val="100000"/>
+              </a:lnSpc>
+            </a:pPr>
+            <a:r>
+              <a:rPr b="0" lang="en-US" sz="2000" spc="-1" strike="noStrike">
+                <a:solidFill>
+                  <a:srgbClr val="00b0f0"/>
+                </a:solidFill>
+                <a:latin typeface="Consolas"/>
+                <a:ea typeface="DejaVu Sans"/>
+              </a:rPr>
+              <a:t>LPOP key [count]</a:t>
+            </a:r>
+            <a:endParaRPr b="0" lang="en-IN" sz="2000" spc="-1" strike="noStrike">
+              <a:latin typeface="Arial"/>
+            </a:endParaRPr>
+          </a:p>
+          <a:p>
+            <a:pPr>
+              <a:lnSpc>
+                <a:spcPct val="100000"/>
+              </a:lnSpc>
+            </a:pPr>
+            <a:r>
+              <a:rPr b="0" lang="en-US" sz="2000" spc="-1" strike="noStrike">
+                <a:solidFill>
+                  <a:srgbClr val="00b0f0"/>
+                </a:solidFill>
+                <a:latin typeface="Consolas"/>
+                <a:ea typeface="DejaVu Sans"/>
+              </a:rPr>
+              <a:t>RPOP key [count]</a:t>
+            </a:r>
+            <a:endParaRPr b="0" lang="en-IN" sz="2000" spc="-1" strike="noStrike">
+              <a:latin typeface="Arial"/>
+            </a:endParaRPr>
+          </a:p>
+        </p:txBody>
+      </p:sp>
+      <p:sp>
+        <p:nvSpPr>
+          <p:cNvPr id="265" name="CustomShape 5"/>
+          <p:cNvSpPr/>
+          <p:nvPr/>
+        </p:nvSpPr>
+        <p:spPr>
+          <a:xfrm>
+            <a:off x="1600200" y="4629600"/>
+            <a:ext cx="8883360" cy="912600"/>
+          </a:xfrm>
+          <a:prstGeom prst="rect">
+            <a:avLst/>
+          </a:prstGeom>
+          <a:noFill/>
+          <a:ln>
+            <a:noFill/>
+          </a:ln>
+        </p:spPr>
+        <p:style>
+          <a:lnRef idx="0"/>
+          <a:fillRef idx="0"/>
+          <a:effectRef idx="0"/>
+          <a:fontRef idx="minor"/>
+        </p:style>
+        <p:txBody>
+          <a:bodyPr lIns="90000" rIns="90000" tIns="45000" bIns="45000">
+            <a:spAutoFit/>
+          </a:bodyPr>
+          <a:p>
+            <a:pPr marL="285840" indent="-279360">
+              <a:lnSpc>
+                <a:spcPct val="150000"/>
+              </a:lnSpc>
+              <a:buClr>
+                <a:srgbClr val="808080"/>
+              </a:buClr>
+              <a:buFont typeface="Arial"/>
+              <a:buChar char="•"/>
+            </a:pPr>
+            <a:r>
+              <a:rPr b="0" lang="en-IN" sz="1800" spc="-1" strike="noStrike">
+                <a:solidFill>
+                  <a:srgbClr val="808080"/>
+                </a:solidFill>
+                <a:latin typeface="Consolas"/>
+                <a:ea typeface="SimSun"/>
+              </a:rPr>
+              <a:t>127.0.0.1:6379&gt;</a:t>
+            </a:r>
+            <a:r>
+              <a:rPr b="0" lang="en-IN" sz="1800" spc="-1" strike="noStrike">
+                <a:solidFill>
+                  <a:srgbClr val="000000"/>
+                </a:solidFill>
+                <a:latin typeface="Consolas"/>
+                <a:ea typeface="SimSun"/>
+              </a:rPr>
+              <a:t> </a:t>
+            </a:r>
+            <a:r>
+              <a:rPr b="0" lang="en-IN" sz="1800" spc="-1" strike="noStrike">
+                <a:solidFill>
+                  <a:srgbClr val="ff5733"/>
+                </a:solidFill>
+                <a:latin typeface="Consolas"/>
+                <a:ea typeface="SimSun"/>
+              </a:rPr>
+              <a:t>lpop fruits 2</a:t>
+            </a:r>
+            <a:endParaRPr b="0" lang="en-IN" sz="1800" spc="-1" strike="noStrike">
+              <a:latin typeface="Arial"/>
+            </a:endParaRPr>
+          </a:p>
+          <a:p>
+            <a:pPr marL="285840" indent="-279360">
+              <a:lnSpc>
+                <a:spcPct val="150000"/>
+              </a:lnSpc>
+              <a:buClr>
+                <a:srgbClr val="808080"/>
+              </a:buClr>
+              <a:buFont typeface="Arial"/>
+              <a:buChar char="•"/>
+            </a:pPr>
+            <a:r>
+              <a:rPr b="0" lang="en-IN" sz="1800" spc="-1" strike="noStrike">
+                <a:solidFill>
+                  <a:srgbClr val="808080"/>
+                </a:solidFill>
+                <a:latin typeface="Consolas"/>
+                <a:ea typeface="SimSun"/>
+              </a:rPr>
+              <a:t>127.0.0.1:6379&gt;</a:t>
+            </a:r>
+            <a:r>
+              <a:rPr b="0" lang="en-IN" sz="1800" spc="-1" strike="noStrike">
+                <a:solidFill>
+                  <a:srgbClr val="000000"/>
+                </a:solidFill>
+                <a:latin typeface="Consolas"/>
+                <a:ea typeface="SimSun"/>
+              </a:rPr>
+              <a:t> </a:t>
+            </a:r>
+            <a:r>
+              <a:rPr b="0" lang="en-IN" sz="1800" spc="-1" strike="noStrike">
+                <a:solidFill>
+                  <a:srgbClr val="ff5733"/>
+                </a:solidFill>
+                <a:latin typeface="Consolas"/>
+                <a:ea typeface="SimSun"/>
+              </a:rPr>
+              <a:t>rpop fruits 2</a:t>
+            </a:r>
+            <a:endParaRPr b="0" lang="en-IN" sz="1800" spc="-1" strike="noStrike">
+              <a:latin typeface="Arial"/>
+            </a:endParaRPr>
+          </a:p>
+        </p:txBody>
+      </p:sp>
+      <p:sp>
+        <p:nvSpPr>
+          <p:cNvPr id="266" name="Line 6"/>
+          <p:cNvSpPr/>
+          <p:nvPr/>
+        </p:nvSpPr>
+        <p:spPr>
+          <a:xfrm>
+            <a:off x="1523880" y="3421080"/>
+            <a:ext cx="9144000" cy="1440"/>
+          </a:xfrm>
+          <a:prstGeom prst="line">
+            <a:avLst/>
+          </a:prstGeom>
+          <a:ln w="12600">
+            <a:solidFill>
+              <a:srgbClr val="6e78a0"/>
+            </a:solidFill>
+            <a:prstDash val="dash"/>
+            <a:round/>
+          </a:ln>
+        </p:spPr>
+        <p:style>
+          <a:lnRef idx="1">
+            <a:schemeClr val="accent1"/>
+          </a:lnRef>
+          <a:fillRef idx="0">
+            <a:schemeClr val="accent1"/>
+          </a:fillRef>
+          <a:effectRef idx="0">
+            <a:schemeClr val="accent1"/>
+          </a:effectRef>
+          <a:fontRef idx="minor"/>
+        </p:style>
+      </p:sp>
+    </p:spTree>
+  </p:cSld>
+  <mc:AlternateContent>
+    <mc:Choice Requires="p14">
+      <p:transition spd="slow" p14:dur="2000"/>
+    </mc:Choice>
+    <mc:Fallback>
+      <p:transition spd="slow"/>
+    </mc:Fallback>
+  </mc:AlternateContent>
+</p:sld>
+</file>
+
+<file path=ppt/slides/slide42.xml><?xml version="1.0" encoding="utf-8"?>
+<p:sld xmlns:a="http://schemas.openxmlformats.org/drawingml/2006/main" xmlns:p="http://schemas.openxmlformats.org/presentationml/2006/main" xmlns:r="http://schemas.openxmlformats.org/officeDocument/2006/relationships" xmlns:p14="http://schemas.microsoft.com/office/powerpoint/2010/main" xmlns:p15="http://schemas.microsoft.com/office/powerpoint/2012/main" xmlns:mc="http://schemas.openxmlformats.org/markup-compatibility/2006">
+  <p:cSld>
+    <p:spTree>
+      <p:nvGrpSpPr>
+        <p:cNvPr id="1" name=""/>
+        <p:cNvGrpSpPr/>
+        <p:nvPr/>
+      </p:nvGrpSpPr>
+      <p:grpSpPr>
+        <a:xfrm>
+          <a:off x="0" y="0"/>
+          <a:ext cx="0" cy="0"/>
+          <a:chOff x="0" y="0"/>
+          <a:chExt cx="0" cy="0"/>
+        </a:xfrm>
+      </p:grpSpPr>
+      <p:sp>
+        <p:nvSpPr>
+          <p:cNvPr id="267" name="CustomShape 1"/>
+          <p:cNvSpPr/>
+          <p:nvPr/>
+        </p:nvSpPr>
+        <p:spPr>
+          <a:xfrm>
+            <a:off x="1676520" y="2362320"/>
+            <a:ext cx="8832600" cy="912600"/>
+          </a:xfrm>
+          <a:prstGeom prst="rect">
+            <a:avLst/>
+          </a:prstGeom>
+          <a:noFill/>
+          <a:ln>
+            <a:noFill/>
+          </a:ln>
+        </p:spPr>
+        <p:style>
+          <a:lnRef idx="0"/>
+          <a:fillRef idx="0"/>
+          <a:effectRef idx="0"/>
+          <a:fontRef idx="minor"/>
+        </p:style>
+        <p:txBody>
+          <a:bodyPr lIns="90000" rIns="90000" tIns="45000" bIns="45000">
+            <a:spAutoFit/>
+          </a:bodyPr>
+          <a:p>
+            <a:pPr algn="ctr">
+              <a:lnSpc>
+                <a:spcPct val="100000"/>
+              </a:lnSpc>
+            </a:pPr>
+            <a:r>
+              <a:rPr b="0" i="1" lang="en-IN" sz="5400" spc="-1" strike="noStrike">
+                <a:solidFill>
+                  <a:srgbClr val="f7c120"/>
+                </a:solidFill>
+                <a:latin typeface="Century"/>
+                <a:ea typeface="DejaVu Sans"/>
+              </a:rPr>
+              <a:t>llen &amp; lrem</a:t>
+            </a:r>
+            <a:endParaRPr b="0" lang="en-IN" sz="5400" spc="-1" strike="noStrike">
+              <a:latin typeface="Arial"/>
+            </a:endParaRPr>
+          </a:p>
+        </p:txBody>
+      </p:sp>
+      <p:sp>
+        <p:nvSpPr>
+          <p:cNvPr id="268" name="CustomShape 2"/>
+          <p:cNvSpPr/>
+          <p:nvPr/>
+        </p:nvSpPr>
+        <p:spPr>
+          <a:xfrm>
+            <a:off x="522360" y="3531600"/>
+            <a:ext cx="11069640" cy="364680"/>
+          </a:xfrm>
+          <a:prstGeom prst="rect">
+            <a:avLst/>
+          </a:prstGeom>
+          <a:noFill/>
+          <a:ln>
+            <a:noFill/>
+          </a:ln>
+        </p:spPr>
+        <p:style>
+          <a:lnRef idx="0"/>
+          <a:fillRef idx="0"/>
+          <a:effectRef idx="0"/>
+          <a:fontRef idx="minor"/>
+        </p:style>
+        <p:txBody>
+          <a:bodyPr lIns="90000" rIns="90000" tIns="45000" bIns="45000">
+            <a:spAutoFit/>
+          </a:bodyPr>
+          <a:p>
+            <a:pPr algn="just">
+              <a:lnSpc>
+                <a:spcPct val="100000"/>
+              </a:lnSpc>
+            </a:pPr>
+            <a:r>
+              <a:rPr b="0" lang="en-IN" sz="1800" spc="-1" strike="noStrike">
+                <a:solidFill>
+                  <a:srgbClr val="bb0643"/>
+                </a:solidFill>
+                <a:latin typeface="Segoe UI"/>
+                <a:ea typeface="DejaVu Sans"/>
+              </a:rPr>
+              <a:t>TODO</a:t>
+            </a:r>
+            <a:endParaRPr b="0" lang="en-IN" sz="1800" spc="-1" strike="noStrike">
+              <a:latin typeface="Arial"/>
+            </a:endParaRPr>
+          </a:p>
+        </p:txBody>
+      </p:sp>
+    </p:spTree>
+  </p:cSld>
+  <mc:AlternateContent>
+    <mc:Choice Requires="p14">
+      <p:transition spd="slow" p14:dur="2000"/>
+    </mc:Choice>
+    <mc:Fallback>
+      <p:transition spd="slow"/>
+    </mc:Fallback>
+  </mc:AlternateContent>
+</p:sld>
+</file>
+
+<file path=ppt/slides/slide43.xml><?xml version="1.0" encoding="utf-8"?>
+<p:sld xmlns:a="http://schemas.openxmlformats.org/drawingml/2006/main" xmlns:p="http://schemas.openxmlformats.org/presentationml/2006/main" xmlns:r="http://schemas.openxmlformats.org/officeDocument/2006/relationships" xmlns:p14="http://schemas.microsoft.com/office/powerpoint/2010/main" xmlns:p15="http://schemas.microsoft.com/office/powerpoint/2012/main" xmlns:mc="http://schemas.openxmlformats.org/markup-compatibility/2006">
+  <p:cSld>
+    <p:spTree>
+      <p:nvGrpSpPr>
+        <p:cNvPr id="1" name=""/>
+        <p:cNvGrpSpPr/>
+        <p:nvPr/>
+      </p:nvGrpSpPr>
+      <p:grpSpPr>
+        <a:xfrm>
+          <a:off x="0" y="0"/>
+          <a:ext cx="0" cy="0"/>
+          <a:chOff x="0" y="0"/>
+          <a:chExt cx="0" cy="0"/>
+        </a:xfrm>
+      </p:grpSpPr>
+      <p:sp>
+        <p:nvSpPr>
+          <p:cNvPr id="269" name="CustomShape 1"/>
+          <p:cNvSpPr/>
+          <p:nvPr/>
+        </p:nvSpPr>
+        <p:spPr>
+          <a:xfrm>
+            <a:off x="1523880" y="0"/>
+            <a:ext cx="9137520" cy="699120"/>
+          </a:xfrm>
+          <a:prstGeom prst="rect">
+            <a:avLst/>
+          </a:prstGeom>
+          <a:solidFill>
+            <a:schemeClr val="accent6">
+              <a:lumMod val="75000"/>
+            </a:schemeClr>
+          </a:solidFill>
+          <a:ln>
+            <a:noFill/>
+          </a:ln>
+        </p:spPr>
+        <p:style>
+          <a:lnRef idx="0"/>
+          <a:fillRef idx="0"/>
+          <a:effectRef idx="0"/>
+          <a:fontRef idx="minor"/>
+        </p:style>
+        <p:txBody>
+          <a:bodyPr lIns="90000" rIns="90000" tIns="45000" bIns="45000">
+            <a:spAutoFit/>
+          </a:bodyPr>
+          <a:p>
+            <a:pPr algn="ctr">
+              <a:lnSpc>
+                <a:spcPct val="100000"/>
+              </a:lnSpc>
+            </a:pPr>
+            <a:r>
+              <a:rPr b="0" lang="en-IN" sz="4000" spc="-1" strike="noStrike">
+                <a:solidFill>
+                  <a:srgbClr val="f7c120"/>
+                </a:solidFill>
+                <a:latin typeface="Open Sans"/>
+                <a:ea typeface="DejaVu Sans"/>
+              </a:rPr>
+              <a:t>llen &amp; lrem</a:t>
+            </a:r>
+            <a:endParaRPr b="0" lang="en-IN" sz="4000" spc="-1" strike="noStrike">
+              <a:latin typeface="Arial"/>
+            </a:endParaRPr>
+          </a:p>
+        </p:txBody>
+      </p:sp>
+      <p:sp>
+        <p:nvSpPr>
+          <p:cNvPr id="270" name="CustomShape 2"/>
+          <p:cNvSpPr/>
+          <p:nvPr/>
+        </p:nvSpPr>
+        <p:spPr>
+          <a:xfrm>
+            <a:off x="1600200" y="762120"/>
+            <a:ext cx="8985240" cy="2284920"/>
+          </a:xfrm>
+          <a:prstGeom prst="rect">
+            <a:avLst/>
+          </a:prstGeom>
+          <a:noFill/>
+          <a:ln>
+            <a:noFill/>
+          </a:ln>
+        </p:spPr>
+        <p:style>
+          <a:lnRef idx="0"/>
+          <a:fillRef idx="0"/>
+          <a:effectRef idx="0"/>
+          <a:fontRef idx="minor"/>
+        </p:style>
+        <p:txBody>
+          <a:bodyPr lIns="90000" rIns="90000" tIns="45000" bIns="45000">
+            <a:spAutoFit/>
+          </a:bodyPr>
+          <a:p>
+            <a:pPr algn="just"/>
+            <a:r>
+              <a:rPr b="1" lang="en-US" sz="1800" spc="-1" strike="noStrike">
+                <a:solidFill>
+                  <a:srgbClr val="7c4dff"/>
+                </a:solidFill>
+                <a:latin typeface="Arial"/>
+                <a:ea typeface="DejaVu Sans"/>
+              </a:rPr>
+              <a:t>LLEN</a:t>
+            </a:r>
+            <a:r>
+              <a:rPr b="0" lang="en-US" sz="1800" spc="-1" strike="noStrike">
+                <a:latin typeface="Arial"/>
+                <a:ea typeface="DejaVu Sans"/>
+              </a:rPr>
+              <a:t> returns the length of the list stored at key.</a:t>
+            </a:r>
+            <a:endParaRPr b="0" lang="en-IN" sz="1800" spc="-1" strike="noStrike">
+              <a:latin typeface="Arial"/>
+            </a:endParaRPr>
+          </a:p>
+          <a:p>
+            <a:pPr algn="just">
+              <a:lnSpc>
+                <a:spcPct val="100000"/>
+              </a:lnSpc>
+            </a:pPr>
+            <a:endParaRPr b="0" lang="en-IN" sz="1800" spc="-1" strike="noStrike">
+              <a:latin typeface="Arial"/>
+            </a:endParaRPr>
+          </a:p>
+          <a:p>
+            <a:pPr algn="just"/>
+            <a:r>
+              <a:rPr b="1" lang="en-US" sz="1800" spc="-1" strike="noStrike">
+                <a:solidFill>
+                  <a:srgbClr val="7c4dff"/>
+                </a:solidFill>
+                <a:latin typeface="Arial"/>
+                <a:ea typeface="DejaVu Sans"/>
+              </a:rPr>
+              <a:t>LREM</a:t>
+            </a:r>
+            <a:r>
+              <a:rPr b="0" lang="en-US" sz="1800" spc="-1" strike="noStrike">
+                <a:latin typeface="Arial"/>
+                <a:ea typeface="DejaVu Sans"/>
+              </a:rPr>
+              <a:t> removes the first count occurrences of elements equal to element from the list </a:t>
+            </a:r>
+            <a:r>
+              <a:rPr b="0" lang="en-US" sz="1800" spc="-1" strike="noStrike">
+                <a:latin typeface="Arial"/>
+                <a:ea typeface="DejaVu Sans"/>
+              </a:rPr>
+              <a:t>stored at key. The count argument influences the operation in the following ways:</a:t>
+            </a:r>
+            <a:endParaRPr b="0" lang="en-IN" sz="1800" spc="-1" strike="noStrike">
+              <a:latin typeface="Arial"/>
+            </a:endParaRPr>
+          </a:p>
+          <a:p>
+            <a:pPr algn="just">
+              <a:lnSpc>
+                <a:spcPct val="100000"/>
+              </a:lnSpc>
+            </a:pPr>
+            <a:endParaRPr b="0" lang="en-IN" sz="1800" spc="-1" strike="noStrike">
+              <a:latin typeface="Arial"/>
+            </a:endParaRPr>
+          </a:p>
+          <a:p>
+            <a:pPr algn="just">
+              <a:lnSpc>
+                <a:spcPct val="100000"/>
+              </a:lnSpc>
+            </a:pPr>
+            <a:r>
+              <a:rPr b="1" lang="en-US" sz="1800" spc="-1" strike="noStrike">
+                <a:latin typeface="Arial"/>
+                <a:ea typeface="DejaVu Sans"/>
+              </a:rPr>
+              <a:t>count &gt; 0:</a:t>
+            </a:r>
+            <a:r>
+              <a:rPr b="0" lang="en-US" sz="1800" spc="-1" strike="noStrike">
+                <a:latin typeface="Arial"/>
+                <a:ea typeface="DejaVu Sans"/>
+              </a:rPr>
+              <a:t> Remove elements equal to element moving from head to tail.</a:t>
+            </a:r>
+            <a:endParaRPr b="0" lang="en-IN" sz="1800" spc="-1" strike="noStrike">
+              <a:latin typeface="Arial"/>
+            </a:endParaRPr>
+          </a:p>
+          <a:p>
+            <a:pPr algn="just">
+              <a:lnSpc>
+                <a:spcPct val="100000"/>
+              </a:lnSpc>
+            </a:pPr>
+            <a:r>
+              <a:rPr b="1" lang="en-US" sz="1800" spc="-1" strike="noStrike">
+                <a:latin typeface="Arial"/>
+                <a:ea typeface="DejaVu Sans"/>
+              </a:rPr>
+              <a:t>count &lt; 0:</a:t>
+            </a:r>
+            <a:r>
+              <a:rPr b="0" lang="en-US" sz="1800" spc="-1" strike="noStrike">
+                <a:latin typeface="Arial"/>
+                <a:ea typeface="DejaVu Sans"/>
+              </a:rPr>
+              <a:t> Remove elements equal to element moving from tail to head.</a:t>
+            </a:r>
+            <a:endParaRPr b="0" lang="en-IN" sz="1800" spc="-1" strike="noStrike">
+              <a:latin typeface="Arial"/>
+            </a:endParaRPr>
+          </a:p>
+          <a:p>
+            <a:pPr algn="just">
+              <a:lnSpc>
+                <a:spcPct val="100000"/>
+              </a:lnSpc>
+            </a:pPr>
+            <a:r>
+              <a:rPr b="1" lang="en-US" sz="1800" spc="-1" strike="noStrike">
+                <a:latin typeface="Arial"/>
+                <a:ea typeface="DejaVu Sans"/>
+              </a:rPr>
+              <a:t>count = 0:</a:t>
+            </a:r>
+            <a:r>
+              <a:rPr b="0" lang="en-US" sz="1800" spc="-1" strike="noStrike">
+                <a:latin typeface="Arial"/>
+                <a:ea typeface="DejaVu Sans"/>
+              </a:rPr>
+              <a:t> Remove all elements equal to element.</a:t>
+            </a:r>
+            <a:endParaRPr b="0" lang="en-IN" sz="1800" spc="-1" strike="noStrike">
+              <a:latin typeface="Arial"/>
+            </a:endParaRPr>
+          </a:p>
+        </p:txBody>
+      </p:sp>
+      <p:sp>
+        <p:nvSpPr>
+          <p:cNvPr id="271" name="CustomShape 3"/>
+          <p:cNvSpPr/>
+          <p:nvPr/>
+        </p:nvSpPr>
+        <p:spPr>
+          <a:xfrm>
+            <a:off x="152280" y="152280"/>
+            <a:ext cx="1100160" cy="455400"/>
+          </a:xfrm>
+          <a:prstGeom prst="rect">
+            <a:avLst/>
+          </a:prstGeom>
+          <a:noFill/>
+          <a:ln>
+            <a:noFill/>
+          </a:ln>
+        </p:spPr>
+        <p:style>
+          <a:lnRef idx="0"/>
+          <a:fillRef idx="0"/>
+          <a:effectRef idx="0"/>
+          <a:fontRef idx="minor"/>
+        </p:style>
+        <p:txBody>
+          <a:bodyPr lIns="90000" rIns="90000" tIns="45000" bIns="45000">
+            <a:spAutoFit/>
+          </a:bodyPr>
+          <a:p>
+            <a:pPr algn="just">
+              <a:lnSpc>
+                <a:spcPct val="100000"/>
+              </a:lnSpc>
+            </a:pPr>
+            <a:r>
+              <a:rPr b="0" lang="en-IN" sz="2400" spc="-1" strike="noStrike">
+                <a:solidFill>
+                  <a:srgbClr val="ff0000"/>
+                </a:solidFill>
+                <a:latin typeface="Times New Roman"/>
+                <a:ea typeface="DejaVu Sans"/>
+              </a:rPr>
+              <a:t>TODO</a:t>
+            </a:r>
+            <a:endParaRPr b="0" lang="en-IN" sz="2400" spc="-1" strike="noStrike">
+              <a:latin typeface="Arial"/>
+            </a:endParaRPr>
+          </a:p>
+        </p:txBody>
+      </p:sp>
+      <p:sp>
+        <p:nvSpPr>
+          <p:cNvPr id="272" name="CustomShape 4"/>
+          <p:cNvSpPr/>
+          <p:nvPr/>
+        </p:nvSpPr>
+        <p:spPr>
+          <a:xfrm>
+            <a:off x="1601280" y="3625560"/>
+            <a:ext cx="8984160" cy="699480"/>
+          </a:xfrm>
+          <a:prstGeom prst="rect">
+            <a:avLst/>
+          </a:prstGeom>
+          <a:noFill/>
+          <a:ln>
+            <a:noFill/>
+          </a:ln>
+        </p:spPr>
+        <p:style>
+          <a:lnRef idx="0"/>
+          <a:fillRef idx="0"/>
+          <a:effectRef idx="0"/>
+          <a:fontRef idx="minor"/>
+        </p:style>
+        <p:txBody>
+          <a:bodyPr lIns="90000" rIns="90000" tIns="45000" bIns="45000">
+            <a:spAutoFit/>
+          </a:bodyPr>
+          <a:p>
+            <a:pPr>
+              <a:lnSpc>
+                <a:spcPct val="100000"/>
+              </a:lnSpc>
+            </a:pPr>
+            <a:r>
+              <a:rPr b="0" lang="en-US" sz="2000" spc="-1" strike="noStrike">
+                <a:solidFill>
+                  <a:srgbClr val="00b0f0"/>
+                </a:solidFill>
+                <a:latin typeface="Consolas"/>
+                <a:ea typeface="DejaVu Sans"/>
+              </a:rPr>
+              <a:t>LLEN key</a:t>
+            </a:r>
+            <a:endParaRPr b="0" lang="en-IN" sz="2000" spc="-1" strike="noStrike">
+              <a:latin typeface="Arial"/>
+            </a:endParaRPr>
+          </a:p>
+          <a:p>
+            <a:pPr>
+              <a:lnSpc>
+                <a:spcPct val="100000"/>
+              </a:lnSpc>
+            </a:pPr>
+            <a:r>
+              <a:rPr b="0" lang="en-US" sz="2000" spc="-1" strike="noStrike">
+                <a:solidFill>
+                  <a:srgbClr val="00b0f0"/>
+                </a:solidFill>
+                <a:latin typeface="Consolas"/>
+                <a:ea typeface="DejaVu Sans"/>
+              </a:rPr>
+              <a:t>LREM key count element</a:t>
+            </a:r>
+            <a:endParaRPr b="0" lang="en-IN" sz="2000" spc="-1" strike="noStrike">
+              <a:latin typeface="Arial"/>
+            </a:endParaRPr>
+          </a:p>
+        </p:txBody>
+      </p:sp>
+      <p:sp>
+        <p:nvSpPr>
+          <p:cNvPr id="273" name="CustomShape 5"/>
+          <p:cNvSpPr/>
+          <p:nvPr/>
+        </p:nvSpPr>
+        <p:spPr>
+          <a:xfrm>
+            <a:off x="1600200" y="4521600"/>
+            <a:ext cx="8883360" cy="912600"/>
+          </a:xfrm>
+          <a:prstGeom prst="rect">
+            <a:avLst/>
+          </a:prstGeom>
+          <a:noFill/>
+          <a:ln>
+            <a:noFill/>
+          </a:ln>
+        </p:spPr>
+        <p:style>
+          <a:lnRef idx="0"/>
+          <a:fillRef idx="0"/>
+          <a:effectRef idx="0"/>
+          <a:fontRef idx="minor"/>
+        </p:style>
+        <p:txBody>
+          <a:bodyPr lIns="90000" rIns="90000" tIns="45000" bIns="45000">
+            <a:spAutoFit/>
+          </a:bodyPr>
+          <a:p>
+            <a:pPr marL="285840" indent="-279360">
+              <a:lnSpc>
+                <a:spcPct val="150000"/>
+              </a:lnSpc>
+              <a:buClr>
+                <a:srgbClr val="808080"/>
+              </a:buClr>
+              <a:buFont typeface="Arial"/>
+              <a:buChar char="•"/>
+            </a:pPr>
+            <a:r>
+              <a:rPr b="0" lang="en-IN" sz="1800" spc="-1" strike="noStrike">
+                <a:solidFill>
+                  <a:srgbClr val="808080"/>
+                </a:solidFill>
+                <a:latin typeface="Consolas"/>
+                <a:ea typeface="SimSun"/>
+              </a:rPr>
+              <a:t>127.0.0.1:6379&gt;</a:t>
+            </a:r>
+            <a:r>
+              <a:rPr b="0" lang="en-IN" sz="1800" spc="-1" strike="noStrike">
+                <a:solidFill>
+                  <a:srgbClr val="000000"/>
+                </a:solidFill>
+                <a:latin typeface="Consolas"/>
+                <a:ea typeface="SimSun"/>
+              </a:rPr>
+              <a:t> </a:t>
+            </a:r>
+            <a:r>
+              <a:rPr b="0" lang="en-IN" sz="1800" spc="-1" strike="noStrike">
+                <a:solidFill>
+                  <a:srgbClr val="ff5733"/>
+                </a:solidFill>
+                <a:latin typeface="Consolas"/>
+                <a:ea typeface="SimSun"/>
+              </a:rPr>
+              <a:t>llen a</a:t>
+            </a:r>
+            <a:endParaRPr b="0" lang="en-IN" sz="1800" spc="-1" strike="noStrike">
+              <a:latin typeface="Arial"/>
+            </a:endParaRPr>
+          </a:p>
+          <a:p>
+            <a:pPr marL="285840" indent="-279360">
+              <a:lnSpc>
+                <a:spcPct val="150000"/>
+              </a:lnSpc>
+              <a:buClr>
+                <a:srgbClr val="808080"/>
+              </a:buClr>
+              <a:buFont typeface="Arial"/>
+              <a:buChar char="•"/>
+            </a:pPr>
+            <a:r>
+              <a:rPr b="0" lang="en-IN" sz="1800" spc="-1" strike="noStrike">
+                <a:solidFill>
+                  <a:srgbClr val="808080"/>
+                </a:solidFill>
+                <a:latin typeface="Consolas"/>
+                <a:ea typeface="SimSun"/>
+              </a:rPr>
+              <a:t>127.0.0.1:6379&gt;</a:t>
+            </a:r>
+            <a:r>
+              <a:rPr b="0" lang="en-IN" sz="1800" spc="-1" strike="noStrike">
+                <a:solidFill>
+                  <a:srgbClr val="000000"/>
+                </a:solidFill>
+                <a:latin typeface="Consolas"/>
+                <a:ea typeface="SimSun"/>
+              </a:rPr>
+              <a:t> </a:t>
+            </a:r>
+            <a:r>
+              <a:rPr b="0" lang="en-IN" sz="1800" spc="-1" strike="noStrike">
+                <a:solidFill>
+                  <a:srgbClr val="ff5733"/>
+                </a:solidFill>
+                <a:latin typeface="Consolas"/>
+                <a:ea typeface="SimSun"/>
+              </a:rPr>
+              <a:t>lrem a 5 -1</a:t>
+            </a:r>
+            <a:endParaRPr b="0" lang="en-IN" sz="1800" spc="-1" strike="noStrike">
+              <a:latin typeface="Arial"/>
+            </a:endParaRPr>
+          </a:p>
+        </p:txBody>
+      </p:sp>
+      <p:sp>
+        <p:nvSpPr>
+          <p:cNvPr id="274" name="Line 6"/>
+          <p:cNvSpPr/>
+          <p:nvPr/>
+        </p:nvSpPr>
+        <p:spPr>
+          <a:xfrm>
+            <a:off x="1523880" y="3349080"/>
+            <a:ext cx="9144000" cy="1440"/>
+          </a:xfrm>
+          <a:prstGeom prst="line">
+            <a:avLst/>
+          </a:prstGeom>
+          <a:ln w="12600">
+            <a:solidFill>
+              <a:srgbClr val="6e78a0"/>
+            </a:solidFill>
+            <a:prstDash val="dash"/>
+            <a:round/>
+          </a:ln>
+        </p:spPr>
+        <p:style>
+          <a:lnRef idx="1">
+            <a:schemeClr val="accent1"/>
+          </a:lnRef>
+          <a:fillRef idx="0">
+            <a:schemeClr val="accent1"/>
+          </a:fillRef>
+          <a:effectRef idx="0">
+            <a:schemeClr val="accent1"/>
+          </a:effectRef>
+          <a:fontRef idx="minor"/>
+        </p:style>
+      </p:sp>
+      <p:sp>
+        <p:nvSpPr>
+          <p:cNvPr id="275" name="TextShape 7"/>
+          <p:cNvSpPr txBox="1"/>
+          <p:nvPr/>
+        </p:nvSpPr>
+        <p:spPr>
+          <a:xfrm>
+            <a:off x="1224000" y="5904000"/>
+            <a:ext cx="8928000" cy="360000"/>
+          </a:xfrm>
+          <a:prstGeom prst="rect">
+            <a:avLst/>
+          </a:prstGeom>
+          <a:noFill/>
+          <a:ln>
+            <a:noFill/>
+          </a:ln>
+        </p:spPr>
+        <p:txBody>
+          <a:bodyPr lIns="90000" rIns="90000" tIns="45000" bIns="45000">
+            <a:noAutofit/>
+          </a:bodyPr>
+          <a:p>
+            <a:pPr marL="216000" indent="-216000">
+              <a:buClr>
+                <a:srgbClr val="000000"/>
+              </a:buClr>
+              <a:buSzPct val="45000"/>
+              <a:buFont typeface="Wingdings" charset="2"/>
+              <a:buChar char=""/>
+            </a:pPr>
+            <a:r>
+              <a:rPr b="0" lang="en-IN" sz="1800" spc="-1" strike="noStrike">
+                <a:solidFill>
+                  <a:srgbClr val="808080"/>
+                </a:solidFill>
+                <a:latin typeface="Consolas"/>
+                <a:ea typeface="DejaVu Sans"/>
+              </a:rPr>
+              <a:t>127.0.0.1:6379</a:t>
+            </a:r>
+            <a:r>
+              <a:rPr b="1" lang="en-IN" sz="1800" spc="-1" strike="noStrike">
+                <a:solidFill>
+                  <a:srgbClr val="808080"/>
+                </a:solidFill>
+                <a:latin typeface="Consolas"/>
+                <a:ea typeface="DejaVu Sans"/>
+              </a:rPr>
+              <a:t>[3]</a:t>
+            </a:r>
+            <a:r>
+              <a:rPr b="0" lang="en-IN" sz="1800" spc="-1" strike="noStrike">
+                <a:solidFill>
+                  <a:srgbClr val="808080"/>
+                </a:solidFill>
+                <a:latin typeface="Consolas"/>
+                <a:ea typeface="DejaVu Sans"/>
+              </a:rPr>
+              <a:t>&gt; </a:t>
+            </a:r>
+            <a:r>
+              <a:rPr b="0" lang="en-IN" sz="1800" spc="-1" strike="noStrike">
+                <a:solidFill>
+                  <a:srgbClr val="1de9b6"/>
+                </a:solidFill>
+                <a:latin typeface="Consolas"/>
+                <a:ea typeface="DejaVu Sans"/>
+              </a:rPr>
+              <a:t>lpush a -1 6 -1 5 -1 4 -1 3 2 -1 1 0 -1 -2</a:t>
+            </a:r>
+            <a:endParaRPr b="0" lang="en-IN" sz="1800" spc="-1" strike="noStrike">
+              <a:latin typeface="Arial"/>
+            </a:endParaRPr>
+          </a:p>
+        </p:txBody>
+      </p:sp>
+      <p:sp>
+        <p:nvSpPr>
+          <p:cNvPr id="276" name="TextShape 8"/>
+          <p:cNvSpPr txBox="1"/>
+          <p:nvPr/>
+        </p:nvSpPr>
+        <p:spPr>
+          <a:xfrm>
+            <a:off x="10585440" y="1036440"/>
+            <a:ext cx="1438560" cy="5659560"/>
+          </a:xfrm>
+          <a:prstGeom prst="rect">
+            <a:avLst/>
+          </a:prstGeom>
+          <a:noFill/>
+          <a:ln>
+            <a:noFill/>
+          </a:ln>
+        </p:spPr>
+        <p:txBody>
+          <a:bodyPr lIns="90000" rIns="90000" tIns="45000" bIns="45000">
+            <a:noAutofit/>
+          </a:bodyPr>
+          <a:p>
+            <a:pPr>
+              <a:lnSpc>
+                <a:spcPct val="150000"/>
+              </a:lnSpc>
+            </a:pPr>
+            <a:r>
+              <a:rPr b="0" lang="en-IN" sz="1800" spc="-1" strike="noStrike">
+                <a:solidFill>
+                  <a:srgbClr val="1de9b6"/>
+                </a:solidFill>
+                <a:latin typeface="Consolas"/>
+                <a:ea typeface="SimSun"/>
+              </a:rPr>
+              <a:t> </a:t>
+            </a:r>
+            <a:r>
+              <a:rPr b="0" lang="en-IN" sz="1800" spc="-1" strike="noStrike">
+                <a:solidFill>
+                  <a:srgbClr val="1de9b6"/>
+                </a:solidFill>
+                <a:latin typeface="Consolas"/>
+                <a:ea typeface="SimSun"/>
+              </a:rPr>
+              <a:t>1) "-2"</a:t>
+            </a:r>
+            <a:endParaRPr b="0" lang="en-IN" sz="1800" spc="-1" strike="noStrike">
+              <a:latin typeface="Arial"/>
+            </a:endParaRPr>
+          </a:p>
+          <a:p>
+            <a:pPr>
+              <a:lnSpc>
+                <a:spcPct val="150000"/>
+              </a:lnSpc>
+            </a:pPr>
+            <a:r>
+              <a:rPr b="0" lang="en-IN" sz="1800" spc="-1" strike="noStrike">
+                <a:solidFill>
+                  <a:srgbClr val="1de9b6"/>
+                </a:solidFill>
+                <a:latin typeface="Consolas"/>
+                <a:ea typeface="SimSun"/>
+              </a:rPr>
+              <a:t> </a:t>
+            </a:r>
+            <a:r>
+              <a:rPr b="0" lang="en-IN" sz="1800" spc="-1" strike="noStrike">
+                <a:solidFill>
+                  <a:srgbClr val="1de9b6"/>
+                </a:solidFill>
+                <a:latin typeface="Consolas"/>
+                <a:ea typeface="SimSun"/>
+              </a:rPr>
+              <a:t>2) "-1"</a:t>
+            </a:r>
+            <a:endParaRPr b="0" lang="en-IN" sz="1800" spc="-1" strike="noStrike">
+              <a:latin typeface="Arial"/>
+            </a:endParaRPr>
+          </a:p>
+          <a:p>
+            <a:pPr>
+              <a:lnSpc>
+                <a:spcPct val="150000"/>
+              </a:lnSpc>
+            </a:pPr>
+            <a:r>
+              <a:rPr b="0" lang="en-IN" sz="1800" spc="-1" strike="noStrike">
+                <a:solidFill>
+                  <a:srgbClr val="1de9b6"/>
+                </a:solidFill>
+                <a:latin typeface="Consolas"/>
+                <a:ea typeface="SimSun"/>
+              </a:rPr>
+              <a:t> </a:t>
+            </a:r>
+            <a:r>
+              <a:rPr b="0" lang="en-IN" sz="1800" spc="-1" strike="noStrike">
+                <a:solidFill>
+                  <a:srgbClr val="1de9b6"/>
+                </a:solidFill>
+                <a:latin typeface="Consolas"/>
+                <a:ea typeface="SimSun"/>
+              </a:rPr>
+              <a:t>3) "0"</a:t>
+            </a:r>
+            <a:endParaRPr b="0" lang="en-IN" sz="1800" spc="-1" strike="noStrike">
+              <a:latin typeface="Arial"/>
+            </a:endParaRPr>
+          </a:p>
+          <a:p>
+            <a:pPr>
+              <a:lnSpc>
+                <a:spcPct val="150000"/>
+              </a:lnSpc>
+            </a:pPr>
+            <a:r>
+              <a:rPr b="0" lang="en-IN" sz="1800" spc="-1" strike="noStrike">
+                <a:solidFill>
+                  <a:srgbClr val="1de9b6"/>
+                </a:solidFill>
+                <a:latin typeface="Consolas"/>
+                <a:ea typeface="SimSun"/>
+              </a:rPr>
+              <a:t> </a:t>
+            </a:r>
+            <a:r>
+              <a:rPr b="0" lang="en-IN" sz="1800" spc="-1" strike="noStrike">
+                <a:solidFill>
+                  <a:srgbClr val="1de9b6"/>
+                </a:solidFill>
+                <a:latin typeface="Consolas"/>
+                <a:ea typeface="SimSun"/>
+              </a:rPr>
+              <a:t>4) "1"</a:t>
+            </a:r>
+            <a:endParaRPr b="0" lang="en-IN" sz="1800" spc="-1" strike="noStrike">
+              <a:latin typeface="Arial"/>
+            </a:endParaRPr>
+          </a:p>
+          <a:p>
+            <a:pPr>
+              <a:lnSpc>
+                <a:spcPct val="150000"/>
+              </a:lnSpc>
+            </a:pPr>
+            <a:r>
+              <a:rPr b="0" lang="en-IN" sz="1800" spc="-1" strike="noStrike">
+                <a:solidFill>
+                  <a:srgbClr val="1de9b6"/>
+                </a:solidFill>
+                <a:latin typeface="Consolas"/>
+                <a:ea typeface="SimSun"/>
+              </a:rPr>
+              <a:t> </a:t>
+            </a:r>
+            <a:r>
+              <a:rPr b="0" lang="en-IN" sz="1800" spc="-1" strike="noStrike">
+                <a:solidFill>
+                  <a:srgbClr val="1de9b6"/>
+                </a:solidFill>
+                <a:latin typeface="Consolas"/>
+                <a:ea typeface="SimSun"/>
+              </a:rPr>
+              <a:t>5) "-1"</a:t>
+            </a:r>
+            <a:endParaRPr b="0" lang="en-IN" sz="1800" spc="-1" strike="noStrike">
+              <a:latin typeface="Arial"/>
+            </a:endParaRPr>
+          </a:p>
+          <a:p>
+            <a:pPr>
+              <a:lnSpc>
+                <a:spcPct val="150000"/>
+              </a:lnSpc>
+            </a:pPr>
+            <a:r>
+              <a:rPr b="0" lang="en-IN" sz="1800" spc="-1" strike="noStrike">
+                <a:solidFill>
+                  <a:srgbClr val="1de9b6"/>
+                </a:solidFill>
+                <a:latin typeface="Consolas"/>
+                <a:ea typeface="SimSun"/>
+              </a:rPr>
+              <a:t> </a:t>
+            </a:r>
+            <a:r>
+              <a:rPr b="0" lang="en-IN" sz="1800" spc="-1" strike="noStrike">
+                <a:solidFill>
+                  <a:srgbClr val="1de9b6"/>
+                </a:solidFill>
+                <a:latin typeface="Consolas"/>
+                <a:ea typeface="SimSun"/>
+              </a:rPr>
+              <a:t>6) "2"</a:t>
+            </a:r>
+            <a:endParaRPr b="0" lang="en-IN" sz="1800" spc="-1" strike="noStrike">
+              <a:latin typeface="Arial"/>
+            </a:endParaRPr>
+          </a:p>
+          <a:p>
+            <a:pPr>
+              <a:lnSpc>
+                <a:spcPct val="150000"/>
+              </a:lnSpc>
+            </a:pPr>
+            <a:r>
+              <a:rPr b="0" lang="en-IN" sz="1800" spc="-1" strike="noStrike">
+                <a:solidFill>
+                  <a:srgbClr val="1de9b6"/>
+                </a:solidFill>
+                <a:latin typeface="Consolas"/>
+                <a:ea typeface="SimSun"/>
+              </a:rPr>
+              <a:t> </a:t>
+            </a:r>
+            <a:r>
+              <a:rPr b="0" lang="en-IN" sz="1800" spc="-1" strike="noStrike">
+                <a:solidFill>
+                  <a:srgbClr val="1de9b6"/>
+                </a:solidFill>
+                <a:latin typeface="Consolas"/>
+                <a:ea typeface="SimSun"/>
+              </a:rPr>
+              <a:t>7) "3"</a:t>
+            </a:r>
+            <a:endParaRPr b="0" lang="en-IN" sz="1800" spc="-1" strike="noStrike">
+              <a:latin typeface="Arial"/>
+            </a:endParaRPr>
+          </a:p>
+          <a:p>
+            <a:pPr>
+              <a:lnSpc>
+                <a:spcPct val="150000"/>
+              </a:lnSpc>
+            </a:pPr>
+            <a:r>
+              <a:rPr b="0" lang="en-IN" sz="1800" spc="-1" strike="noStrike">
+                <a:solidFill>
+                  <a:srgbClr val="1de9b6"/>
+                </a:solidFill>
+                <a:latin typeface="Consolas"/>
+                <a:ea typeface="SimSun"/>
+              </a:rPr>
+              <a:t> </a:t>
+            </a:r>
+            <a:r>
+              <a:rPr b="0" lang="en-IN" sz="1800" spc="-1" strike="noStrike">
+                <a:solidFill>
+                  <a:srgbClr val="1de9b6"/>
+                </a:solidFill>
+                <a:latin typeface="Consolas"/>
+                <a:ea typeface="SimSun"/>
+              </a:rPr>
+              <a:t>8) "-1"</a:t>
+            </a:r>
+            <a:endParaRPr b="0" lang="en-IN" sz="1800" spc="-1" strike="noStrike">
+              <a:latin typeface="Arial"/>
+            </a:endParaRPr>
+          </a:p>
+          <a:p>
+            <a:pPr>
+              <a:lnSpc>
+                <a:spcPct val="150000"/>
+              </a:lnSpc>
+            </a:pPr>
+            <a:r>
+              <a:rPr b="0" lang="en-IN" sz="1800" spc="-1" strike="noStrike">
+                <a:solidFill>
+                  <a:srgbClr val="1de9b6"/>
+                </a:solidFill>
+                <a:latin typeface="Consolas"/>
+                <a:ea typeface="SimSun"/>
+              </a:rPr>
+              <a:t> </a:t>
+            </a:r>
+            <a:r>
+              <a:rPr b="0" lang="en-IN" sz="1800" spc="-1" strike="noStrike">
+                <a:solidFill>
+                  <a:srgbClr val="1de9b6"/>
+                </a:solidFill>
+                <a:latin typeface="Consolas"/>
+                <a:ea typeface="SimSun"/>
+              </a:rPr>
+              <a:t>9) "4"</a:t>
+            </a:r>
+            <a:endParaRPr b="0" lang="en-IN" sz="1800" spc="-1" strike="noStrike">
+              <a:latin typeface="Arial"/>
+            </a:endParaRPr>
+          </a:p>
+          <a:p>
+            <a:pPr>
+              <a:lnSpc>
+                <a:spcPct val="150000"/>
+              </a:lnSpc>
+            </a:pPr>
+            <a:r>
+              <a:rPr b="0" lang="en-IN" sz="1800" spc="-1" strike="noStrike">
+                <a:solidFill>
+                  <a:srgbClr val="1de9b6"/>
+                </a:solidFill>
+                <a:latin typeface="Consolas"/>
+                <a:ea typeface="SimSun"/>
+              </a:rPr>
+              <a:t>10) "-1"</a:t>
+            </a:r>
+            <a:endParaRPr b="0" lang="en-IN" sz="1800" spc="-1" strike="noStrike">
+              <a:latin typeface="Arial"/>
+            </a:endParaRPr>
+          </a:p>
+          <a:p>
+            <a:pPr>
+              <a:lnSpc>
+                <a:spcPct val="150000"/>
+              </a:lnSpc>
+            </a:pPr>
+            <a:r>
+              <a:rPr b="0" lang="en-IN" sz="1800" spc="-1" strike="noStrike">
+                <a:solidFill>
+                  <a:srgbClr val="1de9b6"/>
+                </a:solidFill>
+                <a:latin typeface="Consolas"/>
+                <a:ea typeface="SimSun"/>
+              </a:rPr>
+              <a:t>11) "5"</a:t>
+            </a:r>
+            <a:endParaRPr b="0" lang="en-IN" sz="1800" spc="-1" strike="noStrike">
+              <a:latin typeface="Arial"/>
+            </a:endParaRPr>
+          </a:p>
+          <a:p>
+            <a:pPr>
+              <a:lnSpc>
+                <a:spcPct val="150000"/>
+              </a:lnSpc>
+            </a:pPr>
+            <a:r>
+              <a:rPr b="0" lang="en-IN" sz="1800" spc="-1" strike="noStrike">
+                <a:solidFill>
+                  <a:srgbClr val="1de9b6"/>
+                </a:solidFill>
+                <a:latin typeface="Consolas"/>
+                <a:ea typeface="SimSun"/>
+              </a:rPr>
+              <a:t>12) "-1"</a:t>
+            </a:r>
+            <a:endParaRPr b="0" lang="en-IN" sz="1800" spc="-1" strike="noStrike">
+              <a:latin typeface="Arial"/>
+            </a:endParaRPr>
+          </a:p>
+          <a:p>
+            <a:pPr>
+              <a:lnSpc>
+                <a:spcPct val="150000"/>
+              </a:lnSpc>
+            </a:pPr>
+            <a:r>
+              <a:rPr b="0" lang="en-IN" sz="1800" spc="-1" strike="noStrike">
+                <a:solidFill>
+                  <a:srgbClr val="1de9b6"/>
+                </a:solidFill>
+                <a:latin typeface="Consolas"/>
+                <a:ea typeface="SimSun"/>
+              </a:rPr>
+              <a:t>13) "6"</a:t>
+            </a:r>
+            <a:endParaRPr b="0" lang="en-IN" sz="1800" spc="-1" strike="noStrike">
+              <a:latin typeface="Arial"/>
+            </a:endParaRPr>
+          </a:p>
+          <a:p>
+            <a:pPr>
+              <a:lnSpc>
+                <a:spcPct val="150000"/>
+              </a:lnSpc>
+            </a:pPr>
+            <a:r>
+              <a:rPr b="0" lang="en-IN" sz="1800" spc="-1" strike="noStrike">
+                <a:solidFill>
+                  <a:srgbClr val="1de9b6"/>
+                </a:solidFill>
+                <a:latin typeface="Consolas"/>
+                <a:ea typeface="SimSun"/>
+              </a:rPr>
+              <a:t>14) "-1"</a:t>
+            </a:r>
+            <a:endParaRPr b="0" lang="en-IN" sz="1800" spc="-1" strike="noStrike">
+              <a:latin typeface="Arial"/>
+            </a:endParaRPr>
+          </a:p>
+        </p:txBody>
+      </p:sp>
+    </p:spTree>
+  </p:cSld>
+  <mc:AlternateContent>
+    <mc:Choice Requires="p14">
+      <p:transition spd="slow" p14:dur="2000"/>
+    </mc:Choice>
+    <mc:Fallback>
+      <p:transition spd="slow"/>
+    </mc:Fallback>
+  </mc:AlternateContent>
+</p:sld>
+</file>
+
+<file path=ppt/slides/slide44.xml><?xml version="1.0" encoding="utf-8"?>
+<p:sld xmlns:a="http://schemas.openxmlformats.org/drawingml/2006/main" xmlns:p="http://schemas.openxmlformats.org/presentationml/2006/main" xmlns:r="http://schemas.openxmlformats.org/officeDocument/2006/relationships" xmlns:p14="http://schemas.microsoft.com/office/powerpoint/2010/main" xmlns:p15="http://schemas.microsoft.com/office/powerpoint/2012/main" xmlns:mc="http://schemas.openxmlformats.org/markup-compatibility/2006">
+  <p:cSld>
+    <p:spTree>
+      <p:nvGrpSpPr>
+        <p:cNvPr id="1" name=""/>
+        <p:cNvGrpSpPr/>
+        <p:nvPr/>
+      </p:nvGrpSpPr>
+      <p:grpSpPr>
+        <a:xfrm>
+          <a:off x="0" y="0"/>
+          <a:ext cx="0" cy="0"/>
+          <a:chOff x="0" y="0"/>
+          <a:chExt cx="0" cy="0"/>
+        </a:xfrm>
+      </p:grpSpPr>
+      <p:sp>
+        <p:nvSpPr>
+          <p:cNvPr id="277" name="CustomShape 1"/>
+          <p:cNvSpPr/>
+          <p:nvPr/>
+        </p:nvSpPr>
+        <p:spPr>
+          <a:xfrm>
+            <a:off x="1365840" y="188640"/>
+            <a:ext cx="9676440" cy="2192400"/>
+          </a:xfrm>
+          <a:prstGeom prst="rect">
+            <a:avLst/>
+          </a:prstGeom>
+          <a:noFill/>
+          <a:ln>
+            <a:noFill/>
+          </a:ln>
+        </p:spPr>
+        <p:style>
+          <a:lnRef idx="0"/>
+          <a:fillRef idx="0"/>
+          <a:effectRef idx="0"/>
+          <a:fontRef idx="minor"/>
+        </p:style>
+        <p:txBody>
+          <a:bodyPr lIns="90000" rIns="90000" tIns="45000" bIns="45000">
+            <a:spAutoFit/>
+          </a:bodyPr>
+          <a:p>
+            <a:pPr algn="ctr">
+              <a:lnSpc>
+                <a:spcPct val="100000"/>
+              </a:lnSpc>
+            </a:pPr>
+            <a:r>
               <a:rPr b="0" lang="en-IN" sz="4000" spc="-1" strike="noStrike">
                 <a:solidFill>
                   <a:srgbClr val="ff5733"/>
@@ -16478,7 +18593,7 @@
       </p:sp>
       <p:pic>
         <p:nvPicPr>
-          <p:cNvPr id="257" name="Picture 2" descr="http://www.bvctch.vn/vnt_upload/weblink/thks.jpg"/>
+          <p:cNvPr id="278" name="Picture 2" descr="http://www.bvctch.vn/vnt_upload/weblink/thks.jpg"/>
           <p:cNvPicPr/>
           <p:nvPr/>
         </p:nvPicPr>
@@ -16489,7 +18604,7 @@
         <p:spPr>
           <a:xfrm>
             <a:off x="4404600" y="2036160"/>
-            <a:ext cx="3120480" cy="4657320"/>
+            <a:ext cx="3120120" cy="4656960"/>
           </a:xfrm>
           <a:prstGeom prst="rect">
             <a:avLst/>
@@ -16531,7 +18646,7 @@
       </p:grpSpPr>
       <p:sp>
         <p:nvSpPr>
-          <p:cNvPr id="107" name="Line 1"/>
+          <p:cNvPr id="108" name="Line 1"/>
           <p:cNvSpPr/>
           <p:nvPr/>
         </p:nvSpPr>
@@ -16566,14 +18681,14 @@
       </p:sp>
       <p:sp>
         <p:nvSpPr>
-          <p:cNvPr id="108" name="CustomShape 2"/>
+          <p:cNvPr id="109" name="CustomShape 2"/>
           <p:cNvSpPr/>
           <p:nvPr/>
         </p:nvSpPr>
         <p:spPr>
           <a:xfrm>
             <a:off x="1523880" y="0"/>
-            <a:ext cx="9137880" cy="699120"/>
+            <a:ext cx="9137520" cy="699120"/>
           </a:xfrm>
           <a:prstGeom prst="rect">
             <a:avLst/>
@@ -16621,14 +18736,14 @@
       </p:sp>
       <p:sp>
         <p:nvSpPr>
-          <p:cNvPr id="109" name="CustomShape 3"/>
+          <p:cNvPr id="110" name="CustomShape 3"/>
           <p:cNvSpPr/>
           <p:nvPr/>
         </p:nvSpPr>
         <p:spPr>
           <a:xfrm>
             <a:off x="1600200" y="762120"/>
-            <a:ext cx="8985600" cy="638280"/>
+            <a:ext cx="8985240" cy="638280"/>
           </a:xfrm>
           <a:prstGeom prst="rect">
             <a:avLst/>
@@ -16682,14 +18797,14 @@
       </p:sp>
       <p:sp>
         <p:nvSpPr>
-          <p:cNvPr id="110" name="CustomShape 4"/>
+          <p:cNvPr id="111" name="CustomShape 4"/>
           <p:cNvSpPr/>
           <p:nvPr/>
         </p:nvSpPr>
         <p:spPr>
           <a:xfrm>
             <a:off x="152280" y="152280"/>
-            <a:ext cx="1100520" cy="455400"/>
+            <a:ext cx="1100160" cy="455400"/>
           </a:xfrm>
           <a:prstGeom prst="rect">
             <a:avLst/>
@@ -16733,14 +18848,14 @@
       </p:sp>
       <p:sp>
         <p:nvSpPr>
-          <p:cNvPr id="111" name="CustomShape 5"/>
+          <p:cNvPr id="112" name="CustomShape 5"/>
           <p:cNvSpPr/>
           <p:nvPr/>
         </p:nvSpPr>
         <p:spPr>
           <a:xfrm>
             <a:off x="1601280" y="2221560"/>
-            <a:ext cx="8984520" cy="699480"/>
+            <a:ext cx="8984160" cy="699480"/>
           </a:xfrm>
           <a:prstGeom prst="rect">
             <a:avLst/>
@@ -16804,14 +18919,14 @@
       </p:sp>
       <p:sp>
         <p:nvSpPr>
-          <p:cNvPr id="112" name="CustomShape 6"/>
+          <p:cNvPr id="113" name="CustomShape 6"/>
           <p:cNvSpPr/>
           <p:nvPr/>
         </p:nvSpPr>
         <p:spPr>
           <a:xfrm>
             <a:off x="1523880" y="2940480"/>
-            <a:ext cx="9414720" cy="1735560"/>
+            <a:ext cx="9414360" cy="1735560"/>
           </a:xfrm>
           <a:prstGeom prst="rect">
             <a:avLst/>
@@ -16832,7 +18947,7 @@
             <a:spAutoFit/>
           </a:bodyPr>
           <a:p>
-            <a:pPr marL="285840" indent="-279720">
+            <a:pPr marL="285840" indent="-279360">
               <a:lnSpc>
                 <a:spcPct val="150000"/>
               </a:lnSpc>
@@ -16877,7 +18992,7 @@
             </a:endParaRPr>
           </a:p>
           <a:p>
-            <a:pPr marL="285840" indent="-279720">
+            <a:pPr marL="285840" indent="-279360">
               <a:lnSpc>
                 <a:spcPct val="150000"/>
               </a:lnSpc>
@@ -16952,7 +19067,7 @@
             </a:endParaRPr>
           </a:p>
           <a:p>
-            <a:pPr marL="285840" indent="-279720">
+            <a:pPr marL="285840" indent="-279360">
               <a:lnSpc>
                 <a:spcPct val="150000"/>
               </a:lnSpc>
@@ -17017,7 +19132,7 @@
             </a:endParaRPr>
           </a:p>
           <a:p>
-            <a:pPr marL="285840" indent="-279720">
+            <a:pPr marL="285840" indent="-279360">
               <a:lnSpc>
                 <a:spcPct val="150000"/>
               </a:lnSpc>
@@ -17075,14 +19190,14 @@
       </p:sp>
       <p:sp>
         <p:nvSpPr>
-          <p:cNvPr id="113" name="CustomShape 7"/>
+          <p:cNvPr id="114" name="CustomShape 7"/>
           <p:cNvSpPr/>
           <p:nvPr/>
         </p:nvSpPr>
         <p:spPr>
           <a:xfrm>
             <a:off x="1584000" y="4889520"/>
-            <a:ext cx="8850240" cy="1010880"/>
+            <a:ext cx="8849880" cy="1010520"/>
           </a:xfrm>
           <a:prstGeom prst="rect">
             <a:avLst/>
@@ -17133,7 +19248,7 @@
             </a:endParaRPr>
           </a:p>
           <a:p>
-            <a:pPr marL="216000" indent="-210240">
+            <a:pPr marL="216000" indent="-209880">
               <a:lnSpc>
                 <a:spcPct val="100000"/>
               </a:lnSpc>
@@ -17252,14 +19367,14 @@
       </p:grpSpPr>
       <p:sp>
         <p:nvSpPr>
-          <p:cNvPr id="114" name="CustomShape 1"/>
+          <p:cNvPr id="115" name="CustomShape 1"/>
           <p:cNvSpPr/>
           <p:nvPr/>
         </p:nvSpPr>
         <p:spPr>
           <a:xfrm>
             <a:off x="1676520" y="2362320"/>
-            <a:ext cx="8832960" cy="912600"/>
+            <a:ext cx="8832600" cy="912600"/>
           </a:xfrm>
           <a:prstGeom prst="rect">
             <a:avLst/>
@@ -17303,14 +19418,14 @@
       </p:sp>
       <p:sp>
         <p:nvSpPr>
-          <p:cNvPr id="115" name="CustomShape 2"/>
+          <p:cNvPr id="116" name="CustomShape 2"/>
           <p:cNvSpPr/>
           <p:nvPr/>
         </p:nvSpPr>
         <p:spPr>
           <a:xfrm>
             <a:off x="1666800" y="609480"/>
-            <a:ext cx="8832960" cy="394560"/>
+            <a:ext cx="8832600" cy="394560"/>
           </a:xfrm>
           <a:prstGeom prst="rect">
             <a:avLst/>
@@ -17354,14 +19469,14 @@
       </p:sp>
       <p:sp>
         <p:nvSpPr>
-          <p:cNvPr id="116" name="CustomShape 3"/>
+          <p:cNvPr id="117" name="CustomShape 3"/>
           <p:cNvSpPr/>
           <p:nvPr/>
         </p:nvSpPr>
         <p:spPr>
           <a:xfrm>
-            <a:off x="1676520" y="3531600"/>
-            <a:ext cx="8832960" cy="1095120"/>
+            <a:off x="522360" y="3531600"/>
+            <a:ext cx="11069640" cy="638280"/>
           </a:xfrm>
           <a:prstGeom prst="rect">
             <a:avLst/>
@@ -17388,7 +19503,7 @@
               </a:lnSpc>
             </a:pPr>
             <a:r>
-              <a:rPr b="0" lang="en-US" sz="2200" spc="-1" strike="noStrike">
+              <a:rPr b="0" lang="en-US" sz="1800" spc="-1" strike="noStrike">
                 <a:solidFill>
                   <a:srgbClr val="bb0643"/>
                 </a:solidFill>
@@ -17397,7 +19512,7 @@
               </a:rPr>
               <a:t>Redis strings commands are used for managing string values in Redis. A String value can be at max 512 Megabytes in length.</a:t>
             </a:r>
-            <a:endParaRPr b="0" lang="en-IN" sz="2200" spc="-1" strike="noStrike">
+            <a:endParaRPr b="0" lang="en-IN" sz="1800" spc="-1" strike="noStrike">
               <a:latin typeface="Arial"/>
             </a:endParaRPr>
           </a:p>
@@ -17435,14 +19550,14 @@
       </p:grpSpPr>
       <p:sp>
         <p:nvSpPr>
-          <p:cNvPr id="117" name="CustomShape 1"/>
+          <p:cNvPr id="118" name="CustomShape 1"/>
           <p:cNvSpPr/>
           <p:nvPr/>
         </p:nvSpPr>
         <p:spPr>
           <a:xfrm>
             <a:off x="1676520" y="2362320"/>
-            <a:ext cx="8832960" cy="912600"/>
+            <a:ext cx="8832600" cy="912600"/>
           </a:xfrm>
           <a:prstGeom prst="rect">
             <a:avLst/>
@@ -17486,14 +19601,14 @@
       </p:sp>
       <p:sp>
         <p:nvSpPr>
-          <p:cNvPr id="118" name="CustomShape 2"/>
+          <p:cNvPr id="119" name="CustomShape 2"/>
           <p:cNvSpPr/>
           <p:nvPr/>
         </p:nvSpPr>
         <p:spPr>
           <a:xfrm>
-            <a:off x="1676520" y="3531600"/>
-            <a:ext cx="8832960" cy="424800"/>
+            <a:off x="522360" y="3531600"/>
+            <a:ext cx="11069640" cy="364680"/>
           </a:xfrm>
           <a:prstGeom prst="rect">
             <a:avLst/>
@@ -17514,13 +19629,13 @@
             <a:spAutoFit/>
           </a:bodyPr>
           <a:p>
-            <a:pPr>
-              <a:lnSpc>
-                <a:spcPct val="100000"/>
-              </a:lnSpc>
-            </a:pPr>
-            <a:r>
-              <a:rPr b="0" lang="en-US" sz="2200" spc="-1" strike="noStrike">
+            <a:pPr algn="just">
+              <a:lnSpc>
+                <a:spcPct val="100000"/>
+              </a:lnSpc>
+            </a:pPr>
+            <a:r>
+              <a:rPr b="0" lang="en-IN" sz="1800" spc="-1" strike="noStrike">
                 <a:solidFill>
                   <a:srgbClr val="bb0643"/>
                 </a:solidFill>
@@ -17529,7 +19644,7 @@
               </a:rPr>
               <a:t>TODO</a:t>
             </a:r>
-            <a:endParaRPr b="0" lang="en-IN" sz="2200" spc="-1" strike="noStrike">
+            <a:endParaRPr b="0" lang="en-IN" sz="1800" spc="-1" strike="noStrike">
               <a:latin typeface="Arial"/>
             </a:endParaRPr>
           </a:p>
@@ -17567,7 +19682,7 @@
       </p:grpSpPr>
       <p:sp>
         <p:nvSpPr>
-          <p:cNvPr id="119" name="Line 1"/>
+          <p:cNvPr id="120" name="Line 1"/>
           <p:cNvSpPr/>
           <p:nvPr/>
         </p:nvSpPr>
@@ -17602,14 +19717,14 @@
       </p:sp>
       <p:sp>
         <p:nvSpPr>
-          <p:cNvPr id="120" name="CustomShape 2"/>
+          <p:cNvPr id="121" name="CustomShape 2"/>
           <p:cNvSpPr/>
           <p:nvPr/>
         </p:nvSpPr>
         <p:spPr>
           <a:xfrm>
             <a:off x="1523880" y="0"/>
-            <a:ext cx="9137880" cy="699120"/>
+            <a:ext cx="9137520" cy="699120"/>
           </a:xfrm>
           <a:prstGeom prst="rect">
             <a:avLst/>
@@ -17657,14 +19772,14 @@
       </p:sp>
       <p:sp>
         <p:nvSpPr>
-          <p:cNvPr id="121" name="CustomShape 3"/>
+          <p:cNvPr id="122" name="CustomShape 3"/>
           <p:cNvSpPr/>
           <p:nvPr/>
         </p:nvSpPr>
         <p:spPr>
           <a:xfrm>
             <a:off x="1600200" y="762120"/>
-            <a:ext cx="8985600" cy="912600"/>
+            <a:ext cx="8985240" cy="912600"/>
           </a:xfrm>
           <a:prstGeom prst="rect">
             <a:avLst/>
@@ -17718,14 +19833,14 @@
       </p:sp>
       <p:sp>
         <p:nvSpPr>
-          <p:cNvPr id="122" name="CustomShape 4"/>
+          <p:cNvPr id="123" name="CustomShape 4"/>
           <p:cNvSpPr/>
           <p:nvPr/>
         </p:nvSpPr>
         <p:spPr>
           <a:xfrm>
             <a:off x="1523880" y="4272480"/>
-            <a:ext cx="8883720" cy="2558520"/>
+            <a:ext cx="8883360" cy="2558520"/>
           </a:xfrm>
           <a:prstGeom prst="rect">
             <a:avLst/>
@@ -17746,7 +19861,7 @@
             <a:spAutoFit/>
           </a:bodyPr>
           <a:p>
-            <a:pPr marL="285840" indent="-279720">
+            <a:pPr marL="285840" indent="-279360">
               <a:lnSpc>
                 <a:spcPct val="150000"/>
               </a:lnSpc>
@@ -17791,7 +19906,7 @@
             </a:endParaRPr>
           </a:p>
           <a:p>
-            <a:pPr marL="285840" indent="-279720">
+            <a:pPr marL="285840" indent="-279360">
               <a:lnSpc>
                 <a:spcPct val="150000"/>
               </a:lnSpc>
@@ -17836,7 +19951,7 @@
             </a:endParaRPr>
           </a:p>
           <a:p>
-            <a:pPr marL="285840" indent="-279720">
+            <a:pPr marL="285840" indent="-279360">
               <a:lnSpc>
                 <a:spcPct val="150000"/>
               </a:lnSpc>
@@ -17881,7 +19996,7 @@
             </a:endParaRPr>
           </a:p>
           <a:p>
-            <a:pPr marL="285840" indent="-279720">
+            <a:pPr marL="285840" indent="-279360">
               <a:lnSpc>
                 <a:spcPct val="150000"/>
               </a:lnSpc>
@@ -17926,7 +20041,7 @@
             </a:endParaRPr>
           </a:p>
           <a:p>
-            <a:pPr marL="285840" indent="-279720">
+            <a:pPr marL="285840" indent="-279360">
               <a:lnSpc>
                 <a:spcPct val="150000"/>
               </a:lnSpc>
@@ -17961,7 +20076,7 @@
             </a:endParaRPr>
           </a:p>
           <a:p>
-            <a:pPr marL="285840" indent="-279720">
+            <a:pPr marL="285840" indent="-279360">
               <a:lnSpc>
                 <a:spcPct val="150000"/>
               </a:lnSpc>
@@ -18009,7 +20124,7 @@
       </p:sp>
       <p:graphicFrame>
         <p:nvGraphicFramePr>
-          <p:cNvPr id="123" name="Table 5"/>
+          <p:cNvPr id="124" name="Table 5"/>
           <p:cNvGraphicFramePr/>
           <p:nvPr/>
         </p:nvGraphicFramePr>
@@ -18519,14 +20634,14 @@
       </p:graphicFrame>
       <p:sp>
         <p:nvSpPr>
-          <p:cNvPr id="124" name="CustomShape 6"/>
+          <p:cNvPr id="125" name="CustomShape 6"/>
           <p:cNvSpPr/>
           <p:nvPr/>
         </p:nvSpPr>
         <p:spPr>
           <a:xfrm>
             <a:off x="1601280" y="2221560"/>
-            <a:ext cx="8984520" cy="394560"/>
+            <a:ext cx="8984160" cy="394560"/>
           </a:xfrm>
           <a:prstGeom prst="rect">
             <a:avLst/>
@@ -18600,14 +20715,14 @@
       </p:grpSpPr>
       <p:sp>
         <p:nvSpPr>
-          <p:cNvPr id="125" name="CustomShape 1"/>
+          <p:cNvPr id="126" name="CustomShape 1"/>
           <p:cNvSpPr/>
           <p:nvPr/>
         </p:nvSpPr>
         <p:spPr>
           <a:xfrm>
             <a:off x="1676520" y="2362320"/>
-            <a:ext cx="8832960" cy="912600"/>
+            <a:ext cx="8832600" cy="912600"/>
           </a:xfrm>
           <a:prstGeom prst="rect">
             <a:avLst/>
@@ -18651,14 +20766,14 @@
       </p:sp>
       <p:sp>
         <p:nvSpPr>
-          <p:cNvPr id="126" name="CustomShape 2"/>
+          <p:cNvPr id="127" name="CustomShape 2"/>
           <p:cNvSpPr/>
           <p:nvPr/>
         </p:nvSpPr>
         <p:spPr>
           <a:xfrm>
-            <a:off x="1676520" y="4719600"/>
-            <a:ext cx="8832960" cy="424800"/>
+            <a:off x="522360" y="3531600"/>
+            <a:ext cx="11069640" cy="364680"/>
           </a:xfrm>
           <a:prstGeom prst="rect">
             <a:avLst/>
@@ -18679,13 +20794,13 @@
             <a:spAutoFit/>
           </a:bodyPr>
           <a:p>
-            <a:pPr>
-              <a:lnSpc>
-                <a:spcPct val="100000"/>
-              </a:lnSpc>
-            </a:pPr>
-            <a:r>
-              <a:rPr b="0" lang="en-US" sz="2200" spc="-1" strike="noStrike">
+            <a:pPr algn="just">
+              <a:lnSpc>
+                <a:spcPct val="100000"/>
+              </a:lnSpc>
+            </a:pPr>
+            <a:r>
+              <a:rPr b="0" lang="en-IN" sz="1800" spc="-1" strike="noStrike">
                 <a:solidFill>
                   <a:srgbClr val="bb0643"/>
                 </a:solidFill>
@@ -18694,7 +20809,7 @@
               </a:rPr>
               <a:t>TODO</a:t>
             </a:r>
-            <a:endParaRPr b="0" lang="en-IN" sz="2200" spc="-1" strike="noStrike">
+            <a:endParaRPr b="0" lang="en-IN" sz="1800" spc="-1" strike="noStrike">
               <a:latin typeface="Arial"/>
             </a:endParaRPr>
           </a:p>

--- a/redis ver1.pptx
+++ b/redis ver1.pptx
@@ -2858,8 +2858,8 @@
         </p:nvSpPr>
         <p:spPr>
           <a:xfrm rot="5400000">
-            <a:off x="596880" y="6447240"/>
-            <a:ext cx="184320" cy="154080"/>
+            <a:off x="597240" y="6447240"/>
+            <a:ext cx="183960" cy="153720"/>
           </a:xfrm>
           <a:prstGeom prst="triangle">
             <a:avLst>
@@ -2900,7 +2900,7 @@
         <p:spPr>
           <a:xfrm>
             <a:off x="1206360" y="3648240"/>
-            <a:ext cx="9747000" cy="1273680"/>
+            <a:ext cx="9746640" cy="1273320"/>
           </a:xfrm>
           <a:prstGeom prst="rect">
             <a:avLst/>
@@ -2942,7 +2942,7 @@
         <p:spPr>
           <a:xfrm>
             <a:off x="1219320" y="5638680"/>
-            <a:ext cx="9747000" cy="679320"/>
+            <a:ext cx="9746640" cy="678960"/>
           </a:xfrm>
           <a:prstGeom prst="rect">
             <a:avLst/>
@@ -2984,7 +2984,7 @@
         <p:spPr>
           <a:xfrm>
             <a:off x="1206360" y="3648240"/>
-            <a:ext cx="298440" cy="1273680"/>
+            <a:ext cx="298080" cy="1273320"/>
           </a:xfrm>
           <a:prstGeom prst="rect">
             <a:avLst/>
@@ -3023,7 +3023,7 @@
         <p:spPr>
           <a:xfrm>
             <a:off x="1219320" y="5638680"/>
-            <a:ext cx="298440" cy="679320"/>
+            <a:ext cx="298080" cy="678960"/>
           </a:xfrm>
           <a:prstGeom prst="rect">
             <a:avLst/>
@@ -3379,8 +3379,8 @@
         </p:nvSpPr>
         <p:spPr>
           <a:xfrm rot="5400000">
-            <a:off x="596880" y="6447240"/>
-            <a:ext cx="184320" cy="154080"/>
+            <a:off x="597240" y="6447240"/>
+            <a:ext cx="183960" cy="153720"/>
           </a:xfrm>
           <a:prstGeom prst="triangle">
             <a:avLst>
@@ -3449,8 +3449,8 @@
         </p:nvSpPr>
         <p:spPr>
           <a:xfrm rot="5400000">
-            <a:off x="596880" y="6447240"/>
-            <a:ext cx="184320" cy="154080"/>
+            <a:off x="597240" y="6447240"/>
+            <a:ext cx="183960" cy="153720"/>
           </a:xfrm>
           <a:prstGeom prst="triangle">
             <a:avLst>
@@ -3744,7 +3744,7 @@
         <p:spPr>
           <a:xfrm>
             <a:off x="1975680" y="3733920"/>
-            <a:ext cx="8528040" cy="984240"/>
+            <a:ext cx="8527680" cy="983880"/>
           </a:xfrm>
           <a:prstGeom prst="rect">
             <a:avLst/>
@@ -3801,7 +3801,7 @@
         <p:spPr>
           <a:xfrm>
             <a:off x="181440" y="2001960"/>
-            <a:ext cx="2847960" cy="2847960"/>
+            <a:ext cx="2847600" cy="2847600"/>
           </a:xfrm>
           <a:prstGeom prst="rect">
             <a:avLst/>
@@ -3820,7 +3820,7 @@
         <p:spPr>
           <a:xfrm>
             <a:off x="4444920" y="5050800"/>
-            <a:ext cx="6058440" cy="581400"/>
+            <a:ext cx="6058080" cy="581040"/>
           </a:xfrm>
           <a:prstGeom prst="rect">
             <a:avLst/>
@@ -3883,7 +3883,7 @@
         <p:spPr>
           <a:xfrm>
             <a:off x="181440" y="196560"/>
-            <a:ext cx="2847960" cy="1061280"/>
+            <a:ext cx="2847600" cy="1060920"/>
           </a:xfrm>
           <a:prstGeom prst="rect">
             <a:avLst/>
@@ -3902,7 +3902,7 @@
         <p:spPr>
           <a:xfrm>
             <a:off x="3557880" y="93600"/>
-            <a:ext cx="8446320" cy="3045240"/>
+            <a:ext cx="8445960" cy="3045240"/>
           </a:xfrm>
           <a:prstGeom prst="rect">
             <a:avLst/>
@@ -3987,7 +3987,7 @@
         <p:spPr>
           <a:xfrm>
             <a:off x="181440" y="196920"/>
-            <a:ext cx="2849760" cy="1063080"/>
+            <a:ext cx="2849400" cy="1062720"/>
           </a:xfrm>
           <a:prstGeom prst="rect">
             <a:avLst/>
@@ -4010,7 +4010,7 @@
         <p:spPr>
           <a:xfrm>
             <a:off x="181440" y="2001960"/>
-            <a:ext cx="2850840" cy="2850840"/>
+            <a:ext cx="2850480" cy="2850480"/>
           </a:xfrm>
           <a:prstGeom prst="rect">
             <a:avLst/>
@@ -4022,14 +4022,14 @@
       </p:pic>
       <p:sp>
         <p:nvSpPr>
-          <p:cNvPr id="95" name="TextShape 4"/>
-          <p:cNvSpPr txBox="1"/>
+          <p:cNvPr id="95" name="CustomShape 4"/>
+          <p:cNvSpPr/>
           <p:nvPr/>
         </p:nvSpPr>
         <p:spPr>
           <a:xfrm>
             <a:off x="432000" y="5511600"/>
-            <a:ext cx="4248000" cy="602280"/>
+            <a:ext cx="4247640" cy="601920"/>
           </a:xfrm>
           <a:prstGeom prst="rect">
             <a:avLst/>
@@ -4039,11 +4039,22 @@
             <a:noFill/>
           </a:ln>
         </p:spPr>
+        <p:style>
+          <a:lnRef idx="0"/>
+          <a:fillRef idx="0"/>
+          <a:effectRef idx="0"/>
+          <a:fontRef idx="minor"/>
+        </p:style>
         <p:txBody>
           <a:bodyPr lIns="90000" rIns="90000" tIns="45000" bIns="45000">
             <a:noAutofit/>
           </a:bodyPr>
           <a:p>
+            <a:pPr>
+              <a:lnSpc>
+                <a:spcPct val="100000"/>
+              </a:lnSpc>
+            </a:pPr>
             <a:r>
               <a:rPr b="0" lang="en-IN" sz="1800" spc="-1" strike="noStrike">
                 <a:latin typeface="Arial"/>
@@ -4055,6 +4066,11 @@
             </a:endParaRPr>
           </a:p>
           <a:p>
+            <a:pPr>
+              <a:lnSpc>
+                <a:spcPct val="100000"/>
+              </a:lnSpc>
+            </a:pPr>
             <a:r>
               <a:rPr b="0" lang="en-IN" sz="1800" spc="-1" strike="noStrike">
                 <a:latin typeface="Arial"/>
@@ -4141,7 +4157,7 @@
         <p:spPr>
           <a:xfrm>
             <a:off x="1523880" y="0"/>
-            <a:ext cx="9137520" cy="699120"/>
+            <a:ext cx="9137160" cy="699120"/>
           </a:xfrm>
           <a:prstGeom prst="rect">
             <a:avLst/>
@@ -4196,7 +4212,7 @@
         <p:spPr>
           <a:xfrm>
             <a:off x="1600200" y="762120"/>
-            <a:ext cx="8985240" cy="1735560"/>
+            <a:ext cx="8984880" cy="1735560"/>
           </a:xfrm>
           <a:prstGeom prst="rect">
             <a:avLst/>
@@ -4297,7 +4313,7 @@
         <p:spPr>
           <a:xfrm>
             <a:off x="152280" y="152280"/>
-            <a:ext cx="1100160" cy="455400"/>
+            <a:ext cx="1099800" cy="455400"/>
           </a:xfrm>
           <a:prstGeom prst="rect">
             <a:avLst/>
@@ -4348,7 +4364,7 @@
         <p:spPr>
           <a:xfrm>
             <a:off x="1601280" y="2823480"/>
-            <a:ext cx="8984160" cy="699480"/>
+            <a:ext cx="8983800" cy="699480"/>
           </a:xfrm>
           <a:prstGeom prst="rect">
             <a:avLst/>
@@ -4419,7 +4435,7 @@
         <p:spPr>
           <a:xfrm>
             <a:off x="1523880" y="3801960"/>
-            <a:ext cx="8883360" cy="2147040"/>
+            <a:ext cx="8883000" cy="2147040"/>
           </a:xfrm>
           <a:prstGeom prst="rect">
             <a:avLst/>
@@ -4440,7 +4456,7 @@
             <a:spAutoFit/>
           </a:bodyPr>
           <a:p>
-            <a:pPr marL="285840" indent="-279360">
+            <a:pPr marL="285840" indent="-279000">
               <a:lnSpc>
                 <a:spcPct val="150000"/>
               </a:lnSpc>
@@ -4485,7 +4501,7 @@
             </a:endParaRPr>
           </a:p>
           <a:p>
-            <a:pPr marL="285840" indent="-279360">
+            <a:pPr marL="285840" indent="-279000">
               <a:lnSpc>
                 <a:spcPct val="150000"/>
               </a:lnSpc>
@@ -4530,7 +4546,7 @@
             </a:endParaRPr>
           </a:p>
           <a:p>
-            <a:pPr marL="285840" indent="-279360">
+            <a:pPr marL="285840" indent="-279000">
               <a:lnSpc>
                 <a:spcPct val="150000"/>
               </a:lnSpc>
@@ -4575,7 +4591,7 @@
             </a:endParaRPr>
           </a:p>
           <a:p>
-            <a:pPr marL="285840" indent="-279360">
+            <a:pPr marL="285840" indent="-279000">
               <a:lnSpc>
                 <a:spcPct val="150000"/>
               </a:lnSpc>
@@ -4660,7 +4676,7 @@
         <p:spPr>
           <a:xfrm>
             <a:off x="1676520" y="2362320"/>
-            <a:ext cx="8832600" cy="912600"/>
+            <a:ext cx="8832240" cy="912600"/>
           </a:xfrm>
           <a:prstGeom prst="rect">
             <a:avLst/>
@@ -4711,7 +4727,7 @@
         <p:spPr>
           <a:xfrm>
             <a:off x="522360" y="3531600"/>
-            <a:ext cx="11069640" cy="364680"/>
+            <a:ext cx="11069280" cy="364320"/>
           </a:xfrm>
           <a:prstGeom prst="rect">
             <a:avLst/>
@@ -4827,7 +4843,7 @@
         <p:spPr>
           <a:xfrm>
             <a:off x="1523880" y="0"/>
-            <a:ext cx="9137520" cy="699120"/>
+            <a:ext cx="9137160" cy="699120"/>
           </a:xfrm>
           <a:prstGeom prst="rect">
             <a:avLst/>
@@ -4882,7 +4898,7 @@
         <p:spPr>
           <a:xfrm>
             <a:off x="1600200" y="762120"/>
-            <a:ext cx="8985240" cy="1461240"/>
+            <a:ext cx="8984880" cy="1461240"/>
           </a:xfrm>
           <a:prstGeom prst="rect">
             <a:avLst/>
@@ -4983,7 +4999,7 @@
         <p:spPr>
           <a:xfrm>
             <a:off x="152280" y="152280"/>
-            <a:ext cx="1100160" cy="455400"/>
+            <a:ext cx="1099800" cy="455400"/>
           </a:xfrm>
           <a:prstGeom prst="rect">
             <a:avLst/>
@@ -5034,7 +5050,7 @@
         <p:spPr>
           <a:xfrm>
             <a:off x="1601280" y="2509560"/>
-            <a:ext cx="8984160" cy="699480"/>
+            <a:ext cx="8983800" cy="699480"/>
           </a:xfrm>
           <a:prstGeom prst="rect">
             <a:avLst/>
@@ -5105,7 +5121,7 @@
         <p:spPr>
           <a:xfrm>
             <a:off x="1523880" y="3480480"/>
-            <a:ext cx="8883360" cy="2558520"/>
+            <a:ext cx="8883000" cy="2558520"/>
           </a:xfrm>
           <a:prstGeom prst="rect">
             <a:avLst/>
@@ -5126,7 +5142,7 @@
             <a:spAutoFit/>
           </a:bodyPr>
           <a:p>
-            <a:pPr marL="285840" indent="-279360">
+            <a:pPr marL="285840" indent="-279000">
               <a:lnSpc>
                 <a:spcPct val="150000"/>
               </a:lnSpc>
@@ -5171,7 +5187,7 @@
             </a:endParaRPr>
           </a:p>
           <a:p>
-            <a:pPr marL="285840" indent="-279360">
+            <a:pPr marL="285840" indent="-279000">
               <a:lnSpc>
                 <a:spcPct val="150000"/>
               </a:lnSpc>
@@ -5216,7 +5232,7 @@
             </a:endParaRPr>
           </a:p>
           <a:p>
-            <a:pPr marL="285840" indent="-279360">
+            <a:pPr marL="285840" indent="-279000">
               <a:lnSpc>
                 <a:spcPct val="150000"/>
               </a:lnSpc>
@@ -5261,7 +5277,7 @@
             </a:endParaRPr>
           </a:p>
           <a:p>
-            <a:pPr marL="285840" indent="-279360">
+            <a:pPr marL="285840" indent="-279000">
               <a:lnSpc>
                 <a:spcPct val="150000"/>
               </a:lnSpc>
@@ -5306,7 +5322,7 @@
             </a:endParaRPr>
           </a:p>
           <a:p>
-            <a:pPr marL="285840" indent="-279360">
+            <a:pPr marL="285840" indent="-279000">
               <a:lnSpc>
                 <a:spcPct val="150000"/>
               </a:lnSpc>
@@ -5341,7 +5357,7 @@
             </a:endParaRPr>
           </a:p>
           <a:p>
-            <a:pPr marL="285840" indent="-279360">
+            <a:pPr marL="285840" indent="-279000">
               <a:lnSpc>
                 <a:spcPct val="150000"/>
               </a:lnSpc>
@@ -5416,7 +5432,7 @@
         <p:spPr>
           <a:xfrm>
             <a:off x="1676520" y="2362320"/>
-            <a:ext cx="8832600" cy="1735560"/>
+            <a:ext cx="8832240" cy="1735560"/>
           </a:xfrm>
           <a:prstGeom prst="rect">
             <a:avLst/>
@@ -5450,7 +5466,7 @@
                 <a:latin typeface="Century"/>
                 <a:ea typeface="DejaVu Sans"/>
               </a:rPr>
-              <a:t>getset, getdel &amp; getrange key</a:t>
+              <a:t>getset key, getdel key &amp; getrange key</a:t>
             </a:r>
             <a:endParaRPr b="0" lang="en-IN" sz="5400" spc="-1" strike="noStrike">
               <a:latin typeface="Arial"/>
@@ -5467,7 +5483,7 @@
         <p:spPr>
           <a:xfrm>
             <a:off x="522360" y="4323600"/>
-            <a:ext cx="11069640" cy="364680"/>
+            <a:ext cx="11069280" cy="364320"/>
           </a:xfrm>
           <a:prstGeom prst="rect">
             <a:avLst/>
@@ -5583,7 +5599,7 @@
         <p:spPr>
           <a:xfrm>
             <a:off x="1523880" y="0"/>
-            <a:ext cx="9137520" cy="699120"/>
+            <a:ext cx="9137160" cy="699120"/>
           </a:xfrm>
           <a:prstGeom prst="rect">
             <a:avLst/>
@@ -5638,7 +5654,7 @@
         <p:spPr>
           <a:xfrm>
             <a:off x="1600200" y="762120"/>
-            <a:ext cx="8985240" cy="2284200"/>
+            <a:ext cx="8984880" cy="2284200"/>
           </a:xfrm>
           <a:prstGeom prst="rect">
             <a:avLst/>
@@ -5779,7 +5795,7 @@
         <p:spPr>
           <a:xfrm>
             <a:off x="152280" y="152280"/>
-            <a:ext cx="1100160" cy="455400"/>
+            <a:ext cx="1099800" cy="455400"/>
           </a:xfrm>
           <a:prstGeom prst="rect">
             <a:avLst/>
@@ -5830,7 +5846,7 @@
         <p:spPr>
           <a:xfrm>
             <a:off x="1601280" y="2977560"/>
-            <a:ext cx="8984160" cy="1309320"/>
+            <a:ext cx="8983800" cy="1309320"/>
           </a:xfrm>
           <a:prstGeom prst="rect">
             <a:avLst/>
@@ -5941,7 +5957,7 @@
         <p:spPr>
           <a:xfrm>
             <a:off x="1523880" y="4344480"/>
-            <a:ext cx="8883360" cy="2147040"/>
+            <a:ext cx="8883000" cy="2147040"/>
           </a:xfrm>
           <a:prstGeom prst="rect">
             <a:avLst/>
@@ -5962,7 +5978,7 @@
             <a:spAutoFit/>
           </a:bodyPr>
           <a:p>
-            <a:pPr marL="285840" indent="-279360">
+            <a:pPr marL="285840" indent="-279000">
               <a:lnSpc>
                 <a:spcPct val="150000"/>
               </a:lnSpc>
@@ -6007,7 +6023,7 @@
             </a:endParaRPr>
           </a:p>
           <a:p>
-            <a:pPr marL="285840" indent="-279360">
+            <a:pPr marL="285840" indent="-279000">
               <a:lnSpc>
                 <a:spcPct val="150000"/>
               </a:lnSpc>
@@ -6052,7 +6068,7 @@
             </a:endParaRPr>
           </a:p>
           <a:p>
-            <a:pPr marL="285840" indent="-279360">
+            <a:pPr marL="285840" indent="-279000">
               <a:lnSpc>
                 <a:spcPct val="150000"/>
               </a:lnSpc>
@@ -6097,7 +6113,7 @@
             </a:endParaRPr>
           </a:p>
           <a:p>
-            <a:pPr marL="285840" indent="-279360">
+            <a:pPr marL="285840" indent="-279000">
               <a:lnSpc>
                 <a:spcPct val="150000"/>
               </a:lnSpc>
@@ -6142,7 +6158,7 @@
             </a:endParaRPr>
           </a:p>
           <a:p>
-            <a:pPr marL="285840" indent="-279360">
+            <a:pPr marL="285840" indent="-279000">
               <a:lnSpc>
                 <a:spcPct val="150000"/>
               </a:lnSpc>
@@ -6227,7 +6243,7 @@
         <p:spPr>
           <a:xfrm>
             <a:off x="1676520" y="2362320"/>
-            <a:ext cx="8832600" cy="912600"/>
+            <a:ext cx="8832240" cy="912600"/>
           </a:xfrm>
           <a:prstGeom prst="rect">
             <a:avLst/>
@@ -6278,7 +6294,7 @@
         <p:spPr>
           <a:xfrm>
             <a:off x="522360" y="3531600"/>
-            <a:ext cx="11069640" cy="364680"/>
+            <a:ext cx="11069280" cy="364320"/>
           </a:xfrm>
           <a:prstGeom prst="rect">
             <a:avLst/>
@@ -6394,7 +6410,7 @@
         <p:spPr>
           <a:xfrm>
             <a:off x="1523880" y="0"/>
-            <a:ext cx="9137520" cy="699120"/>
+            <a:ext cx="9137160" cy="699120"/>
           </a:xfrm>
           <a:prstGeom prst="rect">
             <a:avLst/>
@@ -6449,7 +6465,7 @@
         <p:spPr>
           <a:xfrm>
             <a:off x="1600200" y="762120"/>
-            <a:ext cx="8985240" cy="912600"/>
+            <a:ext cx="8984880" cy="912600"/>
           </a:xfrm>
           <a:prstGeom prst="rect">
             <a:avLst/>
@@ -6550,7 +6566,7 @@
         <p:spPr>
           <a:xfrm>
             <a:off x="1600200" y="2865600"/>
-            <a:ext cx="8883360" cy="1735560"/>
+            <a:ext cx="8883000" cy="1735560"/>
           </a:xfrm>
           <a:prstGeom prst="rect">
             <a:avLst/>
@@ -6571,7 +6587,7 @@
             <a:spAutoFit/>
           </a:bodyPr>
           <a:p>
-            <a:pPr marL="285840" indent="-279360">
+            <a:pPr marL="285840" indent="-279000">
               <a:lnSpc>
                 <a:spcPct val="150000"/>
               </a:lnSpc>
@@ -6616,7 +6632,7 @@
             </a:endParaRPr>
           </a:p>
           <a:p>
-            <a:pPr marL="285840" indent="-279360">
+            <a:pPr marL="285840" indent="-279000">
               <a:lnSpc>
                 <a:spcPct val="150000"/>
               </a:lnSpc>
@@ -6661,7 +6677,7 @@
             </a:endParaRPr>
           </a:p>
           <a:p>
-            <a:pPr marL="285840" indent="-279360">
+            <a:pPr marL="285840" indent="-279000">
               <a:lnSpc>
                 <a:spcPct val="150000"/>
               </a:lnSpc>
@@ -6706,7 +6722,7 @@
             </a:endParaRPr>
           </a:p>
           <a:p>
-            <a:pPr marL="285840" indent="-279360">
+            <a:pPr marL="285840" indent="-279000">
               <a:lnSpc>
                 <a:spcPct val="150000"/>
               </a:lnSpc>
@@ -6761,7 +6777,7 @@
         <p:spPr>
           <a:xfrm>
             <a:off x="152280" y="152280"/>
-            <a:ext cx="1100160" cy="455400"/>
+            <a:ext cx="1099800" cy="455400"/>
           </a:xfrm>
           <a:prstGeom prst="rect">
             <a:avLst/>
@@ -6812,7 +6828,7 @@
         <p:spPr>
           <a:xfrm>
             <a:off x="1601280" y="2221560"/>
-            <a:ext cx="8984160" cy="699480"/>
+            <a:ext cx="8983800" cy="699480"/>
           </a:xfrm>
           <a:prstGeom prst="rect">
             <a:avLst/>
@@ -6883,7 +6899,7 @@
         <p:spPr>
           <a:xfrm>
             <a:off x="1656000" y="4713480"/>
-            <a:ext cx="8993880" cy="1364040"/>
+            <a:ext cx="8993520" cy="1363680"/>
           </a:xfrm>
           <a:prstGeom prst="rect">
             <a:avLst/>
@@ -6904,7 +6920,7 @@
             <a:noAutofit/>
           </a:bodyPr>
           <a:p>
-            <a:pPr marL="216000" indent="-212760">
+            <a:pPr marL="216000" indent="-212400">
               <a:lnSpc>
                 <a:spcPct val="150000"/>
               </a:lnSpc>
@@ -6939,7 +6955,7 @@
             </a:endParaRPr>
           </a:p>
           <a:p>
-            <a:pPr marL="216000" indent="-212760">
+            <a:pPr marL="216000" indent="-212400">
               <a:lnSpc>
                 <a:spcPct val="150000"/>
               </a:lnSpc>
@@ -6974,7 +6990,7 @@
             </a:endParaRPr>
           </a:p>
           <a:p>
-            <a:pPr marL="216000" indent="-212760">
+            <a:pPr marL="216000" indent="-212400">
               <a:lnSpc>
                 <a:spcPct val="150000"/>
               </a:lnSpc>
@@ -7009,7 +7025,7 @@
             </a:endParaRPr>
           </a:p>
           <a:p>
-            <a:pPr marL="216000" indent="-212760">
+            <a:pPr marL="216000" indent="-212400">
               <a:lnSpc>
                 <a:spcPct val="150000"/>
               </a:lnSpc>
@@ -7044,7 +7060,7 @@
             </a:endParaRPr>
           </a:p>
           <a:p>
-            <a:pPr marL="216000" indent="-212760">
+            <a:pPr marL="216000" indent="-212400">
               <a:lnSpc>
                 <a:spcPct val="150000"/>
               </a:lnSpc>
@@ -7119,7 +7135,7 @@
         <p:spPr>
           <a:xfrm>
             <a:off x="1676520" y="2362320"/>
-            <a:ext cx="8832600" cy="912600"/>
+            <a:ext cx="8832240" cy="912600"/>
           </a:xfrm>
           <a:prstGeom prst="rect">
             <a:avLst/>
@@ -7170,7 +7186,7 @@
         <p:spPr>
           <a:xfrm>
             <a:off x="522360" y="3531600"/>
-            <a:ext cx="11069640" cy="364680"/>
+            <a:ext cx="11069280" cy="364320"/>
           </a:xfrm>
           <a:prstGeom prst="rect">
             <a:avLst/>
@@ -7286,7 +7302,7 @@
         <p:spPr>
           <a:xfrm>
             <a:off x="1523880" y="0"/>
-            <a:ext cx="9137520" cy="699120"/>
+            <a:ext cx="9137160" cy="699120"/>
           </a:xfrm>
           <a:prstGeom prst="rect">
             <a:avLst/>
@@ -7341,7 +7357,7 @@
         <p:spPr>
           <a:xfrm>
             <a:off x="1600200" y="762120"/>
-            <a:ext cx="8985240" cy="668880"/>
+            <a:ext cx="8984880" cy="668880"/>
           </a:xfrm>
           <a:prstGeom prst="rect">
             <a:avLst/>
@@ -7432,7 +7448,7 @@
         <p:spPr>
           <a:xfrm>
             <a:off x="1600200" y="3909600"/>
-            <a:ext cx="8883360" cy="1324080"/>
+            <a:ext cx="8883000" cy="1324080"/>
           </a:xfrm>
           <a:prstGeom prst="rect">
             <a:avLst/>
@@ -7453,7 +7469,7 @@
             <a:spAutoFit/>
           </a:bodyPr>
           <a:p>
-            <a:pPr marL="285840" indent="-279360">
+            <a:pPr marL="285840" indent="-279000">
               <a:lnSpc>
                 <a:spcPct val="150000"/>
               </a:lnSpc>
@@ -7498,7 +7514,7 @@
             </a:endParaRPr>
           </a:p>
           <a:p>
-            <a:pPr marL="285840" indent="-279360">
+            <a:pPr marL="285840" indent="-279000">
               <a:lnSpc>
                 <a:spcPct val="150000"/>
               </a:lnSpc>
@@ -7543,7 +7559,7 @@
             </a:endParaRPr>
           </a:p>
           <a:p>
-            <a:pPr marL="285840" indent="-279360">
+            <a:pPr marL="285840" indent="-279000">
               <a:lnSpc>
                 <a:spcPct val="150000"/>
               </a:lnSpc>
@@ -7598,7 +7614,7 @@
         <p:spPr>
           <a:xfrm>
             <a:off x="152280" y="152280"/>
-            <a:ext cx="1100160" cy="455400"/>
+            <a:ext cx="1099800" cy="455400"/>
           </a:xfrm>
           <a:prstGeom prst="rect">
             <a:avLst/>
@@ -7649,7 +7665,7 @@
         <p:spPr>
           <a:xfrm>
             <a:off x="1601280" y="2221560"/>
-            <a:ext cx="8984160" cy="699480"/>
+            <a:ext cx="8983800" cy="699480"/>
           </a:xfrm>
           <a:prstGeom prst="rect">
             <a:avLst/>
@@ -7720,7 +7736,7 @@
         <p:spPr>
           <a:xfrm>
             <a:off x="1584000" y="5246640"/>
-            <a:ext cx="8849880" cy="1010520"/>
+            <a:ext cx="8849520" cy="1010160"/>
           </a:xfrm>
           <a:prstGeom prst="rect">
             <a:avLst/>
@@ -7771,7 +7787,7 @@
             </a:endParaRPr>
           </a:p>
           <a:p>
-            <a:pPr marL="216000" indent="-209880">
+            <a:pPr marL="216000" indent="-209520">
               <a:lnSpc>
                 <a:spcPct val="100000"/>
               </a:lnSpc>
@@ -7797,7 +7813,7 @@
             </a:endParaRPr>
           </a:p>
           <a:p>
-            <a:pPr marL="216000" indent="-209880">
+            <a:pPr marL="216000" indent="-209520">
               <a:lnSpc>
                 <a:spcPct val="100000"/>
               </a:lnSpc>
@@ -7833,7 +7849,7 @@
         <p:spPr>
           <a:xfrm>
             <a:off x="1576080" y="3161880"/>
-            <a:ext cx="9577800" cy="648000"/>
+            <a:ext cx="9577440" cy="647640"/>
           </a:xfrm>
           <a:prstGeom prst="rect">
             <a:avLst/>
@@ -7944,7 +7960,7 @@
         <p:spPr>
           <a:xfrm>
             <a:off x="1676520" y="2362320"/>
-            <a:ext cx="8832600" cy="912600"/>
+            <a:ext cx="8832240" cy="912600"/>
           </a:xfrm>
           <a:prstGeom prst="rect">
             <a:avLst/>
@@ -7978,7 +7994,7 @@
                 <a:latin typeface="Century"/>
                 <a:ea typeface="DejaVu Sans"/>
               </a:rPr>
-              <a:t>expire &amp; persist key</a:t>
+              <a:t>expire key &amp; persist key</a:t>
             </a:r>
             <a:endParaRPr b="0" lang="en-IN" sz="5400" spc="-1" strike="noStrike">
               <a:latin typeface="Arial"/>
@@ -7995,7 +8011,7 @@
         <p:spPr>
           <a:xfrm>
             <a:off x="522360" y="3531600"/>
-            <a:ext cx="11069640" cy="364680"/>
+            <a:ext cx="11069280" cy="364320"/>
           </a:xfrm>
           <a:prstGeom prst="rect">
             <a:avLst/>
@@ -8076,7 +8092,7 @@
         <p:spPr>
           <a:xfrm>
             <a:off x="1676520" y="2362320"/>
-            <a:ext cx="8832600" cy="912600"/>
+            <a:ext cx="8832240" cy="912600"/>
           </a:xfrm>
           <a:prstGeom prst="rect">
             <a:avLst/>
@@ -8127,7 +8143,7 @@
         <p:spPr>
           <a:xfrm>
             <a:off x="522360" y="3531600"/>
-            <a:ext cx="11141640" cy="1187640"/>
+            <a:ext cx="11141280" cy="1187280"/>
           </a:xfrm>
           <a:prstGeom prst="rect">
             <a:avLst/>
@@ -8178,7 +8194,7 @@
         <p:spPr>
           <a:xfrm>
             <a:off x="1666800" y="609480"/>
-            <a:ext cx="8832600" cy="394560"/>
+            <a:ext cx="8832240" cy="394560"/>
           </a:xfrm>
           <a:prstGeom prst="rect">
             <a:avLst/>
@@ -8294,7 +8310,7 @@
         <p:spPr>
           <a:xfrm>
             <a:off x="1523880" y="0"/>
-            <a:ext cx="9137520" cy="699120"/>
+            <a:ext cx="9137160" cy="699120"/>
           </a:xfrm>
           <a:prstGeom prst="rect">
             <a:avLst/>
@@ -8349,7 +8365,7 @@
         <p:spPr>
           <a:xfrm>
             <a:off x="1600200" y="762120"/>
-            <a:ext cx="8985240" cy="1735560"/>
+            <a:ext cx="8984880" cy="1735560"/>
           </a:xfrm>
           <a:prstGeom prst="rect">
             <a:avLst/>
@@ -8450,7 +8466,7 @@
         <p:spPr>
           <a:xfrm>
             <a:off x="1600200" y="3585600"/>
-            <a:ext cx="8883360" cy="2558520"/>
+            <a:ext cx="8883000" cy="2558520"/>
           </a:xfrm>
           <a:prstGeom prst="rect">
             <a:avLst/>
@@ -8491,7 +8507,7 @@
             </a:endParaRPr>
           </a:p>
           <a:p>
-            <a:pPr marL="285840" indent="-279360">
+            <a:pPr marL="285840" indent="-279000">
               <a:lnSpc>
                 <a:spcPct val="150000"/>
               </a:lnSpc>
@@ -8536,7 +8552,7 @@
             </a:endParaRPr>
           </a:p>
           <a:p>
-            <a:pPr marL="285840" indent="-279360">
+            <a:pPr marL="285840" indent="-279000">
               <a:lnSpc>
                 <a:spcPct val="150000"/>
               </a:lnSpc>
@@ -8601,7 +8617,7 @@
             </a:endParaRPr>
           </a:p>
           <a:p>
-            <a:pPr marL="285840" indent="-279360">
+            <a:pPr marL="285840" indent="-279000">
               <a:lnSpc>
                 <a:spcPct val="150000"/>
               </a:lnSpc>
@@ -8646,7 +8662,7 @@
             </a:endParaRPr>
           </a:p>
           <a:p>
-            <a:pPr marL="285840" indent="-279360">
+            <a:pPr marL="285840" indent="-279000">
               <a:lnSpc>
                 <a:spcPct val="150000"/>
               </a:lnSpc>
@@ -8701,7 +8717,7 @@
         <p:spPr>
           <a:xfrm>
             <a:off x="152280" y="152280"/>
-            <a:ext cx="1100160" cy="455400"/>
+            <a:ext cx="1099800" cy="455400"/>
           </a:xfrm>
           <a:prstGeom prst="rect">
             <a:avLst/>
@@ -8752,7 +8768,7 @@
         <p:spPr>
           <a:xfrm>
             <a:off x="1601280" y="2761560"/>
-            <a:ext cx="8984160" cy="699480"/>
+            <a:ext cx="8983800" cy="699480"/>
           </a:xfrm>
           <a:prstGeom prst="rect">
             <a:avLst/>
@@ -8853,7 +8869,7 @@
         <p:spPr>
           <a:xfrm>
             <a:off x="1676520" y="2362320"/>
-            <a:ext cx="8832600" cy="912600"/>
+            <a:ext cx="8832240" cy="1735560"/>
           </a:xfrm>
           <a:prstGeom prst="rect">
             <a:avLst/>
@@ -8887,7 +8903,7 @@
                 <a:latin typeface="Century"/>
                 <a:ea typeface="DejaVu Sans"/>
               </a:rPr>
-              <a:t>mset, msetnx &amp; mget</a:t>
+              <a:t>mset key, msetnx key &amp; mget key</a:t>
             </a:r>
             <a:endParaRPr b="0" lang="en-IN" sz="5400" spc="-1" strike="noStrike">
               <a:latin typeface="Arial"/>
@@ -8904,7 +8920,7 @@
         <p:spPr>
           <a:xfrm>
             <a:off x="522360" y="3531600"/>
-            <a:ext cx="11069640" cy="364680"/>
+            <a:ext cx="11069280" cy="364320"/>
           </a:xfrm>
           <a:prstGeom prst="rect">
             <a:avLst/>
@@ -8985,7 +9001,7 @@
         <p:spPr>
           <a:xfrm>
             <a:off x="1523880" y="0"/>
-            <a:ext cx="9137520" cy="699120"/>
+            <a:ext cx="9137160" cy="699120"/>
           </a:xfrm>
           <a:prstGeom prst="rect">
             <a:avLst/>
@@ -9040,7 +9056,7 @@
         <p:spPr>
           <a:xfrm>
             <a:off x="1600200" y="762120"/>
-            <a:ext cx="8985240" cy="2284200"/>
+            <a:ext cx="8984880" cy="2284200"/>
           </a:xfrm>
           <a:prstGeom prst="rect">
             <a:avLst/>
@@ -9181,7 +9197,7 @@
         <p:spPr>
           <a:xfrm>
             <a:off x="152280" y="152280"/>
-            <a:ext cx="1100160" cy="455400"/>
+            <a:ext cx="1099800" cy="455400"/>
           </a:xfrm>
           <a:prstGeom prst="rect">
             <a:avLst/>
@@ -9232,7 +9248,7 @@
         <p:spPr>
           <a:xfrm>
             <a:off x="1601280" y="3157560"/>
-            <a:ext cx="8984160" cy="1004400"/>
+            <a:ext cx="8983800" cy="1004400"/>
           </a:xfrm>
           <a:prstGeom prst="rect">
             <a:avLst/>
@@ -9323,7 +9339,7 @@
         <p:spPr>
           <a:xfrm>
             <a:off x="864000" y="4197600"/>
-            <a:ext cx="11013120" cy="1324080"/>
+            <a:ext cx="11012760" cy="1324080"/>
           </a:xfrm>
           <a:prstGeom prst="rect">
             <a:avLst/>
@@ -9344,7 +9360,7 @@
             <a:spAutoFit/>
           </a:bodyPr>
           <a:p>
-            <a:pPr marL="285840" indent="-279360">
+            <a:pPr marL="285840" indent="-279000">
               <a:lnSpc>
                 <a:spcPct val="150000"/>
               </a:lnSpc>
@@ -9389,7 +9405,7 @@
             </a:endParaRPr>
           </a:p>
           <a:p>
-            <a:pPr marL="285840" indent="-279360">
+            <a:pPr marL="285840" indent="-279000">
               <a:lnSpc>
                 <a:spcPct val="150000"/>
               </a:lnSpc>
@@ -9434,7 +9450,7 @@
             </a:endParaRPr>
           </a:p>
           <a:p>
-            <a:pPr marL="285840" indent="-279360">
+            <a:pPr marL="285840" indent="-279000">
               <a:lnSpc>
                 <a:spcPct val="150000"/>
               </a:lnSpc>
@@ -9524,7 +9540,7 @@
         <p:spPr>
           <a:xfrm>
             <a:off x="1584000" y="5610240"/>
-            <a:ext cx="8849880" cy="1010520"/>
+            <a:ext cx="8849520" cy="1010160"/>
           </a:xfrm>
           <a:prstGeom prst="rect">
             <a:avLst/>
@@ -9575,7 +9591,7 @@
             </a:endParaRPr>
           </a:p>
           <a:p>
-            <a:pPr marL="285840" indent="-282240">
+            <a:pPr marL="285840" indent="-281880">
               <a:lnSpc>
                 <a:spcPct val="100000"/>
               </a:lnSpc>
@@ -9600,7 +9616,7 @@
             </a:endParaRPr>
           </a:p>
           <a:p>
-            <a:pPr marL="285840" indent="-282240">
+            <a:pPr marL="285840" indent="-281880">
               <a:lnSpc>
                 <a:spcPct val="100000"/>
               </a:lnSpc>
@@ -9665,7 +9681,7 @@
         <p:spPr>
           <a:xfrm>
             <a:off x="1676520" y="2362320"/>
-            <a:ext cx="8832600" cy="912600"/>
+            <a:ext cx="8832240" cy="1735560"/>
           </a:xfrm>
           <a:prstGeom prst="rect">
             <a:avLst/>
@@ -9699,7 +9715,7 @@
                 <a:latin typeface="Century"/>
                 <a:ea typeface="DejaVu Sans"/>
               </a:rPr>
-              <a:t>Incr, incrby &amp; incrbyfloat</a:t>
+              <a:t>incr key, incrby key &amp; incrbyfloat key</a:t>
             </a:r>
             <a:endParaRPr b="0" lang="en-IN" sz="5400" spc="-1" strike="noStrike">
               <a:latin typeface="Arial"/>
@@ -9716,7 +9732,7 @@
         <p:spPr>
           <a:xfrm>
             <a:off x="522360" y="3531600"/>
-            <a:ext cx="11069640" cy="364680"/>
+            <a:ext cx="11069280" cy="364320"/>
           </a:xfrm>
           <a:prstGeom prst="rect">
             <a:avLst/>
@@ -9797,7 +9813,7 @@
         <p:spPr>
           <a:xfrm>
             <a:off x="1523880" y="0"/>
-            <a:ext cx="9137520" cy="699120"/>
+            <a:ext cx="9137160" cy="699120"/>
           </a:xfrm>
           <a:prstGeom prst="rect">
             <a:avLst/>
@@ -9852,7 +9868,7 @@
         <p:spPr>
           <a:xfrm>
             <a:off x="1600200" y="762120"/>
-            <a:ext cx="8985240" cy="2558520"/>
+            <a:ext cx="8984880" cy="2558520"/>
           </a:xfrm>
           <a:prstGeom prst="rect">
             <a:avLst/>
@@ -9993,7 +10009,7 @@
         <p:spPr>
           <a:xfrm>
             <a:off x="152280" y="152280"/>
-            <a:ext cx="1100160" cy="455400"/>
+            <a:ext cx="1099800" cy="455400"/>
           </a:xfrm>
           <a:prstGeom prst="rect">
             <a:avLst/>
@@ -10044,7 +10060,7 @@
         <p:spPr>
           <a:xfrm>
             <a:off x="1601280" y="3553560"/>
-            <a:ext cx="8984160" cy="1004400"/>
+            <a:ext cx="8983800" cy="1004400"/>
           </a:xfrm>
           <a:prstGeom prst="rect">
             <a:avLst/>
@@ -10135,7 +10151,7 @@
         <p:spPr>
           <a:xfrm>
             <a:off x="1600200" y="4593600"/>
-            <a:ext cx="8883360" cy="912600"/>
+            <a:ext cx="8883000" cy="912600"/>
           </a:xfrm>
           <a:prstGeom prst="rect">
             <a:avLst/>
@@ -10156,7 +10172,7 @@
             <a:spAutoFit/>
           </a:bodyPr>
           <a:p>
-            <a:pPr marL="285840" indent="-279360">
+            <a:pPr marL="285840" indent="-279000">
               <a:lnSpc>
                 <a:spcPct val="150000"/>
               </a:lnSpc>
@@ -10201,7 +10217,7 @@
             </a:endParaRPr>
           </a:p>
           <a:p>
-            <a:pPr marL="285840" indent="-279360">
+            <a:pPr marL="285840" indent="-279000">
               <a:lnSpc>
                 <a:spcPct val="150000"/>
               </a:lnSpc>
@@ -10291,7 +10307,7 @@
         <p:spPr>
           <a:xfrm>
             <a:off x="1584000" y="5790240"/>
-            <a:ext cx="8849880" cy="74880"/>
+            <a:ext cx="8849520" cy="74520"/>
           </a:xfrm>
           <a:prstGeom prst="rect">
             <a:avLst/>
@@ -10342,7 +10358,7 @@
             </a:endParaRPr>
           </a:p>
           <a:p>
-            <a:pPr marL="285840" indent="-282240">
+            <a:pPr marL="285840" indent="-281880">
               <a:lnSpc>
                 <a:spcPct val="100000"/>
               </a:lnSpc>
@@ -10407,7 +10423,7 @@
         <p:spPr>
           <a:xfrm>
             <a:off x="1676520" y="2362320"/>
-            <a:ext cx="8832600" cy="912600"/>
+            <a:ext cx="8832240" cy="912600"/>
           </a:xfrm>
           <a:prstGeom prst="rect">
             <a:avLst/>
@@ -10441,7 +10457,7 @@
                 <a:latin typeface="Century"/>
                 <a:ea typeface="DejaVu Sans"/>
               </a:rPr>
-              <a:t>decr &amp; decrby key</a:t>
+              <a:t>decr key &amp; decrby key</a:t>
             </a:r>
             <a:endParaRPr b="0" lang="en-IN" sz="5400" spc="-1" strike="noStrike">
               <a:latin typeface="Arial"/>
@@ -10458,7 +10474,7 @@
         <p:spPr>
           <a:xfrm>
             <a:off x="522360" y="3531600"/>
-            <a:ext cx="11069640" cy="364680"/>
+            <a:ext cx="11069280" cy="364320"/>
           </a:xfrm>
           <a:prstGeom prst="rect">
             <a:avLst/>
@@ -10539,7 +10555,7 @@
         <p:spPr>
           <a:xfrm>
             <a:off x="1523880" y="0"/>
-            <a:ext cx="9137520" cy="699120"/>
+            <a:ext cx="9137160" cy="699120"/>
           </a:xfrm>
           <a:prstGeom prst="rect">
             <a:avLst/>
@@ -10594,7 +10610,7 @@
         <p:spPr>
           <a:xfrm>
             <a:off x="1600200" y="762120"/>
-            <a:ext cx="8985240" cy="1461240"/>
+            <a:ext cx="8984880" cy="1461240"/>
           </a:xfrm>
           <a:prstGeom prst="rect">
             <a:avLst/>
@@ -10695,7 +10711,7 @@
         <p:spPr>
           <a:xfrm>
             <a:off x="152280" y="152280"/>
-            <a:ext cx="1100160" cy="455400"/>
+            <a:ext cx="1099800" cy="455400"/>
           </a:xfrm>
           <a:prstGeom prst="rect">
             <a:avLst/>
@@ -10746,7 +10762,7 @@
         <p:spPr>
           <a:xfrm>
             <a:off x="1601280" y="2689560"/>
-            <a:ext cx="8984160" cy="699480"/>
+            <a:ext cx="8983800" cy="699480"/>
           </a:xfrm>
           <a:prstGeom prst="rect">
             <a:avLst/>
@@ -10817,7 +10833,7 @@
         <p:spPr>
           <a:xfrm>
             <a:off x="1600200" y="3621600"/>
-            <a:ext cx="8883360" cy="912600"/>
+            <a:ext cx="8883000" cy="912600"/>
           </a:xfrm>
           <a:prstGeom prst="rect">
             <a:avLst/>
@@ -10838,7 +10854,7 @@
             <a:spAutoFit/>
           </a:bodyPr>
           <a:p>
-            <a:pPr marL="285840" indent="-279360">
+            <a:pPr marL="285840" indent="-279000">
               <a:lnSpc>
                 <a:spcPct val="150000"/>
               </a:lnSpc>
@@ -10883,7 +10899,7 @@
             </a:endParaRPr>
           </a:p>
           <a:p>
-            <a:pPr marL="285840" indent="-279360">
+            <a:pPr marL="285840" indent="-279000">
               <a:lnSpc>
                 <a:spcPct val="150000"/>
               </a:lnSpc>
@@ -10973,7 +10989,7 @@
         <p:spPr>
           <a:xfrm>
             <a:off x="1584000" y="5106240"/>
-            <a:ext cx="8849880" cy="74880"/>
+            <a:ext cx="8849520" cy="74520"/>
           </a:xfrm>
           <a:prstGeom prst="rect">
             <a:avLst/>
@@ -11024,7 +11040,7 @@
             </a:endParaRPr>
           </a:p>
           <a:p>
-            <a:pPr marL="285840" indent="-282240">
+            <a:pPr marL="285840" indent="-281880">
               <a:lnSpc>
                 <a:spcPct val="100000"/>
               </a:lnSpc>
@@ -11089,7 +11105,7 @@
         <p:spPr>
           <a:xfrm>
             <a:off x="1676520" y="2362320"/>
-            <a:ext cx="8832600" cy="912600"/>
+            <a:ext cx="8832240" cy="912600"/>
           </a:xfrm>
           <a:prstGeom prst="rect">
             <a:avLst/>
@@ -11123,7 +11139,7 @@
                 <a:latin typeface="Century"/>
                 <a:ea typeface="DejaVu Sans"/>
               </a:rPr>
-              <a:t>append &amp; strlen</a:t>
+              <a:t>append key &amp; strlen key</a:t>
             </a:r>
             <a:endParaRPr b="0" lang="en-IN" sz="5400" spc="-1" strike="noStrike">
               <a:latin typeface="Arial"/>
@@ -11140,7 +11156,7 @@
         <p:spPr>
           <a:xfrm>
             <a:off x="522360" y="3531600"/>
-            <a:ext cx="11069640" cy="364680"/>
+            <a:ext cx="11069280" cy="364320"/>
           </a:xfrm>
           <a:prstGeom prst="rect">
             <a:avLst/>
@@ -11221,7 +11237,7 @@
         <p:spPr>
           <a:xfrm>
             <a:off x="1523880" y="0"/>
-            <a:ext cx="9137520" cy="699120"/>
+            <a:ext cx="9137160" cy="699120"/>
           </a:xfrm>
           <a:prstGeom prst="rect">
             <a:avLst/>
@@ -11276,7 +11292,7 @@
         <p:spPr>
           <a:xfrm>
             <a:off x="1600200" y="762120"/>
-            <a:ext cx="8985240" cy="1186920"/>
+            <a:ext cx="8984880" cy="1186920"/>
           </a:xfrm>
           <a:prstGeom prst="rect">
             <a:avLst/>
@@ -11377,7 +11393,7 @@
         <p:spPr>
           <a:xfrm>
             <a:off x="152280" y="152280"/>
-            <a:ext cx="1100160" cy="455400"/>
+            <a:ext cx="1099800" cy="455400"/>
           </a:xfrm>
           <a:prstGeom prst="rect">
             <a:avLst/>
@@ -11428,7 +11444,7 @@
         <p:spPr>
           <a:xfrm>
             <a:off x="1601280" y="2689560"/>
-            <a:ext cx="8984160" cy="699480"/>
+            <a:ext cx="8983800" cy="699480"/>
           </a:xfrm>
           <a:prstGeom prst="rect">
             <a:avLst/>
@@ -11499,7 +11515,7 @@
         <p:spPr>
           <a:xfrm>
             <a:off x="1600200" y="3621600"/>
-            <a:ext cx="8883360" cy="912600"/>
+            <a:ext cx="8883000" cy="912600"/>
           </a:xfrm>
           <a:prstGeom prst="rect">
             <a:avLst/>
@@ -11520,7 +11536,7 @@
             <a:spAutoFit/>
           </a:bodyPr>
           <a:p>
-            <a:pPr marL="285840" indent="-279360">
+            <a:pPr marL="285840" indent="-279000">
               <a:lnSpc>
                 <a:spcPct val="150000"/>
               </a:lnSpc>
@@ -11565,7 +11581,7 @@
             </a:endParaRPr>
           </a:p>
           <a:p>
-            <a:pPr marL="285840" indent="-279360">
+            <a:pPr marL="285840" indent="-279000">
               <a:lnSpc>
                 <a:spcPct val="150000"/>
               </a:lnSpc>
@@ -11685,7 +11701,7 @@
         <p:spPr>
           <a:xfrm>
             <a:off x="1676520" y="2362320"/>
-            <a:ext cx="8832600" cy="1735560"/>
+            <a:ext cx="8832240" cy="1735560"/>
           </a:xfrm>
           <a:prstGeom prst="rect">
             <a:avLst/>
@@ -11719,7 +11735,7 @@
                 <a:latin typeface="Century"/>
                 <a:ea typeface="DejaVu Sans"/>
               </a:rPr>
-              <a:t>copy, move,del &amp; exists key</a:t>
+              <a:t>copy key, move key, del key &amp; exists key</a:t>
             </a:r>
             <a:endParaRPr b="0" lang="en-IN" sz="5400" spc="-1" strike="noStrike">
               <a:latin typeface="Arial"/>
@@ -11736,7 +11752,7 @@
         <p:spPr>
           <a:xfrm>
             <a:off x="522360" y="4467600"/>
-            <a:ext cx="11069640" cy="364680"/>
+            <a:ext cx="11069280" cy="364320"/>
           </a:xfrm>
           <a:prstGeom prst="rect">
             <a:avLst/>
@@ -11852,7 +11868,7 @@
         <p:spPr>
           <a:xfrm>
             <a:off x="1676520" y="2743200"/>
-            <a:ext cx="8832600" cy="1064520"/>
+            <a:ext cx="8832240" cy="1064520"/>
           </a:xfrm>
           <a:prstGeom prst="rect">
             <a:avLst/>
@@ -11873,7 +11889,7 @@
             <a:spAutoFit/>
           </a:bodyPr>
           <a:p>
-            <a:pPr marL="343080" indent="-336600">
+            <a:pPr marL="343080" indent="-336240">
               <a:lnSpc>
                 <a:spcPct val="100000"/>
               </a:lnSpc>
@@ -11928,7 +11944,7 @@
             </a:endParaRPr>
           </a:p>
           <a:p>
-            <a:pPr marL="343080" indent="-336600">
+            <a:pPr marL="343080" indent="-336240">
               <a:lnSpc>
                 <a:spcPct val="100000"/>
               </a:lnSpc>
@@ -12064,7 +12080,7 @@
         <p:spPr>
           <a:xfrm>
             <a:off x="1600200" y="762120"/>
-            <a:ext cx="8985240" cy="699480"/>
+            <a:ext cx="8984880" cy="699480"/>
           </a:xfrm>
           <a:prstGeom prst="rect">
             <a:avLst/>
@@ -12125,7 +12141,7 @@
         <p:spPr>
           <a:xfrm>
             <a:off x="1523880" y="5067720"/>
-            <a:ext cx="9137520" cy="790560"/>
+            <a:ext cx="9137160" cy="790560"/>
           </a:xfrm>
           <a:prstGeom prst="rect">
             <a:avLst/>
@@ -12186,7 +12202,7 @@
             </a:endParaRPr>
           </a:p>
           <a:p>
-            <a:pPr marL="285840" indent="-279360">
+            <a:pPr marL="285840" indent="-279000">
               <a:lnSpc>
                 <a:spcPct val="100000"/>
               </a:lnSpc>
@@ -12231,7 +12247,7 @@
         <p:spPr>
           <a:xfrm>
             <a:off x="1584000" y="4287960"/>
-            <a:ext cx="8705880" cy="349920"/>
+            <a:ext cx="8705520" cy="349560"/>
           </a:xfrm>
           <a:prstGeom prst="rect">
             <a:avLst/>
@@ -12302,7 +12318,7 @@
         <p:spPr>
           <a:xfrm>
             <a:off x="1523880" y="0"/>
-            <a:ext cx="9139680" cy="699120"/>
+            <a:ext cx="9139320" cy="699120"/>
           </a:xfrm>
           <a:prstGeom prst="rect">
             <a:avLst/>
@@ -12407,7 +12423,7 @@
         <p:spPr>
           <a:xfrm>
             <a:off x="1523880" y="0"/>
-            <a:ext cx="9137520" cy="699120"/>
+            <a:ext cx="9137160" cy="699120"/>
           </a:xfrm>
           <a:prstGeom prst="rect">
             <a:avLst/>
@@ -12462,7 +12478,7 @@
         <p:spPr>
           <a:xfrm>
             <a:off x="1600200" y="762120"/>
-            <a:ext cx="8985240" cy="2558520"/>
+            <a:ext cx="8984880" cy="2558520"/>
           </a:xfrm>
           <a:prstGeom prst="rect">
             <a:avLst/>
@@ -12723,7 +12739,7 @@
         <p:spPr>
           <a:xfrm>
             <a:off x="152280" y="152280"/>
-            <a:ext cx="1100160" cy="455400"/>
+            <a:ext cx="1099800" cy="455400"/>
           </a:xfrm>
           <a:prstGeom prst="rect">
             <a:avLst/>
@@ -12774,7 +12790,7 @@
         <p:spPr>
           <a:xfrm>
             <a:off x="1601280" y="3553560"/>
-            <a:ext cx="8984160" cy="1309320"/>
+            <a:ext cx="8983800" cy="1309320"/>
           </a:xfrm>
           <a:prstGeom prst="rect">
             <a:avLst/>
@@ -12885,7 +12901,7 @@
         <p:spPr>
           <a:xfrm>
             <a:off x="1600200" y="4989600"/>
-            <a:ext cx="8883360" cy="1735560"/>
+            <a:ext cx="8883000" cy="1735560"/>
           </a:xfrm>
           <a:prstGeom prst="rect">
             <a:avLst/>
@@ -12906,7 +12922,7 @@
             <a:spAutoFit/>
           </a:bodyPr>
           <a:p>
-            <a:pPr marL="285840" indent="-279360">
+            <a:pPr marL="285840" indent="-279000">
               <a:lnSpc>
                 <a:spcPct val="150000"/>
               </a:lnSpc>
@@ -12951,7 +12967,7 @@
             </a:endParaRPr>
           </a:p>
           <a:p>
-            <a:pPr marL="285840" indent="-279360">
+            <a:pPr marL="285840" indent="-279000">
               <a:lnSpc>
                 <a:spcPct val="150000"/>
               </a:lnSpc>
@@ -12996,7 +13012,7 @@
             </a:endParaRPr>
           </a:p>
           <a:p>
-            <a:pPr marL="285840" indent="-279360">
+            <a:pPr marL="285840" indent="-279000">
               <a:lnSpc>
                 <a:spcPct val="150000"/>
               </a:lnSpc>
@@ -13061,7 +13077,7 @@
             </a:endParaRPr>
           </a:p>
           <a:p>
-            <a:pPr marL="285840" indent="-279360">
+            <a:pPr marL="285840" indent="-279000">
               <a:lnSpc>
                 <a:spcPct val="150000"/>
               </a:lnSpc>
@@ -13181,7 +13197,7 @@
         <p:spPr>
           <a:xfrm>
             <a:off x="1676520" y="2362320"/>
-            <a:ext cx="8832600" cy="1735560"/>
+            <a:ext cx="8832240" cy="1735560"/>
           </a:xfrm>
           <a:prstGeom prst="rect">
             <a:avLst/>
@@ -13215,7 +13231,17 @@
                 <a:latin typeface="Century"/>
                 <a:ea typeface="DejaVu Sans"/>
               </a:rPr>
-              <a:t>rename, renamenx &amp; randomkey key</a:t>
+              <a:t>rename key, renamenx</a:t>
+            </a:r>
+            <a:r>
+              <a:rPr b="0" i="1" lang="en-IN" sz="5400" spc="-1" strike="noStrike">
+                <a:solidFill>
+                  <a:srgbClr val="f7c120"/>
+                </a:solidFill>
+                <a:latin typeface="Century"/>
+                <a:ea typeface="DejaVu Sans"/>
+              </a:rPr>
+              <a:t> key &amp; randomkey key</a:t>
             </a:r>
             <a:endParaRPr b="0" lang="en-IN" sz="5400" spc="-1" strike="noStrike">
               <a:latin typeface="Arial"/>
@@ -13232,7 +13258,7 @@
         <p:spPr>
           <a:xfrm>
             <a:off x="522360" y="4251600"/>
-            <a:ext cx="11069640" cy="364680"/>
+            <a:ext cx="11069280" cy="364320"/>
           </a:xfrm>
           <a:prstGeom prst="rect">
             <a:avLst/>
@@ -13313,7 +13339,7 @@
         <p:spPr>
           <a:xfrm>
             <a:off x="1523880" y="0"/>
-            <a:ext cx="9137520" cy="699120"/>
+            <a:ext cx="9137160" cy="699120"/>
           </a:xfrm>
           <a:prstGeom prst="rect">
             <a:avLst/>
@@ -13368,7 +13394,7 @@
         <p:spPr>
           <a:xfrm>
             <a:off x="1600200" y="762120"/>
-            <a:ext cx="8985240" cy="2284200"/>
+            <a:ext cx="8984880" cy="2284200"/>
           </a:xfrm>
           <a:prstGeom prst="rect">
             <a:avLst/>
@@ -13509,7 +13535,7 @@
         <p:spPr>
           <a:xfrm>
             <a:off x="152280" y="152280"/>
-            <a:ext cx="1100160" cy="455400"/>
+            <a:ext cx="1099800" cy="455400"/>
           </a:xfrm>
           <a:prstGeom prst="rect">
             <a:avLst/>
@@ -13560,7 +13586,7 @@
         <p:spPr>
           <a:xfrm>
             <a:off x="1601280" y="3337560"/>
-            <a:ext cx="8984160" cy="1004400"/>
+            <a:ext cx="8983800" cy="1004400"/>
           </a:xfrm>
           <a:prstGeom prst="rect">
             <a:avLst/>
@@ -13651,7 +13677,7 @@
         <p:spPr>
           <a:xfrm>
             <a:off x="1600200" y="4557600"/>
-            <a:ext cx="8883360" cy="1324080"/>
+            <a:ext cx="8883000" cy="1324080"/>
           </a:xfrm>
           <a:prstGeom prst="rect">
             <a:avLst/>
@@ -13672,7 +13698,7 @@
             <a:spAutoFit/>
           </a:bodyPr>
           <a:p>
-            <a:pPr marL="285840" indent="-279360">
+            <a:pPr marL="285840" indent="-279000">
               <a:lnSpc>
                 <a:spcPct val="150000"/>
               </a:lnSpc>
@@ -13717,7 +13743,7 @@
             </a:endParaRPr>
           </a:p>
           <a:p>
-            <a:pPr marL="285840" indent="-279360">
+            <a:pPr marL="285840" indent="-279000">
               <a:lnSpc>
                 <a:spcPct val="150000"/>
               </a:lnSpc>
@@ -13762,7 +13788,7 @@
             </a:endParaRPr>
           </a:p>
           <a:p>
-            <a:pPr marL="285840" indent="-279360">
+            <a:pPr marL="285840" indent="-279000">
               <a:lnSpc>
                 <a:spcPct val="150000"/>
               </a:lnSpc>
@@ -13882,7 +13908,7 @@
         <p:spPr>
           <a:xfrm>
             <a:off x="1676520" y="2362320"/>
-            <a:ext cx="8832600" cy="912600"/>
+            <a:ext cx="8832240" cy="912600"/>
           </a:xfrm>
           <a:prstGeom prst="rect">
             <a:avLst/>
@@ -13933,7 +13959,7 @@
         <p:spPr>
           <a:xfrm>
             <a:off x="1666800" y="609480"/>
-            <a:ext cx="8832600" cy="394560"/>
+            <a:ext cx="8832240" cy="394560"/>
           </a:xfrm>
           <a:prstGeom prst="rect">
             <a:avLst/>
@@ -13984,7 +14010,7 @@
         <p:spPr>
           <a:xfrm>
             <a:off x="522360" y="3531600"/>
-            <a:ext cx="11069640" cy="1186920"/>
+            <a:ext cx="11069280" cy="1186920"/>
           </a:xfrm>
           <a:prstGeom prst="rect">
             <a:avLst/>
@@ -14085,7 +14111,7 @@
         <p:spPr>
           <a:xfrm>
             <a:off x="1676520" y="2362320"/>
-            <a:ext cx="8832600" cy="912600"/>
+            <a:ext cx="8832240" cy="912600"/>
           </a:xfrm>
           <a:prstGeom prst="rect">
             <a:avLst/>
@@ -14119,7 +14145,17 @@
                 <a:latin typeface="Century"/>
                 <a:ea typeface="DejaVu Sans"/>
               </a:rPr>
-              <a:t>lpush &amp; rpush</a:t>
+              <a:t>lpush key &amp; rpush</a:t>
+            </a:r>
+            <a:r>
+              <a:rPr b="0" i="1" lang="en-IN" sz="5400" spc="-1" strike="noStrike">
+                <a:solidFill>
+                  <a:srgbClr val="f7c120"/>
+                </a:solidFill>
+                <a:latin typeface="Century"/>
+                <a:ea typeface="DejaVu Sans"/>
+              </a:rPr>
+              <a:t> key</a:t>
             </a:r>
             <a:endParaRPr b="0" lang="en-IN" sz="5400" spc="-1" strike="noStrike">
               <a:latin typeface="Arial"/>
@@ -14136,7 +14172,7 @@
         <p:spPr>
           <a:xfrm>
             <a:off x="522360" y="3531600"/>
-            <a:ext cx="11069640" cy="364680"/>
+            <a:ext cx="11069280" cy="364320"/>
           </a:xfrm>
           <a:prstGeom prst="rect">
             <a:avLst/>
@@ -14217,7 +14253,7 @@
         <p:spPr>
           <a:xfrm>
             <a:off x="1523880" y="0"/>
-            <a:ext cx="9137520" cy="699120"/>
+            <a:ext cx="9137160" cy="699120"/>
           </a:xfrm>
           <a:prstGeom prst="rect">
             <a:avLst/>
@@ -14272,7 +14308,7 @@
         <p:spPr>
           <a:xfrm>
             <a:off x="1600200" y="762120"/>
-            <a:ext cx="8985240" cy="1461240"/>
+            <a:ext cx="8984880" cy="1461240"/>
           </a:xfrm>
           <a:prstGeom prst="rect">
             <a:avLst/>
@@ -14373,7 +14409,7 @@
         <p:spPr>
           <a:xfrm>
             <a:off x="152280" y="152280"/>
-            <a:ext cx="1100160" cy="455400"/>
+            <a:ext cx="1099800" cy="455400"/>
           </a:xfrm>
           <a:prstGeom prst="rect">
             <a:avLst/>
@@ -14424,7 +14460,7 @@
         <p:spPr>
           <a:xfrm>
             <a:off x="1601280" y="2725560"/>
-            <a:ext cx="8984160" cy="699480"/>
+            <a:ext cx="8983800" cy="699480"/>
           </a:xfrm>
           <a:prstGeom prst="rect">
             <a:avLst/>
@@ -14495,7 +14531,7 @@
         <p:spPr>
           <a:xfrm>
             <a:off x="1600200" y="3585600"/>
-            <a:ext cx="8883360" cy="912600"/>
+            <a:ext cx="8883000" cy="912600"/>
           </a:xfrm>
           <a:prstGeom prst="rect">
             <a:avLst/>
@@ -14516,7 +14552,7 @@
             <a:spAutoFit/>
           </a:bodyPr>
           <a:p>
-            <a:pPr marL="285840" indent="-279360">
+            <a:pPr marL="285840" indent="-279000">
               <a:lnSpc>
                 <a:spcPct val="150000"/>
               </a:lnSpc>
@@ -14561,7 +14597,7 @@
             </a:endParaRPr>
           </a:p>
           <a:p>
-            <a:pPr marL="285840" indent="-279360">
+            <a:pPr marL="285840" indent="-279000">
               <a:lnSpc>
                 <a:spcPct val="150000"/>
               </a:lnSpc>
@@ -14651,7 +14687,7 @@
         <p:spPr>
           <a:xfrm>
             <a:off x="5256000" y="5472000"/>
-            <a:ext cx="5136480" cy="795240"/>
+            <a:ext cx="5136120" cy="794880"/>
           </a:xfrm>
           <a:prstGeom prst="rect">
             <a:avLst/>
@@ -14782,7 +14818,7 @@
         <p:spPr>
           <a:xfrm>
             <a:off x="10514160" y="2592000"/>
-            <a:ext cx="1509120" cy="4067640"/>
+            <a:ext cx="1508760" cy="4067280"/>
           </a:xfrm>
           <a:prstGeom prst="rect">
             <a:avLst/>
@@ -15133,7 +15169,7 @@
         <p:spPr>
           <a:xfrm>
             <a:off x="1676520" y="2362320"/>
-            <a:ext cx="8832600" cy="912600"/>
+            <a:ext cx="8832240" cy="912600"/>
           </a:xfrm>
           <a:prstGeom prst="rect">
             <a:avLst/>
@@ -15167,7 +15203,17 @@
                 <a:latin typeface="Century"/>
                 <a:ea typeface="DejaVu Sans"/>
               </a:rPr>
-              <a:t>lindex &amp; lrange</a:t>
+              <a:t>lindex key &amp; lrange</a:t>
+            </a:r>
+            <a:r>
+              <a:rPr b="0" i="1" lang="en-IN" sz="5400" spc="-1" strike="noStrike">
+                <a:solidFill>
+                  <a:srgbClr val="f7c120"/>
+                </a:solidFill>
+                <a:latin typeface="Century"/>
+                <a:ea typeface="DejaVu Sans"/>
+              </a:rPr>
+              <a:t> key</a:t>
             </a:r>
             <a:endParaRPr b="0" lang="en-IN" sz="5400" spc="-1" strike="noStrike">
               <a:latin typeface="Arial"/>
@@ -15184,7 +15230,7 @@
         <p:spPr>
           <a:xfrm>
             <a:off x="522360" y="3531600"/>
-            <a:ext cx="11069640" cy="364680"/>
+            <a:ext cx="11069280" cy="364320"/>
           </a:xfrm>
           <a:prstGeom prst="rect">
             <a:avLst/>
@@ -15265,7 +15311,7 @@
         <p:spPr>
           <a:xfrm>
             <a:off x="1523880" y="0"/>
-            <a:ext cx="9137520" cy="699120"/>
+            <a:ext cx="9137160" cy="699120"/>
           </a:xfrm>
           <a:prstGeom prst="rect">
             <a:avLst/>
@@ -15320,7 +15366,7 @@
         <p:spPr>
           <a:xfrm>
             <a:off x="1600200" y="762120"/>
-            <a:ext cx="8985240" cy="2558520"/>
+            <a:ext cx="8984880" cy="2558520"/>
           </a:xfrm>
           <a:prstGeom prst="rect">
             <a:avLst/>
@@ -15421,7 +15467,7 @@
         <p:spPr>
           <a:xfrm>
             <a:off x="72000" y="144000"/>
-            <a:ext cx="1359720" cy="1187640"/>
+            <a:ext cx="1359360" cy="1187280"/>
           </a:xfrm>
           <a:prstGeom prst="rect">
             <a:avLst/>
@@ -15472,7 +15518,7 @@
         <p:spPr>
           <a:xfrm>
             <a:off x="1601280" y="3697560"/>
-            <a:ext cx="8984160" cy="699480"/>
+            <a:ext cx="8983800" cy="699480"/>
           </a:xfrm>
           <a:prstGeom prst="rect">
             <a:avLst/>
@@ -15543,7 +15589,7 @@
         <p:spPr>
           <a:xfrm>
             <a:off x="1600200" y="4665600"/>
-            <a:ext cx="8883360" cy="912600"/>
+            <a:ext cx="8883000" cy="912600"/>
           </a:xfrm>
           <a:prstGeom prst="rect">
             <a:avLst/>
@@ -15564,7 +15610,7 @@
             <a:spAutoFit/>
           </a:bodyPr>
           <a:p>
-            <a:pPr marL="285840" indent="-279360">
+            <a:pPr marL="285840" indent="-279000">
               <a:lnSpc>
                 <a:spcPct val="150000"/>
               </a:lnSpc>
@@ -15609,7 +15655,7 @@
             </a:endParaRPr>
           </a:p>
           <a:p>
-            <a:pPr marL="285840" indent="-279360">
+            <a:pPr marL="285840" indent="-279000">
               <a:lnSpc>
                 <a:spcPct val="150000"/>
               </a:lnSpc>
@@ -15729,7 +15775,7 @@
         <p:spPr>
           <a:xfrm>
             <a:off x="1676520" y="2362320"/>
-            <a:ext cx="8832600" cy="912600"/>
+            <a:ext cx="8832240" cy="912600"/>
           </a:xfrm>
           <a:prstGeom prst="rect">
             <a:avLst/>
@@ -15763,7 +15809,17 @@
                 <a:latin typeface="Century"/>
                 <a:ea typeface="DejaVu Sans"/>
               </a:rPr>
-              <a:t>lset &amp; linsert</a:t>
+              <a:t>lset key &amp; linsert</a:t>
+            </a:r>
+            <a:r>
+              <a:rPr b="0" i="1" lang="en-IN" sz="5400" spc="-1" strike="noStrike">
+                <a:solidFill>
+                  <a:srgbClr val="f7c120"/>
+                </a:solidFill>
+                <a:latin typeface="Century"/>
+                <a:ea typeface="DejaVu Sans"/>
+              </a:rPr>
+              <a:t> key</a:t>
             </a:r>
             <a:endParaRPr b="0" lang="en-IN" sz="5400" spc="-1" strike="noStrike">
               <a:latin typeface="Arial"/>
@@ -15780,7 +15836,7 @@
         <p:spPr>
           <a:xfrm>
             <a:off x="522360" y="3531600"/>
-            <a:ext cx="11069640" cy="364680"/>
+            <a:ext cx="11069280" cy="364320"/>
           </a:xfrm>
           <a:prstGeom prst="rect">
             <a:avLst/>
@@ -15861,7 +15917,7 @@
         <p:spPr>
           <a:xfrm>
             <a:off x="1523880" y="0"/>
-            <a:ext cx="9137520" cy="699120"/>
+            <a:ext cx="9137160" cy="699120"/>
           </a:xfrm>
           <a:prstGeom prst="rect">
             <a:avLst/>
@@ -15916,7 +15972,7 @@
         <p:spPr>
           <a:xfrm>
             <a:off x="1600200" y="762120"/>
-            <a:ext cx="8985240" cy="1187640"/>
+            <a:ext cx="8984880" cy="1187280"/>
           </a:xfrm>
           <a:prstGeom prst="rect">
             <a:avLst/>
@@ -15937,7 +15993,11 @@
             <a:spAutoFit/>
           </a:bodyPr>
           <a:p>
-            <a:pPr algn="just"/>
+            <a:pPr algn="just">
+              <a:lnSpc>
+                <a:spcPct val="100000"/>
+              </a:lnSpc>
+            </a:pPr>
             <a:r>
               <a:rPr b="1" lang="en-US" sz="1800" spc="-1" strike="noStrike">
                 <a:solidFill>
@@ -15950,6 +16010,9 @@
             </a:r>
             <a:r>
               <a:rPr b="0" lang="en-US" sz="1800" spc="-1" strike="noStrike">
+                <a:solidFill>
+                  <a:srgbClr val="000000"/>
+                </a:solidFill>
                 <a:latin typeface="Arial"/>
                 <a:ea typeface="DejaVu Sans"/>
               </a:rPr>
@@ -15970,7 +16033,11 @@
             </a:endParaRPr>
           </a:p>
           <a:p>
-            <a:pPr algn="just"/>
+            <a:pPr algn="just">
+              <a:lnSpc>
+                <a:spcPct val="100000"/>
+              </a:lnSpc>
+            </a:pPr>
             <a:r>
               <a:rPr b="1" lang="en-US" sz="1800" spc="-1" strike="noStrike">
                 <a:solidFill>
@@ -15983,6 +16050,9 @@
             </a:r>
             <a:r>
               <a:rPr b="0" lang="en-US" sz="1800" spc="-1" strike="noStrike">
+                <a:solidFill>
+                  <a:srgbClr val="000000"/>
+                </a:solidFill>
                 <a:latin typeface="Arial"/>
                 <a:ea typeface="DejaVu Sans"/>
               </a:rPr>
@@ -16003,7 +16073,7 @@
         <p:spPr>
           <a:xfrm>
             <a:off x="152280" y="152280"/>
-            <a:ext cx="1100160" cy="455400"/>
+            <a:ext cx="1099800" cy="455400"/>
           </a:xfrm>
           <a:prstGeom prst="rect">
             <a:avLst/>
@@ -16054,7 +16124,7 @@
         <p:spPr>
           <a:xfrm>
             <a:off x="1601280" y="2473560"/>
-            <a:ext cx="8984160" cy="699480"/>
+            <a:ext cx="8983800" cy="699480"/>
           </a:xfrm>
           <a:prstGeom prst="rect">
             <a:avLst/>
@@ -16125,7 +16195,7 @@
         <p:spPr>
           <a:xfrm>
             <a:off x="1600200" y="3405600"/>
-            <a:ext cx="8883360" cy="1324080"/>
+            <a:ext cx="8883000" cy="1324080"/>
           </a:xfrm>
           <a:prstGeom prst="rect">
             <a:avLst/>
@@ -16146,7 +16216,7 @@
             <a:spAutoFit/>
           </a:bodyPr>
           <a:p>
-            <a:pPr marL="285840" indent="-279360">
+            <a:pPr marL="285840" indent="-279000">
               <a:lnSpc>
                 <a:spcPct val="150000"/>
               </a:lnSpc>
@@ -16191,7 +16261,7 @@
             </a:endParaRPr>
           </a:p>
           <a:p>
-            <a:pPr marL="285840" indent="-279360">
+            <a:pPr marL="285840" indent="-279000">
               <a:lnSpc>
                 <a:spcPct val="150000"/>
               </a:lnSpc>
@@ -16236,7 +16306,7 @@
             </a:endParaRPr>
           </a:p>
           <a:p>
-            <a:pPr marL="285840" indent="-279360">
+            <a:pPr marL="285840" indent="-279000">
               <a:lnSpc>
                 <a:spcPct val="150000"/>
               </a:lnSpc>
@@ -16319,14 +16389,14 @@
       </p:sp>
       <p:sp>
         <p:nvSpPr>
-          <p:cNvPr id="257" name="TextShape 7"/>
-          <p:cNvSpPr txBox="1"/>
+          <p:cNvPr id="257" name="CustomShape 7"/>
+          <p:cNvSpPr/>
           <p:nvPr/>
         </p:nvSpPr>
         <p:spPr>
           <a:xfrm>
             <a:off x="4601520" y="5832000"/>
-            <a:ext cx="5622480" cy="360000"/>
+            <a:ext cx="5622120" cy="359640"/>
           </a:xfrm>
           <a:prstGeom prst="rect">
             <a:avLst/>
@@ -16336,11 +16406,22 @@
             <a:noFill/>
           </a:ln>
         </p:spPr>
+        <p:style>
+          <a:lnRef idx="0"/>
+          <a:fillRef idx="0"/>
+          <a:effectRef idx="0"/>
+          <a:fontRef idx="minor"/>
+        </p:style>
         <p:txBody>
           <a:bodyPr lIns="90000" rIns="90000" tIns="45000" bIns="45000">
             <a:noAutofit/>
           </a:bodyPr>
           <a:p>
+            <a:pPr>
+              <a:lnSpc>
+                <a:spcPct val="100000"/>
+              </a:lnSpc>
+            </a:pPr>
             <a:r>
               <a:rPr b="0" lang="en-IN" sz="1800" spc="-1" strike="noStrike">
                 <a:solidFill>
@@ -16396,7 +16477,7 @@
         <p:spPr>
           <a:xfrm>
             <a:off x="10584000" y="3710160"/>
-            <a:ext cx="1408680" cy="2553840"/>
+            <a:ext cx="1408320" cy="2553480"/>
           </a:xfrm>
           <a:prstGeom prst="rect">
             <a:avLst/>
@@ -16637,7 +16718,7 @@
         <p:spPr>
           <a:xfrm>
             <a:off x="1676520" y="2362320"/>
-            <a:ext cx="8832600" cy="912600"/>
+            <a:ext cx="8832240" cy="912600"/>
           </a:xfrm>
           <a:prstGeom prst="rect">
             <a:avLst/>
@@ -16688,7 +16769,7 @@
         <p:spPr>
           <a:xfrm>
             <a:off x="522360" y="3531600"/>
-            <a:ext cx="11069640" cy="364680"/>
+            <a:ext cx="11069280" cy="364320"/>
           </a:xfrm>
           <a:prstGeom prst="rect">
             <a:avLst/>
@@ -16769,7 +16850,7 @@
         <p:spPr>
           <a:xfrm>
             <a:off x="1676520" y="2362320"/>
-            <a:ext cx="8832600" cy="912600"/>
+            <a:ext cx="8832240" cy="912600"/>
           </a:xfrm>
           <a:prstGeom prst="rect">
             <a:avLst/>
@@ -16803,7 +16884,17 @@
                 <a:latin typeface="Century"/>
                 <a:ea typeface="DejaVu Sans"/>
               </a:rPr>
-              <a:t>lpop &amp; rpop</a:t>
+              <a:t>lpop key &amp; rpop</a:t>
+            </a:r>
+            <a:r>
+              <a:rPr b="0" i="1" lang="en-IN" sz="5400" spc="-1" strike="noStrike">
+                <a:solidFill>
+                  <a:srgbClr val="f7c120"/>
+                </a:solidFill>
+                <a:latin typeface="Century"/>
+                <a:ea typeface="DejaVu Sans"/>
+              </a:rPr>
+              <a:t> key</a:t>
             </a:r>
             <a:endParaRPr b="0" lang="en-IN" sz="5400" spc="-1" strike="noStrike">
               <a:latin typeface="Arial"/>
@@ -16820,7 +16911,7 @@
         <p:spPr>
           <a:xfrm>
             <a:off x="522360" y="3531600"/>
-            <a:ext cx="11069640" cy="364680"/>
+            <a:ext cx="11069280" cy="364320"/>
           </a:xfrm>
           <a:prstGeom prst="rect">
             <a:avLst/>
@@ -16901,7 +16992,7 @@
         <p:spPr>
           <a:xfrm>
             <a:off x="1523880" y="0"/>
-            <a:ext cx="9137520" cy="699120"/>
+            <a:ext cx="9137160" cy="699120"/>
           </a:xfrm>
           <a:prstGeom prst="rect">
             <a:avLst/>
@@ -16956,7 +17047,7 @@
         <p:spPr>
           <a:xfrm>
             <a:off x="1600200" y="762120"/>
-            <a:ext cx="8985240" cy="2558520"/>
+            <a:ext cx="8984880" cy="2558520"/>
           </a:xfrm>
           <a:prstGeom prst="rect">
             <a:avLst/>
@@ -17057,7 +17148,7 @@
         <p:spPr>
           <a:xfrm>
             <a:off x="152280" y="152280"/>
-            <a:ext cx="1100160" cy="455400"/>
+            <a:ext cx="1099800" cy="455400"/>
           </a:xfrm>
           <a:prstGeom prst="rect">
             <a:avLst/>
@@ -17108,7 +17199,7 @@
         <p:spPr>
           <a:xfrm>
             <a:off x="1601280" y="3697560"/>
-            <a:ext cx="8984160" cy="699480"/>
+            <a:ext cx="8983800" cy="699480"/>
           </a:xfrm>
           <a:prstGeom prst="rect">
             <a:avLst/>
@@ -17179,7 +17270,7 @@
         <p:spPr>
           <a:xfrm>
             <a:off x="1600200" y="4629600"/>
-            <a:ext cx="8883360" cy="912600"/>
+            <a:ext cx="8883000" cy="912600"/>
           </a:xfrm>
           <a:prstGeom prst="rect">
             <a:avLst/>
@@ -17200,7 +17291,7 @@
             <a:spAutoFit/>
           </a:bodyPr>
           <a:p>
-            <a:pPr marL="285840" indent="-279360">
+            <a:pPr marL="285840" indent="-279000">
               <a:lnSpc>
                 <a:spcPct val="150000"/>
               </a:lnSpc>
@@ -17245,7 +17336,7 @@
             </a:endParaRPr>
           </a:p>
           <a:p>
-            <a:pPr marL="285840" indent="-279360">
+            <a:pPr marL="285840" indent="-279000">
               <a:lnSpc>
                 <a:spcPct val="150000"/>
               </a:lnSpc>
@@ -17365,7 +17456,7 @@
         <p:spPr>
           <a:xfrm>
             <a:off x="1676520" y="2362320"/>
-            <a:ext cx="8832600" cy="912600"/>
+            <a:ext cx="8832240" cy="912600"/>
           </a:xfrm>
           <a:prstGeom prst="rect">
             <a:avLst/>
@@ -17399,7 +17490,17 @@
                 <a:latin typeface="Century"/>
                 <a:ea typeface="DejaVu Sans"/>
               </a:rPr>
-              <a:t>llen &amp; lrem</a:t>
+              <a:t>llen key &amp; lrem</a:t>
+            </a:r>
+            <a:r>
+              <a:rPr b="0" i="1" lang="en-IN" sz="5400" spc="-1" strike="noStrike">
+                <a:solidFill>
+                  <a:srgbClr val="f7c120"/>
+                </a:solidFill>
+                <a:latin typeface="Century"/>
+                <a:ea typeface="DejaVu Sans"/>
+              </a:rPr>
+              <a:t> key</a:t>
             </a:r>
             <a:endParaRPr b="0" lang="en-IN" sz="5400" spc="-1" strike="noStrike">
               <a:latin typeface="Arial"/>
@@ -17416,7 +17517,7 @@
         <p:spPr>
           <a:xfrm>
             <a:off x="522360" y="3531600"/>
-            <a:ext cx="11069640" cy="364680"/>
+            <a:ext cx="11069280" cy="364320"/>
           </a:xfrm>
           <a:prstGeom prst="rect">
             <a:avLst/>
@@ -17497,7 +17598,7 @@
         <p:spPr>
           <a:xfrm>
             <a:off x="1523880" y="0"/>
-            <a:ext cx="9137520" cy="699120"/>
+            <a:ext cx="9137160" cy="699120"/>
           </a:xfrm>
           <a:prstGeom prst="rect">
             <a:avLst/>
@@ -17552,7 +17653,7 @@
         <p:spPr>
           <a:xfrm>
             <a:off x="1600200" y="762120"/>
-            <a:ext cx="8985240" cy="2284920"/>
+            <a:ext cx="8984880" cy="2284560"/>
           </a:xfrm>
           <a:prstGeom prst="rect">
             <a:avLst/>
@@ -17573,7 +17674,11 @@
             <a:spAutoFit/>
           </a:bodyPr>
           <a:p>
-            <a:pPr algn="just"/>
+            <a:pPr algn="just">
+              <a:lnSpc>
+                <a:spcPct val="100000"/>
+              </a:lnSpc>
+            </a:pPr>
             <a:r>
               <a:rPr b="1" lang="en-US" sz="1800" spc="-1" strike="noStrike">
                 <a:solidFill>
@@ -17586,6 +17691,9 @@
             </a:r>
             <a:r>
               <a:rPr b="0" lang="en-US" sz="1800" spc="-1" strike="noStrike">
+                <a:solidFill>
+                  <a:srgbClr val="000000"/>
+                </a:solidFill>
                 <a:latin typeface="Arial"/>
                 <a:ea typeface="DejaVu Sans"/>
               </a:rPr>
@@ -17606,7 +17714,11 @@
             </a:endParaRPr>
           </a:p>
           <a:p>
-            <a:pPr algn="just"/>
+            <a:pPr algn="just">
+              <a:lnSpc>
+                <a:spcPct val="100000"/>
+              </a:lnSpc>
+            </a:pPr>
             <a:r>
               <a:rPr b="1" lang="en-US" sz="1800" spc="-1" strike="noStrike">
                 <a:solidFill>
@@ -17619,17 +17731,53 @@
             </a:r>
             <a:r>
               <a:rPr b="0" lang="en-US" sz="1800" spc="-1" strike="noStrike">
+                <a:solidFill>
+                  <a:srgbClr val="000000"/>
+                </a:solidFill>
                 <a:latin typeface="Arial"/>
                 <a:ea typeface="DejaVu Sans"/>
               </a:rPr>
-              <a:t> removes the first count occurrences of elements equal to element from the list </a:t>
+              <a:t> removes the first count occurrences of elements equal to element from the list stored at key. The count argument influences the operation in the following ways:</a:t>
+            </a:r>
+            <a:endParaRPr b="0" lang="en-IN" sz="1800" spc="-1" strike="noStrike">
+              <a:latin typeface="Arial"/>
+            </a:endParaRPr>
+          </a:p>
+          <a:p>
+            <a:pPr algn="just">
+              <a:lnSpc>
+                <a:spcPct val="100000"/>
+              </a:lnSpc>
+            </a:pPr>
+            <a:endParaRPr b="0" lang="en-IN" sz="1800" spc="-1" strike="noStrike">
+              <a:latin typeface="Arial"/>
+            </a:endParaRPr>
+          </a:p>
+          <a:p>
+            <a:pPr algn="just">
+              <a:lnSpc>
+                <a:spcPct val="100000"/>
+              </a:lnSpc>
+            </a:pPr>
+            <a:r>
+              <a:rPr b="1" lang="en-US" sz="1800" spc="-1" strike="noStrike">
+                <a:solidFill>
+                  <a:srgbClr val="000000"/>
+                </a:solidFill>
+                <a:latin typeface="Arial"/>
+                <a:ea typeface="DejaVu Sans"/>
+              </a:rPr>
+              <a:t>count &gt; 0:</a:t>
             </a:r>
             <a:r>
               <a:rPr b="0" lang="en-US" sz="1800" spc="-1" strike="noStrike">
+                <a:solidFill>
+                  <a:srgbClr val="000000"/>
+                </a:solidFill>
                 <a:latin typeface="Arial"/>
                 <a:ea typeface="DejaVu Sans"/>
               </a:rPr>
-              <a:t>stored at key. The count argument influences the operation in the following ways:</a:t>
+              <a:t> Remove elements equal to element moving from head to tail.</a:t>
             </a:r>
             <a:endParaRPr b="0" lang="en-IN" sz="1800" spc="-1" strike="noStrike">
               <a:latin typeface="Arial"/>
@@ -17641,6 +17789,26 @@
                 <a:spcPct val="100000"/>
               </a:lnSpc>
             </a:pPr>
+            <a:r>
+              <a:rPr b="1" lang="en-US" sz="1800" spc="-1" strike="noStrike">
+                <a:solidFill>
+                  <a:srgbClr val="000000"/>
+                </a:solidFill>
+                <a:latin typeface="Arial"/>
+                <a:ea typeface="DejaVu Sans"/>
+              </a:rPr>
+              <a:t>count &lt; 0:</a:t>
+            </a:r>
+            <a:r>
+              <a:rPr b="0" lang="en-US" sz="1800" spc="-1" strike="noStrike">
+                <a:solidFill>
+                  <a:srgbClr val="000000"/>
+                </a:solidFill>
+                <a:latin typeface="Arial"/>
+                <a:ea typeface="DejaVu Sans"/>
+              </a:rPr>
+              <a:t> Remove elements equal to element moving from tail to head.</a:t>
+            </a:r>
             <a:endParaRPr b="0" lang="en-IN" sz="1800" spc="-1" strike="noStrike">
               <a:latin typeface="Arial"/>
             </a:endParaRPr>
@@ -17653,61 +17821,19 @@
             </a:pPr>
             <a:r>
               <a:rPr b="1" lang="en-US" sz="1800" spc="-1" strike="noStrike">
+                <a:solidFill>
+                  <a:srgbClr val="000000"/>
+                </a:solidFill>
                 <a:latin typeface="Arial"/>
                 <a:ea typeface="DejaVu Sans"/>
               </a:rPr>
-              <a:t>count &gt; 0:</a:t>
+              <a:t>count = 0:</a:t>
             </a:r>
             <a:r>
               <a:rPr b="0" lang="en-US" sz="1800" spc="-1" strike="noStrike">
-                <a:latin typeface="Arial"/>
-                <a:ea typeface="DejaVu Sans"/>
-              </a:rPr>
-              <a:t> Remove elements equal to element moving from head to tail.</a:t>
-            </a:r>
-            <a:endParaRPr b="0" lang="en-IN" sz="1800" spc="-1" strike="noStrike">
-              <a:latin typeface="Arial"/>
-            </a:endParaRPr>
-          </a:p>
-          <a:p>
-            <a:pPr algn="just">
-              <a:lnSpc>
-                <a:spcPct val="100000"/>
-              </a:lnSpc>
-            </a:pPr>
-            <a:r>
-              <a:rPr b="1" lang="en-US" sz="1800" spc="-1" strike="noStrike">
-                <a:latin typeface="Arial"/>
-                <a:ea typeface="DejaVu Sans"/>
-              </a:rPr>
-              <a:t>count &lt; 0:</a:t>
-            </a:r>
-            <a:r>
-              <a:rPr b="0" lang="en-US" sz="1800" spc="-1" strike="noStrike">
-                <a:latin typeface="Arial"/>
-                <a:ea typeface="DejaVu Sans"/>
-              </a:rPr>
-              <a:t> Remove elements equal to element moving from tail to head.</a:t>
-            </a:r>
-            <a:endParaRPr b="0" lang="en-IN" sz="1800" spc="-1" strike="noStrike">
-              <a:latin typeface="Arial"/>
-            </a:endParaRPr>
-          </a:p>
-          <a:p>
-            <a:pPr algn="just">
-              <a:lnSpc>
-                <a:spcPct val="100000"/>
-              </a:lnSpc>
-            </a:pPr>
-            <a:r>
-              <a:rPr b="1" lang="en-US" sz="1800" spc="-1" strike="noStrike">
-                <a:latin typeface="Arial"/>
-                <a:ea typeface="DejaVu Sans"/>
-              </a:rPr>
-              <a:t>count = 0:</a:t>
-            </a:r>
-            <a:r>
-              <a:rPr b="0" lang="en-US" sz="1800" spc="-1" strike="noStrike">
+                <a:solidFill>
+                  <a:srgbClr val="000000"/>
+                </a:solidFill>
                 <a:latin typeface="Arial"/>
                 <a:ea typeface="DejaVu Sans"/>
               </a:rPr>
@@ -17728,7 +17854,7 @@
         <p:spPr>
           <a:xfrm>
             <a:off x="152280" y="152280"/>
-            <a:ext cx="1100160" cy="455400"/>
+            <a:ext cx="1099800" cy="455400"/>
           </a:xfrm>
           <a:prstGeom prst="rect">
             <a:avLst/>
@@ -17779,7 +17905,7 @@
         <p:spPr>
           <a:xfrm>
             <a:off x="1601280" y="3625560"/>
-            <a:ext cx="8984160" cy="699480"/>
+            <a:ext cx="8983800" cy="699480"/>
           </a:xfrm>
           <a:prstGeom prst="rect">
             <a:avLst/>
@@ -17850,7 +17976,7 @@
         <p:spPr>
           <a:xfrm>
             <a:off x="1600200" y="4521600"/>
-            <a:ext cx="8883360" cy="912600"/>
+            <a:ext cx="8883000" cy="912600"/>
           </a:xfrm>
           <a:prstGeom prst="rect">
             <a:avLst/>
@@ -17871,7 +17997,7 @@
             <a:spAutoFit/>
           </a:bodyPr>
           <a:p>
-            <a:pPr marL="285840" indent="-279360">
+            <a:pPr marL="285840" indent="-279000">
               <a:lnSpc>
                 <a:spcPct val="150000"/>
               </a:lnSpc>
@@ -17916,7 +18042,7 @@
             </a:endParaRPr>
           </a:p>
           <a:p>
-            <a:pPr marL="285840" indent="-279360">
+            <a:pPr marL="285840" indent="-279000">
               <a:lnSpc>
                 <a:spcPct val="150000"/>
               </a:lnSpc>
@@ -17999,14 +18125,14 @@
       </p:sp>
       <p:sp>
         <p:nvSpPr>
-          <p:cNvPr id="275" name="TextShape 7"/>
-          <p:cNvSpPr txBox="1"/>
+          <p:cNvPr id="275" name="CustomShape 7"/>
+          <p:cNvSpPr/>
           <p:nvPr/>
         </p:nvSpPr>
         <p:spPr>
           <a:xfrm>
             <a:off x="1224000" y="5904000"/>
-            <a:ext cx="8928000" cy="360000"/>
+            <a:ext cx="8927640" cy="359640"/>
           </a:xfrm>
           <a:prstGeom prst="rect">
             <a:avLst/>
@@ -18016,12 +18142,21 @@
             <a:noFill/>
           </a:ln>
         </p:spPr>
+        <p:style>
+          <a:lnRef idx="0"/>
+          <a:fillRef idx="0"/>
+          <a:effectRef idx="0"/>
+          <a:fontRef idx="minor"/>
+        </p:style>
         <p:txBody>
           <a:bodyPr lIns="90000" rIns="90000" tIns="45000" bIns="45000">
             <a:noAutofit/>
           </a:bodyPr>
           <a:p>
-            <a:pPr marL="216000" indent="-216000">
+            <a:pPr marL="216000" indent="-215640">
+              <a:lnSpc>
+                <a:spcPct val="100000"/>
+              </a:lnSpc>
               <a:buClr>
                 <a:srgbClr val="000000"/>
               </a:buClr>
@@ -18077,14 +18212,14 @@
       </p:sp>
       <p:sp>
         <p:nvSpPr>
-          <p:cNvPr id="276" name="TextShape 8"/>
-          <p:cNvSpPr txBox="1"/>
+          <p:cNvPr id="276" name="CustomShape 8"/>
+          <p:cNvSpPr/>
           <p:nvPr/>
         </p:nvSpPr>
         <p:spPr>
           <a:xfrm>
             <a:off x="10585440" y="1036440"/>
-            <a:ext cx="1438560" cy="5659560"/>
+            <a:ext cx="1438200" cy="5659200"/>
           </a:xfrm>
           <a:prstGeom prst="rect">
             <a:avLst/>
@@ -18094,6 +18229,12 @@
             <a:noFill/>
           </a:ln>
         </p:spPr>
+        <p:style>
+          <a:lnRef idx="0"/>
+          <a:fillRef idx="0"/>
+          <a:effectRef idx="0"/>
+          <a:fontRef idx="minor"/>
+        </p:style>
         <p:txBody>
           <a:bodyPr lIns="90000" rIns="90000" tIns="45000" bIns="45000">
             <a:noAutofit/>
@@ -18509,7 +18650,7 @@
         <p:spPr>
           <a:xfrm>
             <a:off x="1365840" y="188640"/>
-            <a:ext cx="9676440" cy="2192400"/>
+            <a:ext cx="9676080" cy="2192400"/>
           </a:xfrm>
           <a:prstGeom prst="rect">
             <a:avLst/>
@@ -18604,7 +18745,7 @@
         <p:spPr>
           <a:xfrm>
             <a:off x="4404600" y="2036160"/>
-            <a:ext cx="3120120" cy="4656960"/>
+            <a:ext cx="3119760" cy="4656600"/>
           </a:xfrm>
           <a:prstGeom prst="rect">
             <a:avLst/>
@@ -18688,7 +18829,7 @@
         <p:spPr>
           <a:xfrm>
             <a:off x="1523880" y="0"/>
-            <a:ext cx="9137520" cy="699120"/>
+            <a:ext cx="9137160" cy="699120"/>
           </a:xfrm>
           <a:prstGeom prst="rect">
             <a:avLst/>
@@ -18743,7 +18884,7 @@
         <p:spPr>
           <a:xfrm>
             <a:off x="1600200" y="762120"/>
-            <a:ext cx="8985240" cy="638280"/>
+            <a:ext cx="8984880" cy="638280"/>
           </a:xfrm>
           <a:prstGeom prst="rect">
             <a:avLst/>
@@ -18804,7 +18945,7 @@
         <p:spPr>
           <a:xfrm>
             <a:off x="152280" y="152280"/>
-            <a:ext cx="1100160" cy="455400"/>
+            <a:ext cx="1099800" cy="455400"/>
           </a:xfrm>
           <a:prstGeom prst="rect">
             <a:avLst/>
@@ -18855,7 +18996,7 @@
         <p:spPr>
           <a:xfrm>
             <a:off x="1601280" y="2221560"/>
-            <a:ext cx="8984160" cy="699480"/>
+            <a:ext cx="8983800" cy="699480"/>
           </a:xfrm>
           <a:prstGeom prst="rect">
             <a:avLst/>
@@ -18926,7 +19067,7 @@
         <p:spPr>
           <a:xfrm>
             <a:off x="1523880" y="2940480"/>
-            <a:ext cx="9414360" cy="1735560"/>
+            <a:ext cx="9414000" cy="1735560"/>
           </a:xfrm>
           <a:prstGeom prst="rect">
             <a:avLst/>
@@ -18947,7 +19088,7 @@
             <a:spAutoFit/>
           </a:bodyPr>
           <a:p>
-            <a:pPr marL="285840" indent="-279360">
+            <a:pPr marL="285840" indent="-279000">
               <a:lnSpc>
                 <a:spcPct val="150000"/>
               </a:lnSpc>
@@ -18992,7 +19133,7 @@
             </a:endParaRPr>
           </a:p>
           <a:p>
-            <a:pPr marL="285840" indent="-279360">
+            <a:pPr marL="285840" indent="-279000">
               <a:lnSpc>
                 <a:spcPct val="150000"/>
               </a:lnSpc>
@@ -19067,7 +19208,7 @@
             </a:endParaRPr>
           </a:p>
           <a:p>
-            <a:pPr marL="285840" indent="-279360">
+            <a:pPr marL="285840" indent="-279000">
               <a:lnSpc>
                 <a:spcPct val="150000"/>
               </a:lnSpc>
@@ -19132,7 +19273,7 @@
             </a:endParaRPr>
           </a:p>
           <a:p>
-            <a:pPr marL="285840" indent="-279360">
+            <a:pPr marL="285840" indent="-279000">
               <a:lnSpc>
                 <a:spcPct val="150000"/>
               </a:lnSpc>
@@ -19197,7 +19338,7 @@
         <p:spPr>
           <a:xfrm>
             <a:off x="1584000" y="4889520"/>
-            <a:ext cx="8849880" cy="1010520"/>
+            <a:ext cx="8849520" cy="1010160"/>
           </a:xfrm>
           <a:prstGeom prst="rect">
             <a:avLst/>
@@ -19248,7 +19389,7 @@
             </a:endParaRPr>
           </a:p>
           <a:p>
-            <a:pPr marL="216000" indent="-209880">
+            <a:pPr marL="216000" indent="-209520">
               <a:lnSpc>
                 <a:spcPct val="100000"/>
               </a:lnSpc>
@@ -19374,7 +19515,7 @@
         <p:spPr>
           <a:xfrm>
             <a:off x="1676520" y="2362320"/>
-            <a:ext cx="8832600" cy="912600"/>
+            <a:ext cx="8832240" cy="912600"/>
           </a:xfrm>
           <a:prstGeom prst="rect">
             <a:avLst/>
@@ -19425,7 +19566,7 @@
         <p:spPr>
           <a:xfrm>
             <a:off x="1666800" y="609480"/>
-            <a:ext cx="8832600" cy="394560"/>
+            <a:ext cx="8832240" cy="394560"/>
           </a:xfrm>
           <a:prstGeom prst="rect">
             <a:avLst/>
@@ -19476,7 +19617,7 @@
         <p:spPr>
           <a:xfrm>
             <a:off x="522360" y="3531600"/>
-            <a:ext cx="11069640" cy="638280"/>
+            <a:ext cx="11069280" cy="638280"/>
           </a:xfrm>
           <a:prstGeom prst="rect">
             <a:avLst/>
@@ -19557,7 +19698,7 @@
         <p:spPr>
           <a:xfrm>
             <a:off x="1676520" y="2362320"/>
-            <a:ext cx="8832600" cy="912600"/>
+            <a:ext cx="8832240" cy="912600"/>
           </a:xfrm>
           <a:prstGeom prst="rect">
             <a:avLst/>
@@ -19608,7 +19749,7 @@
         <p:spPr>
           <a:xfrm>
             <a:off x="522360" y="3531600"/>
-            <a:ext cx="11069640" cy="364680"/>
+            <a:ext cx="11069280" cy="364320"/>
           </a:xfrm>
           <a:prstGeom prst="rect">
             <a:avLst/>
@@ -19724,7 +19865,7 @@
         <p:spPr>
           <a:xfrm>
             <a:off x="1523880" y="0"/>
-            <a:ext cx="9137520" cy="699120"/>
+            <a:ext cx="9137160" cy="699120"/>
           </a:xfrm>
           <a:prstGeom prst="rect">
             <a:avLst/>
@@ -19779,7 +19920,7 @@
         <p:spPr>
           <a:xfrm>
             <a:off x="1600200" y="762120"/>
-            <a:ext cx="8985240" cy="912600"/>
+            <a:ext cx="8984880" cy="912600"/>
           </a:xfrm>
           <a:prstGeom prst="rect">
             <a:avLst/>
@@ -19840,7 +19981,7 @@
         <p:spPr>
           <a:xfrm>
             <a:off x="1523880" y="4272480"/>
-            <a:ext cx="8883360" cy="2558520"/>
+            <a:ext cx="8883000" cy="2558520"/>
           </a:xfrm>
           <a:prstGeom prst="rect">
             <a:avLst/>
@@ -19861,7 +20002,7 @@
             <a:spAutoFit/>
           </a:bodyPr>
           <a:p>
-            <a:pPr marL="285840" indent="-279360">
+            <a:pPr marL="285840" indent="-279000">
               <a:lnSpc>
                 <a:spcPct val="150000"/>
               </a:lnSpc>
@@ -19906,7 +20047,7 @@
             </a:endParaRPr>
           </a:p>
           <a:p>
-            <a:pPr marL="285840" indent="-279360">
+            <a:pPr marL="285840" indent="-279000">
               <a:lnSpc>
                 <a:spcPct val="150000"/>
               </a:lnSpc>
@@ -19951,7 +20092,7 @@
             </a:endParaRPr>
           </a:p>
           <a:p>
-            <a:pPr marL="285840" indent="-279360">
+            <a:pPr marL="285840" indent="-279000">
               <a:lnSpc>
                 <a:spcPct val="150000"/>
               </a:lnSpc>
@@ -19996,7 +20137,7 @@
             </a:endParaRPr>
           </a:p>
           <a:p>
-            <a:pPr marL="285840" indent="-279360">
+            <a:pPr marL="285840" indent="-279000">
               <a:lnSpc>
                 <a:spcPct val="150000"/>
               </a:lnSpc>
@@ -20041,7 +20182,7 @@
             </a:endParaRPr>
           </a:p>
           <a:p>
-            <a:pPr marL="285840" indent="-279360">
+            <a:pPr marL="285840" indent="-279000">
               <a:lnSpc>
                 <a:spcPct val="150000"/>
               </a:lnSpc>
@@ -20076,7 +20217,7 @@
             </a:endParaRPr>
           </a:p>
           <a:p>
-            <a:pPr marL="285840" indent="-279360">
+            <a:pPr marL="285840" indent="-279000">
               <a:lnSpc>
                 <a:spcPct val="150000"/>
               </a:lnSpc>
@@ -20641,7 +20782,7 @@
         <p:spPr>
           <a:xfrm>
             <a:off x="1601280" y="2221560"/>
-            <a:ext cx="8984160" cy="394560"/>
+            <a:ext cx="8983800" cy="394560"/>
           </a:xfrm>
           <a:prstGeom prst="rect">
             <a:avLst/>
@@ -20722,7 +20863,7 @@
         <p:spPr>
           <a:xfrm>
             <a:off x="1676520" y="2362320"/>
-            <a:ext cx="8832600" cy="912600"/>
+            <a:ext cx="8832240" cy="912600"/>
           </a:xfrm>
           <a:prstGeom prst="rect">
             <a:avLst/>
@@ -20773,7 +20914,7 @@
         <p:spPr>
           <a:xfrm>
             <a:off x="522360" y="3531600"/>
-            <a:ext cx="11069640" cy="364680"/>
+            <a:ext cx="11069280" cy="364320"/>
           </a:xfrm>
           <a:prstGeom prst="rect">
             <a:avLst/>

--- a/redis ver1.pptx
+++ b/redis ver1.pptx
@@ -50,6 +50,8 @@
     <p:sldId id="297" r:id="rId45"/>
     <p:sldId id="298" r:id="rId46"/>
     <p:sldId id="299" r:id="rId47"/>
+    <p:sldId id="300" r:id="rId48"/>
+    <p:sldId id="301" r:id="rId49"/>
   </p:sldIdLst>
   <p:sldSz cx="12192000" cy="6858000"/>
   <p:notesSz cx="7559675" cy="10691812"/>
@@ -2858,8 +2860,8 @@
         </p:nvSpPr>
         <p:spPr>
           <a:xfrm rot="5400000">
-            <a:off x="597240" y="6447240"/>
-            <a:ext cx="183960" cy="153720"/>
+            <a:off x="597600" y="6447240"/>
+            <a:ext cx="183600" cy="153360"/>
           </a:xfrm>
           <a:prstGeom prst="triangle">
             <a:avLst>
@@ -2900,7 +2902,7 @@
         <p:spPr>
           <a:xfrm>
             <a:off x="1206360" y="3648240"/>
-            <a:ext cx="9746640" cy="1273320"/>
+            <a:ext cx="9746280" cy="1272960"/>
           </a:xfrm>
           <a:prstGeom prst="rect">
             <a:avLst/>
@@ -2942,7 +2944,7 @@
         <p:spPr>
           <a:xfrm>
             <a:off x="1219320" y="5638680"/>
-            <a:ext cx="9746640" cy="678960"/>
+            <a:ext cx="9746280" cy="678600"/>
           </a:xfrm>
           <a:prstGeom prst="rect">
             <a:avLst/>
@@ -2984,7 +2986,7 @@
         <p:spPr>
           <a:xfrm>
             <a:off x="1206360" y="3648240"/>
-            <a:ext cx="298080" cy="1273320"/>
+            <a:ext cx="297720" cy="1272960"/>
           </a:xfrm>
           <a:prstGeom prst="rect">
             <a:avLst/>
@@ -3023,7 +3025,7 @@
         <p:spPr>
           <a:xfrm>
             <a:off x="1219320" y="5638680"/>
-            <a:ext cx="298080" cy="678960"/>
+            <a:ext cx="297720" cy="678600"/>
           </a:xfrm>
           <a:prstGeom prst="rect">
             <a:avLst/>
@@ -3379,8 +3381,8 @@
         </p:nvSpPr>
         <p:spPr>
           <a:xfrm rot="5400000">
-            <a:off x="597240" y="6447240"/>
-            <a:ext cx="183960" cy="153720"/>
+            <a:off x="597600" y="6447240"/>
+            <a:ext cx="183600" cy="153360"/>
           </a:xfrm>
           <a:prstGeom prst="triangle">
             <a:avLst>
@@ -3449,8 +3451,8 @@
         </p:nvSpPr>
         <p:spPr>
           <a:xfrm rot="5400000">
-            <a:off x="597240" y="6447240"/>
-            <a:ext cx="183960" cy="153720"/>
+            <a:off x="597600" y="6447240"/>
+            <a:ext cx="183600" cy="153360"/>
           </a:xfrm>
           <a:prstGeom prst="triangle">
             <a:avLst>
@@ -3744,7 +3746,7 @@
         <p:spPr>
           <a:xfrm>
             <a:off x="1975680" y="3733920"/>
-            <a:ext cx="8527680" cy="983880"/>
+            <a:ext cx="8527320" cy="983520"/>
           </a:xfrm>
           <a:prstGeom prst="rect">
             <a:avLst/>
@@ -3801,7 +3803,7 @@
         <p:spPr>
           <a:xfrm>
             <a:off x="181440" y="2001960"/>
-            <a:ext cx="2847600" cy="2847600"/>
+            <a:ext cx="2847240" cy="2847240"/>
           </a:xfrm>
           <a:prstGeom prst="rect">
             <a:avLst/>
@@ -3820,7 +3822,7 @@
         <p:spPr>
           <a:xfrm>
             <a:off x="4444920" y="5050800"/>
-            <a:ext cx="6058080" cy="581040"/>
+            <a:ext cx="6057720" cy="580680"/>
           </a:xfrm>
           <a:prstGeom prst="rect">
             <a:avLst/>
@@ -3883,7 +3885,7 @@
         <p:spPr>
           <a:xfrm>
             <a:off x="181440" y="196560"/>
-            <a:ext cx="2847600" cy="1060920"/>
+            <a:ext cx="2847240" cy="1060560"/>
           </a:xfrm>
           <a:prstGeom prst="rect">
             <a:avLst/>
@@ -3902,7 +3904,7 @@
         <p:spPr>
           <a:xfrm>
             <a:off x="3557880" y="93600"/>
-            <a:ext cx="8445960" cy="3045240"/>
+            <a:ext cx="8445600" cy="3045240"/>
           </a:xfrm>
           <a:prstGeom prst="rect">
             <a:avLst/>
@@ -3987,7 +3989,7 @@
         <p:spPr>
           <a:xfrm>
             <a:off x="181440" y="196920"/>
-            <a:ext cx="2849400" cy="1062720"/>
+            <a:ext cx="2849040" cy="1062360"/>
           </a:xfrm>
           <a:prstGeom prst="rect">
             <a:avLst/>
@@ -4010,7 +4012,7 @@
         <p:spPr>
           <a:xfrm>
             <a:off x="181440" y="2001960"/>
-            <a:ext cx="2850480" cy="2850480"/>
+            <a:ext cx="2850120" cy="2850120"/>
           </a:xfrm>
           <a:prstGeom prst="rect">
             <a:avLst/>
@@ -4029,7 +4031,7 @@
         <p:spPr>
           <a:xfrm>
             <a:off x="432000" y="5511600"/>
-            <a:ext cx="4247640" cy="601920"/>
+            <a:ext cx="4247280" cy="601560"/>
           </a:xfrm>
           <a:prstGeom prst="rect">
             <a:avLst/>
@@ -4057,7 +4059,11 @@
             </a:pPr>
             <a:r>
               <a:rPr b="0" lang="en-IN" sz="1800" spc="-1" strike="noStrike">
+                <a:solidFill>
+                  <a:srgbClr val="000000"/>
+                </a:solidFill>
                 <a:latin typeface="Arial"/>
+                <a:ea typeface="DejaVu Sans"/>
               </a:rPr>
               <a:t>SAVE</a:t>
             </a:r>
@@ -4073,7 +4079,11 @@
             </a:pPr>
             <a:r>
               <a:rPr b="0" lang="en-IN" sz="1800" spc="-1" strike="noStrike">
+                <a:solidFill>
+                  <a:srgbClr val="000000"/>
+                </a:solidFill>
                 <a:latin typeface="Arial"/>
+                <a:ea typeface="DejaVu Sans"/>
               </a:rPr>
               <a:t>Config get dir  /var/lib/redis</a:t>
             </a:r>
@@ -4157,7 +4167,7 @@
         <p:spPr>
           <a:xfrm>
             <a:off x="1523880" y="0"/>
-            <a:ext cx="9137160" cy="699120"/>
+            <a:ext cx="9136800" cy="699120"/>
           </a:xfrm>
           <a:prstGeom prst="rect">
             <a:avLst/>
@@ -4212,7 +4222,7 @@
         <p:spPr>
           <a:xfrm>
             <a:off x="1600200" y="762120"/>
-            <a:ext cx="8984880" cy="1735560"/>
+            <a:ext cx="8984520" cy="1735560"/>
           </a:xfrm>
           <a:prstGeom prst="rect">
             <a:avLst/>
@@ -4313,7 +4323,7 @@
         <p:spPr>
           <a:xfrm>
             <a:off x="152280" y="152280"/>
-            <a:ext cx="1099800" cy="455400"/>
+            <a:ext cx="1099440" cy="455400"/>
           </a:xfrm>
           <a:prstGeom prst="rect">
             <a:avLst/>
@@ -4364,7 +4374,7 @@
         <p:spPr>
           <a:xfrm>
             <a:off x="1601280" y="2823480"/>
-            <a:ext cx="8983800" cy="699480"/>
+            <a:ext cx="8983440" cy="699480"/>
           </a:xfrm>
           <a:prstGeom prst="rect">
             <a:avLst/>
@@ -4435,7 +4445,7 @@
         <p:spPr>
           <a:xfrm>
             <a:off x="1523880" y="3801960"/>
-            <a:ext cx="8883000" cy="2147040"/>
+            <a:ext cx="8882640" cy="2147040"/>
           </a:xfrm>
           <a:prstGeom prst="rect">
             <a:avLst/>
@@ -4456,7 +4466,7 @@
             <a:spAutoFit/>
           </a:bodyPr>
           <a:p>
-            <a:pPr marL="285840" indent="-279000">
+            <a:pPr marL="285840" indent="-278640">
               <a:lnSpc>
                 <a:spcPct val="150000"/>
               </a:lnSpc>
@@ -4501,7 +4511,7 @@
             </a:endParaRPr>
           </a:p>
           <a:p>
-            <a:pPr marL="285840" indent="-279000">
+            <a:pPr marL="285840" indent="-278640">
               <a:lnSpc>
                 <a:spcPct val="150000"/>
               </a:lnSpc>
@@ -4546,7 +4556,7 @@
             </a:endParaRPr>
           </a:p>
           <a:p>
-            <a:pPr marL="285840" indent="-279000">
+            <a:pPr marL="285840" indent="-278640">
               <a:lnSpc>
                 <a:spcPct val="150000"/>
               </a:lnSpc>
@@ -4591,7 +4601,7 @@
             </a:endParaRPr>
           </a:p>
           <a:p>
-            <a:pPr marL="285840" indent="-279000">
+            <a:pPr marL="285840" indent="-278640">
               <a:lnSpc>
                 <a:spcPct val="150000"/>
               </a:lnSpc>
@@ -4676,7 +4686,7 @@
         <p:spPr>
           <a:xfrm>
             <a:off x="1676520" y="2362320"/>
-            <a:ext cx="8832240" cy="912600"/>
+            <a:ext cx="8831880" cy="912600"/>
           </a:xfrm>
           <a:prstGeom prst="rect">
             <a:avLst/>
@@ -4727,7 +4737,7 @@
         <p:spPr>
           <a:xfrm>
             <a:off x="522360" y="3531600"/>
-            <a:ext cx="11069280" cy="364320"/>
+            <a:ext cx="11068920" cy="363960"/>
           </a:xfrm>
           <a:prstGeom prst="rect">
             <a:avLst/>
@@ -4843,7 +4853,7 @@
         <p:spPr>
           <a:xfrm>
             <a:off x="1523880" y="0"/>
-            <a:ext cx="9137160" cy="699120"/>
+            <a:ext cx="9136800" cy="699120"/>
           </a:xfrm>
           <a:prstGeom prst="rect">
             <a:avLst/>
@@ -4898,7 +4908,7 @@
         <p:spPr>
           <a:xfrm>
             <a:off x="1600200" y="762120"/>
-            <a:ext cx="8984880" cy="1461240"/>
+            <a:ext cx="8984520" cy="1461240"/>
           </a:xfrm>
           <a:prstGeom prst="rect">
             <a:avLst/>
@@ -4999,7 +5009,7 @@
         <p:spPr>
           <a:xfrm>
             <a:off x="152280" y="152280"/>
-            <a:ext cx="1099800" cy="455400"/>
+            <a:ext cx="1099440" cy="455400"/>
           </a:xfrm>
           <a:prstGeom prst="rect">
             <a:avLst/>
@@ -5050,7 +5060,7 @@
         <p:spPr>
           <a:xfrm>
             <a:off x="1601280" y="2509560"/>
-            <a:ext cx="8983800" cy="699480"/>
+            <a:ext cx="8983440" cy="699480"/>
           </a:xfrm>
           <a:prstGeom prst="rect">
             <a:avLst/>
@@ -5121,7 +5131,7 @@
         <p:spPr>
           <a:xfrm>
             <a:off x="1523880" y="3480480"/>
-            <a:ext cx="8883000" cy="2558520"/>
+            <a:ext cx="8882640" cy="2558520"/>
           </a:xfrm>
           <a:prstGeom prst="rect">
             <a:avLst/>
@@ -5142,7 +5152,7 @@
             <a:spAutoFit/>
           </a:bodyPr>
           <a:p>
-            <a:pPr marL="285840" indent="-279000">
+            <a:pPr marL="285840" indent="-278640">
               <a:lnSpc>
                 <a:spcPct val="150000"/>
               </a:lnSpc>
@@ -5187,7 +5197,7 @@
             </a:endParaRPr>
           </a:p>
           <a:p>
-            <a:pPr marL="285840" indent="-279000">
+            <a:pPr marL="285840" indent="-278640">
               <a:lnSpc>
                 <a:spcPct val="150000"/>
               </a:lnSpc>
@@ -5232,7 +5242,7 @@
             </a:endParaRPr>
           </a:p>
           <a:p>
-            <a:pPr marL="285840" indent="-279000">
+            <a:pPr marL="285840" indent="-278640">
               <a:lnSpc>
                 <a:spcPct val="150000"/>
               </a:lnSpc>
@@ -5277,7 +5287,7 @@
             </a:endParaRPr>
           </a:p>
           <a:p>
-            <a:pPr marL="285840" indent="-279000">
+            <a:pPr marL="285840" indent="-278640">
               <a:lnSpc>
                 <a:spcPct val="150000"/>
               </a:lnSpc>
@@ -5322,7 +5332,7 @@
             </a:endParaRPr>
           </a:p>
           <a:p>
-            <a:pPr marL="285840" indent="-279000">
+            <a:pPr marL="285840" indent="-278640">
               <a:lnSpc>
                 <a:spcPct val="150000"/>
               </a:lnSpc>
@@ -5357,7 +5367,7 @@
             </a:endParaRPr>
           </a:p>
           <a:p>
-            <a:pPr marL="285840" indent="-279000">
+            <a:pPr marL="285840" indent="-278640">
               <a:lnSpc>
                 <a:spcPct val="150000"/>
               </a:lnSpc>
@@ -5432,7 +5442,7 @@
         <p:spPr>
           <a:xfrm>
             <a:off x="1676520" y="2362320"/>
-            <a:ext cx="8832240" cy="1735560"/>
+            <a:ext cx="8831880" cy="1735560"/>
           </a:xfrm>
           <a:prstGeom prst="rect">
             <a:avLst/>
@@ -5483,7 +5493,7 @@
         <p:spPr>
           <a:xfrm>
             <a:off x="522360" y="4323600"/>
-            <a:ext cx="11069280" cy="364320"/>
+            <a:ext cx="11068920" cy="363960"/>
           </a:xfrm>
           <a:prstGeom prst="rect">
             <a:avLst/>
@@ -5599,7 +5609,7 @@
         <p:spPr>
           <a:xfrm>
             <a:off x="1523880" y="0"/>
-            <a:ext cx="9137160" cy="699120"/>
+            <a:ext cx="9136800" cy="699120"/>
           </a:xfrm>
           <a:prstGeom prst="rect">
             <a:avLst/>
@@ -5654,7 +5664,7 @@
         <p:spPr>
           <a:xfrm>
             <a:off x="1600200" y="762120"/>
-            <a:ext cx="8984880" cy="2284200"/>
+            <a:ext cx="8984520" cy="2284200"/>
           </a:xfrm>
           <a:prstGeom prst="rect">
             <a:avLst/>
@@ -5795,7 +5805,7 @@
         <p:spPr>
           <a:xfrm>
             <a:off x="152280" y="152280"/>
-            <a:ext cx="1099800" cy="455400"/>
+            <a:ext cx="1099440" cy="455400"/>
           </a:xfrm>
           <a:prstGeom prst="rect">
             <a:avLst/>
@@ -5846,7 +5856,7 @@
         <p:spPr>
           <a:xfrm>
             <a:off x="1601280" y="2977560"/>
-            <a:ext cx="8983800" cy="1309320"/>
+            <a:ext cx="8983440" cy="1309320"/>
           </a:xfrm>
           <a:prstGeom prst="rect">
             <a:avLst/>
@@ -5957,7 +5967,7 @@
         <p:spPr>
           <a:xfrm>
             <a:off x="1523880" y="4344480"/>
-            <a:ext cx="8883000" cy="2147040"/>
+            <a:ext cx="8882640" cy="2147040"/>
           </a:xfrm>
           <a:prstGeom prst="rect">
             <a:avLst/>
@@ -5978,7 +5988,7 @@
             <a:spAutoFit/>
           </a:bodyPr>
           <a:p>
-            <a:pPr marL="285840" indent="-279000">
+            <a:pPr marL="285840" indent="-278640">
               <a:lnSpc>
                 <a:spcPct val="150000"/>
               </a:lnSpc>
@@ -6023,7 +6033,7 @@
             </a:endParaRPr>
           </a:p>
           <a:p>
-            <a:pPr marL="285840" indent="-279000">
+            <a:pPr marL="285840" indent="-278640">
               <a:lnSpc>
                 <a:spcPct val="150000"/>
               </a:lnSpc>
@@ -6068,7 +6078,7 @@
             </a:endParaRPr>
           </a:p>
           <a:p>
-            <a:pPr marL="285840" indent="-279000">
+            <a:pPr marL="285840" indent="-278640">
               <a:lnSpc>
                 <a:spcPct val="150000"/>
               </a:lnSpc>
@@ -6113,7 +6123,7 @@
             </a:endParaRPr>
           </a:p>
           <a:p>
-            <a:pPr marL="285840" indent="-279000">
+            <a:pPr marL="285840" indent="-278640">
               <a:lnSpc>
                 <a:spcPct val="150000"/>
               </a:lnSpc>
@@ -6158,7 +6168,7 @@
             </a:endParaRPr>
           </a:p>
           <a:p>
-            <a:pPr marL="285840" indent="-279000">
+            <a:pPr marL="285840" indent="-278640">
               <a:lnSpc>
                 <a:spcPct val="150000"/>
               </a:lnSpc>
@@ -6243,7 +6253,7 @@
         <p:spPr>
           <a:xfrm>
             <a:off x="1676520" y="2362320"/>
-            <a:ext cx="8832240" cy="912600"/>
+            <a:ext cx="8831880" cy="912600"/>
           </a:xfrm>
           <a:prstGeom prst="rect">
             <a:avLst/>
@@ -6294,7 +6304,7 @@
         <p:spPr>
           <a:xfrm>
             <a:off x="522360" y="3531600"/>
-            <a:ext cx="11069280" cy="364320"/>
+            <a:ext cx="11068920" cy="363960"/>
           </a:xfrm>
           <a:prstGeom prst="rect">
             <a:avLst/>
@@ -6410,7 +6420,7 @@
         <p:spPr>
           <a:xfrm>
             <a:off x="1523880" y="0"/>
-            <a:ext cx="9137160" cy="699120"/>
+            <a:ext cx="9136800" cy="699120"/>
           </a:xfrm>
           <a:prstGeom prst="rect">
             <a:avLst/>
@@ -6465,7 +6475,7 @@
         <p:spPr>
           <a:xfrm>
             <a:off x="1600200" y="762120"/>
-            <a:ext cx="8984880" cy="912600"/>
+            <a:ext cx="8984520" cy="912600"/>
           </a:xfrm>
           <a:prstGeom prst="rect">
             <a:avLst/>
@@ -6566,7 +6576,7 @@
         <p:spPr>
           <a:xfrm>
             <a:off x="1600200" y="2865600"/>
-            <a:ext cx="8883000" cy="1735560"/>
+            <a:ext cx="8882640" cy="1735560"/>
           </a:xfrm>
           <a:prstGeom prst="rect">
             <a:avLst/>
@@ -6587,7 +6597,7 @@
             <a:spAutoFit/>
           </a:bodyPr>
           <a:p>
-            <a:pPr marL="285840" indent="-279000">
+            <a:pPr marL="285840" indent="-278640">
               <a:lnSpc>
                 <a:spcPct val="150000"/>
               </a:lnSpc>
@@ -6632,7 +6642,7 @@
             </a:endParaRPr>
           </a:p>
           <a:p>
-            <a:pPr marL="285840" indent="-279000">
+            <a:pPr marL="285840" indent="-278640">
               <a:lnSpc>
                 <a:spcPct val="150000"/>
               </a:lnSpc>
@@ -6677,7 +6687,7 @@
             </a:endParaRPr>
           </a:p>
           <a:p>
-            <a:pPr marL="285840" indent="-279000">
+            <a:pPr marL="285840" indent="-278640">
               <a:lnSpc>
                 <a:spcPct val="150000"/>
               </a:lnSpc>
@@ -6722,7 +6732,7 @@
             </a:endParaRPr>
           </a:p>
           <a:p>
-            <a:pPr marL="285840" indent="-279000">
+            <a:pPr marL="285840" indent="-278640">
               <a:lnSpc>
                 <a:spcPct val="150000"/>
               </a:lnSpc>
@@ -6777,7 +6787,7 @@
         <p:spPr>
           <a:xfrm>
             <a:off x="152280" y="152280"/>
-            <a:ext cx="1099800" cy="455400"/>
+            <a:ext cx="1099440" cy="455400"/>
           </a:xfrm>
           <a:prstGeom prst="rect">
             <a:avLst/>
@@ -6828,7 +6838,7 @@
         <p:spPr>
           <a:xfrm>
             <a:off x="1601280" y="2221560"/>
-            <a:ext cx="8983800" cy="699480"/>
+            <a:ext cx="8983440" cy="699480"/>
           </a:xfrm>
           <a:prstGeom prst="rect">
             <a:avLst/>
@@ -6899,7 +6909,7 @@
         <p:spPr>
           <a:xfrm>
             <a:off x="1656000" y="4713480"/>
-            <a:ext cx="8993520" cy="1363680"/>
+            <a:ext cx="8993160" cy="1363320"/>
           </a:xfrm>
           <a:prstGeom prst="rect">
             <a:avLst/>
@@ -6920,7 +6930,7 @@
             <a:noAutofit/>
           </a:bodyPr>
           <a:p>
-            <a:pPr marL="216000" indent="-212400">
+            <a:pPr marL="216000" indent="-212040">
               <a:lnSpc>
                 <a:spcPct val="150000"/>
               </a:lnSpc>
@@ -6955,7 +6965,7 @@
             </a:endParaRPr>
           </a:p>
           <a:p>
-            <a:pPr marL="216000" indent="-212400">
+            <a:pPr marL="216000" indent="-212040">
               <a:lnSpc>
                 <a:spcPct val="150000"/>
               </a:lnSpc>
@@ -6990,7 +7000,7 @@
             </a:endParaRPr>
           </a:p>
           <a:p>
-            <a:pPr marL="216000" indent="-212400">
+            <a:pPr marL="216000" indent="-212040">
               <a:lnSpc>
                 <a:spcPct val="150000"/>
               </a:lnSpc>
@@ -7025,7 +7035,7 @@
             </a:endParaRPr>
           </a:p>
           <a:p>
-            <a:pPr marL="216000" indent="-212400">
+            <a:pPr marL="216000" indent="-212040">
               <a:lnSpc>
                 <a:spcPct val="150000"/>
               </a:lnSpc>
@@ -7060,7 +7070,7 @@
             </a:endParaRPr>
           </a:p>
           <a:p>
-            <a:pPr marL="216000" indent="-212400">
+            <a:pPr marL="216000" indent="-212040">
               <a:lnSpc>
                 <a:spcPct val="150000"/>
               </a:lnSpc>
@@ -7135,7 +7145,7 @@
         <p:spPr>
           <a:xfrm>
             <a:off x="1676520" y="2362320"/>
-            <a:ext cx="8832240" cy="912600"/>
+            <a:ext cx="8831880" cy="912600"/>
           </a:xfrm>
           <a:prstGeom prst="rect">
             <a:avLst/>
@@ -7186,7 +7196,7 @@
         <p:spPr>
           <a:xfrm>
             <a:off x="522360" y="3531600"/>
-            <a:ext cx="11069280" cy="364320"/>
+            <a:ext cx="11068920" cy="363960"/>
           </a:xfrm>
           <a:prstGeom prst="rect">
             <a:avLst/>
@@ -7302,7 +7312,7 @@
         <p:spPr>
           <a:xfrm>
             <a:off x="1523880" y="0"/>
-            <a:ext cx="9137160" cy="699120"/>
+            <a:ext cx="9136800" cy="699120"/>
           </a:xfrm>
           <a:prstGeom prst="rect">
             <a:avLst/>
@@ -7357,7 +7367,7 @@
         <p:spPr>
           <a:xfrm>
             <a:off x="1600200" y="762120"/>
-            <a:ext cx="8984880" cy="668880"/>
+            <a:ext cx="8984520" cy="668880"/>
           </a:xfrm>
           <a:prstGeom prst="rect">
             <a:avLst/>
@@ -7448,7 +7458,7 @@
         <p:spPr>
           <a:xfrm>
             <a:off x="1600200" y="3909600"/>
-            <a:ext cx="8883000" cy="1324080"/>
+            <a:ext cx="8882640" cy="1324080"/>
           </a:xfrm>
           <a:prstGeom prst="rect">
             <a:avLst/>
@@ -7469,7 +7479,7 @@
             <a:spAutoFit/>
           </a:bodyPr>
           <a:p>
-            <a:pPr marL="285840" indent="-279000">
+            <a:pPr marL="285840" indent="-278640">
               <a:lnSpc>
                 <a:spcPct val="150000"/>
               </a:lnSpc>
@@ -7514,7 +7524,7 @@
             </a:endParaRPr>
           </a:p>
           <a:p>
-            <a:pPr marL="285840" indent="-279000">
+            <a:pPr marL="285840" indent="-278640">
               <a:lnSpc>
                 <a:spcPct val="150000"/>
               </a:lnSpc>
@@ -7559,7 +7569,7 @@
             </a:endParaRPr>
           </a:p>
           <a:p>
-            <a:pPr marL="285840" indent="-279000">
+            <a:pPr marL="285840" indent="-278640">
               <a:lnSpc>
                 <a:spcPct val="150000"/>
               </a:lnSpc>
@@ -7614,7 +7624,7 @@
         <p:spPr>
           <a:xfrm>
             <a:off x="152280" y="152280"/>
-            <a:ext cx="1099800" cy="455400"/>
+            <a:ext cx="1099440" cy="455400"/>
           </a:xfrm>
           <a:prstGeom prst="rect">
             <a:avLst/>
@@ -7665,7 +7675,7 @@
         <p:spPr>
           <a:xfrm>
             <a:off x="1601280" y="2221560"/>
-            <a:ext cx="8983800" cy="699480"/>
+            <a:ext cx="8983440" cy="699480"/>
           </a:xfrm>
           <a:prstGeom prst="rect">
             <a:avLst/>
@@ -7736,7 +7746,7 @@
         <p:spPr>
           <a:xfrm>
             <a:off x="1584000" y="5246640"/>
-            <a:ext cx="8849520" cy="1010160"/>
+            <a:ext cx="8849160" cy="1009800"/>
           </a:xfrm>
           <a:prstGeom prst="rect">
             <a:avLst/>
@@ -7787,7 +7797,7 @@
             </a:endParaRPr>
           </a:p>
           <a:p>
-            <a:pPr marL="216000" indent="-209520">
+            <a:pPr marL="216000" indent="-209160">
               <a:lnSpc>
                 <a:spcPct val="100000"/>
               </a:lnSpc>
@@ -7813,7 +7823,7 @@
             </a:endParaRPr>
           </a:p>
           <a:p>
-            <a:pPr marL="216000" indent="-209520">
+            <a:pPr marL="216000" indent="-209160">
               <a:lnSpc>
                 <a:spcPct val="100000"/>
               </a:lnSpc>
@@ -7849,7 +7859,7 @@
         <p:spPr>
           <a:xfrm>
             <a:off x="1576080" y="3161880"/>
-            <a:ext cx="9577440" cy="647640"/>
+            <a:ext cx="9577080" cy="647280"/>
           </a:xfrm>
           <a:prstGeom prst="rect">
             <a:avLst/>
@@ -7960,7 +7970,7 @@
         <p:spPr>
           <a:xfrm>
             <a:off x="1676520" y="2362320"/>
-            <a:ext cx="8832240" cy="912600"/>
+            <a:ext cx="8831880" cy="912600"/>
           </a:xfrm>
           <a:prstGeom prst="rect">
             <a:avLst/>
@@ -8011,7 +8021,7 @@
         <p:spPr>
           <a:xfrm>
             <a:off x="522360" y="3531600"/>
-            <a:ext cx="11069280" cy="364320"/>
+            <a:ext cx="11068920" cy="363960"/>
           </a:xfrm>
           <a:prstGeom prst="rect">
             <a:avLst/>
@@ -8092,7 +8102,7 @@
         <p:spPr>
           <a:xfrm>
             <a:off x="1676520" y="2362320"/>
-            <a:ext cx="8832240" cy="912600"/>
+            <a:ext cx="8831880" cy="912600"/>
           </a:xfrm>
           <a:prstGeom prst="rect">
             <a:avLst/>
@@ -8143,7 +8153,7 @@
         <p:spPr>
           <a:xfrm>
             <a:off x="522360" y="3531600"/>
-            <a:ext cx="11141280" cy="1187280"/>
+            <a:ext cx="11140920" cy="1186920"/>
           </a:xfrm>
           <a:prstGeom prst="rect">
             <a:avLst/>
@@ -8194,7 +8204,7 @@
         <p:spPr>
           <a:xfrm>
             <a:off x="1666800" y="609480"/>
-            <a:ext cx="8832240" cy="394560"/>
+            <a:ext cx="8831880" cy="394560"/>
           </a:xfrm>
           <a:prstGeom prst="rect">
             <a:avLst/>
@@ -8310,7 +8320,7 @@
         <p:spPr>
           <a:xfrm>
             <a:off x="1523880" y="0"/>
-            <a:ext cx="9137160" cy="699120"/>
+            <a:ext cx="9136800" cy="699120"/>
           </a:xfrm>
           <a:prstGeom prst="rect">
             <a:avLst/>
@@ -8365,7 +8375,7 @@
         <p:spPr>
           <a:xfrm>
             <a:off x="1600200" y="762120"/>
-            <a:ext cx="8984880" cy="1735560"/>
+            <a:ext cx="8984520" cy="1735560"/>
           </a:xfrm>
           <a:prstGeom prst="rect">
             <a:avLst/>
@@ -8466,7 +8476,7 @@
         <p:spPr>
           <a:xfrm>
             <a:off x="1600200" y="3585600"/>
-            <a:ext cx="8883000" cy="2558520"/>
+            <a:ext cx="8882640" cy="2558520"/>
           </a:xfrm>
           <a:prstGeom prst="rect">
             <a:avLst/>
@@ -8507,7 +8517,7 @@
             </a:endParaRPr>
           </a:p>
           <a:p>
-            <a:pPr marL="285840" indent="-279000">
+            <a:pPr marL="285840" indent="-278640">
               <a:lnSpc>
                 <a:spcPct val="150000"/>
               </a:lnSpc>
@@ -8552,7 +8562,7 @@
             </a:endParaRPr>
           </a:p>
           <a:p>
-            <a:pPr marL="285840" indent="-279000">
+            <a:pPr marL="285840" indent="-278640">
               <a:lnSpc>
                 <a:spcPct val="150000"/>
               </a:lnSpc>
@@ -8617,7 +8627,7 @@
             </a:endParaRPr>
           </a:p>
           <a:p>
-            <a:pPr marL="285840" indent="-279000">
+            <a:pPr marL="285840" indent="-278640">
               <a:lnSpc>
                 <a:spcPct val="150000"/>
               </a:lnSpc>
@@ -8662,7 +8672,7 @@
             </a:endParaRPr>
           </a:p>
           <a:p>
-            <a:pPr marL="285840" indent="-279000">
+            <a:pPr marL="285840" indent="-278640">
               <a:lnSpc>
                 <a:spcPct val="150000"/>
               </a:lnSpc>
@@ -8717,7 +8727,7 @@
         <p:spPr>
           <a:xfrm>
             <a:off x="152280" y="152280"/>
-            <a:ext cx="1099800" cy="455400"/>
+            <a:ext cx="1099440" cy="455400"/>
           </a:xfrm>
           <a:prstGeom prst="rect">
             <a:avLst/>
@@ -8768,7 +8778,7 @@
         <p:spPr>
           <a:xfrm>
             <a:off x="1601280" y="2761560"/>
-            <a:ext cx="8983800" cy="699480"/>
+            <a:ext cx="8983440" cy="699480"/>
           </a:xfrm>
           <a:prstGeom prst="rect">
             <a:avLst/>
@@ -8869,7 +8879,7 @@
         <p:spPr>
           <a:xfrm>
             <a:off x="1676520" y="2362320"/>
-            <a:ext cx="8832240" cy="1735560"/>
+            <a:ext cx="8831880" cy="1735560"/>
           </a:xfrm>
           <a:prstGeom prst="rect">
             <a:avLst/>
@@ -8920,7 +8930,7 @@
         <p:spPr>
           <a:xfrm>
             <a:off x="522360" y="3531600"/>
-            <a:ext cx="11069280" cy="364320"/>
+            <a:ext cx="11068920" cy="363960"/>
           </a:xfrm>
           <a:prstGeom prst="rect">
             <a:avLst/>
@@ -9001,7 +9011,7 @@
         <p:spPr>
           <a:xfrm>
             <a:off x="1523880" y="0"/>
-            <a:ext cx="9137160" cy="699120"/>
+            <a:ext cx="9136800" cy="699120"/>
           </a:xfrm>
           <a:prstGeom prst="rect">
             <a:avLst/>
@@ -9056,7 +9066,7 @@
         <p:spPr>
           <a:xfrm>
             <a:off x="1600200" y="762120"/>
-            <a:ext cx="8984880" cy="2284200"/>
+            <a:ext cx="8984520" cy="2284200"/>
           </a:xfrm>
           <a:prstGeom prst="rect">
             <a:avLst/>
@@ -9197,7 +9207,7 @@
         <p:spPr>
           <a:xfrm>
             <a:off x="152280" y="152280"/>
-            <a:ext cx="1099800" cy="455400"/>
+            <a:ext cx="1099440" cy="455400"/>
           </a:xfrm>
           <a:prstGeom prst="rect">
             <a:avLst/>
@@ -9248,7 +9258,7 @@
         <p:spPr>
           <a:xfrm>
             <a:off x="1601280" y="3157560"/>
-            <a:ext cx="8983800" cy="1004400"/>
+            <a:ext cx="8983440" cy="1004400"/>
           </a:xfrm>
           <a:prstGeom prst="rect">
             <a:avLst/>
@@ -9339,7 +9349,7 @@
         <p:spPr>
           <a:xfrm>
             <a:off x="864000" y="4197600"/>
-            <a:ext cx="11012760" cy="1324080"/>
+            <a:ext cx="11012400" cy="1324080"/>
           </a:xfrm>
           <a:prstGeom prst="rect">
             <a:avLst/>
@@ -9360,7 +9370,7 @@
             <a:spAutoFit/>
           </a:bodyPr>
           <a:p>
-            <a:pPr marL="285840" indent="-279000">
+            <a:pPr marL="285840" indent="-278640">
               <a:lnSpc>
                 <a:spcPct val="150000"/>
               </a:lnSpc>
@@ -9405,7 +9415,7 @@
             </a:endParaRPr>
           </a:p>
           <a:p>
-            <a:pPr marL="285840" indent="-279000">
+            <a:pPr marL="285840" indent="-278640">
               <a:lnSpc>
                 <a:spcPct val="150000"/>
               </a:lnSpc>
@@ -9450,7 +9460,7 @@
             </a:endParaRPr>
           </a:p>
           <a:p>
-            <a:pPr marL="285840" indent="-279000">
+            <a:pPr marL="285840" indent="-278640">
               <a:lnSpc>
                 <a:spcPct val="150000"/>
               </a:lnSpc>
@@ -9540,7 +9550,7 @@
         <p:spPr>
           <a:xfrm>
             <a:off x="1584000" y="5610240"/>
-            <a:ext cx="8849520" cy="1010160"/>
+            <a:ext cx="8849160" cy="1009800"/>
           </a:xfrm>
           <a:prstGeom prst="rect">
             <a:avLst/>
@@ -9591,7 +9601,7 @@
             </a:endParaRPr>
           </a:p>
           <a:p>
-            <a:pPr marL="285840" indent="-281880">
+            <a:pPr marL="285840" indent="-281520">
               <a:lnSpc>
                 <a:spcPct val="100000"/>
               </a:lnSpc>
@@ -9616,7 +9626,7 @@
             </a:endParaRPr>
           </a:p>
           <a:p>
-            <a:pPr marL="285840" indent="-281880">
+            <a:pPr marL="285840" indent="-281520">
               <a:lnSpc>
                 <a:spcPct val="100000"/>
               </a:lnSpc>
@@ -9681,7 +9691,7 @@
         <p:spPr>
           <a:xfrm>
             <a:off x="1676520" y="2362320"/>
-            <a:ext cx="8832240" cy="1735560"/>
+            <a:ext cx="8831880" cy="1735560"/>
           </a:xfrm>
           <a:prstGeom prst="rect">
             <a:avLst/>
@@ -9732,7 +9742,7 @@
         <p:spPr>
           <a:xfrm>
             <a:off x="522360" y="3531600"/>
-            <a:ext cx="11069280" cy="364320"/>
+            <a:ext cx="11068920" cy="363960"/>
           </a:xfrm>
           <a:prstGeom prst="rect">
             <a:avLst/>
@@ -9813,7 +9823,7 @@
         <p:spPr>
           <a:xfrm>
             <a:off x="1523880" y="0"/>
-            <a:ext cx="9137160" cy="699120"/>
+            <a:ext cx="9136800" cy="699120"/>
           </a:xfrm>
           <a:prstGeom prst="rect">
             <a:avLst/>
@@ -9868,7 +9878,7 @@
         <p:spPr>
           <a:xfrm>
             <a:off x="1600200" y="762120"/>
-            <a:ext cx="8984880" cy="2558520"/>
+            <a:ext cx="8984520" cy="2558520"/>
           </a:xfrm>
           <a:prstGeom prst="rect">
             <a:avLst/>
@@ -10009,7 +10019,7 @@
         <p:spPr>
           <a:xfrm>
             <a:off x="152280" y="152280"/>
-            <a:ext cx="1099800" cy="455400"/>
+            <a:ext cx="1099440" cy="455400"/>
           </a:xfrm>
           <a:prstGeom prst="rect">
             <a:avLst/>
@@ -10060,7 +10070,7 @@
         <p:spPr>
           <a:xfrm>
             <a:off x="1601280" y="3553560"/>
-            <a:ext cx="8983800" cy="1004400"/>
+            <a:ext cx="8983440" cy="1004400"/>
           </a:xfrm>
           <a:prstGeom prst="rect">
             <a:avLst/>
@@ -10151,7 +10161,7 @@
         <p:spPr>
           <a:xfrm>
             <a:off x="1600200" y="4593600"/>
-            <a:ext cx="8883000" cy="912600"/>
+            <a:ext cx="8882640" cy="912600"/>
           </a:xfrm>
           <a:prstGeom prst="rect">
             <a:avLst/>
@@ -10172,7 +10182,7 @@
             <a:spAutoFit/>
           </a:bodyPr>
           <a:p>
-            <a:pPr marL="285840" indent="-279000">
+            <a:pPr marL="285840" indent="-278640">
               <a:lnSpc>
                 <a:spcPct val="150000"/>
               </a:lnSpc>
@@ -10217,7 +10227,7 @@
             </a:endParaRPr>
           </a:p>
           <a:p>
-            <a:pPr marL="285840" indent="-279000">
+            <a:pPr marL="285840" indent="-278640">
               <a:lnSpc>
                 <a:spcPct val="150000"/>
               </a:lnSpc>
@@ -10307,7 +10317,7 @@
         <p:spPr>
           <a:xfrm>
             <a:off x="1584000" y="5790240"/>
-            <a:ext cx="8849520" cy="74520"/>
+            <a:ext cx="8849160" cy="74160"/>
           </a:xfrm>
           <a:prstGeom prst="rect">
             <a:avLst/>
@@ -10358,7 +10368,7 @@
             </a:endParaRPr>
           </a:p>
           <a:p>
-            <a:pPr marL="285840" indent="-281880">
+            <a:pPr marL="285840" indent="-281520">
               <a:lnSpc>
                 <a:spcPct val="100000"/>
               </a:lnSpc>
@@ -10423,7 +10433,7 @@
         <p:spPr>
           <a:xfrm>
             <a:off x="1676520" y="2362320"/>
-            <a:ext cx="8832240" cy="912600"/>
+            <a:ext cx="8831880" cy="912600"/>
           </a:xfrm>
           <a:prstGeom prst="rect">
             <a:avLst/>
@@ -10474,7 +10484,7 @@
         <p:spPr>
           <a:xfrm>
             <a:off x="522360" y="3531600"/>
-            <a:ext cx="11069280" cy="364320"/>
+            <a:ext cx="11068920" cy="363960"/>
           </a:xfrm>
           <a:prstGeom prst="rect">
             <a:avLst/>
@@ -10555,7 +10565,7 @@
         <p:spPr>
           <a:xfrm>
             <a:off x="1523880" y="0"/>
-            <a:ext cx="9137160" cy="699120"/>
+            <a:ext cx="9136800" cy="699120"/>
           </a:xfrm>
           <a:prstGeom prst="rect">
             <a:avLst/>
@@ -10610,7 +10620,7 @@
         <p:spPr>
           <a:xfrm>
             <a:off x="1600200" y="762120"/>
-            <a:ext cx="8984880" cy="1461240"/>
+            <a:ext cx="8984520" cy="1461240"/>
           </a:xfrm>
           <a:prstGeom prst="rect">
             <a:avLst/>
@@ -10711,7 +10721,7 @@
         <p:spPr>
           <a:xfrm>
             <a:off x="152280" y="152280"/>
-            <a:ext cx="1099800" cy="455400"/>
+            <a:ext cx="1099440" cy="455400"/>
           </a:xfrm>
           <a:prstGeom prst="rect">
             <a:avLst/>
@@ -10762,7 +10772,7 @@
         <p:spPr>
           <a:xfrm>
             <a:off x="1601280" y="2689560"/>
-            <a:ext cx="8983800" cy="699480"/>
+            <a:ext cx="8983440" cy="699480"/>
           </a:xfrm>
           <a:prstGeom prst="rect">
             <a:avLst/>
@@ -10833,7 +10843,7 @@
         <p:spPr>
           <a:xfrm>
             <a:off x="1600200" y="3621600"/>
-            <a:ext cx="8883000" cy="912600"/>
+            <a:ext cx="8882640" cy="912600"/>
           </a:xfrm>
           <a:prstGeom prst="rect">
             <a:avLst/>
@@ -10854,7 +10864,7 @@
             <a:spAutoFit/>
           </a:bodyPr>
           <a:p>
-            <a:pPr marL="285840" indent="-279000">
+            <a:pPr marL="285840" indent="-278640">
               <a:lnSpc>
                 <a:spcPct val="150000"/>
               </a:lnSpc>
@@ -10899,7 +10909,7 @@
             </a:endParaRPr>
           </a:p>
           <a:p>
-            <a:pPr marL="285840" indent="-279000">
+            <a:pPr marL="285840" indent="-278640">
               <a:lnSpc>
                 <a:spcPct val="150000"/>
               </a:lnSpc>
@@ -10989,7 +10999,7 @@
         <p:spPr>
           <a:xfrm>
             <a:off x="1584000" y="5106240"/>
-            <a:ext cx="8849520" cy="74520"/>
+            <a:ext cx="8849160" cy="74160"/>
           </a:xfrm>
           <a:prstGeom prst="rect">
             <a:avLst/>
@@ -11040,7 +11050,7 @@
             </a:endParaRPr>
           </a:p>
           <a:p>
-            <a:pPr marL="285840" indent="-281880">
+            <a:pPr marL="285840" indent="-281520">
               <a:lnSpc>
                 <a:spcPct val="100000"/>
               </a:lnSpc>
@@ -11105,7 +11115,7 @@
         <p:spPr>
           <a:xfrm>
             <a:off x="1676520" y="2362320"/>
-            <a:ext cx="8832240" cy="912600"/>
+            <a:ext cx="8831880" cy="912600"/>
           </a:xfrm>
           <a:prstGeom prst="rect">
             <a:avLst/>
@@ -11156,7 +11166,7 @@
         <p:spPr>
           <a:xfrm>
             <a:off x="522360" y="3531600"/>
-            <a:ext cx="11069280" cy="364320"/>
+            <a:ext cx="11068920" cy="363960"/>
           </a:xfrm>
           <a:prstGeom prst="rect">
             <a:avLst/>
@@ -11237,7 +11247,7 @@
         <p:spPr>
           <a:xfrm>
             <a:off x="1523880" y="0"/>
-            <a:ext cx="9137160" cy="699120"/>
+            <a:ext cx="9136800" cy="699120"/>
           </a:xfrm>
           <a:prstGeom prst="rect">
             <a:avLst/>
@@ -11292,7 +11302,7 @@
         <p:spPr>
           <a:xfrm>
             <a:off x="1600200" y="762120"/>
-            <a:ext cx="8984880" cy="1186920"/>
+            <a:ext cx="8984520" cy="1186920"/>
           </a:xfrm>
           <a:prstGeom prst="rect">
             <a:avLst/>
@@ -11393,7 +11403,7 @@
         <p:spPr>
           <a:xfrm>
             <a:off x="152280" y="152280"/>
-            <a:ext cx="1099800" cy="455400"/>
+            <a:ext cx="1099440" cy="455400"/>
           </a:xfrm>
           <a:prstGeom prst="rect">
             <a:avLst/>
@@ -11444,7 +11454,7 @@
         <p:spPr>
           <a:xfrm>
             <a:off x="1601280" y="2689560"/>
-            <a:ext cx="8983800" cy="699480"/>
+            <a:ext cx="8983440" cy="699480"/>
           </a:xfrm>
           <a:prstGeom prst="rect">
             <a:avLst/>
@@ -11515,7 +11525,7 @@
         <p:spPr>
           <a:xfrm>
             <a:off x="1600200" y="3621600"/>
-            <a:ext cx="8883000" cy="912600"/>
+            <a:ext cx="8882640" cy="912600"/>
           </a:xfrm>
           <a:prstGeom prst="rect">
             <a:avLst/>
@@ -11536,7 +11546,7 @@
             <a:spAutoFit/>
           </a:bodyPr>
           <a:p>
-            <a:pPr marL="285840" indent="-279000">
+            <a:pPr marL="285840" indent="-278640">
               <a:lnSpc>
                 <a:spcPct val="150000"/>
               </a:lnSpc>
@@ -11581,7 +11591,7 @@
             </a:endParaRPr>
           </a:p>
           <a:p>
-            <a:pPr marL="285840" indent="-279000">
+            <a:pPr marL="285840" indent="-278640">
               <a:lnSpc>
                 <a:spcPct val="150000"/>
               </a:lnSpc>
@@ -11701,7 +11711,7 @@
         <p:spPr>
           <a:xfrm>
             <a:off x="1676520" y="2362320"/>
-            <a:ext cx="8832240" cy="1735560"/>
+            <a:ext cx="8831880" cy="1735560"/>
           </a:xfrm>
           <a:prstGeom prst="rect">
             <a:avLst/>
@@ -11752,7 +11762,7 @@
         <p:spPr>
           <a:xfrm>
             <a:off x="522360" y="4467600"/>
-            <a:ext cx="11069280" cy="364320"/>
+            <a:ext cx="11068920" cy="363960"/>
           </a:xfrm>
           <a:prstGeom prst="rect">
             <a:avLst/>
@@ -11868,7 +11878,7 @@
         <p:spPr>
           <a:xfrm>
             <a:off x="1676520" y="2743200"/>
-            <a:ext cx="8832240" cy="1064520"/>
+            <a:ext cx="8831880" cy="1064520"/>
           </a:xfrm>
           <a:prstGeom prst="rect">
             <a:avLst/>
@@ -11889,7 +11899,7 @@
             <a:spAutoFit/>
           </a:bodyPr>
           <a:p>
-            <a:pPr marL="343080" indent="-336240">
+            <a:pPr marL="343080" indent="-335880">
               <a:lnSpc>
                 <a:spcPct val="100000"/>
               </a:lnSpc>
@@ -11944,7 +11954,7 @@
             </a:endParaRPr>
           </a:p>
           <a:p>
-            <a:pPr marL="343080" indent="-336240">
+            <a:pPr marL="343080" indent="-335880">
               <a:lnSpc>
                 <a:spcPct val="100000"/>
               </a:lnSpc>
@@ -12080,7 +12090,7 @@
         <p:spPr>
           <a:xfrm>
             <a:off x="1600200" y="762120"/>
-            <a:ext cx="8984880" cy="699480"/>
+            <a:ext cx="8984520" cy="699480"/>
           </a:xfrm>
           <a:prstGeom prst="rect">
             <a:avLst/>
@@ -12141,7 +12151,7 @@
         <p:spPr>
           <a:xfrm>
             <a:off x="1523880" y="5067720"/>
-            <a:ext cx="9137160" cy="790560"/>
+            <a:ext cx="9136800" cy="790560"/>
           </a:xfrm>
           <a:prstGeom prst="rect">
             <a:avLst/>
@@ -12202,7 +12212,7 @@
             </a:endParaRPr>
           </a:p>
           <a:p>
-            <a:pPr marL="285840" indent="-279000">
+            <a:pPr marL="285840" indent="-278640">
               <a:lnSpc>
                 <a:spcPct val="100000"/>
               </a:lnSpc>
@@ -12247,7 +12257,7 @@
         <p:spPr>
           <a:xfrm>
             <a:off x="1584000" y="4287960"/>
-            <a:ext cx="8705520" cy="349560"/>
+            <a:ext cx="8705160" cy="349200"/>
           </a:xfrm>
           <a:prstGeom prst="rect">
             <a:avLst/>
@@ -12318,7 +12328,7 @@
         <p:spPr>
           <a:xfrm>
             <a:off x="1523880" y="0"/>
-            <a:ext cx="9139320" cy="699120"/>
+            <a:ext cx="9138960" cy="699120"/>
           </a:xfrm>
           <a:prstGeom prst="rect">
             <a:avLst/>
@@ -12423,7 +12433,7 @@
         <p:spPr>
           <a:xfrm>
             <a:off x="1523880" y="0"/>
-            <a:ext cx="9137160" cy="699120"/>
+            <a:ext cx="9136800" cy="699120"/>
           </a:xfrm>
           <a:prstGeom prst="rect">
             <a:avLst/>
@@ -12478,7 +12488,7 @@
         <p:spPr>
           <a:xfrm>
             <a:off x="1600200" y="762120"/>
-            <a:ext cx="8984880" cy="2558520"/>
+            <a:ext cx="8984520" cy="2558520"/>
           </a:xfrm>
           <a:prstGeom prst="rect">
             <a:avLst/>
@@ -12739,7 +12749,7 @@
         <p:spPr>
           <a:xfrm>
             <a:off x="152280" y="152280"/>
-            <a:ext cx="1099800" cy="455400"/>
+            <a:ext cx="1099440" cy="455400"/>
           </a:xfrm>
           <a:prstGeom prst="rect">
             <a:avLst/>
@@ -12790,7 +12800,7 @@
         <p:spPr>
           <a:xfrm>
             <a:off x="1601280" y="3553560"/>
-            <a:ext cx="8983800" cy="1309320"/>
+            <a:ext cx="8983440" cy="1309320"/>
           </a:xfrm>
           <a:prstGeom prst="rect">
             <a:avLst/>
@@ -12901,7 +12911,7 @@
         <p:spPr>
           <a:xfrm>
             <a:off x="1600200" y="4989600"/>
-            <a:ext cx="8883000" cy="1735560"/>
+            <a:ext cx="8882640" cy="1735560"/>
           </a:xfrm>
           <a:prstGeom prst="rect">
             <a:avLst/>
@@ -12922,7 +12932,7 @@
             <a:spAutoFit/>
           </a:bodyPr>
           <a:p>
-            <a:pPr marL="285840" indent="-279000">
+            <a:pPr marL="285840" indent="-278640">
               <a:lnSpc>
                 <a:spcPct val="150000"/>
               </a:lnSpc>
@@ -12967,7 +12977,7 @@
             </a:endParaRPr>
           </a:p>
           <a:p>
-            <a:pPr marL="285840" indent="-279000">
+            <a:pPr marL="285840" indent="-278640">
               <a:lnSpc>
                 <a:spcPct val="150000"/>
               </a:lnSpc>
@@ -13012,7 +13022,7 @@
             </a:endParaRPr>
           </a:p>
           <a:p>
-            <a:pPr marL="285840" indent="-279000">
+            <a:pPr marL="285840" indent="-278640">
               <a:lnSpc>
                 <a:spcPct val="150000"/>
               </a:lnSpc>
@@ -13077,7 +13087,7 @@
             </a:endParaRPr>
           </a:p>
           <a:p>
-            <a:pPr marL="285840" indent="-279000">
+            <a:pPr marL="285840" indent="-278640">
               <a:lnSpc>
                 <a:spcPct val="150000"/>
               </a:lnSpc>
@@ -13197,7 +13207,7 @@
         <p:spPr>
           <a:xfrm>
             <a:off x="1676520" y="2362320"/>
-            <a:ext cx="8832240" cy="1735560"/>
+            <a:ext cx="8831880" cy="1735560"/>
           </a:xfrm>
           <a:prstGeom prst="rect">
             <a:avLst/>
@@ -13231,17 +13241,7 @@
                 <a:latin typeface="Century"/>
                 <a:ea typeface="DejaVu Sans"/>
               </a:rPr>
-              <a:t>rename key, renamenx</a:t>
-            </a:r>
-            <a:r>
-              <a:rPr b="0" i="1" lang="en-IN" sz="5400" spc="-1" strike="noStrike">
-                <a:solidFill>
-                  <a:srgbClr val="f7c120"/>
-                </a:solidFill>
-                <a:latin typeface="Century"/>
-                <a:ea typeface="DejaVu Sans"/>
-              </a:rPr>
-              <a:t> key &amp; randomkey key</a:t>
+              <a:t>rename key, renamenx key &amp; randomkey key</a:t>
             </a:r>
             <a:endParaRPr b="0" lang="en-IN" sz="5400" spc="-1" strike="noStrike">
               <a:latin typeface="Arial"/>
@@ -13258,7 +13258,7 @@
         <p:spPr>
           <a:xfrm>
             <a:off x="522360" y="4251600"/>
-            <a:ext cx="11069280" cy="364320"/>
+            <a:ext cx="11068920" cy="363960"/>
           </a:xfrm>
           <a:prstGeom prst="rect">
             <a:avLst/>
@@ -13339,7 +13339,7 @@
         <p:spPr>
           <a:xfrm>
             <a:off x="1523880" y="0"/>
-            <a:ext cx="9137160" cy="699120"/>
+            <a:ext cx="9136800" cy="699120"/>
           </a:xfrm>
           <a:prstGeom prst="rect">
             <a:avLst/>
@@ -13394,7 +13394,7 @@
         <p:spPr>
           <a:xfrm>
             <a:off x="1600200" y="762120"/>
-            <a:ext cx="8984880" cy="2284200"/>
+            <a:ext cx="8984520" cy="2284200"/>
           </a:xfrm>
           <a:prstGeom prst="rect">
             <a:avLst/>
@@ -13535,7 +13535,7 @@
         <p:spPr>
           <a:xfrm>
             <a:off x="152280" y="152280"/>
-            <a:ext cx="1099800" cy="455400"/>
+            <a:ext cx="1099440" cy="455400"/>
           </a:xfrm>
           <a:prstGeom prst="rect">
             <a:avLst/>
@@ -13586,7 +13586,7 @@
         <p:spPr>
           <a:xfrm>
             <a:off x="1601280" y="3337560"/>
-            <a:ext cx="8983800" cy="1004400"/>
+            <a:ext cx="8983440" cy="1004400"/>
           </a:xfrm>
           <a:prstGeom prst="rect">
             <a:avLst/>
@@ -13677,7 +13677,7 @@
         <p:spPr>
           <a:xfrm>
             <a:off x="1600200" y="4557600"/>
-            <a:ext cx="8883000" cy="1324080"/>
+            <a:ext cx="8882640" cy="1324080"/>
           </a:xfrm>
           <a:prstGeom prst="rect">
             <a:avLst/>
@@ -13698,7 +13698,7 @@
             <a:spAutoFit/>
           </a:bodyPr>
           <a:p>
-            <a:pPr marL="285840" indent="-279000">
+            <a:pPr marL="285840" indent="-278640">
               <a:lnSpc>
                 <a:spcPct val="150000"/>
               </a:lnSpc>
@@ -13743,7 +13743,7 @@
             </a:endParaRPr>
           </a:p>
           <a:p>
-            <a:pPr marL="285840" indent="-279000">
+            <a:pPr marL="285840" indent="-278640">
               <a:lnSpc>
                 <a:spcPct val="150000"/>
               </a:lnSpc>
@@ -13788,7 +13788,7 @@
             </a:endParaRPr>
           </a:p>
           <a:p>
-            <a:pPr marL="285840" indent="-279000">
+            <a:pPr marL="285840" indent="-278640">
               <a:lnSpc>
                 <a:spcPct val="150000"/>
               </a:lnSpc>
@@ -13908,7 +13908,7 @@
         <p:spPr>
           <a:xfrm>
             <a:off x="1676520" y="2362320"/>
-            <a:ext cx="8832240" cy="912600"/>
+            <a:ext cx="8831880" cy="912600"/>
           </a:xfrm>
           <a:prstGeom prst="rect">
             <a:avLst/>
@@ -13959,7 +13959,7 @@
         <p:spPr>
           <a:xfrm>
             <a:off x="1666800" y="609480"/>
-            <a:ext cx="8832240" cy="394560"/>
+            <a:ext cx="8831880" cy="394560"/>
           </a:xfrm>
           <a:prstGeom prst="rect">
             <a:avLst/>
@@ -14010,7 +14010,7 @@
         <p:spPr>
           <a:xfrm>
             <a:off x="522360" y="3531600"/>
-            <a:ext cx="11069280" cy="1186920"/>
+            <a:ext cx="11068920" cy="1186920"/>
           </a:xfrm>
           <a:prstGeom prst="rect">
             <a:avLst/>
@@ -14111,7 +14111,7 @@
         <p:spPr>
           <a:xfrm>
             <a:off x="1676520" y="2362320"/>
-            <a:ext cx="8832240" cy="912600"/>
+            <a:ext cx="8831880" cy="912600"/>
           </a:xfrm>
           <a:prstGeom prst="rect">
             <a:avLst/>
@@ -14145,17 +14145,7 @@
                 <a:latin typeface="Century"/>
                 <a:ea typeface="DejaVu Sans"/>
               </a:rPr>
-              <a:t>lpush key &amp; rpush</a:t>
-            </a:r>
-            <a:r>
-              <a:rPr b="0" i="1" lang="en-IN" sz="5400" spc="-1" strike="noStrike">
-                <a:solidFill>
-                  <a:srgbClr val="f7c120"/>
-                </a:solidFill>
-                <a:latin typeface="Century"/>
-                <a:ea typeface="DejaVu Sans"/>
-              </a:rPr>
-              <a:t> key</a:t>
+              <a:t>lpush key &amp; rpush key</a:t>
             </a:r>
             <a:endParaRPr b="0" lang="en-IN" sz="5400" spc="-1" strike="noStrike">
               <a:latin typeface="Arial"/>
@@ -14172,7 +14162,7 @@
         <p:spPr>
           <a:xfrm>
             <a:off x="522360" y="3531600"/>
-            <a:ext cx="11069280" cy="364320"/>
+            <a:ext cx="11068920" cy="363960"/>
           </a:xfrm>
           <a:prstGeom prst="rect">
             <a:avLst/>
@@ -14253,7 +14243,7 @@
         <p:spPr>
           <a:xfrm>
             <a:off x="1523880" y="0"/>
-            <a:ext cx="9137160" cy="699120"/>
+            <a:ext cx="9136800" cy="699120"/>
           </a:xfrm>
           <a:prstGeom prst="rect">
             <a:avLst/>
@@ -14308,7 +14298,7 @@
         <p:spPr>
           <a:xfrm>
             <a:off x="1600200" y="762120"/>
-            <a:ext cx="8984880" cy="1461240"/>
+            <a:ext cx="8984520" cy="1461240"/>
           </a:xfrm>
           <a:prstGeom prst="rect">
             <a:avLst/>
@@ -14409,7 +14399,7 @@
         <p:spPr>
           <a:xfrm>
             <a:off x="152280" y="152280"/>
-            <a:ext cx="1099800" cy="455400"/>
+            <a:ext cx="1099440" cy="455400"/>
           </a:xfrm>
           <a:prstGeom prst="rect">
             <a:avLst/>
@@ -14460,7 +14450,7 @@
         <p:spPr>
           <a:xfrm>
             <a:off x="1601280" y="2725560"/>
-            <a:ext cx="8983800" cy="699480"/>
+            <a:ext cx="8983440" cy="699480"/>
           </a:xfrm>
           <a:prstGeom prst="rect">
             <a:avLst/>
@@ -14531,7 +14521,7 @@
         <p:spPr>
           <a:xfrm>
             <a:off x="1600200" y="3585600"/>
-            <a:ext cx="8883000" cy="912600"/>
+            <a:ext cx="8882640" cy="912600"/>
           </a:xfrm>
           <a:prstGeom prst="rect">
             <a:avLst/>
@@ -14552,7 +14542,7 @@
             <a:spAutoFit/>
           </a:bodyPr>
           <a:p>
-            <a:pPr marL="285840" indent="-279000">
+            <a:pPr marL="285840" indent="-278640">
               <a:lnSpc>
                 <a:spcPct val="150000"/>
               </a:lnSpc>
@@ -14597,7 +14587,7 @@
             </a:endParaRPr>
           </a:p>
           <a:p>
-            <a:pPr marL="285840" indent="-279000">
+            <a:pPr marL="285840" indent="-278640">
               <a:lnSpc>
                 <a:spcPct val="150000"/>
               </a:lnSpc>
@@ -14687,7 +14677,7 @@
         <p:spPr>
           <a:xfrm>
             <a:off x="5256000" y="5472000"/>
-            <a:ext cx="5136120" cy="794880"/>
+            <a:ext cx="5135760" cy="794520"/>
           </a:xfrm>
           <a:prstGeom prst="rect">
             <a:avLst/>
@@ -14818,7 +14808,7 @@
         <p:spPr>
           <a:xfrm>
             <a:off x="10514160" y="2592000"/>
-            <a:ext cx="1508760" cy="4067280"/>
+            <a:ext cx="1508400" cy="4066920"/>
           </a:xfrm>
           <a:prstGeom prst="rect">
             <a:avLst/>
@@ -15169,7 +15159,7 @@
         <p:spPr>
           <a:xfrm>
             <a:off x="1676520" y="2362320"/>
-            <a:ext cx="8832240" cy="912600"/>
+            <a:ext cx="8831880" cy="912600"/>
           </a:xfrm>
           <a:prstGeom prst="rect">
             <a:avLst/>
@@ -15203,17 +15193,7 @@
                 <a:latin typeface="Century"/>
                 <a:ea typeface="DejaVu Sans"/>
               </a:rPr>
-              <a:t>lindex key &amp; lrange</a:t>
-            </a:r>
-            <a:r>
-              <a:rPr b="0" i="1" lang="en-IN" sz="5400" spc="-1" strike="noStrike">
-                <a:solidFill>
-                  <a:srgbClr val="f7c120"/>
-                </a:solidFill>
-                <a:latin typeface="Century"/>
-                <a:ea typeface="DejaVu Sans"/>
-              </a:rPr>
-              <a:t> key</a:t>
+              <a:t>lindex key &amp; lrange key</a:t>
             </a:r>
             <a:endParaRPr b="0" lang="en-IN" sz="5400" spc="-1" strike="noStrike">
               <a:latin typeface="Arial"/>
@@ -15230,7 +15210,7 @@
         <p:spPr>
           <a:xfrm>
             <a:off x="522360" y="3531600"/>
-            <a:ext cx="11069280" cy="364320"/>
+            <a:ext cx="11068920" cy="363960"/>
           </a:xfrm>
           <a:prstGeom prst="rect">
             <a:avLst/>
@@ -15311,7 +15291,7 @@
         <p:spPr>
           <a:xfrm>
             <a:off x="1523880" y="0"/>
-            <a:ext cx="9137160" cy="699120"/>
+            <a:ext cx="9136800" cy="699120"/>
           </a:xfrm>
           <a:prstGeom prst="rect">
             <a:avLst/>
@@ -15366,7 +15346,7 @@
         <p:spPr>
           <a:xfrm>
             <a:off x="1600200" y="762120"/>
-            <a:ext cx="8984880" cy="2558520"/>
+            <a:ext cx="8984520" cy="2558520"/>
           </a:xfrm>
           <a:prstGeom prst="rect">
             <a:avLst/>
@@ -15467,7 +15447,7 @@
         <p:spPr>
           <a:xfrm>
             <a:off x="72000" y="144000"/>
-            <a:ext cx="1359360" cy="1187280"/>
+            <a:ext cx="1359000" cy="1186920"/>
           </a:xfrm>
           <a:prstGeom prst="rect">
             <a:avLst/>
@@ -15518,7 +15498,7 @@
         <p:spPr>
           <a:xfrm>
             <a:off x="1601280" y="3697560"/>
-            <a:ext cx="8983800" cy="699480"/>
+            <a:ext cx="8983440" cy="699480"/>
           </a:xfrm>
           <a:prstGeom prst="rect">
             <a:avLst/>
@@ -15589,7 +15569,7 @@
         <p:spPr>
           <a:xfrm>
             <a:off x="1600200" y="4665600"/>
-            <a:ext cx="8883000" cy="912600"/>
+            <a:ext cx="8882640" cy="912600"/>
           </a:xfrm>
           <a:prstGeom prst="rect">
             <a:avLst/>
@@ -15610,7 +15590,7 @@
             <a:spAutoFit/>
           </a:bodyPr>
           <a:p>
-            <a:pPr marL="285840" indent="-279000">
+            <a:pPr marL="285840" indent="-278640">
               <a:lnSpc>
                 <a:spcPct val="150000"/>
               </a:lnSpc>
@@ -15655,7 +15635,7 @@
             </a:endParaRPr>
           </a:p>
           <a:p>
-            <a:pPr marL="285840" indent="-279000">
+            <a:pPr marL="285840" indent="-278640">
               <a:lnSpc>
                 <a:spcPct val="150000"/>
               </a:lnSpc>
@@ -15775,7 +15755,7 @@
         <p:spPr>
           <a:xfrm>
             <a:off x="1676520" y="2362320"/>
-            <a:ext cx="8832240" cy="912600"/>
+            <a:ext cx="8831880" cy="912600"/>
           </a:xfrm>
           <a:prstGeom prst="rect">
             <a:avLst/>
@@ -15809,17 +15789,7 @@
                 <a:latin typeface="Century"/>
                 <a:ea typeface="DejaVu Sans"/>
               </a:rPr>
-              <a:t>lset key &amp; linsert</a:t>
-            </a:r>
-            <a:r>
-              <a:rPr b="0" i="1" lang="en-IN" sz="5400" spc="-1" strike="noStrike">
-                <a:solidFill>
-                  <a:srgbClr val="f7c120"/>
-                </a:solidFill>
-                <a:latin typeface="Century"/>
-                <a:ea typeface="DejaVu Sans"/>
-              </a:rPr>
-              <a:t> key</a:t>
+              <a:t>lset key &amp; linsert key</a:t>
             </a:r>
             <a:endParaRPr b="0" lang="en-IN" sz="5400" spc="-1" strike="noStrike">
               <a:latin typeface="Arial"/>
@@ -15836,7 +15806,7 @@
         <p:spPr>
           <a:xfrm>
             <a:off x="522360" y="3531600"/>
-            <a:ext cx="11069280" cy="364320"/>
+            <a:ext cx="11068920" cy="363960"/>
           </a:xfrm>
           <a:prstGeom prst="rect">
             <a:avLst/>
@@ -15917,7 +15887,7 @@
         <p:spPr>
           <a:xfrm>
             <a:off x="1523880" y="0"/>
-            <a:ext cx="9137160" cy="699120"/>
+            <a:ext cx="9136800" cy="699120"/>
           </a:xfrm>
           <a:prstGeom prst="rect">
             <a:avLst/>
@@ -15972,7 +15942,7 @@
         <p:spPr>
           <a:xfrm>
             <a:off x="1600200" y="762120"/>
-            <a:ext cx="8984880" cy="1187280"/>
+            <a:ext cx="8984520" cy="1186920"/>
           </a:xfrm>
           <a:prstGeom prst="rect">
             <a:avLst/>
@@ -16073,7 +16043,7 @@
         <p:spPr>
           <a:xfrm>
             <a:off x="152280" y="152280"/>
-            <a:ext cx="1099800" cy="455400"/>
+            <a:ext cx="1099440" cy="455400"/>
           </a:xfrm>
           <a:prstGeom prst="rect">
             <a:avLst/>
@@ -16124,7 +16094,7 @@
         <p:spPr>
           <a:xfrm>
             <a:off x="1601280" y="2473560"/>
-            <a:ext cx="8983800" cy="699480"/>
+            <a:ext cx="8983440" cy="699480"/>
           </a:xfrm>
           <a:prstGeom prst="rect">
             <a:avLst/>
@@ -16195,7 +16165,7 @@
         <p:spPr>
           <a:xfrm>
             <a:off x="1600200" y="3405600"/>
-            <a:ext cx="8883000" cy="1324080"/>
+            <a:ext cx="8882640" cy="1324080"/>
           </a:xfrm>
           <a:prstGeom prst="rect">
             <a:avLst/>
@@ -16216,7 +16186,7 @@
             <a:spAutoFit/>
           </a:bodyPr>
           <a:p>
-            <a:pPr marL="285840" indent="-279000">
+            <a:pPr marL="285840" indent="-278640">
               <a:lnSpc>
                 <a:spcPct val="150000"/>
               </a:lnSpc>
@@ -16261,7 +16231,7 @@
             </a:endParaRPr>
           </a:p>
           <a:p>
-            <a:pPr marL="285840" indent="-279000">
+            <a:pPr marL="285840" indent="-278640">
               <a:lnSpc>
                 <a:spcPct val="150000"/>
               </a:lnSpc>
@@ -16306,7 +16276,7 @@
             </a:endParaRPr>
           </a:p>
           <a:p>
-            <a:pPr marL="285840" indent="-279000">
+            <a:pPr marL="285840" indent="-278640">
               <a:lnSpc>
                 <a:spcPct val="150000"/>
               </a:lnSpc>
@@ -16396,7 +16366,7 @@
         <p:spPr>
           <a:xfrm>
             <a:off x="4601520" y="5832000"/>
-            <a:ext cx="5622120" cy="359640"/>
+            <a:ext cx="5621760" cy="359280"/>
           </a:xfrm>
           <a:prstGeom prst="rect">
             <a:avLst/>
@@ -16477,7 +16447,7 @@
         <p:spPr>
           <a:xfrm>
             <a:off x="10584000" y="3710160"/>
-            <a:ext cx="1408320" cy="2553480"/>
+            <a:ext cx="1407960" cy="2553120"/>
           </a:xfrm>
           <a:prstGeom prst="rect">
             <a:avLst/>
@@ -16718,7 +16688,7 @@
         <p:spPr>
           <a:xfrm>
             <a:off x="1676520" y="2362320"/>
-            <a:ext cx="8832240" cy="912600"/>
+            <a:ext cx="8831880" cy="912600"/>
           </a:xfrm>
           <a:prstGeom prst="rect">
             <a:avLst/>
@@ -16769,7 +16739,7 @@
         <p:spPr>
           <a:xfrm>
             <a:off x="522360" y="3531600"/>
-            <a:ext cx="11069280" cy="364320"/>
+            <a:ext cx="11068920" cy="363960"/>
           </a:xfrm>
           <a:prstGeom prst="rect">
             <a:avLst/>
@@ -16850,7 +16820,7 @@
         <p:spPr>
           <a:xfrm>
             <a:off x="1676520" y="2362320"/>
-            <a:ext cx="8832240" cy="912600"/>
+            <a:ext cx="8831880" cy="912600"/>
           </a:xfrm>
           <a:prstGeom prst="rect">
             <a:avLst/>
@@ -16884,17 +16854,7 @@
                 <a:latin typeface="Century"/>
                 <a:ea typeface="DejaVu Sans"/>
               </a:rPr>
-              <a:t>lpop key &amp; rpop</a:t>
-            </a:r>
-            <a:r>
-              <a:rPr b="0" i="1" lang="en-IN" sz="5400" spc="-1" strike="noStrike">
-                <a:solidFill>
-                  <a:srgbClr val="f7c120"/>
-                </a:solidFill>
-                <a:latin typeface="Century"/>
-                <a:ea typeface="DejaVu Sans"/>
-              </a:rPr>
-              <a:t> key</a:t>
+              <a:t>lpop key &amp; rpop key</a:t>
             </a:r>
             <a:endParaRPr b="0" lang="en-IN" sz="5400" spc="-1" strike="noStrike">
               <a:latin typeface="Arial"/>
@@ -16911,7 +16871,7 @@
         <p:spPr>
           <a:xfrm>
             <a:off x="522360" y="3531600"/>
-            <a:ext cx="11069280" cy="364320"/>
+            <a:ext cx="11068920" cy="363960"/>
           </a:xfrm>
           <a:prstGeom prst="rect">
             <a:avLst/>
@@ -16992,7 +16952,7 @@
         <p:spPr>
           <a:xfrm>
             <a:off x="1523880" y="0"/>
-            <a:ext cx="9137160" cy="699120"/>
+            <a:ext cx="9136800" cy="699120"/>
           </a:xfrm>
           <a:prstGeom prst="rect">
             <a:avLst/>
@@ -17047,7 +17007,7 @@
         <p:spPr>
           <a:xfrm>
             <a:off x="1600200" y="762120"/>
-            <a:ext cx="8984880" cy="2558520"/>
+            <a:ext cx="8984520" cy="2558520"/>
           </a:xfrm>
           <a:prstGeom prst="rect">
             <a:avLst/>
@@ -17148,7 +17108,7 @@
         <p:spPr>
           <a:xfrm>
             <a:off x="152280" y="152280"/>
-            <a:ext cx="1099800" cy="455400"/>
+            <a:ext cx="1099440" cy="455400"/>
           </a:xfrm>
           <a:prstGeom prst="rect">
             <a:avLst/>
@@ -17199,7 +17159,7 @@
         <p:spPr>
           <a:xfrm>
             <a:off x="1601280" y="3697560"/>
-            <a:ext cx="8983800" cy="699480"/>
+            <a:ext cx="8983440" cy="699480"/>
           </a:xfrm>
           <a:prstGeom prst="rect">
             <a:avLst/>
@@ -17270,7 +17230,7 @@
         <p:spPr>
           <a:xfrm>
             <a:off x="1600200" y="4629600"/>
-            <a:ext cx="8883000" cy="912600"/>
+            <a:ext cx="8882640" cy="912600"/>
           </a:xfrm>
           <a:prstGeom prst="rect">
             <a:avLst/>
@@ -17291,7 +17251,7 @@
             <a:spAutoFit/>
           </a:bodyPr>
           <a:p>
-            <a:pPr marL="285840" indent="-279000">
+            <a:pPr marL="285840" indent="-278640">
               <a:lnSpc>
                 <a:spcPct val="150000"/>
               </a:lnSpc>
@@ -17336,7 +17296,7 @@
             </a:endParaRPr>
           </a:p>
           <a:p>
-            <a:pPr marL="285840" indent="-279000">
+            <a:pPr marL="285840" indent="-278640">
               <a:lnSpc>
                 <a:spcPct val="150000"/>
               </a:lnSpc>
@@ -17456,7 +17416,7 @@
         <p:spPr>
           <a:xfrm>
             <a:off x="1676520" y="2362320"/>
-            <a:ext cx="8832240" cy="912600"/>
+            <a:ext cx="8831880" cy="912600"/>
           </a:xfrm>
           <a:prstGeom prst="rect">
             <a:avLst/>
@@ -17490,17 +17450,7 @@
                 <a:latin typeface="Century"/>
                 <a:ea typeface="DejaVu Sans"/>
               </a:rPr>
-              <a:t>llen key &amp; lrem</a:t>
-            </a:r>
-            <a:r>
-              <a:rPr b="0" i="1" lang="en-IN" sz="5400" spc="-1" strike="noStrike">
-                <a:solidFill>
-                  <a:srgbClr val="f7c120"/>
-                </a:solidFill>
-                <a:latin typeface="Century"/>
-                <a:ea typeface="DejaVu Sans"/>
-              </a:rPr>
-              <a:t> key</a:t>
+              <a:t>llen key &amp; lrem key</a:t>
             </a:r>
             <a:endParaRPr b="0" lang="en-IN" sz="5400" spc="-1" strike="noStrike">
               <a:latin typeface="Arial"/>
@@ -17517,7 +17467,7 @@
         <p:spPr>
           <a:xfrm>
             <a:off x="522360" y="3531600"/>
-            <a:ext cx="11069280" cy="364320"/>
+            <a:ext cx="11068920" cy="363960"/>
           </a:xfrm>
           <a:prstGeom prst="rect">
             <a:avLst/>
@@ -17598,7 +17548,7 @@
         <p:spPr>
           <a:xfrm>
             <a:off x="1523880" y="0"/>
-            <a:ext cx="9137160" cy="699120"/>
+            <a:ext cx="9136800" cy="699120"/>
           </a:xfrm>
           <a:prstGeom prst="rect">
             <a:avLst/>
@@ -17653,7 +17603,7 @@
         <p:spPr>
           <a:xfrm>
             <a:off x="1600200" y="762120"/>
-            <a:ext cx="8984880" cy="2284560"/>
+            <a:ext cx="8984520" cy="2284200"/>
           </a:xfrm>
           <a:prstGeom prst="rect">
             <a:avLst/>
@@ -17854,7 +17804,7 @@
         <p:spPr>
           <a:xfrm>
             <a:off x="152280" y="152280"/>
-            <a:ext cx="1099800" cy="455400"/>
+            <a:ext cx="1099440" cy="455400"/>
           </a:xfrm>
           <a:prstGeom prst="rect">
             <a:avLst/>
@@ -17905,7 +17855,7 @@
         <p:spPr>
           <a:xfrm>
             <a:off x="1601280" y="3625560"/>
-            <a:ext cx="8983800" cy="699480"/>
+            <a:ext cx="8983440" cy="699480"/>
           </a:xfrm>
           <a:prstGeom prst="rect">
             <a:avLst/>
@@ -17976,7 +17926,7 @@
         <p:spPr>
           <a:xfrm>
             <a:off x="1600200" y="4521600"/>
-            <a:ext cx="8883000" cy="912600"/>
+            <a:ext cx="8882640" cy="912600"/>
           </a:xfrm>
           <a:prstGeom prst="rect">
             <a:avLst/>
@@ -17997,7 +17947,7 @@
             <a:spAutoFit/>
           </a:bodyPr>
           <a:p>
-            <a:pPr marL="285840" indent="-279000">
+            <a:pPr marL="285840" indent="-278640">
               <a:lnSpc>
                 <a:spcPct val="150000"/>
               </a:lnSpc>
@@ -18042,7 +17992,7 @@
             </a:endParaRPr>
           </a:p>
           <a:p>
-            <a:pPr marL="285840" indent="-279000">
+            <a:pPr marL="285840" indent="-278640">
               <a:lnSpc>
                 <a:spcPct val="150000"/>
               </a:lnSpc>
@@ -18132,7 +18082,7 @@
         <p:spPr>
           <a:xfrm>
             <a:off x="1224000" y="5904000"/>
-            <a:ext cx="8927640" cy="359640"/>
+            <a:ext cx="8927280" cy="359280"/>
           </a:xfrm>
           <a:prstGeom prst="rect">
             <a:avLst/>
@@ -18153,7 +18103,7 @@
             <a:noAutofit/>
           </a:bodyPr>
           <a:p>
-            <a:pPr marL="216000" indent="-215640">
+            <a:pPr marL="216000" indent="-215280">
               <a:lnSpc>
                 <a:spcPct val="100000"/>
               </a:lnSpc>
@@ -18219,7 +18169,7 @@
         <p:spPr>
           <a:xfrm>
             <a:off x="10585440" y="1036440"/>
-            <a:ext cx="1438200" cy="5659200"/>
+            <a:ext cx="1437840" cy="5658840"/>
           </a:xfrm>
           <a:prstGeom prst="rect">
             <a:avLst/>
@@ -18649,8 +18599,8 @@
         </p:nvSpPr>
         <p:spPr>
           <a:xfrm>
-            <a:off x="1365840" y="188640"/>
-            <a:ext cx="9676080" cy="2192400"/>
+            <a:off x="1676520" y="2362320"/>
+            <a:ext cx="8831880" cy="912600"/>
           </a:xfrm>
           <a:prstGeom prst="rect">
             <a:avLst/>
@@ -18677,6 +18627,1300 @@
               </a:lnSpc>
             </a:pPr>
             <a:r>
+              <a:rPr b="0" i="1" lang="en-IN" sz="5400" spc="-1" strike="noStrike">
+                <a:solidFill>
+                  <a:srgbClr val="f7c120"/>
+                </a:solidFill>
+                <a:latin typeface="Century"/>
+                <a:ea typeface="DejaVu Sans"/>
+              </a:rPr>
+              <a:t>lpos key</a:t>
+            </a:r>
+            <a:endParaRPr b="0" lang="en-IN" sz="5400" spc="-1" strike="noStrike">
+              <a:latin typeface="Arial"/>
+            </a:endParaRPr>
+          </a:p>
+        </p:txBody>
+      </p:sp>
+      <p:sp>
+        <p:nvSpPr>
+          <p:cNvPr id="278" name="CustomShape 2"/>
+          <p:cNvSpPr/>
+          <p:nvPr/>
+        </p:nvSpPr>
+        <p:spPr>
+          <a:xfrm>
+            <a:off x="522360" y="3531600"/>
+            <a:ext cx="11068920" cy="363960"/>
+          </a:xfrm>
+          <a:prstGeom prst="rect">
+            <a:avLst/>
+          </a:prstGeom>
+          <a:noFill/>
+          <a:ln>
+            <a:noFill/>
+          </a:ln>
+        </p:spPr>
+        <p:style>
+          <a:lnRef idx="0"/>
+          <a:fillRef idx="0"/>
+          <a:effectRef idx="0"/>
+          <a:fontRef idx="minor"/>
+        </p:style>
+        <p:txBody>
+          <a:bodyPr lIns="90000" rIns="90000" tIns="45000" bIns="45000">
+            <a:spAutoFit/>
+          </a:bodyPr>
+          <a:p>
+            <a:pPr algn="just">
+              <a:lnSpc>
+                <a:spcPct val="100000"/>
+              </a:lnSpc>
+            </a:pPr>
+            <a:r>
+              <a:rPr b="0" lang="en-IN" sz="1800" spc="-1" strike="noStrike">
+                <a:solidFill>
+                  <a:srgbClr val="bb0643"/>
+                </a:solidFill>
+                <a:latin typeface="Segoe UI"/>
+                <a:ea typeface="DejaVu Sans"/>
+              </a:rPr>
+              <a:t>TODO</a:t>
+            </a:r>
+            <a:endParaRPr b="0" lang="en-IN" sz="1800" spc="-1" strike="noStrike">
+              <a:latin typeface="Arial"/>
+            </a:endParaRPr>
+          </a:p>
+        </p:txBody>
+      </p:sp>
+    </p:spTree>
+  </p:cSld>
+  <mc:AlternateContent>
+    <mc:Choice Requires="p14">
+      <p:transition spd="slow" p14:dur="2000"/>
+    </mc:Choice>
+    <mc:Fallback>
+      <p:transition spd="slow"/>
+    </mc:Fallback>
+  </mc:AlternateContent>
+</p:sld>
+</file>
+
+<file path=ppt/slides/slide45.xml><?xml version="1.0" encoding="utf-8"?>
+<p:sld xmlns:a="http://schemas.openxmlformats.org/drawingml/2006/main" xmlns:p="http://schemas.openxmlformats.org/presentationml/2006/main" xmlns:r="http://schemas.openxmlformats.org/officeDocument/2006/relationships" xmlns:p14="http://schemas.microsoft.com/office/powerpoint/2010/main" xmlns:p15="http://schemas.microsoft.com/office/powerpoint/2012/main" xmlns:mc="http://schemas.openxmlformats.org/markup-compatibility/2006">
+  <p:cSld>
+    <p:spTree>
+      <p:nvGrpSpPr>
+        <p:cNvPr id="1" name=""/>
+        <p:cNvGrpSpPr/>
+        <p:nvPr/>
+      </p:nvGrpSpPr>
+      <p:grpSpPr>
+        <a:xfrm>
+          <a:off x="0" y="0"/>
+          <a:ext cx="0" cy="0"/>
+          <a:chOff x="0" y="0"/>
+          <a:chExt cx="0" cy="0"/>
+        </a:xfrm>
+      </p:grpSpPr>
+      <p:sp>
+        <p:nvSpPr>
+          <p:cNvPr id="279" name="CustomShape 1"/>
+          <p:cNvSpPr/>
+          <p:nvPr/>
+        </p:nvSpPr>
+        <p:spPr>
+          <a:xfrm>
+            <a:off x="1523880" y="0"/>
+            <a:ext cx="9136800" cy="699120"/>
+          </a:xfrm>
+          <a:prstGeom prst="rect">
+            <a:avLst/>
+          </a:prstGeom>
+          <a:solidFill>
+            <a:schemeClr val="accent6">
+              <a:lumMod val="75000"/>
+            </a:schemeClr>
+          </a:solidFill>
+          <a:ln>
+            <a:noFill/>
+          </a:ln>
+        </p:spPr>
+        <p:style>
+          <a:lnRef idx="0"/>
+          <a:fillRef idx="0"/>
+          <a:effectRef idx="0"/>
+          <a:fontRef idx="minor"/>
+        </p:style>
+        <p:txBody>
+          <a:bodyPr lIns="90000" rIns="90000" tIns="45000" bIns="45000">
+            <a:spAutoFit/>
+          </a:bodyPr>
+          <a:p>
+            <a:pPr algn="ctr">
+              <a:lnSpc>
+                <a:spcPct val="100000"/>
+              </a:lnSpc>
+            </a:pPr>
+            <a:r>
+              <a:rPr b="0" lang="en-IN" sz="4000" spc="-1" strike="noStrike">
+                <a:solidFill>
+                  <a:srgbClr val="f7c120"/>
+                </a:solidFill>
+                <a:latin typeface="Open Sans"/>
+                <a:ea typeface="DejaVu Sans"/>
+              </a:rPr>
+              <a:t>lpos</a:t>
+            </a:r>
+            <a:endParaRPr b="0" lang="en-IN" sz="4000" spc="-1" strike="noStrike">
+              <a:latin typeface="Arial"/>
+            </a:endParaRPr>
+          </a:p>
+        </p:txBody>
+      </p:sp>
+      <p:sp>
+        <p:nvSpPr>
+          <p:cNvPr id="280" name="CustomShape 2"/>
+          <p:cNvSpPr/>
+          <p:nvPr/>
+        </p:nvSpPr>
+        <p:spPr>
+          <a:xfrm>
+            <a:off x="1600200" y="762120"/>
+            <a:ext cx="8984520" cy="1736280"/>
+          </a:xfrm>
+          <a:prstGeom prst="rect">
+            <a:avLst/>
+          </a:prstGeom>
+          <a:noFill/>
+          <a:ln>
+            <a:noFill/>
+          </a:ln>
+        </p:spPr>
+        <p:style>
+          <a:lnRef idx="0"/>
+          <a:fillRef idx="0"/>
+          <a:effectRef idx="0"/>
+          <a:fontRef idx="minor"/>
+        </p:style>
+        <p:txBody>
+          <a:bodyPr lIns="90000" rIns="90000" tIns="45000" bIns="45000">
+            <a:spAutoFit/>
+          </a:bodyPr>
+          <a:p>
+            <a:pPr algn="just"/>
+            <a:r>
+              <a:rPr b="1" lang="en-US" sz="1800" spc="-1" strike="noStrike">
+                <a:solidFill>
+                  <a:srgbClr val="7c4dff"/>
+                </a:solidFill>
+                <a:latin typeface="Arial"/>
+                <a:ea typeface="DejaVu Sans"/>
+              </a:rPr>
+              <a:t>LPOS</a:t>
+            </a:r>
+            <a:r>
+              <a:rPr b="0" lang="en-US" sz="1800" spc="-1" strike="noStrike">
+                <a:latin typeface="Arial"/>
+                <a:ea typeface="DejaVu Sans"/>
+              </a:rPr>
+              <a:t> command </a:t>
+            </a:r>
+            <a:r>
+              <a:rPr b="0" lang="en-US" sz="1800" spc="-1" strike="noStrike">
+                <a:latin typeface="Arial"/>
+                <a:ea typeface="DejaVu Sans"/>
+              </a:rPr>
+              <a:t>returns the index of </a:t>
+            </a:r>
+            <a:r>
+              <a:rPr b="0" lang="en-US" sz="1800" spc="-1" strike="noStrike">
+                <a:latin typeface="Arial"/>
+                <a:ea typeface="DejaVu Sans"/>
+              </a:rPr>
+              <a:t>matching elements </a:t>
+            </a:r>
+            <a:r>
+              <a:rPr b="0" lang="en-US" sz="1800" spc="-1" strike="noStrike">
+                <a:latin typeface="Arial"/>
+                <a:ea typeface="DejaVu Sans"/>
+              </a:rPr>
+              <a:t>inside a Redis list. By </a:t>
+            </a:r>
+            <a:r>
+              <a:rPr b="0" lang="en-US" sz="1800" spc="-1" strike="noStrike">
+                <a:latin typeface="Arial"/>
+                <a:ea typeface="DejaVu Sans"/>
+              </a:rPr>
+              <a:t>default, when no </a:t>
+            </a:r>
+            <a:r>
+              <a:rPr b="0" lang="en-US" sz="1800" spc="-1" strike="noStrike">
+                <a:latin typeface="Arial"/>
+                <a:ea typeface="DejaVu Sans"/>
+              </a:rPr>
+              <a:t>options are given, it will </a:t>
+            </a:r>
+            <a:r>
+              <a:rPr b="0" lang="en-US" sz="1800" spc="-1" strike="noStrike">
+                <a:latin typeface="Arial"/>
+                <a:ea typeface="DejaVu Sans"/>
+              </a:rPr>
+              <a:t>scan the list from head </a:t>
+            </a:r>
+            <a:r>
+              <a:rPr b="0" lang="en-US" sz="1800" spc="-1" strike="noStrike">
+                <a:latin typeface="Arial"/>
+                <a:ea typeface="DejaVu Sans"/>
+              </a:rPr>
+              <a:t>to tail, looking for the </a:t>
+            </a:r>
+            <a:r>
+              <a:rPr b="0" lang="en-US" sz="1800" spc="-1" strike="noStrike">
+                <a:latin typeface="Arial"/>
+                <a:ea typeface="DejaVu Sans"/>
+              </a:rPr>
+              <a:t>first match of </a:t>
+            </a:r>
+            <a:r>
+              <a:rPr b="0" lang="en-US" sz="1800" spc="-1" strike="noStrike">
+                <a:latin typeface="Arial"/>
+                <a:ea typeface="DejaVu Sans"/>
+              </a:rPr>
+              <a:t>"element". If the </a:t>
+            </a:r>
+            <a:r>
+              <a:rPr b="0" lang="en-US" sz="1800" spc="-1" strike="noStrike">
+                <a:latin typeface="Arial"/>
+                <a:ea typeface="DejaVu Sans"/>
+              </a:rPr>
+              <a:t>element is found, its </a:t>
+            </a:r>
+            <a:r>
+              <a:rPr b="0" lang="en-US" sz="1800" spc="-1" strike="noStrike">
+                <a:latin typeface="Arial"/>
+                <a:ea typeface="DejaVu Sans"/>
+              </a:rPr>
+              <a:t>index is returned. A </a:t>
+            </a:r>
+            <a:r>
+              <a:rPr b="0" lang="en-US" sz="1800" spc="-1" strike="noStrike">
+                <a:latin typeface="Arial"/>
+                <a:ea typeface="DejaVu Sans"/>
+              </a:rPr>
+              <a:t>rank of 1 means to </a:t>
+            </a:r>
+            <a:r>
+              <a:rPr b="0" lang="en-US" sz="1800" spc="-1" strike="noStrike">
+                <a:latin typeface="Arial"/>
+                <a:ea typeface="DejaVu Sans"/>
+              </a:rPr>
+              <a:t>return the first match, 2 </a:t>
+            </a:r>
+            <a:r>
+              <a:rPr b="0" lang="en-US" sz="1800" spc="-1" strike="noStrike">
+                <a:latin typeface="Arial"/>
+                <a:ea typeface="DejaVu Sans"/>
+              </a:rPr>
+              <a:t>to return the second </a:t>
+            </a:r>
+            <a:r>
+              <a:rPr b="0" lang="en-US" sz="1800" spc="-1" strike="noStrike">
+                <a:latin typeface="Arial"/>
+                <a:ea typeface="DejaVu Sans"/>
+              </a:rPr>
+              <a:t>match, and so forth. A </a:t>
+            </a:r>
+            <a:r>
+              <a:rPr b="0" lang="en-US" sz="1800" spc="-1" strike="noStrike">
+                <a:latin typeface="Arial"/>
+                <a:ea typeface="DejaVu Sans"/>
+              </a:rPr>
+              <a:t>negative "rank" as the </a:t>
+            </a:r>
+            <a:r>
+              <a:rPr b="0" lang="en-US" sz="1800" spc="-1" strike="noStrike">
+                <a:latin typeface="Arial"/>
+                <a:ea typeface="DejaVu Sans"/>
+              </a:rPr>
+              <a:t>RANK argument tells </a:t>
+            </a:r>
+            <a:r>
+              <a:rPr b="0" lang="en-US" sz="1800" spc="-1" strike="noStrike">
+                <a:latin typeface="Arial"/>
+                <a:ea typeface="DejaVu Sans"/>
+              </a:rPr>
+              <a:t>LPOS to invert the </a:t>
+            </a:r>
+            <a:r>
+              <a:rPr b="0" lang="en-US" sz="1800" spc="-1" strike="noStrike">
+                <a:latin typeface="Arial"/>
+                <a:ea typeface="DejaVu Sans"/>
+              </a:rPr>
+              <a:t>search direction, </a:t>
+            </a:r>
+            <a:r>
+              <a:rPr b="0" lang="en-US" sz="1800" spc="-1" strike="noStrike">
+                <a:latin typeface="Arial"/>
+                <a:ea typeface="DejaVu Sans"/>
+              </a:rPr>
+              <a:t>starting from the tail to </a:t>
+            </a:r>
+            <a:r>
+              <a:rPr b="0" lang="en-US" sz="1800" spc="-1" strike="noStrike">
+                <a:latin typeface="Arial"/>
+                <a:ea typeface="DejaVu Sans"/>
+              </a:rPr>
+              <a:t>the head.</a:t>
+            </a:r>
+            <a:endParaRPr b="0" lang="en-IN" sz="1800" spc="-1" strike="noStrike">
+              <a:latin typeface="Arial"/>
+            </a:endParaRPr>
+          </a:p>
+        </p:txBody>
+      </p:sp>
+      <p:sp>
+        <p:nvSpPr>
+          <p:cNvPr id="281" name="CustomShape 3"/>
+          <p:cNvSpPr/>
+          <p:nvPr/>
+        </p:nvSpPr>
+        <p:spPr>
+          <a:xfrm>
+            <a:off x="152280" y="152280"/>
+            <a:ext cx="1099440" cy="455400"/>
+          </a:xfrm>
+          <a:prstGeom prst="rect">
+            <a:avLst/>
+          </a:prstGeom>
+          <a:noFill/>
+          <a:ln>
+            <a:noFill/>
+          </a:ln>
+        </p:spPr>
+        <p:style>
+          <a:lnRef idx="0"/>
+          <a:fillRef idx="0"/>
+          <a:effectRef idx="0"/>
+          <a:fontRef idx="minor"/>
+        </p:style>
+        <p:txBody>
+          <a:bodyPr lIns="90000" rIns="90000" tIns="45000" bIns="45000">
+            <a:spAutoFit/>
+          </a:bodyPr>
+          <a:p>
+            <a:pPr algn="just">
+              <a:lnSpc>
+                <a:spcPct val="100000"/>
+              </a:lnSpc>
+            </a:pPr>
+            <a:r>
+              <a:rPr b="0" lang="en-IN" sz="2400" spc="-1" strike="noStrike">
+                <a:solidFill>
+                  <a:srgbClr val="ff0000"/>
+                </a:solidFill>
+                <a:latin typeface="Times New Roman"/>
+                <a:ea typeface="DejaVu Sans"/>
+              </a:rPr>
+              <a:t>TODO</a:t>
+            </a:r>
+            <a:endParaRPr b="0" lang="en-IN" sz="2400" spc="-1" strike="noStrike">
+              <a:latin typeface="Arial"/>
+            </a:endParaRPr>
+          </a:p>
+        </p:txBody>
+      </p:sp>
+      <p:sp>
+        <p:nvSpPr>
+          <p:cNvPr id="282" name="CustomShape 4"/>
+          <p:cNvSpPr/>
+          <p:nvPr/>
+        </p:nvSpPr>
+        <p:spPr>
+          <a:xfrm>
+            <a:off x="1601280" y="2941560"/>
+            <a:ext cx="8983440" cy="700200"/>
+          </a:xfrm>
+          <a:prstGeom prst="rect">
+            <a:avLst/>
+          </a:prstGeom>
+          <a:noFill/>
+          <a:ln>
+            <a:noFill/>
+          </a:ln>
+        </p:spPr>
+        <p:style>
+          <a:lnRef idx="0"/>
+          <a:fillRef idx="0"/>
+          <a:effectRef idx="0"/>
+          <a:fontRef idx="minor"/>
+        </p:style>
+        <p:txBody>
+          <a:bodyPr lIns="90000" rIns="90000" tIns="45000" bIns="45000">
+            <a:spAutoFit/>
+          </a:bodyPr>
+          <a:p>
+            <a:pPr>
+              <a:lnSpc>
+                <a:spcPct val="100000"/>
+              </a:lnSpc>
+            </a:pPr>
+            <a:r>
+              <a:rPr b="0" lang="en-US" sz="2000" spc="-1" strike="noStrike">
+                <a:solidFill>
+                  <a:srgbClr val="00b0f0"/>
+                </a:solidFill>
+                <a:latin typeface="Consolas"/>
+                <a:ea typeface="DejaVu Sans"/>
+              </a:rPr>
+              <a:t>LPOS key </a:t>
+            </a:r>
+            <a:r>
+              <a:rPr b="0" lang="en-US" sz="2000" spc="-1" strike="noStrike">
+                <a:solidFill>
+                  <a:srgbClr val="00b0f0"/>
+                </a:solidFill>
+                <a:latin typeface="Consolas"/>
+                <a:ea typeface="DejaVu Sans"/>
+              </a:rPr>
+              <a:t>element [RANK </a:t>
+            </a:r>
+            <a:r>
+              <a:rPr b="0" lang="en-US" sz="2000" spc="-1" strike="noStrike">
+                <a:solidFill>
+                  <a:srgbClr val="00b0f0"/>
+                </a:solidFill>
+                <a:latin typeface="Consolas"/>
+                <a:ea typeface="DejaVu Sans"/>
+              </a:rPr>
+              <a:t>rank] [COUNT </a:t>
+            </a:r>
+            <a:r>
+              <a:rPr b="0" lang="en-US" sz="2000" spc="-1" strike="noStrike">
+                <a:solidFill>
+                  <a:srgbClr val="00b0f0"/>
+                </a:solidFill>
+                <a:latin typeface="Consolas"/>
+                <a:ea typeface="DejaVu Sans"/>
+              </a:rPr>
+              <a:t>num-matches] </a:t>
+            </a:r>
+            <a:r>
+              <a:rPr b="0" lang="en-US" sz="2000" spc="-1" strike="noStrike">
+                <a:solidFill>
+                  <a:srgbClr val="00b0f0"/>
+                </a:solidFill>
+                <a:latin typeface="Consolas"/>
+                <a:ea typeface="DejaVu Sans"/>
+              </a:rPr>
+              <a:t>[MAXLEN len]</a:t>
+            </a:r>
+            <a:endParaRPr b="0" lang="en-IN" sz="2000" spc="-1" strike="noStrike">
+              <a:latin typeface="Arial"/>
+            </a:endParaRPr>
+          </a:p>
+        </p:txBody>
+      </p:sp>
+      <p:sp>
+        <p:nvSpPr>
+          <p:cNvPr id="283" name="CustomShape 5"/>
+          <p:cNvSpPr/>
+          <p:nvPr/>
+        </p:nvSpPr>
+        <p:spPr>
+          <a:xfrm>
+            <a:off x="1600200" y="3873600"/>
+            <a:ext cx="8882640" cy="1735560"/>
+          </a:xfrm>
+          <a:prstGeom prst="rect">
+            <a:avLst/>
+          </a:prstGeom>
+          <a:noFill/>
+          <a:ln>
+            <a:noFill/>
+          </a:ln>
+        </p:spPr>
+        <p:style>
+          <a:lnRef idx="0"/>
+          <a:fillRef idx="0"/>
+          <a:effectRef idx="0"/>
+          <a:fontRef idx="minor"/>
+        </p:style>
+        <p:txBody>
+          <a:bodyPr lIns="90000" rIns="90000" tIns="45000" bIns="45000">
+            <a:spAutoFit/>
+          </a:bodyPr>
+          <a:p>
+            <a:pPr marL="285840" indent="-278640">
+              <a:lnSpc>
+                <a:spcPct val="150000"/>
+              </a:lnSpc>
+              <a:buClr>
+                <a:srgbClr val="808080"/>
+              </a:buClr>
+              <a:buFont typeface="Arial"/>
+              <a:buChar char="•"/>
+            </a:pPr>
+            <a:r>
+              <a:rPr b="0" lang="en-IN" sz="1800" spc="-1" strike="noStrike">
+                <a:solidFill>
+                  <a:srgbClr val="808080"/>
+                </a:solidFill>
+                <a:latin typeface="Consolas"/>
+                <a:ea typeface="SimSun"/>
+              </a:rPr>
+              <a:t>127.0.0.1:6379&gt;</a:t>
+            </a:r>
+            <a:r>
+              <a:rPr b="0" lang="en-IN" sz="1800" spc="-1" strike="noStrike">
+                <a:solidFill>
+                  <a:srgbClr val="000000"/>
+                </a:solidFill>
+                <a:latin typeface="Consolas"/>
+                <a:ea typeface="SimSun"/>
+              </a:rPr>
+              <a:t> </a:t>
+            </a:r>
+            <a:r>
+              <a:rPr b="0" lang="en-IN" sz="1800" spc="-1" strike="noStrike">
+                <a:solidFill>
+                  <a:srgbClr val="ff5733"/>
+                </a:solidFill>
+                <a:latin typeface="Consolas"/>
+                <a:ea typeface="SimSun"/>
+              </a:rPr>
+              <a:t>lpos a -1</a:t>
+            </a:r>
+            <a:endParaRPr b="0" lang="en-IN" sz="1800" spc="-1" strike="noStrike">
+              <a:latin typeface="Arial"/>
+            </a:endParaRPr>
+          </a:p>
+          <a:p>
+            <a:pPr marL="285840" indent="-278640">
+              <a:lnSpc>
+                <a:spcPct val="150000"/>
+              </a:lnSpc>
+              <a:buClr>
+                <a:srgbClr val="808080"/>
+              </a:buClr>
+              <a:buFont typeface="Arial"/>
+              <a:buChar char="•"/>
+            </a:pPr>
+            <a:r>
+              <a:rPr b="0" lang="en-IN" sz="1800" spc="-1" strike="noStrike">
+                <a:solidFill>
+                  <a:srgbClr val="808080"/>
+                </a:solidFill>
+                <a:latin typeface="Consolas"/>
+                <a:ea typeface="SimSun"/>
+              </a:rPr>
+              <a:t>127.0.0.1:6379&gt;</a:t>
+            </a:r>
+            <a:r>
+              <a:rPr b="0" lang="en-IN" sz="1800" spc="-1" strike="noStrike">
+                <a:solidFill>
+                  <a:srgbClr val="000000"/>
+                </a:solidFill>
+                <a:latin typeface="Consolas"/>
+                <a:ea typeface="SimSun"/>
+              </a:rPr>
+              <a:t> </a:t>
+            </a:r>
+            <a:r>
+              <a:rPr b="0" lang="en-IN" sz="1800" spc="-1" strike="noStrike">
+                <a:solidFill>
+                  <a:srgbClr val="ff5733"/>
+                </a:solidFill>
+                <a:latin typeface="Consolas"/>
+                <a:ea typeface="SimSun"/>
+              </a:rPr>
+              <a:t>lpos a -1 rank 2</a:t>
+            </a:r>
+            <a:endParaRPr b="0" lang="en-IN" sz="1800" spc="-1" strike="noStrike">
+              <a:latin typeface="Arial"/>
+            </a:endParaRPr>
+          </a:p>
+          <a:p>
+            <a:pPr marL="285840" indent="-278640">
+              <a:lnSpc>
+                <a:spcPct val="150000"/>
+              </a:lnSpc>
+              <a:buClr>
+                <a:srgbClr val="808080"/>
+              </a:buClr>
+              <a:buFont typeface="Arial"/>
+              <a:buChar char="•"/>
+            </a:pPr>
+            <a:r>
+              <a:rPr b="0" lang="en-IN" sz="1800" spc="-1" strike="noStrike">
+                <a:solidFill>
+                  <a:srgbClr val="808080"/>
+                </a:solidFill>
+                <a:latin typeface="Consolas"/>
+                <a:ea typeface="SimSun"/>
+              </a:rPr>
+              <a:t>127.0.0.1:6379&gt;</a:t>
+            </a:r>
+            <a:r>
+              <a:rPr b="0" lang="en-IN" sz="1800" spc="-1" strike="noStrike">
+                <a:solidFill>
+                  <a:srgbClr val="000000"/>
+                </a:solidFill>
+                <a:latin typeface="Consolas"/>
+                <a:ea typeface="SimSun"/>
+              </a:rPr>
+              <a:t> </a:t>
+            </a:r>
+            <a:r>
+              <a:rPr b="0" lang="en-IN" sz="1800" spc="-1" strike="noStrike">
+                <a:solidFill>
+                  <a:srgbClr val="ff5733"/>
+                </a:solidFill>
+                <a:latin typeface="Consolas"/>
+                <a:ea typeface="SimSun"/>
+              </a:rPr>
+              <a:t>lpos a -1 rank 2 count 0</a:t>
+            </a:r>
+            <a:endParaRPr b="0" lang="en-IN" sz="1800" spc="-1" strike="noStrike">
+              <a:latin typeface="Arial"/>
+            </a:endParaRPr>
+          </a:p>
+          <a:p>
+            <a:pPr marL="285840" indent="-278640">
+              <a:lnSpc>
+                <a:spcPct val="150000"/>
+              </a:lnSpc>
+              <a:buClr>
+                <a:srgbClr val="808080"/>
+              </a:buClr>
+              <a:buFont typeface="Arial"/>
+              <a:buChar char="•"/>
+            </a:pPr>
+            <a:r>
+              <a:rPr b="0" lang="en-IN" sz="1800" spc="-1" strike="noStrike">
+                <a:solidFill>
+                  <a:srgbClr val="808080"/>
+                </a:solidFill>
+                <a:latin typeface="Consolas"/>
+                <a:ea typeface="SimSun"/>
+              </a:rPr>
+              <a:t>127.0.0.1:6379&gt;</a:t>
+            </a:r>
+            <a:r>
+              <a:rPr b="0" lang="en-IN" sz="1800" spc="-1" strike="noStrike">
+                <a:solidFill>
+                  <a:srgbClr val="000000"/>
+                </a:solidFill>
+                <a:latin typeface="Consolas"/>
+                <a:ea typeface="SimSun"/>
+              </a:rPr>
+              <a:t> </a:t>
+            </a:r>
+            <a:r>
+              <a:rPr b="0" lang="en-IN" sz="1800" spc="-1" strike="noStrike">
+                <a:solidFill>
+                  <a:srgbClr val="ff5733"/>
+                </a:solidFill>
+                <a:latin typeface="Consolas"/>
+                <a:ea typeface="SimSun"/>
+              </a:rPr>
+              <a:t>lpos a -1 rank 2 count 2</a:t>
+            </a:r>
+            <a:endParaRPr b="0" lang="en-IN" sz="1800" spc="-1" strike="noStrike">
+              <a:latin typeface="Arial"/>
+            </a:endParaRPr>
+          </a:p>
+        </p:txBody>
+      </p:sp>
+      <p:sp>
+        <p:nvSpPr>
+          <p:cNvPr id="284" name="Line 6"/>
+          <p:cNvSpPr/>
+          <p:nvPr/>
+        </p:nvSpPr>
+        <p:spPr>
+          <a:xfrm>
+            <a:off x="1523880" y="2773080"/>
+            <a:ext cx="9144000" cy="1440"/>
+          </a:xfrm>
+          <a:prstGeom prst="line">
+            <a:avLst/>
+          </a:prstGeom>
+          <a:ln w="12600">
+            <a:solidFill>
+              <a:srgbClr val="6e78a0"/>
+            </a:solidFill>
+            <a:prstDash val="dash"/>
+            <a:round/>
+          </a:ln>
+        </p:spPr>
+        <p:style>
+          <a:lnRef idx="1">
+            <a:schemeClr val="accent1"/>
+          </a:lnRef>
+          <a:fillRef idx="0">
+            <a:schemeClr val="accent1"/>
+          </a:fillRef>
+          <a:effectRef idx="0">
+            <a:schemeClr val="accent1"/>
+          </a:effectRef>
+          <a:fontRef idx="minor"/>
+        </p:style>
+      </p:sp>
+      <p:sp>
+        <p:nvSpPr>
+          <p:cNvPr id="285" name="CustomShape 7"/>
+          <p:cNvSpPr/>
+          <p:nvPr/>
+        </p:nvSpPr>
+        <p:spPr>
+          <a:xfrm>
+            <a:off x="1224000" y="5904000"/>
+            <a:ext cx="8927280" cy="359280"/>
+          </a:xfrm>
+          <a:prstGeom prst="rect">
+            <a:avLst/>
+          </a:prstGeom>
+          <a:noFill/>
+          <a:ln>
+            <a:noFill/>
+          </a:ln>
+        </p:spPr>
+        <p:style>
+          <a:lnRef idx="0"/>
+          <a:fillRef idx="0"/>
+          <a:effectRef idx="0"/>
+          <a:fontRef idx="minor"/>
+        </p:style>
+        <p:txBody>
+          <a:bodyPr lIns="90000" rIns="90000" tIns="45000" bIns="45000">
+            <a:noAutofit/>
+          </a:bodyPr>
+          <a:p>
+            <a:pPr marL="216000" indent="-215280">
+              <a:lnSpc>
+                <a:spcPct val="100000"/>
+              </a:lnSpc>
+              <a:buClr>
+                <a:srgbClr val="000000"/>
+              </a:buClr>
+              <a:buSzPct val="45000"/>
+              <a:buFont typeface="Wingdings" charset="2"/>
+              <a:buChar char=""/>
+            </a:pPr>
+            <a:r>
+              <a:rPr b="0" lang="en-IN" sz="1800" spc="-1" strike="noStrike">
+                <a:solidFill>
+                  <a:srgbClr val="808080"/>
+                </a:solidFill>
+                <a:latin typeface="Consolas"/>
+                <a:ea typeface="DejaVu Sans"/>
+              </a:rPr>
+              <a:t>127.0.0.1:6379</a:t>
+            </a:r>
+            <a:r>
+              <a:rPr b="1" lang="en-IN" sz="1800" spc="-1" strike="noStrike">
+                <a:solidFill>
+                  <a:srgbClr val="808080"/>
+                </a:solidFill>
+                <a:latin typeface="Consolas"/>
+                <a:ea typeface="DejaVu Sans"/>
+              </a:rPr>
+              <a:t>[3]</a:t>
+            </a:r>
+            <a:r>
+              <a:rPr b="0" lang="en-IN" sz="1800" spc="-1" strike="noStrike">
+                <a:solidFill>
+                  <a:srgbClr val="808080"/>
+                </a:solidFill>
+                <a:latin typeface="Consolas"/>
+                <a:ea typeface="DejaVu Sans"/>
+              </a:rPr>
+              <a:t>&gt; </a:t>
+            </a:r>
+            <a:r>
+              <a:rPr b="0" lang="en-IN" sz="1800" spc="-1" strike="noStrike">
+                <a:solidFill>
+                  <a:srgbClr val="1de9b6"/>
+                </a:solidFill>
+                <a:latin typeface="Consolas"/>
+                <a:ea typeface="DejaVu Sans"/>
+              </a:rPr>
+              <a:t>lpush a -1 6 -1 5 -1 4 -1 3 2 -1 1 0 -1 -2</a:t>
+            </a:r>
+            <a:endParaRPr b="0" lang="en-IN" sz="1800" spc="-1" strike="noStrike">
+              <a:latin typeface="Arial"/>
+            </a:endParaRPr>
+          </a:p>
+        </p:txBody>
+      </p:sp>
+      <p:sp>
+        <p:nvSpPr>
+          <p:cNvPr id="286" name="CustomShape 8"/>
+          <p:cNvSpPr/>
+          <p:nvPr/>
+        </p:nvSpPr>
+        <p:spPr>
+          <a:xfrm>
+            <a:off x="10585440" y="1036440"/>
+            <a:ext cx="1437840" cy="5658840"/>
+          </a:xfrm>
+          <a:prstGeom prst="rect">
+            <a:avLst/>
+          </a:prstGeom>
+          <a:noFill/>
+          <a:ln>
+            <a:noFill/>
+          </a:ln>
+        </p:spPr>
+        <p:style>
+          <a:lnRef idx="0"/>
+          <a:fillRef idx="0"/>
+          <a:effectRef idx="0"/>
+          <a:fontRef idx="minor"/>
+        </p:style>
+        <p:txBody>
+          <a:bodyPr lIns="90000" rIns="90000" tIns="45000" bIns="45000">
+            <a:noAutofit/>
+          </a:bodyPr>
+          <a:p>
+            <a:pPr>
+              <a:lnSpc>
+                <a:spcPct val="150000"/>
+              </a:lnSpc>
+            </a:pPr>
+            <a:r>
+              <a:rPr b="0" lang="en-IN" sz="1800" spc="-1" strike="noStrike">
+                <a:solidFill>
+                  <a:srgbClr val="1de9b6"/>
+                </a:solidFill>
+                <a:latin typeface="Consolas"/>
+                <a:ea typeface="SimSun"/>
+              </a:rPr>
+              <a:t> </a:t>
+            </a:r>
+            <a:r>
+              <a:rPr b="0" lang="en-IN" sz="1800" spc="-1" strike="noStrike">
+                <a:solidFill>
+                  <a:srgbClr val="1de9b6"/>
+                </a:solidFill>
+                <a:latin typeface="Consolas"/>
+                <a:ea typeface="SimSun"/>
+              </a:rPr>
+              <a:t>1) "-2"</a:t>
+            </a:r>
+            <a:endParaRPr b="0" lang="en-IN" sz="1800" spc="-1" strike="noStrike">
+              <a:latin typeface="Arial"/>
+            </a:endParaRPr>
+          </a:p>
+          <a:p>
+            <a:pPr>
+              <a:lnSpc>
+                <a:spcPct val="150000"/>
+              </a:lnSpc>
+            </a:pPr>
+            <a:r>
+              <a:rPr b="0" lang="en-IN" sz="1800" spc="-1" strike="noStrike">
+                <a:solidFill>
+                  <a:srgbClr val="1de9b6"/>
+                </a:solidFill>
+                <a:latin typeface="Consolas"/>
+                <a:ea typeface="SimSun"/>
+              </a:rPr>
+              <a:t> </a:t>
+            </a:r>
+            <a:r>
+              <a:rPr b="0" lang="en-IN" sz="1800" spc="-1" strike="noStrike">
+                <a:solidFill>
+                  <a:srgbClr val="1de9b6"/>
+                </a:solidFill>
+                <a:latin typeface="Consolas"/>
+                <a:ea typeface="SimSun"/>
+              </a:rPr>
+              <a:t>2) "-1"</a:t>
+            </a:r>
+            <a:endParaRPr b="0" lang="en-IN" sz="1800" spc="-1" strike="noStrike">
+              <a:latin typeface="Arial"/>
+            </a:endParaRPr>
+          </a:p>
+          <a:p>
+            <a:pPr>
+              <a:lnSpc>
+                <a:spcPct val="150000"/>
+              </a:lnSpc>
+            </a:pPr>
+            <a:r>
+              <a:rPr b="0" lang="en-IN" sz="1800" spc="-1" strike="noStrike">
+                <a:solidFill>
+                  <a:srgbClr val="1de9b6"/>
+                </a:solidFill>
+                <a:latin typeface="Consolas"/>
+                <a:ea typeface="SimSun"/>
+              </a:rPr>
+              <a:t> </a:t>
+            </a:r>
+            <a:r>
+              <a:rPr b="0" lang="en-IN" sz="1800" spc="-1" strike="noStrike">
+                <a:solidFill>
+                  <a:srgbClr val="1de9b6"/>
+                </a:solidFill>
+                <a:latin typeface="Consolas"/>
+                <a:ea typeface="SimSun"/>
+              </a:rPr>
+              <a:t>3) "0"</a:t>
+            </a:r>
+            <a:endParaRPr b="0" lang="en-IN" sz="1800" spc="-1" strike="noStrike">
+              <a:latin typeface="Arial"/>
+            </a:endParaRPr>
+          </a:p>
+          <a:p>
+            <a:pPr>
+              <a:lnSpc>
+                <a:spcPct val="150000"/>
+              </a:lnSpc>
+            </a:pPr>
+            <a:r>
+              <a:rPr b="0" lang="en-IN" sz="1800" spc="-1" strike="noStrike">
+                <a:solidFill>
+                  <a:srgbClr val="1de9b6"/>
+                </a:solidFill>
+                <a:latin typeface="Consolas"/>
+                <a:ea typeface="SimSun"/>
+              </a:rPr>
+              <a:t> </a:t>
+            </a:r>
+            <a:r>
+              <a:rPr b="0" lang="en-IN" sz="1800" spc="-1" strike="noStrike">
+                <a:solidFill>
+                  <a:srgbClr val="1de9b6"/>
+                </a:solidFill>
+                <a:latin typeface="Consolas"/>
+                <a:ea typeface="SimSun"/>
+              </a:rPr>
+              <a:t>4) "1"</a:t>
+            </a:r>
+            <a:endParaRPr b="0" lang="en-IN" sz="1800" spc="-1" strike="noStrike">
+              <a:latin typeface="Arial"/>
+            </a:endParaRPr>
+          </a:p>
+          <a:p>
+            <a:pPr>
+              <a:lnSpc>
+                <a:spcPct val="150000"/>
+              </a:lnSpc>
+            </a:pPr>
+            <a:r>
+              <a:rPr b="0" lang="en-IN" sz="1800" spc="-1" strike="noStrike">
+                <a:solidFill>
+                  <a:srgbClr val="1de9b6"/>
+                </a:solidFill>
+                <a:latin typeface="Consolas"/>
+                <a:ea typeface="SimSun"/>
+              </a:rPr>
+              <a:t> </a:t>
+            </a:r>
+            <a:r>
+              <a:rPr b="0" lang="en-IN" sz="1800" spc="-1" strike="noStrike">
+                <a:solidFill>
+                  <a:srgbClr val="1de9b6"/>
+                </a:solidFill>
+                <a:latin typeface="Consolas"/>
+                <a:ea typeface="SimSun"/>
+              </a:rPr>
+              <a:t>5) "-1"</a:t>
+            </a:r>
+            <a:endParaRPr b="0" lang="en-IN" sz="1800" spc="-1" strike="noStrike">
+              <a:latin typeface="Arial"/>
+            </a:endParaRPr>
+          </a:p>
+          <a:p>
+            <a:pPr>
+              <a:lnSpc>
+                <a:spcPct val="150000"/>
+              </a:lnSpc>
+            </a:pPr>
+            <a:r>
+              <a:rPr b="0" lang="en-IN" sz="1800" spc="-1" strike="noStrike">
+                <a:solidFill>
+                  <a:srgbClr val="1de9b6"/>
+                </a:solidFill>
+                <a:latin typeface="Consolas"/>
+                <a:ea typeface="SimSun"/>
+              </a:rPr>
+              <a:t> </a:t>
+            </a:r>
+            <a:r>
+              <a:rPr b="0" lang="en-IN" sz="1800" spc="-1" strike="noStrike">
+                <a:solidFill>
+                  <a:srgbClr val="1de9b6"/>
+                </a:solidFill>
+                <a:latin typeface="Consolas"/>
+                <a:ea typeface="SimSun"/>
+              </a:rPr>
+              <a:t>6) "2"</a:t>
+            </a:r>
+            <a:endParaRPr b="0" lang="en-IN" sz="1800" spc="-1" strike="noStrike">
+              <a:latin typeface="Arial"/>
+            </a:endParaRPr>
+          </a:p>
+          <a:p>
+            <a:pPr>
+              <a:lnSpc>
+                <a:spcPct val="150000"/>
+              </a:lnSpc>
+            </a:pPr>
+            <a:r>
+              <a:rPr b="0" lang="en-IN" sz="1800" spc="-1" strike="noStrike">
+                <a:solidFill>
+                  <a:srgbClr val="1de9b6"/>
+                </a:solidFill>
+                <a:latin typeface="Consolas"/>
+                <a:ea typeface="SimSun"/>
+              </a:rPr>
+              <a:t> </a:t>
+            </a:r>
+            <a:r>
+              <a:rPr b="0" lang="en-IN" sz="1800" spc="-1" strike="noStrike">
+                <a:solidFill>
+                  <a:srgbClr val="1de9b6"/>
+                </a:solidFill>
+                <a:latin typeface="Consolas"/>
+                <a:ea typeface="SimSun"/>
+              </a:rPr>
+              <a:t>7) "3"</a:t>
+            </a:r>
+            <a:endParaRPr b="0" lang="en-IN" sz="1800" spc="-1" strike="noStrike">
+              <a:latin typeface="Arial"/>
+            </a:endParaRPr>
+          </a:p>
+          <a:p>
+            <a:pPr>
+              <a:lnSpc>
+                <a:spcPct val="150000"/>
+              </a:lnSpc>
+            </a:pPr>
+            <a:r>
+              <a:rPr b="0" lang="en-IN" sz="1800" spc="-1" strike="noStrike">
+                <a:solidFill>
+                  <a:srgbClr val="1de9b6"/>
+                </a:solidFill>
+                <a:latin typeface="Consolas"/>
+                <a:ea typeface="SimSun"/>
+              </a:rPr>
+              <a:t> </a:t>
+            </a:r>
+            <a:r>
+              <a:rPr b="0" lang="en-IN" sz="1800" spc="-1" strike="noStrike">
+                <a:solidFill>
+                  <a:srgbClr val="1de9b6"/>
+                </a:solidFill>
+                <a:latin typeface="Consolas"/>
+                <a:ea typeface="SimSun"/>
+              </a:rPr>
+              <a:t>8) "-1"</a:t>
+            </a:r>
+            <a:endParaRPr b="0" lang="en-IN" sz="1800" spc="-1" strike="noStrike">
+              <a:latin typeface="Arial"/>
+            </a:endParaRPr>
+          </a:p>
+          <a:p>
+            <a:pPr>
+              <a:lnSpc>
+                <a:spcPct val="150000"/>
+              </a:lnSpc>
+            </a:pPr>
+            <a:r>
+              <a:rPr b="0" lang="en-IN" sz="1800" spc="-1" strike="noStrike">
+                <a:solidFill>
+                  <a:srgbClr val="1de9b6"/>
+                </a:solidFill>
+                <a:latin typeface="Consolas"/>
+                <a:ea typeface="SimSun"/>
+              </a:rPr>
+              <a:t> </a:t>
+            </a:r>
+            <a:r>
+              <a:rPr b="0" lang="en-IN" sz="1800" spc="-1" strike="noStrike">
+                <a:solidFill>
+                  <a:srgbClr val="1de9b6"/>
+                </a:solidFill>
+                <a:latin typeface="Consolas"/>
+                <a:ea typeface="SimSun"/>
+              </a:rPr>
+              <a:t>9) "4"</a:t>
+            </a:r>
+            <a:endParaRPr b="0" lang="en-IN" sz="1800" spc="-1" strike="noStrike">
+              <a:latin typeface="Arial"/>
+            </a:endParaRPr>
+          </a:p>
+          <a:p>
+            <a:pPr>
+              <a:lnSpc>
+                <a:spcPct val="150000"/>
+              </a:lnSpc>
+            </a:pPr>
+            <a:r>
+              <a:rPr b="0" lang="en-IN" sz="1800" spc="-1" strike="noStrike">
+                <a:solidFill>
+                  <a:srgbClr val="1de9b6"/>
+                </a:solidFill>
+                <a:latin typeface="Consolas"/>
+                <a:ea typeface="SimSun"/>
+              </a:rPr>
+              <a:t>10) "-1"</a:t>
+            </a:r>
+            <a:endParaRPr b="0" lang="en-IN" sz="1800" spc="-1" strike="noStrike">
+              <a:latin typeface="Arial"/>
+            </a:endParaRPr>
+          </a:p>
+          <a:p>
+            <a:pPr>
+              <a:lnSpc>
+                <a:spcPct val="150000"/>
+              </a:lnSpc>
+            </a:pPr>
+            <a:r>
+              <a:rPr b="0" lang="en-IN" sz="1800" spc="-1" strike="noStrike">
+                <a:solidFill>
+                  <a:srgbClr val="1de9b6"/>
+                </a:solidFill>
+                <a:latin typeface="Consolas"/>
+                <a:ea typeface="SimSun"/>
+              </a:rPr>
+              <a:t>11) "5"</a:t>
+            </a:r>
+            <a:endParaRPr b="0" lang="en-IN" sz="1800" spc="-1" strike="noStrike">
+              <a:latin typeface="Arial"/>
+            </a:endParaRPr>
+          </a:p>
+          <a:p>
+            <a:pPr>
+              <a:lnSpc>
+                <a:spcPct val="150000"/>
+              </a:lnSpc>
+            </a:pPr>
+            <a:r>
+              <a:rPr b="0" lang="en-IN" sz="1800" spc="-1" strike="noStrike">
+                <a:solidFill>
+                  <a:srgbClr val="1de9b6"/>
+                </a:solidFill>
+                <a:latin typeface="Consolas"/>
+                <a:ea typeface="SimSun"/>
+              </a:rPr>
+              <a:t>12) "-1"</a:t>
+            </a:r>
+            <a:endParaRPr b="0" lang="en-IN" sz="1800" spc="-1" strike="noStrike">
+              <a:latin typeface="Arial"/>
+            </a:endParaRPr>
+          </a:p>
+          <a:p>
+            <a:pPr>
+              <a:lnSpc>
+                <a:spcPct val="150000"/>
+              </a:lnSpc>
+            </a:pPr>
+            <a:r>
+              <a:rPr b="0" lang="en-IN" sz="1800" spc="-1" strike="noStrike">
+                <a:solidFill>
+                  <a:srgbClr val="1de9b6"/>
+                </a:solidFill>
+                <a:latin typeface="Consolas"/>
+                <a:ea typeface="SimSun"/>
+              </a:rPr>
+              <a:t>13) "6"</a:t>
+            </a:r>
+            <a:endParaRPr b="0" lang="en-IN" sz="1800" spc="-1" strike="noStrike">
+              <a:latin typeface="Arial"/>
+            </a:endParaRPr>
+          </a:p>
+          <a:p>
+            <a:pPr>
+              <a:lnSpc>
+                <a:spcPct val="150000"/>
+              </a:lnSpc>
+            </a:pPr>
+            <a:r>
+              <a:rPr b="0" lang="en-IN" sz="1800" spc="-1" strike="noStrike">
+                <a:solidFill>
+                  <a:srgbClr val="1de9b6"/>
+                </a:solidFill>
+                <a:latin typeface="Consolas"/>
+                <a:ea typeface="SimSun"/>
+              </a:rPr>
+              <a:t>14) "-1"</a:t>
+            </a:r>
+            <a:endParaRPr b="0" lang="en-IN" sz="1800" spc="-1" strike="noStrike">
+              <a:latin typeface="Arial"/>
+            </a:endParaRPr>
+          </a:p>
+        </p:txBody>
+      </p:sp>
+    </p:spTree>
+  </p:cSld>
+  <mc:AlternateContent>
+    <mc:Choice Requires="p14">
+      <p:transition spd="slow" p14:dur="2000"/>
+    </mc:Choice>
+    <mc:Fallback>
+      <p:transition spd="slow"/>
+    </mc:Fallback>
+  </mc:AlternateContent>
+</p:sld>
+</file>
+
+<file path=ppt/slides/slide46.xml><?xml version="1.0" encoding="utf-8"?>
+<p:sld xmlns:a="http://schemas.openxmlformats.org/drawingml/2006/main" xmlns:p="http://schemas.openxmlformats.org/presentationml/2006/main" xmlns:r="http://schemas.openxmlformats.org/officeDocument/2006/relationships" xmlns:p14="http://schemas.microsoft.com/office/powerpoint/2010/main" xmlns:p15="http://schemas.microsoft.com/office/powerpoint/2012/main" xmlns:mc="http://schemas.openxmlformats.org/markup-compatibility/2006">
+  <p:cSld>
+    <p:spTree>
+      <p:nvGrpSpPr>
+        <p:cNvPr id="1" name=""/>
+        <p:cNvGrpSpPr/>
+        <p:nvPr/>
+      </p:nvGrpSpPr>
+      <p:grpSpPr>
+        <a:xfrm>
+          <a:off x="0" y="0"/>
+          <a:ext cx="0" cy="0"/>
+          <a:chOff x="0" y="0"/>
+          <a:chExt cx="0" cy="0"/>
+        </a:xfrm>
+      </p:grpSpPr>
+      <p:sp>
+        <p:nvSpPr>
+          <p:cNvPr id="287" name="CustomShape 1"/>
+          <p:cNvSpPr/>
+          <p:nvPr/>
+        </p:nvSpPr>
+        <p:spPr>
+          <a:xfrm>
+            <a:off x="1365840" y="188640"/>
+            <a:ext cx="9675720" cy="2192400"/>
+          </a:xfrm>
+          <a:prstGeom prst="rect">
+            <a:avLst/>
+          </a:prstGeom>
+          <a:noFill/>
+          <a:ln>
+            <a:noFill/>
+          </a:ln>
+        </p:spPr>
+        <p:style>
+          <a:lnRef idx="0"/>
+          <a:fillRef idx="0"/>
+          <a:effectRef idx="0"/>
+          <a:fontRef idx="minor"/>
+        </p:style>
+        <p:txBody>
+          <a:bodyPr lIns="90000" rIns="90000" tIns="45000" bIns="45000">
+            <a:spAutoFit/>
+          </a:bodyPr>
+          <a:p>
+            <a:pPr algn="ctr">
+              <a:lnSpc>
+                <a:spcPct val="100000"/>
+              </a:lnSpc>
+            </a:pPr>
+            <a:r>
               <a:rPr b="0" lang="en-IN" sz="4000" spc="-1" strike="noStrike">
                 <a:solidFill>
                   <a:srgbClr val="ff5733"/>
@@ -18734,7 +19978,7 @@
       </p:sp>
       <p:pic>
         <p:nvPicPr>
-          <p:cNvPr id="278" name="Picture 2" descr="http://www.bvctch.vn/vnt_upload/weblink/thks.jpg"/>
+          <p:cNvPr id="288" name="Picture 2" descr="http://www.bvctch.vn/vnt_upload/weblink/thks.jpg"/>
           <p:cNvPicPr/>
           <p:nvPr/>
         </p:nvPicPr>
@@ -18745,7 +19989,7 @@
         <p:spPr>
           <a:xfrm>
             <a:off x="4404600" y="2036160"/>
-            <a:ext cx="3119760" cy="4656600"/>
+            <a:ext cx="3119400" cy="4656240"/>
           </a:xfrm>
           <a:prstGeom prst="rect">
             <a:avLst/>
@@ -18829,7 +20073,7 @@
         <p:spPr>
           <a:xfrm>
             <a:off x="1523880" y="0"/>
-            <a:ext cx="9137160" cy="699120"/>
+            <a:ext cx="9136800" cy="699120"/>
           </a:xfrm>
           <a:prstGeom prst="rect">
             <a:avLst/>
@@ -18884,7 +20128,7 @@
         <p:spPr>
           <a:xfrm>
             <a:off x="1600200" y="762120"/>
-            <a:ext cx="8984880" cy="638280"/>
+            <a:ext cx="8984520" cy="638280"/>
           </a:xfrm>
           <a:prstGeom prst="rect">
             <a:avLst/>
@@ -18945,7 +20189,7 @@
         <p:spPr>
           <a:xfrm>
             <a:off x="152280" y="152280"/>
-            <a:ext cx="1099800" cy="455400"/>
+            <a:ext cx="1099440" cy="455400"/>
           </a:xfrm>
           <a:prstGeom prst="rect">
             <a:avLst/>
@@ -18996,7 +20240,7 @@
         <p:spPr>
           <a:xfrm>
             <a:off x="1601280" y="2221560"/>
-            <a:ext cx="8983800" cy="699480"/>
+            <a:ext cx="8983440" cy="699480"/>
           </a:xfrm>
           <a:prstGeom prst="rect">
             <a:avLst/>
@@ -19067,7 +20311,7 @@
         <p:spPr>
           <a:xfrm>
             <a:off x="1523880" y="2940480"/>
-            <a:ext cx="9414000" cy="1735560"/>
+            <a:ext cx="9413640" cy="1735560"/>
           </a:xfrm>
           <a:prstGeom prst="rect">
             <a:avLst/>
@@ -19088,7 +20332,7 @@
             <a:spAutoFit/>
           </a:bodyPr>
           <a:p>
-            <a:pPr marL="285840" indent="-279000">
+            <a:pPr marL="285840" indent="-278640">
               <a:lnSpc>
                 <a:spcPct val="150000"/>
               </a:lnSpc>
@@ -19133,7 +20377,7 @@
             </a:endParaRPr>
           </a:p>
           <a:p>
-            <a:pPr marL="285840" indent="-279000">
+            <a:pPr marL="285840" indent="-278640">
               <a:lnSpc>
                 <a:spcPct val="150000"/>
               </a:lnSpc>
@@ -19208,7 +20452,7 @@
             </a:endParaRPr>
           </a:p>
           <a:p>
-            <a:pPr marL="285840" indent="-279000">
+            <a:pPr marL="285840" indent="-278640">
               <a:lnSpc>
                 <a:spcPct val="150000"/>
               </a:lnSpc>
@@ -19273,7 +20517,7 @@
             </a:endParaRPr>
           </a:p>
           <a:p>
-            <a:pPr marL="285840" indent="-279000">
+            <a:pPr marL="285840" indent="-278640">
               <a:lnSpc>
                 <a:spcPct val="150000"/>
               </a:lnSpc>
@@ -19338,7 +20582,7 @@
         <p:spPr>
           <a:xfrm>
             <a:off x="1584000" y="4889520"/>
-            <a:ext cx="8849520" cy="1010160"/>
+            <a:ext cx="8849160" cy="1009800"/>
           </a:xfrm>
           <a:prstGeom prst="rect">
             <a:avLst/>
@@ -19389,7 +20633,7 @@
             </a:endParaRPr>
           </a:p>
           <a:p>
-            <a:pPr marL="216000" indent="-209520">
+            <a:pPr marL="216000" indent="-209160">
               <a:lnSpc>
                 <a:spcPct val="100000"/>
               </a:lnSpc>
@@ -19515,7 +20759,7 @@
         <p:spPr>
           <a:xfrm>
             <a:off x="1676520" y="2362320"/>
-            <a:ext cx="8832240" cy="912600"/>
+            <a:ext cx="8831880" cy="912600"/>
           </a:xfrm>
           <a:prstGeom prst="rect">
             <a:avLst/>
@@ -19566,7 +20810,7 @@
         <p:spPr>
           <a:xfrm>
             <a:off x="1666800" y="609480"/>
-            <a:ext cx="8832240" cy="394560"/>
+            <a:ext cx="8831880" cy="394560"/>
           </a:xfrm>
           <a:prstGeom prst="rect">
             <a:avLst/>
@@ -19617,7 +20861,7 @@
         <p:spPr>
           <a:xfrm>
             <a:off x="522360" y="3531600"/>
-            <a:ext cx="11069280" cy="638280"/>
+            <a:ext cx="11068920" cy="638280"/>
           </a:xfrm>
           <a:prstGeom prst="rect">
             <a:avLst/>
@@ -19698,7 +20942,7 @@
         <p:spPr>
           <a:xfrm>
             <a:off x="1676520" y="2362320"/>
-            <a:ext cx="8832240" cy="912600"/>
+            <a:ext cx="8831880" cy="912600"/>
           </a:xfrm>
           <a:prstGeom prst="rect">
             <a:avLst/>
@@ -19749,7 +20993,7 @@
         <p:spPr>
           <a:xfrm>
             <a:off x="522360" y="3531600"/>
-            <a:ext cx="11069280" cy="364320"/>
+            <a:ext cx="11068920" cy="363960"/>
           </a:xfrm>
           <a:prstGeom prst="rect">
             <a:avLst/>
@@ -19865,7 +21109,7 @@
         <p:spPr>
           <a:xfrm>
             <a:off x="1523880" y="0"/>
-            <a:ext cx="9137160" cy="699120"/>
+            <a:ext cx="9136800" cy="699120"/>
           </a:xfrm>
           <a:prstGeom prst="rect">
             <a:avLst/>
@@ -19920,7 +21164,7 @@
         <p:spPr>
           <a:xfrm>
             <a:off x="1600200" y="762120"/>
-            <a:ext cx="8984880" cy="912600"/>
+            <a:ext cx="8984520" cy="912600"/>
           </a:xfrm>
           <a:prstGeom prst="rect">
             <a:avLst/>
@@ -19981,7 +21225,7 @@
         <p:spPr>
           <a:xfrm>
             <a:off x="1523880" y="4272480"/>
-            <a:ext cx="8883000" cy="2558520"/>
+            <a:ext cx="8882640" cy="2558520"/>
           </a:xfrm>
           <a:prstGeom prst="rect">
             <a:avLst/>
@@ -20002,7 +21246,7 @@
             <a:spAutoFit/>
           </a:bodyPr>
           <a:p>
-            <a:pPr marL="285840" indent="-279000">
+            <a:pPr marL="285840" indent="-278640">
               <a:lnSpc>
                 <a:spcPct val="150000"/>
               </a:lnSpc>
@@ -20047,7 +21291,7 @@
             </a:endParaRPr>
           </a:p>
           <a:p>
-            <a:pPr marL="285840" indent="-279000">
+            <a:pPr marL="285840" indent="-278640">
               <a:lnSpc>
                 <a:spcPct val="150000"/>
               </a:lnSpc>
@@ -20092,7 +21336,7 @@
             </a:endParaRPr>
           </a:p>
           <a:p>
-            <a:pPr marL="285840" indent="-279000">
+            <a:pPr marL="285840" indent="-278640">
               <a:lnSpc>
                 <a:spcPct val="150000"/>
               </a:lnSpc>
@@ -20137,7 +21381,7 @@
             </a:endParaRPr>
           </a:p>
           <a:p>
-            <a:pPr marL="285840" indent="-279000">
+            <a:pPr marL="285840" indent="-278640">
               <a:lnSpc>
                 <a:spcPct val="150000"/>
               </a:lnSpc>
@@ -20182,7 +21426,7 @@
             </a:endParaRPr>
           </a:p>
           <a:p>
-            <a:pPr marL="285840" indent="-279000">
+            <a:pPr marL="285840" indent="-278640">
               <a:lnSpc>
                 <a:spcPct val="150000"/>
               </a:lnSpc>
@@ -20217,7 +21461,7 @@
             </a:endParaRPr>
           </a:p>
           <a:p>
-            <a:pPr marL="285840" indent="-279000">
+            <a:pPr marL="285840" indent="-278640">
               <a:lnSpc>
                 <a:spcPct val="150000"/>
               </a:lnSpc>
@@ -20782,7 +22026,7 @@
         <p:spPr>
           <a:xfrm>
             <a:off x="1601280" y="2221560"/>
-            <a:ext cx="8983800" cy="394560"/>
+            <a:ext cx="8983440" cy="394560"/>
           </a:xfrm>
           <a:prstGeom prst="rect">
             <a:avLst/>
@@ -20863,7 +22107,7 @@
         <p:spPr>
           <a:xfrm>
             <a:off x="1676520" y="2362320"/>
-            <a:ext cx="8832240" cy="912600"/>
+            <a:ext cx="8831880" cy="912600"/>
           </a:xfrm>
           <a:prstGeom prst="rect">
             <a:avLst/>
@@ -20914,7 +22158,7 @@
         <p:spPr>
           <a:xfrm>
             <a:off x="522360" y="3531600"/>
-            <a:ext cx="11069280" cy="364320"/>
+            <a:ext cx="11068920" cy="363960"/>
           </a:xfrm>
           <a:prstGeom prst="rect">
             <a:avLst/>

--- a/redis ver1.pptx
+++ b/redis ver1.pptx
@@ -52,6 +52,9 @@
     <p:sldId id="299" r:id="rId47"/>
     <p:sldId id="300" r:id="rId48"/>
     <p:sldId id="301" r:id="rId49"/>
+    <p:sldId id="302" r:id="rId50"/>
+    <p:sldId id="303" r:id="rId51"/>
+    <p:sldId id="304" r:id="rId52"/>
   </p:sldIdLst>
   <p:sldSz cx="12192000" cy="6858000"/>
   <p:notesSz cx="7559675" cy="10691812"/>
@@ -2860,8 +2863,8 @@
         </p:nvSpPr>
         <p:spPr>
           <a:xfrm rot="5400000">
-            <a:off x="597600" y="6447240"/>
-            <a:ext cx="183600" cy="153360"/>
+            <a:off x="597960" y="6447240"/>
+            <a:ext cx="183240" cy="153000"/>
           </a:xfrm>
           <a:prstGeom prst="triangle">
             <a:avLst>
@@ -2902,7 +2905,7 @@
         <p:spPr>
           <a:xfrm>
             <a:off x="1206360" y="3648240"/>
-            <a:ext cx="9746280" cy="1272960"/>
+            <a:ext cx="9745920" cy="1272600"/>
           </a:xfrm>
           <a:prstGeom prst="rect">
             <a:avLst/>
@@ -2944,7 +2947,7 @@
         <p:spPr>
           <a:xfrm>
             <a:off x="1219320" y="5638680"/>
-            <a:ext cx="9746280" cy="678600"/>
+            <a:ext cx="9745920" cy="678240"/>
           </a:xfrm>
           <a:prstGeom prst="rect">
             <a:avLst/>
@@ -2986,7 +2989,7 @@
         <p:spPr>
           <a:xfrm>
             <a:off x="1206360" y="3648240"/>
-            <a:ext cx="297720" cy="1272960"/>
+            <a:ext cx="297360" cy="1272600"/>
           </a:xfrm>
           <a:prstGeom prst="rect">
             <a:avLst/>
@@ -3025,7 +3028,7 @@
         <p:spPr>
           <a:xfrm>
             <a:off x="1219320" y="5638680"/>
-            <a:ext cx="297720" cy="678600"/>
+            <a:ext cx="297360" cy="678240"/>
           </a:xfrm>
           <a:prstGeom prst="rect">
             <a:avLst/>
@@ -3381,8 +3384,8 @@
         </p:nvSpPr>
         <p:spPr>
           <a:xfrm rot="5400000">
-            <a:off x="597600" y="6447240"/>
-            <a:ext cx="183600" cy="153360"/>
+            <a:off x="597960" y="6447240"/>
+            <a:ext cx="183240" cy="153000"/>
           </a:xfrm>
           <a:prstGeom prst="triangle">
             <a:avLst>
@@ -3451,8 +3454,8 @@
         </p:nvSpPr>
         <p:spPr>
           <a:xfrm rot="5400000">
-            <a:off x="597600" y="6447240"/>
-            <a:ext cx="183600" cy="153360"/>
+            <a:off x="597960" y="6447240"/>
+            <a:ext cx="183240" cy="153000"/>
           </a:xfrm>
           <a:prstGeom prst="triangle">
             <a:avLst>
@@ -3746,7 +3749,7 @@
         <p:spPr>
           <a:xfrm>
             <a:off x="1975680" y="3733920"/>
-            <a:ext cx="8527320" cy="983520"/>
+            <a:ext cx="8526960" cy="983160"/>
           </a:xfrm>
           <a:prstGeom prst="rect">
             <a:avLst/>
@@ -3803,7 +3806,7 @@
         <p:spPr>
           <a:xfrm>
             <a:off x="181440" y="2001960"/>
-            <a:ext cx="2847240" cy="2847240"/>
+            <a:ext cx="2846880" cy="2846880"/>
           </a:xfrm>
           <a:prstGeom prst="rect">
             <a:avLst/>
@@ -3822,7 +3825,7 @@
         <p:spPr>
           <a:xfrm>
             <a:off x="4444920" y="5050800"/>
-            <a:ext cx="6057720" cy="580680"/>
+            <a:ext cx="6057360" cy="580320"/>
           </a:xfrm>
           <a:prstGeom prst="rect">
             <a:avLst/>
@@ -3885,7 +3888,7 @@
         <p:spPr>
           <a:xfrm>
             <a:off x="181440" y="196560"/>
-            <a:ext cx="2847240" cy="1060560"/>
+            <a:ext cx="2846880" cy="1060200"/>
           </a:xfrm>
           <a:prstGeom prst="rect">
             <a:avLst/>
@@ -3904,7 +3907,7 @@
         <p:spPr>
           <a:xfrm>
             <a:off x="3557880" y="93600"/>
-            <a:ext cx="8445600" cy="3045240"/>
+            <a:ext cx="8445240" cy="3045240"/>
           </a:xfrm>
           <a:prstGeom prst="rect">
             <a:avLst/>
@@ -3989,7 +3992,7 @@
         <p:spPr>
           <a:xfrm>
             <a:off x="181440" y="196920"/>
-            <a:ext cx="2849040" cy="1062360"/>
+            <a:ext cx="2848680" cy="1062000"/>
           </a:xfrm>
           <a:prstGeom prst="rect">
             <a:avLst/>
@@ -4012,7 +4015,7 @@
         <p:spPr>
           <a:xfrm>
             <a:off x="181440" y="2001960"/>
-            <a:ext cx="2850120" cy="2850120"/>
+            <a:ext cx="2849760" cy="2849760"/>
           </a:xfrm>
           <a:prstGeom prst="rect">
             <a:avLst/>
@@ -4031,7 +4034,7 @@
         <p:spPr>
           <a:xfrm>
             <a:off x="432000" y="5511600"/>
-            <a:ext cx="4247280" cy="601560"/>
+            <a:ext cx="4246920" cy="601200"/>
           </a:xfrm>
           <a:prstGeom prst="rect">
             <a:avLst/>
@@ -4167,7 +4170,7 @@
         <p:spPr>
           <a:xfrm>
             <a:off x="1523880" y="0"/>
-            <a:ext cx="9136800" cy="699120"/>
+            <a:ext cx="9136440" cy="699120"/>
           </a:xfrm>
           <a:prstGeom prst="rect">
             <a:avLst/>
@@ -4222,7 +4225,7 @@
         <p:spPr>
           <a:xfrm>
             <a:off x="1600200" y="762120"/>
-            <a:ext cx="8984520" cy="1735560"/>
+            <a:ext cx="8984160" cy="1735560"/>
           </a:xfrm>
           <a:prstGeom prst="rect">
             <a:avLst/>
@@ -4323,7 +4326,7 @@
         <p:spPr>
           <a:xfrm>
             <a:off x="152280" y="152280"/>
-            <a:ext cx="1099440" cy="455400"/>
+            <a:ext cx="1099080" cy="455400"/>
           </a:xfrm>
           <a:prstGeom prst="rect">
             <a:avLst/>
@@ -4374,7 +4377,7 @@
         <p:spPr>
           <a:xfrm>
             <a:off x="1601280" y="2823480"/>
-            <a:ext cx="8983440" cy="699480"/>
+            <a:ext cx="8983080" cy="699480"/>
           </a:xfrm>
           <a:prstGeom prst="rect">
             <a:avLst/>
@@ -4445,7 +4448,7 @@
         <p:spPr>
           <a:xfrm>
             <a:off x="1523880" y="3801960"/>
-            <a:ext cx="8882640" cy="2147040"/>
+            <a:ext cx="8882280" cy="2147040"/>
           </a:xfrm>
           <a:prstGeom prst="rect">
             <a:avLst/>
@@ -4466,7 +4469,7 @@
             <a:spAutoFit/>
           </a:bodyPr>
           <a:p>
-            <a:pPr marL="285840" indent="-278640">
+            <a:pPr marL="285840" indent="-278280">
               <a:lnSpc>
                 <a:spcPct val="150000"/>
               </a:lnSpc>
@@ -4511,7 +4514,7 @@
             </a:endParaRPr>
           </a:p>
           <a:p>
-            <a:pPr marL="285840" indent="-278640">
+            <a:pPr marL="285840" indent="-278280">
               <a:lnSpc>
                 <a:spcPct val="150000"/>
               </a:lnSpc>
@@ -4556,7 +4559,7 @@
             </a:endParaRPr>
           </a:p>
           <a:p>
-            <a:pPr marL="285840" indent="-278640">
+            <a:pPr marL="285840" indent="-278280">
               <a:lnSpc>
                 <a:spcPct val="150000"/>
               </a:lnSpc>
@@ -4601,7 +4604,7 @@
             </a:endParaRPr>
           </a:p>
           <a:p>
-            <a:pPr marL="285840" indent="-278640">
+            <a:pPr marL="285840" indent="-278280">
               <a:lnSpc>
                 <a:spcPct val="150000"/>
               </a:lnSpc>
@@ -4686,7 +4689,7 @@
         <p:spPr>
           <a:xfrm>
             <a:off x="1676520" y="2362320"/>
-            <a:ext cx="8831880" cy="912600"/>
+            <a:ext cx="8831520" cy="912600"/>
           </a:xfrm>
           <a:prstGeom prst="rect">
             <a:avLst/>
@@ -4737,7 +4740,7 @@
         <p:spPr>
           <a:xfrm>
             <a:off x="522360" y="3531600"/>
-            <a:ext cx="11068920" cy="363960"/>
+            <a:ext cx="11068560" cy="363960"/>
           </a:xfrm>
           <a:prstGeom prst="rect">
             <a:avLst/>
@@ -4853,7 +4856,7 @@
         <p:spPr>
           <a:xfrm>
             <a:off x="1523880" y="0"/>
-            <a:ext cx="9136800" cy="699120"/>
+            <a:ext cx="9136440" cy="699120"/>
           </a:xfrm>
           <a:prstGeom prst="rect">
             <a:avLst/>
@@ -4908,7 +4911,7 @@
         <p:spPr>
           <a:xfrm>
             <a:off x="1600200" y="762120"/>
-            <a:ext cx="8984520" cy="1461240"/>
+            <a:ext cx="8984160" cy="1461240"/>
           </a:xfrm>
           <a:prstGeom prst="rect">
             <a:avLst/>
@@ -5009,7 +5012,7 @@
         <p:spPr>
           <a:xfrm>
             <a:off x="152280" y="152280"/>
-            <a:ext cx="1099440" cy="455400"/>
+            <a:ext cx="1099080" cy="455400"/>
           </a:xfrm>
           <a:prstGeom prst="rect">
             <a:avLst/>
@@ -5060,7 +5063,7 @@
         <p:spPr>
           <a:xfrm>
             <a:off x="1601280" y="2509560"/>
-            <a:ext cx="8983440" cy="699480"/>
+            <a:ext cx="8983080" cy="699480"/>
           </a:xfrm>
           <a:prstGeom prst="rect">
             <a:avLst/>
@@ -5131,7 +5134,7 @@
         <p:spPr>
           <a:xfrm>
             <a:off x="1523880" y="3480480"/>
-            <a:ext cx="8882640" cy="2558520"/>
+            <a:ext cx="8882280" cy="2558520"/>
           </a:xfrm>
           <a:prstGeom prst="rect">
             <a:avLst/>
@@ -5152,7 +5155,7 @@
             <a:spAutoFit/>
           </a:bodyPr>
           <a:p>
-            <a:pPr marL="285840" indent="-278640">
+            <a:pPr marL="285840" indent="-278280">
               <a:lnSpc>
                 <a:spcPct val="150000"/>
               </a:lnSpc>
@@ -5197,7 +5200,7 @@
             </a:endParaRPr>
           </a:p>
           <a:p>
-            <a:pPr marL="285840" indent="-278640">
+            <a:pPr marL="285840" indent="-278280">
               <a:lnSpc>
                 <a:spcPct val="150000"/>
               </a:lnSpc>
@@ -5242,7 +5245,7 @@
             </a:endParaRPr>
           </a:p>
           <a:p>
-            <a:pPr marL="285840" indent="-278640">
+            <a:pPr marL="285840" indent="-278280">
               <a:lnSpc>
                 <a:spcPct val="150000"/>
               </a:lnSpc>
@@ -5287,7 +5290,7 @@
             </a:endParaRPr>
           </a:p>
           <a:p>
-            <a:pPr marL="285840" indent="-278640">
+            <a:pPr marL="285840" indent="-278280">
               <a:lnSpc>
                 <a:spcPct val="150000"/>
               </a:lnSpc>
@@ -5332,7 +5335,7 @@
             </a:endParaRPr>
           </a:p>
           <a:p>
-            <a:pPr marL="285840" indent="-278640">
+            <a:pPr marL="285840" indent="-278280">
               <a:lnSpc>
                 <a:spcPct val="150000"/>
               </a:lnSpc>
@@ -5367,7 +5370,7 @@
             </a:endParaRPr>
           </a:p>
           <a:p>
-            <a:pPr marL="285840" indent="-278640">
+            <a:pPr marL="285840" indent="-278280">
               <a:lnSpc>
                 <a:spcPct val="150000"/>
               </a:lnSpc>
@@ -5442,7 +5445,7 @@
         <p:spPr>
           <a:xfrm>
             <a:off x="1676520" y="2362320"/>
-            <a:ext cx="8831880" cy="1735560"/>
+            <a:ext cx="8831520" cy="1735560"/>
           </a:xfrm>
           <a:prstGeom prst="rect">
             <a:avLst/>
@@ -5493,7 +5496,7 @@
         <p:spPr>
           <a:xfrm>
             <a:off x="522360" y="4323600"/>
-            <a:ext cx="11068920" cy="363960"/>
+            <a:ext cx="11068560" cy="363960"/>
           </a:xfrm>
           <a:prstGeom prst="rect">
             <a:avLst/>
@@ -5609,7 +5612,7 @@
         <p:spPr>
           <a:xfrm>
             <a:off x="1523880" y="0"/>
-            <a:ext cx="9136800" cy="699120"/>
+            <a:ext cx="9136440" cy="699120"/>
           </a:xfrm>
           <a:prstGeom prst="rect">
             <a:avLst/>
@@ -5664,7 +5667,7 @@
         <p:spPr>
           <a:xfrm>
             <a:off x="1600200" y="762120"/>
-            <a:ext cx="8984520" cy="2284200"/>
+            <a:ext cx="8984160" cy="2284200"/>
           </a:xfrm>
           <a:prstGeom prst="rect">
             <a:avLst/>
@@ -5805,7 +5808,7 @@
         <p:spPr>
           <a:xfrm>
             <a:off x="152280" y="152280"/>
-            <a:ext cx="1099440" cy="455400"/>
+            <a:ext cx="1099080" cy="455400"/>
           </a:xfrm>
           <a:prstGeom prst="rect">
             <a:avLst/>
@@ -5856,7 +5859,7 @@
         <p:spPr>
           <a:xfrm>
             <a:off x="1601280" y="2977560"/>
-            <a:ext cx="8983440" cy="1309320"/>
+            <a:ext cx="8983080" cy="1309320"/>
           </a:xfrm>
           <a:prstGeom prst="rect">
             <a:avLst/>
@@ -5967,7 +5970,7 @@
         <p:spPr>
           <a:xfrm>
             <a:off x="1523880" y="4344480"/>
-            <a:ext cx="8882640" cy="2147040"/>
+            <a:ext cx="8882280" cy="2147040"/>
           </a:xfrm>
           <a:prstGeom prst="rect">
             <a:avLst/>
@@ -5988,7 +5991,7 @@
             <a:spAutoFit/>
           </a:bodyPr>
           <a:p>
-            <a:pPr marL="285840" indent="-278640">
+            <a:pPr marL="285840" indent="-278280">
               <a:lnSpc>
                 <a:spcPct val="150000"/>
               </a:lnSpc>
@@ -6033,7 +6036,7 @@
             </a:endParaRPr>
           </a:p>
           <a:p>
-            <a:pPr marL="285840" indent="-278640">
+            <a:pPr marL="285840" indent="-278280">
               <a:lnSpc>
                 <a:spcPct val="150000"/>
               </a:lnSpc>
@@ -6078,7 +6081,7 @@
             </a:endParaRPr>
           </a:p>
           <a:p>
-            <a:pPr marL="285840" indent="-278640">
+            <a:pPr marL="285840" indent="-278280">
               <a:lnSpc>
                 <a:spcPct val="150000"/>
               </a:lnSpc>
@@ -6123,7 +6126,7 @@
             </a:endParaRPr>
           </a:p>
           <a:p>
-            <a:pPr marL="285840" indent="-278640">
+            <a:pPr marL="285840" indent="-278280">
               <a:lnSpc>
                 <a:spcPct val="150000"/>
               </a:lnSpc>
@@ -6168,7 +6171,7 @@
             </a:endParaRPr>
           </a:p>
           <a:p>
-            <a:pPr marL="285840" indent="-278640">
+            <a:pPr marL="285840" indent="-278280">
               <a:lnSpc>
                 <a:spcPct val="150000"/>
               </a:lnSpc>
@@ -6253,7 +6256,7 @@
         <p:spPr>
           <a:xfrm>
             <a:off x="1676520" y="2362320"/>
-            <a:ext cx="8831880" cy="912600"/>
+            <a:ext cx="8831520" cy="912600"/>
           </a:xfrm>
           <a:prstGeom prst="rect">
             <a:avLst/>
@@ -6304,7 +6307,7 @@
         <p:spPr>
           <a:xfrm>
             <a:off x="522360" y="3531600"/>
-            <a:ext cx="11068920" cy="363960"/>
+            <a:ext cx="11068560" cy="363960"/>
           </a:xfrm>
           <a:prstGeom prst="rect">
             <a:avLst/>
@@ -6420,7 +6423,7 @@
         <p:spPr>
           <a:xfrm>
             <a:off x="1523880" y="0"/>
-            <a:ext cx="9136800" cy="699120"/>
+            <a:ext cx="9136440" cy="699120"/>
           </a:xfrm>
           <a:prstGeom prst="rect">
             <a:avLst/>
@@ -6475,7 +6478,7 @@
         <p:spPr>
           <a:xfrm>
             <a:off x="1600200" y="762120"/>
-            <a:ext cx="8984520" cy="912600"/>
+            <a:ext cx="8984160" cy="912600"/>
           </a:xfrm>
           <a:prstGeom prst="rect">
             <a:avLst/>
@@ -6576,7 +6579,7 @@
         <p:spPr>
           <a:xfrm>
             <a:off x="1600200" y="2865600"/>
-            <a:ext cx="8882640" cy="1735560"/>
+            <a:ext cx="8882280" cy="1735560"/>
           </a:xfrm>
           <a:prstGeom prst="rect">
             <a:avLst/>
@@ -6597,7 +6600,7 @@
             <a:spAutoFit/>
           </a:bodyPr>
           <a:p>
-            <a:pPr marL="285840" indent="-278640">
+            <a:pPr marL="285840" indent="-278280">
               <a:lnSpc>
                 <a:spcPct val="150000"/>
               </a:lnSpc>
@@ -6642,7 +6645,7 @@
             </a:endParaRPr>
           </a:p>
           <a:p>
-            <a:pPr marL="285840" indent="-278640">
+            <a:pPr marL="285840" indent="-278280">
               <a:lnSpc>
                 <a:spcPct val="150000"/>
               </a:lnSpc>
@@ -6687,7 +6690,7 @@
             </a:endParaRPr>
           </a:p>
           <a:p>
-            <a:pPr marL="285840" indent="-278640">
+            <a:pPr marL="285840" indent="-278280">
               <a:lnSpc>
                 <a:spcPct val="150000"/>
               </a:lnSpc>
@@ -6732,7 +6735,7 @@
             </a:endParaRPr>
           </a:p>
           <a:p>
-            <a:pPr marL="285840" indent="-278640">
+            <a:pPr marL="285840" indent="-278280">
               <a:lnSpc>
                 <a:spcPct val="150000"/>
               </a:lnSpc>
@@ -6787,7 +6790,7 @@
         <p:spPr>
           <a:xfrm>
             <a:off x="152280" y="152280"/>
-            <a:ext cx="1099440" cy="455400"/>
+            <a:ext cx="1099080" cy="455400"/>
           </a:xfrm>
           <a:prstGeom prst="rect">
             <a:avLst/>
@@ -6838,7 +6841,7 @@
         <p:spPr>
           <a:xfrm>
             <a:off x="1601280" y="2221560"/>
-            <a:ext cx="8983440" cy="699480"/>
+            <a:ext cx="8983080" cy="699480"/>
           </a:xfrm>
           <a:prstGeom prst="rect">
             <a:avLst/>
@@ -6909,7 +6912,7 @@
         <p:spPr>
           <a:xfrm>
             <a:off x="1656000" y="4713480"/>
-            <a:ext cx="8993160" cy="1363320"/>
+            <a:ext cx="8992800" cy="1362960"/>
           </a:xfrm>
           <a:prstGeom prst="rect">
             <a:avLst/>
@@ -6930,7 +6933,7 @@
             <a:noAutofit/>
           </a:bodyPr>
           <a:p>
-            <a:pPr marL="216000" indent="-212040">
+            <a:pPr marL="216000" indent="-211680">
               <a:lnSpc>
                 <a:spcPct val="150000"/>
               </a:lnSpc>
@@ -6965,7 +6968,7 @@
             </a:endParaRPr>
           </a:p>
           <a:p>
-            <a:pPr marL="216000" indent="-212040">
+            <a:pPr marL="216000" indent="-211680">
               <a:lnSpc>
                 <a:spcPct val="150000"/>
               </a:lnSpc>
@@ -7000,7 +7003,7 @@
             </a:endParaRPr>
           </a:p>
           <a:p>
-            <a:pPr marL="216000" indent="-212040">
+            <a:pPr marL="216000" indent="-211680">
               <a:lnSpc>
                 <a:spcPct val="150000"/>
               </a:lnSpc>
@@ -7035,7 +7038,7 @@
             </a:endParaRPr>
           </a:p>
           <a:p>
-            <a:pPr marL="216000" indent="-212040">
+            <a:pPr marL="216000" indent="-211680">
               <a:lnSpc>
                 <a:spcPct val="150000"/>
               </a:lnSpc>
@@ -7070,7 +7073,7 @@
             </a:endParaRPr>
           </a:p>
           <a:p>
-            <a:pPr marL="216000" indent="-212040">
+            <a:pPr marL="216000" indent="-211680">
               <a:lnSpc>
                 <a:spcPct val="150000"/>
               </a:lnSpc>
@@ -7145,7 +7148,7 @@
         <p:spPr>
           <a:xfrm>
             <a:off x="1676520" y="2362320"/>
-            <a:ext cx="8831880" cy="912600"/>
+            <a:ext cx="8831520" cy="912600"/>
           </a:xfrm>
           <a:prstGeom prst="rect">
             <a:avLst/>
@@ -7196,7 +7199,7 @@
         <p:spPr>
           <a:xfrm>
             <a:off x="522360" y="3531600"/>
-            <a:ext cx="11068920" cy="363960"/>
+            <a:ext cx="11068560" cy="363960"/>
           </a:xfrm>
           <a:prstGeom prst="rect">
             <a:avLst/>
@@ -7312,7 +7315,7 @@
         <p:spPr>
           <a:xfrm>
             <a:off x="1523880" y="0"/>
-            <a:ext cx="9136800" cy="699120"/>
+            <a:ext cx="9136440" cy="699120"/>
           </a:xfrm>
           <a:prstGeom prst="rect">
             <a:avLst/>
@@ -7367,7 +7370,7 @@
         <p:spPr>
           <a:xfrm>
             <a:off x="1600200" y="762120"/>
-            <a:ext cx="8984520" cy="668880"/>
+            <a:ext cx="8984160" cy="668880"/>
           </a:xfrm>
           <a:prstGeom prst="rect">
             <a:avLst/>
@@ -7458,7 +7461,7 @@
         <p:spPr>
           <a:xfrm>
             <a:off x="1600200" y="3909600"/>
-            <a:ext cx="8882640" cy="1324080"/>
+            <a:ext cx="8882280" cy="1324080"/>
           </a:xfrm>
           <a:prstGeom prst="rect">
             <a:avLst/>
@@ -7479,7 +7482,7 @@
             <a:spAutoFit/>
           </a:bodyPr>
           <a:p>
-            <a:pPr marL="285840" indent="-278640">
+            <a:pPr marL="285840" indent="-278280">
               <a:lnSpc>
                 <a:spcPct val="150000"/>
               </a:lnSpc>
@@ -7524,7 +7527,7 @@
             </a:endParaRPr>
           </a:p>
           <a:p>
-            <a:pPr marL="285840" indent="-278640">
+            <a:pPr marL="285840" indent="-278280">
               <a:lnSpc>
                 <a:spcPct val="150000"/>
               </a:lnSpc>
@@ -7569,7 +7572,7 @@
             </a:endParaRPr>
           </a:p>
           <a:p>
-            <a:pPr marL="285840" indent="-278640">
+            <a:pPr marL="285840" indent="-278280">
               <a:lnSpc>
                 <a:spcPct val="150000"/>
               </a:lnSpc>
@@ -7624,7 +7627,7 @@
         <p:spPr>
           <a:xfrm>
             <a:off x="152280" y="152280"/>
-            <a:ext cx="1099440" cy="455400"/>
+            <a:ext cx="1099080" cy="455400"/>
           </a:xfrm>
           <a:prstGeom prst="rect">
             <a:avLst/>
@@ -7675,7 +7678,7 @@
         <p:spPr>
           <a:xfrm>
             <a:off x="1601280" y="2221560"/>
-            <a:ext cx="8983440" cy="699480"/>
+            <a:ext cx="8983080" cy="699480"/>
           </a:xfrm>
           <a:prstGeom prst="rect">
             <a:avLst/>
@@ -7746,7 +7749,7 @@
         <p:spPr>
           <a:xfrm>
             <a:off x="1584000" y="5246640"/>
-            <a:ext cx="8849160" cy="1009800"/>
+            <a:ext cx="8848800" cy="1009440"/>
           </a:xfrm>
           <a:prstGeom prst="rect">
             <a:avLst/>
@@ -7797,7 +7800,7 @@
             </a:endParaRPr>
           </a:p>
           <a:p>
-            <a:pPr marL="216000" indent="-209160">
+            <a:pPr marL="216000" indent="-208800">
               <a:lnSpc>
                 <a:spcPct val="100000"/>
               </a:lnSpc>
@@ -7823,7 +7826,7 @@
             </a:endParaRPr>
           </a:p>
           <a:p>
-            <a:pPr marL="216000" indent="-209160">
+            <a:pPr marL="216000" indent="-208800">
               <a:lnSpc>
                 <a:spcPct val="100000"/>
               </a:lnSpc>
@@ -7859,7 +7862,7 @@
         <p:spPr>
           <a:xfrm>
             <a:off x="1576080" y="3161880"/>
-            <a:ext cx="9577080" cy="647280"/>
+            <a:ext cx="9576720" cy="646920"/>
           </a:xfrm>
           <a:prstGeom prst="rect">
             <a:avLst/>
@@ -7970,7 +7973,7 @@
         <p:spPr>
           <a:xfrm>
             <a:off x="1676520" y="2362320"/>
-            <a:ext cx="8831880" cy="912600"/>
+            <a:ext cx="8831520" cy="912600"/>
           </a:xfrm>
           <a:prstGeom prst="rect">
             <a:avLst/>
@@ -8021,7 +8024,7 @@
         <p:spPr>
           <a:xfrm>
             <a:off x="522360" y="3531600"/>
-            <a:ext cx="11068920" cy="363960"/>
+            <a:ext cx="11068560" cy="363960"/>
           </a:xfrm>
           <a:prstGeom prst="rect">
             <a:avLst/>
@@ -8102,7 +8105,7 @@
         <p:spPr>
           <a:xfrm>
             <a:off x="1676520" y="2362320"/>
-            <a:ext cx="8831880" cy="912600"/>
+            <a:ext cx="8831520" cy="912600"/>
           </a:xfrm>
           <a:prstGeom prst="rect">
             <a:avLst/>
@@ -8153,7 +8156,7 @@
         <p:spPr>
           <a:xfrm>
             <a:off x="522360" y="3531600"/>
-            <a:ext cx="11140920" cy="1186920"/>
+            <a:ext cx="11140560" cy="1186920"/>
           </a:xfrm>
           <a:prstGeom prst="rect">
             <a:avLst/>
@@ -8204,7 +8207,7 @@
         <p:spPr>
           <a:xfrm>
             <a:off x="1666800" y="609480"/>
-            <a:ext cx="8831880" cy="394560"/>
+            <a:ext cx="8831520" cy="394560"/>
           </a:xfrm>
           <a:prstGeom prst="rect">
             <a:avLst/>
@@ -8320,7 +8323,7 @@
         <p:spPr>
           <a:xfrm>
             <a:off x="1523880" y="0"/>
-            <a:ext cx="9136800" cy="699120"/>
+            <a:ext cx="9136440" cy="699120"/>
           </a:xfrm>
           <a:prstGeom prst="rect">
             <a:avLst/>
@@ -8375,7 +8378,7 @@
         <p:spPr>
           <a:xfrm>
             <a:off x="1600200" y="762120"/>
-            <a:ext cx="8984520" cy="1735560"/>
+            <a:ext cx="8984160" cy="1735560"/>
           </a:xfrm>
           <a:prstGeom prst="rect">
             <a:avLst/>
@@ -8476,7 +8479,7 @@
         <p:spPr>
           <a:xfrm>
             <a:off x="1600200" y="3585600"/>
-            <a:ext cx="8882640" cy="2558520"/>
+            <a:ext cx="8882280" cy="2558520"/>
           </a:xfrm>
           <a:prstGeom prst="rect">
             <a:avLst/>
@@ -8517,7 +8520,7 @@
             </a:endParaRPr>
           </a:p>
           <a:p>
-            <a:pPr marL="285840" indent="-278640">
+            <a:pPr marL="285840" indent="-278280">
               <a:lnSpc>
                 <a:spcPct val="150000"/>
               </a:lnSpc>
@@ -8562,7 +8565,7 @@
             </a:endParaRPr>
           </a:p>
           <a:p>
-            <a:pPr marL="285840" indent="-278640">
+            <a:pPr marL="285840" indent="-278280">
               <a:lnSpc>
                 <a:spcPct val="150000"/>
               </a:lnSpc>
@@ -8627,7 +8630,7 @@
             </a:endParaRPr>
           </a:p>
           <a:p>
-            <a:pPr marL="285840" indent="-278640">
+            <a:pPr marL="285840" indent="-278280">
               <a:lnSpc>
                 <a:spcPct val="150000"/>
               </a:lnSpc>
@@ -8672,7 +8675,7 @@
             </a:endParaRPr>
           </a:p>
           <a:p>
-            <a:pPr marL="285840" indent="-278640">
+            <a:pPr marL="285840" indent="-278280">
               <a:lnSpc>
                 <a:spcPct val="150000"/>
               </a:lnSpc>
@@ -8727,7 +8730,7 @@
         <p:spPr>
           <a:xfrm>
             <a:off x="152280" y="152280"/>
-            <a:ext cx="1099440" cy="455400"/>
+            <a:ext cx="1099080" cy="455400"/>
           </a:xfrm>
           <a:prstGeom prst="rect">
             <a:avLst/>
@@ -8778,7 +8781,7 @@
         <p:spPr>
           <a:xfrm>
             <a:off x="1601280" y="2761560"/>
-            <a:ext cx="8983440" cy="699480"/>
+            <a:ext cx="8983080" cy="699480"/>
           </a:xfrm>
           <a:prstGeom prst="rect">
             <a:avLst/>
@@ -8879,7 +8882,7 @@
         <p:spPr>
           <a:xfrm>
             <a:off x="1676520" y="2362320"/>
-            <a:ext cx="8831880" cy="1735560"/>
+            <a:ext cx="8831520" cy="1735560"/>
           </a:xfrm>
           <a:prstGeom prst="rect">
             <a:avLst/>
@@ -8930,7 +8933,7 @@
         <p:spPr>
           <a:xfrm>
             <a:off x="522360" y="3531600"/>
-            <a:ext cx="11068920" cy="363960"/>
+            <a:ext cx="11068560" cy="363960"/>
           </a:xfrm>
           <a:prstGeom prst="rect">
             <a:avLst/>
@@ -9011,7 +9014,7 @@
         <p:spPr>
           <a:xfrm>
             <a:off x="1523880" y="0"/>
-            <a:ext cx="9136800" cy="699120"/>
+            <a:ext cx="9136440" cy="699120"/>
           </a:xfrm>
           <a:prstGeom prst="rect">
             <a:avLst/>
@@ -9066,7 +9069,7 @@
         <p:spPr>
           <a:xfrm>
             <a:off x="1600200" y="762120"/>
-            <a:ext cx="8984520" cy="2284200"/>
+            <a:ext cx="8984160" cy="2284200"/>
           </a:xfrm>
           <a:prstGeom prst="rect">
             <a:avLst/>
@@ -9207,7 +9210,7 @@
         <p:spPr>
           <a:xfrm>
             <a:off x="152280" y="152280"/>
-            <a:ext cx="1099440" cy="455400"/>
+            <a:ext cx="1099080" cy="455400"/>
           </a:xfrm>
           <a:prstGeom prst="rect">
             <a:avLst/>
@@ -9258,7 +9261,7 @@
         <p:spPr>
           <a:xfrm>
             <a:off x="1601280" y="3157560"/>
-            <a:ext cx="8983440" cy="1004400"/>
+            <a:ext cx="8983080" cy="1004400"/>
           </a:xfrm>
           <a:prstGeom prst="rect">
             <a:avLst/>
@@ -9349,7 +9352,7 @@
         <p:spPr>
           <a:xfrm>
             <a:off x="864000" y="4197600"/>
-            <a:ext cx="11012400" cy="1324080"/>
+            <a:ext cx="11012040" cy="1324080"/>
           </a:xfrm>
           <a:prstGeom prst="rect">
             <a:avLst/>
@@ -9370,7 +9373,7 @@
             <a:spAutoFit/>
           </a:bodyPr>
           <a:p>
-            <a:pPr marL="285840" indent="-278640">
+            <a:pPr marL="285840" indent="-278280">
               <a:lnSpc>
                 <a:spcPct val="150000"/>
               </a:lnSpc>
@@ -9415,7 +9418,7 @@
             </a:endParaRPr>
           </a:p>
           <a:p>
-            <a:pPr marL="285840" indent="-278640">
+            <a:pPr marL="285840" indent="-278280">
               <a:lnSpc>
                 <a:spcPct val="150000"/>
               </a:lnSpc>
@@ -9460,7 +9463,7 @@
             </a:endParaRPr>
           </a:p>
           <a:p>
-            <a:pPr marL="285840" indent="-278640">
+            <a:pPr marL="285840" indent="-278280">
               <a:lnSpc>
                 <a:spcPct val="150000"/>
               </a:lnSpc>
@@ -9550,7 +9553,7 @@
         <p:spPr>
           <a:xfrm>
             <a:off x="1584000" y="5610240"/>
-            <a:ext cx="8849160" cy="1009800"/>
+            <a:ext cx="8848800" cy="1009440"/>
           </a:xfrm>
           <a:prstGeom prst="rect">
             <a:avLst/>
@@ -9601,7 +9604,7 @@
             </a:endParaRPr>
           </a:p>
           <a:p>
-            <a:pPr marL="285840" indent="-281520">
+            <a:pPr marL="285840" indent="-281160">
               <a:lnSpc>
                 <a:spcPct val="100000"/>
               </a:lnSpc>
@@ -9626,7 +9629,7 @@
             </a:endParaRPr>
           </a:p>
           <a:p>
-            <a:pPr marL="285840" indent="-281520">
+            <a:pPr marL="285840" indent="-281160">
               <a:lnSpc>
                 <a:spcPct val="100000"/>
               </a:lnSpc>
@@ -9691,7 +9694,7 @@
         <p:spPr>
           <a:xfrm>
             <a:off x="1676520" y="2362320"/>
-            <a:ext cx="8831880" cy="1735560"/>
+            <a:ext cx="8831520" cy="1735560"/>
           </a:xfrm>
           <a:prstGeom prst="rect">
             <a:avLst/>
@@ -9742,7 +9745,7 @@
         <p:spPr>
           <a:xfrm>
             <a:off x="522360" y="3531600"/>
-            <a:ext cx="11068920" cy="363960"/>
+            <a:ext cx="11068560" cy="363960"/>
           </a:xfrm>
           <a:prstGeom prst="rect">
             <a:avLst/>
@@ -9823,7 +9826,7 @@
         <p:spPr>
           <a:xfrm>
             <a:off x="1523880" y="0"/>
-            <a:ext cx="9136800" cy="699120"/>
+            <a:ext cx="9136440" cy="699120"/>
           </a:xfrm>
           <a:prstGeom prst="rect">
             <a:avLst/>
@@ -9878,7 +9881,7 @@
         <p:spPr>
           <a:xfrm>
             <a:off x="1600200" y="762120"/>
-            <a:ext cx="8984520" cy="2558520"/>
+            <a:ext cx="8984160" cy="2558520"/>
           </a:xfrm>
           <a:prstGeom prst="rect">
             <a:avLst/>
@@ -10019,7 +10022,7 @@
         <p:spPr>
           <a:xfrm>
             <a:off x="152280" y="152280"/>
-            <a:ext cx="1099440" cy="455400"/>
+            <a:ext cx="1099080" cy="455400"/>
           </a:xfrm>
           <a:prstGeom prst="rect">
             <a:avLst/>
@@ -10070,7 +10073,7 @@
         <p:spPr>
           <a:xfrm>
             <a:off x="1601280" y="3553560"/>
-            <a:ext cx="8983440" cy="1004400"/>
+            <a:ext cx="8983080" cy="1004400"/>
           </a:xfrm>
           <a:prstGeom prst="rect">
             <a:avLst/>
@@ -10161,7 +10164,7 @@
         <p:spPr>
           <a:xfrm>
             <a:off x="1600200" y="4593600"/>
-            <a:ext cx="8882640" cy="912600"/>
+            <a:ext cx="8882280" cy="912600"/>
           </a:xfrm>
           <a:prstGeom prst="rect">
             <a:avLst/>
@@ -10182,7 +10185,7 @@
             <a:spAutoFit/>
           </a:bodyPr>
           <a:p>
-            <a:pPr marL="285840" indent="-278640">
+            <a:pPr marL="285840" indent="-278280">
               <a:lnSpc>
                 <a:spcPct val="150000"/>
               </a:lnSpc>
@@ -10227,7 +10230,7 @@
             </a:endParaRPr>
           </a:p>
           <a:p>
-            <a:pPr marL="285840" indent="-278640">
+            <a:pPr marL="285840" indent="-278280">
               <a:lnSpc>
                 <a:spcPct val="150000"/>
               </a:lnSpc>
@@ -10317,7 +10320,7 @@
         <p:spPr>
           <a:xfrm>
             <a:off x="1584000" y="5790240"/>
-            <a:ext cx="8849160" cy="74160"/>
+            <a:ext cx="8848800" cy="73800"/>
           </a:xfrm>
           <a:prstGeom prst="rect">
             <a:avLst/>
@@ -10368,7 +10371,7 @@
             </a:endParaRPr>
           </a:p>
           <a:p>
-            <a:pPr marL="285840" indent="-281520">
+            <a:pPr marL="285840" indent="-281160">
               <a:lnSpc>
                 <a:spcPct val="100000"/>
               </a:lnSpc>
@@ -10433,7 +10436,7 @@
         <p:spPr>
           <a:xfrm>
             <a:off x="1676520" y="2362320"/>
-            <a:ext cx="8831880" cy="912600"/>
+            <a:ext cx="8831520" cy="912600"/>
           </a:xfrm>
           <a:prstGeom prst="rect">
             <a:avLst/>
@@ -10484,7 +10487,7 @@
         <p:spPr>
           <a:xfrm>
             <a:off x="522360" y="3531600"/>
-            <a:ext cx="11068920" cy="363960"/>
+            <a:ext cx="11068560" cy="363960"/>
           </a:xfrm>
           <a:prstGeom prst="rect">
             <a:avLst/>
@@ -10565,7 +10568,7 @@
         <p:spPr>
           <a:xfrm>
             <a:off x="1523880" y="0"/>
-            <a:ext cx="9136800" cy="699120"/>
+            <a:ext cx="9136440" cy="699120"/>
           </a:xfrm>
           <a:prstGeom prst="rect">
             <a:avLst/>
@@ -10620,7 +10623,7 @@
         <p:spPr>
           <a:xfrm>
             <a:off x="1600200" y="762120"/>
-            <a:ext cx="8984520" cy="1461240"/>
+            <a:ext cx="8984160" cy="1461240"/>
           </a:xfrm>
           <a:prstGeom prst="rect">
             <a:avLst/>
@@ -10721,7 +10724,7 @@
         <p:spPr>
           <a:xfrm>
             <a:off x="152280" y="152280"/>
-            <a:ext cx="1099440" cy="455400"/>
+            <a:ext cx="1099080" cy="455400"/>
           </a:xfrm>
           <a:prstGeom prst="rect">
             <a:avLst/>
@@ -10772,7 +10775,7 @@
         <p:spPr>
           <a:xfrm>
             <a:off x="1601280" y="2689560"/>
-            <a:ext cx="8983440" cy="699480"/>
+            <a:ext cx="8983080" cy="699480"/>
           </a:xfrm>
           <a:prstGeom prst="rect">
             <a:avLst/>
@@ -10843,7 +10846,7 @@
         <p:spPr>
           <a:xfrm>
             <a:off x="1600200" y="3621600"/>
-            <a:ext cx="8882640" cy="912600"/>
+            <a:ext cx="8882280" cy="912600"/>
           </a:xfrm>
           <a:prstGeom prst="rect">
             <a:avLst/>
@@ -10864,7 +10867,7 @@
             <a:spAutoFit/>
           </a:bodyPr>
           <a:p>
-            <a:pPr marL="285840" indent="-278640">
+            <a:pPr marL="285840" indent="-278280">
               <a:lnSpc>
                 <a:spcPct val="150000"/>
               </a:lnSpc>
@@ -10909,7 +10912,7 @@
             </a:endParaRPr>
           </a:p>
           <a:p>
-            <a:pPr marL="285840" indent="-278640">
+            <a:pPr marL="285840" indent="-278280">
               <a:lnSpc>
                 <a:spcPct val="150000"/>
               </a:lnSpc>
@@ -10999,7 +11002,7 @@
         <p:spPr>
           <a:xfrm>
             <a:off x="1584000" y="5106240"/>
-            <a:ext cx="8849160" cy="74160"/>
+            <a:ext cx="8848800" cy="73800"/>
           </a:xfrm>
           <a:prstGeom prst="rect">
             <a:avLst/>
@@ -11050,7 +11053,7 @@
             </a:endParaRPr>
           </a:p>
           <a:p>
-            <a:pPr marL="285840" indent="-281520">
+            <a:pPr marL="285840" indent="-281160">
               <a:lnSpc>
                 <a:spcPct val="100000"/>
               </a:lnSpc>
@@ -11115,7 +11118,7 @@
         <p:spPr>
           <a:xfrm>
             <a:off x="1676520" y="2362320"/>
-            <a:ext cx="8831880" cy="912600"/>
+            <a:ext cx="8831520" cy="912600"/>
           </a:xfrm>
           <a:prstGeom prst="rect">
             <a:avLst/>
@@ -11166,7 +11169,7 @@
         <p:spPr>
           <a:xfrm>
             <a:off x="522360" y="3531600"/>
-            <a:ext cx="11068920" cy="363960"/>
+            <a:ext cx="11068560" cy="363960"/>
           </a:xfrm>
           <a:prstGeom prst="rect">
             <a:avLst/>
@@ -11247,7 +11250,7 @@
         <p:spPr>
           <a:xfrm>
             <a:off x="1523880" y="0"/>
-            <a:ext cx="9136800" cy="699120"/>
+            <a:ext cx="9136440" cy="699120"/>
           </a:xfrm>
           <a:prstGeom prst="rect">
             <a:avLst/>
@@ -11302,7 +11305,7 @@
         <p:spPr>
           <a:xfrm>
             <a:off x="1600200" y="762120"/>
-            <a:ext cx="8984520" cy="1186920"/>
+            <a:ext cx="8984160" cy="1186920"/>
           </a:xfrm>
           <a:prstGeom prst="rect">
             <a:avLst/>
@@ -11403,7 +11406,7 @@
         <p:spPr>
           <a:xfrm>
             <a:off x="152280" y="152280"/>
-            <a:ext cx="1099440" cy="455400"/>
+            <a:ext cx="1099080" cy="455400"/>
           </a:xfrm>
           <a:prstGeom prst="rect">
             <a:avLst/>
@@ -11454,7 +11457,7 @@
         <p:spPr>
           <a:xfrm>
             <a:off x="1601280" y="2689560"/>
-            <a:ext cx="8983440" cy="699480"/>
+            <a:ext cx="8983080" cy="699480"/>
           </a:xfrm>
           <a:prstGeom prst="rect">
             <a:avLst/>
@@ -11525,7 +11528,7 @@
         <p:spPr>
           <a:xfrm>
             <a:off x="1600200" y="3621600"/>
-            <a:ext cx="8882640" cy="912600"/>
+            <a:ext cx="8882280" cy="912600"/>
           </a:xfrm>
           <a:prstGeom prst="rect">
             <a:avLst/>
@@ -11546,7 +11549,7 @@
             <a:spAutoFit/>
           </a:bodyPr>
           <a:p>
-            <a:pPr marL="285840" indent="-278640">
+            <a:pPr marL="285840" indent="-278280">
               <a:lnSpc>
                 <a:spcPct val="150000"/>
               </a:lnSpc>
@@ -11591,7 +11594,7 @@
             </a:endParaRPr>
           </a:p>
           <a:p>
-            <a:pPr marL="285840" indent="-278640">
+            <a:pPr marL="285840" indent="-278280">
               <a:lnSpc>
                 <a:spcPct val="150000"/>
               </a:lnSpc>
@@ -11711,7 +11714,7 @@
         <p:spPr>
           <a:xfrm>
             <a:off x="1676520" y="2362320"/>
-            <a:ext cx="8831880" cy="1735560"/>
+            <a:ext cx="8831520" cy="1735560"/>
           </a:xfrm>
           <a:prstGeom prst="rect">
             <a:avLst/>
@@ -11762,7 +11765,7 @@
         <p:spPr>
           <a:xfrm>
             <a:off x="522360" y="4467600"/>
-            <a:ext cx="11068920" cy="363960"/>
+            <a:ext cx="11068560" cy="363960"/>
           </a:xfrm>
           <a:prstGeom prst="rect">
             <a:avLst/>
@@ -11878,7 +11881,7 @@
         <p:spPr>
           <a:xfrm>
             <a:off x="1676520" y="2743200"/>
-            <a:ext cx="8831880" cy="1064520"/>
+            <a:ext cx="8831520" cy="1064520"/>
           </a:xfrm>
           <a:prstGeom prst="rect">
             <a:avLst/>
@@ -11899,7 +11902,7 @@
             <a:spAutoFit/>
           </a:bodyPr>
           <a:p>
-            <a:pPr marL="343080" indent="-335880">
+            <a:pPr marL="343080" indent="-335520">
               <a:lnSpc>
                 <a:spcPct val="100000"/>
               </a:lnSpc>
@@ -11954,7 +11957,7 @@
             </a:endParaRPr>
           </a:p>
           <a:p>
-            <a:pPr marL="343080" indent="-335880">
+            <a:pPr marL="343080" indent="-335520">
               <a:lnSpc>
                 <a:spcPct val="100000"/>
               </a:lnSpc>
@@ -12090,7 +12093,7 @@
         <p:spPr>
           <a:xfrm>
             <a:off x="1600200" y="762120"/>
-            <a:ext cx="8984520" cy="699480"/>
+            <a:ext cx="8984160" cy="699480"/>
           </a:xfrm>
           <a:prstGeom prst="rect">
             <a:avLst/>
@@ -12151,7 +12154,7 @@
         <p:spPr>
           <a:xfrm>
             <a:off x="1523880" y="5067720"/>
-            <a:ext cx="9136800" cy="790560"/>
+            <a:ext cx="9136440" cy="790560"/>
           </a:xfrm>
           <a:prstGeom prst="rect">
             <a:avLst/>
@@ -12212,7 +12215,7 @@
             </a:endParaRPr>
           </a:p>
           <a:p>
-            <a:pPr marL="285840" indent="-278640">
+            <a:pPr marL="285840" indent="-278280">
               <a:lnSpc>
                 <a:spcPct val="100000"/>
               </a:lnSpc>
@@ -12257,7 +12260,7 @@
         <p:spPr>
           <a:xfrm>
             <a:off x="1584000" y="4287960"/>
-            <a:ext cx="8705160" cy="349200"/>
+            <a:ext cx="8704800" cy="348840"/>
           </a:xfrm>
           <a:prstGeom prst="rect">
             <a:avLst/>
@@ -12328,7 +12331,7 @@
         <p:spPr>
           <a:xfrm>
             <a:off x="1523880" y="0"/>
-            <a:ext cx="9138960" cy="699120"/>
+            <a:ext cx="9138600" cy="699120"/>
           </a:xfrm>
           <a:prstGeom prst="rect">
             <a:avLst/>
@@ -12433,7 +12436,7 @@
         <p:spPr>
           <a:xfrm>
             <a:off x="1523880" y="0"/>
-            <a:ext cx="9136800" cy="699120"/>
+            <a:ext cx="9136440" cy="699120"/>
           </a:xfrm>
           <a:prstGeom prst="rect">
             <a:avLst/>
@@ -12488,7 +12491,7 @@
         <p:spPr>
           <a:xfrm>
             <a:off x="1600200" y="762120"/>
-            <a:ext cx="8984520" cy="2558520"/>
+            <a:ext cx="8984160" cy="2558520"/>
           </a:xfrm>
           <a:prstGeom prst="rect">
             <a:avLst/>
@@ -12749,7 +12752,7 @@
         <p:spPr>
           <a:xfrm>
             <a:off x="152280" y="152280"/>
-            <a:ext cx="1099440" cy="455400"/>
+            <a:ext cx="1099080" cy="455400"/>
           </a:xfrm>
           <a:prstGeom prst="rect">
             <a:avLst/>
@@ -12800,7 +12803,7 @@
         <p:spPr>
           <a:xfrm>
             <a:off x="1601280" y="3553560"/>
-            <a:ext cx="8983440" cy="1309320"/>
+            <a:ext cx="8983080" cy="1309320"/>
           </a:xfrm>
           <a:prstGeom prst="rect">
             <a:avLst/>
@@ -12911,7 +12914,7 @@
         <p:spPr>
           <a:xfrm>
             <a:off x="1600200" y="4989600"/>
-            <a:ext cx="8882640" cy="1735560"/>
+            <a:ext cx="8882280" cy="1735560"/>
           </a:xfrm>
           <a:prstGeom prst="rect">
             <a:avLst/>
@@ -12932,7 +12935,7 @@
             <a:spAutoFit/>
           </a:bodyPr>
           <a:p>
-            <a:pPr marL="285840" indent="-278640">
+            <a:pPr marL="285840" indent="-278280">
               <a:lnSpc>
                 <a:spcPct val="150000"/>
               </a:lnSpc>
@@ -12977,7 +12980,7 @@
             </a:endParaRPr>
           </a:p>
           <a:p>
-            <a:pPr marL="285840" indent="-278640">
+            <a:pPr marL="285840" indent="-278280">
               <a:lnSpc>
                 <a:spcPct val="150000"/>
               </a:lnSpc>
@@ -13022,7 +13025,7 @@
             </a:endParaRPr>
           </a:p>
           <a:p>
-            <a:pPr marL="285840" indent="-278640">
+            <a:pPr marL="285840" indent="-278280">
               <a:lnSpc>
                 <a:spcPct val="150000"/>
               </a:lnSpc>
@@ -13087,7 +13090,7 @@
             </a:endParaRPr>
           </a:p>
           <a:p>
-            <a:pPr marL="285840" indent="-278640">
+            <a:pPr marL="285840" indent="-278280">
               <a:lnSpc>
                 <a:spcPct val="150000"/>
               </a:lnSpc>
@@ -13207,7 +13210,7 @@
         <p:spPr>
           <a:xfrm>
             <a:off x="1676520" y="2362320"/>
-            <a:ext cx="8831880" cy="1735560"/>
+            <a:ext cx="8831520" cy="1735560"/>
           </a:xfrm>
           <a:prstGeom prst="rect">
             <a:avLst/>
@@ -13258,7 +13261,7 @@
         <p:spPr>
           <a:xfrm>
             <a:off x="522360" y="4251600"/>
-            <a:ext cx="11068920" cy="363960"/>
+            <a:ext cx="11068560" cy="363960"/>
           </a:xfrm>
           <a:prstGeom prst="rect">
             <a:avLst/>
@@ -13339,7 +13342,7 @@
         <p:spPr>
           <a:xfrm>
             <a:off x="1523880" y="0"/>
-            <a:ext cx="9136800" cy="699120"/>
+            <a:ext cx="9136440" cy="699120"/>
           </a:xfrm>
           <a:prstGeom prst="rect">
             <a:avLst/>
@@ -13394,7 +13397,7 @@
         <p:spPr>
           <a:xfrm>
             <a:off x="1600200" y="762120"/>
-            <a:ext cx="8984520" cy="2284200"/>
+            <a:ext cx="8984160" cy="2284200"/>
           </a:xfrm>
           <a:prstGeom prst="rect">
             <a:avLst/>
@@ -13535,7 +13538,7 @@
         <p:spPr>
           <a:xfrm>
             <a:off x="152280" y="152280"/>
-            <a:ext cx="1099440" cy="455400"/>
+            <a:ext cx="1099080" cy="455400"/>
           </a:xfrm>
           <a:prstGeom prst="rect">
             <a:avLst/>
@@ -13586,7 +13589,7 @@
         <p:spPr>
           <a:xfrm>
             <a:off x="1601280" y="3337560"/>
-            <a:ext cx="8983440" cy="1004400"/>
+            <a:ext cx="8983080" cy="1004400"/>
           </a:xfrm>
           <a:prstGeom prst="rect">
             <a:avLst/>
@@ -13677,7 +13680,7 @@
         <p:spPr>
           <a:xfrm>
             <a:off x="1600200" y="4557600"/>
-            <a:ext cx="8882640" cy="1324080"/>
+            <a:ext cx="8882280" cy="1324080"/>
           </a:xfrm>
           <a:prstGeom prst="rect">
             <a:avLst/>
@@ -13698,7 +13701,7 @@
             <a:spAutoFit/>
           </a:bodyPr>
           <a:p>
-            <a:pPr marL="285840" indent="-278640">
+            <a:pPr marL="285840" indent="-278280">
               <a:lnSpc>
                 <a:spcPct val="150000"/>
               </a:lnSpc>
@@ -13743,7 +13746,7 @@
             </a:endParaRPr>
           </a:p>
           <a:p>
-            <a:pPr marL="285840" indent="-278640">
+            <a:pPr marL="285840" indent="-278280">
               <a:lnSpc>
                 <a:spcPct val="150000"/>
               </a:lnSpc>
@@ -13788,7 +13791,7 @@
             </a:endParaRPr>
           </a:p>
           <a:p>
-            <a:pPr marL="285840" indent="-278640">
+            <a:pPr marL="285840" indent="-278280">
               <a:lnSpc>
                 <a:spcPct val="150000"/>
               </a:lnSpc>
@@ -13908,7 +13911,7 @@
         <p:spPr>
           <a:xfrm>
             <a:off x="1676520" y="2362320"/>
-            <a:ext cx="8831880" cy="912600"/>
+            <a:ext cx="8831520" cy="912600"/>
           </a:xfrm>
           <a:prstGeom prst="rect">
             <a:avLst/>
@@ -13959,7 +13962,7 @@
         <p:spPr>
           <a:xfrm>
             <a:off x="1666800" y="609480"/>
-            <a:ext cx="8831880" cy="394560"/>
+            <a:ext cx="8831520" cy="394560"/>
           </a:xfrm>
           <a:prstGeom prst="rect">
             <a:avLst/>
@@ -14010,7 +14013,7 @@
         <p:spPr>
           <a:xfrm>
             <a:off x="522360" y="3531600"/>
-            <a:ext cx="11068920" cy="1186920"/>
+            <a:ext cx="11068560" cy="1186920"/>
           </a:xfrm>
           <a:prstGeom prst="rect">
             <a:avLst/>
@@ -14111,7 +14114,7 @@
         <p:spPr>
           <a:xfrm>
             <a:off x="1676520" y="2362320"/>
-            <a:ext cx="8831880" cy="912600"/>
+            <a:ext cx="8831520" cy="912600"/>
           </a:xfrm>
           <a:prstGeom prst="rect">
             <a:avLst/>
@@ -14162,7 +14165,7 @@
         <p:spPr>
           <a:xfrm>
             <a:off x="522360" y="3531600"/>
-            <a:ext cx="11068920" cy="363960"/>
+            <a:ext cx="11068560" cy="363960"/>
           </a:xfrm>
           <a:prstGeom prst="rect">
             <a:avLst/>
@@ -14243,7 +14246,7 @@
         <p:spPr>
           <a:xfrm>
             <a:off x="1523880" y="0"/>
-            <a:ext cx="9136800" cy="699120"/>
+            <a:ext cx="9136440" cy="699120"/>
           </a:xfrm>
           <a:prstGeom prst="rect">
             <a:avLst/>
@@ -14298,7 +14301,7 @@
         <p:spPr>
           <a:xfrm>
             <a:off x="1600200" y="762120"/>
-            <a:ext cx="8984520" cy="1461240"/>
+            <a:ext cx="8984160" cy="1461240"/>
           </a:xfrm>
           <a:prstGeom prst="rect">
             <a:avLst/>
@@ -14399,7 +14402,7 @@
         <p:spPr>
           <a:xfrm>
             <a:off x="152280" y="152280"/>
-            <a:ext cx="1099440" cy="455400"/>
+            <a:ext cx="1099080" cy="455400"/>
           </a:xfrm>
           <a:prstGeom prst="rect">
             <a:avLst/>
@@ -14450,7 +14453,7 @@
         <p:spPr>
           <a:xfrm>
             <a:off x="1601280" y="2725560"/>
-            <a:ext cx="8983440" cy="699480"/>
+            <a:ext cx="8983080" cy="699480"/>
           </a:xfrm>
           <a:prstGeom prst="rect">
             <a:avLst/>
@@ -14521,7 +14524,7 @@
         <p:spPr>
           <a:xfrm>
             <a:off x="1600200" y="3585600"/>
-            <a:ext cx="8882640" cy="912600"/>
+            <a:ext cx="8882280" cy="912600"/>
           </a:xfrm>
           <a:prstGeom prst="rect">
             <a:avLst/>
@@ -14542,7 +14545,7 @@
             <a:spAutoFit/>
           </a:bodyPr>
           <a:p>
-            <a:pPr marL="285840" indent="-278640">
+            <a:pPr marL="285840" indent="-278280">
               <a:lnSpc>
                 <a:spcPct val="150000"/>
               </a:lnSpc>
@@ -14587,7 +14590,7 @@
             </a:endParaRPr>
           </a:p>
           <a:p>
-            <a:pPr marL="285840" indent="-278640">
+            <a:pPr marL="285840" indent="-278280">
               <a:lnSpc>
                 <a:spcPct val="150000"/>
               </a:lnSpc>
@@ -14677,7 +14680,7 @@
         <p:spPr>
           <a:xfrm>
             <a:off x="5256000" y="5472000"/>
-            <a:ext cx="5135760" cy="794520"/>
+            <a:ext cx="5135400" cy="794160"/>
           </a:xfrm>
           <a:prstGeom prst="rect">
             <a:avLst/>
@@ -14808,7 +14811,7 @@
         <p:spPr>
           <a:xfrm>
             <a:off x="10514160" y="2592000"/>
-            <a:ext cx="1508400" cy="4066920"/>
+            <a:ext cx="1508040" cy="4066560"/>
           </a:xfrm>
           <a:prstGeom prst="rect">
             <a:avLst/>
@@ -15159,7 +15162,7 @@
         <p:spPr>
           <a:xfrm>
             <a:off x="1676520" y="2362320"/>
-            <a:ext cx="8831880" cy="912600"/>
+            <a:ext cx="8831520" cy="912600"/>
           </a:xfrm>
           <a:prstGeom prst="rect">
             <a:avLst/>
@@ -15210,7 +15213,7 @@
         <p:spPr>
           <a:xfrm>
             <a:off x="522360" y="3531600"/>
-            <a:ext cx="11068920" cy="363960"/>
+            <a:ext cx="11068560" cy="363960"/>
           </a:xfrm>
           <a:prstGeom prst="rect">
             <a:avLst/>
@@ -15291,7 +15294,7 @@
         <p:spPr>
           <a:xfrm>
             <a:off x="1523880" y="0"/>
-            <a:ext cx="9136800" cy="699120"/>
+            <a:ext cx="9136440" cy="699120"/>
           </a:xfrm>
           <a:prstGeom prst="rect">
             <a:avLst/>
@@ -15346,7 +15349,7 @@
         <p:spPr>
           <a:xfrm>
             <a:off x="1600200" y="762120"/>
-            <a:ext cx="8984520" cy="2558520"/>
+            <a:ext cx="8984160" cy="2558520"/>
           </a:xfrm>
           <a:prstGeom prst="rect">
             <a:avLst/>
@@ -15447,7 +15450,7 @@
         <p:spPr>
           <a:xfrm>
             <a:off x="72000" y="144000"/>
-            <a:ext cx="1359000" cy="1186920"/>
+            <a:ext cx="1358640" cy="1186920"/>
           </a:xfrm>
           <a:prstGeom prst="rect">
             <a:avLst/>
@@ -15498,7 +15501,7 @@
         <p:spPr>
           <a:xfrm>
             <a:off x="1601280" y="3697560"/>
-            <a:ext cx="8983440" cy="699480"/>
+            <a:ext cx="8983080" cy="699480"/>
           </a:xfrm>
           <a:prstGeom prst="rect">
             <a:avLst/>
@@ -15569,7 +15572,7 @@
         <p:spPr>
           <a:xfrm>
             <a:off x="1600200" y="4665600"/>
-            <a:ext cx="8882640" cy="912600"/>
+            <a:ext cx="8882280" cy="912600"/>
           </a:xfrm>
           <a:prstGeom prst="rect">
             <a:avLst/>
@@ -15590,7 +15593,7 @@
             <a:spAutoFit/>
           </a:bodyPr>
           <a:p>
-            <a:pPr marL="285840" indent="-278640">
+            <a:pPr marL="285840" indent="-278280">
               <a:lnSpc>
                 <a:spcPct val="150000"/>
               </a:lnSpc>
@@ -15635,7 +15638,7 @@
             </a:endParaRPr>
           </a:p>
           <a:p>
-            <a:pPr marL="285840" indent="-278640">
+            <a:pPr marL="285840" indent="-278280">
               <a:lnSpc>
                 <a:spcPct val="150000"/>
               </a:lnSpc>
@@ -15755,7 +15758,7 @@
         <p:spPr>
           <a:xfrm>
             <a:off x="1676520" y="2362320"/>
-            <a:ext cx="8831880" cy="912600"/>
+            <a:ext cx="8831520" cy="912600"/>
           </a:xfrm>
           <a:prstGeom prst="rect">
             <a:avLst/>
@@ -15806,7 +15809,7 @@
         <p:spPr>
           <a:xfrm>
             <a:off x="522360" y="3531600"/>
-            <a:ext cx="11068920" cy="363960"/>
+            <a:ext cx="11068560" cy="363960"/>
           </a:xfrm>
           <a:prstGeom prst="rect">
             <a:avLst/>
@@ -15887,7 +15890,7 @@
         <p:spPr>
           <a:xfrm>
             <a:off x="1523880" y="0"/>
-            <a:ext cx="9136800" cy="699120"/>
+            <a:ext cx="9136440" cy="699120"/>
           </a:xfrm>
           <a:prstGeom prst="rect">
             <a:avLst/>
@@ -15942,7 +15945,7 @@
         <p:spPr>
           <a:xfrm>
             <a:off x="1600200" y="762120"/>
-            <a:ext cx="8984520" cy="1186920"/>
+            <a:ext cx="8984160" cy="1186920"/>
           </a:xfrm>
           <a:prstGeom prst="rect">
             <a:avLst/>
@@ -16043,7 +16046,7 @@
         <p:spPr>
           <a:xfrm>
             <a:off x="152280" y="152280"/>
-            <a:ext cx="1099440" cy="455400"/>
+            <a:ext cx="1099080" cy="455400"/>
           </a:xfrm>
           <a:prstGeom prst="rect">
             <a:avLst/>
@@ -16094,7 +16097,7 @@
         <p:spPr>
           <a:xfrm>
             <a:off x="1601280" y="2473560"/>
-            <a:ext cx="8983440" cy="699480"/>
+            <a:ext cx="8983080" cy="699480"/>
           </a:xfrm>
           <a:prstGeom prst="rect">
             <a:avLst/>
@@ -16165,7 +16168,7 @@
         <p:spPr>
           <a:xfrm>
             <a:off x="1600200" y="3405600"/>
-            <a:ext cx="8882640" cy="1324080"/>
+            <a:ext cx="8882280" cy="1324080"/>
           </a:xfrm>
           <a:prstGeom prst="rect">
             <a:avLst/>
@@ -16186,7 +16189,7 @@
             <a:spAutoFit/>
           </a:bodyPr>
           <a:p>
-            <a:pPr marL="285840" indent="-278640">
+            <a:pPr marL="285840" indent="-278280">
               <a:lnSpc>
                 <a:spcPct val="150000"/>
               </a:lnSpc>
@@ -16231,7 +16234,7 @@
             </a:endParaRPr>
           </a:p>
           <a:p>
-            <a:pPr marL="285840" indent="-278640">
+            <a:pPr marL="285840" indent="-278280">
               <a:lnSpc>
                 <a:spcPct val="150000"/>
               </a:lnSpc>
@@ -16276,7 +16279,7 @@
             </a:endParaRPr>
           </a:p>
           <a:p>
-            <a:pPr marL="285840" indent="-278640">
+            <a:pPr marL="285840" indent="-278280">
               <a:lnSpc>
                 <a:spcPct val="150000"/>
               </a:lnSpc>
@@ -16366,7 +16369,7 @@
         <p:spPr>
           <a:xfrm>
             <a:off x="4601520" y="5832000"/>
-            <a:ext cx="5621760" cy="359280"/>
+            <a:ext cx="5621400" cy="358920"/>
           </a:xfrm>
           <a:prstGeom prst="rect">
             <a:avLst/>
@@ -16447,7 +16450,7 @@
         <p:spPr>
           <a:xfrm>
             <a:off x="10584000" y="3710160"/>
-            <a:ext cx="1407960" cy="2553120"/>
+            <a:ext cx="1407600" cy="2552760"/>
           </a:xfrm>
           <a:prstGeom prst="rect">
             <a:avLst/>
@@ -16688,7 +16691,7 @@
         <p:spPr>
           <a:xfrm>
             <a:off x="1676520" y="2362320"/>
-            <a:ext cx="8831880" cy="912600"/>
+            <a:ext cx="8831520" cy="912600"/>
           </a:xfrm>
           <a:prstGeom prst="rect">
             <a:avLst/>
@@ -16739,7 +16742,7 @@
         <p:spPr>
           <a:xfrm>
             <a:off x="522360" y="3531600"/>
-            <a:ext cx="11068920" cy="363960"/>
+            <a:ext cx="11068560" cy="363960"/>
           </a:xfrm>
           <a:prstGeom prst="rect">
             <a:avLst/>
@@ -16820,7 +16823,7 @@
         <p:spPr>
           <a:xfrm>
             <a:off x="1676520" y="2362320"/>
-            <a:ext cx="8831880" cy="912600"/>
+            <a:ext cx="8831520" cy="912600"/>
           </a:xfrm>
           <a:prstGeom prst="rect">
             <a:avLst/>
@@ -16871,7 +16874,7 @@
         <p:spPr>
           <a:xfrm>
             <a:off x="522360" y="3531600"/>
-            <a:ext cx="11068920" cy="363960"/>
+            <a:ext cx="11068560" cy="363960"/>
           </a:xfrm>
           <a:prstGeom prst="rect">
             <a:avLst/>
@@ -16952,7 +16955,7 @@
         <p:spPr>
           <a:xfrm>
             <a:off x="1523880" y="0"/>
-            <a:ext cx="9136800" cy="699120"/>
+            <a:ext cx="9136440" cy="699120"/>
           </a:xfrm>
           <a:prstGeom prst="rect">
             <a:avLst/>
@@ -17007,7 +17010,7 @@
         <p:spPr>
           <a:xfrm>
             <a:off x="1600200" y="762120"/>
-            <a:ext cx="8984520" cy="2558520"/>
+            <a:ext cx="8984160" cy="2558520"/>
           </a:xfrm>
           <a:prstGeom prst="rect">
             <a:avLst/>
@@ -17108,7 +17111,7 @@
         <p:spPr>
           <a:xfrm>
             <a:off x="152280" y="152280"/>
-            <a:ext cx="1099440" cy="455400"/>
+            <a:ext cx="1099080" cy="455400"/>
           </a:xfrm>
           <a:prstGeom prst="rect">
             <a:avLst/>
@@ -17159,7 +17162,7 @@
         <p:spPr>
           <a:xfrm>
             <a:off x="1601280" y="3697560"/>
-            <a:ext cx="8983440" cy="699480"/>
+            <a:ext cx="8983080" cy="699480"/>
           </a:xfrm>
           <a:prstGeom prst="rect">
             <a:avLst/>
@@ -17230,7 +17233,7 @@
         <p:spPr>
           <a:xfrm>
             <a:off x="1600200" y="4629600"/>
-            <a:ext cx="8882640" cy="912600"/>
+            <a:ext cx="8882280" cy="912600"/>
           </a:xfrm>
           <a:prstGeom prst="rect">
             <a:avLst/>
@@ -17251,7 +17254,7 @@
             <a:spAutoFit/>
           </a:bodyPr>
           <a:p>
-            <a:pPr marL="285840" indent="-278640">
+            <a:pPr marL="285840" indent="-278280">
               <a:lnSpc>
                 <a:spcPct val="150000"/>
               </a:lnSpc>
@@ -17296,7 +17299,7 @@
             </a:endParaRPr>
           </a:p>
           <a:p>
-            <a:pPr marL="285840" indent="-278640">
+            <a:pPr marL="285840" indent="-278280">
               <a:lnSpc>
                 <a:spcPct val="150000"/>
               </a:lnSpc>
@@ -17416,7 +17419,7 @@
         <p:spPr>
           <a:xfrm>
             <a:off x="1676520" y="2362320"/>
-            <a:ext cx="8831880" cy="912600"/>
+            <a:ext cx="8831520" cy="912600"/>
           </a:xfrm>
           <a:prstGeom prst="rect">
             <a:avLst/>
@@ -17467,7 +17470,7 @@
         <p:spPr>
           <a:xfrm>
             <a:off x="522360" y="3531600"/>
-            <a:ext cx="11068920" cy="363960"/>
+            <a:ext cx="11068560" cy="363960"/>
           </a:xfrm>
           <a:prstGeom prst="rect">
             <a:avLst/>
@@ -17548,7 +17551,7 @@
         <p:spPr>
           <a:xfrm>
             <a:off x="1523880" y="0"/>
-            <a:ext cx="9136800" cy="699120"/>
+            <a:ext cx="9136440" cy="699120"/>
           </a:xfrm>
           <a:prstGeom prst="rect">
             <a:avLst/>
@@ -17603,7 +17606,7 @@
         <p:spPr>
           <a:xfrm>
             <a:off x="1600200" y="762120"/>
-            <a:ext cx="8984520" cy="2284200"/>
+            <a:ext cx="8984160" cy="2284200"/>
           </a:xfrm>
           <a:prstGeom prst="rect">
             <a:avLst/>
@@ -17804,7 +17807,7 @@
         <p:spPr>
           <a:xfrm>
             <a:off x="152280" y="152280"/>
-            <a:ext cx="1099440" cy="455400"/>
+            <a:ext cx="1099080" cy="455400"/>
           </a:xfrm>
           <a:prstGeom prst="rect">
             <a:avLst/>
@@ -17855,7 +17858,7 @@
         <p:spPr>
           <a:xfrm>
             <a:off x="1601280" y="3625560"/>
-            <a:ext cx="8983440" cy="699480"/>
+            <a:ext cx="8983080" cy="699480"/>
           </a:xfrm>
           <a:prstGeom prst="rect">
             <a:avLst/>
@@ -17926,7 +17929,7 @@
         <p:spPr>
           <a:xfrm>
             <a:off x="1600200" y="4521600"/>
-            <a:ext cx="8882640" cy="912600"/>
+            <a:ext cx="8882280" cy="912600"/>
           </a:xfrm>
           <a:prstGeom prst="rect">
             <a:avLst/>
@@ -17947,7 +17950,7 @@
             <a:spAutoFit/>
           </a:bodyPr>
           <a:p>
-            <a:pPr marL="285840" indent="-278640">
+            <a:pPr marL="285840" indent="-278280">
               <a:lnSpc>
                 <a:spcPct val="150000"/>
               </a:lnSpc>
@@ -17992,7 +17995,7 @@
             </a:endParaRPr>
           </a:p>
           <a:p>
-            <a:pPr marL="285840" indent="-278640">
+            <a:pPr marL="285840" indent="-278280">
               <a:lnSpc>
                 <a:spcPct val="150000"/>
               </a:lnSpc>
@@ -18082,7 +18085,7 @@
         <p:spPr>
           <a:xfrm>
             <a:off x="1224000" y="5904000"/>
-            <a:ext cx="8927280" cy="359280"/>
+            <a:ext cx="8926920" cy="358920"/>
           </a:xfrm>
           <a:prstGeom prst="rect">
             <a:avLst/>
@@ -18103,7 +18106,7 @@
             <a:noAutofit/>
           </a:bodyPr>
           <a:p>
-            <a:pPr marL="216000" indent="-215280">
+            <a:pPr marL="216000" indent="-214920">
               <a:lnSpc>
                 <a:spcPct val="100000"/>
               </a:lnSpc>
@@ -18169,7 +18172,7 @@
         <p:spPr>
           <a:xfrm>
             <a:off x="10585440" y="1036440"/>
-            <a:ext cx="1437840" cy="5658840"/>
+            <a:ext cx="1437480" cy="5658480"/>
           </a:xfrm>
           <a:prstGeom prst="rect">
             <a:avLst/>
@@ -18600,7 +18603,7 @@
         <p:spPr>
           <a:xfrm>
             <a:off x="1676520" y="2362320"/>
-            <a:ext cx="8831880" cy="912600"/>
+            <a:ext cx="8831520" cy="912600"/>
           </a:xfrm>
           <a:prstGeom prst="rect">
             <a:avLst/>
@@ -18651,7 +18654,7 @@
         <p:spPr>
           <a:xfrm>
             <a:off x="522360" y="3531600"/>
-            <a:ext cx="11068920" cy="363960"/>
+            <a:ext cx="11068560" cy="363960"/>
           </a:xfrm>
           <a:prstGeom prst="rect">
             <a:avLst/>
@@ -18732,7 +18735,7 @@
         <p:spPr>
           <a:xfrm>
             <a:off x="1523880" y="0"/>
-            <a:ext cx="9136800" cy="699120"/>
+            <a:ext cx="9136440" cy="699120"/>
           </a:xfrm>
           <a:prstGeom prst="rect">
             <a:avLst/>
@@ -18787,7 +18790,7 @@
         <p:spPr>
           <a:xfrm>
             <a:off x="1600200" y="762120"/>
-            <a:ext cx="8984520" cy="1736280"/>
+            <a:ext cx="8984160" cy="1735920"/>
           </a:xfrm>
           <a:prstGeom prst="rect">
             <a:avLst/>
@@ -18808,7 +18811,11 @@
             <a:spAutoFit/>
           </a:bodyPr>
           <a:p>
-            <a:pPr algn="just"/>
+            <a:pPr algn="just">
+              <a:lnSpc>
+                <a:spcPct val="100000"/>
+              </a:lnSpc>
+            </a:pPr>
             <a:r>
               <a:rPr b="1" lang="en-US" sz="1800" spc="-1" strike="noStrike">
                 <a:solidFill>
@@ -18821,157 +18828,13 @@
             </a:r>
             <a:r>
               <a:rPr b="0" lang="en-US" sz="1800" spc="-1" strike="noStrike">
+                <a:solidFill>
+                  <a:srgbClr val="000000"/>
+                </a:solidFill>
                 <a:latin typeface="Arial"/>
                 <a:ea typeface="DejaVu Sans"/>
               </a:rPr>
-              <a:t> command </a:t>
-            </a:r>
-            <a:r>
-              <a:rPr b="0" lang="en-US" sz="1800" spc="-1" strike="noStrike">
-                <a:latin typeface="Arial"/>
-                <a:ea typeface="DejaVu Sans"/>
-              </a:rPr>
-              <a:t>returns the index of </a:t>
-            </a:r>
-            <a:r>
-              <a:rPr b="0" lang="en-US" sz="1800" spc="-1" strike="noStrike">
-                <a:latin typeface="Arial"/>
-                <a:ea typeface="DejaVu Sans"/>
-              </a:rPr>
-              <a:t>matching elements </a:t>
-            </a:r>
-            <a:r>
-              <a:rPr b="0" lang="en-US" sz="1800" spc="-1" strike="noStrike">
-                <a:latin typeface="Arial"/>
-                <a:ea typeface="DejaVu Sans"/>
-              </a:rPr>
-              <a:t>inside a Redis list. By </a:t>
-            </a:r>
-            <a:r>
-              <a:rPr b="0" lang="en-US" sz="1800" spc="-1" strike="noStrike">
-                <a:latin typeface="Arial"/>
-                <a:ea typeface="DejaVu Sans"/>
-              </a:rPr>
-              <a:t>default, when no </a:t>
-            </a:r>
-            <a:r>
-              <a:rPr b="0" lang="en-US" sz="1800" spc="-1" strike="noStrike">
-                <a:latin typeface="Arial"/>
-                <a:ea typeface="DejaVu Sans"/>
-              </a:rPr>
-              <a:t>options are given, it will </a:t>
-            </a:r>
-            <a:r>
-              <a:rPr b="0" lang="en-US" sz="1800" spc="-1" strike="noStrike">
-                <a:latin typeface="Arial"/>
-                <a:ea typeface="DejaVu Sans"/>
-              </a:rPr>
-              <a:t>scan the list from head </a:t>
-            </a:r>
-            <a:r>
-              <a:rPr b="0" lang="en-US" sz="1800" spc="-1" strike="noStrike">
-                <a:latin typeface="Arial"/>
-                <a:ea typeface="DejaVu Sans"/>
-              </a:rPr>
-              <a:t>to tail, looking for the </a:t>
-            </a:r>
-            <a:r>
-              <a:rPr b="0" lang="en-US" sz="1800" spc="-1" strike="noStrike">
-                <a:latin typeface="Arial"/>
-                <a:ea typeface="DejaVu Sans"/>
-              </a:rPr>
-              <a:t>first match of </a:t>
-            </a:r>
-            <a:r>
-              <a:rPr b="0" lang="en-US" sz="1800" spc="-1" strike="noStrike">
-                <a:latin typeface="Arial"/>
-                <a:ea typeface="DejaVu Sans"/>
-              </a:rPr>
-              <a:t>"element". If the </a:t>
-            </a:r>
-            <a:r>
-              <a:rPr b="0" lang="en-US" sz="1800" spc="-1" strike="noStrike">
-                <a:latin typeface="Arial"/>
-                <a:ea typeface="DejaVu Sans"/>
-              </a:rPr>
-              <a:t>element is found, its </a:t>
-            </a:r>
-            <a:r>
-              <a:rPr b="0" lang="en-US" sz="1800" spc="-1" strike="noStrike">
-                <a:latin typeface="Arial"/>
-                <a:ea typeface="DejaVu Sans"/>
-              </a:rPr>
-              <a:t>index is returned. A </a:t>
-            </a:r>
-            <a:r>
-              <a:rPr b="0" lang="en-US" sz="1800" spc="-1" strike="noStrike">
-                <a:latin typeface="Arial"/>
-                <a:ea typeface="DejaVu Sans"/>
-              </a:rPr>
-              <a:t>rank of 1 means to </a:t>
-            </a:r>
-            <a:r>
-              <a:rPr b="0" lang="en-US" sz="1800" spc="-1" strike="noStrike">
-                <a:latin typeface="Arial"/>
-                <a:ea typeface="DejaVu Sans"/>
-              </a:rPr>
-              <a:t>return the first match, 2 </a:t>
-            </a:r>
-            <a:r>
-              <a:rPr b="0" lang="en-US" sz="1800" spc="-1" strike="noStrike">
-                <a:latin typeface="Arial"/>
-                <a:ea typeface="DejaVu Sans"/>
-              </a:rPr>
-              <a:t>to return the second </a:t>
-            </a:r>
-            <a:r>
-              <a:rPr b="0" lang="en-US" sz="1800" spc="-1" strike="noStrike">
-                <a:latin typeface="Arial"/>
-                <a:ea typeface="DejaVu Sans"/>
-              </a:rPr>
-              <a:t>match, and so forth. A </a:t>
-            </a:r>
-            <a:r>
-              <a:rPr b="0" lang="en-US" sz="1800" spc="-1" strike="noStrike">
-                <a:latin typeface="Arial"/>
-                <a:ea typeface="DejaVu Sans"/>
-              </a:rPr>
-              <a:t>negative "rank" as the </a:t>
-            </a:r>
-            <a:r>
-              <a:rPr b="0" lang="en-US" sz="1800" spc="-1" strike="noStrike">
-                <a:latin typeface="Arial"/>
-                <a:ea typeface="DejaVu Sans"/>
-              </a:rPr>
-              <a:t>RANK argument tells </a:t>
-            </a:r>
-            <a:r>
-              <a:rPr b="0" lang="en-US" sz="1800" spc="-1" strike="noStrike">
-                <a:latin typeface="Arial"/>
-                <a:ea typeface="DejaVu Sans"/>
-              </a:rPr>
-              <a:t>LPOS to invert the </a:t>
-            </a:r>
-            <a:r>
-              <a:rPr b="0" lang="en-US" sz="1800" spc="-1" strike="noStrike">
-                <a:latin typeface="Arial"/>
-                <a:ea typeface="DejaVu Sans"/>
-              </a:rPr>
-              <a:t>search direction, </a:t>
-            </a:r>
-            <a:r>
-              <a:rPr b="0" lang="en-US" sz="1800" spc="-1" strike="noStrike">
-                <a:latin typeface="Arial"/>
-                <a:ea typeface="DejaVu Sans"/>
-              </a:rPr>
-              <a:t>starting from the tail to </a:t>
-            </a:r>
-            <a:r>
-              <a:rPr b="0" lang="en-US" sz="1800" spc="-1" strike="noStrike">
-                <a:latin typeface="Arial"/>
-                <a:ea typeface="DejaVu Sans"/>
-              </a:rPr>
-              <a:t>the head.</a:t>
+              <a:t> command returns the index of matching elements inside a Redis list. By default, when no options are given, it will scan the list from head to tail, looking for the first match of "element". If the element is found, its index is returned. A rank of 1 means to return the first match, 2 to return the second match, and so forth. A negative "rank" as the RANK argument tells LPOS to invert the search direction, starting from the tail to the head.</a:t>
             </a:r>
             <a:endParaRPr b="0" lang="en-IN" sz="1800" spc="-1" strike="noStrike">
               <a:latin typeface="Arial"/>
@@ -18988,7 +18851,7 @@
         <p:spPr>
           <a:xfrm>
             <a:off x="152280" y="152280"/>
-            <a:ext cx="1099440" cy="455400"/>
+            <a:ext cx="1099080" cy="455400"/>
           </a:xfrm>
           <a:prstGeom prst="rect">
             <a:avLst/>
@@ -19039,7 +18902,7 @@
         <p:spPr>
           <a:xfrm>
             <a:off x="1601280" y="2941560"/>
-            <a:ext cx="8983440" cy="700200"/>
+            <a:ext cx="8983080" cy="699840"/>
           </a:xfrm>
           <a:prstGeom prst="rect">
             <a:avLst/>
@@ -19073,47 +18936,7 @@
                 <a:latin typeface="Consolas"/>
                 <a:ea typeface="DejaVu Sans"/>
               </a:rPr>
-              <a:t>LPOS key </a:t>
-            </a:r>
-            <a:r>
-              <a:rPr b="0" lang="en-US" sz="2000" spc="-1" strike="noStrike">
-                <a:solidFill>
-                  <a:srgbClr val="00b0f0"/>
-                </a:solidFill>
-                <a:latin typeface="Consolas"/>
-                <a:ea typeface="DejaVu Sans"/>
-              </a:rPr>
-              <a:t>element [RANK </a:t>
-            </a:r>
-            <a:r>
-              <a:rPr b="0" lang="en-US" sz="2000" spc="-1" strike="noStrike">
-                <a:solidFill>
-                  <a:srgbClr val="00b0f0"/>
-                </a:solidFill>
-                <a:latin typeface="Consolas"/>
-                <a:ea typeface="DejaVu Sans"/>
-              </a:rPr>
-              <a:t>rank] [COUNT </a:t>
-            </a:r>
-            <a:r>
-              <a:rPr b="0" lang="en-US" sz="2000" spc="-1" strike="noStrike">
-                <a:solidFill>
-                  <a:srgbClr val="00b0f0"/>
-                </a:solidFill>
-                <a:latin typeface="Consolas"/>
-                <a:ea typeface="DejaVu Sans"/>
-              </a:rPr>
-              <a:t>num-matches] </a:t>
-            </a:r>
-            <a:r>
-              <a:rPr b="0" lang="en-US" sz="2000" spc="-1" strike="noStrike">
-                <a:solidFill>
-                  <a:srgbClr val="00b0f0"/>
-                </a:solidFill>
-                <a:latin typeface="Consolas"/>
-                <a:ea typeface="DejaVu Sans"/>
-              </a:rPr>
-              <a:t>[MAXLEN len]</a:t>
+              <a:t>LPOS key element [RANK rank] [COUNT num-matches] [MAXLEN len]</a:t>
             </a:r>
             <a:endParaRPr b="0" lang="en-IN" sz="2000" spc="-1" strike="noStrike">
               <a:latin typeface="Arial"/>
@@ -19130,7 +18953,7 @@
         <p:spPr>
           <a:xfrm>
             <a:off x="1600200" y="3873600"/>
-            <a:ext cx="8882640" cy="1735560"/>
+            <a:ext cx="8882280" cy="1735560"/>
           </a:xfrm>
           <a:prstGeom prst="rect">
             <a:avLst/>
@@ -19151,7 +18974,7 @@
             <a:spAutoFit/>
           </a:bodyPr>
           <a:p>
-            <a:pPr marL="285840" indent="-278640">
+            <a:pPr marL="285840" indent="-278280">
               <a:lnSpc>
                 <a:spcPct val="150000"/>
               </a:lnSpc>
@@ -19196,7 +19019,7 @@
             </a:endParaRPr>
           </a:p>
           <a:p>
-            <a:pPr marL="285840" indent="-278640">
+            <a:pPr marL="285840" indent="-278280">
               <a:lnSpc>
                 <a:spcPct val="150000"/>
               </a:lnSpc>
@@ -19241,7 +19064,7 @@
             </a:endParaRPr>
           </a:p>
           <a:p>
-            <a:pPr marL="285840" indent="-278640">
+            <a:pPr marL="285840" indent="-278280">
               <a:lnSpc>
                 <a:spcPct val="150000"/>
               </a:lnSpc>
@@ -19286,7 +19109,7 @@
             </a:endParaRPr>
           </a:p>
           <a:p>
-            <a:pPr marL="285840" indent="-278640">
+            <a:pPr marL="285840" indent="-278280">
               <a:lnSpc>
                 <a:spcPct val="150000"/>
               </a:lnSpc>
@@ -19376,7 +19199,7 @@
         <p:spPr>
           <a:xfrm>
             <a:off x="1224000" y="5904000"/>
-            <a:ext cx="8927280" cy="359280"/>
+            <a:ext cx="8926920" cy="358920"/>
           </a:xfrm>
           <a:prstGeom prst="rect">
             <a:avLst/>
@@ -19397,7 +19220,7 @@
             <a:noAutofit/>
           </a:bodyPr>
           <a:p>
-            <a:pPr marL="216000" indent="-215280">
+            <a:pPr marL="216000" indent="-214920">
               <a:lnSpc>
                 <a:spcPct val="100000"/>
               </a:lnSpc>
@@ -19463,7 +19286,7 @@
         <p:spPr>
           <a:xfrm>
             <a:off x="10585440" y="1036440"/>
-            <a:ext cx="1437840" cy="5658840"/>
+            <a:ext cx="1437480" cy="5658480"/>
           </a:xfrm>
           <a:prstGeom prst="rect">
             <a:avLst/>
@@ -19893,8 +19716,8 @@
         </p:nvSpPr>
         <p:spPr>
           <a:xfrm>
-            <a:off x="1365840" y="188640"/>
-            <a:ext cx="9675720" cy="2192400"/>
+            <a:off x="1676520" y="2362320"/>
+            <a:ext cx="8831520" cy="912600"/>
           </a:xfrm>
           <a:prstGeom prst="rect">
             <a:avLst/>
@@ -19921,6 +19744,816 @@
               </a:lnSpc>
             </a:pPr>
             <a:r>
+              <a:rPr b="0" i="1" lang="en-IN" sz="5400" spc="-1" strike="noStrike">
+                <a:solidFill>
+                  <a:srgbClr val="f7c120"/>
+                </a:solidFill>
+                <a:latin typeface="Century"/>
+                <a:ea typeface="DejaVu Sans"/>
+              </a:rPr>
+              <a:t>redis Hashes</a:t>
+            </a:r>
+            <a:endParaRPr b="0" lang="en-IN" sz="5400" spc="-1" strike="noStrike">
+              <a:latin typeface="Arial"/>
+            </a:endParaRPr>
+          </a:p>
+        </p:txBody>
+      </p:sp>
+      <p:sp>
+        <p:nvSpPr>
+          <p:cNvPr id="288" name="CustomShape 2"/>
+          <p:cNvSpPr/>
+          <p:nvPr/>
+        </p:nvSpPr>
+        <p:spPr>
+          <a:xfrm>
+            <a:off x="1666800" y="609480"/>
+            <a:ext cx="8831520" cy="394560"/>
+          </a:xfrm>
+          <a:prstGeom prst="rect">
+            <a:avLst/>
+          </a:prstGeom>
+          <a:noFill/>
+          <a:ln>
+            <a:noFill/>
+          </a:ln>
+        </p:spPr>
+        <p:style>
+          <a:lnRef idx="0"/>
+          <a:fillRef idx="0"/>
+          <a:effectRef idx="0"/>
+          <a:fontRef idx="minor"/>
+        </p:style>
+        <p:txBody>
+          <a:bodyPr lIns="90000" rIns="90000" tIns="45000" bIns="45000">
+            <a:spAutoFit/>
+          </a:bodyPr>
+          <a:p>
+            <a:pPr algn="just">
+              <a:lnSpc>
+                <a:spcPct val="100000"/>
+              </a:lnSpc>
+            </a:pPr>
+            <a:r>
+              <a:rPr b="0" lang="en-IN" sz="2000" spc="-1" strike="noStrike">
+                <a:solidFill>
+                  <a:srgbClr val="3e5d78"/>
+                </a:solidFill>
+                <a:latin typeface="Times New Roman"/>
+                <a:ea typeface="DejaVu Sans"/>
+              </a:rPr>
+              <a:t>TODO</a:t>
+            </a:r>
+            <a:endParaRPr b="0" lang="en-IN" sz="2000" spc="-1" strike="noStrike">
+              <a:latin typeface="Arial"/>
+            </a:endParaRPr>
+          </a:p>
+        </p:txBody>
+      </p:sp>
+      <p:sp>
+        <p:nvSpPr>
+          <p:cNvPr id="289" name="CustomShape 3"/>
+          <p:cNvSpPr/>
+          <p:nvPr/>
+        </p:nvSpPr>
+        <p:spPr>
+          <a:xfrm>
+            <a:off x="522360" y="3531600"/>
+            <a:ext cx="11068560" cy="1735560"/>
+          </a:xfrm>
+          <a:prstGeom prst="rect">
+            <a:avLst/>
+          </a:prstGeom>
+          <a:noFill/>
+          <a:ln>
+            <a:noFill/>
+          </a:ln>
+        </p:spPr>
+        <p:style>
+          <a:lnRef idx="0"/>
+          <a:fillRef idx="0"/>
+          <a:effectRef idx="0"/>
+          <a:fontRef idx="minor"/>
+        </p:style>
+        <p:txBody>
+          <a:bodyPr lIns="90000" rIns="90000" tIns="45000" bIns="45000">
+            <a:spAutoFit/>
+          </a:bodyPr>
+          <a:p>
+            <a:pPr>
+              <a:lnSpc>
+                <a:spcPct val="100000"/>
+              </a:lnSpc>
+            </a:pPr>
+            <a:r>
+              <a:rPr b="0" lang="en-US" sz="1800" spc="-1" strike="noStrike">
+                <a:solidFill>
+                  <a:srgbClr val="bb0643"/>
+                </a:solidFill>
+                <a:latin typeface="Segoe UI"/>
+                <a:ea typeface="DejaVu Sans"/>
+              </a:rPr>
+              <a:t>A Redis hash is a data type that represents a mapping between a string field and a string value. Hashes can hold many field-value pairs and are designed to not take up much space, making them ideal for representing data objects. </a:t>
+            </a:r>
+            <a:endParaRPr b="0" lang="en-IN" sz="1800" spc="-1" strike="noStrike">
+              <a:latin typeface="Arial"/>
+            </a:endParaRPr>
+          </a:p>
+          <a:p>
+            <a:pPr>
+              <a:lnSpc>
+                <a:spcPct val="100000"/>
+              </a:lnSpc>
+            </a:pPr>
+            <a:endParaRPr b="0" lang="en-IN" sz="1800" spc="-1" strike="noStrike">
+              <a:latin typeface="Arial"/>
+            </a:endParaRPr>
+          </a:p>
+          <a:p>
+            <a:pPr marL="216000" indent="-216000">
+              <a:lnSpc>
+                <a:spcPct val="100000"/>
+              </a:lnSpc>
+              <a:buClr>
+                <a:srgbClr val="bb0643"/>
+              </a:buClr>
+              <a:buFont typeface="Wingdings" charset="2"/>
+              <a:buChar char=""/>
+            </a:pPr>
+            <a:r>
+              <a:rPr b="0" lang="en-US" sz="1800" spc="-1" strike="noStrike">
+                <a:solidFill>
+                  <a:srgbClr val="f50057"/>
+                </a:solidFill>
+                <a:latin typeface="Segoe UI"/>
+                <a:ea typeface="DejaVu Sans"/>
+              </a:rPr>
+              <a:t>For example,</a:t>
+            </a:r>
+            <a:r>
+              <a:rPr b="0" lang="en-US" sz="1800" spc="-1" strike="noStrike">
+                <a:solidFill>
+                  <a:srgbClr val="212121"/>
+                </a:solidFill>
+                <a:latin typeface="Segoe UI"/>
+                <a:ea typeface="DejaVu Sans"/>
+              </a:rPr>
+              <a:t> a hash might represent a customer, and include fields like name, address, email, or customer_id.</a:t>
+            </a:r>
+            <a:endParaRPr b="0" lang="en-IN" sz="1800" spc="-1" strike="noStrike">
+              <a:latin typeface="Arial"/>
+            </a:endParaRPr>
+          </a:p>
+        </p:txBody>
+      </p:sp>
+    </p:spTree>
+  </p:cSld>
+  <mc:AlternateContent>
+    <mc:Choice Requires="p14">
+      <p:transition spd="slow" p14:dur="2000"/>
+    </mc:Choice>
+    <mc:Fallback>
+      <p:transition spd="slow"/>
+    </mc:Fallback>
+  </mc:AlternateContent>
+</p:sld>
+</file>
+
+<file path=ppt/slides/slide47.xml><?xml version="1.0" encoding="utf-8"?>
+<p:sld xmlns:a="http://schemas.openxmlformats.org/drawingml/2006/main" xmlns:p="http://schemas.openxmlformats.org/presentationml/2006/main" xmlns:r="http://schemas.openxmlformats.org/officeDocument/2006/relationships" xmlns:p14="http://schemas.microsoft.com/office/powerpoint/2010/main" xmlns:p15="http://schemas.microsoft.com/office/powerpoint/2012/main" xmlns:mc="http://schemas.openxmlformats.org/markup-compatibility/2006">
+  <p:cSld>
+    <p:spTree>
+      <p:nvGrpSpPr>
+        <p:cNvPr id="1" name=""/>
+        <p:cNvGrpSpPr/>
+        <p:nvPr/>
+      </p:nvGrpSpPr>
+      <p:grpSpPr>
+        <a:xfrm>
+          <a:off x="0" y="0"/>
+          <a:ext cx="0" cy="0"/>
+          <a:chOff x="0" y="0"/>
+          <a:chExt cx="0" cy="0"/>
+        </a:xfrm>
+      </p:grpSpPr>
+      <p:sp>
+        <p:nvSpPr>
+          <p:cNvPr id="290" name="CustomShape 1"/>
+          <p:cNvSpPr/>
+          <p:nvPr/>
+        </p:nvSpPr>
+        <p:spPr>
+          <a:xfrm>
+            <a:off x="1676520" y="2362320"/>
+            <a:ext cx="8831520" cy="913320"/>
+          </a:xfrm>
+          <a:prstGeom prst="rect">
+            <a:avLst/>
+          </a:prstGeom>
+          <a:noFill/>
+          <a:ln>
+            <a:noFill/>
+          </a:ln>
+        </p:spPr>
+        <p:style>
+          <a:lnRef idx="0"/>
+          <a:fillRef idx="0"/>
+          <a:effectRef idx="0"/>
+          <a:fontRef idx="minor"/>
+        </p:style>
+        <p:txBody>
+          <a:bodyPr lIns="90000" rIns="90000" tIns="45000" bIns="45000">
+            <a:spAutoFit/>
+          </a:bodyPr>
+          <a:p>
+            <a:pPr algn="ctr">
+              <a:lnSpc>
+                <a:spcPct val="100000"/>
+              </a:lnSpc>
+            </a:pPr>
+            <a:r>
+              <a:rPr b="0" i="1" lang="en-IN" sz="5400" spc="-1" strike="noStrike">
+                <a:solidFill>
+                  <a:srgbClr val="f7c120"/>
+                </a:solidFill>
+                <a:latin typeface="Century"/>
+                <a:ea typeface="DejaVu Sans"/>
+              </a:rPr>
+              <a:t>hset key &amp; hget key</a:t>
+            </a:r>
+            <a:endParaRPr b="0" lang="en-IN" sz="5400" spc="-1" strike="noStrike">
+              <a:latin typeface="Arial"/>
+            </a:endParaRPr>
+          </a:p>
+        </p:txBody>
+      </p:sp>
+      <p:sp>
+        <p:nvSpPr>
+          <p:cNvPr id="291" name="CustomShape 2"/>
+          <p:cNvSpPr/>
+          <p:nvPr/>
+        </p:nvSpPr>
+        <p:spPr>
+          <a:xfrm>
+            <a:off x="522360" y="3531600"/>
+            <a:ext cx="11068560" cy="363960"/>
+          </a:xfrm>
+          <a:prstGeom prst="rect">
+            <a:avLst/>
+          </a:prstGeom>
+          <a:noFill/>
+          <a:ln>
+            <a:noFill/>
+          </a:ln>
+        </p:spPr>
+        <p:style>
+          <a:lnRef idx="0"/>
+          <a:fillRef idx="0"/>
+          <a:effectRef idx="0"/>
+          <a:fontRef idx="minor"/>
+        </p:style>
+        <p:txBody>
+          <a:bodyPr lIns="90000" rIns="90000" tIns="45000" bIns="45000">
+            <a:spAutoFit/>
+          </a:bodyPr>
+          <a:p>
+            <a:pPr algn="just">
+              <a:lnSpc>
+                <a:spcPct val="100000"/>
+              </a:lnSpc>
+            </a:pPr>
+            <a:r>
+              <a:rPr b="0" lang="en-IN" sz="1800" spc="-1" strike="noStrike">
+                <a:solidFill>
+                  <a:srgbClr val="bb0643"/>
+                </a:solidFill>
+                <a:latin typeface="Segoe UI"/>
+                <a:ea typeface="DejaVu Sans"/>
+              </a:rPr>
+              <a:t>TODO</a:t>
+            </a:r>
+            <a:endParaRPr b="0" lang="en-IN" sz="1800" spc="-1" strike="noStrike">
+              <a:latin typeface="Arial"/>
+            </a:endParaRPr>
+          </a:p>
+        </p:txBody>
+      </p:sp>
+    </p:spTree>
+  </p:cSld>
+  <mc:AlternateContent>
+    <mc:Choice Requires="p14">
+      <p:transition spd="slow" p14:dur="2000"/>
+    </mc:Choice>
+    <mc:Fallback>
+      <p:transition spd="slow"/>
+    </mc:Fallback>
+  </mc:AlternateContent>
+</p:sld>
+</file>
+
+<file path=ppt/slides/slide48.xml><?xml version="1.0" encoding="utf-8"?>
+<p:sld xmlns:a="http://schemas.openxmlformats.org/drawingml/2006/main" xmlns:p="http://schemas.openxmlformats.org/presentationml/2006/main" xmlns:r="http://schemas.openxmlformats.org/officeDocument/2006/relationships" xmlns:p14="http://schemas.microsoft.com/office/powerpoint/2010/main" xmlns:p15="http://schemas.microsoft.com/office/powerpoint/2012/main" xmlns:mc="http://schemas.openxmlformats.org/markup-compatibility/2006">
+  <p:cSld>
+    <p:spTree>
+      <p:nvGrpSpPr>
+        <p:cNvPr id="1" name=""/>
+        <p:cNvGrpSpPr/>
+        <p:nvPr/>
+      </p:nvGrpSpPr>
+      <p:grpSpPr>
+        <a:xfrm>
+          <a:off x="0" y="0"/>
+          <a:ext cx="0" cy="0"/>
+          <a:chOff x="0" y="0"/>
+          <a:chExt cx="0" cy="0"/>
+        </a:xfrm>
+      </p:grpSpPr>
+      <p:sp>
+        <p:nvSpPr>
+          <p:cNvPr id="292" name="CustomShape 1"/>
+          <p:cNvSpPr/>
+          <p:nvPr/>
+        </p:nvSpPr>
+        <p:spPr>
+          <a:xfrm>
+            <a:off x="1523880" y="0"/>
+            <a:ext cx="9136440" cy="699120"/>
+          </a:xfrm>
+          <a:prstGeom prst="rect">
+            <a:avLst/>
+          </a:prstGeom>
+          <a:solidFill>
+            <a:schemeClr val="accent6">
+              <a:lumMod val="75000"/>
+            </a:schemeClr>
+          </a:solidFill>
+          <a:ln>
+            <a:noFill/>
+          </a:ln>
+        </p:spPr>
+        <p:style>
+          <a:lnRef idx="0"/>
+          <a:fillRef idx="0"/>
+          <a:effectRef idx="0"/>
+          <a:fontRef idx="minor"/>
+        </p:style>
+        <p:txBody>
+          <a:bodyPr lIns="90000" rIns="90000" tIns="45000" bIns="45000">
+            <a:spAutoFit/>
+          </a:bodyPr>
+          <a:p>
+            <a:pPr algn="ctr">
+              <a:lnSpc>
+                <a:spcPct val="100000"/>
+              </a:lnSpc>
+            </a:pPr>
+            <a:r>
+              <a:rPr b="0" lang="en-IN" sz="4000" spc="-1" strike="noStrike">
+                <a:solidFill>
+                  <a:srgbClr val="f7c120"/>
+                </a:solidFill>
+                <a:latin typeface="Open Sans"/>
+                <a:ea typeface="DejaVu Sans"/>
+              </a:rPr>
+              <a:t>hset &amp; hget</a:t>
+            </a:r>
+            <a:endParaRPr b="0" lang="en-IN" sz="4000" spc="-1" strike="noStrike">
+              <a:latin typeface="Arial"/>
+            </a:endParaRPr>
+          </a:p>
+        </p:txBody>
+      </p:sp>
+      <p:sp>
+        <p:nvSpPr>
+          <p:cNvPr id="293" name="CustomShape 2"/>
+          <p:cNvSpPr/>
+          <p:nvPr/>
+        </p:nvSpPr>
+        <p:spPr>
+          <a:xfrm>
+            <a:off x="1600200" y="762120"/>
+            <a:ext cx="8984160" cy="1187640"/>
+          </a:xfrm>
+          <a:prstGeom prst="rect">
+            <a:avLst/>
+          </a:prstGeom>
+          <a:noFill/>
+          <a:ln>
+            <a:noFill/>
+          </a:ln>
+        </p:spPr>
+        <p:style>
+          <a:lnRef idx="0"/>
+          <a:fillRef idx="0"/>
+          <a:effectRef idx="0"/>
+          <a:fontRef idx="minor"/>
+        </p:style>
+        <p:txBody>
+          <a:bodyPr lIns="90000" rIns="90000" tIns="45000" bIns="45000">
+            <a:spAutoFit/>
+          </a:bodyPr>
+          <a:p>
+            <a:pPr algn="just"/>
+            <a:r>
+              <a:rPr b="1" lang="en-US" sz="1800" spc="-1" strike="noStrike">
+                <a:solidFill>
+                  <a:srgbClr val="7c4dff"/>
+                </a:solidFill>
+                <a:latin typeface="Arial"/>
+                <a:ea typeface="DejaVu Sans"/>
+              </a:rPr>
+              <a:t>HSET</a:t>
+            </a:r>
+            <a:r>
+              <a:rPr b="0" lang="en-US" sz="1800" spc="-1" strike="noStrike">
+                <a:latin typeface="Arial"/>
+                <a:ea typeface="DejaVu Sans"/>
+              </a:rPr>
+              <a:t> sets field in the hash stored at key to value. If key does not exist, a new key holding a hash is created. If field already exists in the hash, it is overwritten.</a:t>
+            </a:r>
+            <a:endParaRPr b="0" lang="en-IN" sz="1800" spc="-1" strike="noStrike">
+              <a:latin typeface="Arial"/>
+            </a:endParaRPr>
+          </a:p>
+          <a:p>
+            <a:pPr algn="just">
+              <a:lnSpc>
+                <a:spcPct val="100000"/>
+              </a:lnSpc>
+            </a:pPr>
+            <a:endParaRPr b="0" lang="en-IN" sz="1800" spc="-1" strike="noStrike">
+              <a:latin typeface="Arial"/>
+            </a:endParaRPr>
+          </a:p>
+          <a:p>
+            <a:pPr algn="just"/>
+            <a:r>
+              <a:rPr b="1" lang="en-US" sz="1800" spc="-1" strike="noStrike">
+                <a:solidFill>
+                  <a:srgbClr val="7c4dff"/>
+                </a:solidFill>
+                <a:latin typeface="Arial"/>
+                <a:ea typeface="DejaVu Sans"/>
+              </a:rPr>
+              <a:t>HGET</a:t>
+            </a:r>
+            <a:r>
+              <a:rPr b="0" lang="en-US" sz="1800" spc="-1" strike="noStrike">
+                <a:latin typeface="Arial"/>
+                <a:ea typeface="DejaVu Sans"/>
+              </a:rPr>
+              <a:t> returns the value associated with field in the hash stored at key.</a:t>
+            </a:r>
+            <a:endParaRPr b="0" lang="en-IN" sz="1800" spc="-1" strike="noStrike">
+              <a:latin typeface="Arial"/>
+            </a:endParaRPr>
+          </a:p>
+        </p:txBody>
+      </p:sp>
+      <p:sp>
+        <p:nvSpPr>
+          <p:cNvPr id="294" name="CustomShape 3"/>
+          <p:cNvSpPr/>
+          <p:nvPr/>
+        </p:nvSpPr>
+        <p:spPr>
+          <a:xfrm>
+            <a:off x="152280" y="152280"/>
+            <a:ext cx="1099080" cy="455400"/>
+          </a:xfrm>
+          <a:prstGeom prst="rect">
+            <a:avLst/>
+          </a:prstGeom>
+          <a:noFill/>
+          <a:ln>
+            <a:noFill/>
+          </a:ln>
+        </p:spPr>
+        <p:style>
+          <a:lnRef idx="0"/>
+          <a:fillRef idx="0"/>
+          <a:effectRef idx="0"/>
+          <a:fontRef idx="minor"/>
+        </p:style>
+        <p:txBody>
+          <a:bodyPr lIns="90000" rIns="90000" tIns="45000" bIns="45000">
+            <a:spAutoFit/>
+          </a:bodyPr>
+          <a:p>
+            <a:pPr algn="just">
+              <a:lnSpc>
+                <a:spcPct val="100000"/>
+              </a:lnSpc>
+            </a:pPr>
+            <a:r>
+              <a:rPr b="0" lang="en-IN" sz="2400" spc="-1" strike="noStrike">
+                <a:solidFill>
+                  <a:srgbClr val="ff0000"/>
+                </a:solidFill>
+                <a:latin typeface="Times New Roman"/>
+                <a:ea typeface="DejaVu Sans"/>
+              </a:rPr>
+              <a:t>TODO</a:t>
+            </a:r>
+            <a:endParaRPr b="0" lang="en-IN" sz="2400" spc="-1" strike="noStrike">
+              <a:latin typeface="Arial"/>
+            </a:endParaRPr>
+          </a:p>
+        </p:txBody>
+      </p:sp>
+      <p:sp>
+        <p:nvSpPr>
+          <p:cNvPr id="295" name="CustomShape 4"/>
+          <p:cNvSpPr/>
+          <p:nvPr/>
+        </p:nvSpPr>
+        <p:spPr>
+          <a:xfrm>
+            <a:off x="1601280" y="2581560"/>
+            <a:ext cx="8983080" cy="699480"/>
+          </a:xfrm>
+          <a:prstGeom prst="rect">
+            <a:avLst/>
+          </a:prstGeom>
+          <a:noFill/>
+          <a:ln>
+            <a:noFill/>
+          </a:ln>
+        </p:spPr>
+        <p:style>
+          <a:lnRef idx="0"/>
+          <a:fillRef idx="0"/>
+          <a:effectRef idx="0"/>
+          <a:fontRef idx="minor"/>
+        </p:style>
+        <p:txBody>
+          <a:bodyPr lIns="90000" rIns="90000" tIns="45000" bIns="45000">
+            <a:spAutoFit/>
+          </a:bodyPr>
+          <a:p>
+            <a:pPr>
+              <a:lnSpc>
+                <a:spcPct val="100000"/>
+              </a:lnSpc>
+            </a:pPr>
+            <a:r>
+              <a:rPr b="0" lang="en-US" sz="2000" spc="-1" strike="noStrike">
+                <a:solidFill>
+                  <a:srgbClr val="00b0f0"/>
+                </a:solidFill>
+                <a:latin typeface="Consolas"/>
+                <a:ea typeface="DejaVu Sans"/>
+              </a:rPr>
+              <a:t>HSET key field value [field value ...]</a:t>
+            </a:r>
+            <a:endParaRPr b="0" lang="en-IN" sz="2000" spc="-1" strike="noStrike">
+              <a:latin typeface="Arial"/>
+            </a:endParaRPr>
+          </a:p>
+          <a:p>
+            <a:pPr>
+              <a:lnSpc>
+                <a:spcPct val="100000"/>
+              </a:lnSpc>
+            </a:pPr>
+            <a:r>
+              <a:rPr b="0" lang="en-US" sz="2000" spc="-1" strike="noStrike">
+                <a:solidFill>
+                  <a:srgbClr val="00b0f0"/>
+                </a:solidFill>
+                <a:latin typeface="Consolas"/>
+                <a:ea typeface="DejaVu Sans"/>
+              </a:rPr>
+              <a:t>HGET key field</a:t>
+            </a:r>
+            <a:endParaRPr b="0" lang="en-IN" sz="2000" spc="-1" strike="noStrike">
+              <a:latin typeface="Arial"/>
+            </a:endParaRPr>
+          </a:p>
+        </p:txBody>
+      </p:sp>
+      <p:sp>
+        <p:nvSpPr>
+          <p:cNvPr id="296" name="CustomShape 5"/>
+          <p:cNvSpPr/>
+          <p:nvPr/>
+        </p:nvSpPr>
+        <p:spPr>
+          <a:xfrm>
+            <a:off x="1600200" y="3513600"/>
+            <a:ext cx="8882280" cy="912600"/>
+          </a:xfrm>
+          <a:prstGeom prst="rect">
+            <a:avLst/>
+          </a:prstGeom>
+          <a:noFill/>
+          <a:ln>
+            <a:noFill/>
+          </a:ln>
+        </p:spPr>
+        <p:style>
+          <a:lnRef idx="0"/>
+          <a:fillRef idx="0"/>
+          <a:effectRef idx="0"/>
+          <a:fontRef idx="minor"/>
+        </p:style>
+        <p:txBody>
+          <a:bodyPr lIns="90000" rIns="90000" tIns="45000" bIns="45000">
+            <a:spAutoFit/>
+          </a:bodyPr>
+          <a:p>
+            <a:pPr marL="285840" indent="-278280">
+              <a:lnSpc>
+                <a:spcPct val="150000"/>
+              </a:lnSpc>
+              <a:buClr>
+                <a:srgbClr val="808080"/>
+              </a:buClr>
+              <a:buFont typeface="Arial"/>
+              <a:buChar char="•"/>
+            </a:pPr>
+            <a:r>
+              <a:rPr b="0" lang="en-IN" sz="1800" spc="-1" strike="noStrike">
+                <a:solidFill>
+                  <a:srgbClr val="808080"/>
+                </a:solidFill>
+                <a:latin typeface="Consolas"/>
+                <a:ea typeface="SimSun"/>
+              </a:rPr>
+              <a:t>127.0.0.1:6379&gt;</a:t>
+            </a:r>
+            <a:r>
+              <a:rPr b="0" lang="en-IN" sz="1800" spc="-1" strike="noStrike">
+                <a:solidFill>
+                  <a:srgbClr val="000000"/>
+                </a:solidFill>
+                <a:latin typeface="Consolas"/>
+                <a:ea typeface="SimSun"/>
+              </a:rPr>
+              <a:t> </a:t>
+            </a:r>
+            <a:r>
+              <a:rPr b="0" lang="en-IN" sz="1800" spc="-1" strike="noStrike">
+                <a:solidFill>
+                  <a:srgbClr val="ff5733"/>
+                </a:solidFill>
+                <a:latin typeface="Consolas"/>
+                <a:ea typeface="SimSun"/>
+              </a:rPr>
+              <a:t>lpop fruits 2</a:t>
+            </a:r>
+            <a:endParaRPr b="0" lang="en-IN" sz="1800" spc="-1" strike="noStrike">
+              <a:latin typeface="Arial"/>
+            </a:endParaRPr>
+          </a:p>
+          <a:p>
+            <a:pPr marL="285840" indent="-278280">
+              <a:lnSpc>
+                <a:spcPct val="150000"/>
+              </a:lnSpc>
+              <a:buClr>
+                <a:srgbClr val="808080"/>
+              </a:buClr>
+              <a:buFont typeface="Arial"/>
+              <a:buChar char="•"/>
+            </a:pPr>
+            <a:r>
+              <a:rPr b="0" lang="en-IN" sz="1800" spc="-1" strike="noStrike">
+                <a:solidFill>
+                  <a:srgbClr val="808080"/>
+                </a:solidFill>
+                <a:latin typeface="Consolas"/>
+                <a:ea typeface="SimSun"/>
+              </a:rPr>
+              <a:t>127.0.0.1:6379&gt;</a:t>
+            </a:r>
+            <a:r>
+              <a:rPr b="0" lang="en-IN" sz="1800" spc="-1" strike="noStrike">
+                <a:solidFill>
+                  <a:srgbClr val="000000"/>
+                </a:solidFill>
+                <a:latin typeface="Consolas"/>
+                <a:ea typeface="SimSun"/>
+              </a:rPr>
+              <a:t> </a:t>
+            </a:r>
+            <a:r>
+              <a:rPr b="0" lang="en-IN" sz="1800" spc="-1" strike="noStrike">
+                <a:solidFill>
+                  <a:srgbClr val="ff5733"/>
+                </a:solidFill>
+                <a:latin typeface="Consolas"/>
+                <a:ea typeface="SimSun"/>
+              </a:rPr>
+              <a:t>rpop fruits 2</a:t>
+            </a:r>
+            <a:endParaRPr b="0" lang="en-IN" sz="1800" spc="-1" strike="noStrike">
+              <a:latin typeface="Arial"/>
+            </a:endParaRPr>
+          </a:p>
+        </p:txBody>
+      </p:sp>
+      <p:sp>
+        <p:nvSpPr>
+          <p:cNvPr id="297" name="Line 6"/>
+          <p:cNvSpPr/>
+          <p:nvPr/>
+        </p:nvSpPr>
+        <p:spPr>
+          <a:xfrm>
+            <a:off x="1523880" y="2305080"/>
+            <a:ext cx="9144000" cy="1440"/>
+          </a:xfrm>
+          <a:prstGeom prst="line">
+            <a:avLst/>
+          </a:prstGeom>
+          <a:ln w="12600">
+            <a:solidFill>
+              <a:srgbClr val="6e78a0"/>
+            </a:solidFill>
+            <a:prstDash val="dash"/>
+            <a:round/>
+          </a:ln>
+        </p:spPr>
+        <p:style>
+          <a:lnRef idx="1">
+            <a:schemeClr val="accent1"/>
+          </a:lnRef>
+          <a:fillRef idx="0">
+            <a:schemeClr val="accent1"/>
+          </a:fillRef>
+          <a:effectRef idx="0">
+            <a:schemeClr val="accent1"/>
+          </a:effectRef>
+          <a:fontRef idx="minor"/>
+        </p:style>
+      </p:sp>
+    </p:spTree>
+  </p:cSld>
+  <mc:AlternateContent>
+    <mc:Choice Requires="p14">
+      <p:transition spd="slow" p14:dur="2000"/>
+    </mc:Choice>
+    <mc:Fallback>
+      <p:transition spd="slow"/>
+    </mc:Fallback>
+  </mc:AlternateContent>
+</p:sld>
+</file>
+
+<file path=ppt/slides/slide49.xml><?xml version="1.0" encoding="utf-8"?>
+<p:sld xmlns:a="http://schemas.openxmlformats.org/drawingml/2006/main" xmlns:p="http://schemas.openxmlformats.org/presentationml/2006/main" xmlns:r="http://schemas.openxmlformats.org/officeDocument/2006/relationships" xmlns:p14="http://schemas.microsoft.com/office/powerpoint/2010/main" xmlns:p15="http://schemas.microsoft.com/office/powerpoint/2012/main" xmlns:mc="http://schemas.openxmlformats.org/markup-compatibility/2006">
+  <p:cSld>
+    <p:spTree>
+      <p:nvGrpSpPr>
+        <p:cNvPr id="1" name=""/>
+        <p:cNvGrpSpPr/>
+        <p:nvPr/>
+      </p:nvGrpSpPr>
+      <p:grpSpPr>
+        <a:xfrm>
+          <a:off x="0" y="0"/>
+          <a:ext cx="0" cy="0"/>
+          <a:chOff x="0" y="0"/>
+          <a:chExt cx="0" cy="0"/>
+        </a:xfrm>
+      </p:grpSpPr>
+      <p:sp>
+        <p:nvSpPr>
+          <p:cNvPr id="298" name="CustomShape 1"/>
+          <p:cNvSpPr/>
+          <p:nvPr/>
+        </p:nvSpPr>
+        <p:spPr>
+          <a:xfrm>
+            <a:off x="1365840" y="188640"/>
+            <a:ext cx="9675360" cy="2192400"/>
+          </a:xfrm>
+          <a:prstGeom prst="rect">
+            <a:avLst/>
+          </a:prstGeom>
+          <a:noFill/>
+          <a:ln>
+            <a:noFill/>
+          </a:ln>
+        </p:spPr>
+        <p:style>
+          <a:lnRef idx="0"/>
+          <a:fillRef idx="0"/>
+          <a:effectRef idx="0"/>
+          <a:fontRef idx="minor"/>
+        </p:style>
+        <p:txBody>
+          <a:bodyPr lIns="90000" rIns="90000" tIns="45000" bIns="45000">
+            <a:spAutoFit/>
+          </a:bodyPr>
+          <a:p>
+            <a:pPr algn="ctr">
+              <a:lnSpc>
+                <a:spcPct val="100000"/>
+              </a:lnSpc>
+            </a:pPr>
+            <a:r>
               <a:rPr b="0" lang="en-IN" sz="4000" spc="-1" strike="noStrike">
                 <a:solidFill>
                   <a:srgbClr val="ff5733"/>
@@ -19978,7 +20611,7 @@
       </p:sp>
       <p:pic>
         <p:nvPicPr>
-          <p:cNvPr id="288" name="Picture 2" descr="http://www.bvctch.vn/vnt_upload/weblink/thks.jpg"/>
+          <p:cNvPr id="299" name="Picture 2" descr="http://www.bvctch.vn/vnt_upload/weblink/thks.jpg"/>
           <p:cNvPicPr/>
           <p:nvPr/>
         </p:nvPicPr>
@@ -19989,7 +20622,7 @@
         <p:spPr>
           <a:xfrm>
             <a:off x="4404600" y="2036160"/>
-            <a:ext cx="3119400" cy="4656240"/>
+            <a:ext cx="3119040" cy="4655880"/>
           </a:xfrm>
           <a:prstGeom prst="rect">
             <a:avLst/>
@@ -20073,7 +20706,7 @@
         <p:spPr>
           <a:xfrm>
             <a:off x="1523880" y="0"/>
-            <a:ext cx="9136800" cy="699120"/>
+            <a:ext cx="9136440" cy="699120"/>
           </a:xfrm>
           <a:prstGeom prst="rect">
             <a:avLst/>
@@ -20128,7 +20761,7 @@
         <p:spPr>
           <a:xfrm>
             <a:off x="1600200" y="762120"/>
-            <a:ext cx="8984520" cy="638280"/>
+            <a:ext cx="8984160" cy="638280"/>
           </a:xfrm>
           <a:prstGeom prst="rect">
             <a:avLst/>
@@ -20189,7 +20822,7 @@
         <p:spPr>
           <a:xfrm>
             <a:off x="152280" y="152280"/>
-            <a:ext cx="1099440" cy="455400"/>
+            <a:ext cx="1099080" cy="455400"/>
           </a:xfrm>
           <a:prstGeom prst="rect">
             <a:avLst/>
@@ -20240,7 +20873,7 @@
         <p:spPr>
           <a:xfrm>
             <a:off x="1601280" y="2221560"/>
-            <a:ext cx="8983440" cy="699480"/>
+            <a:ext cx="8983080" cy="699480"/>
           </a:xfrm>
           <a:prstGeom prst="rect">
             <a:avLst/>
@@ -20311,7 +20944,7 @@
         <p:spPr>
           <a:xfrm>
             <a:off x="1523880" y="2940480"/>
-            <a:ext cx="9413640" cy="1735560"/>
+            <a:ext cx="9413280" cy="1735560"/>
           </a:xfrm>
           <a:prstGeom prst="rect">
             <a:avLst/>
@@ -20332,7 +20965,7 @@
             <a:spAutoFit/>
           </a:bodyPr>
           <a:p>
-            <a:pPr marL="285840" indent="-278640">
+            <a:pPr marL="285840" indent="-278280">
               <a:lnSpc>
                 <a:spcPct val="150000"/>
               </a:lnSpc>
@@ -20377,7 +21010,7 @@
             </a:endParaRPr>
           </a:p>
           <a:p>
-            <a:pPr marL="285840" indent="-278640">
+            <a:pPr marL="285840" indent="-278280">
               <a:lnSpc>
                 <a:spcPct val="150000"/>
               </a:lnSpc>
@@ -20452,7 +21085,7 @@
             </a:endParaRPr>
           </a:p>
           <a:p>
-            <a:pPr marL="285840" indent="-278640">
+            <a:pPr marL="285840" indent="-278280">
               <a:lnSpc>
                 <a:spcPct val="150000"/>
               </a:lnSpc>
@@ -20517,7 +21150,7 @@
             </a:endParaRPr>
           </a:p>
           <a:p>
-            <a:pPr marL="285840" indent="-278640">
+            <a:pPr marL="285840" indent="-278280">
               <a:lnSpc>
                 <a:spcPct val="150000"/>
               </a:lnSpc>
@@ -20582,7 +21215,7 @@
         <p:spPr>
           <a:xfrm>
             <a:off x="1584000" y="4889520"/>
-            <a:ext cx="8849160" cy="1009800"/>
+            <a:ext cx="8848800" cy="1009440"/>
           </a:xfrm>
           <a:prstGeom prst="rect">
             <a:avLst/>
@@ -20633,7 +21266,7 @@
             </a:endParaRPr>
           </a:p>
           <a:p>
-            <a:pPr marL="216000" indent="-209160">
+            <a:pPr marL="216000" indent="-208800">
               <a:lnSpc>
                 <a:spcPct val="100000"/>
               </a:lnSpc>
@@ -20759,7 +21392,7 @@
         <p:spPr>
           <a:xfrm>
             <a:off x="1676520" y="2362320"/>
-            <a:ext cx="8831880" cy="912600"/>
+            <a:ext cx="8831520" cy="912600"/>
           </a:xfrm>
           <a:prstGeom prst="rect">
             <a:avLst/>
@@ -20810,7 +21443,7 @@
         <p:spPr>
           <a:xfrm>
             <a:off x="1666800" y="609480"/>
-            <a:ext cx="8831880" cy="394560"/>
+            <a:ext cx="8831520" cy="394560"/>
           </a:xfrm>
           <a:prstGeom prst="rect">
             <a:avLst/>
@@ -20861,7 +21494,7 @@
         <p:spPr>
           <a:xfrm>
             <a:off x="522360" y="3531600"/>
-            <a:ext cx="11068920" cy="638280"/>
+            <a:ext cx="11068560" cy="638280"/>
           </a:xfrm>
           <a:prstGeom prst="rect">
             <a:avLst/>
@@ -20942,7 +21575,7 @@
         <p:spPr>
           <a:xfrm>
             <a:off x="1676520" y="2362320"/>
-            <a:ext cx="8831880" cy="912600"/>
+            <a:ext cx="8831520" cy="912600"/>
           </a:xfrm>
           <a:prstGeom prst="rect">
             <a:avLst/>
@@ -20993,7 +21626,7 @@
         <p:spPr>
           <a:xfrm>
             <a:off x="522360" y="3531600"/>
-            <a:ext cx="11068920" cy="363960"/>
+            <a:ext cx="11068560" cy="363960"/>
           </a:xfrm>
           <a:prstGeom prst="rect">
             <a:avLst/>
@@ -21109,7 +21742,7 @@
         <p:spPr>
           <a:xfrm>
             <a:off x="1523880" y="0"/>
-            <a:ext cx="9136800" cy="699120"/>
+            <a:ext cx="9136440" cy="699120"/>
           </a:xfrm>
           <a:prstGeom prst="rect">
             <a:avLst/>
@@ -21164,7 +21797,7 @@
         <p:spPr>
           <a:xfrm>
             <a:off x="1600200" y="762120"/>
-            <a:ext cx="8984520" cy="912600"/>
+            <a:ext cx="8984160" cy="912600"/>
           </a:xfrm>
           <a:prstGeom prst="rect">
             <a:avLst/>
@@ -21225,7 +21858,7 @@
         <p:spPr>
           <a:xfrm>
             <a:off x="1523880" y="4272480"/>
-            <a:ext cx="8882640" cy="2558520"/>
+            <a:ext cx="8882280" cy="2558520"/>
           </a:xfrm>
           <a:prstGeom prst="rect">
             <a:avLst/>
@@ -21246,7 +21879,7 @@
             <a:spAutoFit/>
           </a:bodyPr>
           <a:p>
-            <a:pPr marL="285840" indent="-278640">
+            <a:pPr marL="285840" indent="-278280">
               <a:lnSpc>
                 <a:spcPct val="150000"/>
               </a:lnSpc>
@@ -21291,7 +21924,7 @@
             </a:endParaRPr>
           </a:p>
           <a:p>
-            <a:pPr marL="285840" indent="-278640">
+            <a:pPr marL="285840" indent="-278280">
               <a:lnSpc>
                 <a:spcPct val="150000"/>
               </a:lnSpc>
@@ -21336,7 +21969,7 @@
             </a:endParaRPr>
           </a:p>
           <a:p>
-            <a:pPr marL="285840" indent="-278640">
+            <a:pPr marL="285840" indent="-278280">
               <a:lnSpc>
                 <a:spcPct val="150000"/>
               </a:lnSpc>
@@ -21381,7 +22014,7 @@
             </a:endParaRPr>
           </a:p>
           <a:p>
-            <a:pPr marL="285840" indent="-278640">
+            <a:pPr marL="285840" indent="-278280">
               <a:lnSpc>
                 <a:spcPct val="150000"/>
               </a:lnSpc>
@@ -21426,7 +22059,7 @@
             </a:endParaRPr>
           </a:p>
           <a:p>
-            <a:pPr marL="285840" indent="-278640">
+            <a:pPr marL="285840" indent="-278280">
               <a:lnSpc>
                 <a:spcPct val="150000"/>
               </a:lnSpc>
@@ -21461,7 +22094,7 @@
             </a:endParaRPr>
           </a:p>
           <a:p>
-            <a:pPr marL="285840" indent="-278640">
+            <a:pPr marL="285840" indent="-278280">
               <a:lnSpc>
                 <a:spcPct val="150000"/>
               </a:lnSpc>
@@ -22026,7 +22659,7 @@
         <p:spPr>
           <a:xfrm>
             <a:off x="1601280" y="2221560"/>
-            <a:ext cx="8983440" cy="394560"/>
+            <a:ext cx="8983080" cy="394560"/>
           </a:xfrm>
           <a:prstGeom prst="rect">
             <a:avLst/>
@@ -22107,7 +22740,7 @@
         <p:spPr>
           <a:xfrm>
             <a:off x="1676520" y="2362320"/>
-            <a:ext cx="8831880" cy="912600"/>
+            <a:ext cx="8831520" cy="912600"/>
           </a:xfrm>
           <a:prstGeom prst="rect">
             <a:avLst/>
@@ -22158,7 +22791,7 @@
         <p:spPr>
           <a:xfrm>
             <a:off x="522360" y="3531600"/>
-            <a:ext cx="11068920" cy="363960"/>
+            <a:ext cx="11068560" cy="363960"/>
           </a:xfrm>
           <a:prstGeom prst="rect">
             <a:avLst/>

--- a/redis ver1.pptx
+++ b/redis ver1.pptx
@@ -55,6 +55,8 @@
     <p:sldId id="302" r:id="rId50"/>
     <p:sldId id="303" r:id="rId51"/>
     <p:sldId id="304" r:id="rId52"/>
+    <p:sldId id="305" r:id="rId53"/>
+    <p:sldId id="306" r:id="rId54"/>
   </p:sldIdLst>
   <p:sldSz cx="12192000" cy="6858000"/>
   <p:notesSz cx="7559675" cy="10691812"/>
@@ -2863,8 +2865,8 @@
         </p:nvSpPr>
         <p:spPr>
           <a:xfrm rot="5400000">
-            <a:off x="597960" y="6447240"/>
-            <a:ext cx="183240" cy="153000"/>
+            <a:off x="598320" y="6447240"/>
+            <a:ext cx="182880" cy="152640"/>
           </a:xfrm>
           <a:prstGeom prst="triangle">
             <a:avLst>
@@ -2905,7 +2907,7 @@
         <p:spPr>
           <a:xfrm>
             <a:off x="1206360" y="3648240"/>
-            <a:ext cx="9745920" cy="1272600"/>
+            <a:ext cx="9745560" cy="1272240"/>
           </a:xfrm>
           <a:prstGeom prst="rect">
             <a:avLst/>
@@ -2947,7 +2949,7 @@
         <p:spPr>
           <a:xfrm>
             <a:off x="1219320" y="5638680"/>
-            <a:ext cx="9745920" cy="678240"/>
+            <a:ext cx="9745560" cy="677880"/>
           </a:xfrm>
           <a:prstGeom prst="rect">
             <a:avLst/>
@@ -2989,7 +2991,7 @@
         <p:spPr>
           <a:xfrm>
             <a:off x="1206360" y="3648240"/>
-            <a:ext cx="297360" cy="1272600"/>
+            <a:ext cx="297000" cy="1272240"/>
           </a:xfrm>
           <a:prstGeom prst="rect">
             <a:avLst/>
@@ -3028,7 +3030,7 @@
         <p:spPr>
           <a:xfrm>
             <a:off x="1219320" y="5638680"/>
-            <a:ext cx="297360" cy="678240"/>
+            <a:ext cx="297000" cy="677880"/>
           </a:xfrm>
           <a:prstGeom prst="rect">
             <a:avLst/>
@@ -3384,8 +3386,8 @@
         </p:nvSpPr>
         <p:spPr>
           <a:xfrm rot="5400000">
-            <a:off x="597960" y="6447240"/>
-            <a:ext cx="183240" cy="153000"/>
+            <a:off x="598320" y="6447240"/>
+            <a:ext cx="182880" cy="152640"/>
           </a:xfrm>
           <a:prstGeom prst="triangle">
             <a:avLst>
@@ -3454,8 +3456,8 @@
         </p:nvSpPr>
         <p:spPr>
           <a:xfrm rot="5400000">
-            <a:off x="597960" y="6447240"/>
-            <a:ext cx="183240" cy="153000"/>
+            <a:off x="598320" y="6447240"/>
+            <a:ext cx="182880" cy="152640"/>
           </a:xfrm>
           <a:prstGeom prst="triangle">
             <a:avLst>
@@ -3749,7 +3751,7 @@
         <p:spPr>
           <a:xfrm>
             <a:off x="1975680" y="3733920"/>
-            <a:ext cx="8526960" cy="983160"/>
+            <a:ext cx="8526600" cy="982800"/>
           </a:xfrm>
           <a:prstGeom prst="rect">
             <a:avLst/>
@@ -3806,7 +3808,7 @@
         <p:spPr>
           <a:xfrm>
             <a:off x="181440" y="2001960"/>
-            <a:ext cx="2846880" cy="2846880"/>
+            <a:ext cx="2846520" cy="2846520"/>
           </a:xfrm>
           <a:prstGeom prst="rect">
             <a:avLst/>
@@ -3825,7 +3827,7 @@
         <p:spPr>
           <a:xfrm>
             <a:off x="4444920" y="5050800"/>
-            <a:ext cx="6057360" cy="580320"/>
+            <a:ext cx="6057000" cy="579960"/>
           </a:xfrm>
           <a:prstGeom prst="rect">
             <a:avLst/>
@@ -3888,7 +3890,7 @@
         <p:spPr>
           <a:xfrm>
             <a:off x="181440" y="196560"/>
-            <a:ext cx="2846880" cy="1060200"/>
+            <a:ext cx="2846520" cy="1059840"/>
           </a:xfrm>
           <a:prstGeom prst="rect">
             <a:avLst/>
@@ -3907,7 +3909,7 @@
         <p:spPr>
           <a:xfrm>
             <a:off x="3557880" y="93600"/>
-            <a:ext cx="8445240" cy="3045240"/>
+            <a:ext cx="8444880" cy="3045240"/>
           </a:xfrm>
           <a:prstGeom prst="rect">
             <a:avLst/>
@@ -3992,7 +3994,7 @@
         <p:spPr>
           <a:xfrm>
             <a:off x="181440" y="196920"/>
-            <a:ext cx="2848680" cy="1062000"/>
+            <a:ext cx="2848320" cy="1061640"/>
           </a:xfrm>
           <a:prstGeom prst="rect">
             <a:avLst/>
@@ -4015,7 +4017,7 @@
         <p:spPr>
           <a:xfrm>
             <a:off x="181440" y="2001960"/>
-            <a:ext cx="2849760" cy="2849760"/>
+            <a:ext cx="2849400" cy="2849400"/>
           </a:xfrm>
           <a:prstGeom prst="rect">
             <a:avLst/>
@@ -4034,7 +4036,7 @@
         <p:spPr>
           <a:xfrm>
             <a:off x="432000" y="5511600"/>
-            <a:ext cx="4246920" cy="601200"/>
+            <a:ext cx="4246560" cy="600840"/>
           </a:xfrm>
           <a:prstGeom prst="rect">
             <a:avLst/>
@@ -4170,7 +4172,7 @@
         <p:spPr>
           <a:xfrm>
             <a:off x="1523880" y="0"/>
-            <a:ext cx="9136440" cy="699120"/>
+            <a:ext cx="9136080" cy="699120"/>
           </a:xfrm>
           <a:prstGeom prst="rect">
             <a:avLst/>
@@ -4225,7 +4227,7 @@
         <p:spPr>
           <a:xfrm>
             <a:off x="1600200" y="762120"/>
-            <a:ext cx="8984160" cy="1735560"/>
+            <a:ext cx="8983800" cy="1735560"/>
           </a:xfrm>
           <a:prstGeom prst="rect">
             <a:avLst/>
@@ -4326,7 +4328,7 @@
         <p:spPr>
           <a:xfrm>
             <a:off x="152280" y="152280"/>
-            <a:ext cx="1099080" cy="455400"/>
+            <a:ext cx="1098720" cy="455400"/>
           </a:xfrm>
           <a:prstGeom prst="rect">
             <a:avLst/>
@@ -4377,7 +4379,7 @@
         <p:spPr>
           <a:xfrm>
             <a:off x="1601280" y="2823480"/>
-            <a:ext cx="8983080" cy="699480"/>
+            <a:ext cx="8982720" cy="699480"/>
           </a:xfrm>
           <a:prstGeom prst="rect">
             <a:avLst/>
@@ -4448,7 +4450,7 @@
         <p:spPr>
           <a:xfrm>
             <a:off x="1523880" y="3801960"/>
-            <a:ext cx="8882280" cy="2147040"/>
+            <a:ext cx="8881920" cy="2147040"/>
           </a:xfrm>
           <a:prstGeom prst="rect">
             <a:avLst/>
@@ -4469,7 +4471,7 @@
             <a:spAutoFit/>
           </a:bodyPr>
           <a:p>
-            <a:pPr marL="285840" indent="-278280">
+            <a:pPr marL="285840" indent="-277920">
               <a:lnSpc>
                 <a:spcPct val="150000"/>
               </a:lnSpc>
@@ -4514,7 +4516,7 @@
             </a:endParaRPr>
           </a:p>
           <a:p>
-            <a:pPr marL="285840" indent="-278280">
+            <a:pPr marL="285840" indent="-277920">
               <a:lnSpc>
                 <a:spcPct val="150000"/>
               </a:lnSpc>
@@ -4559,7 +4561,7 @@
             </a:endParaRPr>
           </a:p>
           <a:p>
-            <a:pPr marL="285840" indent="-278280">
+            <a:pPr marL="285840" indent="-277920">
               <a:lnSpc>
                 <a:spcPct val="150000"/>
               </a:lnSpc>
@@ -4604,7 +4606,7 @@
             </a:endParaRPr>
           </a:p>
           <a:p>
-            <a:pPr marL="285840" indent="-278280">
+            <a:pPr marL="285840" indent="-277920">
               <a:lnSpc>
                 <a:spcPct val="150000"/>
               </a:lnSpc>
@@ -4689,7 +4691,7 @@
         <p:spPr>
           <a:xfrm>
             <a:off x="1676520" y="2362320"/>
-            <a:ext cx="8831520" cy="912600"/>
+            <a:ext cx="8831160" cy="912600"/>
           </a:xfrm>
           <a:prstGeom prst="rect">
             <a:avLst/>
@@ -4740,7 +4742,7 @@
         <p:spPr>
           <a:xfrm>
             <a:off x="522360" y="3531600"/>
-            <a:ext cx="11068560" cy="363960"/>
+            <a:ext cx="11068200" cy="363960"/>
           </a:xfrm>
           <a:prstGeom prst="rect">
             <a:avLst/>
@@ -4856,7 +4858,7 @@
         <p:spPr>
           <a:xfrm>
             <a:off x="1523880" y="0"/>
-            <a:ext cx="9136440" cy="699120"/>
+            <a:ext cx="9136080" cy="699120"/>
           </a:xfrm>
           <a:prstGeom prst="rect">
             <a:avLst/>
@@ -4911,7 +4913,7 @@
         <p:spPr>
           <a:xfrm>
             <a:off x="1600200" y="762120"/>
-            <a:ext cx="8984160" cy="1461240"/>
+            <a:ext cx="8983800" cy="1461240"/>
           </a:xfrm>
           <a:prstGeom prst="rect">
             <a:avLst/>
@@ -5012,7 +5014,7 @@
         <p:spPr>
           <a:xfrm>
             <a:off x="152280" y="152280"/>
-            <a:ext cx="1099080" cy="455400"/>
+            <a:ext cx="1098720" cy="455400"/>
           </a:xfrm>
           <a:prstGeom prst="rect">
             <a:avLst/>
@@ -5063,7 +5065,7 @@
         <p:spPr>
           <a:xfrm>
             <a:off x="1601280" y="2509560"/>
-            <a:ext cx="8983080" cy="699480"/>
+            <a:ext cx="8982720" cy="699480"/>
           </a:xfrm>
           <a:prstGeom prst="rect">
             <a:avLst/>
@@ -5134,7 +5136,7 @@
         <p:spPr>
           <a:xfrm>
             <a:off x="1523880" y="3480480"/>
-            <a:ext cx="8882280" cy="2558520"/>
+            <a:ext cx="8881920" cy="2558520"/>
           </a:xfrm>
           <a:prstGeom prst="rect">
             <a:avLst/>
@@ -5155,7 +5157,7 @@
             <a:spAutoFit/>
           </a:bodyPr>
           <a:p>
-            <a:pPr marL="285840" indent="-278280">
+            <a:pPr marL="285840" indent="-277920">
               <a:lnSpc>
                 <a:spcPct val="150000"/>
               </a:lnSpc>
@@ -5200,7 +5202,7 @@
             </a:endParaRPr>
           </a:p>
           <a:p>
-            <a:pPr marL="285840" indent="-278280">
+            <a:pPr marL="285840" indent="-277920">
               <a:lnSpc>
                 <a:spcPct val="150000"/>
               </a:lnSpc>
@@ -5245,7 +5247,7 @@
             </a:endParaRPr>
           </a:p>
           <a:p>
-            <a:pPr marL="285840" indent="-278280">
+            <a:pPr marL="285840" indent="-277920">
               <a:lnSpc>
                 <a:spcPct val="150000"/>
               </a:lnSpc>
@@ -5290,7 +5292,7 @@
             </a:endParaRPr>
           </a:p>
           <a:p>
-            <a:pPr marL="285840" indent="-278280">
+            <a:pPr marL="285840" indent="-277920">
               <a:lnSpc>
                 <a:spcPct val="150000"/>
               </a:lnSpc>
@@ -5335,7 +5337,7 @@
             </a:endParaRPr>
           </a:p>
           <a:p>
-            <a:pPr marL="285840" indent="-278280">
+            <a:pPr marL="285840" indent="-277920">
               <a:lnSpc>
                 <a:spcPct val="150000"/>
               </a:lnSpc>
@@ -5370,7 +5372,7 @@
             </a:endParaRPr>
           </a:p>
           <a:p>
-            <a:pPr marL="285840" indent="-278280">
+            <a:pPr marL="285840" indent="-277920">
               <a:lnSpc>
                 <a:spcPct val="150000"/>
               </a:lnSpc>
@@ -5445,7 +5447,7 @@
         <p:spPr>
           <a:xfrm>
             <a:off x="1676520" y="2362320"/>
-            <a:ext cx="8831520" cy="1735560"/>
+            <a:ext cx="8831160" cy="1735560"/>
           </a:xfrm>
           <a:prstGeom prst="rect">
             <a:avLst/>
@@ -5496,7 +5498,7 @@
         <p:spPr>
           <a:xfrm>
             <a:off x="522360" y="4323600"/>
-            <a:ext cx="11068560" cy="363960"/>
+            <a:ext cx="11068200" cy="363960"/>
           </a:xfrm>
           <a:prstGeom prst="rect">
             <a:avLst/>
@@ -5612,7 +5614,7 @@
         <p:spPr>
           <a:xfrm>
             <a:off x="1523880" y="0"/>
-            <a:ext cx="9136440" cy="699120"/>
+            <a:ext cx="9136080" cy="699120"/>
           </a:xfrm>
           <a:prstGeom prst="rect">
             <a:avLst/>
@@ -5667,7 +5669,7 @@
         <p:spPr>
           <a:xfrm>
             <a:off x="1600200" y="762120"/>
-            <a:ext cx="8984160" cy="2284200"/>
+            <a:ext cx="8983800" cy="2284200"/>
           </a:xfrm>
           <a:prstGeom prst="rect">
             <a:avLst/>
@@ -5808,7 +5810,7 @@
         <p:spPr>
           <a:xfrm>
             <a:off x="152280" y="152280"/>
-            <a:ext cx="1099080" cy="455400"/>
+            <a:ext cx="1098720" cy="455400"/>
           </a:xfrm>
           <a:prstGeom prst="rect">
             <a:avLst/>
@@ -5859,7 +5861,7 @@
         <p:spPr>
           <a:xfrm>
             <a:off x="1601280" y="2977560"/>
-            <a:ext cx="8983080" cy="1309320"/>
+            <a:ext cx="8982720" cy="1309320"/>
           </a:xfrm>
           <a:prstGeom prst="rect">
             <a:avLst/>
@@ -5970,7 +5972,7 @@
         <p:spPr>
           <a:xfrm>
             <a:off x="1523880" y="4344480"/>
-            <a:ext cx="8882280" cy="2147040"/>
+            <a:ext cx="8881920" cy="2147040"/>
           </a:xfrm>
           <a:prstGeom prst="rect">
             <a:avLst/>
@@ -5991,7 +5993,7 @@
             <a:spAutoFit/>
           </a:bodyPr>
           <a:p>
-            <a:pPr marL="285840" indent="-278280">
+            <a:pPr marL="285840" indent="-277920">
               <a:lnSpc>
                 <a:spcPct val="150000"/>
               </a:lnSpc>
@@ -6036,7 +6038,7 @@
             </a:endParaRPr>
           </a:p>
           <a:p>
-            <a:pPr marL="285840" indent="-278280">
+            <a:pPr marL="285840" indent="-277920">
               <a:lnSpc>
                 <a:spcPct val="150000"/>
               </a:lnSpc>
@@ -6081,7 +6083,7 @@
             </a:endParaRPr>
           </a:p>
           <a:p>
-            <a:pPr marL="285840" indent="-278280">
+            <a:pPr marL="285840" indent="-277920">
               <a:lnSpc>
                 <a:spcPct val="150000"/>
               </a:lnSpc>
@@ -6126,7 +6128,7 @@
             </a:endParaRPr>
           </a:p>
           <a:p>
-            <a:pPr marL="285840" indent="-278280">
+            <a:pPr marL="285840" indent="-277920">
               <a:lnSpc>
                 <a:spcPct val="150000"/>
               </a:lnSpc>
@@ -6171,7 +6173,7 @@
             </a:endParaRPr>
           </a:p>
           <a:p>
-            <a:pPr marL="285840" indent="-278280">
+            <a:pPr marL="285840" indent="-277920">
               <a:lnSpc>
                 <a:spcPct val="150000"/>
               </a:lnSpc>
@@ -6256,7 +6258,7 @@
         <p:spPr>
           <a:xfrm>
             <a:off x="1676520" y="2362320"/>
-            <a:ext cx="8831520" cy="912600"/>
+            <a:ext cx="8831160" cy="912600"/>
           </a:xfrm>
           <a:prstGeom prst="rect">
             <a:avLst/>
@@ -6307,7 +6309,7 @@
         <p:spPr>
           <a:xfrm>
             <a:off x="522360" y="3531600"/>
-            <a:ext cx="11068560" cy="363960"/>
+            <a:ext cx="11068200" cy="363960"/>
           </a:xfrm>
           <a:prstGeom prst="rect">
             <a:avLst/>
@@ -6423,7 +6425,7 @@
         <p:spPr>
           <a:xfrm>
             <a:off x="1523880" y="0"/>
-            <a:ext cx="9136440" cy="699120"/>
+            <a:ext cx="9136080" cy="699120"/>
           </a:xfrm>
           <a:prstGeom prst="rect">
             <a:avLst/>
@@ -6478,7 +6480,7 @@
         <p:spPr>
           <a:xfrm>
             <a:off x="1600200" y="762120"/>
-            <a:ext cx="8984160" cy="912600"/>
+            <a:ext cx="8983800" cy="912600"/>
           </a:xfrm>
           <a:prstGeom prst="rect">
             <a:avLst/>
@@ -6579,7 +6581,7 @@
         <p:spPr>
           <a:xfrm>
             <a:off x="1600200" y="2865600"/>
-            <a:ext cx="8882280" cy="1735560"/>
+            <a:ext cx="8881920" cy="1735560"/>
           </a:xfrm>
           <a:prstGeom prst="rect">
             <a:avLst/>
@@ -6600,7 +6602,7 @@
             <a:spAutoFit/>
           </a:bodyPr>
           <a:p>
-            <a:pPr marL="285840" indent="-278280">
+            <a:pPr marL="285840" indent="-277920">
               <a:lnSpc>
                 <a:spcPct val="150000"/>
               </a:lnSpc>
@@ -6645,7 +6647,7 @@
             </a:endParaRPr>
           </a:p>
           <a:p>
-            <a:pPr marL="285840" indent="-278280">
+            <a:pPr marL="285840" indent="-277920">
               <a:lnSpc>
                 <a:spcPct val="150000"/>
               </a:lnSpc>
@@ -6690,7 +6692,7 @@
             </a:endParaRPr>
           </a:p>
           <a:p>
-            <a:pPr marL="285840" indent="-278280">
+            <a:pPr marL="285840" indent="-277920">
               <a:lnSpc>
                 <a:spcPct val="150000"/>
               </a:lnSpc>
@@ -6735,7 +6737,7 @@
             </a:endParaRPr>
           </a:p>
           <a:p>
-            <a:pPr marL="285840" indent="-278280">
+            <a:pPr marL="285840" indent="-277920">
               <a:lnSpc>
                 <a:spcPct val="150000"/>
               </a:lnSpc>
@@ -6790,7 +6792,7 @@
         <p:spPr>
           <a:xfrm>
             <a:off x="152280" y="152280"/>
-            <a:ext cx="1099080" cy="455400"/>
+            <a:ext cx="1098720" cy="455400"/>
           </a:xfrm>
           <a:prstGeom prst="rect">
             <a:avLst/>
@@ -6841,7 +6843,7 @@
         <p:spPr>
           <a:xfrm>
             <a:off x="1601280" y="2221560"/>
-            <a:ext cx="8983080" cy="699480"/>
+            <a:ext cx="8982720" cy="699480"/>
           </a:xfrm>
           <a:prstGeom prst="rect">
             <a:avLst/>
@@ -6912,7 +6914,7 @@
         <p:spPr>
           <a:xfrm>
             <a:off x="1656000" y="4713480"/>
-            <a:ext cx="8992800" cy="1362960"/>
+            <a:ext cx="8992440" cy="1362600"/>
           </a:xfrm>
           <a:prstGeom prst="rect">
             <a:avLst/>
@@ -6933,7 +6935,7 @@
             <a:noAutofit/>
           </a:bodyPr>
           <a:p>
-            <a:pPr marL="216000" indent="-211680">
+            <a:pPr marL="216000" indent="-211320">
               <a:lnSpc>
                 <a:spcPct val="150000"/>
               </a:lnSpc>
@@ -6968,7 +6970,7 @@
             </a:endParaRPr>
           </a:p>
           <a:p>
-            <a:pPr marL="216000" indent="-211680">
+            <a:pPr marL="216000" indent="-211320">
               <a:lnSpc>
                 <a:spcPct val="150000"/>
               </a:lnSpc>
@@ -7003,7 +7005,7 @@
             </a:endParaRPr>
           </a:p>
           <a:p>
-            <a:pPr marL="216000" indent="-211680">
+            <a:pPr marL="216000" indent="-211320">
               <a:lnSpc>
                 <a:spcPct val="150000"/>
               </a:lnSpc>
@@ -7038,7 +7040,7 @@
             </a:endParaRPr>
           </a:p>
           <a:p>
-            <a:pPr marL="216000" indent="-211680">
+            <a:pPr marL="216000" indent="-211320">
               <a:lnSpc>
                 <a:spcPct val="150000"/>
               </a:lnSpc>
@@ -7073,7 +7075,7 @@
             </a:endParaRPr>
           </a:p>
           <a:p>
-            <a:pPr marL="216000" indent="-211680">
+            <a:pPr marL="216000" indent="-211320">
               <a:lnSpc>
                 <a:spcPct val="150000"/>
               </a:lnSpc>
@@ -7148,7 +7150,7 @@
         <p:spPr>
           <a:xfrm>
             <a:off x="1676520" y="2362320"/>
-            <a:ext cx="8831520" cy="912600"/>
+            <a:ext cx="8831160" cy="912600"/>
           </a:xfrm>
           <a:prstGeom prst="rect">
             <a:avLst/>
@@ -7199,7 +7201,7 @@
         <p:spPr>
           <a:xfrm>
             <a:off x="522360" y="3531600"/>
-            <a:ext cx="11068560" cy="363960"/>
+            <a:ext cx="11068200" cy="363960"/>
           </a:xfrm>
           <a:prstGeom prst="rect">
             <a:avLst/>
@@ -7315,7 +7317,7 @@
         <p:spPr>
           <a:xfrm>
             <a:off x="1523880" y="0"/>
-            <a:ext cx="9136440" cy="699120"/>
+            <a:ext cx="9136080" cy="699120"/>
           </a:xfrm>
           <a:prstGeom prst="rect">
             <a:avLst/>
@@ -7370,7 +7372,7 @@
         <p:spPr>
           <a:xfrm>
             <a:off x="1600200" y="762120"/>
-            <a:ext cx="8984160" cy="668880"/>
+            <a:ext cx="8983800" cy="668880"/>
           </a:xfrm>
           <a:prstGeom prst="rect">
             <a:avLst/>
@@ -7461,7 +7463,7 @@
         <p:spPr>
           <a:xfrm>
             <a:off x="1600200" y="3909600"/>
-            <a:ext cx="8882280" cy="1324080"/>
+            <a:ext cx="8881920" cy="1324080"/>
           </a:xfrm>
           <a:prstGeom prst="rect">
             <a:avLst/>
@@ -7482,7 +7484,7 @@
             <a:spAutoFit/>
           </a:bodyPr>
           <a:p>
-            <a:pPr marL="285840" indent="-278280">
+            <a:pPr marL="285840" indent="-277920">
               <a:lnSpc>
                 <a:spcPct val="150000"/>
               </a:lnSpc>
@@ -7527,7 +7529,7 @@
             </a:endParaRPr>
           </a:p>
           <a:p>
-            <a:pPr marL="285840" indent="-278280">
+            <a:pPr marL="285840" indent="-277920">
               <a:lnSpc>
                 <a:spcPct val="150000"/>
               </a:lnSpc>
@@ -7572,7 +7574,7 @@
             </a:endParaRPr>
           </a:p>
           <a:p>
-            <a:pPr marL="285840" indent="-278280">
+            <a:pPr marL="285840" indent="-277920">
               <a:lnSpc>
                 <a:spcPct val="150000"/>
               </a:lnSpc>
@@ -7627,7 +7629,7 @@
         <p:spPr>
           <a:xfrm>
             <a:off x="152280" y="152280"/>
-            <a:ext cx="1099080" cy="455400"/>
+            <a:ext cx="1098720" cy="455400"/>
           </a:xfrm>
           <a:prstGeom prst="rect">
             <a:avLst/>
@@ -7678,7 +7680,7 @@
         <p:spPr>
           <a:xfrm>
             <a:off x="1601280" y="2221560"/>
-            <a:ext cx="8983080" cy="699480"/>
+            <a:ext cx="8982720" cy="699480"/>
           </a:xfrm>
           <a:prstGeom prst="rect">
             <a:avLst/>
@@ -7749,7 +7751,7 @@
         <p:spPr>
           <a:xfrm>
             <a:off x="1584000" y="5246640"/>
-            <a:ext cx="8848800" cy="1009440"/>
+            <a:ext cx="8848440" cy="1009080"/>
           </a:xfrm>
           <a:prstGeom prst="rect">
             <a:avLst/>
@@ -7800,7 +7802,7 @@
             </a:endParaRPr>
           </a:p>
           <a:p>
-            <a:pPr marL="216000" indent="-208800">
+            <a:pPr marL="216000" indent="-208440">
               <a:lnSpc>
                 <a:spcPct val="100000"/>
               </a:lnSpc>
@@ -7826,7 +7828,7 @@
             </a:endParaRPr>
           </a:p>
           <a:p>
-            <a:pPr marL="216000" indent="-208800">
+            <a:pPr marL="216000" indent="-208440">
               <a:lnSpc>
                 <a:spcPct val="100000"/>
               </a:lnSpc>
@@ -7862,7 +7864,7 @@
         <p:spPr>
           <a:xfrm>
             <a:off x="1576080" y="3161880"/>
-            <a:ext cx="9576720" cy="646920"/>
+            <a:ext cx="9576360" cy="646560"/>
           </a:xfrm>
           <a:prstGeom prst="rect">
             <a:avLst/>
@@ -7973,7 +7975,7 @@
         <p:spPr>
           <a:xfrm>
             <a:off x="1676520" y="2362320"/>
-            <a:ext cx="8831520" cy="912600"/>
+            <a:ext cx="8831160" cy="912600"/>
           </a:xfrm>
           <a:prstGeom prst="rect">
             <a:avLst/>
@@ -8024,7 +8026,7 @@
         <p:spPr>
           <a:xfrm>
             <a:off x="522360" y="3531600"/>
-            <a:ext cx="11068560" cy="363960"/>
+            <a:ext cx="11068200" cy="363960"/>
           </a:xfrm>
           <a:prstGeom prst="rect">
             <a:avLst/>
@@ -8105,7 +8107,7 @@
         <p:spPr>
           <a:xfrm>
             <a:off x="1676520" y="2362320"/>
-            <a:ext cx="8831520" cy="912600"/>
+            <a:ext cx="8831160" cy="912600"/>
           </a:xfrm>
           <a:prstGeom prst="rect">
             <a:avLst/>
@@ -8156,7 +8158,7 @@
         <p:spPr>
           <a:xfrm>
             <a:off x="522360" y="3531600"/>
-            <a:ext cx="11140560" cy="1186920"/>
+            <a:ext cx="11140200" cy="1186920"/>
           </a:xfrm>
           <a:prstGeom prst="rect">
             <a:avLst/>
@@ -8207,7 +8209,7 @@
         <p:spPr>
           <a:xfrm>
             <a:off x="1666800" y="609480"/>
-            <a:ext cx="8831520" cy="394560"/>
+            <a:ext cx="8831160" cy="394560"/>
           </a:xfrm>
           <a:prstGeom prst="rect">
             <a:avLst/>
@@ -8323,7 +8325,7 @@
         <p:spPr>
           <a:xfrm>
             <a:off x="1523880" y="0"/>
-            <a:ext cx="9136440" cy="699120"/>
+            <a:ext cx="9136080" cy="699120"/>
           </a:xfrm>
           <a:prstGeom prst="rect">
             <a:avLst/>
@@ -8378,7 +8380,7 @@
         <p:spPr>
           <a:xfrm>
             <a:off x="1600200" y="762120"/>
-            <a:ext cx="8984160" cy="1735560"/>
+            <a:ext cx="8983800" cy="1735560"/>
           </a:xfrm>
           <a:prstGeom prst="rect">
             <a:avLst/>
@@ -8479,7 +8481,7 @@
         <p:spPr>
           <a:xfrm>
             <a:off x="1600200" y="3585600"/>
-            <a:ext cx="8882280" cy="2558520"/>
+            <a:ext cx="8881920" cy="2558520"/>
           </a:xfrm>
           <a:prstGeom prst="rect">
             <a:avLst/>
@@ -8520,7 +8522,7 @@
             </a:endParaRPr>
           </a:p>
           <a:p>
-            <a:pPr marL="285840" indent="-278280">
+            <a:pPr marL="285840" indent="-277920">
               <a:lnSpc>
                 <a:spcPct val="150000"/>
               </a:lnSpc>
@@ -8565,7 +8567,7 @@
             </a:endParaRPr>
           </a:p>
           <a:p>
-            <a:pPr marL="285840" indent="-278280">
+            <a:pPr marL="285840" indent="-277920">
               <a:lnSpc>
                 <a:spcPct val="150000"/>
               </a:lnSpc>
@@ -8630,7 +8632,7 @@
             </a:endParaRPr>
           </a:p>
           <a:p>
-            <a:pPr marL="285840" indent="-278280">
+            <a:pPr marL="285840" indent="-277920">
               <a:lnSpc>
                 <a:spcPct val="150000"/>
               </a:lnSpc>
@@ -8675,7 +8677,7 @@
             </a:endParaRPr>
           </a:p>
           <a:p>
-            <a:pPr marL="285840" indent="-278280">
+            <a:pPr marL="285840" indent="-277920">
               <a:lnSpc>
                 <a:spcPct val="150000"/>
               </a:lnSpc>
@@ -8730,7 +8732,7 @@
         <p:spPr>
           <a:xfrm>
             <a:off x="152280" y="152280"/>
-            <a:ext cx="1099080" cy="455400"/>
+            <a:ext cx="1098720" cy="455400"/>
           </a:xfrm>
           <a:prstGeom prst="rect">
             <a:avLst/>
@@ -8781,7 +8783,7 @@
         <p:spPr>
           <a:xfrm>
             <a:off x="1601280" y="2761560"/>
-            <a:ext cx="8983080" cy="699480"/>
+            <a:ext cx="8982720" cy="699480"/>
           </a:xfrm>
           <a:prstGeom prst="rect">
             <a:avLst/>
@@ -8882,7 +8884,7 @@
         <p:spPr>
           <a:xfrm>
             <a:off x="1676520" y="2362320"/>
-            <a:ext cx="8831520" cy="1735560"/>
+            <a:ext cx="8831160" cy="1735560"/>
           </a:xfrm>
           <a:prstGeom prst="rect">
             <a:avLst/>
@@ -8933,7 +8935,7 @@
         <p:spPr>
           <a:xfrm>
             <a:off x="522360" y="3531600"/>
-            <a:ext cx="11068560" cy="363960"/>
+            <a:ext cx="11068200" cy="363960"/>
           </a:xfrm>
           <a:prstGeom prst="rect">
             <a:avLst/>
@@ -9014,7 +9016,7 @@
         <p:spPr>
           <a:xfrm>
             <a:off x="1523880" y="0"/>
-            <a:ext cx="9136440" cy="699120"/>
+            <a:ext cx="9136080" cy="699120"/>
           </a:xfrm>
           <a:prstGeom prst="rect">
             <a:avLst/>
@@ -9069,7 +9071,7 @@
         <p:spPr>
           <a:xfrm>
             <a:off x="1600200" y="762120"/>
-            <a:ext cx="8984160" cy="2284200"/>
+            <a:ext cx="8983800" cy="2284200"/>
           </a:xfrm>
           <a:prstGeom prst="rect">
             <a:avLst/>
@@ -9210,7 +9212,7 @@
         <p:spPr>
           <a:xfrm>
             <a:off x="152280" y="152280"/>
-            <a:ext cx="1099080" cy="455400"/>
+            <a:ext cx="1098720" cy="455400"/>
           </a:xfrm>
           <a:prstGeom prst="rect">
             <a:avLst/>
@@ -9261,7 +9263,7 @@
         <p:spPr>
           <a:xfrm>
             <a:off x="1601280" y="3157560"/>
-            <a:ext cx="8983080" cy="1004400"/>
+            <a:ext cx="8982720" cy="1004400"/>
           </a:xfrm>
           <a:prstGeom prst="rect">
             <a:avLst/>
@@ -9352,7 +9354,7 @@
         <p:spPr>
           <a:xfrm>
             <a:off x="864000" y="4197600"/>
-            <a:ext cx="11012040" cy="1324080"/>
+            <a:ext cx="11011680" cy="1324080"/>
           </a:xfrm>
           <a:prstGeom prst="rect">
             <a:avLst/>
@@ -9373,7 +9375,7 @@
             <a:spAutoFit/>
           </a:bodyPr>
           <a:p>
-            <a:pPr marL="285840" indent="-278280">
+            <a:pPr marL="285840" indent="-277920">
               <a:lnSpc>
                 <a:spcPct val="150000"/>
               </a:lnSpc>
@@ -9418,7 +9420,7 @@
             </a:endParaRPr>
           </a:p>
           <a:p>
-            <a:pPr marL="285840" indent="-278280">
+            <a:pPr marL="285840" indent="-277920">
               <a:lnSpc>
                 <a:spcPct val="150000"/>
               </a:lnSpc>
@@ -9463,7 +9465,7 @@
             </a:endParaRPr>
           </a:p>
           <a:p>
-            <a:pPr marL="285840" indent="-278280">
+            <a:pPr marL="285840" indent="-277920">
               <a:lnSpc>
                 <a:spcPct val="150000"/>
               </a:lnSpc>
@@ -9553,7 +9555,7 @@
         <p:spPr>
           <a:xfrm>
             <a:off x="1584000" y="5610240"/>
-            <a:ext cx="8848800" cy="1009440"/>
+            <a:ext cx="8848440" cy="1009080"/>
           </a:xfrm>
           <a:prstGeom prst="rect">
             <a:avLst/>
@@ -9604,7 +9606,7 @@
             </a:endParaRPr>
           </a:p>
           <a:p>
-            <a:pPr marL="285840" indent="-281160">
+            <a:pPr marL="285840" indent="-280800">
               <a:lnSpc>
                 <a:spcPct val="100000"/>
               </a:lnSpc>
@@ -9629,7 +9631,7 @@
             </a:endParaRPr>
           </a:p>
           <a:p>
-            <a:pPr marL="285840" indent="-281160">
+            <a:pPr marL="285840" indent="-280800">
               <a:lnSpc>
                 <a:spcPct val="100000"/>
               </a:lnSpc>
@@ -9694,7 +9696,7 @@
         <p:spPr>
           <a:xfrm>
             <a:off x="1676520" y="2362320"/>
-            <a:ext cx="8831520" cy="1735560"/>
+            <a:ext cx="8831160" cy="1735560"/>
           </a:xfrm>
           <a:prstGeom prst="rect">
             <a:avLst/>
@@ -9745,7 +9747,7 @@
         <p:spPr>
           <a:xfrm>
             <a:off x="522360" y="3531600"/>
-            <a:ext cx="11068560" cy="363960"/>
+            <a:ext cx="11068200" cy="363960"/>
           </a:xfrm>
           <a:prstGeom prst="rect">
             <a:avLst/>
@@ -9826,7 +9828,7 @@
         <p:spPr>
           <a:xfrm>
             <a:off x="1523880" y="0"/>
-            <a:ext cx="9136440" cy="699120"/>
+            <a:ext cx="9136080" cy="699120"/>
           </a:xfrm>
           <a:prstGeom prst="rect">
             <a:avLst/>
@@ -9881,7 +9883,7 @@
         <p:spPr>
           <a:xfrm>
             <a:off x="1600200" y="762120"/>
-            <a:ext cx="8984160" cy="2558520"/>
+            <a:ext cx="8983800" cy="2558520"/>
           </a:xfrm>
           <a:prstGeom prst="rect">
             <a:avLst/>
@@ -10022,7 +10024,7 @@
         <p:spPr>
           <a:xfrm>
             <a:off x="152280" y="152280"/>
-            <a:ext cx="1099080" cy="455400"/>
+            <a:ext cx="1098720" cy="455400"/>
           </a:xfrm>
           <a:prstGeom prst="rect">
             <a:avLst/>
@@ -10073,7 +10075,7 @@
         <p:spPr>
           <a:xfrm>
             <a:off x="1601280" y="3553560"/>
-            <a:ext cx="8983080" cy="1004400"/>
+            <a:ext cx="8982720" cy="1004400"/>
           </a:xfrm>
           <a:prstGeom prst="rect">
             <a:avLst/>
@@ -10164,7 +10166,7 @@
         <p:spPr>
           <a:xfrm>
             <a:off x="1600200" y="4593600"/>
-            <a:ext cx="8882280" cy="912600"/>
+            <a:ext cx="8881920" cy="912600"/>
           </a:xfrm>
           <a:prstGeom prst="rect">
             <a:avLst/>
@@ -10185,7 +10187,7 @@
             <a:spAutoFit/>
           </a:bodyPr>
           <a:p>
-            <a:pPr marL="285840" indent="-278280">
+            <a:pPr marL="285840" indent="-277920">
               <a:lnSpc>
                 <a:spcPct val="150000"/>
               </a:lnSpc>
@@ -10230,7 +10232,7 @@
             </a:endParaRPr>
           </a:p>
           <a:p>
-            <a:pPr marL="285840" indent="-278280">
+            <a:pPr marL="285840" indent="-277920">
               <a:lnSpc>
                 <a:spcPct val="150000"/>
               </a:lnSpc>
@@ -10320,7 +10322,7 @@
         <p:spPr>
           <a:xfrm>
             <a:off x="1584000" y="5790240"/>
-            <a:ext cx="8848800" cy="73800"/>
+            <a:ext cx="8848440" cy="73440"/>
           </a:xfrm>
           <a:prstGeom prst="rect">
             <a:avLst/>
@@ -10371,7 +10373,7 @@
             </a:endParaRPr>
           </a:p>
           <a:p>
-            <a:pPr marL="285840" indent="-281160">
+            <a:pPr marL="285840" indent="-280800">
               <a:lnSpc>
                 <a:spcPct val="100000"/>
               </a:lnSpc>
@@ -10436,7 +10438,7 @@
         <p:spPr>
           <a:xfrm>
             <a:off x="1676520" y="2362320"/>
-            <a:ext cx="8831520" cy="912600"/>
+            <a:ext cx="8831160" cy="912600"/>
           </a:xfrm>
           <a:prstGeom prst="rect">
             <a:avLst/>
@@ -10487,7 +10489,7 @@
         <p:spPr>
           <a:xfrm>
             <a:off x="522360" y="3531600"/>
-            <a:ext cx="11068560" cy="363960"/>
+            <a:ext cx="11068200" cy="363960"/>
           </a:xfrm>
           <a:prstGeom prst="rect">
             <a:avLst/>
@@ -10568,7 +10570,7 @@
         <p:spPr>
           <a:xfrm>
             <a:off x="1523880" y="0"/>
-            <a:ext cx="9136440" cy="699120"/>
+            <a:ext cx="9136080" cy="699120"/>
           </a:xfrm>
           <a:prstGeom prst="rect">
             <a:avLst/>
@@ -10623,7 +10625,7 @@
         <p:spPr>
           <a:xfrm>
             <a:off x="1600200" y="762120"/>
-            <a:ext cx="8984160" cy="1461240"/>
+            <a:ext cx="8983800" cy="1461240"/>
           </a:xfrm>
           <a:prstGeom prst="rect">
             <a:avLst/>
@@ -10724,7 +10726,7 @@
         <p:spPr>
           <a:xfrm>
             <a:off x="152280" y="152280"/>
-            <a:ext cx="1099080" cy="455400"/>
+            <a:ext cx="1098720" cy="455400"/>
           </a:xfrm>
           <a:prstGeom prst="rect">
             <a:avLst/>
@@ -10775,7 +10777,7 @@
         <p:spPr>
           <a:xfrm>
             <a:off x="1601280" y="2689560"/>
-            <a:ext cx="8983080" cy="699480"/>
+            <a:ext cx="8982720" cy="699480"/>
           </a:xfrm>
           <a:prstGeom prst="rect">
             <a:avLst/>
@@ -10846,7 +10848,7 @@
         <p:spPr>
           <a:xfrm>
             <a:off x="1600200" y="3621600"/>
-            <a:ext cx="8882280" cy="912600"/>
+            <a:ext cx="8881920" cy="912600"/>
           </a:xfrm>
           <a:prstGeom prst="rect">
             <a:avLst/>
@@ -10867,7 +10869,7 @@
             <a:spAutoFit/>
           </a:bodyPr>
           <a:p>
-            <a:pPr marL="285840" indent="-278280">
+            <a:pPr marL="285840" indent="-277920">
               <a:lnSpc>
                 <a:spcPct val="150000"/>
               </a:lnSpc>
@@ -10912,7 +10914,7 @@
             </a:endParaRPr>
           </a:p>
           <a:p>
-            <a:pPr marL="285840" indent="-278280">
+            <a:pPr marL="285840" indent="-277920">
               <a:lnSpc>
                 <a:spcPct val="150000"/>
               </a:lnSpc>
@@ -11002,7 +11004,7 @@
         <p:spPr>
           <a:xfrm>
             <a:off x="1584000" y="5106240"/>
-            <a:ext cx="8848800" cy="73800"/>
+            <a:ext cx="8848440" cy="73440"/>
           </a:xfrm>
           <a:prstGeom prst="rect">
             <a:avLst/>
@@ -11053,7 +11055,7 @@
             </a:endParaRPr>
           </a:p>
           <a:p>
-            <a:pPr marL="285840" indent="-281160">
+            <a:pPr marL="285840" indent="-280800">
               <a:lnSpc>
                 <a:spcPct val="100000"/>
               </a:lnSpc>
@@ -11118,7 +11120,7 @@
         <p:spPr>
           <a:xfrm>
             <a:off x="1676520" y="2362320"/>
-            <a:ext cx="8831520" cy="912600"/>
+            <a:ext cx="8831160" cy="912600"/>
           </a:xfrm>
           <a:prstGeom prst="rect">
             <a:avLst/>
@@ -11169,7 +11171,7 @@
         <p:spPr>
           <a:xfrm>
             <a:off x="522360" y="3531600"/>
-            <a:ext cx="11068560" cy="363960"/>
+            <a:ext cx="11068200" cy="363960"/>
           </a:xfrm>
           <a:prstGeom prst="rect">
             <a:avLst/>
@@ -11250,7 +11252,7 @@
         <p:spPr>
           <a:xfrm>
             <a:off x="1523880" y="0"/>
-            <a:ext cx="9136440" cy="699120"/>
+            <a:ext cx="9136080" cy="699120"/>
           </a:xfrm>
           <a:prstGeom prst="rect">
             <a:avLst/>
@@ -11305,7 +11307,7 @@
         <p:spPr>
           <a:xfrm>
             <a:off x="1600200" y="762120"/>
-            <a:ext cx="8984160" cy="1186920"/>
+            <a:ext cx="8983800" cy="1186920"/>
           </a:xfrm>
           <a:prstGeom prst="rect">
             <a:avLst/>
@@ -11406,7 +11408,7 @@
         <p:spPr>
           <a:xfrm>
             <a:off x="152280" y="152280"/>
-            <a:ext cx="1099080" cy="455400"/>
+            <a:ext cx="1098720" cy="455400"/>
           </a:xfrm>
           <a:prstGeom prst="rect">
             <a:avLst/>
@@ -11457,7 +11459,7 @@
         <p:spPr>
           <a:xfrm>
             <a:off x="1601280" y="2689560"/>
-            <a:ext cx="8983080" cy="699480"/>
+            <a:ext cx="8982720" cy="699480"/>
           </a:xfrm>
           <a:prstGeom prst="rect">
             <a:avLst/>
@@ -11528,7 +11530,7 @@
         <p:spPr>
           <a:xfrm>
             <a:off x="1600200" y="3621600"/>
-            <a:ext cx="8882280" cy="912600"/>
+            <a:ext cx="8881920" cy="912600"/>
           </a:xfrm>
           <a:prstGeom prst="rect">
             <a:avLst/>
@@ -11549,7 +11551,7 @@
             <a:spAutoFit/>
           </a:bodyPr>
           <a:p>
-            <a:pPr marL="285840" indent="-278280">
+            <a:pPr marL="285840" indent="-277920">
               <a:lnSpc>
                 <a:spcPct val="150000"/>
               </a:lnSpc>
@@ -11594,7 +11596,7 @@
             </a:endParaRPr>
           </a:p>
           <a:p>
-            <a:pPr marL="285840" indent="-278280">
+            <a:pPr marL="285840" indent="-277920">
               <a:lnSpc>
                 <a:spcPct val="150000"/>
               </a:lnSpc>
@@ -11714,7 +11716,7 @@
         <p:spPr>
           <a:xfrm>
             <a:off x="1676520" y="2362320"/>
-            <a:ext cx="8831520" cy="1735560"/>
+            <a:ext cx="8831160" cy="1735560"/>
           </a:xfrm>
           <a:prstGeom prst="rect">
             <a:avLst/>
@@ -11765,7 +11767,7 @@
         <p:spPr>
           <a:xfrm>
             <a:off x="522360" y="4467600"/>
-            <a:ext cx="11068560" cy="363960"/>
+            <a:ext cx="11068200" cy="363960"/>
           </a:xfrm>
           <a:prstGeom prst="rect">
             <a:avLst/>
@@ -11881,7 +11883,7 @@
         <p:spPr>
           <a:xfrm>
             <a:off x="1676520" y="2743200"/>
-            <a:ext cx="8831520" cy="1064520"/>
+            <a:ext cx="8831160" cy="1064520"/>
           </a:xfrm>
           <a:prstGeom prst="rect">
             <a:avLst/>
@@ -11902,7 +11904,7 @@
             <a:spAutoFit/>
           </a:bodyPr>
           <a:p>
-            <a:pPr marL="343080" indent="-335520">
+            <a:pPr marL="343080" indent="-335160">
               <a:lnSpc>
                 <a:spcPct val="100000"/>
               </a:lnSpc>
@@ -11957,7 +11959,7 @@
             </a:endParaRPr>
           </a:p>
           <a:p>
-            <a:pPr marL="343080" indent="-335520">
+            <a:pPr marL="343080" indent="-335160">
               <a:lnSpc>
                 <a:spcPct val="100000"/>
               </a:lnSpc>
@@ -12093,7 +12095,7 @@
         <p:spPr>
           <a:xfrm>
             <a:off x="1600200" y="762120"/>
-            <a:ext cx="8984160" cy="699480"/>
+            <a:ext cx="8983800" cy="699480"/>
           </a:xfrm>
           <a:prstGeom prst="rect">
             <a:avLst/>
@@ -12154,7 +12156,7 @@
         <p:spPr>
           <a:xfrm>
             <a:off x="1523880" y="5067720"/>
-            <a:ext cx="9136440" cy="790560"/>
+            <a:ext cx="9136080" cy="790560"/>
           </a:xfrm>
           <a:prstGeom prst="rect">
             <a:avLst/>
@@ -12215,7 +12217,7 @@
             </a:endParaRPr>
           </a:p>
           <a:p>
-            <a:pPr marL="285840" indent="-278280">
+            <a:pPr marL="285840" indent="-277920">
               <a:lnSpc>
                 <a:spcPct val="100000"/>
               </a:lnSpc>
@@ -12260,7 +12262,7 @@
         <p:spPr>
           <a:xfrm>
             <a:off x="1584000" y="4287960"/>
-            <a:ext cx="8704800" cy="348840"/>
+            <a:ext cx="8704440" cy="348480"/>
           </a:xfrm>
           <a:prstGeom prst="rect">
             <a:avLst/>
@@ -12331,7 +12333,7 @@
         <p:spPr>
           <a:xfrm>
             <a:off x="1523880" y="0"/>
-            <a:ext cx="9138600" cy="699120"/>
+            <a:ext cx="9138240" cy="699120"/>
           </a:xfrm>
           <a:prstGeom prst="rect">
             <a:avLst/>
@@ -12436,7 +12438,7 @@
         <p:spPr>
           <a:xfrm>
             <a:off x="1523880" y="0"/>
-            <a:ext cx="9136440" cy="699120"/>
+            <a:ext cx="9136080" cy="699120"/>
           </a:xfrm>
           <a:prstGeom prst="rect">
             <a:avLst/>
@@ -12491,7 +12493,7 @@
         <p:spPr>
           <a:xfrm>
             <a:off x="1600200" y="762120"/>
-            <a:ext cx="8984160" cy="2558520"/>
+            <a:ext cx="8983800" cy="2558520"/>
           </a:xfrm>
           <a:prstGeom prst="rect">
             <a:avLst/>
@@ -12752,7 +12754,7 @@
         <p:spPr>
           <a:xfrm>
             <a:off x="152280" y="152280"/>
-            <a:ext cx="1099080" cy="455400"/>
+            <a:ext cx="1098720" cy="455400"/>
           </a:xfrm>
           <a:prstGeom prst="rect">
             <a:avLst/>
@@ -12803,7 +12805,7 @@
         <p:spPr>
           <a:xfrm>
             <a:off x="1601280" y="3553560"/>
-            <a:ext cx="8983080" cy="1309320"/>
+            <a:ext cx="8982720" cy="1309320"/>
           </a:xfrm>
           <a:prstGeom prst="rect">
             <a:avLst/>
@@ -12914,7 +12916,7 @@
         <p:spPr>
           <a:xfrm>
             <a:off x="1600200" y="4989600"/>
-            <a:ext cx="8882280" cy="1735560"/>
+            <a:ext cx="8881920" cy="1735560"/>
           </a:xfrm>
           <a:prstGeom prst="rect">
             <a:avLst/>
@@ -12935,7 +12937,7 @@
             <a:spAutoFit/>
           </a:bodyPr>
           <a:p>
-            <a:pPr marL="285840" indent="-278280">
+            <a:pPr marL="285840" indent="-277920">
               <a:lnSpc>
                 <a:spcPct val="150000"/>
               </a:lnSpc>
@@ -12980,7 +12982,7 @@
             </a:endParaRPr>
           </a:p>
           <a:p>
-            <a:pPr marL="285840" indent="-278280">
+            <a:pPr marL="285840" indent="-277920">
               <a:lnSpc>
                 <a:spcPct val="150000"/>
               </a:lnSpc>
@@ -13025,7 +13027,7 @@
             </a:endParaRPr>
           </a:p>
           <a:p>
-            <a:pPr marL="285840" indent="-278280">
+            <a:pPr marL="285840" indent="-277920">
               <a:lnSpc>
                 <a:spcPct val="150000"/>
               </a:lnSpc>
@@ -13090,7 +13092,7 @@
             </a:endParaRPr>
           </a:p>
           <a:p>
-            <a:pPr marL="285840" indent="-278280">
+            <a:pPr marL="285840" indent="-277920">
               <a:lnSpc>
                 <a:spcPct val="150000"/>
               </a:lnSpc>
@@ -13210,7 +13212,7 @@
         <p:spPr>
           <a:xfrm>
             <a:off x="1676520" y="2362320"/>
-            <a:ext cx="8831520" cy="1735560"/>
+            <a:ext cx="8831160" cy="1735560"/>
           </a:xfrm>
           <a:prstGeom prst="rect">
             <a:avLst/>
@@ -13261,7 +13263,7 @@
         <p:spPr>
           <a:xfrm>
             <a:off x="522360" y="4251600"/>
-            <a:ext cx="11068560" cy="363960"/>
+            <a:ext cx="11068200" cy="363960"/>
           </a:xfrm>
           <a:prstGeom prst="rect">
             <a:avLst/>
@@ -13342,7 +13344,7 @@
         <p:spPr>
           <a:xfrm>
             <a:off x="1523880" y="0"/>
-            <a:ext cx="9136440" cy="699120"/>
+            <a:ext cx="9136080" cy="699120"/>
           </a:xfrm>
           <a:prstGeom prst="rect">
             <a:avLst/>
@@ -13397,7 +13399,7 @@
         <p:spPr>
           <a:xfrm>
             <a:off x="1600200" y="762120"/>
-            <a:ext cx="8984160" cy="2284200"/>
+            <a:ext cx="8983800" cy="2284200"/>
           </a:xfrm>
           <a:prstGeom prst="rect">
             <a:avLst/>
@@ -13538,7 +13540,7 @@
         <p:spPr>
           <a:xfrm>
             <a:off x="152280" y="152280"/>
-            <a:ext cx="1099080" cy="455400"/>
+            <a:ext cx="1098720" cy="455400"/>
           </a:xfrm>
           <a:prstGeom prst="rect">
             <a:avLst/>
@@ -13589,7 +13591,7 @@
         <p:spPr>
           <a:xfrm>
             <a:off x="1601280" y="3337560"/>
-            <a:ext cx="8983080" cy="1004400"/>
+            <a:ext cx="8982720" cy="1004400"/>
           </a:xfrm>
           <a:prstGeom prst="rect">
             <a:avLst/>
@@ -13680,7 +13682,7 @@
         <p:spPr>
           <a:xfrm>
             <a:off x="1600200" y="4557600"/>
-            <a:ext cx="8882280" cy="1324080"/>
+            <a:ext cx="8881920" cy="1324080"/>
           </a:xfrm>
           <a:prstGeom prst="rect">
             <a:avLst/>
@@ -13701,7 +13703,7 @@
             <a:spAutoFit/>
           </a:bodyPr>
           <a:p>
-            <a:pPr marL="285840" indent="-278280">
+            <a:pPr marL="285840" indent="-277920">
               <a:lnSpc>
                 <a:spcPct val="150000"/>
               </a:lnSpc>
@@ -13746,7 +13748,7 @@
             </a:endParaRPr>
           </a:p>
           <a:p>
-            <a:pPr marL="285840" indent="-278280">
+            <a:pPr marL="285840" indent="-277920">
               <a:lnSpc>
                 <a:spcPct val="150000"/>
               </a:lnSpc>
@@ -13791,7 +13793,7 @@
             </a:endParaRPr>
           </a:p>
           <a:p>
-            <a:pPr marL="285840" indent="-278280">
+            <a:pPr marL="285840" indent="-277920">
               <a:lnSpc>
                 <a:spcPct val="150000"/>
               </a:lnSpc>
@@ -13911,7 +13913,7 @@
         <p:spPr>
           <a:xfrm>
             <a:off x="1676520" y="2362320"/>
-            <a:ext cx="8831520" cy="912600"/>
+            <a:ext cx="8831160" cy="912600"/>
           </a:xfrm>
           <a:prstGeom prst="rect">
             <a:avLst/>
@@ -13962,7 +13964,7 @@
         <p:spPr>
           <a:xfrm>
             <a:off x="1666800" y="609480"/>
-            <a:ext cx="8831520" cy="394560"/>
+            <a:ext cx="8831160" cy="394560"/>
           </a:xfrm>
           <a:prstGeom prst="rect">
             <a:avLst/>
@@ -14013,7 +14015,7 @@
         <p:spPr>
           <a:xfrm>
             <a:off x="522360" y="3531600"/>
-            <a:ext cx="11068560" cy="1186920"/>
+            <a:ext cx="11068200" cy="1186920"/>
           </a:xfrm>
           <a:prstGeom prst="rect">
             <a:avLst/>
@@ -14114,7 +14116,7 @@
         <p:spPr>
           <a:xfrm>
             <a:off x="1676520" y="2362320"/>
-            <a:ext cx="8831520" cy="912600"/>
+            <a:ext cx="8831160" cy="912600"/>
           </a:xfrm>
           <a:prstGeom prst="rect">
             <a:avLst/>
@@ -14165,7 +14167,7 @@
         <p:spPr>
           <a:xfrm>
             <a:off x="522360" y="3531600"/>
-            <a:ext cx="11068560" cy="363960"/>
+            <a:ext cx="11068200" cy="363960"/>
           </a:xfrm>
           <a:prstGeom prst="rect">
             <a:avLst/>
@@ -14246,7 +14248,7 @@
         <p:spPr>
           <a:xfrm>
             <a:off x="1523880" y="0"/>
-            <a:ext cx="9136440" cy="699120"/>
+            <a:ext cx="9136080" cy="699120"/>
           </a:xfrm>
           <a:prstGeom prst="rect">
             <a:avLst/>
@@ -14301,7 +14303,7 @@
         <p:spPr>
           <a:xfrm>
             <a:off x="1600200" y="762120"/>
-            <a:ext cx="8984160" cy="1461240"/>
+            <a:ext cx="8983800" cy="1461240"/>
           </a:xfrm>
           <a:prstGeom prst="rect">
             <a:avLst/>
@@ -14402,7 +14404,7 @@
         <p:spPr>
           <a:xfrm>
             <a:off x="152280" y="152280"/>
-            <a:ext cx="1099080" cy="455400"/>
+            <a:ext cx="1098720" cy="455400"/>
           </a:xfrm>
           <a:prstGeom prst="rect">
             <a:avLst/>
@@ -14453,7 +14455,7 @@
         <p:spPr>
           <a:xfrm>
             <a:off x="1601280" y="2725560"/>
-            <a:ext cx="8983080" cy="699480"/>
+            <a:ext cx="8982720" cy="699480"/>
           </a:xfrm>
           <a:prstGeom prst="rect">
             <a:avLst/>
@@ -14524,7 +14526,7 @@
         <p:spPr>
           <a:xfrm>
             <a:off x="1600200" y="3585600"/>
-            <a:ext cx="8882280" cy="912600"/>
+            <a:ext cx="8881920" cy="912600"/>
           </a:xfrm>
           <a:prstGeom prst="rect">
             <a:avLst/>
@@ -14545,7 +14547,7 @@
             <a:spAutoFit/>
           </a:bodyPr>
           <a:p>
-            <a:pPr marL="285840" indent="-278280">
+            <a:pPr marL="285840" indent="-277920">
               <a:lnSpc>
                 <a:spcPct val="150000"/>
               </a:lnSpc>
@@ -14590,7 +14592,7 @@
             </a:endParaRPr>
           </a:p>
           <a:p>
-            <a:pPr marL="285840" indent="-278280">
+            <a:pPr marL="285840" indent="-277920">
               <a:lnSpc>
                 <a:spcPct val="150000"/>
               </a:lnSpc>
@@ -14680,7 +14682,7 @@
         <p:spPr>
           <a:xfrm>
             <a:off x="5256000" y="5472000"/>
-            <a:ext cx="5135400" cy="794160"/>
+            <a:ext cx="5135040" cy="793800"/>
           </a:xfrm>
           <a:prstGeom prst="rect">
             <a:avLst/>
@@ -14811,7 +14813,7 @@
         <p:spPr>
           <a:xfrm>
             <a:off x="10514160" y="2592000"/>
-            <a:ext cx="1508040" cy="4066560"/>
+            <a:ext cx="1507680" cy="4066200"/>
           </a:xfrm>
           <a:prstGeom prst="rect">
             <a:avLst/>
@@ -15162,7 +15164,7 @@
         <p:spPr>
           <a:xfrm>
             <a:off x="1676520" y="2362320"/>
-            <a:ext cx="8831520" cy="912600"/>
+            <a:ext cx="8831160" cy="912600"/>
           </a:xfrm>
           <a:prstGeom prst="rect">
             <a:avLst/>
@@ -15213,7 +15215,7 @@
         <p:spPr>
           <a:xfrm>
             <a:off x="522360" y="3531600"/>
-            <a:ext cx="11068560" cy="363960"/>
+            <a:ext cx="11068200" cy="363960"/>
           </a:xfrm>
           <a:prstGeom prst="rect">
             <a:avLst/>
@@ -15294,7 +15296,7 @@
         <p:spPr>
           <a:xfrm>
             <a:off x="1523880" y="0"/>
-            <a:ext cx="9136440" cy="699120"/>
+            <a:ext cx="9136080" cy="699120"/>
           </a:xfrm>
           <a:prstGeom prst="rect">
             <a:avLst/>
@@ -15349,7 +15351,7 @@
         <p:spPr>
           <a:xfrm>
             <a:off x="1600200" y="762120"/>
-            <a:ext cx="8984160" cy="2558520"/>
+            <a:ext cx="8983800" cy="2558520"/>
           </a:xfrm>
           <a:prstGeom prst="rect">
             <a:avLst/>
@@ -15450,7 +15452,7 @@
         <p:spPr>
           <a:xfrm>
             <a:off x="72000" y="144000"/>
-            <a:ext cx="1358640" cy="1186920"/>
+            <a:ext cx="1358280" cy="1186920"/>
           </a:xfrm>
           <a:prstGeom prst="rect">
             <a:avLst/>
@@ -15501,7 +15503,7 @@
         <p:spPr>
           <a:xfrm>
             <a:off x="1601280" y="3697560"/>
-            <a:ext cx="8983080" cy="699480"/>
+            <a:ext cx="8982720" cy="699480"/>
           </a:xfrm>
           <a:prstGeom prst="rect">
             <a:avLst/>
@@ -15572,7 +15574,7 @@
         <p:spPr>
           <a:xfrm>
             <a:off x="1600200" y="4665600"/>
-            <a:ext cx="8882280" cy="912600"/>
+            <a:ext cx="8881920" cy="912600"/>
           </a:xfrm>
           <a:prstGeom prst="rect">
             <a:avLst/>
@@ -15593,7 +15595,7 @@
             <a:spAutoFit/>
           </a:bodyPr>
           <a:p>
-            <a:pPr marL="285840" indent="-278280">
+            <a:pPr marL="285840" indent="-277920">
               <a:lnSpc>
                 <a:spcPct val="150000"/>
               </a:lnSpc>
@@ -15638,7 +15640,7 @@
             </a:endParaRPr>
           </a:p>
           <a:p>
-            <a:pPr marL="285840" indent="-278280">
+            <a:pPr marL="285840" indent="-277920">
               <a:lnSpc>
                 <a:spcPct val="150000"/>
               </a:lnSpc>
@@ -15758,7 +15760,7 @@
         <p:spPr>
           <a:xfrm>
             <a:off x="1676520" y="2362320"/>
-            <a:ext cx="8831520" cy="912600"/>
+            <a:ext cx="8831160" cy="912600"/>
           </a:xfrm>
           <a:prstGeom prst="rect">
             <a:avLst/>
@@ -15809,7 +15811,7 @@
         <p:spPr>
           <a:xfrm>
             <a:off x="522360" y="3531600"/>
-            <a:ext cx="11068560" cy="363960"/>
+            <a:ext cx="11068200" cy="363960"/>
           </a:xfrm>
           <a:prstGeom prst="rect">
             <a:avLst/>
@@ -15890,7 +15892,7 @@
         <p:spPr>
           <a:xfrm>
             <a:off x="1523880" y="0"/>
-            <a:ext cx="9136440" cy="699120"/>
+            <a:ext cx="9136080" cy="699120"/>
           </a:xfrm>
           <a:prstGeom prst="rect">
             <a:avLst/>
@@ -15945,7 +15947,7 @@
         <p:spPr>
           <a:xfrm>
             <a:off x="1600200" y="762120"/>
-            <a:ext cx="8984160" cy="1186920"/>
+            <a:ext cx="8983800" cy="1186920"/>
           </a:xfrm>
           <a:prstGeom prst="rect">
             <a:avLst/>
@@ -16046,7 +16048,7 @@
         <p:spPr>
           <a:xfrm>
             <a:off x="152280" y="152280"/>
-            <a:ext cx="1099080" cy="455400"/>
+            <a:ext cx="1098720" cy="455400"/>
           </a:xfrm>
           <a:prstGeom prst="rect">
             <a:avLst/>
@@ -16097,7 +16099,7 @@
         <p:spPr>
           <a:xfrm>
             <a:off x="1601280" y="2473560"/>
-            <a:ext cx="8983080" cy="699480"/>
+            <a:ext cx="8982720" cy="699480"/>
           </a:xfrm>
           <a:prstGeom prst="rect">
             <a:avLst/>
@@ -16168,7 +16170,7 @@
         <p:spPr>
           <a:xfrm>
             <a:off x="1600200" y="3405600"/>
-            <a:ext cx="8882280" cy="1324080"/>
+            <a:ext cx="8881920" cy="1324080"/>
           </a:xfrm>
           <a:prstGeom prst="rect">
             <a:avLst/>
@@ -16189,7 +16191,7 @@
             <a:spAutoFit/>
           </a:bodyPr>
           <a:p>
-            <a:pPr marL="285840" indent="-278280">
+            <a:pPr marL="285840" indent="-277920">
               <a:lnSpc>
                 <a:spcPct val="150000"/>
               </a:lnSpc>
@@ -16234,7 +16236,7 @@
             </a:endParaRPr>
           </a:p>
           <a:p>
-            <a:pPr marL="285840" indent="-278280">
+            <a:pPr marL="285840" indent="-277920">
               <a:lnSpc>
                 <a:spcPct val="150000"/>
               </a:lnSpc>
@@ -16279,7 +16281,7 @@
             </a:endParaRPr>
           </a:p>
           <a:p>
-            <a:pPr marL="285840" indent="-278280">
+            <a:pPr marL="285840" indent="-277920">
               <a:lnSpc>
                 <a:spcPct val="150000"/>
               </a:lnSpc>
@@ -16369,7 +16371,7 @@
         <p:spPr>
           <a:xfrm>
             <a:off x="4601520" y="5832000"/>
-            <a:ext cx="5621400" cy="358920"/>
+            <a:ext cx="5621040" cy="358560"/>
           </a:xfrm>
           <a:prstGeom prst="rect">
             <a:avLst/>
@@ -16450,7 +16452,7 @@
         <p:spPr>
           <a:xfrm>
             <a:off x="10584000" y="3710160"/>
-            <a:ext cx="1407600" cy="2552760"/>
+            <a:ext cx="1407240" cy="2552400"/>
           </a:xfrm>
           <a:prstGeom prst="rect">
             <a:avLst/>
@@ -16691,7 +16693,7 @@
         <p:spPr>
           <a:xfrm>
             <a:off x="1676520" y="2362320"/>
-            <a:ext cx="8831520" cy="912600"/>
+            <a:ext cx="8831160" cy="912600"/>
           </a:xfrm>
           <a:prstGeom prst="rect">
             <a:avLst/>
@@ -16742,7 +16744,7 @@
         <p:spPr>
           <a:xfrm>
             <a:off x="522360" y="3531600"/>
-            <a:ext cx="11068560" cy="363960"/>
+            <a:ext cx="11068200" cy="363960"/>
           </a:xfrm>
           <a:prstGeom prst="rect">
             <a:avLst/>
@@ -16823,7 +16825,7 @@
         <p:spPr>
           <a:xfrm>
             <a:off x="1676520" y="2362320"/>
-            <a:ext cx="8831520" cy="912600"/>
+            <a:ext cx="8831160" cy="912600"/>
           </a:xfrm>
           <a:prstGeom prst="rect">
             <a:avLst/>
@@ -16874,7 +16876,7 @@
         <p:spPr>
           <a:xfrm>
             <a:off x="522360" y="3531600"/>
-            <a:ext cx="11068560" cy="363960"/>
+            <a:ext cx="11068200" cy="363960"/>
           </a:xfrm>
           <a:prstGeom prst="rect">
             <a:avLst/>
@@ -16955,7 +16957,7 @@
         <p:spPr>
           <a:xfrm>
             <a:off x="1523880" y="0"/>
-            <a:ext cx="9136440" cy="699120"/>
+            <a:ext cx="9136080" cy="699120"/>
           </a:xfrm>
           <a:prstGeom prst="rect">
             <a:avLst/>
@@ -17010,7 +17012,7 @@
         <p:spPr>
           <a:xfrm>
             <a:off x="1600200" y="762120"/>
-            <a:ext cx="8984160" cy="2558520"/>
+            <a:ext cx="8983800" cy="2558520"/>
           </a:xfrm>
           <a:prstGeom prst="rect">
             <a:avLst/>
@@ -17111,7 +17113,7 @@
         <p:spPr>
           <a:xfrm>
             <a:off x="152280" y="152280"/>
-            <a:ext cx="1099080" cy="455400"/>
+            <a:ext cx="1098720" cy="455400"/>
           </a:xfrm>
           <a:prstGeom prst="rect">
             <a:avLst/>
@@ -17162,7 +17164,7 @@
         <p:spPr>
           <a:xfrm>
             <a:off x="1601280" y="3697560"/>
-            <a:ext cx="8983080" cy="699480"/>
+            <a:ext cx="8982720" cy="699480"/>
           </a:xfrm>
           <a:prstGeom prst="rect">
             <a:avLst/>
@@ -17233,7 +17235,7 @@
         <p:spPr>
           <a:xfrm>
             <a:off x="1600200" y="4629600"/>
-            <a:ext cx="8882280" cy="912600"/>
+            <a:ext cx="8881920" cy="912600"/>
           </a:xfrm>
           <a:prstGeom prst="rect">
             <a:avLst/>
@@ -17254,7 +17256,7 @@
             <a:spAutoFit/>
           </a:bodyPr>
           <a:p>
-            <a:pPr marL="285840" indent="-278280">
+            <a:pPr marL="285840" indent="-277920">
               <a:lnSpc>
                 <a:spcPct val="150000"/>
               </a:lnSpc>
@@ -17299,7 +17301,7 @@
             </a:endParaRPr>
           </a:p>
           <a:p>
-            <a:pPr marL="285840" indent="-278280">
+            <a:pPr marL="285840" indent="-277920">
               <a:lnSpc>
                 <a:spcPct val="150000"/>
               </a:lnSpc>
@@ -17419,7 +17421,7 @@
         <p:spPr>
           <a:xfrm>
             <a:off x="1676520" y="2362320"/>
-            <a:ext cx="8831520" cy="912600"/>
+            <a:ext cx="8831160" cy="912600"/>
           </a:xfrm>
           <a:prstGeom prst="rect">
             <a:avLst/>
@@ -17470,7 +17472,7 @@
         <p:spPr>
           <a:xfrm>
             <a:off x="522360" y="3531600"/>
-            <a:ext cx="11068560" cy="363960"/>
+            <a:ext cx="11068200" cy="363960"/>
           </a:xfrm>
           <a:prstGeom prst="rect">
             <a:avLst/>
@@ -17551,7 +17553,7 @@
         <p:spPr>
           <a:xfrm>
             <a:off x="1523880" y="0"/>
-            <a:ext cx="9136440" cy="699120"/>
+            <a:ext cx="9136080" cy="699120"/>
           </a:xfrm>
           <a:prstGeom prst="rect">
             <a:avLst/>
@@ -17606,7 +17608,7 @@
         <p:spPr>
           <a:xfrm>
             <a:off x="1600200" y="762120"/>
-            <a:ext cx="8984160" cy="2284200"/>
+            <a:ext cx="8983800" cy="2284200"/>
           </a:xfrm>
           <a:prstGeom prst="rect">
             <a:avLst/>
@@ -17807,7 +17809,7 @@
         <p:spPr>
           <a:xfrm>
             <a:off x="152280" y="152280"/>
-            <a:ext cx="1099080" cy="455400"/>
+            <a:ext cx="1098720" cy="455400"/>
           </a:xfrm>
           <a:prstGeom prst="rect">
             <a:avLst/>
@@ -17858,7 +17860,7 @@
         <p:spPr>
           <a:xfrm>
             <a:off x="1601280" y="3625560"/>
-            <a:ext cx="8983080" cy="699480"/>
+            <a:ext cx="8982720" cy="699480"/>
           </a:xfrm>
           <a:prstGeom prst="rect">
             <a:avLst/>
@@ -17929,7 +17931,7 @@
         <p:spPr>
           <a:xfrm>
             <a:off x="1600200" y="4521600"/>
-            <a:ext cx="8882280" cy="912600"/>
+            <a:ext cx="8881920" cy="912600"/>
           </a:xfrm>
           <a:prstGeom prst="rect">
             <a:avLst/>
@@ -17950,7 +17952,7 @@
             <a:spAutoFit/>
           </a:bodyPr>
           <a:p>
-            <a:pPr marL="285840" indent="-278280">
+            <a:pPr marL="285840" indent="-277920">
               <a:lnSpc>
                 <a:spcPct val="150000"/>
               </a:lnSpc>
@@ -17995,7 +17997,7 @@
             </a:endParaRPr>
           </a:p>
           <a:p>
-            <a:pPr marL="285840" indent="-278280">
+            <a:pPr marL="285840" indent="-277920">
               <a:lnSpc>
                 <a:spcPct val="150000"/>
               </a:lnSpc>
@@ -18085,7 +18087,7 @@
         <p:spPr>
           <a:xfrm>
             <a:off x="1224000" y="5904000"/>
-            <a:ext cx="8926920" cy="358920"/>
+            <a:ext cx="8926560" cy="358560"/>
           </a:xfrm>
           <a:prstGeom prst="rect">
             <a:avLst/>
@@ -18106,7 +18108,7 @@
             <a:noAutofit/>
           </a:bodyPr>
           <a:p>
-            <a:pPr marL="216000" indent="-214920">
+            <a:pPr marL="216000" indent="-214560">
               <a:lnSpc>
                 <a:spcPct val="100000"/>
               </a:lnSpc>
@@ -18172,7 +18174,7 @@
         <p:spPr>
           <a:xfrm>
             <a:off x="10585440" y="1036440"/>
-            <a:ext cx="1437480" cy="5658480"/>
+            <a:ext cx="1437120" cy="5658120"/>
           </a:xfrm>
           <a:prstGeom prst="rect">
             <a:avLst/>
@@ -18603,7 +18605,7 @@
         <p:spPr>
           <a:xfrm>
             <a:off x="1676520" y="2362320"/>
-            <a:ext cx="8831520" cy="912600"/>
+            <a:ext cx="8831160" cy="912600"/>
           </a:xfrm>
           <a:prstGeom prst="rect">
             <a:avLst/>
@@ -18654,7 +18656,7 @@
         <p:spPr>
           <a:xfrm>
             <a:off x="522360" y="3531600"/>
-            <a:ext cx="11068560" cy="363960"/>
+            <a:ext cx="11068200" cy="363960"/>
           </a:xfrm>
           <a:prstGeom prst="rect">
             <a:avLst/>
@@ -18735,7 +18737,7 @@
         <p:spPr>
           <a:xfrm>
             <a:off x="1523880" y="0"/>
-            <a:ext cx="9136440" cy="699120"/>
+            <a:ext cx="9136080" cy="699120"/>
           </a:xfrm>
           <a:prstGeom prst="rect">
             <a:avLst/>
@@ -18790,7 +18792,7 @@
         <p:spPr>
           <a:xfrm>
             <a:off x="1600200" y="762120"/>
-            <a:ext cx="8984160" cy="1735920"/>
+            <a:ext cx="8983800" cy="1735560"/>
           </a:xfrm>
           <a:prstGeom prst="rect">
             <a:avLst/>
@@ -18851,7 +18853,7 @@
         <p:spPr>
           <a:xfrm>
             <a:off x="152280" y="152280"/>
-            <a:ext cx="1099080" cy="455400"/>
+            <a:ext cx="1098720" cy="455400"/>
           </a:xfrm>
           <a:prstGeom prst="rect">
             <a:avLst/>
@@ -18902,7 +18904,7 @@
         <p:spPr>
           <a:xfrm>
             <a:off x="1601280" y="2941560"/>
-            <a:ext cx="8983080" cy="699840"/>
+            <a:ext cx="8982720" cy="699480"/>
           </a:xfrm>
           <a:prstGeom prst="rect">
             <a:avLst/>
@@ -18953,7 +18955,7 @@
         <p:spPr>
           <a:xfrm>
             <a:off x="1600200" y="3873600"/>
-            <a:ext cx="8882280" cy="1735560"/>
+            <a:ext cx="8881920" cy="1735560"/>
           </a:xfrm>
           <a:prstGeom prst="rect">
             <a:avLst/>
@@ -18974,7 +18976,7 @@
             <a:spAutoFit/>
           </a:bodyPr>
           <a:p>
-            <a:pPr marL="285840" indent="-278280">
+            <a:pPr marL="285840" indent="-277920">
               <a:lnSpc>
                 <a:spcPct val="150000"/>
               </a:lnSpc>
@@ -19019,7 +19021,7 @@
             </a:endParaRPr>
           </a:p>
           <a:p>
-            <a:pPr marL="285840" indent="-278280">
+            <a:pPr marL="285840" indent="-277920">
               <a:lnSpc>
                 <a:spcPct val="150000"/>
               </a:lnSpc>
@@ -19064,7 +19066,7 @@
             </a:endParaRPr>
           </a:p>
           <a:p>
-            <a:pPr marL="285840" indent="-278280">
+            <a:pPr marL="285840" indent="-277920">
               <a:lnSpc>
                 <a:spcPct val="150000"/>
               </a:lnSpc>
@@ -19109,7 +19111,7 @@
             </a:endParaRPr>
           </a:p>
           <a:p>
-            <a:pPr marL="285840" indent="-278280">
+            <a:pPr marL="285840" indent="-277920">
               <a:lnSpc>
                 <a:spcPct val="150000"/>
               </a:lnSpc>
@@ -19199,7 +19201,7 @@
         <p:spPr>
           <a:xfrm>
             <a:off x="1224000" y="5904000"/>
-            <a:ext cx="8926920" cy="358920"/>
+            <a:ext cx="8926560" cy="358560"/>
           </a:xfrm>
           <a:prstGeom prst="rect">
             <a:avLst/>
@@ -19220,7 +19222,7 @@
             <a:noAutofit/>
           </a:bodyPr>
           <a:p>
-            <a:pPr marL="216000" indent="-214920">
+            <a:pPr marL="216000" indent="-214560">
               <a:lnSpc>
                 <a:spcPct val="100000"/>
               </a:lnSpc>
@@ -19286,7 +19288,7 @@
         <p:spPr>
           <a:xfrm>
             <a:off x="10585440" y="1036440"/>
-            <a:ext cx="1437480" cy="5658480"/>
+            <a:ext cx="1437120" cy="5658120"/>
           </a:xfrm>
           <a:prstGeom prst="rect">
             <a:avLst/>
@@ -19717,7 +19719,7 @@
         <p:spPr>
           <a:xfrm>
             <a:off x="1676520" y="2362320"/>
-            <a:ext cx="8831520" cy="912600"/>
+            <a:ext cx="8831160" cy="912600"/>
           </a:xfrm>
           <a:prstGeom prst="rect">
             <a:avLst/>
@@ -19768,7 +19770,7 @@
         <p:spPr>
           <a:xfrm>
             <a:off x="1666800" y="609480"/>
-            <a:ext cx="8831520" cy="394560"/>
+            <a:ext cx="8831160" cy="394560"/>
           </a:xfrm>
           <a:prstGeom prst="rect">
             <a:avLst/>
@@ -19819,7 +19821,7 @@
         <p:spPr>
           <a:xfrm>
             <a:off x="522360" y="3531600"/>
-            <a:ext cx="11068560" cy="1735560"/>
+            <a:ext cx="11068200" cy="1735560"/>
           </a:xfrm>
           <a:prstGeom prst="rect">
             <a:avLst/>
@@ -19870,7 +19872,7 @@
             </a:endParaRPr>
           </a:p>
           <a:p>
-            <a:pPr marL="216000" indent="-216000">
+            <a:pPr marL="216000" indent="-215640">
               <a:lnSpc>
                 <a:spcPct val="100000"/>
               </a:lnSpc>
@@ -19945,7 +19947,7 @@
         <p:spPr>
           <a:xfrm>
             <a:off x="1676520" y="2362320"/>
-            <a:ext cx="8831520" cy="913320"/>
+            <a:ext cx="8831160" cy="912960"/>
           </a:xfrm>
           <a:prstGeom prst="rect">
             <a:avLst/>
@@ -19996,7 +19998,7 @@
         <p:spPr>
           <a:xfrm>
             <a:off x="522360" y="3531600"/>
-            <a:ext cx="11068560" cy="363960"/>
+            <a:ext cx="11068200" cy="363960"/>
           </a:xfrm>
           <a:prstGeom prst="rect">
             <a:avLst/>
@@ -20077,7 +20079,7 @@
         <p:spPr>
           <a:xfrm>
             <a:off x="1523880" y="0"/>
-            <a:ext cx="9136440" cy="699120"/>
+            <a:ext cx="9136080" cy="699120"/>
           </a:xfrm>
           <a:prstGeom prst="rect">
             <a:avLst/>
@@ -20132,7 +20134,7 @@
         <p:spPr>
           <a:xfrm>
             <a:off x="1600200" y="762120"/>
-            <a:ext cx="8984160" cy="1187640"/>
+            <a:ext cx="8983800" cy="1187280"/>
           </a:xfrm>
           <a:prstGeom prst="rect">
             <a:avLst/>
@@ -20153,7 +20155,11 @@
             <a:spAutoFit/>
           </a:bodyPr>
           <a:p>
-            <a:pPr algn="just"/>
+            <a:pPr algn="just">
+              <a:lnSpc>
+                <a:spcPct val="100000"/>
+              </a:lnSpc>
+            </a:pPr>
             <a:r>
               <a:rPr b="1" lang="en-US" sz="1800" spc="-1" strike="noStrike">
                 <a:solidFill>
@@ -20166,6 +20172,9 @@
             </a:r>
             <a:r>
               <a:rPr b="0" lang="en-US" sz="1800" spc="-1" strike="noStrike">
+                <a:solidFill>
+                  <a:srgbClr val="000000"/>
+                </a:solidFill>
                 <a:latin typeface="Arial"/>
                 <a:ea typeface="DejaVu Sans"/>
               </a:rPr>
@@ -20186,7 +20195,11 @@
             </a:endParaRPr>
           </a:p>
           <a:p>
-            <a:pPr algn="just"/>
+            <a:pPr algn="just">
+              <a:lnSpc>
+                <a:spcPct val="100000"/>
+              </a:lnSpc>
+            </a:pPr>
             <a:r>
               <a:rPr b="1" lang="en-US" sz="1800" spc="-1" strike="noStrike">
                 <a:solidFill>
@@ -20199,6 +20212,9 @@
             </a:r>
             <a:r>
               <a:rPr b="0" lang="en-US" sz="1800" spc="-1" strike="noStrike">
+                <a:solidFill>
+                  <a:srgbClr val="000000"/>
+                </a:solidFill>
                 <a:latin typeface="Arial"/>
                 <a:ea typeface="DejaVu Sans"/>
               </a:rPr>
@@ -20219,7 +20235,7 @@
         <p:spPr>
           <a:xfrm>
             <a:off x="152280" y="152280"/>
-            <a:ext cx="1099080" cy="455400"/>
+            <a:ext cx="1098720" cy="455400"/>
           </a:xfrm>
           <a:prstGeom prst="rect">
             <a:avLst/>
@@ -20270,7 +20286,7 @@
         <p:spPr>
           <a:xfrm>
             <a:off x="1601280" y="2581560"/>
-            <a:ext cx="8983080" cy="699480"/>
+            <a:ext cx="8982720" cy="699480"/>
           </a:xfrm>
           <a:prstGeom prst="rect">
             <a:avLst/>
@@ -20341,7 +20357,7 @@
         <p:spPr>
           <a:xfrm>
             <a:off x="1600200" y="3513600"/>
-            <a:ext cx="8882280" cy="912600"/>
+            <a:ext cx="8881920" cy="912600"/>
           </a:xfrm>
           <a:prstGeom prst="rect">
             <a:avLst/>
@@ -20362,7 +20378,7 @@
             <a:spAutoFit/>
           </a:bodyPr>
           <a:p>
-            <a:pPr marL="285840" indent="-278280">
+            <a:pPr marL="285840" indent="-277920">
               <a:lnSpc>
                 <a:spcPct val="150000"/>
               </a:lnSpc>
@@ -20407,7 +20423,7 @@
             </a:endParaRPr>
           </a:p>
           <a:p>
-            <a:pPr marL="285840" indent="-278280">
+            <a:pPr marL="285840" indent="-277920">
               <a:lnSpc>
                 <a:spcPct val="150000"/>
               </a:lnSpc>
@@ -20526,8 +20542,8 @@
         </p:nvSpPr>
         <p:spPr>
           <a:xfrm>
-            <a:off x="1365840" y="188640"/>
-            <a:ext cx="9675360" cy="2192400"/>
+            <a:off x="1676520" y="2362320"/>
+            <a:ext cx="8831160" cy="912960"/>
           </a:xfrm>
           <a:prstGeom prst="rect">
             <a:avLst/>
@@ -20554,84 +20570,72 @@
               </a:lnSpc>
             </a:pPr>
             <a:r>
-              <a:rPr b="0" lang="en-IN" sz="4000" spc="-1" strike="noStrike">
-                <a:solidFill>
-                  <a:srgbClr val="ff5733"/>
-                </a:solidFill>
-                <a:latin typeface="Segoe Print"/>
-                <a:ea typeface="DejaVu Sans"/>
-              </a:rPr>
-              <a:t>“</a:t>
-            </a:r>
-            <a:r>
-              <a:rPr b="0" lang="en-US" sz="4000" spc="-1" strike="noStrike">
-                <a:solidFill>
-                  <a:srgbClr val="ff5733"/>
-                </a:solidFill>
-                <a:latin typeface="Segoe Print"/>
-                <a:ea typeface="DejaVu Sans"/>
-              </a:rPr>
-              <a:t>Accept your past without regret, handle our present with confidence and face your future without fear.</a:t>
-            </a:r>
-            <a:r>
-              <a:rPr b="0" lang="en-IN" sz="4000" spc="-1" strike="noStrike">
-                <a:solidFill>
-                  <a:srgbClr val="ff5733"/>
-                </a:solidFill>
-                <a:latin typeface="Segoe Print"/>
-                <a:ea typeface="DejaVu Sans"/>
-              </a:rPr>
-              <a:t>”</a:t>
-            </a:r>
-            <a:endParaRPr b="0" lang="en-IN" sz="4000" spc="-1" strike="noStrike">
-              <a:latin typeface="Arial"/>
-            </a:endParaRPr>
-          </a:p>
-          <a:p>
-            <a:pPr algn="r">
-              <a:lnSpc>
-                <a:spcPct val="100000"/>
-              </a:lnSpc>
-            </a:pPr>
-            <a:r>
-              <a:rPr b="0" lang="en-IN" sz="1800" spc="-1" strike="noStrike">
-                <a:solidFill>
-                  <a:srgbClr val="111111"/>
-                </a:solidFill>
-                <a:latin typeface="-apple-system"/>
-                <a:ea typeface="DejaVu Sans"/>
-              </a:rPr>
-              <a:t>~ Dr. APJ. Abdul Kalam</a:t>
-            </a:r>
-            <a:endParaRPr b="0" lang="en-IN" sz="1800" spc="-1" strike="noStrike">
-              <a:latin typeface="Arial"/>
-            </a:endParaRPr>
-          </a:p>
-        </p:txBody>
-      </p:sp>
-      <p:pic>
-        <p:nvPicPr>
-          <p:cNvPr id="299" name="Picture 2" descr="http://www.bvctch.vn/vnt_upload/weblink/thks.jpg"/>
-          <p:cNvPicPr/>
+              <a:rPr b="0" i="1" lang="en-IN" sz="5400" spc="-1" strike="noStrike">
+                <a:solidFill>
+                  <a:srgbClr val="f7c120"/>
+                </a:solidFill>
+                <a:latin typeface="Century"/>
+                <a:ea typeface="DejaVu Sans"/>
+              </a:rPr>
+              <a:t>hmset key &amp; hmget key</a:t>
+            </a:r>
+            <a:endParaRPr b="0" lang="en-IN" sz="5400" spc="-1" strike="noStrike">
+              <a:latin typeface="Arial"/>
+            </a:endParaRPr>
+          </a:p>
+        </p:txBody>
+      </p:sp>
+      <p:sp>
+        <p:nvSpPr>
+          <p:cNvPr id="299" name="CustomShape 2"/>
+          <p:cNvSpPr/>
           <p:nvPr/>
-        </p:nvPicPr>
-        <p:blipFill>
-          <a:blip r:embed="rId1"/>
-          <a:stretch/>
-        </p:blipFill>
-        <p:spPr>
-          <a:xfrm>
-            <a:off x="4404600" y="2036160"/>
-            <a:ext cx="3119040" cy="4655880"/>
-          </a:xfrm>
-          <a:prstGeom prst="rect">
-            <a:avLst/>
-          </a:prstGeom>
+        </p:nvSpPr>
+        <p:spPr>
+          <a:xfrm>
+            <a:off x="522360" y="3531600"/>
+            <a:ext cx="11068200" cy="363960"/>
+          </a:xfrm>
+          <a:prstGeom prst="rect">
+            <a:avLst/>
+          </a:prstGeom>
+          <a:noFill/>
           <a:ln>
             <a:noFill/>
           </a:ln>
         </p:spPr>
-      </p:pic>
+        <p:style>
+          <a:lnRef idx="0"/>
+          <a:fillRef idx="0"/>
+          <a:effectRef idx="0"/>
+          <a:fontRef idx="minor"/>
+        </p:style>
+        <p:txBody>
+          <a:bodyPr lIns="90000" rIns="90000" tIns="45000" bIns="45000">
+            <a:spAutoFit/>
+          </a:bodyPr>
+          <a:p>
+            <a:pPr algn="just">
+              <a:lnSpc>
+                <a:spcPct val="100000"/>
+              </a:lnSpc>
+            </a:pPr>
+            <a:r>
+              <a:rPr b="0" lang="en-IN" sz="1800" spc="-1" strike="noStrike">
+                <a:solidFill>
+                  <a:srgbClr val="bb0643"/>
+                </a:solidFill>
+                <a:latin typeface="Segoe UI"/>
+                <a:ea typeface="DejaVu Sans"/>
+              </a:rPr>
+              <a:t>TODO</a:t>
+            </a:r>
+            <a:endParaRPr b="0" lang="en-IN" sz="1800" spc="-1" strike="noStrike">
+              <a:latin typeface="Arial"/>
+            </a:endParaRPr>
+          </a:p>
+        </p:txBody>
+      </p:sp>
     </p:spTree>
   </p:cSld>
   <mc:AlternateContent>
@@ -20706,7 +20710,7 @@
         <p:spPr>
           <a:xfrm>
             <a:off x="1523880" y="0"/>
-            <a:ext cx="9136440" cy="699120"/>
+            <a:ext cx="9136080" cy="699120"/>
           </a:xfrm>
           <a:prstGeom prst="rect">
             <a:avLst/>
@@ -20761,7 +20765,7 @@
         <p:spPr>
           <a:xfrm>
             <a:off x="1600200" y="762120"/>
-            <a:ext cx="8984160" cy="638280"/>
+            <a:ext cx="8983800" cy="638280"/>
           </a:xfrm>
           <a:prstGeom prst="rect">
             <a:avLst/>
@@ -20822,7 +20826,7 @@
         <p:spPr>
           <a:xfrm>
             <a:off x="152280" y="152280"/>
-            <a:ext cx="1099080" cy="455400"/>
+            <a:ext cx="1098720" cy="455400"/>
           </a:xfrm>
           <a:prstGeom prst="rect">
             <a:avLst/>
@@ -20873,7 +20877,7 @@
         <p:spPr>
           <a:xfrm>
             <a:off x="1601280" y="2221560"/>
-            <a:ext cx="8983080" cy="699480"/>
+            <a:ext cx="8982720" cy="699480"/>
           </a:xfrm>
           <a:prstGeom prst="rect">
             <a:avLst/>
@@ -20944,7 +20948,7 @@
         <p:spPr>
           <a:xfrm>
             <a:off x="1523880" y="2940480"/>
-            <a:ext cx="9413280" cy="1735560"/>
+            <a:ext cx="9412920" cy="1735560"/>
           </a:xfrm>
           <a:prstGeom prst="rect">
             <a:avLst/>
@@ -20965,7 +20969,7 @@
             <a:spAutoFit/>
           </a:bodyPr>
           <a:p>
-            <a:pPr marL="285840" indent="-278280">
+            <a:pPr marL="285840" indent="-277920">
               <a:lnSpc>
                 <a:spcPct val="150000"/>
               </a:lnSpc>
@@ -21010,7 +21014,7 @@
             </a:endParaRPr>
           </a:p>
           <a:p>
-            <a:pPr marL="285840" indent="-278280">
+            <a:pPr marL="285840" indent="-277920">
               <a:lnSpc>
                 <a:spcPct val="150000"/>
               </a:lnSpc>
@@ -21085,7 +21089,7 @@
             </a:endParaRPr>
           </a:p>
           <a:p>
-            <a:pPr marL="285840" indent="-278280">
+            <a:pPr marL="285840" indent="-277920">
               <a:lnSpc>
                 <a:spcPct val="150000"/>
               </a:lnSpc>
@@ -21150,7 +21154,7 @@
             </a:endParaRPr>
           </a:p>
           <a:p>
-            <a:pPr marL="285840" indent="-278280">
+            <a:pPr marL="285840" indent="-277920">
               <a:lnSpc>
                 <a:spcPct val="150000"/>
               </a:lnSpc>
@@ -21215,7 +21219,7 @@
         <p:spPr>
           <a:xfrm>
             <a:off x="1584000" y="4889520"/>
-            <a:ext cx="8848800" cy="1009440"/>
+            <a:ext cx="8848440" cy="1009080"/>
           </a:xfrm>
           <a:prstGeom prst="rect">
             <a:avLst/>
@@ -21266,7 +21270,7 @@
             </a:endParaRPr>
           </a:p>
           <a:p>
-            <a:pPr marL="216000" indent="-208800">
+            <a:pPr marL="216000" indent="-208440">
               <a:lnSpc>
                 <a:spcPct val="100000"/>
               </a:lnSpc>
@@ -21353,6 +21357,614 @@
           </a:p>
         </p:txBody>
       </p:sp>
+    </p:spTree>
+  </p:cSld>
+  <mc:AlternateContent>
+    <mc:Choice Requires="p14">
+      <p:transition spd="slow" p14:dur="2000"/>
+    </mc:Choice>
+    <mc:Fallback>
+      <p:transition spd="slow"/>
+    </mc:Fallback>
+  </mc:AlternateContent>
+</p:sld>
+</file>
+
+<file path=ppt/slides/slide50.xml><?xml version="1.0" encoding="utf-8"?>
+<p:sld xmlns:a="http://schemas.openxmlformats.org/drawingml/2006/main" xmlns:p="http://schemas.openxmlformats.org/presentationml/2006/main" xmlns:r="http://schemas.openxmlformats.org/officeDocument/2006/relationships" xmlns:p14="http://schemas.microsoft.com/office/powerpoint/2010/main" xmlns:p15="http://schemas.microsoft.com/office/powerpoint/2012/main" xmlns:mc="http://schemas.openxmlformats.org/markup-compatibility/2006">
+  <p:cSld>
+    <p:spTree>
+      <p:nvGrpSpPr>
+        <p:cNvPr id="1" name=""/>
+        <p:cNvGrpSpPr/>
+        <p:nvPr/>
+      </p:nvGrpSpPr>
+      <p:grpSpPr>
+        <a:xfrm>
+          <a:off x="0" y="0"/>
+          <a:ext cx="0" cy="0"/>
+          <a:chOff x="0" y="0"/>
+          <a:chExt cx="0" cy="0"/>
+        </a:xfrm>
+      </p:grpSpPr>
+      <p:sp>
+        <p:nvSpPr>
+          <p:cNvPr id="300" name="CustomShape 1"/>
+          <p:cNvSpPr/>
+          <p:nvPr/>
+        </p:nvSpPr>
+        <p:spPr>
+          <a:xfrm>
+            <a:off x="1523880" y="0"/>
+            <a:ext cx="9136080" cy="699120"/>
+          </a:xfrm>
+          <a:prstGeom prst="rect">
+            <a:avLst/>
+          </a:prstGeom>
+          <a:solidFill>
+            <a:schemeClr val="accent6">
+              <a:lumMod val="75000"/>
+            </a:schemeClr>
+          </a:solidFill>
+          <a:ln>
+            <a:noFill/>
+          </a:ln>
+        </p:spPr>
+        <p:style>
+          <a:lnRef idx="0"/>
+          <a:fillRef idx="0"/>
+          <a:effectRef idx="0"/>
+          <a:fontRef idx="minor"/>
+        </p:style>
+        <p:txBody>
+          <a:bodyPr lIns="90000" rIns="90000" tIns="45000" bIns="45000">
+            <a:spAutoFit/>
+          </a:bodyPr>
+          <a:p>
+            <a:pPr algn="ctr">
+              <a:lnSpc>
+                <a:spcPct val="100000"/>
+              </a:lnSpc>
+            </a:pPr>
+            <a:r>
+              <a:rPr b="0" lang="en-IN" sz="4000" spc="-1" strike="noStrike">
+                <a:solidFill>
+                  <a:srgbClr val="f7c120"/>
+                </a:solidFill>
+                <a:latin typeface="Open Sans"/>
+                <a:ea typeface="DejaVu Sans"/>
+              </a:rPr>
+              <a:t>hmset &amp; hmget</a:t>
+            </a:r>
+            <a:endParaRPr b="0" lang="en-IN" sz="4000" spc="-1" strike="noStrike">
+              <a:latin typeface="Arial"/>
+            </a:endParaRPr>
+          </a:p>
+        </p:txBody>
+      </p:sp>
+      <p:sp>
+        <p:nvSpPr>
+          <p:cNvPr id="301" name="CustomShape 2"/>
+          <p:cNvSpPr/>
+          <p:nvPr/>
+        </p:nvSpPr>
+        <p:spPr>
+          <a:xfrm>
+            <a:off x="1600200" y="762120"/>
+            <a:ext cx="8983800" cy="1187280"/>
+          </a:xfrm>
+          <a:prstGeom prst="rect">
+            <a:avLst/>
+          </a:prstGeom>
+          <a:noFill/>
+          <a:ln>
+            <a:noFill/>
+          </a:ln>
+        </p:spPr>
+        <p:style>
+          <a:lnRef idx="0"/>
+          <a:fillRef idx="0"/>
+          <a:effectRef idx="0"/>
+          <a:fontRef idx="minor"/>
+        </p:style>
+        <p:txBody>
+          <a:bodyPr lIns="90000" rIns="90000" tIns="45000" bIns="45000">
+            <a:spAutoFit/>
+          </a:bodyPr>
+          <a:p>
+            <a:pPr algn="just">
+              <a:lnSpc>
+                <a:spcPct val="100000"/>
+              </a:lnSpc>
+            </a:pPr>
+            <a:r>
+              <a:rPr b="1" lang="en-US" sz="1800" spc="-1" strike="noStrike">
+                <a:solidFill>
+                  <a:srgbClr val="7c4dff"/>
+                </a:solidFill>
+                <a:latin typeface="Arial"/>
+                <a:ea typeface="DejaVu Sans"/>
+              </a:rPr>
+              <a:t>HSET</a:t>
+            </a:r>
+            <a:r>
+              <a:rPr b="0" lang="en-US" sz="1800" spc="-1" strike="noStrike">
+                <a:solidFill>
+                  <a:srgbClr val="000000"/>
+                </a:solidFill>
+                <a:latin typeface="Arial"/>
+                <a:ea typeface="DejaVu Sans"/>
+              </a:rPr>
+              <a:t> sets field in the hash stored at key to value. If key does not exist, a new key holding a hash is created. If field already exists in the hash, it is overwritten.</a:t>
+            </a:r>
+            <a:endParaRPr b="0" lang="en-IN" sz="1800" spc="-1" strike="noStrike">
+              <a:latin typeface="Arial"/>
+            </a:endParaRPr>
+          </a:p>
+          <a:p>
+            <a:pPr algn="just">
+              <a:lnSpc>
+                <a:spcPct val="100000"/>
+              </a:lnSpc>
+            </a:pPr>
+            <a:endParaRPr b="0" lang="en-IN" sz="1800" spc="-1" strike="noStrike">
+              <a:latin typeface="Arial"/>
+            </a:endParaRPr>
+          </a:p>
+          <a:p>
+            <a:pPr algn="just">
+              <a:lnSpc>
+                <a:spcPct val="100000"/>
+              </a:lnSpc>
+            </a:pPr>
+            <a:r>
+              <a:rPr b="1" lang="en-US" sz="1800" spc="-1" strike="noStrike">
+                <a:solidFill>
+                  <a:srgbClr val="7c4dff"/>
+                </a:solidFill>
+                <a:latin typeface="Arial"/>
+                <a:ea typeface="DejaVu Sans"/>
+              </a:rPr>
+              <a:t>HGET</a:t>
+            </a:r>
+            <a:r>
+              <a:rPr b="0" lang="en-US" sz="1800" spc="-1" strike="noStrike">
+                <a:solidFill>
+                  <a:srgbClr val="000000"/>
+                </a:solidFill>
+                <a:latin typeface="Arial"/>
+                <a:ea typeface="DejaVu Sans"/>
+              </a:rPr>
+              <a:t> returns the value associated with field in the hash stored at key.</a:t>
+            </a:r>
+            <a:endParaRPr b="0" lang="en-IN" sz="1800" spc="-1" strike="noStrike">
+              <a:latin typeface="Arial"/>
+            </a:endParaRPr>
+          </a:p>
+        </p:txBody>
+      </p:sp>
+      <p:sp>
+        <p:nvSpPr>
+          <p:cNvPr id="302" name="CustomShape 3"/>
+          <p:cNvSpPr/>
+          <p:nvPr/>
+        </p:nvSpPr>
+        <p:spPr>
+          <a:xfrm>
+            <a:off x="152280" y="152280"/>
+            <a:ext cx="1098720" cy="455400"/>
+          </a:xfrm>
+          <a:prstGeom prst="rect">
+            <a:avLst/>
+          </a:prstGeom>
+          <a:noFill/>
+          <a:ln>
+            <a:noFill/>
+          </a:ln>
+        </p:spPr>
+        <p:style>
+          <a:lnRef idx="0"/>
+          <a:fillRef idx="0"/>
+          <a:effectRef idx="0"/>
+          <a:fontRef idx="minor"/>
+        </p:style>
+        <p:txBody>
+          <a:bodyPr lIns="90000" rIns="90000" tIns="45000" bIns="45000">
+            <a:spAutoFit/>
+          </a:bodyPr>
+          <a:p>
+            <a:pPr algn="just">
+              <a:lnSpc>
+                <a:spcPct val="100000"/>
+              </a:lnSpc>
+            </a:pPr>
+            <a:r>
+              <a:rPr b="0" lang="en-IN" sz="2400" spc="-1" strike="noStrike">
+                <a:solidFill>
+                  <a:srgbClr val="ff0000"/>
+                </a:solidFill>
+                <a:latin typeface="Times New Roman"/>
+                <a:ea typeface="DejaVu Sans"/>
+              </a:rPr>
+              <a:t>TODO</a:t>
+            </a:r>
+            <a:endParaRPr b="0" lang="en-IN" sz="2400" spc="-1" strike="noStrike">
+              <a:latin typeface="Arial"/>
+            </a:endParaRPr>
+          </a:p>
+        </p:txBody>
+      </p:sp>
+      <p:sp>
+        <p:nvSpPr>
+          <p:cNvPr id="303" name="CustomShape 4"/>
+          <p:cNvSpPr/>
+          <p:nvPr/>
+        </p:nvSpPr>
+        <p:spPr>
+          <a:xfrm>
+            <a:off x="1601280" y="2581560"/>
+            <a:ext cx="8982720" cy="699480"/>
+          </a:xfrm>
+          <a:prstGeom prst="rect">
+            <a:avLst/>
+          </a:prstGeom>
+          <a:noFill/>
+          <a:ln>
+            <a:noFill/>
+          </a:ln>
+        </p:spPr>
+        <p:style>
+          <a:lnRef idx="0"/>
+          <a:fillRef idx="0"/>
+          <a:effectRef idx="0"/>
+          <a:fontRef idx="minor"/>
+        </p:style>
+        <p:txBody>
+          <a:bodyPr lIns="90000" rIns="90000" tIns="45000" bIns="45000">
+            <a:spAutoFit/>
+          </a:bodyPr>
+          <a:p>
+            <a:pPr>
+              <a:lnSpc>
+                <a:spcPct val="100000"/>
+              </a:lnSpc>
+            </a:pPr>
+            <a:r>
+              <a:rPr b="0" lang="en-US" sz="2000" spc="-1" strike="noStrike">
+                <a:solidFill>
+                  <a:srgbClr val="00b0f0"/>
+                </a:solidFill>
+                <a:latin typeface="Consolas"/>
+                <a:ea typeface="DejaVu Sans"/>
+              </a:rPr>
+              <a:t>HSET key field value [field value ...]</a:t>
+            </a:r>
+            <a:endParaRPr b="0" lang="en-IN" sz="2000" spc="-1" strike="noStrike">
+              <a:latin typeface="Arial"/>
+            </a:endParaRPr>
+          </a:p>
+          <a:p>
+            <a:pPr>
+              <a:lnSpc>
+                <a:spcPct val="100000"/>
+              </a:lnSpc>
+            </a:pPr>
+            <a:r>
+              <a:rPr b="0" lang="en-US" sz="2000" spc="-1" strike="noStrike">
+                <a:solidFill>
+                  <a:srgbClr val="00b0f0"/>
+                </a:solidFill>
+                <a:latin typeface="Consolas"/>
+                <a:ea typeface="DejaVu Sans"/>
+              </a:rPr>
+              <a:t>HGET key field</a:t>
+            </a:r>
+            <a:endParaRPr b="0" lang="en-IN" sz="2000" spc="-1" strike="noStrike">
+              <a:latin typeface="Arial"/>
+            </a:endParaRPr>
+          </a:p>
+        </p:txBody>
+      </p:sp>
+      <p:sp>
+        <p:nvSpPr>
+          <p:cNvPr id="304" name="CustomShape 5"/>
+          <p:cNvSpPr/>
+          <p:nvPr/>
+        </p:nvSpPr>
+        <p:spPr>
+          <a:xfrm>
+            <a:off x="1600200" y="3513600"/>
+            <a:ext cx="8881920" cy="912600"/>
+          </a:xfrm>
+          <a:prstGeom prst="rect">
+            <a:avLst/>
+          </a:prstGeom>
+          <a:noFill/>
+          <a:ln>
+            <a:noFill/>
+          </a:ln>
+        </p:spPr>
+        <p:style>
+          <a:lnRef idx="0"/>
+          <a:fillRef idx="0"/>
+          <a:effectRef idx="0"/>
+          <a:fontRef idx="minor"/>
+        </p:style>
+        <p:txBody>
+          <a:bodyPr lIns="90000" rIns="90000" tIns="45000" bIns="45000">
+            <a:spAutoFit/>
+          </a:bodyPr>
+          <a:p>
+            <a:pPr marL="285840" indent="-277920">
+              <a:lnSpc>
+                <a:spcPct val="150000"/>
+              </a:lnSpc>
+              <a:buClr>
+                <a:srgbClr val="808080"/>
+              </a:buClr>
+              <a:buFont typeface="Arial"/>
+              <a:buChar char="•"/>
+            </a:pPr>
+            <a:r>
+              <a:rPr b="0" lang="en-IN" sz="1800" spc="-1" strike="noStrike">
+                <a:solidFill>
+                  <a:srgbClr val="808080"/>
+                </a:solidFill>
+                <a:latin typeface="Consolas"/>
+                <a:ea typeface="SimSun"/>
+              </a:rPr>
+              <a:t>127.0.0.1:6379&gt;</a:t>
+            </a:r>
+            <a:r>
+              <a:rPr b="0" lang="en-IN" sz="1800" spc="-1" strike="noStrike">
+                <a:solidFill>
+                  <a:srgbClr val="000000"/>
+                </a:solidFill>
+                <a:latin typeface="Consolas"/>
+                <a:ea typeface="SimSun"/>
+              </a:rPr>
+              <a:t> </a:t>
+            </a:r>
+            <a:r>
+              <a:rPr b="0" lang="en-IN" sz="1800" spc="-1" strike="noStrike">
+                <a:solidFill>
+                  <a:srgbClr val="ff5733"/>
+                </a:solidFill>
+                <a:latin typeface="Consolas"/>
+                <a:ea typeface="SimSun"/>
+              </a:rPr>
+              <a:t>lpop fruits 2</a:t>
+            </a:r>
+            <a:endParaRPr b="0" lang="en-IN" sz="1800" spc="-1" strike="noStrike">
+              <a:latin typeface="Arial"/>
+            </a:endParaRPr>
+          </a:p>
+          <a:p>
+            <a:pPr marL="285840" indent="-277920">
+              <a:lnSpc>
+                <a:spcPct val="150000"/>
+              </a:lnSpc>
+              <a:buClr>
+                <a:srgbClr val="808080"/>
+              </a:buClr>
+              <a:buFont typeface="Arial"/>
+              <a:buChar char="•"/>
+            </a:pPr>
+            <a:r>
+              <a:rPr b="0" lang="en-IN" sz="1800" spc="-1" strike="noStrike">
+                <a:solidFill>
+                  <a:srgbClr val="808080"/>
+                </a:solidFill>
+                <a:latin typeface="Consolas"/>
+                <a:ea typeface="SimSun"/>
+              </a:rPr>
+              <a:t>127.0.0.1:6379&gt;</a:t>
+            </a:r>
+            <a:r>
+              <a:rPr b="0" lang="en-IN" sz="1800" spc="-1" strike="noStrike">
+                <a:solidFill>
+                  <a:srgbClr val="000000"/>
+                </a:solidFill>
+                <a:latin typeface="Consolas"/>
+                <a:ea typeface="SimSun"/>
+              </a:rPr>
+              <a:t> </a:t>
+            </a:r>
+            <a:r>
+              <a:rPr b="0" lang="en-IN" sz="1800" spc="-1" strike="noStrike">
+                <a:solidFill>
+                  <a:srgbClr val="ff5733"/>
+                </a:solidFill>
+                <a:latin typeface="Consolas"/>
+                <a:ea typeface="SimSun"/>
+              </a:rPr>
+              <a:t>rpop fruits 2</a:t>
+            </a:r>
+            <a:endParaRPr b="0" lang="en-IN" sz="1800" spc="-1" strike="noStrike">
+              <a:latin typeface="Arial"/>
+            </a:endParaRPr>
+          </a:p>
+        </p:txBody>
+      </p:sp>
+      <p:sp>
+        <p:nvSpPr>
+          <p:cNvPr id="305" name="Line 6"/>
+          <p:cNvSpPr/>
+          <p:nvPr/>
+        </p:nvSpPr>
+        <p:spPr>
+          <a:xfrm>
+            <a:off x="1523880" y="2305080"/>
+            <a:ext cx="9144000" cy="1440"/>
+          </a:xfrm>
+          <a:prstGeom prst="line">
+            <a:avLst/>
+          </a:prstGeom>
+          <a:ln w="12600">
+            <a:solidFill>
+              <a:srgbClr val="6e78a0"/>
+            </a:solidFill>
+            <a:prstDash val="dash"/>
+            <a:round/>
+          </a:ln>
+        </p:spPr>
+        <p:style>
+          <a:lnRef idx="1">
+            <a:schemeClr val="accent1"/>
+          </a:lnRef>
+          <a:fillRef idx="0">
+            <a:schemeClr val="accent1"/>
+          </a:fillRef>
+          <a:effectRef idx="0">
+            <a:schemeClr val="accent1"/>
+          </a:effectRef>
+          <a:fontRef idx="minor"/>
+        </p:style>
+      </p:sp>
+    </p:spTree>
+  </p:cSld>
+  <mc:AlternateContent>
+    <mc:Choice Requires="p14">
+      <p:transition spd="slow" p14:dur="2000"/>
+    </mc:Choice>
+    <mc:Fallback>
+      <p:transition spd="slow"/>
+    </mc:Fallback>
+  </mc:AlternateContent>
+</p:sld>
+</file>
+
+<file path=ppt/slides/slide51.xml><?xml version="1.0" encoding="utf-8"?>
+<p:sld xmlns:a="http://schemas.openxmlformats.org/drawingml/2006/main" xmlns:p="http://schemas.openxmlformats.org/presentationml/2006/main" xmlns:r="http://schemas.openxmlformats.org/officeDocument/2006/relationships" xmlns:p14="http://schemas.microsoft.com/office/powerpoint/2010/main" xmlns:p15="http://schemas.microsoft.com/office/powerpoint/2012/main" xmlns:mc="http://schemas.openxmlformats.org/markup-compatibility/2006">
+  <p:cSld>
+    <p:spTree>
+      <p:nvGrpSpPr>
+        <p:cNvPr id="1" name=""/>
+        <p:cNvGrpSpPr/>
+        <p:nvPr/>
+      </p:nvGrpSpPr>
+      <p:grpSpPr>
+        <a:xfrm>
+          <a:off x="0" y="0"/>
+          <a:ext cx="0" cy="0"/>
+          <a:chOff x="0" y="0"/>
+          <a:chExt cx="0" cy="0"/>
+        </a:xfrm>
+      </p:grpSpPr>
+      <p:sp>
+        <p:nvSpPr>
+          <p:cNvPr id="306" name="CustomShape 1"/>
+          <p:cNvSpPr/>
+          <p:nvPr/>
+        </p:nvSpPr>
+        <p:spPr>
+          <a:xfrm>
+            <a:off x="1365840" y="188640"/>
+            <a:ext cx="9675000" cy="2192400"/>
+          </a:xfrm>
+          <a:prstGeom prst="rect">
+            <a:avLst/>
+          </a:prstGeom>
+          <a:noFill/>
+          <a:ln>
+            <a:noFill/>
+          </a:ln>
+        </p:spPr>
+        <p:style>
+          <a:lnRef idx="0"/>
+          <a:fillRef idx="0"/>
+          <a:effectRef idx="0"/>
+          <a:fontRef idx="minor"/>
+        </p:style>
+        <p:txBody>
+          <a:bodyPr lIns="90000" rIns="90000" tIns="45000" bIns="45000">
+            <a:spAutoFit/>
+          </a:bodyPr>
+          <a:p>
+            <a:pPr algn="ctr">
+              <a:lnSpc>
+                <a:spcPct val="100000"/>
+              </a:lnSpc>
+            </a:pPr>
+            <a:r>
+              <a:rPr b="0" lang="en-IN" sz="4000" spc="-1" strike="noStrike">
+                <a:solidFill>
+                  <a:srgbClr val="ff5733"/>
+                </a:solidFill>
+                <a:latin typeface="Segoe Print"/>
+                <a:ea typeface="DejaVu Sans"/>
+              </a:rPr>
+              <a:t>“</a:t>
+            </a:r>
+            <a:r>
+              <a:rPr b="0" lang="en-US" sz="4000" spc="-1" strike="noStrike">
+                <a:solidFill>
+                  <a:srgbClr val="ff5733"/>
+                </a:solidFill>
+                <a:latin typeface="Segoe Print"/>
+                <a:ea typeface="DejaVu Sans"/>
+              </a:rPr>
+              <a:t>Accept your past without regret, handle our present with confidence and face your future without fear.</a:t>
+            </a:r>
+            <a:r>
+              <a:rPr b="0" lang="en-IN" sz="4000" spc="-1" strike="noStrike">
+                <a:solidFill>
+                  <a:srgbClr val="ff5733"/>
+                </a:solidFill>
+                <a:latin typeface="Segoe Print"/>
+                <a:ea typeface="DejaVu Sans"/>
+              </a:rPr>
+              <a:t>”</a:t>
+            </a:r>
+            <a:endParaRPr b="0" lang="en-IN" sz="4000" spc="-1" strike="noStrike">
+              <a:latin typeface="Arial"/>
+            </a:endParaRPr>
+          </a:p>
+          <a:p>
+            <a:pPr algn="r">
+              <a:lnSpc>
+                <a:spcPct val="100000"/>
+              </a:lnSpc>
+            </a:pPr>
+            <a:r>
+              <a:rPr b="0" lang="en-IN" sz="1800" spc="-1" strike="noStrike">
+                <a:solidFill>
+                  <a:srgbClr val="111111"/>
+                </a:solidFill>
+                <a:latin typeface="-apple-system"/>
+                <a:ea typeface="DejaVu Sans"/>
+              </a:rPr>
+              <a:t>~ Dr. APJ. Abdul Kalam</a:t>
+            </a:r>
+            <a:endParaRPr b="0" lang="en-IN" sz="1800" spc="-1" strike="noStrike">
+              <a:latin typeface="Arial"/>
+            </a:endParaRPr>
+          </a:p>
+        </p:txBody>
+      </p:sp>
+      <p:pic>
+        <p:nvPicPr>
+          <p:cNvPr id="307" name="Picture 2" descr="http://www.bvctch.vn/vnt_upload/weblink/thks.jpg"/>
+          <p:cNvPicPr/>
+          <p:nvPr/>
+        </p:nvPicPr>
+        <p:blipFill>
+          <a:blip r:embed="rId1"/>
+          <a:stretch/>
+        </p:blipFill>
+        <p:spPr>
+          <a:xfrm>
+            <a:off x="4404600" y="2036160"/>
+            <a:ext cx="3118680" cy="4655520"/>
+          </a:xfrm>
+          <a:prstGeom prst="rect">
+            <a:avLst/>
+          </a:prstGeom>
+          <a:ln>
+            <a:noFill/>
+          </a:ln>
+        </p:spPr>
+      </p:pic>
     </p:spTree>
   </p:cSld>
   <mc:AlternateContent>
@@ -21392,7 +22004,7 @@
         <p:spPr>
           <a:xfrm>
             <a:off x="1676520" y="2362320"/>
-            <a:ext cx="8831520" cy="912600"/>
+            <a:ext cx="8831160" cy="912600"/>
           </a:xfrm>
           <a:prstGeom prst="rect">
             <a:avLst/>
@@ -21443,7 +22055,7 @@
         <p:spPr>
           <a:xfrm>
             <a:off x="1666800" y="609480"/>
-            <a:ext cx="8831520" cy="394560"/>
+            <a:ext cx="8831160" cy="394560"/>
           </a:xfrm>
           <a:prstGeom prst="rect">
             <a:avLst/>
@@ -21494,7 +22106,7 @@
         <p:spPr>
           <a:xfrm>
             <a:off x="522360" y="3531600"/>
-            <a:ext cx="11068560" cy="638280"/>
+            <a:ext cx="11068200" cy="638280"/>
           </a:xfrm>
           <a:prstGeom prst="rect">
             <a:avLst/>
@@ -21575,7 +22187,7 @@
         <p:spPr>
           <a:xfrm>
             <a:off x="1676520" y="2362320"/>
-            <a:ext cx="8831520" cy="912600"/>
+            <a:ext cx="8831160" cy="912600"/>
           </a:xfrm>
           <a:prstGeom prst="rect">
             <a:avLst/>
@@ -21626,7 +22238,7 @@
         <p:spPr>
           <a:xfrm>
             <a:off x="522360" y="3531600"/>
-            <a:ext cx="11068560" cy="363960"/>
+            <a:ext cx="11068200" cy="363960"/>
           </a:xfrm>
           <a:prstGeom prst="rect">
             <a:avLst/>
@@ -21742,7 +22354,7 @@
         <p:spPr>
           <a:xfrm>
             <a:off x="1523880" y="0"/>
-            <a:ext cx="9136440" cy="699120"/>
+            <a:ext cx="9136080" cy="699120"/>
           </a:xfrm>
           <a:prstGeom prst="rect">
             <a:avLst/>
@@ -21797,7 +22409,7 @@
         <p:spPr>
           <a:xfrm>
             <a:off x="1600200" y="762120"/>
-            <a:ext cx="8984160" cy="912600"/>
+            <a:ext cx="8983800" cy="912600"/>
           </a:xfrm>
           <a:prstGeom prst="rect">
             <a:avLst/>
@@ -21858,7 +22470,7 @@
         <p:spPr>
           <a:xfrm>
             <a:off x="1523880" y="4272480"/>
-            <a:ext cx="8882280" cy="2558520"/>
+            <a:ext cx="8881920" cy="2558520"/>
           </a:xfrm>
           <a:prstGeom prst="rect">
             <a:avLst/>
@@ -21879,7 +22491,7 @@
             <a:spAutoFit/>
           </a:bodyPr>
           <a:p>
-            <a:pPr marL="285840" indent="-278280">
+            <a:pPr marL="285840" indent="-277920">
               <a:lnSpc>
                 <a:spcPct val="150000"/>
               </a:lnSpc>
@@ -21924,7 +22536,7 @@
             </a:endParaRPr>
           </a:p>
           <a:p>
-            <a:pPr marL="285840" indent="-278280">
+            <a:pPr marL="285840" indent="-277920">
               <a:lnSpc>
                 <a:spcPct val="150000"/>
               </a:lnSpc>
@@ -21969,7 +22581,7 @@
             </a:endParaRPr>
           </a:p>
           <a:p>
-            <a:pPr marL="285840" indent="-278280">
+            <a:pPr marL="285840" indent="-277920">
               <a:lnSpc>
                 <a:spcPct val="150000"/>
               </a:lnSpc>
@@ -22014,7 +22626,7 @@
             </a:endParaRPr>
           </a:p>
           <a:p>
-            <a:pPr marL="285840" indent="-278280">
+            <a:pPr marL="285840" indent="-277920">
               <a:lnSpc>
                 <a:spcPct val="150000"/>
               </a:lnSpc>
@@ -22059,7 +22671,7 @@
             </a:endParaRPr>
           </a:p>
           <a:p>
-            <a:pPr marL="285840" indent="-278280">
+            <a:pPr marL="285840" indent="-277920">
               <a:lnSpc>
                 <a:spcPct val="150000"/>
               </a:lnSpc>
@@ -22094,7 +22706,7 @@
             </a:endParaRPr>
           </a:p>
           <a:p>
-            <a:pPr marL="285840" indent="-278280">
+            <a:pPr marL="285840" indent="-277920">
               <a:lnSpc>
                 <a:spcPct val="150000"/>
               </a:lnSpc>
@@ -22659,7 +23271,7 @@
         <p:spPr>
           <a:xfrm>
             <a:off x="1601280" y="2221560"/>
-            <a:ext cx="8983080" cy="394560"/>
+            <a:ext cx="8982720" cy="394560"/>
           </a:xfrm>
           <a:prstGeom prst="rect">
             <a:avLst/>
@@ -22740,7 +23352,7 @@
         <p:spPr>
           <a:xfrm>
             <a:off x="1676520" y="2362320"/>
-            <a:ext cx="8831520" cy="912600"/>
+            <a:ext cx="8831160" cy="912600"/>
           </a:xfrm>
           <a:prstGeom prst="rect">
             <a:avLst/>
@@ -22791,7 +23403,7 @@
         <p:spPr>
           <a:xfrm>
             <a:off x="522360" y="3531600"/>
-            <a:ext cx="11068560" cy="363960"/>
+            <a:ext cx="11068200" cy="363960"/>
           </a:xfrm>
           <a:prstGeom prst="rect">
             <a:avLst/>

--- a/redis ver1.pptx
+++ b/redis ver1.pptx
@@ -57,6 +57,8 @@
     <p:sldId id="304" r:id="rId52"/>
     <p:sldId id="305" r:id="rId53"/>
     <p:sldId id="306" r:id="rId54"/>
+    <p:sldId id="307" r:id="rId55"/>
+    <p:sldId id="308" r:id="rId56"/>
   </p:sldIdLst>
   <p:sldSz cx="12192000" cy="6858000"/>
   <p:notesSz cx="7559675" cy="10691812"/>
@@ -2865,8 +2867,8 @@
         </p:nvSpPr>
         <p:spPr>
           <a:xfrm rot="5400000">
-            <a:off x="598320" y="6447240"/>
-            <a:ext cx="182880" cy="152640"/>
+            <a:off x="598680" y="6447240"/>
+            <a:ext cx="182520" cy="152280"/>
           </a:xfrm>
           <a:prstGeom prst="triangle">
             <a:avLst>
@@ -2907,7 +2909,7 @@
         <p:spPr>
           <a:xfrm>
             <a:off x="1206360" y="3648240"/>
-            <a:ext cx="9745560" cy="1272240"/>
+            <a:ext cx="9745200" cy="1271880"/>
           </a:xfrm>
           <a:prstGeom prst="rect">
             <a:avLst/>
@@ -2949,7 +2951,7 @@
         <p:spPr>
           <a:xfrm>
             <a:off x="1219320" y="5638680"/>
-            <a:ext cx="9745560" cy="677880"/>
+            <a:ext cx="9745200" cy="677520"/>
           </a:xfrm>
           <a:prstGeom prst="rect">
             <a:avLst/>
@@ -2991,7 +2993,7 @@
         <p:spPr>
           <a:xfrm>
             <a:off x="1206360" y="3648240"/>
-            <a:ext cx="297000" cy="1272240"/>
+            <a:ext cx="296640" cy="1271880"/>
           </a:xfrm>
           <a:prstGeom prst="rect">
             <a:avLst/>
@@ -3030,7 +3032,7 @@
         <p:spPr>
           <a:xfrm>
             <a:off x="1219320" y="5638680"/>
-            <a:ext cx="297000" cy="677880"/>
+            <a:ext cx="296640" cy="677520"/>
           </a:xfrm>
           <a:prstGeom prst="rect">
             <a:avLst/>
@@ -3386,8 +3388,8 @@
         </p:nvSpPr>
         <p:spPr>
           <a:xfrm rot="5400000">
-            <a:off x="598320" y="6447240"/>
-            <a:ext cx="182880" cy="152640"/>
+            <a:off x="598680" y="6447240"/>
+            <a:ext cx="182520" cy="152280"/>
           </a:xfrm>
           <a:prstGeom prst="triangle">
             <a:avLst>
@@ -3456,8 +3458,8 @@
         </p:nvSpPr>
         <p:spPr>
           <a:xfrm rot="5400000">
-            <a:off x="598320" y="6447240"/>
-            <a:ext cx="182880" cy="152640"/>
+            <a:off x="598680" y="6447240"/>
+            <a:ext cx="182520" cy="152280"/>
           </a:xfrm>
           <a:prstGeom prst="triangle">
             <a:avLst>
@@ -3751,7 +3753,7 @@
         <p:spPr>
           <a:xfrm>
             <a:off x="1975680" y="3733920"/>
-            <a:ext cx="8526600" cy="982800"/>
+            <a:ext cx="8526240" cy="982440"/>
           </a:xfrm>
           <a:prstGeom prst="rect">
             <a:avLst/>
@@ -3808,7 +3810,7 @@
         <p:spPr>
           <a:xfrm>
             <a:off x="181440" y="2001960"/>
-            <a:ext cx="2846520" cy="2846520"/>
+            <a:ext cx="2846160" cy="2846160"/>
           </a:xfrm>
           <a:prstGeom prst="rect">
             <a:avLst/>
@@ -3827,7 +3829,7 @@
         <p:spPr>
           <a:xfrm>
             <a:off x="4444920" y="5050800"/>
-            <a:ext cx="6057000" cy="579960"/>
+            <a:ext cx="6056640" cy="579600"/>
           </a:xfrm>
           <a:prstGeom prst="rect">
             <a:avLst/>
@@ -3890,7 +3892,7 @@
         <p:spPr>
           <a:xfrm>
             <a:off x="181440" y="196560"/>
-            <a:ext cx="2846520" cy="1059840"/>
+            <a:ext cx="2846160" cy="1059480"/>
           </a:xfrm>
           <a:prstGeom prst="rect">
             <a:avLst/>
@@ -3909,7 +3911,7 @@
         <p:spPr>
           <a:xfrm>
             <a:off x="3557880" y="93600"/>
-            <a:ext cx="8444880" cy="3045240"/>
+            <a:ext cx="8444520" cy="3045240"/>
           </a:xfrm>
           <a:prstGeom prst="rect">
             <a:avLst/>
@@ -3994,7 +3996,7 @@
         <p:spPr>
           <a:xfrm>
             <a:off x="181440" y="196920"/>
-            <a:ext cx="2848320" cy="1061640"/>
+            <a:ext cx="2847960" cy="1061280"/>
           </a:xfrm>
           <a:prstGeom prst="rect">
             <a:avLst/>
@@ -4017,7 +4019,7 @@
         <p:spPr>
           <a:xfrm>
             <a:off x="181440" y="2001960"/>
-            <a:ext cx="2849400" cy="2849400"/>
+            <a:ext cx="2849040" cy="2849040"/>
           </a:xfrm>
           <a:prstGeom prst="rect">
             <a:avLst/>
@@ -4036,7 +4038,7 @@
         <p:spPr>
           <a:xfrm>
             <a:off x="432000" y="5511600"/>
-            <a:ext cx="4246560" cy="600840"/>
+            <a:ext cx="4246200" cy="600480"/>
           </a:xfrm>
           <a:prstGeom prst="rect">
             <a:avLst/>
@@ -4172,7 +4174,7 @@
         <p:spPr>
           <a:xfrm>
             <a:off x="1523880" y="0"/>
-            <a:ext cx="9136080" cy="699120"/>
+            <a:ext cx="9135720" cy="699120"/>
           </a:xfrm>
           <a:prstGeom prst="rect">
             <a:avLst/>
@@ -4227,7 +4229,7 @@
         <p:spPr>
           <a:xfrm>
             <a:off x="1600200" y="762120"/>
-            <a:ext cx="8983800" cy="1735560"/>
+            <a:ext cx="8983440" cy="1735560"/>
           </a:xfrm>
           <a:prstGeom prst="rect">
             <a:avLst/>
@@ -4328,7 +4330,7 @@
         <p:spPr>
           <a:xfrm>
             <a:off x="152280" y="152280"/>
-            <a:ext cx="1098720" cy="455400"/>
+            <a:ext cx="1098360" cy="455400"/>
           </a:xfrm>
           <a:prstGeom prst="rect">
             <a:avLst/>
@@ -4379,7 +4381,7 @@
         <p:spPr>
           <a:xfrm>
             <a:off x="1601280" y="2823480"/>
-            <a:ext cx="8982720" cy="699480"/>
+            <a:ext cx="8982360" cy="699480"/>
           </a:xfrm>
           <a:prstGeom prst="rect">
             <a:avLst/>
@@ -4450,7 +4452,7 @@
         <p:spPr>
           <a:xfrm>
             <a:off x="1523880" y="3801960"/>
-            <a:ext cx="8881920" cy="2147040"/>
+            <a:ext cx="8881560" cy="2147040"/>
           </a:xfrm>
           <a:prstGeom prst="rect">
             <a:avLst/>
@@ -4471,7 +4473,7 @@
             <a:spAutoFit/>
           </a:bodyPr>
           <a:p>
-            <a:pPr marL="285840" indent="-277920">
+            <a:pPr marL="285840" indent="-277560">
               <a:lnSpc>
                 <a:spcPct val="150000"/>
               </a:lnSpc>
@@ -4516,7 +4518,7 @@
             </a:endParaRPr>
           </a:p>
           <a:p>
-            <a:pPr marL="285840" indent="-277920">
+            <a:pPr marL="285840" indent="-277560">
               <a:lnSpc>
                 <a:spcPct val="150000"/>
               </a:lnSpc>
@@ -4561,7 +4563,7 @@
             </a:endParaRPr>
           </a:p>
           <a:p>
-            <a:pPr marL="285840" indent="-277920">
+            <a:pPr marL="285840" indent="-277560">
               <a:lnSpc>
                 <a:spcPct val="150000"/>
               </a:lnSpc>
@@ -4606,7 +4608,7 @@
             </a:endParaRPr>
           </a:p>
           <a:p>
-            <a:pPr marL="285840" indent="-277920">
+            <a:pPr marL="285840" indent="-277560">
               <a:lnSpc>
                 <a:spcPct val="150000"/>
               </a:lnSpc>
@@ -4691,7 +4693,7 @@
         <p:spPr>
           <a:xfrm>
             <a:off x="1676520" y="2362320"/>
-            <a:ext cx="8831160" cy="912600"/>
+            <a:ext cx="8830800" cy="912600"/>
           </a:xfrm>
           <a:prstGeom prst="rect">
             <a:avLst/>
@@ -4742,7 +4744,7 @@
         <p:spPr>
           <a:xfrm>
             <a:off x="522360" y="3531600"/>
-            <a:ext cx="11068200" cy="363960"/>
+            <a:ext cx="11067840" cy="363960"/>
           </a:xfrm>
           <a:prstGeom prst="rect">
             <a:avLst/>
@@ -4858,7 +4860,7 @@
         <p:spPr>
           <a:xfrm>
             <a:off x="1523880" y="0"/>
-            <a:ext cx="9136080" cy="699120"/>
+            <a:ext cx="9135720" cy="699120"/>
           </a:xfrm>
           <a:prstGeom prst="rect">
             <a:avLst/>
@@ -4913,7 +4915,7 @@
         <p:spPr>
           <a:xfrm>
             <a:off x="1600200" y="762120"/>
-            <a:ext cx="8983800" cy="1461240"/>
+            <a:ext cx="8983440" cy="1461240"/>
           </a:xfrm>
           <a:prstGeom prst="rect">
             <a:avLst/>
@@ -5014,7 +5016,7 @@
         <p:spPr>
           <a:xfrm>
             <a:off x="152280" y="152280"/>
-            <a:ext cx="1098720" cy="455400"/>
+            <a:ext cx="1098360" cy="455400"/>
           </a:xfrm>
           <a:prstGeom prst="rect">
             <a:avLst/>
@@ -5065,7 +5067,7 @@
         <p:spPr>
           <a:xfrm>
             <a:off x="1601280" y="2509560"/>
-            <a:ext cx="8982720" cy="699480"/>
+            <a:ext cx="8982360" cy="699480"/>
           </a:xfrm>
           <a:prstGeom prst="rect">
             <a:avLst/>
@@ -5136,7 +5138,7 @@
         <p:spPr>
           <a:xfrm>
             <a:off x="1523880" y="3480480"/>
-            <a:ext cx="8881920" cy="2558520"/>
+            <a:ext cx="8881560" cy="2558520"/>
           </a:xfrm>
           <a:prstGeom prst="rect">
             <a:avLst/>
@@ -5157,7 +5159,7 @@
             <a:spAutoFit/>
           </a:bodyPr>
           <a:p>
-            <a:pPr marL="285840" indent="-277920">
+            <a:pPr marL="285840" indent="-277560">
               <a:lnSpc>
                 <a:spcPct val="150000"/>
               </a:lnSpc>
@@ -5202,7 +5204,7 @@
             </a:endParaRPr>
           </a:p>
           <a:p>
-            <a:pPr marL="285840" indent="-277920">
+            <a:pPr marL="285840" indent="-277560">
               <a:lnSpc>
                 <a:spcPct val="150000"/>
               </a:lnSpc>
@@ -5247,7 +5249,7 @@
             </a:endParaRPr>
           </a:p>
           <a:p>
-            <a:pPr marL="285840" indent="-277920">
+            <a:pPr marL="285840" indent="-277560">
               <a:lnSpc>
                 <a:spcPct val="150000"/>
               </a:lnSpc>
@@ -5292,7 +5294,7 @@
             </a:endParaRPr>
           </a:p>
           <a:p>
-            <a:pPr marL="285840" indent="-277920">
+            <a:pPr marL="285840" indent="-277560">
               <a:lnSpc>
                 <a:spcPct val="150000"/>
               </a:lnSpc>
@@ -5337,7 +5339,7 @@
             </a:endParaRPr>
           </a:p>
           <a:p>
-            <a:pPr marL="285840" indent="-277920">
+            <a:pPr marL="285840" indent="-277560">
               <a:lnSpc>
                 <a:spcPct val="150000"/>
               </a:lnSpc>
@@ -5372,7 +5374,7 @@
             </a:endParaRPr>
           </a:p>
           <a:p>
-            <a:pPr marL="285840" indent="-277920">
+            <a:pPr marL="285840" indent="-277560">
               <a:lnSpc>
                 <a:spcPct val="150000"/>
               </a:lnSpc>
@@ -5447,7 +5449,7 @@
         <p:spPr>
           <a:xfrm>
             <a:off x="1676520" y="2362320"/>
-            <a:ext cx="8831160" cy="1735560"/>
+            <a:ext cx="8830800" cy="1735560"/>
           </a:xfrm>
           <a:prstGeom prst="rect">
             <a:avLst/>
@@ -5498,7 +5500,7 @@
         <p:spPr>
           <a:xfrm>
             <a:off x="522360" y="4323600"/>
-            <a:ext cx="11068200" cy="363960"/>
+            <a:ext cx="11067840" cy="363960"/>
           </a:xfrm>
           <a:prstGeom prst="rect">
             <a:avLst/>
@@ -5614,7 +5616,7 @@
         <p:spPr>
           <a:xfrm>
             <a:off x="1523880" y="0"/>
-            <a:ext cx="9136080" cy="699120"/>
+            <a:ext cx="9135720" cy="699120"/>
           </a:xfrm>
           <a:prstGeom prst="rect">
             <a:avLst/>
@@ -5669,7 +5671,7 @@
         <p:spPr>
           <a:xfrm>
             <a:off x="1600200" y="762120"/>
-            <a:ext cx="8983800" cy="2284200"/>
+            <a:ext cx="8983440" cy="2284200"/>
           </a:xfrm>
           <a:prstGeom prst="rect">
             <a:avLst/>
@@ -5810,7 +5812,7 @@
         <p:spPr>
           <a:xfrm>
             <a:off x="152280" y="152280"/>
-            <a:ext cx="1098720" cy="455400"/>
+            <a:ext cx="1098360" cy="455400"/>
           </a:xfrm>
           <a:prstGeom prst="rect">
             <a:avLst/>
@@ -5861,7 +5863,7 @@
         <p:spPr>
           <a:xfrm>
             <a:off x="1601280" y="2977560"/>
-            <a:ext cx="8982720" cy="1309320"/>
+            <a:ext cx="8982360" cy="1309320"/>
           </a:xfrm>
           <a:prstGeom prst="rect">
             <a:avLst/>
@@ -5972,7 +5974,7 @@
         <p:spPr>
           <a:xfrm>
             <a:off x="1523880" y="4344480"/>
-            <a:ext cx="8881920" cy="2147040"/>
+            <a:ext cx="8881560" cy="2147040"/>
           </a:xfrm>
           <a:prstGeom prst="rect">
             <a:avLst/>
@@ -5993,7 +5995,7 @@
             <a:spAutoFit/>
           </a:bodyPr>
           <a:p>
-            <a:pPr marL="285840" indent="-277920">
+            <a:pPr marL="285840" indent="-277560">
               <a:lnSpc>
                 <a:spcPct val="150000"/>
               </a:lnSpc>
@@ -6038,7 +6040,7 @@
             </a:endParaRPr>
           </a:p>
           <a:p>
-            <a:pPr marL="285840" indent="-277920">
+            <a:pPr marL="285840" indent="-277560">
               <a:lnSpc>
                 <a:spcPct val="150000"/>
               </a:lnSpc>
@@ -6083,7 +6085,7 @@
             </a:endParaRPr>
           </a:p>
           <a:p>
-            <a:pPr marL="285840" indent="-277920">
+            <a:pPr marL="285840" indent="-277560">
               <a:lnSpc>
                 <a:spcPct val="150000"/>
               </a:lnSpc>
@@ -6128,7 +6130,7 @@
             </a:endParaRPr>
           </a:p>
           <a:p>
-            <a:pPr marL="285840" indent="-277920">
+            <a:pPr marL="285840" indent="-277560">
               <a:lnSpc>
                 <a:spcPct val="150000"/>
               </a:lnSpc>
@@ -6173,7 +6175,7 @@
             </a:endParaRPr>
           </a:p>
           <a:p>
-            <a:pPr marL="285840" indent="-277920">
+            <a:pPr marL="285840" indent="-277560">
               <a:lnSpc>
                 <a:spcPct val="150000"/>
               </a:lnSpc>
@@ -6258,7 +6260,7 @@
         <p:spPr>
           <a:xfrm>
             <a:off x="1676520" y="2362320"/>
-            <a:ext cx="8831160" cy="912600"/>
+            <a:ext cx="8830800" cy="912600"/>
           </a:xfrm>
           <a:prstGeom prst="rect">
             <a:avLst/>
@@ -6309,7 +6311,7 @@
         <p:spPr>
           <a:xfrm>
             <a:off x="522360" y="3531600"/>
-            <a:ext cx="11068200" cy="363960"/>
+            <a:ext cx="11067840" cy="363960"/>
           </a:xfrm>
           <a:prstGeom prst="rect">
             <a:avLst/>
@@ -6425,7 +6427,7 @@
         <p:spPr>
           <a:xfrm>
             <a:off x="1523880" y="0"/>
-            <a:ext cx="9136080" cy="699120"/>
+            <a:ext cx="9135720" cy="699120"/>
           </a:xfrm>
           <a:prstGeom prst="rect">
             <a:avLst/>
@@ -6480,7 +6482,7 @@
         <p:spPr>
           <a:xfrm>
             <a:off x="1600200" y="762120"/>
-            <a:ext cx="8983800" cy="912600"/>
+            <a:ext cx="8983440" cy="912600"/>
           </a:xfrm>
           <a:prstGeom prst="rect">
             <a:avLst/>
@@ -6581,7 +6583,7 @@
         <p:spPr>
           <a:xfrm>
             <a:off x="1600200" y="2865600"/>
-            <a:ext cx="8881920" cy="1735560"/>
+            <a:ext cx="8881560" cy="1735560"/>
           </a:xfrm>
           <a:prstGeom prst="rect">
             <a:avLst/>
@@ -6602,7 +6604,7 @@
             <a:spAutoFit/>
           </a:bodyPr>
           <a:p>
-            <a:pPr marL="285840" indent="-277920">
+            <a:pPr marL="285840" indent="-277560">
               <a:lnSpc>
                 <a:spcPct val="150000"/>
               </a:lnSpc>
@@ -6647,7 +6649,7 @@
             </a:endParaRPr>
           </a:p>
           <a:p>
-            <a:pPr marL="285840" indent="-277920">
+            <a:pPr marL="285840" indent="-277560">
               <a:lnSpc>
                 <a:spcPct val="150000"/>
               </a:lnSpc>
@@ -6692,7 +6694,7 @@
             </a:endParaRPr>
           </a:p>
           <a:p>
-            <a:pPr marL="285840" indent="-277920">
+            <a:pPr marL="285840" indent="-277560">
               <a:lnSpc>
                 <a:spcPct val="150000"/>
               </a:lnSpc>
@@ -6737,7 +6739,7 @@
             </a:endParaRPr>
           </a:p>
           <a:p>
-            <a:pPr marL="285840" indent="-277920">
+            <a:pPr marL="285840" indent="-277560">
               <a:lnSpc>
                 <a:spcPct val="150000"/>
               </a:lnSpc>
@@ -6792,7 +6794,7 @@
         <p:spPr>
           <a:xfrm>
             <a:off x="152280" y="152280"/>
-            <a:ext cx="1098720" cy="455400"/>
+            <a:ext cx="1098360" cy="455400"/>
           </a:xfrm>
           <a:prstGeom prst="rect">
             <a:avLst/>
@@ -6843,7 +6845,7 @@
         <p:spPr>
           <a:xfrm>
             <a:off x="1601280" y="2221560"/>
-            <a:ext cx="8982720" cy="699480"/>
+            <a:ext cx="8982360" cy="699480"/>
           </a:xfrm>
           <a:prstGeom prst="rect">
             <a:avLst/>
@@ -6914,7 +6916,7 @@
         <p:spPr>
           <a:xfrm>
             <a:off x="1656000" y="4713480"/>
-            <a:ext cx="8992440" cy="1362600"/>
+            <a:ext cx="8992080" cy="1362240"/>
           </a:xfrm>
           <a:prstGeom prst="rect">
             <a:avLst/>
@@ -6935,7 +6937,7 @@
             <a:noAutofit/>
           </a:bodyPr>
           <a:p>
-            <a:pPr marL="216000" indent="-211320">
+            <a:pPr marL="216000" indent="-210960">
               <a:lnSpc>
                 <a:spcPct val="150000"/>
               </a:lnSpc>
@@ -6970,7 +6972,7 @@
             </a:endParaRPr>
           </a:p>
           <a:p>
-            <a:pPr marL="216000" indent="-211320">
+            <a:pPr marL="216000" indent="-210960">
               <a:lnSpc>
                 <a:spcPct val="150000"/>
               </a:lnSpc>
@@ -7005,7 +7007,7 @@
             </a:endParaRPr>
           </a:p>
           <a:p>
-            <a:pPr marL="216000" indent="-211320">
+            <a:pPr marL="216000" indent="-210960">
               <a:lnSpc>
                 <a:spcPct val="150000"/>
               </a:lnSpc>
@@ -7040,7 +7042,7 @@
             </a:endParaRPr>
           </a:p>
           <a:p>
-            <a:pPr marL="216000" indent="-211320">
+            <a:pPr marL="216000" indent="-210960">
               <a:lnSpc>
                 <a:spcPct val="150000"/>
               </a:lnSpc>
@@ -7075,7 +7077,7 @@
             </a:endParaRPr>
           </a:p>
           <a:p>
-            <a:pPr marL="216000" indent="-211320">
+            <a:pPr marL="216000" indent="-210960">
               <a:lnSpc>
                 <a:spcPct val="150000"/>
               </a:lnSpc>
@@ -7150,7 +7152,7 @@
         <p:spPr>
           <a:xfrm>
             <a:off x="1676520" y="2362320"/>
-            <a:ext cx="8831160" cy="912600"/>
+            <a:ext cx="8830800" cy="912600"/>
           </a:xfrm>
           <a:prstGeom prst="rect">
             <a:avLst/>
@@ -7201,7 +7203,7 @@
         <p:spPr>
           <a:xfrm>
             <a:off x="522360" y="3531600"/>
-            <a:ext cx="11068200" cy="363960"/>
+            <a:ext cx="11067840" cy="363960"/>
           </a:xfrm>
           <a:prstGeom prst="rect">
             <a:avLst/>
@@ -7317,7 +7319,7 @@
         <p:spPr>
           <a:xfrm>
             <a:off x="1523880" y="0"/>
-            <a:ext cx="9136080" cy="699120"/>
+            <a:ext cx="9135720" cy="699120"/>
           </a:xfrm>
           <a:prstGeom prst="rect">
             <a:avLst/>
@@ -7372,7 +7374,7 @@
         <p:spPr>
           <a:xfrm>
             <a:off x="1600200" y="762120"/>
-            <a:ext cx="8983800" cy="668880"/>
+            <a:ext cx="8983440" cy="668880"/>
           </a:xfrm>
           <a:prstGeom prst="rect">
             <a:avLst/>
@@ -7463,7 +7465,7 @@
         <p:spPr>
           <a:xfrm>
             <a:off x="1600200" y="3909600"/>
-            <a:ext cx="8881920" cy="1324080"/>
+            <a:ext cx="8881560" cy="1324080"/>
           </a:xfrm>
           <a:prstGeom prst="rect">
             <a:avLst/>
@@ -7484,7 +7486,7 @@
             <a:spAutoFit/>
           </a:bodyPr>
           <a:p>
-            <a:pPr marL="285840" indent="-277920">
+            <a:pPr marL="285840" indent="-277560">
               <a:lnSpc>
                 <a:spcPct val="150000"/>
               </a:lnSpc>
@@ -7529,7 +7531,7 @@
             </a:endParaRPr>
           </a:p>
           <a:p>
-            <a:pPr marL="285840" indent="-277920">
+            <a:pPr marL="285840" indent="-277560">
               <a:lnSpc>
                 <a:spcPct val="150000"/>
               </a:lnSpc>
@@ -7574,7 +7576,7 @@
             </a:endParaRPr>
           </a:p>
           <a:p>
-            <a:pPr marL="285840" indent="-277920">
+            <a:pPr marL="285840" indent="-277560">
               <a:lnSpc>
                 <a:spcPct val="150000"/>
               </a:lnSpc>
@@ -7629,7 +7631,7 @@
         <p:spPr>
           <a:xfrm>
             <a:off x="152280" y="152280"/>
-            <a:ext cx="1098720" cy="455400"/>
+            <a:ext cx="1098360" cy="455400"/>
           </a:xfrm>
           <a:prstGeom prst="rect">
             <a:avLst/>
@@ -7680,7 +7682,7 @@
         <p:spPr>
           <a:xfrm>
             <a:off x="1601280" y="2221560"/>
-            <a:ext cx="8982720" cy="699480"/>
+            <a:ext cx="8982360" cy="699480"/>
           </a:xfrm>
           <a:prstGeom prst="rect">
             <a:avLst/>
@@ -7751,7 +7753,7 @@
         <p:spPr>
           <a:xfrm>
             <a:off x="1584000" y="5246640"/>
-            <a:ext cx="8848440" cy="1009080"/>
+            <a:ext cx="8848080" cy="1008720"/>
           </a:xfrm>
           <a:prstGeom prst="rect">
             <a:avLst/>
@@ -7802,7 +7804,7 @@
             </a:endParaRPr>
           </a:p>
           <a:p>
-            <a:pPr marL="216000" indent="-208440">
+            <a:pPr marL="216000" indent="-208080">
               <a:lnSpc>
                 <a:spcPct val="100000"/>
               </a:lnSpc>
@@ -7828,7 +7830,7 @@
             </a:endParaRPr>
           </a:p>
           <a:p>
-            <a:pPr marL="216000" indent="-208440">
+            <a:pPr marL="216000" indent="-208080">
               <a:lnSpc>
                 <a:spcPct val="100000"/>
               </a:lnSpc>
@@ -7864,7 +7866,7 @@
         <p:spPr>
           <a:xfrm>
             <a:off x="1576080" y="3161880"/>
-            <a:ext cx="9576360" cy="646560"/>
+            <a:ext cx="9576000" cy="646200"/>
           </a:xfrm>
           <a:prstGeom prst="rect">
             <a:avLst/>
@@ -7975,7 +7977,7 @@
         <p:spPr>
           <a:xfrm>
             <a:off x="1676520" y="2362320"/>
-            <a:ext cx="8831160" cy="912600"/>
+            <a:ext cx="8830800" cy="912600"/>
           </a:xfrm>
           <a:prstGeom prst="rect">
             <a:avLst/>
@@ -8026,7 +8028,7 @@
         <p:spPr>
           <a:xfrm>
             <a:off x="522360" y="3531600"/>
-            <a:ext cx="11068200" cy="363960"/>
+            <a:ext cx="11067840" cy="363960"/>
           </a:xfrm>
           <a:prstGeom prst="rect">
             <a:avLst/>
@@ -8107,7 +8109,7 @@
         <p:spPr>
           <a:xfrm>
             <a:off x="1676520" y="2362320"/>
-            <a:ext cx="8831160" cy="912600"/>
+            <a:ext cx="8830800" cy="912600"/>
           </a:xfrm>
           <a:prstGeom prst="rect">
             <a:avLst/>
@@ -8158,7 +8160,7 @@
         <p:spPr>
           <a:xfrm>
             <a:off x="522360" y="3531600"/>
-            <a:ext cx="11140200" cy="1186920"/>
+            <a:ext cx="11139840" cy="1186920"/>
           </a:xfrm>
           <a:prstGeom prst="rect">
             <a:avLst/>
@@ -8209,7 +8211,7 @@
         <p:spPr>
           <a:xfrm>
             <a:off x="1666800" y="609480"/>
-            <a:ext cx="8831160" cy="394560"/>
+            <a:ext cx="8830800" cy="394560"/>
           </a:xfrm>
           <a:prstGeom prst="rect">
             <a:avLst/>
@@ -8325,7 +8327,7 @@
         <p:spPr>
           <a:xfrm>
             <a:off x="1523880" y="0"/>
-            <a:ext cx="9136080" cy="699120"/>
+            <a:ext cx="9135720" cy="699120"/>
           </a:xfrm>
           <a:prstGeom prst="rect">
             <a:avLst/>
@@ -8380,7 +8382,7 @@
         <p:spPr>
           <a:xfrm>
             <a:off x="1600200" y="762120"/>
-            <a:ext cx="8983800" cy="1735560"/>
+            <a:ext cx="8983440" cy="1735560"/>
           </a:xfrm>
           <a:prstGeom prst="rect">
             <a:avLst/>
@@ -8481,7 +8483,7 @@
         <p:spPr>
           <a:xfrm>
             <a:off x="1600200" y="3585600"/>
-            <a:ext cx="8881920" cy="2558520"/>
+            <a:ext cx="8881560" cy="2558520"/>
           </a:xfrm>
           <a:prstGeom prst="rect">
             <a:avLst/>
@@ -8522,7 +8524,7 @@
             </a:endParaRPr>
           </a:p>
           <a:p>
-            <a:pPr marL="285840" indent="-277920">
+            <a:pPr marL="285840" indent="-277560">
               <a:lnSpc>
                 <a:spcPct val="150000"/>
               </a:lnSpc>
@@ -8567,7 +8569,7 @@
             </a:endParaRPr>
           </a:p>
           <a:p>
-            <a:pPr marL="285840" indent="-277920">
+            <a:pPr marL="285840" indent="-277560">
               <a:lnSpc>
                 <a:spcPct val="150000"/>
               </a:lnSpc>
@@ -8632,7 +8634,7 @@
             </a:endParaRPr>
           </a:p>
           <a:p>
-            <a:pPr marL="285840" indent="-277920">
+            <a:pPr marL="285840" indent="-277560">
               <a:lnSpc>
                 <a:spcPct val="150000"/>
               </a:lnSpc>
@@ -8677,7 +8679,7 @@
             </a:endParaRPr>
           </a:p>
           <a:p>
-            <a:pPr marL="285840" indent="-277920">
+            <a:pPr marL="285840" indent="-277560">
               <a:lnSpc>
                 <a:spcPct val="150000"/>
               </a:lnSpc>
@@ -8732,7 +8734,7 @@
         <p:spPr>
           <a:xfrm>
             <a:off x="152280" y="152280"/>
-            <a:ext cx="1098720" cy="455400"/>
+            <a:ext cx="1098360" cy="455400"/>
           </a:xfrm>
           <a:prstGeom prst="rect">
             <a:avLst/>
@@ -8783,7 +8785,7 @@
         <p:spPr>
           <a:xfrm>
             <a:off x="1601280" y="2761560"/>
-            <a:ext cx="8982720" cy="699480"/>
+            <a:ext cx="8982360" cy="699480"/>
           </a:xfrm>
           <a:prstGeom prst="rect">
             <a:avLst/>
@@ -8884,7 +8886,7 @@
         <p:spPr>
           <a:xfrm>
             <a:off x="1676520" y="2362320"/>
-            <a:ext cx="8831160" cy="1735560"/>
+            <a:ext cx="8830800" cy="1735560"/>
           </a:xfrm>
           <a:prstGeom prst="rect">
             <a:avLst/>
@@ -8935,7 +8937,7 @@
         <p:spPr>
           <a:xfrm>
             <a:off x="522360" y="3531600"/>
-            <a:ext cx="11068200" cy="363960"/>
+            <a:ext cx="11067840" cy="363960"/>
           </a:xfrm>
           <a:prstGeom prst="rect">
             <a:avLst/>
@@ -9016,7 +9018,7 @@
         <p:spPr>
           <a:xfrm>
             <a:off x="1523880" y="0"/>
-            <a:ext cx="9136080" cy="699120"/>
+            <a:ext cx="9135720" cy="699120"/>
           </a:xfrm>
           <a:prstGeom prst="rect">
             <a:avLst/>
@@ -9071,7 +9073,7 @@
         <p:spPr>
           <a:xfrm>
             <a:off x="1600200" y="762120"/>
-            <a:ext cx="8983800" cy="2284200"/>
+            <a:ext cx="8983440" cy="2284200"/>
           </a:xfrm>
           <a:prstGeom prst="rect">
             <a:avLst/>
@@ -9212,7 +9214,7 @@
         <p:spPr>
           <a:xfrm>
             <a:off x="152280" y="152280"/>
-            <a:ext cx="1098720" cy="455400"/>
+            <a:ext cx="1098360" cy="455400"/>
           </a:xfrm>
           <a:prstGeom prst="rect">
             <a:avLst/>
@@ -9263,7 +9265,7 @@
         <p:spPr>
           <a:xfrm>
             <a:off x="1601280" y="3157560"/>
-            <a:ext cx="8982720" cy="1004400"/>
+            <a:ext cx="8982360" cy="1004400"/>
           </a:xfrm>
           <a:prstGeom prst="rect">
             <a:avLst/>
@@ -9354,7 +9356,7 @@
         <p:spPr>
           <a:xfrm>
             <a:off x="864000" y="4197600"/>
-            <a:ext cx="11011680" cy="1324080"/>
+            <a:ext cx="11011320" cy="1324080"/>
           </a:xfrm>
           <a:prstGeom prst="rect">
             <a:avLst/>
@@ -9375,7 +9377,7 @@
             <a:spAutoFit/>
           </a:bodyPr>
           <a:p>
-            <a:pPr marL="285840" indent="-277920">
+            <a:pPr marL="285840" indent="-277560">
               <a:lnSpc>
                 <a:spcPct val="150000"/>
               </a:lnSpc>
@@ -9420,7 +9422,7 @@
             </a:endParaRPr>
           </a:p>
           <a:p>
-            <a:pPr marL="285840" indent="-277920">
+            <a:pPr marL="285840" indent="-277560">
               <a:lnSpc>
                 <a:spcPct val="150000"/>
               </a:lnSpc>
@@ -9465,7 +9467,7 @@
             </a:endParaRPr>
           </a:p>
           <a:p>
-            <a:pPr marL="285840" indent="-277920">
+            <a:pPr marL="285840" indent="-277560">
               <a:lnSpc>
                 <a:spcPct val="150000"/>
               </a:lnSpc>
@@ -9555,7 +9557,7 @@
         <p:spPr>
           <a:xfrm>
             <a:off x="1584000" y="5610240"/>
-            <a:ext cx="8848440" cy="1009080"/>
+            <a:ext cx="8848080" cy="1008720"/>
           </a:xfrm>
           <a:prstGeom prst="rect">
             <a:avLst/>
@@ -9606,7 +9608,7 @@
             </a:endParaRPr>
           </a:p>
           <a:p>
-            <a:pPr marL="285840" indent="-280800">
+            <a:pPr marL="285840" indent="-280440">
               <a:lnSpc>
                 <a:spcPct val="100000"/>
               </a:lnSpc>
@@ -9631,7 +9633,7 @@
             </a:endParaRPr>
           </a:p>
           <a:p>
-            <a:pPr marL="285840" indent="-280800">
+            <a:pPr marL="285840" indent="-280440">
               <a:lnSpc>
                 <a:spcPct val="100000"/>
               </a:lnSpc>
@@ -9696,7 +9698,7 @@
         <p:spPr>
           <a:xfrm>
             <a:off x="1676520" y="2362320"/>
-            <a:ext cx="8831160" cy="1735560"/>
+            <a:ext cx="8830800" cy="1735560"/>
           </a:xfrm>
           <a:prstGeom prst="rect">
             <a:avLst/>
@@ -9747,7 +9749,7 @@
         <p:spPr>
           <a:xfrm>
             <a:off x="522360" y="3531600"/>
-            <a:ext cx="11068200" cy="363960"/>
+            <a:ext cx="11067840" cy="363960"/>
           </a:xfrm>
           <a:prstGeom prst="rect">
             <a:avLst/>
@@ -9828,7 +9830,7 @@
         <p:spPr>
           <a:xfrm>
             <a:off x="1523880" y="0"/>
-            <a:ext cx="9136080" cy="699120"/>
+            <a:ext cx="9135720" cy="699120"/>
           </a:xfrm>
           <a:prstGeom prst="rect">
             <a:avLst/>
@@ -9883,7 +9885,7 @@
         <p:spPr>
           <a:xfrm>
             <a:off x="1600200" y="762120"/>
-            <a:ext cx="8983800" cy="2558520"/>
+            <a:ext cx="8983440" cy="2558520"/>
           </a:xfrm>
           <a:prstGeom prst="rect">
             <a:avLst/>
@@ -10024,7 +10026,7 @@
         <p:spPr>
           <a:xfrm>
             <a:off x="152280" y="152280"/>
-            <a:ext cx="1098720" cy="455400"/>
+            <a:ext cx="1098360" cy="455400"/>
           </a:xfrm>
           <a:prstGeom prst="rect">
             <a:avLst/>
@@ -10075,7 +10077,7 @@
         <p:spPr>
           <a:xfrm>
             <a:off x="1601280" y="3553560"/>
-            <a:ext cx="8982720" cy="1004400"/>
+            <a:ext cx="8982360" cy="1004400"/>
           </a:xfrm>
           <a:prstGeom prst="rect">
             <a:avLst/>
@@ -10166,7 +10168,7 @@
         <p:spPr>
           <a:xfrm>
             <a:off x="1600200" y="4593600"/>
-            <a:ext cx="8881920" cy="912600"/>
+            <a:ext cx="8881560" cy="912600"/>
           </a:xfrm>
           <a:prstGeom prst="rect">
             <a:avLst/>
@@ -10187,7 +10189,7 @@
             <a:spAutoFit/>
           </a:bodyPr>
           <a:p>
-            <a:pPr marL="285840" indent="-277920">
+            <a:pPr marL="285840" indent="-277560">
               <a:lnSpc>
                 <a:spcPct val="150000"/>
               </a:lnSpc>
@@ -10232,7 +10234,7 @@
             </a:endParaRPr>
           </a:p>
           <a:p>
-            <a:pPr marL="285840" indent="-277920">
+            <a:pPr marL="285840" indent="-277560">
               <a:lnSpc>
                 <a:spcPct val="150000"/>
               </a:lnSpc>
@@ -10322,7 +10324,7 @@
         <p:spPr>
           <a:xfrm>
             <a:off x="1584000" y="5790240"/>
-            <a:ext cx="8848440" cy="73440"/>
+            <a:ext cx="8848080" cy="73080"/>
           </a:xfrm>
           <a:prstGeom prst="rect">
             <a:avLst/>
@@ -10373,7 +10375,7 @@
             </a:endParaRPr>
           </a:p>
           <a:p>
-            <a:pPr marL="285840" indent="-280800">
+            <a:pPr marL="285840" indent="-280440">
               <a:lnSpc>
                 <a:spcPct val="100000"/>
               </a:lnSpc>
@@ -10438,7 +10440,7 @@
         <p:spPr>
           <a:xfrm>
             <a:off x="1676520" y="2362320"/>
-            <a:ext cx="8831160" cy="912600"/>
+            <a:ext cx="8830800" cy="912600"/>
           </a:xfrm>
           <a:prstGeom prst="rect">
             <a:avLst/>
@@ -10489,7 +10491,7 @@
         <p:spPr>
           <a:xfrm>
             <a:off x="522360" y="3531600"/>
-            <a:ext cx="11068200" cy="363960"/>
+            <a:ext cx="11067840" cy="363960"/>
           </a:xfrm>
           <a:prstGeom prst="rect">
             <a:avLst/>
@@ -10570,7 +10572,7 @@
         <p:spPr>
           <a:xfrm>
             <a:off x="1523880" y="0"/>
-            <a:ext cx="9136080" cy="699120"/>
+            <a:ext cx="9135720" cy="699120"/>
           </a:xfrm>
           <a:prstGeom prst="rect">
             <a:avLst/>
@@ -10625,7 +10627,7 @@
         <p:spPr>
           <a:xfrm>
             <a:off x="1600200" y="762120"/>
-            <a:ext cx="8983800" cy="1461240"/>
+            <a:ext cx="8983440" cy="1461240"/>
           </a:xfrm>
           <a:prstGeom prst="rect">
             <a:avLst/>
@@ -10726,7 +10728,7 @@
         <p:spPr>
           <a:xfrm>
             <a:off x="152280" y="152280"/>
-            <a:ext cx="1098720" cy="455400"/>
+            <a:ext cx="1098360" cy="455400"/>
           </a:xfrm>
           <a:prstGeom prst="rect">
             <a:avLst/>
@@ -10777,7 +10779,7 @@
         <p:spPr>
           <a:xfrm>
             <a:off x="1601280" y="2689560"/>
-            <a:ext cx="8982720" cy="699480"/>
+            <a:ext cx="8982360" cy="699480"/>
           </a:xfrm>
           <a:prstGeom prst="rect">
             <a:avLst/>
@@ -10848,7 +10850,7 @@
         <p:spPr>
           <a:xfrm>
             <a:off x="1600200" y="3621600"/>
-            <a:ext cx="8881920" cy="912600"/>
+            <a:ext cx="8881560" cy="912600"/>
           </a:xfrm>
           <a:prstGeom prst="rect">
             <a:avLst/>
@@ -10869,7 +10871,7 @@
             <a:spAutoFit/>
           </a:bodyPr>
           <a:p>
-            <a:pPr marL="285840" indent="-277920">
+            <a:pPr marL="285840" indent="-277560">
               <a:lnSpc>
                 <a:spcPct val="150000"/>
               </a:lnSpc>
@@ -10914,7 +10916,7 @@
             </a:endParaRPr>
           </a:p>
           <a:p>
-            <a:pPr marL="285840" indent="-277920">
+            <a:pPr marL="285840" indent="-277560">
               <a:lnSpc>
                 <a:spcPct val="150000"/>
               </a:lnSpc>
@@ -11004,7 +11006,7 @@
         <p:spPr>
           <a:xfrm>
             <a:off x="1584000" y="5106240"/>
-            <a:ext cx="8848440" cy="73440"/>
+            <a:ext cx="8848080" cy="73080"/>
           </a:xfrm>
           <a:prstGeom prst="rect">
             <a:avLst/>
@@ -11055,7 +11057,7 @@
             </a:endParaRPr>
           </a:p>
           <a:p>
-            <a:pPr marL="285840" indent="-280800">
+            <a:pPr marL="285840" indent="-280440">
               <a:lnSpc>
                 <a:spcPct val="100000"/>
               </a:lnSpc>
@@ -11120,7 +11122,7 @@
         <p:spPr>
           <a:xfrm>
             <a:off x="1676520" y="2362320"/>
-            <a:ext cx="8831160" cy="912600"/>
+            <a:ext cx="8830800" cy="912600"/>
           </a:xfrm>
           <a:prstGeom prst="rect">
             <a:avLst/>
@@ -11171,7 +11173,7 @@
         <p:spPr>
           <a:xfrm>
             <a:off x="522360" y="3531600"/>
-            <a:ext cx="11068200" cy="363960"/>
+            <a:ext cx="11067840" cy="363960"/>
           </a:xfrm>
           <a:prstGeom prst="rect">
             <a:avLst/>
@@ -11252,7 +11254,7 @@
         <p:spPr>
           <a:xfrm>
             <a:off x="1523880" y="0"/>
-            <a:ext cx="9136080" cy="699120"/>
+            <a:ext cx="9135720" cy="699120"/>
           </a:xfrm>
           <a:prstGeom prst="rect">
             <a:avLst/>
@@ -11307,7 +11309,7 @@
         <p:spPr>
           <a:xfrm>
             <a:off x="1600200" y="762120"/>
-            <a:ext cx="8983800" cy="1186920"/>
+            <a:ext cx="8983440" cy="1186920"/>
           </a:xfrm>
           <a:prstGeom prst="rect">
             <a:avLst/>
@@ -11408,7 +11410,7 @@
         <p:spPr>
           <a:xfrm>
             <a:off x="152280" y="152280"/>
-            <a:ext cx="1098720" cy="455400"/>
+            <a:ext cx="1098360" cy="455400"/>
           </a:xfrm>
           <a:prstGeom prst="rect">
             <a:avLst/>
@@ -11459,7 +11461,7 @@
         <p:spPr>
           <a:xfrm>
             <a:off x="1601280" y="2689560"/>
-            <a:ext cx="8982720" cy="699480"/>
+            <a:ext cx="8982360" cy="699480"/>
           </a:xfrm>
           <a:prstGeom prst="rect">
             <a:avLst/>
@@ -11530,7 +11532,7 @@
         <p:spPr>
           <a:xfrm>
             <a:off x="1600200" y="3621600"/>
-            <a:ext cx="8881920" cy="912600"/>
+            <a:ext cx="8881560" cy="912600"/>
           </a:xfrm>
           <a:prstGeom prst="rect">
             <a:avLst/>
@@ -11551,7 +11553,7 @@
             <a:spAutoFit/>
           </a:bodyPr>
           <a:p>
-            <a:pPr marL="285840" indent="-277920">
+            <a:pPr marL="285840" indent="-277560">
               <a:lnSpc>
                 <a:spcPct val="150000"/>
               </a:lnSpc>
@@ -11596,7 +11598,7 @@
             </a:endParaRPr>
           </a:p>
           <a:p>
-            <a:pPr marL="285840" indent="-277920">
+            <a:pPr marL="285840" indent="-277560">
               <a:lnSpc>
                 <a:spcPct val="150000"/>
               </a:lnSpc>
@@ -11716,7 +11718,7 @@
         <p:spPr>
           <a:xfrm>
             <a:off x="1676520" y="2362320"/>
-            <a:ext cx="8831160" cy="1735560"/>
+            <a:ext cx="8830800" cy="1735560"/>
           </a:xfrm>
           <a:prstGeom prst="rect">
             <a:avLst/>
@@ -11767,7 +11769,7 @@
         <p:spPr>
           <a:xfrm>
             <a:off x="522360" y="4467600"/>
-            <a:ext cx="11068200" cy="363960"/>
+            <a:ext cx="11067840" cy="363960"/>
           </a:xfrm>
           <a:prstGeom prst="rect">
             <a:avLst/>
@@ -11883,7 +11885,7 @@
         <p:spPr>
           <a:xfrm>
             <a:off x="1676520" y="2743200"/>
-            <a:ext cx="8831160" cy="1064520"/>
+            <a:ext cx="8830800" cy="1064520"/>
           </a:xfrm>
           <a:prstGeom prst="rect">
             <a:avLst/>
@@ -11904,7 +11906,7 @@
             <a:spAutoFit/>
           </a:bodyPr>
           <a:p>
-            <a:pPr marL="343080" indent="-335160">
+            <a:pPr marL="343080" indent="-334800">
               <a:lnSpc>
                 <a:spcPct val="100000"/>
               </a:lnSpc>
@@ -11959,7 +11961,7 @@
             </a:endParaRPr>
           </a:p>
           <a:p>
-            <a:pPr marL="343080" indent="-335160">
+            <a:pPr marL="343080" indent="-334800">
               <a:lnSpc>
                 <a:spcPct val="100000"/>
               </a:lnSpc>
@@ -12095,7 +12097,7 @@
         <p:spPr>
           <a:xfrm>
             <a:off x="1600200" y="762120"/>
-            <a:ext cx="8983800" cy="699480"/>
+            <a:ext cx="8983440" cy="699480"/>
           </a:xfrm>
           <a:prstGeom prst="rect">
             <a:avLst/>
@@ -12156,7 +12158,7 @@
         <p:spPr>
           <a:xfrm>
             <a:off x="1523880" y="5067720"/>
-            <a:ext cx="9136080" cy="790560"/>
+            <a:ext cx="9135720" cy="790560"/>
           </a:xfrm>
           <a:prstGeom prst="rect">
             <a:avLst/>
@@ -12217,7 +12219,7 @@
             </a:endParaRPr>
           </a:p>
           <a:p>
-            <a:pPr marL="285840" indent="-277920">
+            <a:pPr marL="285840" indent="-277560">
               <a:lnSpc>
                 <a:spcPct val="100000"/>
               </a:lnSpc>
@@ -12262,7 +12264,7 @@
         <p:spPr>
           <a:xfrm>
             <a:off x="1584000" y="4287960"/>
-            <a:ext cx="8704440" cy="348480"/>
+            <a:ext cx="8704080" cy="348120"/>
           </a:xfrm>
           <a:prstGeom prst="rect">
             <a:avLst/>
@@ -12333,7 +12335,7 @@
         <p:spPr>
           <a:xfrm>
             <a:off x="1523880" y="0"/>
-            <a:ext cx="9138240" cy="699120"/>
+            <a:ext cx="9137880" cy="699120"/>
           </a:xfrm>
           <a:prstGeom prst="rect">
             <a:avLst/>
@@ -12438,7 +12440,7 @@
         <p:spPr>
           <a:xfrm>
             <a:off x="1523880" y="0"/>
-            <a:ext cx="9136080" cy="699120"/>
+            <a:ext cx="9135720" cy="699120"/>
           </a:xfrm>
           <a:prstGeom prst="rect">
             <a:avLst/>
@@ -12493,7 +12495,7 @@
         <p:spPr>
           <a:xfrm>
             <a:off x="1600200" y="762120"/>
-            <a:ext cx="8983800" cy="2558520"/>
+            <a:ext cx="8983440" cy="2558520"/>
           </a:xfrm>
           <a:prstGeom prst="rect">
             <a:avLst/>
@@ -12754,7 +12756,7 @@
         <p:spPr>
           <a:xfrm>
             <a:off x="152280" y="152280"/>
-            <a:ext cx="1098720" cy="455400"/>
+            <a:ext cx="1098360" cy="455400"/>
           </a:xfrm>
           <a:prstGeom prst="rect">
             <a:avLst/>
@@ -12805,7 +12807,7 @@
         <p:spPr>
           <a:xfrm>
             <a:off x="1601280" y="3553560"/>
-            <a:ext cx="8982720" cy="1309320"/>
+            <a:ext cx="8982360" cy="1309320"/>
           </a:xfrm>
           <a:prstGeom prst="rect">
             <a:avLst/>
@@ -12916,7 +12918,7 @@
         <p:spPr>
           <a:xfrm>
             <a:off x="1600200" y="4989600"/>
-            <a:ext cx="8881920" cy="1735560"/>
+            <a:ext cx="8881560" cy="1735560"/>
           </a:xfrm>
           <a:prstGeom prst="rect">
             <a:avLst/>
@@ -12937,7 +12939,7 @@
             <a:spAutoFit/>
           </a:bodyPr>
           <a:p>
-            <a:pPr marL="285840" indent="-277920">
+            <a:pPr marL="285840" indent="-277560">
               <a:lnSpc>
                 <a:spcPct val="150000"/>
               </a:lnSpc>
@@ -12982,7 +12984,7 @@
             </a:endParaRPr>
           </a:p>
           <a:p>
-            <a:pPr marL="285840" indent="-277920">
+            <a:pPr marL="285840" indent="-277560">
               <a:lnSpc>
                 <a:spcPct val="150000"/>
               </a:lnSpc>
@@ -13027,7 +13029,7 @@
             </a:endParaRPr>
           </a:p>
           <a:p>
-            <a:pPr marL="285840" indent="-277920">
+            <a:pPr marL="285840" indent="-277560">
               <a:lnSpc>
                 <a:spcPct val="150000"/>
               </a:lnSpc>
@@ -13092,7 +13094,7 @@
             </a:endParaRPr>
           </a:p>
           <a:p>
-            <a:pPr marL="285840" indent="-277920">
+            <a:pPr marL="285840" indent="-277560">
               <a:lnSpc>
                 <a:spcPct val="150000"/>
               </a:lnSpc>
@@ -13212,7 +13214,7 @@
         <p:spPr>
           <a:xfrm>
             <a:off x="1676520" y="2362320"/>
-            <a:ext cx="8831160" cy="1735560"/>
+            <a:ext cx="8830800" cy="1735560"/>
           </a:xfrm>
           <a:prstGeom prst="rect">
             <a:avLst/>
@@ -13263,7 +13265,7 @@
         <p:spPr>
           <a:xfrm>
             <a:off x="522360" y="4251600"/>
-            <a:ext cx="11068200" cy="363960"/>
+            <a:ext cx="11067840" cy="363960"/>
           </a:xfrm>
           <a:prstGeom prst="rect">
             <a:avLst/>
@@ -13344,7 +13346,7 @@
         <p:spPr>
           <a:xfrm>
             <a:off x="1523880" y="0"/>
-            <a:ext cx="9136080" cy="699120"/>
+            <a:ext cx="9135720" cy="699120"/>
           </a:xfrm>
           <a:prstGeom prst="rect">
             <a:avLst/>
@@ -13399,7 +13401,7 @@
         <p:spPr>
           <a:xfrm>
             <a:off x="1600200" y="762120"/>
-            <a:ext cx="8983800" cy="2284200"/>
+            <a:ext cx="8983440" cy="2284200"/>
           </a:xfrm>
           <a:prstGeom prst="rect">
             <a:avLst/>
@@ -13540,7 +13542,7 @@
         <p:spPr>
           <a:xfrm>
             <a:off x="152280" y="152280"/>
-            <a:ext cx="1098720" cy="455400"/>
+            <a:ext cx="1098360" cy="455400"/>
           </a:xfrm>
           <a:prstGeom prst="rect">
             <a:avLst/>
@@ -13591,7 +13593,7 @@
         <p:spPr>
           <a:xfrm>
             <a:off x="1601280" y="3337560"/>
-            <a:ext cx="8982720" cy="1004400"/>
+            <a:ext cx="8982360" cy="1004400"/>
           </a:xfrm>
           <a:prstGeom prst="rect">
             <a:avLst/>
@@ -13682,7 +13684,7 @@
         <p:spPr>
           <a:xfrm>
             <a:off x="1600200" y="4557600"/>
-            <a:ext cx="8881920" cy="1324080"/>
+            <a:ext cx="8881560" cy="1324080"/>
           </a:xfrm>
           <a:prstGeom prst="rect">
             <a:avLst/>
@@ -13703,7 +13705,7 @@
             <a:spAutoFit/>
           </a:bodyPr>
           <a:p>
-            <a:pPr marL="285840" indent="-277920">
+            <a:pPr marL="285840" indent="-277560">
               <a:lnSpc>
                 <a:spcPct val="150000"/>
               </a:lnSpc>
@@ -13748,7 +13750,7 @@
             </a:endParaRPr>
           </a:p>
           <a:p>
-            <a:pPr marL="285840" indent="-277920">
+            <a:pPr marL="285840" indent="-277560">
               <a:lnSpc>
                 <a:spcPct val="150000"/>
               </a:lnSpc>
@@ -13793,7 +13795,7 @@
             </a:endParaRPr>
           </a:p>
           <a:p>
-            <a:pPr marL="285840" indent="-277920">
+            <a:pPr marL="285840" indent="-277560">
               <a:lnSpc>
                 <a:spcPct val="150000"/>
               </a:lnSpc>
@@ -13913,7 +13915,7 @@
         <p:spPr>
           <a:xfrm>
             <a:off x="1676520" y="2362320"/>
-            <a:ext cx="8831160" cy="912600"/>
+            <a:ext cx="8830800" cy="912600"/>
           </a:xfrm>
           <a:prstGeom prst="rect">
             <a:avLst/>
@@ -13964,7 +13966,7 @@
         <p:spPr>
           <a:xfrm>
             <a:off x="1666800" y="609480"/>
-            <a:ext cx="8831160" cy="394560"/>
+            <a:ext cx="8830800" cy="394560"/>
           </a:xfrm>
           <a:prstGeom prst="rect">
             <a:avLst/>
@@ -14015,7 +14017,7 @@
         <p:spPr>
           <a:xfrm>
             <a:off x="522360" y="3531600"/>
-            <a:ext cx="11068200" cy="1186920"/>
+            <a:ext cx="11067840" cy="1186920"/>
           </a:xfrm>
           <a:prstGeom prst="rect">
             <a:avLst/>
@@ -14116,7 +14118,7 @@
         <p:spPr>
           <a:xfrm>
             <a:off x="1676520" y="2362320"/>
-            <a:ext cx="8831160" cy="912600"/>
+            <a:ext cx="8830800" cy="912600"/>
           </a:xfrm>
           <a:prstGeom prst="rect">
             <a:avLst/>
@@ -14167,7 +14169,7 @@
         <p:spPr>
           <a:xfrm>
             <a:off x="522360" y="3531600"/>
-            <a:ext cx="11068200" cy="363960"/>
+            <a:ext cx="11067840" cy="363960"/>
           </a:xfrm>
           <a:prstGeom prst="rect">
             <a:avLst/>
@@ -14248,7 +14250,7 @@
         <p:spPr>
           <a:xfrm>
             <a:off x="1523880" y="0"/>
-            <a:ext cx="9136080" cy="699120"/>
+            <a:ext cx="9135720" cy="699120"/>
           </a:xfrm>
           <a:prstGeom prst="rect">
             <a:avLst/>
@@ -14303,7 +14305,7 @@
         <p:spPr>
           <a:xfrm>
             <a:off x="1600200" y="762120"/>
-            <a:ext cx="8983800" cy="1461240"/>
+            <a:ext cx="8983440" cy="1461240"/>
           </a:xfrm>
           <a:prstGeom prst="rect">
             <a:avLst/>
@@ -14404,7 +14406,7 @@
         <p:spPr>
           <a:xfrm>
             <a:off x="152280" y="152280"/>
-            <a:ext cx="1098720" cy="455400"/>
+            <a:ext cx="1098360" cy="455400"/>
           </a:xfrm>
           <a:prstGeom prst="rect">
             <a:avLst/>
@@ -14455,7 +14457,7 @@
         <p:spPr>
           <a:xfrm>
             <a:off x="1601280" y="2725560"/>
-            <a:ext cx="8982720" cy="699480"/>
+            <a:ext cx="8982360" cy="699480"/>
           </a:xfrm>
           <a:prstGeom prst="rect">
             <a:avLst/>
@@ -14526,7 +14528,7 @@
         <p:spPr>
           <a:xfrm>
             <a:off x="1600200" y="3585600"/>
-            <a:ext cx="8881920" cy="912600"/>
+            <a:ext cx="8881560" cy="912600"/>
           </a:xfrm>
           <a:prstGeom prst="rect">
             <a:avLst/>
@@ -14547,7 +14549,7 @@
             <a:spAutoFit/>
           </a:bodyPr>
           <a:p>
-            <a:pPr marL="285840" indent="-277920">
+            <a:pPr marL="285840" indent="-277560">
               <a:lnSpc>
                 <a:spcPct val="150000"/>
               </a:lnSpc>
@@ -14592,7 +14594,7 @@
             </a:endParaRPr>
           </a:p>
           <a:p>
-            <a:pPr marL="285840" indent="-277920">
+            <a:pPr marL="285840" indent="-277560">
               <a:lnSpc>
                 <a:spcPct val="150000"/>
               </a:lnSpc>
@@ -14682,7 +14684,7 @@
         <p:spPr>
           <a:xfrm>
             <a:off x="5256000" y="5472000"/>
-            <a:ext cx="5135040" cy="793800"/>
+            <a:ext cx="5134680" cy="793440"/>
           </a:xfrm>
           <a:prstGeom prst="rect">
             <a:avLst/>
@@ -14813,7 +14815,7 @@
         <p:spPr>
           <a:xfrm>
             <a:off x="10514160" y="2592000"/>
-            <a:ext cx="1507680" cy="4066200"/>
+            <a:ext cx="1507320" cy="4065840"/>
           </a:xfrm>
           <a:prstGeom prst="rect">
             <a:avLst/>
@@ -15164,7 +15166,7 @@
         <p:spPr>
           <a:xfrm>
             <a:off x="1676520" y="2362320"/>
-            <a:ext cx="8831160" cy="912600"/>
+            <a:ext cx="8830800" cy="912600"/>
           </a:xfrm>
           <a:prstGeom prst="rect">
             <a:avLst/>
@@ -15215,7 +15217,7 @@
         <p:spPr>
           <a:xfrm>
             <a:off x="522360" y="3531600"/>
-            <a:ext cx="11068200" cy="363960"/>
+            <a:ext cx="11067840" cy="363960"/>
           </a:xfrm>
           <a:prstGeom prst="rect">
             <a:avLst/>
@@ -15296,7 +15298,7 @@
         <p:spPr>
           <a:xfrm>
             <a:off x="1523880" y="0"/>
-            <a:ext cx="9136080" cy="699120"/>
+            <a:ext cx="9135720" cy="699120"/>
           </a:xfrm>
           <a:prstGeom prst="rect">
             <a:avLst/>
@@ -15351,7 +15353,7 @@
         <p:spPr>
           <a:xfrm>
             <a:off x="1600200" y="762120"/>
-            <a:ext cx="8983800" cy="2558520"/>
+            <a:ext cx="8983440" cy="2558520"/>
           </a:xfrm>
           <a:prstGeom prst="rect">
             <a:avLst/>
@@ -15452,7 +15454,7 @@
         <p:spPr>
           <a:xfrm>
             <a:off x="72000" y="144000"/>
-            <a:ext cx="1358280" cy="1186920"/>
+            <a:ext cx="1357920" cy="1186920"/>
           </a:xfrm>
           <a:prstGeom prst="rect">
             <a:avLst/>
@@ -15503,7 +15505,7 @@
         <p:spPr>
           <a:xfrm>
             <a:off x="1601280" y="3697560"/>
-            <a:ext cx="8982720" cy="699480"/>
+            <a:ext cx="8982360" cy="699480"/>
           </a:xfrm>
           <a:prstGeom prst="rect">
             <a:avLst/>
@@ -15574,7 +15576,7 @@
         <p:spPr>
           <a:xfrm>
             <a:off x="1600200" y="4665600"/>
-            <a:ext cx="8881920" cy="912600"/>
+            <a:ext cx="8881560" cy="912600"/>
           </a:xfrm>
           <a:prstGeom prst="rect">
             <a:avLst/>
@@ -15595,7 +15597,7 @@
             <a:spAutoFit/>
           </a:bodyPr>
           <a:p>
-            <a:pPr marL="285840" indent="-277920">
+            <a:pPr marL="285840" indent="-277560">
               <a:lnSpc>
                 <a:spcPct val="150000"/>
               </a:lnSpc>
@@ -15640,7 +15642,7 @@
             </a:endParaRPr>
           </a:p>
           <a:p>
-            <a:pPr marL="285840" indent="-277920">
+            <a:pPr marL="285840" indent="-277560">
               <a:lnSpc>
                 <a:spcPct val="150000"/>
               </a:lnSpc>
@@ -15760,7 +15762,7 @@
         <p:spPr>
           <a:xfrm>
             <a:off x="1676520" y="2362320"/>
-            <a:ext cx="8831160" cy="912600"/>
+            <a:ext cx="8830800" cy="912600"/>
           </a:xfrm>
           <a:prstGeom prst="rect">
             <a:avLst/>
@@ -15811,7 +15813,7 @@
         <p:spPr>
           <a:xfrm>
             <a:off x="522360" y="3531600"/>
-            <a:ext cx="11068200" cy="363960"/>
+            <a:ext cx="11067840" cy="363960"/>
           </a:xfrm>
           <a:prstGeom prst="rect">
             <a:avLst/>
@@ -15892,7 +15894,7 @@
         <p:spPr>
           <a:xfrm>
             <a:off x="1523880" y="0"/>
-            <a:ext cx="9136080" cy="699120"/>
+            <a:ext cx="9135720" cy="699120"/>
           </a:xfrm>
           <a:prstGeom prst="rect">
             <a:avLst/>
@@ -15947,7 +15949,7 @@
         <p:spPr>
           <a:xfrm>
             <a:off x="1600200" y="762120"/>
-            <a:ext cx="8983800" cy="1186920"/>
+            <a:ext cx="8983440" cy="1186920"/>
           </a:xfrm>
           <a:prstGeom prst="rect">
             <a:avLst/>
@@ -16048,7 +16050,7 @@
         <p:spPr>
           <a:xfrm>
             <a:off x="152280" y="152280"/>
-            <a:ext cx="1098720" cy="455400"/>
+            <a:ext cx="1098360" cy="455400"/>
           </a:xfrm>
           <a:prstGeom prst="rect">
             <a:avLst/>
@@ -16099,7 +16101,7 @@
         <p:spPr>
           <a:xfrm>
             <a:off x="1601280" y="2473560"/>
-            <a:ext cx="8982720" cy="699480"/>
+            <a:ext cx="8982360" cy="699480"/>
           </a:xfrm>
           <a:prstGeom prst="rect">
             <a:avLst/>
@@ -16170,7 +16172,7 @@
         <p:spPr>
           <a:xfrm>
             <a:off x="1600200" y="3405600"/>
-            <a:ext cx="8881920" cy="1324080"/>
+            <a:ext cx="8881560" cy="1324080"/>
           </a:xfrm>
           <a:prstGeom prst="rect">
             <a:avLst/>
@@ -16191,7 +16193,7 @@
             <a:spAutoFit/>
           </a:bodyPr>
           <a:p>
-            <a:pPr marL="285840" indent="-277920">
+            <a:pPr marL="285840" indent="-277560">
               <a:lnSpc>
                 <a:spcPct val="150000"/>
               </a:lnSpc>
@@ -16236,7 +16238,7 @@
             </a:endParaRPr>
           </a:p>
           <a:p>
-            <a:pPr marL="285840" indent="-277920">
+            <a:pPr marL="285840" indent="-277560">
               <a:lnSpc>
                 <a:spcPct val="150000"/>
               </a:lnSpc>
@@ -16281,7 +16283,7 @@
             </a:endParaRPr>
           </a:p>
           <a:p>
-            <a:pPr marL="285840" indent="-277920">
+            <a:pPr marL="285840" indent="-277560">
               <a:lnSpc>
                 <a:spcPct val="150000"/>
               </a:lnSpc>
@@ -16371,7 +16373,7 @@
         <p:spPr>
           <a:xfrm>
             <a:off x="4601520" y="5832000"/>
-            <a:ext cx="5621040" cy="358560"/>
+            <a:ext cx="5620680" cy="358200"/>
           </a:xfrm>
           <a:prstGeom prst="rect">
             <a:avLst/>
@@ -16452,7 +16454,7 @@
         <p:spPr>
           <a:xfrm>
             <a:off x="10584000" y="3710160"/>
-            <a:ext cx="1407240" cy="2552400"/>
+            <a:ext cx="1406880" cy="2552040"/>
           </a:xfrm>
           <a:prstGeom prst="rect">
             <a:avLst/>
@@ -16693,7 +16695,7 @@
         <p:spPr>
           <a:xfrm>
             <a:off x="1676520" y="2362320"/>
-            <a:ext cx="8831160" cy="912600"/>
+            <a:ext cx="8830800" cy="912600"/>
           </a:xfrm>
           <a:prstGeom prst="rect">
             <a:avLst/>
@@ -16744,7 +16746,7 @@
         <p:spPr>
           <a:xfrm>
             <a:off x="522360" y="3531600"/>
-            <a:ext cx="11068200" cy="363960"/>
+            <a:ext cx="11067840" cy="363960"/>
           </a:xfrm>
           <a:prstGeom prst="rect">
             <a:avLst/>
@@ -16825,7 +16827,7 @@
         <p:spPr>
           <a:xfrm>
             <a:off x="1676520" y="2362320"/>
-            <a:ext cx="8831160" cy="912600"/>
+            <a:ext cx="8830800" cy="912600"/>
           </a:xfrm>
           <a:prstGeom prst="rect">
             <a:avLst/>
@@ -16876,7 +16878,7 @@
         <p:spPr>
           <a:xfrm>
             <a:off x="522360" y="3531600"/>
-            <a:ext cx="11068200" cy="363960"/>
+            <a:ext cx="11067840" cy="363960"/>
           </a:xfrm>
           <a:prstGeom prst="rect">
             <a:avLst/>
@@ -16957,7 +16959,7 @@
         <p:spPr>
           <a:xfrm>
             <a:off x="1523880" y="0"/>
-            <a:ext cx="9136080" cy="699120"/>
+            <a:ext cx="9135720" cy="699120"/>
           </a:xfrm>
           <a:prstGeom prst="rect">
             <a:avLst/>
@@ -17012,7 +17014,7 @@
         <p:spPr>
           <a:xfrm>
             <a:off x="1600200" y="762120"/>
-            <a:ext cx="8983800" cy="2558520"/>
+            <a:ext cx="8983440" cy="2558520"/>
           </a:xfrm>
           <a:prstGeom prst="rect">
             <a:avLst/>
@@ -17113,7 +17115,7 @@
         <p:spPr>
           <a:xfrm>
             <a:off x="152280" y="152280"/>
-            <a:ext cx="1098720" cy="455400"/>
+            <a:ext cx="1098360" cy="455400"/>
           </a:xfrm>
           <a:prstGeom prst="rect">
             <a:avLst/>
@@ -17164,7 +17166,7 @@
         <p:spPr>
           <a:xfrm>
             <a:off x="1601280" y="3697560"/>
-            <a:ext cx="8982720" cy="699480"/>
+            <a:ext cx="8982360" cy="699480"/>
           </a:xfrm>
           <a:prstGeom prst="rect">
             <a:avLst/>
@@ -17235,7 +17237,7 @@
         <p:spPr>
           <a:xfrm>
             <a:off x="1600200" y="4629600"/>
-            <a:ext cx="8881920" cy="912600"/>
+            <a:ext cx="8881560" cy="912600"/>
           </a:xfrm>
           <a:prstGeom prst="rect">
             <a:avLst/>
@@ -17256,7 +17258,7 @@
             <a:spAutoFit/>
           </a:bodyPr>
           <a:p>
-            <a:pPr marL="285840" indent="-277920">
+            <a:pPr marL="285840" indent="-277560">
               <a:lnSpc>
                 <a:spcPct val="150000"/>
               </a:lnSpc>
@@ -17301,7 +17303,7 @@
             </a:endParaRPr>
           </a:p>
           <a:p>
-            <a:pPr marL="285840" indent="-277920">
+            <a:pPr marL="285840" indent="-277560">
               <a:lnSpc>
                 <a:spcPct val="150000"/>
               </a:lnSpc>
@@ -17421,7 +17423,7 @@
         <p:spPr>
           <a:xfrm>
             <a:off x="1676520" y="2362320"/>
-            <a:ext cx="8831160" cy="912600"/>
+            <a:ext cx="8830800" cy="912600"/>
           </a:xfrm>
           <a:prstGeom prst="rect">
             <a:avLst/>
@@ -17472,7 +17474,7 @@
         <p:spPr>
           <a:xfrm>
             <a:off x="522360" y="3531600"/>
-            <a:ext cx="11068200" cy="363960"/>
+            <a:ext cx="11067840" cy="363960"/>
           </a:xfrm>
           <a:prstGeom prst="rect">
             <a:avLst/>
@@ -17553,7 +17555,7 @@
         <p:spPr>
           <a:xfrm>
             <a:off x="1523880" y="0"/>
-            <a:ext cx="9136080" cy="699120"/>
+            <a:ext cx="9135720" cy="699120"/>
           </a:xfrm>
           <a:prstGeom prst="rect">
             <a:avLst/>
@@ -17608,7 +17610,7 @@
         <p:spPr>
           <a:xfrm>
             <a:off x="1600200" y="762120"/>
-            <a:ext cx="8983800" cy="2284200"/>
+            <a:ext cx="8983440" cy="2284200"/>
           </a:xfrm>
           <a:prstGeom prst="rect">
             <a:avLst/>
@@ -17809,7 +17811,7 @@
         <p:spPr>
           <a:xfrm>
             <a:off x="152280" y="152280"/>
-            <a:ext cx="1098720" cy="455400"/>
+            <a:ext cx="1098360" cy="455400"/>
           </a:xfrm>
           <a:prstGeom prst="rect">
             <a:avLst/>
@@ -17860,7 +17862,7 @@
         <p:spPr>
           <a:xfrm>
             <a:off x="1601280" y="3625560"/>
-            <a:ext cx="8982720" cy="699480"/>
+            <a:ext cx="8982360" cy="699480"/>
           </a:xfrm>
           <a:prstGeom prst="rect">
             <a:avLst/>
@@ -17931,7 +17933,7 @@
         <p:spPr>
           <a:xfrm>
             <a:off x="1600200" y="4521600"/>
-            <a:ext cx="8881920" cy="912600"/>
+            <a:ext cx="8881560" cy="912600"/>
           </a:xfrm>
           <a:prstGeom prst="rect">
             <a:avLst/>
@@ -17952,7 +17954,7 @@
             <a:spAutoFit/>
           </a:bodyPr>
           <a:p>
-            <a:pPr marL="285840" indent="-277920">
+            <a:pPr marL="285840" indent="-277560">
               <a:lnSpc>
                 <a:spcPct val="150000"/>
               </a:lnSpc>
@@ -17997,7 +17999,7 @@
             </a:endParaRPr>
           </a:p>
           <a:p>
-            <a:pPr marL="285840" indent="-277920">
+            <a:pPr marL="285840" indent="-277560">
               <a:lnSpc>
                 <a:spcPct val="150000"/>
               </a:lnSpc>
@@ -18087,7 +18089,7 @@
         <p:spPr>
           <a:xfrm>
             <a:off x="1224000" y="5904000"/>
-            <a:ext cx="8926560" cy="358560"/>
+            <a:ext cx="8926200" cy="358200"/>
           </a:xfrm>
           <a:prstGeom prst="rect">
             <a:avLst/>
@@ -18108,7 +18110,7 @@
             <a:noAutofit/>
           </a:bodyPr>
           <a:p>
-            <a:pPr marL="216000" indent="-214560">
+            <a:pPr marL="216000" indent="-214200">
               <a:lnSpc>
                 <a:spcPct val="100000"/>
               </a:lnSpc>
@@ -18174,7 +18176,7 @@
         <p:spPr>
           <a:xfrm>
             <a:off x="10585440" y="1036440"/>
-            <a:ext cx="1437120" cy="5658120"/>
+            <a:ext cx="1436760" cy="5657760"/>
           </a:xfrm>
           <a:prstGeom prst="rect">
             <a:avLst/>
@@ -18605,7 +18607,7 @@
         <p:spPr>
           <a:xfrm>
             <a:off x="1676520" y="2362320"/>
-            <a:ext cx="8831160" cy="912600"/>
+            <a:ext cx="8830800" cy="912600"/>
           </a:xfrm>
           <a:prstGeom prst="rect">
             <a:avLst/>
@@ -18656,7 +18658,7 @@
         <p:spPr>
           <a:xfrm>
             <a:off x="522360" y="3531600"/>
-            <a:ext cx="11068200" cy="363960"/>
+            <a:ext cx="11067840" cy="363960"/>
           </a:xfrm>
           <a:prstGeom prst="rect">
             <a:avLst/>
@@ -18737,7 +18739,7 @@
         <p:spPr>
           <a:xfrm>
             <a:off x="1523880" y="0"/>
-            <a:ext cx="9136080" cy="699120"/>
+            <a:ext cx="9135720" cy="699120"/>
           </a:xfrm>
           <a:prstGeom prst="rect">
             <a:avLst/>
@@ -18792,7 +18794,7 @@
         <p:spPr>
           <a:xfrm>
             <a:off x="1600200" y="762120"/>
-            <a:ext cx="8983800" cy="1735560"/>
+            <a:ext cx="8983440" cy="1735560"/>
           </a:xfrm>
           <a:prstGeom prst="rect">
             <a:avLst/>
@@ -18853,7 +18855,7 @@
         <p:spPr>
           <a:xfrm>
             <a:off x="152280" y="152280"/>
-            <a:ext cx="1098720" cy="455400"/>
+            <a:ext cx="1098360" cy="455400"/>
           </a:xfrm>
           <a:prstGeom prst="rect">
             <a:avLst/>
@@ -18904,7 +18906,7 @@
         <p:spPr>
           <a:xfrm>
             <a:off x="1601280" y="2941560"/>
-            <a:ext cx="8982720" cy="699480"/>
+            <a:ext cx="8982360" cy="699480"/>
           </a:xfrm>
           <a:prstGeom prst="rect">
             <a:avLst/>
@@ -18955,7 +18957,7 @@
         <p:spPr>
           <a:xfrm>
             <a:off x="1600200" y="3873600"/>
-            <a:ext cx="8881920" cy="1735560"/>
+            <a:ext cx="8881560" cy="1735560"/>
           </a:xfrm>
           <a:prstGeom prst="rect">
             <a:avLst/>
@@ -18976,7 +18978,7 @@
             <a:spAutoFit/>
           </a:bodyPr>
           <a:p>
-            <a:pPr marL="285840" indent="-277920">
+            <a:pPr marL="285840" indent="-277560">
               <a:lnSpc>
                 <a:spcPct val="150000"/>
               </a:lnSpc>
@@ -19021,7 +19023,7 @@
             </a:endParaRPr>
           </a:p>
           <a:p>
-            <a:pPr marL="285840" indent="-277920">
+            <a:pPr marL="285840" indent="-277560">
               <a:lnSpc>
                 <a:spcPct val="150000"/>
               </a:lnSpc>
@@ -19066,7 +19068,7 @@
             </a:endParaRPr>
           </a:p>
           <a:p>
-            <a:pPr marL="285840" indent="-277920">
+            <a:pPr marL="285840" indent="-277560">
               <a:lnSpc>
                 <a:spcPct val="150000"/>
               </a:lnSpc>
@@ -19111,7 +19113,7 @@
             </a:endParaRPr>
           </a:p>
           <a:p>
-            <a:pPr marL="285840" indent="-277920">
+            <a:pPr marL="285840" indent="-277560">
               <a:lnSpc>
                 <a:spcPct val="150000"/>
               </a:lnSpc>
@@ -19201,7 +19203,7 @@
         <p:spPr>
           <a:xfrm>
             <a:off x="1224000" y="5904000"/>
-            <a:ext cx="8926560" cy="358560"/>
+            <a:ext cx="8926200" cy="358200"/>
           </a:xfrm>
           <a:prstGeom prst="rect">
             <a:avLst/>
@@ -19222,7 +19224,7 @@
             <a:noAutofit/>
           </a:bodyPr>
           <a:p>
-            <a:pPr marL="216000" indent="-214560">
+            <a:pPr marL="216000" indent="-214200">
               <a:lnSpc>
                 <a:spcPct val="100000"/>
               </a:lnSpc>
@@ -19288,7 +19290,7 @@
         <p:spPr>
           <a:xfrm>
             <a:off x="10585440" y="1036440"/>
-            <a:ext cx="1437120" cy="5658120"/>
+            <a:ext cx="1436760" cy="5657760"/>
           </a:xfrm>
           <a:prstGeom prst="rect">
             <a:avLst/>
@@ -19719,7 +19721,7 @@
         <p:spPr>
           <a:xfrm>
             <a:off x="1676520" y="2362320"/>
-            <a:ext cx="8831160" cy="912600"/>
+            <a:ext cx="8830800" cy="912600"/>
           </a:xfrm>
           <a:prstGeom prst="rect">
             <a:avLst/>
@@ -19770,7 +19772,7 @@
         <p:spPr>
           <a:xfrm>
             <a:off x="1666800" y="609480"/>
-            <a:ext cx="8831160" cy="394560"/>
+            <a:ext cx="8830800" cy="394560"/>
           </a:xfrm>
           <a:prstGeom prst="rect">
             <a:avLst/>
@@ -19821,7 +19823,7 @@
         <p:spPr>
           <a:xfrm>
             <a:off x="522360" y="3531600"/>
-            <a:ext cx="11068200" cy="1735560"/>
+            <a:ext cx="11067840" cy="1735560"/>
           </a:xfrm>
           <a:prstGeom prst="rect">
             <a:avLst/>
@@ -19872,7 +19874,7 @@
             </a:endParaRPr>
           </a:p>
           <a:p>
-            <a:pPr marL="216000" indent="-215640">
+            <a:pPr marL="216000" indent="-215280">
               <a:lnSpc>
                 <a:spcPct val="100000"/>
               </a:lnSpc>
@@ -19947,7 +19949,7 @@
         <p:spPr>
           <a:xfrm>
             <a:off x="1676520" y="2362320"/>
-            <a:ext cx="8831160" cy="912960"/>
+            <a:ext cx="8830800" cy="912600"/>
           </a:xfrm>
           <a:prstGeom prst="rect">
             <a:avLst/>
@@ -19998,7 +20000,7 @@
         <p:spPr>
           <a:xfrm>
             <a:off x="522360" y="3531600"/>
-            <a:ext cx="11068200" cy="363960"/>
+            <a:ext cx="11067840" cy="363960"/>
           </a:xfrm>
           <a:prstGeom prst="rect">
             <a:avLst/>
@@ -20079,7 +20081,7 @@
         <p:spPr>
           <a:xfrm>
             <a:off x="1523880" y="0"/>
-            <a:ext cx="9136080" cy="699120"/>
+            <a:ext cx="9135720" cy="699120"/>
           </a:xfrm>
           <a:prstGeom prst="rect">
             <a:avLst/>
@@ -20134,7 +20136,7 @@
         <p:spPr>
           <a:xfrm>
             <a:off x="1600200" y="762120"/>
-            <a:ext cx="8983800" cy="1187280"/>
+            <a:ext cx="8983440" cy="1186920"/>
           </a:xfrm>
           <a:prstGeom prst="rect">
             <a:avLst/>
@@ -20235,7 +20237,7 @@
         <p:spPr>
           <a:xfrm>
             <a:off x="152280" y="152280"/>
-            <a:ext cx="1098720" cy="455400"/>
+            <a:ext cx="1098360" cy="455400"/>
           </a:xfrm>
           <a:prstGeom prst="rect">
             <a:avLst/>
@@ -20286,7 +20288,7 @@
         <p:spPr>
           <a:xfrm>
             <a:off x="1601280" y="2581560"/>
-            <a:ext cx="8982720" cy="699480"/>
+            <a:ext cx="8982360" cy="699480"/>
           </a:xfrm>
           <a:prstGeom prst="rect">
             <a:avLst/>
@@ -20357,7 +20359,7 @@
         <p:spPr>
           <a:xfrm>
             <a:off x="1600200" y="3513600"/>
-            <a:ext cx="8881920" cy="912600"/>
+            <a:ext cx="8881560" cy="1324800"/>
           </a:xfrm>
           <a:prstGeom prst="rect">
             <a:avLst/>
@@ -20378,7 +20380,7 @@
             <a:spAutoFit/>
           </a:bodyPr>
           <a:p>
-            <a:pPr marL="285840" indent="-277920">
+            <a:pPr marL="285840" indent="-277560">
               <a:lnSpc>
                 <a:spcPct val="150000"/>
               </a:lnSpc>
@@ -20416,14 +20418,14 @@
                 <a:latin typeface="Consolas"/>
                 <a:ea typeface="SimSun"/>
               </a:rPr>
-              <a:t>lpop fruits 2</a:t>
-            </a:r>
-            <a:endParaRPr b="0" lang="en-IN" sz="1800" spc="-1" strike="noStrike">
-              <a:latin typeface="Arial"/>
-            </a:endParaRPr>
-          </a:p>
-          <a:p>
-            <a:pPr marL="285840" indent="-277920">
+              <a:t>hset customer:1 id 1 name saleel mobile 9850884228 amount 4500</a:t>
+            </a:r>
+            <a:endParaRPr b="0" lang="en-IN" sz="1800" spc="-1" strike="noStrike">
+              <a:latin typeface="Arial"/>
+            </a:endParaRPr>
+          </a:p>
+          <a:p>
+            <a:pPr marL="285840" indent="-277560">
               <a:lnSpc>
                 <a:spcPct val="150000"/>
               </a:lnSpc>
@@ -20461,7 +20463,7 @@
                 <a:latin typeface="Consolas"/>
                 <a:ea typeface="SimSun"/>
               </a:rPr>
-              <a:t>rpop fruits 2</a:t>
+              <a:t>hget customer:1 name</a:t>
             </a:r>
             <a:endParaRPr b="0" lang="en-IN" sz="1800" spc="-1" strike="noStrike">
               <a:latin typeface="Arial"/>
@@ -20543,7 +20545,7 @@
         <p:spPr>
           <a:xfrm>
             <a:off x="1676520" y="2362320"/>
-            <a:ext cx="8831160" cy="912960"/>
+            <a:ext cx="8830800" cy="912600"/>
           </a:xfrm>
           <a:prstGeom prst="rect">
             <a:avLst/>
@@ -20594,7 +20596,7 @@
         <p:spPr>
           <a:xfrm>
             <a:off x="522360" y="3531600"/>
-            <a:ext cx="11068200" cy="363960"/>
+            <a:ext cx="11067840" cy="363960"/>
           </a:xfrm>
           <a:prstGeom prst="rect">
             <a:avLst/>
@@ -20710,7 +20712,7 @@
         <p:spPr>
           <a:xfrm>
             <a:off x="1523880" y="0"/>
-            <a:ext cx="9136080" cy="699120"/>
+            <a:ext cx="9135720" cy="699120"/>
           </a:xfrm>
           <a:prstGeom prst="rect">
             <a:avLst/>
@@ -20765,7 +20767,7 @@
         <p:spPr>
           <a:xfrm>
             <a:off x="1600200" y="762120"/>
-            <a:ext cx="8983800" cy="638280"/>
+            <a:ext cx="8983440" cy="638280"/>
           </a:xfrm>
           <a:prstGeom prst="rect">
             <a:avLst/>
@@ -20826,7 +20828,7 @@
         <p:spPr>
           <a:xfrm>
             <a:off x="152280" y="152280"/>
-            <a:ext cx="1098720" cy="455400"/>
+            <a:ext cx="1098360" cy="455400"/>
           </a:xfrm>
           <a:prstGeom prst="rect">
             <a:avLst/>
@@ -20877,7 +20879,7 @@
         <p:spPr>
           <a:xfrm>
             <a:off x="1601280" y="2221560"/>
-            <a:ext cx="8982720" cy="699480"/>
+            <a:ext cx="8982360" cy="699480"/>
           </a:xfrm>
           <a:prstGeom prst="rect">
             <a:avLst/>
@@ -20948,7 +20950,7 @@
         <p:spPr>
           <a:xfrm>
             <a:off x="1523880" y="2940480"/>
-            <a:ext cx="9412920" cy="1735560"/>
+            <a:ext cx="9412560" cy="1735560"/>
           </a:xfrm>
           <a:prstGeom prst="rect">
             <a:avLst/>
@@ -20969,7 +20971,7 @@
             <a:spAutoFit/>
           </a:bodyPr>
           <a:p>
-            <a:pPr marL="285840" indent="-277920">
+            <a:pPr marL="285840" indent="-277560">
               <a:lnSpc>
                 <a:spcPct val="150000"/>
               </a:lnSpc>
@@ -21014,7 +21016,7 @@
             </a:endParaRPr>
           </a:p>
           <a:p>
-            <a:pPr marL="285840" indent="-277920">
+            <a:pPr marL="285840" indent="-277560">
               <a:lnSpc>
                 <a:spcPct val="150000"/>
               </a:lnSpc>
@@ -21089,7 +21091,7 @@
             </a:endParaRPr>
           </a:p>
           <a:p>
-            <a:pPr marL="285840" indent="-277920">
+            <a:pPr marL="285840" indent="-277560">
               <a:lnSpc>
                 <a:spcPct val="150000"/>
               </a:lnSpc>
@@ -21154,7 +21156,7 @@
             </a:endParaRPr>
           </a:p>
           <a:p>
-            <a:pPr marL="285840" indent="-277920">
+            <a:pPr marL="285840" indent="-277560">
               <a:lnSpc>
                 <a:spcPct val="150000"/>
               </a:lnSpc>
@@ -21219,7 +21221,7 @@
         <p:spPr>
           <a:xfrm>
             <a:off x="1584000" y="4889520"/>
-            <a:ext cx="8848440" cy="1009080"/>
+            <a:ext cx="8848080" cy="1008720"/>
           </a:xfrm>
           <a:prstGeom prst="rect">
             <a:avLst/>
@@ -21270,7 +21272,7 @@
             </a:endParaRPr>
           </a:p>
           <a:p>
-            <a:pPr marL="216000" indent="-208440">
+            <a:pPr marL="216000" indent="-208080">
               <a:lnSpc>
                 <a:spcPct val="100000"/>
               </a:lnSpc>
@@ -21396,7 +21398,7 @@
         <p:spPr>
           <a:xfrm>
             <a:off x="1523880" y="0"/>
-            <a:ext cx="9136080" cy="699120"/>
+            <a:ext cx="9135720" cy="699120"/>
           </a:xfrm>
           <a:prstGeom prst="rect">
             <a:avLst/>
@@ -21451,7 +21453,7 @@
         <p:spPr>
           <a:xfrm>
             <a:off x="1600200" y="762120"/>
-            <a:ext cx="8983800" cy="1187280"/>
+            <a:ext cx="8983440" cy="1857960"/>
           </a:xfrm>
           <a:prstGeom prst="rect">
             <a:avLst/>
@@ -21472,11 +21474,47 @@
             <a:spAutoFit/>
           </a:bodyPr>
           <a:p>
+            <a:pPr algn="just"/>
+            <a:r>
+              <a:rPr b="1" lang="en-US" sz="1800" spc="-1" strike="noStrike">
+                <a:solidFill>
+                  <a:srgbClr val="7c4dff"/>
+                </a:solidFill>
+                <a:latin typeface="Arial"/>
+                <a:ea typeface="DejaVu Sans"/>
+              </a:rPr>
+              <a:t>HMSET</a:t>
+            </a:r>
+            <a:r>
+              <a:rPr b="0" lang="en-US" sz="1800" spc="-1" strike="noStrike">
+                <a:latin typeface="Arial"/>
+                <a:ea typeface="DejaVu Sans"/>
+              </a:rPr>
+              <a:t> sets the specified fields to their respective values in the hash stored at key. This command overwrites any specified fields already existing in the hash. If key does not exist, a new key holding a hash is created. </a:t>
+            </a:r>
+            <a:r>
+              <a:rPr b="1" lang="en-US" sz="1800" spc="-1" strike="noStrike">
+                <a:latin typeface="Arial"/>
+                <a:ea typeface="DejaVu Sans"/>
+              </a:rPr>
+              <a:t>As per Redis 4.0.0, HMSET is considered deprecated.</a:t>
+            </a:r>
+            <a:endParaRPr b="0" lang="en-IN" sz="1800" spc="-1" strike="noStrike">
+              <a:latin typeface="Arial"/>
+            </a:endParaRPr>
+          </a:p>
+          <a:p>
             <a:pPr algn="just">
               <a:lnSpc>
                 <a:spcPct val="100000"/>
               </a:lnSpc>
             </a:pPr>
+            <a:endParaRPr b="0" lang="en-IN" sz="1800" spc="-1" strike="noStrike">
+              <a:latin typeface="Arial"/>
+            </a:endParaRPr>
+          </a:p>
+          <a:p>
+            <a:pPr algn="just"/>
             <a:r>
               <a:rPr b="1" lang="en-US" sz="1800" spc="-1" strike="noStrike">
                 <a:solidFill>
@@ -21485,57 +21523,14 @@
                 <a:latin typeface="Arial"/>
                 <a:ea typeface="DejaVu Sans"/>
               </a:rPr>
-              <a:t>HSET</a:t>
+              <a:t>HMGET</a:t>
             </a:r>
             <a:r>
               <a:rPr b="0" lang="en-US" sz="1800" spc="-1" strike="noStrike">
-                <a:solidFill>
-                  <a:srgbClr val="000000"/>
-                </a:solidFill>
                 <a:latin typeface="Arial"/>
                 <a:ea typeface="DejaVu Sans"/>
               </a:rPr>
-              <a:t> sets field in the hash stored at key to value. If key does not exist, a new key holding a hash is created. If field already exists in the hash, it is overwritten.</a:t>
-            </a:r>
-            <a:endParaRPr b="0" lang="en-IN" sz="1800" spc="-1" strike="noStrike">
-              <a:latin typeface="Arial"/>
-            </a:endParaRPr>
-          </a:p>
-          <a:p>
-            <a:pPr algn="just">
-              <a:lnSpc>
-                <a:spcPct val="100000"/>
-              </a:lnSpc>
-            </a:pPr>
-            <a:endParaRPr b="0" lang="en-IN" sz="1800" spc="-1" strike="noStrike">
-              <a:latin typeface="Arial"/>
-            </a:endParaRPr>
-          </a:p>
-          <a:p>
-            <a:pPr algn="just">
-              <a:lnSpc>
-                <a:spcPct val="100000"/>
-              </a:lnSpc>
-            </a:pPr>
-            <a:r>
-              <a:rPr b="1" lang="en-US" sz="1800" spc="-1" strike="noStrike">
-                <a:solidFill>
-                  <a:srgbClr val="7c4dff"/>
-                </a:solidFill>
-                <a:latin typeface="Arial"/>
-                <a:ea typeface="DejaVu Sans"/>
-              </a:rPr>
-              <a:t>HGET</a:t>
-            </a:r>
-            <a:r>
-              <a:rPr b="0" lang="en-US" sz="1800" spc="-1" strike="noStrike">
-                <a:solidFill>
-                  <a:srgbClr val="000000"/>
-                </a:solidFill>
-                <a:latin typeface="Arial"/>
-                <a:ea typeface="DejaVu Sans"/>
-              </a:rPr>
-              <a:t> returns the value associated with field in the hash stored at key.</a:t>
+              <a:t> returns the values associated with the specified fields in the hash stored at key. For every field that does not exist in the hash, a nil value is returned.</a:t>
             </a:r>
             <a:endParaRPr b="0" lang="en-IN" sz="1800" spc="-1" strike="noStrike">
               <a:latin typeface="Arial"/>
@@ -21552,7 +21547,7 @@
         <p:spPr>
           <a:xfrm>
             <a:off x="152280" y="152280"/>
-            <a:ext cx="1098720" cy="455400"/>
+            <a:ext cx="1098360" cy="455400"/>
           </a:xfrm>
           <a:prstGeom prst="rect">
             <a:avLst/>
@@ -21602,8 +21597,8 @@
         </p:nvSpPr>
         <p:spPr>
           <a:xfrm>
-            <a:off x="1601280" y="2581560"/>
-            <a:ext cx="8982720" cy="699480"/>
+            <a:off x="1601280" y="3049560"/>
+            <a:ext cx="8982360" cy="700200"/>
           </a:xfrm>
           <a:prstGeom prst="rect">
             <a:avLst/>
@@ -21637,7 +21632,7 @@
                 <a:latin typeface="Consolas"/>
                 <a:ea typeface="DejaVu Sans"/>
               </a:rPr>
-              <a:t>HSET key field value [field value ...]</a:t>
+              <a:t>HMSET key field value [field value ...]</a:t>
             </a:r>
             <a:endParaRPr b="0" lang="en-IN" sz="2000" spc="-1" strike="noStrike">
               <a:latin typeface="Arial"/>
@@ -21657,7 +21652,17 @@
                 <a:latin typeface="Consolas"/>
                 <a:ea typeface="DejaVu Sans"/>
               </a:rPr>
-              <a:t>HGET key field</a:t>
+              <a:t>HMGET key field [field</a:t>
+            </a:r>
+            <a:r>
+              <a:rPr b="0" lang="en-US" sz="2000" spc="-1" strike="noStrike">
+                <a:solidFill>
+                  <a:srgbClr val="00b0f0"/>
+                </a:solidFill>
+                <a:latin typeface="Consolas"/>
+                <a:ea typeface="DejaVu Sans"/>
+              </a:rPr>
+              <a:t> ...]</a:t>
             </a:r>
             <a:endParaRPr b="0" lang="en-IN" sz="2000" spc="-1" strike="noStrike">
               <a:latin typeface="Arial"/>
@@ -21673,8 +21678,8 @@
         </p:nvSpPr>
         <p:spPr>
           <a:xfrm>
-            <a:off x="1600200" y="3513600"/>
-            <a:ext cx="8881920" cy="912600"/>
+            <a:off x="1600200" y="3981600"/>
+            <a:ext cx="8881560" cy="1324800"/>
           </a:xfrm>
           <a:prstGeom prst="rect">
             <a:avLst/>
@@ -21695,7 +21700,7 @@
             <a:spAutoFit/>
           </a:bodyPr>
           <a:p>
-            <a:pPr marL="285840" indent="-277920">
+            <a:pPr marL="285840" indent="-277560">
               <a:lnSpc>
                 <a:spcPct val="150000"/>
               </a:lnSpc>
@@ -21733,14 +21738,14 @@
                 <a:latin typeface="Consolas"/>
                 <a:ea typeface="SimSun"/>
               </a:rPr>
-              <a:t>lpop fruits 2</a:t>
-            </a:r>
-            <a:endParaRPr b="0" lang="en-IN" sz="1800" spc="-1" strike="noStrike">
-              <a:latin typeface="Arial"/>
-            </a:endParaRPr>
-          </a:p>
-          <a:p>
-            <a:pPr marL="285840" indent="-277920">
+              <a:t>hmset customer:2 id 2 name sharmin mobile 9850xxxxxx amount 5000</a:t>
+            </a:r>
+            <a:endParaRPr b="0" lang="en-IN" sz="1800" spc="-1" strike="noStrike">
+              <a:latin typeface="Arial"/>
+            </a:endParaRPr>
+          </a:p>
+          <a:p>
+            <a:pPr marL="285840" indent="-277560">
               <a:lnSpc>
                 <a:spcPct val="150000"/>
               </a:lnSpc>
@@ -21778,7 +21783,7 @@
                 <a:latin typeface="Consolas"/>
                 <a:ea typeface="SimSun"/>
               </a:rPr>
-              <a:t>rpop fruits 2</a:t>
+              <a:t>hmget customer:2 id name amount</a:t>
             </a:r>
             <a:endParaRPr b="0" lang="en-IN" sz="1800" spc="-1" strike="noStrike">
               <a:latin typeface="Arial"/>
@@ -21794,7 +21799,7 @@
         </p:nvSpPr>
         <p:spPr>
           <a:xfrm>
-            <a:off x="1523880" y="2305080"/>
+            <a:off x="1523880" y="2773080"/>
             <a:ext cx="9144000" cy="1440"/>
           </a:xfrm>
           <a:prstGeom prst="line">
@@ -21859,8 +21864,8 @@
         </p:nvSpPr>
         <p:spPr>
           <a:xfrm>
-            <a:off x="1365840" y="188640"/>
-            <a:ext cx="9675000" cy="2192400"/>
+            <a:off x="1676520" y="2362320"/>
+            <a:ext cx="8830800" cy="1735560"/>
           </a:xfrm>
           <a:prstGeom prst="rect">
             <a:avLst/>
@@ -21887,6 +21892,682 @@
               </a:lnSpc>
             </a:pPr>
             <a:r>
+              <a:rPr b="0" i="1" lang="en-IN" sz="5400" spc="-1" strike="noStrike">
+                <a:solidFill>
+                  <a:srgbClr val="f7c120"/>
+                </a:solidFill>
+                <a:latin typeface="Century"/>
+                <a:ea typeface="DejaVu Sans"/>
+              </a:rPr>
+              <a:t>hkeys key, hvals key &amp; hgetall key</a:t>
+            </a:r>
+            <a:endParaRPr b="0" lang="en-IN" sz="5400" spc="-1" strike="noStrike">
+              <a:latin typeface="Arial"/>
+            </a:endParaRPr>
+          </a:p>
+        </p:txBody>
+      </p:sp>
+      <p:sp>
+        <p:nvSpPr>
+          <p:cNvPr id="307" name="CustomShape 2"/>
+          <p:cNvSpPr/>
+          <p:nvPr/>
+        </p:nvSpPr>
+        <p:spPr>
+          <a:xfrm>
+            <a:off x="522360" y="3531600"/>
+            <a:ext cx="11067840" cy="363960"/>
+          </a:xfrm>
+          <a:prstGeom prst="rect">
+            <a:avLst/>
+          </a:prstGeom>
+          <a:noFill/>
+          <a:ln>
+            <a:noFill/>
+          </a:ln>
+        </p:spPr>
+        <p:style>
+          <a:lnRef idx="0"/>
+          <a:fillRef idx="0"/>
+          <a:effectRef idx="0"/>
+          <a:fontRef idx="minor"/>
+        </p:style>
+        <p:txBody>
+          <a:bodyPr lIns="90000" rIns="90000" tIns="45000" bIns="45000">
+            <a:spAutoFit/>
+          </a:bodyPr>
+          <a:p>
+            <a:pPr algn="just">
+              <a:lnSpc>
+                <a:spcPct val="100000"/>
+              </a:lnSpc>
+            </a:pPr>
+            <a:r>
+              <a:rPr b="0" lang="en-IN" sz="1800" spc="-1" strike="noStrike">
+                <a:solidFill>
+                  <a:srgbClr val="bb0643"/>
+                </a:solidFill>
+                <a:latin typeface="Segoe UI"/>
+                <a:ea typeface="DejaVu Sans"/>
+              </a:rPr>
+              <a:t>TODO</a:t>
+            </a:r>
+            <a:endParaRPr b="0" lang="en-IN" sz="1800" spc="-1" strike="noStrike">
+              <a:latin typeface="Arial"/>
+            </a:endParaRPr>
+          </a:p>
+        </p:txBody>
+      </p:sp>
+    </p:spTree>
+  </p:cSld>
+  <mc:AlternateContent>
+    <mc:Choice Requires="p14">
+      <p:transition spd="slow" p14:dur="2000"/>
+    </mc:Choice>
+    <mc:Fallback>
+      <p:transition spd="slow"/>
+    </mc:Fallback>
+  </mc:AlternateContent>
+</p:sld>
+</file>
+
+<file path=ppt/slides/slide52.xml><?xml version="1.0" encoding="utf-8"?>
+<p:sld xmlns:a="http://schemas.openxmlformats.org/drawingml/2006/main" xmlns:p="http://schemas.openxmlformats.org/presentationml/2006/main" xmlns:r="http://schemas.openxmlformats.org/officeDocument/2006/relationships" xmlns:p14="http://schemas.microsoft.com/office/powerpoint/2010/main" xmlns:p15="http://schemas.microsoft.com/office/powerpoint/2012/main" xmlns:mc="http://schemas.openxmlformats.org/markup-compatibility/2006">
+  <p:cSld>
+    <p:spTree>
+      <p:nvGrpSpPr>
+        <p:cNvPr id="1" name=""/>
+        <p:cNvGrpSpPr/>
+        <p:nvPr/>
+      </p:nvGrpSpPr>
+      <p:grpSpPr>
+        <a:xfrm>
+          <a:off x="0" y="0"/>
+          <a:ext cx="0" cy="0"/>
+          <a:chOff x="0" y="0"/>
+          <a:chExt cx="0" cy="0"/>
+        </a:xfrm>
+      </p:grpSpPr>
+      <p:sp>
+        <p:nvSpPr>
+          <p:cNvPr id="308" name="CustomShape 1"/>
+          <p:cNvSpPr/>
+          <p:nvPr/>
+        </p:nvSpPr>
+        <p:spPr>
+          <a:xfrm>
+            <a:off x="1523880" y="0"/>
+            <a:ext cx="9135720" cy="699120"/>
+          </a:xfrm>
+          <a:prstGeom prst="rect">
+            <a:avLst/>
+          </a:prstGeom>
+          <a:solidFill>
+            <a:schemeClr val="accent6">
+              <a:lumMod val="75000"/>
+            </a:schemeClr>
+          </a:solidFill>
+          <a:ln>
+            <a:noFill/>
+          </a:ln>
+        </p:spPr>
+        <p:style>
+          <a:lnRef idx="0"/>
+          <a:fillRef idx="0"/>
+          <a:effectRef idx="0"/>
+          <a:fontRef idx="minor"/>
+        </p:style>
+        <p:txBody>
+          <a:bodyPr lIns="90000" rIns="90000" tIns="45000" bIns="45000">
+            <a:spAutoFit/>
+          </a:bodyPr>
+          <a:p>
+            <a:pPr algn="ctr">
+              <a:lnSpc>
+                <a:spcPct val="100000"/>
+              </a:lnSpc>
+            </a:pPr>
+            <a:r>
+              <a:rPr b="0" lang="en-IN" sz="4000" spc="-1" strike="noStrike">
+                <a:solidFill>
+                  <a:srgbClr val="f7c120"/>
+                </a:solidFill>
+                <a:latin typeface="Open Sans"/>
+                <a:ea typeface="DejaVu Sans"/>
+              </a:rPr>
+              <a:t>hmset &amp; hmget</a:t>
+            </a:r>
+            <a:endParaRPr b="0" lang="en-IN" sz="4000" spc="-1" strike="noStrike">
+              <a:latin typeface="Arial"/>
+            </a:endParaRPr>
+          </a:p>
+        </p:txBody>
+      </p:sp>
+      <p:sp>
+        <p:nvSpPr>
+          <p:cNvPr id="309" name="CustomShape 2"/>
+          <p:cNvSpPr/>
+          <p:nvPr/>
+        </p:nvSpPr>
+        <p:spPr>
+          <a:xfrm>
+            <a:off x="1600200" y="762120"/>
+            <a:ext cx="8983440" cy="1431000"/>
+          </a:xfrm>
+          <a:prstGeom prst="rect">
+            <a:avLst/>
+          </a:prstGeom>
+          <a:noFill/>
+          <a:ln>
+            <a:noFill/>
+          </a:ln>
+        </p:spPr>
+        <p:style>
+          <a:lnRef idx="0"/>
+          <a:fillRef idx="0"/>
+          <a:effectRef idx="0"/>
+          <a:fontRef idx="minor"/>
+        </p:style>
+        <p:txBody>
+          <a:bodyPr lIns="90000" rIns="90000" tIns="45000" bIns="45000">
+            <a:spAutoFit/>
+          </a:bodyPr>
+          <a:p>
+            <a:pPr algn="just"/>
+            <a:r>
+              <a:rPr b="1" lang="en-US" sz="1800" spc="-1" strike="noStrike">
+                <a:solidFill>
+                  <a:srgbClr val="7c4dff"/>
+                </a:solidFill>
+                <a:latin typeface="Arial"/>
+                <a:ea typeface="DejaVu Sans"/>
+              </a:rPr>
+              <a:t>HKEYS</a:t>
+            </a:r>
+            <a:r>
+              <a:rPr b="0" lang="en-US" sz="1800" spc="-1" strike="noStrike">
+                <a:latin typeface="Arial"/>
+                <a:ea typeface="DejaVu Sans"/>
+              </a:rPr>
+              <a:t> returns all field names in the hash stored at key.</a:t>
+            </a:r>
+            <a:endParaRPr b="0" lang="en-IN" sz="1800" spc="-1" strike="noStrike">
+              <a:latin typeface="Arial"/>
+            </a:endParaRPr>
+          </a:p>
+          <a:p>
+            <a:pPr algn="just">
+              <a:lnSpc>
+                <a:spcPct val="100000"/>
+              </a:lnSpc>
+            </a:pPr>
+            <a:endParaRPr b="0" lang="en-IN" sz="1800" spc="-1" strike="noStrike">
+              <a:latin typeface="Arial"/>
+            </a:endParaRPr>
+          </a:p>
+          <a:p>
+            <a:pPr algn="just"/>
+            <a:r>
+              <a:rPr b="1" lang="en-US" sz="1800" spc="-1" strike="noStrike">
+                <a:solidFill>
+                  <a:srgbClr val="7c4dff"/>
+                </a:solidFill>
+                <a:latin typeface="Arial"/>
+                <a:ea typeface="DejaVu Sans"/>
+              </a:rPr>
+              <a:t>HVALS</a:t>
+            </a:r>
+            <a:r>
+              <a:rPr b="0" lang="en-US" sz="1800" spc="-1" strike="noStrike">
+                <a:latin typeface="Arial"/>
+                <a:ea typeface="DejaVu Sans"/>
+              </a:rPr>
+              <a:t> returns all values in the hash stored at key.</a:t>
+            </a:r>
+            <a:endParaRPr b="0" lang="en-IN" sz="1800" spc="-1" strike="noStrike">
+              <a:latin typeface="Arial"/>
+            </a:endParaRPr>
+          </a:p>
+          <a:p>
+            <a:pPr algn="just"/>
+            <a:endParaRPr b="0" lang="en-IN" sz="1800" spc="-1" strike="noStrike">
+              <a:latin typeface="Arial"/>
+            </a:endParaRPr>
+          </a:p>
+          <a:p>
+            <a:pPr algn="just"/>
+            <a:r>
+              <a:rPr b="1" lang="en-US" sz="1800" spc="-1" strike="noStrike">
+                <a:solidFill>
+                  <a:srgbClr val="7c4dff"/>
+                </a:solidFill>
+                <